--- a/Secure Systems - CodeMash 2017.pptx
+++ b/Secure Systems - CodeMash 2017.pptx
@@ -5,13 +5,15 @@
     <p:sldMasterId id="2147483749" r:id="rId1"/>
   </p:sldMasterIdLst>
   <p:notesMasterIdLst>
-    <p:notesMasterId r:id="rId6"/>
+    <p:notesMasterId r:id="rId8"/>
   </p:notesMasterIdLst>
   <p:sldIdLst>
     <p:sldId id="395" r:id="rId2"/>
     <p:sldId id="396" r:id="rId3"/>
-    <p:sldId id="482" r:id="rId4"/>
-    <p:sldId id="443" r:id="rId5"/>
+    <p:sldId id="483" r:id="rId4"/>
+    <p:sldId id="482" r:id="rId5"/>
+    <p:sldId id="484" r:id="rId6"/>
+    <p:sldId id="443" r:id="rId7"/>
   </p:sldIdLst>
   <p:sldSz cx="12192000" cy="6858000"/>
   <p:notesSz cx="6858000" cy="9144000"/>
@@ -211,7 +213,7 @@
           <a:p>
             <a:fld id="{C54A4886-B4AF-42F7-97BE-95CDF82A73E3}" type="datetimeFigureOut">
               <a:rPr lang="en-US" smtClean="0"/>
-              <a:t>12/1/2016</a:t>
+              <a:t>12/3/2016</a:t>
             </a:fld>
             <a:endParaRPr lang="en-US"/>
           </a:p>
@@ -724,7 +726,32 @@
           <a:bodyPr/>
           <a:lstStyle/>
           <a:p>
-            <a:endParaRPr lang="en-US" b="0" dirty="0" smtClean="0"/>
+            <a:pPr marL="0" marR="0" indent="0" algn="l" defTabSz="914400" rtl="0" eaLnBrk="1" fontAlgn="auto" latinLnBrk="0" hangingPunct="1">
+              <a:lnSpc>
+                <a:spcPct val="100000"/>
+              </a:lnSpc>
+              <a:spcBef>
+                <a:spcPts val="0"/>
+              </a:spcBef>
+              <a:spcAft>
+                <a:spcPts val="0"/>
+              </a:spcAft>
+              <a:buClrTx/>
+              <a:buSzTx/>
+              <a:buFontTx/>
+              <a:buNone/>
+              <a:tabLst/>
+              <a:defRPr/>
+            </a:pPr>
+            <a:endParaRPr lang="en-US" sz="1200" kern="1200" dirty="0" smtClean="0">
+              <a:solidFill>
+                <a:schemeClr val="tx1"/>
+              </a:solidFill>
+              <a:effectLst/>
+              <a:latin typeface="+mn-lt"/>
+              <a:ea typeface="+mn-ea"/>
+              <a:cs typeface="+mn-cs"/>
+            </a:endParaRPr>
           </a:p>
         </p:txBody>
       </p:sp>
@@ -754,7 +781,7 @@
     </p:spTree>
     <p:extLst>
       <p:ext uri="{BB962C8B-B14F-4D97-AF65-F5344CB8AC3E}">
-        <p14:creationId xmlns:p14="http://schemas.microsoft.com/office/powerpoint/2010/main" val="3283155068"/>
+        <p14:creationId xmlns:p14="http://schemas.microsoft.com/office/powerpoint/2010/main" val="1914920869"/>
       </p:ext>
     </p:extLst>
   </p:cSld>
@@ -808,6 +835,174 @@
           <a:bodyPr/>
           <a:lstStyle/>
           <a:p>
+            <a:endParaRPr lang="en-US" b="0" dirty="0" smtClean="0"/>
+          </a:p>
+        </p:txBody>
+      </p:sp>
+      <p:sp>
+        <p:nvSpPr>
+          <p:cNvPr id="4" name="Slide Number Placeholder 3"/>
+          <p:cNvSpPr>
+            <a:spLocks noGrp="1"/>
+          </p:cNvSpPr>
+          <p:nvPr>
+            <p:ph type="sldNum" sz="quarter" idx="10"/>
+          </p:nvPr>
+        </p:nvSpPr>
+        <p:spPr/>
+        <p:txBody>
+          <a:bodyPr/>
+          <a:lstStyle/>
+          <a:p>
+            <a:fld id="{89029652-62E7-43D6-83B5-097D7B7AA5D8}" type="slidenum">
+              <a:rPr lang="en-US" smtClean="0"/>
+              <a:t>4</a:t>
+            </a:fld>
+            <a:endParaRPr lang="en-US"/>
+          </a:p>
+        </p:txBody>
+      </p:sp>
+    </p:spTree>
+    <p:extLst>
+      <p:ext uri="{BB962C8B-B14F-4D97-AF65-F5344CB8AC3E}">
+        <p14:creationId xmlns:p14="http://schemas.microsoft.com/office/powerpoint/2010/main" val="3283155068"/>
+      </p:ext>
+    </p:extLst>
+  </p:cSld>
+  <p:clrMapOvr>
+    <a:masterClrMapping/>
+  </p:clrMapOvr>
+</p:notes>
+</file>
+
+<file path=ppt/notesSlides/notesSlide5.xml><?xml version="1.0" encoding="utf-8"?>
+<p:notes xmlns:a="http://schemas.openxmlformats.org/drawingml/2006/main" xmlns:r="http://schemas.openxmlformats.org/officeDocument/2006/relationships" xmlns:p="http://schemas.openxmlformats.org/presentationml/2006/main">
+  <p:cSld>
+    <p:spTree>
+      <p:nvGrpSpPr>
+        <p:cNvPr id="1" name=""/>
+        <p:cNvGrpSpPr/>
+        <p:nvPr/>
+      </p:nvGrpSpPr>
+      <p:grpSpPr>
+        <a:xfrm>
+          <a:off x="0" y="0"/>
+          <a:ext cx="0" cy="0"/>
+          <a:chOff x="0" y="0"/>
+          <a:chExt cx="0" cy="0"/>
+        </a:xfrm>
+      </p:grpSpPr>
+      <p:sp>
+        <p:nvSpPr>
+          <p:cNvPr id="2" name="Slide Image Placeholder 1"/>
+          <p:cNvSpPr>
+            <a:spLocks noGrp="1" noRot="1" noChangeAspect="1"/>
+          </p:cNvSpPr>
+          <p:nvPr>
+            <p:ph type="sldImg"/>
+          </p:nvPr>
+        </p:nvSpPr>
+        <p:spPr/>
+      </p:sp>
+      <p:sp>
+        <p:nvSpPr>
+          <p:cNvPr id="3" name="Notes Placeholder 2"/>
+          <p:cNvSpPr>
+            <a:spLocks noGrp="1"/>
+          </p:cNvSpPr>
+          <p:nvPr>
+            <p:ph type="body" idx="1"/>
+          </p:nvPr>
+        </p:nvSpPr>
+        <p:spPr/>
+        <p:txBody>
+          <a:bodyPr/>
+          <a:lstStyle/>
+          <a:p>
+            <a:endParaRPr lang="en-US" b="0" dirty="0" smtClean="0"/>
+          </a:p>
+        </p:txBody>
+      </p:sp>
+      <p:sp>
+        <p:nvSpPr>
+          <p:cNvPr id="4" name="Slide Number Placeholder 3"/>
+          <p:cNvSpPr>
+            <a:spLocks noGrp="1"/>
+          </p:cNvSpPr>
+          <p:nvPr>
+            <p:ph type="sldNum" sz="quarter" idx="10"/>
+          </p:nvPr>
+        </p:nvSpPr>
+        <p:spPr/>
+        <p:txBody>
+          <a:bodyPr/>
+          <a:lstStyle/>
+          <a:p>
+            <a:fld id="{89029652-62E7-43D6-83B5-097D7B7AA5D8}" type="slidenum">
+              <a:rPr lang="en-US" smtClean="0"/>
+              <a:t>5</a:t>
+            </a:fld>
+            <a:endParaRPr lang="en-US"/>
+          </a:p>
+        </p:txBody>
+      </p:sp>
+    </p:spTree>
+    <p:extLst>
+      <p:ext uri="{BB962C8B-B14F-4D97-AF65-F5344CB8AC3E}">
+        <p14:creationId xmlns:p14="http://schemas.microsoft.com/office/powerpoint/2010/main" val="4212963282"/>
+      </p:ext>
+    </p:extLst>
+  </p:cSld>
+  <p:clrMapOvr>
+    <a:masterClrMapping/>
+  </p:clrMapOvr>
+</p:notes>
+</file>
+
+<file path=ppt/notesSlides/notesSlide6.xml><?xml version="1.0" encoding="utf-8"?>
+<p:notes xmlns:a="http://schemas.openxmlformats.org/drawingml/2006/main" xmlns:r="http://schemas.openxmlformats.org/officeDocument/2006/relationships" xmlns:p="http://schemas.openxmlformats.org/presentationml/2006/main">
+  <p:cSld>
+    <p:spTree>
+      <p:nvGrpSpPr>
+        <p:cNvPr id="1" name=""/>
+        <p:cNvGrpSpPr/>
+        <p:nvPr/>
+      </p:nvGrpSpPr>
+      <p:grpSpPr>
+        <a:xfrm>
+          <a:off x="0" y="0"/>
+          <a:ext cx="0" cy="0"/>
+          <a:chOff x="0" y="0"/>
+          <a:chExt cx="0" cy="0"/>
+        </a:xfrm>
+      </p:grpSpPr>
+      <p:sp>
+        <p:nvSpPr>
+          <p:cNvPr id="2" name="Slide Image Placeholder 1"/>
+          <p:cNvSpPr>
+            <a:spLocks noGrp="1" noRot="1" noChangeAspect="1"/>
+          </p:cNvSpPr>
+          <p:nvPr>
+            <p:ph type="sldImg"/>
+          </p:nvPr>
+        </p:nvSpPr>
+        <p:spPr/>
+      </p:sp>
+      <p:sp>
+        <p:nvSpPr>
+          <p:cNvPr id="3" name="Notes Placeholder 2"/>
+          <p:cNvSpPr>
+            <a:spLocks noGrp="1"/>
+          </p:cNvSpPr>
+          <p:nvPr>
+            <p:ph type="body" idx="1"/>
+          </p:nvPr>
+        </p:nvSpPr>
+        <p:spPr/>
+        <p:txBody>
+          <a:bodyPr/>
+          <a:lstStyle/>
+          <a:p>
             <a:endParaRPr lang="en-US" sz="1200" kern="1200" dirty="0" smtClean="0">
               <a:solidFill>
                 <a:schemeClr val="tx1"/>
@@ -837,7 +1032,7 @@
           <a:p>
             <a:fld id="{89029652-62E7-43D6-83B5-097D7B7AA5D8}" type="slidenum">
               <a:rPr lang="en-US" smtClean="0"/>
-              <a:t>4</a:t>
+              <a:t>6</a:t>
             </a:fld>
             <a:endParaRPr lang="en-US"/>
           </a:p>
@@ -987,7 +1182,7 @@
           <a:p>
             <a:fld id="{75AA6396-395E-4ADA-8EE5-F328BC863A04}" type="datetimeFigureOut">
               <a:rPr lang="en-US" smtClean="0"/>
-              <a:t>12/1/2016</a:t>
+              <a:t>12/3/2016</a:t>
             </a:fld>
             <a:endParaRPr lang="en-US"/>
           </a:p>
@@ -1164,7 +1359,7 @@
           <a:p>
             <a:fld id="{75AA6396-395E-4ADA-8EE5-F328BC863A04}" type="datetimeFigureOut">
               <a:rPr lang="en-US" smtClean="0"/>
-              <a:t>12/1/2016</a:t>
+              <a:t>12/3/2016</a:t>
             </a:fld>
             <a:endParaRPr lang="en-US"/>
           </a:p>
@@ -1344,7 +1539,7 @@
           <a:p>
             <a:fld id="{75AA6396-395E-4ADA-8EE5-F328BC863A04}" type="datetimeFigureOut">
               <a:rPr lang="en-US" smtClean="0"/>
-              <a:t>12/1/2016</a:t>
+              <a:t>12/3/2016</a:t>
             </a:fld>
             <a:endParaRPr lang="en-US"/>
           </a:p>
@@ -1564,7 +1759,7 @@
           <a:p>
             <a:fld id="{75AA6396-395E-4ADA-8EE5-F328BC863A04}" type="datetimeFigureOut">
               <a:rPr lang="en-US" smtClean="0"/>
-              <a:t>12/1/2016</a:t>
+              <a:t>12/3/2016</a:t>
             </a:fld>
             <a:endParaRPr lang="en-US"/>
           </a:p>
@@ -1817,7 +2012,7 @@
           <a:p>
             <a:fld id="{75AA6396-395E-4ADA-8EE5-F328BC863A04}" type="datetimeFigureOut">
               <a:rPr lang="en-US" smtClean="0"/>
-              <a:t>12/1/2016</a:t>
+              <a:t>12/3/2016</a:t>
             </a:fld>
             <a:endParaRPr lang="en-US"/>
           </a:p>
@@ -2056,7 +2251,7 @@
           <a:p>
             <a:fld id="{75AA6396-395E-4ADA-8EE5-F328BC863A04}" type="datetimeFigureOut">
               <a:rPr lang="en-US" smtClean="0"/>
-              <a:t>12/1/2016</a:t>
+              <a:t>12/3/2016</a:t>
             </a:fld>
             <a:endParaRPr lang="en-US"/>
           </a:p>
@@ -2430,7 +2625,7 @@
           <a:p>
             <a:fld id="{75AA6396-395E-4ADA-8EE5-F328BC863A04}" type="datetimeFigureOut">
               <a:rPr lang="en-US" smtClean="0"/>
-              <a:t>12/1/2016</a:t>
+              <a:t>12/3/2016</a:t>
             </a:fld>
             <a:endParaRPr lang="en-US"/>
           </a:p>
@@ -2548,7 +2743,7 @@
           <a:p>
             <a:fld id="{75AA6396-395E-4ADA-8EE5-F328BC863A04}" type="datetimeFigureOut">
               <a:rPr lang="en-US" smtClean="0"/>
-              <a:t>12/1/2016</a:t>
+              <a:t>12/3/2016</a:t>
             </a:fld>
             <a:endParaRPr lang="en-US"/>
           </a:p>
@@ -2643,7 +2838,7 @@
           <a:p>
             <a:fld id="{75AA6396-395E-4ADA-8EE5-F328BC863A04}" type="datetimeFigureOut">
               <a:rPr lang="en-US" smtClean="0"/>
-              <a:t>12/1/2016</a:t>
+              <a:t>12/3/2016</a:t>
             </a:fld>
             <a:endParaRPr lang="en-US"/>
           </a:p>
@@ -2920,7 +3115,7 @@
           <a:p>
             <a:fld id="{75AA6396-395E-4ADA-8EE5-F328BC863A04}" type="datetimeFigureOut">
               <a:rPr lang="en-US" smtClean="0"/>
-              <a:t>12/1/2016</a:t>
+              <a:t>12/3/2016</a:t>
             </a:fld>
             <a:endParaRPr lang="en-US"/>
           </a:p>
@@ -3173,7 +3368,7 @@
           <a:p>
             <a:fld id="{75AA6396-395E-4ADA-8EE5-F328BC863A04}" type="datetimeFigureOut">
               <a:rPr lang="en-US" smtClean="0"/>
-              <a:t>12/1/2016</a:t>
+              <a:t>12/3/2016</a:t>
             </a:fld>
             <a:endParaRPr lang="en-US"/>
           </a:p>
@@ -3386,7 +3581,7 @@
           <a:p>
             <a:fld id="{75AA6396-395E-4ADA-8EE5-F328BC863A04}" type="datetimeFigureOut">
               <a:rPr lang="en-US" smtClean="0"/>
-              <a:t>12/1/2016</a:t>
+              <a:t>12/3/2016</a:t>
             </a:fld>
             <a:endParaRPr lang="en-US"/>
           </a:p>
@@ -4027,105 +4222,47 @@
             <p:ph type="title"/>
           </p:nvPr>
         </p:nvSpPr>
-        <p:spPr/>
+        <p:spPr>
+          <a:xfrm>
+            <a:off x="964927" y="2719405"/>
+            <a:ext cx="10515600" cy="1325563"/>
+          </a:xfrm>
+        </p:spPr>
         <p:txBody>
           <a:bodyPr>
             <a:normAutofit/>
           </a:bodyPr>
           <a:lstStyle/>
           <a:p>
+            <a:pPr algn="ctr"/>
             <a:r>
               <a:rPr lang="en-US" sz="4800" dirty="0" smtClean="0"/>
-              <a:t>Patented step-by-step slide</a:t>
+              <a:t>… but writing </a:t>
+            </a:r>
+            <a:r>
+              <a:rPr lang="en-US" sz="4800" i="1" dirty="0" smtClean="0"/>
+              <a:t>security </a:t>
+            </a:r>
+            <a:r>
+              <a:rPr lang="en-US" sz="4800" dirty="0" smtClean="0"/>
+              <a:t>code</a:t>
+            </a:r>
+            <a:r>
+              <a:rPr lang="en-US" sz="4800" i="1" dirty="0" smtClean="0"/>
+              <a:t> </a:t>
+            </a:r>
+            <a:r>
+              <a:rPr lang="en-US" sz="4800" dirty="0" smtClean="0"/>
+              <a:t>ain't so bad.</a:t>
             </a:r>
             <a:endParaRPr lang="en-US" sz="4800" dirty="0"/>
-          </a:p>
-        </p:txBody>
-      </p:sp>
-      <p:sp>
-        <p:nvSpPr>
-          <p:cNvPr id="3" name="Content Placeholder 2"/>
-          <p:cNvSpPr>
-            <a:spLocks noGrp="1"/>
-          </p:cNvSpPr>
-          <p:nvPr>
-            <p:ph idx="1"/>
-          </p:nvPr>
-        </p:nvSpPr>
-        <p:spPr>
-          <a:xfrm>
-            <a:off x="838200" y="1825624"/>
-            <a:ext cx="10515600" cy="4589923"/>
-          </a:xfrm>
-        </p:spPr>
-        <p:txBody>
-          <a:bodyPr>
-            <a:normAutofit/>
-          </a:bodyPr>
-          <a:lstStyle/>
-          <a:p>
-            <a:r>
-              <a:rPr lang="en-US" sz="4000" dirty="0" smtClean="0">
-                <a:solidFill>
-                  <a:schemeClr val="bg1">
-                    <a:lumMod val="65000"/>
-                  </a:schemeClr>
-                </a:solidFill>
-              </a:rPr>
-              <a:t>Old news</a:t>
-            </a:r>
-            <a:r>
-              <a:rPr lang="en-US" sz="4000" dirty="0" smtClean="0">
-                <a:solidFill>
-                  <a:schemeClr val="bg1">
-                    <a:lumMod val="65000"/>
-                  </a:schemeClr>
-                </a:solidFill>
-              </a:rPr>
-              <a:t/>
-            </a:r>
-            <a:br>
-              <a:rPr lang="en-US" sz="4000" dirty="0" smtClean="0">
-                <a:solidFill>
-                  <a:schemeClr val="bg1">
-                    <a:lumMod val="65000"/>
-                  </a:schemeClr>
-                </a:solidFill>
-              </a:rPr>
-            </a:br>
-            <a:endParaRPr lang="en-US" sz="4000" dirty="0" smtClean="0">
-              <a:solidFill>
-                <a:schemeClr val="bg1">
-                  <a:lumMod val="65000"/>
-                </a:schemeClr>
-              </a:solidFill>
-            </a:endParaRPr>
-          </a:p>
-          <a:p>
-            <a:r>
-              <a:rPr lang="en-US" sz="4000" b="1" dirty="0" smtClean="0"/>
-              <a:t>New hotness</a:t>
-            </a:r>
-            <a:endParaRPr lang="en-US" sz="4000" b="1" dirty="0" smtClean="0"/>
-          </a:p>
-          <a:p>
-            <a:endParaRPr lang="en-US" sz="4000" dirty="0" smtClean="0"/>
-          </a:p>
-          <a:p>
-            <a:endParaRPr lang="en-US" dirty="0" smtClean="0"/>
-          </a:p>
-          <a:p>
-            <a:endParaRPr lang="en-US" dirty="0" smtClean="0"/>
-          </a:p>
-          <a:p>
-            <a:endParaRPr lang="en-US" dirty="0"/>
           </a:p>
         </p:txBody>
       </p:sp>
     </p:spTree>
     <p:extLst>
       <p:ext uri="{BB962C8B-B14F-4D97-AF65-F5344CB8AC3E}">
-        <p14:creationId xmlns:p14="http://schemas.microsoft.com/office/powerpoint/2010/main" val="2651230507"/>
+        <p14:creationId xmlns:p14="http://schemas.microsoft.com/office/powerpoint/2010/main" val="3903192870"/>
       </p:ext>
     </p:extLst>
   </p:cSld>
@@ -4169,6 +4306,272 @@
             <p:ph type="title"/>
           </p:nvPr>
         </p:nvSpPr>
+        <p:spPr/>
+        <p:txBody>
+          <a:bodyPr>
+            <a:normAutofit/>
+          </a:bodyPr>
+          <a:lstStyle/>
+          <a:p>
+            <a:r>
+              <a:rPr lang="en-US" sz="4800" dirty="0" smtClean="0"/>
+              <a:t>What's on </a:t>
+            </a:r>
+            <a:r>
+              <a:rPr lang="en-US" sz="4800" smtClean="0"/>
+              <a:t>the agenda?</a:t>
+            </a:r>
+            <a:endParaRPr lang="en-US" sz="4800" dirty="0"/>
+          </a:p>
+        </p:txBody>
+      </p:sp>
+      <p:sp>
+        <p:nvSpPr>
+          <p:cNvPr id="3" name="Content Placeholder 2"/>
+          <p:cNvSpPr>
+            <a:spLocks noGrp="1"/>
+          </p:cNvSpPr>
+          <p:nvPr>
+            <p:ph idx="1"/>
+          </p:nvPr>
+        </p:nvSpPr>
+        <p:spPr>
+          <a:xfrm>
+            <a:off x="838200" y="1825624"/>
+            <a:ext cx="10515600" cy="4589923"/>
+          </a:xfrm>
+        </p:spPr>
+        <p:txBody>
+          <a:bodyPr>
+            <a:normAutofit/>
+          </a:bodyPr>
+          <a:lstStyle/>
+          <a:p>
+            <a:r>
+              <a:rPr lang="en-US" sz="4000" dirty="0" smtClean="0">
+                <a:solidFill>
+                  <a:schemeClr val="bg1">
+                    <a:lumMod val="65000"/>
+                  </a:schemeClr>
+                </a:solidFill>
+              </a:rPr>
+              <a:t>Old news</a:t>
+            </a:r>
+            <a:br>
+              <a:rPr lang="en-US" sz="4000" dirty="0" smtClean="0">
+                <a:solidFill>
+                  <a:schemeClr val="bg1">
+                    <a:lumMod val="65000"/>
+                  </a:schemeClr>
+                </a:solidFill>
+              </a:rPr>
+            </a:br>
+            <a:endParaRPr lang="en-US" sz="4000" dirty="0" smtClean="0">
+              <a:solidFill>
+                <a:schemeClr val="bg1">
+                  <a:lumMod val="65000"/>
+                </a:schemeClr>
+              </a:solidFill>
+            </a:endParaRPr>
+          </a:p>
+          <a:p>
+            <a:r>
+              <a:rPr lang="en-US" sz="4000" b="1" dirty="0" smtClean="0"/>
+              <a:t>New hotness</a:t>
+            </a:r>
+          </a:p>
+          <a:p>
+            <a:endParaRPr lang="en-US" sz="4000" dirty="0" smtClean="0"/>
+          </a:p>
+          <a:p>
+            <a:endParaRPr lang="en-US" dirty="0" smtClean="0"/>
+          </a:p>
+          <a:p>
+            <a:endParaRPr lang="en-US" dirty="0" smtClean="0"/>
+          </a:p>
+          <a:p>
+            <a:endParaRPr lang="en-US" dirty="0"/>
+          </a:p>
+        </p:txBody>
+      </p:sp>
+    </p:spTree>
+    <p:extLst>
+      <p:ext uri="{BB962C8B-B14F-4D97-AF65-F5344CB8AC3E}">
+        <p14:creationId xmlns:p14="http://schemas.microsoft.com/office/powerpoint/2010/main" val="2651230507"/>
+      </p:ext>
+    </p:extLst>
+  </p:cSld>
+  <p:clrMapOvr>
+    <a:masterClrMapping/>
+  </p:clrMapOvr>
+  <p:timing>
+    <p:tnLst>
+      <p:par>
+        <p:cTn id="1" dur="indefinite" restart="never" nodeType="tmRoot"/>
+      </p:par>
+    </p:tnLst>
+  </p:timing>
+</p:sld>
+</file>
+
+<file path=ppt/slides/slide5.xml><?xml version="1.0" encoding="utf-8"?>
+<p:sld xmlns:a="http://schemas.openxmlformats.org/drawingml/2006/main" xmlns:r="http://schemas.openxmlformats.org/officeDocument/2006/relationships" xmlns:p="http://schemas.openxmlformats.org/presentationml/2006/main">
+  <p:cSld>
+    <p:spTree>
+      <p:nvGrpSpPr>
+        <p:cNvPr id="1" name=""/>
+        <p:cNvGrpSpPr/>
+        <p:nvPr/>
+      </p:nvGrpSpPr>
+      <p:grpSpPr>
+        <a:xfrm>
+          <a:off x="0" y="0"/>
+          <a:ext cx="0" cy="0"/>
+          <a:chOff x="0" y="0"/>
+          <a:chExt cx="0" cy="0"/>
+        </a:xfrm>
+      </p:grpSpPr>
+      <p:sp>
+        <p:nvSpPr>
+          <p:cNvPr id="2" name="Title 1"/>
+          <p:cNvSpPr>
+            <a:spLocks noGrp="1"/>
+          </p:cNvSpPr>
+          <p:nvPr>
+            <p:ph type="title"/>
+          </p:nvPr>
+        </p:nvSpPr>
+        <p:spPr/>
+        <p:txBody>
+          <a:bodyPr>
+            <a:normAutofit/>
+          </a:bodyPr>
+          <a:lstStyle/>
+          <a:p>
+            <a:r>
+              <a:rPr lang="en-US" sz="4800" dirty="0" smtClean="0"/>
+              <a:t>Patented step-by-step slide</a:t>
+            </a:r>
+            <a:endParaRPr lang="en-US" sz="4800" dirty="0"/>
+          </a:p>
+        </p:txBody>
+      </p:sp>
+      <p:sp>
+        <p:nvSpPr>
+          <p:cNvPr id="3" name="Content Placeholder 2"/>
+          <p:cNvSpPr>
+            <a:spLocks noGrp="1"/>
+          </p:cNvSpPr>
+          <p:nvPr>
+            <p:ph idx="1"/>
+          </p:nvPr>
+        </p:nvSpPr>
+        <p:spPr>
+          <a:xfrm>
+            <a:off x="838200" y="1825624"/>
+            <a:ext cx="10515600" cy="4589923"/>
+          </a:xfrm>
+        </p:spPr>
+        <p:txBody>
+          <a:bodyPr>
+            <a:normAutofit/>
+          </a:bodyPr>
+          <a:lstStyle/>
+          <a:p>
+            <a:r>
+              <a:rPr lang="en-US" sz="4000" dirty="0" smtClean="0">
+                <a:solidFill>
+                  <a:schemeClr val="bg1">
+                    <a:lumMod val="65000"/>
+                  </a:schemeClr>
+                </a:solidFill>
+              </a:rPr>
+              <a:t>Old news</a:t>
+            </a:r>
+            <a:br>
+              <a:rPr lang="en-US" sz="4000" dirty="0" smtClean="0">
+                <a:solidFill>
+                  <a:schemeClr val="bg1">
+                    <a:lumMod val="65000"/>
+                  </a:schemeClr>
+                </a:solidFill>
+              </a:rPr>
+            </a:br>
+            <a:endParaRPr lang="en-US" sz="4000" dirty="0" smtClean="0">
+              <a:solidFill>
+                <a:schemeClr val="bg1">
+                  <a:lumMod val="65000"/>
+                </a:schemeClr>
+              </a:solidFill>
+            </a:endParaRPr>
+          </a:p>
+          <a:p>
+            <a:r>
+              <a:rPr lang="en-US" sz="4000" b="1" dirty="0" smtClean="0"/>
+              <a:t>New hotness</a:t>
+            </a:r>
+          </a:p>
+          <a:p>
+            <a:endParaRPr lang="en-US" sz="4000" dirty="0" smtClean="0"/>
+          </a:p>
+          <a:p>
+            <a:endParaRPr lang="en-US" dirty="0" smtClean="0"/>
+          </a:p>
+          <a:p>
+            <a:endParaRPr lang="en-US" dirty="0" smtClean="0"/>
+          </a:p>
+          <a:p>
+            <a:endParaRPr lang="en-US" dirty="0"/>
+          </a:p>
+        </p:txBody>
+      </p:sp>
+    </p:spTree>
+    <p:extLst>
+      <p:ext uri="{BB962C8B-B14F-4D97-AF65-F5344CB8AC3E}">
+        <p14:creationId xmlns:p14="http://schemas.microsoft.com/office/powerpoint/2010/main" val="2285767896"/>
+      </p:ext>
+    </p:extLst>
+  </p:cSld>
+  <p:clrMapOvr>
+    <a:masterClrMapping/>
+  </p:clrMapOvr>
+  <p:timing>
+    <p:tnLst>
+      <p:par>
+        <p:cTn id="1" dur="indefinite" restart="never" nodeType="tmRoot"/>
+      </p:par>
+    </p:tnLst>
+  </p:timing>
+</p:sld>
+</file>
+
+<file path=ppt/slides/slide6.xml><?xml version="1.0" encoding="utf-8"?>
+<p:sld xmlns:a="http://schemas.openxmlformats.org/drawingml/2006/main" xmlns:r="http://schemas.openxmlformats.org/officeDocument/2006/relationships" xmlns:p="http://schemas.openxmlformats.org/presentationml/2006/main">
+  <p:cSld>
+    <p:spTree>
+      <p:nvGrpSpPr>
+        <p:cNvPr id="1" name=""/>
+        <p:cNvGrpSpPr/>
+        <p:nvPr/>
+      </p:nvGrpSpPr>
+      <p:grpSpPr>
+        <a:xfrm>
+          <a:off x="0" y="0"/>
+          <a:ext cx="0" cy="0"/>
+          <a:chOff x="0" y="0"/>
+          <a:chExt cx="0" cy="0"/>
+        </a:xfrm>
+      </p:grpSpPr>
+      <p:sp>
+        <p:nvSpPr>
+          <p:cNvPr id="2" name="Title 1"/>
+          <p:cNvSpPr>
+            <a:spLocks noGrp="1"/>
+          </p:cNvSpPr>
+          <p:nvPr>
+            <p:ph type="title"/>
+          </p:nvPr>
+        </p:nvSpPr>
         <p:spPr>
           <a:xfrm>
             <a:off x="838200" y="365125"/>
@@ -4215,7 +4618,6 @@
               <a:rPr lang="en-US" sz="4000" dirty="0" smtClean="0"/>
               <a:t>The knowledge gets dropped here</a:t>
             </a:r>
-            <a:endParaRPr lang="en-US" sz="4000" dirty="0" smtClean="0"/>
           </a:p>
           <a:p>
             <a:pPr marL="0" indent="0">

--- a/Secure Systems - CodeMash 2017.pptx
+++ b/Secure Systems - CodeMash 2017.pptx
@@ -5,15 +5,22 @@
     <p:sldMasterId id="2147483749" r:id="rId1"/>
   </p:sldMasterIdLst>
   <p:notesMasterIdLst>
-    <p:notesMasterId r:id="rId8"/>
+    <p:notesMasterId r:id="rId15"/>
   </p:notesMasterIdLst>
   <p:sldIdLst>
     <p:sldId id="395" r:id="rId2"/>
-    <p:sldId id="396" r:id="rId3"/>
-    <p:sldId id="483" r:id="rId4"/>
-    <p:sldId id="482" r:id="rId5"/>
-    <p:sldId id="484" r:id="rId6"/>
-    <p:sldId id="443" r:id="rId7"/>
+    <p:sldId id="486" r:id="rId3"/>
+    <p:sldId id="488" r:id="rId4"/>
+    <p:sldId id="489" r:id="rId5"/>
+    <p:sldId id="482" r:id="rId6"/>
+    <p:sldId id="490" r:id="rId7"/>
+    <p:sldId id="491" r:id="rId8"/>
+    <p:sldId id="492" r:id="rId9"/>
+    <p:sldId id="493" r:id="rId10"/>
+    <p:sldId id="494" r:id="rId11"/>
+    <p:sldId id="484" r:id="rId12"/>
+    <p:sldId id="485" r:id="rId13"/>
+    <p:sldId id="443" r:id="rId14"/>
   </p:sldIdLst>
   <p:sldSz cx="12192000" cy="6858000"/>
   <p:notesSz cx="6858000" cy="9144000"/>
@@ -213,7 +220,7 @@
           <a:p>
             <a:fld id="{C54A4886-B4AF-42F7-97BE-95CDF82A73E3}" type="datetimeFigureOut">
               <a:rPr lang="en-US" smtClean="0"/>
-              <a:t>12/3/2016</a:t>
+              <a:t>12/19/2016</a:t>
             </a:fld>
             <a:endParaRPr lang="en-US"/>
           </a:p>
@@ -573,6 +580,350 @@
 </p:notes>
 </file>
 
+<file path=ppt/notesSlides/notesSlide10.xml><?xml version="1.0" encoding="utf-8"?>
+<p:notes xmlns:a="http://schemas.openxmlformats.org/drawingml/2006/main" xmlns:r="http://schemas.openxmlformats.org/officeDocument/2006/relationships" xmlns:p="http://schemas.openxmlformats.org/presentationml/2006/main">
+  <p:cSld>
+    <p:spTree>
+      <p:nvGrpSpPr>
+        <p:cNvPr id="1" name=""/>
+        <p:cNvGrpSpPr/>
+        <p:nvPr/>
+      </p:nvGrpSpPr>
+      <p:grpSpPr>
+        <a:xfrm>
+          <a:off x="0" y="0"/>
+          <a:ext cx="0" cy="0"/>
+          <a:chOff x="0" y="0"/>
+          <a:chExt cx="0" cy="0"/>
+        </a:xfrm>
+      </p:grpSpPr>
+      <p:sp>
+        <p:nvSpPr>
+          <p:cNvPr id="2" name="Slide Image Placeholder 1"/>
+          <p:cNvSpPr>
+            <a:spLocks noGrp="1" noRot="1" noChangeAspect="1"/>
+          </p:cNvSpPr>
+          <p:nvPr>
+            <p:ph type="sldImg"/>
+          </p:nvPr>
+        </p:nvSpPr>
+        <p:spPr/>
+      </p:sp>
+      <p:sp>
+        <p:nvSpPr>
+          <p:cNvPr id="3" name="Notes Placeholder 2"/>
+          <p:cNvSpPr>
+            <a:spLocks noGrp="1"/>
+          </p:cNvSpPr>
+          <p:nvPr>
+            <p:ph type="body" idx="1"/>
+          </p:nvPr>
+        </p:nvSpPr>
+        <p:spPr/>
+        <p:txBody>
+          <a:bodyPr/>
+          <a:lstStyle/>
+          <a:p>
+            <a:endParaRPr lang="en-US" b="0" dirty="0" smtClean="0"/>
+          </a:p>
+        </p:txBody>
+      </p:sp>
+      <p:sp>
+        <p:nvSpPr>
+          <p:cNvPr id="4" name="Slide Number Placeholder 3"/>
+          <p:cNvSpPr>
+            <a:spLocks noGrp="1"/>
+          </p:cNvSpPr>
+          <p:nvPr>
+            <p:ph type="sldNum" sz="quarter" idx="10"/>
+          </p:nvPr>
+        </p:nvSpPr>
+        <p:spPr/>
+        <p:txBody>
+          <a:bodyPr/>
+          <a:lstStyle/>
+          <a:p>
+            <a:fld id="{89029652-62E7-43D6-83B5-097D7B7AA5D8}" type="slidenum">
+              <a:rPr lang="en-US" smtClean="0"/>
+              <a:t>10</a:t>
+            </a:fld>
+            <a:endParaRPr lang="en-US"/>
+          </a:p>
+        </p:txBody>
+      </p:sp>
+    </p:spTree>
+    <p:extLst>
+      <p:ext uri="{BB962C8B-B14F-4D97-AF65-F5344CB8AC3E}">
+        <p14:creationId xmlns:p14="http://schemas.microsoft.com/office/powerpoint/2010/main" val="455841040"/>
+      </p:ext>
+    </p:extLst>
+  </p:cSld>
+  <p:clrMapOvr>
+    <a:masterClrMapping/>
+  </p:clrMapOvr>
+</p:notes>
+</file>
+
+<file path=ppt/notesSlides/notesSlide11.xml><?xml version="1.0" encoding="utf-8"?>
+<p:notes xmlns:a="http://schemas.openxmlformats.org/drawingml/2006/main" xmlns:r="http://schemas.openxmlformats.org/officeDocument/2006/relationships" xmlns:p="http://schemas.openxmlformats.org/presentationml/2006/main">
+  <p:cSld>
+    <p:spTree>
+      <p:nvGrpSpPr>
+        <p:cNvPr id="1" name=""/>
+        <p:cNvGrpSpPr/>
+        <p:nvPr/>
+      </p:nvGrpSpPr>
+      <p:grpSpPr>
+        <a:xfrm>
+          <a:off x="0" y="0"/>
+          <a:ext cx="0" cy="0"/>
+          <a:chOff x="0" y="0"/>
+          <a:chExt cx="0" cy="0"/>
+        </a:xfrm>
+      </p:grpSpPr>
+      <p:sp>
+        <p:nvSpPr>
+          <p:cNvPr id="2" name="Slide Image Placeholder 1"/>
+          <p:cNvSpPr>
+            <a:spLocks noGrp="1" noRot="1" noChangeAspect="1"/>
+          </p:cNvSpPr>
+          <p:nvPr>
+            <p:ph type="sldImg"/>
+          </p:nvPr>
+        </p:nvSpPr>
+        <p:spPr/>
+      </p:sp>
+      <p:sp>
+        <p:nvSpPr>
+          <p:cNvPr id="3" name="Notes Placeholder 2"/>
+          <p:cNvSpPr>
+            <a:spLocks noGrp="1"/>
+          </p:cNvSpPr>
+          <p:nvPr>
+            <p:ph type="body" idx="1"/>
+          </p:nvPr>
+        </p:nvSpPr>
+        <p:spPr/>
+        <p:txBody>
+          <a:bodyPr/>
+          <a:lstStyle/>
+          <a:p>
+            <a:endParaRPr lang="en-US" b="0" dirty="0" smtClean="0"/>
+          </a:p>
+        </p:txBody>
+      </p:sp>
+      <p:sp>
+        <p:nvSpPr>
+          <p:cNvPr id="4" name="Slide Number Placeholder 3"/>
+          <p:cNvSpPr>
+            <a:spLocks noGrp="1"/>
+          </p:cNvSpPr>
+          <p:nvPr>
+            <p:ph type="sldNum" sz="quarter" idx="10"/>
+          </p:nvPr>
+        </p:nvSpPr>
+        <p:spPr/>
+        <p:txBody>
+          <a:bodyPr/>
+          <a:lstStyle/>
+          <a:p>
+            <a:fld id="{89029652-62E7-43D6-83B5-097D7B7AA5D8}" type="slidenum">
+              <a:rPr lang="en-US" smtClean="0"/>
+              <a:t>11</a:t>
+            </a:fld>
+            <a:endParaRPr lang="en-US"/>
+          </a:p>
+        </p:txBody>
+      </p:sp>
+    </p:spTree>
+    <p:extLst>
+      <p:ext uri="{BB962C8B-B14F-4D97-AF65-F5344CB8AC3E}">
+        <p14:creationId xmlns:p14="http://schemas.microsoft.com/office/powerpoint/2010/main" val="4212963282"/>
+      </p:ext>
+    </p:extLst>
+  </p:cSld>
+  <p:clrMapOvr>
+    <a:masterClrMapping/>
+  </p:clrMapOvr>
+</p:notes>
+</file>
+
+<file path=ppt/notesSlides/notesSlide12.xml><?xml version="1.0" encoding="utf-8"?>
+<p:notes xmlns:a="http://schemas.openxmlformats.org/drawingml/2006/main" xmlns:r="http://schemas.openxmlformats.org/officeDocument/2006/relationships" xmlns:p="http://schemas.openxmlformats.org/presentationml/2006/main">
+  <p:cSld>
+    <p:spTree>
+      <p:nvGrpSpPr>
+        <p:cNvPr id="1" name=""/>
+        <p:cNvGrpSpPr/>
+        <p:nvPr/>
+      </p:nvGrpSpPr>
+      <p:grpSpPr>
+        <a:xfrm>
+          <a:off x="0" y="0"/>
+          <a:ext cx="0" cy="0"/>
+          <a:chOff x="0" y="0"/>
+          <a:chExt cx="0" cy="0"/>
+        </a:xfrm>
+      </p:grpSpPr>
+      <p:sp>
+        <p:nvSpPr>
+          <p:cNvPr id="2" name="Slide Image Placeholder 1"/>
+          <p:cNvSpPr>
+            <a:spLocks noGrp="1" noRot="1" noChangeAspect="1"/>
+          </p:cNvSpPr>
+          <p:nvPr>
+            <p:ph type="sldImg"/>
+          </p:nvPr>
+        </p:nvSpPr>
+        <p:spPr/>
+      </p:sp>
+      <p:sp>
+        <p:nvSpPr>
+          <p:cNvPr id="3" name="Notes Placeholder 2"/>
+          <p:cNvSpPr>
+            <a:spLocks noGrp="1"/>
+          </p:cNvSpPr>
+          <p:nvPr>
+            <p:ph type="body" idx="1"/>
+          </p:nvPr>
+        </p:nvSpPr>
+        <p:spPr/>
+        <p:txBody>
+          <a:bodyPr/>
+          <a:lstStyle/>
+          <a:p>
+            <a:endParaRPr lang="en-US" b="0" dirty="0" smtClean="0"/>
+          </a:p>
+        </p:txBody>
+      </p:sp>
+      <p:sp>
+        <p:nvSpPr>
+          <p:cNvPr id="4" name="Slide Number Placeholder 3"/>
+          <p:cNvSpPr>
+            <a:spLocks noGrp="1"/>
+          </p:cNvSpPr>
+          <p:nvPr>
+            <p:ph type="sldNum" sz="quarter" idx="10"/>
+          </p:nvPr>
+        </p:nvSpPr>
+        <p:spPr/>
+        <p:txBody>
+          <a:bodyPr/>
+          <a:lstStyle/>
+          <a:p>
+            <a:fld id="{89029652-62E7-43D6-83B5-097D7B7AA5D8}" type="slidenum">
+              <a:rPr lang="en-US" smtClean="0"/>
+              <a:t>12</a:t>
+            </a:fld>
+            <a:endParaRPr lang="en-US"/>
+          </a:p>
+        </p:txBody>
+      </p:sp>
+    </p:spTree>
+    <p:extLst>
+      <p:ext uri="{BB962C8B-B14F-4D97-AF65-F5344CB8AC3E}">
+        <p14:creationId xmlns:p14="http://schemas.microsoft.com/office/powerpoint/2010/main" val="2267138517"/>
+      </p:ext>
+    </p:extLst>
+  </p:cSld>
+  <p:clrMapOvr>
+    <a:masterClrMapping/>
+  </p:clrMapOvr>
+</p:notes>
+</file>
+
+<file path=ppt/notesSlides/notesSlide13.xml><?xml version="1.0" encoding="utf-8"?>
+<p:notes xmlns:a="http://schemas.openxmlformats.org/drawingml/2006/main" xmlns:r="http://schemas.openxmlformats.org/officeDocument/2006/relationships" xmlns:p="http://schemas.openxmlformats.org/presentationml/2006/main">
+  <p:cSld>
+    <p:spTree>
+      <p:nvGrpSpPr>
+        <p:cNvPr id="1" name=""/>
+        <p:cNvGrpSpPr/>
+        <p:nvPr/>
+      </p:nvGrpSpPr>
+      <p:grpSpPr>
+        <a:xfrm>
+          <a:off x="0" y="0"/>
+          <a:ext cx="0" cy="0"/>
+          <a:chOff x="0" y="0"/>
+          <a:chExt cx="0" cy="0"/>
+        </a:xfrm>
+      </p:grpSpPr>
+      <p:sp>
+        <p:nvSpPr>
+          <p:cNvPr id="2" name="Slide Image Placeholder 1"/>
+          <p:cNvSpPr>
+            <a:spLocks noGrp="1" noRot="1" noChangeAspect="1"/>
+          </p:cNvSpPr>
+          <p:nvPr>
+            <p:ph type="sldImg"/>
+          </p:nvPr>
+        </p:nvSpPr>
+        <p:spPr/>
+      </p:sp>
+      <p:sp>
+        <p:nvSpPr>
+          <p:cNvPr id="3" name="Notes Placeholder 2"/>
+          <p:cNvSpPr>
+            <a:spLocks noGrp="1"/>
+          </p:cNvSpPr>
+          <p:nvPr>
+            <p:ph type="body" idx="1"/>
+          </p:nvPr>
+        </p:nvSpPr>
+        <p:spPr/>
+        <p:txBody>
+          <a:bodyPr/>
+          <a:lstStyle/>
+          <a:p>
+            <a:endParaRPr lang="en-US" sz="1200" kern="1200" dirty="0" smtClean="0">
+              <a:solidFill>
+                <a:schemeClr val="tx1"/>
+              </a:solidFill>
+              <a:effectLst/>
+              <a:latin typeface="+mn-lt"/>
+              <a:ea typeface="+mn-ea"/>
+              <a:cs typeface="+mn-cs"/>
+            </a:endParaRPr>
+          </a:p>
+        </p:txBody>
+      </p:sp>
+      <p:sp>
+        <p:nvSpPr>
+          <p:cNvPr id="4" name="Slide Number Placeholder 3"/>
+          <p:cNvSpPr>
+            <a:spLocks noGrp="1"/>
+          </p:cNvSpPr>
+          <p:nvPr>
+            <p:ph type="sldNum" sz="quarter" idx="10"/>
+          </p:nvPr>
+        </p:nvSpPr>
+        <p:spPr/>
+        <p:txBody>
+          <a:bodyPr/>
+          <a:lstStyle/>
+          <a:p>
+            <a:fld id="{89029652-62E7-43D6-83B5-097D7B7AA5D8}" type="slidenum">
+              <a:rPr lang="en-US" smtClean="0"/>
+              <a:t>13</a:t>
+            </a:fld>
+            <a:endParaRPr lang="en-US"/>
+          </a:p>
+        </p:txBody>
+      </p:sp>
+    </p:spTree>
+    <p:extLst>
+      <p:ext uri="{BB962C8B-B14F-4D97-AF65-F5344CB8AC3E}">
+        <p14:creationId xmlns:p14="http://schemas.microsoft.com/office/powerpoint/2010/main" val="2813022412"/>
+      </p:ext>
+    </p:extLst>
+  </p:cSld>
+  <p:clrMapOvr>
+    <a:masterClrMapping/>
+  </p:clrMapOvr>
+</p:notes>
+</file>
+
 <file path=ppt/notesSlides/notesSlide2.xml><?xml version="1.0" encoding="utf-8"?>
 <p:notes xmlns:a="http://schemas.openxmlformats.org/drawingml/2006/main" xmlns:r="http://schemas.openxmlformats.org/officeDocument/2006/relationships" xmlns:p="http://schemas.openxmlformats.org/presentationml/2006/main">
   <p:cSld>
@@ -672,7 +1023,7 @@
     </p:spTree>
     <p:extLst>
       <p:ext uri="{BB962C8B-B14F-4D97-AF65-F5344CB8AC3E}">
-        <p14:creationId xmlns:p14="http://schemas.microsoft.com/office/powerpoint/2010/main" val="2716095396"/>
+        <p14:creationId xmlns:p14="http://schemas.microsoft.com/office/powerpoint/2010/main" val="2712565248"/>
       </p:ext>
     </p:extLst>
   </p:cSld>
@@ -781,7 +1132,7 @@
     </p:spTree>
     <p:extLst>
       <p:ext uri="{BB962C8B-B14F-4D97-AF65-F5344CB8AC3E}">
-        <p14:creationId xmlns:p14="http://schemas.microsoft.com/office/powerpoint/2010/main" val="1914920869"/>
+        <p14:creationId xmlns:p14="http://schemas.microsoft.com/office/powerpoint/2010/main" val="2480999007"/>
       </p:ext>
     </p:extLst>
   </p:cSld>
@@ -835,7 +1186,32 @@
           <a:bodyPr/>
           <a:lstStyle/>
           <a:p>
-            <a:endParaRPr lang="en-US" b="0" dirty="0" smtClean="0"/>
+            <a:pPr marL="0" marR="0" indent="0" algn="l" defTabSz="914400" rtl="0" eaLnBrk="1" fontAlgn="auto" latinLnBrk="0" hangingPunct="1">
+              <a:lnSpc>
+                <a:spcPct val="100000"/>
+              </a:lnSpc>
+              <a:spcBef>
+                <a:spcPts val="0"/>
+              </a:spcBef>
+              <a:spcAft>
+                <a:spcPts val="0"/>
+              </a:spcAft>
+              <a:buClrTx/>
+              <a:buSzTx/>
+              <a:buFontTx/>
+              <a:buNone/>
+              <a:tabLst/>
+              <a:defRPr/>
+            </a:pPr>
+            <a:endParaRPr lang="en-US" sz="1200" kern="1200" dirty="0" smtClean="0">
+              <a:solidFill>
+                <a:schemeClr val="tx1"/>
+              </a:solidFill>
+              <a:effectLst/>
+              <a:latin typeface="+mn-lt"/>
+              <a:ea typeface="+mn-ea"/>
+              <a:cs typeface="+mn-cs"/>
+            </a:endParaRPr>
           </a:p>
         </p:txBody>
       </p:sp>
@@ -865,7 +1241,7 @@
     </p:spTree>
     <p:extLst>
       <p:ext uri="{BB962C8B-B14F-4D97-AF65-F5344CB8AC3E}">
-        <p14:creationId xmlns:p14="http://schemas.microsoft.com/office/powerpoint/2010/main" val="3283155068"/>
+        <p14:creationId xmlns:p14="http://schemas.microsoft.com/office/powerpoint/2010/main" val="1414051827"/>
       </p:ext>
     </p:extLst>
   </p:cSld>
@@ -949,7 +1325,7 @@
     </p:spTree>
     <p:extLst>
       <p:ext uri="{BB962C8B-B14F-4D97-AF65-F5344CB8AC3E}">
-        <p14:creationId xmlns:p14="http://schemas.microsoft.com/office/powerpoint/2010/main" val="4212963282"/>
+        <p14:creationId xmlns:p14="http://schemas.microsoft.com/office/powerpoint/2010/main" val="3283155068"/>
       </p:ext>
     </p:extLst>
   </p:cSld>
@@ -1003,15 +1379,7 @@
           <a:bodyPr/>
           <a:lstStyle/>
           <a:p>
-            <a:endParaRPr lang="en-US" sz="1200" kern="1200" dirty="0" smtClean="0">
-              <a:solidFill>
-                <a:schemeClr val="tx1"/>
-              </a:solidFill>
-              <a:effectLst/>
-              <a:latin typeface="+mn-lt"/>
-              <a:ea typeface="+mn-ea"/>
-              <a:cs typeface="+mn-cs"/>
-            </a:endParaRPr>
+            <a:endParaRPr lang="en-US" b="0" dirty="0" smtClean="0"/>
           </a:p>
         </p:txBody>
       </p:sp>
@@ -1041,7 +1409,259 @@
     </p:spTree>
     <p:extLst>
       <p:ext uri="{BB962C8B-B14F-4D97-AF65-F5344CB8AC3E}">
-        <p14:creationId xmlns:p14="http://schemas.microsoft.com/office/powerpoint/2010/main" val="2813022412"/>
+        <p14:creationId xmlns:p14="http://schemas.microsoft.com/office/powerpoint/2010/main" val="3857776700"/>
+      </p:ext>
+    </p:extLst>
+  </p:cSld>
+  <p:clrMapOvr>
+    <a:masterClrMapping/>
+  </p:clrMapOvr>
+</p:notes>
+</file>
+
+<file path=ppt/notesSlides/notesSlide7.xml><?xml version="1.0" encoding="utf-8"?>
+<p:notes xmlns:a="http://schemas.openxmlformats.org/drawingml/2006/main" xmlns:r="http://schemas.openxmlformats.org/officeDocument/2006/relationships" xmlns:p="http://schemas.openxmlformats.org/presentationml/2006/main">
+  <p:cSld>
+    <p:spTree>
+      <p:nvGrpSpPr>
+        <p:cNvPr id="1" name=""/>
+        <p:cNvGrpSpPr/>
+        <p:nvPr/>
+      </p:nvGrpSpPr>
+      <p:grpSpPr>
+        <a:xfrm>
+          <a:off x="0" y="0"/>
+          <a:ext cx="0" cy="0"/>
+          <a:chOff x="0" y="0"/>
+          <a:chExt cx="0" cy="0"/>
+        </a:xfrm>
+      </p:grpSpPr>
+      <p:sp>
+        <p:nvSpPr>
+          <p:cNvPr id="2" name="Slide Image Placeholder 1"/>
+          <p:cNvSpPr>
+            <a:spLocks noGrp="1" noRot="1" noChangeAspect="1"/>
+          </p:cNvSpPr>
+          <p:nvPr>
+            <p:ph type="sldImg"/>
+          </p:nvPr>
+        </p:nvSpPr>
+        <p:spPr/>
+      </p:sp>
+      <p:sp>
+        <p:nvSpPr>
+          <p:cNvPr id="3" name="Notes Placeholder 2"/>
+          <p:cNvSpPr>
+            <a:spLocks noGrp="1"/>
+          </p:cNvSpPr>
+          <p:nvPr>
+            <p:ph type="body" idx="1"/>
+          </p:nvPr>
+        </p:nvSpPr>
+        <p:spPr/>
+        <p:txBody>
+          <a:bodyPr/>
+          <a:lstStyle/>
+          <a:p>
+            <a:endParaRPr lang="en-US" b="0" dirty="0" smtClean="0"/>
+          </a:p>
+        </p:txBody>
+      </p:sp>
+      <p:sp>
+        <p:nvSpPr>
+          <p:cNvPr id="4" name="Slide Number Placeholder 3"/>
+          <p:cNvSpPr>
+            <a:spLocks noGrp="1"/>
+          </p:cNvSpPr>
+          <p:nvPr>
+            <p:ph type="sldNum" sz="quarter" idx="10"/>
+          </p:nvPr>
+        </p:nvSpPr>
+        <p:spPr/>
+        <p:txBody>
+          <a:bodyPr/>
+          <a:lstStyle/>
+          <a:p>
+            <a:fld id="{89029652-62E7-43D6-83B5-097D7B7AA5D8}" type="slidenum">
+              <a:rPr lang="en-US" smtClean="0"/>
+              <a:t>7</a:t>
+            </a:fld>
+            <a:endParaRPr lang="en-US"/>
+          </a:p>
+        </p:txBody>
+      </p:sp>
+    </p:spTree>
+    <p:extLst>
+      <p:ext uri="{BB962C8B-B14F-4D97-AF65-F5344CB8AC3E}">
+        <p14:creationId xmlns:p14="http://schemas.microsoft.com/office/powerpoint/2010/main" val="471706104"/>
+      </p:ext>
+    </p:extLst>
+  </p:cSld>
+  <p:clrMapOvr>
+    <a:masterClrMapping/>
+  </p:clrMapOvr>
+</p:notes>
+</file>
+
+<file path=ppt/notesSlides/notesSlide8.xml><?xml version="1.0" encoding="utf-8"?>
+<p:notes xmlns:a="http://schemas.openxmlformats.org/drawingml/2006/main" xmlns:r="http://schemas.openxmlformats.org/officeDocument/2006/relationships" xmlns:p="http://schemas.openxmlformats.org/presentationml/2006/main">
+  <p:cSld>
+    <p:spTree>
+      <p:nvGrpSpPr>
+        <p:cNvPr id="1" name=""/>
+        <p:cNvGrpSpPr/>
+        <p:nvPr/>
+      </p:nvGrpSpPr>
+      <p:grpSpPr>
+        <a:xfrm>
+          <a:off x="0" y="0"/>
+          <a:ext cx="0" cy="0"/>
+          <a:chOff x="0" y="0"/>
+          <a:chExt cx="0" cy="0"/>
+        </a:xfrm>
+      </p:grpSpPr>
+      <p:sp>
+        <p:nvSpPr>
+          <p:cNvPr id="2" name="Slide Image Placeholder 1"/>
+          <p:cNvSpPr>
+            <a:spLocks noGrp="1" noRot="1" noChangeAspect="1"/>
+          </p:cNvSpPr>
+          <p:nvPr>
+            <p:ph type="sldImg"/>
+          </p:nvPr>
+        </p:nvSpPr>
+        <p:spPr/>
+      </p:sp>
+      <p:sp>
+        <p:nvSpPr>
+          <p:cNvPr id="3" name="Notes Placeholder 2"/>
+          <p:cNvSpPr>
+            <a:spLocks noGrp="1"/>
+          </p:cNvSpPr>
+          <p:nvPr>
+            <p:ph type="body" idx="1"/>
+          </p:nvPr>
+        </p:nvSpPr>
+        <p:spPr/>
+        <p:txBody>
+          <a:bodyPr/>
+          <a:lstStyle/>
+          <a:p>
+            <a:endParaRPr lang="en-US" b="0" dirty="0" smtClean="0"/>
+          </a:p>
+        </p:txBody>
+      </p:sp>
+      <p:sp>
+        <p:nvSpPr>
+          <p:cNvPr id="4" name="Slide Number Placeholder 3"/>
+          <p:cNvSpPr>
+            <a:spLocks noGrp="1"/>
+          </p:cNvSpPr>
+          <p:nvPr>
+            <p:ph type="sldNum" sz="quarter" idx="10"/>
+          </p:nvPr>
+        </p:nvSpPr>
+        <p:spPr/>
+        <p:txBody>
+          <a:bodyPr/>
+          <a:lstStyle/>
+          <a:p>
+            <a:fld id="{89029652-62E7-43D6-83B5-097D7B7AA5D8}" type="slidenum">
+              <a:rPr lang="en-US" smtClean="0"/>
+              <a:t>8</a:t>
+            </a:fld>
+            <a:endParaRPr lang="en-US"/>
+          </a:p>
+        </p:txBody>
+      </p:sp>
+    </p:spTree>
+    <p:extLst>
+      <p:ext uri="{BB962C8B-B14F-4D97-AF65-F5344CB8AC3E}">
+        <p14:creationId xmlns:p14="http://schemas.microsoft.com/office/powerpoint/2010/main" val="904030834"/>
+      </p:ext>
+    </p:extLst>
+  </p:cSld>
+  <p:clrMapOvr>
+    <a:masterClrMapping/>
+  </p:clrMapOvr>
+</p:notes>
+</file>
+
+<file path=ppt/notesSlides/notesSlide9.xml><?xml version="1.0" encoding="utf-8"?>
+<p:notes xmlns:a="http://schemas.openxmlformats.org/drawingml/2006/main" xmlns:r="http://schemas.openxmlformats.org/officeDocument/2006/relationships" xmlns:p="http://schemas.openxmlformats.org/presentationml/2006/main">
+  <p:cSld>
+    <p:spTree>
+      <p:nvGrpSpPr>
+        <p:cNvPr id="1" name=""/>
+        <p:cNvGrpSpPr/>
+        <p:nvPr/>
+      </p:nvGrpSpPr>
+      <p:grpSpPr>
+        <a:xfrm>
+          <a:off x="0" y="0"/>
+          <a:ext cx="0" cy="0"/>
+          <a:chOff x="0" y="0"/>
+          <a:chExt cx="0" cy="0"/>
+        </a:xfrm>
+      </p:grpSpPr>
+      <p:sp>
+        <p:nvSpPr>
+          <p:cNvPr id="2" name="Slide Image Placeholder 1"/>
+          <p:cNvSpPr>
+            <a:spLocks noGrp="1" noRot="1" noChangeAspect="1"/>
+          </p:cNvSpPr>
+          <p:nvPr>
+            <p:ph type="sldImg"/>
+          </p:nvPr>
+        </p:nvSpPr>
+        <p:spPr/>
+      </p:sp>
+      <p:sp>
+        <p:nvSpPr>
+          <p:cNvPr id="3" name="Notes Placeholder 2"/>
+          <p:cNvSpPr>
+            <a:spLocks noGrp="1"/>
+          </p:cNvSpPr>
+          <p:nvPr>
+            <p:ph type="body" idx="1"/>
+          </p:nvPr>
+        </p:nvSpPr>
+        <p:spPr/>
+        <p:txBody>
+          <a:bodyPr/>
+          <a:lstStyle/>
+          <a:p>
+            <a:endParaRPr lang="en-US" b="0" dirty="0" smtClean="0"/>
+          </a:p>
+        </p:txBody>
+      </p:sp>
+      <p:sp>
+        <p:nvSpPr>
+          <p:cNvPr id="4" name="Slide Number Placeholder 3"/>
+          <p:cNvSpPr>
+            <a:spLocks noGrp="1"/>
+          </p:cNvSpPr>
+          <p:nvPr>
+            <p:ph type="sldNum" sz="quarter" idx="10"/>
+          </p:nvPr>
+        </p:nvSpPr>
+        <p:spPr/>
+        <p:txBody>
+          <a:bodyPr/>
+          <a:lstStyle/>
+          <a:p>
+            <a:fld id="{89029652-62E7-43D6-83B5-097D7B7AA5D8}" type="slidenum">
+              <a:rPr lang="en-US" smtClean="0"/>
+              <a:t>9</a:t>
+            </a:fld>
+            <a:endParaRPr lang="en-US"/>
+          </a:p>
+        </p:txBody>
+      </p:sp>
+    </p:spTree>
+    <p:extLst>
+      <p:ext uri="{BB962C8B-B14F-4D97-AF65-F5344CB8AC3E}">
+        <p14:creationId xmlns:p14="http://schemas.microsoft.com/office/powerpoint/2010/main" val="2815086961"/>
       </p:ext>
     </p:extLst>
   </p:cSld>
@@ -1182,7 +1802,7 @@
           <a:p>
             <a:fld id="{75AA6396-395E-4ADA-8EE5-F328BC863A04}" type="datetimeFigureOut">
               <a:rPr lang="en-US" smtClean="0"/>
-              <a:t>12/3/2016</a:t>
+              <a:t>12/19/2016</a:t>
             </a:fld>
             <a:endParaRPr lang="en-US"/>
           </a:p>
@@ -1359,7 +1979,7 @@
           <a:p>
             <a:fld id="{75AA6396-395E-4ADA-8EE5-F328BC863A04}" type="datetimeFigureOut">
               <a:rPr lang="en-US" smtClean="0"/>
-              <a:t>12/3/2016</a:t>
+              <a:t>12/19/2016</a:t>
             </a:fld>
             <a:endParaRPr lang="en-US"/>
           </a:p>
@@ -1539,7 +2159,7 @@
           <a:p>
             <a:fld id="{75AA6396-395E-4ADA-8EE5-F328BC863A04}" type="datetimeFigureOut">
               <a:rPr lang="en-US" smtClean="0"/>
-              <a:t>12/3/2016</a:t>
+              <a:t>12/19/2016</a:t>
             </a:fld>
             <a:endParaRPr lang="en-US"/>
           </a:p>
@@ -1759,7 +2379,7 @@
           <a:p>
             <a:fld id="{75AA6396-395E-4ADA-8EE5-F328BC863A04}" type="datetimeFigureOut">
               <a:rPr lang="en-US" smtClean="0"/>
-              <a:t>12/3/2016</a:t>
+              <a:t>12/19/2016</a:t>
             </a:fld>
             <a:endParaRPr lang="en-US"/>
           </a:p>
@@ -2012,7 +2632,7 @@
           <a:p>
             <a:fld id="{75AA6396-395E-4ADA-8EE5-F328BC863A04}" type="datetimeFigureOut">
               <a:rPr lang="en-US" smtClean="0"/>
-              <a:t>12/3/2016</a:t>
+              <a:t>12/19/2016</a:t>
             </a:fld>
             <a:endParaRPr lang="en-US"/>
           </a:p>
@@ -2251,7 +2871,7 @@
           <a:p>
             <a:fld id="{75AA6396-395E-4ADA-8EE5-F328BC863A04}" type="datetimeFigureOut">
               <a:rPr lang="en-US" smtClean="0"/>
-              <a:t>12/3/2016</a:t>
+              <a:t>12/19/2016</a:t>
             </a:fld>
             <a:endParaRPr lang="en-US"/>
           </a:p>
@@ -2625,7 +3245,7 @@
           <a:p>
             <a:fld id="{75AA6396-395E-4ADA-8EE5-F328BC863A04}" type="datetimeFigureOut">
               <a:rPr lang="en-US" smtClean="0"/>
-              <a:t>12/3/2016</a:t>
+              <a:t>12/19/2016</a:t>
             </a:fld>
             <a:endParaRPr lang="en-US"/>
           </a:p>
@@ -2743,7 +3363,7 @@
           <a:p>
             <a:fld id="{75AA6396-395E-4ADA-8EE5-F328BC863A04}" type="datetimeFigureOut">
               <a:rPr lang="en-US" smtClean="0"/>
-              <a:t>12/3/2016</a:t>
+              <a:t>12/19/2016</a:t>
             </a:fld>
             <a:endParaRPr lang="en-US"/>
           </a:p>
@@ -2838,7 +3458,7 @@
           <a:p>
             <a:fld id="{75AA6396-395E-4ADA-8EE5-F328BC863A04}" type="datetimeFigureOut">
               <a:rPr lang="en-US" smtClean="0"/>
-              <a:t>12/3/2016</a:t>
+              <a:t>12/19/2016</a:t>
             </a:fld>
             <a:endParaRPr lang="en-US"/>
           </a:p>
@@ -3115,7 +3735,7 @@
           <a:p>
             <a:fld id="{75AA6396-395E-4ADA-8EE5-F328BC863A04}" type="datetimeFigureOut">
               <a:rPr lang="en-US" smtClean="0"/>
-              <a:t>12/3/2016</a:t>
+              <a:t>12/19/2016</a:t>
             </a:fld>
             <a:endParaRPr lang="en-US"/>
           </a:p>
@@ -3368,7 +3988,7 @@
           <a:p>
             <a:fld id="{75AA6396-395E-4ADA-8EE5-F328BC863A04}" type="datetimeFigureOut">
               <a:rPr lang="en-US" smtClean="0"/>
-              <a:t>12/3/2016</a:t>
+              <a:t>12/19/2016</a:t>
             </a:fld>
             <a:endParaRPr lang="en-US"/>
           </a:p>
@@ -3581,7 +4201,7 @@
           <a:p>
             <a:fld id="{75AA6396-395E-4ADA-8EE5-F328BC863A04}" type="datetimeFigureOut">
               <a:rPr lang="en-US" smtClean="0"/>
-              <a:t>12/3/2016</a:t>
+              <a:t>12/19/2016</a:t>
             </a:fld>
             <a:endParaRPr lang="en-US"/>
           </a:p>
@@ -4127,6 +4747,551 @@
 </p:sld>
 </file>
 
+<file path=ppt/slides/slide10.xml><?xml version="1.0" encoding="utf-8"?>
+<p:sld xmlns:a="http://schemas.openxmlformats.org/drawingml/2006/main" xmlns:r="http://schemas.openxmlformats.org/officeDocument/2006/relationships" xmlns:p="http://schemas.openxmlformats.org/presentationml/2006/main">
+  <p:cSld>
+    <p:spTree>
+      <p:nvGrpSpPr>
+        <p:cNvPr id="1" name=""/>
+        <p:cNvGrpSpPr/>
+        <p:nvPr/>
+      </p:nvGrpSpPr>
+      <p:grpSpPr>
+        <a:xfrm>
+          <a:off x="0" y="0"/>
+          <a:ext cx="0" cy="0"/>
+          <a:chOff x="0" y="0"/>
+          <a:chExt cx="0" cy="0"/>
+        </a:xfrm>
+      </p:grpSpPr>
+      <p:sp>
+        <p:nvSpPr>
+          <p:cNvPr id="2" name="Title 1"/>
+          <p:cNvSpPr>
+            <a:spLocks noGrp="1"/>
+          </p:cNvSpPr>
+          <p:nvPr>
+            <p:ph type="title"/>
+          </p:nvPr>
+        </p:nvSpPr>
+        <p:spPr/>
+        <p:txBody>
+          <a:bodyPr>
+            <a:normAutofit/>
+          </a:bodyPr>
+          <a:lstStyle/>
+          <a:p>
+            <a:r>
+              <a:rPr lang="en-US" sz="4800" dirty="0" smtClean="0"/>
+              <a:t>"Cross cutting" concerns</a:t>
+            </a:r>
+            <a:endParaRPr lang="en-US" sz="4800" dirty="0"/>
+          </a:p>
+        </p:txBody>
+      </p:sp>
+      <p:sp>
+        <p:nvSpPr>
+          <p:cNvPr id="3" name="Content Placeholder 2"/>
+          <p:cNvSpPr>
+            <a:spLocks noGrp="1"/>
+          </p:cNvSpPr>
+          <p:nvPr>
+            <p:ph idx="1"/>
+          </p:nvPr>
+        </p:nvSpPr>
+        <p:spPr>
+          <a:xfrm>
+            <a:off x="838200" y="1825624"/>
+            <a:ext cx="10515600" cy="4589923"/>
+          </a:xfrm>
+        </p:spPr>
+        <p:txBody>
+          <a:bodyPr>
+            <a:normAutofit/>
+          </a:bodyPr>
+          <a:lstStyle/>
+          <a:p>
+            <a:endParaRPr lang="en-US" sz="4000" dirty="0"/>
+          </a:p>
+          <a:p>
+            <a:endParaRPr lang="en-US" sz="4000" dirty="0" smtClean="0"/>
+          </a:p>
+          <a:p>
+            <a:endParaRPr lang="en-US" sz="4000" dirty="0" smtClean="0"/>
+          </a:p>
+          <a:p>
+            <a:endParaRPr lang="en-US" dirty="0" smtClean="0"/>
+          </a:p>
+          <a:p>
+            <a:endParaRPr lang="en-US" dirty="0" smtClean="0"/>
+          </a:p>
+          <a:p>
+            <a:endParaRPr lang="en-US" dirty="0"/>
+          </a:p>
+        </p:txBody>
+      </p:sp>
+      <p:pic>
+        <p:nvPicPr>
+          <p:cNvPr id="4" name="Picture 3"/>
+          <p:cNvPicPr>
+            <a:picLocks noChangeAspect="1"/>
+          </p:cNvPicPr>
+          <p:nvPr/>
+        </p:nvPicPr>
+        <p:blipFill>
+          <a:blip r:embed="rId3"/>
+          <a:stretch>
+            <a:fillRect/>
+          </a:stretch>
+        </p:blipFill>
+        <p:spPr>
+          <a:xfrm>
+            <a:off x="838199" y="2769935"/>
+            <a:ext cx="10619049" cy="2819704"/>
+          </a:xfrm>
+          <a:prstGeom prst="rect">
+            <a:avLst/>
+          </a:prstGeom>
+        </p:spPr>
+      </p:pic>
+    </p:spTree>
+    <p:extLst>
+      <p:ext uri="{BB962C8B-B14F-4D97-AF65-F5344CB8AC3E}">
+        <p14:creationId xmlns:p14="http://schemas.microsoft.com/office/powerpoint/2010/main" val="828356661"/>
+      </p:ext>
+    </p:extLst>
+  </p:cSld>
+  <p:clrMapOvr>
+    <a:masterClrMapping/>
+  </p:clrMapOvr>
+  <p:timing>
+    <p:tnLst>
+      <p:par>
+        <p:cTn id="1" dur="indefinite" restart="never" nodeType="tmRoot"/>
+      </p:par>
+    </p:tnLst>
+  </p:timing>
+</p:sld>
+</file>
+
+<file path=ppt/slides/slide11.xml><?xml version="1.0" encoding="utf-8"?>
+<p:sld xmlns:a="http://schemas.openxmlformats.org/drawingml/2006/main" xmlns:r="http://schemas.openxmlformats.org/officeDocument/2006/relationships" xmlns:p="http://schemas.openxmlformats.org/presentationml/2006/main">
+  <p:cSld>
+    <p:spTree>
+      <p:nvGrpSpPr>
+        <p:cNvPr id="1" name=""/>
+        <p:cNvGrpSpPr/>
+        <p:nvPr/>
+      </p:nvGrpSpPr>
+      <p:grpSpPr>
+        <a:xfrm>
+          <a:off x="0" y="0"/>
+          <a:ext cx="0" cy="0"/>
+          <a:chOff x="0" y="0"/>
+          <a:chExt cx="0" cy="0"/>
+        </a:xfrm>
+      </p:grpSpPr>
+      <p:sp>
+        <p:nvSpPr>
+          <p:cNvPr id="2" name="Title 1"/>
+          <p:cNvSpPr>
+            <a:spLocks noGrp="1"/>
+          </p:cNvSpPr>
+          <p:nvPr>
+            <p:ph type="title"/>
+          </p:nvPr>
+        </p:nvSpPr>
+        <p:spPr/>
+        <p:txBody>
+          <a:bodyPr>
+            <a:normAutofit/>
+          </a:bodyPr>
+          <a:lstStyle/>
+          <a:p>
+            <a:r>
+              <a:rPr lang="en-US" sz="4800" dirty="0" smtClean="0"/>
+              <a:t>Patented step-by-step slide</a:t>
+            </a:r>
+            <a:endParaRPr lang="en-US" sz="4800" dirty="0"/>
+          </a:p>
+        </p:txBody>
+      </p:sp>
+      <p:sp>
+        <p:nvSpPr>
+          <p:cNvPr id="3" name="Content Placeholder 2"/>
+          <p:cNvSpPr>
+            <a:spLocks noGrp="1"/>
+          </p:cNvSpPr>
+          <p:nvPr>
+            <p:ph idx="1"/>
+          </p:nvPr>
+        </p:nvSpPr>
+        <p:spPr>
+          <a:xfrm>
+            <a:off x="838200" y="1825624"/>
+            <a:ext cx="10515600" cy="4589923"/>
+          </a:xfrm>
+        </p:spPr>
+        <p:txBody>
+          <a:bodyPr>
+            <a:normAutofit/>
+          </a:bodyPr>
+          <a:lstStyle/>
+          <a:p>
+            <a:r>
+              <a:rPr lang="en-US" sz="4000" dirty="0" smtClean="0">
+                <a:solidFill>
+                  <a:schemeClr val="bg1">
+                    <a:lumMod val="65000"/>
+                  </a:schemeClr>
+                </a:solidFill>
+              </a:rPr>
+              <a:t>Old news</a:t>
+            </a:r>
+            <a:br>
+              <a:rPr lang="en-US" sz="4000" dirty="0" smtClean="0">
+                <a:solidFill>
+                  <a:schemeClr val="bg1">
+                    <a:lumMod val="65000"/>
+                  </a:schemeClr>
+                </a:solidFill>
+              </a:rPr>
+            </a:br>
+            <a:endParaRPr lang="en-US" sz="4000" dirty="0" smtClean="0">
+              <a:solidFill>
+                <a:schemeClr val="bg1">
+                  <a:lumMod val="65000"/>
+                </a:schemeClr>
+              </a:solidFill>
+            </a:endParaRPr>
+          </a:p>
+          <a:p>
+            <a:r>
+              <a:rPr lang="en-US" sz="4000" b="1" dirty="0" smtClean="0"/>
+              <a:t>New hotness</a:t>
+            </a:r>
+          </a:p>
+          <a:p>
+            <a:endParaRPr lang="en-US" sz="4000" dirty="0" smtClean="0"/>
+          </a:p>
+          <a:p>
+            <a:endParaRPr lang="en-US" dirty="0" smtClean="0"/>
+          </a:p>
+          <a:p>
+            <a:endParaRPr lang="en-US" dirty="0" smtClean="0"/>
+          </a:p>
+          <a:p>
+            <a:endParaRPr lang="en-US" dirty="0"/>
+          </a:p>
+        </p:txBody>
+      </p:sp>
+    </p:spTree>
+    <p:extLst>
+      <p:ext uri="{BB962C8B-B14F-4D97-AF65-F5344CB8AC3E}">
+        <p14:creationId xmlns:p14="http://schemas.microsoft.com/office/powerpoint/2010/main" val="2285767896"/>
+      </p:ext>
+    </p:extLst>
+  </p:cSld>
+  <p:clrMapOvr>
+    <a:masterClrMapping/>
+  </p:clrMapOvr>
+  <p:timing>
+    <p:tnLst>
+      <p:par>
+        <p:cTn id="1" dur="indefinite" restart="never" nodeType="tmRoot"/>
+      </p:par>
+    </p:tnLst>
+  </p:timing>
+</p:sld>
+</file>
+
+<file path=ppt/slides/slide12.xml><?xml version="1.0" encoding="utf-8"?>
+<p:sld xmlns:a="http://schemas.openxmlformats.org/drawingml/2006/main" xmlns:r="http://schemas.openxmlformats.org/officeDocument/2006/relationships" xmlns:p="http://schemas.openxmlformats.org/presentationml/2006/main">
+  <p:cSld>
+    <p:spTree>
+      <p:nvGrpSpPr>
+        <p:cNvPr id="1" name=""/>
+        <p:cNvGrpSpPr/>
+        <p:nvPr/>
+      </p:nvGrpSpPr>
+      <p:grpSpPr>
+        <a:xfrm>
+          <a:off x="0" y="0"/>
+          <a:ext cx="0" cy="0"/>
+          <a:chOff x="0" y="0"/>
+          <a:chExt cx="0" cy="0"/>
+        </a:xfrm>
+      </p:grpSpPr>
+      <p:sp>
+        <p:nvSpPr>
+          <p:cNvPr id="2" name="Title 1"/>
+          <p:cNvSpPr>
+            <a:spLocks noGrp="1"/>
+          </p:cNvSpPr>
+          <p:nvPr>
+            <p:ph type="title"/>
+          </p:nvPr>
+        </p:nvSpPr>
+        <p:spPr/>
+        <p:txBody>
+          <a:bodyPr>
+            <a:normAutofit/>
+          </a:bodyPr>
+          <a:lstStyle/>
+          <a:p>
+            <a:r>
+              <a:rPr lang="en-US" sz="4800" dirty="0" smtClean="0"/>
+              <a:t>Canonical example: SQL Injection</a:t>
+            </a:r>
+            <a:endParaRPr lang="en-US" sz="4800" dirty="0"/>
+          </a:p>
+        </p:txBody>
+      </p:sp>
+      <p:sp>
+        <p:nvSpPr>
+          <p:cNvPr id="3" name="Content Placeholder 2"/>
+          <p:cNvSpPr>
+            <a:spLocks noGrp="1"/>
+          </p:cNvSpPr>
+          <p:nvPr>
+            <p:ph idx="1"/>
+          </p:nvPr>
+        </p:nvSpPr>
+        <p:spPr>
+          <a:xfrm>
+            <a:off x="838200" y="1825624"/>
+            <a:ext cx="10515600" cy="4589923"/>
+          </a:xfrm>
+        </p:spPr>
+        <p:txBody>
+          <a:bodyPr>
+            <a:normAutofit/>
+          </a:bodyPr>
+          <a:lstStyle/>
+          <a:p>
+            <a:endParaRPr lang="en-US" sz="4000" dirty="0" smtClean="0"/>
+          </a:p>
+          <a:p>
+            <a:endParaRPr lang="en-US" dirty="0" smtClean="0"/>
+          </a:p>
+          <a:p>
+            <a:endParaRPr lang="en-US" dirty="0" smtClean="0"/>
+          </a:p>
+          <a:p>
+            <a:endParaRPr lang="en-US" dirty="0"/>
+          </a:p>
+        </p:txBody>
+      </p:sp>
+    </p:spTree>
+    <p:extLst>
+      <p:ext uri="{BB962C8B-B14F-4D97-AF65-F5344CB8AC3E}">
+        <p14:creationId xmlns:p14="http://schemas.microsoft.com/office/powerpoint/2010/main" val="1766242099"/>
+      </p:ext>
+    </p:extLst>
+  </p:cSld>
+  <p:clrMapOvr>
+    <a:masterClrMapping/>
+  </p:clrMapOvr>
+  <p:timing>
+    <p:tnLst>
+      <p:par>
+        <p:cTn id="1" dur="indefinite" restart="never" nodeType="tmRoot"/>
+      </p:par>
+    </p:tnLst>
+  </p:timing>
+</p:sld>
+</file>
+
+<file path=ppt/slides/slide13.xml><?xml version="1.0" encoding="utf-8"?>
+<p:sld xmlns:a="http://schemas.openxmlformats.org/drawingml/2006/main" xmlns:r="http://schemas.openxmlformats.org/officeDocument/2006/relationships" xmlns:p="http://schemas.openxmlformats.org/presentationml/2006/main">
+  <p:cSld>
+    <p:spTree>
+      <p:nvGrpSpPr>
+        <p:cNvPr id="1" name=""/>
+        <p:cNvGrpSpPr/>
+        <p:nvPr/>
+      </p:nvGrpSpPr>
+      <p:grpSpPr>
+        <a:xfrm>
+          <a:off x="0" y="0"/>
+          <a:ext cx="0" cy="0"/>
+          <a:chOff x="0" y="0"/>
+          <a:chExt cx="0" cy="0"/>
+        </a:xfrm>
+      </p:grpSpPr>
+      <p:sp>
+        <p:nvSpPr>
+          <p:cNvPr id="2" name="Title 1"/>
+          <p:cNvSpPr>
+            <a:spLocks noGrp="1"/>
+          </p:cNvSpPr>
+          <p:nvPr>
+            <p:ph type="title"/>
+          </p:nvPr>
+        </p:nvSpPr>
+        <p:spPr>
+          <a:xfrm>
+            <a:off x="838200" y="365125"/>
+            <a:ext cx="10886768" cy="1325563"/>
+          </a:xfrm>
+        </p:spPr>
+        <p:txBody>
+          <a:bodyPr>
+            <a:noAutofit/>
+          </a:bodyPr>
+          <a:lstStyle/>
+          <a:p>
+            <a:r>
+              <a:rPr lang="en-US" sz="4800" dirty="0" smtClean="0"/>
+              <a:t>Closing slide</a:t>
+            </a:r>
+            <a:endParaRPr lang="en-US" sz="4800" dirty="0"/>
+          </a:p>
+        </p:txBody>
+      </p:sp>
+      <p:sp>
+        <p:nvSpPr>
+          <p:cNvPr id="3" name="Content Placeholder 2"/>
+          <p:cNvSpPr>
+            <a:spLocks noGrp="1"/>
+          </p:cNvSpPr>
+          <p:nvPr>
+            <p:ph idx="1"/>
+          </p:nvPr>
+        </p:nvSpPr>
+        <p:spPr>
+          <a:xfrm>
+            <a:off x="838200" y="1825625"/>
+            <a:ext cx="11137490" cy="4899640"/>
+          </a:xfrm>
+        </p:spPr>
+        <p:txBody>
+          <a:bodyPr>
+            <a:normAutofit/>
+          </a:bodyPr>
+          <a:lstStyle/>
+          <a:p>
+            <a:r>
+              <a:rPr lang="en-US" sz="4000" dirty="0" smtClean="0"/>
+              <a:t>The knowledge gets dropped here</a:t>
+            </a:r>
+          </a:p>
+          <a:p>
+            <a:pPr marL="0" indent="0">
+              <a:buNone/>
+            </a:pPr>
+            <a:endParaRPr lang="en-US" sz="3200" dirty="0" smtClean="0">
+              <a:hlinkClick r:id="rId3"/>
+            </a:endParaRPr>
+          </a:p>
+          <a:p>
+            <a:pPr marL="0" indent="0">
+              <a:buNone/>
+            </a:pPr>
+            <a:r>
+              <a:rPr lang="en-US" sz="3600" dirty="0" smtClean="0">
+                <a:hlinkClick r:id="rId3"/>
+              </a:rPr>
+              <a:t>github.com/</a:t>
+            </a:r>
+            <a:r>
+              <a:rPr lang="en-US" sz="3600" dirty="0" err="1" smtClean="0">
+                <a:hlinkClick r:id="rId3"/>
+              </a:rPr>
+              <a:t>spetryjohnson</a:t>
+            </a:r>
+            <a:r>
+              <a:rPr lang="en-US" sz="3600" dirty="0" smtClean="0"/>
+              <a:t> </a:t>
+            </a:r>
+            <a:r>
+              <a:rPr lang="en-US" sz="3600" dirty="0" smtClean="0">
+                <a:solidFill>
+                  <a:schemeClr val="bg1">
+                    <a:lumMod val="50000"/>
+                  </a:schemeClr>
+                </a:solidFill>
+              </a:rPr>
+              <a:t>|</a:t>
+            </a:r>
+            <a:r>
+              <a:rPr lang="en-US" sz="3600" dirty="0" smtClean="0"/>
+              <a:t> </a:t>
+            </a:r>
+            <a:r>
+              <a:rPr lang="en-US" sz="3600" dirty="0" smtClean="0">
+                <a:hlinkClick r:id="rId4"/>
+              </a:rPr>
+              <a:t>www.petry-johnson.com</a:t>
+            </a:r>
+            <a:r>
+              <a:rPr lang="en-US" sz="3600" dirty="0" smtClean="0"/>
+              <a:t/>
+            </a:r>
+            <a:br>
+              <a:rPr lang="en-US" sz="3600" dirty="0" smtClean="0"/>
+            </a:br>
+            <a:endParaRPr lang="en-US" sz="3600" dirty="0"/>
+          </a:p>
+          <a:p>
+            <a:pPr marL="0" indent="0" algn="ctr">
+              <a:buNone/>
+            </a:pPr>
+            <a:r>
+              <a:rPr lang="en-US" sz="3600" b="1" dirty="0" smtClean="0"/>
+              <a:t>@</a:t>
+            </a:r>
+            <a:r>
+              <a:rPr lang="en-US" sz="3600" b="1" dirty="0" err="1" smtClean="0"/>
+              <a:t>spetryjohnson</a:t>
+            </a:r>
+            <a:endParaRPr lang="en-US" b="1" dirty="0" smtClean="0"/>
+          </a:p>
+          <a:p>
+            <a:endParaRPr lang="en-US" dirty="0" smtClean="0"/>
+          </a:p>
+          <a:p>
+            <a:pPr lvl="1"/>
+            <a:endParaRPr lang="en-US" dirty="0" smtClean="0"/>
+          </a:p>
+          <a:p>
+            <a:pPr lvl="1"/>
+            <a:endParaRPr lang="en-US" dirty="0" smtClean="0"/>
+          </a:p>
+          <a:p>
+            <a:pPr lvl="1"/>
+            <a:endParaRPr lang="en-US" dirty="0"/>
+          </a:p>
+          <a:p>
+            <a:pPr lvl="1"/>
+            <a:endParaRPr lang="en-US" dirty="0" smtClean="0"/>
+          </a:p>
+          <a:p>
+            <a:pPr lvl="1"/>
+            <a:endParaRPr lang="en-US" dirty="0"/>
+          </a:p>
+        </p:txBody>
+      </p:sp>
+    </p:spTree>
+    <p:extLst>
+      <p:ext uri="{BB962C8B-B14F-4D97-AF65-F5344CB8AC3E}">
+        <p14:creationId xmlns:p14="http://schemas.microsoft.com/office/powerpoint/2010/main" val="659085787"/>
+      </p:ext>
+    </p:extLst>
+  </p:cSld>
+  <p:clrMapOvr>
+    <a:masterClrMapping/>
+  </p:clrMapOvr>
+  <p:timing>
+    <p:tnLst>
+      <p:par>
+        <p:cTn id="1" dur="indefinite" restart="never" nodeType="tmRoot"/>
+      </p:par>
+    </p:tnLst>
+  </p:timing>
+</p:sld>
+</file>
+
 <file path=ppt/slides/slide2.xml><?xml version="1.0" encoding="utf-8"?>
 <p:sld xmlns:a="http://schemas.openxmlformats.org/drawingml/2006/main" xmlns:r="http://schemas.openxmlformats.org/officeDocument/2006/relationships" xmlns:p="http://schemas.openxmlformats.org/presentationml/2006/main">
   <p:cSld>
@@ -4156,12 +5321,12 @@
         </p:nvSpPr>
         <p:spPr>
           <a:xfrm>
-            <a:off x="964927" y="2719405"/>
-            <a:ext cx="10515600" cy="1325563"/>
+            <a:off x="964927" y="1"/>
+            <a:ext cx="10515600" cy="6858000"/>
           </a:xfrm>
         </p:spPr>
         <p:txBody>
-          <a:bodyPr>
+          <a:bodyPr anchor="ctr">
             <a:normAutofit/>
           </a:bodyPr>
           <a:lstStyle/>
@@ -4169,7 +5334,7 @@
             <a:pPr algn="ctr"/>
             <a:r>
               <a:rPr lang="en-US" sz="4800" dirty="0" smtClean="0"/>
-              <a:t>Developers hate writing secure code</a:t>
+              <a:t>I hate writing secure code</a:t>
             </a:r>
             <a:endParaRPr lang="en-US" sz="4800" dirty="0"/>
           </a:p>
@@ -4178,7 +5343,7 @@
     </p:spTree>
     <p:extLst>
       <p:ext uri="{BB962C8B-B14F-4D97-AF65-F5344CB8AC3E}">
-        <p14:creationId xmlns:p14="http://schemas.microsoft.com/office/powerpoint/2010/main" val="2885496712"/>
+        <p14:creationId xmlns:p14="http://schemas.microsoft.com/office/powerpoint/2010/main" val="3599913949"/>
       </p:ext>
     </p:extLst>
   </p:cSld>
@@ -4224,45 +5389,60 @@
         </p:nvSpPr>
         <p:spPr>
           <a:xfrm>
-            <a:off x="964927" y="2719405"/>
-            <a:ext cx="10515600" cy="1325563"/>
+            <a:off x="964927" y="1"/>
+            <a:ext cx="10515600" cy="6858000"/>
           </a:xfrm>
         </p:spPr>
         <p:txBody>
-          <a:bodyPr>
+          <a:bodyPr anchor="ctr">
             <a:normAutofit/>
           </a:bodyPr>
           <a:lstStyle/>
           <a:p>
             <a:pPr algn="ctr"/>
             <a:r>
+              <a:rPr lang="en-US" sz="4800" strike="sngStrike" dirty="0" smtClean="0">
+                <a:solidFill>
+                  <a:schemeClr val="bg1">
+                    <a:lumMod val="75000"/>
+                  </a:schemeClr>
+                </a:solidFill>
+              </a:rPr>
+              <a:t>I hate writing secure </a:t>
+            </a:r>
+            <a:r>
+              <a:rPr lang="en-US" sz="4800" strike="sngStrike" dirty="0" smtClean="0">
+                <a:solidFill>
+                  <a:schemeClr val="bg1">
+                    <a:lumMod val="75000"/>
+                  </a:schemeClr>
+                </a:solidFill>
+              </a:rPr>
+              <a:t>code</a:t>
+            </a:r>
+            <a:r>
+              <a:rPr lang="en-US" sz="4800" strike="sngStrike" dirty="0" smtClean="0"/>
+              <a:t/>
+            </a:r>
+            <a:br>
+              <a:rPr lang="en-US" sz="4800" strike="sngStrike" dirty="0" smtClean="0"/>
+            </a:br>
+            <a:r>
               <a:rPr lang="en-US" sz="4800" dirty="0" smtClean="0"/>
-              <a:t>… but writing </a:t>
+              <a:t>I hate writing secure </a:t>
             </a:r>
             <a:r>
               <a:rPr lang="en-US" sz="4800" i="1" dirty="0" smtClean="0"/>
-              <a:t>security </a:t>
-            </a:r>
-            <a:r>
-              <a:rPr lang="en-US" sz="4800" dirty="0" smtClean="0"/>
-              <a:t>code</a:t>
-            </a:r>
-            <a:r>
-              <a:rPr lang="en-US" sz="4800" i="1" dirty="0" smtClean="0"/>
-              <a:t> </a:t>
-            </a:r>
-            <a:r>
-              <a:rPr lang="en-US" sz="4800" dirty="0" smtClean="0"/>
-              <a:t>ain't so bad.</a:t>
-            </a:r>
-            <a:endParaRPr lang="en-US" sz="4800" dirty="0"/>
+              <a:t>features</a:t>
+            </a:r>
+            <a:endParaRPr lang="en-US" sz="4800" i="1" dirty="0"/>
           </a:p>
         </p:txBody>
       </p:sp>
     </p:spTree>
     <p:extLst>
       <p:ext uri="{BB962C8B-B14F-4D97-AF65-F5344CB8AC3E}">
-        <p14:creationId xmlns:p14="http://schemas.microsoft.com/office/powerpoint/2010/main" val="3903192870"/>
+        <p14:creationId xmlns:p14="http://schemas.microsoft.com/office/powerpoint/2010/main" val="75936766"/>
       </p:ext>
     </p:extLst>
   </p:cSld>
@@ -4306,98 +5486,85 @@
             <p:ph type="title"/>
           </p:nvPr>
         </p:nvSpPr>
-        <p:spPr/>
-        <p:txBody>
-          <a:bodyPr>
+        <p:spPr>
+          <a:xfrm>
+            <a:off x="964927" y="1"/>
+            <a:ext cx="10515600" cy="6858000"/>
+          </a:xfrm>
+        </p:spPr>
+        <p:txBody>
+          <a:bodyPr anchor="ctr">
             <a:normAutofit/>
           </a:bodyPr>
           <a:lstStyle/>
           <a:p>
-            <a:r>
-              <a:rPr lang="en-US" sz="4800" dirty="0" smtClean="0"/>
-              <a:t>What's on </a:t>
-            </a:r>
-            <a:r>
-              <a:rPr lang="en-US" sz="4800" smtClean="0"/>
-              <a:t>the agenda?</a:t>
-            </a:r>
-            <a:endParaRPr lang="en-US" sz="4800" dirty="0"/>
-          </a:p>
-        </p:txBody>
-      </p:sp>
-      <p:sp>
-        <p:nvSpPr>
-          <p:cNvPr id="3" name="Content Placeholder 2"/>
-          <p:cNvSpPr>
-            <a:spLocks noGrp="1"/>
-          </p:cNvSpPr>
-          <p:nvPr>
-            <p:ph idx="1"/>
-          </p:nvPr>
-        </p:nvSpPr>
-        <p:spPr>
-          <a:xfrm>
-            <a:off x="838200" y="1825624"/>
-            <a:ext cx="10515600" cy="4589923"/>
-          </a:xfrm>
-        </p:spPr>
-        <p:txBody>
-          <a:bodyPr>
-            <a:normAutofit/>
-          </a:bodyPr>
-          <a:lstStyle/>
-          <a:p>
-            <a:r>
-              <a:rPr lang="en-US" sz="4000" dirty="0" smtClean="0">
+            <a:pPr algn="ctr"/>
+            <a:r>
+              <a:rPr lang="en-US" sz="4800" strike="sngStrike" dirty="0" smtClean="0">
                 <a:solidFill>
                   <a:schemeClr val="bg1">
-                    <a:lumMod val="65000"/>
+                    <a:lumMod val="75000"/>
                   </a:schemeClr>
                 </a:solidFill>
               </a:rPr>
-              <a:t>Old news</a:t>
-            </a:r>
-            <a:br>
-              <a:rPr lang="en-US" sz="4000" dirty="0" smtClean="0">
+              <a:t>I hate writing secure </a:t>
+            </a:r>
+            <a:r>
+              <a:rPr lang="en-US" sz="4800" strike="sngStrike" dirty="0" smtClean="0">
                 <a:solidFill>
                   <a:schemeClr val="bg1">
-                    <a:lumMod val="65000"/>
+                    <a:lumMod val="75000"/>
+                  </a:schemeClr>
+                </a:solidFill>
+              </a:rPr>
+              <a:t>code</a:t>
+            </a:r>
+            <a:br>
+              <a:rPr lang="en-US" sz="4800" strike="sngStrike" dirty="0" smtClean="0">
+                <a:solidFill>
+                  <a:schemeClr val="bg1">
+                    <a:lumMod val="75000"/>
                   </a:schemeClr>
                 </a:solidFill>
               </a:rPr>
             </a:br>
-            <a:endParaRPr lang="en-US" sz="4000" dirty="0" smtClean="0">
-              <a:solidFill>
-                <a:schemeClr val="bg1">
-                  <a:lumMod val="65000"/>
-                </a:schemeClr>
-              </a:solidFill>
-            </a:endParaRPr>
-          </a:p>
-          <a:p>
-            <a:r>
-              <a:rPr lang="en-US" sz="4000" b="1" dirty="0" smtClean="0"/>
-              <a:t>New hotness</a:t>
-            </a:r>
-          </a:p>
-          <a:p>
-            <a:endParaRPr lang="en-US" sz="4000" dirty="0" smtClean="0"/>
-          </a:p>
-          <a:p>
-            <a:endParaRPr lang="en-US" dirty="0" smtClean="0"/>
-          </a:p>
-          <a:p>
-            <a:endParaRPr lang="en-US" dirty="0" smtClean="0"/>
-          </a:p>
-          <a:p>
-            <a:endParaRPr lang="en-US" dirty="0"/>
+            <a:r>
+              <a:rPr lang="en-US" sz="4800" strike="sngStrike" dirty="0" smtClean="0">
+                <a:solidFill>
+                  <a:schemeClr val="bg1">
+                    <a:lumMod val="75000"/>
+                  </a:schemeClr>
+                </a:solidFill>
+              </a:rPr>
+              <a:t>I hate writing secure features</a:t>
+            </a:r>
+            <a:r>
+              <a:rPr lang="en-US" sz="4800" strike="sngStrike" dirty="0" smtClean="0"/>
+              <a:t/>
+            </a:r>
+            <a:br>
+              <a:rPr lang="en-US" sz="4800" strike="sngStrike" dirty="0" smtClean="0"/>
+            </a:br>
+            <a:r>
+              <a:rPr lang="en-US" sz="4800" dirty="0" smtClean="0"/>
+              <a:t>I hate implementing </a:t>
+            </a:r>
+            <a:r>
+              <a:rPr lang="en-US" sz="4800" i="1" dirty="0" smtClean="0"/>
+              <a:t>cross-cutting security concerns</a:t>
+            </a:r>
+            <a:r>
+              <a:rPr lang="en-US" sz="4800" dirty="0" smtClean="0"/>
+              <a:t> by repeating the same patterns over and over again in my feature-level code</a:t>
+            </a:r>
+            <a:endParaRPr lang="en-US" sz="4800" dirty="0"/>
           </a:p>
         </p:txBody>
       </p:sp>
     </p:spTree>
     <p:extLst>
       <p:ext uri="{BB962C8B-B14F-4D97-AF65-F5344CB8AC3E}">
-        <p14:creationId xmlns:p14="http://schemas.microsoft.com/office/powerpoint/2010/main" val="2651230507"/>
+        <p14:creationId xmlns:p14="http://schemas.microsoft.com/office/powerpoint/2010/main" val="3846056723"/>
       </p:ext>
     </p:extLst>
   </p:cSld>
@@ -4450,7 +5617,11 @@
           <a:p>
             <a:r>
               <a:rPr lang="en-US" sz="4800" dirty="0" smtClean="0"/>
-              <a:t>Patented step-by-step slide</a:t>
+              <a:t>What's on </a:t>
+            </a:r>
+            <a:r>
+              <a:rPr lang="en-US" sz="4800" smtClean="0"/>
+              <a:t>the agenda?</a:t>
             </a:r>
             <a:endParaRPr lang="en-US" sz="4800" dirty="0"/>
           </a:p>
@@ -4479,37 +5650,41 @@
           <a:lstStyle/>
           <a:p>
             <a:r>
-              <a:rPr lang="en-US" sz="4000" dirty="0" smtClean="0">
-                <a:solidFill>
-                  <a:schemeClr val="bg1">
-                    <a:lumMod val="65000"/>
-                  </a:schemeClr>
-                </a:solidFill>
-              </a:rPr>
-              <a:t>Old news</a:t>
-            </a:r>
-            <a:br>
-              <a:rPr lang="en-US" sz="4000" dirty="0" smtClean="0">
-                <a:solidFill>
-                  <a:schemeClr val="bg1">
-                    <a:lumMod val="65000"/>
-                  </a:schemeClr>
-                </a:solidFill>
-              </a:rPr>
-            </a:br>
-            <a:endParaRPr lang="en-US" sz="4000" dirty="0" smtClean="0">
-              <a:solidFill>
-                <a:schemeClr val="bg1">
-                  <a:lumMod val="65000"/>
-                </a:schemeClr>
-              </a:solidFill>
-            </a:endParaRPr>
-          </a:p>
-          <a:p>
-            <a:r>
-              <a:rPr lang="en-US" sz="4000" b="1" dirty="0" smtClean="0"/>
-              <a:t>New hotness</a:t>
-            </a:r>
+              <a:rPr lang="en-US" sz="4000" dirty="0" smtClean="0"/>
+              <a:t>Define "cross cutting" security concerns</a:t>
+            </a:r>
+          </a:p>
+          <a:p>
+            <a:endParaRPr lang="en-US" sz="4000" dirty="0"/>
+          </a:p>
+          <a:p>
+            <a:r>
+              <a:rPr lang="en-US" sz="4000" dirty="0" smtClean="0"/>
+              <a:t>&lt;x&gt; real-world examples (</a:t>
+            </a:r>
+            <a:r>
+              <a:rPr lang="en-US" sz="4000" i="1" dirty="0" smtClean="0"/>
+              <a:t>.NET and JS</a:t>
+            </a:r>
+            <a:r>
+              <a:rPr lang="en-US" sz="4000" dirty="0" smtClean="0"/>
+              <a:t>)</a:t>
+            </a:r>
+          </a:p>
+          <a:p>
+            <a:endParaRPr lang="en-US" sz="4000" dirty="0"/>
+          </a:p>
+          <a:p>
+            <a:r>
+              <a:rPr lang="en-US" sz="4000" dirty="0" smtClean="0"/>
+              <a:t>???</a:t>
+            </a:r>
+          </a:p>
+          <a:p>
+            <a:endParaRPr lang="en-US" sz="4000" dirty="0"/>
+          </a:p>
+          <a:p>
+            <a:endParaRPr lang="en-US" sz="4000" dirty="0" smtClean="0"/>
           </a:p>
           <a:p>
             <a:endParaRPr lang="en-US" sz="4000" dirty="0" smtClean="0"/>
@@ -4528,7 +5703,7 @@
     </p:spTree>
     <p:extLst>
       <p:ext uri="{BB962C8B-B14F-4D97-AF65-F5344CB8AC3E}">
-        <p14:creationId xmlns:p14="http://schemas.microsoft.com/office/powerpoint/2010/main" val="2285767896"/>
+        <p14:creationId xmlns:p14="http://schemas.microsoft.com/office/powerpoint/2010/main" val="2651230507"/>
       </p:ext>
     </p:extLst>
   </p:cSld>
@@ -4572,42 +5747,7 @@
             <p:ph type="title"/>
           </p:nvPr>
         </p:nvSpPr>
-        <p:spPr>
-          <a:xfrm>
-            <a:off x="838200" y="365125"/>
-            <a:ext cx="10886768" cy="1325563"/>
-          </a:xfrm>
-        </p:spPr>
-        <p:txBody>
-          <a:bodyPr>
-            <a:noAutofit/>
-          </a:bodyPr>
-          <a:lstStyle/>
-          <a:p>
-            <a:r>
-              <a:rPr lang="en-US" sz="4800" dirty="0" smtClean="0"/>
-              <a:t>Closing slide</a:t>
-            </a:r>
-            <a:endParaRPr lang="en-US" sz="4800" dirty="0"/>
-          </a:p>
-        </p:txBody>
-      </p:sp>
-      <p:sp>
-        <p:nvSpPr>
-          <p:cNvPr id="3" name="Content Placeholder 2"/>
-          <p:cNvSpPr>
-            <a:spLocks noGrp="1"/>
-          </p:cNvSpPr>
-          <p:nvPr>
-            <p:ph idx="1"/>
-          </p:nvPr>
-        </p:nvSpPr>
-        <p:spPr>
-          <a:xfrm>
-            <a:off x="838200" y="1825625"/>
-            <a:ext cx="11137490" cy="4899640"/>
-          </a:xfrm>
-        </p:spPr>
+        <p:spPr/>
         <p:txBody>
           <a:bodyPr>
             <a:normAutofit/>
@@ -4615,110 +5755,535 @@
           <a:lstStyle/>
           <a:p>
             <a:r>
-              <a:rPr lang="en-US" sz="4000" dirty="0" smtClean="0"/>
-              <a:t>The knowledge gets dropped here</a:t>
-            </a:r>
-          </a:p>
-          <a:p>
-            <a:pPr marL="0" indent="0">
-              <a:buNone/>
-            </a:pPr>
-            <a:endParaRPr lang="en-US" sz="3200" dirty="0" smtClean="0">
-              <a:hlinkClick r:id="rId3"/>
-            </a:endParaRPr>
-          </a:p>
-          <a:p>
-            <a:pPr marL="0" indent="0">
-              <a:buNone/>
-            </a:pPr>
-            <a:r>
-              <a:rPr lang="en-US" sz="3600" dirty="0" smtClean="0">
-                <a:hlinkClick r:id="rId3"/>
-              </a:rPr>
-              <a:t>github.com/</a:t>
-            </a:r>
-            <a:r>
-              <a:rPr lang="en-US" sz="3600" dirty="0" err="1" smtClean="0">
-                <a:hlinkClick r:id="rId3"/>
-              </a:rPr>
-              <a:t>spetryjohnson</a:t>
-            </a:r>
-            <a:r>
-              <a:rPr lang="en-US" sz="3600" dirty="0" smtClean="0"/>
-              <a:t> </a:t>
-            </a:r>
-            <a:r>
-              <a:rPr lang="en-US" sz="3600" dirty="0" smtClean="0">
-                <a:solidFill>
-                  <a:schemeClr val="bg1">
-                    <a:lumMod val="50000"/>
-                  </a:schemeClr>
-                </a:solidFill>
-              </a:rPr>
-              <a:t>|</a:t>
-            </a:r>
-            <a:r>
-              <a:rPr lang="en-US" sz="3600" dirty="0" smtClean="0"/>
-              <a:t> </a:t>
-            </a:r>
-            <a:r>
-              <a:rPr lang="en-US" sz="3600" dirty="0" smtClean="0">
-                <a:hlinkClick r:id="rId4"/>
-              </a:rPr>
-              <a:t>www.petry-johnson.com</a:t>
-            </a:r>
-            <a:r>
-              <a:rPr lang="en-US" sz="3600" dirty="0" smtClean="0"/>
-              <a:t/>
-            </a:r>
-            <a:br>
-              <a:rPr lang="en-US" sz="3600" dirty="0" smtClean="0"/>
-            </a:br>
-            <a:endParaRPr lang="en-US" sz="3600" dirty="0"/>
-          </a:p>
-          <a:p>
-            <a:pPr marL="0" indent="0" algn="ctr">
-              <a:buNone/>
-            </a:pPr>
-            <a:r>
-              <a:rPr lang="en-US" sz="3600" b="1" dirty="0" smtClean="0"/>
-              <a:t>@</a:t>
-            </a:r>
-            <a:r>
-              <a:rPr lang="en-US" sz="3600" b="1" dirty="0" err="1" smtClean="0"/>
-              <a:t>spetryjohnson</a:t>
-            </a:r>
-            <a:endParaRPr lang="en-US" b="1" dirty="0" smtClean="0"/>
+              <a:rPr lang="en-US" sz="4800" dirty="0" smtClean="0"/>
+              <a:t>"Cross cutting" concerns</a:t>
+            </a:r>
+            <a:endParaRPr lang="en-US" sz="4800" dirty="0"/>
+          </a:p>
+        </p:txBody>
+      </p:sp>
+      <p:sp>
+        <p:nvSpPr>
+          <p:cNvPr id="3" name="Content Placeholder 2"/>
+          <p:cNvSpPr>
+            <a:spLocks noGrp="1"/>
+          </p:cNvSpPr>
+          <p:nvPr>
+            <p:ph idx="1"/>
+          </p:nvPr>
+        </p:nvSpPr>
+        <p:spPr>
+          <a:xfrm>
+            <a:off x="838200" y="1825624"/>
+            <a:ext cx="10515600" cy="4589923"/>
+          </a:xfrm>
+        </p:spPr>
+        <p:txBody>
+          <a:bodyPr>
+            <a:normAutofit/>
+          </a:bodyPr>
+          <a:lstStyle/>
+          <a:p>
+            <a:endParaRPr lang="en-US" sz="4000" dirty="0"/>
+          </a:p>
+          <a:p>
+            <a:endParaRPr lang="en-US" sz="4000" dirty="0" smtClean="0"/>
+          </a:p>
+          <a:p>
+            <a:endParaRPr lang="en-US" sz="4000" dirty="0" smtClean="0"/>
           </a:p>
           <a:p>
             <a:endParaRPr lang="en-US" dirty="0" smtClean="0"/>
           </a:p>
           <a:p>
-            <a:pPr lvl="1"/>
             <a:endParaRPr lang="en-US" dirty="0" smtClean="0"/>
           </a:p>
           <a:p>
-            <a:pPr lvl="1"/>
-            <a:endParaRPr lang="en-US" dirty="0" smtClean="0"/>
-          </a:p>
-          <a:p>
-            <a:pPr lvl="1"/>
             <a:endParaRPr lang="en-US" dirty="0"/>
           </a:p>
-          <a:p>
-            <a:pPr lvl="1"/>
-            <a:endParaRPr lang="en-US" dirty="0" smtClean="0"/>
-          </a:p>
-          <a:p>
-            <a:pPr lvl="1"/>
-            <a:endParaRPr lang="en-US" dirty="0"/>
-          </a:p>
-        </p:txBody>
-      </p:sp>
+        </p:txBody>
+      </p:sp>
+      <p:pic>
+        <p:nvPicPr>
+          <p:cNvPr id="6" name="Picture 5"/>
+          <p:cNvPicPr>
+            <a:picLocks noChangeAspect="1"/>
+          </p:cNvPicPr>
+          <p:nvPr/>
+        </p:nvPicPr>
+        <p:blipFill>
+          <a:blip r:embed="rId3"/>
+          <a:stretch>
+            <a:fillRect/>
+          </a:stretch>
+        </p:blipFill>
+        <p:spPr>
+          <a:xfrm>
+            <a:off x="838200" y="1933777"/>
+            <a:ext cx="10515600" cy="4474906"/>
+          </a:xfrm>
+          <a:prstGeom prst="rect">
+            <a:avLst/>
+          </a:prstGeom>
+        </p:spPr>
+      </p:pic>
+      <p:pic>
+        <p:nvPicPr>
+          <p:cNvPr id="7" name="Picture 6"/>
+          <p:cNvPicPr>
+            <a:picLocks noChangeAspect="1"/>
+          </p:cNvPicPr>
+          <p:nvPr/>
+        </p:nvPicPr>
+        <p:blipFill>
+          <a:blip r:embed="rId4"/>
+          <a:stretch>
+            <a:fillRect/>
+          </a:stretch>
+        </p:blipFill>
+        <p:spPr>
+          <a:xfrm rot="5400000">
+            <a:off x="4947385" y="337963"/>
+            <a:ext cx="4810602" cy="8002231"/>
+          </a:xfrm>
+          <a:prstGeom prst="rect">
+            <a:avLst/>
+          </a:prstGeom>
+        </p:spPr>
+      </p:pic>
     </p:spTree>
     <p:extLst>
       <p:ext uri="{BB962C8B-B14F-4D97-AF65-F5344CB8AC3E}">
-        <p14:creationId xmlns:p14="http://schemas.microsoft.com/office/powerpoint/2010/main" val="659085787"/>
+        <p14:creationId xmlns:p14="http://schemas.microsoft.com/office/powerpoint/2010/main" val="3864357827"/>
+      </p:ext>
+    </p:extLst>
+  </p:cSld>
+  <p:clrMapOvr>
+    <a:masterClrMapping/>
+  </p:clrMapOvr>
+  <p:timing>
+    <p:tnLst>
+      <p:par>
+        <p:cTn id="1" dur="indefinite" restart="never" nodeType="tmRoot"/>
+      </p:par>
+    </p:tnLst>
+  </p:timing>
+</p:sld>
+</file>
+
+<file path=ppt/slides/slide7.xml><?xml version="1.0" encoding="utf-8"?>
+<p:sld xmlns:a="http://schemas.openxmlformats.org/drawingml/2006/main" xmlns:r="http://schemas.openxmlformats.org/officeDocument/2006/relationships" xmlns:p="http://schemas.openxmlformats.org/presentationml/2006/main">
+  <p:cSld>
+    <p:spTree>
+      <p:nvGrpSpPr>
+        <p:cNvPr id="1" name=""/>
+        <p:cNvGrpSpPr/>
+        <p:nvPr/>
+      </p:nvGrpSpPr>
+      <p:grpSpPr>
+        <a:xfrm>
+          <a:off x="0" y="0"/>
+          <a:ext cx="0" cy="0"/>
+          <a:chOff x="0" y="0"/>
+          <a:chExt cx="0" cy="0"/>
+        </a:xfrm>
+      </p:grpSpPr>
+      <p:sp>
+        <p:nvSpPr>
+          <p:cNvPr id="2" name="Title 1"/>
+          <p:cNvSpPr>
+            <a:spLocks noGrp="1"/>
+          </p:cNvSpPr>
+          <p:nvPr>
+            <p:ph type="title"/>
+          </p:nvPr>
+        </p:nvSpPr>
+        <p:spPr/>
+        <p:txBody>
+          <a:bodyPr>
+            <a:normAutofit/>
+          </a:bodyPr>
+          <a:lstStyle/>
+          <a:p>
+            <a:r>
+              <a:rPr lang="en-US" sz="4800" dirty="0" smtClean="0"/>
+              <a:t>"Cross cutting" concerns</a:t>
+            </a:r>
+            <a:endParaRPr lang="en-US" sz="4800" dirty="0"/>
+          </a:p>
+        </p:txBody>
+      </p:sp>
+      <p:sp>
+        <p:nvSpPr>
+          <p:cNvPr id="3" name="Content Placeholder 2"/>
+          <p:cNvSpPr>
+            <a:spLocks noGrp="1"/>
+          </p:cNvSpPr>
+          <p:nvPr>
+            <p:ph idx="1"/>
+          </p:nvPr>
+        </p:nvSpPr>
+        <p:spPr>
+          <a:xfrm>
+            <a:off x="838200" y="1825624"/>
+            <a:ext cx="10515600" cy="4589923"/>
+          </a:xfrm>
+        </p:spPr>
+        <p:txBody>
+          <a:bodyPr>
+            <a:normAutofit/>
+          </a:bodyPr>
+          <a:lstStyle/>
+          <a:p>
+            <a:endParaRPr lang="en-US" sz="4000" dirty="0"/>
+          </a:p>
+          <a:p>
+            <a:endParaRPr lang="en-US" sz="4000" dirty="0" smtClean="0"/>
+          </a:p>
+          <a:p>
+            <a:endParaRPr lang="en-US" sz="4000" dirty="0" smtClean="0"/>
+          </a:p>
+          <a:p>
+            <a:endParaRPr lang="en-US" dirty="0" smtClean="0"/>
+          </a:p>
+          <a:p>
+            <a:endParaRPr lang="en-US" dirty="0" smtClean="0"/>
+          </a:p>
+          <a:p>
+            <a:endParaRPr lang="en-US" dirty="0"/>
+          </a:p>
+        </p:txBody>
+      </p:sp>
+      <p:pic>
+        <p:nvPicPr>
+          <p:cNvPr id="6" name="Picture 5"/>
+          <p:cNvPicPr>
+            <a:picLocks noChangeAspect="1"/>
+          </p:cNvPicPr>
+          <p:nvPr/>
+        </p:nvPicPr>
+        <p:blipFill>
+          <a:blip r:embed="rId3"/>
+          <a:stretch>
+            <a:fillRect/>
+          </a:stretch>
+        </p:blipFill>
+        <p:spPr>
+          <a:xfrm>
+            <a:off x="838200" y="1933777"/>
+            <a:ext cx="10515600" cy="4474906"/>
+          </a:xfrm>
+          <a:prstGeom prst="rect">
+            <a:avLst/>
+          </a:prstGeom>
+        </p:spPr>
+      </p:pic>
+      <p:pic>
+        <p:nvPicPr>
+          <p:cNvPr id="5" name="Picture 4"/>
+          <p:cNvPicPr>
+            <a:picLocks noChangeAspect="1"/>
+          </p:cNvPicPr>
+          <p:nvPr/>
+        </p:nvPicPr>
+        <p:blipFill>
+          <a:blip r:embed="rId4"/>
+          <a:stretch>
+            <a:fillRect/>
+          </a:stretch>
+        </p:blipFill>
+        <p:spPr>
+          <a:xfrm rot="5400000">
+            <a:off x="6331890" y="1722468"/>
+            <a:ext cx="4810602" cy="5233221"/>
+          </a:xfrm>
+          <a:prstGeom prst="rect">
+            <a:avLst/>
+          </a:prstGeom>
+        </p:spPr>
+      </p:pic>
+    </p:spTree>
+    <p:extLst>
+      <p:ext uri="{BB962C8B-B14F-4D97-AF65-F5344CB8AC3E}">
+        <p14:creationId xmlns:p14="http://schemas.microsoft.com/office/powerpoint/2010/main" val="197551360"/>
+      </p:ext>
+    </p:extLst>
+  </p:cSld>
+  <p:clrMapOvr>
+    <a:masterClrMapping/>
+  </p:clrMapOvr>
+  <p:timing>
+    <p:tnLst>
+      <p:par>
+        <p:cTn id="1" dur="indefinite" restart="never" nodeType="tmRoot"/>
+      </p:par>
+    </p:tnLst>
+  </p:timing>
+</p:sld>
+</file>
+
+<file path=ppt/slides/slide8.xml><?xml version="1.0" encoding="utf-8"?>
+<p:sld xmlns:a="http://schemas.openxmlformats.org/drawingml/2006/main" xmlns:r="http://schemas.openxmlformats.org/officeDocument/2006/relationships" xmlns:p="http://schemas.openxmlformats.org/presentationml/2006/main">
+  <p:cSld>
+    <p:spTree>
+      <p:nvGrpSpPr>
+        <p:cNvPr id="1" name=""/>
+        <p:cNvGrpSpPr/>
+        <p:nvPr/>
+      </p:nvGrpSpPr>
+      <p:grpSpPr>
+        <a:xfrm>
+          <a:off x="0" y="0"/>
+          <a:ext cx="0" cy="0"/>
+          <a:chOff x="0" y="0"/>
+          <a:chExt cx="0" cy="0"/>
+        </a:xfrm>
+      </p:grpSpPr>
+      <p:sp>
+        <p:nvSpPr>
+          <p:cNvPr id="2" name="Title 1"/>
+          <p:cNvSpPr>
+            <a:spLocks noGrp="1"/>
+          </p:cNvSpPr>
+          <p:nvPr>
+            <p:ph type="title"/>
+          </p:nvPr>
+        </p:nvSpPr>
+        <p:spPr/>
+        <p:txBody>
+          <a:bodyPr>
+            <a:normAutofit/>
+          </a:bodyPr>
+          <a:lstStyle/>
+          <a:p>
+            <a:r>
+              <a:rPr lang="en-US" sz="4800" dirty="0" smtClean="0"/>
+              <a:t>"Cross cutting" concerns</a:t>
+            </a:r>
+            <a:endParaRPr lang="en-US" sz="4800" dirty="0"/>
+          </a:p>
+        </p:txBody>
+      </p:sp>
+      <p:sp>
+        <p:nvSpPr>
+          <p:cNvPr id="3" name="Content Placeholder 2"/>
+          <p:cNvSpPr>
+            <a:spLocks noGrp="1"/>
+          </p:cNvSpPr>
+          <p:nvPr>
+            <p:ph idx="1"/>
+          </p:nvPr>
+        </p:nvSpPr>
+        <p:spPr>
+          <a:xfrm>
+            <a:off x="838200" y="1825624"/>
+            <a:ext cx="10515600" cy="4589923"/>
+          </a:xfrm>
+        </p:spPr>
+        <p:txBody>
+          <a:bodyPr>
+            <a:normAutofit/>
+          </a:bodyPr>
+          <a:lstStyle/>
+          <a:p>
+            <a:endParaRPr lang="en-US" sz="4000" dirty="0"/>
+          </a:p>
+          <a:p>
+            <a:endParaRPr lang="en-US" sz="4000" dirty="0" smtClean="0"/>
+          </a:p>
+          <a:p>
+            <a:endParaRPr lang="en-US" sz="4000" dirty="0" smtClean="0"/>
+          </a:p>
+          <a:p>
+            <a:endParaRPr lang="en-US" dirty="0" smtClean="0"/>
+          </a:p>
+          <a:p>
+            <a:endParaRPr lang="en-US" dirty="0" smtClean="0"/>
+          </a:p>
+          <a:p>
+            <a:endParaRPr lang="en-US" dirty="0"/>
+          </a:p>
+        </p:txBody>
+      </p:sp>
+      <p:pic>
+        <p:nvPicPr>
+          <p:cNvPr id="6" name="Picture 5"/>
+          <p:cNvPicPr>
+            <a:picLocks noChangeAspect="1"/>
+          </p:cNvPicPr>
+          <p:nvPr/>
+        </p:nvPicPr>
+        <p:blipFill>
+          <a:blip r:embed="rId3"/>
+          <a:stretch>
+            <a:fillRect/>
+          </a:stretch>
+        </p:blipFill>
+        <p:spPr>
+          <a:xfrm>
+            <a:off x="838200" y="1933777"/>
+            <a:ext cx="10515600" cy="4474906"/>
+          </a:xfrm>
+          <a:prstGeom prst="rect">
+            <a:avLst/>
+          </a:prstGeom>
+        </p:spPr>
+      </p:pic>
+      <p:pic>
+        <p:nvPicPr>
+          <p:cNvPr id="5" name="Picture 4"/>
+          <p:cNvPicPr>
+            <a:picLocks noChangeAspect="1"/>
+          </p:cNvPicPr>
+          <p:nvPr/>
+        </p:nvPicPr>
+        <p:blipFill>
+          <a:blip r:embed="rId4"/>
+          <a:stretch>
+            <a:fillRect/>
+          </a:stretch>
+        </p:blipFill>
+        <p:spPr>
+          <a:xfrm rot="5400000">
+            <a:off x="7629748" y="3020326"/>
+            <a:ext cx="4810602" cy="2637505"/>
+          </a:xfrm>
+          <a:prstGeom prst="rect">
+            <a:avLst/>
+          </a:prstGeom>
+        </p:spPr>
+      </p:pic>
+    </p:spTree>
+    <p:extLst>
+      <p:ext uri="{BB962C8B-B14F-4D97-AF65-F5344CB8AC3E}">
+        <p14:creationId xmlns:p14="http://schemas.microsoft.com/office/powerpoint/2010/main" val="136631790"/>
+      </p:ext>
+    </p:extLst>
+  </p:cSld>
+  <p:clrMapOvr>
+    <a:masterClrMapping/>
+  </p:clrMapOvr>
+  <p:timing>
+    <p:tnLst>
+      <p:par>
+        <p:cTn id="1" dur="indefinite" restart="never" nodeType="tmRoot"/>
+      </p:par>
+    </p:tnLst>
+  </p:timing>
+</p:sld>
+</file>
+
+<file path=ppt/slides/slide9.xml><?xml version="1.0" encoding="utf-8"?>
+<p:sld xmlns:a="http://schemas.openxmlformats.org/drawingml/2006/main" xmlns:r="http://schemas.openxmlformats.org/officeDocument/2006/relationships" xmlns:p="http://schemas.openxmlformats.org/presentationml/2006/main">
+  <p:cSld>
+    <p:spTree>
+      <p:nvGrpSpPr>
+        <p:cNvPr id="1" name=""/>
+        <p:cNvGrpSpPr/>
+        <p:nvPr/>
+      </p:nvGrpSpPr>
+      <p:grpSpPr>
+        <a:xfrm>
+          <a:off x="0" y="0"/>
+          <a:ext cx="0" cy="0"/>
+          <a:chOff x="0" y="0"/>
+          <a:chExt cx="0" cy="0"/>
+        </a:xfrm>
+      </p:grpSpPr>
+      <p:sp>
+        <p:nvSpPr>
+          <p:cNvPr id="2" name="Title 1"/>
+          <p:cNvSpPr>
+            <a:spLocks noGrp="1"/>
+          </p:cNvSpPr>
+          <p:nvPr>
+            <p:ph type="title"/>
+          </p:nvPr>
+        </p:nvSpPr>
+        <p:spPr/>
+        <p:txBody>
+          <a:bodyPr>
+            <a:normAutofit/>
+          </a:bodyPr>
+          <a:lstStyle/>
+          <a:p>
+            <a:r>
+              <a:rPr lang="en-US" sz="4800" dirty="0" smtClean="0"/>
+              <a:t>"Cross cutting" concerns</a:t>
+            </a:r>
+            <a:endParaRPr lang="en-US" sz="4800" dirty="0"/>
+          </a:p>
+        </p:txBody>
+      </p:sp>
+      <p:sp>
+        <p:nvSpPr>
+          <p:cNvPr id="3" name="Content Placeholder 2"/>
+          <p:cNvSpPr>
+            <a:spLocks noGrp="1"/>
+          </p:cNvSpPr>
+          <p:nvPr>
+            <p:ph idx="1"/>
+          </p:nvPr>
+        </p:nvSpPr>
+        <p:spPr>
+          <a:xfrm>
+            <a:off x="838200" y="1825624"/>
+            <a:ext cx="10515600" cy="4589923"/>
+          </a:xfrm>
+        </p:spPr>
+        <p:txBody>
+          <a:bodyPr>
+            <a:normAutofit/>
+          </a:bodyPr>
+          <a:lstStyle/>
+          <a:p>
+            <a:endParaRPr lang="en-US" sz="4000" dirty="0"/>
+          </a:p>
+          <a:p>
+            <a:endParaRPr lang="en-US" sz="4000" dirty="0" smtClean="0"/>
+          </a:p>
+          <a:p>
+            <a:endParaRPr lang="en-US" sz="4000" dirty="0" smtClean="0"/>
+          </a:p>
+          <a:p>
+            <a:endParaRPr lang="en-US" dirty="0" smtClean="0"/>
+          </a:p>
+          <a:p>
+            <a:endParaRPr lang="en-US" dirty="0" smtClean="0"/>
+          </a:p>
+          <a:p>
+            <a:endParaRPr lang="en-US" dirty="0"/>
+          </a:p>
+        </p:txBody>
+      </p:sp>
+      <p:pic>
+        <p:nvPicPr>
+          <p:cNvPr id="6" name="Picture 5"/>
+          <p:cNvPicPr>
+            <a:picLocks noChangeAspect="1"/>
+          </p:cNvPicPr>
+          <p:nvPr/>
+        </p:nvPicPr>
+        <p:blipFill>
+          <a:blip r:embed="rId3"/>
+          <a:stretch>
+            <a:fillRect/>
+          </a:stretch>
+        </p:blipFill>
+        <p:spPr>
+          <a:xfrm>
+            <a:off x="838200" y="1933777"/>
+            <a:ext cx="10515600" cy="4474906"/>
+          </a:xfrm>
+          <a:prstGeom prst="rect">
+            <a:avLst/>
+          </a:prstGeom>
+        </p:spPr>
+      </p:pic>
+    </p:spTree>
+    <p:extLst>
+      <p:ext uri="{BB962C8B-B14F-4D97-AF65-F5344CB8AC3E}">
+        <p14:creationId xmlns:p14="http://schemas.microsoft.com/office/powerpoint/2010/main" val="3788007878"/>
       </p:ext>
     </p:extLst>
   </p:cSld>

--- a/Secure Systems - CodeMash 2017.pptx
+++ b/Secure Systems - CodeMash 2017.pptx
@@ -220,7 +220,7 @@
           <a:p>
             <a:fld id="{C54A4886-B4AF-42F7-97BE-95CDF82A73E3}" type="datetimeFigureOut">
               <a:rPr lang="en-US" smtClean="0"/>
-              <a:t>12/19/2016</a:t>
+              <a:t>12/20/2016</a:t>
             </a:fld>
             <a:endParaRPr lang="en-US"/>
           </a:p>
@@ -1802,7 +1802,7 @@
           <a:p>
             <a:fld id="{75AA6396-395E-4ADA-8EE5-F328BC863A04}" type="datetimeFigureOut">
               <a:rPr lang="en-US" smtClean="0"/>
-              <a:t>12/19/2016</a:t>
+              <a:t>12/20/2016</a:t>
             </a:fld>
             <a:endParaRPr lang="en-US"/>
           </a:p>
@@ -1979,7 +1979,7 @@
           <a:p>
             <a:fld id="{75AA6396-395E-4ADA-8EE5-F328BC863A04}" type="datetimeFigureOut">
               <a:rPr lang="en-US" smtClean="0"/>
-              <a:t>12/19/2016</a:t>
+              <a:t>12/20/2016</a:t>
             </a:fld>
             <a:endParaRPr lang="en-US"/>
           </a:p>
@@ -2159,7 +2159,7 @@
           <a:p>
             <a:fld id="{75AA6396-395E-4ADA-8EE5-F328BC863A04}" type="datetimeFigureOut">
               <a:rPr lang="en-US" smtClean="0"/>
-              <a:t>12/19/2016</a:t>
+              <a:t>12/20/2016</a:t>
             </a:fld>
             <a:endParaRPr lang="en-US"/>
           </a:p>
@@ -2379,7 +2379,7 @@
           <a:p>
             <a:fld id="{75AA6396-395E-4ADA-8EE5-F328BC863A04}" type="datetimeFigureOut">
               <a:rPr lang="en-US" smtClean="0"/>
-              <a:t>12/19/2016</a:t>
+              <a:t>12/20/2016</a:t>
             </a:fld>
             <a:endParaRPr lang="en-US"/>
           </a:p>
@@ -2632,7 +2632,7 @@
           <a:p>
             <a:fld id="{75AA6396-395E-4ADA-8EE5-F328BC863A04}" type="datetimeFigureOut">
               <a:rPr lang="en-US" smtClean="0"/>
-              <a:t>12/19/2016</a:t>
+              <a:t>12/20/2016</a:t>
             </a:fld>
             <a:endParaRPr lang="en-US"/>
           </a:p>
@@ -2871,7 +2871,7 @@
           <a:p>
             <a:fld id="{75AA6396-395E-4ADA-8EE5-F328BC863A04}" type="datetimeFigureOut">
               <a:rPr lang="en-US" smtClean="0"/>
-              <a:t>12/19/2016</a:t>
+              <a:t>12/20/2016</a:t>
             </a:fld>
             <a:endParaRPr lang="en-US"/>
           </a:p>
@@ -3245,7 +3245,7 @@
           <a:p>
             <a:fld id="{75AA6396-395E-4ADA-8EE5-F328BC863A04}" type="datetimeFigureOut">
               <a:rPr lang="en-US" smtClean="0"/>
-              <a:t>12/19/2016</a:t>
+              <a:t>12/20/2016</a:t>
             </a:fld>
             <a:endParaRPr lang="en-US"/>
           </a:p>
@@ -3363,7 +3363,7 @@
           <a:p>
             <a:fld id="{75AA6396-395E-4ADA-8EE5-F328BC863A04}" type="datetimeFigureOut">
               <a:rPr lang="en-US" smtClean="0"/>
-              <a:t>12/19/2016</a:t>
+              <a:t>12/20/2016</a:t>
             </a:fld>
             <a:endParaRPr lang="en-US"/>
           </a:p>
@@ -3458,7 +3458,7 @@
           <a:p>
             <a:fld id="{75AA6396-395E-4ADA-8EE5-F328BC863A04}" type="datetimeFigureOut">
               <a:rPr lang="en-US" smtClean="0"/>
-              <a:t>12/19/2016</a:t>
+              <a:t>12/20/2016</a:t>
             </a:fld>
             <a:endParaRPr lang="en-US"/>
           </a:p>
@@ -3735,7 +3735,7 @@
           <a:p>
             <a:fld id="{75AA6396-395E-4ADA-8EE5-F328BC863A04}" type="datetimeFigureOut">
               <a:rPr lang="en-US" smtClean="0"/>
-              <a:t>12/19/2016</a:t>
+              <a:t>12/20/2016</a:t>
             </a:fld>
             <a:endParaRPr lang="en-US"/>
           </a:p>
@@ -3988,7 +3988,7 @@
           <a:p>
             <a:fld id="{75AA6396-395E-4ADA-8EE5-F328BC863A04}" type="datetimeFigureOut">
               <a:rPr lang="en-US" smtClean="0"/>
-              <a:t>12/19/2016</a:t>
+              <a:t>12/20/2016</a:t>
             </a:fld>
             <a:endParaRPr lang="en-US"/>
           </a:p>
@@ -4201,7 +4201,7 @@
           <a:p>
             <a:fld id="{75AA6396-395E-4ADA-8EE5-F328BC863A04}" type="datetimeFigureOut">
               <a:rPr lang="en-US" smtClean="0"/>
-              <a:t>12/19/2016</a:t>
+              <a:t>12/20/2016</a:t>
             </a:fld>
             <a:endParaRPr lang="en-US"/>
           </a:p>
@@ -5408,17 +5408,7 @@
                   </a:schemeClr>
                 </a:solidFill>
               </a:rPr>
-              <a:t>I hate writing secure </a:t>
-            </a:r>
-            <a:r>
-              <a:rPr lang="en-US" sz="4800" strike="sngStrike" dirty="0" smtClean="0">
-                <a:solidFill>
-                  <a:schemeClr val="bg1">
-                    <a:lumMod val="75000"/>
-                  </a:schemeClr>
-                </a:solidFill>
-              </a:rPr>
-              <a:t>code</a:t>
+              <a:t>I hate writing secure code</a:t>
             </a:r>
             <a:r>
               <a:rPr lang="en-US" sz="4800" strike="sngStrike" dirty="0" smtClean="0"/>
@@ -5507,17 +5497,7 @@
                   </a:schemeClr>
                 </a:solidFill>
               </a:rPr>
-              <a:t>I hate writing secure </a:t>
-            </a:r>
-            <a:r>
-              <a:rPr lang="en-US" sz="4800" strike="sngStrike" dirty="0" smtClean="0">
-                <a:solidFill>
-                  <a:schemeClr val="bg1">
-                    <a:lumMod val="75000"/>
-                  </a:schemeClr>
-                </a:solidFill>
-              </a:rPr>
-              <a:t>code</a:t>
+              <a:t>I hate writing secure code</a:t>
             </a:r>
             <a:br>
               <a:rPr lang="en-US" sz="4800" strike="sngStrike" dirty="0" smtClean="0">

--- a/Secure Systems - CodeMash 2017.pptx
+++ b/Secure Systems - CodeMash 2017.pptx
@@ -5,7 +5,7 @@
     <p:sldMasterId id="2147483749" r:id="rId1"/>
   </p:sldMasterIdLst>
   <p:notesMasterIdLst>
-    <p:notesMasterId r:id="rId15"/>
+    <p:notesMasterId r:id="rId19"/>
   </p:notesMasterIdLst>
   <p:sldIdLst>
     <p:sldId id="395" r:id="rId2"/>
@@ -13,14 +13,18 @@
     <p:sldId id="488" r:id="rId4"/>
     <p:sldId id="489" r:id="rId5"/>
     <p:sldId id="482" r:id="rId6"/>
-    <p:sldId id="490" r:id="rId7"/>
+    <p:sldId id="497" r:id="rId7"/>
     <p:sldId id="491" r:id="rId8"/>
-    <p:sldId id="492" r:id="rId9"/>
-    <p:sldId id="493" r:id="rId10"/>
-    <p:sldId id="494" r:id="rId11"/>
-    <p:sldId id="484" r:id="rId12"/>
-    <p:sldId id="485" r:id="rId13"/>
-    <p:sldId id="443" r:id="rId14"/>
+    <p:sldId id="495" r:id="rId9"/>
+    <p:sldId id="492" r:id="rId10"/>
+    <p:sldId id="493" r:id="rId11"/>
+    <p:sldId id="494" r:id="rId12"/>
+    <p:sldId id="498" r:id="rId13"/>
+    <p:sldId id="496" r:id="rId14"/>
+    <p:sldId id="499" r:id="rId15"/>
+    <p:sldId id="484" r:id="rId16"/>
+    <p:sldId id="485" r:id="rId17"/>
+    <p:sldId id="443" r:id="rId18"/>
   </p:sldIdLst>
   <p:sldSz cx="12192000" cy="6858000"/>
   <p:notesSz cx="6858000" cy="9144000"/>
@@ -654,7 +658,7 @@
     </p:spTree>
     <p:extLst>
       <p:ext uri="{BB962C8B-B14F-4D97-AF65-F5344CB8AC3E}">
-        <p14:creationId xmlns:p14="http://schemas.microsoft.com/office/powerpoint/2010/main" val="455841040"/>
+        <p14:creationId xmlns:p14="http://schemas.microsoft.com/office/powerpoint/2010/main" val="3246387786"/>
       </p:ext>
     </p:extLst>
   </p:cSld>
@@ -738,7 +742,7 @@
     </p:spTree>
     <p:extLst>
       <p:ext uri="{BB962C8B-B14F-4D97-AF65-F5344CB8AC3E}">
-        <p14:creationId xmlns:p14="http://schemas.microsoft.com/office/powerpoint/2010/main" val="4212963282"/>
+        <p14:creationId xmlns:p14="http://schemas.microsoft.com/office/powerpoint/2010/main" val="2622349736"/>
       </p:ext>
     </p:extLst>
   </p:cSld>
@@ -822,7 +826,7 @@
     </p:spTree>
     <p:extLst>
       <p:ext uri="{BB962C8B-B14F-4D97-AF65-F5344CB8AC3E}">
-        <p14:creationId xmlns:p14="http://schemas.microsoft.com/office/powerpoint/2010/main" val="2267138517"/>
+        <p14:creationId xmlns:p14="http://schemas.microsoft.com/office/powerpoint/2010/main" val="1778818159"/>
       </p:ext>
     </p:extLst>
   </p:cSld>
@@ -876,6 +880,107 @@
           <a:bodyPr/>
           <a:lstStyle/>
           <a:p>
+            <a:endParaRPr lang="en-US" b="0" dirty="0" smtClean="0"/>
+          </a:p>
+        </p:txBody>
+      </p:sp>
+      <p:sp>
+        <p:nvSpPr>
+          <p:cNvPr id="4" name="Slide Number Placeholder 3"/>
+          <p:cNvSpPr>
+            <a:spLocks noGrp="1"/>
+          </p:cNvSpPr>
+          <p:nvPr>
+            <p:ph type="sldNum" sz="quarter" idx="10"/>
+          </p:nvPr>
+        </p:nvSpPr>
+        <p:spPr/>
+        <p:txBody>
+          <a:bodyPr/>
+          <a:lstStyle/>
+          <a:p>
+            <a:fld id="{89029652-62E7-43D6-83B5-097D7B7AA5D8}" type="slidenum">
+              <a:rPr lang="en-US" smtClean="0"/>
+              <a:t>13</a:t>
+            </a:fld>
+            <a:endParaRPr lang="en-US"/>
+          </a:p>
+        </p:txBody>
+      </p:sp>
+    </p:spTree>
+    <p:extLst>
+      <p:ext uri="{BB962C8B-B14F-4D97-AF65-F5344CB8AC3E}">
+        <p14:creationId xmlns:p14="http://schemas.microsoft.com/office/powerpoint/2010/main" val="3559323980"/>
+      </p:ext>
+    </p:extLst>
+  </p:cSld>
+  <p:clrMapOvr>
+    <a:masterClrMapping/>
+  </p:clrMapOvr>
+</p:notes>
+</file>
+
+<file path=ppt/notesSlides/notesSlide14.xml><?xml version="1.0" encoding="utf-8"?>
+<p:notes xmlns:a="http://schemas.openxmlformats.org/drawingml/2006/main" xmlns:r="http://schemas.openxmlformats.org/officeDocument/2006/relationships" xmlns:p="http://schemas.openxmlformats.org/presentationml/2006/main">
+  <p:cSld>
+    <p:spTree>
+      <p:nvGrpSpPr>
+        <p:cNvPr id="1" name=""/>
+        <p:cNvGrpSpPr/>
+        <p:nvPr/>
+      </p:nvGrpSpPr>
+      <p:grpSpPr>
+        <a:xfrm>
+          <a:off x="0" y="0"/>
+          <a:ext cx="0" cy="0"/>
+          <a:chOff x="0" y="0"/>
+          <a:chExt cx="0" cy="0"/>
+        </a:xfrm>
+      </p:grpSpPr>
+      <p:sp>
+        <p:nvSpPr>
+          <p:cNvPr id="2" name="Slide Image Placeholder 1"/>
+          <p:cNvSpPr>
+            <a:spLocks noGrp="1" noRot="1" noChangeAspect="1"/>
+          </p:cNvSpPr>
+          <p:nvPr>
+            <p:ph type="sldImg"/>
+          </p:nvPr>
+        </p:nvSpPr>
+        <p:spPr/>
+      </p:sp>
+      <p:sp>
+        <p:nvSpPr>
+          <p:cNvPr id="3" name="Notes Placeholder 2"/>
+          <p:cNvSpPr>
+            <a:spLocks noGrp="1"/>
+          </p:cNvSpPr>
+          <p:nvPr>
+            <p:ph type="body" idx="1"/>
+          </p:nvPr>
+        </p:nvSpPr>
+        <p:spPr/>
+        <p:txBody>
+          <a:bodyPr/>
+          <a:lstStyle/>
+          <a:p>
+            <a:pPr marL="0" marR="0" indent="0" algn="l" defTabSz="914400" rtl="0" eaLnBrk="1" fontAlgn="auto" latinLnBrk="0" hangingPunct="1">
+              <a:lnSpc>
+                <a:spcPct val="100000"/>
+              </a:lnSpc>
+              <a:spcBef>
+                <a:spcPts val="0"/>
+              </a:spcBef>
+              <a:spcAft>
+                <a:spcPts val="0"/>
+              </a:spcAft>
+              <a:buClrTx/>
+              <a:buSzTx/>
+              <a:buFontTx/>
+              <a:buNone/>
+              <a:tabLst/>
+              <a:defRPr/>
+            </a:pPr>
             <a:endParaRPr lang="en-US" sz="1200" kern="1200" dirty="0" smtClean="0">
               <a:solidFill>
                 <a:schemeClr val="tx1"/>
@@ -905,7 +1010,267 @@
           <a:p>
             <a:fld id="{89029652-62E7-43D6-83B5-097D7B7AA5D8}" type="slidenum">
               <a:rPr lang="en-US" smtClean="0"/>
-              <a:t>13</a:t>
+              <a:t>14</a:t>
+            </a:fld>
+            <a:endParaRPr lang="en-US"/>
+          </a:p>
+        </p:txBody>
+      </p:sp>
+    </p:spTree>
+    <p:extLst>
+      <p:ext uri="{BB962C8B-B14F-4D97-AF65-F5344CB8AC3E}">
+        <p14:creationId xmlns:p14="http://schemas.microsoft.com/office/powerpoint/2010/main" val="2181037172"/>
+      </p:ext>
+    </p:extLst>
+  </p:cSld>
+  <p:clrMapOvr>
+    <a:masterClrMapping/>
+  </p:clrMapOvr>
+</p:notes>
+</file>
+
+<file path=ppt/notesSlides/notesSlide15.xml><?xml version="1.0" encoding="utf-8"?>
+<p:notes xmlns:a="http://schemas.openxmlformats.org/drawingml/2006/main" xmlns:r="http://schemas.openxmlformats.org/officeDocument/2006/relationships" xmlns:p="http://schemas.openxmlformats.org/presentationml/2006/main">
+  <p:cSld>
+    <p:spTree>
+      <p:nvGrpSpPr>
+        <p:cNvPr id="1" name=""/>
+        <p:cNvGrpSpPr/>
+        <p:nvPr/>
+      </p:nvGrpSpPr>
+      <p:grpSpPr>
+        <a:xfrm>
+          <a:off x="0" y="0"/>
+          <a:ext cx="0" cy="0"/>
+          <a:chOff x="0" y="0"/>
+          <a:chExt cx="0" cy="0"/>
+        </a:xfrm>
+      </p:grpSpPr>
+      <p:sp>
+        <p:nvSpPr>
+          <p:cNvPr id="2" name="Slide Image Placeholder 1"/>
+          <p:cNvSpPr>
+            <a:spLocks noGrp="1" noRot="1" noChangeAspect="1"/>
+          </p:cNvSpPr>
+          <p:nvPr>
+            <p:ph type="sldImg"/>
+          </p:nvPr>
+        </p:nvSpPr>
+        <p:spPr/>
+      </p:sp>
+      <p:sp>
+        <p:nvSpPr>
+          <p:cNvPr id="3" name="Notes Placeholder 2"/>
+          <p:cNvSpPr>
+            <a:spLocks noGrp="1"/>
+          </p:cNvSpPr>
+          <p:nvPr>
+            <p:ph type="body" idx="1"/>
+          </p:nvPr>
+        </p:nvSpPr>
+        <p:spPr/>
+        <p:txBody>
+          <a:bodyPr/>
+          <a:lstStyle/>
+          <a:p>
+            <a:endParaRPr lang="en-US" b="0" dirty="0" smtClean="0"/>
+          </a:p>
+        </p:txBody>
+      </p:sp>
+      <p:sp>
+        <p:nvSpPr>
+          <p:cNvPr id="4" name="Slide Number Placeholder 3"/>
+          <p:cNvSpPr>
+            <a:spLocks noGrp="1"/>
+          </p:cNvSpPr>
+          <p:nvPr>
+            <p:ph type="sldNum" sz="quarter" idx="10"/>
+          </p:nvPr>
+        </p:nvSpPr>
+        <p:spPr/>
+        <p:txBody>
+          <a:bodyPr/>
+          <a:lstStyle/>
+          <a:p>
+            <a:fld id="{89029652-62E7-43D6-83B5-097D7B7AA5D8}" type="slidenum">
+              <a:rPr lang="en-US" smtClean="0"/>
+              <a:t>15</a:t>
+            </a:fld>
+            <a:endParaRPr lang="en-US"/>
+          </a:p>
+        </p:txBody>
+      </p:sp>
+    </p:spTree>
+    <p:extLst>
+      <p:ext uri="{BB962C8B-B14F-4D97-AF65-F5344CB8AC3E}">
+        <p14:creationId xmlns:p14="http://schemas.microsoft.com/office/powerpoint/2010/main" val="4212963282"/>
+      </p:ext>
+    </p:extLst>
+  </p:cSld>
+  <p:clrMapOvr>
+    <a:masterClrMapping/>
+  </p:clrMapOvr>
+</p:notes>
+</file>
+
+<file path=ppt/notesSlides/notesSlide16.xml><?xml version="1.0" encoding="utf-8"?>
+<p:notes xmlns:a="http://schemas.openxmlformats.org/drawingml/2006/main" xmlns:r="http://schemas.openxmlformats.org/officeDocument/2006/relationships" xmlns:p="http://schemas.openxmlformats.org/presentationml/2006/main">
+  <p:cSld>
+    <p:spTree>
+      <p:nvGrpSpPr>
+        <p:cNvPr id="1" name=""/>
+        <p:cNvGrpSpPr/>
+        <p:nvPr/>
+      </p:nvGrpSpPr>
+      <p:grpSpPr>
+        <a:xfrm>
+          <a:off x="0" y="0"/>
+          <a:ext cx="0" cy="0"/>
+          <a:chOff x="0" y="0"/>
+          <a:chExt cx="0" cy="0"/>
+        </a:xfrm>
+      </p:grpSpPr>
+      <p:sp>
+        <p:nvSpPr>
+          <p:cNvPr id="2" name="Slide Image Placeholder 1"/>
+          <p:cNvSpPr>
+            <a:spLocks noGrp="1" noRot="1" noChangeAspect="1"/>
+          </p:cNvSpPr>
+          <p:nvPr>
+            <p:ph type="sldImg"/>
+          </p:nvPr>
+        </p:nvSpPr>
+        <p:spPr/>
+      </p:sp>
+      <p:sp>
+        <p:nvSpPr>
+          <p:cNvPr id="3" name="Notes Placeholder 2"/>
+          <p:cNvSpPr>
+            <a:spLocks noGrp="1"/>
+          </p:cNvSpPr>
+          <p:nvPr>
+            <p:ph type="body" idx="1"/>
+          </p:nvPr>
+        </p:nvSpPr>
+        <p:spPr/>
+        <p:txBody>
+          <a:bodyPr/>
+          <a:lstStyle/>
+          <a:p>
+            <a:endParaRPr lang="en-US" b="0" dirty="0" smtClean="0"/>
+          </a:p>
+        </p:txBody>
+      </p:sp>
+      <p:sp>
+        <p:nvSpPr>
+          <p:cNvPr id="4" name="Slide Number Placeholder 3"/>
+          <p:cNvSpPr>
+            <a:spLocks noGrp="1"/>
+          </p:cNvSpPr>
+          <p:nvPr>
+            <p:ph type="sldNum" sz="quarter" idx="10"/>
+          </p:nvPr>
+        </p:nvSpPr>
+        <p:spPr/>
+        <p:txBody>
+          <a:bodyPr/>
+          <a:lstStyle/>
+          <a:p>
+            <a:fld id="{89029652-62E7-43D6-83B5-097D7B7AA5D8}" type="slidenum">
+              <a:rPr lang="en-US" smtClean="0"/>
+              <a:t>16</a:t>
+            </a:fld>
+            <a:endParaRPr lang="en-US"/>
+          </a:p>
+        </p:txBody>
+      </p:sp>
+    </p:spTree>
+    <p:extLst>
+      <p:ext uri="{BB962C8B-B14F-4D97-AF65-F5344CB8AC3E}">
+        <p14:creationId xmlns:p14="http://schemas.microsoft.com/office/powerpoint/2010/main" val="2267138517"/>
+      </p:ext>
+    </p:extLst>
+  </p:cSld>
+  <p:clrMapOvr>
+    <a:masterClrMapping/>
+  </p:clrMapOvr>
+</p:notes>
+</file>
+
+<file path=ppt/notesSlides/notesSlide17.xml><?xml version="1.0" encoding="utf-8"?>
+<p:notes xmlns:a="http://schemas.openxmlformats.org/drawingml/2006/main" xmlns:r="http://schemas.openxmlformats.org/officeDocument/2006/relationships" xmlns:p="http://schemas.openxmlformats.org/presentationml/2006/main">
+  <p:cSld>
+    <p:spTree>
+      <p:nvGrpSpPr>
+        <p:cNvPr id="1" name=""/>
+        <p:cNvGrpSpPr/>
+        <p:nvPr/>
+      </p:nvGrpSpPr>
+      <p:grpSpPr>
+        <a:xfrm>
+          <a:off x="0" y="0"/>
+          <a:ext cx="0" cy="0"/>
+          <a:chOff x="0" y="0"/>
+          <a:chExt cx="0" cy="0"/>
+        </a:xfrm>
+      </p:grpSpPr>
+      <p:sp>
+        <p:nvSpPr>
+          <p:cNvPr id="2" name="Slide Image Placeholder 1"/>
+          <p:cNvSpPr>
+            <a:spLocks noGrp="1" noRot="1" noChangeAspect="1"/>
+          </p:cNvSpPr>
+          <p:nvPr>
+            <p:ph type="sldImg"/>
+          </p:nvPr>
+        </p:nvSpPr>
+        <p:spPr/>
+      </p:sp>
+      <p:sp>
+        <p:nvSpPr>
+          <p:cNvPr id="3" name="Notes Placeholder 2"/>
+          <p:cNvSpPr>
+            <a:spLocks noGrp="1"/>
+          </p:cNvSpPr>
+          <p:nvPr>
+            <p:ph type="body" idx="1"/>
+          </p:nvPr>
+        </p:nvSpPr>
+        <p:spPr/>
+        <p:txBody>
+          <a:bodyPr/>
+          <a:lstStyle/>
+          <a:p>
+            <a:endParaRPr lang="en-US" sz="1200" kern="1200" dirty="0" smtClean="0">
+              <a:solidFill>
+                <a:schemeClr val="tx1"/>
+              </a:solidFill>
+              <a:effectLst/>
+              <a:latin typeface="+mn-lt"/>
+              <a:ea typeface="+mn-ea"/>
+              <a:cs typeface="+mn-cs"/>
+            </a:endParaRPr>
+          </a:p>
+        </p:txBody>
+      </p:sp>
+      <p:sp>
+        <p:nvSpPr>
+          <p:cNvPr id="4" name="Slide Number Placeholder 3"/>
+          <p:cNvSpPr>
+            <a:spLocks noGrp="1"/>
+          </p:cNvSpPr>
+          <p:nvPr>
+            <p:ph type="sldNum" sz="quarter" idx="10"/>
+          </p:nvPr>
+        </p:nvSpPr>
+        <p:spPr/>
+        <p:txBody>
+          <a:bodyPr/>
+          <a:lstStyle/>
+          <a:p>
+            <a:fld id="{89029652-62E7-43D6-83B5-097D7B7AA5D8}" type="slidenum">
+              <a:rPr lang="en-US" smtClean="0"/>
+              <a:t>17</a:t>
             </a:fld>
             <a:endParaRPr lang="en-US"/>
           </a:p>
@@ -1409,7 +1774,7 @@
     </p:spTree>
     <p:extLst>
       <p:ext uri="{BB962C8B-B14F-4D97-AF65-F5344CB8AC3E}">
-        <p14:creationId xmlns:p14="http://schemas.microsoft.com/office/powerpoint/2010/main" val="3857776700"/>
+        <p14:creationId xmlns:p14="http://schemas.microsoft.com/office/powerpoint/2010/main" val="2618653752"/>
       </p:ext>
     </p:extLst>
   </p:cSld>
@@ -1493,7 +1858,7 @@
     </p:spTree>
     <p:extLst>
       <p:ext uri="{BB962C8B-B14F-4D97-AF65-F5344CB8AC3E}">
-        <p14:creationId xmlns:p14="http://schemas.microsoft.com/office/powerpoint/2010/main" val="471706104"/>
+        <p14:creationId xmlns:p14="http://schemas.microsoft.com/office/powerpoint/2010/main" val="2952211142"/>
       </p:ext>
     </p:extLst>
   </p:cSld>
@@ -1577,7 +1942,7 @@
     </p:spTree>
     <p:extLst>
       <p:ext uri="{BB962C8B-B14F-4D97-AF65-F5344CB8AC3E}">
-        <p14:creationId xmlns:p14="http://schemas.microsoft.com/office/powerpoint/2010/main" val="904030834"/>
+        <p14:creationId xmlns:p14="http://schemas.microsoft.com/office/powerpoint/2010/main" val="4127349146"/>
       </p:ext>
     </p:extLst>
   </p:cSld>
@@ -1661,7 +2026,7 @@
     </p:spTree>
     <p:extLst>
       <p:ext uri="{BB962C8B-B14F-4D97-AF65-F5344CB8AC3E}">
-        <p14:creationId xmlns:p14="http://schemas.microsoft.com/office/powerpoint/2010/main" val="2815086961"/>
+        <p14:creationId xmlns:p14="http://schemas.microsoft.com/office/powerpoint/2010/main" val="1755245411"/>
       </p:ext>
     </p:extLst>
   </p:cSld>
@@ -4832,7 +5197,7 @@
       </p:sp>
       <p:pic>
         <p:nvPicPr>
-          <p:cNvPr id="4" name="Picture 3"/>
+          <p:cNvPr id="5" name="Picture 4"/>
           <p:cNvPicPr>
             <a:picLocks noChangeAspect="1"/>
           </p:cNvPicPr>
@@ -4846,8 +5211,32 @@
         </p:blipFill>
         <p:spPr>
           <a:xfrm>
-            <a:off x="838199" y="2769935"/>
-            <a:ext cx="10619049" cy="2819704"/>
+            <a:off x="838200" y="1690688"/>
+            <a:ext cx="10438157" cy="5064073"/>
+          </a:xfrm>
+          <a:prstGeom prst="rect">
+            <a:avLst/>
+          </a:prstGeom>
+        </p:spPr>
+      </p:pic>
+      <p:pic>
+        <p:nvPicPr>
+          <p:cNvPr id="8" name="Picture 7"/>
+          <p:cNvPicPr>
+            <a:picLocks noChangeAspect="1"/>
+          </p:cNvPicPr>
+          <p:nvPr/>
+        </p:nvPicPr>
+        <p:blipFill>
+          <a:blip r:embed="rId4"/>
+          <a:stretch>
+            <a:fillRect/>
+          </a:stretch>
+        </p:blipFill>
+        <p:spPr>
+          <a:xfrm rot="5400000">
+            <a:off x="7585502" y="2976081"/>
+            <a:ext cx="4810602" cy="2725996"/>
           </a:xfrm>
           <a:prstGeom prst="rect">
             <a:avLst/>
@@ -4857,7 +5246,7 @@
     </p:spTree>
     <p:extLst>
       <p:ext uri="{BB962C8B-B14F-4D97-AF65-F5344CB8AC3E}">
-        <p14:creationId xmlns:p14="http://schemas.microsoft.com/office/powerpoint/2010/main" val="828356661"/>
+        <p14:creationId xmlns:p14="http://schemas.microsoft.com/office/powerpoint/2010/main" val="2554030609"/>
       </p:ext>
     </p:extLst>
   </p:cSld>
@@ -4910,7 +5299,7 @@
           <a:p>
             <a:r>
               <a:rPr lang="en-US" sz="4800" dirty="0" smtClean="0"/>
-              <a:t>Patented step-by-step slide</a:t>
+              <a:t>"Cross cutting" concerns</a:t>
             </a:r>
             <a:endParaRPr lang="en-US" sz="4800" dirty="0"/>
           </a:p>
@@ -4938,43 +5327,15 @@
           </a:bodyPr>
           <a:lstStyle/>
           <a:p>
-            <a:r>
-              <a:rPr lang="en-US" sz="4000" dirty="0" smtClean="0">
-                <a:solidFill>
-                  <a:schemeClr val="bg1">
-                    <a:lumMod val="65000"/>
-                  </a:schemeClr>
-                </a:solidFill>
-              </a:rPr>
-              <a:t>Old news</a:t>
-            </a:r>
-            <a:br>
-              <a:rPr lang="en-US" sz="4000" dirty="0" smtClean="0">
-                <a:solidFill>
-                  <a:schemeClr val="bg1">
-                    <a:lumMod val="65000"/>
-                  </a:schemeClr>
-                </a:solidFill>
-              </a:rPr>
-            </a:br>
-            <a:endParaRPr lang="en-US" sz="4000" dirty="0" smtClean="0">
-              <a:solidFill>
-                <a:schemeClr val="bg1">
-                  <a:lumMod val="65000"/>
-                </a:schemeClr>
-              </a:solidFill>
-            </a:endParaRPr>
-          </a:p>
-          <a:p>
-            <a:r>
-              <a:rPr lang="en-US" sz="4000" b="1" dirty="0" smtClean="0"/>
-              <a:t>New hotness</a:t>
-            </a:r>
+            <a:endParaRPr lang="en-US" sz="4000" dirty="0"/>
           </a:p>
           <a:p>
             <a:endParaRPr lang="en-US" sz="4000" dirty="0" smtClean="0"/>
           </a:p>
           <a:p>
+            <a:endParaRPr lang="en-US" sz="4000" dirty="0" smtClean="0"/>
+          </a:p>
+          <a:p>
             <a:endParaRPr lang="en-US" dirty="0" smtClean="0"/>
           </a:p>
           <a:p>
@@ -4985,10 +5346,34 @@
           </a:p>
         </p:txBody>
       </p:sp>
+      <p:pic>
+        <p:nvPicPr>
+          <p:cNvPr id="5" name="Picture 4"/>
+          <p:cNvPicPr>
+            <a:picLocks noChangeAspect="1"/>
+          </p:cNvPicPr>
+          <p:nvPr/>
+        </p:nvPicPr>
+        <p:blipFill>
+          <a:blip r:embed="rId3"/>
+          <a:stretch>
+            <a:fillRect/>
+          </a:stretch>
+        </p:blipFill>
+        <p:spPr>
+          <a:xfrm>
+            <a:off x="838200" y="1690688"/>
+            <a:ext cx="10438157" cy="5064073"/>
+          </a:xfrm>
+          <a:prstGeom prst="rect">
+            <a:avLst/>
+          </a:prstGeom>
+        </p:spPr>
+      </p:pic>
     </p:spTree>
     <p:extLst>
       <p:ext uri="{BB962C8B-B14F-4D97-AF65-F5344CB8AC3E}">
-        <p14:creationId xmlns:p14="http://schemas.microsoft.com/office/powerpoint/2010/main" val="2285767896"/>
+        <p14:creationId xmlns:p14="http://schemas.microsoft.com/office/powerpoint/2010/main" val="1000586095"/>
       </p:ext>
     </p:extLst>
   </p:cSld>
@@ -5022,6 +5407,459 @@
           <a:chExt cx="0" cy="0"/>
         </a:xfrm>
       </p:grpSpPr>
+      <p:pic>
+        <p:nvPicPr>
+          <p:cNvPr id="4" name="Picture 3"/>
+          <p:cNvPicPr>
+            <a:picLocks noChangeAspect="1"/>
+          </p:cNvPicPr>
+          <p:nvPr/>
+        </p:nvPicPr>
+        <p:blipFill>
+          <a:blip r:embed="rId3"/>
+          <a:stretch>
+            <a:fillRect/>
+          </a:stretch>
+        </p:blipFill>
+        <p:spPr>
+          <a:xfrm>
+            <a:off x="838200" y="1753158"/>
+            <a:ext cx="10522191" cy="5104842"/>
+          </a:xfrm>
+          <a:prstGeom prst="rect">
+            <a:avLst/>
+          </a:prstGeom>
+        </p:spPr>
+      </p:pic>
+      <p:sp>
+        <p:nvSpPr>
+          <p:cNvPr id="2" name="Title 1"/>
+          <p:cNvSpPr>
+            <a:spLocks noGrp="1"/>
+          </p:cNvSpPr>
+          <p:nvPr>
+            <p:ph type="title"/>
+          </p:nvPr>
+        </p:nvSpPr>
+        <p:spPr/>
+        <p:txBody>
+          <a:bodyPr>
+            <a:normAutofit/>
+          </a:bodyPr>
+          <a:lstStyle/>
+          <a:p>
+            <a:r>
+              <a:rPr lang="en-US" sz="4800" dirty="0" smtClean="0"/>
+              <a:t>"Cross cutting" concerns</a:t>
+            </a:r>
+            <a:endParaRPr lang="en-US" sz="4800" dirty="0"/>
+          </a:p>
+        </p:txBody>
+      </p:sp>
+      <p:sp>
+        <p:nvSpPr>
+          <p:cNvPr id="3" name="Content Placeholder 2"/>
+          <p:cNvSpPr>
+            <a:spLocks noGrp="1"/>
+          </p:cNvSpPr>
+          <p:nvPr>
+            <p:ph idx="1"/>
+          </p:nvPr>
+        </p:nvSpPr>
+        <p:spPr>
+          <a:xfrm>
+            <a:off x="838200" y="1825624"/>
+            <a:ext cx="10515600" cy="4589923"/>
+          </a:xfrm>
+        </p:spPr>
+        <p:txBody>
+          <a:bodyPr>
+            <a:normAutofit/>
+          </a:bodyPr>
+          <a:lstStyle/>
+          <a:p>
+            <a:endParaRPr lang="en-US" sz="4000" dirty="0"/>
+          </a:p>
+          <a:p>
+            <a:endParaRPr lang="en-US" sz="4000" dirty="0" smtClean="0"/>
+          </a:p>
+          <a:p>
+            <a:endParaRPr lang="en-US" sz="4000" dirty="0" smtClean="0"/>
+          </a:p>
+          <a:p>
+            <a:endParaRPr lang="en-US" dirty="0" smtClean="0"/>
+          </a:p>
+          <a:p>
+            <a:endParaRPr lang="en-US" dirty="0" smtClean="0"/>
+          </a:p>
+          <a:p>
+            <a:endParaRPr lang="en-US" dirty="0"/>
+          </a:p>
+        </p:txBody>
+      </p:sp>
+    </p:spTree>
+    <p:extLst>
+      <p:ext uri="{BB962C8B-B14F-4D97-AF65-F5344CB8AC3E}">
+        <p14:creationId xmlns:p14="http://schemas.microsoft.com/office/powerpoint/2010/main" val="523276211"/>
+      </p:ext>
+    </p:extLst>
+  </p:cSld>
+  <p:clrMapOvr>
+    <a:masterClrMapping/>
+  </p:clrMapOvr>
+  <p:timing>
+    <p:tnLst>
+      <p:par>
+        <p:cTn id="1" dur="indefinite" restart="never" nodeType="tmRoot"/>
+      </p:par>
+    </p:tnLst>
+  </p:timing>
+</p:sld>
+</file>
+
+<file path=ppt/slides/slide13.xml><?xml version="1.0" encoding="utf-8"?>
+<p:sld xmlns:a="http://schemas.openxmlformats.org/drawingml/2006/main" xmlns:r="http://schemas.openxmlformats.org/officeDocument/2006/relationships" xmlns:p="http://schemas.openxmlformats.org/presentationml/2006/main">
+  <p:cSld>
+    <p:spTree>
+      <p:nvGrpSpPr>
+        <p:cNvPr id="1" name=""/>
+        <p:cNvGrpSpPr/>
+        <p:nvPr/>
+      </p:nvGrpSpPr>
+      <p:grpSpPr>
+        <a:xfrm>
+          <a:off x="0" y="0"/>
+          <a:ext cx="0" cy="0"/>
+          <a:chOff x="0" y="0"/>
+          <a:chExt cx="0" cy="0"/>
+        </a:xfrm>
+      </p:grpSpPr>
+      <p:pic>
+        <p:nvPicPr>
+          <p:cNvPr id="6" name="Picture 5"/>
+          <p:cNvPicPr>
+            <a:picLocks noChangeAspect="1"/>
+          </p:cNvPicPr>
+          <p:nvPr/>
+        </p:nvPicPr>
+        <p:blipFill>
+          <a:blip r:embed="rId3"/>
+          <a:stretch>
+            <a:fillRect/>
+          </a:stretch>
+        </p:blipFill>
+        <p:spPr>
+          <a:xfrm>
+            <a:off x="533392" y="2193260"/>
+            <a:ext cx="10783355" cy="4561500"/>
+          </a:xfrm>
+          <a:prstGeom prst="rect">
+            <a:avLst/>
+          </a:prstGeom>
+        </p:spPr>
+      </p:pic>
+      <p:sp>
+        <p:nvSpPr>
+          <p:cNvPr id="2" name="Title 1"/>
+          <p:cNvSpPr>
+            <a:spLocks noGrp="1"/>
+          </p:cNvSpPr>
+          <p:nvPr>
+            <p:ph type="title"/>
+          </p:nvPr>
+        </p:nvSpPr>
+        <p:spPr/>
+        <p:txBody>
+          <a:bodyPr>
+            <a:normAutofit/>
+          </a:bodyPr>
+          <a:lstStyle/>
+          <a:p>
+            <a:r>
+              <a:rPr lang="en-US" sz="4800" dirty="0" smtClean="0"/>
+              <a:t>"Cross cutting" concerns</a:t>
+            </a:r>
+            <a:endParaRPr lang="en-US" sz="4800" dirty="0"/>
+          </a:p>
+        </p:txBody>
+      </p:sp>
+      <p:sp>
+        <p:nvSpPr>
+          <p:cNvPr id="3" name="Content Placeholder 2"/>
+          <p:cNvSpPr>
+            <a:spLocks noGrp="1"/>
+          </p:cNvSpPr>
+          <p:nvPr>
+            <p:ph idx="1"/>
+          </p:nvPr>
+        </p:nvSpPr>
+        <p:spPr>
+          <a:xfrm>
+            <a:off x="838200" y="1825624"/>
+            <a:ext cx="10515600" cy="4589923"/>
+          </a:xfrm>
+        </p:spPr>
+        <p:txBody>
+          <a:bodyPr>
+            <a:normAutofit/>
+          </a:bodyPr>
+          <a:lstStyle/>
+          <a:p>
+            <a:endParaRPr lang="en-US" sz="4000" dirty="0"/>
+          </a:p>
+          <a:p>
+            <a:endParaRPr lang="en-US" sz="4000" dirty="0" smtClean="0"/>
+          </a:p>
+          <a:p>
+            <a:endParaRPr lang="en-US" sz="4000" dirty="0" smtClean="0"/>
+          </a:p>
+          <a:p>
+            <a:endParaRPr lang="en-US" dirty="0" smtClean="0"/>
+          </a:p>
+          <a:p>
+            <a:endParaRPr lang="en-US" dirty="0" smtClean="0"/>
+          </a:p>
+          <a:p>
+            <a:endParaRPr lang="en-US" dirty="0"/>
+          </a:p>
+        </p:txBody>
+      </p:sp>
+    </p:spTree>
+    <p:extLst>
+      <p:ext uri="{BB962C8B-B14F-4D97-AF65-F5344CB8AC3E}">
+        <p14:creationId xmlns:p14="http://schemas.microsoft.com/office/powerpoint/2010/main" val="3351071678"/>
+      </p:ext>
+    </p:extLst>
+  </p:cSld>
+  <p:clrMapOvr>
+    <a:masterClrMapping/>
+  </p:clrMapOvr>
+  <p:timing>
+    <p:tnLst>
+      <p:par>
+        <p:cTn id="1" dur="indefinite" restart="never" nodeType="tmRoot"/>
+      </p:par>
+    </p:tnLst>
+  </p:timing>
+</p:sld>
+</file>
+
+<file path=ppt/slides/slide14.xml><?xml version="1.0" encoding="utf-8"?>
+<p:sld xmlns:a="http://schemas.openxmlformats.org/drawingml/2006/main" xmlns:r="http://schemas.openxmlformats.org/officeDocument/2006/relationships" xmlns:p="http://schemas.openxmlformats.org/presentationml/2006/main">
+  <p:cSld>
+    <p:spTree>
+      <p:nvGrpSpPr>
+        <p:cNvPr id="1" name=""/>
+        <p:cNvGrpSpPr/>
+        <p:nvPr/>
+      </p:nvGrpSpPr>
+      <p:grpSpPr>
+        <a:xfrm>
+          <a:off x="0" y="0"/>
+          <a:ext cx="0" cy="0"/>
+          <a:chOff x="0" y="0"/>
+          <a:chExt cx="0" cy="0"/>
+        </a:xfrm>
+      </p:grpSpPr>
+      <p:sp>
+        <p:nvSpPr>
+          <p:cNvPr id="2" name="Title 1"/>
+          <p:cNvSpPr>
+            <a:spLocks noGrp="1"/>
+          </p:cNvSpPr>
+          <p:nvPr>
+            <p:ph type="title"/>
+          </p:nvPr>
+        </p:nvSpPr>
+        <p:spPr>
+          <a:xfrm>
+            <a:off x="964927" y="1"/>
+            <a:ext cx="10515600" cy="6858000"/>
+          </a:xfrm>
+        </p:spPr>
+        <p:txBody>
+          <a:bodyPr anchor="ctr">
+            <a:normAutofit/>
+          </a:bodyPr>
+          <a:lstStyle/>
+          <a:p>
+            <a:pPr algn="ctr"/>
+            <a:r>
+              <a:rPr lang="en-US" sz="4800" dirty="0" smtClean="0"/>
+              <a:t>Show me the codez!</a:t>
+            </a:r>
+            <a:endParaRPr lang="en-US" sz="4800" dirty="0"/>
+          </a:p>
+        </p:txBody>
+      </p:sp>
+    </p:spTree>
+    <p:extLst>
+      <p:ext uri="{BB962C8B-B14F-4D97-AF65-F5344CB8AC3E}">
+        <p14:creationId xmlns:p14="http://schemas.microsoft.com/office/powerpoint/2010/main" val="269211379"/>
+      </p:ext>
+    </p:extLst>
+  </p:cSld>
+  <p:clrMapOvr>
+    <a:masterClrMapping/>
+  </p:clrMapOvr>
+  <p:timing>
+    <p:tnLst>
+      <p:par>
+        <p:cTn id="1" dur="indefinite" restart="never" nodeType="tmRoot"/>
+      </p:par>
+    </p:tnLst>
+  </p:timing>
+</p:sld>
+</file>
+
+<file path=ppt/slides/slide15.xml><?xml version="1.0" encoding="utf-8"?>
+<p:sld xmlns:a="http://schemas.openxmlformats.org/drawingml/2006/main" xmlns:r="http://schemas.openxmlformats.org/officeDocument/2006/relationships" xmlns:p="http://schemas.openxmlformats.org/presentationml/2006/main">
+  <p:cSld>
+    <p:spTree>
+      <p:nvGrpSpPr>
+        <p:cNvPr id="1" name=""/>
+        <p:cNvGrpSpPr/>
+        <p:nvPr/>
+      </p:nvGrpSpPr>
+      <p:grpSpPr>
+        <a:xfrm>
+          <a:off x="0" y="0"/>
+          <a:ext cx="0" cy="0"/>
+          <a:chOff x="0" y="0"/>
+          <a:chExt cx="0" cy="0"/>
+        </a:xfrm>
+      </p:grpSpPr>
+      <p:sp>
+        <p:nvSpPr>
+          <p:cNvPr id="2" name="Title 1"/>
+          <p:cNvSpPr>
+            <a:spLocks noGrp="1"/>
+          </p:cNvSpPr>
+          <p:nvPr>
+            <p:ph type="title"/>
+          </p:nvPr>
+        </p:nvSpPr>
+        <p:spPr/>
+        <p:txBody>
+          <a:bodyPr>
+            <a:normAutofit/>
+          </a:bodyPr>
+          <a:lstStyle/>
+          <a:p>
+            <a:r>
+              <a:rPr lang="en-US" sz="4800" dirty="0" smtClean="0"/>
+              <a:t>Patented step-by-step slide</a:t>
+            </a:r>
+            <a:endParaRPr lang="en-US" sz="4800" dirty="0"/>
+          </a:p>
+        </p:txBody>
+      </p:sp>
+      <p:sp>
+        <p:nvSpPr>
+          <p:cNvPr id="3" name="Content Placeholder 2"/>
+          <p:cNvSpPr>
+            <a:spLocks noGrp="1"/>
+          </p:cNvSpPr>
+          <p:nvPr>
+            <p:ph idx="1"/>
+          </p:nvPr>
+        </p:nvSpPr>
+        <p:spPr>
+          <a:xfrm>
+            <a:off x="838200" y="1825624"/>
+            <a:ext cx="10515600" cy="4589923"/>
+          </a:xfrm>
+        </p:spPr>
+        <p:txBody>
+          <a:bodyPr>
+            <a:normAutofit/>
+          </a:bodyPr>
+          <a:lstStyle/>
+          <a:p>
+            <a:r>
+              <a:rPr lang="en-US" sz="4000" dirty="0" smtClean="0">
+                <a:solidFill>
+                  <a:schemeClr val="bg1">
+                    <a:lumMod val="65000"/>
+                  </a:schemeClr>
+                </a:solidFill>
+              </a:rPr>
+              <a:t>Old news</a:t>
+            </a:r>
+            <a:br>
+              <a:rPr lang="en-US" sz="4000" dirty="0" smtClean="0">
+                <a:solidFill>
+                  <a:schemeClr val="bg1">
+                    <a:lumMod val="65000"/>
+                  </a:schemeClr>
+                </a:solidFill>
+              </a:rPr>
+            </a:br>
+            <a:endParaRPr lang="en-US" sz="4000" dirty="0" smtClean="0">
+              <a:solidFill>
+                <a:schemeClr val="bg1">
+                  <a:lumMod val="65000"/>
+                </a:schemeClr>
+              </a:solidFill>
+            </a:endParaRPr>
+          </a:p>
+          <a:p>
+            <a:r>
+              <a:rPr lang="en-US" sz="4000" b="1" dirty="0" smtClean="0"/>
+              <a:t>New hotness</a:t>
+            </a:r>
+          </a:p>
+          <a:p>
+            <a:endParaRPr lang="en-US" sz="4000" dirty="0" smtClean="0"/>
+          </a:p>
+          <a:p>
+            <a:endParaRPr lang="en-US" dirty="0" smtClean="0"/>
+          </a:p>
+          <a:p>
+            <a:endParaRPr lang="en-US" dirty="0" smtClean="0"/>
+          </a:p>
+          <a:p>
+            <a:endParaRPr lang="en-US" dirty="0"/>
+          </a:p>
+        </p:txBody>
+      </p:sp>
+    </p:spTree>
+    <p:extLst>
+      <p:ext uri="{BB962C8B-B14F-4D97-AF65-F5344CB8AC3E}">
+        <p14:creationId xmlns:p14="http://schemas.microsoft.com/office/powerpoint/2010/main" val="2285767896"/>
+      </p:ext>
+    </p:extLst>
+  </p:cSld>
+  <p:clrMapOvr>
+    <a:masterClrMapping/>
+  </p:clrMapOvr>
+  <p:timing>
+    <p:tnLst>
+      <p:par>
+        <p:cTn id="1" dur="indefinite" restart="never" nodeType="tmRoot"/>
+      </p:par>
+    </p:tnLst>
+  </p:timing>
+</p:sld>
+</file>
+
+<file path=ppt/slides/slide16.xml><?xml version="1.0" encoding="utf-8"?>
+<p:sld xmlns:a="http://schemas.openxmlformats.org/drawingml/2006/main" xmlns:r="http://schemas.openxmlformats.org/officeDocument/2006/relationships" xmlns:p="http://schemas.openxmlformats.org/presentationml/2006/main">
+  <p:cSld>
+    <p:spTree>
+      <p:nvGrpSpPr>
+        <p:cNvPr id="1" name=""/>
+        <p:cNvGrpSpPr/>
+        <p:nvPr/>
+      </p:nvGrpSpPr>
+      <p:grpSpPr>
+        <a:xfrm>
+          <a:off x="0" y="0"/>
+          <a:ext cx="0" cy="0"/>
+          <a:chOff x="0" y="0"/>
+          <a:chExt cx="0" cy="0"/>
+        </a:xfrm>
+      </p:grpSpPr>
       <p:sp>
         <p:nvSpPr>
           <p:cNvPr id="2" name="Title 1"/>
@@ -5102,7 +5940,7 @@
 </p:sld>
 </file>
 
-<file path=ppt/slides/slide13.xml><?xml version="1.0" encoding="utf-8"?>
+<file path=ppt/slides/slide17.xml><?xml version="1.0" encoding="utf-8"?>
 <p:sld xmlns:a="http://schemas.openxmlformats.org/drawingml/2006/main" xmlns:r="http://schemas.openxmlformats.org/officeDocument/2006/relationships" xmlns:p="http://schemas.openxmlformats.org/presentationml/2006/main">
   <p:cSld>
     <p:spTree>
@@ -5727,16 +6565,22 @@
             <p:ph type="title"/>
           </p:nvPr>
         </p:nvSpPr>
-        <p:spPr/>
+        <p:spPr>
+          <a:xfrm>
+            <a:off x="838200" y="1574493"/>
+            <a:ext cx="10515600" cy="1325563"/>
+          </a:xfrm>
+        </p:spPr>
         <p:txBody>
           <a:bodyPr>
             <a:normAutofit/>
           </a:bodyPr>
           <a:lstStyle/>
           <a:p>
+            <a:pPr algn="ctr"/>
             <a:r>
               <a:rPr lang="en-US" sz="4800" dirty="0" smtClean="0"/>
-              <a:t>"Cross cutting" concerns</a:t>
+              <a:t>"Cross cutting" concern</a:t>
             </a:r>
             <a:endParaRPr lang="en-US" sz="4800" dirty="0"/>
           </a:p>
@@ -5754,8 +6598,8 @@
         </p:nvSpPr>
         <p:spPr>
           <a:xfrm>
-            <a:off x="838200" y="1825624"/>
-            <a:ext cx="10515600" cy="4589923"/>
+            <a:off x="838200" y="3318387"/>
+            <a:ext cx="10515600" cy="1814052"/>
           </a:xfrm>
         </p:spPr>
         <p:txBody>
@@ -5764,15 +6608,31 @@
           </a:bodyPr>
           <a:lstStyle/>
           <a:p>
-            <a:endParaRPr lang="en-US" sz="4000" dirty="0"/>
-          </a:p>
-          <a:p>
+            <a:pPr marL="0" indent="0" algn="ctr">
+              <a:buNone/>
+            </a:pPr>
+            <a:r>
+              <a:rPr lang="en-US" sz="4000" dirty="0" smtClean="0"/>
+              <a:t>Any security requirement that </a:t>
+            </a:r>
+          </a:p>
+          <a:p>
+            <a:pPr marL="0" indent="0" algn="ctr">
+              <a:buNone/>
+            </a:pPr>
+            <a:r>
+              <a:rPr lang="en-US" sz="4000" dirty="0" smtClean="0"/>
+              <a:t>spans multiple features</a:t>
+            </a:r>
             <a:endParaRPr lang="en-US" sz="4000" dirty="0" smtClean="0"/>
           </a:p>
           <a:p>
             <a:endParaRPr lang="en-US" sz="4000" dirty="0" smtClean="0"/>
           </a:p>
           <a:p>
+            <a:endParaRPr lang="en-US" sz="4000" dirty="0" smtClean="0"/>
+          </a:p>
+          <a:p>
             <a:endParaRPr lang="en-US" dirty="0" smtClean="0"/>
           </a:p>
           <a:p>
@@ -5783,58 +6643,10 @@
           </a:p>
         </p:txBody>
       </p:sp>
-      <p:pic>
-        <p:nvPicPr>
-          <p:cNvPr id="6" name="Picture 5"/>
-          <p:cNvPicPr>
-            <a:picLocks noChangeAspect="1"/>
-          </p:cNvPicPr>
-          <p:nvPr/>
-        </p:nvPicPr>
-        <p:blipFill>
-          <a:blip r:embed="rId3"/>
-          <a:stretch>
-            <a:fillRect/>
-          </a:stretch>
-        </p:blipFill>
-        <p:spPr>
-          <a:xfrm>
-            <a:off x="838200" y="1933777"/>
-            <a:ext cx="10515600" cy="4474906"/>
-          </a:xfrm>
-          <a:prstGeom prst="rect">
-            <a:avLst/>
-          </a:prstGeom>
-        </p:spPr>
-      </p:pic>
-      <p:pic>
-        <p:nvPicPr>
-          <p:cNvPr id="7" name="Picture 6"/>
-          <p:cNvPicPr>
-            <a:picLocks noChangeAspect="1"/>
-          </p:cNvPicPr>
-          <p:nvPr/>
-        </p:nvPicPr>
-        <p:blipFill>
-          <a:blip r:embed="rId4"/>
-          <a:stretch>
-            <a:fillRect/>
-          </a:stretch>
-        </p:blipFill>
-        <p:spPr>
-          <a:xfrm rot="5400000">
-            <a:off x="4947385" y="337963"/>
-            <a:ext cx="4810602" cy="8002231"/>
-          </a:xfrm>
-          <a:prstGeom prst="rect">
-            <a:avLst/>
-          </a:prstGeom>
-        </p:spPr>
-      </p:pic>
     </p:spTree>
     <p:extLst>
       <p:ext uri="{BB962C8B-B14F-4D97-AF65-F5344CB8AC3E}">
-        <p14:creationId xmlns:p14="http://schemas.microsoft.com/office/powerpoint/2010/main" val="3864357827"/>
+        <p14:creationId xmlns:p14="http://schemas.microsoft.com/office/powerpoint/2010/main" val="1591414230"/>
       </p:ext>
     </p:extLst>
   </p:cSld>
@@ -5868,75 +6680,9 @@
           <a:chExt cx="0" cy="0"/>
         </a:xfrm>
       </p:grpSpPr>
-      <p:sp>
-        <p:nvSpPr>
-          <p:cNvPr id="2" name="Title 1"/>
-          <p:cNvSpPr>
-            <a:spLocks noGrp="1"/>
-          </p:cNvSpPr>
-          <p:nvPr>
-            <p:ph type="title"/>
-          </p:nvPr>
-        </p:nvSpPr>
-        <p:spPr/>
-        <p:txBody>
-          <a:bodyPr>
-            <a:normAutofit/>
-          </a:bodyPr>
-          <a:lstStyle/>
-          <a:p>
-            <a:r>
-              <a:rPr lang="en-US" sz="4800" dirty="0" smtClean="0"/>
-              <a:t>"Cross cutting" concerns</a:t>
-            </a:r>
-            <a:endParaRPr lang="en-US" sz="4800" dirty="0"/>
-          </a:p>
-        </p:txBody>
-      </p:sp>
-      <p:sp>
-        <p:nvSpPr>
-          <p:cNvPr id="3" name="Content Placeholder 2"/>
-          <p:cNvSpPr>
-            <a:spLocks noGrp="1"/>
-          </p:cNvSpPr>
-          <p:nvPr>
-            <p:ph idx="1"/>
-          </p:nvPr>
-        </p:nvSpPr>
-        <p:spPr>
-          <a:xfrm>
-            <a:off x="838200" y="1825624"/>
-            <a:ext cx="10515600" cy="4589923"/>
-          </a:xfrm>
-        </p:spPr>
-        <p:txBody>
-          <a:bodyPr>
-            <a:normAutofit/>
-          </a:bodyPr>
-          <a:lstStyle/>
-          <a:p>
-            <a:endParaRPr lang="en-US" sz="4000" dirty="0"/>
-          </a:p>
-          <a:p>
-            <a:endParaRPr lang="en-US" sz="4000" dirty="0" smtClean="0"/>
-          </a:p>
-          <a:p>
-            <a:endParaRPr lang="en-US" sz="4000" dirty="0" smtClean="0"/>
-          </a:p>
-          <a:p>
-            <a:endParaRPr lang="en-US" dirty="0" smtClean="0"/>
-          </a:p>
-          <a:p>
-            <a:endParaRPr lang="en-US" dirty="0" smtClean="0"/>
-          </a:p>
-          <a:p>
-            <a:endParaRPr lang="en-US" dirty="0"/>
-          </a:p>
-        </p:txBody>
-      </p:sp>
       <p:pic>
         <p:nvPicPr>
-          <p:cNvPr id="6" name="Picture 5"/>
+          <p:cNvPr id="9" name="Picture 8"/>
           <p:cNvPicPr>
             <a:picLocks noChangeAspect="1"/>
           </p:cNvPicPr>
@@ -5950,17 +6696,83 @@
         </p:blipFill>
         <p:spPr>
           <a:xfrm>
-            <a:off x="838200" y="1933777"/>
-            <a:ext cx="10515600" cy="4474906"/>
+            <a:off x="838198" y="3229789"/>
+            <a:ext cx="2303208" cy="3042449"/>
           </a:xfrm>
           <a:prstGeom prst="rect">
             <a:avLst/>
           </a:prstGeom>
         </p:spPr>
       </p:pic>
+      <p:sp>
+        <p:nvSpPr>
+          <p:cNvPr id="2" name="Title 1"/>
+          <p:cNvSpPr>
+            <a:spLocks noGrp="1"/>
+          </p:cNvSpPr>
+          <p:nvPr>
+            <p:ph type="title"/>
+          </p:nvPr>
+        </p:nvSpPr>
+        <p:spPr/>
+        <p:txBody>
+          <a:bodyPr>
+            <a:normAutofit/>
+          </a:bodyPr>
+          <a:lstStyle/>
+          <a:p>
+            <a:r>
+              <a:rPr lang="en-US" sz="4800" dirty="0" smtClean="0"/>
+              <a:t>"Cross cutting" concerns</a:t>
+            </a:r>
+            <a:endParaRPr lang="en-US" sz="4800" dirty="0"/>
+          </a:p>
+        </p:txBody>
+      </p:sp>
+      <p:sp>
+        <p:nvSpPr>
+          <p:cNvPr id="3" name="Content Placeholder 2"/>
+          <p:cNvSpPr>
+            <a:spLocks noGrp="1"/>
+          </p:cNvSpPr>
+          <p:nvPr>
+            <p:ph idx="1"/>
+          </p:nvPr>
+        </p:nvSpPr>
+        <p:spPr>
+          <a:xfrm>
+            <a:off x="838200" y="1825624"/>
+            <a:ext cx="10515600" cy="4589923"/>
+          </a:xfrm>
+        </p:spPr>
+        <p:txBody>
+          <a:bodyPr>
+            <a:normAutofit/>
+          </a:bodyPr>
+          <a:lstStyle/>
+          <a:p>
+            <a:endParaRPr lang="en-US" sz="4000" dirty="0"/>
+          </a:p>
+          <a:p>
+            <a:endParaRPr lang="en-US" sz="4000" dirty="0" smtClean="0"/>
+          </a:p>
+          <a:p>
+            <a:endParaRPr lang="en-US" sz="4000" dirty="0" smtClean="0"/>
+          </a:p>
+          <a:p>
+            <a:endParaRPr lang="en-US" dirty="0" smtClean="0"/>
+          </a:p>
+          <a:p>
+            <a:endParaRPr lang="en-US" dirty="0" smtClean="0"/>
+          </a:p>
+          <a:p>
+            <a:endParaRPr lang="en-US" dirty="0"/>
+          </a:p>
+        </p:txBody>
+      </p:sp>
       <p:pic>
         <p:nvPicPr>
-          <p:cNvPr id="5" name="Picture 4"/>
+          <p:cNvPr id="8" name="Picture 7"/>
           <p:cNvPicPr>
             <a:picLocks noChangeAspect="1"/>
           </p:cNvPicPr>
@@ -5974,18 +6786,86 @@
         </p:blipFill>
         <p:spPr>
           <a:xfrm rot="5400000">
-            <a:off x="6331890" y="1722468"/>
-            <a:ext cx="4810602" cy="5233221"/>
+            <a:off x="4947385" y="337963"/>
+            <a:ext cx="4810602" cy="8002231"/>
           </a:xfrm>
           <a:prstGeom prst="rect">
             <a:avLst/>
           </a:prstGeom>
         </p:spPr>
       </p:pic>
+      <p:sp>
+        <p:nvSpPr>
+          <p:cNvPr id="11" name="TextBox 10"/>
+          <p:cNvSpPr txBox="1"/>
+          <p:nvPr/>
+        </p:nvSpPr>
+        <p:spPr>
+          <a:xfrm>
+            <a:off x="3628103" y="2418734"/>
+            <a:ext cx="7648254" cy="3539430"/>
+          </a:xfrm>
+          <a:prstGeom prst="rect">
+            <a:avLst/>
+          </a:prstGeom>
+          <a:noFill/>
+        </p:spPr>
+        <p:txBody>
+          <a:bodyPr wrap="square" rtlCol="0">
+            <a:spAutoFit/>
+          </a:bodyPr>
+          <a:lstStyle/>
+          <a:p>
+            <a:r>
+              <a:rPr lang="en-US" sz="2800" dirty="0" smtClean="0"/>
+              <a:t>Security Requirements:</a:t>
+            </a:r>
+          </a:p>
+          <a:p>
+            <a:endParaRPr lang="en-US" sz="2800" dirty="0"/>
+          </a:p>
+          <a:p>
+            <a:pPr marL="342900" indent="-342900">
+              <a:buAutoNum type="arabicParenR"/>
+            </a:pPr>
+            <a:r>
+              <a:rPr lang="en-US" sz="2800" dirty="0" smtClean="0"/>
+              <a:t>User must be logged in</a:t>
+            </a:r>
+            <a:br>
+              <a:rPr lang="en-US" sz="2800" dirty="0" smtClean="0"/>
+            </a:br>
+            <a:endParaRPr lang="en-US" sz="2800" dirty="0" smtClean="0"/>
+          </a:p>
+          <a:p>
+            <a:pPr marL="342900" indent="-342900">
+              <a:buAutoNum type="arabicParenR"/>
+            </a:pPr>
+            <a:r>
+              <a:rPr lang="en-US" sz="2800" dirty="0" smtClean="0"/>
+              <a:t>Users with the "Manage Orders" permission see all Orders</a:t>
+            </a:r>
+            <a:br>
+              <a:rPr lang="en-US" sz="2800" dirty="0" smtClean="0"/>
+            </a:br>
+            <a:endParaRPr lang="en-US" sz="2800" dirty="0" smtClean="0"/>
+          </a:p>
+          <a:p>
+            <a:pPr marL="342900" indent="-342900">
+              <a:buAutoNum type="arabicParenR"/>
+            </a:pPr>
+            <a:r>
+              <a:rPr lang="en-US" sz="2800" dirty="0" smtClean="0"/>
+              <a:t>Everyone else sees only their own Orders</a:t>
+            </a:r>
+            <a:endParaRPr lang="en-US" sz="2800" dirty="0"/>
+          </a:p>
+        </p:txBody>
+      </p:sp>
     </p:spTree>
     <p:extLst>
       <p:ext uri="{BB962C8B-B14F-4D97-AF65-F5344CB8AC3E}">
-        <p14:creationId xmlns:p14="http://schemas.microsoft.com/office/powerpoint/2010/main" val="197551360"/>
+        <p14:creationId xmlns:p14="http://schemas.microsoft.com/office/powerpoint/2010/main" val="3081783614"/>
       </p:ext>
     </p:extLst>
   </p:cSld>
@@ -6087,7 +6967,7 @@
       </p:sp>
       <p:pic>
         <p:nvPicPr>
-          <p:cNvPr id="6" name="Picture 5"/>
+          <p:cNvPr id="5" name="Picture 4"/>
           <p:cNvPicPr>
             <a:picLocks noChangeAspect="1"/>
           </p:cNvPicPr>
@@ -6101,8 +6981,8 @@
         </p:blipFill>
         <p:spPr>
           <a:xfrm>
-            <a:off x="838200" y="1933777"/>
-            <a:ext cx="10515600" cy="4474906"/>
+            <a:off x="838200" y="1690688"/>
+            <a:ext cx="10438157" cy="5064073"/>
           </a:xfrm>
           <a:prstGeom prst="rect">
             <a:avLst/>
@@ -6111,7 +6991,7 @@
       </p:pic>
       <p:pic>
         <p:nvPicPr>
-          <p:cNvPr id="5" name="Picture 4"/>
+          <p:cNvPr id="8" name="Picture 7"/>
           <p:cNvPicPr>
             <a:picLocks noChangeAspect="1"/>
           </p:cNvPicPr>
@@ -6125,18 +7005,86 @@
         </p:blipFill>
         <p:spPr>
           <a:xfrm rot="5400000">
-            <a:off x="7629748" y="3020326"/>
-            <a:ext cx="4810602" cy="2637505"/>
+            <a:off x="4947385" y="337963"/>
+            <a:ext cx="4810602" cy="8002231"/>
           </a:xfrm>
           <a:prstGeom prst="rect">
             <a:avLst/>
           </a:prstGeom>
         </p:spPr>
       </p:pic>
+      <p:sp>
+        <p:nvSpPr>
+          <p:cNvPr id="4" name="TextBox 3"/>
+          <p:cNvSpPr txBox="1"/>
+          <p:nvPr/>
+        </p:nvSpPr>
+        <p:spPr>
+          <a:xfrm>
+            <a:off x="3628103" y="2418734"/>
+            <a:ext cx="7648254" cy="3539430"/>
+          </a:xfrm>
+          <a:prstGeom prst="rect">
+            <a:avLst/>
+          </a:prstGeom>
+          <a:noFill/>
+        </p:spPr>
+        <p:txBody>
+          <a:bodyPr wrap="square" rtlCol="0">
+            <a:spAutoFit/>
+          </a:bodyPr>
+          <a:lstStyle/>
+          <a:p>
+            <a:r>
+              <a:rPr lang="en-US" sz="2800" dirty="0" smtClean="0"/>
+              <a:t>Security Requirements:</a:t>
+            </a:r>
+          </a:p>
+          <a:p>
+            <a:endParaRPr lang="en-US" sz="2800" dirty="0"/>
+          </a:p>
+          <a:p>
+            <a:pPr marL="342900" indent="-342900">
+              <a:buAutoNum type="arabicParenR"/>
+            </a:pPr>
+            <a:r>
+              <a:rPr lang="en-US" sz="2800" dirty="0" smtClean="0"/>
+              <a:t>User must be logged in</a:t>
+            </a:r>
+            <a:br>
+              <a:rPr lang="en-US" sz="2800" dirty="0" smtClean="0"/>
+            </a:br>
+            <a:endParaRPr lang="en-US" sz="2800" dirty="0" smtClean="0"/>
+          </a:p>
+          <a:p>
+            <a:pPr marL="342900" indent="-342900">
+              <a:buAutoNum type="arabicParenR"/>
+            </a:pPr>
+            <a:r>
+              <a:rPr lang="en-US" sz="2800" dirty="0" smtClean="0"/>
+              <a:t>Users with the "Manage Orders" permission see all Orders</a:t>
+            </a:r>
+            <a:br>
+              <a:rPr lang="en-US" sz="2800" dirty="0" smtClean="0"/>
+            </a:br>
+            <a:endParaRPr lang="en-US" sz="2800" dirty="0" smtClean="0"/>
+          </a:p>
+          <a:p>
+            <a:pPr marL="342900" indent="-342900">
+              <a:buAutoNum type="arabicParenR"/>
+            </a:pPr>
+            <a:r>
+              <a:rPr lang="en-US" sz="2800" dirty="0" smtClean="0"/>
+              <a:t>Everyone else sees only their own Orders</a:t>
+            </a:r>
+            <a:endParaRPr lang="en-US" sz="2800" dirty="0"/>
+          </a:p>
+        </p:txBody>
+      </p:sp>
     </p:spTree>
     <p:extLst>
       <p:ext uri="{BB962C8B-B14F-4D97-AF65-F5344CB8AC3E}">
-        <p14:creationId xmlns:p14="http://schemas.microsoft.com/office/powerpoint/2010/main" val="136631790"/>
+        <p14:creationId xmlns:p14="http://schemas.microsoft.com/office/powerpoint/2010/main" val="692729472"/>
       </p:ext>
     </p:extLst>
   </p:cSld>
@@ -6238,7 +7186,7 @@
       </p:sp>
       <p:pic>
         <p:nvPicPr>
-          <p:cNvPr id="6" name="Picture 5"/>
+          <p:cNvPr id="5" name="Picture 4"/>
           <p:cNvPicPr>
             <a:picLocks noChangeAspect="1"/>
           </p:cNvPicPr>
@@ -6252,8 +7200,32 @@
         </p:blipFill>
         <p:spPr>
           <a:xfrm>
-            <a:off x="838200" y="1933777"/>
-            <a:ext cx="10515600" cy="4474906"/>
+            <a:off x="838200" y="1690688"/>
+            <a:ext cx="10438157" cy="5064073"/>
+          </a:xfrm>
+          <a:prstGeom prst="rect">
+            <a:avLst/>
+          </a:prstGeom>
+        </p:spPr>
+      </p:pic>
+      <p:pic>
+        <p:nvPicPr>
+          <p:cNvPr id="8" name="Picture 7"/>
+          <p:cNvPicPr>
+            <a:picLocks noChangeAspect="1"/>
+          </p:cNvPicPr>
+          <p:nvPr/>
+        </p:nvPicPr>
+        <p:blipFill>
+          <a:blip r:embed="rId4"/>
+          <a:stretch>
+            <a:fillRect/>
+          </a:stretch>
+        </p:blipFill>
+        <p:spPr>
+          <a:xfrm rot="5400000">
+            <a:off x="6295019" y="1685597"/>
+            <a:ext cx="4810602" cy="5306963"/>
           </a:xfrm>
           <a:prstGeom prst="rect">
             <a:avLst/>
@@ -6263,7 +7235,7 @@
     </p:spTree>
     <p:extLst>
       <p:ext uri="{BB962C8B-B14F-4D97-AF65-F5344CB8AC3E}">
-        <p14:creationId xmlns:p14="http://schemas.microsoft.com/office/powerpoint/2010/main" val="3788007878"/>
+        <p14:creationId xmlns:p14="http://schemas.microsoft.com/office/powerpoint/2010/main" val="109850210"/>
       </p:ext>
     </p:extLst>
   </p:cSld>

--- a/Secure Systems - CodeMash 2017.pptx
+++ b/Secure Systems - CodeMash 2017.pptx
@@ -5,7 +5,7 @@
     <p:sldMasterId id="2147483749" r:id="rId1"/>
   </p:sldMasterIdLst>
   <p:notesMasterIdLst>
-    <p:notesMasterId r:id="rId19"/>
+    <p:notesMasterId r:id="rId29"/>
   </p:notesMasterIdLst>
   <p:sldIdLst>
     <p:sldId id="395" r:id="rId2"/>
@@ -23,8 +23,18 @@
     <p:sldId id="496" r:id="rId14"/>
     <p:sldId id="499" r:id="rId15"/>
     <p:sldId id="484" r:id="rId16"/>
-    <p:sldId id="485" r:id="rId17"/>
-    <p:sldId id="443" r:id="rId18"/>
+    <p:sldId id="504" r:id="rId17"/>
+    <p:sldId id="485" r:id="rId18"/>
+    <p:sldId id="500" r:id="rId19"/>
+    <p:sldId id="501" r:id="rId20"/>
+    <p:sldId id="509" r:id="rId21"/>
+    <p:sldId id="502" r:id="rId22"/>
+    <p:sldId id="503" r:id="rId23"/>
+    <p:sldId id="505" r:id="rId24"/>
+    <p:sldId id="507" r:id="rId25"/>
+    <p:sldId id="506" r:id="rId26"/>
+    <p:sldId id="508" r:id="rId27"/>
+    <p:sldId id="443" r:id="rId28"/>
   </p:sldIdLst>
   <p:sldSz cx="12192000" cy="6858000"/>
   <p:notesSz cx="6858000" cy="9144000"/>
@@ -224,7 +234,7 @@
           <a:p>
             <a:fld id="{C54A4886-B4AF-42F7-97BE-95CDF82A73E3}" type="datetimeFigureOut">
               <a:rPr lang="en-US" smtClean="0"/>
-              <a:t>12/20/2016</a:t>
+              <a:t>12/21/2016</a:t>
             </a:fld>
             <a:endParaRPr lang="en-US"/>
           </a:p>
@@ -1187,7 +1197,7 @@
     </p:spTree>
     <p:extLst>
       <p:ext uri="{BB962C8B-B14F-4D97-AF65-F5344CB8AC3E}">
-        <p14:creationId xmlns:p14="http://schemas.microsoft.com/office/powerpoint/2010/main" val="2267138517"/>
+        <p14:creationId xmlns:p14="http://schemas.microsoft.com/office/powerpoint/2010/main" val="2602777311"/>
       </p:ext>
     </p:extLst>
   </p:cSld>
@@ -1241,15 +1251,7 @@
           <a:bodyPr/>
           <a:lstStyle/>
           <a:p>
-            <a:endParaRPr lang="en-US" sz="1200" kern="1200" dirty="0" smtClean="0">
-              <a:solidFill>
-                <a:schemeClr val="tx1"/>
-              </a:solidFill>
-              <a:effectLst/>
-              <a:latin typeface="+mn-lt"/>
-              <a:ea typeface="+mn-ea"/>
-              <a:cs typeface="+mn-cs"/>
-            </a:endParaRPr>
+            <a:endParaRPr lang="en-US" b="0" dirty="0" smtClean="0"/>
           </a:p>
         </p:txBody>
       </p:sp>
@@ -1279,7 +1281,175 @@
     </p:spTree>
     <p:extLst>
       <p:ext uri="{BB962C8B-B14F-4D97-AF65-F5344CB8AC3E}">
-        <p14:creationId xmlns:p14="http://schemas.microsoft.com/office/powerpoint/2010/main" val="2813022412"/>
+        <p14:creationId xmlns:p14="http://schemas.microsoft.com/office/powerpoint/2010/main" val="2267138517"/>
+      </p:ext>
+    </p:extLst>
+  </p:cSld>
+  <p:clrMapOvr>
+    <a:masterClrMapping/>
+  </p:clrMapOvr>
+</p:notes>
+</file>
+
+<file path=ppt/notesSlides/notesSlide18.xml><?xml version="1.0" encoding="utf-8"?>
+<p:notes xmlns:a="http://schemas.openxmlformats.org/drawingml/2006/main" xmlns:r="http://schemas.openxmlformats.org/officeDocument/2006/relationships" xmlns:p="http://schemas.openxmlformats.org/presentationml/2006/main">
+  <p:cSld>
+    <p:spTree>
+      <p:nvGrpSpPr>
+        <p:cNvPr id="1" name=""/>
+        <p:cNvGrpSpPr/>
+        <p:nvPr/>
+      </p:nvGrpSpPr>
+      <p:grpSpPr>
+        <a:xfrm>
+          <a:off x="0" y="0"/>
+          <a:ext cx="0" cy="0"/>
+          <a:chOff x="0" y="0"/>
+          <a:chExt cx="0" cy="0"/>
+        </a:xfrm>
+      </p:grpSpPr>
+      <p:sp>
+        <p:nvSpPr>
+          <p:cNvPr id="2" name="Slide Image Placeholder 1"/>
+          <p:cNvSpPr>
+            <a:spLocks noGrp="1" noRot="1" noChangeAspect="1"/>
+          </p:cNvSpPr>
+          <p:nvPr>
+            <p:ph type="sldImg"/>
+          </p:nvPr>
+        </p:nvSpPr>
+        <p:spPr/>
+      </p:sp>
+      <p:sp>
+        <p:nvSpPr>
+          <p:cNvPr id="3" name="Notes Placeholder 2"/>
+          <p:cNvSpPr>
+            <a:spLocks noGrp="1"/>
+          </p:cNvSpPr>
+          <p:nvPr>
+            <p:ph type="body" idx="1"/>
+          </p:nvPr>
+        </p:nvSpPr>
+        <p:spPr/>
+        <p:txBody>
+          <a:bodyPr/>
+          <a:lstStyle/>
+          <a:p>
+            <a:endParaRPr lang="en-US" b="0" dirty="0" smtClean="0"/>
+          </a:p>
+        </p:txBody>
+      </p:sp>
+      <p:sp>
+        <p:nvSpPr>
+          <p:cNvPr id="4" name="Slide Number Placeholder 3"/>
+          <p:cNvSpPr>
+            <a:spLocks noGrp="1"/>
+          </p:cNvSpPr>
+          <p:nvPr>
+            <p:ph type="sldNum" sz="quarter" idx="10"/>
+          </p:nvPr>
+        </p:nvSpPr>
+        <p:spPr/>
+        <p:txBody>
+          <a:bodyPr/>
+          <a:lstStyle/>
+          <a:p>
+            <a:fld id="{89029652-62E7-43D6-83B5-097D7B7AA5D8}" type="slidenum">
+              <a:rPr lang="en-US" smtClean="0"/>
+              <a:t>18</a:t>
+            </a:fld>
+            <a:endParaRPr lang="en-US"/>
+          </a:p>
+        </p:txBody>
+      </p:sp>
+    </p:spTree>
+    <p:extLst>
+      <p:ext uri="{BB962C8B-B14F-4D97-AF65-F5344CB8AC3E}">
+        <p14:creationId xmlns:p14="http://schemas.microsoft.com/office/powerpoint/2010/main" val="1561525116"/>
+      </p:ext>
+    </p:extLst>
+  </p:cSld>
+  <p:clrMapOvr>
+    <a:masterClrMapping/>
+  </p:clrMapOvr>
+</p:notes>
+</file>
+
+<file path=ppt/notesSlides/notesSlide19.xml><?xml version="1.0" encoding="utf-8"?>
+<p:notes xmlns:a="http://schemas.openxmlformats.org/drawingml/2006/main" xmlns:r="http://schemas.openxmlformats.org/officeDocument/2006/relationships" xmlns:p="http://schemas.openxmlformats.org/presentationml/2006/main">
+  <p:cSld>
+    <p:spTree>
+      <p:nvGrpSpPr>
+        <p:cNvPr id="1" name=""/>
+        <p:cNvGrpSpPr/>
+        <p:nvPr/>
+      </p:nvGrpSpPr>
+      <p:grpSpPr>
+        <a:xfrm>
+          <a:off x="0" y="0"/>
+          <a:ext cx="0" cy="0"/>
+          <a:chOff x="0" y="0"/>
+          <a:chExt cx="0" cy="0"/>
+        </a:xfrm>
+      </p:grpSpPr>
+      <p:sp>
+        <p:nvSpPr>
+          <p:cNvPr id="2" name="Slide Image Placeholder 1"/>
+          <p:cNvSpPr>
+            <a:spLocks noGrp="1" noRot="1" noChangeAspect="1"/>
+          </p:cNvSpPr>
+          <p:nvPr>
+            <p:ph type="sldImg"/>
+          </p:nvPr>
+        </p:nvSpPr>
+        <p:spPr/>
+      </p:sp>
+      <p:sp>
+        <p:nvSpPr>
+          <p:cNvPr id="3" name="Notes Placeholder 2"/>
+          <p:cNvSpPr>
+            <a:spLocks noGrp="1"/>
+          </p:cNvSpPr>
+          <p:nvPr>
+            <p:ph type="body" idx="1"/>
+          </p:nvPr>
+        </p:nvSpPr>
+        <p:spPr/>
+        <p:txBody>
+          <a:bodyPr/>
+          <a:lstStyle/>
+          <a:p>
+            <a:endParaRPr lang="en-US" b="0" dirty="0" smtClean="0"/>
+          </a:p>
+        </p:txBody>
+      </p:sp>
+      <p:sp>
+        <p:nvSpPr>
+          <p:cNvPr id="4" name="Slide Number Placeholder 3"/>
+          <p:cNvSpPr>
+            <a:spLocks noGrp="1"/>
+          </p:cNvSpPr>
+          <p:nvPr>
+            <p:ph type="sldNum" sz="quarter" idx="10"/>
+          </p:nvPr>
+        </p:nvSpPr>
+        <p:spPr/>
+        <p:txBody>
+          <a:bodyPr/>
+          <a:lstStyle/>
+          <a:p>
+            <a:fld id="{89029652-62E7-43D6-83B5-097D7B7AA5D8}" type="slidenum">
+              <a:rPr lang="en-US" smtClean="0"/>
+              <a:t>19</a:t>
+            </a:fld>
+            <a:endParaRPr lang="en-US"/>
+          </a:p>
+        </p:txBody>
+      </p:sp>
+    </p:spTree>
+    <p:extLst>
+      <p:ext uri="{BB962C8B-B14F-4D97-AF65-F5344CB8AC3E}">
+        <p14:creationId xmlns:p14="http://schemas.microsoft.com/office/powerpoint/2010/main" val="3344468672"/>
       </p:ext>
     </p:extLst>
   </p:cSld>
@@ -1389,6 +1559,686 @@
     <p:extLst>
       <p:ext uri="{BB962C8B-B14F-4D97-AF65-F5344CB8AC3E}">
         <p14:creationId xmlns:p14="http://schemas.microsoft.com/office/powerpoint/2010/main" val="2712565248"/>
+      </p:ext>
+    </p:extLst>
+  </p:cSld>
+  <p:clrMapOvr>
+    <a:masterClrMapping/>
+  </p:clrMapOvr>
+</p:notes>
+</file>
+
+<file path=ppt/notesSlides/notesSlide20.xml><?xml version="1.0" encoding="utf-8"?>
+<p:notes xmlns:a="http://schemas.openxmlformats.org/drawingml/2006/main" xmlns:r="http://schemas.openxmlformats.org/officeDocument/2006/relationships" xmlns:p="http://schemas.openxmlformats.org/presentationml/2006/main">
+  <p:cSld>
+    <p:spTree>
+      <p:nvGrpSpPr>
+        <p:cNvPr id="1" name=""/>
+        <p:cNvGrpSpPr/>
+        <p:nvPr/>
+      </p:nvGrpSpPr>
+      <p:grpSpPr>
+        <a:xfrm>
+          <a:off x="0" y="0"/>
+          <a:ext cx="0" cy="0"/>
+          <a:chOff x="0" y="0"/>
+          <a:chExt cx="0" cy="0"/>
+        </a:xfrm>
+      </p:grpSpPr>
+      <p:sp>
+        <p:nvSpPr>
+          <p:cNvPr id="2" name="Slide Image Placeholder 1"/>
+          <p:cNvSpPr>
+            <a:spLocks noGrp="1" noRot="1" noChangeAspect="1"/>
+          </p:cNvSpPr>
+          <p:nvPr>
+            <p:ph type="sldImg"/>
+          </p:nvPr>
+        </p:nvSpPr>
+        <p:spPr/>
+      </p:sp>
+      <p:sp>
+        <p:nvSpPr>
+          <p:cNvPr id="3" name="Notes Placeholder 2"/>
+          <p:cNvSpPr>
+            <a:spLocks noGrp="1"/>
+          </p:cNvSpPr>
+          <p:nvPr>
+            <p:ph type="body" idx="1"/>
+          </p:nvPr>
+        </p:nvSpPr>
+        <p:spPr/>
+        <p:txBody>
+          <a:bodyPr/>
+          <a:lstStyle/>
+          <a:p>
+            <a:endParaRPr lang="en-US" b="0" dirty="0" smtClean="0"/>
+          </a:p>
+        </p:txBody>
+      </p:sp>
+      <p:sp>
+        <p:nvSpPr>
+          <p:cNvPr id="4" name="Slide Number Placeholder 3"/>
+          <p:cNvSpPr>
+            <a:spLocks noGrp="1"/>
+          </p:cNvSpPr>
+          <p:nvPr>
+            <p:ph type="sldNum" sz="quarter" idx="10"/>
+          </p:nvPr>
+        </p:nvSpPr>
+        <p:spPr/>
+        <p:txBody>
+          <a:bodyPr/>
+          <a:lstStyle/>
+          <a:p>
+            <a:fld id="{89029652-62E7-43D6-83B5-097D7B7AA5D8}" type="slidenum">
+              <a:rPr lang="en-US" smtClean="0"/>
+              <a:t>20</a:t>
+            </a:fld>
+            <a:endParaRPr lang="en-US"/>
+          </a:p>
+        </p:txBody>
+      </p:sp>
+    </p:spTree>
+    <p:extLst>
+      <p:ext uri="{BB962C8B-B14F-4D97-AF65-F5344CB8AC3E}">
+        <p14:creationId xmlns:p14="http://schemas.microsoft.com/office/powerpoint/2010/main" val="2502330197"/>
+      </p:ext>
+    </p:extLst>
+  </p:cSld>
+  <p:clrMapOvr>
+    <a:masterClrMapping/>
+  </p:clrMapOvr>
+</p:notes>
+</file>
+
+<file path=ppt/notesSlides/notesSlide21.xml><?xml version="1.0" encoding="utf-8"?>
+<p:notes xmlns:a="http://schemas.openxmlformats.org/drawingml/2006/main" xmlns:r="http://schemas.openxmlformats.org/officeDocument/2006/relationships" xmlns:p="http://schemas.openxmlformats.org/presentationml/2006/main">
+  <p:cSld>
+    <p:spTree>
+      <p:nvGrpSpPr>
+        <p:cNvPr id="1" name=""/>
+        <p:cNvGrpSpPr/>
+        <p:nvPr/>
+      </p:nvGrpSpPr>
+      <p:grpSpPr>
+        <a:xfrm>
+          <a:off x="0" y="0"/>
+          <a:ext cx="0" cy="0"/>
+          <a:chOff x="0" y="0"/>
+          <a:chExt cx="0" cy="0"/>
+        </a:xfrm>
+      </p:grpSpPr>
+      <p:sp>
+        <p:nvSpPr>
+          <p:cNvPr id="2" name="Slide Image Placeholder 1"/>
+          <p:cNvSpPr>
+            <a:spLocks noGrp="1" noRot="1" noChangeAspect="1"/>
+          </p:cNvSpPr>
+          <p:nvPr>
+            <p:ph type="sldImg"/>
+          </p:nvPr>
+        </p:nvSpPr>
+        <p:spPr/>
+      </p:sp>
+      <p:sp>
+        <p:nvSpPr>
+          <p:cNvPr id="3" name="Notes Placeholder 2"/>
+          <p:cNvSpPr>
+            <a:spLocks noGrp="1"/>
+          </p:cNvSpPr>
+          <p:nvPr>
+            <p:ph type="body" idx="1"/>
+          </p:nvPr>
+        </p:nvSpPr>
+        <p:spPr/>
+        <p:txBody>
+          <a:bodyPr/>
+          <a:lstStyle/>
+          <a:p>
+            <a:endParaRPr lang="en-US" b="0" dirty="0" smtClean="0"/>
+          </a:p>
+        </p:txBody>
+      </p:sp>
+      <p:sp>
+        <p:nvSpPr>
+          <p:cNvPr id="4" name="Slide Number Placeholder 3"/>
+          <p:cNvSpPr>
+            <a:spLocks noGrp="1"/>
+          </p:cNvSpPr>
+          <p:nvPr>
+            <p:ph type="sldNum" sz="quarter" idx="10"/>
+          </p:nvPr>
+        </p:nvSpPr>
+        <p:spPr/>
+        <p:txBody>
+          <a:bodyPr/>
+          <a:lstStyle/>
+          <a:p>
+            <a:fld id="{89029652-62E7-43D6-83B5-097D7B7AA5D8}" type="slidenum">
+              <a:rPr lang="en-US" smtClean="0"/>
+              <a:t>21</a:t>
+            </a:fld>
+            <a:endParaRPr lang="en-US"/>
+          </a:p>
+        </p:txBody>
+      </p:sp>
+    </p:spTree>
+    <p:extLst>
+      <p:ext uri="{BB962C8B-B14F-4D97-AF65-F5344CB8AC3E}">
+        <p14:creationId xmlns:p14="http://schemas.microsoft.com/office/powerpoint/2010/main" val="3450469856"/>
+      </p:ext>
+    </p:extLst>
+  </p:cSld>
+  <p:clrMapOvr>
+    <a:masterClrMapping/>
+  </p:clrMapOvr>
+</p:notes>
+</file>
+
+<file path=ppt/notesSlides/notesSlide22.xml><?xml version="1.0" encoding="utf-8"?>
+<p:notes xmlns:a="http://schemas.openxmlformats.org/drawingml/2006/main" xmlns:r="http://schemas.openxmlformats.org/officeDocument/2006/relationships" xmlns:p="http://schemas.openxmlformats.org/presentationml/2006/main">
+  <p:cSld>
+    <p:spTree>
+      <p:nvGrpSpPr>
+        <p:cNvPr id="1" name=""/>
+        <p:cNvGrpSpPr/>
+        <p:nvPr/>
+      </p:nvGrpSpPr>
+      <p:grpSpPr>
+        <a:xfrm>
+          <a:off x="0" y="0"/>
+          <a:ext cx="0" cy="0"/>
+          <a:chOff x="0" y="0"/>
+          <a:chExt cx="0" cy="0"/>
+        </a:xfrm>
+      </p:grpSpPr>
+      <p:sp>
+        <p:nvSpPr>
+          <p:cNvPr id="2" name="Slide Image Placeholder 1"/>
+          <p:cNvSpPr>
+            <a:spLocks noGrp="1" noRot="1" noChangeAspect="1"/>
+          </p:cNvSpPr>
+          <p:nvPr>
+            <p:ph type="sldImg"/>
+          </p:nvPr>
+        </p:nvSpPr>
+        <p:spPr/>
+      </p:sp>
+      <p:sp>
+        <p:nvSpPr>
+          <p:cNvPr id="3" name="Notes Placeholder 2"/>
+          <p:cNvSpPr>
+            <a:spLocks noGrp="1"/>
+          </p:cNvSpPr>
+          <p:nvPr>
+            <p:ph type="body" idx="1"/>
+          </p:nvPr>
+        </p:nvSpPr>
+        <p:spPr/>
+        <p:txBody>
+          <a:bodyPr/>
+          <a:lstStyle/>
+          <a:p>
+            <a:endParaRPr lang="en-US" b="0" dirty="0" smtClean="0"/>
+          </a:p>
+        </p:txBody>
+      </p:sp>
+      <p:sp>
+        <p:nvSpPr>
+          <p:cNvPr id="4" name="Slide Number Placeholder 3"/>
+          <p:cNvSpPr>
+            <a:spLocks noGrp="1"/>
+          </p:cNvSpPr>
+          <p:nvPr>
+            <p:ph type="sldNum" sz="quarter" idx="10"/>
+          </p:nvPr>
+        </p:nvSpPr>
+        <p:spPr/>
+        <p:txBody>
+          <a:bodyPr/>
+          <a:lstStyle/>
+          <a:p>
+            <a:fld id="{89029652-62E7-43D6-83B5-097D7B7AA5D8}" type="slidenum">
+              <a:rPr lang="en-US" smtClean="0"/>
+              <a:t>22</a:t>
+            </a:fld>
+            <a:endParaRPr lang="en-US"/>
+          </a:p>
+        </p:txBody>
+      </p:sp>
+    </p:spTree>
+    <p:extLst>
+      <p:ext uri="{BB962C8B-B14F-4D97-AF65-F5344CB8AC3E}">
+        <p14:creationId xmlns:p14="http://schemas.microsoft.com/office/powerpoint/2010/main" val="2647091800"/>
+      </p:ext>
+    </p:extLst>
+  </p:cSld>
+  <p:clrMapOvr>
+    <a:masterClrMapping/>
+  </p:clrMapOvr>
+</p:notes>
+</file>
+
+<file path=ppt/notesSlides/notesSlide23.xml><?xml version="1.0" encoding="utf-8"?>
+<p:notes xmlns:a="http://schemas.openxmlformats.org/drawingml/2006/main" xmlns:r="http://schemas.openxmlformats.org/officeDocument/2006/relationships" xmlns:p="http://schemas.openxmlformats.org/presentationml/2006/main">
+  <p:cSld>
+    <p:spTree>
+      <p:nvGrpSpPr>
+        <p:cNvPr id="1" name=""/>
+        <p:cNvGrpSpPr/>
+        <p:nvPr/>
+      </p:nvGrpSpPr>
+      <p:grpSpPr>
+        <a:xfrm>
+          <a:off x="0" y="0"/>
+          <a:ext cx="0" cy="0"/>
+          <a:chOff x="0" y="0"/>
+          <a:chExt cx="0" cy="0"/>
+        </a:xfrm>
+      </p:grpSpPr>
+      <p:sp>
+        <p:nvSpPr>
+          <p:cNvPr id="2" name="Slide Image Placeholder 1"/>
+          <p:cNvSpPr>
+            <a:spLocks noGrp="1" noRot="1" noChangeAspect="1"/>
+          </p:cNvSpPr>
+          <p:nvPr>
+            <p:ph type="sldImg"/>
+          </p:nvPr>
+        </p:nvSpPr>
+        <p:spPr/>
+      </p:sp>
+      <p:sp>
+        <p:nvSpPr>
+          <p:cNvPr id="3" name="Notes Placeholder 2"/>
+          <p:cNvSpPr>
+            <a:spLocks noGrp="1"/>
+          </p:cNvSpPr>
+          <p:nvPr>
+            <p:ph type="body" idx="1"/>
+          </p:nvPr>
+        </p:nvSpPr>
+        <p:spPr/>
+        <p:txBody>
+          <a:bodyPr/>
+          <a:lstStyle/>
+          <a:p>
+            <a:endParaRPr lang="en-US" b="0" dirty="0" smtClean="0"/>
+          </a:p>
+        </p:txBody>
+      </p:sp>
+      <p:sp>
+        <p:nvSpPr>
+          <p:cNvPr id="4" name="Slide Number Placeholder 3"/>
+          <p:cNvSpPr>
+            <a:spLocks noGrp="1"/>
+          </p:cNvSpPr>
+          <p:nvPr>
+            <p:ph type="sldNum" sz="quarter" idx="10"/>
+          </p:nvPr>
+        </p:nvSpPr>
+        <p:spPr/>
+        <p:txBody>
+          <a:bodyPr/>
+          <a:lstStyle/>
+          <a:p>
+            <a:fld id="{89029652-62E7-43D6-83B5-097D7B7AA5D8}" type="slidenum">
+              <a:rPr lang="en-US" smtClean="0"/>
+              <a:t>23</a:t>
+            </a:fld>
+            <a:endParaRPr lang="en-US"/>
+          </a:p>
+        </p:txBody>
+      </p:sp>
+    </p:spTree>
+    <p:extLst>
+      <p:ext uri="{BB962C8B-B14F-4D97-AF65-F5344CB8AC3E}">
+        <p14:creationId xmlns:p14="http://schemas.microsoft.com/office/powerpoint/2010/main" val="2653332077"/>
+      </p:ext>
+    </p:extLst>
+  </p:cSld>
+  <p:clrMapOvr>
+    <a:masterClrMapping/>
+  </p:clrMapOvr>
+</p:notes>
+</file>
+
+<file path=ppt/notesSlides/notesSlide24.xml><?xml version="1.0" encoding="utf-8"?>
+<p:notes xmlns:a="http://schemas.openxmlformats.org/drawingml/2006/main" xmlns:r="http://schemas.openxmlformats.org/officeDocument/2006/relationships" xmlns:p="http://schemas.openxmlformats.org/presentationml/2006/main">
+  <p:cSld>
+    <p:spTree>
+      <p:nvGrpSpPr>
+        <p:cNvPr id="1" name=""/>
+        <p:cNvGrpSpPr/>
+        <p:nvPr/>
+      </p:nvGrpSpPr>
+      <p:grpSpPr>
+        <a:xfrm>
+          <a:off x="0" y="0"/>
+          <a:ext cx="0" cy="0"/>
+          <a:chOff x="0" y="0"/>
+          <a:chExt cx="0" cy="0"/>
+        </a:xfrm>
+      </p:grpSpPr>
+      <p:sp>
+        <p:nvSpPr>
+          <p:cNvPr id="2" name="Slide Image Placeholder 1"/>
+          <p:cNvSpPr>
+            <a:spLocks noGrp="1" noRot="1" noChangeAspect="1"/>
+          </p:cNvSpPr>
+          <p:nvPr>
+            <p:ph type="sldImg"/>
+          </p:nvPr>
+        </p:nvSpPr>
+        <p:spPr/>
+      </p:sp>
+      <p:sp>
+        <p:nvSpPr>
+          <p:cNvPr id="3" name="Notes Placeholder 2"/>
+          <p:cNvSpPr>
+            <a:spLocks noGrp="1"/>
+          </p:cNvSpPr>
+          <p:nvPr>
+            <p:ph type="body" idx="1"/>
+          </p:nvPr>
+        </p:nvSpPr>
+        <p:spPr/>
+        <p:txBody>
+          <a:bodyPr/>
+          <a:lstStyle/>
+          <a:p>
+            <a:endParaRPr lang="en-US" b="0" dirty="0" smtClean="0"/>
+          </a:p>
+        </p:txBody>
+      </p:sp>
+      <p:sp>
+        <p:nvSpPr>
+          <p:cNvPr id="4" name="Slide Number Placeholder 3"/>
+          <p:cNvSpPr>
+            <a:spLocks noGrp="1"/>
+          </p:cNvSpPr>
+          <p:nvPr>
+            <p:ph type="sldNum" sz="quarter" idx="10"/>
+          </p:nvPr>
+        </p:nvSpPr>
+        <p:spPr/>
+        <p:txBody>
+          <a:bodyPr/>
+          <a:lstStyle/>
+          <a:p>
+            <a:fld id="{89029652-62E7-43D6-83B5-097D7B7AA5D8}" type="slidenum">
+              <a:rPr lang="en-US" smtClean="0"/>
+              <a:t>24</a:t>
+            </a:fld>
+            <a:endParaRPr lang="en-US"/>
+          </a:p>
+        </p:txBody>
+      </p:sp>
+    </p:spTree>
+    <p:extLst>
+      <p:ext uri="{BB962C8B-B14F-4D97-AF65-F5344CB8AC3E}">
+        <p14:creationId xmlns:p14="http://schemas.microsoft.com/office/powerpoint/2010/main" val="3271057564"/>
+      </p:ext>
+    </p:extLst>
+  </p:cSld>
+  <p:clrMapOvr>
+    <a:masterClrMapping/>
+  </p:clrMapOvr>
+</p:notes>
+</file>
+
+<file path=ppt/notesSlides/notesSlide25.xml><?xml version="1.0" encoding="utf-8"?>
+<p:notes xmlns:a="http://schemas.openxmlformats.org/drawingml/2006/main" xmlns:r="http://schemas.openxmlformats.org/officeDocument/2006/relationships" xmlns:p="http://schemas.openxmlformats.org/presentationml/2006/main">
+  <p:cSld>
+    <p:spTree>
+      <p:nvGrpSpPr>
+        <p:cNvPr id="1" name=""/>
+        <p:cNvGrpSpPr/>
+        <p:nvPr/>
+      </p:nvGrpSpPr>
+      <p:grpSpPr>
+        <a:xfrm>
+          <a:off x="0" y="0"/>
+          <a:ext cx="0" cy="0"/>
+          <a:chOff x="0" y="0"/>
+          <a:chExt cx="0" cy="0"/>
+        </a:xfrm>
+      </p:grpSpPr>
+      <p:sp>
+        <p:nvSpPr>
+          <p:cNvPr id="2" name="Slide Image Placeholder 1"/>
+          <p:cNvSpPr>
+            <a:spLocks noGrp="1" noRot="1" noChangeAspect="1"/>
+          </p:cNvSpPr>
+          <p:nvPr>
+            <p:ph type="sldImg"/>
+          </p:nvPr>
+        </p:nvSpPr>
+        <p:spPr/>
+      </p:sp>
+      <p:sp>
+        <p:nvSpPr>
+          <p:cNvPr id="3" name="Notes Placeholder 2"/>
+          <p:cNvSpPr>
+            <a:spLocks noGrp="1"/>
+          </p:cNvSpPr>
+          <p:nvPr>
+            <p:ph type="body" idx="1"/>
+          </p:nvPr>
+        </p:nvSpPr>
+        <p:spPr/>
+        <p:txBody>
+          <a:bodyPr/>
+          <a:lstStyle/>
+          <a:p>
+            <a:endParaRPr lang="en-US" b="0" dirty="0" smtClean="0"/>
+          </a:p>
+        </p:txBody>
+      </p:sp>
+      <p:sp>
+        <p:nvSpPr>
+          <p:cNvPr id="4" name="Slide Number Placeholder 3"/>
+          <p:cNvSpPr>
+            <a:spLocks noGrp="1"/>
+          </p:cNvSpPr>
+          <p:nvPr>
+            <p:ph type="sldNum" sz="quarter" idx="10"/>
+          </p:nvPr>
+        </p:nvSpPr>
+        <p:spPr/>
+        <p:txBody>
+          <a:bodyPr/>
+          <a:lstStyle/>
+          <a:p>
+            <a:fld id="{89029652-62E7-43D6-83B5-097D7B7AA5D8}" type="slidenum">
+              <a:rPr lang="en-US" smtClean="0"/>
+              <a:t>25</a:t>
+            </a:fld>
+            <a:endParaRPr lang="en-US"/>
+          </a:p>
+        </p:txBody>
+      </p:sp>
+    </p:spTree>
+    <p:extLst>
+      <p:ext uri="{BB962C8B-B14F-4D97-AF65-F5344CB8AC3E}">
+        <p14:creationId xmlns:p14="http://schemas.microsoft.com/office/powerpoint/2010/main" val="3766878569"/>
+      </p:ext>
+    </p:extLst>
+  </p:cSld>
+  <p:clrMapOvr>
+    <a:masterClrMapping/>
+  </p:clrMapOvr>
+</p:notes>
+</file>
+
+<file path=ppt/notesSlides/notesSlide26.xml><?xml version="1.0" encoding="utf-8"?>
+<p:notes xmlns:a="http://schemas.openxmlformats.org/drawingml/2006/main" xmlns:r="http://schemas.openxmlformats.org/officeDocument/2006/relationships" xmlns:p="http://schemas.openxmlformats.org/presentationml/2006/main">
+  <p:cSld>
+    <p:spTree>
+      <p:nvGrpSpPr>
+        <p:cNvPr id="1" name=""/>
+        <p:cNvGrpSpPr/>
+        <p:nvPr/>
+      </p:nvGrpSpPr>
+      <p:grpSpPr>
+        <a:xfrm>
+          <a:off x="0" y="0"/>
+          <a:ext cx="0" cy="0"/>
+          <a:chOff x="0" y="0"/>
+          <a:chExt cx="0" cy="0"/>
+        </a:xfrm>
+      </p:grpSpPr>
+      <p:sp>
+        <p:nvSpPr>
+          <p:cNvPr id="2" name="Slide Image Placeholder 1"/>
+          <p:cNvSpPr>
+            <a:spLocks noGrp="1" noRot="1" noChangeAspect="1"/>
+          </p:cNvSpPr>
+          <p:nvPr>
+            <p:ph type="sldImg"/>
+          </p:nvPr>
+        </p:nvSpPr>
+        <p:spPr/>
+      </p:sp>
+      <p:sp>
+        <p:nvSpPr>
+          <p:cNvPr id="3" name="Notes Placeholder 2"/>
+          <p:cNvSpPr>
+            <a:spLocks noGrp="1"/>
+          </p:cNvSpPr>
+          <p:nvPr>
+            <p:ph type="body" idx="1"/>
+          </p:nvPr>
+        </p:nvSpPr>
+        <p:spPr/>
+        <p:txBody>
+          <a:bodyPr/>
+          <a:lstStyle/>
+          <a:p>
+            <a:endParaRPr lang="en-US" b="0" dirty="0" smtClean="0"/>
+          </a:p>
+        </p:txBody>
+      </p:sp>
+      <p:sp>
+        <p:nvSpPr>
+          <p:cNvPr id="4" name="Slide Number Placeholder 3"/>
+          <p:cNvSpPr>
+            <a:spLocks noGrp="1"/>
+          </p:cNvSpPr>
+          <p:nvPr>
+            <p:ph type="sldNum" sz="quarter" idx="10"/>
+          </p:nvPr>
+        </p:nvSpPr>
+        <p:spPr/>
+        <p:txBody>
+          <a:bodyPr/>
+          <a:lstStyle/>
+          <a:p>
+            <a:fld id="{89029652-62E7-43D6-83B5-097D7B7AA5D8}" type="slidenum">
+              <a:rPr lang="en-US" smtClean="0"/>
+              <a:t>26</a:t>
+            </a:fld>
+            <a:endParaRPr lang="en-US"/>
+          </a:p>
+        </p:txBody>
+      </p:sp>
+    </p:spTree>
+    <p:extLst>
+      <p:ext uri="{BB962C8B-B14F-4D97-AF65-F5344CB8AC3E}">
+        <p14:creationId xmlns:p14="http://schemas.microsoft.com/office/powerpoint/2010/main" val="3504203797"/>
+      </p:ext>
+    </p:extLst>
+  </p:cSld>
+  <p:clrMapOvr>
+    <a:masterClrMapping/>
+  </p:clrMapOvr>
+</p:notes>
+</file>
+
+<file path=ppt/notesSlides/notesSlide27.xml><?xml version="1.0" encoding="utf-8"?>
+<p:notes xmlns:a="http://schemas.openxmlformats.org/drawingml/2006/main" xmlns:r="http://schemas.openxmlformats.org/officeDocument/2006/relationships" xmlns:p="http://schemas.openxmlformats.org/presentationml/2006/main">
+  <p:cSld>
+    <p:spTree>
+      <p:nvGrpSpPr>
+        <p:cNvPr id="1" name=""/>
+        <p:cNvGrpSpPr/>
+        <p:nvPr/>
+      </p:nvGrpSpPr>
+      <p:grpSpPr>
+        <a:xfrm>
+          <a:off x="0" y="0"/>
+          <a:ext cx="0" cy="0"/>
+          <a:chOff x="0" y="0"/>
+          <a:chExt cx="0" cy="0"/>
+        </a:xfrm>
+      </p:grpSpPr>
+      <p:sp>
+        <p:nvSpPr>
+          <p:cNvPr id="2" name="Slide Image Placeholder 1"/>
+          <p:cNvSpPr>
+            <a:spLocks noGrp="1" noRot="1" noChangeAspect="1"/>
+          </p:cNvSpPr>
+          <p:nvPr>
+            <p:ph type="sldImg"/>
+          </p:nvPr>
+        </p:nvSpPr>
+        <p:spPr/>
+      </p:sp>
+      <p:sp>
+        <p:nvSpPr>
+          <p:cNvPr id="3" name="Notes Placeholder 2"/>
+          <p:cNvSpPr>
+            <a:spLocks noGrp="1"/>
+          </p:cNvSpPr>
+          <p:nvPr>
+            <p:ph type="body" idx="1"/>
+          </p:nvPr>
+        </p:nvSpPr>
+        <p:spPr/>
+        <p:txBody>
+          <a:bodyPr/>
+          <a:lstStyle/>
+          <a:p>
+            <a:endParaRPr lang="en-US" sz="1200" kern="1200" dirty="0" smtClean="0">
+              <a:solidFill>
+                <a:schemeClr val="tx1"/>
+              </a:solidFill>
+              <a:effectLst/>
+              <a:latin typeface="+mn-lt"/>
+              <a:ea typeface="+mn-ea"/>
+              <a:cs typeface="+mn-cs"/>
+            </a:endParaRPr>
+          </a:p>
+        </p:txBody>
+      </p:sp>
+      <p:sp>
+        <p:nvSpPr>
+          <p:cNvPr id="4" name="Slide Number Placeholder 3"/>
+          <p:cNvSpPr>
+            <a:spLocks noGrp="1"/>
+          </p:cNvSpPr>
+          <p:nvPr>
+            <p:ph type="sldNum" sz="quarter" idx="10"/>
+          </p:nvPr>
+        </p:nvSpPr>
+        <p:spPr/>
+        <p:txBody>
+          <a:bodyPr/>
+          <a:lstStyle/>
+          <a:p>
+            <a:fld id="{89029652-62E7-43D6-83B5-097D7B7AA5D8}" type="slidenum">
+              <a:rPr lang="en-US" smtClean="0"/>
+              <a:t>27</a:t>
+            </a:fld>
+            <a:endParaRPr lang="en-US"/>
+          </a:p>
+        </p:txBody>
+      </p:sp>
+    </p:spTree>
+    <p:extLst>
+      <p:ext uri="{BB962C8B-B14F-4D97-AF65-F5344CB8AC3E}">
+        <p14:creationId xmlns:p14="http://schemas.microsoft.com/office/powerpoint/2010/main" val="2813022412"/>
       </p:ext>
     </p:extLst>
   </p:cSld>
@@ -2167,7 +3017,7 @@
           <a:p>
             <a:fld id="{75AA6396-395E-4ADA-8EE5-F328BC863A04}" type="datetimeFigureOut">
               <a:rPr lang="en-US" smtClean="0"/>
-              <a:t>12/20/2016</a:t>
+              <a:t>12/21/2016</a:t>
             </a:fld>
             <a:endParaRPr lang="en-US"/>
           </a:p>
@@ -2344,7 +3194,7 @@
           <a:p>
             <a:fld id="{75AA6396-395E-4ADA-8EE5-F328BC863A04}" type="datetimeFigureOut">
               <a:rPr lang="en-US" smtClean="0"/>
-              <a:t>12/20/2016</a:t>
+              <a:t>12/21/2016</a:t>
             </a:fld>
             <a:endParaRPr lang="en-US"/>
           </a:p>
@@ -2524,7 +3374,7 @@
           <a:p>
             <a:fld id="{75AA6396-395E-4ADA-8EE5-F328BC863A04}" type="datetimeFigureOut">
               <a:rPr lang="en-US" smtClean="0"/>
-              <a:t>12/20/2016</a:t>
+              <a:t>12/21/2016</a:t>
             </a:fld>
             <a:endParaRPr lang="en-US"/>
           </a:p>
@@ -2744,7 +3594,7 @@
           <a:p>
             <a:fld id="{75AA6396-395E-4ADA-8EE5-F328BC863A04}" type="datetimeFigureOut">
               <a:rPr lang="en-US" smtClean="0"/>
-              <a:t>12/20/2016</a:t>
+              <a:t>12/21/2016</a:t>
             </a:fld>
             <a:endParaRPr lang="en-US"/>
           </a:p>
@@ -2997,7 +3847,7 @@
           <a:p>
             <a:fld id="{75AA6396-395E-4ADA-8EE5-F328BC863A04}" type="datetimeFigureOut">
               <a:rPr lang="en-US" smtClean="0"/>
-              <a:t>12/20/2016</a:t>
+              <a:t>12/21/2016</a:t>
             </a:fld>
             <a:endParaRPr lang="en-US"/>
           </a:p>
@@ -3236,7 +4086,7 @@
           <a:p>
             <a:fld id="{75AA6396-395E-4ADA-8EE5-F328BC863A04}" type="datetimeFigureOut">
               <a:rPr lang="en-US" smtClean="0"/>
-              <a:t>12/20/2016</a:t>
+              <a:t>12/21/2016</a:t>
             </a:fld>
             <a:endParaRPr lang="en-US"/>
           </a:p>
@@ -3610,7 +4460,7 @@
           <a:p>
             <a:fld id="{75AA6396-395E-4ADA-8EE5-F328BC863A04}" type="datetimeFigureOut">
               <a:rPr lang="en-US" smtClean="0"/>
-              <a:t>12/20/2016</a:t>
+              <a:t>12/21/2016</a:t>
             </a:fld>
             <a:endParaRPr lang="en-US"/>
           </a:p>
@@ -3728,7 +4578,7 @@
           <a:p>
             <a:fld id="{75AA6396-395E-4ADA-8EE5-F328BC863A04}" type="datetimeFigureOut">
               <a:rPr lang="en-US" smtClean="0"/>
-              <a:t>12/20/2016</a:t>
+              <a:t>12/21/2016</a:t>
             </a:fld>
             <a:endParaRPr lang="en-US"/>
           </a:p>
@@ -3823,7 +4673,7 @@
           <a:p>
             <a:fld id="{75AA6396-395E-4ADA-8EE5-F328BC863A04}" type="datetimeFigureOut">
               <a:rPr lang="en-US" smtClean="0"/>
-              <a:t>12/20/2016</a:t>
+              <a:t>12/21/2016</a:t>
             </a:fld>
             <a:endParaRPr lang="en-US"/>
           </a:p>
@@ -4100,7 +4950,7 @@
           <a:p>
             <a:fld id="{75AA6396-395E-4ADA-8EE5-F328BC863A04}" type="datetimeFigureOut">
               <a:rPr lang="en-US" smtClean="0"/>
-              <a:t>12/20/2016</a:t>
+              <a:t>12/21/2016</a:t>
             </a:fld>
             <a:endParaRPr lang="en-US"/>
           </a:p>
@@ -4353,7 +5203,7 @@
           <a:p>
             <a:fld id="{75AA6396-395E-4ADA-8EE5-F328BC863A04}" type="datetimeFigureOut">
               <a:rPr lang="en-US" smtClean="0"/>
-              <a:t>12/20/2016</a:t>
+              <a:t>12/21/2016</a:t>
             </a:fld>
             <a:endParaRPr lang="en-US"/>
           </a:p>
@@ -4566,7 +5416,7 @@
           <a:p>
             <a:fld id="{75AA6396-395E-4ADA-8EE5-F328BC863A04}" type="datetimeFigureOut">
               <a:rPr lang="en-US" smtClean="0"/>
-              <a:t>12/20/2016</a:t>
+              <a:t>12/21/2016</a:t>
             </a:fld>
             <a:endParaRPr lang="en-US"/>
           </a:p>
@@ -5748,7 +6598,7 @@
           <a:p>
             <a:r>
               <a:rPr lang="en-US" sz="4800" dirty="0" smtClean="0"/>
-              <a:t>Patented step-by-step slide</a:t>
+              <a:t>Goals for framework-level security code</a:t>
             </a:r>
             <a:endParaRPr lang="en-US" sz="4800" dirty="0"/>
           </a:p>
@@ -5777,37 +6627,33 @@
           <a:lstStyle/>
           <a:p>
             <a:r>
-              <a:rPr lang="en-US" sz="4000" dirty="0" smtClean="0">
-                <a:solidFill>
-                  <a:schemeClr val="bg1">
-                    <a:lumMod val="65000"/>
-                  </a:schemeClr>
-                </a:solidFill>
-              </a:rPr>
-              <a:t>Old news</a:t>
-            </a:r>
-            <a:br>
-              <a:rPr lang="en-US" sz="4000" dirty="0" smtClean="0">
-                <a:solidFill>
-                  <a:schemeClr val="bg1">
-                    <a:lumMod val="65000"/>
-                  </a:schemeClr>
-                </a:solidFill>
-              </a:rPr>
-            </a:br>
-            <a:endParaRPr lang="en-US" sz="4000" dirty="0" smtClean="0">
-              <a:solidFill>
-                <a:schemeClr val="bg1">
-                  <a:lumMod val="65000"/>
-                </a:schemeClr>
-              </a:solidFill>
-            </a:endParaRPr>
-          </a:p>
-          <a:p>
-            <a:r>
-              <a:rPr lang="en-US" sz="4000" b="1" dirty="0" smtClean="0"/>
-              <a:t>New hotness</a:t>
-            </a:r>
+              <a:rPr lang="en-US" sz="4000" dirty="0" smtClean="0"/>
+              <a:t>"Secure by default"</a:t>
+            </a:r>
+          </a:p>
+          <a:p>
+            <a:endParaRPr lang="en-US" sz="4000" dirty="0"/>
+          </a:p>
+          <a:p>
+            <a:r>
+              <a:rPr lang="en-US" sz="4000" dirty="0" smtClean="0"/>
+              <a:t>Consistent implementation</a:t>
+            </a:r>
+          </a:p>
+          <a:p>
+            <a:endParaRPr lang="en-US" sz="4000" dirty="0"/>
+          </a:p>
+          <a:p>
+            <a:r>
+              <a:rPr lang="en-US" sz="4000" dirty="0" smtClean="0"/>
+              <a:t>Easy to audit</a:t>
+            </a:r>
+          </a:p>
+          <a:p>
+            <a:endParaRPr lang="en-US" sz="4000" dirty="0"/>
+          </a:p>
+          <a:p>
+            <a:endParaRPr lang="en-US" sz="4000" dirty="0" smtClean="0"/>
           </a:p>
           <a:p>
             <a:endParaRPr lang="en-US" sz="4000" dirty="0" smtClean="0"/>
@@ -5879,7 +6725,7 @@
           <a:p>
             <a:r>
               <a:rPr lang="en-US" sz="4800" dirty="0" smtClean="0"/>
-              <a:t>Canonical example: SQL Injection</a:t>
+              <a:t>Patented step-by-step slide</a:t>
             </a:r>
             <a:endParaRPr lang="en-US" sz="4800" dirty="0"/>
           </a:p>
@@ -5907,6 +6753,40 @@
           </a:bodyPr>
           <a:lstStyle/>
           <a:p>
+            <a:r>
+              <a:rPr lang="en-US" sz="4000" dirty="0" smtClean="0">
+                <a:solidFill>
+                  <a:schemeClr val="bg1">
+                    <a:lumMod val="65000"/>
+                  </a:schemeClr>
+                </a:solidFill>
+              </a:rPr>
+              <a:t>Old news</a:t>
+            </a:r>
+            <a:br>
+              <a:rPr lang="en-US" sz="4000" dirty="0" smtClean="0">
+                <a:solidFill>
+                  <a:schemeClr val="bg1">
+                    <a:lumMod val="65000"/>
+                  </a:schemeClr>
+                </a:solidFill>
+              </a:rPr>
+            </a:br>
+            <a:endParaRPr lang="en-US" sz="4000" dirty="0" smtClean="0">
+              <a:solidFill>
+                <a:schemeClr val="bg1">
+                  <a:lumMod val="65000"/>
+                </a:schemeClr>
+              </a:solidFill>
+            </a:endParaRPr>
+          </a:p>
+          <a:p>
+            <a:r>
+              <a:rPr lang="en-US" sz="4000" b="1" dirty="0" smtClean="0"/>
+              <a:t>New hotness</a:t>
+            </a:r>
+          </a:p>
+          <a:p>
             <a:endParaRPr lang="en-US" sz="4000" dirty="0" smtClean="0"/>
           </a:p>
           <a:p>
@@ -5923,7 +6803,7 @@
     </p:spTree>
     <p:extLst>
       <p:ext uri="{BB962C8B-B14F-4D97-AF65-F5344CB8AC3E}">
-        <p14:creationId xmlns:p14="http://schemas.microsoft.com/office/powerpoint/2010/main" val="1766242099"/>
+        <p14:creationId xmlns:p14="http://schemas.microsoft.com/office/powerpoint/2010/main" val="1887088746"/>
       </p:ext>
     </p:extLst>
   </p:cSld>
@@ -5967,42 +6847,7 @@
             <p:ph type="title"/>
           </p:nvPr>
         </p:nvSpPr>
-        <p:spPr>
-          <a:xfrm>
-            <a:off x="838200" y="365125"/>
-            <a:ext cx="10886768" cy="1325563"/>
-          </a:xfrm>
-        </p:spPr>
-        <p:txBody>
-          <a:bodyPr>
-            <a:noAutofit/>
-          </a:bodyPr>
-          <a:lstStyle/>
-          <a:p>
-            <a:r>
-              <a:rPr lang="en-US" sz="4800" dirty="0" smtClean="0"/>
-              <a:t>Closing slide</a:t>
-            </a:r>
-            <a:endParaRPr lang="en-US" sz="4800" dirty="0"/>
-          </a:p>
-        </p:txBody>
-      </p:sp>
-      <p:sp>
-        <p:nvSpPr>
-          <p:cNvPr id="3" name="Content Placeholder 2"/>
-          <p:cNvSpPr>
-            <a:spLocks noGrp="1"/>
-          </p:cNvSpPr>
-          <p:nvPr>
-            <p:ph idx="1"/>
-          </p:nvPr>
-        </p:nvSpPr>
-        <p:spPr>
-          <a:xfrm>
-            <a:off x="838200" y="1825625"/>
-            <a:ext cx="11137490" cy="4899640"/>
-          </a:xfrm>
-        </p:spPr>
+        <p:spPr/>
         <p:txBody>
           <a:bodyPr>
             <a:normAutofit/>
@@ -6010,102 +6855,44 @@
           <a:lstStyle/>
           <a:p>
             <a:r>
-              <a:rPr lang="en-US" sz="4000" dirty="0" smtClean="0"/>
-              <a:t>The knowledge gets dropped here</a:t>
-            </a:r>
-          </a:p>
-          <a:p>
-            <a:pPr marL="0" indent="0">
-              <a:buNone/>
-            </a:pPr>
-            <a:endParaRPr lang="en-US" sz="3200" dirty="0" smtClean="0">
-              <a:hlinkClick r:id="rId3"/>
-            </a:endParaRPr>
-          </a:p>
-          <a:p>
-            <a:pPr marL="0" indent="0">
-              <a:buNone/>
-            </a:pPr>
-            <a:r>
-              <a:rPr lang="en-US" sz="3600" dirty="0" smtClean="0">
-                <a:hlinkClick r:id="rId3"/>
-              </a:rPr>
-              <a:t>github.com/</a:t>
-            </a:r>
-            <a:r>
-              <a:rPr lang="en-US" sz="3600" dirty="0" err="1" smtClean="0">
-                <a:hlinkClick r:id="rId3"/>
-              </a:rPr>
-              <a:t>spetryjohnson</a:t>
-            </a:r>
-            <a:r>
-              <a:rPr lang="en-US" sz="3600" dirty="0" smtClean="0"/>
-              <a:t> </a:t>
-            </a:r>
-            <a:r>
-              <a:rPr lang="en-US" sz="3600" dirty="0" smtClean="0">
-                <a:solidFill>
-                  <a:schemeClr val="bg1">
-                    <a:lumMod val="50000"/>
-                  </a:schemeClr>
-                </a:solidFill>
-              </a:rPr>
-              <a:t>|</a:t>
-            </a:r>
-            <a:r>
-              <a:rPr lang="en-US" sz="3600" dirty="0" smtClean="0"/>
-              <a:t> </a:t>
-            </a:r>
-            <a:r>
-              <a:rPr lang="en-US" sz="3600" dirty="0" smtClean="0">
-                <a:hlinkClick r:id="rId4"/>
-              </a:rPr>
-              <a:t>www.petry-johnson.com</a:t>
-            </a:r>
-            <a:r>
-              <a:rPr lang="en-US" sz="3600" dirty="0" smtClean="0"/>
-              <a:t/>
-            </a:r>
-            <a:br>
-              <a:rPr lang="en-US" sz="3600" dirty="0" smtClean="0"/>
-            </a:br>
-            <a:endParaRPr lang="en-US" sz="3600" dirty="0"/>
-          </a:p>
-          <a:p>
-            <a:pPr marL="0" indent="0" algn="ctr">
-              <a:buNone/>
-            </a:pPr>
-            <a:r>
-              <a:rPr lang="en-US" sz="3600" b="1" dirty="0" smtClean="0"/>
-              <a:t>@</a:t>
-            </a:r>
-            <a:r>
-              <a:rPr lang="en-US" sz="3600" b="1" dirty="0" err="1" smtClean="0"/>
-              <a:t>spetryjohnson</a:t>
-            </a:r>
-            <a:endParaRPr lang="en-US" b="1" dirty="0" smtClean="0"/>
+              <a:rPr lang="en-US" sz="4800" dirty="0" smtClean="0"/>
+              <a:t>Canonical example: SQL Injection</a:t>
+            </a:r>
+            <a:endParaRPr lang="en-US" sz="4800" dirty="0"/>
+          </a:p>
+        </p:txBody>
+      </p:sp>
+      <p:sp>
+        <p:nvSpPr>
+          <p:cNvPr id="3" name="Content Placeholder 2"/>
+          <p:cNvSpPr>
+            <a:spLocks noGrp="1"/>
+          </p:cNvSpPr>
+          <p:nvPr>
+            <p:ph idx="1"/>
+          </p:nvPr>
+        </p:nvSpPr>
+        <p:spPr>
+          <a:xfrm>
+            <a:off x="838200" y="1825624"/>
+            <a:ext cx="10515600" cy="4589923"/>
+          </a:xfrm>
+        </p:spPr>
+        <p:txBody>
+          <a:bodyPr>
+            <a:normAutofit/>
+          </a:bodyPr>
+          <a:lstStyle/>
+          <a:p>
+            <a:endParaRPr lang="en-US" sz="4000" dirty="0" smtClean="0"/>
           </a:p>
           <a:p>
             <a:endParaRPr lang="en-US" dirty="0" smtClean="0"/>
           </a:p>
           <a:p>
-            <a:pPr lvl="1"/>
             <a:endParaRPr lang="en-US" dirty="0" smtClean="0"/>
           </a:p>
           <a:p>
-            <a:pPr lvl="1"/>
-            <a:endParaRPr lang="en-US" dirty="0" smtClean="0"/>
-          </a:p>
-          <a:p>
-            <a:pPr lvl="1"/>
-            <a:endParaRPr lang="en-US" dirty="0"/>
-          </a:p>
-          <a:p>
-            <a:pPr lvl="1"/>
-            <a:endParaRPr lang="en-US" dirty="0" smtClean="0"/>
-          </a:p>
-          <a:p>
-            <a:pPr lvl="1"/>
             <a:endParaRPr lang="en-US" dirty="0"/>
           </a:p>
         </p:txBody>
@@ -6113,7 +6900,253 @@
     </p:spTree>
     <p:extLst>
       <p:ext uri="{BB962C8B-B14F-4D97-AF65-F5344CB8AC3E}">
-        <p14:creationId xmlns:p14="http://schemas.microsoft.com/office/powerpoint/2010/main" val="659085787"/>
+        <p14:creationId xmlns:p14="http://schemas.microsoft.com/office/powerpoint/2010/main" val="1766242099"/>
+      </p:ext>
+    </p:extLst>
+  </p:cSld>
+  <p:clrMapOvr>
+    <a:masterClrMapping/>
+  </p:clrMapOvr>
+  <p:timing>
+    <p:tnLst>
+      <p:par>
+        <p:cTn id="1" dur="indefinite" restart="never" nodeType="tmRoot"/>
+      </p:par>
+    </p:tnLst>
+  </p:timing>
+</p:sld>
+</file>
+
+<file path=ppt/slides/slide18.xml><?xml version="1.0" encoding="utf-8"?>
+<p:sld xmlns:a="http://schemas.openxmlformats.org/drawingml/2006/main" xmlns:r="http://schemas.openxmlformats.org/officeDocument/2006/relationships" xmlns:p="http://schemas.openxmlformats.org/presentationml/2006/main">
+  <p:cSld>
+    <p:spTree>
+      <p:nvGrpSpPr>
+        <p:cNvPr id="1" name=""/>
+        <p:cNvGrpSpPr/>
+        <p:nvPr/>
+      </p:nvGrpSpPr>
+      <p:grpSpPr>
+        <a:xfrm>
+          <a:off x="0" y="0"/>
+          <a:ext cx="0" cy="0"/>
+          <a:chOff x="0" y="0"/>
+          <a:chExt cx="0" cy="0"/>
+        </a:xfrm>
+      </p:grpSpPr>
+      <p:sp>
+        <p:nvSpPr>
+          <p:cNvPr id="2" name="Title 1"/>
+          <p:cNvSpPr>
+            <a:spLocks noGrp="1"/>
+          </p:cNvSpPr>
+          <p:nvPr>
+            <p:ph type="title"/>
+          </p:nvPr>
+        </p:nvSpPr>
+        <p:spPr/>
+        <p:txBody>
+          <a:bodyPr>
+            <a:normAutofit/>
+          </a:bodyPr>
+          <a:lstStyle/>
+          <a:p>
+            <a:r>
+              <a:rPr lang="en-US" sz="4800" dirty="0" smtClean="0"/>
+              <a:t>Authorization - feature</a:t>
+            </a:r>
+            <a:endParaRPr lang="en-US" sz="4800" dirty="0"/>
+          </a:p>
+        </p:txBody>
+      </p:sp>
+      <p:sp>
+        <p:nvSpPr>
+          <p:cNvPr id="3" name="Content Placeholder 2"/>
+          <p:cNvSpPr>
+            <a:spLocks noGrp="1"/>
+          </p:cNvSpPr>
+          <p:nvPr>
+            <p:ph idx="1"/>
+          </p:nvPr>
+        </p:nvSpPr>
+        <p:spPr>
+          <a:xfrm>
+            <a:off x="838200" y="1825624"/>
+            <a:ext cx="10515600" cy="4589923"/>
+          </a:xfrm>
+        </p:spPr>
+        <p:txBody>
+          <a:bodyPr>
+            <a:normAutofit/>
+          </a:bodyPr>
+          <a:lstStyle/>
+          <a:p>
+            <a:endParaRPr lang="en-US" sz="4000" dirty="0" smtClean="0"/>
+          </a:p>
+          <a:p>
+            <a:endParaRPr lang="en-US" dirty="0" smtClean="0"/>
+          </a:p>
+          <a:p>
+            <a:endParaRPr lang="en-US" dirty="0" smtClean="0"/>
+          </a:p>
+          <a:p>
+            <a:endParaRPr lang="en-US" dirty="0"/>
+          </a:p>
+        </p:txBody>
+      </p:sp>
+      <p:pic>
+        <p:nvPicPr>
+          <p:cNvPr id="5" name="Picture 4"/>
+          <p:cNvPicPr>
+            <a:picLocks noChangeAspect="1"/>
+          </p:cNvPicPr>
+          <p:nvPr/>
+        </p:nvPicPr>
+        <p:blipFill>
+          <a:blip r:embed="rId3"/>
+          <a:stretch>
+            <a:fillRect/>
+          </a:stretch>
+        </p:blipFill>
+        <p:spPr>
+          <a:xfrm>
+            <a:off x="838200" y="2946501"/>
+            <a:ext cx="10431478" cy="2554647"/>
+          </a:xfrm>
+          <a:prstGeom prst="rect">
+            <a:avLst/>
+          </a:prstGeom>
+        </p:spPr>
+      </p:pic>
+    </p:spTree>
+    <p:extLst>
+      <p:ext uri="{BB962C8B-B14F-4D97-AF65-F5344CB8AC3E}">
+        <p14:creationId xmlns:p14="http://schemas.microsoft.com/office/powerpoint/2010/main" val="176538875"/>
+      </p:ext>
+    </p:extLst>
+  </p:cSld>
+  <p:clrMapOvr>
+    <a:masterClrMapping/>
+  </p:clrMapOvr>
+  <p:timing>
+    <p:tnLst>
+      <p:par>
+        <p:cTn id="1" dur="indefinite" restart="never" nodeType="tmRoot"/>
+      </p:par>
+    </p:tnLst>
+  </p:timing>
+</p:sld>
+</file>
+
+<file path=ppt/slides/slide19.xml><?xml version="1.0" encoding="utf-8"?>
+<p:sld xmlns:a="http://schemas.openxmlformats.org/drawingml/2006/main" xmlns:r="http://schemas.openxmlformats.org/officeDocument/2006/relationships" xmlns:p="http://schemas.openxmlformats.org/presentationml/2006/main">
+  <p:cSld>
+    <p:spTree>
+      <p:nvGrpSpPr>
+        <p:cNvPr id="1" name=""/>
+        <p:cNvGrpSpPr/>
+        <p:nvPr/>
+      </p:nvGrpSpPr>
+      <p:grpSpPr>
+        <a:xfrm>
+          <a:off x="0" y="0"/>
+          <a:ext cx="0" cy="0"/>
+          <a:chOff x="0" y="0"/>
+          <a:chExt cx="0" cy="0"/>
+        </a:xfrm>
+      </p:grpSpPr>
+      <p:sp>
+        <p:nvSpPr>
+          <p:cNvPr id="2" name="Title 1"/>
+          <p:cNvSpPr>
+            <a:spLocks noGrp="1"/>
+          </p:cNvSpPr>
+          <p:nvPr>
+            <p:ph type="title"/>
+          </p:nvPr>
+        </p:nvSpPr>
+        <p:spPr/>
+        <p:txBody>
+          <a:bodyPr>
+            <a:normAutofit/>
+          </a:bodyPr>
+          <a:lstStyle/>
+          <a:p>
+            <a:r>
+              <a:rPr lang="en-US" sz="4800" dirty="0"/>
+              <a:t>Authorization - </a:t>
+            </a:r>
+            <a:r>
+              <a:rPr lang="en-US" sz="4800" dirty="0" smtClean="0"/>
+              <a:t>framework</a:t>
+            </a:r>
+            <a:endParaRPr lang="en-US" sz="4800" dirty="0"/>
+          </a:p>
+        </p:txBody>
+      </p:sp>
+      <p:sp>
+        <p:nvSpPr>
+          <p:cNvPr id="3" name="Content Placeholder 2"/>
+          <p:cNvSpPr>
+            <a:spLocks noGrp="1"/>
+          </p:cNvSpPr>
+          <p:nvPr>
+            <p:ph idx="1"/>
+          </p:nvPr>
+        </p:nvSpPr>
+        <p:spPr>
+          <a:xfrm>
+            <a:off x="838200" y="1825624"/>
+            <a:ext cx="10515600" cy="4589923"/>
+          </a:xfrm>
+        </p:spPr>
+        <p:txBody>
+          <a:bodyPr>
+            <a:normAutofit/>
+          </a:bodyPr>
+          <a:lstStyle/>
+          <a:p>
+            <a:endParaRPr lang="en-US" sz="4000" dirty="0" smtClean="0"/>
+          </a:p>
+          <a:p>
+            <a:endParaRPr lang="en-US" dirty="0" smtClean="0"/>
+          </a:p>
+          <a:p>
+            <a:endParaRPr lang="en-US" dirty="0" smtClean="0"/>
+          </a:p>
+          <a:p>
+            <a:endParaRPr lang="en-US" dirty="0"/>
+          </a:p>
+        </p:txBody>
+      </p:sp>
+      <p:pic>
+        <p:nvPicPr>
+          <p:cNvPr id="5" name="Picture 4"/>
+          <p:cNvPicPr>
+            <a:picLocks noChangeAspect="1"/>
+          </p:cNvPicPr>
+          <p:nvPr/>
+        </p:nvPicPr>
+        <p:blipFill>
+          <a:blip r:embed="rId3"/>
+          <a:stretch>
+            <a:fillRect/>
+          </a:stretch>
+        </p:blipFill>
+        <p:spPr>
+          <a:xfrm>
+            <a:off x="838201" y="2736220"/>
+            <a:ext cx="9677400" cy="1971323"/>
+          </a:xfrm>
+          <a:prstGeom prst="rect">
+            <a:avLst/>
+          </a:prstGeom>
+        </p:spPr>
+      </p:pic>
+    </p:spTree>
+    <p:extLst>
+      <p:ext uri="{BB962C8B-B14F-4D97-AF65-F5344CB8AC3E}">
+        <p14:creationId xmlns:p14="http://schemas.microsoft.com/office/powerpoint/2010/main" val="4046002787"/>
       </p:ext>
     </p:extLst>
   </p:cSld>
@@ -6182,6 +7215,1082 @@
     <p:extLst>
       <p:ext uri="{BB962C8B-B14F-4D97-AF65-F5344CB8AC3E}">
         <p14:creationId xmlns:p14="http://schemas.microsoft.com/office/powerpoint/2010/main" val="3599913949"/>
+      </p:ext>
+    </p:extLst>
+  </p:cSld>
+  <p:clrMapOvr>
+    <a:masterClrMapping/>
+  </p:clrMapOvr>
+  <p:timing>
+    <p:tnLst>
+      <p:par>
+        <p:cTn id="1" dur="indefinite" restart="never" nodeType="tmRoot"/>
+      </p:par>
+    </p:tnLst>
+  </p:timing>
+</p:sld>
+</file>
+
+<file path=ppt/slides/slide20.xml><?xml version="1.0" encoding="utf-8"?>
+<p:sld xmlns:a="http://schemas.openxmlformats.org/drawingml/2006/main" xmlns:r="http://schemas.openxmlformats.org/officeDocument/2006/relationships" xmlns:p="http://schemas.openxmlformats.org/presentationml/2006/main">
+  <p:cSld>
+    <p:spTree>
+      <p:nvGrpSpPr>
+        <p:cNvPr id="1" name=""/>
+        <p:cNvGrpSpPr/>
+        <p:nvPr/>
+      </p:nvGrpSpPr>
+      <p:grpSpPr>
+        <a:xfrm>
+          <a:off x="0" y="0"/>
+          <a:ext cx="0" cy="0"/>
+          <a:chOff x="0" y="0"/>
+          <a:chExt cx="0" cy="0"/>
+        </a:xfrm>
+      </p:grpSpPr>
+      <p:sp>
+        <p:nvSpPr>
+          <p:cNvPr id="3" name="Content Placeholder 2"/>
+          <p:cNvSpPr>
+            <a:spLocks noGrp="1"/>
+          </p:cNvSpPr>
+          <p:nvPr>
+            <p:ph idx="1"/>
+          </p:nvPr>
+        </p:nvSpPr>
+        <p:spPr>
+          <a:xfrm>
+            <a:off x="838200" y="1825624"/>
+            <a:ext cx="10515600" cy="4589923"/>
+          </a:xfrm>
+        </p:spPr>
+        <p:txBody>
+          <a:bodyPr>
+            <a:normAutofit/>
+          </a:bodyPr>
+          <a:lstStyle/>
+          <a:p>
+            <a:endParaRPr lang="en-US" sz="4000" dirty="0" smtClean="0"/>
+          </a:p>
+          <a:p>
+            <a:endParaRPr lang="en-US" dirty="0" smtClean="0"/>
+          </a:p>
+          <a:p>
+            <a:endParaRPr lang="en-US" dirty="0" smtClean="0"/>
+          </a:p>
+          <a:p>
+            <a:endParaRPr lang="en-US" dirty="0"/>
+          </a:p>
+        </p:txBody>
+      </p:sp>
+      <p:pic>
+        <p:nvPicPr>
+          <p:cNvPr id="7" name="Picture 6"/>
+          <p:cNvPicPr>
+            <a:picLocks noChangeAspect="1"/>
+          </p:cNvPicPr>
+          <p:nvPr/>
+        </p:nvPicPr>
+        <p:blipFill>
+          <a:blip r:embed="rId3"/>
+          <a:stretch>
+            <a:fillRect/>
+          </a:stretch>
+        </p:blipFill>
+        <p:spPr>
+          <a:xfrm>
+            <a:off x="0" y="265470"/>
+            <a:ext cx="11983223" cy="6415547"/>
+          </a:xfrm>
+          <a:prstGeom prst="rect">
+            <a:avLst/>
+          </a:prstGeom>
+        </p:spPr>
+      </p:pic>
+    </p:spTree>
+    <p:extLst>
+      <p:ext uri="{BB962C8B-B14F-4D97-AF65-F5344CB8AC3E}">
+        <p14:creationId xmlns:p14="http://schemas.microsoft.com/office/powerpoint/2010/main" val="1217261759"/>
+      </p:ext>
+    </p:extLst>
+  </p:cSld>
+  <p:clrMapOvr>
+    <a:masterClrMapping/>
+  </p:clrMapOvr>
+  <p:timing>
+    <p:tnLst>
+      <p:par>
+        <p:cTn id="1" dur="indefinite" restart="never" nodeType="tmRoot"/>
+      </p:par>
+    </p:tnLst>
+  </p:timing>
+</p:sld>
+</file>
+
+<file path=ppt/slides/slide21.xml><?xml version="1.0" encoding="utf-8"?>
+<p:sld xmlns:a="http://schemas.openxmlformats.org/drawingml/2006/main" xmlns:r="http://schemas.openxmlformats.org/officeDocument/2006/relationships" xmlns:p="http://schemas.openxmlformats.org/presentationml/2006/main">
+  <p:cSld>
+    <p:spTree>
+      <p:nvGrpSpPr>
+        <p:cNvPr id="1" name=""/>
+        <p:cNvGrpSpPr/>
+        <p:nvPr/>
+      </p:nvGrpSpPr>
+      <p:grpSpPr>
+        <a:xfrm>
+          <a:off x="0" y="0"/>
+          <a:ext cx="0" cy="0"/>
+          <a:chOff x="0" y="0"/>
+          <a:chExt cx="0" cy="0"/>
+        </a:xfrm>
+      </p:grpSpPr>
+      <p:sp>
+        <p:nvSpPr>
+          <p:cNvPr id="2" name="Title 1"/>
+          <p:cNvSpPr>
+            <a:spLocks noGrp="1"/>
+          </p:cNvSpPr>
+          <p:nvPr>
+            <p:ph type="title"/>
+          </p:nvPr>
+        </p:nvSpPr>
+        <p:spPr/>
+        <p:txBody>
+          <a:bodyPr>
+            <a:normAutofit/>
+          </a:bodyPr>
+          <a:lstStyle/>
+          <a:p>
+            <a:r>
+              <a:rPr lang="en-US" sz="4800" dirty="0"/>
+              <a:t>Authorization - feature</a:t>
+            </a:r>
+            <a:endParaRPr lang="en-US" sz="4800" dirty="0"/>
+          </a:p>
+        </p:txBody>
+      </p:sp>
+      <p:sp>
+        <p:nvSpPr>
+          <p:cNvPr id="3" name="Content Placeholder 2"/>
+          <p:cNvSpPr>
+            <a:spLocks noGrp="1"/>
+          </p:cNvSpPr>
+          <p:nvPr>
+            <p:ph idx="1"/>
+          </p:nvPr>
+        </p:nvSpPr>
+        <p:spPr>
+          <a:xfrm>
+            <a:off x="838200" y="1825624"/>
+            <a:ext cx="10515600" cy="4589923"/>
+          </a:xfrm>
+        </p:spPr>
+        <p:txBody>
+          <a:bodyPr>
+            <a:normAutofit/>
+          </a:bodyPr>
+          <a:lstStyle/>
+          <a:p>
+            <a:endParaRPr lang="en-US" sz="4000" dirty="0" smtClean="0"/>
+          </a:p>
+          <a:p>
+            <a:endParaRPr lang="en-US" dirty="0" smtClean="0"/>
+          </a:p>
+          <a:p>
+            <a:endParaRPr lang="en-US" dirty="0" smtClean="0"/>
+          </a:p>
+          <a:p>
+            <a:endParaRPr lang="en-US" dirty="0"/>
+          </a:p>
+        </p:txBody>
+      </p:sp>
+      <p:pic>
+        <p:nvPicPr>
+          <p:cNvPr id="4" name="Picture 3"/>
+          <p:cNvPicPr>
+            <a:picLocks noChangeAspect="1"/>
+          </p:cNvPicPr>
+          <p:nvPr/>
+        </p:nvPicPr>
+        <p:blipFill>
+          <a:blip r:embed="rId3"/>
+          <a:stretch>
+            <a:fillRect/>
+          </a:stretch>
+        </p:blipFill>
+        <p:spPr>
+          <a:xfrm>
+            <a:off x="838200" y="2019736"/>
+            <a:ext cx="11012331" cy="4145090"/>
+          </a:xfrm>
+          <a:prstGeom prst="rect">
+            <a:avLst/>
+          </a:prstGeom>
+        </p:spPr>
+      </p:pic>
+    </p:spTree>
+    <p:extLst>
+      <p:ext uri="{BB962C8B-B14F-4D97-AF65-F5344CB8AC3E}">
+        <p14:creationId xmlns:p14="http://schemas.microsoft.com/office/powerpoint/2010/main" val="806865913"/>
+      </p:ext>
+    </p:extLst>
+  </p:cSld>
+  <p:clrMapOvr>
+    <a:masterClrMapping/>
+  </p:clrMapOvr>
+  <p:timing>
+    <p:tnLst>
+      <p:par>
+        <p:cTn id="1" dur="indefinite" restart="never" nodeType="tmRoot"/>
+      </p:par>
+    </p:tnLst>
+  </p:timing>
+</p:sld>
+</file>
+
+<file path=ppt/slides/slide22.xml><?xml version="1.0" encoding="utf-8"?>
+<p:sld xmlns:a="http://schemas.openxmlformats.org/drawingml/2006/main" xmlns:r="http://schemas.openxmlformats.org/officeDocument/2006/relationships" xmlns:p="http://schemas.openxmlformats.org/presentationml/2006/main">
+  <p:cSld>
+    <p:spTree>
+      <p:nvGrpSpPr>
+        <p:cNvPr id="1" name=""/>
+        <p:cNvGrpSpPr/>
+        <p:nvPr/>
+      </p:nvGrpSpPr>
+      <p:grpSpPr>
+        <a:xfrm>
+          <a:off x="0" y="0"/>
+          <a:ext cx="0" cy="0"/>
+          <a:chOff x="0" y="0"/>
+          <a:chExt cx="0" cy="0"/>
+        </a:xfrm>
+      </p:grpSpPr>
+      <p:sp>
+        <p:nvSpPr>
+          <p:cNvPr id="2" name="Title 1"/>
+          <p:cNvSpPr>
+            <a:spLocks noGrp="1"/>
+          </p:cNvSpPr>
+          <p:nvPr>
+            <p:ph type="title"/>
+          </p:nvPr>
+        </p:nvSpPr>
+        <p:spPr/>
+        <p:txBody>
+          <a:bodyPr>
+            <a:normAutofit/>
+          </a:bodyPr>
+          <a:lstStyle/>
+          <a:p>
+            <a:r>
+              <a:rPr lang="en-US" sz="4800" dirty="0"/>
+              <a:t>Authorization - framework</a:t>
+            </a:r>
+            <a:endParaRPr lang="en-US" sz="4800" dirty="0"/>
+          </a:p>
+        </p:txBody>
+      </p:sp>
+      <p:sp>
+        <p:nvSpPr>
+          <p:cNvPr id="3" name="Content Placeholder 2"/>
+          <p:cNvSpPr>
+            <a:spLocks noGrp="1"/>
+          </p:cNvSpPr>
+          <p:nvPr>
+            <p:ph idx="1"/>
+          </p:nvPr>
+        </p:nvSpPr>
+        <p:spPr>
+          <a:xfrm>
+            <a:off x="838200" y="1825624"/>
+            <a:ext cx="10515600" cy="4589923"/>
+          </a:xfrm>
+        </p:spPr>
+        <p:txBody>
+          <a:bodyPr>
+            <a:normAutofit/>
+          </a:bodyPr>
+          <a:lstStyle/>
+          <a:p>
+            <a:endParaRPr lang="en-US" sz="4000" dirty="0" smtClean="0"/>
+          </a:p>
+          <a:p>
+            <a:endParaRPr lang="en-US" dirty="0" smtClean="0"/>
+          </a:p>
+          <a:p>
+            <a:endParaRPr lang="en-US" dirty="0" smtClean="0"/>
+          </a:p>
+          <a:p>
+            <a:endParaRPr lang="en-US" dirty="0"/>
+          </a:p>
+        </p:txBody>
+      </p:sp>
+      <p:pic>
+        <p:nvPicPr>
+          <p:cNvPr id="5" name="Picture 4"/>
+          <p:cNvPicPr>
+            <a:picLocks noChangeAspect="1"/>
+          </p:cNvPicPr>
+          <p:nvPr/>
+        </p:nvPicPr>
+        <p:blipFill>
+          <a:blip r:embed="rId3"/>
+          <a:stretch>
+            <a:fillRect/>
+          </a:stretch>
+        </p:blipFill>
+        <p:spPr>
+          <a:xfrm>
+            <a:off x="838200" y="2136103"/>
+            <a:ext cx="7184923" cy="3968963"/>
+          </a:xfrm>
+          <a:prstGeom prst="rect">
+            <a:avLst/>
+          </a:prstGeom>
+        </p:spPr>
+      </p:pic>
+    </p:spTree>
+    <p:extLst>
+      <p:ext uri="{BB962C8B-B14F-4D97-AF65-F5344CB8AC3E}">
+        <p14:creationId xmlns:p14="http://schemas.microsoft.com/office/powerpoint/2010/main" val="3305015095"/>
+      </p:ext>
+    </p:extLst>
+  </p:cSld>
+  <p:clrMapOvr>
+    <a:masterClrMapping/>
+  </p:clrMapOvr>
+  <p:timing>
+    <p:tnLst>
+      <p:par>
+        <p:cTn id="1" dur="indefinite" restart="never" nodeType="tmRoot"/>
+      </p:par>
+    </p:tnLst>
+  </p:timing>
+</p:sld>
+</file>
+
+<file path=ppt/slides/slide23.xml><?xml version="1.0" encoding="utf-8"?>
+<p:sld xmlns:a="http://schemas.openxmlformats.org/drawingml/2006/main" xmlns:r="http://schemas.openxmlformats.org/officeDocument/2006/relationships" xmlns:p="http://schemas.openxmlformats.org/presentationml/2006/main">
+  <p:cSld>
+    <p:spTree>
+      <p:nvGrpSpPr>
+        <p:cNvPr id="1" name=""/>
+        <p:cNvGrpSpPr/>
+        <p:nvPr/>
+      </p:nvGrpSpPr>
+      <p:grpSpPr>
+        <a:xfrm>
+          <a:off x="0" y="0"/>
+          <a:ext cx="0" cy="0"/>
+          <a:chOff x="0" y="0"/>
+          <a:chExt cx="0" cy="0"/>
+        </a:xfrm>
+      </p:grpSpPr>
+      <p:sp>
+        <p:nvSpPr>
+          <p:cNvPr id="2" name="Title 1"/>
+          <p:cNvSpPr>
+            <a:spLocks noGrp="1"/>
+          </p:cNvSpPr>
+          <p:nvPr>
+            <p:ph type="title"/>
+          </p:nvPr>
+        </p:nvSpPr>
+        <p:spPr/>
+        <p:txBody>
+          <a:bodyPr>
+            <a:normAutofit/>
+          </a:bodyPr>
+          <a:lstStyle/>
+          <a:p>
+            <a:r>
+              <a:rPr lang="en-US" sz="4800" dirty="0" smtClean="0"/>
+              <a:t>Access Control </a:t>
+            </a:r>
+            <a:r>
+              <a:rPr lang="en-US" sz="4800" dirty="0"/>
+              <a:t>- feature</a:t>
+            </a:r>
+            <a:endParaRPr lang="en-US" sz="4800" dirty="0"/>
+          </a:p>
+        </p:txBody>
+      </p:sp>
+      <p:sp>
+        <p:nvSpPr>
+          <p:cNvPr id="3" name="Content Placeholder 2"/>
+          <p:cNvSpPr>
+            <a:spLocks noGrp="1"/>
+          </p:cNvSpPr>
+          <p:nvPr>
+            <p:ph idx="1"/>
+          </p:nvPr>
+        </p:nvSpPr>
+        <p:spPr>
+          <a:xfrm>
+            <a:off x="838200" y="1825624"/>
+            <a:ext cx="10515600" cy="4589923"/>
+          </a:xfrm>
+        </p:spPr>
+        <p:txBody>
+          <a:bodyPr>
+            <a:normAutofit/>
+          </a:bodyPr>
+          <a:lstStyle/>
+          <a:p>
+            <a:endParaRPr lang="en-US" dirty="0" smtClean="0"/>
+          </a:p>
+          <a:p>
+            <a:endParaRPr lang="en-US" dirty="0" smtClean="0"/>
+          </a:p>
+          <a:p>
+            <a:endParaRPr lang="en-US" dirty="0"/>
+          </a:p>
+        </p:txBody>
+      </p:sp>
+      <p:pic>
+        <p:nvPicPr>
+          <p:cNvPr id="5" name="Picture 4"/>
+          <p:cNvPicPr>
+            <a:picLocks noChangeAspect="1"/>
+          </p:cNvPicPr>
+          <p:nvPr/>
+        </p:nvPicPr>
+        <p:blipFill>
+          <a:blip r:embed="rId3"/>
+          <a:stretch>
+            <a:fillRect/>
+          </a:stretch>
+        </p:blipFill>
+        <p:spPr>
+          <a:xfrm>
+            <a:off x="838200" y="2135339"/>
+            <a:ext cx="11037660" cy="4280208"/>
+          </a:xfrm>
+          <a:prstGeom prst="rect">
+            <a:avLst/>
+          </a:prstGeom>
+        </p:spPr>
+      </p:pic>
+    </p:spTree>
+    <p:extLst>
+      <p:ext uri="{BB962C8B-B14F-4D97-AF65-F5344CB8AC3E}">
+        <p14:creationId xmlns:p14="http://schemas.microsoft.com/office/powerpoint/2010/main" val="1150970120"/>
+      </p:ext>
+    </p:extLst>
+  </p:cSld>
+  <p:clrMapOvr>
+    <a:masterClrMapping/>
+  </p:clrMapOvr>
+  <p:timing>
+    <p:tnLst>
+      <p:par>
+        <p:cTn id="1" dur="indefinite" restart="never" nodeType="tmRoot"/>
+      </p:par>
+    </p:tnLst>
+  </p:timing>
+</p:sld>
+</file>
+
+<file path=ppt/slides/slide24.xml><?xml version="1.0" encoding="utf-8"?>
+<p:sld xmlns:a="http://schemas.openxmlformats.org/drawingml/2006/main" xmlns:r="http://schemas.openxmlformats.org/officeDocument/2006/relationships" xmlns:p="http://schemas.openxmlformats.org/presentationml/2006/main">
+  <p:cSld>
+    <p:spTree>
+      <p:nvGrpSpPr>
+        <p:cNvPr id="1" name=""/>
+        <p:cNvGrpSpPr/>
+        <p:nvPr/>
+      </p:nvGrpSpPr>
+      <p:grpSpPr>
+        <a:xfrm>
+          <a:off x="0" y="0"/>
+          <a:ext cx="0" cy="0"/>
+          <a:chOff x="0" y="0"/>
+          <a:chExt cx="0" cy="0"/>
+        </a:xfrm>
+      </p:grpSpPr>
+      <p:sp>
+        <p:nvSpPr>
+          <p:cNvPr id="2" name="Title 1"/>
+          <p:cNvSpPr>
+            <a:spLocks noGrp="1"/>
+          </p:cNvSpPr>
+          <p:nvPr>
+            <p:ph type="title"/>
+          </p:nvPr>
+        </p:nvSpPr>
+        <p:spPr/>
+        <p:txBody>
+          <a:bodyPr>
+            <a:normAutofit/>
+          </a:bodyPr>
+          <a:lstStyle/>
+          <a:p>
+            <a:r>
+              <a:rPr lang="en-US" sz="4800" dirty="0" smtClean="0"/>
+              <a:t>Access Control </a:t>
+            </a:r>
+            <a:r>
+              <a:rPr lang="en-US" sz="4800" dirty="0"/>
+              <a:t>- </a:t>
+            </a:r>
+            <a:r>
+              <a:rPr lang="en-US" sz="4800" dirty="0" smtClean="0"/>
+              <a:t>framework</a:t>
+            </a:r>
+            <a:endParaRPr lang="en-US" sz="4800" dirty="0"/>
+          </a:p>
+        </p:txBody>
+      </p:sp>
+      <p:sp>
+        <p:nvSpPr>
+          <p:cNvPr id="3" name="Content Placeholder 2"/>
+          <p:cNvSpPr>
+            <a:spLocks noGrp="1"/>
+          </p:cNvSpPr>
+          <p:nvPr>
+            <p:ph idx="1"/>
+          </p:nvPr>
+        </p:nvSpPr>
+        <p:spPr>
+          <a:xfrm>
+            <a:off x="838200" y="1825624"/>
+            <a:ext cx="10515600" cy="4589923"/>
+          </a:xfrm>
+        </p:spPr>
+        <p:txBody>
+          <a:bodyPr>
+            <a:normAutofit/>
+          </a:bodyPr>
+          <a:lstStyle/>
+          <a:p>
+            <a:endParaRPr lang="en-US" dirty="0" smtClean="0"/>
+          </a:p>
+          <a:p>
+            <a:endParaRPr lang="en-US" dirty="0" smtClean="0"/>
+          </a:p>
+          <a:p>
+            <a:endParaRPr lang="en-US" dirty="0"/>
+          </a:p>
+        </p:txBody>
+      </p:sp>
+      <p:pic>
+        <p:nvPicPr>
+          <p:cNvPr id="4" name="Picture 3"/>
+          <p:cNvPicPr>
+            <a:picLocks noChangeAspect="1"/>
+          </p:cNvPicPr>
+          <p:nvPr/>
+        </p:nvPicPr>
+        <p:blipFill>
+          <a:blip r:embed="rId3"/>
+          <a:stretch>
+            <a:fillRect/>
+          </a:stretch>
+        </p:blipFill>
+        <p:spPr>
+          <a:xfrm>
+            <a:off x="838200" y="2607646"/>
+            <a:ext cx="10628393" cy="3025877"/>
+          </a:xfrm>
+          <a:prstGeom prst="rect">
+            <a:avLst/>
+          </a:prstGeom>
+        </p:spPr>
+      </p:pic>
+    </p:spTree>
+    <p:extLst>
+      <p:ext uri="{BB962C8B-B14F-4D97-AF65-F5344CB8AC3E}">
+        <p14:creationId xmlns:p14="http://schemas.microsoft.com/office/powerpoint/2010/main" val="2515974239"/>
+      </p:ext>
+    </p:extLst>
+  </p:cSld>
+  <p:clrMapOvr>
+    <a:masterClrMapping/>
+  </p:clrMapOvr>
+  <p:timing>
+    <p:tnLst>
+      <p:par>
+        <p:cTn id="1" dur="indefinite" restart="never" nodeType="tmRoot"/>
+      </p:par>
+    </p:tnLst>
+  </p:timing>
+</p:sld>
+</file>
+
+<file path=ppt/slides/slide25.xml><?xml version="1.0" encoding="utf-8"?>
+<p:sld xmlns:a="http://schemas.openxmlformats.org/drawingml/2006/main" xmlns:r="http://schemas.openxmlformats.org/officeDocument/2006/relationships" xmlns:p="http://schemas.openxmlformats.org/presentationml/2006/main">
+  <p:cSld>
+    <p:spTree>
+      <p:nvGrpSpPr>
+        <p:cNvPr id="1" name=""/>
+        <p:cNvGrpSpPr/>
+        <p:nvPr/>
+      </p:nvGrpSpPr>
+      <p:grpSpPr>
+        <a:xfrm>
+          <a:off x="0" y="0"/>
+          <a:ext cx="0" cy="0"/>
+          <a:chOff x="0" y="0"/>
+          <a:chExt cx="0" cy="0"/>
+        </a:xfrm>
+      </p:grpSpPr>
+      <p:sp>
+        <p:nvSpPr>
+          <p:cNvPr id="2" name="Title 1"/>
+          <p:cNvSpPr>
+            <a:spLocks noGrp="1"/>
+          </p:cNvSpPr>
+          <p:nvPr>
+            <p:ph type="title"/>
+          </p:nvPr>
+        </p:nvSpPr>
+        <p:spPr/>
+        <p:txBody>
+          <a:bodyPr>
+            <a:normAutofit/>
+          </a:bodyPr>
+          <a:lstStyle/>
+          <a:p>
+            <a:r>
+              <a:rPr lang="en-US" sz="4800" dirty="0" smtClean="0"/>
+              <a:t>CSRF Defense </a:t>
+            </a:r>
+            <a:r>
+              <a:rPr lang="en-US" sz="4800" dirty="0"/>
+              <a:t>- </a:t>
+            </a:r>
+            <a:r>
+              <a:rPr lang="en-US" sz="4800" dirty="0" smtClean="0"/>
+              <a:t>feature</a:t>
+            </a:r>
+            <a:endParaRPr lang="en-US" sz="4800" dirty="0"/>
+          </a:p>
+        </p:txBody>
+      </p:sp>
+      <p:sp>
+        <p:nvSpPr>
+          <p:cNvPr id="3" name="Content Placeholder 2"/>
+          <p:cNvSpPr>
+            <a:spLocks noGrp="1"/>
+          </p:cNvSpPr>
+          <p:nvPr>
+            <p:ph idx="1"/>
+          </p:nvPr>
+        </p:nvSpPr>
+        <p:spPr>
+          <a:xfrm>
+            <a:off x="838200" y="1825624"/>
+            <a:ext cx="10515600" cy="4589923"/>
+          </a:xfrm>
+        </p:spPr>
+        <p:txBody>
+          <a:bodyPr>
+            <a:normAutofit/>
+          </a:bodyPr>
+          <a:lstStyle/>
+          <a:p>
+            <a:endParaRPr lang="en-US" dirty="0" smtClean="0"/>
+          </a:p>
+          <a:p>
+            <a:endParaRPr lang="en-US" dirty="0" smtClean="0"/>
+          </a:p>
+          <a:p>
+            <a:endParaRPr lang="en-US" dirty="0"/>
+          </a:p>
+        </p:txBody>
+      </p:sp>
+      <p:pic>
+        <p:nvPicPr>
+          <p:cNvPr id="6" name="Picture 5"/>
+          <p:cNvPicPr>
+            <a:picLocks noChangeAspect="1"/>
+          </p:cNvPicPr>
+          <p:nvPr/>
+        </p:nvPicPr>
+        <p:blipFill>
+          <a:blip r:embed="rId3"/>
+          <a:stretch>
+            <a:fillRect/>
+          </a:stretch>
+        </p:blipFill>
+        <p:spPr>
+          <a:xfrm>
+            <a:off x="734961" y="1690688"/>
+            <a:ext cx="10990006" cy="2853325"/>
+          </a:xfrm>
+          <a:prstGeom prst="rect">
+            <a:avLst/>
+          </a:prstGeom>
+        </p:spPr>
+      </p:pic>
+      <p:pic>
+        <p:nvPicPr>
+          <p:cNvPr id="8" name="Picture 7"/>
+          <p:cNvPicPr>
+            <a:picLocks noChangeAspect="1"/>
+          </p:cNvPicPr>
+          <p:nvPr/>
+        </p:nvPicPr>
+        <p:blipFill>
+          <a:blip r:embed="rId4"/>
+          <a:stretch>
+            <a:fillRect/>
+          </a:stretch>
+        </p:blipFill>
+        <p:spPr>
+          <a:xfrm>
+            <a:off x="734962" y="4759518"/>
+            <a:ext cx="7819104" cy="1845504"/>
+          </a:xfrm>
+          <a:prstGeom prst="rect">
+            <a:avLst/>
+          </a:prstGeom>
+        </p:spPr>
+      </p:pic>
+    </p:spTree>
+    <p:extLst>
+      <p:ext uri="{BB962C8B-B14F-4D97-AF65-F5344CB8AC3E}">
+        <p14:creationId xmlns:p14="http://schemas.microsoft.com/office/powerpoint/2010/main" val="4124003797"/>
+      </p:ext>
+    </p:extLst>
+  </p:cSld>
+  <p:clrMapOvr>
+    <a:masterClrMapping/>
+  </p:clrMapOvr>
+  <p:timing>
+    <p:tnLst>
+      <p:par>
+        <p:cTn id="1" dur="indefinite" restart="never" nodeType="tmRoot"/>
+      </p:par>
+    </p:tnLst>
+  </p:timing>
+</p:sld>
+</file>
+
+<file path=ppt/slides/slide26.xml><?xml version="1.0" encoding="utf-8"?>
+<p:sld xmlns:a="http://schemas.openxmlformats.org/drawingml/2006/main" xmlns:r="http://schemas.openxmlformats.org/officeDocument/2006/relationships" xmlns:p="http://schemas.openxmlformats.org/presentationml/2006/main">
+  <p:cSld>
+    <p:spTree>
+      <p:nvGrpSpPr>
+        <p:cNvPr id="1" name=""/>
+        <p:cNvGrpSpPr/>
+        <p:nvPr/>
+      </p:nvGrpSpPr>
+      <p:grpSpPr>
+        <a:xfrm>
+          <a:off x="0" y="0"/>
+          <a:ext cx="0" cy="0"/>
+          <a:chOff x="0" y="0"/>
+          <a:chExt cx="0" cy="0"/>
+        </a:xfrm>
+      </p:grpSpPr>
+      <p:sp>
+        <p:nvSpPr>
+          <p:cNvPr id="2" name="Title 1"/>
+          <p:cNvSpPr>
+            <a:spLocks noGrp="1"/>
+          </p:cNvSpPr>
+          <p:nvPr>
+            <p:ph type="title"/>
+          </p:nvPr>
+        </p:nvSpPr>
+        <p:spPr/>
+        <p:txBody>
+          <a:bodyPr>
+            <a:normAutofit/>
+          </a:bodyPr>
+          <a:lstStyle/>
+          <a:p>
+            <a:r>
+              <a:rPr lang="en-US" sz="4800" dirty="0" smtClean="0"/>
+              <a:t>CSRF Defense </a:t>
+            </a:r>
+            <a:r>
+              <a:rPr lang="en-US" sz="4800" dirty="0"/>
+              <a:t>- </a:t>
+            </a:r>
+            <a:r>
+              <a:rPr lang="en-US" sz="4800" dirty="0" smtClean="0"/>
+              <a:t>framework</a:t>
+            </a:r>
+            <a:endParaRPr lang="en-US" sz="4800" dirty="0"/>
+          </a:p>
+        </p:txBody>
+      </p:sp>
+      <p:sp>
+        <p:nvSpPr>
+          <p:cNvPr id="3" name="Content Placeholder 2"/>
+          <p:cNvSpPr>
+            <a:spLocks noGrp="1"/>
+          </p:cNvSpPr>
+          <p:nvPr>
+            <p:ph idx="1"/>
+          </p:nvPr>
+        </p:nvSpPr>
+        <p:spPr>
+          <a:xfrm>
+            <a:off x="838200" y="1825624"/>
+            <a:ext cx="10515600" cy="4589923"/>
+          </a:xfrm>
+        </p:spPr>
+        <p:txBody>
+          <a:bodyPr>
+            <a:normAutofit/>
+          </a:bodyPr>
+          <a:lstStyle/>
+          <a:p>
+            <a:endParaRPr lang="en-US" dirty="0" smtClean="0"/>
+          </a:p>
+          <a:p>
+            <a:endParaRPr lang="en-US" dirty="0" smtClean="0"/>
+          </a:p>
+          <a:p>
+            <a:endParaRPr lang="en-US" dirty="0"/>
+          </a:p>
+        </p:txBody>
+      </p:sp>
+      <p:pic>
+        <p:nvPicPr>
+          <p:cNvPr id="4" name="Picture 3"/>
+          <p:cNvPicPr>
+            <a:picLocks noChangeAspect="1"/>
+          </p:cNvPicPr>
+          <p:nvPr/>
+        </p:nvPicPr>
+        <p:blipFill>
+          <a:blip r:embed="rId3"/>
+          <a:stretch>
+            <a:fillRect/>
+          </a:stretch>
+        </p:blipFill>
+        <p:spPr>
+          <a:xfrm>
+            <a:off x="838199" y="2121741"/>
+            <a:ext cx="11077519" cy="1419021"/>
+          </a:xfrm>
+          <a:prstGeom prst="rect">
+            <a:avLst/>
+          </a:prstGeom>
+        </p:spPr>
+      </p:pic>
+      <p:pic>
+        <p:nvPicPr>
+          <p:cNvPr id="5" name="Picture 4"/>
+          <p:cNvPicPr>
+            <a:picLocks noChangeAspect="1"/>
+          </p:cNvPicPr>
+          <p:nvPr/>
+        </p:nvPicPr>
+        <p:blipFill>
+          <a:blip r:embed="rId4"/>
+          <a:stretch>
+            <a:fillRect/>
+          </a:stretch>
+        </p:blipFill>
+        <p:spPr>
+          <a:xfrm>
+            <a:off x="838199" y="4378322"/>
+            <a:ext cx="8985692" cy="2172161"/>
+          </a:xfrm>
+          <a:prstGeom prst="rect">
+            <a:avLst/>
+          </a:prstGeom>
+        </p:spPr>
+      </p:pic>
+    </p:spTree>
+    <p:extLst>
+      <p:ext uri="{BB962C8B-B14F-4D97-AF65-F5344CB8AC3E}">
+        <p14:creationId xmlns:p14="http://schemas.microsoft.com/office/powerpoint/2010/main" val="1913698806"/>
+      </p:ext>
+    </p:extLst>
+  </p:cSld>
+  <p:clrMapOvr>
+    <a:masterClrMapping/>
+  </p:clrMapOvr>
+  <p:timing>
+    <p:tnLst>
+      <p:par>
+        <p:cTn id="1" dur="indefinite" restart="never" nodeType="tmRoot"/>
+      </p:par>
+    </p:tnLst>
+  </p:timing>
+</p:sld>
+</file>
+
+<file path=ppt/slides/slide27.xml><?xml version="1.0" encoding="utf-8"?>
+<p:sld xmlns:a="http://schemas.openxmlformats.org/drawingml/2006/main" xmlns:r="http://schemas.openxmlformats.org/officeDocument/2006/relationships" xmlns:p="http://schemas.openxmlformats.org/presentationml/2006/main">
+  <p:cSld>
+    <p:spTree>
+      <p:nvGrpSpPr>
+        <p:cNvPr id="1" name=""/>
+        <p:cNvGrpSpPr/>
+        <p:nvPr/>
+      </p:nvGrpSpPr>
+      <p:grpSpPr>
+        <a:xfrm>
+          <a:off x="0" y="0"/>
+          <a:ext cx="0" cy="0"/>
+          <a:chOff x="0" y="0"/>
+          <a:chExt cx="0" cy="0"/>
+        </a:xfrm>
+      </p:grpSpPr>
+      <p:sp>
+        <p:nvSpPr>
+          <p:cNvPr id="2" name="Title 1"/>
+          <p:cNvSpPr>
+            <a:spLocks noGrp="1"/>
+          </p:cNvSpPr>
+          <p:nvPr>
+            <p:ph type="title"/>
+          </p:nvPr>
+        </p:nvSpPr>
+        <p:spPr>
+          <a:xfrm>
+            <a:off x="838200" y="365125"/>
+            <a:ext cx="10886768" cy="1325563"/>
+          </a:xfrm>
+        </p:spPr>
+        <p:txBody>
+          <a:bodyPr>
+            <a:noAutofit/>
+          </a:bodyPr>
+          <a:lstStyle/>
+          <a:p>
+            <a:r>
+              <a:rPr lang="en-US" sz="4800" dirty="0" smtClean="0"/>
+              <a:t>Closing slide</a:t>
+            </a:r>
+            <a:endParaRPr lang="en-US" sz="4800" dirty="0"/>
+          </a:p>
+        </p:txBody>
+      </p:sp>
+      <p:sp>
+        <p:nvSpPr>
+          <p:cNvPr id="3" name="Content Placeholder 2"/>
+          <p:cNvSpPr>
+            <a:spLocks noGrp="1"/>
+          </p:cNvSpPr>
+          <p:nvPr>
+            <p:ph idx="1"/>
+          </p:nvPr>
+        </p:nvSpPr>
+        <p:spPr>
+          <a:xfrm>
+            <a:off x="838200" y="1825625"/>
+            <a:ext cx="11137490" cy="4899640"/>
+          </a:xfrm>
+        </p:spPr>
+        <p:txBody>
+          <a:bodyPr>
+            <a:normAutofit/>
+          </a:bodyPr>
+          <a:lstStyle/>
+          <a:p>
+            <a:r>
+              <a:rPr lang="en-US" sz="4000" dirty="0" smtClean="0"/>
+              <a:t>The knowledge gets dropped here</a:t>
+            </a:r>
+          </a:p>
+          <a:p>
+            <a:pPr marL="0" indent="0">
+              <a:buNone/>
+            </a:pPr>
+            <a:endParaRPr lang="en-US" sz="3200" dirty="0" smtClean="0">
+              <a:hlinkClick r:id="rId3"/>
+            </a:endParaRPr>
+          </a:p>
+          <a:p>
+            <a:pPr marL="0" indent="0">
+              <a:buNone/>
+            </a:pPr>
+            <a:r>
+              <a:rPr lang="en-US" sz="3600" dirty="0" smtClean="0">
+                <a:hlinkClick r:id="rId3"/>
+              </a:rPr>
+              <a:t>github.com/</a:t>
+            </a:r>
+            <a:r>
+              <a:rPr lang="en-US" sz="3600" dirty="0" err="1" smtClean="0">
+                <a:hlinkClick r:id="rId3"/>
+              </a:rPr>
+              <a:t>spetryjohnson</a:t>
+            </a:r>
+            <a:r>
+              <a:rPr lang="en-US" sz="3600" dirty="0" smtClean="0"/>
+              <a:t> </a:t>
+            </a:r>
+            <a:r>
+              <a:rPr lang="en-US" sz="3600" dirty="0" smtClean="0">
+                <a:solidFill>
+                  <a:schemeClr val="bg1">
+                    <a:lumMod val="50000"/>
+                  </a:schemeClr>
+                </a:solidFill>
+              </a:rPr>
+              <a:t>|</a:t>
+            </a:r>
+            <a:r>
+              <a:rPr lang="en-US" sz="3600" dirty="0" smtClean="0"/>
+              <a:t> </a:t>
+            </a:r>
+            <a:r>
+              <a:rPr lang="en-US" sz="3600" dirty="0" smtClean="0">
+                <a:hlinkClick r:id="rId4"/>
+              </a:rPr>
+              <a:t>www.petry-johnson.com</a:t>
+            </a:r>
+            <a:r>
+              <a:rPr lang="en-US" sz="3600" dirty="0" smtClean="0"/>
+              <a:t/>
+            </a:r>
+            <a:br>
+              <a:rPr lang="en-US" sz="3600" dirty="0" smtClean="0"/>
+            </a:br>
+            <a:endParaRPr lang="en-US" sz="3600" dirty="0"/>
+          </a:p>
+          <a:p>
+            <a:pPr marL="0" indent="0" algn="ctr">
+              <a:buNone/>
+            </a:pPr>
+            <a:r>
+              <a:rPr lang="en-US" sz="3600" b="1" dirty="0" smtClean="0"/>
+              <a:t>@</a:t>
+            </a:r>
+            <a:r>
+              <a:rPr lang="en-US" sz="3600" b="1" dirty="0" err="1" smtClean="0"/>
+              <a:t>spetryjohnson</a:t>
+            </a:r>
+            <a:endParaRPr lang="en-US" b="1" dirty="0" smtClean="0"/>
+          </a:p>
+          <a:p>
+            <a:endParaRPr lang="en-US" dirty="0" smtClean="0"/>
+          </a:p>
+          <a:p>
+            <a:pPr lvl="1"/>
+            <a:endParaRPr lang="en-US" dirty="0" smtClean="0"/>
+          </a:p>
+          <a:p>
+            <a:pPr lvl="1"/>
+            <a:endParaRPr lang="en-US" dirty="0" smtClean="0"/>
+          </a:p>
+          <a:p>
+            <a:pPr lvl="1"/>
+            <a:endParaRPr lang="en-US" dirty="0"/>
+          </a:p>
+          <a:p>
+            <a:pPr lvl="1"/>
+            <a:endParaRPr lang="en-US" dirty="0" smtClean="0"/>
+          </a:p>
+          <a:p>
+            <a:pPr lvl="1"/>
+            <a:endParaRPr lang="en-US" dirty="0"/>
+          </a:p>
+        </p:txBody>
+      </p:sp>
+    </p:spTree>
+    <p:extLst>
+      <p:ext uri="{BB962C8B-B14F-4D97-AF65-F5344CB8AC3E}">
+        <p14:creationId xmlns:p14="http://schemas.microsoft.com/office/powerpoint/2010/main" val="659085787"/>
       </p:ext>
     </p:extLst>
   </p:cSld>
@@ -6624,7 +8733,6 @@
               <a:rPr lang="en-US" sz="4000" dirty="0" smtClean="0"/>
               <a:t>spans multiple features</a:t>
             </a:r>
-            <a:endParaRPr lang="en-US" sz="4000" dirty="0" smtClean="0"/>
           </a:p>
           <a:p>
             <a:endParaRPr lang="en-US" sz="4000" dirty="0" smtClean="0"/>

--- a/Secure Systems - CodeMash 2017.pptx
+++ b/Secure Systems - CodeMash 2017.pptx
@@ -5,7 +5,7 @@
     <p:sldMasterId id="2147483749" r:id="rId1"/>
   </p:sldMasterIdLst>
   <p:notesMasterIdLst>
-    <p:notesMasterId r:id="rId29"/>
+    <p:notesMasterId r:id="rId39"/>
   </p:notesMasterIdLst>
   <p:sldIdLst>
     <p:sldId id="395" r:id="rId2"/>
@@ -21,20 +21,30 @@
     <p:sldId id="494" r:id="rId12"/>
     <p:sldId id="498" r:id="rId13"/>
     <p:sldId id="496" r:id="rId14"/>
-    <p:sldId id="499" r:id="rId15"/>
-    <p:sldId id="484" r:id="rId16"/>
-    <p:sldId id="504" r:id="rId17"/>
-    <p:sldId id="485" r:id="rId18"/>
-    <p:sldId id="500" r:id="rId19"/>
-    <p:sldId id="501" r:id="rId20"/>
-    <p:sldId id="509" r:id="rId21"/>
-    <p:sldId id="502" r:id="rId22"/>
-    <p:sldId id="503" r:id="rId23"/>
-    <p:sldId id="505" r:id="rId24"/>
-    <p:sldId id="507" r:id="rId25"/>
-    <p:sldId id="506" r:id="rId26"/>
-    <p:sldId id="508" r:id="rId27"/>
-    <p:sldId id="443" r:id="rId28"/>
+    <p:sldId id="510" r:id="rId15"/>
+    <p:sldId id="511" r:id="rId16"/>
+    <p:sldId id="512" r:id="rId17"/>
+    <p:sldId id="515" r:id="rId18"/>
+    <p:sldId id="516" r:id="rId19"/>
+    <p:sldId id="517" r:id="rId20"/>
+    <p:sldId id="518" r:id="rId21"/>
+    <p:sldId id="499" r:id="rId22"/>
+    <p:sldId id="506" r:id="rId23"/>
+    <p:sldId id="519" r:id="rId24"/>
+    <p:sldId id="521" r:id="rId25"/>
+    <p:sldId id="522" r:id="rId26"/>
+    <p:sldId id="523" r:id="rId27"/>
+    <p:sldId id="520" r:id="rId28"/>
+    <p:sldId id="504" r:id="rId29"/>
+    <p:sldId id="485" r:id="rId30"/>
+    <p:sldId id="500" r:id="rId31"/>
+    <p:sldId id="501" r:id="rId32"/>
+    <p:sldId id="509" r:id="rId33"/>
+    <p:sldId id="502" r:id="rId34"/>
+    <p:sldId id="503" r:id="rId35"/>
+    <p:sldId id="505" r:id="rId36"/>
+    <p:sldId id="507" r:id="rId37"/>
+    <p:sldId id="443" r:id="rId38"/>
   </p:sldIdLst>
   <p:sldSz cx="12192000" cy="6858000"/>
   <p:notesSz cx="6858000" cy="9144000"/>
@@ -234,7 +244,7 @@
           <a:p>
             <a:fld id="{C54A4886-B4AF-42F7-97BE-95CDF82A73E3}" type="datetimeFigureOut">
               <a:rPr lang="en-US" smtClean="0"/>
-              <a:t>12/21/2016</a:t>
+              <a:t>12/22/2016</a:t>
             </a:fld>
             <a:endParaRPr lang="en-US"/>
           </a:p>
@@ -974,32 +984,7 @@
           <a:bodyPr/>
           <a:lstStyle/>
           <a:p>
-            <a:pPr marL="0" marR="0" indent="0" algn="l" defTabSz="914400" rtl="0" eaLnBrk="1" fontAlgn="auto" latinLnBrk="0" hangingPunct="1">
-              <a:lnSpc>
-                <a:spcPct val="100000"/>
-              </a:lnSpc>
-              <a:spcBef>
-                <a:spcPts val="0"/>
-              </a:spcBef>
-              <a:spcAft>
-                <a:spcPts val="0"/>
-              </a:spcAft>
-              <a:buClrTx/>
-              <a:buSzTx/>
-              <a:buFontTx/>
-              <a:buNone/>
-              <a:tabLst/>
-              <a:defRPr/>
-            </a:pPr>
-            <a:endParaRPr lang="en-US" sz="1200" kern="1200" dirty="0" smtClean="0">
-              <a:solidFill>
-                <a:schemeClr val="tx1"/>
-              </a:solidFill>
-              <a:effectLst/>
-              <a:latin typeface="+mn-lt"/>
-              <a:ea typeface="+mn-ea"/>
-              <a:cs typeface="+mn-cs"/>
-            </a:endParaRPr>
+            <a:endParaRPr lang="en-US" b="0" dirty="0" smtClean="0"/>
           </a:p>
         </p:txBody>
       </p:sp>
@@ -1029,7 +1014,7 @@
     </p:spTree>
     <p:extLst>
       <p:ext uri="{BB962C8B-B14F-4D97-AF65-F5344CB8AC3E}">
-        <p14:creationId xmlns:p14="http://schemas.microsoft.com/office/powerpoint/2010/main" val="2181037172"/>
+        <p14:creationId xmlns:p14="http://schemas.microsoft.com/office/powerpoint/2010/main" val="3097194813"/>
       </p:ext>
     </p:extLst>
   </p:cSld>
@@ -1113,7 +1098,7 @@
     </p:spTree>
     <p:extLst>
       <p:ext uri="{BB962C8B-B14F-4D97-AF65-F5344CB8AC3E}">
-        <p14:creationId xmlns:p14="http://schemas.microsoft.com/office/powerpoint/2010/main" val="4212963282"/>
+        <p14:creationId xmlns:p14="http://schemas.microsoft.com/office/powerpoint/2010/main" val="3114178305"/>
       </p:ext>
     </p:extLst>
   </p:cSld>
@@ -1197,7 +1182,7 @@
     </p:spTree>
     <p:extLst>
       <p:ext uri="{BB962C8B-B14F-4D97-AF65-F5344CB8AC3E}">
-        <p14:creationId xmlns:p14="http://schemas.microsoft.com/office/powerpoint/2010/main" val="2602777311"/>
+        <p14:creationId xmlns:p14="http://schemas.microsoft.com/office/powerpoint/2010/main" val="2521239552"/>
       </p:ext>
     </p:extLst>
   </p:cSld>
@@ -1281,7 +1266,7 @@
     </p:spTree>
     <p:extLst>
       <p:ext uri="{BB962C8B-B14F-4D97-AF65-F5344CB8AC3E}">
-        <p14:creationId xmlns:p14="http://schemas.microsoft.com/office/powerpoint/2010/main" val="2267138517"/>
+        <p14:creationId xmlns:p14="http://schemas.microsoft.com/office/powerpoint/2010/main" val="2447444500"/>
       </p:ext>
     </p:extLst>
   </p:cSld>
@@ -1365,7 +1350,7 @@
     </p:spTree>
     <p:extLst>
       <p:ext uri="{BB962C8B-B14F-4D97-AF65-F5344CB8AC3E}">
-        <p14:creationId xmlns:p14="http://schemas.microsoft.com/office/powerpoint/2010/main" val="1561525116"/>
+        <p14:creationId xmlns:p14="http://schemas.microsoft.com/office/powerpoint/2010/main" val="2539089675"/>
       </p:ext>
     </p:extLst>
   </p:cSld>
@@ -1449,7 +1434,7 @@
     </p:spTree>
     <p:extLst>
       <p:ext uri="{BB962C8B-B14F-4D97-AF65-F5344CB8AC3E}">
-        <p14:creationId xmlns:p14="http://schemas.microsoft.com/office/powerpoint/2010/main" val="3344468672"/>
+        <p14:creationId xmlns:p14="http://schemas.microsoft.com/office/powerpoint/2010/main" val="2881080776"/>
       </p:ext>
     </p:extLst>
   </p:cSld>
@@ -1642,7 +1627,7 @@
     </p:spTree>
     <p:extLst>
       <p:ext uri="{BB962C8B-B14F-4D97-AF65-F5344CB8AC3E}">
-        <p14:creationId xmlns:p14="http://schemas.microsoft.com/office/powerpoint/2010/main" val="2502330197"/>
+        <p14:creationId xmlns:p14="http://schemas.microsoft.com/office/powerpoint/2010/main" val="1916901341"/>
       </p:ext>
     </p:extLst>
   </p:cSld>
@@ -1696,7 +1681,32 @@
           <a:bodyPr/>
           <a:lstStyle/>
           <a:p>
-            <a:endParaRPr lang="en-US" b="0" dirty="0" smtClean="0"/>
+            <a:pPr marL="0" marR="0" indent="0" algn="l" defTabSz="914400" rtl="0" eaLnBrk="1" fontAlgn="auto" latinLnBrk="0" hangingPunct="1">
+              <a:lnSpc>
+                <a:spcPct val="100000"/>
+              </a:lnSpc>
+              <a:spcBef>
+                <a:spcPts val="0"/>
+              </a:spcBef>
+              <a:spcAft>
+                <a:spcPts val="0"/>
+              </a:spcAft>
+              <a:buClrTx/>
+              <a:buSzTx/>
+              <a:buFontTx/>
+              <a:buNone/>
+              <a:tabLst/>
+              <a:defRPr/>
+            </a:pPr>
+            <a:endParaRPr lang="en-US" sz="1200" kern="1200" dirty="0" smtClean="0">
+              <a:solidFill>
+                <a:schemeClr val="tx1"/>
+              </a:solidFill>
+              <a:effectLst/>
+              <a:latin typeface="+mn-lt"/>
+              <a:ea typeface="+mn-ea"/>
+              <a:cs typeface="+mn-cs"/>
+            </a:endParaRPr>
           </a:p>
         </p:txBody>
       </p:sp>
@@ -1726,7 +1736,7 @@
     </p:spTree>
     <p:extLst>
       <p:ext uri="{BB962C8B-B14F-4D97-AF65-F5344CB8AC3E}">
-        <p14:creationId xmlns:p14="http://schemas.microsoft.com/office/powerpoint/2010/main" val="3450469856"/>
+        <p14:creationId xmlns:p14="http://schemas.microsoft.com/office/powerpoint/2010/main" val="2181037172"/>
       </p:ext>
     </p:extLst>
   </p:cSld>
@@ -1810,7 +1820,7 @@
     </p:spTree>
     <p:extLst>
       <p:ext uri="{BB962C8B-B14F-4D97-AF65-F5344CB8AC3E}">
-        <p14:creationId xmlns:p14="http://schemas.microsoft.com/office/powerpoint/2010/main" val="2647091800"/>
+        <p14:creationId xmlns:p14="http://schemas.microsoft.com/office/powerpoint/2010/main" val="3766878569"/>
       </p:ext>
     </p:extLst>
   </p:cSld>
@@ -1894,7 +1904,7 @@
     </p:spTree>
     <p:extLst>
       <p:ext uri="{BB962C8B-B14F-4D97-AF65-F5344CB8AC3E}">
-        <p14:creationId xmlns:p14="http://schemas.microsoft.com/office/powerpoint/2010/main" val="2653332077"/>
+        <p14:creationId xmlns:p14="http://schemas.microsoft.com/office/powerpoint/2010/main" val="1777663287"/>
       </p:ext>
     </p:extLst>
   </p:cSld>
@@ -1978,7 +1988,7 @@
     </p:spTree>
     <p:extLst>
       <p:ext uri="{BB962C8B-B14F-4D97-AF65-F5344CB8AC3E}">
-        <p14:creationId xmlns:p14="http://schemas.microsoft.com/office/powerpoint/2010/main" val="3271057564"/>
+        <p14:creationId xmlns:p14="http://schemas.microsoft.com/office/powerpoint/2010/main" val="1266200327"/>
       </p:ext>
     </p:extLst>
   </p:cSld>
@@ -2062,7 +2072,7 @@
     </p:spTree>
     <p:extLst>
       <p:ext uri="{BB962C8B-B14F-4D97-AF65-F5344CB8AC3E}">
-        <p14:creationId xmlns:p14="http://schemas.microsoft.com/office/powerpoint/2010/main" val="3766878569"/>
+        <p14:creationId xmlns:p14="http://schemas.microsoft.com/office/powerpoint/2010/main" val="3516029556"/>
       </p:ext>
     </p:extLst>
   </p:cSld>
@@ -2146,7 +2156,7 @@
     </p:spTree>
     <p:extLst>
       <p:ext uri="{BB962C8B-B14F-4D97-AF65-F5344CB8AC3E}">
-        <p14:creationId xmlns:p14="http://schemas.microsoft.com/office/powerpoint/2010/main" val="3504203797"/>
+        <p14:creationId xmlns:p14="http://schemas.microsoft.com/office/powerpoint/2010/main" val="2712589128"/>
       </p:ext>
     </p:extLst>
   </p:cSld>
@@ -2200,15 +2210,7 @@
           <a:bodyPr/>
           <a:lstStyle/>
           <a:p>
-            <a:endParaRPr lang="en-US" sz="1200" kern="1200" dirty="0" smtClean="0">
-              <a:solidFill>
-                <a:schemeClr val="tx1"/>
-              </a:solidFill>
-              <a:effectLst/>
-              <a:latin typeface="+mn-lt"/>
-              <a:ea typeface="+mn-ea"/>
-              <a:cs typeface="+mn-cs"/>
-            </a:endParaRPr>
+            <a:endParaRPr lang="en-US" b="0" dirty="0" smtClean="0"/>
           </a:p>
         </p:txBody>
       </p:sp>
@@ -2238,7 +2240,175 @@
     </p:spTree>
     <p:extLst>
       <p:ext uri="{BB962C8B-B14F-4D97-AF65-F5344CB8AC3E}">
-        <p14:creationId xmlns:p14="http://schemas.microsoft.com/office/powerpoint/2010/main" val="2813022412"/>
+        <p14:creationId xmlns:p14="http://schemas.microsoft.com/office/powerpoint/2010/main" val="1609105756"/>
+      </p:ext>
+    </p:extLst>
+  </p:cSld>
+  <p:clrMapOvr>
+    <a:masterClrMapping/>
+  </p:clrMapOvr>
+</p:notes>
+</file>
+
+<file path=ppt/notesSlides/notesSlide28.xml><?xml version="1.0" encoding="utf-8"?>
+<p:notes xmlns:a="http://schemas.openxmlformats.org/drawingml/2006/main" xmlns:r="http://schemas.openxmlformats.org/officeDocument/2006/relationships" xmlns:p="http://schemas.openxmlformats.org/presentationml/2006/main">
+  <p:cSld>
+    <p:spTree>
+      <p:nvGrpSpPr>
+        <p:cNvPr id="1" name=""/>
+        <p:cNvGrpSpPr/>
+        <p:nvPr/>
+      </p:nvGrpSpPr>
+      <p:grpSpPr>
+        <a:xfrm>
+          <a:off x="0" y="0"/>
+          <a:ext cx="0" cy="0"/>
+          <a:chOff x="0" y="0"/>
+          <a:chExt cx="0" cy="0"/>
+        </a:xfrm>
+      </p:grpSpPr>
+      <p:sp>
+        <p:nvSpPr>
+          <p:cNvPr id="2" name="Slide Image Placeholder 1"/>
+          <p:cNvSpPr>
+            <a:spLocks noGrp="1" noRot="1" noChangeAspect="1"/>
+          </p:cNvSpPr>
+          <p:nvPr>
+            <p:ph type="sldImg"/>
+          </p:nvPr>
+        </p:nvSpPr>
+        <p:spPr/>
+      </p:sp>
+      <p:sp>
+        <p:nvSpPr>
+          <p:cNvPr id="3" name="Notes Placeholder 2"/>
+          <p:cNvSpPr>
+            <a:spLocks noGrp="1"/>
+          </p:cNvSpPr>
+          <p:nvPr>
+            <p:ph type="body" idx="1"/>
+          </p:nvPr>
+        </p:nvSpPr>
+        <p:spPr/>
+        <p:txBody>
+          <a:bodyPr/>
+          <a:lstStyle/>
+          <a:p>
+            <a:endParaRPr lang="en-US" b="0" dirty="0" smtClean="0"/>
+          </a:p>
+        </p:txBody>
+      </p:sp>
+      <p:sp>
+        <p:nvSpPr>
+          <p:cNvPr id="4" name="Slide Number Placeholder 3"/>
+          <p:cNvSpPr>
+            <a:spLocks noGrp="1"/>
+          </p:cNvSpPr>
+          <p:nvPr>
+            <p:ph type="sldNum" sz="quarter" idx="10"/>
+          </p:nvPr>
+        </p:nvSpPr>
+        <p:spPr/>
+        <p:txBody>
+          <a:bodyPr/>
+          <a:lstStyle/>
+          <a:p>
+            <a:fld id="{89029652-62E7-43D6-83B5-097D7B7AA5D8}" type="slidenum">
+              <a:rPr lang="en-US" smtClean="0"/>
+              <a:t>28</a:t>
+            </a:fld>
+            <a:endParaRPr lang="en-US"/>
+          </a:p>
+        </p:txBody>
+      </p:sp>
+    </p:spTree>
+    <p:extLst>
+      <p:ext uri="{BB962C8B-B14F-4D97-AF65-F5344CB8AC3E}">
+        <p14:creationId xmlns:p14="http://schemas.microsoft.com/office/powerpoint/2010/main" val="2602777311"/>
+      </p:ext>
+    </p:extLst>
+  </p:cSld>
+  <p:clrMapOvr>
+    <a:masterClrMapping/>
+  </p:clrMapOvr>
+</p:notes>
+</file>
+
+<file path=ppt/notesSlides/notesSlide29.xml><?xml version="1.0" encoding="utf-8"?>
+<p:notes xmlns:a="http://schemas.openxmlformats.org/drawingml/2006/main" xmlns:r="http://schemas.openxmlformats.org/officeDocument/2006/relationships" xmlns:p="http://schemas.openxmlformats.org/presentationml/2006/main">
+  <p:cSld>
+    <p:spTree>
+      <p:nvGrpSpPr>
+        <p:cNvPr id="1" name=""/>
+        <p:cNvGrpSpPr/>
+        <p:nvPr/>
+      </p:nvGrpSpPr>
+      <p:grpSpPr>
+        <a:xfrm>
+          <a:off x="0" y="0"/>
+          <a:ext cx="0" cy="0"/>
+          <a:chOff x="0" y="0"/>
+          <a:chExt cx="0" cy="0"/>
+        </a:xfrm>
+      </p:grpSpPr>
+      <p:sp>
+        <p:nvSpPr>
+          <p:cNvPr id="2" name="Slide Image Placeholder 1"/>
+          <p:cNvSpPr>
+            <a:spLocks noGrp="1" noRot="1" noChangeAspect="1"/>
+          </p:cNvSpPr>
+          <p:nvPr>
+            <p:ph type="sldImg"/>
+          </p:nvPr>
+        </p:nvSpPr>
+        <p:spPr/>
+      </p:sp>
+      <p:sp>
+        <p:nvSpPr>
+          <p:cNvPr id="3" name="Notes Placeholder 2"/>
+          <p:cNvSpPr>
+            <a:spLocks noGrp="1"/>
+          </p:cNvSpPr>
+          <p:nvPr>
+            <p:ph type="body" idx="1"/>
+          </p:nvPr>
+        </p:nvSpPr>
+        <p:spPr/>
+        <p:txBody>
+          <a:bodyPr/>
+          <a:lstStyle/>
+          <a:p>
+            <a:endParaRPr lang="en-US" b="0" dirty="0" smtClean="0"/>
+          </a:p>
+        </p:txBody>
+      </p:sp>
+      <p:sp>
+        <p:nvSpPr>
+          <p:cNvPr id="4" name="Slide Number Placeholder 3"/>
+          <p:cNvSpPr>
+            <a:spLocks noGrp="1"/>
+          </p:cNvSpPr>
+          <p:nvPr>
+            <p:ph type="sldNum" sz="quarter" idx="10"/>
+          </p:nvPr>
+        </p:nvSpPr>
+        <p:spPr/>
+        <p:txBody>
+          <a:bodyPr/>
+          <a:lstStyle/>
+          <a:p>
+            <a:fld id="{89029652-62E7-43D6-83B5-097D7B7AA5D8}" type="slidenum">
+              <a:rPr lang="en-US" smtClean="0"/>
+              <a:t>29</a:t>
+            </a:fld>
+            <a:endParaRPr lang="en-US"/>
+          </a:p>
+        </p:txBody>
+      </p:sp>
+    </p:spTree>
+    <p:extLst>
+      <p:ext uri="{BB962C8B-B14F-4D97-AF65-F5344CB8AC3E}">
+        <p14:creationId xmlns:p14="http://schemas.microsoft.com/office/powerpoint/2010/main" val="2267138517"/>
       </p:ext>
     </p:extLst>
   </p:cSld>
@@ -2348,6 +2518,686 @@
     <p:extLst>
       <p:ext uri="{BB962C8B-B14F-4D97-AF65-F5344CB8AC3E}">
         <p14:creationId xmlns:p14="http://schemas.microsoft.com/office/powerpoint/2010/main" val="2480999007"/>
+      </p:ext>
+    </p:extLst>
+  </p:cSld>
+  <p:clrMapOvr>
+    <a:masterClrMapping/>
+  </p:clrMapOvr>
+</p:notes>
+</file>
+
+<file path=ppt/notesSlides/notesSlide30.xml><?xml version="1.0" encoding="utf-8"?>
+<p:notes xmlns:a="http://schemas.openxmlformats.org/drawingml/2006/main" xmlns:r="http://schemas.openxmlformats.org/officeDocument/2006/relationships" xmlns:p="http://schemas.openxmlformats.org/presentationml/2006/main">
+  <p:cSld>
+    <p:spTree>
+      <p:nvGrpSpPr>
+        <p:cNvPr id="1" name=""/>
+        <p:cNvGrpSpPr/>
+        <p:nvPr/>
+      </p:nvGrpSpPr>
+      <p:grpSpPr>
+        <a:xfrm>
+          <a:off x="0" y="0"/>
+          <a:ext cx="0" cy="0"/>
+          <a:chOff x="0" y="0"/>
+          <a:chExt cx="0" cy="0"/>
+        </a:xfrm>
+      </p:grpSpPr>
+      <p:sp>
+        <p:nvSpPr>
+          <p:cNvPr id="2" name="Slide Image Placeholder 1"/>
+          <p:cNvSpPr>
+            <a:spLocks noGrp="1" noRot="1" noChangeAspect="1"/>
+          </p:cNvSpPr>
+          <p:nvPr>
+            <p:ph type="sldImg"/>
+          </p:nvPr>
+        </p:nvSpPr>
+        <p:spPr/>
+      </p:sp>
+      <p:sp>
+        <p:nvSpPr>
+          <p:cNvPr id="3" name="Notes Placeholder 2"/>
+          <p:cNvSpPr>
+            <a:spLocks noGrp="1"/>
+          </p:cNvSpPr>
+          <p:nvPr>
+            <p:ph type="body" idx="1"/>
+          </p:nvPr>
+        </p:nvSpPr>
+        <p:spPr/>
+        <p:txBody>
+          <a:bodyPr/>
+          <a:lstStyle/>
+          <a:p>
+            <a:endParaRPr lang="en-US" b="0" dirty="0" smtClean="0"/>
+          </a:p>
+        </p:txBody>
+      </p:sp>
+      <p:sp>
+        <p:nvSpPr>
+          <p:cNvPr id="4" name="Slide Number Placeholder 3"/>
+          <p:cNvSpPr>
+            <a:spLocks noGrp="1"/>
+          </p:cNvSpPr>
+          <p:nvPr>
+            <p:ph type="sldNum" sz="quarter" idx="10"/>
+          </p:nvPr>
+        </p:nvSpPr>
+        <p:spPr/>
+        <p:txBody>
+          <a:bodyPr/>
+          <a:lstStyle/>
+          <a:p>
+            <a:fld id="{89029652-62E7-43D6-83B5-097D7B7AA5D8}" type="slidenum">
+              <a:rPr lang="en-US" smtClean="0"/>
+              <a:t>30</a:t>
+            </a:fld>
+            <a:endParaRPr lang="en-US"/>
+          </a:p>
+        </p:txBody>
+      </p:sp>
+    </p:spTree>
+    <p:extLst>
+      <p:ext uri="{BB962C8B-B14F-4D97-AF65-F5344CB8AC3E}">
+        <p14:creationId xmlns:p14="http://schemas.microsoft.com/office/powerpoint/2010/main" val="1561525116"/>
+      </p:ext>
+    </p:extLst>
+  </p:cSld>
+  <p:clrMapOvr>
+    <a:masterClrMapping/>
+  </p:clrMapOvr>
+</p:notes>
+</file>
+
+<file path=ppt/notesSlides/notesSlide31.xml><?xml version="1.0" encoding="utf-8"?>
+<p:notes xmlns:a="http://schemas.openxmlformats.org/drawingml/2006/main" xmlns:r="http://schemas.openxmlformats.org/officeDocument/2006/relationships" xmlns:p="http://schemas.openxmlformats.org/presentationml/2006/main">
+  <p:cSld>
+    <p:spTree>
+      <p:nvGrpSpPr>
+        <p:cNvPr id="1" name=""/>
+        <p:cNvGrpSpPr/>
+        <p:nvPr/>
+      </p:nvGrpSpPr>
+      <p:grpSpPr>
+        <a:xfrm>
+          <a:off x="0" y="0"/>
+          <a:ext cx="0" cy="0"/>
+          <a:chOff x="0" y="0"/>
+          <a:chExt cx="0" cy="0"/>
+        </a:xfrm>
+      </p:grpSpPr>
+      <p:sp>
+        <p:nvSpPr>
+          <p:cNvPr id="2" name="Slide Image Placeholder 1"/>
+          <p:cNvSpPr>
+            <a:spLocks noGrp="1" noRot="1" noChangeAspect="1"/>
+          </p:cNvSpPr>
+          <p:nvPr>
+            <p:ph type="sldImg"/>
+          </p:nvPr>
+        </p:nvSpPr>
+        <p:spPr/>
+      </p:sp>
+      <p:sp>
+        <p:nvSpPr>
+          <p:cNvPr id="3" name="Notes Placeholder 2"/>
+          <p:cNvSpPr>
+            <a:spLocks noGrp="1"/>
+          </p:cNvSpPr>
+          <p:nvPr>
+            <p:ph type="body" idx="1"/>
+          </p:nvPr>
+        </p:nvSpPr>
+        <p:spPr/>
+        <p:txBody>
+          <a:bodyPr/>
+          <a:lstStyle/>
+          <a:p>
+            <a:endParaRPr lang="en-US" b="0" dirty="0" smtClean="0"/>
+          </a:p>
+        </p:txBody>
+      </p:sp>
+      <p:sp>
+        <p:nvSpPr>
+          <p:cNvPr id="4" name="Slide Number Placeholder 3"/>
+          <p:cNvSpPr>
+            <a:spLocks noGrp="1"/>
+          </p:cNvSpPr>
+          <p:nvPr>
+            <p:ph type="sldNum" sz="quarter" idx="10"/>
+          </p:nvPr>
+        </p:nvSpPr>
+        <p:spPr/>
+        <p:txBody>
+          <a:bodyPr/>
+          <a:lstStyle/>
+          <a:p>
+            <a:fld id="{89029652-62E7-43D6-83B5-097D7B7AA5D8}" type="slidenum">
+              <a:rPr lang="en-US" smtClean="0"/>
+              <a:t>31</a:t>
+            </a:fld>
+            <a:endParaRPr lang="en-US"/>
+          </a:p>
+        </p:txBody>
+      </p:sp>
+    </p:spTree>
+    <p:extLst>
+      <p:ext uri="{BB962C8B-B14F-4D97-AF65-F5344CB8AC3E}">
+        <p14:creationId xmlns:p14="http://schemas.microsoft.com/office/powerpoint/2010/main" val="3344468672"/>
+      </p:ext>
+    </p:extLst>
+  </p:cSld>
+  <p:clrMapOvr>
+    <a:masterClrMapping/>
+  </p:clrMapOvr>
+</p:notes>
+</file>
+
+<file path=ppt/notesSlides/notesSlide32.xml><?xml version="1.0" encoding="utf-8"?>
+<p:notes xmlns:a="http://schemas.openxmlformats.org/drawingml/2006/main" xmlns:r="http://schemas.openxmlformats.org/officeDocument/2006/relationships" xmlns:p="http://schemas.openxmlformats.org/presentationml/2006/main">
+  <p:cSld>
+    <p:spTree>
+      <p:nvGrpSpPr>
+        <p:cNvPr id="1" name=""/>
+        <p:cNvGrpSpPr/>
+        <p:nvPr/>
+      </p:nvGrpSpPr>
+      <p:grpSpPr>
+        <a:xfrm>
+          <a:off x="0" y="0"/>
+          <a:ext cx="0" cy="0"/>
+          <a:chOff x="0" y="0"/>
+          <a:chExt cx="0" cy="0"/>
+        </a:xfrm>
+      </p:grpSpPr>
+      <p:sp>
+        <p:nvSpPr>
+          <p:cNvPr id="2" name="Slide Image Placeholder 1"/>
+          <p:cNvSpPr>
+            <a:spLocks noGrp="1" noRot="1" noChangeAspect="1"/>
+          </p:cNvSpPr>
+          <p:nvPr>
+            <p:ph type="sldImg"/>
+          </p:nvPr>
+        </p:nvSpPr>
+        <p:spPr/>
+      </p:sp>
+      <p:sp>
+        <p:nvSpPr>
+          <p:cNvPr id="3" name="Notes Placeholder 2"/>
+          <p:cNvSpPr>
+            <a:spLocks noGrp="1"/>
+          </p:cNvSpPr>
+          <p:nvPr>
+            <p:ph type="body" idx="1"/>
+          </p:nvPr>
+        </p:nvSpPr>
+        <p:spPr/>
+        <p:txBody>
+          <a:bodyPr/>
+          <a:lstStyle/>
+          <a:p>
+            <a:endParaRPr lang="en-US" b="0" dirty="0" smtClean="0"/>
+          </a:p>
+        </p:txBody>
+      </p:sp>
+      <p:sp>
+        <p:nvSpPr>
+          <p:cNvPr id="4" name="Slide Number Placeholder 3"/>
+          <p:cNvSpPr>
+            <a:spLocks noGrp="1"/>
+          </p:cNvSpPr>
+          <p:nvPr>
+            <p:ph type="sldNum" sz="quarter" idx="10"/>
+          </p:nvPr>
+        </p:nvSpPr>
+        <p:spPr/>
+        <p:txBody>
+          <a:bodyPr/>
+          <a:lstStyle/>
+          <a:p>
+            <a:fld id="{89029652-62E7-43D6-83B5-097D7B7AA5D8}" type="slidenum">
+              <a:rPr lang="en-US" smtClean="0"/>
+              <a:t>32</a:t>
+            </a:fld>
+            <a:endParaRPr lang="en-US"/>
+          </a:p>
+        </p:txBody>
+      </p:sp>
+    </p:spTree>
+    <p:extLst>
+      <p:ext uri="{BB962C8B-B14F-4D97-AF65-F5344CB8AC3E}">
+        <p14:creationId xmlns:p14="http://schemas.microsoft.com/office/powerpoint/2010/main" val="2502330197"/>
+      </p:ext>
+    </p:extLst>
+  </p:cSld>
+  <p:clrMapOvr>
+    <a:masterClrMapping/>
+  </p:clrMapOvr>
+</p:notes>
+</file>
+
+<file path=ppt/notesSlides/notesSlide33.xml><?xml version="1.0" encoding="utf-8"?>
+<p:notes xmlns:a="http://schemas.openxmlformats.org/drawingml/2006/main" xmlns:r="http://schemas.openxmlformats.org/officeDocument/2006/relationships" xmlns:p="http://schemas.openxmlformats.org/presentationml/2006/main">
+  <p:cSld>
+    <p:spTree>
+      <p:nvGrpSpPr>
+        <p:cNvPr id="1" name=""/>
+        <p:cNvGrpSpPr/>
+        <p:nvPr/>
+      </p:nvGrpSpPr>
+      <p:grpSpPr>
+        <a:xfrm>
+          <a:off x="0" y="0"/>
+          <a:ext cx="0" cy="0"/>
+          <a:chOff x="0" y="0"/>
+          <a:chExt cx="0" cy="0"/>
+        </a:xfrm>
+      </p:grpSpPr>
+      <p:sp>
+        <p:nvSpPr>
+          <p:cNvPr id="2" name="Slide Image Placeholder 1"/>
+          <p:cNvSpPr>
+            <a:spLocks noGrp="1" noRot="1" noChangeAspect="1"/>
+          </p:cNvSpPr>
+          <p:nvPr>
+            <p:ph type="sldImg"/>
+          </p:nvPr>
+        </p:nvSpPr>
+        <p:spPr/>
+      </p:sp>
+      <p:sp>
+        <p:nvSpPr>
+          <p:cNvPr id="3" name="Notes Placeholder 2"/>
+          <p:cNvSpPr>
+            <a:spLocks noGrp="1"/>
+          </p:cNvSpPr>
+          <p:nvPr>
+            <p:ph type="body" idx="1"/>
+          </p:nvPr>
+        </p:nvSpPr>
+        <p:spPr/>
+        <p:txBody>
+          <a:bodyPr/>
+          <a:lstStyle/>
+          <a:p>
+            <a:endParaRPr lang="en-US" b="0" dirty="0" smtClean="0"/>
+          </a:p>
+        </p:txBody>
+      </p:sp>
+      <p:sp>
+        <p:nvSpPr>
+          <p:cNvPr id="4" name="Slide Number Placeholder 3"/>
+          <p:cNvSpPr>
+            <a:spLocks noGrp="1"/>
+          </p:cNvSpPr>
+          <p:nvPr>
+            <p:ph type="sldNum" sz="quarter" idx="10"/>
+          </p:nvPr>
+        </p:nvSpPr>
+        <p:spPr/>
+        <p:txBody>
+          <a:bodyPr/>
+          <a:lstStyle/>
+          <a:p>
+            <a:fld id="{89029652-62E7-43D6-83B5-097D7B7AA5D8}" type="slidenum">
+              <a:rPr lang="en-US" smtClean="0"/>
+              <a:t>33</a:t>
+            </a:fld>
+            <a:endParaRPr lang="en-US"/>
+          </a:p>
+        </p:txBody>
+      </p:sp>
+    </p:spTree>
+    <p:extLst>
+      <p:ext uri="{BB962C8B-B14F-4D97-AF65-F5344CB8AC3E}">
+        <p14:creationId xmlns:p14="http://schemas.microsoft.com/office/powerpoint/2010/main" val="3450469856"/>
+      </p:ext>
+    </p:extLst>
+  </p:cSld>
+  <p:clrMapOvr>
+    <a:masterClrMapping/>
+  </p:clrMapOvr>
+</p:notes>
+</file>
+
+<file path=ppt/notesSlides/notesSlide34.xml><?xml version="1.0" encoding="utf-8"?>
+<p:notes xmlns:a="http://schemas.openxmlformats.org/drawingml/2006/main" xmlns:r="http://schemas.openxmlformats.org/officeDocument/2006/relationships" xmlns:p="http://schemas.openxmlformats.org/presentationml/2006/main">
+  <p:cSld>
+    <p:spTree>
+      <p:nvGrpSpPr>
+        <p:cNvPr id="1" name=""/>
+        <p:cNvGrpSpPr/>
+        <p:nvPr/>
+      </p:nvGrpSpPr>
+      <p:grpSpPr>
+        <a:xfrm>
+          <a:off x="0" y="0"/>
+          <a:ext cx="0" cy="0"/>
+          <a:chOff x="0" y="0"/>
+          <a:chExt cx="0" cy="0"/>
+        </a:xfrm>
+      </p:grpSpPr>
+      <p:sp>
+        <p:nvSpPr>
+          <p:cNvPr id="2" name="Slide Image Placeholder 1"/>
+          <p:cNvSpPr>
+            <a:spLocks noGrp="1" noRot="1" noChangeAspect="1"/>
+          </p:cNvSpPr>
+          <p:nvPr>
+            <p:ph type="sldImg"/>
+          </p:nvPr>
+        </p:nvSpPr>
+        <p:spPr/>
+      </p:sp>
+      <p:sp>
+        <p:nvSpPr>
+          <p:cNvPr id="3" name="Notes Placeholder 2"/>
+          <p:cNvSpPr>
+            <a:spLocks noGrp="1"/>
+          </p:cNvSpPr>
+          <p:nvPr>
+            <p:ph type="body" idx="1"/>
+          </p:nvPr>
+        </p:nvSpPr>
+        <p:spPr/>
+        <p:txBody>
+          <a:bodyPr/>
+          <a:lstStyle/>
+          <a:p>
+            <a:endParaRPr lang="en-US" b="0" dirty="0" smtClean="0"/>
+          </a:p>
+        </p:txBody>
+      </p:sp>
+      <p:sp>
+        <p:nvSpPr>
+          <p:cNvPr id="4" name="Slide Number Placeholder 3"/>
+          <p:cNvSpPr>
+            <a:spLocks noGrp="1"/>
+          </p:cNvSpPr>
+          <p:nvPr>
+            <p:ph type="sldNum" sz="quarter" idx="10"/>
+          </p:nvPr>
+        </p:nvSpPr>
+        <p:spPr/>
+        <p:txBody>
+          <a:bodyPr/>
+          <a:lstStyle/>
+          <a:p>
+            <a:fld id="{89029652-62E7-43D6-83B5-097D7B7AA5D8}" type="slidenum">
+              <a:rPr lang="en-US" smtClean="0"/>
+              <a:t>34</a:t>
+            </a:fld>
+            <a:endParaRPr lang="en-US"/>
+          </a:p>
+        </p:txBody>
+      </p:sp>
+    </p:spTree>
+    <p:extLst>
+      <p:ext uri="{BB962C8B-B14F-4D97-AF65-F5344CB8AC3E}">
+        <p14:creationId xmlns:p14="http://schemas.microsoft.com/office/powerpoint/2010/main" val="2647091800"/>
+      </p:ext>
+    </p:extLst>
+  </p:cSld>
+  <p:clrMapOvr>
+    <a:masterClrMapping/>
+  </p:clrMapOvr>
+</p:notes>
+</file>
+
+<file path=ppt/notesSlides/notesSlide35.xml><?xml version="1.0" encoding="utf-8"?>
+<p:notes xmlns:a="http://schemas.openxmlformats.org/drawingml/2006/main" xmlns:r="http://schemas.openxmlformats.org/officeDocument/2006/relationships" xmlns:p="http://schemas.openxmlformats.org/presentationml/2006/main">
+  <p:cSld>
+    <p:spTree>
+      <p:nvGrpSpPr>
+        <p:cNvPr id="1" name=""/>
+        <p:cNvGrpSpPr/>
+        <p:nvPr/>
+      </p:nvGrpSpPr>
+      <p:grpSpPr>
+        <a:xfrm>
+          <a:off x="0" y="0"/>
+          <a:ext cx="0" cy="0"/>
+          <a:chOff x="0" y="0"/>
+          <a:chExt cx="0" cy="0"/>
+        </a:xfrm>
+      </p:grpSpPr>
+      <p:sp>
+        <p:nvSpPr>
+          <p:cNvPr id="2" name="Slide Image Placeholder 1"/>
+          <p:cNvSpPr>
+            <a:spLocks noGrp="1" noRot="1" noChangeAspect="1"/>
+          </p:cNvSpPr>
+          <p:nvPr>
+            <p:ph type="sldImg"/>
+          </p:nvPr>
+        </p:nvSpPr>
+        <p:spPr/>
+      </p:sp>
+      <p:sp>
+        <p:nvSpPr>
+          <p:cNvPr id="3" name="Notes Placeholder 2"/>
+          <p:cNvSpPr>
+            <a:spLocks noGrp="1"/>
+          </p:cNvSpPr>
+          <p:nvPr>
+            <p:ph type="body" idx="1"/>
+          </p:nvPr>
+        </p:nvSpPr>
+        <p:spPr/>
+        <p:txBody>
+          <a:bodyPr/>
+          <a:lstStyle/>
+          <a:p>
+            <a:endParaRPr lang="en-US" b="0" dirty="0" smtClean="0"/>
+          </a:p>
+        </p:txBody>
+      </p:sp>
+      <p:sp>
+        <p:nvSpPr>
+          <p:cNvPr id="4" name="Slide Number Placeholder 3"/>
+          <p:cNvSpPr>
+            <a:spLocks noGrp="1"/>
+          </p:cNvSpPr>
+          <p:nvPr>
+            <p:ph type="sldNum" sz="quarter" idx="10"/>
+          </p:nvPr>
+        </p:nvSpPr>
+        <p:spPr/>
+        <p:txBody>
+          <a:bodyPr/>
+          <a:lstStyle/>
+          <a:p>
+            <a:fld id="{89029652-62E7-43D6-83B5-097D7B7AA5D8}" type="slidenum">
+              <a:rPr lang="en-US" smtClean="0"/>
+              <a:t>35</a:t>
+            </a:fld>
+            <a:endParaRPr lang="en-US"/>
+          </a:p>
+        </p:txBody>
+      </p:sp>
+    </p:spTree>
+    <p:extLst>
+      <p:ext uri="{BB962C8B-B14F-4D97-AF65-F5344CB8AC3E}">
+        <p14:creationId xmlns:p14="http://schemas.microsoft.com/office/powerpoint/2010/main" val="2653332077"/>
+      </p:ext>
+    </p:extLst>
+  </p:cSld>
+  <p:clrMapOvr>
+    <a:masterClrMapping/>
+  </p:clrMapOvr>
+</p:notes>
+</file>
+
+<file path=ppt/notesSlides/notesSlide36.xml><?xml version="1.0" encoding="utf-8"?>
+<p:notes xmlns:a="http://schemas.openxmlformats.org/drawingml/2006/main" xmlns:r="http://schemas.openxmlformats.org/officeDocument/2006/relationships" xmlns:p="http://schemas.openxmlformats.org/presentationml/2006/main">
+  <p:cSld>
+    <p:spTree>
+      <p:nvGrpSpPr>
+        <p:cNvPr id="1" name=""/>
+        <p:cNvGrpSpPr/>
+        <p:nvPr/>
+      </p:nvGrpSpPr>
+      <p:grpSpPr>
+        <a:xfrm>
+          <a:off x="0" y="0"/>
+          <a:ext cx="0" cy="0"/>
+          <a:chOff x="0" y="0"/>
+          <a:chExt cx="0" cy="0"/>
+        </a:xfrm>
+      </p:grpSpPr>
+      <p:sp>
+        <p:nvSpPr>
+          <p:cNvPr id="2" name="Slide Image Placeholder 1"/>
+          <p:cNvSpPr>
+            <a:spLocks noGrp="1" noRot="1" noChangeAspect="1"/>
+          </p:cNvSpPr>
+          <p:nvPr>
+            <p:ph type="sldImg"/>
+          </p:nvPr>
+        </p:nvSpPr>
+        <p:spPr/>
+      </p:sp>
+      <p:sp>
+        <p:nvSpPr>
+          <p:cNvPr id="3" name="Notes Placeholder 2"/>
+          <p:cNvSpPr>
+            <a:spLocks noGrp="1"/>
+          </p:cNvSpPr>
+          <p:nvPr>
+            <p:ph type="body" idx="1"/>
+          </p:nvPr>
+        </p:nvSpPr>
+        <p:spPr/>
+        <p:txBody>
+          <a:bodyPr/>
+          <a:lstStyle/>
+          <a:p>
+            <a:endParaRPr lang="en-US" b="0" dirty="0" smtClean="0"/>
+          </a:p>
+        </p:txBody>
+      </p:sp>
+      <p:sp>
+        <p:nvSpPr>
+          <p:cNvPr id="4" name="Slide Number Placeholder 3"/>
+          <p:cNvSpPr>
+            <a:spLocks noGrp="1"/>
+          </p:cNvSpPr>
+          <p:nvPr>
+            <p:ph type="sldNum" sz="quarter" idx="10"/>
+          </p:nvPr>
+        </p:nvSpPr>
+        <p:spPr/>
+        <p:txBody>
+          <a:bodyPr/>
+          <a:lstStyle/>
+          <a:p>
+            <a:fld id="{89029652-62E7-43D6-83B5-097D7B7AA5D8}" type="slidenum">
+              <a:rPr lang="en-US" smtClean="0"/>
+              <a:t>36</a:t>
+            </a:fld>
+            <a:endParaRPr lang="en-US"/>
+          </a:p>
+        </p:txBody>
+      </p:sp>
+    </p:spTree>
+    <p:extLst>
+      <p:ext uri="{BB962C8B-B14F-4D97-AF65-F5344CB8AC3E}">
+        <p14:creationId xmlns:p14="http://schemas.microsoft.com/office/powerpoint/2010/main" val="3271057564"/>
+      </p:ext>
+    </p:extLst>
+  </p:cSld>
+  <p:clrMapOvr>
+    <a:masterClrMapping/>
+  </p:clrMapOvr>
+</p:notes>
+</file>
+
+<file path=ppt/notesSlides/notesSlide37.xml><?xml version="1.0" encoding="utf-8"?>
+<p:notes xmlns:a="http://schemas.openxmlformats.org/drawingml/2006/main" xmlns:r="http://schemas.openxmlformats.org/officeDocument/2006/relationships" xmlns:p="http://schemas.openxmlformats.org/presentationml/2006/main">
+  <p:cSld>
+    <p:spTree>
+      <p:nvGrpSpPr>
+        <p:cNvPr id="1" name=""/>
+        <p:cNvGrpSpPr/>
+        <p:nvPr/>
+      </p:nvGrpSpPr>
+      <p:grpSpPr>
+        <a:xfrm>
+          <a:off x="0" y="0"/>
+          <a:ext cx="0" cy="0"/>
+          <a:chOff x="0" y="0"/>
+          <a:chExt cx="0" cy="0"/>
+        </a:xfrm>
+      </p:grpSpPr>
+      <p:sp>
+        <p:nvSpPr>
+          <p:cNvPr id="2" name="Slide Image Placeholder 1"/>
+          <p:cNvSpPr>
+            <a:spLocks noGrp="1" noRot="1" noChangeAspect="1"/>
+          </p:cNvSpPr>
+          <p:nvPr>
+            <p:ph type="sldImg"/>
+          </p:nvPr>
+        </p:nvSpPr>
+        <p:spPr/>
+      </p:sp>
+      <p:sp>
+        <p:nvSpPr>
+          <p:cNvPr id="3" name="Notes Placeholder 2"/>
+          <p:cNvSpPr>
+            <a:spLocks noGrp="1"/>
+          </p:cNvSpPr>
+          <p:nvPr>
+            <p:ph type="body" idx="1"/>
+          </p:nvPr>
+        </p:nvSpPr>
+        <p:spPr/>
+        <p:txBody>
+          <a:bodyPr/>
+          <a:lstStyle/>
+          <a:p>
+            <a:endParaRPr lang="en-US" sz="1200" kern="1200" dirty="0" smtClean="0">
+              <a:solidFill>
+                <a:schemeClr val="tx1"/>
+              </a:solidFill>
+              <a:effectLst/>
+              <a:latin typeface="+mn-lt"/>
+              <a:ea typeface="+mn-ea"/>
+              <a:cs typeface="+mn-cs"/>
+            </a:endParaRPr>
+          </a:p>
+        </p:txBody>
+      </p:sp>
+      <p:sp>
+        <p:nvSpPr>
+          <p:cNvPr id="4" name="Slide Number Placeholder 3"/>
+          <p:cNvSpPr>
+            <a:spLocks noGrp="1"/>
+          </p:cNvSpPr>
+          <p:nvPr>
+            <p:ph type="sldNum" sz="quarter" idx="10"/>
+          </p:nvPr>
+        </p:nvSpPr>
+        <p:spPr/>
+        <p:txBody>
+          <a:bodyPr/>
+          <a:lstStyle/>
+          <a:p>
+            <a:fld id="{89029652-62E7-43D6-83B5-097D7B7AA5D8}" type="slidenum">
+              <a:rPr lang="en-US" smtClean="0"/>
+              <a:t>37</a:t>
+            </a:fld>
+            <a:endParaRPr lang="en-US"/>
+          </a:p>
+        </p:txBody>
+      </p:sp>
+    </p:spTree>
+    <p:extLst>
+      <p:ext uri="{BB962C8B-B14F-4D97-AF65-F5344CB8AC3E}">
+        <p14:creationId xmlns:p14="http://schemas.microsoft.com/office/powerpoint/2010/main" val="2813022412"/>
       </p:ext>
     </p:extLst>
   </p:cSld>
@@ -3017,7 +3867,7 @@
           <a:p>
             <a:fld id="{75AA6396-395E-4ADA-8EE5-F328BC863A04}" type="datetimeFigureOut">
               <a:rPr lang="en-US" smtClean="0"/>
-              <a:t>12/21/2016</a:t>
+              <a:t>12/22/2016</a:t>
             </a:fld>
             <a:endParaRPr lang="en-US"/>
           </a:p>
@@ -3194,7 +4044,7 @@
           <a:p>
             <a:fld id="{75AA6396-395E-4ADA-8EE5-F328BC863A04}" type="datetimeFigureOut">
               <a:rPr lang="en-US" smtClean="0"/>
-              <a:t>12/21/2016</a:t>
+              <a:t>12/22/2016</a:t>
             </a:fld>
             <a:endParaRPr lang="en-US"/>
           </a:p>
@@ -3374,7 +4224,7 @@
           <a:p>
             <a:fld id="{75AA6396-395E-4ADA-8EE5-F328BC863A04}" type="datetimeFigureOut">
               <a:rPr lang="en-US" smtClean="0"/>
-              <a:t>12/21/2016</a:t>
+              <a:t>12/22/2016</a:t>
             </a:fld>
             <a:endParaRPr lang="en-US"/>
           </a:p>
@@ -3594,7 +4444,7 @@
           <a:p>
             <a:fld id="{75AA6396-395E-4ADA-8EE5-F328BC863A04}" type="datetimeFigureOut">
               <a:rPr lang="en-US" smtClean="0"/>
-              <a:t>12/21/2016</a:t>
+              <a:t>12/22/2016</a:t>
             </a:fld>
             <a:endParaRPr lang="en-US"/>
           </a:p>
@@ -3847,7 +4697,7 @@
           <a:p>
             <a:fld id="{75AA6396-395E-4ADA-8EE5-F328BC863A04}" type="datetimeFigureOut">
               <a:rPr lang="en-US" smtClean="0"/>
-              <a:t>12/21/2016</a:t>
+              <a:t>12/22/2016</a:t>
             </a:fld>
             <a:endParaRPr lang="en-US"/>
           </a:p>
@@ -4086,7 +4936,7 @@
           <a:p>
             <a:fld id="{75AA6396-395E-4ADA-8EE5-F328BC863A04}" type="datetimeFigureOut">
               <a:rPr lang="en-US" smtClean="0"/>
-              <a:t>12/21/2016</a:t>
+              <a:t>12/22/2016</a:t>
             </a:fld>
             <a:endParaRPr lang="en-US"/>
           </a:p>
@@ -4460,7 +5310,7 @@
           <a:p>
             <a:fld id="{75AA6396-395E-4ADA-8EE5-F328BC863A04}" type="datetimeFigureOut">
               <a:rPr lang="en-US" smtClean="0"/>
-              <a:t>12/21/2016</a:t>
+              <a:t>12/22/2016</a:t>
             </a:fld>
             <a:endParaRPr lang="en-US"/>
           </a:p>
@@ -4578,7 +5428,7 @@
           <a:p>
             <a:fld id="{75AA6396-395E-4ADA-8EE5-F328BC863A04}" type="datetimeFigureOut">
               <a:rPr lang="en-US" smtClean="0"/>
-              <a:t>12/21/2016</a:t>
+              <a:t>12/22/2016</a:t>
             </a:fld>
             <a:endParaRPr lang="en-US"/>
           </a:p>
@@ -4673,7 +5523,7 @@
           <a:p>
             <a:fld id="{75AA6396-395E-4ADA-8EE5-F328BC863A04}" type="datetimeFigureOut">
               <a:rPr lang="en-US" smtClean="0"/>
-              <a:t>12/21/2016</a:t>
+              <a:t>12/22/2016</a:t>
             </a:fld>
             <a:endParaRPr lang="en-US"/>
           </a:p>
@@ -4950,7 +5800,7 @@
           <a:p>
             <a:fld id="{75AA6396-395E-4ADA-8EE5-F328BC863A04}" type="datetimeFigureOut">
               <a:rPr lang="en-US" smtClean="0"/>
-              <a:t>12/21/2016</a:t>
+              <a:t>12/22/2016</a:t>
             </a:fld>
             <a:endParaRPr lang="en-US"/>
           </a:p>
@@ -5203,7 +6053,7 @@
           <a:p>
             <a:fld id="{75AA6396-395E-4ADA-8EE5-F328BC863A04}" type="datetimeFigureOut">
               <a:rPr lang="en-US" smtClean="0"/>
-              <a:t>12/21/2016</a:t>
+              <a:t>12/22/2016</a:t>
             </a:fld>
             <a:endParaRPr lang="en-US"/>
           </a:p>
@@ -5416,7 +6266,7 @@
           <a:p>
             <a:fld id="{75AA6396-395E-4ADA-8EE5-F328BC863A04}" type="datetimeFigureOut">
               <a:rPr lang="en-US" smtClean="0"/>
-              <a:t>12/21/2016</a:t>
+              <a:t>12/22/2016</a:t>
             </a:fld>
             <a:endParaRPr lang="en-US"/>
           </a:p>
@@ -6511,41 +7361,124 @@
           <a:chExt cx="0" cy="0"/>
         </a:xfrm>
       </p:grpSpPr>
-      <p:sp>
-        <p:nvSpPr>
-          <p:cNvPr id="2" name="Title 1"/>
-          <p:cNvSpPr>
-            <a:spLocks noGrp="1"/>
-          </p:cNvSpPr>
-          <p:nvPr>
-            <p:ph type="title"/>
-          </p:nvPr>
-        </p:nvSpPr>
+      <p:pic>
+        <p:nvPicPr>
+          <p:cNvPr id="6" name="Picture 5"/>
+          <p:cNvPicPr>
+            <a:picLocks noChangeAspect="1"/>
+          </p:cNvPicPr>
+          <p:nvPr/>
+        </p:nvPicPr>
+        <p:blipFill>
+          <a:blip r:embed="rId3"/>
+          <a:stretch>
+            <a:fillRect/>
+          </a:stretch>
+        </p:blipFill>
         <p:spPr>
           <a:xfrm>
-            <a:off x="964927" y="1"/>
-            <a:ext cx="10515600" cy="6858000"/>
+            <a:off x="533392" y="2193260"/>
+            <a:ext cx="10783355" cy="4561500"/>
+          </a:xfrm>
+          <a:prstGeom prst="rect">
+            <a:avLst/>
+          </a:prstGeom>
+        </p:spPr>
+      </p:pic>
+      <p:sp>
+        <p:nvSpPr>
+          <p:cNvPr id="2" name="Title 1"/>
+          <p:cNvSpPr>
+            <a:spLocks noGrp="1"/>
+          </p:cNvSpPr>
+          <p:nvPr>
+            <p:ph type="title"/>
+          </p:nvPr>
+        </p:nvSpPr>
+        <p:spPr/>
+        <p:txBody>
+          <a:bodyPr>
+            <a:normAutofit/>
+          </a:bodyPr>
+          <a:lstStyle/>
+          <a:p>
+            <a:r>
+              <a:rPr lang="en-US" sz="4800" dirty="0" smtClean="0"/>
+              <a:t>"Cross cutting" concerns</a:t>
+            </a:r>
+            <a:endParaRPr lang="en-US" sz="4800" dirty="0"/>
+          </a:p>
+        </p:txBody>
+      </p:sp>
+      <p:sp>
+        <p:nvSpPr>
+          <p:cNvPr id="3" name="Content Placeholder 2"/>
+          <p:cNvSpPr>
+            <a:spLocks noGrp="1"/>
+          </p:cNvSpPr>
+          <p:nvPr>
+            <p:ph idx="1"/>
+          </p:nvPr>
+        </p:nvSpPr>
+        <p:spPr>
+          <a:xfrm>
+            <a:off x="838200" y="1825624"/>
+            <a:ext cx="10515600" cy="4589923"/>
           </a:xfrm>
         </p:spPr>
         <p:txBody>
-          <a:bodyPr anchor="ctr">
+          <a:bodyPr>
             <a:normAutofit/>
           </a:bodyPr>
           <a:lstStyle/>
           <a:p>
-            <a:pPr algn="ctr"/>
-            <a:r>
-              <a:rPr lang="en-US" sz="4800" dirty="0" smtClean="0"/>
-              <a:t>Show me the codez!</a:t>
-            </a:r>
-            <a:endParaRPr lang="en-US" sz="4800" dirty="0"/>
-          </a:p>
-        </p:txBody>
-      </p:sp>
+            <a:endParaRPr lang="en-US" sz="4000" dirty="0"/>
+          </a:p>
+          <a:p>
+            <a:endParaRPr lang="en-US" sz="4000" dirty="0" smtClean="0"/>
+          </a:p>
+          <a:p>
+            <a:endParaRPr lang="en-US" sz="4000" dirty="0" smtClean="0"/>
+          </a:p>
+          <a:p>
+            <a:endParaRPr lang="en-US" dirty="0" smtClean="0"/>
+          </a:p>
+          <a:p>
+            <a:endParaRPr lang="en-US" dirty="0" smtClean="0"/>
+          </a:p>
+          <a:p>
+            <a:endParaRPr lang="en-US" dirty="0"/>
+          </a:p>
+        </p:txBody>
+      </p:sp>
+      <p:pic>
+        <p:nvPicPr>
+          <p:cNvPr id="4" name="Picture 3"/>
+          <p:cNvPicPr>
+            <a:picLocks noChangeAspect="1"/>
+          </p:cNvPicPr>
+          <p:nvPr/>
+        </p:nvPicPr>
+        <p:blipFill>
+          <a:blip r:embed="rId4"/>
+          <a:stretch>
+            <a:fillRect/>
+          </a:stretch>
+        </p:blipFill>
+        <p:spPr>
+          <a:xfrm>
+            <a:off x="3840103" y="1742919"/>
+            <a:ext cx="7781452" cy="2377666"/>
+          </a:xfrm>
+          <a:prstGeom prst="rect">
+            <a:avLst/>
+          </a:prstGeom>
+        </p:spPr>
+      </p:pic>
     </p:spTree>
     <p:extLst>
       <p:ext uri="{BB962C8B-B14F-4D97-AF65-F5344CB8AC3E}">
-        <p14:creationId xmlns:p14="http://schemas.microsoft.com/office/powerpoint/2010/main" val="269211379"/>
+        <p14:creationId xmlns:p14="http://schemas.microsoft.com/office/powerpoint/2010/main" val="1750226626"/>
       </p:ext>
     </p:extLst>
   </p:cSld>
@@ -6579,6 +7512,30 @@
           <a:chExt cx="0" cy="0"/>
         </a:xfrm>
       </p:grpSpPr>
+      <p:pic>
+        <p:nvPicPr>
+          <p:cNvPr id="6" name="Picture 5"/>
+          <p:cNvPicPr>
+            <a:picLocks noChangeAspect="1"/>
+          </p:cNvPicPr>
+          <p:nvPr/>
+        </p:nvPicPr>
+        <p:blipFill>
+          <a:blip r:embed="rId3"/>
+          <a:stretch>
+            <a:fillRect/>
+          </a:stretch>
+        </p:blipFill>
+        <p:spPr>
+          <a:xfrm>
+            <a:off x="533392" y="2193260"/>
+            <a:ext cx="10783355" cy="4561500"/>
+          </a:xfrm>
+          <a:prstGeom prst="rect">
+            <a:avLst/>
+          </a:prstGeom>
+        </p:spPr>
+      </p:pic>
       <p:sp>
         <p:nvSpPr>
           <p:cNvPr id="2" name="Title 1"/>
@@ -6598,7 +7555,7 @@
           <a:p>
             <a:r>
               <a:rPr lang="en-US" sz="4800" dirty="0" smtClean="0"/>
-              <a:t>Goals for framework-level security code</a:t>
+              <a:t>"Cross cutting" concerns</a:t>
             </a:r>
             <a:endParaRPr lang="en-US" sz="4800" dirty="0"/>
           </a:p>
@@ -6626,33 +7583,9 @@
           </a:bodyPr>
           <a:lstStyle/>
           <a:p>
-            <a:r>
-              <a:rPr lang="en-US" sz="4000" dirty="0" smtClean="0"/>
-              <a:t>"Secure by default"</a:t>
-            </a:r>
-          </a:p>
-          <a:p>
             <a:endParaRPr lang="en-US" sz="4000" dirty="0"/>
           </a:p>
           <a:p>
-            <a:r>
-              <a:rPr lang="en-US" sz="4000" dirty="0" smtClean="0"/>
-              <a:t>Consistent implementation</a:t>
-            </a:r>
-          </a:p>
-          <a:p>
-            <a:endParaRPr lang="en-US" sz="4000" dirty="0"/>
-          </a:p>
-          <a:p>
-            <a:r>
-              <a:rPr lang="en-US" sz="4000" dirty="0" smtClean="0"/>
-              <a:t>Easy to audit</a:t>
-            </a:r>
-          </a:p>
-          <a:p>
-            <a:endParaRPr lang="en-US" sz="4000" dirty="0"/>
-          </a:p>
-          <a:p>
             <a:endParaRPr lang="en-US" sz="4000" dirty="0" smtClean="0"/>
           </a:p>
           <a:p>
@@ -6669,10 +7602,34 @@
           </a:p>
         </p:txBody>
       </p:sp>
+      <p:pic>
+        <p:nvPicPr>
+          <p:cNvPr id="4" name="Picture 3"/>
+          <p:cNvPicPr>
+            <a:picLocks noChangeAspect="1"/>
+          </p:cNvPicPr>
+          <p:nvPr/>
+        </p:nvPicPr>
+        <p:blipFill>
+          <a:blip r:embed="rId4"/>
+          <a:stretch>
+            <a:fillRect/>
+          </a:stretch>
+        </p:blipFill>
+        <p:spPr>
+          <a:xfrm>
+            <a:off x="3847789" y="1690688"/>
+            <a:ext cx="7198579" cy="2451408"/>
+          </a:xfrm>
+          <a:prstGeom prst="rect">
+            <a:avLst/>
+          </a:prstGeom>
+        </p:spPr>
+      </p:pic>
     </p:spTree>
     <p:extLst>
       <p:ext uri="{BB962C8B-B14F-4D97-AF65-F5344CB8AC3E}">
-        <p14:creationId xmlns:p14="http://schemas.microsoft.com/office/powerpoint/2010/main" val="2285767896"/>
+        <p14:creationId xmlns:p14="http://schemas.microsoft.com/office/powerpoint/2010/main" val="841446169"/>
       </p:ext>
     </p:extLst>
   </p:cSld>
@@ -6706,6 +7663,30 @@
           <a:chExt cx="0" cy="0"/>
         </a:xfrm>
       </p:grpSpPr>
+      <p:pic>
+        <p:nvPicPr>
+          <p:cNvPr id="6" name="Picture 5"/>
+          <p:cNvPicPr>
+            <a:picLocks noChangeAspect="1"/>
+          </p:cNvPicPr>
+          <p:nvPr/>
+        </p:nvPicPr>
+        <p:blipFill>
+          <a:blip r:embed="rId3"/>
+          <a:stretch>
+            <a:fillRect/>
+          </a:stretch>
+        </p:blipFill>
+        <p:spPr>
+          <a:xfrm>
+            <a:off x="533392" y="2193260"/>
+            <a:ext cx="10783355" cy="4561500"/>
+          </a:xfrm>
+          <a:prstGeom prst="rect">
+            <a:avLst/>
+          </a:prstGeom>
+        </p:spPr>
+      </p:pic>
       <p:sp>
         <p:nvSpPr>
           <p:cNvPr id="2" name="Title 1"/>
@@ -6725,7 +7706,7 @@
           <a:p>
             <a:r>
               <a:rPr lang="en-US" sz="4800" dirty="0" smtClean="0"/>
-              <a:t>Patented step-by-step slide</a:t>
+              <a:t>"Cross cutting" concerns</a:t>
             </a:r>
             <a:endParaRPr lang="en-US" sz="4800" dirty="0"/>
           </a:p>
@@ -6753,43 +7734,15 @@
           </a:bodyPr>
           <a:lstStyle/>
           <a:p>
-            <a:r>
-              <a:rPr lang="en-US" sz="4000" dirty="0" smtClean="0">
-                <a:solidFill>
-                  <a:schemeClr val="bg1">
-                    <a:lumMod val="65000"/>
-                  </a:schemeClr>
-                </a:solidFill>
-              </a:rPr>
-              <a:t>Old news</a:t>
-            </a:r>
-            <a:br>
-              <a:rPr lang="en-US" sz="4000" dirty="0" smtClean="0">
-                <a:solidFill>
-                  <a:schemeClr val="bg1">
-                    <a:lumMod val="65000"/>
-                  </a:schemeClr>
-                </a:solidFill>
-              </a:rPr>
-            </a:br>
-            <a:endParaRPr lang="en-US" sz="4000" dirty="0" smtClean="0">
-              <a:solidFill>
-                <a:schemeClr val="bg1">
-                  <a:lumMod val="65000"/>
-                </a:schemeClr>
-              </a:solidFill>
-            </a:endParaRPr>
-          </a:p>
-          <a:p>
-            <a:r>
-              <a:rPr lang="en-US" sz="4000" b="1" dirty="0" smtClean="0"/>
-              <a:t>New hotness</a:t>
-            </a:r>
+            <a:endParaRPr lang="en-US" sz="4000" dirty="0"/>
           </a:p>
           <a:p>
             <a:endParaRPr lang="en-US" sz="4000" dirty="0" smtClean="0"/>
           </a:p>
           <a:p>
+            <a:endParaRPr lang="en-US" sz="4000" dirty="0" smtClean="0"/>
+          </a:p>
+          <a:p>
             <a:endParaRPr lang="en-US" dirty="0" smtClean="0"/>
           </a:p>
           <a:p>
@@ -6800,10 +7753,34 @@
           </a:p>
         </p:txBody>
       </p:sp>
+      <p:pic>
+        <p:nvPicPr>
+          <p:cNvPr id="5" name="Picture 4"/>
+          <p:cNvPicPr>
+            <a:picLocks noChangeAspect="1"/>
+          </p:cNvPicPr>
+          <p:nvPr/>
+        </p:nvPicPr>
+        <p:blipFill>
+          <a:blip r:embed="rId4"/>
+          <a:stretch>
+            <a:fillRect/>
+          </a:stretch>
+        </p:blipFill>
+        <p:spPr>
+          <a:xfrm>
+            <a:off x="3917046" y="2058324"/>
+            <a:ext cx="7704509" cy="1819378"/>
+          </a:xfrm>
+          <a:prstGeom prst="rect">
+            <a:avLst/>
+          </a:prstGeom>
+        </p:spPr>
+      </p:pic>
     </p:spTree>
     <p:extLst>
       <p:ext uri="{BB962C8B-B14F-4D97-AF65-F5344CB8AC3E}">
-        <p14:creationId xmlns:p14="http://schemas.microsoft.com/office/powerpoint/2010/main" val="1887088746"/>
+        <p14:creationId xmlns:p14="http://schemas.microsoft.com/office/powerpoint/2010/main" val="528689166"/>
       </p:ext>
     </p:extLst>
   </p:cSld>
@@ -6847,7 +7824,12 @@
             <p:ph type="title"/>
           </p:nvPr>
         </p:nvSpPr>
-        <p:spPr/>
+        <p:spPr>
+          <a:xfrm>
+            <a:off x="838200" y="365125"/>
+            <a:ext cx="10960510" cy="1325563"/>
+          </a:xfrm>
+        </p:spPr>
         <p:txBody>
           <a:bodyPr>
             <a:normAutofit/>
@@ -6856,7 +7838,7 @@
           <a:p>
             <a:r>
               <a:rPr lang="en-US" sz="4800" dirty="0" smtClean="0"/>
-              <a:t>Canonical example: SQL Injection</a:t>
+              <a:t>What makes a concern "cross cutting"?</a:t>
             </a:r>
             <a:endParaRPr lang="en-US" sz="4800" dirty="0"/>
           </a:p>
@@ -6875,7 +7857,7 @@
         <p:spPr>
           <a:xfrm>
             <a:off x="838200" y="1825624"/>
-            <a:ext cx="10515600" cy="4589923"/>
+            <a:ext cx="10515600" cy="4899641"/>
           </a:xfrm>
         </p:spPr>
         <p:txBody>
@@ -6884,6 +7866,22 @@
           </a:bodyPr>
           <a:lstStyle/>
           <a:p>
+            <a:r>
+              <a:rPr lang="en-US" sz="4000" dirty="0" smtClean="0"/>
+              <a:t>Orthogonal to feature-specific business rules</a:t>
+            </a:r>
+            <a:endParaRPr lang="en-US" sz="4000" dirty="0"/>
+          </a:p>
+          <a:p>
+            <a:endParaRPr lang="en-US" sz="4000" dirty="0" smtClean="0"/>
+          </a:p>
+          <a:p>
+            <a:endParaRPr lang="en-US" sz="4000" dirty="0"/>
+          </a:p>
+          <a:p>
+            <a:endParaRPr lang="en-US" sz="4000" dirty="0" smtClean="0"/>
+          </a:p>
+          <a:p>
             <a:endParaRPr lang="en-US" sz="4000" dirty="0" smtClean="0"/>
           </a:p>
           <a:p>
@@ -6900,7 +7898,7 @@
     </p:spTree>
     <p:extLst>
       <p:ext uri="{BB962C8B-B14F-4D97-AF65-F5344CB8AC3E}">
-        <p14:creationId xmlns:p14="http://schemas.microsoft.com/office/powerpoint/2010/main" val="1766242099"/>
+        <p14:creationId xmlns:p14="http://schemas.microsoft.com/office/powerpoint/2010/main" val="3524168665"/>
       </p:ext>
     </p:extLst>
   </p:cSld>
@@ -6944,7 +7942,12 @@
             <p:ph type="title"/>
           </p:nvPr>
         </p:nvSpPr>
-        <p:spPr/>
+        <p:spPr>
+          <a:xfrm>
+            <a:off x="838200" y="365125"/>
+            <a:ext cx="10960510" cy="1325563"/>
+          </a:xfrm>
+        </p:spPr>
         <p:txBody>
           <a:bodyPr>
             <a:normAutofit/>
@@ -6953,7 +7956,7 @@
           <a:p>
             <a:r>
               <a:rPr lang="en-US" sz="4800" dirty="0" smtClean="0"/>
-              <a:t>Authorization - feature</a:t>
+              <a:t>What makes a concern "cross cutting"?</a:t>
             </a:r>
             <a:endParaRPr lang="en-US" sz="4800" dirty="0"/>
           </a:p>
@@ -6972,7 +7975,7 @@
         <p:spPr>
           <a:xfrm>
             <a:off x="838200" y="1825624"/>
-            <a:ext cx="10515600" cy="4589923"/>
+            <a:ext cx="10515600" cy="4899641"/>
           </a:xfrm>
         </p:spPr>
         <p:txBody>
@@ -6981,9 +7984,46 @@
           </a:bodyPr>
           <a:lstStyle/>
           <a:p>
+            <a:r>
+              <a:rPr lang="en-US" sz="4000" dirty="0" smtClean="0">
+                <a:solidFill>
+                  <a:schemeClr val="bg1">
+                    <a:lumMod val="75000"/>
+                  </a:schemeClr>
+                </a:solidFill>
+              </a:rPr>
+              <a:t>Orthogonal to feature-specific business rules</a:t>
+            </a:r>
+            <a:endParaRPr lang="en-US" sz="4000" dirty="0">
+              <a:solidFill>
+                <a:schemeClr val="bg1">
+                  <a:lumMod val="75000"/>
+                </a:schemeClr>
+              </a:solidFill>
+            </a:endParaRPr>
+          </a:p>
+          <a:p>
             <a:endParaRPr lang="en-US" sz="4000" dirty="0" smtClean="0"/>
           </a:p>
           <a:p>
+            <a:r>
+              <a:rPr lang="en-US" sz="4000" dirty="0" smtClean="0"/>
+              <a:t>Applies to multiple features</a:t>
+            </a:r>
+          </a:p>
+          <a:p>
+            <a:endParaRPr lang="en-US" sz="4000" dirty="0" smtClean="0"/>
+          </a:p>
+          <a:p>
+            <a:endParaRPr lang="en-US" sz="4000" dirty="0"/>
+          </a:p>
+          <a:p>
+            <a:endParaRPr lang="en-US" sz="4000" dirty="0" smtClean="0"/>
+          </a:p>
+          <a:p>
+            <a:endParaRPr lang="en-US" sz="4000" dirty="0" smtClean="0"/>
+          </a:p>
+          <a:p>
             <a:endParaRPr lang="en-US" dirty="0" smtClean="0"/>
           </a:p>
           <a:p>
@@ -6994,34 +8034,10 @@
           </a:p>
         </p:txBody>
       </p:sp>
-      <p:pic>
-        <p:nvPicPr>
-          <p:cNvPr id="5" name="Picture 4"/>
-          <p:cNvPicPr>
-            <a:picLocks noChangeAspect="1"/>
-          </p:cNvPicPr>
-          <p:nvPr/>
-        </p:nvPicPr>
-        <p:blipFill>
-          <a:blip r:embed="rId3"/>
-          <a:stretch>
-            <a:fillRect/>
-          </a:stretch>
-        </p:blipFill>
-        <p:spPr>
-          <a:xfrm>
-            <a:off x="838200" y="2946501"/>
-            <a:ext cx="10431478" cy="2554647"/>
-          </a:xfrm>
-          <a:prstGeom prst="rect">
-            <a:avLst/>
-          </a:prstGeom>
-        </p:spPr>
-      </p:pic>
     </p:spTree>
     <p:extLst>
       <p:ext uri="{BB962C8B-B14F-4D97-AF65-F5344CB8AC3E}">
-        <p14:creationId xmlns:p14="http://schemas.microsoft.com/office/powerpoint/2010/main" val="176538875"/>
+        <p14:creationId xmlns:p14="http://schemas.microsoft.com/office/powerpoint/2010/main" val="4241676050"/>
       </p:ext>
     </p:extLst>
   </p:cSld>
@@ -7065,7 +8081,12 @@
             <p:ph type="title"/>
           </p:nvPr>
         </p:nvSpPr>
-        <p:spPr/>
+        <p:spPr>
+          <a:xfrm>
+            <a:off x="838200" y="365125"/>
+            <a:ext cx="10960510" cy="1325563"/>
+          </a:xfrm>
+        </p:spPr>
         <p:txBody>
           <a:bodyPr>
             <a:normAutofit/>
@@ -7073,12 +8094,8 @@
           <a:lstStyle/>
           <a:p>
             <a:r>
-              <a:rPr lang="en-US" sz="4800" dirty="0"/>
-              <a:t>Authorization - </a:t>
-            </a:r>
-            <a:r>
               <a:rPr lang="en-US" sz="4800" dirty="0" smtClean="0"/>
-              <a:t>framework</a:t>
+              <a:t>What makes a concern "cross cutting"?</a:t>
             </a:r>
             <a:endParaRPr lang="en-US" sz="4800" dirty="0"/>
           </a:p>
@@ -7097,7 +8114,7 @@
         <p:spPr>
           <a:xfrm>
             <a:off x="838200" y="1825624"/>
-            <a:ext cx="10515600" cy="4589923"/>
+            <a:ext cx="10515600" cy="4899641"/>
           </a:xfrm>
         </p:spPr>
         <p:txBody>
@@ -7106,9 +8123,71 @@
           </a:bodyPr>
           <a:lstStyle/>
           <a:p>
+            <a:r>
+              <a:rPr lang="en-US" sz="4000" dirty="0" smtClean="0">
+                <a:solidFill>
+                  <a:schemeClr val="bg1">
+                    <a:lumMod val="75000"/>
+                  </a:schemeClr>
+                </a:solidFill>
+              </a:rPr>
+              <a:t>Orthogonal to feature-specific business rules</a:t>
+            </a:r>
+            <a:endParaRPr lang="en-US" sz="4000" dirty="0">
+              <a:solidFill>
+                <a:schemeClr val="bg1">
+                  <a:lumMod val="75000"/>
+                </a:schemeClr>
+              </a:solidFill>
+            </a:endParaRPr>
+          </a:p>
+          <a:p>
+            <a:endParaRPr lang="en-US" sz="4000" dirty="0" smtClean="0">
+              <a:solidFill>
+                <a:schemeClr val="bg1">
+                  <a:lumMod val="75000"/>
+                </a:schemeClr>
+              </a:solidFill>
+            </a:endParaRPr>
+          </a:p>
+          <a:p>
+            <a:r>
+              <a:rPr lang="en-US" sz="4000" dirty="0" smtClean="0">
+                <a:solidFill>
+                  <a:schemeClr val="bg1">
+                    <a:lumMod val="75000"/>
+                  </a:schemeClr>
+                </a:solidFill>
+              </a:rPr>
+              <a:t>Applies to multiple features</a:t>
+            </a:r>
+          </a:p>
+          <a:p>
             <a:endParaRPr lang="en-US" sz="4000" dirty="0" smtClean="0"/>
           </a:p>
           <a:p>
+            <a:r>
+              <a:rPr lang="en-US" sz="4000" dirty="0" smtClean="0"/>
+              <a:t>Can be made "secure </a:t>
+            </a:r>
+            <a:r>
+              <a:rPr lang="en-US" sz="4000" dirty="0" smtClean="0"/>
+              <a:t>by default"</a:t>
+            </a:r>
+          </a:p>
+          <a:p>
+            <a:endParaRPr lang="en-US" sz="4000" dirty="0"/>
+          </a:p>
+          <a:p>
+            <a:endParaRPr lang="en-US" sz="4000" dirty="0"/>
+          </a:p>
+          <a:p>
+            <a:endParaRPr lang="en-US" sz="4000" dirty="0" smtClean="0"/>
+          </a:p>
+          <a:p>
+            <a:endParaRPr lang="en-US" sz="4000" dirty="0" smtClean="0"/>
+          </a:p>
+          <a:p>
             <a:endParaRPr lang="en-US" dirty="0" smtClean="0"/>
           </a:p>
           <a:p>
@@ -7119,34 +8198,10 @@
           </a:p>
         </p:txBody>
       </p:sp>
-      <p:pic>
-        <p:nvPicPr>
-          <p:cNvPr id="5" name="Picture 4"/>
-          <p:cNvPicPr>
-            <a:picLocks noChangeAspect="1"/>
-          </p:cNvPicPr>
-          <p:nvPr/>
-        </p:nvPicPr>
-        <p:blipFill>
-          <a:blip r:embed="rId3"/>
-          <a:stretch>
-            <a:fillRect/>
-          </a:stretch>
-        </p:blipFill>
-        <p:spPr>
-          <a:xfrm>
-            <a:off x="838201" y="2736220"/>
-            <a:ext cx="9677400" cy="1971323"/>
-          </a:xfrm>
-          <a:prstGeom prst="rect">
-            <a:avLst/>
-          </a:prstGeom>
-        </p:spPr>
-      </p:pic>
     </p:spTree>
     <p:extLst>
       <p:ext uri="{BB962C8B-B14F-4D97-AF65-F5344CB8AC3E}">
-        <p14:creationId xmlns:p14="http://schemas.microsoft.com/office/powerpoint/2010/main" val="4046002787"/>
+        <p14:creationId xmlns:p14="http://schemas.microsoft.com/office/powerpoint/2010/main" val="3289574924"/>
       </p:ext>
     </p:extLst>
   </p:cSld>
@@ -7250,6 +8305,36 @@
       </p:grpSpPr>
       <p:sp>
         <p:nvSpPr>
+          <p:cNvPr id="2" name="Title 1"/>
+          <p:cNvSpPr>
+            <a:spLocks noGrp="1"/>
+          </p:cNvSpPr>
+          <p:nvPr>
+            <p:ph type="title"/>
+          </p:nvPr>
+        </p:nvSpPr>
+        <p:spPr>
+          <a:xfrm>
+            <a:off x="838200" y="365125"/>
+            <a:ext cx="10960510" cy="1325563"/>
+          </a:xfrm>
+        </p:spPr>
+        <p:txBody>
+          <a:bodyPr>
+            <a:normAutofit/>
+          </a:bodyPr>
+          <a:lstStyle/>
+          <a:p>
+            <a:r>
+              <a:rPr lang="en-US" sz="4800" dirty="0" smtClean="0"/>
+              <a:t>What makes a concern "cross cutting"?</a:t>
+            </a:r>
+            <a:endParaRPr lang="en-US" sz="4800" dirty="0"/>
+          </a:p>
+        </p:txBody>
+      </p:sp>
+      <p:sp>
+        <p:nvSpPr>
           <p:cNvPr id="3" name="Content Placeholder 2"/>
           <p:cNvSpPr>
             <a:spLocks noGrp="1"/>
@@ -7261,7 +8346,7 @@
         <p:spPr>
           <a:xfrm>
             <a:off x="838200" y="1825624"/>
-            <a:ext cx="10515600" cy="4589923"/>
+            <a:ext cx="10515600" cy="4899641"/>
           </a:xfrm>
         </p:spPr>
         <p:txBody>
@@ -7270,9 +8355,96 @@
           </a:bodyPr>
           <a:lstStyle/>
           <a:p>
+            <a:r>
+              <a:rPr lang="en-US" sz="4000" dirty="0" smtClean="0">
+                <a:solidFill>
+                  <a:schemeClr val="bg1">
+                    <a:lumMod val="75000"/>
+                  </a:schemeClr>
+                </a:solidFill>
+              </a:rPr>
+              <a:t>Orthogonal to feature-specific business rules</a:t>
+            </a:r>
+            <a:endParaRPr lang="en-US" sz="4000" dirty="0">
+              <a:solidFill>
+                <a:schemeClr val="bg1">
+                  <a:lumMod val="75000"/>
+                </a:schemeClr>
+              </a:solidFill>
+            </a:endParaRPr>
+          </a:p>
+          <a:p>
+            <a:endParaRPr lang="en-US" sz="4000" dirty="0" smtClean="0">
+              <a:solidFill>
+                <a:schemeClr val="bg1">
+                  <a:lumMod val="75000"/>
+                </a:schemeClr>
+              </a:solidFill>
+            </a:endParaRPr>
+          </a:p>
+          <a:p>
+            <a:r>
+              <a:rPr lang="en-US" sz="4000" dirty="0" smtClean="0">
+                <a:solidFill>
+                  <a:schemeClr val="bg1">
+                    <a:lumMod val="75000"/>
+                  </a:schemeClr>
+                </a:solidFill>
+              </a:rPr>
+              <a:t>Applies to multiple features</a:t>
+            </a:r>
+          </a:p>
+          <a:p>
+            <a:endParaRPr lang="en-US" sz="4000" dirty="0" smtClean="0">
+              <a:solidFill>
+                <a:schemeClr val="bg1">
+                  <a:lumMod val="75000"/>
+                </a:schemeClr>
+              </a:solidFill>
+            </a:endParaRPr>
+          </a:p>
+          <a:p>
+            <a:r>
+              <a:rPr lang="en-US" sz="4000" dirty="0" smtClean="0">
+                <a:solidFill>
+                  <a:schemeClr val="bg1">
+                    <a:lumMod val="75000"/>
+                  </a:schemeClr>
+                </a:solidFill>
+              </a:rPr>
+              <a:t>Can be made "secure </a:t>
+            </a:r>
+            <a:r>
+              <a:rPr lang="en-US" sz="4000" dirty="0" smtClean="0">
+                <a:solidFill>
+                  <a:schemeClr val="bg1">
+                    <a:lumMod val="75000"/>
+                  </a:schemeClr>
+                </a:solidFill>
+              </a:rPr>
+              <a:t>by default"</a:t>
+            </a:r>
+          </a:p>
+          <a:p>
+            <a:endParaRPr lang="en-US" sz="4000" dirty="0"/>
+          </a:p>
+          <a:p>
+            <a:r>
+              <a:rPr lang="en-US" sz="4000" dirty="0" smtClean="0"/>
+              <a:t>Needs auditing</a:t>
+            </a:r>
             <a:endParaRPr lang="en-US" sz="4000" dirty="0" smtClean="0"/>
           </a:p>
           <a:p>
+            <a:endParaRPr lang="en-US" sz="4000" dirty="0"/>
+          </a:p>
+          <a:p>
+            <a:endParaRPr lang="en-US" sz="4000" dirty="0" smtClean="0"/>
+          </a:p>
+          <a:p>
+            <a:endParaRPr lang="en-US" sz="4000" dirty="0" smtClean="0"/>
+          </a:p>
+          <a:p>
             <a:endParaRPr lang="en-US" dirty="0" smtClean="0"/>
           </a:p>
           <a:p>
@@ -7283,34 +8455,10 @@
           </a:p>
         </p:txBody>
       </p:sp>
-      <p:pic>
-        <p:nvPicPr>
-          <p:cNvPr id="7" name="Picture 6"/>
-          <p:cNvPicPr>
-            <a:picLocks noChangeAspect="1"/>
-          </p:cNvPicPr>
-          <p:nvPr/>
-        </p:nvPicPr>
-        <p:blipFill>
-          <a:blip r:embed="rId3"/>
-          <a:stretch>
-            <a:fillRect/>
-          </a:stretch>
-        </p:blipFill>
-        <p:spPr>
-          <a:xfrm>
-            <a:off x="0" y="265470"/>
-            <a:ext cx="11983223" cy="6415547"/>
-          </a:xfrm>
-          <a:prstGeom prst="rect">
-            <a:avLst/>
-          </a:prstGeom>
-        </p:spPr>
-      </p:pic>
     </p:spTree>
     <p:extLst>
       <p:ext uri="{BB962C8B-B14F-4D97-AF65-F5344CB8AC3E}">
-        <p14:creationId xmlns:p14="http://schemas.microsoft.com/office/powerpoint/2010/main" val="1217261759"/>
+        <p14:creationId xmlns:p14="http://schemas.microsoft.com/office/powerpoint/2010/main" val="617467512"/>
       </p:ext>
     </p:extLst>
   </p:cSld>
@@ -7354,84 +8502,61 @@
             <p:ph type="title"/>
           </p:nvPr>
         </p:nvSpPr>
-        <p:spPr/>
-        <p:txBody>
-          <a:bodyPr>
+        <p:spPr>
+          <a:xfrm>
+            <a:off x="964927" y="1"/>
+            <a:ext cx="10515600" cy="6858000"/>
+          </a:xfrm>
+        </p:spPr>
+        <p:txBody>
+          <a:bodyPr anchor="ctr">
             <a:normAutofit/>
           </a:bodyPr>
           <a:lstStyle/>
           <a:p>
+            <a:pPr algn="ctr"/>
+            <a:r>
+              <a:rPr lang="en-US" sz="4800" dirty="0" smtClean="0"/>
+              <a:t>Show me the </a:t>
+            </a:r>
+            <a:r>
+              <a:rPr lang="en-US" sz="4800" dirty="0" err="1" smtClean="0"/>
+              <a:t>codez</a:t>
+            </a:r>
+            <a:r>
+              <a:rPr lang="en-US" sz="4800" dirty="0" smtClean="0"/>
+              <a:t>!</a:t>
+            </a:r>
+            <a:br>
+              <a:rPr lang="en-US" sz="4800" dirty="0" smtClean="0"/>
+            </a:br>
             <a:r>
               <a:rPr lang="en-US" sz="4800" dirty="0"/>
-              <a:t>Authorization - feature</a:t>
-            </a:r>
-            <a:endParaRPr lang="en-US" sz="4800" dirty="0"/>
-          </a:p>
-        </p:txBody>
-      </p:sp>
-      <p:sp>
-        <p:nvSpPr>
-          <p:cNvPr id="3" name="Content Placeholder 2"/>
-          <p:cNvSpPr>
-            <a:spLocks noGrp="1"/>
-          </p:cNvSpPr>
-          <p:nvPr>
-            <p:ph idx="1"/>
-          </p:nvPr>
-        </p:nvSpPr>
-        <p:spPr>
-          <a:xfrm>
-            <a:off x="838200" y="1825624"/>
-            <a:ext cx="10515600" cy="4589923"/>
-          </a:xfrm>
-        </p:spPr>
-        <p:txBody>
-          <a:bodyPr>
-            <a:normAutofit/>
-          </a:bodyPr>
-          <a:lstStyle/>
-          <a:p>
-            <a:endParaRPr lang="en-US" sz="4000" dirty="0" smtClean="0"/>
-          </a:p>
-          <a:p>
-            <a:endParaRPr lang="en-US" dirty="0" smtClean="0"/>
-          </a:p>
-          <a:p>
-            <a:endParaRPr lang="en-US" dirty="0" smtClean="0"/>
-          </a:p>
-          <a:p>
-            <a:endParaRPr lang="en-US" dirty="0"/>
-          </a:p>
-        </p:txBody>
-      </p:sp>
-      <p:pic>
-        <p:nvPicPr>
-          <p:cNvPr id="4" name="Picture 3"/>
-          <p:cNvPicPr>
-            <a:picLocks noChangeAspect="1"/>
-          </p:cNvPicPr>
-          <p:nvPr/>
-        </p:nvPicPr>
-        <p:blipFill>
-          <a:blip r:embed="rId3"/>
-          <a:stretch>
-            <a:fillRect/>
-          </a:stretch>
-        </p:blipFill>
-        <p:spPr>
-          <a:xfrm>
-            <a:off x="838200" y="2019736"/>
-            <a:ext cx="11012331" cy="4145090"/>
-          </a:xfrm>
-          <a:prstGeom prst="rect">
-            <a:avLst/>
-          </a:prstGeom>
-        </p:spPr>
-      </p:pic>
+              <a:t/>
+            </a:r>
+            <a:br>
+              <a:rPr lang="en-US" sz="4800" dirty="0"/>
+            </a:br>
+            <a:r>
+              <a:rPr lang="en-US" dirty="0" smtClean="0">
+                <a:solidFill>
+                  <a:srgbClr val="013947"/>
+                </a:solidFill>
+              </a:rPr>
+              <a:t>bit.ly/2i0J91d</a:t>
+            </a:r>
+            <a:endParaRPr lang="en-US" sz="4800" dirty="0">
+              <a:solidFill>
+                <a:srgbClr val="013947"/>
+              </a:solidFill>
+            </a:endParaRPr>
+          </a:p>
+        </p:txBody>
+      </p:sp>
     </p:spTree>
     <p:extLst>
       <p:ext uri="{BB962C8B-B14F-4D97-AF65-F5344CB8AC3E}">
-        <p14:creationId xmlns:p14="http://schemas.microsoft.com/office/powerpoint/2010/main" val="806865913"/>
+        <p14:creationId xmlns:p14="http://schemas.microsoft.com/office/powerpoint/2010/main" val="269211379"/>
       </p:ext>
     </p:extLst>
   </p:cSld>
@@ -7483,8 +8608,8 @@
           <a:lstStyle/>
           <a:p>
             <a:r>
-              <a:rPr lang="en-US" sz="4800" dirty="0"/>
-              <a:t>Authorization - framework</a:t>
+              <a:rPr lang="en-US" sz="4800" dirty="0" smtClean="0"/>
+              <a:t>Cross Site Request Forgery (CSRF)</a:t>
             </a:r>
             <a:endParaRPr lang="en-US" sz="4800" dirty="0"/>
           </a:p>
@@ -7512,9 +8637,6 @@
           </a:bodyPr>
           <a:lstStyle/>
           <a:p>
-            <a:endParaRPr lang="en-US" sz="4000" dirty="0" smtClean="0"/>
-          </a:p>
-          <a:p>
             <a:endParaRPr lang="en-US" dirty="0" smtClean="0"/>
           </a:p>
           <a:p>
@@ -7527,7 +8649,7 @@
       </p:sp>
       <p:pic>
         <p:nvPicPr>
-          <p:cNvPr id="5" name="Picture 4"/>
+          <p:cNvPr id="4" name="Picture 3"/>
           <p:cNvPicPr>
             <a:picLocks noChangeAspect="1"/>
           </p:cNvPicPr>
@@ -7541,8 +8663,8 @@
         </p:blipFill>
         <p:spPr>
           <a:xfrm>
-            <a:off x="838200" y="2136103"/>
-            <a:ext cx="7184923" cy="3968963"/>
+            <a:off x="838200" y="1303066"/>
+            <a:ext cx="8822230" cy="5304211"/>
           </a:xfrm>
           <a:prstGeom prst="rect">
             <a:avLst/>
@@ -7552,7 +8674,7 @@
     </p:spTree>
     <p:extLst>
       <p:ext uri="{BB962C8B-B14F-4D97-AF65-F5344CB8AC3E}">
-        <p14:creationId xmlns:p14="http://schemas.microsoft.com/office/powerpoint/2010/main" val="3305015095"/>
+        <p14:creationId xmlns:p14="http://schemas.microsoft.com/office/powerpoint/2010/main" val="4124003797"/>
       </p:ext>
     </p:extLst>
   </p:cSld>
@@ -7570,254 +8692,6 @@
 </file>
 
 <file path=ppt/slides/slide23.xml><?xml version="1.0" encoding="utf-8"?>
-<p:sld xmlns:a="http://schemas.openxmlformats.org/drawingml/2006/main" xmlns:r="http://schemas.openxmlformats.org/officeDocument/2006/relationships" xmlns:p="http://schemas.openxmlformats.org/presentationml/2006/main">
-  <p:cSld>
-    <p:spTree>
-      <p:nvGrpSpPr>
-        <p:cNvPr id="1" name=""/>
-        <p:cNvGrpSpPr/>
-        <p:nvPr/>
-      </p:nvGrpSpPr>
-      <p:grpSpPr>
-        <a:xfrm>
-          <a:off x="0" y="0"/>
-          <a:ext cx="0" cy="0"/>
-          <a:chOff x="0" y="0"/>
-          <a:chExt cx="0" cy="0"/>
-        </a:xfrm>
-      </p:grpSpPr>
-      <p:sp>
-        <p:nvSpPr>
-          <p:cNvPr id="2" name="Title 1"/>
-          <p:cNvSpPr>
-            <a:spLocks noGrp="1"/>
-          </p:cNvSpPr>
-          <p:nvPr>
-            <p:ph type="title"/>
-          </p:nvPr>
-        </p:nvSpPr>
-        <p:spPr/>
-        <p:txBody>
-          <a:bodyPr>
-            <a:normAutofit/>
-          </a:bodyPr>
-          <a:lstStyle/>
-          <a:p>
-            <a:r>
-              <a:rPr lang="en-US" sz="4800" dirty="0" smtClean="0"/>
-              <a:t>Access Control </a:t>
-            </a:r>
-            <a:r>
-              <a:rPr lang="en-US" sz="4800" dirty="0"/>
-              <a:t>- feature</a:t>
-            </a:r>
-            <a:endParaRPr lang="en-US" sz="4800" dirty="0"/>
-          </a:p>
-        </p:txBody>
-      </p:sp>
-      <p:sp>
-        <p:nvSpPr>
-          <p:cNvPr id="3" name="Content Placeholder 2"/>
-          <p:cNvSpPr>
-            <a:spLocks noGrp="1"/>
-          </p:cNvSpPr>
-          <p:nvPr>
-            <p:ph idx="1"/>
-          </p:nvPr>
-        </p:nvSpPr>
-        <p:spPr>
-          <a:xfrm>
-            <a:off x="838200" y="1825624"/>
-            <a:ext cx="10515600" cy="4589923"/>
-          </a:xfrm>
-        </p:spPr>
-        <p:txBody>
-          <a:bodyPr>
-            <a:normAutofit/>
-          </a:bodyPr>
-          <a:lstStyle/>
-          <a:p>
-            <a:endParaRPr lang="en-US" dirty="0" smtClean="0"/>
-          </a:p>
-          <a:p>
-            <a:endParaRPr lang="en-US" dirty="0" smtClean="0"/>
-          </a:p>
-          <a:p>
-            <a:endParaRPr lang="en-US" dirty="0"/>
-          </a:p>
-        </p:txBody>
-      </p:sp>
-      <p:pic>
-        <p:nvPicPr>
-          <p:cNvPr id="5" name="Picture 4"/>
-          <p:cNvPicPr>
-            <a:picLocks noChangeAspect="1"/>
-          </p:cNvPicPr>
-          <p:nvPr/>
-        </p:nvPicPr>
-        <p:blipFill>
-          <a:blip r:embed="rId3"/>
-          <a:stretch>
-            <a:fillRect/>
-          </a:stretch>
-        </p:blipFill>
-        <p:spPr>
-          <a:xfrm>
-            <a:off x="838200" y="2135339"/>
-            <a:ext cx="11037660" cy="4280208"/>
-          </a:xfrm>
-          <a:prstGeom prst="rect">
-            <a:avLst/>
-          </a:prstGeom>
-        </p:spPr>
-      </p:pic>
-    </p:spTree>
-    <p:extLst>
-      <p:ext uri="{BB962C8B-B14F-4D97-AF65-F5344CB8AC3E}">
-        <p14:creationId xmlns:p14="http://schemas.microsoft.com/office/powerpoint/2010/main" val="1150970120"/>
-      </p:ext>
-    </p:extLst>
-  </p:cSld>
-  <p:clrMapOvr>
-    <a:masterClrMapping/>
-  </p:clrMapOvr>
-  <p:timing>
-    <p:tnLst>
-      <p:par>
-        <p:cTn id="1" dur="indefinite" restart="never" nodeType="tmRoot"/>
-      </p:par>
-    </p:tnLst>
-  </p:timing>
-</p:sld>
-</file>
-
-<file path=ppt/slides/slide24.xml><?xml version="1.0" encoding="utf-8"?>
-<p:sld xmlns:a="http://schemas.openxmlformats.org/drawingml/2006/main" xmlns:r="http://schemas.openxmlformats.org/officeDocument/2006/relationships" xmlns:p="http://schemas.openxmlformats.org/presentationml/2006/main">
-  <p:cSld>
-    <p:spTree>
-      <p:nvGrpSpPr>
-        <p:cNvPr id="1" name=""/>
-        <p:cNvGrpSpPr/>
-        <p:nvPr/>
-      </p:nvGrpSpPr>
-      <p:grpSpPr>
-        <a:xfrm>
-          <a:off x="0" y="0"/>
-          <a:ext cx="0" cy="0"/>
-          <a:chOff x="0" y="0"/>
-          <a:chExt cx="0" cy="0"/>
-        </a:xfrm>
-      </p:grpSpPr>
-      <p:sp>
-        <p:nvSpPr>
-          <p:cNvPr id="2" name="Title 1"/>
-          <p:cNvSpPr>
-            <a:spLocks noGrp="1"/>
-          </p:cNvSpPr>
-          <p:nvPr>
-            <p:ph type="title"/>
-          </p:nvPr>
-        </p:nvSpPr>
-        <p:spPr/>
-        <p:txBody>
-          <a:bodyPr>
-            <a:normAutofit/>
-          </a:bodyPr>
-          <a:lstStyle/>
-          <a:p>
-            <a:r>
-              <a:rPr lang="en-US" sz="4800" dirty="0" smtClean="0"/>
-              <a:t>Access Control </a:t>
-            </a:r>
-            <a:r>
-              <a:rPr lang="en-US" sz="4800" dirty="0"/>
-              <a:t>- </a:t>
-            </a:r>
-            <a:r>
-              <a:rPr lang="en-US" sz="4800" dirty="0" smtClean="0"/>
-              <a:t>framework</a:t>
-            </a:r>
-            <a:endParaRPr lang="en-US" sz="4800" dirty="0"/>
-          </a:p>
-        </p:txBody>
-      </p:sp>
-      <p:sp>
-        <p:nvSpPr>
-          <p:cNvPr id="3" name="Content Placeholder 2"/>
-          <p:cNvSpPr>
-            <a:spLocks noGrp="1"/>
-          </p:cNvSpPr>
-          <p:nvPr>
-            <p:ph idx="1"/>
-          </p:nvPr>
-        </p:nvSpPr>
-        <p:spPr>
-          <a:xfrm>
-            <a:off x="838200" y="1825624"/>
-            <a:ext cx="10515600" cy="4589923"/>
-          </a:xfrm>
-        </p:spPr>
-        <p:txBody>
-          <a:bodyPr>
-            <a:normAutofit/>
-          </a:bodyPr>
-          <a:lstStyle/>
-          <a:p>
-            <a:endParaRPr lang="en-US" dirty="0" smtClean="0"/>
-          </a:p>
-          <a:p>
-            <a:endParaRPr lang="en-US" dirty="0" smtClean="0"/>
-          </a:p>
-          <a:p>
-            <a:endParaRPr lang="en-US" dirty="0"/>
-          </a:p>
-        </p:txBody>
-      </p:sp>
-      <p:pic>
-        <p:nvPicPr>
-          <p:cNvPr id="4" name="Picture 3"/>
-          <p:cNvPicPr>
-            <a:picLocks noChangeAspect="1"/>
-          </p:cNvPicPr>
-          <p:nvPr/>
-        </p:nvPicPr>
-        <p:blipFill>
-          <a:blip r:embed="rId3"/>
-          <a:stretch>
-            <a:fillRect/>
-          </a:stretch>
-        </p:blipFill>
-        <p:spPr>
-          <a:xfrm>
-            <a:off x="838200" y="2607646"/>
-            <a:ext cx="10628393" cy="3025877"/>
-          </a:xfrm>
-          <a:prstGeom prst="rect">
-            <a:avLst/>
-          </a:prstGeom>
-        </p:spPr>
-      </p:pic>
-    </p:spTree>
-    <p:extLst>
-      <p:ext uri="{BB962C8B-B14F-4D97-AF65-F5344CB8AC3E}">
-        <p14:creationId xmlns:p14="http://schemas.microsoft.com/office/powerpoint/2010/main" val="2515974239"/>
-      </p:ext>
-    </p:extLst>
-  </p:cSld>
-  <p:clrMapOvr>
-    <a:masterClrMapping/>
-  </p:clrMapOvr>
-  <p:timing>
-    <p:tnLst>
-      <p:par>
-        <p:cTn id="1" dur="indefinite" restart="never" nodeType="tmRoot"/>
-      </p:par>
-    </p:tnLst>
-  </p:timing>
-</p:sld>
-</file>
-
-<file path=ppt/slides/slide25.xml><?xml version="1.0" encoding="utf-8"?>
 <p:sld xmlns:a="http://schemas.openxmlformats.org/drawingml/2006/main" xmlns:r="http://schemas.openxmlformats.org/officeDocument/2006/relationships" xmlns:p="http://schemas.openxmlformats.org/presentationml/2006/main">
   <p:cSld>
     <p:spTree>
@@ -7950,7 +8824,277 @@
     </p:spTree>
     <p:extLst>
       <p:ext uri="{BB962C8B-B14F-4D97-AF65-F5344CB8AC3E}">
-        <p14:creationId xmlns:p14="http://schemas.microsoft.com/office/powerpoint/2010/main" val="4124003797"/>
+        <p14:creationId xmlns:p14="http://schemas.microsoft.com/office/powerpoint/2010/main" val="3193687172"/>
+      </p:ext>
+    </p:extLst>
+  </p:cSld>
+  <p:clrMapOvr>
+    <a:masterClrMapping/>
+  </p:clrMapOvr>
+  <p:timing>
+    <p:tnLst>
+      <p:par>
+        <p:cTn id="1" dur="indefinite" restart="never" nodeType="tmRoot"/>
+      </p:par>
+    </p:tnLst>
+  </p:timing>
+</p:sld>
+</file>
+
+<file path=ppt/slides/slide24.xml><?xml version="1.0" encoding="utf-8"?>
+<p:sld xmlns:a="http://schemas.openxmlformats.org/drawingml/2006/main" xmlns:r="http://schemas.openxmlformats.org/officeDocument/2006/relationships" xmlns:p="http://schemas.openxmlformats.org/presentationml/2006/main">
+  <p:cSld>
+    <p:spTree>
+      <p:nvGrpSpPr>
+        <p:cNvPr id="1" name=""/>
+        <p:cNvGrpSpPr/>
+        <p:nvPr/>
+      </p:nvGrpSpPr>
+      <p:grpSpPr>
+        <a:xfrm>
+          <a:off x="0" y="0"/>
+          <a:ext cx="0" cy="0"/>
+          <a:chOff x="0" y="0"/>
+          <a:chExt cx="0" cy="0"/>
+        </a:xfrm>
+      </p:grpSpPr>
+      <p:sp>
+        <p:nvSpPr>
+          <p:cNvPr id="2" name="Title 1"/>
+          <p:cNvSpPr>
+            <a:spLocks noGrp="1"/>
+          </p:cNvSpPr>
+          <p:nvPr>
+            <p:ph type="title"/>
+          </p:nvPr>
+        </p:nvSpPr>
+        <p:spPr>
+          <a:xfrm>
+            <a:off x="838200" y="365125"/>
+            <a:ext cx="10960510" cy="1325563"/>
+          </a:xfrm>
+        </p:spPr>
+        <p:txBody>
+          <a:bodyPr>
+            <a:normAutofit/>
+          </a:bodyPr>
+          <a:lstStyle/>
+          <a:p>
+            <a:r>
+              <a:rPr lang="en-US" sz="4800" dirty="0" smtClean="0"/>
+              <a:t>CSRF Defense - framework</a:t>
+            </a:r>
+            <a:endParaRPr lang="en-US" sz="4800" dirty="0"/>
+          </a:p>
+        </p:txBody>
+      </p:sp>
+      <p:sp>
+        <p:nvSpPr>
+          <p:cNvPr id="3" name="Content Placeholder 2"/>
+          <p:cNvSpPr>
+            <a:spLocks noGrp="1"/>
+          </p:cNvSpPr>
+          <p:nvPr>
+            <p:ph idx="1"/>
+          </p:nvPr>
+        </p:nvSpPr>
+        <p:spPr>
+          <a:xfrm>
+            <a:off x="838200" y="1825624"/>
+            <a:ext cx="10515600" cy="4899641"/>
+          </a:xfrm>
+        </p:spPr>
+        <p:txBody>
+          <a:bodyPr>
+            <a:normAutofit/>
+          </a:bodyPr>
+          <a:lstStyle/>
+          <a:p>
+            <a:pPr marL="0" indent="0">
+              <a:buNone/>
+            </a:pPr>
+            <a:endParaRPr lang="en-US" sz="4000" dirty="0"/>
+          </a:p>
+          <a:p>
+            <a:endParaRPr lang="en-US" sz="4000" dirty="0" smtClean="0"/>
+          </a:p>
+          <a:p>
+            <a:endParaRPr lang="en-US" sz="4000" dirty="0" smtClean="0"/>
+          </a:p>
+          <a:p>
+            <a:endParaRPr lang="en-US" dirty="0" smtClean="0"/>
+          </a:p>
+          <a:p>
+            <a:endParaRPr lang="en-US" dirty="0" smtClean="0"/>
+          </a:p>
+          <a:p>
+            <a:endParaRPr lang="en-US" dirty="0"/>
+          </a:p>
+        </p:txBody>
+      </p:sp>
+      <p:pic>
+        <p:nvPicPr>
+          <p:cNvPr id="5" name="Picture 4"/>
+          <p:cNvPicPr>
+            <a:picLocks noChangeAspect="1"/>
+          </p:cNvPicPr>
+          <p:nvPr/>
+        </p:nvPicPr>
+        <p:blipFill>
+          <a:blip r:embed="rId3"/>
+          <a:stretch>
+            <a:fillRect/>
+          </a:stretch>
+        </p:blipFill>
+        <p:spPr>
+          <a:xfrm>
+            <a:off x="838200" y="2849972"/>
+            <a:ext cx="8481011" cy="1899009"/>
+          </a:xfrm>
+          <a:prstGeom prst="rect">
+            <a:avLst/>
+          </a:prstGeom>
+        </p:spPr>
+      </p:pic>
+    </p:spTree>
+    <p:extLst>
+      <p:ext uri="{BB962C8B-B14F-4D97-AF65-F5344CB8AC3E}">
+        <p14:creationId xmlns:p14="http://schemas.microsoft.com/office/powerpoint/2010/main" val="3563268453"/>
+      </p:ext>
+    </p:extLst>
+  </p:cSld>
+  <p:clrMapOvr>
+    <a:masterClrMapping/>
+  </p:clrMapOvr>
+  <p:timing>
+    <p:tnLst>
+      <p:par>
+        <p:cTn id="1" dur="indefinite" restart="never" nodeType="tmRoot"/>
+      </p:par>
+    </p:tnLst>
+  </p:timing>
+</p:sld>
+</file>
+
+<file path=ppt/slides/slide25.xml><?xml version="1.0" encoding="utf-8"?>
+<p:sld xmlns:a="http://schemas.openxmlformats.org/drawingml/2006/main" xmlns:r="http://schemas.openxmlformats.org/officeDocument/2006/relationships" xmlns:p="http://schemas.openxmlformats.org/presentationml/2006/main">
+  <p:cSld>
+    <p:spTree>
+      <p:nvGrpSpPr>
+        <p:cNvPr id="1" name=""/>
+        <p:cNvGrpSpPr/>
+        <p:nvPr/>
+      </p:nvGrpSpPr>
+      <p:grpSpPr>
+        <a:xfrm>
+          <a:off x="0" y="0"/>
+          <a:ext cx="0" cy="0"/>
+          <a:chOff x="0" y="0"/>
+          <a:chExt cx="0" cy="0"/>
+        </a:xfrm>
+      </p:grpSpPr>
+      <p:sp>
+        <p:nvSpPr>
+          <p:cNvPr id="2" name="Title 1"/>
+          <p:cNvSpPr>
+            <a:spLocks noGrp="1"/>
+          </p:cNvSpPr>
+          <p:nvPr>
+            <p:ph type="title"/>
+          </p:nvPr>
+        </p:nvSpPr>
+        <p:spPr>
+          <a:xfrm>
+            <a:off x="838200" y="365125"/>
+            <a:ext cx="10960510" cy="1325563"/>
+          </a:xfrm>
+        </p:spPr>
+        <p:txBody>
+          <a:bodyPr>
+            <a:normAutofit/>
+          </a:bodyPr>
+          <a:lstStyle/>
+          <a:p>
+            <a:r>
+              <a:rPr lang="en-US" sz="4800" dirty="0" smtClean="0"/>
+              <a:t>CSRF Defense - framework</a:t>
+            </a:r>
+            <a:endParaRPr lang="en-US" sz="4800" dirty="0"/>
+          </a:p>
+        </p:txBody>
+      </p:sp>
+      <p:sp>
+        <p:nvSpPr>
+          <p:cNvPr id="3" name="Content Placeholder 2"/>
+          <p:cNvSpPr>
+            <a:spLocks noGrp="1"/>
+          </p:cNvSpPr>
+          <p:nvPr>
+            <p:ph idx="1"/>
+          </p:nvPr>
+        </p:nvSpPr>
+        <p:spPr>
+          <a:xfrm>
+            <a:off x="838200" y="1825624"/>
+            <a:ext cx="10515600" cy="4899641"/>
+          </a:xfrm>
+        </p:spPr>
+        <p:txBody>
+          <a:bodyPr>
+            <a:normAutofit/>
+          </a:bodyPr>
+          <a:lstStyle/>
+          <a:p>
+            <a:endParaRPr lang="en-US" sz="4000" dirty="0" smtClean="0"/>
+          </a:p>
+          <a:p>
+            <a:endParaRPr lang="en-US" sz="4000" dirty="0"/>
+          </a:p>
+          <a:p>
+            <a:endParaRPr lang="en-US" sz="4000" dirty="0" smtClean="0"/>
+          </a:p>
+          <a:p>
+            <a:endParaRPr lang="en-US" sz="4000" dirty="0" smtClean="0"/>
+          </a:p>
+          <a:p>
+            <a:endParaRPr lang="en-US" dirty="0" smtClean="0"/>
+          </a:p>
+          <a:p>
+            <a:endParaRPr lang="en-US" dirty="0" smtClean="0"/>
+          </a:p>
+          <a:p>
+            <a:endParaRPr lang="en-US" dirty="0"/>
+          </a:p>
+        </p:txBody>
+      </p:sp>
+      <p:pic>
+        <p:nvPicPr>
+          <p:cNvPr id="6" name="Picture 5"/>
+          <p:cNvPicPr>
+            <a:picLocks noChangeAspect="1"/>
+          </p:cNvPicPr>
+          <p:nvPr/>
+        </p:nvPicPr>
+        <p:blipFill>
+          <a:blip r:embed="rId3"/>
+          <a:stretch>
+            <a:fillRect/>
+          </a:stretch>
+        </p:blipFill>
+        <p:spPr>
+          <a:xfrm>
+            <a:off x="145024" y="1941411"/>
+            <a:ext cx="11918630" cy="4783854"/>
+          </a:xfrm>
+          <a:prstGeom prst="rect">
+            <a:avLst/>
+          </a:prstGeom>
+        </p:spPr>
+      </p:pic>
+    </p:spTree>
+    <p:extLst>
+      <p:ext uri="{BB962C8B-B14F-4D97-AF65-F5344CB8AC3E}">
+        <p14:creationId xmlns:p14="http://schemas.microsoft.com/office/powerpoint/2010/main" val="3582975040"/>
       </p:ext>
     </p:extLst>
   </p:cSld>
@@ -7968,6 +9112,141 @@
 </file>
 
 <file path=ppt/slides/slide26.xml><?xml version="1.0" encoding="utf-8"?>
+<p:sld xmlns:a="http://schemas.openxmlformats.org/drawingml/2006/main" xmlns:r="http://schemas.openxmlformats.org/officeDocument/2006/relationships" xmlns:p="http://schemas.openxmlformats.org/presentationml/2006/main">
+  <p:cSld>
+    <p:spTree>
+      <p:nvGrpSpPr>
+        <p:cNvPr id="1" name=""/>
+        <p:cNvGrpSpPr/>
+        <p:nvPr/>
+      </p:nvGrpSpPr>
+      <p:grpSpPr>
+        <a:xfrm>
+          <a:off x="0" y="0"/>
+          <a:ext cx="0" cy="0"/>
+          <a:chOff x="0" y="0"/>
+          <a:chExt cx="0" cy="0"/>
+        </a:xfrm>
+      </p:grpSpPr>
+      <p:sp>
+        <p:nvSpPr>
+          <p:cNvPr id="2" name="Title 1"/>
+          <p:cNvSpPr>
+            <a:spLocks noGrp="1"/>
+          </p:cNvSpPr>
+          <p:nvPr>
+            <p:ph type="title"/>
+          </p:nvPr>
+        </p:nvSpPr>
+        <p:spPr>
+          <a:xfrm>
+            <a:off x="838200" y="365125"/>
+            <a:ext cx="10960510" cy="1325563"/>
+          </a:xfrm>
+        </p:spPr>
+        <p:txBody>
+          <a:bodyPr>
+            <a:normAutofit/>
+          </a:bodyPr>
+          <a:lstStyle/>
+          <a:p>
+            <a:r>
+              <a:rPr lang="en-US" sz="4800" dirty="0" smtClean="0"/>
+              <a:t>CSRF Defense - framework</a:t>
+            </a:r>
+            <a:endParaRPr lang="en-US" sz="4800" dirty="0"/>
+          </a:p>
+        </p:txBody>
+      </p:sp>
+      <p:sp>
+        <p:nvSpPr>
+          <p:cNvPr id="3" name="Content Placeholder 2"/>
+          <p:cNvSpPr>
+            <a:spLocks noGrp="1"/>
+          </p:cNvSpPr>
+          <p:nvPr>
+            <p:ph idx="1"/>
+          </p:nvPr>
+        </p:nvSpPr>
+        <p:spPr>
+          <a:xfrm>
+            <a:off x="838200" y="1825624"/>
+            <a:ext cx="10515600" cy="4899641"/>
+          </a:xfrm>
+        </p:spPr>
+        <p:txBody>
+          <a:bodyPr>
+            <a:normAutofit/>
+          </a:bodyPr>
+          <a:lstStyle/>
+          <a:p>
+            <a:endParaRPr lang="en-US" sz="4000" dirty="0" smtClean="0"/>
+          </a:p>
+          <a:p>
+            <a:endParaRPr lang="en-US" sz="4000" dirty="0"/>
+          </a:p>
+          <a:p>
+            <a:endParaRPr lang="en-US" sz="4000" dirty="0" smtClean="0"/>
+          </a:p>
+          <a:p>
+            <a:endParaRPr lang="en-US" sz="4000" dirty="0" smtClean="0"/>
+          </a:p>
+          <a:p>
+            <a:endParaRPr lang="en-US" dirty="0" smtClean="0"/>
+          </a:p>
+          <a:p>
+            <a:endParaRPr lang="en-US" dirty="0" smtClean="0"/>
+          </a:p>
+          <a:p>
+            <a:endParaRPr lang="en-US" dirty="0"/>
+          </a:p>
+        </p:txBody>
+      </p:sp>
+      <p:pic>
+        <p:nvPicPr>
+          <p:cNvPr id="5" name="Picture 4"/>
+          <p:cNvPicPr>
+            <a:picLocks noChangeAspect="1"/>
+          </p:cNvPicPr>
+          <p:nvPr/>
+        </p:nvPicPr>
+        <p:blipFill>
+          <a:blip r:embed="rId3"/>
+          <a:stretch>
+            <a:fillRect/>
+          </a:stretch>
+        </p:blipFill>
+        <p:spPr>
+          <a:xfrm>
+            <a:off x="245417" y="2238493"/>
+            <a:ext cx="11946824" cy="4029571"/>
+          </a:xfrm>
+          <a:prstGeom prst="rect">
+            <a:avLst/>
+          </a:prstGeom>
+        </p:spPr>
+      </p:pic>
+    </p:spTree>
+    <p:extLst>
+      <p:ext uri="{BB962C8B-B14F-4D97-AF65-F5344CB8AC3E}">
+        <p14:creationId xmlns:p14="http://schemas.microsoft.com/office/powerpoint/2010/main" val="2788254195"/>
+      </p:ext>
+    </p:extLst>
+  </p:cSld>
+  <p:clrMapOvr>
+    <a:masterClrMapping/>
+  </p:clrMapOvr>
+  <p:timing>
+    <p:tnLst>
+      <p:par>
+        <p:cTn id="1" dur="indefinite" restart="never" nodeType="tmRoot"/>
+      </p:par>
+    </p:tnLst>
+  </p:timing>
+</p:sld>
+</file>
+
+<file path=ppt/slides/slide27.xml><?xml version="1.0" encoding="utf-8"?>
 <p:sld xmlns:a="http://schemas.openxmlformats.org/drawingml/2006/main" xmlns:r="http://schemas.openxmlformats.org/officeDocument/2006/relationships" xmlns:p="http://schemas.openxmlformats.org/presentationml/2006/main">
   <p:cSld>
     <p:spTree>
@@ -8100,7 +9379,7 @@
     </p:spTree>
     <p:extLst>
       <p:ext uri="{BB962C8B-B14F-4D97-AF65-F5344CB8AC3E}">
-        <p14:creationId xmlns:p14="http://schemas.microsoft.com/office/powerpoint/2010/main" val="1913698806"/>
+        <p14:creationId xmlns:p14="http://schemas.microsoft.com/office/powerpoint/2010/main" val="4022463779"/>
       </p:ext>
     </p:extLst>
   </p:cSld>
@@ -8117,7 +9396,7 @@
 </p:sld>
 </file>
 
-<file path=ppt/slides/slide27.xml><?xml version="1.0" encoding="utf-8"?>
+<file path=ppt/slides/slide28.xml><?xml version="1.0" encoding="utf-8"?>
 <p:sld xmlns:a="http://schemas.openxmlformats.org/drawingml/2006/main" xmlns:r="http://schemas.openxmlformats.org/officeDocument/2006/relationships" xmlns:p="http://schemas.openxmlformats.org/presentationml/2006/main">
   <p:cSld>
     <p:spTree>
@@ -8144,42 +9423,7 @@
             <p:ph type="title"/>
           </p:nvPr>
         </p:nvSpPr>
-        <p:spPr>
-          <a:xfrm>
-            <a:off x="838200" y="365125"/>
-            <a:ext cx="10886768" cy="1325563"/>
-          </a:xfrm>
-        </p:spPr>
-        <p:txBody>
-          <a:bodyPr>
-            <a:noAutofit/>
-          </a:bodyPr>
-          <a:lstStyle/>
-          <a:p>
-            <a:r>
-              <a:rPr lang="en-US" sz="4800" dirty="0" smtClean="0"/>
-              <a:t>Closing slide</a:t>
-            </a:r>
-            <a:endParaRPr lang="en-US" sz="4800" dirty="0"/>
-          </a:p>
-        </p:txBody>
-      </p:sp>
-      <p:sp>
-        <p:nvSpPr>
-          <p:cNvPr id="3" name="Content Placeholder 2"/>
-          <p:cNvSpPr>
-            <a:spLocks noGrp="1"/>
-          </p:cNvSpPr>
-          <p:nvPr>
-            <p:ph idx="1"/>
-          </p:nvPr>
-        </p:nvSpPr>
-        <p:spPr>
-          <a:xfrm>
-            <a:off x="838200" y="1825625"/>
-            <a:ext cx="11137490" cy="4899640"/>
-          </a:xfrm>
-        </p:spPr>
+        <p:spPr/>
         <p:txBody>
           <a:bodyPr>
             <a:normAutofit/>
@@ -8187,102 +9431,78 @@
           <a:lstStyle/>
           <a:p>
             <a:r>
-              <a:rPr lang="en-US" sz="4000" dirty="0" smtClean="0"/>
-              <a:t>The knowledge gets dropped here</a:t>
-            </a:r>
-          </a:p>
-          <a:p>
-            <a:pPr marL="0" indent="0">
-              <a:buNone/>
-            </a:pPr>
-            <a:endParaRPr lang="en-US" sz="3200" dirty="0" smtClean="0">
-              <a:hlinkClick r:id="rId3"/>
-            </a:endParaRPr>
-          </a:p>
-          <a:p>
-            <a:pPr marL="0" indent="0">
-              <a:buNone/>
-            </a:pPr>
-            <a:r>
-              <a:rPr lang="en-US" sz="3600" dirty="0" smtClean="0">
-                <a:hlinkClick r:id="rId3"/>
-              </a:rPr>
-              <a:t>github.com/</a:t>
-            </a:r>
-            <a:r>
-              <a:rPr lang="en-US" sz="3600" dirty="0" err="1" smtClean="0">
-                <a:hlinkClick r:id="rId3"/>
-              </a:rPr>
-              <a:t>spetryjohnson</a:t>
-            </a:r>
-            <a:r>
-              <a:rPr lang="en-US" sz="3600" dirty="0" smtClean="0"/>
-              <a:t> </a:t>
-            </a:r>
-            <a:r>
-              <a:rPr lang="en-US" sz="3600" dirty="0" smtClean="0">
+              <a:rPr lang="en-US" sz="4800" dirty="0" smtClean="0"/>
+              <a:t>Patented step-by-step slide</a:t>
+            </a:r>
+            <a:endParaRPr lang="en-US" sz="4800" dirty="0"/>
+          </a:p>
+        </p:txBody>
+      </p:sp>
+      <p:sp>
+        <p:nvSpPr>
+          <p:cNvPr id="3" name="Content Placeholder 2"/>
+          <p:cNvSpPr>
+            <a:spLocks noGrp="1"/>
+          </p:cNvSpPr>
+          <p:nvPr>
+            <p:ph idx="1"/>
+          </p:nvPr>
+        </p:nvSpPr>
+        <p:spPr>
+          <a:xfrm>
+            <a:off x="838200" y="1825624"/>
+            <a:ext cx="10515600" cy="4589923"/>
+          </a:xfrm>
+        </p:spPr>
+        <p:txBody>
+          <a:bodyPr>
+            <a:normAutofit/>
+          </a:bodyPr>
+          <a:lstStyle/>
+          <a:p>
+            <a:r>
+              <a:rPr lang="en-US" sz="4000" dirty="0" smtClean="0">
                 <a:solidFill>
                   <a:schemeClr val="bg1">
-                    <a:lumMod val="50000"/>
+                    <a:lumMod val="65000"/>
                   </a:schemeClr>
                 </a:solidFill>
               </a:rPr>
-              <a:t>|</a:t>
-            </a:r>
-            <a:r>
-              <a:rPr lang="en-US" sz="3600" dirty="0" smtClean="0"/>
-              <a:t> </a:t>
-            </a:r>
-            <a:r>
-              <a:rPr lang="en-US" sz="3600" dirty="0" smtClean="0">
-                <a:hlinkClick r:id="rId4"/>
+              <a:t>Old news</a:t>
+            </a:r>
+            <a:br>
+              <a:rPr lang="en-US" sz="4000" dirty="0" smtClean="0">
+                <a:solidFill>
+                  <a:schemeClr val="bg1">
+                    <a:lumMod val="65000"/>
+                  </a:schemeClr>
+                </a:solidFill>
               </a:rPr>
-              <a:t>www.petry-johnson.com</a:t>
-            </a:r>
-            <a:r>
-              <a:rPr lang="en-US" sz="3600" dirty="0" smtClean="0"/>
-              <a:t/>
-            </a:r>
-            <a:br>
-              <a:rPr lang="en-US" sz="3600" dirty="0" smtClean="0"/>
             </a:br>
-            <a:endParaRPr lang="en-US" sz="3600" dirty="0"/>
-          </a:p>
-          <a:p>
-            <a:pPr marL="0" indent="0" algn="ctr">
-              <a:buNone/>
-            </a:pPr>
-            <a:r>
-              <a:rPr lang="en-US" sz="3600" b="1" dirty="0" smtClean="0"/>
-              <a:t>@</a:t>
-            </a:r>
-            <a:r>
-              <a:rPr lang="en-US" sz="3600" b="1" dirty="0" err="1" smtClean="0"/>
-              <a:t>spetryjohnson</a:t>
-            </a:r>
-            <a:endParaRPr lang="en-US" b="1" dirty="0" smtClean="0"/>
+            <a:endParaRPr lang="en-US" sz="4000" dirty="0" smtClean="0">
+              <a:solidFill>
+                <a:schemeClr val="bg1">
+                  <a:lumMod val="65000"/>
+                </a:schemeClr>
+              </a:solidFill>
+            </a:endParaRPr>
+          </a:p>
+          <a:p>
+            <a:r>
+              <a:rPr lang="en-US" sz="4000" b="1" dirty="0" smtClean="0"/>
+              <a:t>New hotness</a:t>
+            </a:r>
+          </a:p>
+          <a:p>
+            <a:endParaRPr lang="en-US" sz="4000" dirty="0" smtClean="0"/>
           </a:p>
           <a:p>
             <a:endParaRPr lang="en-US" dirty="0" smtClean="0"/>
           </a:p>
           <a:p>
-            <a:pPr lvl="1"/>
             <a:endParaRPr lang="en-US" dirty="0" smtClean="0"/>
           </a:p>
           <a:p>
-            <a:pPr lvl="1"/>
-            <a:endParaRPr lang="en-US" dirty="0" smtClean="0"/>
-          </a:p>
-          <a:p>
-            <a:pPr lvl="1"/>
-            <a:endParaRPr lang="en-US" dirty="0"/>
-          </a:p>
-          <a:p>
-            <a:pPr lvl="1"/>
-            <a:endParaRPr lang="en-US" dirty="0" smtClean="0"/>
-          </a:p>
-          <a:p>
-            <a:pPr lvl="1"/>
             <a:endParaRPr lang="en-US" dirty="0"/>
           </a:p>
         </p:txBody>
@@ -8290,7 +9510,104 @@
     </p:spTree>
     <p:extLst>
       <p:ext uri="{BB962C8B-B14F-4D97-AF65-F5344CB8AC3E}">
-        <p14:creationId xmlns:p14="http://schemas.microsoft.com/office/powerpoint/2010/main" val="659085787"/>
+        <p14:creationId xmlns:p14="http://schemas.microsoft.com/office/powerpoint/2010/main" val="1887088746"/>
+      </p:ext>
+    </p:extLst>
+  </p:cSld>
+  <p:clrMapOvr>
+    <a:masterClrMapping/>
+  </p:clrMapOvr>
+  <p:timing>
+    <p:tnLst>
+      <p:par>
+        <p:cTn id="1" dur="indefinite" restart="never" nodeType="tmRoot"/>
+      </p:par>
+    </p:tnLst>
+  </p:timing>
+</p:sld>
+</file>
+
+<file path=ppt/slides/slide29.xml><?xml version="1.0" encoding="utf-8"?>
+<p:sld xmlns:a="http://schemas.openxmlformats.org/drawingml/2006/main" xmlns:r="http://schemas.openxmlformats.org/officeDocument/2006/relationships" xmlns:p="http://schemas.openxmlformats.org/presentationml/2006/main">
+  <p:cSld>
+    <p:spTree>
+      <p:nvGrpSpPr>
+        <p:cNvPr id="1" name=""/>
+        <p:cNvGrpSpPr/>
+        <p:nvPr/>
+      </p:nvGrpSpPr>
+      <p:grpSpPr>
+        <a:xfrm>
+          <a:off x="0" y="0"/>
+          <a:ext cx="0" cy="0"/>
+          <a:chOff x="0" y="0"/>
+          <a:chExt cx="0" cy="0"/>
+        </a:xfrm>
+      </p:grpSpPr>
+      <p:sp>
+        <p:nvSpPr>
+          <p:cNvPr id="2" name="Title 1"/>
+          <p:cNvSpPr>
+            <a:spLocks noGrp="1"/>
+          </p:cNvSpPr>
+          <p:nvPr>
+            <p:ph type="title"/>
+          </p:nvPr>
+        </p:nvSpPr>
+        <p:spPr/>
+        <p:txBody>
+          <a:bodyPr>
+            <a:normAutofit/>
+          </a:bodyPr>
+          <a:lstStyle/>
+          <a:p>
+            <a:r>
+              <a:rPr lang="en-US" sz="4800" dirty="0" smtClean="0"/>
+              <a:t>Canonical example: SQL Injection</a:t>
+            </a:r>
+            <a:endParaRPr lang="en-US" sz="4800" dirty="0"/>
+          </a:p>
+        </p:txBody>
+      </p:sp>
+      <p:sp>
+        <p:nvSpPr>
+          <p:cNvPr id="3" name="Content Placeholder 2"/>
+          <p:cNvSpPr>
+            <a:spLocks noGrp="1"/>
+          </p:cNvSpPr>
+          <p:nvPr>
+            <p:ph idx="1"/>
+          </p:nvPr>
+        </p:nvSpPr>
+        <p:spPr>
+          <a:xfrm>
+            <a:off x="838200" y="1825624"/>
+            <a:ext cx="10515600" cy="4589923"/>
+          </a:xfrm>
+        </p:spPr>
+        <p:txBody>
+          <a:bodyPr>
+            <a:normAutofit/>
+          </a:bodyPr>
+          <a:lstStyle/>
+          <a:p>
+            <a:endParaRPr lang="en-US" sz="4000" dirty="0" smtClean="0"/>
+          </a:p>
+          <a:p>
+            <a:endParaRPr lang="en-US" dirty="0" smtClean="0"/>
+          </a:p>
+          <a:p>
+            <a:endParaRPr lang="en-US" dirty="0" smtClean="0"/>
+          </a:p>
+          <a:p>
+            <a:endParaRPr lang="en-US" dirty="0"/>
+          </a:p>
+        </p:txBody>
+      </p:sp>
+    </p:spTree>
+    <p:extLst>
+      <p:ext uri="{BB962C8B-B14F-4D97-AF65-F5344CB8AC3E}">
+        <p14:creationId xmlns:p14="http://schemas.microsoft.com/office/powerpoint/2010/main" val="1766242099"/>
       </p:ext>
     </p:extLst>
   </p:cSld>
@@ -8380,6 +9697,1025 @@
     <p:extLst>
       <p:ext uri="{BB962C8B-B14F-4D97-AF65-F5344CB8AC3E}">
         <p14:creationId xmlns:p14="http://schemas.microsoft.com/office/powerpoint/2010/main" val="75936766"/>
+      </p:ext>
+    </p:extLst>
+  </p:cSld>
+  <p:clrMapOvr>
+    <a:masterClrMapping/>
+  </p:clrMapOvr>
+  <p:timing>
+    <p:tnLst>
+      <p:par>
+        <p:cTn id="1" dur="indefinite" restart="never" nodeType="tmRoot"/>
+      </p:par>
+    </p:tnLst>
+  </p:timing>
+</p:sld>
+</file>
+
+<file path=ppt/slides/slide30.xml><?xml version="1.0" encoding="utf-8"?>
+<p:sld xmlns:a="http://schemas.openxmlformats.org/drawingml/2006/main" xmlns:r="http://schemas.openxmlformats.org/officeDocument/2006/relationships" xmlns:p="http://schemas.openxmlformats.org/presentationml/2006/main">
+  <p:cSld>
+    <p:spTree>
+      <p:nvGrpSpPr>
+        <p:cNvPr id="1" name=""/>
+        <p:cNvGrpSpPr/>
+        <p:nvPr/>
+      </p:nvGrpSpPr>
+      <p:grpSpPr>
+        <a:xfrm>
+          <a:off x="0" y="0"/>
+          <a:ext cx="0" cy="0"/>
+          <a:chOff x="0" y="0"/>
+          <a:chExt cx="0" cy="0"/>
+        </a:xfrm>
+      </p:grpSpPr>
+      <p:sp>
+        <p:nvSpPr>
+          <p:cNvPr id="2" name="Title 1"/>
+          <p:cNvSpPr>
+            <a:spLocks noGrp="1"/>
+          </p:cNvSpPr>
+          <p:nvPr>
+            <p:ph type="title"/>
+          </p:nvPr>
+        </p:nvSpPr>
+        <p:spPr/>
+        <p:txBody>
+          <a:bodyPr>
+            <a:normAutofit/>
+          </a:bodyPr>
+          <a:lstStyle/>
+          <a:p>
+            <a:r>
+              <a:rPr lang="en-US" sz="4800" dirty="0" smtClean="0"/>
+              <a:t>Authorization - feature</a:t>
+            </a:r>
+            <a:endParaRPr lang="en-US" sz="4800" dirty="0"/>
+          </a:p>
+        </p:txBody>
+      </p:sp>
+      <p:sp>
+        <p:nvSpPr>
+          <p:cNvPr id="3" name="Content Placeholder 2"/>
+          <p:cNvSpPr>
+            <a:spLocks noGrp="1"/>
+          </p:cNvSpPr>
+          <p:nvPr>
+            <p:ph idx="1"/>
+          </p:nvPr>
+        </p:nvSpPr>
+        <p:spPr>
+          <a:xfrm>
+            <a:off x="838200" y="1825624"/>
+            <a:ext cx="10515600" cy="4589923"/>
+          </a:xfrm>
+        </p:spPr>
+        <p:txBody>
+          <a:bodyPr>
+            <a:normAutofit/>
+          </a:bodyPr>
+          <a:lstStyle/>
+          <a:p>
+            <a:endParaRPr lang="en-US" sz="4000" dirty="0" smtClean="0"/>
+          </a:p>
+          <a:p>
+            <a:endParaRPr lang="en-US" dirty="0" smtClean="0"/>
+          </a:p>
+          <a:p>
+            <a:endParaRPr lang="en-US" dirty="0" smtClean="0"/>
+          </a:p>
+          <a:p>
+            <a:endParaRPr lang="en-US" dirty="0"/>
+          </a:p>
+        </p:txBody>
+      </p:sp>
+      <p:pic>
+        <p:nvPicPr>
+          <p:cNvPr id="5" name="Picture 4"/>
+          <p:cNvPicPr>
+            <a:picLocks noChangeAspect="1"/>
+          </p:cNvPicPr>
+          <p:nvPr/>
+        </p:nvPicPr>
+        <p:blipFill>
+          <a:blip r:embed="rId3"/>
+          <a:stretch>
+            <a:fillRect/>
+          </a:stretch>
+        </p:blipFill>
+        <p:spPr>
+          <a:xfrm>
+            <a:off x="838200" y="2946501"/>
+            <a:ext cx="10431478" cy="2554647"/>
+          </a:xfrm>
+          <a:prstGeom prst="rect">
+            <a:avLst/>
+          </a:prstGeom>
+        </p:spPr>
+      </p:pic>
+    </p:spTree>
+    <p:extLst>
+      <p:ext uri="{BB962C8B-B14F-4D97-AF65-F5344CB8AC3E}">
+        <p14:creationId xmlns:p14="http://schemas.microsoft.com/office/powerpoint/2010/main" val="176538875"/>
+      </p:ext>
+    </p:extLst>
+  </p:cSld>
+  <p:clrMapOvr>
+    <a:masterClrMapping/>
+  </p:clrMapOvr>
+  <p:timing>
+    <p:tnLst>
+      <p:par>
+        <p:cTn id="1" dur="indefinite" restart="never" nodeType="tmRoot"/>
+      </p:par>
+    </p:tnLst>
+  </p:timing>
+</p:sld>
+</file>
+
+<file path=ppt/slides/slide31.xml><?xml version="1.0" encoding="utf-8"?>
+<p:sld xmlns:a="http://schemas.openxmlformats.org/drawingml/2006/main" xmlns:r="http://schemas.openxmlformats.org/officeDocument/2006/relationships" xmlns:p="http://schemas.openxmlformats.org/presentationml/2006/main">
+  <p:cSld>
+    <p:spTree>
+      <p:nvGrpSpPr>
+        <p:cNvPr id="1" name=""/>
+        <p:cNvGrpSpPr/>
+        <p:nvPr/>
+      </p:nvGrpSpPr>
+      <p:grpSpPr>
+        <a:xfrm>
+          <a:off x="0" y="0"/>
+          <a:ext cx="0" cy="0"/>
+          <a:chOff x="0" y="0"/>
+          <a:chExt cx="0" cy="0"/>
+        </a:xfrm>
+      </p:grpSpPr>
+      <p:sp>
+        <p:nvSpPr>
+          <p:cNvPr id="2" name="Title 1"/>
+          <p:cNvSpPr>
+            <a:spLocks noGrp="1"/>
+          </p:cNvSpPr>
+          <p:nvPr>
+            <p:ph type="title"/>
+          </p:nvPr>
+        </p:nvSpPr>
+        <p:spPr/>
+        <p:txBody>
+          <a:bodyPr>
+            <a:normAutofit/>
+          </a:bodyPr>
+          <a:lstStyle/>
+          <a:p>
+            <a:r>
+              <a:rPr lang="en-US" sz="4800" dirty="0"/>
+              <a:t>Authorization - </a:t>
+            </a:r>
+            <a:r>
+              <a:rPr lang="en-US" sz="4800" dirty="0" smtClean="0"/>
+              <a:t>framework</a:t>
+            </a:r>
+            <a:endParaRPr lang="en-US" sz="4800" dirty="0"/>
+          </a:p>
+        </p:txBody>
+      </p:sp>
+      <p:sp>
+        <p:nvSpPr>
+          <p:cNvPr id="3" name="Content Placeholder 2"/>
+          <p:cNvSpPr>
+            <a:spLocks noGrp="1"/>
+          </p:cNvSpPr>
+          <p:nvPr>
+            <p:ph idx="1"/>
+          </p:nvPr>
+        </p:nvSpPr>
+        <p:spPr>
+          <a:xfrm>
+            <a:off x="838200" y="1825624"/>
+            <a:ext cx="10515600" cy="4589923"/>
+          </a:xfrm>
+        </p:spPr>
+        <p:txBody>
+          <a:bodyPr>
+            <a:normAutofit/>
+          </a:bodyPr>
+          <a:lstStyle/>
+          <a:p>
+            <a:endParaRPr lang="en-US" sz="4000" dirty="0" smtClean="0"/>
+          </a:p>
+          <a:p>
+            <a:endParaRPr lang="en-US" dirty="0" smtClean="0"/>
+          </a:p>
+          <a:p>
+            <a:endParaRPr lang="en-US" dirty="0" smtClean="0"/>
+          </a:p>
+          <a:p>
+            <a:endParaRPr lang="en-US" dirty="0"/>
+          </a:p>
+        </p:txBody>
+      </p:sp>
+      <p:pic>
+        <p:nvPicPr>
+          <p:cNvPr id="5" name="Picture 4"/>
+          <p:cNvPicPr>
+            <a:picLocks noChangeAspect="1"/>
+          </p:cNvPicPr>
+          <p:nvPr/>
+        </p:nvPicPr>
+        <p:blipFill>
+          <a:blip r:embed="rId3"/>
+          <a:stretch>
+            <a:fillRect/>
+          </a:stretch>
+        </p:blipFill>
+        <p:spPr>
+          <a:xfrm>
+            <a:off x="838201" y="2736220"/>
+            <a:ext cx="9677400" cy="1971323"/>
+          </a:xfrm>
+          <a:prstGeom prst="rect">
+            <a:avLst/>
+          </a:prstGeom>
+        </p:spPr>
+      </p:pic>
+    </p:spTree>
+    <p:extLst>
+      <p:ext uri="{BB962C8B-B14F-4D97-AF65-F5344CB8AC3E}">
+        <p14:creationId xmlns:p14="http://schemas.microsoft.com/office/powerpoint/2010/main" val="4046002787"/>
+      </p:ext>
+    </p:extLst>
+  </p:cSld>
+  <p:clrMapOvr>
+    <a:masterClrMapping/>
+  </p:clrMapOvr>
+  <p:timing>
+    <p:tnLst>
+      <p:par>
+        <p:cTn id="1" dur="indefinite" restart="never" nodeType="tmRoot"/>
+      </p:par>
+    </p:tnLst>
+  </p:timing>
+</p:sld>
+</file>
+
+<file path=ppt/slides/slide32.xml><?xml version="1.0" encoding="utf-8"?>
+<p:sld xmlns:a="http://schemas.openxmlformats.org/drawingml/2006/main" xmlns:r="http://schemas.openxmlformats.org/officeDocument/2006/relationships" xmlns:p="http://schemas.openxmlformats.org/presentationml/2006/main">
+  <p:cSld>
+    <p:spTree>
+      <p:nvGrpSpPr>
+        <p:cNvPr id="1" name=""/>
+        <p:cNvGrpSpPr/>
+        <p:nvPr/>
+      </p:nvGrpSpPr>
+      <p:grpSpPr>
+        <a:xfrm>
+          <a:off x="0" y="0"/>
+          <a:ext cx="0" cy="0"/>
+          <a:chOff x="0" y="0"/>
+          <a:chExt cx="0" cy="0"/>
+        </a:xfrm>
+      </p:grpSpPr>
+      <p:sp>
+        <p:nvSpPr>
+          <p:cNvPr id="3" name="Content Placeholder 2"/>
+          <p:cNvSpPr>
+            <a:spLocks noGrp="1"/>
+          </p:cNvSpPr>
+          <p:nvPr>
+            <p:ph idx="1"/>
+          </p:nvPr>
+        </p:nvSpPr>
+        <p:spPr>
+          <a:xfrm>
+            <a:off x="838200" y="1825624"/>
+            <a:ext cx="10515600" cy="4589923"/>
+          </a:xfrm>
+        </p:spPr>
+        <p:txBody>
+          <a:bodyPr>
+            <a:normAutofit/>
+          </a:bodyPr>
+          <a:lstStyle/>
+          <a:p>
+            <a:endParaRPr lang="en-US" sz="4000" dirty="0" smtClean="0"/>
+          </a:p>
+          <a:p>
+            <a:endParaRPr lang="en-US" dirty="0" smtClean="0"/>
+          </a:p>
+          <a:p>
+            <a:endParaRPr lang="en-US" dirty="0" smtClean="0"/>
+          </a:p>
+          <a:p>
+            <a:endParaRPr lang="en-US" dirty="0"/>
+          </a:p>
+        </p:txBody>
+      </p:sp>
+      <p:pic>
+        <p:nvPicPr>
+          <p:cNvPr id="7" name="Picture 6"/>
+          <p:cNvPicPr>
+            <a:picLocks noChangeAspect="1"/>
+          </p:cNvPicPr>
+          <p:nvPr/>
+        </p:nvPicPr>
+        <p:blipFill>
+          <a:blip r:embed="rId3"/>
+          <a:stretch>
+            <a:fillRect/>
+          </a:stretch>
+        </p:blipFill>
+        <p:spPr>
+          <a:xfrm>
+            <a:off x="0" y="265470"/>
+            <a:ext cx="11983223" cy="6415547"/>
+          </a:xfrm>
+          <a:prstGeom prst="rect">
+            <a:avLst/>
+          </a:prstGeom>
+        </p:spPr>
+      </p:pic>
+    </p:spTree>
+    <p:extLst>
+      <p:ext uri="{BB962C8B-B14F-4D97-AF65-F5344CB8AC3E}">
+        <p14:creationId xmlns:p14="http://schemas.microsoft.com/office/powerpoint/2010/main" val="1217261759"/>
+      </p:ext>
+    </p:extLst>
+  </p:cSld>
+  <p:clrMapOvr>
+    <a:masterClrMapping/>
+  </p:clrMapOvr>
+  <p:timing>
+    <p:tnLst>
+      <p:par>
+        <p:cTn id="1" dur="indefinite" restart="never" nodeType="tmRoot"/>
+      </p:par>
+    </p:tnLst>
+  </p:timing>
+</p:sld>
+</file>
+
+<file path=ppt/slides/slide33.xml><?xml version="1.0" encoding="utf-8"?>
+<p:sld xmlns:a="http://schemas.openxmlformats.org/drawingml/2006/main" xmlns:r="http://schemas.openxmlformats.org/officeDocument/2006/relationships" xmlns:p="http://schemas.openxmlformats.org/presentationml/2006/main">
+  <p:cSld>
+    <p:spTree>
+      <p:nvGrpSpPr>
+        <p:cNvPr id="1" name=""/>
+        <p:cNvGrpSpPr/>
+        <p:nvPr/>
+      </p:nvGrpSpPr>
+      <p:grpSpPr>
+        <a:xfrm>
+          <a:off x="0" y="0"/>
+          <a:ext cx="0" cy="0"/>
+          <a:chOff x="0" y="0"/>
+          <a:chExt cx="0" cy="0"/>
+        </a:xfrm>
+      </p:grpSpPr>
+      <p:sp>
+        <p:nvSpPr>
+          <p:cNvPr id="2" name="Title 1"/>
+          <p:cNvSpPr>
+            <a:spLocks noGrp="1"/>
+          </p:cNvSpPr>
+          <p:nvPr>
+            <p:ph type="title"/>
+          </p:nvPr>
+        </p:nvSpPr>
+        <p:spPr/>
+        <p:txBody>
+          <a:bodyPr>
+            <a:normAutofit/>
+          </a:bodyPr>
+          <a:lstStyle/>
+          <a:p>
+            <a:r>
+              <a:rPr lang="en-US" sz="4800" dirty="0"/>
+              <a:t>Authorization - feature</a:t>
+            </a:r>
+          </a:p>
+        </p:txBody>
+      </p:sp>
+      <p:sp>
+        <p:nvSpPr>
+          <p:cNvPr id="3" name="Content Placeholder 2"/>
+          <p:cNvSpPr>
+            <a:spLocks noGrp="1"/>
+          </p:cNvSpPr>
+          <p:nvPr>
+            <p:ph idx="1"/>
+          </p:nvPr>
+        </p:nvSpPr>
+        <p:spPr>
+          <a:xfrm>
+            <a:off x="838200" y="1825624"/>
+            <a:ext cx="10515600" cy="4589923"/>
+          </a:xfrm>
+        </p:spPr>
+        <p:txBody>
+          <a:bodyPr>
+            <a:normAutofit/>
+          </a:bodyPr>
+          <a:lstStyle/>
+          <a:p>
+            <a:endParaRPr lang="en-US" sz="4000" dirty="0" smtClean="0"/>
+          </a:p>
+          <a:p>
+            <a:endParaRPr lang="en-US" dirty="0" smtClean="0"/>
+          </a:p>
+          <a:p>
+            <a:endParaRPr lang="en-US" dirty="0" smtClean="0"/>
+          </a:p>
+          <a:p>
+            <a:endParaRPr lang="en-US" dirty="0"/>
+          </a:p>
+        </p:txBody>
+      </p:sp>
+      <p:pic>
+        <p:nvPicPr>
+          <p:cNvPr id="4" name="Picture 3"/>
+          <p:cNvPicPr>
+            <a:picLocks noChangeAspect="1"/>
+          </p:cNvPicPr>
+          <p:nvPr/>
+        </p:nvPicPr>
+        <p:blipFill>
+          <a:blip r:embed="rId3"/>
+          <a:stretch>
+            <a:fillRect/>
+          </a:stretch>
+        </p:blipFill>
+        <p:spPr>
+          <a:xfrm>
+            <a:off x="838200" y="2019736"/>
+            <a:ext cx="11012331" cy="4145090"/>
+          </a:xfrm>
+          <a:prstGeom prst="rect">
+            <a:avLst/>
+          </a:prstGeom>
+        </p:spPr>
+      </p:pic>
+    </p:spTree>
+    <p:extLst>
+      <p:ext uri="{BB962C8B-B14F-4D97-AF65-F5344CB8AC3E}">
+        <p14:creationId xmlns:p14="http://schemas.microsoft.com/office/powerpoint/2010/main" val="806865913"/>
+      </p:ext>
+    </p:extLst>
+  </p:cSld>
+  <p:clrMapOvr>
+    <a:masterClrMapping/>
+  </p:clrMapOvr>
+  <p:timing>
+    <p:tnLst>
+      <p:par>
+        <p:cTn id="1" dur="indefinite" restart="never" nodeType="tmRoot"/>
+      </p:par>
+    </p:tnLst>
+  </p:timing>
+</p:sld>
+</file>
+
+<file path=ppt/slides/slide34.xml><?xml version="1.0" encoding="utf-8"?>
+<p:sld xmlns:a="http://schemas.openxmlformats.org/drawingml/2006/main" xmlns:r="http://schemas.openxmlformats.org/officeDocument/2006/relationships" xmlns:p="http://schemas.openxmlformats.org/presentationml/2006/main">
+  <p:cSld>
+    <p:spTree>
+      <p:nvGrpSpPr>
+        <p:cNvPr id="1" name=""/>
+        <p:cNvGrpSpPr/>
+        <p:nvPr/>
+      </p:nvGrpSpPr>
+      <p:grpSpPr>
+        <a:xfrm>
+          <a:off x="0" y="0"/>
+          <a:ext cx="0" cy="0"/>
+          <a:chOff x="0" y="0"/>
+          <a:chExt cx="0" cy="0"/>
+        </a:xfrm>
+      </p:grpSpPr>
+      <p:sp>
+        <p:nvSpPr>
+          <p:cNvPr id="2" name="Title 1"/>
+          <p:cNvSpPr>
+            <a:spLocks noGrp="1"/>
+          </p:cNvSpPr>
+          <p:nvPr>
+            <p:ph type="title"/>
+          </p:nvPr>
+        </p:nvSpPr>
+        <p:spPr/>
+        <p:txBody>
+          <a:bodyPr>
+            <a:normAutofit/>
+          </a:bodyPr>
+          <a:lstStyle/>
+          <a:p>
+            <a:r>
+              <a:rPr lang="en-US" sz="4800" dirty="0"/>
+              <a:t>Authorization - framework</a:t>
+            </a:r>
+          </a:p>
+        </p:txBody>
+      </p:sp>
+      <p:sp>
+        <p:nvSpPr>
+          <p:cNvPr id="3" name="Content Placeholder 2"/>
+          <p:cNvSpPr>
+            <a:spLocks noGrp="1"/>
+          </p:cNvSpPr>
+          <p:nvPr>
+            <p:ph idx="1"/>
+          </p:nvPr>
+        </p:nvSpPr>
+        <p:spPr>
+          <a:xfrm>
+            <a:off x="838200" y="1825624"/>
+            <a:ext cx="10515600" cy="4589923"/>
+          </a:xfrm>
+        </p:spPr>
+        <p:txBody>
+          <a:bodyPr>
+            <a:normAutofit/>
+          </a:bodyPr>
+          <a:lstStyle/>
+          <a:p>
+            <a:endParaRPr lang="en-US" sz="4000" dirty="0" smtClean="0"/>
+          </a:p>
+          <a:p>
+            <a:endParaRPr lang="en-US" dirty="0" smtClean="0"/>
+          </a:p>
+          <a:p>
+            <a:endParaRPr lang="en-US" dirty="0" smtClean="0"/>
+          </a:p>
+          <a:p>
+            <a:endParaRPr lang="en-US" dirty="0"/>
+          </a:p>
+        </p:txBody>
+      </p:sp>
+      <p:pic>
+        <p:nvPicPr>
+          <p:cNvPr id="5" name="Picture 4"/>
+          <p:cNvPicPr>
+            <a:picLocks noChangeAspect="1"/>
+          </p:cNvPicPr>
+          <p:nvPr/>
+        </p:nvPicPr>
+        <p:blipFill>
+          <a:blip r:embed="rId3"/>
+          <a:stretch>
+            <a:fillRect/>
+          </a:stretch>
+        </p:blipFill>
+        <p:spPr>
+          <a:xfrm>
+            <a:off x="838200" y="2136103"/>
+            <a:ext cx="7184923" cy="3968963"/>
+          </a:xfrm>
+          <a:prstGeom prst="rect">
+            <a:avLst/>
+          </a:prstGeom>
+        </p:spPr>
+      </p:pic>
+    </p:spTree>
+    <p:extLst>
+      <p:ext uri="{BB962C8B-B14F-4D97-AF65-F5344CB8AC3E}">
+        <p14:creationId xmlns:p14="http://schemas.microsoft.com/office/powerpoint/2010/main" val="3305015095"/>
+      </p:ext>
+    </p:extLst>
+  </p:cSld>
+  <p:clrMapOvr>
+    <a:masterClrMapping/>
+  </p:clrMapOvr>
+  <p:timing>
+    <p:tnLst>
+      <p:par>
+        <p:cTn id="1" dur="indefinite" restart="never" nodeType="tmRoot"/>
+      </p:par>
+    </p:tnLst>
+  </p:timing>
+</p:sld>
+</file>
+
+<file path=ppt/slides/slide35.xml><?xml version="1.0" encoding="utf-8"?>
+<p:sld xmlns:a="http://schemas.openxmlformats.org/drawingml/2006/main" xmlns:r="http://schemas.openxmlformats.org/officeDocument/2006/relationships" xmlns:p="http://schemas.openxmlformats.org/presentationml/2006/main">
+  <p:cSld>
+    <p:spTree>
+      <p:nvGrpSpPr>
+        <p:cNvPr id="1" name=""/>
+        <p:cNvGrpSpPr/>
+        <p:nvPr/>
+      </p:nvGrpSpPr>
+      <p:grpSpPr>
+        <a:xfrm>
+          <a:off x="0" y="0"/>
+          <a:ext cx="0" cy="0"/>
+          <a:chOff x="0" y="0"/>
+          <a:chExt cx="0" cy="0"/>
+        </a:xfrm>
+      </p:grpSpPr>
+      <p:sp>
+        <p:nvSpPr>
+          <p:cNvPr id="2" name="Title 1"/>
+          <p:cNvSpPr>
+            <a:spLocks noGrp="1"/>
+          </p:cNvSpPr>
+          <p:nvPr>
+            <p:ph type="title"/>
+          </p:nvPr>
+        </p:nvSpPr>
+        <p:spPr/>
+        <p:txBody>
+          <a:bodyPr>
+            <a:normAutofit/>
+          </a:bodyPr>
+          <a:lstStyle/>
+          <a:p>
+            <a:r>
+              <a:rPr lang="en-US" sz="4800" dirty="0" smtClean="0"/>
+              <a:t>Access Control </a:t>
+            </a:r>
+            <a:r>
+              <a:rPr lang="en-US" sz="4800" dirty="0"/>
+              <a:t>- feature</a:t>
+            </a:r>
+          </a:p>
+        </p:txBody>
+      </p:sp>
+      <p:sp>
+        <p:nvSpPr>
+          <p:cNvPr id="3" name="Content Placeholder 2"/>
+          <p:cNvSpPr>
+            <a:spLocks noGrp="1"/>
+          </p:cNvSpPr>
+          <p:nvPr>
+            <p:ph idx="1"/>
+          </p:nvPr>
+        </p:nvSpPr>
+        <p:spPr>
+          <a:xfrm>
+            <a:off x="838200" y="1825624"/>
+            <a:ext cx="10515600" cy="4589923"/>
+          </a:xfrm>
+        </p:spPr>
+        <p:txBody>
+          <a:bodyPr>
+            <a:normAutofit/>
+          </a:bodyPr>
+          <a:lstStyle/>
+          <a:p>
+            <a:endParaRPr lang="en-US" dirty="0" smtClean="0"/>
+          </a:p>
+          <a:p>
+            <a:endParaRPr lang="en-US" dirty="0" smtClean="0"/>
+          </a:p>
+          <a:p>
+            <a:endParaRPr lang="en-US" dirty="0"/>
+          </a:p>
+        </p:txBody>
+      </p:sp>
+      <p:pic>
+        <p:nvPicPr>
+          <p:cNvPr id="5" name="Picture 4"/>
+          <p:cNvPicPr>
+            <a:picLocks noChangeAspect="1"/>
+          </p:cNvPicPr>
+          <p:nvPr/>
+        </p:nvPicPr>
+        <p:blipFill>
+          <a:blip r:embed="rId3"/>
+          <a:stretch>
+            <a:fillRect/>
+          </a:stretch>
+        </p:blipFill>
+        <p:spPr>
+          <a:xfrm>
+            <a:off x="838200" y="2135339"/>
+            <a:ext cx="11037660" cy="4280208"/>
+          </a:xfrm>
+          <a:prstGeom prst="rect">
+            <a:avLst/>
+          </a:prstGeom>
+        </p:spPr>
+      </p:pic>
+    </p:spTree>
+    <p:extLst>
+      <p:ext uri="{BB962C8B-B14F-4D97-AF65-F5344CB8AC3E}">
+        <p14:creationId xmlns:p14="http://schemas.microsoft.com/office/powerpoint/2010/main" val="1150970120"/>
+      </p:ext>
+    </p:extLst>
+  </p:cSld>
+  <p:clrMapOvr>
+    <a:masterClrMapping/>
+  </p:clrMapOvr>
+  <p:timing>
+    <p:tnLst>
+      <p:par>
+        <p:cTn id="1" dur="indefinite" restart="never" nodeType="tmRoot"/>
+      </p:par>
+    </p:tnLst>
+  </p:timing>
+</p:sld>
+</file>
+
+<file path=ppt/slides/slide36.xml><?xml version="1.0" encoding="utf-8"?>
+<p:sld xmlns:a="http://schemas.openxmlformats.org/drawingml/2006/main" xmlns:r="http://schemas.openxmlformats.org/officeDocument/2006/relationships" xmlns:p="http://schemas.openxmlformats.org/presentationml/2006/main">
+  <p:cSld>
+    <p:spTree>
+      <p:nvGrpSpPr>
+        <p:cNvPr id="1" name=""/>
+        <p:cNvGrpSpPr/>
+        <p:nvPr/>
+      </p:nvGrpSpPr>
+      <p:grpSpPr>
+        <a:xfrm>
+          <a:off x="0" y="0"/>
+          <a:ext cx="0" cy="0"/>
+          <a:chOff x="0" y="0"/>
+          <a:chExt cx="0" cy="0"/>
+        </a:xfrm>
+      </p:grpSpPr>
+      <p:sp>
+        <p:nvSpPr>
+          <p:cNvPr id="2" name="Title 1"/>
+          <p:cNvSpPr>
+            <a:spLocks noGrp="1"/>
+          </p:cNvSpPr>
+          <p:nvPr>
+            <p:ph type="title"/>
+          </p:nvPr>
+        </p:nvSpPr>
+        <p:spPr/>
+        <p:txBody>
+          <a:bodyPr>
+            <a:normAutofit/>
+          </a:bodyPr>
+          <a:lstStyle/>
+          <a:p>
+            <a:r>
+              <a:rPr lang="en-US" sz="4800" dirty="0" smtClean="0"/>
+              <a:t>Access Control </a:t>
+            </a:r>
+            <a:r>
+              <a:rPr lang="en-US" sz="4800" dirty="0"/>
+              <a:t>- </a:t>
+            </a:r>
+            <a:r>
+              <a:rPr lang="en-US" sz="4800" dirty="0" smtClean="0"/>
+              <a:t>framework</a:t>
+            </a:r>
+            <a:endParaRPr lang="en-US" sz="4800" dirty="0"/>
+          </a:p>
+        </p:txBody>
+      </p:sp>
+      <p:sp>
+        <p:nvSpPr>
+          <p:cNvPr id="3" name="Content Placeholder 2"/>
+          <p:cNvSpPr>
+            <a:spLocks noGrp="1"/>
+          </p:cNvSpPr>
+          <p:nvPr>
+            <p:ph idx="1"/>
+          </p:nvPr>
+        </p:nvSpPr>
+        <p:spPr>
+          <a:xfrm>
+            <a:off x="838200" y="1825624"/>
+            <a:ext cx="10515600" cy="4589923"/>
+          </a:xfrm>
+        </p:spPr>
+        <p:txBody>
+          <a:bodyPr>
+            <a:normAutofit/>
+          </a:bodyPr>
+          <a:lstStyle/>
+          <a:p>
+            <a:endParaRPr lang="en-US" dirty="0" smtClean="0"/>
+          </a:p>
+          <a:p>
+            <a:endParaRPr lang="en-US" dirty="0" smtClean="0"/>
+          </a:p>
+          <a:p>
+            <a:endParaRPr lang="en-US" dirty="0"/>
+          </a:p>
+        </p:txBody>
+      </p:sp>
+      <p:pic>
+        <p:nvPicPr>
+          <p:cNvPr id="4" name="Picture 3"/>
+          <p:cNvPicPr>
+            <a:picLocks noChangeAspect="1"/>
+          </p:cNvPicPr>
+          <p:nvPr/>
+        </p:nvPicPr>
+        <p:blipFill>
+          <a:blip r:embed="rId3"/>
+          <a:stretch>
+            <a:fillRect/>
+          </a:stretch>
+        </p:blipFill>
+        <p:spPr>
+          <a:xfrm>
+            <a:off x="838200" y="2607646"/>
+            <a:ext cx="10628393" cy="3025877"/>
+          </a:xfrm>
+          <a:prstGeom prst="rect">
+            <a:avLst/>
+          </a:prstGeom>
+        </p:spPr>
+      </p:pic>
+    </p:spTree>
+    <p:extLst>
+      <p:ext uri="{BB962C8B-B14F-4D97-AF65-F5344CB8AC3E}">
+        <p14:creationId xmlns:p14="http://schemas.microsoft.com/office/powerpoint/2010/main" val="2515974239"/>
+      </p:ext>
+    </p:extLst>
+  </p:cSld>
+  <p:clrMapOvr>
+    <a:masterClrMapping/>
+  </p:clrMapOvr>
+  <p:timing>
+    <p:tnLst>
+      <p:par>
+        <p:cTn id="1" dur="indefinite" restart="never" nodeType="tmRoot"/>
+      </p:par>
+    </p:tnLst>
+  </p:timing>
+</p:sld>
+</file>
+
+<file path=ppt/slides/slide37.xml><?xml version="1.0" encoding="utf-8"?>
+<p:sld xmlns:a="http://schemas.openxmlformats.org/drawingml/2006/main" xmlns:r="http://schemas.openxmlformats.org/officeDocument/2006/relationships" xmlns:p="http://schemas.openxmlformats.org/presentationml/2006/main">
+  <p:cSld>
+    <p:spTree>
+      <p:nvGrpSpPr>
+        <p:cNvPr id="1" name=""/>
+        <p:cNvGrpSpPr/>
+        <p:nvPr/>
+      </p:nvGrpSpPr>
+      <p:grpSpPr>
+        <a:xfrm>
+          <a:off x="0" y="0"/>
+          <a:ext cx="0" cy="0"/>
+          <a:chOff x="0" y="0"/>
+          <a:chExt cx="0" cy="0"/>
+        </a:xfrm>
+      </p:grpSpPr>
+      <p:sp>
+        <p:nvSpPr>
+          <p:cNvPr id="2" name="Title 1"/>
+          <p:cNvSpPr>
+            <a:spLocks noGrp="1"/>
+          </p:cNvSpPr>
+          <p:nvPr>
+            <p:ph type="title"/>
+          </p:nvPr>
+        </p:nvSpPr>
+        <p:spPr>
+          <a:xfrm>
+            <a:off x="838200" y="365125"/>
+            <a:ext cx="10886768" cy="1325563"/>
+          </a:xfrm>
+        </p:spPr>
+        <p:txBody>
+          <a:bodyPr>
+            <a:noAutofit/>
+          </a:bodyPr>
+          <a:lstStyle/>
+          <a:p>
+            <a:r>
+              <a:rPr lang="en-US" sz="4800" dirty="0" smtClean="0"/>
+              <a:t>Closing slide</a:t>
+            </a:r>
+            <a:endParaRPr lang="en-US" sz="4800" dirty="0"/>
+          </a:p>
+        </p:txBody>
+      </p:sp>
+      <p:sp>
+        <p:nvSpPr>
+          <p:cNvPr id="3" name="Content Placeholder 2"/>
+          <p:cNvSpPr>
+            <a:spLocks noGrp="1"/>
+          </p:cNvSpPr>
+          <p:nvPr>
+            <p:ph idx="1"/>
+          </p:nvPr>
+        </p:nvSpPr>
+        <p:spPr>
+          <a:xfrm>
+            <a:off x="838200" y="1825625"/>
+            <a:ext cx="11137490" cy="4899640"/>
+          </a:xfrm>
+        </p:spPr>
+        <p:txBody>
+          <a:bodyPr>
+            <a:normAutofit/>
+          </a:bodyPr>
+          <a:lstStyle/>
+          <a:p>
+            <a:r>
+              <a:rPr lang="en-US" sz="4000" dirty="0" smtClean="0"/>
+              <a:t>The knowledge gets dropped here</a:t>
+            </a:r>
+          </a:p>
+          <a:p>
+            <a:pPr marL="0" indent="0">
+              <a:buNone/>
+            </a:pPr>
+            <a:endParaRPr lang="en-US" sz="3200" dirty="0" smtClean="0">
+              <a:hlinkClick r:id="rId3"/>
+            </a:endParaRPr>
+          </a:p>
+          <a:p>
+            <a:pPr marL="0" indent="0">
+              <a:buNone/>
+            </a:pPr>
+            <a:r>
+              <a:rPr lang="en-US" sz="3600" dirty="0" smtClean="0">
+                <a:hlinkClick r:id="rId3"/>
+              </a:rPr>
+              <a:t>github.com/</a:t>
+            </a:r>
+            <a:r>
+              <a:rPr lang="en-US" sz="3600" dirty="0" err="1" smtClean="0">
+                <a:hlinkClick r:id="rId3"/>
+              </a:rPr>
+              <a:t>spetryjohnson</a:t>
+            </a:r>
+            <a:r>
+              <a:rPr lang="en-US" sz="3600" dirty="0" smtClean="0"/>
+              <a:t> </a:t>
+            </a:r>
+            <a:r>
+              <a:rPr lang="en-US" sz="3600" dirty="0" smtClean="0">
+                <a:solidFill>
+                  <a:schemeClr val="bg1">
+                    <a:lumMod val="50000"/>
+                  </a:schemeClr>
+                </a:solidFill>
+              </a:rPr>
+              <a:t>|</a:t>
+            </a:r>
+            <a:r>
+              <a:rPr lang="en-US" sz="3600" dirty="0" smtClean="0"/>
+              <a:t> </a:t>
+            </a:r>
+            <a:r>
+              <a:rPr lang="en-US" sz="3600" dirty="0" smtClean="0">
+                <a:hlinkClick r:id="rId4"/>
+              </a:rPr>
+              <a:t>www.petry-johnson.com</a:t>
+            </a:r>
+            <a:r>
+              <a:rPr lang="en-US" sz="3600" dirty="0" smtClean="0"/>
+              <a:t/>
+            </a:r>
+            <a:br>
+              <a:rPr lang="en-US" sz="3600" dirty="0" smtClean="0"/>
+            </a:br>
+            <a:endParaRPr lang="en-US" sz="3600" dirty="0"/>
+          </a:p>
+          <a:p>
+            <a:pPr marL="0" indent="0" algn="ctr">
+              <a:buNone/>
+            </a:pPr>
+            <a:r>
+              <a:rPr lang="en-US" sz="3600" b="1" dirty="0" smtClean="0"/>
+              <a:t>@</a:t>
+            </a:r>
+            <a:r>
+              <a:rPr lang="en-US" sz="3600" b="1" dirty="0" err="1" smtClean="0"/>
+              <a:t>spetryjohnson</a:t>
+            </a:r>
+            <a:endParaRPr lang="en-US" b="1" dirty="0" smtClean="0"/>
+          </a:p>
+          <a:p>
+            <a:endParaRPr lang="en-US" dirty="0" smtClean="0"/>
+          </a:p>
+          <a:p>
+            <a:pPr lvl="1"/>
+            <a:endParaRPr lang="en-US" dirty="0" smtClean="0"/>
+          </a:p>
+          <a:p>
+            <a:pPr lvl="1"/>
+            <a:endParaRPr lang="en-US" dirty="0" smtClean="0"/>
+          </a:p>
+          <a:p>
+            <a:pPr lvl="1"/>
+            <a:endParaRPr lang="en-US" dirty="0"/>
+          </a:p>
+          <a:p>
+            <a:pPr lvl="1"/>
+            <a:endParaRPr lang="en-US" dirty="0" smtClean="0"/>
+          </a:p>
+          <a:p>
+            <a:pPr lvl="1"/>
+            <a:endParaRPr lang="en-US" dirty="0"/>
+          </a:p>
+        </p:txBody>
+      </p:sp>
+    </p:spTree>
+    <p:extLst>
+      <p:ext uri="{BB962C8B-B14F-4D97-AF65-F5344CB8AC3E}">
+        <p14:creationId xmlns:p14="http://schemas.microsoft.com/office/powerpoint/2010/main" val="659085787"/>
       </p:ext>
     </p:extLst>
   </p:cSld>

--- a/Secure Systems - CodeMash 2017.pptx
+++ b/Secure Systems - CodeMash 2017.pptx
@@ -5,7 +5,7 @@
     <p:sldMasterId id="2147483749" r:id="rId1"/>
   </p:sldMasterIdLst>
   <p:notesMasterIdLst>
-    <p:notesMasterId r:id="rId39"/>
+    <p:notesMasterId r:id="rId46"/>
   </p:notesMasterIdLst>
   <p:sldIdLst>
     <p:sldId id="395" r:id="rId2"/>
@@ -31,20 +31,27 @@
     <p:sldId id="499" r:id="rId22"/>
     <p:sldId id="506" r:id="rId23"/>
     <p:sldId id="519" r:id="rId24"/>
-    <p:sldId id="521" r:id="rId25"/>
-    <p:sldId id="522" r:id="rId26"/>
-    <p:sldId id="523" r:id="rId27"/>
-    <p:sldId id="520" r:id="rId28"/>
-    <p:sldId id="504" r:id="rId29"/>
-    <p:sldId id="485" r:id="rId30"/>
-    <p:sldId id="500" r:id="rId31"/>
-    <p:sldId id="501" r:id="rId32"/>
-    <p:sldId id="509" r:id="rId33"/>
-    <p:sldId id="502" r:id="rId34"/>
-    <p:sldId id="503" r:id="rId35"/>
-    <p:sldId id="505" r:id="rId36"/>
-    <p:sldId id="507" r:id="rId37"/>
-    <p:sldId id="443" r:id="rId38"/>
+    <p:sldId id="524" r:id="rId25"/>
+    <p:sldId id="521" r:id="rId26"/>
+    <p:sldId id="522" r:id="rId27"/>
+    <p:sldId id="525" r:id="rId28"/>
+    <p:sldId id="523" r:id="rId29"/>
+    <p:sldId id="520" r:id="rId30"/>
+    <p:sldId id="526" r:id="rId31"/>
+    <p:sldId id="528" r:id="rId32"/>
+    <p:sldId id="500" r:id="rId33"/>
+    <p:sldId id="501" r:id="rId34"/>
+    <p:sldId id="529" r:id="rId35"/>
+    <p:sldId id="530" r:id="rId36"/>
+    <p:sldId id="502" r:id="rId37"/>
+    <p:sldId id="503" r:id="rId38"/>
+    <p:sldId id="531" r:id="rId39"/>
+    <p:sldId id="532" r:id="rId40"/>
+    <p:sldId id="504" r:id="rId41"/>
+    <p:sldId id="485" r:id="rId42"/>
+    <p:sldId id="505" r:id="rId43"/>
+    <p:sldId id="507" r:id="rId44"/>
+    <p:sldId id="443" r:id="rId45"/>
   </p:sldIdLst>
   <p:sldSz cx="12192000" cy="6858000"/>
   <p:notesSz cx="6858000" cy="9144000"/>
@@ -244,7 +251,7 @@
           <a:p>
             <a:fld id="{C54A4886-B4AF-42F7-97BE-95CDF82A73E3}" type="datetimeFigureOut">
               <a:rPr lang="en-US" smtClean="0"/>
-              <a:t>12/22/2016</a:t>
+              <a:t>12/23/2016</a:t>
             </a:fld>
             <a:endParaRPr lang="en-US"/>
           </a:p>
@@ -1988,7 +1995,7 @@
     </p:spTree>
     <p:extLst>
       <p:ext uri="{BB962C8B-B14F-4D97-AF65-F5344CB8AC3E}">
-        <p14:creationId xmlns:p14="http://schemas.microsoft.com/office/powerpoint/2010/main" val="1266200327"/>
+        <p14:creationId xmlns:p14="http://schemas.microsoft.com/office/powerpoint/2010/main" val="128284815"/>
       </p:ext>
     </p:extLst>
   </p:cSld>
@@ -2072,7 +2079,7 @@
     </p:spTree>
     <p:extLst>
       <p:ext uri="{BB962C8B-B14F-4D97-AF65-F5344CB8AC3E}">
-        <p14:creationId xmlns:p14="http://schemas.microsoft.com/office/powerpoint/2010/main" val="3516029556"/>
+        <p14:creationId xmlns:p14="http://schemas.microsoft.com/office/powerpoint/2010/main" val="1266200327"/>
       </p:ext>
     </p:extLst>
   </p:cSld>
@@ -2156,7 +2163,7 @@
     </p:spTree>
     <p:extLst>
       <p:ext uri="{BB962C8B-B14F-4D97-AF65-F5344CB8AC3E}">
-        <p14:creationId xmlns:p14="http://schemas.microsoft.com/office/powerpoint/2010/main" val="2712589128"/>
+        <p14:creationId xmlns:p14="http://schemas.microsoft.com/office/powerpoint/2010/main" val="3516029556"/>
       </p:ext>
     </p:extLst>
   </p:cSld>
@@ -2240,7 +2247,7 @@
     </p:spTree>
     <p:extLst>
       <p:ext uri="{BB962C8B-B14F-4D97-AF65-F5344CB8AC3E}">
-        <p14:creationId xmlns:p14="http://schemas.microsoft.com/office/powerpoint/2010/main" val="1609105756"/>
+        <p14:creationId xmlns:p14="http://schemas.microsoft.com/office/powerpoint/2010/main" val="3404565588"/>
       </p:ext>
     </p:extLst>
   </p:cSld>
@@ -2324,7 +2331,7 @@
     </p:spTree>
     <p:extLst>
       <p:ext uri="{BB962C8B-B14F-4D97-AF65-F5344CB8AC3E}">
-        <p14:creationId xmlns:p14="http://schemas.microsoft.com/office/powerpoint/2010/main" val="2602777311"/>
+        <p14:creationId xmlns:p14="http://schemas.microsoft.com/office/powerpoint/2010/main" val="2712589128"/>
       </p:ext>
     </p:extLst>
   </p:cSld>
@@ -2408,7 +2415,7 @@
     </p:spTree>
     <p:extLst>
       <p:ext uri="{BB962C8B-B14F-4D97-AF65-F5344CB8AC3E}">
-        <p14:creationId xmlns:p14="http://schemas.microsoft.com/office/powerpoint/2010/main" val="2267138517"/>
+        <p14:creationId xmlns:p14="http://schemas.microsoft.com/office/powerpoint/2010/main" val="1609105756"/>
       </p:ext>
     </p:extLst>
   </p:cSld>
@@ -2601,7 +2608,7 @@
     </p:spTree>
     <p:extLst>
       <p:ext uri="{BB962C8B-B14F-4D97-AF65-F5344CB8AC3E}">
-        <p14:creationId xmlns:p14="http://schemas.microsoft.com/office/powerpoint/2010/main" val="1561525116"/>
+        <p14:creationId xmlns:p14="http://schemas.microsoft.com/office/powerpoint/2010/main" val="4079219210"/>
       </p:ext>
     </p:extLst>
   </p:cSld>
@@ -2655,7 +2662,32 @@
           <a:bodyPr/>
           <a:lstStyle/>
           <a:p>
-            <a:endParaRPr lang="en-US" b="0" dirty="0" smtClean="0"/>
+            <a:pPr marL="0" marR="0" indent="0" algn="l" defTabSz="914400" rtl="0" eaLnBrk="1" fontAlgn="auto" latinLnBrk="0" hangingPunct="1">
+              <a:lnSpc>
+                <a:spcPct val="100000"/>
+              </a:lnSpc>
+              <a:spcBef>
+                <a:spcPts val="0"/>
+              </a:spcBef>
+              <a:spcAft>
+                <a:spcPts val="0"/>
+              </a:spcAft>
+              <a:buClrTx/>
+              <a:buSzTx/>
+              <a:buFontTx/>
+              <a:buNone/>
+              <a:tabLst/>
+              <a:defRPr/>
+            </a:pPr>
+            <a:endParaRPr lang="en-US" sz="1200" kern="1200" dirty="0" smtClean="0">
+              <a:solidFill>
+                <a:schemeClr val="tx1"/>
+              </a:solidFill>
+              <a:effectLst/>
+              <a:latin typeface="+mn-lt"/>
+              <a:ea typeface="+mn-ea"/>
+              <a:cs typeface="+mn-cs"/>
+            </a:endParaRPr>
           </a:p>
         </p:txBody>
       </p:sp>
@@ -2685,7 +2717,7 @@
     </p:spTree>
     <p:extLst>
       <p:ext uri="{BB962C8B-B14F-4D97-AF65-F5344CB8AC3E}">
-        <p14:creationId xmlns:p14="http://schemas.microsoft.com/office/powerpoint/2010/main" val="3344468672"/>
+        <p14:creationId xmlns:p14="http://schemas.microsoft.com/office/powerpoint/2010/main" val="3734542197"/>
       </p:ext>
     </p:extLst>
   </p:cSld>
@@ -2769,7 +2801,7 @@
     </p:spTree>
     <p:extLst>
       <p:ext uri="{BB962C8B-B14F-4D97-AF65-F5344CB8AC3E}">
-        <p14:creationId xmlns:p14="http://schemas.microsoft.com/office/powerpoint/2010/main" val="2502330197"/>
+        <p14:creationId xmlns:p14="http://schemas.microsoft.com/office/powerpoint/2010/main" val="1561525116"/>
       </p:ext>
     </p:extLst>
   </p:cSld>
@@ -2853,7 +2885,7 @@
     </p:spTree>
     <p:extLst>
       <p:ext uri="{BB962C8B-B14F-4D97-AF65-F5344CB8AC3E}">
-        <p14:creationId xmlns:p14="http://schemas.microsoft.com/office/powerpoint/2010/main" val="3450469856"/>
+        <p14:creationId xmlns:p14="http://schemas.microsoft.com/office/powerpoint/2010/main" val="3344468672"/>
       </p:ext>
     </p:extLst>
   </p:cSld>
@@ -2937,7 +2969,7 @@
     </p:spTree>
     <p:extLst>
       <p:ext uri="{BB962C8B-B14F-4D97-AF65-F5344CB8AC3E}">
-        <p14:creationId xmlns:p14="http://schemas.microsoft.com/office/powerpoint/2010/main" val="2647091800"/>
+        <p14:creationId xmlns:p14="http://schemas.microsoft.com/office/powerpoint/2010/main" val="3143393369"/>
       </p:ext>
     </p:extLst>
   </p:cSld>
@@ -3021,7 +3053,7 @@
     </p:spTree>
     <p:extLst>
       <p:ext uri="{BB962C8B-B14F-4D97-AF65-F5344CB8AC3E}">
-        <p14:creationId xmlns:p14="http://schemas.microsoft.com/office/powerpoint/2010/main" val="2653332077"/>
+        <p14:creationId xmlns:p14="http://schemas.microsoft.com/office/powerpoint/2010/main" val="531577243"/>
       </p:ext>
     </p:extLst>
   </p:cSld>
@@ -3105,7 +3137,7 @@
     </p:spTree>
     <p:extLst>
       <p:ext uri="{BB962C8B-B14F-4D97-AF65-F5344CB8AC3E}">
-        <p14:creationId xmlns:p14="http://schemas.microsoft.com/office/powerpoint/2010/main" val="3271057564"/>
+        <p14:creationId xmlns:p14="http://schemas.microsoft.com/office/powerpoint/2010/main" val="3450469856"/>
       </p:ext>
     </p:extLst>
   </p:cSld>
@@ -3159,15 +3191,7 @@
           <a:bodyPr/>
           <a:lstStyle/>
           <a:p>
-            <a:endParaRPr lang="en-US" sz="1200" kern="1200" dirty="0" smtClean="0">
-              <a:solidFill>
-                <a:schemeClr val="tx1"/>
-              </a:solidFill>
-              <a:effectLst/>
-              <a:latin typeface="+mn-lt"/>
-              <a:ea typeface="+mn-ea"/>
-              <a:cs typeface="+mn-cs"/>
-            </a:endParaRPr>
+            <a:endParaRPr lang="en-US" b="0" dirty="0" smtClean="0"/>
           </a:p>
         </p:txBody>
       </p:sp>
@@ -3197,7 +3221,175 @@
     </p:spTree>
     <p:extLst>
       <p:ext uri="{BB962C8B-B14F-4D97-AF65-F5344CB8AC3E}">
-        <p14:creationId xmlns:p14="http://schemas.microsoft.com/office/powerpoint/2010/main" val="2813022412"/>
+        <p14:creationId xmlns:p14="http://schemas.microsoft.com/office/powerpoint/2010/main" val="2647091800"/>
+      </p:ext>
+    </p:extLst>
+  </p:cSld>
+  <p:clrMapOvr>
+    <a:masterClrMapping/>
+  </p:clrMapOvr>
+</p:notes>
+</file>
+
+<file path=ppt/notesSlides/notesSlide38.xml><?xml version="1.0" encoding="utf-8"?>
+<p:notes xmlns:a="http://schemas.openxmlformats.org/drawingml/2006/main" xmlns:r="http://schemas.openxmlformats.org/officeDocument/2006/relationships" xmlns:p="http://schemas.openxmlformats.org/presentationml/2006/main">
+  <p:cSld>
+    <p:spTree>
+      <p:nvGrpSpPr>
+        <p:cNvPr id="1" name=""/>
+        <p:cNvGrpSpPr/>
+        <p:nvPr/>
+      </p:nvGrpSpPr>
+      <p:grpSpPr>
+        <a:xfrm>
+          <a:off x="0" y="0"/>
+          <a:ext cx="0" cy="0"/>
+          <a:chOff x="0" y="0"/>
+          <a:chExt cx="0" cy="0"/>
+        </a:xfrm>
+      </p:grpSpPr>
+      <p:sp>
+        <p:nvSpPr>
+          <p:cNvPr id="2" name="Slide Image Placeholder 1"/>
+          <p:cNvSpPr>
+            <a:spLocks noGrp="1" noRot="1" noChangeAspect="1"/>
+          </p:cNvSpPr>
+          <p:nvPr>
+            <p:ph type="sldImg"/>
+          </p:nvPr>
+        </p:nvSpPr>
+        <p:spPr/>
+      </p:sp>
+      <p:sp>
+        <p:nvSpPr>
+          <p:cNvPr id="3" name="Notes Placeholder 2"/>
+          <p:cNvSpPr>
+            <a:spLocks noGrp="1"/>
+          </p:cNvSpPr>
+          <p:nvPr>
+            <p:ph type="body" idx="1"/>
+          </p:nvPr>
+        </p:nvSpPr>
+        <p:spPr/>
+        <p:txBody>
+          <a:bodyPr/>
+          <a:lstStyle/>
+          <a:p>
+            <a:endParaRPr lang="en-US" b="0" dirty="0" smtClean="0"/>
+          </a:p>
+        </p:txBody>
+      </p:sp>
+      <p:sp>
+        <p:nvSpPr>
+          <p:cNvPr id="4" name="Slide Number Placeholder 3"/>
+          <p:cNvSpPr>
+            <a:spLocks noGrp="1"/>
+          </p:cNvSpPr>
+          <p:nvPr>
+            <p:ph type="sldNum" sz="quarter" idx="10"/>
+          </p:nvPr>
+        </p:nvSpPr>
+        <p:spPr/>
+        <p:txBody>
+          <a:bodyPr/>
+          <a:lstStyle/>
+          <a:p>
+            <a:fld id="{89029652-62E7-43D6-83B5-097D7B7AA5D8}" type="slidenum">
+              <a:rPr lang="en-US" smtClean="0"/>
+              <a:t>38</a:t>
+            </a:fld>
+            <a:endParaRPr lang="en-US"/>
+          </a:p>
+        </p:txBody>
+      </p:sp>
+    </p:spTree>
+    <p:extLst>
+      <p:ext uri="{BB962C8B-B14F-4D97-AF65-F5344CB8AC3E}">
+        <p14:creationId xmlns:p14="http://schemas.microsoft.com/office/powerpoint/2010/main" val="3603726692"/>
+      </p:ext>
+    </p:extLst>
+  </p:cSld>
+  <p:clrMapOvr>
+    <a:masterClrMapping/>
+  </p:clrMapOvr>
+</p:notes>
+</file>
+
+<file path=ppt/notesSlides/notesSlide39.xml><?xml version="1.0" encoding="utf-8"?>
+<p:notes xmlns:a="http://schemas.openxmlformats.org/drawingml/2006/main" xmlns:r="http://schemas.openxmlformats.org/officeDocument/2006/relationships" xmlns:p="http://schemas.openxmlformats.org/presentationml/2006/main">
+  <p:cSld>
+    <p:spTree>
+      <p:nvGrpSpPr>
+        <p:cNvPr id="1" name=""/>
+        <p:cNvGrpSpPr/>
+        <p:nvPr/>
+      </p:nvGrpSpPr>
+      <p:grpSpPr>
+        <a:xfrm>
+          <a:off x="0" y="0"/>
+          <a:ext cx="0" cy="0"/>
+          <a:chOff x="0" y="0"/>
+          <a:chExt cx="0" cy="0"/>
+        </a:xfrm>
+      </p:grpSpPr>
+      <p:sp>
+        <p:nvSpPr>
+          <p:cNvPr id="2" name="Slide Image Placeholder 1"/>
+          <p:cNvSpPr>
+            <a:spLocks noGrp="1" noRot="1" noChangeAspect="1"/>
+          </p:cNvSpPr>
+          <p:nvPr>
+            <p:ph type="sldImg"/>
+          </p:nvPr>
+        </p:nvSpPr>
+        <p:spPr/>
+      </p:sp>
+      <p:sp>
+        <p:nvSpPr>
+          <p:cNvPr id="3" name="Notes Placeholder 2"/>
+          <p:cNvSpPr>
+            <a:spLocks noGrp="1"/>
+          </p:cNvSpPr>
+          <p:nvPr>
+            <p:ph type="body" idx="1"/>
+          </p:nvPr>
+        </p:nvSpPr>
+        <p:spPr/>
+        <p:txBody>
+          <a:bodyPr/>
+          <a:lstStyle/>
+          <a:p>
+            <a:endParaRPr lang="en-US" b="0" dirty="0" smtClean="0"/>
+          </a:p>
+        </p:txBody>
+      </p:sp>
+      <p:sp>
+        <p:nvSpPr>
+          <p:cNvPr id="4" name="Slide Number Placeholder 3"/>
+          <p:cNvSpPr>
+            <a:spLocks noGrp="1"/>
+          </p:cNvSpPr>
+          <p:nvPr>
+            <p:ph type="sldNum" sz="quarter" idx="10"/>
+          </p:nvPr>
+        </p:nvSpPr>
+        <p:spPr/>
+        <p:txBody>
+          <a:bodyPr/>
+          <a:lstStyle/>
+          <a:p>
+            <a:fld id="{89029652-62E7-43D6-83B5-097D7B7AA5D8}" type="slidenum">
+              <a:rPr lang="en-US" smtClean="0"/>
+              <a:t>39</a:t>
+            </a:fld>
+            <a:endParaRPr lang="en-US"/>
+          </a:p>
+        </p:txBody>
+      </p:sp>
+    </p:spTree>
+    <p:extLst>
+      <p:ext uri="{BB962C8B-B14F-4D97-AF65-F5344CB8AC3E}">
+        <p14:creationId xmlns:p14="http://schemas.microsoft.com/office/powerpoint/2010/main" val="2106924964"/>
       </p:ext>
     </p:extLst>
   </p:cSld>
@@ -3307,6 +3499,434 @@
     <p:extLst>
       <p:ext uri="{BB962C8B-B14F-4D97-AF65-F5344CB8AC3E}">
         <p14:creationId xmlns:p14="http://schemas.microsoft.com/office/powerpoint/2010/main" val="1414051827"/>
+      </p:ext>
+    </p:extLst>
+  </p:cSld>
+  <p:clrMapOvr>
+    <a:masterClrMapping/>
+  </p:clrMapOvr>
+</p:notes>
+</file>
+
+<file path=ppt/notesSlides/notesSlide40.xml><?xml version="1.0" encoding="utf-8"?>
+<p:notes xmlns:a="http://schemas.openxmlformats.org/drawingml/2006/main" xmlns:r="http://schemas.openxmlformats.org/officeDocument/2006/relationships" xmlns:p="http://schemas.openxmlformats.org/presentationml/2006/main">
+  <p:cSld>
+    <p:spTree>
+      <p:nvGrpSpPr>
+        <p:cNvPr id="1" name=""/>
+        <p:cNvGrpSpPr/>
+        <p:nvPr/>
+      </p:nvGrpSpPr>
+      <p:grpSpPr>
+        <a:xfrm>
+          <a:off x="0" y="0"/>
+          <a:ext cx="0" cy="0"/>
+          <a:chOff x="0" y="0"/>
+          <a:chExt cx="0" cy="0"/>
+        </a:xfrm>
+      </p:grpSpPr>
+      <p:sp>
+        <p:nvSpPr>
+          <p:cNvPr id="2" name="Slide Image Placeholder 1"/>
+          <p:cNvSpPr>
+            <a:spLocks noGrp="1" noRot="1" noChangeAspect="1"/>
+          </p:cNvSpPr>
+          <p:nvPr>
+            <p:ph type="sldImg"/>
+          </p:nvPr>
+        </p:nvSpPr>
+        <p:spPr/>
+      </p:sp>
+      <p:sp>
+        <p:nvSpPr>
+          <p:cNvPr id="3" name="Notes Placeholder 2"/>
+          <p:cNvSpPr>
+            <a:spLocks noGrp="1"/>
+          </p:cNvSpPr>
+          <p:nvPr>
+            <p:ph type="body" idx="1"/>
+          </p:nvPr>
+        </p:nvSpPr>
+        <p:spPr/>
+        <p:txBody>
+          <a:bodyPr/>
+          <a:lstStyle/>
+          <a:p>
+            <a:endParaRPr lang="en-US" b="0" dirty="0" smtClean="0"/>
+          </a:p>
+        </p:txBody>
+      </p:sp>
+      <p:sp>
+        <p:nvSpPr>
+          <p:cNvPr id="4" name="Slide Number Placeholder 3"/>
+          <p:cNvSpPr>
+            <a:spLocks noGrp="1"/>
+          </p:cNvSpPr>
+          <p:nvPr>
+            <p:ph type="sldNum" sz="quarter" idx="10"/>
+          </p:nvPr>
+        </p:nvSpPr>
+        <p:spPr/>
+        <p:txBody>
+          <a:bodyPr/>
+          <a:lstStyle/>
+          <a:p>
+            <a:fld id="{89029652-62E7-43D6-83B5-097D7B7AA5D8}" type="slidenum">
+              <a:rPr lang="en-US" smtClean="0"/>
+              <a:t>40</a:t>
+            </a:fld>
+            <a:endParaRPr lang="en-US"/>
+          </a:p>
+        </p:txBody>
+      </p:sp>
+    </p:spTree>
+    <p:extLst>
+      <p:ext uri="{BB962C8B-B14F-4D97-AF65-F5344CB8AC3E}">
+        <p14:creationId xmlns:p14="http://schemas.microsoft.com/office/powerpoint/2010/main" val="2602777311"/>
+      </p:ext>
+    </p:extLst>
+  </p:cSld>
+  <p:clrMapOvr>
+    <a:masterClrMapping/>
+  </p:clrMapOvr>
+</p:notes>
+</file>
+
+<file path=ppt/notesSlides/notesSlide41.xml><?xml version="1.0" encoding="utf-8"?>
+<p:notes xmlns:a="http://schemas.openxmlformats.org/drawingml/2006/main" xmlns:r="http://schemas.openxmlformats.org/officeDocument/2006/relationships" xmlns:p="http://schemas.openxmlformats.org/presentationml/2006/main">
+  <p:cSld>
+    <p:spTree>
+      <p:nvGrpSpPr>
+        <p:cNvPr id="1" name=""/>
+        <p:cNvGrpSpPr/>
+        <p:nvPr/>
+      </p:nvGrpSpPr>
+      <p:grpSpPr>
+        <a:xfrm>
+          <a:off x="0" y="0"/>
+          <a:ext cx="0" cy="0"/>
+          <a:chOff x="0" y="0"/>
+          <a:chExt cx="0" cy="0"/>
+        </a:xfrm>
+      </p:grpSpPr>
+      <p:sp>
+        <p:nvSpPr>
+          <p:cNvPr id="2" name="Slide Image Placeholder 1"/>
+          <p:cNvSpPr>
+            <a:spLocks noGrp="1" noRot="1" noChangeAspect="1"/>
+          </p:cNvSpPr>
+          <p:nvPr>
+            <p:ph type="sldImg"/>
+          </p:nvPr>
+        </p:nvSpPr>
+        <p:spPr/>
+      </p:sp>
+      <p:sp>
+        <p:nvSpPr>
+          <p:cNvPr id="3" name="Notes Placeholder 2"/>
+          <p:cNvSpPr>
+            <a:spLocks noGrp="1"/>
+          </p:cNvSpPr>
+          <p:nvPr>
+            <p:ph type="body" idx="1"/>
+          </p:nvPr>
+        </p:nvSpPr>
+        <p:spPr/>
+        <p:txBody>
+          <a:bodyPr/>
+          <a:lstStyle/>
+          <a:p>
+            <a:endParaRPr lang="en-US" b="0" dirty="0" smtClean="0"/>
+          </a:p>
+        </p:txBody>
+      </p:sp>
+      <p:sp>
+        <p:nvSpPr>
+          <p:cNvPr id="4" name="Slide Number Placeholder 3"/>
+          <p:cNvSpPr>
+            <a:spLocks noGrp="1"/>
+          </p:cNvSpPr>
+          <p:nvPr>
+            <p:ph type="sldNum" sz="quarter" idx="10"/>
+          </p:nvPr>
+        </p:nvSpPr>
+        <p:spPr/>
+        <p:txBody>
+          <a:bodyPr/>
+          <a:lstStyle/>
+          <a:p>
+            <a:fld id="{89029652-62E7-43D6-83B5-097D7B7AA5D8}" type="slidenum">
+              <a:rPr lang="en-US" smtClean="0"/>
+              <a:t>41</a:t>
+            </a:fld>
+            <a:endParaRPr lang="en-US"/>
+          </a:p>
+        </p:txBody>
+      </p:sp>
+    </p:spTree>
+    <p:extLst>
+      <p:ext uri="{BB962C8B-B14F-4D97-AF65-F5344CB8AC3E}">
+        <p14:creationId xmlns:p14="http://schemas.microsoft.com/office/powerpoint/2010/main" val="2267138517"/>
+      </p:ext>
+    </p:extLst>
+  </p:cSld>
+  <p:clrMapOvr>
+    <a:masterClrMapping/>
+  </p:clrMapOvr>
+</p:notes>
+</file>
+
+<file path=ppt/notesSlides/notesSlide42.xml><?xml version="1.0" encoding="utf-8"?>
+<p:notes xmlns:a="http://schemas.openxmlformats.org/drawingml/2006/main" xmlns:r="http://schemas.openxmlformats.org/officeDocument/2006/relationships" xmlns:p="http://schemas.openxmlformats.org/presentationml/2006/main">
+  <p:cSld>
+    <p:spTree>
+      <p:nvGrpSpPr>
+        <p:cNvPr id="1" name=""/>
+        <p:cNvGrpSpPr/>
+        <p:nvPr/>
+      </p:nvGrpSpPr>
+      <p:grpSpPr>
+        <a:xfrm>
+          <a:off x="0" y="0"/>
+          <a:ext cx="0" cy="0"/>
+          <a:chOff x="0" y="0"/>
+          <a:chExt cx="0" cy="0"/>
+        </a:xfrm>
+      </p:grpSpPr>
+      <p:sp>
+        <p:nvSpPr>
+          <p:cNvPr id="2" name="Slide Image Placeholder 1"/>
+          <p:cNvSpPr>
+            <a:spLocks noGrp="1" noRot="1" noChangeAspect="1"/>
+          </p:cNvSpPr>
+          <p:nvPr>
+            <p:ph type="sldImg"/>
+          </p:nvPr>
+        </p:nvSpPr>
+        <p:spPr/>
+      </p:sp>
+      <p:sp>
+        <p:nvSpPr>
+          <p:cNvPr id="3" name="Notes Placeholder 2"/>
+          <p:cNvSpPr>
+            <a:spLocks noGrp="1"/>
+          </p:cNvSpPr>
+          <p:nvPr>
+            <p:ph type="body" idx="1"/>
+          </p:nvPr>
+        </p:nvSpPr>
+        <p:spPr/>
+        <p:txBody>
+          <a:bodyPr/>
+          <a:lstStyle/>
+          <a:p>
+            <a:endParaRPr lang="en-US" b="0" dirty="0" smtClean="0"/>
+          </a:p>
+        </p:txBody>
+      </p:sp>
+      <p:sp>
+        <p:nvSpPr>
+          <p:cNvPr id="4" name="Slide Number Placeholder 3"/>
+          <p:cNvSpPr>
+            <a:spLocks noGrp="1"/>
+          </p:cNvSpPr>
+          <p:nvPr>
+            <p:ph type="sldNum" sz="quarter" idx="10"/>
+          </p:nvPr>
+        </p:nvSpPr>
+        <p:spPr/>
+        <p:txBody>
+          <a:bodyPr/>
+          <a:lstStyle/>
+          <a:p>
+            <a:fld id="{89029652-62E7-43D6-83B5-097D7B7AA5D8}" type="slidenum">
+              <a:rPr lang="en-US" smtClean="0"/>
+              <a:t>42</a:t>
+            </a:fld>
+            <a:endParaRPr lang="en-US"/>
+          </a:p>
+        </p:txBody>
+      </p:sp>
+    </p:spTree>
+    <p:extLst>
+      <p:ext uri="{BB962C8B-B14F-4D97-AF65-F5344CB8AC3E}">
+        <p14:creationId xmlns:p14="http://schemas.microsoft.com/office/powerpoint/2010/main" val="2653332077"/>
+      </p:ext>
+    </p:extLst>
+  </p:cSld>
+  <p:clrMapOvr>
+    <a:masterClrMapping/>
+  </p:clrMapOvr>
+</p:notes>
+</file>
+
+<file path=ppt/notesSlides/notesSlide43.xml><?xml version="1.0" encoding="utf-8"?>
+<p:notes xmlns:a="http://schemas.openxmlformats.org/drawingml/2006/main" xmlns:r="http://schemas.openxmlformats.org/officeDocument/2006/relationships" xmlns:p="http://schemas.openxmlformats.org/presentationml/2006/main">
+  <p:cSld>
+    <p:spTree>
+      <p:nvGrpSpPr>
+        <p:cNvPr id="1" name=""/>
+        <p:cNvGrpSpPr/>
+        <p:nvPr/>
+      </p:nvGrpSpPr>
+      <p:grpSpPr>
+        <a:xfrm>
+          <a:off x="0" y="0"/>
+          <a:ext cx="0" cy="0"/>
+          <a:chOff x="0" y="0"/>
+          <a:chExt cx="0" cy="0"/>
+        </a:xfrm>
+      </p:grpSpPr>
+      <p:sp>
+        <p:nvSpPr>
+          <p:cNvPr id="2" name="Slide Image Placeholder 1"/>
+          <p:cNvSpPr>
+            <a:spLocks noGrp="1" noRot="1" noChangeAspect="1"/>
+          </p:cNvSpPr>
+          <p:nvPr>
+            <p:ph type="sldImg"/>
+          </p:nvPr>
+        </p:nvSpPr>
+        <p:spPr/>
+      </p:sp>
+      <p:sp>
+        <p:nvSpPr>
+          <p:cNvPr id="3" name="Notes Placeholder 2"/>
+          <p:cNvSpPr>
+            <a:spLocks noGrp="1"/>
+          </p:cNvSpPr>
+          <p:nvPr>
+            <p:ph type="body" idx="1"/>
+          </p:nvPr>
+        </p:nvSpPr>
+        <p:spPr/>
+        <p:txBody>
+          <a:bodyPr/>
+          <a:lstStyle/>
+          <a:p>
+            <a:endParaRPr lang="en-US" b="0" dirty="0" smtClean="0"/>
+          </a:p>
+        </p:txBody>
+      </p:sp>
+      <p:sp>
+        <p:nvSpPr>
+          <p:cNvPr id="4" name="Slide Number Placeholder 3"/>
+          <p:cNvSpPr>
+            <a:spLocks noGrp="1"/>
+          </p:cNvSpPr>
+          <p:nvPr>
+            <p:ph type="sldNum" sz="quarter" idx="10"/>
+          </p:nvPr>
+        </p:nvSpPr>
+        <p:spPr/>
+        <p:txBody>
+          <a:bodyPr/>
+          <a:lstStyle/>
+          <a:p>
+            <a:fld id="{89029652-62E7-43D6-83B5-097D7B7AA5D8}" type="slidenum">
+              <a:rPr lang="en-US" smtClean="0"/>
+              <a:t>43</a:t>
+            </a:fld>
+            <a:endParaRPr lang="en-US"/>
+          </a:p>
+        </p:txBody>
+      </p:sp>
+    </p:spTree>
+    <p:extLst>
+      <p:ext uri="{BB962C8B-B14F-4D97-AF65-F5344CB8AC3E}">
+        <p14:creationId xmlns:p14="http://schemas.microsoft.com/office/powerpoint/2010/main" val="3271057564"/>
+      </p:ext>
+    </p:extLst>
+  </p:cSld>
+  <p:clrMapOvr>
+    <a:masterClrMapping/>
+  </p:clrMapOvr>
+</p:notes>
+</file>
+
+<file path=ppt/notesSlides/notesSlide44.xml><?xml version="1.0" encoding="utf-8"?>
+<p:notes xmlns:a="http://schemas.openxmlformats.org/drawingml/2006/main" xmlns:r="http://schemas.openxmlformats.org/officeDocument/2006/relationships" xmlns:p="http://schemas.openxmlformats.org/presentationml/2006/main">
+  <p:cSld>
+    <p:spTree>
+      <p:nvGrpSpPr>
+        <p:cNvPr id="1" name=""/>
+        <p:cNvGrpSpPr/>
+        <p:nvPr/>
+      </p:nvGrpSpPr>
+      <p:grpSpPr>
+        <a:xfrm>
+          <a:off x="0" y="0"/>
+          <a:ext cx="0" cy="0"/>
+          <a:chOff x="0" y="0"/>
+          <a:chExt cx="0" cy="0"/>
+        </a:xfrm>
+      </p:grpSpPr>
+      <p:sp>
+        <p:nvSpPr>
+          <p:cNvPr id="2" name="Slide Image Placeholder 1"/>
+          <p:cNvSpPr>
+            <a:spLocks noGrp="1" noRot="1" noChangeAspect="1"/>
+          </p:cNvSpPr>
+          <p:nvPr>
+            <p:ph type="sldImg"/>
+          </p:nvPr>
+        </p:nvSpPr>
+        <p:spPr/>
+      </p:sp>
+      <p:sp>
+        <p:nvSpPr>
+          <p:cNvPr id="3" name="Notes Placeholder 2"/>
+          <p:cNvSpPr>
+            <a:spLocks noGrp="1"/>
+          </p:cNvSpPr>
+          <p:nvPr>
+            <p:ph type="body" idx="1"/>
+          </p:nvPr>
+        </p:nvSpPr>
+        <p:spPr/>
+        <p:txBody>
+          <a:bodyPr/>
+          <a:lstStyle/>
+          <a:p>
+            <a:endParaRPr lang="en-US" sz="1200" kern="1200" dirty="0" smtClean="0">
+              <a:solidFill>
+                <a:schemeClr val="tx1"/>
+              </a:solidFill>
+              <a:effectLst/>
+              <a:latin typeface="+mn-lt"/>
+              <a:ea typeface="+mn-ea"/>
+              <a:cs typeface="+mn-cs"/>
+            </a:endParaRPr>
+          </a:p>
+        </p:txBody>
+      </p:sp>
+      <p:sp>
+        <p:nvSpPr>
+          <p:cNvPr id="4" name="Slide Number Placeholder 3"/>
+          <p:cNvSpPr>
+            <a:spLocks noGrp="1"/>
+          </p:cNvSpPr>
+          <p:nvPr>
+            <p:ph type="sldNum" sz="quarter" idx="10"/>
+          </p:nvPr>
+        </p:nvSpPr>
+        <p:spPr/>
+        <p:txBody>
+          <a:bodyPr/>
+          <a:lstStyle/>
+          <a:p>
+            <a:fld id="{89029652-62E7-43D6-83B5-097D7B7AA5D8}" type="slidenum">
+              <a:rPr lang="en-US" smtClean="0"/>
+              <a:t>44</a:t>
+            </a:fld>
+            <a:endParaRPr lang="en-US"/>
+          </a:p>
+        </p:txBody>
+      </p:sp>
+    </p:spTree>
+    <p:extLst>
+      <p:ext uri="{BB962C8B-B14F-4D97-AF65-F5344CB8AC3E}">
+        <p14:creationId xmlns:p14="http://schemas.microsoft.com/office/powerpoint/2010/main" val="2813022412"/>
       </p:ext>
     </p:extLst>
   </p:cSld>
@@ -3867,7 +4487,7 @@
           <a:p>
             <a:fld id="{75AA6396-395E-4ADA-8EE5-F328BC863A04}" type="datetimeFigureOut">
               <a:rPr lang="en-US" smtClean="0"/>
-              <a:t>12/22/2016</a:t>
+              <a:t>12/23/2016</a:t>
             </a:fld>
             <a:endParaRPr lang="en-US"/>
           </a:p>
@@ -4044,7 +4664,7 @@
           <a:p>
             <a:fld id="{75AA6396-395E-4ADA-8EE5-F328BC863A04}" type="datetimeFigureOut">
               <a:rPr lang="en-US" smtClean="0"/>
-              <a:t>12/22/2016</a:t>
+              <a:t>12/23/2016</a:t>
             </a:fld>
             <a:endParaRPr lang="en-US"/>
           </a:p>
@@ -4224,7 +4844,7 @@
           <a:p>
             <a:fld id="{75AA6396-395E-4ADA-8EE5-F328BC863A04}" type="datetimeFigureOut">
               <a:rPr lang="en-US" smtClean="0"/>
-              <a:t>12/22/2016</a:t>
+              <a:t>12/23/2016</a:t>
             </a:fld>
             <a:endParaRPr lang="en-US"/>
           </a:p>
@@ -4444,7 +5064,7 @@
           <a:p>
             <a:fld id="{75AA6396-395E-4ADA-8EE5-F328BC863A04}" type="datetimeFigureOut">
               <a:rPr lang="en-US" smtClean="0"/>
-              <a:t>12/22/2016</a:t>
+              <a:t>12/23/2016</a:t>
             </a:fld>
             <a:endParaRPr lang="en-US"/>
           </a:p>
@@ -4697,7 +5317,7 @@
           <a:p>
             <a:fld id="{75AA6396-395E-4ADA-8EE5-F328BC863A04}" type="datetimeFigureOut">
               <a:rPr lang="en-US" smtClean="0"/>
-              <a:t>12/22/2016</a:t>
+              <a:t>12/23/2016</a:t>
             </a:fld>
             <a:endParaRPr lang="en-US"/>
           </a:p>
@@ -4936,7 +5556,7 @@
           <a:p>
             <a:fld id="{75AA6396-395E-4ADA-8EE5-F328BC863A04}" type="datetimeFigureOut">
               <a:rPr lang="en-US" smtClean="0"/>
-              <a:t>12/22/2016</a:t>
+              <a:t>12/23/2016</a:t>
             </a:fld>
             <a:endParaRPr lang="en-US"/>
           </a:p>
@@ -5310,7 +5930,7 @@
           <a:p>
             <a:fld id="{75AA6396-395E-4ADA-8EE5-F328BC863A04}" type="datetimeFigureOut">
               <a:rPr lang="en-US" smtClean="0"/>
-              <a:t>12/22/2016</a:t>
+              <a:t>12/23/2016</a:t>
             </a:fld>
             <a:endParaRPr lang="en-US"/>
           </a:p>
@@ -5428,7 +6048,7 @@
           <a:p>
             <a:fld id="{75AA6396-395E-4ADA-8EE5-F328BC863A04}" type="datetimeFigureOut">
               <a:rPr lang="en-US" smtClean="0"/>
-              <a:t>12/22/2016</a:t>
+              <a:t>12/23/2016</a:t>
             </a:fld>
             <a:endParaRPr lang="en-US"/>
           </a:p>
@@ -5523,7 +6143,7 @@
           <a:p>
             <a:fld id="{75AA6396-395E-4ADA-8EE5-F328BC863A04}" type="datetimeFigureOut">
               <a:rPr lang="en-US" smtClean="0"/>
-              <a:t>12/22/2016</a:t>
+              <a:t>12/23/2016</a:t>
             </a:fld>
             <a:endParaRPr lang="en-US"/>
           </a:p>
@@ -5800,7 +6420,7 @@
           <a:p>
             <a:fld id="{75AA6396-395E-4ADA-8EE5-F328BC863A04}" type="datetimeFigureOut">
               <a:rPr lang="en-US" smtClean="0"/>
-              <a:t>12/22/2016</a:t>
+              <a:t>12/23/2016</a:t>
             </a:fld>
             <a:endParaRPr lang="en-US"/>
           </a:p>
@@ -6053,7 +6673,7 @@
           <a:p>
             <a:fld id="{75AA6396-395E-4ADA-8EE5-F328BC863A04}" type="datetimeFigureOut">
               <a:rPr lang="en-US" smtClean="0"/>
-              <a:t>12/22/2016</a:t>
+              <a:t>12/23/2016</a:t>
             </a:fld>
             <a:endParaRPr lang="en-US"/>
           </a:p>
@@ -6266,7 +6886,7 @@
           <a:p>
             <a:fld id="{75AA6396-395E-4ADA-8EE5-F328BC863A04}" type="datetimeFigureOut">
               <a:rPr lang="en-US" smtClean="0"/>
-              <a:t>12/22/2016</a:t>
+              <a:t>12/23/2016</a:t>
             </a:fld>
             <a:endParaRPr lang="en-US"/>
           </a:p>
@@ -8168,11 +8788,7 @@
           <a:p>
             <a:r>
               <a:rPr lang="en-US" sz="4000" dirty="0" smtClean="0"/>
-              <a:t>Can be made "secure </a:t>
-            </a:r>
-            <a:r>
-              <a:rPr lang="en-US" sz="4000" dirty="0" smtClean="0"/>
-              <a:t>by default"</a:t>
+              <a:t>Can be made "secure by default"</a:t>
             </a:r>
           </a:p>
           <a:p>
@@ -8412,17 +9028,7 @@
                   </a:schemeClr>
                 </a:solidFill>
               </a:rPr>
-              <a:t>Can be made "secure </a:t>
-            </a:r>
-            <a:r>
-              <a:rPr lang="en-US" sz="4000" dirty="0" smtClean="0">
-                <a:solidFill>
-                  <a:schemeClr val="bg1">
-                    <a:lumMod val="75000"/>
-                  </a:schemeClr>
-                </a:solidFill>
-              </a:rPr>
-              <a:t>by default"</a:t>
+              <a:t>Can be made "secure by default"</a:t>
             </a:r>
           </a:p>
           <a:p>
@@ -8433,7 +9039,6 @@
               <a:rPr lang="en-US" sz="4000" dirty="0" smtClean="0"/>
               <a:t>Needs auditing</a:t>
             </a:r>
-            <a:endParaRPr lang="en-US" sz="4000" dirty="0" smtClean="0"/>
           </a:p>
           <a:p>
             <a:endParaRPr lang="en-US" sz="4000" dirty="0"/>
@@ -8731,11 +9336,7 @@
             </a:r>
             <a:r>
               <a:rPr lang="en-US" sz="4800" dirty="0"/>
-              <a:t>- </a:t>
-            </a:r>
-            <a:r>
-              <a:rPr lang="en-US" sz="4800" dirty="0" smtClean="0"/>
-              <a:t>feature</a:t>
+              <a:t>– feature</a:t>
             </a:r>
             <a:endParaRPr lang="en-US" sz="4800" dirty="0"/>
           </a:p>
@@ -8868,6 +9469,152 @@
             <p:ph type="title"/>
           </p:nvPr>
         </p:nvSpPr>
+        <p:spPr/>
+        <p:txBody>
+          <a:bodyPr>
+            <a:normAutofit/>
+          </a:bodyPr>
+          <a:lstStyle/>
+          <a:p>
+            <a:r>
+              <a:rPr lang="en-US" sz="4800" dirty="0" smtClean="0"/>
+              <a:t>CSRF Defense </a:t>
+            </a:r>
+            <a:r>
+              <a:rPr lang="en-US" sz="4800" dirty="0" smtClean="0"/>
+              <a:t>– feature (ajax)</a:t>
+            </a:r>
+            <a:endParaRPr lang="en-US" sz="4800" dirty="0"/>
+          </a:p>
+        </p:txBody>
+      </p:sp>
+      <p:sp>
+        <p:nvSpPr>
+          <p:cNvPr id="3" name="Content Placeholder 2"/>
+          <p:cNvSpPr>
+            <a:spLocks noGrp="1"/>
+          </p:cNvSpPr>
+          <p:nvPr>
+            <p:ph idx="1"/>
+          </p:nvPr>
+        </p:nvSpPr>
+        <p:spPr>
+          <a:xfrm>
+            <a:off x="838200" y="1825624"/>
+            <a:ext cx="10515600" cy="4589923"/>
+          </a:xfrm>
+        </p:spPr>
+        <p:txBody>
+          <a:bodyPr>
+            <a:normAutofit/>
+          </a:bodyPr>
+          <a:lstStyle/>
+          <a:p>
+            <a:endParaRPr lang="en-US" dirty="0" smtClean="0"/>
+          </a:p>
+          <a:p>
+            <a:endParaRPr lang="en-US" dirty="0" smtClean="0"/>
+          </a:p>
+          <a:p>
+            <a:endParaRPr lang="en-US" dirty="0"/>
+          </a:p>
+        </p:txBody>
+      </p:sp>
+      <p:pic>
+        <p:nvPicPr>
+          <p:cNvPr id="4" name="Picture 3"/>
+          <p:cNvPicPr>
+            <a:picLocks noChangeAspect="1"/>
+          </p:cNvPicPr>
+          <p:nvPr/>
+        </p:nvPicPr>
+        <p:blipFill>
+          <a:blip r:embed="rId3"/>
+          <a:stretch>
+            <a:fillRect/>
+          </a:stretch>
+        </p:blipFill>
+        <p:spPr>
+          <a:xfrm>
+            <a:off x="838199" y="1990797"/>
+            <a:ext cx="5415116" cy="1250908"/>
+          </a:xfrm>
+          <a:prstGeom prst="rect">
+            <a:avLst/>
+          </a:prstGeom>
+        </p:spPr>
+      </p:pic>
+      <p:pic>
+        <p:nvPicPr>
+          <p:cNvPr id="7" name="Picture 6"/>
+          <p:cNvPicPr>
+            <a:picLocks noChangeAspect="1"/>
+          </p:cNvPicPr>
+          <p:nvPr/>
+        </p:nvPicPr>
+        <p:blipFill>
+          <a:blip r:embed="rId4"/>
+          <a:stretch>
+            <a:fillRect/>
+          </a:stretch>
+        </p:blipFill>
+        <p:spPr>
+          <a:xfrm>
+            <a:off x="838199" y="3748290"/>
+            <a:ext cx="11309381" cy="2416535"/>
+          </a:xfrm>
+          <a:prstGeom prst="rect">
+            <a:avLst/>
+          </a:prstGeom>
+        </p:spPr>
+      </p:pic>
+    </p:spTree>
+    <p:extLst>
+      <p:ext uri="{BB962C8B-B14F-4D97-AF65-F5344CB8AC3E}">
+        <p14:creationId xmlns:p14="http://schemas.microsoft.com/office/powerpoint/2010/main" val="3922507534"/>
+      </p:ext>
+    </p:extLst>
+  </p:cSld>
+  <p:clrMapOvr>
+    <a:masterClrMapping/>
+  </p:clrMapOvr>
+  <p:timing>
+    <p:tnLst>
+      <p:par>
+        <p:cTn id="1" dur="indefinite" restart="never" nodeType="tmRoot"/>
+      </p:par>
+    </p:tnLst>
+  </p:timing>
+</p:sld>
+</file>
+
+<file path=ppt/slides/slide25.xml><?xml version="1.0" encoding="utf-8"?>
+<p:sld xmlns:a="http://schemas.openxmlformats.org/drawingml/2006/main" xmlns:r="http://schemas.openxmlformats.org/officeDocument/2006/relationships" xmlns:p="http://schemas.openxmlformats.org/presentationml/2006/main">
+  <p:cSld>
+    <p:spTree>
+      <p:nvGrpSpPr>
+        <p:cNvPr id="1" name=""/>
+        <p:cNvGrpSpPr/>
+        <p:nvPr/>
+      </p:nvGrpSpPr>
+      <p:grpSpPr>
+        <a:xfrm>
+          <a:off x="0" y="0"/>
+          <a:ext cx="0" cy="0"/>
+          <a:chOff x="0" y="0"/>
+          <a:chExt cx="0" cy="0"/>
+        </a:xfrm>
+      </p:grpSpPr>
+      <p:sp>
+        <p:nvSpPr>
+          <p:cNvPr id="2" name="Title 1"/>
+          <p:cNvSpPr>
+            <a:spLocks noGrp="1"/>
+          </p:cNvSpPr>
+          <p:nvPr>
+            <p:ph type="title"/>
+          </p:nvPr>
+        </p:nvSpPr>
         <p:spPr>
           <a:xfrm>
             <a:off x="838200" y="365125"/>
@@ -8882,7 +9629,15 @@
           <a:p>
             <a:r>
               <a:rPr lang="en-US" sz="4800" dirty="0" smtClean="0"/>
-              <a:t>CSRF Defense - framework</a:t>
+              <a:t>CSRF Defense </a:t>
+            </a:r>
+            <a:r>
+              <a:rPr lang="en-US" sz="4800" dirty="0"/>
+              <a:t>– </a:t>
+            </a:r>
+            <a:r>
+              <a:rPr lang="en-US" sz="4800" dirty="0" smtClean="0"/>
+              <a:t>cross cutting</a:t>
             </a:r>
             <a:endParaRPr lang="en-US" sz="4800" dirty="0"/>
           </a:p>
@@ -8976,7 +9731,7 @@
 </p:sld>
 </file>
 
-<file path=ppt/slides/slide25.xml><?xml version="1.0" encoding="utf-8"?>
+<file path=ppt/slides/slide26.xml><?xml version="1.0" encoding="utf-8"?>
 <p:sld xmlns:a="http://schemas.openxmlformats.org/drawingml/2006/main" xmlns:r="http://schemas.openxmlformats.org/officeDocument/2006/relationships" xmlns:p="http://schemas.openxmlformats.org/presentationml/2006/main">
   <p:cSld>
     <p:spTree>
@@ -9017,7 +9772,11 @@
           <a:p>
             <a:r>
               <a:rPr lang="en-US" sz="4800" dirty="0" smtClean="0"/>
-              <a:t>CSRF Defense - framework</a:t>
+              <a:t>CSRF Defense </a:t>
+            </a:r>
+            <a:r>
+              <a:rPr lang="en-US" sz="4800" dirty="0"/>
+              <a:t>– cross cutting</a:t>
             </a:r>
             <a:endParaRPr lang="en-US" sz="4800" dirty="0"/>
           </a:p>
@@ -9111,7 +9870,7 @@
 </p:sld>
 </file>
 
-<file path=ppt/slides/slide26.xml><?xml version="1.0" encoding="utf-8"?>
+<file path=ppt/slides/slide27.xml><?xml version="1.0" encoding="utf-8"?>
 <p:sld xmlns:a="http://schemas.openxmlformats.org/drawingml/2006/main" xmlns:r="http://schemas.openxmlformats.org/officeDocument/2006/relationships" xmlns:p="http://schemas.openxmlformats.org/presentationml/2006/main">
   <p:cSld>
     <p:spTree>
@@ -9152,7 +9911,150 @@
           <a:p>
             <a:r>
               <a:rPr lang="en-US" sz="4800" dirty="0" smtClean="0"/>
-              <a:t>CSRF Defense - framework</a:t>
+              <a:t>CSRF Defense </a:t>
+            </a:r>
+            <a:r>
+              <a:rPr lang="en-US" sz="4800" dirty="0"/>
+              <a:t>– cross cutting</a:t>
+            </a:r>
+            <a:endParaRPr lang="en-US" sz="4800" dirty="0"/>
+          </a:p>
+        </p:txBody>
+      </p:sp>
+      <p:sp>
+        <p:nvSpPr>
+          <p:cNvPr id="3" name="Content Placeholder 2"/>
+          <p:cNvSpPr>
+            <a:spLocks noGrp="1"/>
+          </p:cNvSpPr>
+          <p:nvPr>
+            <p:ph idx="1"/>
+          </p:nvPr>
+        </p:nvSpPr>
+        <p:spPr>
+          <a:xfrm>
+            <a:off x="838200" y="1825624"/>
+            <a:ext cx="10515600" cy="4899641"/>
+          </a:xfrm>
+        </p:spPr>
+        <p:txBody>
+          <a:bodyPr>
+            <a:normAutofit/>
+          </a:bodyPr>
+          <a:lstStyle/>
+          <a:p>
+            <a:endParaRPr lang="en-US" sz="4000" dirty="0" smtClean="0"/>
+          </a:p>
+          <a:p>
+            <a:endParaRPr lang="en-US" sz="4000" dirty="0"/>
+          </a:p>
+          <a:p>
+            <a:endParaRPr lang="en-US" sz="4000" dirty="0" smtClean="0"/>
+          </a:p>
+          <a:p>
+            <a:endParaRPr lang="en-US" sz="4000" dirty="0" smtClean="0"/>
+          </a:p>
+          <a:p>
+            <a:endParaRPr lang="en-US" dirty="0" smtClean="0"/>
+          </a:p>
+          <a:p>
+            <a:endParaRPr lang="en-US" dirty="0" smtClean="0"/>
+          </a:p>
+          <a:p>
+            <a:endParaRPr lang="en-US" dirty="0"/>
+          </a:p>
+        </p:txBody>
+      </p:sp>
+      <p:pic>
+        <p:nvPicPr>
+          <p:cNvPr id="4" name="Picture 3"/>
+          <p:cNvPicPr>
+            <a:picLocks noChangeAspect="1"/>
+          </p:cNvPicPr>
+          <p:nvPr/>
+        </p:nvPicPr>
+        <p:blipFill>
+          <a:blip r:embed="rId3"/>
+          <a:stretch>
+            <a:fillRect/>
+          </a:stretch>
+        </p:blipFill>
+        <p:spPr>
+          <a:xfrm>
+            <a:off x="218981" y="2354365"/>
+            <a:ext cx="11754038" cy="3323764"/>
+          </a:xfrm>
+          <a:prstGeom prst="rect">
+            <a:avLst/>
+          </a:prstGeom>
+        </p:spPr>
+      </p:pic>
+    </p:spTree>
+    <p:extLst>
+      <p:ext uri="{BB962C8B-B14F-4D97-AF65-F5344CB8AC3E}">
+        <p14:creationId xmlns:p14="http://schemas.microsoft.com/office/powerpoint/2010/main" val="2513997030"/>
+      </p:ext>
+    </p:extLst>
+  </p:cSld>
+  <p:clrMapOvr>
+    <a:masterClrMapping/>
+  </p:clrMapOvr>
+  <p:timing>
+    <p:tnLst>
+      <p:par>
+        <p:cTn id="1" dur="indefinite" restart="never" nodeType="tmRoot"/>
+      </p:par>
+    </p:tnLst>
+  </p:timing>
+</p:sld>
+</file>
+
+<file path=ppt/slides/slide28.xml><?xml version="1.0" encoding="utf-8"?>
+<p:sld xmlns:a="http://schemas.openxmlformats.org/drawingml/2006/main" xmlns:r="http://schemas.openxmlformats.org/officeDocument/2006/relationships" xmlns:p="http://schemas.openxmlformats.org/presentationml/2006/main">
+  <p:cSld>
+    <p:spTree>
+      <p:nvGrpSpPr>
+        <p:cNvPr id="1" name=""/>
+        <p:cNvGrpSpPr/>
+        <p:nvPr/>
+      </p:nvGrpSpPr>
+      <p:grpSpPr>
+        <a:xfrm>
+          <a:off x="0" y="0"/>
+          <a:ext cx="0" cy="0"/>
+          <a:chOff x="0" y="0"/>
+          <a:chExt cx="0" cy="0"/>
+        </a:xfrm>
+      </p:grpSpPr>
+      <p:sp>
+        <p:nvSpPr>
+          <p:cNvPr id="2" name="Title 1"/>
+          <p:cNvSpPr>
+            <a:spLocks noGrp="1"/>
+          </p:cNvSpPr>
+          <p:nvPr>
+            <p:ph type="title"/>
+          </p:nvPr>
+        </p:nvSpPr>
+        <p:spPr>
+          <a:xfrm>
+            <a:off x="838200" y="365125"/>
+            <a:ext cx="10960510" cy="1325563"/>
+          </a:xfrm>
+        </p:spPr>
+        <p:txBody>
+          <a:bodyPr>
+            <a:normAutofit/>
+          </a:bodyPr>
+          <a:lstStyle/>
+          <a:p>
+            <a:r>
+              <a:rPr lang="en-US" sz="4800" dirty="0" smtClean="0"/>
+              <a:t>CSRF Defense </a:t>
+            </a:r>
+            <a:r>
+              <a:rPr lang="en-US" sz="4800" dirty="0"/>
+              <a:t>– cross cutting</a:t>
             </a:r>
             <a:endParaRPr lang="en-US" sz="4800" dirty="0"/>
           </a:p>
@@ -9246,7 +10148,7 @@
 </p:sld>
 </file>
 
-<file path=ppt/slides/slide27.xml><?xml version="1.0" encoding="utf-8"?>
+<file path=ppt/slides/slide29.xml><?xml version="1.0" encoding="utf-8"?>
 <p:sld xmlns:a="http://schemas.openxmlformats.org/drawingml/2006/main" xmlns:r="http://schemas.openxmlformats.org/officeDocument/2006/relationships" xmlns:p="http://schemas.openxmlformats.org/presentationml/2006/main">
   <p:cSld>
     <p:spTree>
@@ -9286,11 +10188,7 @@
             </a:r>
             <a:r>
               <a:rPr lang="en-US" sz="4800" dirty="0"/>
-              <a:t>- </a:t>
-            </a:r>
-            <a:r>
-              <a:rPr lang="en-US" sz="4800" dirty="0" smtClean="0"/>
-              <a:t>framework</a:t>
+              <a:t>– cross cutting</a:t>
             </a:r>
             <a:endParaRPr lang="en-US" sz="4800" dirty="0"/>
           </a:p>
@@ -9396,234 +10294,6 @@
 </p:sld>
 </file>
 
-<file path=ppt/slides/slide28.xml><?xml version="1.0" encoding="utf-8"?>
-<p:sld xmlns:a="http://schemas.openxmlformats.org/drawingml/2006/main" xmlns:r="http://schemas.openxmlformats.org/officeDocument/2006/relationships" xmlns:p="http://schemas.openxmlformats.org/presentationml/2006/main">
-  <p:cSld>
-    <p:spTree>
-      <p:nvGrpSpPr>
-        <p:cNvPr id="1" name=""/>
-        <p:cNvGrpSpPr/>
-        <p:nvPr/>
-      </p:nvGrpSpPr>
-      <p:grpSpPr>
-        <a:xfrm>
-          <a:off x="0" y="0"/>
-          <a:ext cx="0" cy="0"/>
-          <a:chOff x="0" y="0"/>
-          <a:chExt cx="0" cy="0"/>
-        </a:xfrm>
-      </p:grpSpPr>
-      <p:sp>
-        <p:nvSpPr>
-          <p:cNvPr id="2" name="Title 1"/>
-          <p:cNvSpPr>
-            <a:spLocks noGrp="1"/>
-          </p:cNvSpPr>
-          <p:nvPr>
-            <p:ph type="title"/>
-          </p:nvPr>
-        </p:nvSpPr>
-        <p:spPr/>
-        <p:txBody>
-          <a:bodyPr>
-            <a:normAutofit/>
-          </a:bodyPr>
-          <a:lstStyle/>
-          <a:p>
-            <a:r>
-              <a:rPr lang="en-US" sz="4800" dirty="0" smtClean="0"/>
-              <a:t>Patented step-by-step slide</a:t>
-            </a:r>
-            <a:endParaRPr lang="en-US" sz="4800" dirty="0"/>
-          </a:p>
-        </p:txBody>
-      </p:sp>
-      <p:sp>
-        <p:nvSpPr>
-          <p:cNvPr id="3" name="Content Placeholder 2"/>
-          <p:cNvSpPr>
-            <a:spLocks noGrp="1"/>
-          </p:cNvSpPr>
-          <p:nvPr>
-            <p:ph idx="1"/>
-          </p:nvPr>
-        </p:nvSpPr>
-        <p:spPr>
-          <a:xfrm>
-            <a:off x="838200" y="1825624"/>
-            <a:ext cx="10515600" cy="4589923"/>
-          </a:xfrm>
-        </p:spPr>
-        <p:txBody>
-          <a:bodyPr>
-            <a:normAutofit/>
-          </a:bodyPr>
-          <a:lstStyle/>
-          <a:p>
-            <a:r>
-              <a:rPr lang="en-US" sz="4000" dirty="0" smtClean="0">
-                <a:solidFill>
-                  <a:schemeClr val="bg1">
-                    <a:lumMod val="65000"/>
-                  </a:schemeClr>
-                </a:solidFill>
-              </a:rPr>
-              <a:t>Old news</a:t>
-            </a:r>
-            <a:br>
-              <a:rPr lang="en-US" sz="4000" dirty="0" smtClean="0">
-                <a:solidFill>
-                  <a:schemeClr val="bg1">
-                    <a:lumMod val="65000"/>
-                  </a:schemeClr>
-                </a:solidFill>
-              </a:rPr>
-            </a:br>
-            <a:endParaRPr lang="en-US" sz="4000" dirty="0" smtClean="0">
-              <a:solidFill>
-                <a:schemeClr val="bg1">
-                  <a:lumMod val="65000"/>
-                </a:schemeClr>
-              </a:solidFill>
-            </a:endParaRPr>
-          </a:p>
-          <a:p>
-            <a:r>
-              <a:rPr lang="en-US" sz="4000" b="1" dirty="0" smtClean="0"/>
-              <a:t>New hotness</a:t>
-            </a:r>
-          </a:p>
-          <a:p>
-            <a:endParaRPr lang="en-US" sz="4000" dirty="0" smtClean="0"/>
-          </a:p>
-          <a:p>
-            <a:endParaRPr lang="en-US" dirty="0" smtClean="0"/>
-          </a:p>
-          <a:p>
-            <a:endParaRPr lang="en-US" dirty="0" smtClean="0"/>
-          </a:p>
-          <a:p>
-            <a:endParaRPr lang="en-US" dirty="0"/>
-          </a:p>
-        </p:txBody>
-      </p:sp>
-    </p:spTree>
-    <p:extLst>
-      <p:ext uri="{BB962C8B-B14F-4D97-AF65-F5344CB8AC3E}">
-        <p14:creationId xmlns:p14="http://schemas.microsoft.com/office/powerpoint/2010/main" val="1887088746"/>
-      </p:ext>
-    </p:extLst>
-  </p:cSld>
-  <p:clrMapOvr>
-    <a:masterClrMapping/>
-  </p:clrMapOvr>
-  <p:timing>
-    <p:tnLst>
-      <p:par>
-        <p:cTn id="1" dur="indefinite" restart="never" nodeType="tmRoot"/>
-      </p:par>
-    </p:tnLst>
-  </p:timing>
-</p:sld>
-</file>
-
-<file path=ppt/slides/slide29.xml><?xml version="1.0" encoding="utf-8"?>
-<p:sld xmlns:a="http://schemas.openxmlformats.org/drawingml/2006/main" xmlns:r="http://schemas.openxmlformats.org/officeDocument/2006/relationships" xmlns:p="http://schemas.openxmlformats.org/presentationml/2006/main">
-  <p:cSld>
-    <p:spTree>
-      <p:nvGrpSpPr>
-        <p:cNvPr id="1" name=""/>
-        <p:cNvGrpSpPr/>
-        <p:nvPr/>
-      </p:nvGrpSpPr>
-      <p:grpSpPr>
-        <a:xfrm>
-          <a:off x="0" y="0"/>
-          <a:ext cx="0" cy="0"/>
-          <a:chOff x="0" y="0"/>
-          <a:chExt cx="0" cy="0"/>
-        </a:xfrm>
-      </p:grpSpPr>
-      <p:sp>
-        <p:nvSpPr>
-          <p:cNvPr id="2" name="Title 1"/>
-          <p:cNvSpPr>
-            <a:spLocks noGrp="1"/>
-          </p:cNvSpPr>
-          <p:nvPr>
-            <p:ph type="title"/>
-          </p:nvPr>
-        </p:nvSpPr>
-        <p:spPr/>
-        <p:txBody>
-          <a:bodyPr>
-            <a:normAutofit/>
-          </a:bodyPr>
-          <a:lstStyle/>
-          <a:p>
-            <a:r>
-              <a:rPr lang="en-US" sz="4800" dirty="0" smtClean="0"/>
-              <a:t>Canonical example: SQL Injection</a:t>
-            </a:r>
-            <a:endParaRPr lang="en-US" sz="4800" dirty="0"/>
-          </a:p>
-        </p:txBody>
-      </p:sp>
-      <p:sp>
-        <p:nvSpPr>
-          <p:cNvPr id="3" name="Content Placeholder 2"/>
-          <p:cNvSpPr>
-            <a:spLocks noGrp="1"/>
-          </p:cNvSpPr>
-          <p:nvPr>
-            <p:ph idx="1"/>
-          </p:nvPr>
-        </p:nvSpPr>
-        <p:spPr>
-          <a:xfrm>
-            <a:off x="838200" y="1825624"/>
-            <a:ext cx="10515600" cy="4589923"/>
-          </a:xfrm>
-        </p:spPr>
-        <p:txBody>
-          <a:bodyPr>
-            <a:normAutofit/>
-          </a:bodyPr>
-          <a:lstStyle/>
-          <a:p>
-            <a:endParaRPr lang="en-US" sz="4000" dirty="0" smtClean="0"/>
-          </a:p>
-          <a:p>
-            <a:endParaRPr lang="en-US" dirty="0" smtClean="0"/>
-          </a:p>
-          <a:p>
-            <a:endParaRPr lang="en-US" dirty="0" smtClean="0"/>
-          </a:p>
-          <a:p>
-            <a:endParaRPr lang="en-US" dirty="0"/>
-          </a:p>
-        </p:txBody>
-      </p:sp>
-    </p:spTree>
-    <p:extLst>
-      <p:ext uri="{BB962C8B-B14F-4D97-AF65-F5344CB8AC3E}">
-        <p14:creationId xmlns:p14="http://schemas.microsoft.com/office/powerpoint/2010/main" val="1766242099"/>
-      </p:ext>
-    </p:extLst>
-  </p:cSld>
-  <p:clrMapOvr>
-    <a:masterClrMapping/>
-  </p:clrMapOvr>
-  <p:timing>
-    <p:tnLst>
-      <p:par>
-        <p:cTn id="1" dur="indefinite" restart="never" nodeType="tmRoot"/>
-      </p:par>
-    </p:tnLst>
-  </p:timing>
-</p:sld>
-</file>
-
 <file path=ppt/slides/slide3.xml><?xml version="1.0" encoding="utf-8"?>
 <p:sld xmlns:a="http://schemas.openxmlformats.org/drawingml/2006/main" xmlns:r="http://schemas.openxmlformats.org/officeDocument/2006/relationships" xmlns:p="http://schemas.openxmlformats.org/presentationml/2006/main">
   <p:cSld>
@@ -9749,7 +10419,15 @@
           <a:p>
             <a:r>
               <a:rPr lang="en-US" sz="4800" dirty="0" smtClean="0"/>
-              <a:t>Authorization - feature</a:t>
+              <a:t>CSRF Defense </a:t>
+            </a:r>
+            <a:r>
+              <a:rPr lang="en-US" sz="4800" dirty="0"/>
+              <a:t>– cross </a:t>
+            </a:r>
+            <a:r>
+              <a:rPr lang="en-US" sz="4800" dirty="0" smtClean="0"/>
+              <a:t>cutting (ajax)</a:t>
             </a:r>
             <a:endParaRPr lang="en-US" sz="4800" dirty="0"/>
           </a:p>
@@ -9777,9 +10455,6 @@
           </a:bodyPr>
           <a:lstStyle/>
           <a:p>
-            <a:endParaRPr lang="en-US" sz="4000" dirty="0" smtClean="0"/>
-          </a:p>
-          <a:p>
             <a:endParaRPr lang="en-US" dirty="0" smtClean="0"/>
           </a:p>
           <a:p>
@@ -9792,7 +10467,7 @@
       </p:sp>
       <p:pic>
         <p:nvPicPr>
-          <p:cNvPr id="5" name="Picture 4"/>
+          <p:cNvPr id="6" name="Picture 5"/>
           <p:cNvPicPr>
             <a:picLocks noChangeAspect="1"/>
           </p:cNvPicPr>
@@ -9806,8 +10481,32 @@
         </p:blipFill>
         <p:spPr>
           <a:xfrm>
-            <a:off x="838200" y="2946501"/>
-            <a:ext cx="10431478" cy="2554647"/>
+            <a:off x="838200" y="1695088"/>
+            <a:ext cx="9342718" cy="2215434"/>
+          </a:xfrm>
+          <a:prstGeom prst="rect">
+            <a:avLst/>
+          </a:prstGeom>
+        </p:spPr>
+      </p:pic>
+      <p:pic>
+        <p:nvPicPr>
+          <p:cNvPr id="7" name="Picture 6"/>
+          <p:cNvPicPr>
+            <a:picLocks noChangeAspect="1"/>
+          </p:cNvPicPr>
+          <p:nvPr/>
+        </p:nvPicPr>
+        <p:blipFill>
+          <a:blip r:embed="rId4"/>
+          <a:stretch>
+            <a:fillRect/>
+          </a:stretch>
+        </p:blipFill>
+        <p:spPr>
+          <a:xfrm>
+            <a:off x="838200" y="4175994"/>
+            <a:ext cx="9452294" cy="2505025"/>
           </a:xfrm>
           <a:prstGeom prst="rect">
             <a:avLst/>
@@ -9817,7 +10516,7 @@
     </p:spTree>
     <p:extLst>
       <p:ext uri="{BB962C8B-B14F-4D97-AF65-F5344CB8AC3E}">
-        <p14:creationId xmlns:p14="http://schemas.microsoft.com/office/powerpoint/2010/main" val="176538875"/>
+        <p14:creationId xmlns:p14="http://schemas.microsoft.com/office/powerpoint/2010/main" val="2578231445"/>
       </p:ext>
     </p:extLst>
   </p:cSld>
@@ -9861,88 +10560,84 @@
             <p:ph type="title"/>
           </p:nvPr>
         </p:nvSpPr>
-        <p:spPr/>
-        <p:txBody>
-          <a:bodyPr>
+        <p:spPr>
+          <a:xfrm>
+            <a:off x="964927" y="1"/>
+            <a:ext cx="10515600" cy="6858000"/>
+          </a:xfrm>
+        </p:spPr>
+        <p:txBody>
+          <a:bodyPr anchor="ctr">
             <a:normAutofit/>
           </a:bodyPr>
           <a:lstStyle/>
           <a:p>
+            <a:pPr algn="ctr"/>
+            <a:r>
+              <a:rPr lang="en-US" sz="4800" dirty="0" smtClean="0"/>
+              <a:t>Authorization</a:t>
+            </a:r>
+            <a:br>
+              <a:rPr lang="en-US" sz="4800" dirty="0" smtClean="0"/>
+            </a:br>
             <a:r>
               <a:rPr lang="en-US" sz="4800" dirty="0"/>
-              <a:t>Authorization - </a:t>
-            </a:r>
-            <a:r>
-              <a:rPr lang="en-US" sz="4800" dirty="0" smtClean="0"/>
-              <a:t>framework</a:t>
-            </a:r>
-            <a:endParaRPr lang="en-US" sz="4800" dirty="0"/>
-          </a:p>
-        </p:txBody>
-      </p:sp>
-      <p:sp>
-        <p:nvSpPr>
-          <p:cNvPr id="3" name="Content Placeholder 2"/>
-          <p:cNvSpPr>
-            <a:spLocks noGrp="1"/>
-          </p:cNvSpPr>
-          <p:nvPr>
-            <p:ph idx="1"/>
-          </p:nvPr>
-        </p:nvSpPr>
-        <p:spPr>
-          <a:xfrm>
-            <a:off x="838200" y="1825624"/>
-            <a:ext cx="10515600" cy="4589923"/>
-          </a:xfrm>
-        </p:spPr>
-        <p:txBody>
-          <a:bodyPr>
-            <a:normAutofit/>
-          </a:bodyPr>
-          <a:lstStyle/>
-          <a:p>
-            <a:endParaRPr lang="en-US" sz="4000" dirty="0" smtClean="0"/>
-          </a:p>
-          <a:p>
-            <a:endParaRPr lang="en-US" dirty="0" smtClean="0"/>
-          </a:p>
-          <a:p>
-            <a:endParaRPr lang="en-US" dirty="0" smtClean="0"/>
-          </a:p>
-          <a:p>
-            <a:endParaRPr lang="en-US" dirty="0"/>
-          </a:p>
-        </p:txBody>
-      </p:sp>
-      <p:pic>
-        <p:nvPicPr>
-          <p:cNvPr id="5" name="Picture 4"/>
-          <p:cNvPicPr>
-            <a:picLocks noChangeAspect="1"/>
-          </p:cNvPicPr>
-          <p:nvPr/>
-        </p:nvPicPr>
-        <p:blipFill>
-          <a:blip r:embed="rId3"/>
-          <a:stretch>
-            <a:fillRect/>
-          </a:stretch>
-        </p:blipFill>
-        <p:spPr>
-          <a:xfrm>
-            <a:off x="838201" y="2736220"/>
-            <a:ext cx="9677400" cy="1971323"/>
-          </a:xfrm>
-          <a:prstGeom prst="rect">
-            <a:avLst/>
-          </a:prstGeom>
-        </p:spPr>
-      </p:pic>
+              <a:t/>
+            </a:r>
+            <a:br>
+              <a:rPr lang="en-US" sz="4800" dirty="0"/>
+            </a:br>
+            <a:r>
+              <a:rPr lang="en-US" dirty="0" smtClean="0">
+                <a:solidFill>
+                  <a:srgbClr val="013947"/>
+                </a:solidFill>
+              </a:rPr>
+              <a:t>Is user </a:t>
+            </a:r>
+            <a:r>
+              <a:rPr lang="en-US" u="sng" dirty="0" smtClean="0">
+                <a:solidFill>
+                  <a:srgbClr val="013947"/>
+                </a:solidFill>
+              </a:rPr>
+              <a:t>allowed</a:t>
+            </a:r>
+            <a:r>
+              <a:rPr lang="en-US" dirty="0" smtClean="0">
+                <a:solidFill>
+                  <a:srgbClr val="013947"/>
+                </a:solidFill>
+              </a:rPr>
+              <a:t> to perform </a:t>
+            </a:r>
+            <a:br>
+              <a:rPr lang="en-US" dirty="0" smtClean="0">
+                <a:solidFill>
+                  <a:srgbClr val="013947"/>
+                </a:solidFill>
+              </a:rPr>
+            </a:br>
+            <a:r>
+              <a:rPr lang="en-US" dirty="0" smtClean="0">
+                <a:solidFill>
+                  <a:srgbClr val="013947"/>
+                </a:solidFill>
+              </a:rPr>
+              <a:t>a given request?</a:t>
+            </a:r>
+            <a:endParaRPr lang="en-US" sz="4800" dirty="0">
+              <a:solidFill>
+                <a:srgbClr val="013947"/>
+              </a:solidFill>
+            </a:endParaRPr>
+          </a:p>
+        </p:txBody>
+      </p:sp>
     </p:spTree>
     <p:extLst>
       <p:ext uri="{BB962C8B-B14F-4D97-AF65-F5344CB8AC3E}">
-        <p14:creationId xmlns:p14="http://schemas.microsoft.com/office/powerpoint/2010/main" val="4046002787"/>
+        <p14:creationId xmlns:p14="http://schemas.microsoft.com/office/powerpoint/2010/main" val="2983310270"/>
       </p:ext>
     </p:extLst>
   </p:cSld>
@@ -9978,6 +10673,31 @@
       </p:grpSpPr>
       <p:sp>
         <p:nvSpPr>
+          <p:cNvPr id="2" name="Title 1"/>
+          <p:cNvSpPr>
+            <a:spLocks noGrp="1"/>
+          </p:cNvSpPr>
+          <p:nvPr>
+            <p:ph type="title"/>
+          </p:nvPr>
+        </p:nvSpPr>
+        <p:spPr/>
+        <p:txBody>
+          <a:bodyPr>
+            <a:normAutofit/>
+          </a:bodyPr>
+          <a:lstStyle/>
+          <a:p>
+            <a:r>
+              <a:rPr lang="en-US" sz="4800" dirty="0"/>
+              <a:t>Page Authorization – feature</a:t>
+            </a:r>
+            <a:endParaRPr lang="en-US" sz="4800" dirty="0"/>
+          </a:p>
+        </p:txBody>
+      </p:sp>
+      <p:sp>
+        <p:nvSpPr>
           <p:cNvPr id="3" name="Content Placeholder 2"/>
           <p:cNvSpPr>
             <a:spLocks noGrp="1"/>
@@ -10013,7 +10733,7 @@
       </p:sp>
       <p:pic>
         <p:nvPicPr>
-          <p:cNvPr id="7" name="Picture 6"/>
+          <p:cNvPr id="5" name="Picture 4"/>
           <p:cNvPicPr>
             <a:picLocks noChangeAspect="1"/>
           </p:cNvPicPr>
@@ -10027,8 +10747,8 @@
         </p:blipFill>
         <p:spPr>
           <a:xfrm>
-            <a:off x="0" y="265470"/>
-            <a:ext cx="11983223" cy="6415547"/>
+            <a:off x="838199" y="2946501"/>
+            <a:ext cx="11154151" cy="2731628"/>
           </a:xfrm>
           <a:prstGeom prst="rect">
             <a:avLst/>
@@ -10038,7 +10758,7 @@
     </p:spTree>
     <p:extLst>
       <p:ext uri="{BB962C8B-B14F-4D97-AF65-F5344CB8AC3E}">
-        <p14:creationId xmlns:p14="http://schemas.microsoft.com/office/powerpoint/2010/main" val="1217261759"/>
+        <p14:creationId xmlns:p14="http://schemas.microsoft.com/office/powerpoint/2010/main" val="176538875"/>
       </p:ext>
     </p:extLst>
   </p:cSld>
@@ -10091,8 +10811,13 @@
           <a:p>
             <a:r>
               <a:rPr lang="en-US" sz="4800" dirty="0"/>
-              <a:t>Authorization - feature</a:t>
-            </a:r>
+              <a:t>Page Authorization – </a:t>
+            </a:r>
+            <a:r>
+              <a:rPr lang="en-US" sz="4800" dirty="0" smtClean="0"/>
+              <a:t>cross cutting</a:t>
+            </a:r>
+            <a:endParaRPr lang="en-US" sz="4800" dirty="0"/>
           </a:p>
         </p:txBody>
       </p:sp>
@@ -10133,7 +10858,7 @@
       </p:sp>
       <p:pic>
         <p:nvPicPr>
-          <p:cNvPr id="4" name="Picture 3"/>
+          <p:cNvPr id="5" name="Picture 4"/>
           <p:cNvPicPr>
             <a:picLocks noChangeAspect="1"/>
           </p:cNvPicPr>
@@ -10147,8 +10872,8 @@
         </p:blipFill>
         <p:spPr>
           <a:xfrm>
-            <a:off x="838200" y="2019736"/>
-            <a:ext cx="11012331" cy="4145090"/>
+            <a:off x="838200" y="2721471"/>
+            <a:ext cx="9677400" cy="1971323"/>
           </a:xfrm>
           <a:prstGeom prst="rect">
             <a:avLst/>
@@ -10158,7 +10883,7 @@
     </p:spTree>
     <p:extLst>
       <p:ext uri="{BB962C8B-B14F-4D97-AF65-F5344CB8AC3E}">
-        <p14:creationId xmlns:p14="http://schemas.microsoft.com/office/powerpoint/2010/main" val="806865913"/>
+        <p14:creationId xmlns:p14="http://schemas.microsoft.com/office/powerpoint/2010/main" val="4046002787"/>
       </p:ext>
     </p:extLst>
   </p:cSld>
@@ -10194,25 +10919,380 @@
       </p:grpSpPr>
       <p:sp>
         <p:nvSpPr>
-          <p:cNvPr id="2" name="Title 1"/>
-          <p:cNvSpPr>
-            <a:spLocks noGrp="1"/>
-          </p:cNvSpPr>
-          <p:nvPr>
-            <p:ph type="title"/>
-          </p:nvPr>
-        </p:nvSpPr>
-        <p:spPr/>
+          <p:cNvPr id="3" name="Content Placeholder 2"/>
+          <p:cNvSpPr>
+            <a:spLocks noGrp="1"/>
+          </p:cNvSpPr>
+          <p:nvPr>
+            <p:ph idx="1"/>
+          </p:nvPr>
+        </p:nvSpPr>
+        <p:spPr>
+          <a:xfrm>
+            <a:off x="838200" y="1825624"/>
+            <a:ext cx="10515600" cy="4589923"/>
+          </a:xfrm>
+        </p:spPr>
         <p:txBody>
           <a:bodyPr>
             <a:normAutofit/>
           </a:bodyPr>
           <a:lstStyle/>
           <a:p>
+            <a:endParaRPr lang="en-US" sz="4000" dirty="0" smtClean="0"/>
+          </a:p>
+          <a:p>
+            <a:endParaRPr lang="en-US" dirty="0" smtClean="0"/>
+          </a:p>
+          <a:p>
+            <a:endParaRPr lang="en-US" dirty="0" smtClean="0"/>
+          </a:p>
+          <a:p>
+            <a:endParaRPr lang="en-US" dirty="0"/>
+          </a:p>
+        </p:txBody>
+      </p:sp>
+      <p:pic>
+        <p:nvPicPr>
+          <p:cNvPr id="6" name="Picture 5"/>
+          <p:cNvPicPr>
+            <a:picLocks noChangeAspect="1"/>
+          </p:cNvPicPr>
+          <p:nvPr/>
+        </p:nvPicPr>
+        <p:blipFill>
+          <a:blip r:embed="rId3"/>
+          <a:stretch>
+            <a:fillRect/>
+          </a:stretch>
+        </p:blipFill>
+        <p:spPr>
+          <a:xfrm>
+            <a:off x="133231" y="133650"/>
+            <a:ext cx="11973255" cy="6488376"/>
+          </a:xfrm>
+          <a:prstGeom prst="rect">
+            <a:avLst/>
+          </a:prstGeom>
+        </p:spPr>
+      </p:pic>
+    </p:spTree>
+    <p:extLst>
+      <p:ext uri="{BB962C8B-B14F-4D97-AF65-F5344CB8AC3E}">
+        <p14:creationId xmlns:p14="http://schemas.microsoft.com/office/powerpoint/2010/main" val="1366898581"/>
+      </p:ext>
+    </p:extLst>
+  </p:cSld>
+  <p:clrMapOvr>
+    <a:masterClrMapping/>
+  </p:clrMapOvr>
+  <p:timing>
+    <p:tnLst>
+      <p:par>
+        <p:cTn id="1" dur="indefinite" restart="never" nodeType="tmRoot"/>
+      </p:par>
+    </p:tnLst>
+  </p:timing>
+</p:sld>
+</file>
+
+<file path=ppt/slides/slide35.xml><?xml version="1.0" encoding="utf-8"?>
+<p:sld xmlns:a="http://schemas.openxmlformats.org/drawingml/2006/main" xmlns:r="http://schemas.openxmlformats.org/officeDocument/2006/relationships" xmlns:p="http://schemas.openxmlformats.org/presentationml/2006/main">
+  <p:cSld>
+    <p:spTree>
+      <p:nvGrpSpPr>
+        <p:cNvPr id="1" name=""/>
+        <p:cNvGrpSpPr/>
+        <p:nvPr/>
+      </p:nvGrpSpPr>
+      <p:grpSpPr>
+        <a:xfrm>
+          <a:off x="0" y="0"/>
+          <a:ext cx="0" cy="0"/>
+          <a:chOff x="0" y="0"/>
+          <a:chExt cx="0" cy="0"/>
+        </a:xfrm>
+      </p:grpSpPr>
+      <p:sp>
+        <p:nvSpPr>
+          <p:cNvPr id="2" name="Title 1"/>
+          <p:cNvSpPr>
+            <a:spLocks noGrp="1"/>
+          </p:cNvSpPr>
+          <p:nvPr>
+            <p:ph type="title"/>
+          </p:nvPr>
+        </p:nvSpPr>
+        <p:spPr/>
+        <p:txBody>
+          <a:bodyPr>
+            <a:normAutofit/>
+          </a:bodyPr>
+          <a:lstStyle/>
+          <a:p>
+            <a:r>
+              <a:rPr lang="en-US" sz="4800" dirty="0" smtClean="0"/>
+              <a:t>Page Authorization </a:t>
+            </a:r>
             <a:r>
               <a:rPr lang="en-US" sz="4800" dirty="0"/>
-              <a:t>Authorization - framework</a:t>
-            </a:r>
+              <a:t>– </a:t>
+            </a:r>
+            <a:r>
+              <a:rPr lang="en-US" sz="4800" dirty="0" smtClean="0"/>
+              <a:t>auditing</a:t>
+            </a:r>
+            <a:endParaRPr lang="en-US" sz="4800" dirty="0"/>
+          </a:p>
+        </p:txBody>
+      </p:sp>
+      <p:sp>
+        <p:nvSpPr>
+          <p:cNvPr id="3" name="Content Placeholder 2"/>
+          <p:cNvSpPr>
+            <a:spLocks noGrp="1"/>
+          </p:cNvSpPr>
+          <p:nvPr>
+            <p:ph idx="1"/>
+          </p:nvPr>
+        </p:nvSpPr>
+        <p:spPr>
+          <a:xfrm>
+            <a:off x="838200" y="1825624"/>
+            <a:ext cx="10515600" cy="4589923"/>
+          </a:xfrm>
+        </p:spPr>
+        <p:txBody>
+          <a:bodyPr>
+            <a:normAutofit/>
+          </a:bodyPr>
+          <a:lstStyle/>
+          <a:p>
+            <a:endParaRPr lang="en-US" sz="4000" dirty="0" smtClean="0"/>
+          </a:p>
+          <a:p>
+            <a:endParaRPr lang="en-US" dirty="0" smtClean="0"/>
+          </a:p>
+          <a:p>
+            <a:endParaRPr lang="en-US" dirty="0" smtClean="0"/>
+          </a:p>
+          <a:p>
+            <a:endParaRPr lang="en-US" dirty="0"/>
+          </a:p>
+        </p:txBody>
+      </p:sp>
+      <p:pic>
+        <p:nvPicPr>
+          <p:cNvPr id="4" name="Picture 3"/>
+          <p:cNvPicPr>
+            <a:picLocks noChangeAspect="1"/>
+          </p:cNvPicPr>
+          <p:nvPr/>
+        </p:nvPicPr>
+        <p:blipFill>
+          <a:blip r:embed="rId3"/>
+          <a:stretch>
+            <a:fillRect/>
+          </a:stretch>
+        </p:blipFill>
+        <p:spPr>
+          <a:xfrm>
+            <a:off x="838199" y="1690688"/>
+            <a:ext cx="7509387" cy="5073546"/>
+          </a:xfrm>
+          <a:prstGeom prst="rect">
+            <a:avLst/>
+          </a:prstGeom>
+        </p:spPr>
+      </p:pic>
+    </p:spTree>
+    <p:extLst>
+      <p:ext uri="{BB962C8B-B14F-4D97-AF65-F5344CB8AC3E}">
+        <p14:creationId xmlns:p14="http://schemas.microsoft.com/office/powerpoint/2010/main" val="3981982837"/>
+      </p:ext>
+    </p:extLst>
+  </p:cSld>
+  <p:clrMapOvr>
+    <a:masterClrMapping/>
+  </p:clrMapOvr>
+  <p:timing>
+    <p:tnLst>
+      <p:par>
+        <p:cTn id="1" dur="indefinite" restart="never" nodeType="tmRoot"/>
+      </p:par>
+    </p:tnLst>
+  </p:timing>
+</p:sld>
+</file>
+
+<file path=ppt/slides/slide36.xml><?xml version="1.0" encoding="utf-8"?>
+<p:sld xmlns:a="http://schemas.openxmlformats.org/drawingml/2006/main" xmlns:r="http://schemas.openxmlformats.org/officeDocument/2006/relationships" xmlns:p="http://schemas.openxmlformats.org/presentationml/2006/main">
+  <p:cSld>
+    <p:spTree>
+      <p:nvGrpSpPr>
+        <p:cNvPr id="1" name=""/>
+        <p:cNvGrpSpPr/>
+        <p:nvPr/>
+      </p:nvGrpSpPr>
+      <p:grpSpPr>
+        <a:xfrm>
+          <a:off x="0" y="0"/>
+          <a:ext cx="0" cy="0"/>
+          <a:chOff x="0" y="0"/>
+          <a:chExt cx="0" cy="0"/>
+        </a:xfrm>
+      </p:grpSpPr>
+      <p:sp>
+        <p:nvSpPr>
+          <p:cNvPr id="2" name="Title 1"/>
+          <p:cNvSpPr>
+            <a:spLocks noGrp="1"/>
+          </p:cNvSpPr>
+          <p:nvPr>
+            <p:ph type="title"/>
+          </p:nvPr>
+        </p:nvSpPr>
+        <p:spPr/>
+        <p:txBody>
+          <a:bodyPr>
+            <a:normAutofit/>
+          </a:bodyPr>
+          <a:lstStyle/>
+          <a:p>
+            <a:r>
+              <a:rPr lang="en-US" sz="4800" dirty="0" smtClean="0"/>
+              <a:t>Property </a:t>
+            </a:r>
+            <a:r>
+              <a:rPr lang="en-US" sz="4800" dirty="0"/>
+              <a:t>Authorization – feature</a:t>
+            </a:r>
+            <a:endParaRPr lang="en-US" sz="4800" dirty="0"/>
+          </a:p>
+        </p:txBody>
+      </p:sp>
+      <p:sp>
+        <p:nvSpPr>
+          <p:cNvPr id="3" name="Content Placeholder 2"/>
+          <p:cNvSpPr>
+            <a:spLocks noGrp="1"/>
+          </p:cNvSpPr>
+          <p:nvPr>
+            <p:ph idx="1"/>
+          </p:nvPr>
+        </p:nvSpPr>
+        <p:spPr>
+          <a:xfrm>
+            <a:off x="838200" y="1825624"/>
+            <a:ext cx="10515600" cy="4589923"/>
+          </a:xfrm>
+        </p:spPr>
+        <p:txBody>
+          <a:bodyPr>
+            <a:normAutofit/>
+          </a:bodyPr>
+          <a:lstStyle/>
+          <a:p>
+            <a:endParaRPr lang="en-US" sz="4000" dirty="0" smtClean="0"/>
+          </a:p>
+          <a:p>
+            <a:endParaRPr lang="en-US" dirty="0" smtClean="0"/>
+          </a:p>
+          <a:p>
+            <a:endParaRPr lang="en-US" dirty="0" smtClean="0"/>
+          </a:p>
+          <a:p>
+            <a:endParaRPr lang="en-US" dirty="0"/>
+          </a:p>
+        </p:txBody>
+      </p:sp>
+      <p:pic>
+        <p:nvPicPr>
+          <p:cNvPr id="4" name="Picture 3"/>
+          <p:cNvPicPr>
+            <a:picLocks noChangeAspect="1"/>
+          </p:cNvPicPr>
+          <p:nvPr/>
+        </p:nvPicPr>
+        <p:blipFill>
+          <a:blip r:embed="rId3"/>
+          <a:stretch>
+            <a:fillRect/>
+          </a:stretch>
+        </p:blipFill>
+        <p:spPr>
+          <a:xfrm>
+            <a:off x="838200" y="2019735"/>
+            <a:ext cx="11325789" cy="4263077"/>
+          </a:xfrm>
+          <a:prstGeom prst="rect">
+            <a:avLst/>
+          </a:prstGeom>
+        </p:spPr>
+      </p:pic>
+    </p:spTree>
+    <p:extLst>
+      <p:ext uri="{BB962C8B-B14F-4D97-AF65-F5344CB8AC3E}">
+        <p14:creationId xmlns:p14="http://schemas.microsoft.com/office/powerpoint/2010/main" val="806865913"/>
+      </p:ext>
+    </p:extLst>
+  </p:cSld>
+  <p:clrMapOvr>
+    <a:masterClrMapping/>
+  </p:clrMapOvr>
+  <p:timing>
+    <p:tnLst>
+      <p:par>
+        <p:cTn id="1" dur="indefinite" restart="never" nodeType="tmRoot"/>
+      </p:par>
+    </p:tnLst>
+  </p:timing>
+</p:sld>
+</file>
+
+<file path=ppt/slides/slide37.xml><?xml version="1.0" encoding="utf-8"?>
+<p:sld xmlns:a="http://schemas.openxmlformats.org/drawingml/2006/main" xmlns:r="http://schemas.openxmlformats.org/officeDocument/2006/relationships" xmlns:p="http://schemas.openxmlformats.org/presentationml/2006/main">
+  <p:cSld>
+    <p:spTree>
+      <p:nvGrpSpPr>
+        <p:cNvPr id="1" name=""/>
+        <p:cNvGrpSpPr/>
+        <p:nvPr/>
+      </p:nvGrpSpPr>
+      <p:grpSpPr>
+        <a:xfrm>
+          <a:off x="0" y="0"/>
+          <a:ext cx="0" cy="0"/>
+          <a:chOff x="0" y="0"/>
+          <a:chExt cx="0" cy="0"/>
+        </a:xfrm>
+      </p:grpSpPr>
+      <p:sp>
+        <p:nvSpPr>
+          <p:cNvPr id="2" name="Title 1"/>
+          <p:cNvSpPr>
+            <a:spLocks noGrp="1"/>
+          </p:cNvSpPr>
+          <p:nvPr>
+            <p:ph type="title"/>
+          </p:nvPr>
+        </p:nvSpPr>
+        <p:spPr/>
+        <p:txBody>
+          <a:bodyPr>
+            <a:normAutofit/>
+          </a:bodyPr>
+          <a:lstStyle/>
+          <a:p>
+            <a:r>
+              <a:rPr lang="en-US" sz="4800" dirty="0"/>
+              <a:t>Property Authorization – </a:t>
+            </a:r>
+            <a:r>
+              <a:rPr lang="en-US" sz="4800" dirty="0" smtClean="0"/>
+              <a:t>cross cutting</a:t>
+            </a:r>
+            <a:endParaRPr lang="en-US" sz="4800" dirty="0"/>
           </a:p>
         </p:txBody>
       </p:sp>
@@ -10295,7 +11375,565 @@
 </p:sld>
 </file>
 
-<file path=ppt/slides/slide35.xml><?xml version="1.0" encoding="utf-8"?>
+<file path=ppt/slides/slide38.xml><?xml version="1.0" encoding="utf-8"?>
+<p:sld xmlns:a="http://schemas.openxmlformats.org/drawingml/2006/main" xmlns:r="http://schemas.openxmlformats.org/officeDocument/2006/relationships" xmlns:p="http://schemas.openxmlformats.org/presentationml/2006/main">
+  <p:cSld>
+    <p:spTree>
+      <p:nvGrpSpPr>
+        <p:cNvPr id="1" name=""/>
+        <p:cNvGrpSpPr/>
+        <p:nvPr/>
+      </p:nvGrpSpPr>
+      <p:grpSpPr>
+        <a:xfrm>
+          <a:off x="0" y="0"/>
+          <a:ext cx="0" cy="0"/>
+          <a:chOff x="0" y="0"/>
+          <a:chExt cx="0" cy="0"/>
+        </a:xfrm>
+      </p:grpSpPr>
+      <p:sp>
+        <p:nvSpPr>
+          <p:cNvPr id="3" name="Content Placeholder 2"/>
+          <p:cNvSpPr>
+            <a:spLocks noGrp="1"/>
+          </p:cNvSpPr>
+          <p:nvPr>
+            <p:ph idx="1"/>
+          </p:nvPr>
+        </p:nvSpPr>
+        <p:spPr>
+          <a:xfrm>
+            <a:off x="838200" y="1825624"/>
+            <a:ext cx="10515600" cy="4589923"/>
+          </a:xfrm>
+        </p:spPr>
+        <p:txBody>
+          <a:bodyPr>
+            <a:normAutofit/>
+          </a:bodyPr>
+          <a:lstStyle/>
+          <a:p>
+            <a:endParaRPr lang="en-US" dirty="0" smtClean="0"/>
+          </a:p>
+          <a:p>
+            <a:endParaRPr lang="en-US" dirty="0" smtClean="0"/>
+          </a:p>
+          <a:p>
+            <a:endParaRPr lang="en-US" dirty="0"/>
+          </a:p>
+        </p:txBody>
+      </p:sp>
+      <p:pic>
+        <p:nvPicPr>
+          <p:cNvPr id="6" name="Picture 5"/>
+          <p:cNvPicPr>
+            <a:picLocks noChangeAspect="1"/>
+          </p:cNvPicPr>
+          <p:nvPr/>
+        </p:nvPicPr>
+        <p:blipFill>
+          <a:blip r:embed="rId3"/>
+          <a:stretch>
+            <a:fillRect/>
+          </a:stretch>
+        </p:blipFill>
+        <p:spPr>
+          <a:xfrm>
+            <a:off x="198603" y="85314"/>
+            <a:ext cx="9276976" cy="6772686"/>
+          </a:xfrm>
+          <a:prstGeom prst="rect">
+            <a:avLst/>
+          </a:prstGeom>
+        </p:spPr>
+      </p:pic>
+    </p:spTree>
+    <p:extLst>
+      <p:ext uri="{BB962C8B-B14F-4D97-AF65-F5344CB8AC3E}">
+        <p14:creationId xmlns:p14="http://schemas.microsoft.com/office/powerpoint/2010/main" val="4159394539"/>
+      </p:ext>
+    </p:extLst>
+  </p:cSld>
+  <p:clrMapOvr>
+    <a:masterClrMapping/>
+  </p:clrMapOvr>
+  <p:timing>
+    <p:tnLst>
+      <p:par>
+        <p:cTn id="1" dur="indefinite" restart="never" nodeType="tmRoot"/>
+      </p:par>
+    </p:tnLst>
+  </p:timing>
+</p:sld>
+</file>
+
+<file path=ppt/slides/slide39.xml><?xml version="1.0" encoding="utf-8"?>
+<p:sld xmlns:a="http://schemas.openxmlformats.org/drawingml/2006/main" xmlns:r="http://schemas.openxmlformats.org/officeDocument/2006/relationships" xmlns:p="http://schemas.openxmlformats.org/presentationml/2006/main">
+  <p:cSld>
+    <p:spTree>
+      <p:nvGrpSpPr>
+        <p:cNvPr id="1" name=""/>
+        <p:cNvGrpSpPr/>
+        <p:nvPr/>
+      </p:nvGrpSpPr>
+      <p:grpSpPr>
+        <a:xfrm>
+          <a:off x="0" y="0"/>
+          <a:ext cx="0" cy="0"/>
+          <a:chOff x="0" y="0"/>
+          <a:chExt cx="0" cy="0"/>
+        </a:xfrm>
+      </p:grpSpPr>
+      <p:sp>
+        <p:nvSpPr>
+          <p:cNvPr id="2" name="Title 1"/>
+          <p:cNvSpPr>
+            <a:spLocks noGrp="1"/>
+          </p:cNvSpPr>
+          <p:nvPr>
+            <p:ph type="title"/>
+          </p:nvPr>
+        </p:nvSpPr>
+        <p:spPr/>
+        <p:txBody>
+          <a:bodyPr>
+            <a:normAutofit/>
+          </a:bodyPr>
+          <a:lstStyle/>
+          <a:p>
+            <a:r>
+              <a:rPr lang="en-US" sz="4800" dirty="0"/>
+              <a:t>Property Authorization – </a:t>
+            </a:r>
+            <a:r>
+              <a:rPr lang="en-US" sz="4800" dirty="0" smtClean="0"/>
+              <a:t>cross cutting</a:t>
+            </a:r>
+            <a:endParaRPr lang="en-US" sz="4800" dirty="0"/>
+          </a:p>
+        </p:txBody>
+      </p:sp>
+      <p:sp>
+        <p:nvSpPr>
+          <p:cNvPr id="3" name="Content Placeholder 2"/>
+          <p:cNvSpPr>
+            <a:spLocks noGrp="1"/>
+          </p:cNvSpPr>
+          <p:nvPr>
+            <p:ph idx="1"/>
+          </p:nvPr>
+        </p:nvSpPr>
+        <p:spPr>
+          <a:xfrm>
+            <a:off x="838200" y="1825624"/>
+            <a:ext cx="10515600" cy="4589923"/>
+          </a:xfrm>
+        </p:spPr>
+        <p:txBody>
+          <a:bodyPr>
+            <a:normAutofit/>
+          </a:bodyPr>
+          <a:lstStyle/>
+          <a:p>
+            <a:endParaRPr lang="en-US" sz="4000" dirty="0" smtClean="0"/>
+          </a:p>
+          <a:p>
+            <a:endParaRPr lang="en-US" dirty="0" smtClean="0"/>
+          </a:p>
+          <a:p>
+            <a:endParaRPr lang="en-US" dirty="0" smtClean="0"/>
+          </a:p>
+          <a:p>
+            <a:endParaRPr lang="en-US" dirty="0"/>
+          </a:p>
+        </p:txBody>
+      </p:sp>
+      <p:pic>
+        <p:nvPicPr>
+          <p:cNvPr id="5" name="Picture 4"/>
+          <p:cNvPicPr>
+            <a:picLocks noChangeAspect="1"/>
+          </p:cNvPicPr>
+          <p:nvPr/>
+        </p:nvPicPr>
+        <p:blipFill>
+          <a:blip r:embed="rId3"/>
+          <a:stretch>
+            <a:fillRect/>
+          </a:stretch>
+        </p:blipFill>
+        <p:spPr>
+          <a:xfrm>
+            <a:off x="838200" y="2136103"/>
+            <a:ext cx="7184923" cy="3968963"/>
+          </a:xfrm>
+          <a:prstGeom prst="rect">
+            <a:avLst/>
+          </a:prstGeom>
+        </p:spPr>
+      </p:pic>
+    </p:spTree>
+    <p:extLst>
+      <p:ext uri="{BB962C8B-B14F-4D97-AF65-F5344CB8AC3E}">
+        <p14:creationId xmlns:p14="http://schemas.microsoft.com/office/powerpoint/2010/main" val="3763800813"/>
+      </p:ext>
+    </p:extLst>
+  </p:cSld>
+  <p:clrMapOvr>
+    <a:masterClrMapping/>
+  </p:clrMapOvr>
+  <p:timing>
+    <p:tnLst>
+      <p:par>
+        <p:cTn id="1" dur="indefinite" restart="never" nodeType="tmRoot"/>
+      </p:par>
+    </p:tnLst>
+  </p:timing>
+</p:sld>
+</file>
+
+<file path=ppt/slides/slide4.xml><?xml version="1.0" encoding="utf-8"?>
+<p:sld xmlns:a="http://schemas.openxmlformats.org/drawingml/2006/main" xmlns:r="http://schemas.openxmlformats.org/officeDocument/2006/relationships" xmlns:p="http://schemas.openxmlformats.org/presentationml/2006/main">
+  <p:cSld>
+    <p:spTree>
+      <p:nvGrpSpPr>
+        <p:cNvPr id="1" name=""/>
+        <p:cNvGrpSpPr/>
+        <p:nvPr/>
+      </p:nvGrpSpPr>
+      <p:grpSpPr>
+        <a:xfrm>
+          <a:off x="0" y="0"/>
+          <a:ext cx="0" cy="0"/>
+          <a:chOff x="0" y="0"/>
+          <a:chExt cx="0" cy="0"/>
+        </a:xfrm>
+      </p:grpSpPr>
+      <p:sp>
+        <p:nvSpPr>
+          <p:cNvPr id="2" name="Title 1"/>
+          <p:cNvSpPr>
+            <a:spLocks noGrp="1"/>
+          </p:cNvSpPr>
+          <p:nvPr>
+            <p:ph type="title"/>
+          </p:nvPr>
+        </p:nvSpPr>
+        <p:spPr>
+          <a:xfrm>
+            <a:off x="964927" y="1"/>
+            <a:ext cx="10515600" cy="6858000"/>
+          </a:xfrm>
+        </p:spPr>
+        <p:txBody>
+          <a:bodyPr anchor="ctr">
+            <a:normAutofit/>
+          </a:bodyPr>
+          <a:lstStyle/>
+          <a:p>
+            <a:pPr algn="ctr"/>
+            <a:r>
+              <a:rPr lang="en-US" sz="4800" strike="sngStrike" dirty="0" smtClean="0">
+                <a:solidFill>
+                  <a:schemeClr val="bg1">
+                    <a:lumMod val="75000"/>
+                  </a:schemeClr>
+                </a:solidFill>
+              </a:rPr>
+              <a:t>I hate writing secure code</a:t>
+            </a:r>
+            <a:br>
+              <a:rPr lang="en-US" sz="4800" strike="sngStrike" dirty="0" smtClean="0">
+                <a:solidFill>
+                  <a:schemeClr val="bg1">
+                    <a:lumMod val="75000"/>
+                  </a:schemeClr>
+                </a:solidFill>
+              </a:rPr>
+            </a:br>
+            <a:r>
+              <a:rPr lang="en-US" sz="4800" strike="sngStrike" dirty="0" smtClean="0">
+                <a:solidFill>
+                  <a:schemeClr val="bg1">
+                    <a:lumMod val="75000"/>
+                  </a:schemeClr>
+                </a:solidFill>
+              </a:rPr>
+              <a:t>I hate writing secure features</a:t>
+            </a:r>
+            <a:r>
+              <a:rPr lang="en-US" sz="4800" strike="sngStrike" dirty="0" smtClean="0"/>
+              <a:t/>
+            </a:r>
+            <a:br>
+              <a:rPr lang="en-US" sz="4800" strike="sngStrike" dirty="0" smtClean="0"/>
+            </a:br>
+            <a:r>
+              <a:rPr lang="en-US" sz="4800" dirty="0" smtClean="0"/>
+              <a:t>I hate implementing </a:t>
+            </a:r>
+            <a:r>
+              <a:rPr lang="en-US" sz="4800" i="1" dirty="0" smtClean="0"/>
+              <a:t>cross-cutting security concerns</a:t>
+            </a:r>
+            <a:r>
+              <a:rPr lang="en-US" sz="4800" dirty="0" smtClean="0"/>
+              <a:t> by repeating the same patterns over and over again in my feature-level code</a:t>
+            </a:r>
+            <a:endParaRPr lang="en-US" sz="4800" dirty="0"/>
+          </a:p>
+        </p:txBody>
+      </p:sp>
+    </p:spTree>
+    <p:extLst>
+      <p:ext uri="{BB962C8B-B14F-4D97-AF65-F5344CB8AC3E}">
+        <p14:creationId xmlns:p14="http://schemas.microsoft.com/office/powerpoint/2010/main" val="3846056723"/>
+      </p:ext>
+    </p:extLst>
+  </p:cSld>
+  <p:clrMapOvr>
+    <a:masterClrMapping/>
+  </p:clrMapOvr>
+  <p:timing>
+    <p:tnLst>
+      <p:par>
+        <p:cTn id="1" dur="indefinite" restart="never" nodeType="tmRoot"/>
+      </p:par>
+    </p:tnLst>
+  </p:timing>
+</p:sld>
+</file>
+
+<file path=ppt/slides/slide40.xml><?xml version="1.0" encoding="utf-8"?>
+<p:sld xmlns:a="http://schemas.openxmlformats.org/drawingml/2006/main" xmlns:r="http://schemas.openxmlformats.org/officeDocument/2006/relationships" xmlns:p="http://schemas.openxmlformats.org/presentationml/2006/main">
+  <p:cSld>
+    <p:spTree>
+      <p:nvGrpSpPr>
+        <p:cNvPr id="1" name=""/>
+        <p:cNvGrpSpPr/>
+        <p:nvPr/>
+      </p:nvGrpSpPr>
+      <p:grpSpPr>
+        <a:xfrm>
+          <a:off x="0" y="0"/>
+          <a:ext cx="0" cy="0"/>
+          <a:chOff x="0" y="0"/>
+          <a:chExt cx="0" cy="0"/>
+        </a:xfrm>
+      </p:grpSpPr>
+      <p:sp>
+        <p:nvSpPr>
+          <p:cNvPr id="2" name="Title 1"/>
+          <p:cNvSpPr>
+            <a:spLocks noGrp="1"/>
+          </p:cNvSpPr>
+          <p:nvPr>
+            <p:ph type="title"/>
+          </p:nvPr>
+        </p:nvSpPr>
+        <p:spPr/>
+        <p:txBody>
+          <a:bodyPr>
+            <a:normAutofit/>
+          </a:bodyPr>
+          <a:lstStyle/>
+          <a:p>
+            <a:r>
+              <a:rPr lang="en-US" sz="4800" dirty="0" smtClean="0"/>
+              <a:t>Patented step-by-step slide</a:t>
+            </a:r>
+            <a:endParaRPr lang="en-US" sz="4800" dirty="0"/>
+          </a:p>
+        </p:txBody>
+      </p:sp>
+      <p:sp>
+        <p:nvSpPr>
+          <p:cNvPr id="3" name="Content Placeholder 2"/>
+          <p:cNvSpPr>
+            <a:spLocks noGrp="1"/>
+          </p:cNvSpPr>
+          <p:nvPr>
+            <p:ph idx="1"/>
+          </p:nvPr>
+        </p:nvSpPr>
+        <p:spPr>
+          <a:xfrm>
+            <a:off x="838200" y="1825624"/>
+            <a:ext cx="10515600" cy="4589923"/>
+          </a:xfrm>
+        </p:spPr>
+        <p:txBody>
+          <a:bodyPr>
+            <a:normAutofit/>
+          </a:bodyPr>
+          <a:lstStyle/>
+          <a:p>
+            <a:r>
+              <a:rPr lang="en-US" sz="4000" dirty="0" smtClean="0">
+                <a:solidFill>
+                  <a:schemeClr val="bg1">
+                    <a:lumMod val="65000"/>
+                  </a:schemeClr>
+                </a:solidFill>
+              </a:rPr>
+              <a:t>Old news</a:t>
+            </a:r>
+            <a:br>
+              <a:rPr lang="en-US" sz="4000" dirty="0" smtClean="0">
+                <a:solidFill>
+                  <a:schemeClr val="bg1">
+                    <a:lumMod val="65000"/>
+                  </a:schemeClr>
+                </a:solidFill>
+              </a:rPr>
+            </a:br>
+            <a:endParaRPr lang="en-US" sz="4000" dirty="0" smtClean="0">
+              <a:solidFill>
+                <a:schemeClr val="bg1">
+                  <a:lumMod val="65000"/>
+                </a:schemeClr>
+              </a:solidFill>
+            </a:endParaRPr>
+          </a:p>
+          <a:p>
+            <a:r>
+              <a:rPr lang="en-US" sz="4000" b="1" dirty="0" smtClean="0"/>
+              <a:t>New hotness</a:t>
+            </a:r>
+          </a:p>
+          <a:p>
+            <a:endParaRPr lang="en-US" sz="4000" dirty="0" smtClean="0"/>
+          </a:p>
+          <a:p>
+            <a:endParaRPr lang="en-US" dirty="0" smtClean="0"/>
+          </a:p>
+          <a:p>
+            <a:endParaRPr lang="en-US" dirty="0" smtClean="0"/>
+          </a:p>
+          <a:p>
+            <a:endParaRPr lang="en-US" dirty="0"/>
+          </a:p>
+        </p:txBody>
+      </p:sp>
+    </p:spTree>
+    <p:extLst>
+      <p:ext uri="{BB962C8B-B14F-4D97-AF65-F5344CB8AC3E}">
+        <p14:creationId xmlns:p14="http://schemas.microsoft.com/office/powerpoint/2010/main" val="1887088746"/>
+      </p:ext>
+    </p:extLst>
+  </p:cSld>
+  <p:clrMapOvr>
+    <a:masterClrMapping/>
+  </p:clrMapOvr>
+  <p:timing>
+    <p:tnLst>
+      <p:par>
+        <p:cTn id="1" dur="indefinite" restart="never" nodeType="tmRoot"/>
+      </p:par>
+    </p:tnLst>
+  </p:timing>
+</p:sld>
+</file>
+
+<file path=ppt/slides/slide41.xml><?xml version="1.0" encoding="utf-8"?>
+<p:sld xmlns:a="http://schemas.openxmlformats.org/drawingml/2006/main" xmlns:r="http://schemas.openxmlformats.org/officeDocument/2006/relationships" xmlns:p="http://schemas.openxmlformats.org/presentationml/2006/main">
+  <p:cSld>
+    <p:spTree>
+      <p:nvGrpSpPr>
+        <p:cNvPr id="1" name=""/>
+        <p:cNvGrpSpPr/>
+        <p:nvPr/>
+      </p:nvGrpSpPr>
+      <p:grpSpPr>
+        <a:xfrm>
+          <a:off x="0" y="0"/>
+          <a:ext cx="0" cy="0"/>
+          <a:chOff x="0" y="0"/>
+          <a:chExt cx="0" cy="0"/>
+        </a:xfrm>
+      </p:grpSpPr>
+      <p:sp>
+        <p:nvSpPr>
+          <p:cNvPr id="2" name="Title 1"/>
+          <p:cNvSpPr>
+            <a:spLocks noGrp="1"/>
+          </p:cNvSpPr>
+          <p:nvPr>
+            <p:ph type="title"/>
+          </p:nvPr>
+        </p:nvSpPr>
+        <p:spPr/>
+        <p:txBody>
+          <a:bodyPr>
+            <a:normAutofit/>
+          </a:bodyPr>
+          <a:lstStyle/>
+          <a:p>
+            <a:r>
+              <a:rPr lang="en-US" sz="4800" dirty="0" smtClean="0"/>
+              <a:t>Canonical example: SQL Injection</a:t>
+            </a:r>
+            <a:endParaRPr lang="en-US" sz="4800" dirty="0"/>
+          </a:p>
+        </p:txBody>
+      </p:sp>
+      <p:sp>
+        <p:nvSpPr>
+          <p:cNvPr id="3" name="Content Placeholder 2"/>
+          <p:cNvSpPr>
+            <a:spLocks noGrp="1"/>
+          </p:cNvSpPr>
+          <p:nvPr>
+            <p:ph idx="1"/>
+          </p:nvPr>
+        </p:nvSpPr>
+        <p:spPr>
+          <a:xfrm>
+            <a:off x="838200" y="1825624"/>
+            <a:ext cx="10515600" cy="4589923"/>
+          </a:xfrm>
+        </p:spPr>
+        <p:txBody>
+          <a:bodyPr>
+            <a:normAutofit/>
+          </a:bodyPr>
+          <a:lstStyle/>
+          <a:p>
+            <a:endParaRPr lang="en-US" sz="4000" dirty="0" smtClean="0"/>
+          </a:p>
+          <a:p>
+            <a:endParaRPr lang="en-US" dirty="0" smtClean="0"/>
+          </a:p>
+          <a:p>
+            <a:endParaRPr lang="en-US" dirty="0" smtClean="0"/>
+          </a:p>
+          <a:p>
+            <a:endParaRPr lang="en-US" dirty="0"/>
+          </a:p>
+        </p:txBody>
+      </p:sp>
+    </p:spTree>
+    <p:extLst>
+      <p:ext uri="{BB962C8B-B14F-4D97-AF65-F5344CB8AC3E}">
+        <p14:creationId xmlns:p14="http://schemas.microsoft.com/office/powerpoint/2010/main" val="1766242099"/>
+      </p:ext>
+    </p:extLst>
+  </p:cSld>
+  <p:clrMapOvr>
+    <a:masterClrMapping/>
+  </p:clrMapOvr>
+  <p:timing>
+    <p:tnLst>
+      <p:par>
+        <p:cTn id="1" dur="indefinite" restart="never" nodeType="tmRoot"/>
+      </p:par>
+    </p:tnLst>
+  </p:timing>
+</p:sld>
+</file>
+
+<file path=ppt/slides/slide42.xml><?xml version="1.0" encoding="utf-8"?>
 <p:sld xmlns:a="http://schemas.openxmlformats.org/drawingml/2006/main" xmlns:r="http://schemas.openxmlformats.org/officeDocument/2006/relationships" xmlns:p="http://schemas.openxmlformats.org/presentationml/2006/main">
   <p:cSld>
     <p:spTree>
@@ -10416,7 +12054,7 @@
 </p:sld>
 </file>
 
-<file path=ppt/slides/slide36.xml><?xml version="1.0" encoding="utf-8"?>
+<file path=ppt/slides/slide43.xml><?xml version="1.0" encoding="utf-8"?>
 <p:sld xmlns:a="http://schemas.openxmlformats.org/drawingml/2006/main" xmlns:r="http://schemas.openxmlformats.org/officeDocument/2006/relationships" xmlns:p="http://schemas.openxmlformats.org/presentationml/2006/main">
   <p:cSld>
     <p:spTree>
@@ -10542,7 +12180,7 @@
 </p:sld>
 </file>
 
-<file path=ppt/slides/slide37.xml><?xml version="1.0" encoding="utf-8"?>
+<file path=ppt/slides/slide44.xml><?xml version="1.0" encoding="utf-8"?>
 <p:sld xmlns:a="http://schemas.openxmlformats.org/drawingml/2006/main" xmlns:r="http://schemas.openxmlformats.org/officeDocument/2006/relationships" xmlns:p="http://schemas.openxmlformats.org/presentationml/2006/main">
   <p:cSld>
     <p:spTree>
@@ -10716,118 +12354,6 @@
     <p:extLst>
       <p:ext uri="{BB962C8B-B14F-4D97-AF65-F5344CB8AC3E}">
         <p14:creationId xmlns:p14="http://schemas.microsoft.com/office/powerpoint/2010/main" val="659085787"/>
-      </p:ext>
-    </p:extLst>
-  </p:cSld>
-  <p:clrMapOvr>
-    <a:masterClrMapping/>
-  </p:clrMapOvr>
-  <p:timing>
-    <p:tnLst>
-      <p:par>
-        <p:cTn id="1" dur="indefinite" restart="never" nodeType="tmRoot"/>
-      </p:par>
-    </p:tnLst>
-  </p:timing>
-</p:sld>
-</file>
-
-<file path=ppt/slides/slide4.xml><?xml version="1.0" encoding="utf-8"?>
-<p:sld xmlns:a="http://schemas.openxmlformats.org/drawingml/2006/main" xmlns:r="http://schemas.openxmlformats.org/officeDocument/2006/relationships" xmlns:p="http://schemas.openxmlformats.org/presentationml/2006/main">
-  <p:cSld>
-    <p:spTree>
-      <p:nvGrpSpPr>
-        <p:cNvPr id="1" name=""/>
-        <p:cNvGrpSpPr/>
-        <p:nvPr/>
-      </p:nvGrpSpPr>
-      <p:grpSpPr>
-        <a:xfrm>
-          <a:off x="0" y="0"/>
-          <a:ext cx="0" cy="0"/>
-          <a:chOff x="0" y="0"/>
-          <a:chExt cx="0" cy="0"/>
-        </a:xfrm>
-      </p:grpSpPr>
-      <p:sp>
-        <p:nvSpPr>
-          <p:cNvPr id="2" name="Title 1"/>
-          <p:cNvSpPr>
-            <a:spLocks noGrp="1"/>
-          </p:cNvSpPr>
-          <p:nvPr>
-            <p:ph type="title"/>
-          </p:nvPr>
-        </p:nvSpPr>
-        <p:spPr>
-          <a:xfrm>
-            <a:off x="964927" y="1"/>
-            <a:ext cx="10515600" cy="6858000"/>
-          </a:xfrm>
-        </p:spPr>
-        <p:txBody>
-          <a:bodyPr anchor="ctr">
-            <a:normAutofit/>
-          </a:bodyPr>
-          <a:lstStyle/>
-          <a:p>
-            <a:pPr algn="ctr"/>
-            <a:r>
-              <a:rPr lang="en-US" sz="4800" strike="sngStrike" dirty="0" smtClean="0">
-                <a:solidFill>
-                  <a:schemeClr val="bg1">
-                    <a:lumMod val="75000"/>
-                  </a:schemeClr>
-                </a:solidFill>
-              </a:rPr>
-              <a:t>I hate writing secure code</a:t>
-            </a:r>
-            <a:br>
-              <a:rPr lang="en-US" sz="4800" strike="sngStrike" dirty="0" smtClean="0">
-                <a:solidFill>
-                  <a:schemeClr val="bg1">
-                    <a:lumMod val="75000"/>
-                  </a:schemeClr>
-                </a:solidFill>
-              </a:rPr>
-            </a:br>
-            <a:r>
-              <a:rPr lang="en-US" sz="4800" strike="sngStrike" dirty="0" smtClean="0">
-                <a:solidFill>
-                  <a:schemeClr val="bg1">
-                    <a:lumMod val="75000"/>
-                  </a:schemeClr>
-                </a:solidFill>
-              </a:rPr>
-              <a:t>I hate writing secure features</a:t>
-            </a:r>
-            <a:r>
-              <a:rPr lang="en-US" sz="4800" strike="sngStrike" dirty="0" smtClean="0"/>
-              <a:t/>
-            </a:r>
-            <a:br>
-              <a:rPr lang="en-US" sz="4800" strike="sngStrike" dirty="0" smtClean="0"/>
-            </a:br>
-            <a:r>
-              <a:rPr lang="en-US" sz="4800" dirty="0" smtClean="0"/>
-              <a:t>I hate implementing </a:t>
-            </a:r>
-            <a:r>
-              <a:rPr lang="en-US" sz="4800" i="1" dirty="0" smtClean="0"/>
-              <a:t>cross-cutting security concerns</a:t>
-            </a:r>
-            <a:r>
-              <a:rPr lang="en-US" sz="4800" dirty="0" smtClean="0"/>
-              <a:t> by repeating the same patterns over and over again in my feature-level code</a:t>
-            </a:r>
-            <a:endParaRPr lang="en-US" sz="4800" dirty="0"/>
-          </a:p>
-        </p:txBody>
-      </p:sp>
-    </p:spTree>
-    <p:extLst>
-      <p:ext uri="{BB962C8B-B14F-4D97-AF65-F5344CB8AC3E}">
-        <p14:creationId xmlns:p14="http://schemas.microsoft.com/office/powerpoint/2010/main" val="3846056723"/>
       </p:ext>
     </p:extLst>
   </p:cSld>

--- a/Secure Systems - CodeMash 2017.pptx
+++ b/Secure Systems - CodeMash 2017.pptx
@@ -5,7 +5,7 @@
     <p:sldMasterId id="2147483749" r:id="rId1"/>
   </p:sldMasterIdLst>
   <p:notesMasterIdLst>
-    <p:notesMasterId r:id="rId46"/>
+    <p:notesMasterId r:id="rId50"/>
   </p:notesMasterIdLst>
   <p:sldIdLst>
     <p:sldId id="395" r:id="rId2"/>
@@ -47,11 +47,15 @@
     <p:sldId id="503" r:id="rId38"/>
     <p:sldId id="531" r:id="rId39"/>
     <p:sldId id="532" r:id="rId40"/>
-    <p:sldId id="504" r:id="rId41"/>
-    <p:sldId id="485" r:id="rId42"/>
+    <p:sldId id="533" r:id="rId41"/>
+    <p:sldId id="534" r:id="rId42"/>
     <p:sldId id="505" r:id="rId43"/>
-    <p:sldId id="507" r:id="rId44"/>
-    <p:sldId id="443" r:id="rId45"/>
+    <p:sldId id="535" r:id="rId44"/>
+    <p:sldId id="507" r:id="rId45"/>
+    <p:sldId id="536" r:id="rId46"/>
+    <p:sldId id="504" r:id="rId47"/>
+    <p:sldId id="485" r:id="rId48"/>
+    <p:sldId id="443" r:id="rId49"/>
   </p:sldIdLst>
   <p:sldSz cx="12192000" cy="6858000"/>
   <p:notesSz cx="6858000" cy="9144000"/>
@@ -3582,7 +3586,7 @@
     </p:spTree>
     <p:extLst>
       <p:ext uri="{BB962C8B-B14F-4D97-AF65-F5344CB8AC3E}">
-        <p14:creationId xmlns:p14="http://schemas.microsoft.com/office/powerpoint/2010/main" val="2602777311"/>
+        <p14:creationId xmlns:p14="http://schemas.microsoft.com/office/powerpoint/2010/main" val="506673237"/>
       </p:ext>
     </p:extLst>
   </p:cSld>
@@ -3636,7 +3640,32 @@
           <a:bodyPr/>
           <a:lstStyle/>
           <a:p>
-            <a:endParaRPr lang="en-US" b="0" dirty="0" smtClean="0"/>
+            <a:pPr marL="0" marR="0" indent="0" algn="l" defTabSz="914400" rtl="0" eaLnBrk="1" fontAlgn="auto" latinLnBrk="0" hangingPunct="1">
+              <a:lnSpc>
+                <a:spcPct val="100000"/>
+              </a:lnSpc>
+              <a:spcBef>
+                <a:spcPts val="0"/>
+              </a:spcBef>
+              <a:spcAft>
+                <a:spcPts val="0"/>
+              </a:spcAft>
+              <a:buClrTx/>
+              <a:buSzTx/>
+              <a:buFontTx/>
+              <a:buNone/>
+              <a:tabLst/>
+              <a:defRPr/>
+            </a:pPr>
+            <a:endParaRPr lang="en-US" sz="1200" kern="1200" dirty="0" smtClean="0">
+              <a:solidFill>
+                <a:schemeClr val="tx1"/>
+              </a:solidFill>
+              <a:effectLst/>
+              <a:latin typeface="+mn-lt"/>
+              <a:ea typeface="+mn-ea"/>
+              <a:cs typeface="+mn-cs"/>
+            </a:endParaRPr>
           </a:p>
         </p:txBody>
       </p:sp>
@@ -3666,7 +3695,7 @@
     </p:spTree>
     <p:extLst>
       <p:ext uri="{BB962C8B-B14F-4D97-AF65-F5344CB8AC3E}">
-        <p14:creationId xmlns:p14="http://schemas.microsoft.com/office/powerpoint/2010/main" val="2267138517"/>
+        <p14:creationId xmlns:p14="http://schemas.microsoft.com/office/powerpoint/2010/main" val="2286755864"/>
       </p:ext>
     </p:extLst>
   </p:cSld>
@@ -3834,7 +3863,7 @@
     </p:spTree>
     <p:extLst>
       <p:ext uri="{BB962C8B-B14F-4D97-AF65-F5344CB8AC3E}">
-        <p14:creationId xmlns:p14="http://schemas.microsoft.com/office/powerpoint/2010/main" val="3271057564"/>
+        <p14:creationId xmlns:p14="http://schemas.microsoft.com/office/powerpoint/2010/main" val="3778399677"/>
       </p:ext>
     </p:extLst>
   </p:cSld>
@@ -3888,6 +3917,342 @@
           <a:bodyPr/>
           <a:lstStyle/>
           <a:p>
+            <a:endParaRPr lang="en-US" b="0" dirty="0" smtClean="0"/>
+          </a:p>
+        </p:txBody>
+      </p:sp>
+      <p:sp>
+        <p:nvSpPr>
+          <p:cNvPr id="4" name="Slide Number Placeholder 3"/>
+          <p:cNvSpPr>
+            <a:spLocks noGrp="1"/>
+          </p:cNvSpPr>
+          <p:nvPr>
+            <p:ph type="sldNum" sz="quarter" idx="10"/>
+          </p:nvPr>
+        </p:nvSpPr>
+        <p:spPr/>
+        <p:txBody>
+          <a:bodyPr/>
+          <a:lstStyle/>
+          <a:p>
+            <a:fld id="{89029652-62E7-43D6-83B5-097D7B7AA5D8}" type="slidenum">
+              <a:rPr lang="en-US" smtClean="0"/>
+              <a:t>44</a:t>
+            </a:fld>
+            <a:endParaRPr lang="en-US"/>
+          </a:p>
+        </p:txBody>
+      </p:sp>
+    </p:spTree>
+    <p:extLst>
+      <p:ext uri="{BB962C8B-B14F-4D97-AF65-F5344CB8AC3E}">
+        <p14:creationId xmlns:p14="http://schemas.microsoft.com/office/powerpoint/2010/main" val="3271057564"/>
+      </p:ext>
+    </p:extLst>
+  </p:cSld>
+  <p:clrMapOvr>
+    <a:masterClrMapping/>
+  </p:clrMapOvr>
+</p:notes>
+</file>
+
+<file path=ppt/notesSlides/notesSlide45.xml><?xml version="1.0" encoding="utf-8"?>
+<p:notes xmlns:a="http://schemas.openxmlformats.org/drawingml/2006/main" xmlns:r="http://schemas.openxmlformats.org/officeDocument/2006/relationships" xmlns:p="http://schemas.openxmlformats.org/presentationml/2006/main">
+  <p:cSld>
+    <p:spTree>
+      <p:nvGrpSpPr>
+        <p:cNvPr id="1" name=""/>
+        <p:cNvGrpSpPr/>
+        <p:nvPr/>
+      </p:nvGrpSpPr>
+      <p:grpSpPr>
+        <a:xfrm>
+          <a:off x="0" y="0"/>
+          <a:ext cx="0" cy="0"/>
+          <a:chOff x="0" y="0"/>
+          <a:chExt cx="0" cy="0"/>
+        </a:xfrm>
+      </p:grpSpPr>
+      <p:sp>
+        <p:nvSpPr>
+          <p:cNvPr id="2" name="Slide Image Placeholder 1"/>
+          <p:cNvSpPr>
+            <a:spLocks noGrp="1" noRot="1" noChangeAspect="1"/>
+          </p:cNvSpPr>
+          <p:nvPr>
+            <p:ph type="sldImg"/>
+          </p:nvPr>
+        </p:nvSpPr>
+        <p:spPr/>
+      </p:sp>
+      <p:sp>
+        <p:nvSpPr>
+          <p:cNvPr id="3" name="Notes Placeholder 2"/>
+          <p:cNvSpPr>
+            <a:spLocks noGrp="1"/>
+          </p:cNvSpPr>
+          <p:nvPr>
+            <p:ph type="body" idx="1"/>
+          </p:nvPr>
+        </p:nvSpPr>
+        <p:spPr/>
+        <p:txBody>
+          <a:bodyPr/>
+          <a:lstStyle/>
+          <a:p>
+            <a:endParaRPr lang="en-US" b="0" dirty="0" smtClean="0"/>
+          </a:p>
+        </p:txBody>
+      </p:sp>
+      <p:sp>
+        <p:nvSpPr>
+          <p:cNvPr id="4" name="Slide Number Placeholder 3"/>
+          <p:cNvSpPr>
+            <a:spLocks noGrp="1"/>
+          </p:cNvSpPr>
+          <p:nvPr>
+            <p:ph type="sldNum" sz="quarter" idx="10"/>
+          </p:nvPr>
+        </p:nvSpPr>
+        <p:spPr/>
+        <p:txBody>
+          <a:bodyPr/>
+          <a:lstStyle/>
+          <a:p>
+            <a:fld id="{89029652-62E7-43D6-83B5-097D7B7AA5D8}" type="slidenum">
+              <a:rPr lang="en-US" smtClean="0"/>
+              <a:t>45</a:t>
+            </a:fld>
+            <a:endParaRPr lang="en-US"/>
+          </a:p>
+        </p:txBody>
+      </p:sp>
+    </p:spTree>
+    <p:extLst>
+      <p:ext uri="{BB962C8B-B14F-4D97-AF65-F5344CB8AC3E}">
+        <p14:creationId xmlns:p14="http://schemas.microsoft.com/office/powerpoint/2010/main" val="150335864"/>
+      </p:ext>
+    </p:extLst>
+  </p:cSld>
+  <p:clrMapOvr>
+    <a:masterClrMapping/>
+  </p:clrMapOvr>
+</p:notes>
+</file>
+
+<file path=ppt/notesSlides/notesSlide46.xml><?xml version="1.0" encoding="utf-8"?>
+<p:notes xmlns:a="http://schemas.openxmlformats.org/drawingml/2006/main" xmlns:r="http://schemas.openxmlformats.org/officeDocument/2006/relationships" xmlns:p="http://schemas.openxmlformats.org/presentationml/2006/main">
+  <p:cSld>
+    <p:spTree>
+      <p:nvGrpSpPr>
+        <p:cNvPr id="1" name=""/>
+        <p:cNvGrpSpPr/>
+        <p:nvPr/>
+      </p:nvGrpSpPr>
+      <p:grpSpPr>
+        <a:xfrm>
+          <a:off x="0" y="0"/>
+          <a:ext cx="0" cy="0"/>
+          <a:chOff x="0" y="0"/>
+          <a:chExt cx="0" cy="0"/>
+        </a:xfrm>
+      </p:grpSpPr>
+      <p:sp>
+        <p:nvSpPr>
+          <p:cNvPr id="2" name="Slide Image Placeholder 1"/>
+          <p:cNvSpPr>
+            <a:spLocks noGrp="1" noRot="1" noChangeAspect="1"/>
+          </p:cNvSpPr>
+          <p:nvPr>
+            <p:ph type="sldImg"/>
+          </p:nvPr>
+        </p:nvSpPr>
+        <p:spPr/>
+      </p:sp>
+      <p:sp>
+        <p:nvSpPr>
+          <p:cNvPr id="3" name="Notes Placeholder 2"/>
+          <p:cNvSpPr>
+            <a:spLocks noGrp="1"/>
+          </p:cNvSpPr>
+          <p:nvPr>
+            <p:ph type="body" idx="1"/>
+          </p:nvPr>
+        </p:nvSpPr>
+        <p:spPr/>
+        <p:txBody>
+          <a:bodyPr/>
+          <a:lstStyle/>
+          <a:p>
+            <a:endParaRPr lang="en-US" b="0" dirty="0" smtClean="0"/>
+          </a:p>
+        </p:txBody>
+      </p:sp>
+      <p:sp>
+        <p:nvSpPr>
+          <p:cNvPr id="4" name="Slide Number Placeholder 3"/>
+          <p:cNvSpPr>
+            <a:spLocks noGrp="1"/>
+          </p:cNvSpPr>
+          <p:nvPr>
+            <p:ph type="sldNum" sz="quarter" idx="10"/>
+          </p:nvPr>
+        </p:nvSpPr>
+        <p:spPr/>
+        <p:txBody>
+          <a:bodyPr/>
+          <a:lstStyle/>
+          <a:p>
+            <a:fld id="{89029652-62E7-43D6-83B5-097D7B7AA5D8}" type="slidenum">
+              <a:rPr lang="en-US" smtClean="0"/>
+              <a:t>46</a:t>
+            </a:fld>
+            <a:endParaRPr lang="en-US"/>
+          </a:p>
+        </p:txBody>
+      </p:sp>
+    </p:spTree>
+    <p:extLst>
+      <p:ext uri="{BB962C8B-B14F-4D97-AF65-F5344CB8AC3E}">
+        <p14:creationId xmlns:p14="http://schemas.microsoft.com/office/powerpoint/2010/main" val="2602777311"/>
+      </p:ext>
+    </p:extLst>
+  </p:cSld>
+  <p:clrMapOvr>
+    <a:masterClrMapping/>
+  </p:clrMapOvr>
+</p:notes>
+</file>
+
+<file path=ppt/notesSlides/notesSlide47.xml><?xml version="1.0" encoding="utf-8"?>
+<p:notes xmlns:a="http://schemas.openxmlformats.org/drawingml/2006/main" xmlns:r="http://schemas.openxmlformats.org/officeDocument/2006/relationships" xmlns:p="http://schemas.openxmlformats.org/presentationml/2006/main">
+  <p:cSld>
+    <p:spTree>
+      <p:nvGrpSpPr>
+        <p:cNvPr id="1" name=""/>
+        <p:cNvGrpSpPr/>
+        <p:nvPr/>
+      </p:nvGrpSpPr>
+      <p:grpSpPr>
+        <a:xfrm>
+          <a:off x="0" y="0"/>
+          <a:ext cx="0" cy="0"/>
+          <a:chOff x="0" y="0"/>
+          <a:chExt cx="0" cy="0"/>
+        </a:xfrm>
+      </p:grpSpPr>
+      <p:sp>
+        <p:nvSpPr>
+          <p:cNvPr id="2" name="Slide Image Placeholder 1"/>
+          <p:cNvSpPr>
+            <a:spLocks noGrp="1" noRot="1" noChangeAspect="1"/>
+          </p:cNvSpPr>
+          <p:nvPr>
+            <p:ph type="sldImg"/>
+          </p:nvPr>
+        </p:nvSpPr>
+        <p:spPr/>
+      </p:sp>
+      <p:sp>
+        <p:nvSpPr>
+          <p:cNvPr id="3" name="Notes Placeholder 2"/>
+          <p:cNvSpPr>
+            <a:spLocks noGrp="1"/>
+          </p:cNvSpPr>
+          <p:nvPr>
+            <p:ph type="body" idx="1"/>
+          </p:nvPr>
+        </p:nvSpPr>
+        <p:spPr/>
+        <p:txBody>
+          <a:bodyPr/>
+          <a:lstStyle/>
+          <a:p>
+            <a:endParaRPr lang="en-US" b="0" dirty="0" smtClean="0"/>
+          </a:p>
+        </p:txBody>
+      </p:sp>
+      <p:sp>
+        <p:nvSpPr>
+          <p:cNvPr id="4" name="Slide Number Placeholder 3"/>
+          <p:cNvSpPr>
+            <a:spLocks noGrp="1"/>
+          </p:cNvSpPr>
+          <p:nvPr>
+            <p:ph type="sldNum" sz="quarter" idx="10"/>
+          </p:nvPr>
+        </p:nvSpPr>
+        <p:spPr/>
+        <p:txBody>
+          <a:bodyPr/>
+          <a:lstStyle/>
+          <a:p>
+            <a:fld id="{89029652-62E7-43D6-83B5-097D7B7AA5D8}" type="slidenum">
+              <a:rPr lang="en-US" smtClean="0"/>
+              <a:t>47</a:t>
+            </a:fld>
+            <a:endParaRPr lang="en-US"/>
+          </a:p>
+        </p:txBody>
+      </p:sp>
+    </p:spTree>
+    <p:extLst>
+      <p:ext uri="{BB962C8B-B14F-4D97-AF65-F5344CB8AC3E}">
+        <p14:creationId xmlns:p14="http://schemas.microsoft.com/office/powerpoint/2010/main" val="2267138517"/>
+      </p:ext>
+    </p:extLst>
+  </p:cSld>
+  <p:clrMapOvr>
+    <a:masterClrMapping/>
+  </p:clrMapOvr>
+</p:notes>
+</file>
+
+<file path=ppt/notesSlides/notesSlide48.xml><?xml version="1.0" encoding="utf-8"?>
+<p:notes xmlns:a="http://schemas.openxmlformats.org/drawingml/2006/main" xmlns:r="http://schemas.openxmlformats.org/officeDocument/2006/relationships" xmlns:p="http://schemas.openxmlformats.org/presentationml/2006/main">
+  <p:cSld>
+    <p:spTree>
+      <p:nvGrpSpPr>
+        <p:cNvPr id="1" name=""/>
+        <p:cNvGrpSpPr/>
+        <p:nvPr/>
+      </p:nvGrpSpPr>
+      <p:grpSpPr>
+        <a:xfrm>
+          <a:off x="0" y="0"/>
+          <a:ext cx="0" cy="0"/>
+          <a:chOff x="0" y="0"/>
+          <a:chExt cx="0" cy="0"/>
+        </a:xfrm>
+      </p:grpSpPr>
+      <p:sp>
+        <p:nvSpPr>
+          <p:cNvPr id="2" name="Slide Image Placeholder 1"/>
+          <p:cNvSpPr>
+            <a:spLocks noGrp="1" noRot="1" noChangeAspect="1"/>
+          </p:cNvSpPr>
+          <p:nvPr>
+            <p:ph type="sldImg"/>
+          </p:nvPr>
+        </p:nvSpPr>
+        <p:spPr/>
+      </p:sp>
+      <p:sp>
+        <p:nvSpPr>
+          <p:cNvPr id="3" name="Notes Placeholder 2"/>
+          <p:cNvSpPr>
+            <a:spLocks noGrp="1"/>
+          </p:cNvSpPr>
+          <p:nvPr>
+            <p:ph type="body" idx="1"/>
+          </p:nvPr>
+        </p:nvSpPr>
+        <p:spPr/>
+        <p:txBody>
+          <a:bodyPr/>
+          <a:lstStyle/>
+          <a:p>
             <a:endParaRPr lang="en-US" sz="1200" kern="1200" dirty="0" smtClean="0">
               <a:solidFill>
                 <a:schemeClr val="tx1"/>
@@ -3917,7 +4282,7 @@
           <a:p>
             <a:fld id="{89029652-62E7-43D6-83B5-097D7B7AA5D8}" type="slidenum">
               <a:rPr lang="en-US" smtClean="0"/>
-              <a:t>44</a:t>
+              <a:t>48</a:t>
             </a:fld>
             <a:endParaRPr lang="en-US"/>
           </a:p>
@@ -9338,7 +9703,6 @@
               <a:rPr lang="en-US" sz="4800" dirty="0"/>
               <a:t>– feature</a:t>
             </a:r>
-            <a:endParaRPr lang="en-US" sz="4800" dirty="0"/>
           </a:p>
         </p:txBody>
       </p:sp>
@@ -9478,11 +9842,7 @@
           <a:p>
             <a:r>
               <a:rPr lang="en-US" sz="4800" dirty="0" smtClean="0"/>
-              <a:t>CSRF Defense </a:t>
-            </a:r>
-            <a:r>
-              <a:rPr lang="en-US" sz="4800" dirty="0" smtClean="0"/>
-              <a:t>– feature (ajax)</a:t>
+              <a:t>CSRF Defense – feature (ajax)</a:t>
             </a:r>
             <a:endParaRPr lang="en-US" sz="4800" dirty="0"/>
           </a:p>
@@ -9778,7 +10138,6 @@
               <a:rPr lang="en-US" sz="4800" dirty="0"/>
               <a:t>– cross cutting</a:t>
             </a:r>
-            <a:endParaRPr lang="en-US" sz="4800" dirty="0"/>
           </a:p>
         </p:txBody>
       </p:sp>
@@ -9917,7 +10276,6 @@
               <a:rPr lang="en-US" sz="4800" dirty="0"/>
               <a:t>– cross cutting</a:t>
             </a:r>
-            <a:endParaRPr lang="en-US" sz="4800" dirty="0"/>
           </a:p>
         </p:txBody>
       </p:sp>
@@ -10056,7 +10414,6 @@
               <a:rPr lang="en-US" sz="4800" dirty="0"/>
               <a:t>– cross cutting</a:t>
             </a:r>
-            <a:endParaRPr lang="en-US" sz="4800" dirty="0"/>
           </a:p>
         </p:txBody>
       </p:sp>
@@ -10190,7 +10547,6 @@
               <a:rPr lang="en-US" sz="4800" dirty="0"/>
               <a:t>– cross cutting</a:t>
             </a:r>
-            <a:endParaRPr lang="en-US" sz="4800" dirty="0"/>
           </a:p>
         </p:txBody>
       </p:sp>
@@ -10611,20 +10967,21 @@
               </a:rPr>
               <a:t> to perform </a:t>
             </a:r>
-            <a:br>
+            <a:r>
               <a:rPr lang="en-US" dirty="0" smtClean="0">
                 <a:solidFill>
                   <a:srgbClr val="013947"/>
                 </a:solidFill>
               </a:rPr>
-            </a:br>
+              <a:t>a </a:t>
+            </a:r>
             <a:r>
               <a:rPr lang="en-US" dirty="0" smtClean="0">
                 <a:solidFill>
                   <a:srgbClr val="013947"/>
                 </a:solidFill>
               </a:rPr>
-              <a:t>a given request?</a:t>
+              <a:t>given request?</a:t>
             </a:r>
             <a:endParaRPr lang="en-US" sz="4800" dirty="0">
               <a:solidFill>
@@ -10692,7 +11049,6 @@
               <a:rPr lang="en-US" sz="4800" dirty="0"/>
               <a:t>Page Authorization – feature</a:t>
             </a:r>
-            <a:endParaRPr lang="en-US" sz="4800" dirty="0"/>
           </a:p>
         </p:txBody>
       </p:sp>
@@ -11167,7 +11523,6 @@
               <a:rPr lang="en-US" sz="4800" dirty="0"/>
               <a:t>Authorization – feature</a:t>
             </a:r>
-            <a:endParaRPr lang="en-US" sz="4800" dirty="0"/>
           </a:p>
         </p:txBody>
       </p:sp>
@@ -11551,7 +11906,7 @@
       </p:sp>
       <p:pic>
         <p:nvPicPr>
-          <p:cNvPr id="5" name="Picture 4"/>
+          <p:cNvPr id="4" name="Picture 3"/>
           <p:cNvPicPr>
             <a:picLocks noChangeAspect="1"/>
           </p:cNvPicPr>
@@ -11565,8 +11920,8 @@
         </p:blipFill>
         <p:spPr>
           <a:xfrm>
-            <a:off x="838200" y="2136103"/>
-            <a:ext cx="7184923" cy="3968963"/>
+            <a:off x="838200" y="2887507"/>
+            <a:ext cx="7194741" cy="1861473"/>
           </a:xfrm>
           <a:prstGeom prst="rect">
             <a:avLst/>
@@ -11740,8 +12095,20 @@
           <a:lstStyle/>
           <a:p>
             <a:r>
+              <a:rPr lang="en-US" sz="4800" dirty="0"/>
+              <a:t>Property </a:t>
+            </a:r>
+            <a:r>
               <a:rPr lang="en-US" sz="4800" dirty="0" smtClean="0"/>
-              <a:t>Patented step-by-step slide</a:t>
+              <a:t>Encryption </a:t>
+            </a:r>
+            <a:r>
+              <a:rPr lang="en-US" sz="4800" dirty="0"/>
+              <a:t>– </a:t>
+            </a:r>
+            <a:r>
+              <a:rPr lang="en-US" sz="4800" dirty="0" smtClean="0"/>
+              <a:t>cross cutting</a:t>
             </a:r>
             <a:endParaRPr lang="en-US" sz="4800" dirty="0"/>
           </a:p>
@@ -11769,40 +12136,6 @@
           </a:bodyPr>
           <a:lstStyle/>
           <a:p>
-            <a:r>
-              <a:rPr lang="en-US" sz="4000" dirty="0" smtClean="0">
-                <a:solidFill>
-                  <a:schemeClr val="bg1">
-                    <a:lumMod val="65000"/>
-                  </a:schemeClr>
-                </a:solidFill>
-              </a:rPr>
-              <a:t>Old news</a:t>
-            </a:r>
-            <a:br>
-              <a:rPr lang="en-US" sz="4000" dirty="0" smtClean="0">
-                <a:solidFill>
-                  <a:schemeClr val="bg1">
-                    <a:lumMod val="65000"/>
-                  </a:schemeClr>
-                </a:solidFill>
-              </a:rPr>
-            </a:br>
-            <a:endParaRPr lang="en-US" sz="4000" dirty="0" smtClean="0">
-              <a:solidFill>
-                <a:schemeClr val="bg1">
-                  <a:lumMod val="65000"/>
-                </a:schemeClr>
-              </a:solidFill>
-            </a:endParaRPr>
-          </a:p>
-          <a:p>
-            <a:r>
-              <a:rPr lang="en-US" sz="4000" b="1" dirty="0" smtClean="0"/>
-              <a:t>New hotness</a:t>
-            </a:r>
-          </a:p>
-          <a:p>
             <a:endParaRPr lang="en-US" sz="4000" dirty="0" smtClean="0"/>
           </a:p>
           <a:p>
@@ -11816,10 +12149,34 @@
           </a:p>
         </p:txBody>
       </p:sp>
+      <p:pic>
+        <p:nvPicPr>
+          <p:cNvPr id="4" name="Picture 3"/>
+          <p:cNvPicPr>
+            <a:picLocks noChangeAspect="1"/>
+          </p:cNvPicPr>
+          <p:nvPr/>
+        </p:nvPicPr>
+        <p:blipFill>
+          <a:blip r:embed="rId3"/>
+          <a:stretch>
+            <a:fillRect/>
+          </a:stretch>
+        </p:blipFill>
+        <p:spPr>
+          <a:xfrm>
+            <a:off x="838200" y="3055525"/>
+            <a:ext cx="7301063" cy="1065060"/>
+          </a:xfrm>
+          <a:prstGeom prst="rect">
+            <a:avLst/>
+          </a:prstGeom>
+        </p:spPr>
+      </p:pic>
     </p:spTree>
     <p:extLst>
       <p:ext uri="{BB962C8B-B14F-4D97-AF65-F5344CB8AC3E}">
-        <p14:creationId xmlns:p14="http://schemas.microsoft.com/office/powerpoint/2010/main" val="1887088746"/>
+        <p14:creationId xmlns:p14="http://schemas.microsoft.com/office/powerpoint/2010/main" val="1269661880"/>
       </p:ext>
     </p:extLst>
   </p:cSld>
@@ -11863,60 +12220,57 @@
             <p:ph type="title"/>
           </p:nvPr>
         </p:nvSpPr>
-        <p:spPr/>
-        <p:txBody>
-          <a:bodyPr>
+        <p:spPr>
+          <a:xfrm>
+            <a:off x="964927" y="1"/>
+            <a:ext cx="10515600" cy="6858000"/>
+          </a:xfrm>
+        </p:spPr>
+        <p:txBody>
+          <a:bodyPr anchor="ctr">
             <a:normAutofit/>
           </a:bodyPr>
           <a:lstStyle/>
           <a:p>
+            <a:pPr algn="ctr"/>
             <a:r>
               <a:rPr lang="en-US" sz="4800" dirty="0" smtClean="0"/>
-              <a:t>Canonical example: SQL Injection</a:t>
-            </a:r>
-            <a:endParaRPr lang="en-US" sz="4800" dirty="0"/>
-          </a:p>
-        </p:txBody>
-      </p:sp>
-      <p:sp>
-        <p:nvSpPr>
-          <p:cNvPr id="3" name="Content Placeholder 2"/>
-          <p:cNvSpPr>
-            <a:spLocks noGrp="1"/>
-          </p:cNvSpPr>
-          <p:nvPr>
-            <p:ph idx="1"/>
-          </p:nvPr>
-        </p:nvSpPr>
-        <p:spPr>
-          <a:xfrm>
-            <a:off x="838200" y="1825624"/>
-            <a:ext cx="10515600" cy="4589923"/>
-          </a:xfrm>
-        </p:spPr>
-        <p:txBody>
-          <a:bodyPr>
-            <a:normAutofit/>
-          </a:bodyPr>
-          <a:lstStyle/>
-          <a:p>
-            <a:endParaRPr lang="en-US" sz="4000" dirty="0" smtClean="0"/>
-          </a:p>
-          <a:p>
-            <a:endParaRPr lang="en-US" dirty="0" smtClean="0"/>
-          </a:p>
-          <a:p>
-            <a:endParaRPr lang="en-US" dirty="0" smtClean="0"/>
-          </a:p>
-          <a:p>
-            <a:endParaRPr lang="en-US" dirty="0"/>
+              <a:t>Access Control</a:t>
+            </a:r>
+            <a:r>
+              <a:rPr lang="en-US" sz="4800" dirty="0" smtClean="0"/>
+              <a:t/>
+            </a:r>
+            <a:br>
+              <a:rPr lang="en-US" sz="4800" dirty="0" smtClean="0"/>
+            </a:br>
+            <a:r>
+              <a:rPr lang="en-US" sz="4800" dirty="0"/>
+              <a:t/>
+            </a:r>
+            <a:br>
+              <a:rPr lang="en-US" sz="4800" dirty="0"/>
+            </a:br>
+            <a:r>
+              <a:rPr lang="en-US" dirty="0" smtClean="0">
+                <a:solidFill>
+                  <a:srgbClr val="013947"/>
+                </a:solidFill>
+              </a:rPr>
+              <a:t>Keeping Bob's hands off Alice's data</a:t>
+            </a:r>
+            <a:endParaRPr lang="en-US" sz="4800" dirty="0">
+              <a:solidFill>
+                <a:srgbClr val="013947"/>
+              </a:solidFill>
+            </a:endParaRPr>
           </a:p>
         </p:txBody>
       </p:sp>
     </p:spTree>
     <p:extLst>
       <p:ext uri="{BB962C8B-B14F-4D97-AF65-F5344CB8AC3E}">
-        <p14:creationId xmlns:p14="http://schemas.microsoft.com/office/powerpoint/2010/main" val="1766242099"/>
+        <p14:creationId xmlns:p14="http://schemas.microsoft.com/office/powerpoint/2010/main" val="1068382756"/>
       </p:ext>
     </p:extLst>
   </p:cSld>
@@ -11973,8 +12327,13 @@
             </a:r>
             <a:r>
               <a:rPr lang="en-US" sz="4800" dirty="0"/>
-              <a:t>- feature</a:t>
-            </a:r>
+              <a:t>– </a:t>
+            </a:r>
+            <a:r>
+              <a:rPr lang="en-US" sz="4800" dirty="0" smtClean="0"/>
+              <a:t>feature</a:t>
+            </a:r>
+            <a:endParaRPr lang="en-US" sz="4800" dirty="0"/>
           </a:p>
         </p:txBody>
       </p:sp>
@@ -12094,11 +12453,11 @@
             </a:r>
             <a:r>
               <a:rPr lang="en-US" sz="4800" dirty="0"/>
-              <a:t>- </a:t>
+              <a:t>– </a:t>
             </a:r>
             <a:r>
               <a:rPr lang="en-US" sz="4800" dirty="0" smtClean="0"/>
-              <a:t>framework</a:t>
+              <a:t>feature</a:t>
             </a:r>
             <a:endParaRPr lang="en-US" sz="4800" dirty="0"/>
           </a:p>
@@ -12152,8 +12511,130 @@
         </p:blipFill>
         <p:spPr>
           <a:xfrm>
-            <a:off x="838200" y="2607646"/>
-            <a:ext cx="10628393" cy="3025877"/>
+            <a:off x="838200" y="2221629"/>
+            <a:ext cx="11276443" cy="4193918"/>
+          </a:xfrm>
+          <a:prstGeom prst="rect">
+            <a:avLst/>
+          </a:prstGeom>
+        </p:spPr>
+      </p:pic>
+    </p:spTree>
+    <p:extLst>
+      <p:ext uri="{BB962C8B-B14F-4D97-AF65-F5344CB8AC3E}">
+        <p14:creationId xmlns:p14="http://schemas.microsoft.com/office/powerpoint/2010/main" val="3760007832"/>
+      </p:ext>
+    </p:extLst>
+  </p:cSld>
+  <p:clrMapOvr>
+    <a:masterClrMapping/>
+  </p:clrMapOvr>
+  <p:timing>
+    <p:tnLst>
+      <p:par>
+        <p:cTn id="1" dur="indefinite" restart="never" nodeType="tmRoot"/>
+      </p:par>
+    </p:tnLst>
+  </p:timing>
+</p:sld>
+</file>
+
+<file path=ppt/slides/slide44.xml><?xml version="1.0" encoding="utf-8"?>
+<p:sld xmlns:a="http://schemas.openxmlformats.org/drawingml/2006/main" xmlns:r="http://schemas.openxmlformats.org/officeDocument/2006/relationships" xmlns:p="http://schemas.openxmlformats.org/presentationml/2006/main">
+  <p:cSld>
+    <p:spTree>
+      <p:nvGrpSpPr>
+        <p:cNvPr id="1" name=""/>
+        <p:cNvGrpSpPr/>
+        <p:nvPr/>
+      </p:nvGrpSpPr>
+      <p:grpSpPr>
+        <a:xfrm>
+          <a:off x="0" y="0"/>
+          <a:ext cx="0" cy="0"/>
+          <a:chOff x="0" y="0"/>
+          <a:chExt cx="0" cy="0"/>
+        </a:xfrm>
+      </p:grpSpPr>
+      <p:sp>
+        <p:nvSpPr>
+          <p:cNvPr id="2" name="Title 1"/>
+          <p:cNvSpPr>
+            <a:spLocks noGrp="1"/>
+          </p:cNvSpPr>
+          <p:nvPr>
+            <p:ph type="title"/>
+          </p:nvPr>
+        </p:nvSpPr>
+        <p:spPr/>
+        <p:txBody>
+          <a:bodyPr>
+            <a:normAutofit/>
+          </a:bodyPr>
+          <a:lstStyle/>
+          <a:p>
+            <a:r>
+              <a:rPr lang="en-US" sz="4800" dirty="0" smtClean="0"/>
+              <a:t>Access Control </a:t>
+            </a:r>
+            <a:r>
+              <a:rPr lang="en-US" sz="4800" dirty="0"/>
+              <a:t>– framework</a:t>
+            </a:r>
+            <a:endParaRPr lang="en-US" sz="4800" dirty="0"/>
+          </a:p>
+        </p:txBody>
+      </p:sp>
+      <p:sp>
+        <p:nvSpPr>
+          <p:cNvPr id="3" name="Content Placeholder 2"/>
+          <p:cNvSpPr>
+            <a:spLocks noGrp="1"/>
+          </p:cNvSpPr>
+          <p:nvPr>
+            <p:ph idx="1"/>
+          </p:nvPr>
+        </p:nvSpPr>
+        <p:spPr>
+          <a:xfrm>
+            <a:off x="838200" y="1825624"/>
+            <a:ext cx="10515600" cy="4589923"/>
+          </a:xfrm>
+        </p:spPr>
+        <p:txBody>
+          <a:bodyPr>
+            <a:normAutofit/>
+          </a:bodyPr>
+          <a:lstStyle/>
+          <a:p>
+            <a:endParaRPr lang="en-US" dirty="0" smtClean="0"/>
+          </a:p>
+          <a:p>
+            <a:endParaRPr lang="en-US" dirty="0" smtClean="0"/>
+          </a:p>
+          <a:p>
+            <a:endParaRPr lang="en-US" dirty="0"/>
+          </a:p>
+        </p:txBody>
+      </p:sp>
+      <p:pic>
+        <p:nvPicPr>
+          <p:cNvPr id="7" name="Picture 6"/>
+          <p:cNvPicPr>
+            <a:picLocks noChangeAspect="1"/>
+          </p:cNvPicPr>
+          <p:nvPr/>
+        </p:nvPicPr>
+        <p:blipFill>
+          <a:blip r:embed="rId3"/>
+          <a:stretch>
+            <a:fillRect/>
+          </a:stretch>
+        </p:blipFill>
+        <p:spPr>
+          <a:xfrm>
+            <a:off x="838200" y="1960560"/>
+            <a:ext cx="10991659" cy="4589923"/>
           </a:xfrm>
           <a:prstGeom prst="rect">
             <a:avLst/>
@@ -12180,7 +12661,357 @@
 </p:sld>
 </file>
 
-<file path=ppt/slides/slide44.xml><?xml version="1.0" encoding="utf-8"?>
+<file path=ppt/slides/slide45.xml><?xml version="1.0" encoding="utf-8"?>
+<p:sld xmlns:a="http://schemas.openxmlformats.org/drawingml/2006/main" xmlns:r="http://schemas.openxmlformats.org/officeDocument/2006/relationships" xmlns:p="http://schemas.openxmlformats.org/presentationml/2006/main">
+  <p:cSld>
+    <p:spTree>
+      <p:nvGrpSpPr>
+        <p:cNvPr id="1" name=""/>
+        <p:cNvGrpSpPr/>
+        <p:nvPr/>
+      </p:nvGrpSpPr>
+      <p:grpSpPr>
+        <a:xfrm>
+          <a:off x="0" y="0"/>
+          <a:ext cx="0" cy="0"/>
+          <a:chOff x="0" y="0"/>
+          <a:chExt cx="0" cy="0"/>
+        </a:xfrm>
+      </p:grpSpPr>
+      <p:sp>
+        <p:nvSpPr>
+          <p:cNvPr id="2" name="Title 1"/>
+          <p:cNvSpPr>
+            <a:spLocks noGrp="1"/>
+          </p:cNvSpPr>
+          <p:nvPr>
+            <p:ph type="title"/>
+          </p:nvPr>
+        </p:nvSpPr>
+        <p:spPr/>
+        <p:txBody>
+          <a:bodyPr>
+            <a:normAutofit/>
+          </a:bodyPr>
+          <a:lstStyle/>
+          <a:p>
+            <a:r>
+              <a:rPr lang="en-US" sz="4800" dirty="0" smtClean="0"/>
+              <a:t>Access Control </a:t>
+            </a:r>
+            <a:r>
+              <a:rPr lang="en-US" sz="4800" dirty="0"/>
+              <a:t>– framework</a:t>
+            </a:r>
+            <a:endParaRPr lang="en-US" sz="4800" dirty="0"/>
+          </a:p>
+        </p:txBody>
+      </p:sp>
+      <p:sp>
+        <p:nvSpPr>
+          <p:cNvPr id="3" name="Content Placeholder 2"/>
+          <p:cNvSpPr>
+            <a:spLocks noGrp="1"/>
+          </p:cNvSpPr>
+          <p:nvPr>
+            <p:ph idx="1"/>
+          </p:nvPr>
+        </p:nvSpPr>
+        <p:spPr>
+          <a:xfrm>
+            <a:off x="838200" y="1825624"/>
+            <a:ext cx="10515600" cy="4589923"/>
+          </a:xfrm>
+        </p:spPr>
+        <p:txBody>
+          <a:bodyPr>
+            <a:normAutofit/>
+          </a:bodyPr>
+          <a:lstStyle/>
+          <a:p>
+            <a:endParaRPr lang="en-US" dirty="0" smtClean="0"/>
+          </a:p>
+          <a:p>
+            <a:endParaRPr lang="en-US" dirty="0" smtClean="0"/>
+          </a:p>
+          <a:p>
+            <a:endParaRPr lang="en-US" dirty="0"/>
+          </a:p>
+        </p:txBody>
+      </p:sp>
+      <p:pic>
+        <p:nvPicPr>
+          <p:cNvPr id="4" name="Picture 3"/>
+          <p:cNvPicPr>
+            <a:picLocks noChangeAspect="1"/>
+          </p:cNvPicPr>
+          <p:nvPr/>
+        </p:nvPicPr>
+        <p:blipFill>
+          <a:blip r:embed="rId3"/>
+          <a:stretch>
+            <a:fillRect/>
+          </a:stretch>
+        </p:blipFill>
+        <p:spPr>
+          <a:xfrm>
+            <a:off x="838200" y="2607646"/>
+            <a:ext cx="11147699" cy="3173722"/>
+          </a:xfrm>
+          <a:prstGeom prst="rect">
+            <a:avLst/>
+          </a:prstGeom>
+        </p:spPr>
+      </p:pic>
+    </p:spTree>
+    <p:extLst>
+      <p:ext uri="{BB962C8B-B14F-4D97-AF65-F5344CB8AC3E}">
+        <p14:creationId xmlns:p14="http://schemas.microsoft.com/office/powerpoint/2010/main" val="1142635180"/>
+      </p:ext>
+    </p:extLst>
+  </p:cSld>
+  <p:clrMapOvr>
+    <a:masterClrMapping/>
+  </p:clrMapOvr>
+  <p:timing>
+    <p:tnLst>
+      <p:par>
+        <p:cTn id="1" dur="indefinite" restart="never" nodeType="tmRoot"/>
+      </p:par>
+    </p:tnLst>
+  </p:timing>
+</p:sld>
+</file>
+
+<file path=ppt/slides/slide46.xml><?xml version="1.0" encoding="utf-8"?>
+<p:sld xmlns:a="http://schemas.openxmlformats.org/drawingml/2006/main" xmlns:r="http://schemas.openxmlformats.org/officeDocument/2006/relationships" xmlns:p="http://schemas.openxmlformats.org/presentationml/2006/main">
+  <p:cSld>
+    <p:spTree>
+      <p:nvGrpSpPr>
+        <p:cNvPr id="1" name=""/>
+        <p:cNvGrpSpPr/>
+        <p:nvPr/>
+      </p:nvGrpSpPr>
+      <p:grpSpPr>
+        <a:xfrm>
+          <a:off x="0" y="0"/>
+          <a:ext cx="0" cy="0"/>
+          <a:chOff x="0" y="0"/>
+          <a:chExt cx="0" cy="0"/>
+        </a:xfrm>
+      </p:grpSpPr>
+      <p:sp>
+        <p:nvSpPr>
+          <p:cNvPr id="2" name="Title 1"/>
+          <p:cNvSpPr>
+            <a:spLocks noGrp="1"/>
+          </p:cNvSpPr>
+          <p:nvPr>
+            <p:ph type="title"/>
+          </p:nvPr>
+        </p:nvSpPr>
+        <p:spPr/>
+        <p:txBody>
+          <a:bodyPr>
+            <a:normAutofit/>
+          </a:bodyPr>
+          <a:lstStyle/>
+          <a:p>
+            <a:r>
+              <a:rPr lang="en-US" sz="4800" dirty="0" smtClean="0"/>
+              <a:t>Patented step-by-step slide</a:t>
+            </a:r>
+            <a:endParaRPr lang="en-US" sz="4800" dirty="0"/>
+          </a:p>
+        </p:txBody>
+      </p:sp>
+      <p:sp>
+        <p:nvSpPr>
+          <p:cNvPr id="3" name="Content Placeholder 2"/>
+          <p:cNvSpPr>
+            <a:spLocks noGrp="1"/>
+          </p:cNvSpPr>
+          <p:nvPr>
+            <p:ph idx="1"/>
+          </p:nvPr>
+        </p:nvSpPr>
+        <p:spPr>
+          <a:xfrm>
+            <a:off x="838200" y="1825624"/>
+            <a:ext cx="10515600" cy="4589923"/>
+          </a:xfrm>
+        </p:spPr>
+        <p:txBody>
+          <a:bodyPr>
+            <a:normAutofit/>
+          </a:bodyPr>
+          <a:lstStyle/>
+          <a:p>
+            <a:r>
+              <a:rPr lang="en-US" sz="4000" dirty="0" smtClean="0">
+                <a:solidFill>
+                  <a:schemeClr val="bg1">
+                    <a:lumMod val="65000"/>
+                  </a:schemeClr>
+                </a:solidFill>
+              </a:rPr>
+              <a:t>Old news</a:t>
+            </a:r>
+            <a:br>
+              <a:rPr lang="en-US" sz="4000" dirty="0" smtClean="0">
+                <a:solidFill>
+                  <a:schemeClr val="bg1">
+                    <a:lumMod val="65000"/>
+                  </a:schemeClr>
+                </a:solidFill>
+              </a:rPr>
+            </a:br>
+            <a:endParaRPr lang="en-US" sz="4000" dirty="0" smtClean="0">
+              <a:solidFill>
+                <a:schemeClr val="bg1">
+                  <a:lumMod val="65000"/>
+                </a:schemeClr>
+              </a:solidFill>
+            </a:endParaRPr>
+          </a:p>
+          <a:p>
+            <a:r>
+              <a:rPr lang="en-US" sz="4000" b="1" dirty="0" smtClean="0"/>
+              <a:t>New hotness</a:t>
+            </a:r>
+          </a:p>
+          <a:p>
+            <a:endParaRPr lang="en-US" sz="4000" dirty="0" smtClean="0"/>
+          </a:p>
+          <a:p>
+            <a:endParaRPr lang="en-US" dirty="0" smtClean="0"/>
+          </a:p>
+          <a:p>
+            <a:endParaRPr lang="en-US" dirty="0" smtClean="0"/>
+          </a:p>
+          <a:p>
+            <a:endParaRPr lang="en-US" dirty="0"/>
+          </a:p>
+        </p:txBody>
+      </p:sp>
+    </p:spTree>
+    <p:extLst>
+      <p:ext uri="{BB962C8B-B14F-4D97-AF65-F5344CB8AC3E}">
+        <p14:creationId xmlns:p14="http://schemas.microsoft.com/office/powerpoint/2010/main" val="1887088746"/>
+      </p:ext>
+    </p:extLst>
+  </p:cSld>
+  <p:clrMapOvr>
+    <a:masterClrMapping/>
+  </p:clrMapOvr>
+  <p:timing>
+    <p:tnLst>
+      <p:par>
+        <p:cTn id="1" dur="indefinite" restart="never" nodeType="tmRoot"/>
+      </p:par>
+    </p:tnLst>
+  </p:timing>
+</p:sld>
+</file>
+
+<file path=ppt/slides/slide47.xml><?xml version="1.0" encoding="utf-8"?>
+<p:sld xmlns:a="http://schemas.openxmlformats.org/drawingml/2006/main" xmlns:r="http://schemas.openxmlformats.org/officeDocument/2006/relationships" xmlns:p="http://schemas.openxmlformats.org/presentationml/2006/main">
+  <p:cSld>
+    <p:spTree>
+      <p:nvGrpSpPr>
+        <p:cNvPr id="1" name=""/>
+        <p:cNvGrpSpPr/>
+        <p:nvPr/>
+      </p:nvGrpSpPr>
+      <p:grpSpPr>
+        <a:xfrm>
+          <a:off x="0" y="0"/>
+          <a:ext cx="0" cy="0"/>
+          <a:chOff x="0" y="0"/>
+          <a:chExt cx="0" cy="0"/>
+        </a:xfrm>
+      </p:grpSpPr>
+      <p:sp>
+        <p:nvSpPr>
+          <p:cNvPr id="2" name="Title 1"/>
+          <p:cNvSpPr>
+            <a:spLocks noGrp="1"/>
+          </p:cNvSpPr>
+          <p:nvPr>
+            <p:ph type="title"/>
+          </p:nvPr>
+        </p:nvSpPr>
+        <p:spPr/>
+        <p:txBody>
+          <a:bodyPr>
+            <a:normAutofit/>
+          </a:bodyPr>
+          <a:lstStyle/>
+          <a:p>
+            <a:r>
+              <a:rPr lang="en-US" sz="4800" dirty="0" smtClean="0"/>
+              <a:t>Canonical example: SQL Injection</a:t>
+            </a:r>
+            <a:endParaRPr lang="en-US" sz="4800" dirty="0"/>
+          </a:p>
+        </p:txBody>
+      </p:sp>
+      <p:sp>
+        <p:nvSpPr>
+          <p:cNvPr id="3" name="Content Placeholder 2"/>
+          <p:cNvSpPr>
+            <a:spLocks noGrp="1"/>
+          </p:cNvSpPr>
+          <p:nvPr>
+            <p:ph idx="1"/>
+          </p:nvPr>
+        </p:nvSpPr>
+        <p:spPr>
+          <a:xfrm>
+            <a:off x="838200" y="1825624"/>
+            <a:ext cx="10515600" cy="4589923"/>
+          </a:xfrm>
+        </p:spPr>
+        <p:txBody>
+          <a:bodyPr>
+            <a:normAutofit/>
+          </a:bodyPr>
+          <a:lstStyle/>
+          <a:p>
+            <a:endParaRPr lang="en-US" sz="4000" dirty="0" smtClean="0"/>
+          </a:p>
+          <a:p>
+            <a:endParaRPr lang="en-US" dirty="0" smtClean="0"/>
+          </a:p>
+          <a:p>
+            <a:endParaRPr lang="en-US" dirty="0" smtClean="0"/>
+          </a:p>
+          <a:p>
+            <a:endParaRPr lang="en-US" dirty="0"/>
+          </a:p>
+        </p:txBody>
+      </p:sp>
+    </p:spTree>
+    <p:extLst>
+      <p:ext uri="{BB962C8B-B14F-4D97-AF65-F5344CB8AC3E}">
+        <p14:creationId xmlns:p14="http://schemas.microsoft.com/office/powerpoint/2010/main" val="1766242099"/>
+      </p:ext>
+    </p:extLst>
+  </p:cSld>
+  <p:clrMapOvr>
+    <a:masterClrMapping/>
+  </p:clrMapOvr>
+  <p:timing>
+    <p:tnLst>
+      <p:par>
+        <p:cTn id="1" dur="indefinite" restart="never" nodeType="tmRoot"/>
+      </p:par>
+    </p:tnLst>
+  </p:timing>
+</p:sld>
+</file>
+
+<file path=ppt/slides/slide48.xml><?xml version="1.0" encoding="utf-8"?>
 <p:sld xmlns:a="http://schemas.openxmlformats.org/drawingml/2006/main" xmlns:r="http://schemas.openxmlformats.org/officeDocument/2006/relationships" xmlns:p="http://schemas.openxmlformats.org/presentationml/2006/main">
   <p:cSld>
     <p:spTree>

--- a/Secure Systems - CodeMash 2017.pptx
+++ b/Secure Systems - CodeMash 2017.pptx
@@ -5,7 +5,7 @@
     <p:sldMasterId id="2147483749" r:id="rId1"/>
   </p:sldMasterIdLst>
   <p:notesMasterIdLst>
-    <p:notesMasterId r:id="rId50"/>
+    <p:notesMasterId r:id="rId53"/>
   </p:notesMasterIdLst>
   <p:sldIdLst>
     <p:sldId id="395" r:id="rId2"/>
@@ -53,9 +53,12 @@
     <p:sldId id="535" r:id="rId44"/>
     <p:sldId id="507" r:id="rId45"/>
     <p:sldId id="536" r:id="rId46"/>
-    <p:sldId id="504" r:id="rId47"/>
-    <p:sldId id="485" r:id="rId48"/>
-    <p:sldId id="443" r:id="rId49"/>
+    <p:sldId id="538" r:id="rId47"/>
+    <p:sldId id="539" r:id="rId48"/>
+    <p:sldId id="537" r:id="rId49"/>
+    <p:sldId id="504" r:id="rId50"/>
+    <p:sldId id="485" r:id="rId51"/>
+    <p:sldId id="443" r:id="rId52"/>
   </p:sldIdLst>
   <p:sldSz cx="12192000" cy="6858000"/>
   <p:notesSz cx="6858000" cy="9144000"/>
@@ -4115,7 +4118,7 @@
     </p:spTree>
     <p:extLst>
       <p:ext uri="{BB962C8B-B14F-4D97-AF65-F5344CB8AC3E}">
-        <p14:creationId xmlns:p14="http://schemas.microsoft.com/office/powerpoint/2010/main" val="2602777311"/>
+        <p14:creationId xmlns:p14="http://schemas.microsoft.com/office/powerpoint/2010/main" val="1174323916"/>
       </p:ext>
     </p:extLst>
   </p:cSld>
@@ -4199,7 +4202,7 @@
     </p:spTree>
     <p:extLst>
       <p:ext uri="{BB962C8B-B14F-4D97-AF65-F5344CB8AC3E}">
-        <p14:creationId xmlns:p14="http://schemas.microsoft.com/office/powerpoint/2010/main" val="2267138517"/>
+        <p14:creationId xmlns:p14="http://schemas.microsoft.com/office/powerpoint/2010/main" val="22929660"/>
       </p:ext>
     </p:extLst>
   </p:cSld>
@@ -4253,15 +4256,7 @@
           <a:bodyPr/>
           <a:lstStyle/>
           <a:p>
-            <a:endParaRPr lang="en-US" sz="1200" kern="1200" dirty="0" smtClean="0">
-              <a:solidFill>
-                <a:schemeClr val="tx1"/>
-              </a:solidFill>
-              <a:effectLst/>
-              <a:latin typeface="+mn-lt"/>
-              <a:ea typeface="+mn-ea"/>
-              <a:cs typeface="+mn-cs"/>
-            </a:endParaRPr>
+            <a:endParaRPr lang="en-US" b="0" dirty="0" smtClean="0"/>
           </a:p>
         </p:txBody>
       </p:sp>
@@ -4291,7 +4286,91 @@
     </p:spTree>
     <p:extLst>
       <p:ext uri="{BB962C8B-B14F-4D97-AF65-F5344CB8AC3E}">
-        <p14:creationId xmlns:p14="http://schemas.microsoft.com/office/powerpoint/2010/main" val="2813022412"/>
+        <p14:creationId xmlns:p14="http://schemas.microsoft.com/office/powerpoint/2010/main" val="3079792467"/>
+      </p:ext>
+    </p:extLst>
+  </p:cSld>
+  <p:clrMapOvr>
+    <a:masterClrMapping/>
+  </p:clrMapOvr>
+</p:notes>
+</file>
+
+<file path=ppt/notesSlides/notesSlide49.xml><?xml version="1.0" encoding="utf-8"?>
+<p:notes xmlns:a="http://schemas.openxmlformats.org/drawingml/2006/main" xmlns:r="http://schemas.openxmlformats.org/officeDocument/2006/relationships" xmlns:p="http://schemas.openxmlformats.org/presentationml/2006/main">
+  <p:cSld>
+    <p:spTree>
+      <p:nvGrpSpPr>
+        <p:cNvPr id="1" name=""/>
+        <p:cNvGrpSpPr/>
+        <p:nvPr/>
+      </p:nvGrpSpPr>
+      <p:grpSpPr>
+        <a:xfrm>
+          <a:off x="0" y="0"/>
+          <a:ext cx="0" cy="0"/>
+          <a:chOff x="0" y="0"/>
+          <a:chExt cx="0" cy="0"/>
+        </a:xfrm>
+      </p:grpSpPr>
+      <p:sp>
+        <p:nvSpPr>
+          <p:cNvPr id="2" name="Slide Image Placeholder 1"/>
+          <p:cNvSpPr>
+            <a:spLocks noGrp="1" noRot="1" noChangeAspect="1"/>
+          </p:cNvSpPr>
+          <p:nvPr>
+            <p:ph type="sldImg"/>
+          </p:nvPr>
+        </p:nvSpPr>
+        <p:spPr/>
+      </p:sp>
+      <p:sp>
+        <p:nvSpPr>
+          <p:cNvPr id="3" name="Notes Placeholder 2"/>
+          <p:cNvSpPr>
+            <a:spLocks noGrp="1"/>
+          </p:cNvSpPr>
+          <p:nvPr>
+            <p:ph type="body" idx="1"/>
+          </p:nvPr>
+        </p:nvSpPr>
+        <p:spPr/>
+        <p:txBody>
+          <a:bodyPr/>
+          <a:lstStyle/>
+          <a:p>
+            <a:endParaRPr lang="en-US" b="0" dirty="0" smtClean="0"/>
+          </a:p>
+        </p:txBody>
+      </p:sp>
+      <p:sp>
+        <p:nvSpPr>
+          <p:cNvPr id="4" name="Slide Number Placeholder 3"/>
+          <p:cNvSpPr>
+            <a:spLocks noGrp="1"/>
+          </p:cNvSpPr>
+          <p:nvPr>
+            <p:ph type="sldNum" sz="quarter" idx="10"/>
+          </p:nvPr>
+        </p:nvSpPr>
+        <p:spPr/>
+        <p:txBody>
+          <a:bodyPr/>
+          <a:lstStyle/>
+          <a:p>
+            <a:fld id="{89029652-62E7-43D6-83B5-097D7B7AA5D8}" type="slidenum">
+              <a:rPr lang="en-US" smtClean="0"/>
+              <a:t>49</a:t>
+            </a:fld>
+            <a:endParaRPr lang="en-US"/>
+          </a:p>
+        </p:txBody>
+      </p:sp>
+    </p:spTree>
+    <p:extLst>
+      <p:ext uri="{BB962C8B-B14F-4D97-AF65-F5344CB8AC3E}">
+        <p14:creationId xmlns:p14="http://schemas.microsoft.com/office/powerpoint/2010/main" val="2602777311"/>
       </p:ext>
     </p:extLst>
   </p:cSld>
@@ -4376,6 +4455,182 @@
     <p:extLst>
       <p:ext uri="{BB962C8B-B14F-4D97-AF65-F5344CB8AC3E}">
         <p14:creationId xmlns:p14="http://schemas.microsoft.com/office/powerpoint/2010/main" val="3283155068"/>
+      </p:ext>
+    </p:extLst>
+  </p:cSld>
+  <p:clrMapOvr>
+    <a:masterClrMapping/>
+  </p:clrMapOvr>
+</p:notes>
+</file>
+
+<file path=ppt/notesSlides/notesSlide50.xml><?xml version="1.0" encoding="utf-8"?>
+<p:notes xmlns:a="http://schemas.openxmlformats.org/drawingml/2006/main" xmlns:r="http://schemas.openxmlformats.org/officeDocument/2006/relationships" xmlns:p="http://schemas.openxmlformats.org/presentationml/2006/main">
+  <p:cSld>
+    <p:spTree>
+      <p:nvGrpSpPr>
+        <p:cNvPr id="1" name=""/>
+        <p:cNvGrpSpPr/>
+        <p:nvPr/>
+      </p:nvGrpSpPr>
+      <p:grpSpPr>
+        <a:xfrm>
+          <a:off x="0" y="0"/>
+          <a:ext cx="0" cy="0"/>
+          <a:chOff x="0" y="0"/>
+          <a:chExt cx="0" cy="0"/>
+        </a:xfrm>
+      </p:grpSpPr>
+      <p:sp>
+        <p:nvSpPr>
+          <p:cNvPr id="2" name="Slide Image Placeholder 1"/>
+          <p:cNvSpPr>
+            <a:spLocks noGrp="1" noRot="1" noChangeAspect="1"/>
+          </p:cNvSpPr>
+          <p:nvPr>
+            <p:ph type="sldImg"/>
+          </p:nvPr>
+        </p:nvSpPr>
+        <p:spPr/>
+      </p:sp>
+      <p:sp>
+        <p:nvSpPr>
+          <p:cNvPr id="3" name="Notes Placeholder 2"/>
+          <p:cNvSpPr>
+            <a:spLocks noGrp="1"/>
+          </p:cNvSpPr>
+          <p:nvPr>
+            <p:ph type="body" idx="1"/>
+          </p:nvPr>
+        </p:nvSpPr>
+        <p:spPr/>
+        <p:txBody>
+          <a:bodyPr/>
+          <a:lstStyle/>
+          <a:p>
+            <a:endParaRPr lang="en-US" b="0" dirty="0" smtClean="0"/>
+          </a:p>
+        </p:txBody>
+      </p:sp>
+      <p:sp>
+        <p:nvSpPr>
+          <p:cNvPr id="4" name="Slide Number Placeholder 3"/>
+          <p:cNvSpPr>
+            <a:spLocks noGrp="1"/>
+          </p:cNvSpPr>
+          <p:nvPr>
+            <p:ph type="sldNum" sz="quarter" idx="10"/>
+          </p:nvPr>
+        </p:nvSpPr>
+        <p:spPr/>
+        <p:txBody>
+          <a:bodyPr/>
+          <a:lstStyle/>
+          <a:p>
+            <a:fld id="{89029652-62E7-43D6-83B5-097D7B7AA5D8}" type="slidenum">
+              <a:rPr lang="en-US" smtClean="0"/>
+              <a:t>50</a:t>
+            </a:fld>
+            <a:endParaRPr lang="en-US"/>
+          </a:p>
+        </p:txBody>
+      </p:sp>
+    </p:spTree>
+    <p:extLst>
+      <p:ext uri="{BB962C8B-B14F-4D97-AF65-F5344CB8AC3E}">
+        <p14:creationId xmlns:p14="http://schemas.microsoft.com/office/powerpoint/2010/main" val="2267138517"/>
+      </p:ext>
+    </p:extLst>
+  </p:cSld>
+  <p:clrMapOvr>
+    <a:masterClrMapping/>
+  </p:clrMapOvr>
+</p:notes>
+</file>
+
+<file path=ppt/notesSlides/notesSlide51.xml><?xml version="1.0" encoding="utf-8"?>
+<p:notes xmlns:a="http://schemas.openxmlformats.org/drawingml/2006/main" xmlns:r="http://schemas.openxmlformats.org/officeDocument/2006/relationships" xmlns:p="http://schemas.openxmlformats.org/presentationml/2006/main">
+  <p:cSld>
+    <p:spTree>
+      <p:nvGrpSpPr>
+        <p:cNvPr id="1" name=""/>
+        <p:cNvGrpSpPr/>
+        <p:nvPr/>
+      </p:nvGrpSpPr>
+      <p:grpSpPr>
+        <a:xfrm>
+          <a:off x="0" y="0"/>
+          <a:ext cx="0" cy="0"/>
+          <a:chOff x="0" y="0"/>
+          <a:chExt cx="0" cy="0"/>
+        </a:xfrm>
+      </p:grpSpPr>
+      <p:sp>
+        <p:nvSpPr>
+          <p:cNvPr id="2" name="Slide Image Placeholder 1"/>
+          <p:cNvSpPr>
+            <a:spLocks noGrp="1" noRot="1" noChangeAspect="1"/>
+          </p:cNvSpPr>
+          <p:nvPr>
+            <p:ph type="sldImg"/>
+          </p:nvPr>
+        </p:nvSpPr>
+        <p:spPr/>
+      </p:sp>
+      <p:sp>
+        <p:nvSpPr>
+          <p:cNvPr id="3" name="Notes Placeholder 2"/>
+          <p:cNvSpPr>
+            <a:spLocks noGrp="1"/>
+          </p:cNvSpPr>
+          <p:nvPr>
+            <p:ph type="body" idx="1"/>
+          </p:nvPr>
+        </p:nvSpPr>
+        <p:spPr/>
+        <p:txBody>
+          <a:bodyPr/>
+          <a:lstStyle/>
+          <a:p>
+            <a:endParaRPr lang="en-US" sz="1200" kern="1200" dirty="0" smtClean="0">
+              <a:solidFill>
+                <a:schemeClr val="tx1"/>
+              </a:solidFill>
+              <a:effectLst/>
+              <a:latin typeface="+mn-lt"/>
+              <a:ea typeface="+mn-ea"/>
+              <a:cs typeface="+mn-cs"/>
+            </a:endParaRPr>
+          </a:p>
+        </p:txBody>
+      </p:sp>
+      <p:sp>
+        <p:nvSpPr>
+          <p:cNvPr id="4" name="Slide Number Placeholder 3"/>
+          <p:cNvSpPr>
+            <a:spLocks noGrp="1"/>
+          </p:cNvSpPr>
+          <p:nvPr>
+            <p:ph type="sldNum" sz="quarter" idx="10"/>
+          </p:nvPr>
+        </p:nvSpPr>
+        <p:spPr/>
+        <p:txBody>
+          <a:bodyPr/>
+          <a:lstStyle/>
+          <a:p>
+            <a:fld id="{89029652-62E7-43D6-83B5-097D7B7AA5D8}" type="slidenum">
+              <a:rPr lang="en-US" smtClean="0"/>
+              <a:t>51</a:t>
+            </a:fld>
+            <a:endParaRPr lang="en-US"/>
+          </a:p>
+        </p:txBody>
+      </p:sp>
+    </p:spTree>
+    <p:extLst>
+      <p:ext uri="{BB962C8B-B14F-4D97-AF65-F5344CB8AC3E}">
+        <p14:creationId xmlns:p14="http://schemas.microsoft.com/office/powerpoint/2010/main" val="2813022412"/>
       </p:ext>
     </p:extLst>
   </p:cSld>
@@ -10965,23 +11220,7 @@
                   <a:srgbClr val="013947"/>
                 </a:solidFill>
               </a:rPr>
-              <a:t> to perform </a:t>
-            </a:r>
-            <a:r>
-              <a:rPr lang="en-US" dirty="0" smtClean="0">
-                <a:solidFill>
-                  <a:srgbClr val="013947"/>
-                </a:solidFill>
-              </a:rPr>
-              <a:t>a </a:t>
-            </a:r>
-            <a:r>
-              <a:rPr lang="en-US" dirty="0" smtClean="0">
-                <a:solidFill>
-                  <a:srgbClr val="013947"/>
-                </a:solidFill>
-              </a:rPr>
-              <a:t>given request?</a:t>
+              <a:t> to perform a given request?</a:t>
             </a:r>
             <a:endParaRPr lang="en-US" sz="4800" dirty="0">
               <a:solidFill>
@@ -12237,10 +12476,6 @@
               <a:rPr lang="en-US" sz="4800" dirty="0" smtClean="0"/>
               <a:t>Access Control</a:t>
             </a:r>
-            <a:r>
-              <a:rPr lang="en-US" sz="4800" dirty="0" smtClean="0"/>
-              <a:t/>
-            </a:r>
             <a:br>
               <a:rPr lang="en-US" sz="4800" dirty="0" smtClean="0"/>
             </a:br>
@@ -12581,7 +12816,6 @@
               <a:rPr lang="en-US" sz="4800" dirty="0"/>
               <a:t>– framework</a:t>
             </a:r>
-            <a:endParaRPr lang="en-US" sz="4800" dirty="0"/>
           </a:p>
         </p:txBody>
       </p:sp>
@@ -12701,7 +12935,11 @@
             </a:r>
             <a:r>
               <a:rPr lang="en-US" sz="4800" dirty="0"/>
-              <a:t>– framework</a:t>
+              <a:t>– </a:t>
+            </a:r>
+            <a:r>
+              <a:rPr lang="en-US" sz="4800" dirty="0" smtClean="0"/>
+              <a:t>Row Level Security</a:t>
             </a:r>
             <a:endParaRPr lang="en-US" sz="4800" dirty="0"/>
           </a:p>
@@ -12741,7 +12979,7 @@
       </p:sp>
       <p:pic>
         <p:nvPicPr>
-          <p:cNvPr id="4" name="Picture 3"/>
+          <p:cNvPr id="6" name="Picture 5"/>
           <p:cNvPicPr>
             <a:picLocks noChangeAspect="1"/>
           </p:cNvPicPr>
@@ -12755,8 +12993,8 @@
         </p:blipFill>
         <p:spPr>
           <a:xfrm>
-            <a:off x="838200" y="2607646"/>
-            <a:ext cx="11147699" cy="3173722"/>
+            <a:off x="838199" y="1447348"/>
+            <a:ext cx="11099705" cy="5410652"/>
           </a:xfrm>
           <a:prstGeom prst="rect">
             <a:avLst/>
@@ -12819,7 +13057,15 @@
           <a:p>
             <a:r>
               <a:rPr lang="en-US" sz="4800" dirty="0" smtClean="0"/>
-              <a:t>Patented step-by-step slide</a:t>
+              <a:t>Access Control </a:t>
+            </a:r>
+            <a:r>
+              <a:rPr lang="en-US" sz="4800" dirty="0"/>
+              <a:t>– </a:t>
+            </a:r>
+            <a:r>
+              <a:rPr lang="en-US" sz="4800" dirty="0" smtClean="0"/>
+              <a:t>Row Level Security</a:t>
             </a:r>
             <a:endParaRPr lang="en-US" sz="4800" dirty="0"/>
           </a:p>
@@ -12847,43 +13093,6 @@
           </a:bodyPr>
           <a:lstStyle/>
           <a:p>
-            <a:r>
-              <a:rPr lang="en-US" sz="4000" dirty="0" smtClean="0">
-                <a:solidFill>
-                  <a:schemeClr val="bg1">
-                    <a:lumMod val="65000"/>
-                  </a:schemeClr>
-                </a:solidFill>
-              </a:rPr>
-              <a:t>Old news</a:t>
-            </a:r>
-            <a:br>
-              <a:rPr lang="en-US" sz="4000" dirty="0" smtClean="0">
-                <a:solidFill>
-                  <a:schemeClr val="bg1">
-                    <a:lumMod val="65000"/>
-                  </a:schemeClr>
-                </a:solidFill>
-              </a:rPr>
-            </a:br>
-            <a:endParaRPr lang="en-US" sz="4000" dirty="0" smtClean="0">
-              <a:solidFill>
-                <a:schemeClr val="bg1">
-                  <a:lumMod val="65000"/>
-                </a:schemeClr>
-              </a:solidFill>
-            </a:endParaRPr>
-          </a:p>
-          <a:p>
-            <a:r>
-              <a:rPr lang="en-US" sz="4000" b="1" dirty="0" smtClean="0"/>
-              <a:t>New hotness</a:t>
-            </a:r>
-          </a:p>
-          <a:p>
-            <a:endParaRPr lang="en-US" sz="4000" dirty="0" smtClean="0"/>
-          </a:p>
-          <a:p>
             <a:endParaRPr lang="en-US" dirty="0" smtClean="0"/>
           </a:p>
           <a:p>
@@ -12894,10 +13103,34 @@
           </a:p>
         </p:txBody>
       </p:sp>
+      <p:pic>
+        <p:nvPicPr>
+          <p:cNvPr id="5" name="Picture 4"/>
+          <p:cNvPicPr>
+            <a:picLocks noChangeAspect="1"/>
+          </p:cNvPicPr>
+          <p:nvPr/>
+        </p:nvPicPr>
+        <p:blipFill>
+          <a:blip r:embed="rId3"/>
+          <a:stretch>
+            <a:fillRect/>
+          </a:stretch>
+        </p:blipFill>
+        <p:spPr>
+          <a:xfrm>
+            <a:off x="359046" y="1471339"/>
+            <a:ext cx="11808716" cy="5386661"/>
+          </a:xfrm>
+          <a:prstGeom prst="rect">
+            <a:avLst/>
+          </a:prstGeom>
+        </p:spPr>
+      </p:pic>
     </p:spTree>
     <p:extLst>
       <p:ext uri="{BB962C8B-B14F-4D97-AF65-F5344CB8AC3E}">
-        <p14:creationId xmlns:p14="http://schemas.microsoft.com/office/powerpoint/2010/main" val="1887088746"/>
+        <p14:creationId xmlns:p14="http://schemas.microsoft.com/office/powerpoint/2010/main" val="789907537"/>
       </p:ext>
     </p:extLst>
   </p:cSld>
@@ -12950,7 +13183,15 @@
           <a:p>
             <a:r>
               <a:rPr lang="en-US" sz="4800" dirty="0" smtClean="0"/>
-              <a:t>Canonical example: SQL Injection</a:t>
+              <a:t>Access Control </a:t>
+            </a:r>
+            <a:r>
+              <a:rPr lang="en-US" sz="4800" dirty="0"/>
+              <a:t>– </a:t>
+            </a:r>
+            <a:r>
+              <a:rPr lang="en-US" sz="4800" dirty="0" smtClean="0"/>
+              <a:t>Row Level Security</a:t>
             </a:r>
             <a:endParaRPr lang="en-US" sz="4800" dirty="0"/>
           </a:p>
@@ -12978,9 +13219,6 @@
           </a:bodyPr>
           <a:lstStyle/>
           <a:p>
-            <a:endParaRPr lang="en-US" sz="4000" dirty="0" smtClean="0"/>
-          </a:p>
-          <a:p>
             <a:endParaRPr lang="en-US" dirty="0" smtClean="0"/>
           </a:p>
           <a:p>
@@ -12991,10 +13229,34 @@
           </a:p>
         </p:txBody>
       </p:sp>
+      <p:pic>
+        <p:nvPicPr>
+          <p:cNvPr id="4" name="Picture 3"/>
+          <p:cNvPicPr>
+            <a:picLocks noChangeAspect="1"/>
+          </p:cNvPicPr>
+          <p:nvPr/>
+        </p:nvPicPr>
+        <p:blipFill>
+          <a:blip r:embed="rId3"/>
+          <a:stretch>
+            <a:fillRect/>
+          </a:stretch>
+        </p:blipFill>
+        <p:spPr>
+          <a:xfrm>
+            <a:off x="846711" y="3034992"/>
+            <a:ext cx="11345289" cy="1566505"/>
+          </a:xfrm>
+          <a:prstGeom prst="rect">
+            <a:avLst/>
+          </a:prstGeom>
+        </p:spPr>
+      </p:pic>
     </p:spTree>
     <p:extLst>
       <p:ext uri="{BB962C8B-B14F-4D97-AF65-F5344CB8AC3E}">
-        <p14:creationId xmlns:p14="http://schemas.microsoft.com/office/powerpoint/2010/main" val="1766242099"/>
+        <p14:creationId xmlns:p14="http://schemas.microsoft.com/office/powerpoint/2010/main" val="3564175732"/>
       </p:ext>
     </p:extLst>
   </p:cSld>
@@ -13038,42 +13300,7 @@
             <p:ph type="title"/>
           </p:nvPr>
         </p:nvSpPr>
-        <p:spPr>
-          <a:xfrm>
-            <a:off x="838200" y="365125"/>
-            <a:ext cx="10886768" cy="1325563"/>
-          </a:xfrm>
-        </p:spPr>
-        <p:txBody>
-          <a:bodyPr>
-            <a:noAutofit/>
-          </a:bodyPr>
-          <a:lstStyle/>
-          <a:p>
-            <a:r>
-              <a:rPr lang="en-US" sz="4800" dirty="0" smtClean="0"/>
-              <a:t>Closing slide</a:t>
-            </a:r>
-            <a:endParaRPr lang="en-US" sz="4800" dirty="0"/>
-          </a:p>
-        </p:txBody>
-      </p:sp>
-      <p:sp>
-        <p:nvSpPr>
-          <p:cNvPr id="3" name="Content Placeholder 2"/>
-          <p:cNvSpPr>
-            <a:spLocks noGrp="1"/>
-          </p:cNvSpPr>
-          <p:nvPr>
-            <p:ph idx="1"/>
-          </p:nvPr>
-        </p:nvSpPr>
-        <p:spPr>
-          <a:xfrm>
-            <a:off x="838200" y="1825625"/>
-            <a:ext cx="11137490" cy="4899640"/>
-          </a:xfrm>
-        </p:spPr>
+        <p:spPr/>
         <p:txBody>
           <a:bodyPr>
             <a:normAutofit/>
@@ -13081,102 +13308,199 @@
           <a:lstStyle/>
           <a:p>
             <a:r>
-              <a:rPr lang="en-US" sz="4000" dirty="0" smtClean="0"/>
-              <a:t>The knowledge gets dropped here</a:t>
-            </a:r>
-          </a:p>
-          <a:p>
-            <a:pPr marL="0" indent="0">
-              <a:buNone/>
-            </a:pPr>
-            <a:endParaRPr lang="en-US" sz="3200" dirty="0" smtClean="0">
-              <a:hlinkClick r:id="rId3"/>
-            </a:endParaRPr>
-          </a:p>
-          <a:p>
-            <a:pPr marL="0" indent="0">
-              <a:buNone/>
-            </a:pPr>
-            <a:r>
-              <a:rPr lang="en-US" sz="3600" dirty="0" smtClean="0">
-                <a:hlinkClick r:id="rId3"/>
-              </a:rPr>
-              <a:t>github.com/</a:t>
-            </a:r>
-            <a:r>
-              <a:rPr lang="en-US" sz="3600" dirty="0" err="1" smtClean="0">
-                <a:hlinkClick r:id="rId3"/>
-              </a:rPr>
-              <a:t>spetryjohnson</a:t>
-            </a:r>
-            <a:r>
-              <a:rPr lang="en-US" sz="3600" dirty="0" smtClean="0"/>
-              <a:t> </a:t>
-            </a:r>
-            <a:r>
-              <a:rPr lang="en-US" sz="3600" dirty="0" smtClean="0">
+              <a:rPr lang="en-US" sz="4800" dirty="0" smtClean="0"/>
+              <a:t>Access Control </a:t>
+            </a:r>
+            <a:r>
+              <a:rPr lang="en-US" sz="4800" dirty="0"/>
+              <a:t>– framework</a:t>
+            </a:r>
+          </a:p>
+        </p:txBody>
+      </p:sp>
+      <p:sp>
+        <p:nvSpPr>
+          <p:cNvPr id="3" name="Content Placeholder 2"/>
+          <p:cNvSpPr>
+            <a:spLocks noGrp="1"/>
+          </p:cNvSpPr>
+          <p:nvPr>
+            <p:ph idx="1"/>
+          </p:nvPr>
+        </p:nvSpPr>
+        <p:spPr>
+          <a:xfrm>
+            <a:off x="838200" y="1825624"/>
+            <a:ext cx="10515600" cy="4589923"/>
+          </a:xfrm>
+        </p:spPr>
+        <p:txBody>
+          <a:bodyPr>
+            <a:normAutofit/>
+          </a:bodyPr>
+          <a:lstStyle/>
+          <a:p>
+            <a:endParaRPr lang="en-US" dirty="0" smtClean="0"/>
+          </a:p>
+          <a:p>
+            <a:endParaRPr lang="en-US" dirty="0" smtClean="0"/>
+          </a:p>
+          <a:p>
+            <a:endParaRPr lang="en-US" dirty="0"/>
+          </a:p>
+        </p:txBody>
+      </p:sp>
+      <p:pic>
+        <p:nvPicPr>
+          <p:cNvPr id="4" name="Picture 3"/>
+          <p:cNvPicPr>
+            <a:picLocks noChangeAspect="1"/>
+          </p:cNvPicPr>
+          <p:nvPr/>
+        </p:nvPicPr>
+        <p:blipFill>
+          <a:blip r:embed="rId3"/>
+          <a:stretch>
+            <a:fillRect/>
+          </a:stretch>
+        </p:blipFill>
+        <p:spPr>
+          <a:xfrm>
+            <a:off x="838200" y="2607646"/>
+            <a:ext cx="11147699" cy="3173722"/>
+          </a:xfrm>
+          <a:prstGeom prst="rect">
+            <a:avLst/>
+          </a:prstGeom>
+        </p:spPr>
+      </p:pic>
+    </p:spTree>
+    <p:extLst>
+      <p:ext uri="{BB962C8B-B14F-4D97-AF65-F5344CB8AC3E}">
+        <p14:creationId xmlns:p14="http://schemas.microsoft.com/office/powerpoint/2010/main" val="3053964411"/>
+      </p:ext>
+    </p:extLst>
+  </p:cSld>
+  <p:clrMapOvr>
+    <a:masterClrMapping/>
+  </p:clrMapOvr>
+  <p:timing>
+    <p:tnLst>
+      <p:par>
+        <p:cTn id="1" dur="indefinite" restart="never" nodeType="tmRoot"/>
+      </p:par>
+    </p:tnLst>
+  </p:timing>
+</p:sld>
+</file>
+
+<file path=ppt/slides/slide49.xml><?xml version="1.0" encoding="utf-8"?>
+<p:sld xmlns:a="http://schemas.openxmlformats.org/drawingml/2006/main" xmlns:r="http://schemas.openxmlformats.org/officeDocument/2006/relationships" xmlns:p="http://schemas.openxmlformats.org/presentationml/2006/main">
+  <p:cSld>
+    <p:spTree>
+      <p:nvGrpSpPr>
+        <p:cNvPr id="1" name=""/>
+        <p:cNvGrpSpPr/>
+        <p:nvPr/>
+      </p:nvGrpSpPr>
+      <p:grpSpPr>
+        <a:xfrm>
+          <a:off x="0" y="0"/>
+          <a:ext cx="0" cy="0"/>
+          <a:chOff x="0" y="0"/>
+          <a:chExt cx="0" cy="0"/>
+        </a:xfrm>
+      </p:grpSpPr>
+      <p:sp>
+        <p:nvSpPr>
+          <p:cNvPr id="2" name="Title 1"/>
+          <p:cNvSpPr>
+            <a:spLocks noGrp="1"/>
+          </p:cNvSpPr>
+          <p:nvPr>
+            <p:ph type="title"/>
+          </p:nvPr>
+        </p:nvSpPr>
+        <p:spPr/>
+        <p:txBody>
+          <a:bodyPr>
+            <a:normAutofit/>
+          </a:bodyPr>
+          <a:lstStyle/>
+          <a:p>
+            <a:r>
+              <a:rPr lang="en-US" sz="4800" dirty="0" smtClean="0"/>
+              <a:t>Patented step-by-step slide</a:t>
+            </a:r>
+            <a:endParaRPr lang="en-US" sz="4800" dirty="0"/>
+          </a:p>
+        </p:txBody>
+      </p:sp>
+      <p:sp>
+        <p:nvSpPr>
+          <p:cNvPr id="3" name="Content Placeholder 2"/>
+          <p:cNvSpPr>
+            <a:spLocks noGrp="1"/>
+          </p:cNvSpPr>
+          <p:nvPr>
+            <p:ph idx="1"/>
+          </p:nvPr>
+        </p:nvSpPr>
+        <p:spPr>
+          <a:xfrm>
+            <a:off x="838200" y="1825624"/>
+            <a:ext cx="10515600" cy="4589923"/>
+          </a:xfrm>
+        </p:spPr>
+        <p:txBody>
+          <a:bodyPr>
+            <a:normAutofit/>
+          </a:bodyPr>
+          <a:lstStyle/>
+          <a:p>
+            <a:r>
+              <a:rPr lang="en-US" sz="4000" dirty="0" smtClean="0">
                 <a:solidFill>
                   <a:schemeClr val="bg1">
-                    <a:lumMod val="50000"/>
+                    <a:lumMod val="65000"/>
                   </a:schemeClr>
                 </a:solidFill>
               </a:rPr>
-              <a:t>|</a:t>
-            </a:r>
-            <a:r>
-              <a:rPr lang="en-US" sz="3600" dirty="0" smtClean="0"/>
-              <a:t> </a:t>
-            </a:r>
-            <a:r>
-              <a:rPr lang="en-US" sz="3600" dirty="0" smtClean="0">
-                <a:hlinkClick r:id="rId4"/>
+              <a:t>Old news</a:t>
+            </a:r>
+            <a:br>
+              <a:rPr lang="en-US" sz="4000" dirty="0" smtClean="0">
+                <a:solidFill>
+                  <a:schemeClr val="bg1">
+                    <a:lumMod val="65000"/>
+                  </a:schemeClr>
+                </a:solidFill>
               </a:rPr>
-              <a:t>www.petry-johnson.com</a:t>
-            </a:r>
-            <a:r>
-              <a:rPr lang="en-US" sz="3600" dirty="0" smtClean="0"/>
-              <a:t/>
-            </a:r>
-            <a:br>
-              <a:rPr lang="en-US" sz="3600" dirty="0" smtClean="0"/>
             </a:br>
-            <a:endParaRPr lang="en-US" sz="3600" dirty="0"/>
-          </a:p>
-          <a:p>
-            <a:pPr marL="0" indent="0" algn="ctr">
-              <a:buNone/>
-            </a:pPr>
-            <a:r>
-              <a:rPr lang="en-US" sz="3600" b="1" dirty="0" smtClean="0"/>
-              <a:t>@</a:t>
-            </a:r>
-            <a:r>
-              <a:rPr lang="en-US" sz="3600" b="1" dirty="0" err="1" smtClean="0"/>
-              <a:t>spetryjohnson</a:t>
-            </a:r>
-            <a:endParaRPr lang="en-US" b="1" dirty="0" smtClean="0"/>
+            <a:endParaRPr lang="en-US" sz="4000" dirty="0" smtClean="0">
+              <a:solidFill>
+                <a:schemeClr val="bg1">
+                  <a:lumMod val="65000"/>
+                </a:schemeClr>
+              </a:solidFill>
+            </a:endParaRPr>
+          </a:p>
+          <a:p>
+            <a:r>
+              <a:rPr lang="en-US" sz="4000" b="1" dirty="0" smtClean="0"/>
+              <a:t>New hotness</a:t>
+            </a:r>
+          </a:p>
+          <a:p>
+            <a:endParaRPr lang="en-US" sz="4000" dirty="0" smtClean="0"/>
           </a:p>
           <a:p>
             <a:endParaRPr lang="en-US" dirty="0" smtClean="0"/>
           </a:p>
           <a:p>
-            <a:pPr lvl="1"/>
             <a:endParaRPr lang="en-US" dirty="0" smtClean="0"/>
           </a:p>
           <a:p>
-            <a:pPr lvl="1"/>
-            <a:endParaRPr lang="en-US" dirty="0" smtClean="0"/>
-          </a:p>
-          <a:p>
-            <a:pPr lvl="1"/>
-            <a:endParaRPr lang="en-US" dirty="0"/>
-          </a:p>
-          <a:p>
-            <a:pPr lvl="1"/>
-            <a:endParaRPr lang="en-US" dirty="0" smtClean="0"/>
-          </a:p>
-          <a:p>
-            <a:pPr lvl="1"/>
             <a:endParaRPr lang="en-US" dirty="0"/>
           </a:p>
         </p:txBody>
@@ -13184,7 +13508,7 @@
     </p:spTree>
     <p:extLst>
       <p:ext uri="{BB962C8B-B14F-4D97-AF65-F5344CB8AC3E}">
-        <p14:creationId xmlns:p14="http://schemas.microsoft.com/office/powerpoint/2010/main" val="659085787"/>
+        <p14:creationId xmlns:p14="http://schemas.microsoft.com/office/powerpoint/2010/main" val="1887088746"/>
       </p:ext>
     </p:extLst>
   </p:cSld>
@@ -13324,6 +13648,293 @@
     <p:extLst>
       <p:ext uri="{BB962C8B-B14F-4D97-AF65-F5344CB8AC3E}">
         <p14:creationId xmlns:p14="http://schemas.microsoft.com/office/powerpoint/2010/main" val="2651230507"/>
+      </p:ext>
+    </p:extLst>
+  </p:cSld>
+  <p:clrMapOvr>
+    <a:masterClrMapping/>
+  </p:clrMapOvr>
+  <p:timing>
+    <p:tnLst>
+      <p:par>
+        <p:cTn id="1" dur="indefinite" restart="never" nodeType="tmRoot"/>
+      </p:par>
+    </p:tnLst>
+  </p:timing>
+</p:sld>
+</file>
+
+<file path=ppt/slides/slide50.xml><?xml version="1.0" encoding="utf-8"?>
+<p:sld xmlns:a="http://schemas.openxmlformats.org/drawingml/2006/main" xmlns:r="http://schemas.openxmlformats.org/officeDocument/2006/relationships" xmlns:p="http://schemas.openxmlformats.org/presentationml/2006/main">
+  <p:cSld>
+    <p:spTree>
+      <p:nvGrpSpPr>
+        <p:cNvPr id="1" name=""/>
+        <p:cNvGrpSpPr/>
+        <p:nvPr/>
+      </p:nvGrpSpPr>
+      <p:grpSpPr>
+        <a:xfrm>
+          <a:off x="0" y="0"/>
+          <a:ext cx="0" cy="0"/>
+          <a:chOff x="0" y="0"/>
+          <a:chExt cx="0" cy="0"/>
+        </a:xfrm>
+      </p:grpSpPr>
+      <p:sp>
+        <p:nvSpPr>
+          <p:cNvPr id="2" name="Title 1"/>
+          <p:cNvSpPr>
+            <a:spLocks noGrp="1"/>
+          </p:cNvSpPr>
+          <p:nvPr>
+            <p:ph type="title"/>
+          </p:nvPr>
+        </p:nvSpPr>
+        <p:spPr/>
+        <p:txBody>
+          <a:bodyPr>
+            <a:normAutofit/>
+          </a:bodyPr>
+          <a:lstStyle/>
+          <a:p>
+            <a:r>
+              <a:rPr lang="en-US" sz="4800" dirty="0" smtClean="0"/>
+              <a:t>Canonical example: SQL Injection</a:t>
+            </a:r>
+            <a:endParaRPr lang="en-US" sz="4800" dirty="0"/>
+          </a:p>
+        </p:txBody>
+      </p:sp>
+      <p:sp>
+        <p:nvSpPr>
+          <p:cNvPr id="3" name="Content Placeholder 2"/>
+          <p:cNvSpPr>
+            <a:spLocks noGrp="1"/>
+          </p:cNvSpPr>
+          <p:nvPr>
+            <p:ph idx="1"/>
+          </p:nvPr>
+        </p:nvSpPr>
+        <p:spPr>
+          <a:xfrm>
+            <a:off x="838200" y="1825624"/>
+            <a:ext cx="10515600" cy="4589923"/>
+          </a:xfrm>
+        </p:spPr>
+        <p:txBody>
+          <a:bodyPr>
+            <a:normAutofit/>
+          </a:bodyPr>
+          <a:lstStyle/>
+          <a:p>
+            <a:endParaRPr lang="en-US" sz="4000" dirty="0" smtClean="0"/>
+          </a:p>
+          <a:p>
+            <a:endParaRPr lang="en-US" dirty="0" smtClean="0"/>
+          </a:p>
+          <a:p>
+            <a:endParaRPr lang="en-US" dirty="0" smtClean="0"/>
+          </a:p>
+          <a:p>
+            <a:endParaRPr lang="en-US" dirty="0"/>
+          </a:p>
+        </p:txBody>
+      </p:sp>
+    </p:spTree>
+    <p:extLst>
+      <p:ext uri="{BB962C8B-B14F-4D97-AF65-F5344CB8AC3E}">
+        <p14:creationId xmlns:p14="http://schemas.microsoft.com/office/powerpoint/2010/main" val="1766242099"/>
+      </p:ext>
+    </p:extLst>
+  </p:cSld>
+  <p:clrMapOvr>
+    <a:masterClrMapping/>
+  </p:clrMapOvr>
+  <p:timing>
+    <p:tnLst>
+      <p:par>
+        <p:cTn id="1" dur="indefinite" restart="never" nodeType="tmRoot"/>
+      </p:par>
+    </p:tnLst>
+  </p:timing>
+</p:sld>
+</file>
+
+<file path=ppt/slides/slide51.xml><?xml version="1.0" encoding="utf-8"?>
+<p:sld xmlns:a="http://schemas.openxmlformats.org/drawingml/2006/main" xmlns:r="http://schemas.openxmlformats.org/officeDocument/2006/relationships" xmlns:p="http://schemas.openxmlformats.org/presentationml/2006/main">
+  <p:cSld>
+    <p:spTree>
+      <p:nvGrpSpPr>
+        <p:cNvPr id="1" name=""/>
+        <p:cNvGrpSpPr/>
+        <p:nvPr/>
+      </p:nvGrpSpPr>
+      <p:grpSpPr>
+        <a:xfrm>
+          <a:off x="0" y="0"/>
+          <a:ext cx="0" cy="0"/>
+          <a:chOff x="0" y="0"/>
+          <a:chExt cx="0" cy="0"/>
+        </a:xfrm>
+      </p:grpSpPr>
+      <p:sp>
+        <p:nvSpPr>
+          <p:cNvPr id="2" name="Title 1"/>
+          <p:cNvSpPr>
+            <a:spLocks noGrp="1"/>
+          </p:cNvSpPr>
+          <p:nvPr>
+            <p:ph type="title"/>
+          </p:nvPr>
+        </p:nvSpPr>
+        <p:spPr>
+          <a:xfrm>
+            <a:off x="838200" y="365125"/>
+            <a:ext cx="10886768" cy="1325563"/>
+          </a:xfrm>
+        </p:spPr>
+        <p:txBody>
+          <a:bodyPr>
+            <a:noAutofit/>
+          </a:bodyPr>
+          <a:lstStyle/>
+          <a:p>
+            <a:r>
+              <a:rPr lang="en-US" sz="4800" dirty="0" smtClean="0"/>
+              <a:t>Closing slide</a:t>
+            </a:r>
+            <a:endParaRPr lang="en-US" sz="4800" dirty="0"/>
+          </a:p>
+        </p:txBody>
+      </p:sp>
+      <p:sp>
+        <p:nvSpPr>
+          <p:cNvPr id="3" name="Content Placeholder 2"/>
+          <p:cNvSpPr>
+            <a:spLocks noGrp="1"/>
+          </p:cNvSpPr>
+          <p:nvPr>
+            <p:ph idx="1"/>
+          </p:nvPr>
+        </p:nvSpPr>
+        <p:spPr>
+          <a:xfrm>
+            <a:off x="838200" y="1825625"/>
+            <a:ext cx="11137490" cy="4899640"/>
+          </a:xfrm>
+        </p:spPr>
+        <p:txBody>
+          <a:bodyPr>
+            <a:normAutofit/>
+          </a:bodyPr>
+          <a:lstStyle/>
+          <a:p>
+            <a:r>
+              <a:rPr lang="en-US" sz="4000" dirty="0" smtClean="0"/>
+              <a:t>The knowledge gets dropped here</a:t>
+            </a:r>
+          </a:p>
+          <a:p>
+            <a:pPr marL="0" indent="0">
+              <a:buNone/>
+            </a:pPr>
+            <a:endParaRPr lang="en-US" sz="3200" dirty="0" smtClean="0">
+              <a:hlinkClick r:id="rId3"/>
+            </a:endParaRPr>
+          </a:p>
+          <a:p>
+            <a:pPr marL="0" indent="0">
+              <a:buNone/>
+            </a:pPr>
+            <a:r>
+              <a:rPr lang="en-US" sz="3600" dirty="0" smtClean="0">
+                <a:hlinkClick r:id="rId3"/>
+              </a:rPr>
+              <a:t>github.com/</a:t>
+            </a:r>
+            <a:r>
+              <a:rPr lang="en-US" sz="3600" dirty="0" err="1" smtClean="0">
+                <a:hlinkClick r:id="rId3"/>
+              </a:rPr>
+              <a:t>spetryjohnson</a:t>
+            </a:r>
+            <a:r>
+              <a:rPr lang="en-US" sz="3600" dirty="0" smtClean="0"/>
+              <a:t> </a:t>
+            </a:r>
+            <a:r>
+              <a:rPr lang="en-US" sz="3600" dirty="0" smtClean="0">
+                <a:solidFill>
+                  <a:schemeClr val="bg1">
+                    <a:lumMod val="50000"/>
+                  </a:schemeClr>
+                </a:solidFill>
+              </a:rPr>
+              <a:t>|</a:t>
+            </a:r>
+            <a:r>
+              <a:rPr lang="en-US" sz="3600" dirty="0" smtClean="0"/>
+              <a:t> </a:t>
+            </a:r>
+            <a:r>
+              <a:rPr lang="en-US" sz="3600" dirty="0" smtClean="0">
+                <a:hlinkClick r:id="rId4"/>
+              </a:rPr>
+              <a:t>www.petry-johnson.com</a:t>
+            </a:r>
+            <a:r>
+              <a:rPr lang="en-US" sz="3600" dirty="0" smtClean="0"/>
+              <a:t/>
+            </a:r>
+            <a:br>
+              <a:rPr lang="en-US" sz="3600" dirty="0" smtClean="0"/>
+            </a:br>
+            <a:endParaRPr lang="en-US" sz="3600" dirty="0"/>
+          </a:p>
+          <a:p>
+            <a:pPr marL="0" indent="0" algn="ctr">
+              <a:buNone/>
+            </a:pPr>
+            <a:r>
+              <a:rPr lang="en-US" sz="3600" b="1" dirty="0" smtClean="0"/>
+              <a:t>@</a:t>
+            </a:r>
+            <a:r>
+              <a:rPr lang="en-US" sz="3600" b="1" dirty="0" err="1" smtClean="0"/>
+              <a:t>spetryjohnson</a:t>
+            </a:r>
+            <a:endParaRPr lang="en-US" b="1" dirty="0" smtClean="0"/>
+          </a:p>
+          <a:p>
+            <a:endParaRPr lang="en-US" dirty="0" smtClean="0"/>
+          </a:p>
+          <a:p>
+            <a:pPr lvl="1"/>
+            <a:endParaRPr lang="en-US" dirty="0" smtClean="0"/>
+          </a:p>
+          <a:p>
+            <a:pPr lvl="1"/>
+            <a:endParaRPr lang="en-US" dirty="0" smtClean="0"/>
+          </a:p>
+          <a:p>
+            <a:pPr lvl="1"/>
+            <a:endParaRPr lang="en-US" dirty="0"/>
+          </a:p>
+          <a:p>
+            <a:pPr lvl="1"/>
+            <a:endParaRPr lang="en-US" dirty="0" smtClean="0"/>
+          </a:p>
+          <a:p>
+            <a:pPr lvl="1"/>
+            <a:endParaRPr lang="en-US" dirty="0"/>
+          </a:p>
+        </p:txBody>
+      </p:sp>
+    </p:spTree>
+    <p:extLst>
+      <p:ext uri="{BB962C8B-B14F-4D97-AF65-F5344CB8AC3E}">
+        <p14:creationId xmlns:p14="http://schemas.microsoft.com/office/powerpoint/2010/main" val="659085787"/>
       </p:ext>
     </p:extLst>
   </p:cSld>

--- a/Secure Systems - CodeMash 2017.pptx
+++ b/Secure Systems - CodeMash 2017.pptx
@@ -5,7 +5,7 @@
     <p:sldMasterId id="2147483749" r:id="rId1"/>
   </p:sldMasterIdLst>
   <p:notesMasterIdLst>
-    <p:notesMasterId r:id="rId53"/>
+    <p:notesMasterId r:id="rId58"/>
   </p:notesMasterIdLst>
   <p:sldIdLst>
     <p:sldId id="395" r:id="rId2"/>
@@ -29,36 +29,41 @@
     <p:sldId id="517" r:id="rId20"/>
     <p:sldId id="518" r:id="rId21"/>
     <p:sldId id="499" r:id="rId22"/>
-    <p:sldId id="506" r:id="rId23"/>
-    <p:sldId id="519" r:id="rId24"/>
-    <p:sldId id="524" r:id="rId25"/>
-    <p:sldId id="521" r:id="rId26"/>
-    <p:sldId id="522" r:id="rId27"/>
-    <p:sldId id="525" r:id="rId28"/>
-    <p:sldId id="523" r:id="rId29"/>
-    <p:sldId id="520" r:id="rId30"/>
-    <p:sldId id="526" r:id="rId31"/>
-    <p:sldId id="528" r:id="rId32"/>
-    <p:sldId id="500" r:id="rId33"/>
-    <p:sldId id="501" r:id="rId34"/>
-    <p:sldId id="529" r:id="rId35"/>
-    <p:sldId id="530" r:id="rId36"/>
-    <p:sldId id="502" r:id="rId37"/>
-    <p:sldId id="503" r:id="rId38"/>
-    <p:sldId id="531" r:id="rId39"/>
-    <p:sldId id="532" r:id="rId40"/>
-    <p:sldId id="533" r:id="rId41"/>
-    <p:sldId id="534" r:id="rId42"/>
-    <p:sldId id="505" r:id="rId43"/>
-    <p:sldId id="535" r:id="rId44"/>
-    <p:sldId id="507" r:id="rId45"/>
-    <p:sldId id="536" r:id="rId46"/>
-    <p:sldId id="538" r:id="rId47"/>
-    <p:sldId id="539" r:id="rId48"/>
-    <p:sldId id="537" r:id="rId49"/>
-    <p:sldId id="504" r:id="rId50"/>
-    <p:sldId id="485" r:id="rId51"/>
-    <p:sldId id="443" r:id="rId52"/>
+    <p:sldId id="528" r:id="rId23"/>
+    <p:sldId id="541" r:id="rId24"/>
+    <p:sldId id="544" r:id="rId25"/>
+    <p:sldId id="545" r:id="rId26"/>
+    <p:sldId id="506" r:id="rId27"/>
+    <p:sldId id="519" r:id="rId28"/>
+    <p:sldId id="524" r:id="rId29"/>
+    <p:sldId id="521" r:id="rId30"/>
+    <p:sldId id="522" r:id="rId31"/>
+    <p:sldId id="525" r:id="rId32"/>
+    <p:sldId id="523" r:id="rId33"/>
+    <p:sldId id="520" r:id="rId34"/>
+    <p:sldId id="526" r:id="rId35"/>
+    <p:sldId id="540" r:id="rId36"/>
+    <p:sldId id="500" r:id="rId37"/>
+    <p:sldId id="501" r:id="rId38"/>
+    <p:sldId id="529" r:id="rId39"/>
+    <p:sldId id="530" r:id="rId40"/>
+    <p:sldId id="546" r:id="rId41"/>
+    <p:sldId id="502" r:id="rId42"/>
+    <p:sldId id="503" r:id="rId43"/>
+    <p:sldId id="531" r:id="rId44"/>
+    <p:sldId id="532" r:id="rId45"/>
+    <p:sldId id="533" r:id="rId46"/>
+    <p:sldId id="534" r:id="rId47"/>
+    <p:sldId id="505" r:id="rId48"/>
+    <p:sldId id="535" r:id="rId49"/>
+    <p:sldId id="507" r:id="rId50"/>
+    <p:sldId id="536" r:id="rId51"/>
+    <p:sldId id="538" r:id="rId52"/>
+    <p:sldId id="539" r:id="rId53"/>
+    <p:sldId id="537" r:id="rId54"/>
+    <p:sldId id="504" r:id="rId55"/>
+    <p:sldId id="485" r:id="rId56"/>
+    <p:sldId id="443" r:id="rId57"/>
   </p:sldIdLst>
   <p:sldSz cx="12192000" cy="6858000"/>
   <p:notesSz cx="6858000" cy="9144000"/>
@@ -176,6 +181,46 @@
 </p:presentation>
 </file>
 
+<file path=ppt/commentAuthors.xml><?xml version="1.0" encoding="utf-8"?>
+<p:cmAuthorLst xmlns:a="http://schemas.openxmlformats.org/drawingml/2006/main" xmlns:r="http://schemas.openxmlformats.org/officeDocument/2006/relationships" xmlns:p="http://schemas.openxmlformats.org/presentationml/2006/main">
+  <p:cmAuthor id="1" name="Seth Petry-Johnson" initials="SP" lastIdx="1" clrIdx="0">
+    <p:extLst>
+      <p:ext uri="{19B8F6BF-5375-455C-9EA6-DF929625EA0E}">
+        <p15:presenceInfo xmlns:p15="http://schemas.microsoft.com/office/powerpoint/2012/main" userId="Seth Petry-Johnson" providerId="None"/>
+      </p:ext>
+    </p:extLst>
+  </p:cmAuthor>
+</p:cmAuthorLst>
+</file>
+
+<file path=ppt/comments/comment1.xml><?xml version="1.0" encoding="utf-8"?>
+<p:cmLst xmlns:a="http://schemas.openxmlformats.org/drawingml/2006/main" xmlns:r="http://schemas.openxmlformats.org/officeDocument/2006/relationships" xmlns:p="http://schemas.openxmlformats.org/presentationml/2006/main">
+  <p:cm authorId="1" dt="2016-12-27T21:40:50.582" idx="1">
+    <p:pos x="10" y="10"/>
+    <p:text/>
+    <p:extLst>
+      <p:ext uri="{C676402C-5697-4E1C-873F-D02D1690AC5C}">
+        <p15:threadingInfo xmlns:p15="http://schemas.microsoft.com/office/powerpoint/2012/main" timeZoneBias="300"/>
+      </p:ext>
+    </p:extLst>
+  </p:cm>
+</p:cmLst>
+</file>
+
+<file path=ppt/comments/comment2.xml><?xml version="1.0" encoding="utf-8"?>
+<p:cmLst xmlns:a="http://schemas.openxmlformats.org/drawingml/2006/main" xmlns:r="http://schemas.openxmlformats.org/officeDocument/2006/relationships" xmlns:p="http://schemas.openxmlformats.org/presentationml/2006/main">
+  <p:cm authorId="1" dt="2016-12-27T21:40:50.582" idx="1">
+    <p:pos x="10" y="10"/>
+    <p:text/>
+    <p:extLst>
+      <p:ext uri="{C676402C-5697-4E1C-873F-D02D1690AC5C}">
+        <p15:threadingInfo xmlns:p15="http://schemas.microsoft.com/office/powerpoint/2012/main" timeZoneBias="300"/>
+      </p:ext>
+    </p:extLst>
+  </p:cm>
+</p:cmLst>
+</file>
+
 <file path=ppt/notesMasters/notesMaster1.xml><?xml version="1.0" encoding="utf-8"?>
 <p:notesMaster xmlns:a="http://schemas.openxmlformats.org/drawingml/2006/main" xmlns:r="http://schemas.openxmlformats.org/officeDocument/2006/relationships" xmlns:p="http://schemas.openxmlformats.org/presentationml/2006/main">
   <p:cSld>
@@ -258,7 +303,7 @@
           <a:p>
             <a:fld id="{C54A4886-B4AF-42F7-97BE-95CDF82A73E3}" type="datetimeFigureOut">
               <a:rPr lang="en-US" smtClean="0"/>
-              <a:t>12/23/2016</a:t>
+              <a:t>12/27/2016</a:t>
             </a:fld>
             <a:endParaRPr lang="en-US"/>
           </a:p>
@@ -1804,7 +1849,32 @@
           <a:bodyPr/>
           <a:lstStyle/>
           <a:p>
-            <a:endParaRPr lang="en-US" b="0" dirty="0" smtClean="0"/>
+            <a:pPr marL="0" marR="0" indent="0" algn="l" defTabSz="914400" rtl="0" eaLnBrk="1" fontAlgn="auto" latinLnBrk="0" hangingPunct="1">
+              <a:lnSpc>
+                <a:spcPct val="100000"/>
+              </a:lnSpc>
+              <a:spcBef>
+                <a:spcPts val="0"/>
+              </a:spcBef>
+              <a:spcAft>
+                <a:spcPts val="0"/>
+              </a:spcAft>
+              <a:buClrTx/>
+              <a:buSzTx/>
+              <a:buFontTx/>
+              <a:buNone/>
+              <a:tabLst/>
+              <a:defRPr/>
+            </a:pPr>
+            <a:endParaRPr lang="en-US" sz="1200" kern="1200" dirty="0" smtClean="0">
+              <a:solidFill>
+                <a:schemeClr val="tx1"/>
+              </a:solidFill>
+              <a:effectLst/>
+              <a:latin typeface="+mn-lt"/>
+              <a:ea typeface="+mn-ea"/>
+              <a:cs typeface="+mn-cs"/>
+            </a:endParaRPr>
           </a:p>
         </p:txBody>
       </p:sp>
@@ -1834,7 +1904,7 @@
     </p:spTree>
     <p:extLst>
       <p:ext uri="{BB962C8B-B14F-4D97-AF65-F5344CB8AC3E}">
-        <p14:creationId xmlns:p14="http://schemas.microsoft.com/office/powerpoint/2010/main" val="3766878569"/>
+        <p14:creationId xmlns:p14="http://schemas.microsoft.com/office/powerpoint/2010/main" val="3734542197"/>
       </p:ext>
     </p:extLst>
   </p:cSld>
@@ -1918,7 +1988,7 @@
     </p:spTree>
     <p:extLst>
       <p:ext uri="{BB962C8B-B14F-4D97-AF65-F5344CB8AC3E}">
-        <p14:creationId xmlns:p14="http://schemas.microsoft.com/office/powerpoint/2010/main" val="1777663287"/>
+        <p14:creationId xmlns:p14="http://schemas.microsoft.com/office/powerpoint/2010/main" val="2847908271"/>
       </p:ext>
     </p:extLst>
   </p:cSld>
@@ -2002,7 +2072,7 @@
     </p:spTree>
     <p:extLst>
       <p:ext uri="{BB962C8B-B14F-4D97-AF65-F5344CB8AC3E}">
-        <p14:creationId xmlns:p14="http://schemas.microsoft.com/office/powerpoint/2010/main" val="128284815"/>
+        <p14:creationId xmlns:p14="http://schemas.microsoft.com/office/powerpoint/2010/main" val="980274710"/>
       </p:ext>
     </p:extLst>
   </p:cSld>
@@ -2056,7 +2126,32 @@
           <a:bodyPr/>
           <a:lstStyle/>
           <a:p>
-            <a:endParaRPr lang="en-US" b="0" dirty="0" smtClean="0"/>
+            <a:pPr marL="0" marR="0" indent="0" algn="l" defTabSz="914400" rtl="0" eaLnBrk="1" fontAlgn="auto" latinLnBrk="0" hangingPunct="1">
+              <a:lnSpc>
+                <a:spcPct val="100000"/>
+              </a:lnSpc>
+              <a:spcBef>
+                <a:spcPts val="0"/>
+              </a:spcBef>
+              <a:spcAft>
+                <a:spcPts val="0"/>
+              </a:spcAft>
+              <a:buClrTx/>
+              <a:buSzTx/>
+              <a:buFontTx/>
+              <a:buNone/>
+              <a:tabLst/>
+              <a:defRPr/>
+            </a:pPr>
+            <a:endParaRPr lang="en-US" sz="1200" kern="1200" dirty="0" smtClean="0">
+              <a:solidFill>
+                <a:schemeClr val="tx1"/>
+              </a:solidFill>
+              <a:effectLst/>
+              <a:latin typeface="+mn-lt"/>
+              <a:ea typeface="+mn-ea"/>
+              <a:cs typeface="+mn-cs"/>
+            </a:endParaRPr>
           </a:p>
         </p:txBody>
       </p:sp>
@@ -2086,7 +2181,7 @@
     </p:spTree>
     <p:extLst>
       <p:ext uri="{BB962C8B-B14F-4D97-AF65-F5344CB8AC3E}">
-        <p14:creationId xmlns:p14="http://schemas.microsoft.com/office/powerpoint/2010/main" val="1266200327"/>
+        <p14:creationId xmlns:p14="http://schemas.microsoft.com/office/powerpoint/2010/main" val="532131523"/>
       </p:ext>
     </p:extLst>
   </p:cSld>
@@ -2170,7 +2265,7 @@
     </p:spTree>
     <p:extLst>
       <p:ext uri="{BB962C8B-B14F-4D97-AF65-F5344CB8AC3E}">
-        <p14:creationId xmlns:p14="http://schemas.microsoft.com/office/powerpoint/2010/main" val="3516029556"/>
+        <p14:creationId xmlns:p14="http://schemas.microsoft.com/office/powerpoint/2010/main" val="3766878569"/>
       </p:ext>
     </p:extLst>
   </p:cSld>
@@ -2254,7 +2349,7 @@
     </p:spTree>
     <p:extLst>
       <p:ext uri="{BB962C8B-B14F-4D97-AF65-F5344CB8AC3E}">
-        <p14:creationId xmlns:p14="http://schemas.microsoft.com/office/powerpoint/2010/main" val="3404565588"/>
+        <p14:creationId xmlns:p14="http://schemas.microsoft.com/office/powerpoint/2010/main" val="1777663287"/>
       </p:ext>
     </p:extLst>
   </p:cSld>
@@ -2338,7 +2433,7 @@
     </p:spTree>
     <p:extLst>
       <p:ext uri="{BB962C8B-B14F-4D97-AF65-F5344CB8AC3E}">
-        <p14:creationId xmlns:p14="http://schemas.microsoft.com/office/powerpoint/2010/main" val="2712589128"/>
+        <p14:creationId xmlns:p14="http://schemas.microsoft.com/office/powerpoint/2010/main" val="128284815"/>
       </p:ext>
     </p:extLst>
   </p:cSld>
@@ -2422,7 +2517,7 @@
     </p:spTree>
     <p:extLst>
       <p:ext uri="{BB962C8B-B14F-4D97-AF65-F5344CB8AC3E}">
-        <p14:creationId xmlns:p14="http://schemas.microsoft.com/office/powerpoint/2010/main" val="1609105756"/>
+        <p14:creationId xmlns:p14="http://schemas.microsoft.com/office/powerpoint/2010/main" val="1266200327"/>
       </p:ext>
     </p:extLst>
   </p:cSld>
@@ -2615,7 +2710,7 @@
     </p:spTree>
     <p:extLst>
       <p:ext uri="{BB962C8B-B14F-4D97-AF65-F5344CB8AC3E}">
-        <p14:creationId xmlns:p14="http://schemas.microsoft.com/office/powerpoint/2010/main" val="4079219210"/>
+        <p14:creationId xmlns:p14="http://schemas.microsoft.com/office/powerpoint/2010/main" val="3516029556"/>
       </p:ext>
     </p:extLst>
   </p:cSld>
@@ -2669,6 +2764,342 @@
           <a:bodyPr/>
           <a:lstStyle/>
           <a:p>
+            <a:endParaRPr lang="en-US" b="0" dirty="0" smtClean="0"/>
+          </a:p>
+        </p:txBody>
+      </p:sp>
+      <p:sp>
+        <p:nvSpPr>
+          <p:cNvPr id="4" name="Slide Number Placeholder 3"/>
+          <p:cNvSpPr>
+            <a:spLocks noGrp="1"/>
+          </p:cNvSpPr>
+          <p:nvPr>
+            <p:ph type="sldNum" sz="quarter" idx="10"/>
+          </p:nvPr>
+        </p:nvSpPr>
+        <p:spPr/>
+        <p:txBody>
+          <a:bodyPr/>
+          <a:lstStyle/>
+          <a:p>
+            <a:fld id="{89029652-62E7-43D6-83B5-097D7B7AA5D8}" type="slidenum">
+              <a:rPr lang="en-US" smtClean="0"/>
+              <a:t>31</a:t>
+            </a:fld>
+            <a:endParaRPr lang="en-US"/>
+          </a:p>
+        </p:txBody>
+      </p:sp>
+    </p:spTree>
+    <p:extLst>
+      <p:ext uri="{BB962C8B-B14F-4D97-AF65-F5344CB8AC3E}">
+        <p14:creationId xmlns:p14="http://schemas.microsoft.com/office/powerpoint/2010/main" val="3404565588"/>
+      </p:ext>
+    </p:extLst>
+  </p:cSld>
+  <p:clrMapOvr>
+    <a:masterClrMapping/>
+  </p:clrMapOvr>
+</p:notes>
+</file>
+
+<file path=ppt/notesSlides/notesSlide32.xml><?xml version="1.0" encoding="utf-8"?>
+<p:notes xmlns:a="http://schemas.openxmlformats.org/drawingml/2006/main" xmlns:r="http://schemas.openxmlformats.org/officeDocument/2006/relationships" xmlns:p="http://schemas.openxmlformats.org/presentationml/2006/main">
+  <p:cSld>
+    <p:spTree>
+      <p:nvGrpSpPr>
+        <p:cNvPr id="1" name=""/>
+        <p:cNvGrpSpPr/>
+        <p:nvPr/>
+      </p:nvGrpSpPr>
+      <p:grpSpPr>
+        <a:xfrm>
+          <a:off x="0" y="0"/>
+          <a:ext cx="0" cy="0"/>
+          <a:chOff x="0" y="0"/>
+          <a:chExt cx="0" cy="0"/>
+        </a:xfrm>
+      </p:grpSpPr>
+      <p:sp>
+        <p:nvSpPr>
+          <p:cNvPr id="2" name="Slide Image Placeholder 1"/>
+          <p:cNvSpPr>
+            <a:spLocks noGrp="1" noRot="1" noChangeAspect="1"/>
+          </p:cNvSpPr>
+          <p:nvPr>
+            <p:ph type="sldImg"/>
+          </p:nvPr>
+        </p:nvSpPr>
+        <p:spPr/>
+      </p:sp>
+      <p:sp>
+        <p:nvSpPr>
+          <p:cNvPr id="3" name="Notes Placeholder 2"/>
+          <p:cNvSpPr>
+            <a:spLocks noGrp="1"/>
+          </p:cNvSpPr>
+          <p:nvPr>
+            <p:ph type="body" idx="1"/>
+          </p:nvPr>
+        </p:nvSpPr>
+        <p:spPr/>
+        <p:txBody>
+          <a:bodyPr/>
+          <a:lstStyle/>
+          <a:p>
+            <a:endParaRPr lang="en-US" b="0" dirty="0" smtClean="0"/>
+          </a:p>
+        </p:txBody>
+      </p:sp>
+      <p:sp>
+        <p:nvSpPr>
+          <p:cNvPr id="4" name="Slide Number Placeholder 3"/>
+          <p:cNvSpPr>
+            <a:spLocks noGrp="1"/>
+          </p:cNvSpPr>
+          <p:nvPr>
+            <p:ph type="sldNum" sz="quarter" idx="10"/>
+          </p:nvPr>
+        </p:nvSpPr>
+        <p:spPr/>
+        <p:txBody>
+          <a:bodyPr/>
+          <a:lstStyle/>
+          <a:p>
+            <a:fld id="{89029652-62E7-43D6-83B5-097D7B7AA5D8}" type="slidenum">
+              <a:rPr lang="en-US" smtClean="0"/>
+              <a:t>32</a:t>
+            </a:fld>
+            <a:endParaRPr lang="en-US"/>
+          </a:p>
+        </p:txBody>
+      </p:sp>
+    </p:spTree>
+    <p:extLst>
+      <p:ext uri="{BB962C8B-B14F-4D97-AF65-F5344CB8AC3E}">
+        <p14:creationId xmlns:p14="http://schemas.microsoft.com/office/powerpoint/2010/main" val="2712589128"/>
+      </p:ext>
+    </p:extLst>
+  </p:cSld>
+  <p:clrMapOvr>
+    <a:masterClrMapping/>
+  </p:clrMapOvr>
+</p:notes>
+</file>
+
+<file path=ppt/notesSlides/notesSlide33.xml><?xml version="1.0" encoding="utf-8"?>
+<p:notes xmlns:a="http://schemas.openxmlformats.org/drawingml/2006/main" xmlns:r="http://schemas.openxmlformats.org/officeDocument/2006/relationships" xmlns:p="http://schemas.openxmlformats.org/presentationml/2006/main">
+  <p:cSld>
+    <p:spTree>
+      <p:nvGrpSpPr>
+        <p:cNvPr id="1" name=""/>
+        <p:cNvGrpSpPr/>
+        <p:nvPr/>
+      </p:nvGrpSpPr>
+      <p:grpSpPr>
+        <a:xfrm>
+          <a:off x="0" y="0"/>
+          <a:ext cx="0" cy="0"/>
+          <a:chOff x="0" y="0"/>
+          <a:chExt cx="0" cy="0"/>
+        </a:xfrm>
+      </p:grpSpPr>
+      <p:sp>
+        <p:nvSpPr>
+          <p:cNvPr id="2" name="Slide Image Placeholder 1"/>
+          <p:cNvSpPr>
+            <a:spLocks noGrp="1" noRot="1" noChangeAspect="1"/>
+          </p:cNvSpPr>
+          <p:nvPr>
+            <p:ph type="sldImg"/>
+          </p:nvPr>
+        </p:nvSpPr>
+        <p:spPr/>
+      </p:sp>
+      <p:sp>
+        <p:nvSpPr>
+          <p:cNvPr id="3" name="Notes Placeholder 2"/>
+          <p:cNvSpPr>
+            <a:spLocks noGrp="1"/>
+          </p:cNvSpPr>
+          <p:nvPr>
+            <p:ph type="body" idx="1"/>
+          </p:nvPr>
+        </p:nvSpPr>
+        <p:spPr/>
+        <p:txBody>
+          <a:bodyPr/>
+          <a:lstStyle/>
+          <a:p>
+            <a:endParaRPr lang="en-US" b="0" dirty="0" smtClean="0"/>
+          </a:p>
+        </p:txBody>
+      </p:sp>
+      <p:sp>
+        <p:nvSpPr>
+          <p:cNvPr id="4" name="Slide Number Placeholder 3"/>
+          <p:cNvSpPr>
+            <a:spLocks noGrp="1"/>
+          </p:cNvSpPr>
+          <p:nvPr>
+            <p:ph type="sldNum" sz="quarter" idx="10"/>
+          </p:nvPr>
+        </p:nvSpPr>
+        <p:spPr/>
+        <p:txBody>
+          <a:bodyPr/>
+          <a:lstStyle/>
+          <a:p>
+            <a:fld id="{89029652-62E7-43D6-83B5-097D7B7AA5D8}" type="slidenum">
+              <a:rPr lang="en-US" smtClean="0"/>
+              <a:t>33</a:t>
+            </a:fld>
+            <a:endParaRPr lang="en-US"/>
+          </a:p>
+        </p:txBody>
+      </p:sp>
+    </p:spTree>
+    <p:extLst>
+      <p:ext uri="{BB962C8B-B14F-4D97-AF65-F5344CB8AC3E}">
+        <p14:creationId xmlns:p14="http://schemas.microsoft.com/office/powerpoint/2010/main" val="1609105756"/>
+      </p:ext>
+    </p:extLst>
+  </p:cSld>
+  <p:clrMapOvr>
+    <a:masterClrMapping/>
+  </p:clrMapOvr>
+</p:notes>
+</file>
+
+<file path=ppt/notesSlides/notesSlide34.xml><?xml version="1.0" encoding="utf-8"?>
+<p:notes xmlns:a="http://schemas.openxmlformats.org/drawingml/2006/main" xmlns:r="http://schemas.openxmlformats.org/officeDocument/2006/relationships" xmlns:p="http://schemas.openxmlformats.org/presentationml/2006/main">
+  <p:cSld>
+    <p:spTree>
+      <p:nvGrpSpPr>
+        <p:cNvPr id="1" name=""/>
+        <p:cNvGrpSpPr/>
+        <p:nvPr/>
+      </p:nvGrpSpPr>
+      <p:grpSpPr>
+        <a:xfrm>
+          <a:off x="0" y="0"/>
+          <a:ext cx="0" cy="0"/>
+          <a:chOff x="0" y="0"/>
+          <a:chExt cx="0" cy="0"/>
+        </a:xfrm>
+      </p:grpSpPr>
+      <p:sp>
+        <p:nvSpPr>
+          <p:cNvPr id="2" name="Slide Image Placeholder 1"/>
+          <p:cNvSpPr>
+            <a:spLocks noGrp="1" noRot="1" noChangeAspect="1"/>
+          </p:cNvSpPr>
+          <p:nvPr>
+            <p:ph type="sldImg"/>
+          </p:nvPr>
+        </p:nvSpPr>
+        <p:spPr/>
+      </p:sp>
+      <p:sp>
+        <p:nvSpPr>
+          <p:cNvPr id="3" name="Notes Placeholder 2"/>
+          <p:cNvSpPr>
+            <a:spLocks noGrp="1"/>
+          </p:cNvSpPr>
+          <p:nvPr>
+            <p:ph type="body" idx="1"/>
+          </p:nvPr>
+        </p:nvSpPr>
+        <p:spPr/>
+        <p:txBody>
+          <a:bodyPr/>
+          <a:lstStyle/>
+          <a:p>
+            <a:endParaRPr lang="en-US" b="0" dirty="0" smtClean="0"/>
+          </a:p>
+        </p:txBody>
+      </p:sp>
+      <p:sp>
+        <p:nvSpPr>
+          <p:cNvPr id="4" name="Slide Number Placeholder 3"/>
+          <p:cNvSpPr>
+            <a:spLocks noGrp="1"/>
+          </p:cNvSpPr>
+          <p:nvPr>
+            <p:ph type="sldNum" sz="quarter" idx="10"/>
+          </p:nvPr>
+        </p:nvSpPr>
+        <p:spPr/>
+        <p:txBody>
+          <a:bodyPr/>
+          <a:lstStyle/>
+          <a:p>
+            <a:fld id="{89029652-62E7-43D6-83B5-097D7B7AA5D8}" type="slidenum">
+              <a:rPr lang="en-US" smtClean="0"/>
+              <a:t>34</a:t>
+            </a:fld>
+            <a:endParaRPr lang="en-US"/>
+          </a:p>
+        </p:txBody>
+      </p:sp>
+    </p:spTree>
+    <p:extLst>
+      <p:ext uri="{BB962C8B-B14F-4D97-AF65-F5344CB8AC3E}">
+        <p14:creationId xmlns:p14="http://schemas.microsoft.com/office/powerpoint/2010/main" val="4079219210"/>
+      </p:ext>
+    </p:extLst>
+  </p:cSld>
+  <p:clrMapOvr>
+    <a:masterClrMapping/>
+  </p:clrMapOvr>
+</p:notes>
+</file>
+
+<file path=ppt/notesSlides/notesSlide35.xml><?xml version="1.0" encoding="utf-8"?>
+<p:notes xmlns:a="http://schemas.openxmlformats.org/drawingml/2006/main" xmlns:r="http://schemas.openxmlformats.org/officeDocument/2006/relationships" xmlns:p="http://schemas.openxmlformats.org/presentationml/2006/main">
+  <p:cSld>
+    <p:spTree>
+      <p:nvGrpSpPr>
+        <p:cNvPr id="1" name=""/>
+        <p:cNvGrpSpPr/>
+        <p:nvPr/>
+      </p:nvGrpSpPr>
+      <p:grpSpPr>
+        <a:xfrm>
+          <a:off x="0" y="0"/>
+          <a:ext cx="0" cy="0"/>
+          <a:chOff x="0" y="0"/>
+          <a:chExt cx="0" cy="0"/>
+        </a:xfrm>
+      </p:grpSpPr>
+      <p:sp>
+        <p:nvSpPr>
+          <p:cNvPr id="2" name="Slide Image Placeholder 1"/>
+          <p:cNvSpPr>
+            <a:spLocks noGrp="1" noRot="1" noChangeAspect="1"/>
+          </p:cNvSpPr>
+          <p:nvPr>
+            <p:ph type="sldImg"/>
+          </p:nvPr>
+        </p:nvSpPr>
+        <p:spPr/>
+      </p:sp>
+      <p:sp>
+        <p:nvSpPr>
+          <p:cNvPr id="3" name="Notes Placeholder 2"/>
+          <p:cNvSpPr>
+            <a:spLocks noGrp="1"/>
+          </p:cNvSpPr>
+          <p:nvPr>
+            <p:ph type="body" idx="1"/>
+          </p:nvPr>
+        </p:nvSpPr>
+        <p:spPr/>
+        <p:txBody>
+          <a:bodyPr/>
+          <a:lstStyle/>
+          <a:p>
             <a:pPr marL="0" marR="0" indent="0" algn="l" defTabSz="914400" rtl="0" eaLnBrk="1" fontAlgn="auto" latinLnBrk="0" hangingPunct="1">
               <a:lnSpc>
                 <a:spcPct val="100000"/>
@@ -2715,7 +3146,7 @@
           <a:p>
             <a:fld id="{89029652-62E7-43D6-83B5-097D7B7AA5D8}" type="slidenum">
               <a:rPr lang="en-US" smtClean="0"/>
-              <a:t>31</a:t>
+              <a:t>35</a:t>
             </a:fld>
             <a:endParaRPr lang="en-US"/>
           </a:p>
@@ -2724,343 +3155,7 @@
     </p:spTree>
     <p:extLst>
       <p:ext uri="{BB962C8B-B14F-4D97-AF65-F5344CB8AC3E}">
-        <p14:creationId xmlns:p14="http://schemas.microsoft.com/office/powerpoint/2010/main" val="3734542197"/>
-      </p:ext>
-    </p:extLst>
-  </p:cSld>
-  <p:clrMapOvr>
-    <a:masterClrMapping/>
-  </p:clrMapOvr>
-</p:notes>
-</file>
-
-<file path=ppt/notesSlides/notesSlide32.xml><?xml version="1.0" encoding="utf-8"?>
-<p:notes xmlns:a="http://schemas.openxmlformats.org/drawingml/2006/main" xmlns:r="http://schemas.openxmlformats.org/officeDocument/2006/relationships" xmlns:p="http://schemas.openxmlformats.org/presentationml/2006/main">
-  <p:cSld>
-    <p:spTree>
-      <p:nvGrpSpPr>
-        <p:cNvPr id="1" name=""/>
-        <p:cNvGrpSpPr/>
-        <p:nvPr/>
-      </p:nvGrpSpPr>
-      <p:grpSpPr>
-        <a:xfrm>
-          <a:off x="0" y="0"/>
-          <a:ext cx="0" cy="0"/>
-          <a:chOff x="0" y="0"/>
-          <a:chExt cx="0" cy="0"/>
-        </a:xfrm>
-      </p:grpSpPr>
-      <p:sp>
-        <p:nvSpPr>
-          <p:cNvPr id="2" name="Slide Image Placeholder 1"/>
-          <p:cNvSpPr>
-            <a:spLocks noGrp="1" noRot="1" noChangeAspect="1"/>
-          </p:cNvSpPr>
-          <p:nvPr>
-            <p:ph type="sldImg"/>
-          </p:nvPr>
-        </p:nvSpPr>
-        <p:spPr/>
-      </p:sp>
-      <p:sp>
-        <p:nvSpPr>
-          <p:cNvPr id="3" name="Notes Placeholder 2"/>
-          <p:cNvSpPr>
-            <a:spLocks noGrp="1"/>
-          </p:cNvSpPr>
-          <p:nvPr>
-            <p:ph type="body" idx="1"/>
-          </p:nvPr>
-        </p:nvSpPr>
-        <p:spPr/>
-        <p:txBody>
-          <a:bodyPr/>
-          <a:lstStyle/>
-          <a:p>
-            <a:endParaRPr lang="en-US" b="0" dirty="0" smtClean="0"/>
-          </a:p>
-        </p:txBody>
-      </p:sp>
-      <p:sp>
-        <p:nvSpPr>
-          <p:cNvPr id="4" name="Slide Number Placeholder 3"/>
-          <p:cNvSpPr>
-            <a:spLocks noGrp="1"/>
-          </p:cNvSpPr>
-          <p:nvPr>
-            <p:ph type="sldNum" sz="quarter" idx="10"/>
-          </p:nvPr>
-        </p:nvSpPr>
-        <p:spPr/>
-        <p:txBody>
-          <a:bodyPr/>
-          <a:lstStyle/>
-          <a:p>
-            <a:fld id="{89029652-62E7-43D6-83B5-097D7B7AA5D8}" type="slidenum">
-              <a:rPr lang="en-US" smtClean="0"/>
-              <a:t>32</a:t>
-            </a:fld>
-            <a:endParaRPr lang="en-US"/>
-          </a:p>
-        </p:txBody>
-      </p:sp>
-    </p:spTree>
-    <p:extLst>
-      <p:ext uri="{BB962C8B-B14F-4D97-AF65-F5344CB8AC3E}">
-        <p14:creationId xmlns:p14="http://schemas.microsoft.com/office/powerpoint/2010/main" val="1561525116"/>
-      </p:ext>
-    </p:extLst>
-  </p:cSld>
-  <p:clrMapOvr>
-    <a:masterClrMapping/>
-  </p:clrMapOvr>
-</p:notes>
-</file>
-
-<file path=ppt/notesSlides/notesSlide33.xml><?xml version="1.0" encoding="utf-8"?>
-<p:notes xmlns:a="http://schemas.openxmlformats.org/drawingml/2006/main" xmlns:r="http://schemas.openxmlformats.org/officeDocument/2006/relationships" xmlns:p="http://schemas.openxmlformats.org/presentationml/2006/main">
-  <p:cSld>
-    <p:spTree>
-      <p:nvGrpSpPr>
-        <p:cNvPr id="1" name=""/>
-        <p:cNvGrpSpPr/>
-        <p:nvPr/>
-      </p:nvGrpSpPr>
-      <p:grpSpPr>
-        <a:xfrm>
-          <a:off x="0" y="0"/>
-          <a:ext cx="0" cy="0"/>
-          <a:chOff x="0" y="0"/>
-          <a:chExt cx="0" cy="0"/>
-        </a:xfrm>
-      </p:grpSpPr>
-      <p:sp>
-        <p:nvSpPr>
-          <p:cNvPr id="2" name="Slide Image Placeholder 1"/>
-          <p:cNvSpPr>
-            <a:spLocks noGrp="1" noRot="1" noChangeAspect="1"/>
-          </p:cNvSpPr>
-          <p:nvPr>
-            <p:ph type="sldImg"/>
-          </p:nvPr>
-        </p:nvSpPr>
-        <p:spPr/>
-      </p:sp>
-      <p:sp>
-        <p:nvSpPr>
-          <p:cNvPr id="3" name="Notes Placeholder 2"/>
-          <p:cNvSpPr>
-            <a:spLocks noGrp="1"/>
-          </p:cNvSpPr>
-          <p:nvPr>
-            <p:ph type="body" idx="1"/>
-          </p:nvPr>
-        </p:nvSpPr>
-        <p:spPr/>
-        <p:txBody>
-          <a:bodyPr/>
-          <a:lstStyle/>
-          <a:p>
-            <a:endParaRPr lang="en-US" b="0" dirty="0" smtClean="0"/>
-          </a:p>
-        </p:txBody>
-      </p:sp>
-      <p:sp>
-        <p:nvSpPr>
-          <p:cNvPr id="4" name="Slide Number Placeholder 3"/>
-          <p:cNvSpPr>
-            <a:spLocks noGrp="1"/>
-          </p:cNvSpPr>
-          <p:nvPr>
-            <p:ph type="sldNum" sz="quarter" idx="10"/>
-          </p:nvPr>
-        </p:nvSpPr>
-        <p:spPr/>
-        <p:txBody>
-          <a:bodyPr/>
-          <a:lstStyle/>
-          <a:p>
-            <a:fld id="{89029652-62E7-43D6-83B5-097D7B7AA5D8}" type="slidenum">
-              <a:rPr lang="en-US" smtClean="0"/>
-              <a:t>33</a:t>
-            </a:fld>
-            <a:endParaRPr lang="en-US"/>
-          </a:p>
-        </p:txBody>
-      </p:sp>
-    </p:spTree>
-    <p:extLst>
-      <p:ext uri="{BB962C8B-B14F-4D97-AF65-F5344CB8AC3E}">
-        <p14:creationId xmlns:p14="http://schemas.microsoft.com/office/powerpoint/2010/main" val="3344468672"/>
-      </p:ext>
-    </p:extLst>
-  </p:cSld>
-  <p:clrMapOvr>
-    <a:masterClrMapping/>
-  </p:clrMapOvr>
-</p:notes>
-</file>
-
-<file path=ppt/notesSlides/notesSlide34.xml><?xml version="1.0" encoding="utf-8"?>
-<p:notes xmlns:a="http://schemas.openxmlformats.org/drawingml/2006/main" xmlns:r="http://schemas.openxmlformats.org/officeDocument/2006/relationships" xmlns:p="http://schemas.openxmlformats.org/presentationml/2006/main">
-  <p:cSld>
-    <p:spTree>
-      <p:nvGrpSpPr>
-        <p:cNvPr id="1" name=""/>
-        <p:cNvGrpSpPr/>
-        <p:nvPr/>
-      </p:nvGrpSpPr>
-      <p:grpSpPr>
-        <a:xfrm>
-          <a:off x="0" y="0"/>
-          <a:ext cx="0" cy="0"/>
-          <a:chOff x="0" y="0"/>
-          <a:chExt cx="0" cy="0"/>
-        </a:xfrm>
-      </p:grpSpPr>
-      <p:sp>
-        <p:nvSpPr>
-          <p:cNvPr id="2" name="Slide Image Placeholder 1"/>
-          <p:cNvSpPr>
-            <a:spLocks noGrp="1" noRot="1" noChangeAspect="1"/>
-          </p:cNvSpPr>
-          <p:nvPr>
-            <p:ph type="sldImg"/>
-          </p:nvPr>
-        </p:nvSpPr>
-        <p:spPr/>
-      </p:sp>
-      <p:sp>
-        <p:nvSpPr>
-          <p:cNvPr id="3" name="Notes Placeholder 2"/>
-          <p:cNvSpPr>
-            <a:spLocks noGrp="1"/>
-          </p:cNvSpPr>
-          <p:nvPr>
-            <p:ph type="body" idx="1"/>
-          </p:nvPr>
-        </p:nvSpPr>
-        <p:spPr/>
-        <p:txBody>
-          <a:bodyPr/>
-          <a:lstStyle/>
-          <a:p>
-            <a:endParaRPr lang="en-US" b="0" dirty="0" smtClean="0"/>
-          </a:p>
-        </p:txBody>
-      </p:sp>
-      <p:sp>
-        <p:nvSpPr>
-          <p:cNvPr id="4" name="Slide Number Placeholder 3"/>
-          <p:cNvSpPr>
-            <a:spLocks noGrp="1"/>
-          </p:cNvSpPr>
-          <p:nvPr>
-            <p:ph type="sldNum" sz="quarter" idx="10"/>
-          </p:nvPr>
-        </p:nvSpPr>
-        <p:spPr/>
-        <p:txBody>
-          <a:bodyPr/>
-          <a:lstStyle/>
-          <a:p>
-            <a:fld id="{89029652-62E7-43D6-83B5-097D7B7AA5D8}" type="slidenum">
-              <a:rPr lang="en-US" smtClean="0"/>
-              <a:t>34</a:t>
-            </a:fld>
-            <a:endParaRPr lang="en-US"/>
-          </a:p>
-        </p:txBody>
-      </p:sp>
-    </p:spTree>
-    <p:extLst>
-      <p:ext uri="{BB962C8B-B14F-4D97-AF65-F5344CB8AC3E}">
-        <p14:creationId xmlns:p14="http://schemas.microsoft.com/office/powerpoint/2010/main" val="3143393369"/>
-      </p:ext>
-    </p:extLst>
-  </p:cSld>
-  <p:clrMapOvr>
-    <a:masterClrMapping/>
-  </p:clrMapOvr>
-</p:notes>
-</file>
-
-<file path=ppt/notesSlides/notesSlide35.xml><?xml version="1.0" encoding="utf-8"?>
-<p:notes xmlns:a="http://schemas.openxmlformats.org/drawingml/2006/main" xmlns:r="http://schemas.openxmlformats.org/officeDocument/2006/relationships" xmlns:p="http://schemas.openxmlformats.org/presentationml/2006/main">
-  <p:cSld>
-    <p:spTree>
-      <p:nvGrpSpPr>
-        <p:cNvPr id="1" name=""/>
-        <p:cNvGrpSpPr/>
-        <p:nvPr/>
-      </p:nvGrpSpPr>
-      <p:grpSpPr>
-        <a:xfrm>
-          <a:off x="0" y="0"/>
-          <a:ext cx="0" cy="0"/>
-          <a:chOff x="0" y="0"/>
-          <a:chExt cx="0" cy="0"/>
-        </a:xfrm>
-      </p:grpSpPr>
-      <p:sp>
-        <p:nvSpPr>
-          <p:cNvPr id="2" name="Slide Image Placeholder 1"/>
-          <p:cNvSpPr>
-            <a:spLocks noGrp="1" noRot="1" noChangeAspect="1"/>
-          </p:cNvSpPr>
-          <p:nvPr>
-            <p:ph type="sldImg"/>
-          </p:nvPr>
-        </p:nvSpPr>
-        <p:spPr/>
-      </p:sp>
-      <p:sp>
-        <p:nvSpPr>
-          <p:cNvPr id="3" name="Notes Placeholder 2"/>
-          <p:cNvSpPr>
-            <a:spLocks noGrp="1"/>
-          </p:cNvSpPr>
-          <p:nvPr>
-            <p:ph type="body" idx="1"/>
-          </p:nvPr>
-        </p:nvSpPr>
-        <p:spPr/>
-        <p:txBody>
-          <a:bodyPr/>
-          <a:lstStyle/>
-          <a:p>
-            <a:endParaRPr lang="en-US" b="0" dirty="0" smtClean="0"/>
-          </a:p>
-        </p:txBody>
-      </p:sp>
-      <p:sp>
-        <p:nvSpPr>
-          <p:cNvPr id="4" name="Slide Number Placeholder 3"/>
-          <p:cNvSpPr>
-            <a:spLocks noGrp="1"/>
-          </p:cNvSpPr>
-          <p:nvPr>
-            <p:ph type="sldNum" sz="quarter" idx="10"/>
-          </p:nvPr>
-        </p:nvSpPr>
-        <p:spPr/>
-        <p:txBody>
-          <a:bodyPr/>
-          <a:lstStyle/>
-          <a:p>
-            <a:fld id="{89029652-62E7-43D6-83B5-097D7B7AA5D8}" type="slidenum">
-              <a:rPr lang="en-US" smtClean="0"/>
-              <a:t>35</a:t>
-            </a:fld>
-            <a:endParaRPr lang="en-US"/>
-          </a:p>
-        </p:txBody>
-      </p:sp>
-    </p:spTree>
-    <p:extLst>
-      <p:ext uri="{BB962C8B-B14F-4D97-AF65-F5344CB8AC3E}">
-        <p14:creationId xmlns:p14="http://schemas.microsoft.com/office/powerpoint/2010/main" val="531577243"/>
+        <p14:creationId xmlns:p14="http://schemas.microsoft.com/office/powerpoint/2010/main" val="1830730383"/>
       </p:ext>
     </p:extLst>
   </p:cSld>
@@ -3144,7 +3239,7 @@
     </p:spTree>
     <p:extLst>
       <p:ext uri="{BB962C8B-B14F-4D97-AF65-F5344CB8AC3E}">
-        <p14:creationId xmlns:p14="http://schemas.microsoft.com/office/powerpoint/2010/main" val="3450469856"/>
+        <p14:creationId xmlns:p14="http://schemas.microsoft.com/office/powerpoint/2010/main" val="1561525116"/>
       </p:ext>
     </p:extLst>
   </p:cSld>
@@ -3228,7 +3323,7 @@
     </p:spTree>
     <p:extLst>
       <p:ext uri="{BB962C8B-B14F-4D97-AF65-F5344CB8AC3E}">
-        <p14:creationId xmlns:p14="http://schemas.microsoft.com/office/powerpoint/2010/main" val="2647091800"/>
+        <p14:creationId xmlns:p14="http://schemas.microsoft.com/office/powerpoint/2010/main" val="3344468672"/>
       </p:ext>
     </p:extLst>
   </p:cSld>
@@ -3312,7 +3407,7 @@
     </p:spTree>
     <p:extLst>
       <p:ext uri="{BB962C8B-B14F-4D97-AF65-F5344CB8AC3E}">
-        <p14:creationId xmlns:p14="http://schemas.microsoft.com/office/powerpoint/2010/main" val="3603726692"/>
+        <p14:creationId xmlns:p14="http://schemas.microsoft.com/office/powerpoint/2010/main" val="3143393369"/>
       </p:ext>
     </p:extLst>
   </p:cSld>
@@ -3396,7 +3491,7 @@
     </p:spTree>
     <p:extLst>
       <p:ext uri="{BB962C8B-B14F-4D97-AF65-F5344CB8AC3E}">
-        <p14:creationId xmlns:p14="http://schemas.microsoft.com/office/powerpoint/2010/main" val="2106924964"/>
+        <p14:creationId xmlns:p14="http://schemas.microsoft.com/office/powerpoint/2010/main" val="531577243"/>
       </p:ext>
     </p:extLst>
   </p:cSld>
@@ -3559,7 +3654,32 @@
           <a:bodyPr/>
           <a:lstStyle/>
           <a:p>
-            <a:endParaRPr lang="en-US" b="0" dirty="0" smtClean="0"/>
+            <a:pPr marL="0" marR="0" indent="0" algn="l" defTabSz="914400" rtl="0" eaLnBrk="1" fontAlgn="auto" latinLnBrk="0" hangingPunct="1">
+              <a:lnSpc>
+                <a:spcPct val="100000"/>
+              </a:lnSpc>
+              <a:spcBef>
+                <a:spcPts val="0"/>
+              </a:spcBef>
+              <a:spcAft>
+                <a:spcPts val="0"/>
+              </a:spcAft>
+              <a:buClrTx/>
+              <a:buSzTx/>
+              <a:buFontTx/>
+              <a:buNone/>
+              <a:tabLst/>
+              <a:defRPr/>
+            </a:pPr>
+            <a:endParaRPr lang="en-US" sz="1200" kern="1200" dirty="0" smtClean="0">
+              <a:solidFill>
+                <a:schemeClr val="tx1"/>
+              </a:solidFill>
+              <a:effectLst/>
+              <a:latin typeface="+mn-lt"/>
+              <a:ea typeface="+mn-ea"/>
+              <a:cs typeface="+mn-cs"/>
+            </a:endParaRPr>
           </a:p>
         </p:txBody>
       </p:sp>
@@ -3589,7 +3709,7 @@
     </p:spTree>
     <p:extLst>
       <p:ext uri="{BB962C8B-B14F-4D97-AF65-F5344CB8AC3E}">
-        <p14:creationId xmlns:p14="http://schemas.microsoft.com/office/powerpoint/2010/main" val="506673237"/>
+        <p14:creationId xmlns:p14="http://schemas.microsoft.com/office/powerpoint/2010/main" val="1557858908"/>
       </p:ext>
     </p:extLst>
   </p:cSld>
@@ -3643,6 +3763,426 @@
           <a:bodyPr/>
           <a:lstStyle/>
           <a:p>
+            <a:endParaRPr lang="en-US" b="0" dirty="0" smtClean="0"/>
+          </a:p>
+        </p:txBody>
+      </p:sp>
+      <p:sp>
+        <p:nvSpPr>
+          <p:cNvPr id="4" name="Slide Number Placeholder 3"/>
+          <p:cNvSpPr>
+            <a:spLocks noGrp="1"/>
+          </p:cNvSpPr>
+          <p:nvPr>
+            <p:ph type="sldNum" sz="quarter" idx="10"/>
+          </p:nvPr>
+        </p:nvSpPr>
+        <p:spPr/>
+        <p:txBody>
+          <a:bodyPr/>
+          <a:lstStyle/>
+          <a:p>
+            <a:fld id="{89029652-62E7-43D6-83B5-097D7B7AA5D8}" type="slidenum">
+              <a:rPr lang="en-US" smtClean="0"/>
+              <a:t>41</a:t>
+            </a:fld>
+            <a:endParaRPr lang="en-US"/>
+          </a:p>
+        </p:txBody>
+      </p:sp>
+    </p:spTree>
+    <p:extLst>
+      <p:ext uri="{BB962C8B-B14F-4D97-AF65-F5344CB8AC3E}">
+        <p14:creationId xmlns:p14="http://schemas.microsoft.com/office/powerpoint/2010/main" val="3450469856"/>
+      </p:ext>
+    </p:extLst>
+  </p:cSld>
+  <p:clrMapOvr>
+    <a:masterClrMapping/>
+  </p:clrMapOvr>
+</p:notes>
+</file>
+
+<file path=ppt/notesSlides/notesSlide42.xml><?xml version="1.0" encoding="utf-8"?>
+<p:notes xmlns:a="http://schemas.openxmlformats.org/drawingml/2006/main" xmlns:r="http://schemas.openxmlformats.org/officeDocument/2006/relationships" xmlns:p="http://schemas.openxmlformats.org/presentationml/2006/main">
+  <p:cSld>
+    <p:spTree>
+      <p:nvGrpSpPr>
+        <p:cNvPr id="1" name=""/>
+        <p:cNvGrpSpPr/>
+        <p:nvPr/>
+      </p:nvGrpSpPr>
+      <p:grpSpPr>
+        <a:xfrm>
+          <a:off x="0" y="0"/>
+          <a:ext cx="0" cy="0"/>
+          <a:chOff x="0" y="0"/>
+          <a:chExt cx="0" cy="0"/>
+        </a:xfrm>
+      </p:grpSpPr>
+      <p:sp>
+        <p:nvSpPr>
+          <p:cNvPr id="2" name="Slide Image Placeholder 1"/>
+          <p:cNvSpPr>
+            <a:spLocks noGrp="1" noRot="1" noChangeAspect="1"/>
+          </p:cNvSpPr>
+          <p:nvPr>
+            <p:ph type="sldImg"/>
+          </p:nvPr>
+        </p:nvSpPr>
+        <p:spPr/>
+      </p:sp>
+      <p:sp>
+        <p:nvSpPr>
+          <p:cNvPr id="3" name="Notes Placeholder 2"/>
+          <p:cNvSpPr>
+            <a:spLocks noGrp="1"/>
+          </p:cNvSpPr>
+          <p:nvPr>
+            <p:ph type="body" idx="1"/>
+          </p:nvPr>
+        </p:nvSpPr>
+        <p:spPr/>
+        <p:txBody>
+          <a:bodyPr/>
+          <a:lstStyle/>
+          <a:p>
+            <a:endParaRPr lang="en-US" b="0" dirty="0" smtClean="0"/>
+          </a:p>
+        </p:txBody>
+      </p:sp>
+      <p:sp>
+        <p:nvSpPr>
+          <p:cNvPr id="4" name="Slide Number Placeholder 3"/>
+          <p:cNvSpPr>
+            <a:spLocks noGrp="1"/>
+          </p:cNvSpPr>
+          <p:nvPr>
+            <p:ph type="sldNum" sz="quarter" idx="10"/>
+          </p:nvPr>
+        </p:nvSpPr>
+        <p:spPr/>
+        <p:txBody>
+          <a:bodyPr/>
+          <a:lstStyle/>
+          <a:p>
+            <a:fld id="{89029652-62E7-43D6-83B5-097D7B7AA5D8}" type="slidenum">
+              <a:rPr lang="en-US" smtClean="0"/>
+              <a:t>42</a:t>
+            </a:fld>
+            <a:endParaRPr lang="en-US"/>
+          </a:p>
+        </p:txBody>
+      </p:sp>
+    </p:spTree>
+    <p:extLst>
+      <p:ext uri="{BB962C8B-B14F-4D97-AF65-F5344CB8AC3E}">
+        <p14:creationId xmlns:p14="http://schemas.microsoft.com/office/powerpoint/2010/main" val="2647091800"/>
+      </p:ext>
+    </p:extLst>
+  </p:cSld>
+  <p:clrMapOvr>
+    <a:masterClrMapping/>
+  </p:clrMapOvr>
+</p:notes>
+</file>
+
+<file path=ppt/notesSlides/notesSlide43.xml><?xml version="1.0" encoding="utf-8"?>
+<p:notes xmlns:a="http://schemas.openxmlformats.org/drawingml/2006/main" xmlns:r="http://schemas.openxmlformats.org/officeDocument/2006/relationships" xmlns:p="http://schemas.openxmlformats.org/presentationml/2006/main">
+  <p:cSld>
+    <p:spTree>
+      <p:nvGrpSpPr>
+        <p:cNvPr id="1" name=""/>
+        <p:cNvGrpSpPr/>
+        <p:nvPr/>
+      </p:nvGrpSpPr>
+      <p:grpSpPr>
+        <a:xfrm>
+          <a:off x="0" y="0"/>
+          <a:ext cx="0" cy="0"/>
+          <a:chOff x="0" y="0"/>
+          <a:chExt cx="0" cy="0"/>
+        </a:xfrm>
+      </p:grpSpPr>
+      <p:sp>
+        <p:nvSpPr>
+          <p:cNvPr id="2" name="Slide Image Placeholder 1"/>
+          <p:cNvSpPr>
+            <a:spLocks noGrp="1" noRot="1" noChangeAspect="1"/>
+          </p:cNvSpPr>
+          <p:nvPr>
+            <p:ph type="sldImg"/>
+          </p:nvPr>
+        </p:nvSpPr>
+        <p:spPr/>
+      </p:sp>
+      <p:sp>
+        <p:nvSpPr>
+          <p:cNvPr id="3" name="Notes Placeholder 2"/>
+          <p:cNvSpPr>
+            <a:spLocks noGrp="1"/>
+          </p:cNvSpPr>
+          <p:nvPr>
+            <p:ph type="body" idx="1"/>
+          </p:nvPr>
+        </p:nvSpPr>
+        <p:spPr/>
+        <p:txBody>
+          <a:bodyPr/>
+          <a:lstStyle/>
+          <a:p>
+            <a:endParaRPr lang="en-US" b="0" dirty="0" smtClean="0"/>
+          </a:p>
+        </p:txBody>
+      </p:sp>
+      <p:sp>
+        <p:nvSpPr>
+          <p:cNvPr id="4" name="Slide Number Placeholder 3"/>
+          <p:cNvSpPr>
+            <a:spLocks noGrp="1"/>
+          </p:cNvSpPr>
+          <p:nvPr>
+            <p:ph type="sldNum" sz="quarter" idx="10"/>
+          </p:nvPr>
+        </p:nvSpPr>
+        <p:spPr/>
+        <p:txBody>
+          <a:bodyPr/>
+          <a:lstStyle/>
+          <a:p>
+            <a:fld id="{89029652-62E7-43D6-83B5-097D7B7AA5D8}" type="slidenum">
+              <a:rPr lang="en-US" smtClean="0"/>
+              <a:t>43</a:t>
+            </a:fld>
+            <a:endParaRPr lang="en-US"/>
+          </a:p>
+        </p:txBody>
+      </p:sp>
+    </p:spTree>
+    <p:extLst>
+      <p:ext uri="{BB962C8B-B14F-4D97-AF65-F5344CB8AC3E}">
+        <p14:creationId xmlns:p14="http://schemas.microsoft.com/office/powerpoint/2010/main" val="3603726692"/>
+      </p:ext>
+    </p:extLst>
+  </p:cSld>
+  <p:clrMapOvr>
+    <a:masterClrMapping/>
+  </p:clrMapOvr>
+</p:notes>
+</file>
+
+<file path=ppt/notesSlides/notesSlide44.xml><?xml version="1.0" encoding="utf-8"?>
+<p:notes xmlns:a="http://schemas.openxmlformats.org/drawingml/2006/main" xmlns:r="http://schemas.openxmlformats.org/officeDocument/2006/relationships" xmlns:p="http://schemas.openxmlformats.org/presentationml/2006/main">
+  <p:cSld>
+    <p:spTree>
+      <p:nvGrpSpPr>
+        <p:cNvPr id="1" name=""/>
+        <p:cNvGrpSpPr/>
+        <p:nvPr/>
+      </p:nvGrpSpPr>
+      <p:grpSpPr>
+        <a:xfrm>
+          <a:off x="0" y="0"/>
+          <a:ext cx="0" cy="0"/>
+          <a:chOff x="0" y="0"/>
+          <a:chExt cx="0" cy="0"/>
+        </a:xfrm>
+      </p:grpSpPr>
+      <p:sp>
+        <p:nvSpPr>
+          <p:cNvPr id="2" name="Slide Image Placeholder 1"/>
+          <p:cNvSpPr>
+            <a:spLocks noGrp="1" noRot="1" noChangeAspect="1"/>
+          </p:cNvSpPr>
+          <p:nvPr>
+            <p:ph type="sldImg"/>
+          </p:nvPr>
+        </p:nvSpPr>
+        <p:spPr/>
+      </p:sp>
+      <p:sp>
+        <p:nvSpPr>
+          <p:cNvPr id="3" name="Notes Placeholder 2"/>
+          <p:cNvSpPr>
+            <a:spLocks noGrp="1"/>
+          </p:cNvSpPr>
+          <p:nvPr>
+            <p:ph type="body" idx="1"/>
+          </p:nvPr>
+        </p:nvSpPr>
+        <p:spPr/>
+        <p:txBody>
+          <a:bodyPr/>
+          <a:lstStyle/>
+          <a:p>
+            <a:endParaRPr lang="en-US" b="0" dirty="0" smtClean="0"/>
+          </a:p>
+        </p:txBody>
+      </p:sp>
+      <p:sp>
+        <p:nvSpPr>
+          <p:cNvPr id="4" name="Slide Number Placeholder 3"/>
+          <p:cNvSpPr>
+            <a:spLocks noGrp="1"/>
+          </p:cNvSpPr>
+          <p:nvPr>
+            <p:ph type="sldNum" sz="quarter" idx="10"/>
+          </p:nvPr>
+        </p:nvSpPr>
+        <p:spPr/>
+        <p:txBody>
+          <a:bodyPr/>
+          <a:lstStyle/>
+          <a:p>
+            <a:fld id="{89029652-62E7-43D6-83B5-097D7B7AA5D8}" type="slidenum">
+              <a:rPr lang="en-US" smtClean="0"/>
+              <a:t>44</a:t>
+            </a:fld>
+            <a:endParaRPr lang="en-US"/>
+          </a:p>
+        </p:txBody>
+      </p:sp>
+    </p:spTree>
+    <p:extLst>
+      <p:ext uri="{BB962C8B-B14F-4D97-AF65-F5344CB8AC3E}">
+        <p14:creationId xmlns:p14="http://schemas.microsoft.com/office/powerpoint/2010/main" val="2106924964"/>
+      </p:ext>
+    </p:extLst>
+  </p:cSld>
+  <p:clrMapOvr>
+    <a:masterClrMapping/>
+  </p:clrMapOvr>
+</p:notes>
+</file>
+
+<file path=ppt/notesSlides/notesSlide45.xml><?xml version="1.0" encoding="utf-8"?>
+<p:notes xmlns:a="http://schemas.openxmlformats.org/drawingml/2006/main" xmlns:r="http://schemas.openxmlformats.org/officeDocument/2006/relationships" xmlns:p="http://schemas.openxmlformats.org/presentationml/2006/main">
+  <p:cSld>
+    <p:spTree>
+      <p:nvGrpSpPr>
+        <p:cNvPr id="1" name=""/>
+        <p:cNvGrpSpPr/>
+        <p:nvPr/>
+      </p:nvGrpSpPr>
+      <p:grpSpPr>
+        <a:xfrm>
+          <a:off x="0" y="0"/>
+          <a:ext cx="0" cy="0"/>
+          <a:chOff x="0" y="0"/>
+          <a:chExt cx="0" cy="0"/>
+        </a:xfrm>
+      </p:grpSpPr>
+      <p:sp>
+        <p:nvSpPr>
+          <p:cNvPr id="2" name="Slide Image Placeholder 1"/>
+          <p:cNvSpPr>
+            <a:spLocks noGrp="1" noRot="1" noChangeAspect="1"/>
+          </p:cNvSpPr>
+          <p:nvPr>
+            <p:ph type="sldImg"/>
+          </p:nvPr>
+        </p:nvSpPr>
+        <p:spPr/>
+      </p:sp>
+      <p:sp>
+        <p:nvSpPr>
+          <p:cNvPr id="3" name="Notes Placeholder 2"/>
+          <p:cNvSpPr>
+            <a:spLocks noGrp="1"/>
+          </p:cNvSpPr>
+          <p:nvPr>
+            <p:ph type="body" idx="1"/>
+          </p:nvPr>
+        </p:nvSpPr>
+        <p:spPr/>
+        <p:txBody>
+          <a:bodyPr/>
+          <a:lstStyle/>
+          <a:p>
+            <a:endParaRPr lang="en-US" b="0" dirty="0" smtClean="0"/>
+          </a:p>
+        </p:txBody>
+      </p:sp>
+      <p:sp>
+        <p:nvSpPr>
+          <p:cNvPr id="4" name="Slide Number Placeholder 3"/>
+          <p:cNvSpPr>
+            <a:spLocks noGrp="1"/>
+          </p:cNvSpPr>
+          <p:nvPr>
+            <p:ph type="sldNum" sz="quarter" idx="10"/>
+          </p:nvPr>
+        </p:nvSpPr>
+        <p:spPr/>
+        <p:txBody>
+          <a:bodyPr/>
+          <a:lstStyle/>
+          <a:p>
+            <a:fld id="{89029652-62E7-43D6-83B5-097D7B7AA5D8}" type="slidenum">
+              <a:rPr lang="en-US" smtClean="0"/>
+              <a:t>45</a:t>
+            </a:fld>
+            <a:endParaRPr lang="en-US"/>
+          </a:p>
+        </p:txBody>
+      </p:sp>
+    </p:spTree>
+    <p:extLst>
+      <p:ext uri="{BB962C8B-B14F-4D97-AF65-F5344CB8AC3E}">
+        <p14:creationId xmlns:p14="http://schemas.microsoft.com/office/powerpoint/2010/main" val="506673237"/>
+      </p:ext>
+    </p:extLst>
+  </p:cSld>
+  <p:clrMapOvr>
+    <a:masterClrMapping/>
+  </p:clrMapOvr>
+</p:notes>
+</file>
+
+<file path=ppt/notesSlides/notesSlide46.xml><?xml version="1.0" encoding="utf-8"?>
+<p:notes xmlns:a="http://schemas.openxmlformats.org/drawingml/2006/main" xmlns:r="http://schemas.openxmlformats.org/officeDocument/2006/relationships" xmlns:p="http://schemas.openxmlformats.org/presentationml/2006/main">
+  <p:cSld>
+    <p:spTree>
+      <p:nvGrpSpPr>
+        <p:cNvPr id="1" name=""/>
+        <p:cNvGrpSpPr/>
+        <p:nvPr/>
+      </p:nvGrpSpPr>
+      <p:grpSpPr>
+        <a:xfrm>
+          <a:off x="0" y="0"/>
+          <a:ext cx="0" cy="0"/>
+          <a:chOff x="0" y="0"/>
+          <a:chExt cx="0" cy="0"/>
+        </a:xfrm>
+      </p:grpSpPr>
+      <p:sp>
+        <p:nvSpPr>
+          <p:cNvPr id="2" name="Slide Image Placeholder 1"/>
+          <p:cNvSpPr>
+            <a:spLocks noGrp="1" noRot="1" noChangeAspect="1"/>
+          </p:cNvSpPr>
+          <p:nvPr>
+            <p:ph type="sldImg"/>
+          </p:nvPr>
+        </p:nvSpPr>
+        <p:spPr/>
+      </p:sp>
+      <p:sp>
+        <p:nvSpPr>
+          <p:cNvPr id="3" name="Notes Placeholder 2"/>
+          <p:cNvSpPr>
+            <a:spLocks noGrp="1"/>
+          </p:cNvSpPr>
+          <p:nvPr>
+            <p:ph type="body" idx="1"/>
+          </p:nvPr>
+        </p:nvSpPr>
+        <p:spPr/>
+        <p:txBody>
+          <a:bodyPr/>
+          <a:lstStyle/>
+          <a:p>
             <a:pPr marL="0" marR="0" indent="0" algn="l" defTabSz="914400" rtl="0" eaLnBrk="1" fontAlgn="auto" latinLnBrk="0" hangingPunct="1">
               <a:lnSpc>
                 <a:spcPct val="100000"/>
@@ -3689,7 +4229,7 @@
           <a:p>
             <a:fld id="{89029652-62E7-43D6-83B5-097D7B7AA5D8}" type="slidenum">
               <a:rPr lang="en-US" smtClean="0"/>
-              <a:t>41</a:t>
+              <a:t>46</a:t>
             </a:fld>
             <a:endParaRPr lang="en-US"/>
           </a:p>
@@ -3699,426 +4239,6 @@
     <p:extLst>
       <p:ext uri="{BB962C8B-B14F-4D97-AF65-F5344CB8AC3E}">
         <p14:creationId xmlns:p14="http://schemas.microsoft.com/office/powerpoint/2010/main" val="2286755864"/>
-      </p:ext>
-    </p:extLst>
-  </p:cSld>
-  <p:clrMapOvr>
-    <a:masterClrMapping/>
-  </p:clrMapOvr>
-</p:notes>
-</file>
-
-<file path=ppt/notesSlides/notesSlide42.xml><?xml version="1.0" encoding="utf-8"?>
-<p:notes xmlns:a="http://schemas.openxmlformats.org/drawingml/2006/main" xmlns:r="http://schemas.openxmlformats.org/officeDocument/2006/relationships" xmlns:p="http://schemas.openxmlformats.org/presentationml/2006/main">
-  <p:cSld>
-    <p:spTree>
-      <p:nvGrpSpPr>
-        <p:cNvPr id="1" name=""/>
-        <p:cNvGrpSpPr/>
-        <p:nvPr/>
-      </p:nvGrpSpPr>
-      <p:grpSpPr>
-        <a:xfrm>
-          <a:off x="0" y="0"/>
-          <a:ext cx="0" cy="0"/>
-          <a:chOff x="0" y="0"/>
-          <a:chExt cx="0" cy="0"/>
-        </a:xfrm>
-      </p:grpSpPr>
-      <p:sp>
-        <p:nvSpPr>
-          <p:cNvPr id="2" name="Slide Image Placeholder 1"/>
-          <p:cNvSpPr>
-            <a:spLocks noGrp="1" noRot="1" noChangeAspect="1"/>
-          </p:cNvSpPr>
-          <p:nvPr>
-            <p:ph type="sldImg"/>
-          </p:nvPr>
-        </p:nvSpPr>
-        <p:spPr/>
-      </p:sp>
-      <p:sp>
-        <p:nvSpPr>
-          <p:cNvPr id="3" name="Notes Placeholder 2"/>
-          <p:cNvSpPr>
-            <a:spLocks noGrp="1"/>
-          </p:cNvSpPr>
-          <p:nvPr>
-            <p:ph type="body" idx="1"/>
-          </p:nvPr>
-        </p:nvSpPr>
-        <p:spPr/>
-        <p:txBody>
-          <a:bodyPr/>
-          <a:lstStyle/>
-          <a:p>
-            <a:endParaRPr lang="en-US" b="0" dirty="0" smtClean="0"/>
-          </a:p>
-        </p:txBody>
-      </p:sp>
-      <p:sp>
-        <p:nvSpPr>
-          <p:cNvPr id="4" name="Slide Number Placeholder 3"/>
-          <p:cNvSpPr>
-            <a:spLocks noGrp="1"/>
-          </p:cNvSpPr>
-          <p:nvPr>
-            <p:ph type="sldNum" sz="quarter" idx="10"/>
-          </p:nvPr>
-        </p:nvSpPr>
-        <p:spPr/>
-        <p:txBody>
-          <a:bodyPr/>
-          <a:lstStyle/>
-          <a:p>
-            <a:fld id="{89029652-62E7-43D6-83B5-097D7B7AA5D8}" type="slidenum">
-              <a:rPr lang="en-US" smtClean="0"/>
-              <a:t>42</a:t>
-            </a:fld>
-            <a:endParaRPr lang="en-US"/>
-          </a:p>
-        </p:txBody>
-      </p:sp>
-    </p:spTree>
-    <p:extLst>
-      <p:ext uri="{BB962C8B-B14F-4D97-AF65-F5344CB8AC3E}">
-        <p14:creationId xmlns:p14="http://schemas.microsoft.com/office/powerpoint/2010/main" val="2653332077"/>
-      </p:ext>
-    </p:extLst>
-  </p:cSld>
-  <p:clrMapOvr>
-    <a:masterClrMapping/>
-  </p:clrMapOvr>
-</p:notes>
-</file>
-
-<file path=ppt/notesSlides/notesSlide43.xml><?xml version="1.0" encoding="utf-8"?>
-<p:notes xmlns:a="http://schemas.openxmlformats.org/drawingml/2006/main" xmlns:r="http://schemas.openxmlformats.org/officeDocument/2006/relationships" xmlns:p="http://schemas.openxmlformats.org/presentationml/2006/main">
-  <p:cSld>
-    <p:spTree>
-      <p:nvGrpSpPr>
-        <p:cNvPr id="1" name=""/>
-        <p:cNvGrpSpPr/>
-        <p:nvPr/>
-      </p:nvGrpSpPr>
-      <p:grpSpPr>
-        <a:xfrm>
-          <a:off x="0" y="0"/>
-          <a:ext cx="0" cy="0"/>
-          <a:chOff x="0" y="0"/>
-          <a:chExt cx="0" cy="0"/>
-        </a:xfrm>
-      </p:grpSpPr>
-      <p:sp>
-        <p:nvSpPr>
-          <p:cNvPr id="2" name="Slide Image Placeholder 1"/>
-          <p:cNvSpPr>
-            <a:spLocks noGrp="1" noRot="1" noChangeAspect="1"/>
-          </p:cNvSpPr>
-          <p:nvPr>
-            <p:ph type="sldImg"/>
-          </p:nvPr>
-        </p:nvSpPr>
-        <p:spPr/>
-      </p:sp>
-      <p:sp>
-        <p:nvSpPr>
-          <p:cNvPr id="3" name="Notes Placeholder 2"/>
-          <p:cNvSpPr>
-            <a:spLocks noGrp="1"/>
-          </p:cNvSpPr>
-          <p:nvPr>
-            <p:ph type="body" idx="1"/>
-          </p:nvPr>
-        </p:nvSpPr>
-        <p:spPr/>
-        <p:txBody>
-          <a:bodyPr/>
-          <a:lstStyle/>
-          <a:p>
-            <a:endParaRPr lang="en-US" b="0" dirty="0" smtClean="0"/>
-          </a:p>
-        </p:txBody>
-      </p:sp>
-      <p:sp>
-        <p:nvSpPr>
-          <p:cNvPr id="4" name="Slide Number Placeholder 3"/>
-          <p:cNvSpPr>
-            <a:spLocks noGrp="1"/>
-          </p:cNvSpPr>
-          <p:nvPr>
-            <p:ph type="sldNum" sz="quarter" idx="10"/>
-          </p:nvPr>
-        </p:nvSpPr>
-        <p:spPr/>
-        <p:txBody>
-          <a:bodyPr/>
-          <a:lstStyle/>
-          <a:p>
-            <a:fld id="{89029652-62E7-43D6-83B5-097D7B7AA5D8}" type="slidenum">
-              <a:rPr lang="en-US" smtClean="0"/>
-              <a:t>43</a:t>
-            </a:fld>
-            <a:endParaRPr lang="en-US"/>
-          </a:p>
-        </p:txBody>
-      </p:sp>
-    </p:spTree>
-    <p:extLst>
-      <p:ext uri="{BB962C8B-B14F-4D97-AF65-F5344CB8AC3E}">
-        <p14:creationId xmlns:p14="http://schemas.microsoft.com/office/powerpoint/2010/main" val="3778399677"/>
-      </p:ext>
-    </p:extLst>
-  </p:cSld>
-  <p:clrMapOvr>
-    <a:masterClrMapping/>
-  </p:clrMapOvr>
-</p:notes>
-</file>
-
-<file path=ppt/notesSlides/notesSlide44.xml><?xml version="1.0" encoding="utf-8"?>
-<p:notes xmlns:a="http://schemas.openxmlformats.org/drawingml/2006/main" xmlns:r="http://schemas.openxmlformats.org/officeDocument/2006/relationships" xmlns:p="http://schemas.openxmlformats.org/presentationml/2006/main">
-  <p:cSld>
-    <p:spTree>
-      <p:nvGrpSpPr>
-        <p:cNvPr id="1" name=""/>
-        <p:cNvGrpSpPr/>
-        <p:nvPr/>
-      </p:nvGrpSpPr>
-      <p:grpSpPr>
-        <a:xfrm>
-          <a:off x="0" y="0"/>
-          <a:ext cx="0" cy="0"/>
-          <a:chOff x="0" y="0"/>
-          <a:chExt cx="0" cy="0"/>
-        </a:xfrm>
-      </p:grpSpPr>
-      <p:sp>
-        <p:nvSpPr>
-          <p:cNvPr id="2" name="Slide Image Placeholder 1"/>
-          <p:cNvSpPr>
-            <a:spLocks noGrp="1" noRot="1" noChangeAspect="1"/>
-          </p:cNvSpPr>
-          <p:nvPr>
-            <p:ph type="sldImg"/>
-          </p:nvPr>
-        </p:nvSpPr>
-        <p:spPr/>
-      </p:sp>
-      <p:sp>
-        <p:nvSpPr>
-          <p:cNvPr id="3" name="Notes Placeholder 2"/>
-          <p:cNvSpPr>
-            <a:spLocks noGrp="1"/>
-          </p:cNvSpPr>
-          <p:nvPr>
-            <p:ph type="body" idx="1"/>
-          </p:nvPr>
-        </p:nvSpPr>
-        <p:spPr/>
-        <p:txBody>
-          <a:bodyPr/>
-          <a:lstStyle/>
-          <a:p>
-            <a:endParaRPr lang="en-US" b="0" dirty="0" smtClean="0"/>
-          </a:p>
-        </p:txBody>
-      </p:sp>
-      <p:sp>
-        <p:nvSpPr>
-          <p:cNvPr id="4" name="Slide Number Placeholder 3"/>
-          <p:cNvSpPr>
-            <a:spLocks noGrp="1"/>
-          </p:cNvSpPr>
-          <p:nvPr>
-            <p:ph type="sldNum" sz="quarter" idx="10"/>
-          </p:nvPr>
-        </p:nvSpPr>
-        <p:spPr/>
-        <p:txBody>
-          <a:bodyPr/>
-          <a:lstStyle/>
-          <a:p>
-            <a:fld id="{89029652-62E7-43D6-83B5-097D7B7AA5D8}" type="slidenum">
-              <a:rPr lang="en-US" smtClean="0"/>
-              <a:t>44</a:t>
-            </a:fld>
-            <a:endParaRPr lang="en-US"/>
-          </a:p>
-        </p:txBody>
-      </p:sp>
-    </p:spTree>
-    <p:extLst>
-      <p:ext uri="{BB962C8B-B14F-4D97-AF65-F5344CB8AC3E}">
-        <p14:creationId xmlns:p14="http://schemas.microsoft.com/office/powerpoint/2010/main" val="3271057564"/>
-      </p:ext>
-    </p:extLst>
-  </p:cSld>
-  <p:clrMapOvr>
-    <a:masterClrMapping/>
-  </p:clrMapOvr>
-</p:notes>
-</file>
-
-<file path=ppt/notesSlides/notesSlide45.xml><?xml version="1.0" encoding="utf-8"?>
-<p:notes xmlns:a="http://schemas.openxmlformats.org/drawingml/2006/main" xmlns:r="http://schemas.openxmlformats.org/officeDocument/2006/relationships" xmlns:p="http://schemas.openxmlformats.org/presentationml/2006/main">
-  <p:cSld>
-    <p:spTree>
-      <p:nvGrpSpPr>
-        <p:cNvPr id="1" name=""/>
-        <p:cNvGrpSpPr/>
-        <p:nvPr/>
-      </p:nvGrpSpPr>
-      <p:grpSpPr>
-        <a:xfrm>
-          <a:off x="0" y="0"/>
-          <a:ext cx="0" cy="0"/>
-          <a:chOff x="0" y="0"/>
-          <a:chExt cx="0" cy="0"/>
-        </a:xfrm>
-      </p:grpSpPr>
-      <p:sp>
-        <p:nvSpPr>
-          <p:cNvPr id="2" name="Slide Image Placeholder 1"/>
-          <p:cNvSpPr>
-            <a:spLocks noGrp="1" noRot="1" noChangeAspect="1"/>
-          </p:cNvSpPr>
-          <p:nvPr>
-            <p:ph type="sldImg"/>
-          </p:nvPr>
-        </p:nvSpPr>
-        <p:spPr/>
-      </p:sp>
-      <p:sp>
-        <p:nvSpPr>
-          <p:cNvPr id="3" name="Notes Placeholder 2"/>
-          <p:cNvSpPr>
-            <a:spLocks noGrp="1"/>
-          </p:cNvSpPr>
-          <p:nvPr>
-            <p:ph type="body" idx="1"/>
-          </p:nvPr>
-        </p:nvSpPr>
-        <p:spPr/>
-        <p:txBody>
-          <a:bodyPr/>
-          <a:lstStyle/>
-          <a:p>
-            <a:endParaRPr lang="en-US" b="0" dirty="0" smtClean="0"/>
-          </a:p>
-        </p:txBody>
-      </p:sp>
-      <p:sp>
-        <p:nvSpPr>
-          <p:cNvPr id="4" name="Slide Number Placeholder 3"/>
-          <p:cNvSpPr>
-            <a:spLocks noGrp="1"/>
-          </p:cNvSpPr>
-          <p:nvPr>
-            <p:ph type="sldNum" sz="quarter" idx="10"/>
-          </p:nvPr>
-        </p:nvSpPr>
-        <p:spPr/>
-        <p:txBody>
-          <a:bodyPr/>
-          <a:lstStyle/>
-          <a:p>
-            <a:fld id="{89029652-62E7-43D6-83B5-097D7B7AA5D8}" type="slidenum">
-              <a:rPr lang="en-US" smtClean="0"/>
-              <a:t>45</a:t>
-            </a:fld>
-            <a:endParaRPr lang="en-US"/>
-          </a:p>
-        </p:txBody>
-      </p:sp>
-    </p:spTree>
-    <p:extLst>
-      <p:ext uri="{BB962C8B-B14F-4D97-AF65-F5344CB8AC3E}">
-        <p14:creationId xmlns:p14="http://schemas.microsoft.com/office/powerpoint/2010/main" val="150335864"/>
-      </p:ext>
-    </p:extLst>
-  </p:cSld>
-  <p:clrMapOvr>
-    <a:masterClrMapping/>
-  </p:clrMapOvr>
-</p:notes>
-</file>
-
-<file path=ppt/notesSlides/notesSlide46.xml><?xml version="1.0" encoding="utf-8"?>
-<p:notes xmlns:a="http://schemas.openxmlformats.org/drawingml/2006/main" xmlns:r="http://schemas.openxmlformats.org/officeDocument/2006/relationships" xmlns:p="http://schemas.openxmlformats.org/presentationml/2006/main">
-  <p:cSld>
-    <p:spTree>
-      <p:nvGrpSpPr>
-        <p:cNvPr id="1" name=""/>
-        <p:cNvGrpSpPr/>
-        <p:nvPr/>
-      </p:nvGrpSpPr>
-      <p:grpSpPr>
-        <a:xfrm>
-          <a:off x="0" y="0"/>
-          <a:ext cx="0" cy="0"/>
-          <a:chOff x="0" y="0"/>
-          <a:chExt cx="0" cy="0"/>
-        </a:xfrm>
-      </p:grpSpPr>
-      <p:sp>
-        <p:nvSpPr>
-          <p:cNvPr id="2" name="Slide Image Placeholder 1"/>
-          <p:cNvSpPr>
-            <a:spLocks noGrp="1" noRot="1" noChangeAspect="1"/>
-          </p:cNvSpPr>
-          <p:nvPr>
-            <p:ph type="sldImg"/>
-          </p:nvPr>
-        </p:nvSpPr>
-        <p:spPr/>
-      </p:sp>
-      <p:sp>
-        <p:nvSpPr>
-          <p:cNvPr id="3" name="Notes Placeholder 2"/>
-          <p:cNvSpPr>
-            <a:spLocks noGrp="1"/>
-          </p:cNvSpPr>
-          <p:nvPr>
-            <p:ph type="body" idx="1"/>
-          </p:nvPr>
-        </p:nvSpPr>
-        <p:spPr/>
-        <p:txBody>
-          <a:bodyPr/>
-          <a:lstStyle/>
-          <a:p>
-            <a:endParaRPr lang="en-US" b="0" dirty="0" smtClean="0"/>
-          </a:p>
-        </p:txBody>
-      </p:sp>
-      <p:sp>
-        <p:nvSpPr>
-          <p:cNvPr id="4" name="Slide Number Placeholder 3"/>
-          <p:cNvSpPr>
-            <a:spLocks noGrp="1"/>
-          </p:cNvSpPr>
-          <p:nvPr>
-            <p:ph type="sldNum" sz="quarter" idx="10"/>
-          </p:nvPr>
-        </p:nvSpPr>
-        <p:spPr/>
-        <p:txBody>
-          <a:bodyPr/>
-          <a:lstStyle/>
-          <a:p>
-            <a:fld id="{89029652-62E7-43D6-83B5-097D7B7AA5D8}" type="slidenum">
-              <a:rPr lang="en-US" smtClean="0"/>
-              <a:t>46</a:t>
-            </a:fld>
-            <a:endParaRPr lang="en-US"/>
-          </a:p>
-        </p:txBody>
-      </p:sp>
-    </p:spTree>
-    <p:extLst>
-      <p:ext uri="{BB962C8B-B14F-4D97-AF65-F5344CB8AC3E}">
-        <p14:creationId xmlns:p14="http://schemas.microsoft.com/office/powerpoint/2010/main" val="1174323916"/>
       </p:ext>
     </p:extLst>
   </p:cSld>
@@ -4202,7 +4322,7 @@
     </p:spTree>
     <p:extLst>
       <p:ext uri="{BB962C8B-B14F-4D97-AF65-F5344CB8AC3E}">
-        <p14:creationId xmlns:p14="http://schemas.microsoft.com/office/powerpoint/2010/main" val="22929660"/>
+        <p14:creationId xmlns:p14="http://schemas.microsoft.com/office/powerpoint/2010/main" val="2653332077"/>
       </p:ext>
     </p:extLst>
   </p:cSld>
@@ -4286,7 +4406,7 @@
     </p:spTree>
     <p:extLst>
       <p:ext uri="{BB962C8B-B14F-4D97-AF65-F5344CB8AC3E}">
-        <p14:creationId xmlns:p14="http://schemas.microsoft.com/office/powerpoint/2010/main" val="3079792467"/>
+        <p14:creationId xmlns:p14="http://schemas.microsoft.com/office/powerpoint/2010/main" val="3778399677"/>
       </p:ext>
     </p:extLst>
   </p:cSld>
@@ -4370,7 +4490,7 @@
     </p:spTree>
     <p:extLst>
       <p:ext uri="{BB962C8B-B14F-4D97-AF65-F5344CB8AC3E}">
-        <p14:creationId xmlns:p14="http://schemas.microsoft.com/office/powerpoint/2010/main" val="2602777311"/>
+        <p14:creationId xmlns:p14="http://schemas.microsoft.com/office/powerpoint/2010/main" val="3271057564"/>
       </p:ext>
     </p:extLst>
   </p:cSld>
@@ -4538,7 +4658,7 @@
     </p:spTree>
     <p:extLst>
       <p:ext uri="{BB962C8B-B14F-4D97-AF65-F5344CB8AC3E}">
-        <p14:creationId xmlns:p14="http://schemas.microsoft.com/office/powerpoint/2010/main" val="2267138517"/>
+        <p14:creationId xmlns:p14="http://schemas.microsoft.com/office/powerpoint/2010/main" val="150335864"/>
       </p:ext>
     </p:extLst>
   </p:cSld>
@@ -4592,6 +4712,426 @@
           <a:bodyPr/>
           <a:lstStyle/>
           <a:p>
+            <a:endParaRPr lang="en-US" b="0" dirty="0" smtClean="0"/>
+          </a:p>
+        </p:txBody>
+      </p:sp>
+      <p:sp>
+        <p:nvSpPr>
+          <p:cNvPr id="4" name="Slide Number Placeholder 3"/>
+          <p:cNvSpPr>
+            <a:spLocks noGrp="1"/>
+          </p:cNvSpPr>
+          <p:nvPr>
+            <p:ph type="sldNum" sz="quarter" idx="10"/>
+          </p:nvPr>
+        </p:nvSpPr>
+        <p:spPr/>
+        <p:txBody>
+          <a:bodyPr/>
+          <a:lstStyle/>
+          <a:p>
+            <a:fld id="{89029652-62E7-43D6-83B5-097D7B7AA5D8}" type="slidenum">
+              <a:rPr lang="en-US" smtClean="0"/>
+              <a:t>51</a:t>
+            </a:fld>
+            <a:endParaRPr lang="en-US"/>
+          </a:p>
+        </p:txBody>
+      </p:sp>
+    </p:spTree>
+    <p:extLst>
+      <p:ext uri="{BB962C8B-B14F-4D97-AF65-F5344CB8AC3E}">
+        <p14:creationId xmlns:p14="http://schemas.microsoft.com/office/powerpoint/2010/main" val="1174323916"/>
+      </p:ext>
+    </p:extLst>
+  </p:cSld>
+  <p:clrMapOvr>
+    <a:masterClrMapping/>
+  </p:clrMapOvr>
+</p:notes>
+</file>
+
+<file path=ppt/notesSlides/notesSlide52.xml><?xml version="1.0" encoding="utf-8"?>
+<p:notes xmlns:a="http://schemas.openxmlformats.org/drawingml/2006/main" xmlns:r="http://schemas.openxmlformats.org/officeDocument/2006/relationships" xmlns:p="http://schemas.openxmlformats.org/presentationml/2006/main">
+  <p:cSld>
+    <p:spTree>
+      <p:nvGrpSpPr>
+        <p:cNvPr id="1" name=""/>
+        <p:cNvGrpSpPr/>
+        <p:nvPr/>
+      </p:nvGrpSpPr>
+      <p:grpSpPr>
+        <a:xfrm>
+          <a:off x="0" y="0"/>
+          <a:ext cx="0" cy="0"/>
+          <a:chOff x="0" y="0"/>
+          <a:chExt cx="0" cy="0"/>
+        </a:xfrm>
+      </p:grpSpPr>
+      <p:sp>
+        <p:nvSpPr>
+          <p:cNvPr id="2" name="Slide Image Placeholder 1"/>
+          <p:cNvSpPr>
+            <a:spLocks noGrp="1" noRot="1" noChangeAspect="1"/>
+          </p:cNvSpPr>
+          <p:nvPr>
+            <p:ph type="sldImg"/>
+          </p:nvPr>
+        </p:nvSpPr>
+        <p:spPr/>
+      </p:sp>
+      <p:sp>
+        <p:nvSpPr>
+          <p:cNvPr id="3" name="Notes Placeholder 2"/>
+          <p:cNvSpPr>
+            <a:spLocks noGrp="1"/>
+          </p:cNvSpPr>
+          <p:nvPr>
+            <p:ph type="body" idx="1"/>
+          </p:nvPr>
+        </p:nvSpPr>
+        <p:spPr/>
+        <p:txBody>
+          <a:bodyPr/>
+          <a:lstStyle/>
+          <a:p>
+            <a:endParaRPr lang="en-US" b="0" dirty="0" smtClean="0"/>
+          </a:p>
+        </p:txBody>
+      </p:sp>
+      <p:sp>
+        <p:nvSpPr>
+          <p:cNvPr id="4" name="Slide Number Placeholder 3"/>
+          <p:cNvSpPr>
+            <a:spLocks noGrp="1"/>
+          </p:cNvSpPr>
+          <p:nvPr>
+            <p:ph type="sldNum" sz="quarter" idx="10"/>
+          </p:nvPr>
+        </p:nvSpPr>
+        <p:spPr/>
+        <p:txBody>
+          <a:bodyPr/>
+          <a:lstStyle/>
+          <a:p>
+            <a:fld id="{89029652-62E7-43D6-83B5-097D7B7AA5D8}" type="slidenum">
+              <a:rPr lang="en-US" smtClean="0"/>
+              <a:t>52</a:t>
+            </a:fld>
+            <a:endParaRPr lang="en-US"/>
+          </a:p>
+        </p:txBody>
+      </p:sp>
+    </p:spTree>
+    <p:extLst>
+      <p:ext uri="{BB962C8B-B14F-4D97-AF65-F5344CB8AC3E}">
+        <p14:creationId xmlns:p14="http://schemas.microsoft.com/office/powerpoint/2010/main" val="22929660"/>
+      </p:ext>
+    </p:extLst>
+  </p:cSld>
+  <p:clrMapOvr>
+    <a:masterClrMapping/>
+  </p:clrMapOvr>
+</p:notes>
+</file>
+
+<file path=ppt/notesSlides/notesSlide53.xml><?xml version="1.0" encoding="utf-8"?>
+<p:notes xmlns:a="http://schemas.openxmlformats.org/drawingml/2006/main" xmlns:r="http://schemas.openxmlformats.org/officeDocument/2006/relationships" xmlns:p="http://schemas.openxmlformats.org/presentationml/2006/main">
+  <p:cSld>
+    <p:spTree>
+      <p:nvGrpSpPr>
+        <p:cNvPr id="1" name=""/>
+        <p:cNvGrpSpPr/>
+        <p:nvPr/>
+      </p:nvGrpSpPr>
+      <p:grpSpPr>
+        <a:xfrm>
+          <a:off x="0" y="0"/>
+          <a:ext cx="0" cy="0"/>
+          <a:chOff x="0" y="0"/>
+          <a:chExt cx="0" cy="0"/>
+        </a:xfrm>
+      </p:grpSpPr>
+      <p:sp>
+        <p:nvSpPr>
+          <p:cNvPr id="2" name="Slide Image Placeholder 1"/>
+          <p:cNvSpPr>
+            <a:spLocks noGrp="1" noRot="1" noChangeAspect="1"/>
+          </p:cNvSpPr>
+          <p:nvPr>
+            <p:ph type="sldImg"/>
+          </p:nvPr>
+        </p:nvSpPr>
+        <p:spPr/>
+      </p:sp>
+      <p:sp>
+        <p:nvSpPr>
+          <p:cNvPr id="3" name="Notes Placeholder 2"/>
+          <p:cNvSpPr>
+            <a:spLocks noGrp="1"/>
+          </p:cNvSpPr>
+          <p:nvPr>
+            <p:ph type="body" idx="1"/>
+          </p:nvPr>
+        </p:nvSpPr>
+        <p:spPr/>
+        <p:txBody>
+          <a:bodyPr/>
+          <a:lstStyle/>
+          <a:p>
+            <a:endParaRPr lang="en-US" b="0" dirty="0" smtClean="0"/>
+          </a:p>
+        </p:txBody>
+      </p:sp>
+      <p:sp>
+        <p:nvSpPr>
+          <p:cNvPr id="4" name="Slide Number Placeholder 3"/>
+          <p:cNvSpPr>
+            <a:spLocks noGrp="1"/>
+          </p:cNvSpPr>
+          <p:nvPr>
+            <p:ph type="sldNum" sz="quarter" idx="10"/>
+          </p:nvPr>
+        </p:nvSpPr>
+        <p:spPr/>
+        <p:txBody>
+          <a:bodyPr/>
+          <a:lstStyle/>
+          <a:p>
+            <a:fld id="{89029652-62E7-43D6-83B5-097D7B7AA5D8}" type="slidenum">
+              <a:rPr lang="en-US" smtClean="0"/>
+              <a:t>53</a:t>
+            </a:fld>
+            <a:endParaRPr lang="en-US"/>
+          </a:p>
+        </p:txBody>
+      </p:sp>
+    </p:spTree>
+    <p:extLst>
+      <p:ext uri="{BB962C8B-B14F-4D97-AF65-F5344CB8AC3E}">
+        <p14:creationId xmlns:p14="http://schemas.microsoft.com/office/powerpoint/2010/main" val="3079792467"/>
+      </p:ext>
+    </p:extLst>
+  </p:cSld>
+  <p:clrMapOvr>
+    <a:masterClrMapping/>
+  </p:clrMapOvr>
+</p:notes>
+</file>
+
+<file path=ppt/notesSlides/notesSlide54.xml><?xml version="1.0" encoding="utf-8"?>
+<p:notes xmlns:a="http://schemas.openxmlformats.org/drawingml/2006/main" xmlns:r="http://schemas.openxmlformats.org/officeDocument/2006/relationships" xmlns:p="http://schemas.openxmlformats.org/presentationml/2006/main">
+  <p:cSld>
+    <p:spTree>
+      <p:nvGrpSpPr>
+        <p:cNvPr id="1" name=""/>
+        <p:cNvGrpSpPr/>
+        <p:nvPr/>
+      </p:nvGrpSpPr>
+      <p:grpSpPr>
+        <a:xfrm>
+          <a:off x="0" y="0"/>
+          <a:ext cx="0" cy="0"/>
+          <a:chOff x="0" y="0"/>
+          <a:chExt cx="0" cy="0"/>
+        </a:xfrm>
+      </p:grpSpPr>
+      <p:sp>
+        <p:nvSpPr>
+          <p:cNvPr id="2" name="Slide Image Placeholder 1"/>
+          <p:cNvSpPr>
+            <a:spLocks noGrp="1" noRot="1" noChangeAspect="1"/>
+          </p:cNvSpPr>
+          <p:nvPr>
+            <p:ph type="sldImg"/>
+          </p:nvPr>
+        </p:nvSpPr>
+        <p:spPr/>
+      </p:sp>
+      <p:sp>
+        <p:nvSpPr>
+          <p:cNvPr id="3" name="Notes Placeholder 2"/>
+          <p:cNvSpPr>
+            <a:spLocks noGrp="1"/>
+          </p:cNvSpPr>
+          <p:nvPr>
+            <p:ph type="body" idx="1"/>
+          </p:nvPr>
+        </p:nvSpPr>
+        <p:spPr/>
+        <p:txBody>
+          <a:bodyPr/>
+          <a:lstStyle/>
+          <a:p>
+            <a:endParaRPr lang="en-US" b="0" dirty="0" smtClean="0"/>
+          </a:p>
+        </p:txBody>
+      </p:sp>
+      <p:sp>
+        <p:nvSpPr>
+          <p:cNvPr id="4" name="Slide Number Placeholder 3"/>
+          <p:cNvSpPr>
+            <a:spLocks noGrp="1"/>
+          </p:cNvSpPr>
+          <p:nvPr>
+            <p:ph type="sldNum" sz="quarter" idx="10"/>
+          </p:nvPr>
+        </p:nvSpPr>
+        <p:spPr/>
+        <p:txBody>
+          <a:bodyPr/>
+          <a:lstStyle/>
+          <a:p>
+            <a:fld id="{89029652-62E7-43D6-83B5-097D7B7AA5D8}" type="slidenum">
+              <a:rPr lang="en-US" smtClean="0"/>
+              <a:t>54</a:t>
+            </a:fld>
+            <a:endParaRPr lang="en-US"/>
+          </a:p>
+        </p:txBody>
+      </p:sp>
+    </p:spTree>
+    <p:extLst>
+      <p:ext uri="{BB962C8B-B14F-4D97-AF65-F5344CB8AC3E}">
+        <p14:creationId xmlns:p14="http://schemas.microsoft.com/office/powerpoint/2010/main" val="2602777311"/>
+      </p:ext>
+    </p:extLst>
+  </p:cSld>
+  <p:clrMapOvr>
+    <a:masterClrMapping/>
+  </p:clrMapOvr>
+</p:notes>
+</file>
+
+<file path=ppt/notesSlides/notesSlide55.xml><?xml version="1.0" encoding="utf-8"?>
+<p:notes xmlns:a="http://schemas.openxmlformats.org/drawingml/2006/main" xmlns:r="http://schemas.openxmlformats.org/officeDocument/2006/relationships" xmlns:p="http://schemas.openxmlformats.org/presentationml/2006/main">
+  <p:cSld>
+    <p:spTree>
+      <p:nvGrpSpPr>
+        <p:cNvPr id="1" name=""/>
+        <p:cNvGrpSpPr/>
+        <p:nvPr/>
+      </p:nvGrpSpPr>
+      <p:grpSpPr>
+        <a:xfrm>
+          <a:off x="0" y="0"/>
+          <a:ext cx="0" cy="0"/>
+          <a:chOff x="0" y="0"/>
+          <a:chExt cx="0" cy="0"/>
+        </a:xfrm>
+      </p:grpSpPr>
+      <p:sp>
+        <p:nvSpPr>
+          <p:cNvPr id="2" name="Slide Image Placeholder 1"/>
+          <p:cNvSpPr>
+            <a:spLocks noGrp="1" noRot="1" noChangeAspect="1"/>
+          </p:cNvSpPr>
+          <p:nvPr>
+            <p:ph type="sldImg"/>
+          </p:nvPr>
+        </p:nvSpPr>
+        <p:spPr/>
+      </p:sp>
+      <p:sp>
+        <p:nvSpPr>
+          <p:cNvPr id="3" name="Notes Placeholder 2"/>
+          <p:cNvSpPr>
+            <a:spLocks noGrp="1"/>
+          </p:cNvSpPr>
+          <p:nvPr>
+            <p:ph type="body" idx="1"/>
+          </p:nvPr>
+        </p:nvSpPr>
+        <p:spPr/>
+        <p:txBody>
+          <a:bodyPr/>
+          <a:lstStyle/>
+          <a:p>
+            <a:endParaRPr lang="en-US" b="0" dirty="0" smtClean="0"/>
+          </a:p>
+        </p:txBody>
+      </p:sp>
+      <p:sp>
+        <p:nvSpPr>
+          <p:cNvPr id="4" name="Slide Number Placeholder 3"/>
+          <p:cNvSpPr>
+            <a:spLocks noGrp="1"/>
+          </p:cNvSpPr>
+          <p:nvPr>
+            <p:ph type="sldNum" sz="quarter" idx="10"/>
+          </p:nvPr>
+        </p:nvSpPr>
+        <p:spPr/>
+        <p:txBody>
+          <a:bodyPr/>
+          <a:lstStyle/>
+          <a:p>
+            <a:fld id="{89029652-62E7-43D6-83B5-097D7B7AA5D8}" type="slidenum">
+              <a:rPr lang="en-US" smtClean="0"/>
+              <a:t>55</a:t>
+            </a:fld>
+            <a:endParaRPr lang="en-US"/>
+          </a:p>
+        </p:txBody>
+      </p:sp>
+    </p:spTree>
+    <p:extLst>
+      <p:ext uri="{BB962C8B-B14F-4D97-AF65-F5344CB8AC3E}">
+        <p14:creationId xmlns:p14="http://schemas.microsoft.com/office/powerpoint/2010/main" val="2267138517"/>
+      </p:ext>
+    </p:extLst>
+  </p:cSld>
+  <p:clrMapOvr>
+    <a:masterClrMapping/>
+  </p:clrMapOvr>
+</p:notes>
+</file>
+
+<file path=ppt/notesSlides/notesSlide56.xml><?xml version="1.0" encoding="utf-8"?>
+<p:notes xmlns:a="http://schemas.openxmlformats.org/drawingml/2006/main" xmlns:r="http://schemas.openxmlformats.org/officeDocument/2006/relationships" xmlns:p="http://schemas.openxmlformats.org/presentationml/2006/main">
+  <p:cSld>
+    <p:spTree>
+      <p:nvGrpSpPr>
+        <p:cNvPr id="1" name=""/>
+        <p:cNvGrpSpPr/>
+        <p:nvPr/>
+      </p:nvGrpSpPr>
+      <p:grpSpPr>
+        <a:xfrm>
+          <a:off x="0" y="0"/>
+          <a:ext cx="0" cy="0"/>
+          <a:chOff x="0" y="0"/>
+          <a:chExt cx="0" cy="0"/>
+        </a:xfrm>
+      </p:grpSpPr>
+      <p:sp>
+        <p:nvSpPr>
+          <p:cNvPr id="2" name="Slide Image Placeholder 1"/>
+          <p:cNvSpPr>
+            <a:spLocks noGrp="1" noRot="1" noChangeAspect="1"/>
+          </p:cNvSpPr>
+          <p:nvPr>
+            <p:ph type="sldImg"/>
+          </p:nvPr>
+        </p:nvSpPr>
+        <p:spPr/>
+      </p:sp>
+      <p:sp>
+        <p:nvSpPr>
+          <p:cNvPr id="3" name="Notes Placeholder 2"/>
+          <p:cNvSpPr>
+            <a:spLocks noGrp="1"/>
+          </p:cNvSpPr>
+          <p:nvPr>
+            <p:ph type="body" idx="1"/>
+          </p:nvPr>
+        </p:nvSpPr>
+        <p:spPr/>
+        <p:txBody>
+          <a:bodyPr/>
+          <a:lstStyle/>
+          <a:p>
             <a:endParaRPr lang="en-US" sz="1200" kern="1200" dirty="0" smtClean="0">
               <a:solidFill>
                 <a:schemeClr val="tx1"/>
@@ -4621,7 +5161,7 @@
           <a:p>
             <a:fld id="{89029652-62E7-43D6-83B5-097D7B7AA5D8}" type="slidenum">
               <a:rPr lang="en-US" smtClean="0"/>
-              <a:t>51</a:t>
+              <a:t>56</a:t>
             </a:fld>
             <a:endParaRPr lang="en-US"/>
           </a:p>
@@ -5107,7 +5647,7 @@
           <a:p>
             <a:fld id="{75AA6396-395E-4ADA-8EE5-F328BC863A04}" type="datetimeFigureOut">
               <a:rPr lang="en-US" smtClean="0"/>
-              <a:t>12/23/2016</a:t>
+              <a:t>12/27/2016</a:t>
             </a:fld>
             <a:endParaRPr lang="en-US"/>
           </a:p>
@@ -5284,7 +5824,7 @@
           <a:p>
             <a:fld id="{75AA6396-395E-4ADA-8EE5-F328BC863A04}" type="datetimeFigureOut">
               <a:rPr lang="en-US" smtClean="0"/>
-              <a:t>12/23/2016</a:t>
+              <a:t>12/27/2016</a:t>
             </a:fld>
             <a:endParaRPr lang="en-US"/>
           </a:p>
@@ -5464,7 +6004,7 @@
           <a:p>
             <a:fld id="{75AA6396-395E-4ADA-8EE5-F328BC863A04}" type="datetimeFigureOut">
               <a:rPr lang="en-US" smtClean="0"/>
-              <a:t>12/23/2016</a:t>
+              <a:t>12/27/2016</a:t>
             </a:fld>
             <a:endParaRPr lang="en-US"/>
           </a:p>
@@ -5684,7 +6224,7 @@
           <a:p>
             <a:fld id="{75AA6396-395E-4ADA-8EE5-F328BC863A04}" type="datetimeFigureOut">
               <a:rPr lang="en-US" smtClean="0"/>
-              <a:t>12/23/2016</a:t>
+              <a:t>12/27/2016</a:t>
             </a:fld>
             <a:endParaRPr lang="en-US"/>
           </a:p>
@@ -5937,7 +6477,7 @@
           <a:p>
             <a:fld id="{75AA6396-395E-4ADA-8EE5-F328BC863A04}" type="datetimeFigureOut">
               <a:rPr lang="en-US" smtClean="0"/>
-              <a:t>12/23/2016</a:t>
+              <a:t>12/27/2016</a:t>
             </a:fld>
             <a:endParaRPr lang="en-US"/>
           </a:p>
@@ -6176,7 +6716,7 @@
           <a:p>
             <a:fld id="{75AA6396-395E-4ADA-8EE5-F328BC863A04}" type="datetimeFigureOut">
               <a:rPr lang="en-US" smtClean="0"/>
-              <a:t>12/23/2016</a:t>
+              <a:t>12/27/2016</a:t>
             </a:fld>
             <a:endParaRPr lang="en-US"/>
           </a:p>
@@ -6550,7 +7090,7 @@
           <a:p>
             <a:fld id="{75AA6396-395E-4ADA-8EE5-F328BC863A04}" type="datetimeFigureOut">
               <a:rPr lang="en-US" smtClean="0"/>
-              <a:t>12/23/2016</a:t>
+              <a:t>12/27/2016</a:t>
             </a:fld>
             <a:endParaRPr lang="en-US"/>
           </a:p>
@@ -6668,7 +7208,7 @@
           <a:p>
             <a:fld id="{75AA6396-395E-4ADA-8EE5-F328BC863A04}" type="datetimeFigureOut">
               <a:rPr lang="en-US" smtClean="0"/>
-              <a:t>12/23/2016</a:t>
+              <a:t>12/27/2016</a:t>
             </a:fld>
             <a:endParaRPr lang="en-US"/>
           </a:p>
@@ -6763,7 +7303,7 @@
           <a:p>
             <a:fld id="{75AA6396-395E-4ADA-8EE5-F328BC863A04}" type="datetimeFigureOut">
               <a:rPr lang="en-US" smtClean="0"/>
-              <a:t>12/23/2016</a:t>
+              <a:t>12/27/2016</a:t>
             </a:fld>
             <a:endParaRPr lang="en-US"/>
           </a:p>
@@ -7040,7 +7580,7 @@
           <a:p>
             <a:fld id="{75AA6396-395E-4ADA-8EE5-F328BC863A04}" type="datetimeFigureOut">
               <a:rPr lang="en-US" smtClean="0"/>
-              <a:t>12/23/2016</a:t>
+              <a:t>12/27/2016</a:t>
             </a:fld>
             <a:endParaRPr lang="en-US"/>
           </a:p>
@@ -7293,7 +7833,7 @@
           <a:p>
             <a:fld id="{75AA6396-395E-4ADA-8EE5-F328BC863A04}" type="datetimeFigureOut">
               <a:rPr lang="en-US" smtClean="0"/>
-              <a:t>12/23/2016</a:t>
+              <a:t>12/27/2016</a:t>
             </a:fld>
             <a:endParaRPr lang="en-US"/>
           </a:p>
@@ -7506,7 +8046,7 @@
           <a:p>
             <a:fld id="{75AA6396-395E-4ADA-8EE5-F328BC863A04}" type="datetimeFigureOut">
               <a:rPr lang="en-US" smtClean="0"/>
-              <a:t>12/23/2016</a:t>
+              <a:t>12/27/2016</a:t>
             </a:fld>
             <a:endParaRPr lang="en-US"/>
           </a:p>
@@ -9825,6 +10365,608 @@
             <p:ph type="title"/>
           </p:nvPr>
         </p:nvSpPr>
+        <p:spPr>
+          <a:xfrm>
+            <a:off x="964927" y="1"/>
+            <a:ext cx="10515600" cy="6858000"/>
+          </a:xfrm>
+        </p:spPr>
+        <p:txBody>
+          <a:bodyPr anchor="ctr">
+            <a:normAutofit/>
+          </a:bodyPr>
+          <a:lstStyle/>
+          <a:p>
+            <a:pPr algn="ctr"/>
+            <a:r>
+              <a:rPr lang="en-US" sz="4800" dirty="0" smtClean="0"/>
+              <a:t>A1 - Injection</a:t>
+            </a:r>
+            <a:r>
+              <a:rPr lang="en-US" sz="4800" dirty="0" smtClean="0"/>
+              <a:t/>
+            </a:r>
+            <a:br>
+              <a:rPr lang="en-US" sz="4800" dirty="0" smtClean="0"/>
+            </a:br>
+            <a:r>
+              <a:rPr lang="en-US" sz="4800" dirty="0"/>
+              <a:t/>
+            </a:r>
+            <a:br>
+              <a:rPr lang="en-US" sz="4800" dirty="0"/>
+            </a:br>
+            <a:r>
+              <a:rPr lang="en-US" dirty="0" smtClean="0">
+                <a:solidFill>
+                  <a:srgbClr val="013947"/>
+                </a:solidFill>
+              </a:rPr>
+              <a:t>Watch out for "little Bobby Tables"!</a:t>
+            </a:r>
+            <a:endParaRPr lang="en-US" sz="4800" dirty="0">
+              <a:solidFill>
+                <a:srgbClr val="013947"/>
+              </a:solidFill>
+            </a:endParaRPr>
+          </a:p>
+        </p:txBody>
+      </p:sp>
+    </p:spTree>
+    <p:extLst>
+      <p:ext uri="{BB962C8B-B14F-4D97-AF65-F5344CB8AC3E}">
+        <p14:creationId xmlns:p14="http://schemas.microsoft.com/office/powerpoint/2010/main" val="2983310270"/>
+      </p:ext>
+    </p:extLst>
+  </p:cSld>
+  <p:clrMapOvr>
+    <a:masterClrMapping/>
+  </p:clrMapOvr>
+  <p:timing>
+    <p:tnLst>
+      <p:par>
+        <p:cTn id="1" dur="indefinite" restart="never" nodeType="tmRoot"/>
+      </p:par>
+    </p:tnLst>
+  </p:timing>
+</p:sld>
+</file>
+
+<file path=ppt/slides/slide23.xml><?xml version="1.0" encoding="utf-8"?>
+<p:sld xmlns:a="http://schemas.openxmlformats.org/drawingml/2006/main" xmlns:r="http://schemas.openxmlformats.org/officeDocument/2006/relationships" xmlns:p="http://schemas.openxmlformats.org/presentationml/2006/main">
+  <p:cSld>
+    <p:spTree>
+      <p:nvGrpSpPr>
+        <p:cNvPr id="1" name=""/>
+        <p:cNvGrpSpPr/>
+        <p:nvPr/>
+      </p:nvGrpSpPr>
+      <p:grpSpPr>
+        <a:xfrm>
+          <a:off x="0" y="0"/>
+          <a:ext cx="0" cy="0"/>
+          <a:chOff x="0" y="0"/>
+          <a:chExt cx="0" cy="0"/>
+        </a:xfrm>
+      </p:grpSpPr>
+      <p:sp>
+        <p:nvSpPr>
+          <p:cNvPr id="2" name="Title 1"/>
+          <p:cNvSpPr>
+            <a:spLocks noGrp="1"/>
+          </p:cNvSpPr>
+          <p:nvPr>
+            <p:ph type="title"/>
+          </p:nvPr>
+        </p:nvSpPr>
+        <p:spPr/>
+        <p:txBody>
+          <a:bodyPr>
+            <a:normAutofit/>
+          </a:bodyPr>
+          <a:lstStyle/>
+          <a:p>
+            <a:r>
+              <a:rPr lang="en-US" sz="4800" dirty="0" smtClean="0"/>
+              <a:t>CSRF Defense </a:t>
+            </a:r>
+            <a:r>
+              <a:rPr lang="en-US" sz="4800" dirty="0"/>
+              <a:t>– feature</a:t>
+            </a:r>
+          </a:p>
+        </p:txBody>
+      </p:sp>
+      <p:sp>
+        <p:nvSpPr>
+          <p:cNvPr id="3" name="Content Placeholder 2"/>
+          <p:cNvSpPr>
+            <a:spLocks noGrp="1"/>
+          </p:cNvSpPr>
+          <p:nvPr>
+            <p:ph idx="1"/>
+          </p:nvPr>
+        </p:nvSpPr>
+        <p:spPr>
+          <a:xfrm>
+            <a:off x="838200" y="1825624"/>
+            <a:ext cx="10515600" cy="4589923"/>
+          </a:xfrm>
+        </p:spPr>
+        <p:txBody>
+          <a:bodyPr>
+            <a:normAutofit/>
+          </a:bodyPr>
+          <a:lstStyle/>
+          <a:p>
+            <a:endParaRPr lang="en-US" dirty="0" smtClean="0"/>
+          </a:p>
+          <a:p>
+            <a:endParaRPr lang="en-US" dirty="0" smtClean="0"/>
+          </a:p>
+          <a:p>
+            <a:endParaRPr lang="en-US" dirty="0"/>
+          </a:p>
+        </p:txBody>
+      </p:sp>
+      <p:pic>
+        <p:nvPicPr>
+          <p:cNvPr id="4" name="Picture 3"/>
+          <p:cNvPicPr>
+            <a:picLocks noChangeAspect="1"/>
+          </p:cNvPicPr>
+          <p:nvPr/>
+        </p:nvPicPr>
+        <p:blipFill>
+          <a:blip r:embed="rId3"/>
+          <a:stretch>
+            <a:fillRect/>
+          </a:stretch>
+        </p:blipFill>
+        <p:spPr>
+          <a:xfrm>
+            <a:off x="838200" y="2139744"/>
+            <a:ext cx="10783529" cy="1797256"/>
+          </a:xfrm>
+          <a:prstGeom prst="rect">
+            <a:avLst/>
+          </a:prstGeom>
+        </p:spPr>
+      </p:pic>
+      <p:pic>
+        <p:nvPicPr>
+          <p:cNvPr id="9" name="Picture 8"/>
+          <p:cNvPicPr>
+            <a:picLocks noChangeAspect="1"/>
+          </p:cNvPicPr>
+          <p:nvPr/>
+        </p:nvPicPr>
+        <p:blipFill>
+          <a:blip r:embed="rId4"/>
+          <a:stretch>
+            <a:fillRect/>
+          </a:stretch>
+        </p:blipFill>
+        <p:spPr>
+          <a:xfrm>
+            <a:off x="838200" y="4386055"/>
+            <a:ext cx="10870128" cy="1439557"/>
+          </a:xfrm>
+          <a:prstGeom prst="rect">
+            <a:avLst/>
+          </a:prstGeom>
+        </p:spPr>
+      </p:pic>
+    </p:spTree>
+    <p:extLst>
+      <p:ext uri="{BB962C8B-B14F-4D97-AF65-F5344CB8AC3E}">
+        <p14:creationId xmlns:p14="http://schemas.microsoft.com/office/powerpoint/2010/main" val="27120899"/>
+      </p:ext>
+    </p:extLst>
+  </p:cSld>
+  <p:clrMapOvr>
+    <a:masterClrMapping/>
+  </p:clrMapOvr>
+  <p:timing>
+    <p:tnLst>
+      <p:par>
+        <p:cTn id="1" dur="indefinite" restart="never" nodeType="tmRoot"/>
+      </p:par>
+    </p:tnLst>
+  </p:timing>
+</p:sld>
+</file>
+
+<file path=ppt/slides/slide24.xml><?xml version="1.0" encoding="utf-8"?>
+<p:sld xmlns:a="http://schemas.openxmlformats.org/drawingml/2006/main" xmlns:r="http://schemas.openxmlformats.org/officeDocument/2006/relationships" xmlns:p="http://schemas.openxmlformats.org/presentationml/2006/main" show="0">
+  <p:cSld>
+    <p:spTree>
+      <p:nvGrpSpPr>
+        <p:cNvPr id="1" name=""/>
+        <p:cNvGrpSpPr/>
+        <p:nvPr/>
+      </p:nvGrpSpPr>
+      <p:grpSpPr>
+        <a:xfrm>
+          <a:off x="0" y="0"/>
+          <a:ext cx="0" cy="0"/>
+          <a:chOff x="0" y="0"/>
+          <a:chExt cx="0" cy="0"/>
+        </a:xfrm>
+      </p:grpSpPr>
+      <p:sp>
+        <p:nvSpPr>
+          <p:cNvPr id="2" name="Title 1"/>
+          <p:cNvSpPr>
+            <a:spLocks noGrp="1"/>
+          </p:cNvSpPr>
+          <p:nvPr>
+            <p:ph type="title"/>
+          </p:nvPr>
+        </p:nvSpPr>
+        <p:spPr/>
+        <p:txBody>
+          <a:bodyPr>
+            <a:normAutofit/>
+          </a:bodyPr>
+          <a:lstStyle/>
+          <a:p>
+            <a:r>
+              <a:rPr lang="en-US" sz="4800" dirty="0" smtClean="0"/>
+              <a:t>CSRF Defense </a:t>
+            </a:r>
+            <a:r>
+              <a:rPr lang="en-US" sz="4800" dirty="0"/>
+              <a:t>– feature</a:t>
+            </a:r>
+          </a:p>
+        </p:txBody>
+      </p:sp>
+      <p:sp>
+        <p:nvSpPr>
+          <p:cNvPr id="3" name="Content Placeholder 2"/>
+          <p:cNvSpPr>
+            <a:spLocks noGrp="1"/>
+          </p:cNvSpPr>
+          <p:nvPr>
+            <p:ph idx="1"/>
+          </p:nvPr>
+        </p:nvSpPr>
+        <p:spPr>
+          <a:xfrm>
+            <a:off x="838200" y="1825624"/>
+            <a:ext cx="10515600" cy="4589923"/>
+          </a:xfrm>
+        </p:spPr>
+        <p:txBody>
+          <a:bodyPr>
+            <a:normAutofit/>
+          </a:bodyPr>
+          <a:lstStyle/>
+          <a:p>
+            <a:endParaRPr lang="en-US" dirty="0" smtClean="0"/>
+          </a:p>
+          <a:p>
+            <a:endParaRPr lang="en-US" dirty="0" smtClean="0"/>
+          </a:p>
+          <a:p>
+            <a:endParaRPr lang="en-US" dirty="0"/>
+          </a:p>
+        </p:txBody>
+      </p:sp>
+      <p:pic>
+        <p:nvPicPr>
+          <p:cNvPr id="4" name="Picture 3"/>
+          <p:cNvPicPr>
+            <a:picLocks noChangeAspect="1"/>
+          </p:cNvPicPr>
+          <p:nvPr/>
+        </p:nvPicPr>
+        <p:blipFill>
+          <a:blip r:embed="rId3"/>
+          <a:stretch>
+            <a:fillRect/>
+          </a:stretch>
+        </p:blipFill>
+        <p:spPr>
+          <a:xfrm>
+            <a:off x="838200" y="2139744"/>
+            <a:ext cx="10783529" cy="1797256"/>
+          </a:xfrm>
+          <a:prstGeom prst="rect">
+            <a:avLst/>
+          </a:prstGeom>
+        </p:spPr>
+      </p:pic>
+      <p:sp>
+        <p:nvSpPr>
+          <p:cNvPr id="6" name="TextBox 5"/>
+          <p:cNvSpPr txBox="1"/>
+          <p:nvPr/>
+        </p:nvSpPr>
+        <p:spPr>
+          <a:xfrm>
+            <a:off x="838200" y="4599665"/>
+            <a:ext cx="10621297" cy="2062103"/>
+          </a:xfrm>
+          <a:prstGeom prst="rect">
+            <a:avLst/>
+          </a:prstGeom>
+          <a:solidFill>
+            <a:schemeClr val="accent4">
+              <a:lumMod val="60000"/>
+              <a:lumOff val="40000"/>
+            </a:schemeClr>
+          </a:solidFill>
+        </p:spPr>
+        <p:txBody>
+          <a:bodyPr wrap="square" rtlCol="0">
+            <a:spAutoFit/>
+          </a:bodyPr>
+          <a:lstStyle/>
+          <a:p>
+            <a:r>
+              <a:rPr lang="en-US" sz="3200" b="1" dirty="0" smtClean="0">
+                <a:latin typeface="Maiandra GD" panose="020E0502030308020204" pitchFamily="34" charset="0"/>
+              </a:rPr>
+              <a:t>Pro tip</a:t>
+            </a:r>
+            <a:r>
+              <a:rPr lang="en-US" sz="3200" dirty="0" smtClean="0">
+                <a:latin typeface="Maiandra GD" panose="020E0502030308020204" pitchFamily="34" charset="0"/>
+              </a:rPr>
+              <a:t>: Concatenating raw strings into SQL queries makes you a bad person.</a:t>
+            </a:r>
+          </a:p>
+          <a:p>
+            <a:endParaRPr lang="en-US" sz="3200" dirty="0">
+              <a:latin typeface="Maiandra GD" panose="020E0502030308020204" pitchFamily="34" charset="0"/>
+            </a:endParaRPr>
+          </a:p>
+          <a:p>
+            <a:r>
+              <a:rPr lang="en-US" sz="3200" dirty="0" smtClean="0">
+                <a:latin typeface="Maiandra GD" panose="020E0502030308020204" pitchFamily="34" charset="0"/>
+              </a:rPr>
+              <a:t>Don't be a bad person. Parameterize your SQL.</a:t>
+            </a:r>
+            <a:endParaRPr lang="en-US" sz="3200" dirty="0">
+              <a:latin typeface="Maiandra GD" panose="020E0502030308020204" pitchFamily="34" charset="0"/>
+            </a:endParaRPr>
+          </a:p>
+        </p:txBody>
+      </p:sp>
+    </p:spTree>
+    <p:extLst>
+      <p:ext uri="{BB962C8B-B14F-4D97-AF65-F5344CB8AC3E}">
+        <p14:creationId xmlns:p14="http://schemas.microsoft.com/office/powerpoint/2010/main" val="3804802249"/>
+      </p:ext>
+    </p:extLst>
+  </p:cSld>
+  <p:clrMapOvr>
+    <a:masterClrMapping/>
+  </p:clrMapOvr>
+  <mc:AlternateContent xmlns:mc="http://schemas.openxmlformats.org/markup-compatibility/2006">
+    <mc:Choice xmlns:p14="http://schemas.microsoft.com/office/powerpoint/2010/main" Requires="p14">
+      <p:transition spd="slow" p14:dur="2000"/>
+    </mc:Choice>
+    <mc:Fallback>
+      <p:transition spd="slow"/>
+    </mc:Fallback>
+  </mc:AlternateContent>
+  <p:timing>
+    <p:tnLst>
+      <p:par>
+        <p:cTn id="1" dur="indefinite" restart="never" nodeType="tmRoot"/>
+      </p:par>
+    </p:tnLst>
+  </p:timing>
+</p:sld>
+</file>
+
+<file path=ppt/slides/slide25.xml><?xml version="1.0" encoding="utf-8"?>
+<p:sld xmlns:a="http://schemas.openxmlformats.org/drawingml/2006/main" xmlns:r="http://schemas.openxmlformats.org/officeDocument/2006/relationships" xmlns:p="http://schemas.openxmlformats.org/presentationml/2006/main">
+  <p:cSld>
+    <p:spTree>
+      <p:nvGrpSpPr>
+        <p:cNvPr id="1" name=""/>
+        <p:cNvGrpSpPr/>
+        <p:nvPr/>
+      </p:nvGrpSpPr>
+      <p:grpSpPr>
+        <a:xfrm>
+          <a:off x="0" y="0"/>
+          <a:ext cx="0" cy="0"/>
+          <a:chOff x="0" y="0"/>
+          <a:chExt cx="0" cy="0"/>
+        </a:xfrm>
+      </p:grpSpPr>
+      <p:sp>
+        <p:nvSpPr>
+          <p:cNvPr id="2" name="Title 1"/>
+          <p:cNvSpPr>
+            <a:spLocks noGrp="1"/>
+          </p:cNvSpPr>
+          <p:nvPr>
+            <p:ph type="title"/>
+          </p:nvPr>
+        </p:nvSpPr>
+        <p:spPr>
+          <a:xfrm>
+            <a:off x="964927" y="1"/>
+            <a:ext cx="10515600" cy="6858000"/>
+          </a:xfrm>
+        </p:spPr>
+        <p:txBody>
+          <a:bodyPr anchor="ctr">
+            <a:normAutofit/>
+          </a:bodyPr>
+          <a:lstStyle/>
+          <a:p>
+            <a:pPr algn="ctr"/>
+            <a:r>
+              <a:rPr lang="en-US" sz="4800" dirty="0"/>
+              <a:t>A8 – Cross Site Request </a:t>
+            </a:r>
+            <a:r>
+              <a:rPr lang="en-US" sz="4800" dirty="0" smtClean="0"/>
+              <a:t>Forgery</a:t>
+            </a:r>
+            <a:r>
+              <a:rPr lang="en-US" sz="4800" dirty="0" smtClean="0"/>
+              <a:t/>
+            </a:r>
+            <a:br>
+              <a:rPr lang="en-US" sz="4800" dirty="0" smtClean="0"/>
+            </a:br>
+            <a:r>
+              <a:rPr lang="en-US" sz="4800" dirty="0"/>
+              <a:t/>
+            </a:r>
+            <a:br>
+              <a:rPr lang="en-US" sz="4800" dirty="0"/>
+            </a:br>
+            <a:r>
+              <a:rPr lang="en-US" dirty="0" smtClean="0">
+                <a:solidFill>
+                  <a:srgbClr val="013947"/>
+                </a:solidFill>
+              </a:rPr>
+              <a:t>Fun fact</a:t>
+            </a:r>
+            <a:r>
+              <a:rPr lang="en-US" baseline="30000" dirty="0" smtClean="0">
+                <a:solidFill>
+                  <a:srgbClr val="013947"/>
+                </a:solidFill>
+              </a:rPr>
+              <a:t>*</a:t>
+            </a:r>
+            <a:r>
+              <a:rPr lang="en-US" dirty="0" smtClean="0">
+                <a:solidFill>
+                  <a:srgbClr val="013947"/>
+                </a:solidFill>
+              </a:rPr>
+              <a:t>: users never log out. Ever.</a:t>
+            </a:r>
+            <a:endParaRPr lang="en-US" sz="4800" dirty="0">
+              <a:solidFill>
+                <a:srgbClr val="013947"/>
+              </a:solidFill>
+            </a:endParaRPr>
+          </a:p>
+        </p:txBody>
+      </p:sp>
+      <p:sp>
+        <p:nvSpPr>
+          <p:cNvPr id="3" name="TextBox 2"/>
+          <p:cNvSpPr txBox="1"/>
+          <p:nvPr/>
+        </p:nvSpPr>
+        <p:spPr>
+          <a:xfrm>
+            <a:off x="0" y="6457891"/>
+            <a:ext cx="2733825" cy="461665"/>
+          </a:xfrm>
+          <a:prstGeom prst="rect">
+            <a:avLst/>
+          </a:prstGeom>
+          <a:noFill/>
+        </p:spPr>
+        <p:txBody>
+          <a:bodyPr wrap="none" rtlCol="0">
+            <a:spAutoFit/>
+          </a:bodyPr>
+          <a:lstStyle/>
+          <a:p>
+            <a:r>
+              <a:rPr lang="en-US" sz="2400" baseline="30000" dirty="0" smtClean="0">
+                <a:solidFill>
+                  <a:schemeClr val="bg1">
+                    <a:lumMod val="50000"/>
+                  </a:schemeClr>
+                </a:solidFill>
+              </a:rPr>
+              <a:t>*</a:t>
+            </a:r>
+            <a:r>
+              <a:rPr lang="en-US" sz="2400" dirty="0" smtClean="0">
+                <a:solidFill>
+                  <a:schemeClr val="bg1">
+                    <a:lumMod val="50000"/>
+                  </a:schemeClr>
+                </a:solidFill>
+              </a:rPr>
+              <a:t> Not actually a fact</a:t>
+            </a:r>
+            <a:r>
+              <a:rPr lang="en-US" sz="2000" dirty="0" smtClean="0">
+                <a:solidFill>
+                  <a:schemeClr val="bg1">
+                    <a:lumMod val="50000"/>
+                  </a:schemeClr>
+                </a:solidFill>
+              </a:rPr>
+              <a:t>. </a:t>
+            </a:r>
+            <a:endParaRPr lang="en-US" sz="2000" dirty="0">
+              <a:solidFill>
+                <a:schemeClr val="bg1">
+                  <a:lumMod val="50000"/>
+                </a:schemeClr>
+              </a:solidFill>
+            </a:endParaRPr>
+          </a:p>
+        </p:txBody>
+      </p:sp>
+    </p:spTree>
+    <p:extLst>
+      <p:ext uri="{BB962C8B-B14F-4D97-AF65-F5344CB8AC3E}">
+        <p14:creationId xmlns:p14="http://schemas.microsoft.com/office/powerpoint/2010/main" val="1693683598"/>
+      </p:ext>
+    </p:extLst>
+  </p:cSld>
+  <p:clrMapOvr>
+    <a:masterClrMapping/>
+  </p:clrMapOvr>
+  <p:timing>
+    <p:tnLst>
+      <p:par>
+        <p:cTn id="1" dur="indefinite" restart="never" nodeType="tmRoot"/>
+      </p:par>
+    </p:tnLst>
+  </p:timing>
+</p:sld>
+</file>
+
+<file path=ppt/slides/slide26.xml><?xml version="1.0" encoding="utf-8"?>
+<p:sld xmlns:a="http://schemas.openxmlformats.org/drawingml/2006/main" xmlns:r="http://schemas.openxmlformats.org/officeDocument/2006/relationships" xmlns:p="http://schemas.openxmlformats.org/presentationml/2006/main">
+  <p:cSld>
+    <p:spTree>
+      <p:nvGrpSpPr>
+        <p:cNvPr id="1" name=""/>
+        <p:cNvGrpSpPr/>
+        <p:nvPr/>
+      </p:nvGrpSpPr>
+      <p:grpSpPr>
+        <a:xfrm>
+          <a:off x="0" y="0"/>
+          <a:ext cx="0" cy="0"/>
+          <a:chOff x="0" y="0"/>
+          <a:chExt cx="0" cy="0"/>
+        </a:xfrm>
+      </p:grpSpPr>
+      <p:sp>
+        <p:nvSpPr>
+          <p:cNvPr id="2" name="Title 1"/>
+          <p:cNvSpPr>
+            <a:spLocks noGrp="1"/>
+          </p:cNvSpPr>
+          <p:nvPr>
+            <p:ph type="title"/>
+          </p:nvPr>
+        </p:nvSpPr>
         <p:spPr/>
         <p:txBody>
           <a:bodyPr>
@@ -9916,7 +11058,7 @@
 </p:sld>
 </file>
 
-<file path=ppt/slides/slide23.xml><?xml version="1.0" encoding="utf-8"?>
+<file path=ppt/slides/slide27.xml><?xml version="1.0" encoding="utf-8"?>
 <p:sld xmlns:a="http://schemas.openxmlformats.org/drawingml/2006/main" xmlns:r="http://schemas.openxmlformats.org/officeDocument/2006/relationships" xmlns:p="http://schemas.openxmlformats.org/presentationml/2006/main">
   <p:cSld>
     <p:spTree>
@@ -10061,7 +11203,7 @@
 </p:sld>
 </file>
 
-<file path=ppt/slides/slide24.xml><?xml version="1.0" encoding="utf-8"?>
+<file path=ppt/slides/slide28.xml><?xml version="1.0" encoding="utf-8"?>
 <p:sld xmlns:a="http://schemas.openxmlformats.org/drawingml/2006/main" xmlns:r="http://schemas.openxmlformats.org/officeDocument/2006/relationships" xmlns:p="http://schemas.openxmlformats.org/presentationml/2006/main">
   <p:cSld>
     <p:spTree>
@@ -10203,7 +11345,7 @@
 </p:sld>
 </file>
 
-<file path=ppt/slides/slide25.xml><?xml version="1.0" encoding="utf-8"?>
+<file path=ppt/slides/slide29.xml><?xml version="1.0" encoding="utf-8"?>
 <p:sld xmlns:a="http://schemas.openxmlformats.org/drawingml/2006/main" xmlns:r="http://schemas.openxmlformats.org/officeDocument/2006/relationships" xmlns:p="http://schemas.openxmlformats.org/presentationml/2006/main">
   <p:cSld>
     <p:spTree>
@@ -10346,7 +11488,96 @@
 </p:sld>
 </file>
 
-<file path=ppt/slides/slide26.xml><?xml version="1.0" encoding="utf-8"?>
+<file path=ppt/slides/slide3.xml><?xml version="1.0" encoding="utf-8"?>
+<p:sld xmlns:a="http://schemas.openxmlformats.org/drawingml/2006/main" xmlns:r="http://schemas.openxmlformats.org/officeDocument/2006/relationships" xmlns:p="http://schemas.openxmlformats.org/presentationml/2006/main">
+  <p:cSld>
+    <p:spTree>
+      <p:nvGrpSpPr>
+        <p:cNvPr id="1" name=""/>
+        <p:cNvGrpSpPr/>
+        <p:nvPr/>
+      </p:nvGrpSpPr>
+      <p:grpSpPr>
+        <a:xfrm>
+          <a:off x="0" y="0"/>
+          <a:ext cx="0" cy="0"/>
+          <a:chOff x="0" y="0"/>
+          <a:chExt cx="0" cy="0"/>
+        </a:xfrm>
+      </p:grpSpPr>
+      <p:sp>
+        <p:nvSpPr>
+          <p:cNvPr id="2" name="Title 1"/>
+          <p:cNvSpPr>
+            <a:spLocks noGrp="1"/>
+          </p:cNvSpPr>
+          <p:nvPr>
+            <p:ph type="title"/>
+          </p:nvPr>
+        </p:nvSpPr>
+        <p:spPr>
+          <a:xfrm>
+            <a:off x="964927" y="1"/>
+            <a:ext cx="10515600" cy="6858000"/>
+          </a:xfrm>
+        </p:spPr>
+        <p:txBody>
+          <a:bodyPr anchor="ctr">
+            <a:normAutofit/>
+          </a:bodyPr>
+          <a:lstStyle/>
+          <a:p>
+            <a:pPr algn="ctr"/>
+            <a:r>
+              <a:rPr lang="en-US" sz="4800" strike="sngStrike" dirty="0" smtClean="0">
+                <a:solidFill>
+                  <a:schemeClr val="bg1">
+                    <a:lumMod val="75000"/>
+                  </a:schemeClr>
+                </a:solidFill>
+              </a:rPr>
+              <a:t>I hate writing secure code</a:t>
+            </a:r>
+            <a:r>
+              <a:rPr lang="en-US" sz="4800" strike="sngStrike" dirty="0" smtClean="0"/>
+              <a:t/>
+            </a:r>
+            <a:br>
+              <a:rPr lang="en-US" sz="4800" strike="sngStrike" dirty="0" smtClean="0"/>
+            </a:br>
+            <a:r>
+              <a:rPr lang="en-US" sz="4800" dirty="0" smtClean="0"/>
+              <a:t>I hate writing secure </a:t>
+            </a:r>
+            <a:r>
+              <a:rPr lang="en-US" sz="4800" i="1" dirty="0" smtClean="0"/>
+              <a:t>features</a:t>
+            </a:r>
+            <a:endParaRPr lang="en-US" sz="4800" i="1" dirty="0"/>
+          </a:p>
+        </p:txBody>
+      </p:sp>
+    </p:spTree>
+    <p:extLst>
+      <p:ext uri="{BB962C8B-B14F-4D97-AF65-F5344CB8AC3E}">
+        <p14:creationId xmlns:p14="http://schemas.microsoft.com/office/powerpoint/2010/main" val="75936766"/>
+      </p:ext>
+    </p:extLst>
+  </p:cSld>
+  <p:clrMapOvr>
+    <a:masterClrMapping/>
+  </p:clrMapOvr>
+  <p:timing>
+    <p:tnLst>
+      <p:par>
+        <p:cTn id="1" dur="indefinite" restart="never" nodeType="tmRoot"/>
+      </p:par>
+    </p:tnLst>
+  </p:timing>
+</p:sld>
+</file>
+
+<file path=ppt/slides/slide30.xml><?xml version="1.0" encoding="utf-8"?>
 <p:sld xmlns:a="http://schemas.openxmlformats.org/drawingml/2006/main" xmlns:r="http://schemas.openxmlformats.org/officeDocument/2006/relationships" xmlns:p="http://schemas.openxmlformats.org/presentationml/2006/main">
   <p:cSld>
     <p:spTree>
@@ -10484,7 +11715,7 @@
 </p:sld>
 </file>
 
-<file path=ppt/slides/slide27.xml><?xml version="1.0" encoding="utf-8"?>
+<file path=ppt/slides/slide31.xml><?xml version="1.0" encoding="utf-8"?>
 <p:sld xmlns:a="http://schemas.openxmlformats.org/drawingml/2006/main" xmlns:r="http://schemas.openxmlformats.org/officeDocument/2006/relationships" xmlns:p="http://schemas.openxmlformats.org/presentationml/2006/main">
   <p:cSld>
     <p:spTree>
@@ -10622,7 +11853,7 @@
 </p:sld>
 </file>
 
-<file path=ppt/slides/slide28.xml><?xml version="1.0" encoding="utf-8"?>
+<file path=ppt/slides/slide32.xml><?xml version="1.0" encoding="utf-8"?>
 <p:sld xmlns:a="http://schemas.openxmlformats.org/drawingml/2006/main" xmlns:r="http://schemas.openxmlformats.org/officeDocument/2006/relationships" xmlns:p="http://schemas.openxmlformats.org/presentationml/2006/main">
   <p:cSld>
     <p:spTree>
@@ -10760,7 +11991,7 @@
 </p:sld>
 </file>
 
-<file path=ppt/slides/slide29.xml><?xml version="1.0" encoding="utf-8"?>
+<file path=ppt/slides/slide33.xml><?xml version="1.0" encoding="utf-8"?>
 <p:sld xmlns:a="http://schemas.openxmlformats.org/drawingml/2006/main" xmlns:r="http://schemas.openxmlformats.org/officeDocument/2006/relationships" xmlns:p="http://schemas.openxmlformats.org/presentationml/2006/main">
   <p:cSld>
     <p:spTree>
@@ -10905,96 +12136,7 @@
 </p:sld>
 </file>
 
-<file path=ppt/slides/slide3.xml><?xml version="1.0" encoding="utf-8"?>
-<p:sld xmlns:a="http://schemas.openxmlformats.org/drawingml/2006/main" xmlns:r="http://schemas.openxmlformats.org/officeDocument/2006/relationships" xmlns:p="http://schemas.openxmlformats.org/presentationml/2006/main">
-  <p:cSld>
-    <p:spTree>
-      <p:nvGrpSpPr>
-        <p:cNvPr id="1" name=""/>
-        <p:cNvGrpSpPr/>
-        <p:nvPr/>
-      </p:nvGrpSpPr>
-      <p:grpSpPr>
-        <a:xfrm>
-          <a:off x="0" y="0"/>
-          <a:ext cx="0" cy="0"/>
-          <a:chOff x="0" y="0"/>
-          <a:chExt cx="0" cy="0"/>
-        </a:xfrm>
-      </p:grpSpPr>
-      <p:sp>
-        <p:nvSpPr>
-          <p:cNvPr id="2" name="Title 1"/>
-          <p:cNvSpPr>
-            <a:spLocks noGrp="1"/>
-          </p:cNvSpPr>
-          <p:nvPr>
-            <p:ph type="title"/>
-          </p:nvPr>
-        </p:nvSpPr>
-        <p:spPr>
-          <a:xfrm>
-            <a:off x="964927" y="1"/>
-            <a:ext cx="10515600" cy="6858000"/>
-          </a:xfrm>
-        </p:spPr>
-        <p:txBody>
-          <a:bodyPr anchor="ctr">
-            <a:normAutofit/>
-          </a:bodyPr>
-          <a:lstStyle/>
-          <a:p>
-            <a:pPr algn="ctr"/>
-            <a:r>
-              <a:rPr lang="en-US" sz="4800" strike="sngStrike" dirty="0" smtClean="0">
-                <a:solidFill>
-                  <a:schemeClr val="bg1">
-                    <a:lumMod val="75000"/>
-                  </a:schemeClr>
-                </a:solidFill>
-              </a:rPr>
-              <a:t>I hate writing secure code</a:t>
-            </a:r>
-            <a:r>
-              <a:rPr lang="en-US" sz="4800" strike="sngStrike" dirty="0" smtClean="0"/>
-              <a:t/>
-            </a:r>
-            <a:br>
-              <a:rPr lang="en-US" sz="4800" strike="sngStrike" dirty="0" smtClean="0"/>
-            </a:br>
-            <a:r>
-              <a:rPr lang="en-US" sz="4800" dirty="0" smtClean="0"/>
-              <a:t>I hate writing secure </a:t>
-            </a:r>
-            <a:r>
-              <a:rPr lang="en-US" sz="4800" i="1" dirty="0" smtClean="0"/>
-              <a:t>features</a:t>
-            </a:r>
-            <a:endParaRPr lang="en-US" sz="4800" i="1" dirty="0"/>
-          </a:p>
-        </p:txBody>
-      </p:sp>
-    </p:spTree>
-    <p:extLst>
-      <p:ext uri="{BB962C8B-B14F-4D97-AF65-F5344CB8AC3E}">
-        <p14:creationId xmlns:p14="http://schemas.microsoft.com/office/powerpoint/2010/main" val="75936766"/>
-      </p:ext>
-    </p:extLst>
-  </p:cSld>
-  <p:clrMapOvr>
-    <a:masterClrMapping/>
-  </p:clrMapOvr>
-  <p:timing>
-    <p:tnLst>
-      <p:par>
-        <p:cTn id="1" dur="indefinite" restart="never" nodeType="tmRoot"/>
-      </p:par>
-    </p:tnLst>
-  </p:timing>
-</p:sld>
-</file>
-
-<file path=ppt/slides/slide30.xml><?xml version="1.0" encoding="utf-8"?>
+<file path=ppt/slides/slide34.xml><?xml version="1.0" encoding="utf-8"?>
 <p:sld xmlns:a="http://schemas.openxmlformats.org/drawingml/2006/main" xmlns:r="http://schemas.openxmlformats.org/officeDocument/2006/relationships" xmlns:p="http://schemas.openxmlformats.org/presentationml/2006/main">
   <p:cSld>
     <p:spTree>
@@ -11144,7 +12286,7 @@
 </p:sld>
 </file>
 
-<file path=ppt/slides/slide31.xml><?xml version="1.0" encoding="utf-8"?>
+<file path=ppt/slides/slide35.xml><?xml version="1.0" encoding="utf-8"?>
 <p:sld xmlns:a="http://schemas.openxmlformats.org/drawingml/2006/main" xmlns:r="http://schemas.openxmlformats.org/officeDocument/2006/relationships" xmlns:p="http://schemas.openxmlformats.org/presentationml/2006/main">
   <p:cSld>
     <p:spTree>
@@ -11186,7 +12328,26 @@
             <a:pPr algn="ctr"/>
             <a:r>
               <a:rPr lang="en-US" sz="4800" dirty="0" smtClean="0"/>
-              <a:t>Authorization</a:t>
+              <a:t>A4 </a:t>
+            </a:r>
+            <a:r>
+              <a:rPr lang="en-US" sz="4800" dirty="0"/>
+              <a:t>– </a:t>
+            </a:r>
+            <a:r>
+              <a:rPr lang="en-US" sz="4800" dirty="0" smtClean="0"/>
+              <a:t>Insecure Direct Object References</a:t>
+            </a:r>
+            <a:br>
+              <a:rPr lang="en-US" sz="4800" dirty="0" smtClean="0"/>
+            </a:br>
+            <a:r>
+              <a:rPr lang="en-US" sz="4800" dirty="0" smtClean="0"/>
+              <a:t>A7 </a:t>
+            </a:r>
+            <a:r>
+              <a:rPr lang="en-US" sz="4800" dirty="0" smtClean="0"/>
+              <a:t>– Function Level Authorization</a:t>
             </a:r>
             <a:br>
               <a:rPr lang="en-US" sz="4800" dirty="0" smtClean="0"/>
@@ -11204,23 +12365,7 @@
                   <a:srgbClr val="013947"/>
                 </a:solidFill>
               </a:rPr>
-              <a:t>Is user </a:t>
-            </a:r>
-            <a:r>
-              <a:rPr lang="en-US" u="sng" dirty="0" smtClean="0">
-                <a:solidFill>
-                  <a:srgbClr val="013947"/>
-                </a:solidFill>
-              </a:rPr>
-              <a:t>allowed</a:t>
-            </a:r>
-            <a:r>
-              <a:rPr lang="en-US" dirty="0" smtClean="0">
-                <a:solidFill>
-                  <a:srgbClr val="013947"/>
-                </a:solidFill>
-              </a:rPr>
-              <a:t> to perform a given request?</a:t>
+              <a:t>Security via hidden links is weak sauce</a:t>
             </a:r>
             <a:endParaRPr lang="en-US" sz="4800" dirty="0">
               <a:solidFill>
@@ -11233,7 +12378,7 @@
     </p:spTree>
     <p:extLst>
       <p:ext uri="{BB962C8B-B14F-4D97-AF65-F5344CB8AC3E}">
-        <p14:creationId xmlns:p14="http://schemas.microsoft.com/office/powerpoint/2010/main" val="2983310270"/>
+        <p14:creationId xmlns:p14="http://schemas.microsoft.com/office/powerpoint/2010/main" val="565801111"/>
       </p:ext>
     </p:extLst>
   </p:cSld>
@@ -11250,7 +12395,7 @@
 </p:sld>
 </file>
 
-<file path=ppt/slides/slide32.xml><?xml version="1.0" encoding="utf-8"?>
+<file path=ppt/slides/slide36.xml><?xml version="1.0" encoding="utf-8"?>
 <p:sld xmlns:a="http://schemas.openxmlformats.org/drawingml/2006/main" xmlns:r="http://schemas.openxmlformats.org/officeDocument/2006/relationships" xmlns:p="http://schemas.openxmlformats.org/presentationml/2006/main">
   <p:cSld>
     <p:spTree>
@@ -11370,7 +12515,7 @@
 </p:sld>
 </file>
 
-<file path=ppt/slides/slide33.xml><?xml version="1.0" encoding="utf-8"?>
+<file path=ppt/slides/slide37.xml><?xml version="1.0" encoding="utf-8"?>
 <p:sld xmlns:a="http://schemas.openxmlformats.org/drawingml/2006/main" xmlns:r="http://schemas.openxmlformats.org/officeDocument/2006/relationships" xmlns:p="http://schemas.openxmlformats.org/presentationml/2006/main">
   <p:cSld>
     <p:spTree>
@@ -11495,7 +12640,7 @@
 </p:sld>
 </file>
 
-<file path=ppt/slides/slide34.xml><?xml version="1.0" encoding="utf-8"?>
+<file path=ppt/slides/slide38.xml><?xml version="1.0" encoding="utf-8"?>
 <p:sld xmlns:a="http://schemas.openxmlformats.org/drawingml/2006/main" xmlns:r="http://schemas.openxmlformats.org/officeDocument/2006/relationships" xmlns:p="http://schemas.openxmlformats.org/presentationml/2006/main">
   <p:cSld>
     <p:spTree>
@@ -11591,7 +12736,7 @@
 </p:sld>
 </file>
 
-<file path=ppt/slides/slide35.xml><?xml version="1.0" encoding="utf-8"?>
+<file path=ppt/slides/slide39.xml><?xml version="1.0" encoding="utf-8"?>
 <p:sld xmlns:a="http://schemas.openxmlformats.org/drawingml/2006/main" xmlns:r="http://schemas.openxmlformats.org/officeDocument/2006/relationships" xmlns:p="http://schemas.openxmlformats.org/presentationml/2006/main">
   <p:cSld>
     <p:spTree>
@@ -11720,7 +12865,209 @@
 </p:sld>
 </file>
 
-<file path=ppt/slides/slide36.xml><?xml version="1.0" encoding="utf-8"?>
+<file path=ppt/slides/slide4.xml><?xml version="1.0" encoding="utf-8"?>
+<p:sld xmlns:a="http://schemas.openxmlformats.org/drawingml/2006/main" xmlns:r="http://schemas.openxmlformats.org/officeDocument/2006/relationships" xmlns:p="http://schemas.openxmlformats.org/presentationml/2006/main">
+  <p:cSld>
+    <p:spTree>
+      <p:nvGrpSpPr>
+        <p:cNvPr id="1" name=""/>
+        <p:cNvGrpSpPr/>
+        <p:nvPr/>
+      </p:nvGrpSpPr>
+      <p:grpSpPr>
+        <a:xfrm>
+          <a:off x="0" y="0"/>
+          <a:ext cx="0" cy="0"/>
+          <a:chOff x="0" y="0"/>
+          <a:chExt cx="0" cy="0"/>
+        </a:xfrm>
+      </p:grpSpPr>
+      <p:sp>
+        <p:nvSpPr>
+          <p:cNvPr id="2" name="Title 1"/>
+          <p:cNvSpPr>
+            <a:spLocks noGrp="1"/>
+          </p:cNvSpPr>
+          <p:nvPr>
+            <p:ph type="title"/>
+          </p:nvPr>
+        </p:nvSpPr>
+        <p:spPr>
+          <a:xfrm>
+            <a:off x="964927" y="1"/>
+            <a:ext cx="10515600" cy="6858000"/>
+          </a:xfrm>
+        </p:spPr>
+        <p:txBody>
+          <a:bodyPr anchor="ctr">
+            <a:normAutofit/>
+          </a:bodyPr>
+          <a:lstStyle/>
+          <a:p>
+            <a:pPr algn="ctr"/>
+            <a:r>
+              <a:rPr lang="en-US" sz="4800" strike="sngStrike" dirty="0" smtClean="0">
+                <a:solidFill>
+                  <a:schemeClr val="bg1">
+                    <a:lumMod val="75000"/>
+                  </a:schemeClr>
+                </a:solidFill>
+              </a:rPr>
+              <a:t>I hate writing secure code</a:t>
+            </a:r>
+            <a:br>
+              <a:rPr lang="en-US" sz="4800" strike="sngStrike" dirty="0" smtClean="0">
+                <a:solidFill>
+                  <a:schemeClr val="bg1">
+                    <a:lumMod val="75000"/>
+                  </a:schemeClr>
+                </a:solidFill>
+              </a:rPr>
+            </a:br>
+            <a:r>
+              <a:rPr lang="en-US" sz="4800" strike="sngStrike" dirty="0" smtClean="0">
+                <a:solidFill>
+                  <a:schemeClr val="bg1">
+                    <a:lumMod val="75000"/>
+                  </a:schemeClr>
+                </a:solidFill>
+              </a:rPr>
+              <a:t>I hate writing secure features</a:t>
+            </a:r>
+            <a:r>
+              <a:rPr lang="en-US" sz="4800" strike="sngStrike" dirty="0" smtClean="0"/>
+              <a:t/>
+            </a:r>
+            <a:br>
+              <a:rPr lang="en-US" sz="4800" strike="sngStrike" dirty="0" smtClean="0"/>
+            </a:br>
+            <a:r>
+              <a:rPr lang="en-US" sz="4800" dirty="0" smtClean="0"/>
+              <a:t>I hate implementing </a:t>
+            </a:r>
+            <a:r>
+              <a:rPr lang="en-US" sz="4800" i="1" dirty="0" smtClean="0"/>
+              <a:t>cross-cutting security concerns</a:t>
+            </a:r>
+            <a:r>
+              <a:rPr lang="en-US" sz="4800" dirty="0" smtClean="0"/>
+              <a:t> by repeating the same patterns over and over again in my feature-level code</a:t>
+            </a:r>
+            <a:endParaRPr lang="en-US" sz="4800" dirty="0"/>
+          </a:p>
+        </p:txBody>
+      </p:sp>
+    </p:spTree>
+    <p:extLst>
+      <p:ext uri="{BB962C8B-B14F-4D97-AF65-F5344CB8AC3E}">
+        <p14:creationId xmlns:p14="http://schemas.microsoft.com/office/powerpoint/2010/main" val="3846056723"/>
+      </p:ext>
+    </p:extLst>
+  </p:cSld>
+  <p:clrMapOvr>
+    <a:masterClrMapping/>
+  </p:clrMapOvr>
+  <p:timing>
+    <p:tnLst>
+      <p:par>
+        <p:cTn id="1" dur="indefinite" restart="never" nodeType="tmRoot"/>
+      </p:par>
+    </p:tnLst>
+  </p:timing>
+</p:sld>
+</file>
+
+<file path=ppt/slides/slide40.xml><?xml version="1.0" encoding="utf-8"?>
+<p:sld xmlns:a="http://schemas.openxmlformats.org/drawingml/2006/main" xmlns:r="http://schemas.openxmlformats.org/officeDocument/2006/relationships" xmlns:p="http://schemas.openxmlformats.org/presentationml/2006/main">
+  <p:cSld>
+    <p:spTree>
+      <p:nvGrpSpPr>
+        <p:cNvPr id="1" name=""/>
+        <p:cNvGrpSpPr/>
+        <p:nvPr/>
+      </p:nvGrpSpPr>
+      <p:grpSpPr>
+        <a:xfrm>
+          <a:off x="0" y="0"/>
+          <a:ext cx="0" cy="0"/>
+          <a:chOff x="0" y="0"/>
+          <a:chExt cx="0" cy="0"/>
+        </a:xfrm>
+      </p:grpSpPr>
+      <p:sp>
+        <p:nvSpPr>
+          <p:cNvPr id="2" name="Title 1"/>
+          <p:cNvSpPr>
+            <a:spLocks noGrp="1"/>
+          </p:cNvSpPr>
+          <p:nvPr>
+            <p:ph type="title"/>
+          </p:nvPr>
+        </p:nvSpPr>
+        <p:spPr>
+          <a:xfrm>
+            <a:off x="964927" y="1"/>
+            <a:ext cx="10515600" cy="6858000"/>
+          </a:xfrm>
+        </p:spPr>
+        <p:txBody>
+          <a:bodyPr anchor="ctr">
+            <a:normAutofit/>
+          </a:bodyPr>
+          <a:lstStyle/>
+          <a:p>
+            <a:pPr algn="ctr"/>
+            <a:r>
+              <a:rPr lang="en-US" sz="4800" dirty="0" smtClean="0"/>
+              <a:t>A6 – Sensitive Data Exposure</a:t>
+            </a:r>
+            <a:br>
+              <a:rPr lang="en-US" sz="4800" dirty="0" smtClean="0"/>
+            </a:br>
+            <a:r>
+              <a:rPr lang="en-US" sz="4800" dirty="0"/>
+              <a:t/>
+            </a:r>
+            <a:br>
+              <a:rPr lang="en-US" sz="4800" dirty="0"/>
+            </a:br>
+            <a:r>
+              <a:rPr lang="en-US" dirty="0" smtClean="0">
+                <a:solidFill>
+                  <a:srgbClr val="013947"/>
+                </a:solidFill>
+              </a:rPr>
+              <a:t>Keeping private data private!</a:t>
+            </a:r>
+            <a:endParaRPr lang="en-US" sz="4800" dirty="0">
+              <a:solidFill>
+                <a:srgbClr val="013947"/>
+              </a:solidFill>
+            </a:endParaRPr>
+          </a:p>
+        </p:txBody>
+      </p:sp>
+    </p:spTree>
+    <p:extLst>
+      <p:ext uri="{BB962C8B-B14F-4D97-AF65-F5344CB8AC3E}">
+        <p14:creationId xmlns:p14="http://schemas.microsoft.com/office/powerpoint/2010/main" val="1350980747"/>
+      </p:ext>
+    </p:extLst>
+  </p:cSld>
+  <p:clrMapOvr>
+    <a:masterClrMapping/>
+  </p:clrMapOvr>
+  <p:timing>
+    <p:tnLst>
+      <p:par>
+        <p:cTn id="1" dur="indefinite" restart="never" nodeType="tmRoot"/>
+      </p:par>
+    </p:tnLst>
+  </p:timing>
+</p:sld>
+</file>
+
+<file path=ppt/slides/slide41.xml><?xml version="1.0" encoding="utf-8"?>
 <p:sld xmlns:a="http://schemas.openxmlformats.org/drawingml/2006/main" xmlns:r="http://schemas.openxmlformats.org/officeDocument/2006/relationships" xmlns:p="http://schemas.openxmlformats.org/presentationml/2006/main">
   <p:cSld>
     <p:spTree>
@@ -11844,7 +13191,7 @@
 </p:sld>
 </file>
 
-<file path=ppt/slides/slide37.xml><?xml version="1.0" encoding="utf-8"?>
+<file path=ppt/slides/slide42.xml><?xml version="1.0" encoding="utf-8"?>
 <p:sld xmlns:a="http://schemas.openxmlformats.org/drawingml/2006/main" xmlns:r="http://schemas.openxmlformats.org/officeDocument/2006/relationships" xmlns:p="http://schemas.openxmlformats.org/presentationml/2006/main">
   <p:cSld>
     <p:spTree>
@@ -11969,7 +13316,7 @@
 </p:sld>
 </file>
 
-<file path=ppt/slides/slide38.xml><?xml version="1.0" encoding="utf-8"?>
+<file path=ppt/slides/slide43.xml><?xml version="1.0" encoding="utf-8"?>
 <p:sld xmlns:a="http://schemas.openxmlformats.org/drawingml/2006/main" xmlns:r="http://schemas.openxmlformats.org/officeDocument/2006/relationships" xmlns:p="http://schemas.openxmlformats.org/presentationml/2006/main">
   <p:cSld>
     <p:spTree>
@@ -12062,7 +13409,7 @@
 </p:sld>
 </file>
 
-<file path=ppt/slides/slide39.xml><?xml version="1.0" encoding="utf-8"?>
+<file path=ppt/slides/slide44.xml><?xml version="1.0" encoding="utf-8"?>
 <p:sld xmlns:a="http://schemas.openxmlformats.org/drawingml/2006/main" xmlns:r="http://schemas.openxmlformats.org/officeDocument/2006/relationships" xmlns:p="http://schemas.openxmlformats.org/presentationml/2006/main">
   <p:cSld>
     <p:spTree>
@@ -12187,119 +13534,7 @@
 </p:sld>
 </file>
 
-<file path=ppt/slides/slide4.xml><?xml version="1.0" encoding="utf-8"?>
-<p:sld xmlns:a="http://schemas.openxmlformats.org/drawingml/2006/main" xmlns:r="http://schemas.openxmlformats.org/officeDocument/2006/relationships" xmlns:p="http://schemas.openxmlformats.org/presentationml/2006/main">
-  <p:cSld>
-    <p:spTree>
-      <p:nvGrpSpPr>
-        <p:cNvPr id="1" name=""/>
-        <p:cNvGrpSpPr/>
-        <p:nvPr/>
-      </p:nvGrpSpPr>
-      <p:grpSpPr>
-        <a:xfrm>
-          <a:off x="0" y="0"/>
-          <a:ext cx="0" cy="0"/>
-          <a:chOff x="0" y="0"/>
-          <a:chExt cx="0" cy="0"/>
-        </a:xfrm>
-      </p:grpSpPr>
-      <p:sp>
-        <p:nvSpPr>
-          <p:cNvPr id="2" name="Title 1"/>
-          <p:cNvSpPr>
-            <a:spLocks noGrp="1"/>
-          </p:cNvSpPr>
-          <p:nvPr>
-            <p:ph type="title"/>
-          </p:nvPr>
-        </p:nvSpPr>
-        <p:spPr>
-          <a:xfrm>
-            <a:off x="964927" y="1"/>
-            <a:ext cx="10515600" cy="6858000"/>
-          </a:xfrm>
-        </p:spPr>
-        <p:txBody>
-          <a:bodyPr anchor="ctr">
-            <a:normAutofit/>
-          </a:bodyPr>
-          <a:lstStyle/>
-          <a:p>
-            <a:pPr algn="ctr"/>
-            <a:r>
-              <a:rPr lang="en-US" sz="4800" strike="sngStrike" dirty="0" smtClean="0">
-                <a:solidFill>
-                  <a:schemeClr val="bg1">
-                    <a:lumMod val="75000"/>
-                  </a:schemeClr>
-                </a:solidFill>
-              </a:rPr>
-              <a:t>I hate writing secure code</a:t>
-            </a:r>
-            <a:br>
-              <a:rPr lang="en-US" sz="4800" strike="sngStrike" dirty="0" smtClean="0">
-                <a:solidFill>
-                  <a:schemeClr val="bg1">
-                    <a:lumMod val="75000"/>
-                  </a:schemeClr>
-                </a:solidFill>
-              </a:rPr>
-            </a:br>
-            <a:r>
-              <a:rPr lang="en-US" sz="4800" strike="sngStrike" dirty="0" smtClean="0">
-                <a:solidFill>
-                  <a:schemeClr val="bg1">
-                    <a:lumMod val="75000"/>
-                  </a:schemeClr>
-                </a:solidFill>
-              </a:rPr>
-              <a:t>I hate writing secure features</a:t>
-            </a:r>
-            <a:r>
-              <a:rPr lang="en-US" sz="4800" strike="sngStrike" dirty="0" smtClean="0"/>
-              <a:t/>
-            </a:r>
-            <a:br>
-              <a:rPr lang="en-US" sz="4800" strike="sngStrike" dirty="0" smtClean="0"/>
-            </a:br>
-            <a:r>
-              <a:rPr lang="en-US" sz="4800" dirty="0" smtClean="0"/>
-              <a:t>I hate implementing </a:t>
-            </a:r>
-            <a:r>
-              <a:rPr lang="en-US" sz="4800" i="1" dirty="0" smtClean="0"/>
-              <a:t>cross-cutting security concerns</a:t>
-            </a:r>
-            <a:r>
-              <a:rPr lang="en-US" sz="4800" dirty="0" smtClean="0"/>
-              <a:t> by repeating the same patterns over and over again in my feature-level code</a:t>
-            </a:r>
-            <a:endParaRPr lang="en-US" sz="4800" dirty="0"/>
-          </a:p>
-        </p:txBody>
-      </p:sp>
-    </p:spTree>
-    <p:extLst>
-      <p:ext uri="{BB962C8B-B14F-4D97-AF65-F5344CB8AC3E}">
-        <p14:creationId xmlns:p14="http://schemas.microsoft.com/office/powerpoint/2010/main" val="3846056723"/>
-      </p:ext>
-    </p:extLst>
-  </p:cSld>
-  <p:clrMapOvr>
-    <a:masterClrMapping/>
-  </p:clrMapOvr>
-  <p:timing>
-    <p:tnLst>
-      <p:par>
-        <p:cTn id="1" dur="indefinite" restart="never" nodeType="tmRoot"/>
-      </p:par>
-    </p:tnLst>
-  </p:timing>
-</p:sld>
-</file>
-
-<file path=ppt/slides/slide40.xml><?xml version="1.0" encoding="utf-8"?>
+<file path=ppt/slides/slide45.xml><?xml version="1.0" encoding="utf-8"?>
 <p:sld xmlns:a="http://schemas.openxmlformats.org/drawingml/2006/main" xmlns:r="http://schemas.openxmlformats.org/officeDocument/2006/relationships" xmlns:p="http://schemas.openxmlformats.org/presentationml/2006/main">
   <p:cSld>
     <p:spTree>
@@ -12432,7 +13667,7 @@
 </p:sld>
 </file>
 
-<file path=ppt/slides/slide41.xml><?xml version="1.0" encoding="utf-8"?>
+<file path=ppt/slides/slide46.xml><?xml version="1.0" encoding="utf-8"?>
 <p:sld xmlns:a="http://schemas.openxmlformats.org/drawingml/2006/main" xmlns:r="http://schemas.openxmlformats.org/officeDocument/2006/relationships" xmlns:p="http://schemas.openxmlformats.org/presentationml/2006/main">
   <p:cSld>
     <p:spTree>
@@ -12522,7 +13757,7 @@
 </p:sld>
 </file>
 
-<file path=ppt/slides/slide42.xml><?xml version="1.0" encoding="utf-8"?>
+<file path=ppt/slides/slide47.xml><?xml version="1.0" encoding="utf-8"?>
 <p:sld xmlns:a="http://schemas.openxmlformats.org/drawingml/2006/main" xmlns:r="http://schemas.openxmlformats.org/officeDocument/2006/relationships" xmlns:p="http://schemas.openxmlformats.org/presentationml/2006/main">
   <p:cSld>
     <p:spTree>
@@ -12648,7 +13883,7 @@
 </p:sld>
 </file>
 
-<file path=ppt/slides/slide43.xml><?xml version="1.0" encoding="utf-8"?>
+<file path=ppt/slides/slide48.xml><?xml version="1.0" encoding="utf-8"?>
 <p:sld xmlns:a="http://schemas.openxmlformats.org/drawingml/2006/main" xmlns:r="http://schemas.openxmlformats.org/officeDocument/2006/relationships" xmlns:p="http://schemas.openxmlformats.org/presentationml/2006/main">
   <p:cSld>
     <p:spTree>
@@ -12774,7 +14009,7 @@
 </p:sld>
 </file>
 
-<file path=ppt/slides/slide44.xml><?xml version="1.0" encoding="utf-8"?>
+<file path=ppt/slides/slide49.xml><?xml version="1.0" encoding="utf-8"?>
 <p:sld xmlns:a="http://schemas.openxmlformats.org/drawingml/2006/main" xmlns:r="http://schemas.openxmlformats.org/officeDocument/2006/relationships" xmlns:p="http://schemas.openxmlformats.org/presentationml/2006/main">
   <p:cSld>
     <p:spTree>
@@ -12895,7 +14130,146 @@
 </p:sld>
 </file>
 
-<file path=ppt/slides/slide45.xml><?xml version="1.0" encoding="utf-8"?>
+<file path=ppt/slides/slide5.xml><?xml version="1.0" encoding="utf-8"?>
+<p:sld xmlns:a="http://schemas.openxmlformats.org/drawingml/2006/main" xmlns:r="http://schemas.openxmlformats.org/officeDocument/2006/relationships" xmlns:p="http://schemas.openxmlformats.org/presentationml/2006/main">
+  <p:cSld>
+    <p:spTree>
+      <p:nvGrpSpPr>
+        <p:cNvPr id="1" name=""/>
+        <p:cNvGrpSpPr/>
+        <p:nvPr/>
+      </p:nvGrpSpPr>
+      <p:grpSpPr>
+        <a:xfrm>
+          <a:off x="0" y="0"/>
+          <a:ext cx="0" cy="0"/>
+          <a:chOff x="0" y="0"/>
+          <a:chExt cx="0" cy="0"/>
+        </a:xfrm>
+      </p:grpSpPr>
+      <p:sp>
+        <p:nvSpPr>
+          <p:cNvPr id="2" name="Title 1"/>
+          <p:cNvSpPr>
+            <a:spLocks noGrp="1"/>
+          </p:cNvSpPr>
+          <p:nvPr>
+            <p:ph type="title"/>
+          </p:nvPr>
+        </p:nvSpPr>
+        <p:spPr/>
+        <p:txBody>
+          <a:bodyPr>
+            <a:normAutofit/>
+          </a:bodyPr>
+          <a:lstStyle/>
+          <a:p>
+            <a:r>
+              <a:rPr lang="en-US" sz="4800" dirty="0" smtClean="0"/>
+              <a:t>What's on </a:t>
+            </a:r>
+            <a:r>
+              <a:rPr lang="en-US" sz="4800" smtClean="0"/>
+              <a:t>the agenda?</a:t>
+            </a:r>
+            <a:endParaRPr lang="en-US" sz="4800" dirty="0"/>
+          </a:p>
+        </p:txBody>
+      </p:sp>
+      <p:sp>
+        <p:nvSpPr>
+          <p:cNvPr id="3" name="Content Placeholder 2"/>
+          <p:cNvSpPr>
+            <a:spLocks noGrp="1"/>
+          </p:cNvSpPr>
+          <p:nvPr>
+            <p:ph idx="1"/>
+          </p:nvPr>
+        </p:nvSpPr>
+        <p:spPr>
+          <a:xfrm>
+            <a:off x="838200" y="1825624"/>
+            <a:ext cx="10515600" cy="4589923"/>
+          </a:xfrm>
+        </p:spPr>
+        <p:txBody>
+          <a:bodyPr>
+            <a:normAutofit/>
+          </a:bodyPr>
+          <a:lstStyle/>
+          <a:p>
+            <a:r>
+              <a:rPr lang="en-US" sz="4000" dirty="0" smtClean="0"/>
+              <a:t>Define "cross cutting" security concerns</a:t>
+            </a:r>
+          </a:p>
+          <a:p>
+            <a:endParaRPr lang="en-US" sz="4000" dirty="0"/>
+          </a:p>
+          <a:p>
+            <a:r>
+              <a:rPr lang="en-US" sz="4000" dirty="0" smtClean="0"/>
+              <a:t>&lt;x&gt; real-world examples (</a:t>
+            </a:r>
+            <a:r>
+              <a:rPr lang="en-US" sz="4000" i="1" dirty="0" smtClean="0"/>
+              <a:t>.NET and JS</a:t>
+            </a:r>
+            <a:r>
+              <a:rPr lang="en-US" sz="4000" dirty="0" smtClean="0"/>
+              <a:t>)</a:t>
+            </a:r>
+          </a:p>
+          <a:p>
+            <a:endParaRPr lang="en-US" sz="4000" dirty="0"/>
+          </a:p>
+          <a:p>
+            <a:r>
+              <a:rPr lang="en-US" sz="4000" dirty="0" smtClean="0"/>
+              <a:t>???</a:t>
+            </a:r>
+          </a:p>
+          <a:p>
+            <a:endParaRPr lang="en-US" sz="4000" dirty="0"/>
+          </a:p>
+          <a:p>
+            <a:endParaRPr lang="en-US" sz="4000" dirty="0" smtClean="0"/>
+          </a:p>
+          <a:p>
+            <a:endParaRPr lang="en-US" sz="4000" dirty="0" smtClean="0"/>
+          </a:p>
+          <a:p>
+            <a:endParaRPr lang="en-US" dirty="0" smtClean="0"/>
+          </a:p>
+          <a:p>
+            <a:endParaRPr lang="en-US" dirty="0" smtClean="0"/>
+          </a:p>
+          <a:p>
+            <a:endParaRPr lang="en-US" dirty="0"/>
+          </a:p>
+        </p:txBody>
+      </p:sp>
+    </p:spTree>
+    <p:extLst>
+      <p:ext uri="{BB962C8B-B14F-4D97-AF65-F5344CB8AC3E}">
+        <p14:creationId xmlns:p14="http://schemas.microsoft.com/office/powerpoint/2010/main" val="2651230507"/>
+      </p:ext>
+    </p:extLst>
+  </p:cSld>
+  <p:clrMapOvr>
+    <a:masterClrMapping/>
+  </p:clrMapOvr>
+  <p:timing>
+    <p:tnLst>
+      <p:par>
+        <p:cTn id="1" dur="indefinite" restart="never" nodeType="tmRoot"/>
+      </p:par>
+    </p:tnLst>
+  </p:timing>
+</p:sld>
+</file>
+
+<file path=ppt/slides/slide50.xml><?xml version="1.0" encoding="utf-8"?>
 <p:sld xmlns:a="http://schemas.openxmlformats.org/drawingml/2006/main" xmlns:r="http://schemas.openxmlformats.org/officeDocument/2006/relationships" xmlns:p="http://schemas.openxmlformats.org/presentationml/2006/main">
   <p:cSld>
     <p:spTree>
@@ -13021,7 +14395,7 @@
 </p:sld>
 </file>
 
-<file path=ppt/slides/slide46.xml><?xml version="1.0" encoding="utf-8"?>
+<file path=ppt/slides/slide51.xml><?xml version="1.0" encoding="utf-8"?>
 <p:sld xmlns:a="http://schemas.openxmlformats.org/drawingml/2006/main" xmlns:r="http://schemas.openxmlformats.org/officeDocument/2006/relationships" xmlns:p="http://schemas.openxmlformats.org/presentationml/2006/main">
   <p:cSld>
     <p:spTree>
@@ -13147,7 +14521,7 @@
 </p:sld>
 </file>
 
-<file path=ppt/slides/slide47.xml><?xml version="1.0" encoding="utf-8"?>
+<file path=ppt/slides/slide52.xml><?xml version="1.0" encoding="utf-8"?>
 <p:sld xmlns:a="http://schemas.openxmlformats.org/drawingml/2006/main" xmlns:r="http://schemas.openxmlformats.org/officeDocument/2006/relationships" xmlns:p="http://schemas.openxmlformats.org/presentationml/2006/main">
   <p:cSld>
     <p:spTree>
@@ -13273,7 +14647,7 @@
 </p:sld>
 </file>
 
-<file path=ppt/slides/slide48.xml><?xml version="1.0" encoding="utf-8"?>
+<file path=ppt/slides/slide53.xml><?xml version="1.0" encoding="utf-8"?>
 <p:sld xmlns:a="http://schemas.openxmlformats.org/drawingml/2006/main" xmlns:r="http://schemas.openxmlformats.org/officeDocument/2006/relationships" xmlns:p="http://schemas.openxmlformats.org/presentationml/2006/main">
   <p:cSld>
     <p:spTree>
@@ -13394,7 +14768,7 @@
 </p:sld>
 </file>
 
-<file path=ppt/slides/slide49.xml><?xml version="1.0" encoding="utf-8"?>
+<file path=ppt/slides/slide54.xml><?xml version="1.0" encoding="utf-8"?>
 <p:sld xmlns:a="http://schemas.openxmlformats.org/drawingml/2006/main" xmlns:r="http://schemas.openxmlformats.org/officeDocument/2006/relationships" xmlns:p="http://schemas.openxmlformats.org/presentationml/2006/main">
   <p:cSld>
     <p:spTree>
@@ -13525,146 +14899,7 @@
 </p:sld>
 </file>
 
-<file path=ppt/slides/slide5.xml><?xml version="1.0" encoding="utf-8"?>
-<p:sld xmlns:a="http://schemas.openxmlformats.org/drawingml/2006/main" xmlns:r="http://schemas.openxmlformats.org/officeDocument/2006/relationships" xmlns:p="http://schemas.openxmlformats.org/presentationml/2006/main">
-  <p:cSld>
-    <p:spTree>
-      <p:nvGrpSpPr>
-        <p:cNvPr id="1" name=""/>
-        <p:cNvGrpSpPr/>
-        <p:nvPr/>
-      </p:nvGrpSpPr>
-      <p:grpSpPr>
-        <a:xfrm>
-          <a:off x="0" y="0"/>
-          <a:ext cx="0" cy="0"/>
-          <a:chOff x="0" y="0"/>
-          <a:chExt cx="0" cy="0"/>
-        </a:xfrm>
-      </p:grpSpPr>
-      <p:sp>
-        <p:nvSpPr>
-          <p:cNvPr id="2" name="Title 1"/>
-          <p:cNvSpPr>
-            <a:spLocks noGrp="1"/>
-          </p:cNvSpPr>
-          <p:nvPr>
-            <p:ph type="title"/>
-          </p:nvPr>
-        </p:nvSpPr>
-        <p:spPr/>
-        <p:txBody>
-          <a:bodyPr>
-            <a:normAutofit/>
-          </a:bodyPr>
-          <a:lstStyle/>
-          <a:p>
-            <a:r>
-              <a:rPr lang="en-US" sz="4800" dirty="0" smtClean="0"/>
-              <a:t>What's on </a:t>
-            </a:r>
-            <a:r>
-              <a:rPr lang="en-US" sz="4800" smtClean="0"/>
-              <a:t>the agenda?</a:t>
-            </a:r>
-            <a:endParaRPr lang="en-US" sz="4800" dirty="0"/>
-          </a:p>
-        </p:txBody>
-      </p:sp>
-      <p:sp>
-        <p:nvSpPr>
-          <p:cNvPr id="3" name="Content Placeholder 2"/>
-          <p:cNvSpPr>
-            <a:spLocks noGrp="1"/>
-          </p:cNvSpPr>
-          <p:nvPr>
-            <p:ph idx="1"/>
-          </p:nvPr>
-        </p:nvSpPr>
-        <p:spPr>
-          <a:xfrm>
-            <a:off x="838200" y="1825624"/>
-            <a:ext cx="10515600" cy="4589923"/>
-          </a:xfrm>
-        </p:spPr>
-        <p:txBody>
-          <a:bodyPr>
-            <a:normAutofit/>
-          </a:bodyPr>
-          <a:lstStyle/>
-          <a:p>
-            <a:r>
-              <a:rPr lang="en-US" sz="4000" dirty="0" smtClean="0"/>
-              <a:t>Define "cross cutting" security concerns</a:t>
-            </a:r>
-          </a:p>
-          <a:p>
-            <a:endParaRPr lang="en-US" sz="4000" dirty="0"/>
-          </a:p>
-          <a:p>
-            <a:r>
-              <a:rPr lang="en-US" sz="4000" dirty="0" smtClean="0"/>
-              <a:t>&lt;x&gt; real-world examples (</a:t>
-            </a:r>
-            <a:r>
-              <a:rPr lang="en-US" sz="4000" i="1" dirty="0" smtClean="0"/>
-              <a:t>.NET and JS</a:t>
-            </a:r>
-            <a:r>
-              <a:rPr lang="en-US" sz="4000" dirty="0" smtClean="0"/>
-              <a:t>)</a:t>
-            </a:r>
-          </a:p>
-          <a:p>
-            <a:endParaRPr lang="en-US" sz="4000" dirty="0"/>
-          </a:p>
-          <a:p>
-            <a:r>
-              <a:rPr lang="en-US" sz="4000" dirty="0" smtClean="0"/>
-              <a:t>???</a:t>
-            </a:r>
-          </a:p>
-          <a:p>
-            <a:endParaRPr lang="en-US" sz="4000" dirty="0"/>
-          </a:p>
-          <a:p>
-            <a:endParaRPr lang="en-US" sz="4000" dirty="0" smtClean="0"/>
-          </a:p>
-          <a:p>
-            <a:endParaRPr lang="en-US" sz="4000" dirty="0" smtClean="0"/>
-          </a:p>
-          <a:p>
-            <a:endParaRPr lang="en-US" dirty="0" smtClean="0"/>
-          </a:p>
-          <a:p>
-            <a:endParaRPr lang="en-US" dirty="0" smtClean="0"/>
-          </a:p>
-          <a:p>
-            <a:endParaRPr lang="en-US" dirty="0"/>
-          </a:p>
-        </p:txBody>
-      </p:sp>
-    </p:spTree>
-    <p:extLst>
-      <p:ext uri="{BB962C8B-B14F-4D97-AF65-F5344CB8AC3E}">
-        <p14:creationId xmlns:p14="http://schemas.microsoft.com/office/powerpoint/2010/main" val="2651230507"/>
-      </p:ext>
-    </p:extLst>
-  </p:cSld>
-  <p:clrMapOvr>
-    <a:masterClrMapping/>
-  </p:clrMapOvr>
-  <p:timing>
-    <p:tnLst>
-      <p:par>
-        <p:cTn id="1" dur="indefinite" restart="never" nodeType="tmRoot"/>
-      </p:par>
-    </p:tnLst>
-  </p:timing>
-</p:sld>
-</file>
-
-<file path=ppt/slides/slide50.xml><?xml version="1.0" encoding="utf-8"?>
+<file path=ppt/slides/slide55.xml><?xml version="1.0" encoding="utf-8"?>
 <p:sld xmlns:a="http://schemas.openxmlformats.org/drawingml/2006/main" xmlns:r="http://schemas.openxmlformats.org/officeDocument/2006/relationships" xmlns:p="http://schemas.openxmlformats.org/presentationml/2006/main">
   <p:cSld>
     <p:spTree>
@@ -13761,7 +14996,7 @@
 </p:sld>
 </file>
 
-<file path=ppt/slides/slide51.xml><?xml version="1.0" encoding="utf-8"?>
+<file path=ppt/slides/slide56.xml><?xml version="1.0" encoding="utf-8"?>
 <p:sld xmlns:a="http://schemas.openxmlformats.org/drawingml/2006/main" xmlns:r="http://schemas.openxmlformats.org/officeDocument/2006/relationships" xmlns:p="http://schemas.openxmlformats.org/presentationml/2006/main">
   <p:cSld>
     <p:spTree>

--- a/Secure Systems - CodeMash 2017.pptx
+++ b/Secure Systems - CodeMash 2017.pptx
@@ -5,7 +5,7 @@
     <p:sldMasterId id="2147483749" r:id="rId1"/>
   </p:sldMasterIdLst>
   <p:notesMasterIdLst>
-    <p:notesMasterId r:id="rId62"/>
+    <p:notesMasterId r:id="rId66"/>
   </p:notesMasterIdLst>
   <p:sldIdLst>
     <p:sldId id="395" r:id="rId2"/>
@@ -65,9 +65,13 @@
     <p:sldId id="533" r:id="rId56"/>
     <p:sldId id="554" r:id="rId57"/>
     <p:sldId id="530" r:id="rId58"/>
-    <p:sldId id="504" r:id="rId59"/>
-    <p:sldId id="485" r:id="rId60"/>
-    <p:sldId id="443" r:id="rId61"/>
+    <p:sldId id="555" r:id="rId59"/>
+    <p:sldId id="556" r:id="rId60"/>
+    <p:sldId id="557" r:id="rId61"/>
+    <p:sldId id="558" r:id="rId62"/>
+    <p:sldId id="504" r:id="rId63"/>
+    <p:sldId id="485" r:id="rId64"/>
+    <p:sldId id="443" r:id="rId65"/>
   </p:sldIdLst>
   <p:sldSz cx="12192000" cy="6858000"/>
   <p:notesSz cx="6858000" cy="9144000"/>
@@ -293,7 +297,7 @@
           <a:p>
             <a:fld id="{C54A4886-B4AF-42F7-97BE-95CDF82A73E3}" type="datetimeFigureOut">
               <a:rPr lang="en-US" smtClean="0"/>
-              <a:t>12/28/2016</a:t>
+              <a:t>1/2/2017</a:t>
             </a:fld>
             <a:endParaRPr lang="en-US"/>
           </a:p>
@@ -5370,7 +5374,7 @@
     </p:spTree>
     <p:extLst>
       <p:ext uri="{BB962C8B-B14F-4D97-AF65-F5344CB8AC3E}">
-        <p14:creationId xmlns:p14="http://schemas.microsoft.com/office/powerpoint/2010/main" val="2602777311"/>
+        <p14:creationId xmlns:p14="http://schemas.microsoft.com/office/powerpoint/2010/main" val="2079785236"/>
       </p:ext>
     </p:extLst>
   </p:cSld>
@@ -5454,7 +5458,7 @@
     </p:spTree>
     <p:extLst>
       <p:ext uri="{BB962C8B-B14F-4D97-AF65-F5344CB8AC3E}">
-        <p14:creationId xmlns:p14="http://schemas.microsoft.com/office/powerpoint/2010/main" val="2267138517"/>
+        <p14:creationId xmlns:p14="http://schemas.microsoft.com/office/powerpoint/2010/main" val="1664318980"/>
       </p:ext>
     </p:extLst>
   </p:cSld>
@@ -5592,6 +5596,342 @@
           <a:bodyPr/>
           <a:lstStyle/>
           <a:p>
+            <a:endParaRPr lang="en-US" b="0" dirty="0" smtClean="0"/>
+          </a:p>
+        </p:txBody>
+      </p:sp>
+      <p:sp>
+        <p:nvSpPr>
+          <p:cNvPr id="4" name="Slide Number Placeholder 3"/>
+          <p:cNvSpPr>
+            <a:spLocks noGrp="1"/>
+          </p:cNvSpPr>
+          <p:nvPr>
+            <p:ph type="sldNum" sz="quarter" idx="10"/>
+          </p:nvPr>
+        </p:nvSpPr>
+        <p:spPr/>
+        <p:txBody>
+          <a:bodyPr/>
+          <a:lstStyle/>
+          <a:p>
+            <a:fld id="{89029652-62E7-43D6-83B5-097D7B7AA5D8}" type="slidenum">
+              <a:rPr lang="en-US" smtClean="0"/>
+              <a:t>60</a:t>
+            </a:fld>
+            <a:endParaRPr lang="en-US"/>
+          </a:p>
+        </p:txBody>
+      </p:sp>
+    </p:spTree>
+    <p:extLst>
+      <p:ext uri="{BB962C8B-B14F-4D97-AF65-F5344CB8AC3E}">
+        <p14:creationId xmlns:p14="http://schemas.microsoft.com/office/powerpoint/2010/main" val="1581406028"/>
+      </p:ext>
+    </p:extLst>
+  </p:cSld>
+  <p:clrMapOvr>
+    <a:masterClrMapping/>
+  </p:clrMapOvr>
+</p:notes>
+</file>
+
+<file path=ppt/notesSlides/notesSlide61.xml><?xml version="1.0" encoding="utf-8"?>
+<p:notes xmlns:a="http://schemas.openxmlformats.org/drawingml/2006/main" xmlns:r="http://schemas.openxmlformats.org/officeDocument/2006/relationships" xmlns:p="http://schemas.openxmlformats.org/presentationml/2006/main">
+  <p:cSld>
+    <p:spTree>
+      <p:nvGrpSpPr>
+        <p:cNvPr id="1" name=""/>
+        <p:cNvGrpSpPr/>
+        <p:nvPr/>
+      </p:nvGrpSpPr>
+      <p:grpSpPr>
+        <a:xfrm>
+          <a:off x="0" y="0"/>
+          <a:ext cx="0" cy="0"/>
+          <a:chOff x="0" y="0"/>
+          <a:chExt cx="0" cy="0"/>
+        </a:xfrm>
+      </p:grpSpPr>
+      <p:sp>
+        <p:nvSpPr>
+          <p:cNvPr id="2" name="Slide Image Placeholder 1"/>
+          <p:cNvSpPr>
+            <a:spLocks noGrp="1" noRot="1" noChangeAspect="1"/>
+          </p:cNvSpPr>
+          <p:nvPr>
+            <p:ph type="sldImg"/>
+          </p:nvPr>
+        </p:nvSpPr>
+        <p:spPr/>
+      </p:sp>
+      <p:sp>
+        <p:nvSpPr>
+          <p:cNvPr id="3" name="Notes Placeholder 2"/>
+          <p:cNvSpPr>
+            <a:spLocks noGrp="1"/>
+          </p:cNvSpPr>
+          <p:nvPr>
+            <p:ph type="body" idx="1"/>
+          </p:nvPr>
+        </p:nvSpPr>
+        <p:spPr/>
+        <p:txBody>
+          <a:bodyPr/>
+          <a:lstStyle/>
+          <a:p>
+            <a:endParaRPr lang="en-US" b="0" dirty="0" smtClean="0"/>
+          </a:p>
+        </p:txBody>
+      </p:sp>
+      <p:sp>
+        <p:nvSpPr>
+          <p:cNvPr id="4" name="Slide Number Placeholder 3"/>
+          <p:cNvSpPr>
+            <a:spLocks noGrp="1"/>
+          </p:cNvSpPr>
+          <p:nvPr>
+            <p:ph type="sldNum" sz="quarter" idx="10"/>
+          </p:nvPr>
+        </p:nvSpPr>
+        <p:spPr/>
+        <p:txBody>
+          <a:bodyPr/>
+          <a:lstStyle/>
+          <a:p>
+            <a:fld id="{89029652-62E7-43D6-83B5-097D7B7AA5D8}" type="slidenum">
+              <a:rPr lang="en-US" smtClean="0"/>
+              <a:t>61</a:t>
+            </a:fld>
+            <a:endParaRPr lang="en-US"/>
+          </a:p>
+        </p:txBody>
+      </p:sp>
+    </p:spTree>
+    <p:extLst>
+      <p:ext uri="{BB962C8B-B14F-4D97-AF65-F5344CB8AC3E}">
+        <p14:creationId xmlns:p14="http://schemas.microsoft.com/office/powerpoint/2010/main" val="299799724"/>
+      </p:ext>
+    </p:extLst>
+  </p:cSld>
+  <p:clrMapOvr>
+    <a:masterClrMapping/>
+  </p:clrMapOvr>
+</p:notes>
+</file>
+
+<file path=ppt/notesSlides/notesSlide62.xml><?xml version="1.0" encoding="utf-8"?>
+<p:notes xmlns:a="http://schemas.openxmlformats.org/drawingml/2006/main" xmlns:r="http://schemas.openxmlformats.org/officeDocument/2006/relationships" xmlns:p="http://schemas.openxmlformats.org/presentationml/2006/main">
+  <p:cSld>
+    <p:spTree>
+      <p:nvGrpSpPr>
+        <p:cNvPr id="1" name=""/>
+        <p:cNvGrpSpPr/>
+        <p:nvPr/>
+      </p:nvGrpSpPr>
+      <p:grpSpPr>
+        <a:xfrm>
+          <a:off x="0" y="0"/>
+          <a:ext cx="0" cy="0"/>
+          <a:chOff x="0" y="0"/>
+          <a:chExt cx="0" cy="0"/>
+        </a:xfrm>
+      </p:grpSpPr>
+      <p:sp>
+        <p:nvSpPr>
+          <p:cNvPr id="2" name="Slide Image Placeholder 1"/>
+          <p:cNvSpPr>
+            <a:spLocks noGrp="1" noRot="1" noChangeAspect="1"/>
+          </p:cNvSpPr>
+          <p:nvPr>
+            <p:ph type="sldImg"/>
+          </p:nvPr>
+        </p:nvSpPr>
+        <p:spPr/>
+      </p:sp>
+      <p:sp>
+        <p:nvSpPr>
+          <p:cNvPr id="3" name="Notes Placeholder 2"/>
+          <p:cNvSpPr>
+            <a:spLocks noGrp="1"/>
+          </p:cNvSpPr>
+          <p:nvPr>
+            <p:ph type="body" idx="1"/>
+          </p:nvPr>
+        </p:nvSpPr>
+        <p:spPr/>
+        <p:txBody>
+          <a:bodyPr/>
+          <a:lstStyle/>
+          <a:p>
+            <a:endParaRPr lang="en-US" b="0" dirty="0" smtClean="0"/>
+          </a:p>
+        </p:txBody>
+      </p:sp>
+      <p:sp>
+        <p:nvSpPr>
+          <p:cNvPr id="4" name="Slide Number Placeholder 3"/>
+          <p:cNvSpPr>
+            <a:spLocks noGrp="1"/>
+          </p:cNvSpPr>
+          <p:nvPr>
+            <p:ph type="sldNum" sz="quarter" idx="10"/>
+          </p:nvPr>
+        </p:nvSpPr>
+        <p:spPr/>
+        <p:txBody>
+          <a:bodyPr/>
+          <a:lstStyle/>
+          <a:p>
+            <a:fld id="{89029652-62E7-43D6-83B5-097D7B7AA5D8}" type="slidenum">
+              <a:rPr lang="en-US" smtClean="0"/>
+              <a:t>62</a:t>
+            </a:fld>
+            <a:endParaRPr lang="en-US"/>
+          </a:p>
+        </p:txBody>
+      </p:sp>
+    </p:spTree>
+    <p:extLst>
+      <p:ext uri="{BB962C8B-B14F-4D97-AF65-F5344CB8AC3E}">
+        <p14:creationId xmlns:p14="http://schemas.microsoft.com/office/powerpoint/2010/main" val="2602777311"/>
+      </p:ext>
+    </p:extLst>
+  </p:cSld>
+  <p:clrMapOvr>
+    <a:masterClrMapping/>
+  </p:clrMapOvr>
+</p:notes>
+</file>
+
+<file path=ppt/notesSlides/notesSlide63.xml><?xml version="1.0" encoding="utf-8"?>
+<p:notes xmlns:a="http://schemas.openxmlformats.org/drawingml/2006/main" xmlns:r="http://schemas.openxmlformats.org/officeDocument/2006/relationships" xmlns:p="http://schemas.openxmlformats.org/presentationml/2006/main">
+  <p:cSld>
+    <p:spTree>
+      <p:nvGrpSpPr>
+        <p:cNvPr id="1" name=""/>
+        <p:cNvGrpSpPr/>
+        <p:nvPr/>
+      </p:nvGrpSpPr>
+      <p:grpSpPr>
+        <a:xfrm>
+          <a:off x="0" y="0"/>
+          <a:ext cx="0" cy="0"/>
+          <a:chOff x="0" y="0"/>
+          <a:chExt cx="0" cy="0"/>
+        </a:xfrm>
+      </p:grpSpPr>
+      <p:sp>
+        <p:nvSpPr>
+          <p:cNvPr id="2" name="Slide Image Placeholder 1"/>
+          <p:cNvSpPr>
+            <a:spLocks noGrp="1" noRot="1" noChangeAspect="1"/>
+          </p:cNvSpPr>
+          <p:nvPr>
+            <p:ph type="sldImg"/>
+          </p:nvPr>
+        </p:nvSpPr>
+        <p:spPr/>
+      </p:sp>
+      <p:sp>
+        <p:nvSpPr>
+          <p:cNvPr id="3" name="Notes Placeholder 2"/>
+          <p:cNvSpPr>
+            <a:spLocks noGrp="1"/>
+          </p:cNvSpPr>
+          <p:nvPr>
+            <p:ph type="body" idx="1"/>
+          </p:nvPr>
+        </p:nvSpPr>
+        <p:spPr/>
+        <p:txBody>
+          <a:bodyPr/>
+          <a:lstStyle/>
+          <a:p>
+            <a:endParaRPr lang="en-US" b="0" dirty="0" smtClean="0"/>
+          </a:p>
+        </p:txBody>
+      </p:sp>
+      <p:sp>
+        <p:nvSpPr>
+          <p:cNvPr id="4" name="Slide Number Placeholder 3"/>
+          <p:cNvSpPr>
+            <a:spLocks noGrp="1"/>
+          </p:cNvSpPr>
+          <p:nvPr>
+            <p:ph type="sldNum" sz="quarter" idx="10"/>
+          </p:nvPr>
+        </p:nvSpPr>
+        <p:spPr/>
+        <p:txBody>
+          <a:bodyPr/>
+          <a:lstStyle/>
+          <a:p>
+            <a:fld id="{89029652-62E7-43D6-83B5-097D7B7AA5D8}" type="slidenum">
+              <a:rPr lang="en-US" smtClean="0"/>
+              <a:t>63</a:t>
+            </a:fld>
+            <a:endParaRPr lang="en-US"/>
+          </a:p>
+        </p:txBody>
+      </p:sp>
+    </p:spTree>
+    <p:extLst>
+      <p:ext uri="{BB962C8B-B14F-4D97-AF65-F5344CB8AC3E}">
+        <p14:creationId xmlns:p14="http://schemas.microsoft.com/office/powerpoint/2010/main" val="2267138517"/>
+      </p:ext>
+    </p:extLst>
+  </p:cSld>
+  <p:clrMapOvr>
+    <a:masterClrMapping/>
+  </p:clrMapOvr>
+</p:notes>
+</file>
+
+<file path=ppt/notesSlides/notesSlide64.xml><?xml version="1.0" encoding="utf-8"?>
+<p:notes xmlns:a="http://schemas.openxmlformats.org/drawingml/2006/main" xmlns:r="http://schemas.openxmlformats.org/officeDocument/2006/relationships" xmlns:p="http://schemas.openxmlformats.org/presentationml/2006/main">
+  <p:cSld>
+    <p:spTree>
+      <p:nvGrpSpPr>
+        <p:cNvPr id="1" name=""/>
+        <p:cNvGrpSpPr/>
+        <p:nvPr/>
+      </p:nvGrpSpPr>
+      <p:grpSpPr>
+        <a:xfrm>
+          <a:off x="0" y="0"/>
+          <a:ext cx="0" cy="0"/>
+          <a:chOff x="0" y="0"/>
+          <a:chExt cx="0" cy="0"/>
+        </a:xfrm>
+      </p:grpSpPr>
+      <p:sp>
+        <p:nvSpPr>
+          <p:cNvPr id="2" name="Slide Image Placeholder 1"/>
+          <p:cNvSpPr>
+            <a:spLocks noGrp="1" noRot="1" noChangeAspect="1"/>
+          </p:cNvSpPr>
+          <p:nvPr>
+            <p:ph type="sldImg"/>
+          </p:nvPr>
+        </p:nvSpPr>
+        <p:spPr/>
+      </p:sp>
+      <p:sp>
+        <p:nvSpPr>
+          <p:cNvPr id="3" name="Notes Placeholder 2"/>
+          <p:cNvSpPr>
+            <a:spLocks noGrp="1"/>
+          </p:cNvSpPr>
+          <p:nvPr>
+            <p:ph type="body" idx="1"/>
+          </p:nvPr>
+        </p:nvSpPr>
+        <p:spPr/>
+        <p:txBody>
+          <a:bodyPr/>
+          <a:lstStyle/>
+          <a:p>
             <a:endParaRPr lang="en-US" sz="1200" kern="1200" dirty="0" smtClean="0">
               <a:solidFill>
                 <a:schemeClr val="tx1"/>
@@ -5621,7 +5961,7 @@
           <a:p>
             <a:fld id="{89029652-62E7-43D6-83B5-097D7B7AA5D8}" type="slidenum">
               <a:rPr lang="en-US" smtClean="0"/>
-              <a:t>60</a:t>
+              <a:t>64</a:t>
             </a:fld>
             <a:endParaRPr lang="en-US"/>
           </a:p>
@@ -6023,7 +6363,7 @@
           <a:p>
             <a:fld id="{75AA6396-395E-4ADA-8EE5-F328BC863A04}" type="datetimeFigureOut">
               <a:rPr lang="en-US" smtClean="0"/>
-              <a:t>12/28/2016</a:t>
+              <a:t>1/2/2017</a:t>
             </a:fld>
             <a:endParaRPr lang="en-US"/>
           </a:p>
@@ -6200,7 +6540,7 @@
           <a:p>
             <a:fld id="{75AA6396-395E-4ADA-8EE5-F328BC863A04}" type="datetimeFigureOut">
               <a:rPr lang="en-US" smtClean="0"/>
-              <a:t>12/28/2016</a:t>
+              <a:t>1/2/2017</a:t>
             </a:fld>
             <a:endParaRPr lang="en-US"/>
           </a:p>
@@ -6380,7 +6720,7 @@
           <a:p>
             <a:fld id="{75AA6396-395E-4ADA-8EE5-F328BC863A04}" type="datetimeFigureOut">
               <a:rPr lang="en-US" smtClean="0"/>
-              <a:t>12/28/2016</a:t>
+              <a:t>1/2/2017</a:t>
             </a:fld>
             <a:endParaRPr lang="en-US"/>
           </a:p>
@@ -6600,7 +6940,7 @@
           <a:p>
             <a:fld id="{75AA6396-395E-4ADA-8EE5-F328BC863A04}" type="datetimeFigureOut">
               <a:rPr lang="en-US" smtClean="0"/>
-              <a:t>12/28/2016</a:t>
+              <a:t>1/2/2017</a:t>
             </a:fld>
             <a:endParaRPr lang="en-US"/>
           </a:p>
@@ -6853,7 +7193,7 @@
           <a:p>
             <a:fld id="{75AA6396-395E-4ADA-8EE5-F328BC863A04}" type="datetimeFigureOut">
               <a:rPr lang="en-US" smtClean="0"/>
-              <a:t>12/28/2016</a:t>
+              <a:t>1/2/2017</a:t>
             </a:fld>
             <a:endParaRPr lang="en-US"/>
           </a:p>
@@ -7092,7 +7432,7 @@
           <a:p>
             <a:fld id="{75AA6396-395E-4ADA-8EE5-F328BC863A04}" type="datetimeFigureOut">
               <a:rPr lang="en-US" smtClean="0"/>
-              <a:t>12/28/2016</a:t>
+              <a:t>1/2/2017</a:t>
             </a:fld>
             <a:endParaRPr lang="en-US"/>
           </a:p>
@@ -7466,7 +7806,7 @@
           <a:p>
             <a:fld id="{75AA6396-395E-4ADA-8EE5-F328BC863A04}" type="datetimeFigureOut">
               <a:rPr lang="en-US" smtClean="0"/>
-              <a:t>12/28/2016</a:t>
+              <a:t>1/2/2017</a:t>
             </a:fld>
             <a:endParaRPr lang="en-US"/>
           </a:p>
@@ -7584,7 +7924,7 @@
           <a:p>
             <a:fld id="{75AA6396-395E-4ADA-8EE5-F328BC863A04}" type="datetimeFigureOut">
               <a:rPr lang="en-US" smtClean="0"/>
-              <a:t>12/28/2016</a:t>
+              <a:t>1/2/2017</a:t>
             </a:fld>
             <a:endParaRPr lang="en-US"/>
           </a:p>
@@ -7679,7 +8019,7 @@
           <a:p>
             <a:fld id="{75AA6396-395E-4ADA-8EE5-F328BC863A04}" type="datetimeFigureOut">
               <a:rPr lang="en-US" smtClean="0"/>
-              <a:t>12/28/2016</a:t>
+              <a:t>1/2/2017</a:t>
             </a:fld>
             <a:endParaRPr lang="en-US"/>
           </a:p>
@@ -7956,7 +8296,7 @@
           <a:p>
             <a:fld id="{75AA6396-395E-4ADA-8EE5-F328BC863A04}" type="datetimeFigureOut">
               <a:rPr lang="en-US" smtClean="0"/>
-              <a:t>12/28/2016</a:t>
+              <a:t>1/2/2017</a:t>
             </a:fld>
             <a:endParaRPr lang="en-US"/>
           </a:p>
@@ -8209,7 +8549,7 @@
           <a:p>
             <a:fld id="{75AA6396-395E-4ADA-8EE5-F328BC863A04}" type="datetimeFigureOut">
               <a:rPr lang="en-US" smtClean="0"/>
-              <a:t>12/28/2016</a:t>
+              <a:t>1/2/2017</a:t>
             </a:fld>
             <a:endParaRPr lang="en-US"/>
           </a:p>
@@ -8422,7 +8762,7 @@
           <a:p>
             <a:fld id="{75AA6396-395E-4ADA-8EE5-F328BC863A04}" type="datetimeFigureOut">
               <a:rPr lang="en-US" smtClean="0"/>
-              <a:t>12/28/2016</a:t>
+              <a:t>1/2/2017</a:t>
             </a:fld>
             <a:endParaRPr lang="en-US"/>
           </a:p>
@@ -10778,11 +11118,7 @@
           <a:p>
             <a:r>
               <a:rPr lang="en-US" sz="4800" dirty="0" smtClean="0"/>
-              <a:t>What </a:t>
-            </a:r>
-            <a:r>
-              <a:rPr lang="en-US" sz="4800" dirty="0" smtClean="0"/>
-              <a:t>belongs in the "framework"?</a:t>
+              <a:t>What belongs in the "framework"?</a:t>
             </a:r>
             <a:endParaRPr lang="en-US" sz="4800" dirty="0"/>
           </a:p>
@@ -10821,11 +11157,7 @@
           <a:p>
             <a:r>
               <a:rPr lang="en-US" sz="4000" dirty="0" smtClean="0"/>
-              <a:t>Anything that can </a:t>
-            </a:r>
-            <a:r>
-              <a:rPr lang="en-US" sz="4000" dirty="0" smtClean="0"/>
-              <a:t>be made "secure by default"</a:t>
+              <a:t>Anything that can be made "secure by default"</a:t>
             </a:r>
           </a:p>
           <a:p>
@@ -10836,7 +11168,6 @@
               <a:rPr lang="en-US" sz="4000" dirty="0" smtClean="0"/>
               <a:t>Anything that needs auditing / global testing</a:t>
             </a:r>
-            <a:endParaRPr lang="en-US" sz="4000" dirty="0" smtClean="0"/>
           </a:p>
           <a:p>
             <a:endParaRPr lang="en-US" sz="4000" dirty="0"/>
@@ -14132,10 +14463,6 @@
               <a:rPr lang="en-US" sz="4800" dirty="0" smtClean="0"/>
               <a:t>Page-level Authorization</a:t>
             </a:r>
-            <a:r>
-              <a:rPr lang="en-US" sz="4800" dirty="0" smtClean="0"/>
-              <a:t/>
-            </a:r>
             <a:br>
               <a:rPr lang="en-US" sz="4800" dirty="0" smtClean="0"/>
             </a:br>
@@ -14152,23 +14479,7 @@
                   <a:srgbClr val="013947"/>
                 </a:solidFill>
               </a:rPr>
-              <a:t>Security </a:t>
-            </a:r>
-            <a:r>
-              <a:rPr lang="en-US" dirty="0" smtClean="0">
-                <a:solidFill>
-                  <a:srgbClr val="013947"/>
-                </a:solidFill>
-              </a:rPr>
-              <a:t>by obscurity </a:t>
-            </a:r>
-            <a:r>
-              <a:rPr lang="en-US" dirty="0" smtClean="0">
-                <a:solidFill>
-                  <a:srgbClr val="013947"/>
-                </a:solidFill>
-              </a:rPr>
-              <a:t>is weak sauce</a:t>
+              <a:t>Security by obscurity is weak sauce</a:t>
             </a:r>
             <a:endParaRPr lang="en-US" sz="4800" dirty="0">
               <a:solidFill>
@@ -15487,15 +15798,7 @@
           <a:p>
             <a:r>
               <a:rPr lang="en-US" sz="4800" dirty="0" smtClean="0"/>
-              <a:t>Page Authorization </a:t>
-            </a:r>
-            <a:r>
-              <a:rPr lang="en-US" sz="4800" dirty="0"/>
-              <a:t>– </a:t>
-            </a:r>
-            <a:r>
-              <a:rPr lang="en-US" sz="4800" dirty="0" smtClean="0"/>
-              <a:t>auditing</a:t>
+              <a:t>Authorization auditing</a:t>
             </a:r>
             <a:endParaRPr lang="en-US" sz="4800" dirty="0"/>
           </a:p>
@@ -15615,8 +15918,8 @@
           <a:lstStyle/>
           <a:p>
             <a:r>
-              <a:rPr lang="en-US" sz="4800" dirty="0" smtClean="0"/>
-              <a:t>Patented step-by-step slide</a:t>
+              <a:rPr lang="en-US" sz="4800" dirty="0"/>
+              <a:t>Authorization auditing</a:t>
             </a:r>
             <a:endParaRPr lang="en-US" sz="4800" dirty="0"/>
           </a:p>
@@ -15644,40 +15947,6 @@
           </a:bodyPr>
           <a:lstStyle/>
           <a:p>
-            <a:r>
-              <a:rPr lang="en-US" sz="4000" dirty="0" smtClean="0">
-                <a:solidFill>
-                  <a:schemeClr val="bg1">
-                    <a:lumMod val="65000"/>
-                  </a:schemeClr>
-                </a:solidFill>
-              </a:rPr>
-              <a:t>Old news</a:t>
-            </a:r>
-            <a:br>
-              <a:rPr lang="en-US" sz="4000" dirty="0" smtClean="0">
-                <a:solidFill>
-                  <a:schemeClr val="bg1">
-                    <a:lumMod val="65000"/>
-                  </a:schemeClr>
-                </a:solidFill>
-              </a:rPr>
-            </a:br>
-            <a:endParaRPr lang="en-US" sz="4000" dirty="0" smtClean="0">
-              <a:solidFill>
-                <a:schemeClr val="bg1">
-                  <a:lumMod val="65000"/>
-                </a:schemeClr>
-              </a:solidFill>
-            </a:endParaRPr>
-          </a:p>
-          <a:p>
-            <a:r>
-              <a:rPr lang="en-US" sz="4000" b="1" dirty="0" smtClean="0"/>
-              <a:t>New hotness</a:t>
-            </a:r>
-          </a:p>
-          <a:p>
             <a:endParaRPr lang="en-US" sz="4000" dirty="0" smtClean="0"/>
           </a:p>
           <a:p>
@@ -15691,10 +15960,34 @@
           </a:p>
         </p:txBody>
       </p:sp>
+      <p:pic>
+        <p:nvPicPr>
+          <p:cNvPr id="5" name="Picture 4"/>
+          <p:cNvPicPr>
+            <a:picLocks noChangeAspect="1"/>
+          </p:cNvPicPr>
+          <p:nvPr/>
+        </p:nvPicPr>
+        <p:blipFill>
+          <a:blip r:embed="rId3"/>
+          <a:stretch>
+            <a:fillRect/>
+          </a:stretch>
+        </p:blipFill>
+        <p:spPr>
+          <a:xfrm>
+            <a:off x="838200" y="1690688"/>
+            <a:ext cx="8817773" cy="5005080"/>
+          </a:xfrm>
+          <a:prstGeom prst="rect">
+            <a:avLst/>
+          </a:prstGeom>
+        </p:spPr>
+      </p:pic>
     </p:spTree>
     <p:extLst>
       <p:ext uri="{BB962C8B-B14F-4D97-AF65-F5344CB8AC3E}">
-        <p14:creationId xmlns:p14="http://schemas.microsoft.com/office/powerpoint/2010/main" val="1887088746"/>
+        <p14:creationId xmlns:p14="http://schemas.microsoft.com/office/powerpoint/2010/main" val="2488286567"/>
       </p:ext>
     </p:extLst>
   </p:cSld>
@@ -15746,8 +16039,8 @@
           <a:lstStyle/>
           <a:p>
             <a:r>
-              <a:rPr lang="en-US" sz="4800" dirty="0" smtClean="0"/>
-              <a:t>Canonical example: SQL Injection</a:t>
+              <a:rPr lang="en-US" sz="4800" dirty="0"/>
+              <a:t>Authorization auditing</a:t>
             </a:r>
             <a:endParaRPr lang="en-US" sz="4800" dirty="0"/>
           </a:p>
@@ -15788,10 +16081,34 @@
           </a:p>
         </p:txBody>
       </p:sp>
+      <p:pic>
+        <p:nvPicPr>
+          <p:cNvPr id="4" name="Picture 3"/>
+          <p:cNvPicPr>
+            <a:picLocks noChangeAspect="1"/>
+          </p:cNvPicPr>
+          <p:nvPr/>
+        </p:nvPicPr>
+        <p:blipFill>
+          <a:blip r:embed="rId3"/>
+          <a:stretch>
+            <a:fillRect/>
+          </a:stretch>
+        </p:blipFill>
+        <p:spPr>
+          <a:xfrm>
+            <a:off x="838200" y="1378206"/>
+            <a:ext cx="11318310" cy="5479794"/>
+          </a:xfrm>
+          <a:prstGeom prst="rect">
+            <a:avLst/>
+          </a:prstGeom>
+        </p:spPr>
+      </p:pic>
     </p:spTree>
     <p:extLst>
       <p:ext uri="{BB962C8B-B14F-4D97-AF65-F5344CB8AC3E}">
-        <p14:creationId xmlns:p14="http://schemas.microsoft.com/office/powerpoint/2010/main" val="1766242099"/>
+        <p14:creationId xmlns:p14="http://schemas.microsoft.com/office/powerpoint/2010/main" val="3632889154"/>
       </p:ext>
     </p:extLst>
   </p:cSld>
@@ -15895,7 +16212,6 @@
               <a:rPr lang="en-US" sz="4000" dirty="0" smtClean="0"/>
               <a:t>"Secure by default" examples</a:t>
             </a:r>
-            <a:endParaRPr lang="en-US" sz="4000" dirty="0" smtClean="0"/>
           </a:p>
           <a:p>
             <a:endParaRPr lang="en-US" sz="4000" dirty="0"/>
@@ -15970,6 +16286,476 @@
             <p:ph type="title"/>
           </p:nvPr>
         </p:nvSpPr>
+        <p:spPr/>
+        <p:txBody>
+          <a:bodyPr>
+            <a:normAutofit/>
+          </a:bodyPr>
+          <a:lstStyle/>
+          <a:p>
+            <a:r>
+              <a:rPr lang="en-US" sz="4800" dirty="0"/>
+              <a:t>Authorization auditing</a:t>
+            </a:r>
+            <a:endParaRPr lang="en-US" sz="4800" dirty="0"/>
+          </a:p>
+        </p:txBody>
+      </p:sp>
+      <p:sp>
+        <p:nvSpPr>
+          <p:cNvPr id="3" name="Content Placeholder 2"/>
+          <p:cNvSpPr>
+            <a:spLocks noGrp="1"/>
+          </p:cNvSpPr>
+          <p:nvPr>
+            <p:ph idx="1"/>
+          </p:nvPr>
+        </p:nvSpPr>
+        <p:spPr>
+          <a:xfrm>
+            <a:off x="838200" y="1825624"/>
+            <a:ext cx="10515600" cy="4589923"/>
+          </a:xfrm>
+        </p:spPr>
+        <p:txBody>
+          <a:bodyPr>
+            <a:normAutofit/>
+          </a:bodyPr>
+          <a:lstStyle/>
+          <a:p>
+            <a:endParaRPr lang="en-US" sz="4000" dirty="0" smtClean="0"/>
+          </a:p>
+          <a:p>
+            <a:endParaRPr lang="en-US" dirty="0" smtClean="0"/>
+          </a:p>
+          <a:p>
+            <a:endParaRPr lang="en-US" dirty="0" smtClean="0"/>
+          </a:p>
+          <a:p>
+            <a:endParaRPr lang="en-US" dirty="0"/>
+          </a:p>
+        </p:txBody>
+      </p:sp>
+      <p:pic>
+        <p:nvPicPr>
+          <p:cNvPr id="6" name="Picture 5"/>
+          <p:cNvPicPr>
+            <a:picLocks noChangeAspect="1"/>
+          </p:cNvPicPr>
+          <p:nvPr/>
+        </p:nvPicPr>
+        <p:blipFill>
+          <a:blip r:embed="rId3"/>
+          <a:stretch>
+            <a:fillRect/>
+          </a:stretch>
+        </p:blipFill>
+        <p:spPr>
+          <a:xfrm>
+            <a:off x="838200" y="1825624"/>
+            <a:ext cx="8467167" cy="4457189"/>
+          </a:xfrm>
+          <a:prstGeom prst="rect">
+            <a:avLst/>
+          </a:prstGeom>
+        </p:spPr>
+      </p:pic>
+    </p:spTree>
+    <p:extLst>
+      <p:ext uri="{BB962C8B-B14F-4D97-AF65-F5344CB8AC3E}">
+        <p14:creationId xmlns:p14="http://schemas.microsoft.com/office/powerpoint/2010/main" val="1740141571"/>
+      </p:ext>
+    </p:extLst>
+  </p:cSld>
+  <p:clrMapOvr>
+    <a:masterClrMapping/>
+  </p:clrMapOvr>
+  <p:timing>
+    <p:tnLst>
+      <p:par>
+        <p:cTn id="1" dur="indefinite" restart="never" nodeType="tmRoot"/>
+      </p:par>
+    </p:tnLst>
+  </p:timing>
+</p:sld>
+</file>
+
+<file path=ppt/slides/slide61.xml><?xml version="1.0" encoding="utf-8"?>
+<p:sld xmlns:a="http://schemas.openxmlformats.org/drawingml/2006/main" xmlns:r="http://schemas.openxmlformats.org/officeDocument/2006/relationships" xmlns:p="http://schemas.openxmlformats.org/presentationml/2006/main">
+  <p:cSld>
+    <p:spTree>
+      <p:nvGrpSpPr>
+        <p:cNvPr id="1" name=""/>
+        <p:cNvGrpSpPr/>
+        <p:nvPr/>
+      </p:nvGrpSpPr>
+      <p:grpSpPr>
+        <a:xfrm>
+          <a:off x="0" y="0"/>
+          <a:ext cx="0" cy="0"/>
+          <a:chOff x="0" y="0"/>
+          <a:chExt cx="0" cy="0"/>
+        </a:xfrm>
+      </p:grpSpPr>
+      <p:sp>
+        <p:nvSpPr>
+          <p:cNvPr id="2" name="Title 1"/>
+          <p:cNvSpPr>
+            <a:spLocks noGrp="1"/>
+          </p:cNvSpPr>
+          <p:nvPr>
+            <p:ph type="title"/>
+          </p:nvPr>
+        </p:nvSpPr>
+        <p:spPr/>
+        <p:txBody>
+          <a:bodyPr>
+            <a:normAutofit/>
+          </a:bodyPr>
+          <a:lstStyle/>
+          <a:p>
+            <a:r>
+              <a:rPr lang="en-US" sz="4800" dirty="0"/>
+              <a:t>Authorization auditing</a:t>
+            </a:r>
+            <a:endParaRPr lang="en-US" sz="4800" dirty="0"/>
+          </a:p>
+        </p:txBody>
+      </p:sp>
+      <p:sp>
+        <p:nvSpPr>
+          <p:cNvPr id="3" name="Content Placeholder 2"/>
+          <p:cNvSpPr>
+            <a:spLocks noGrp="1"/>
+          </p:cNvSpPr>
+          <p:nvPr>
+            <p:ph idx="1"/>
+          </p:nvPr>
+        </p:nvSpPr>
+        <p:spPr>
+          <a:xfrm>
+            <a:off x="838200" y="1825624"/>
+            <a:ext cx="10515600" cy="4589923"/>
+          </a:xfrm>
+        </p:spPr>
+        <p:txBody>
+          <a:bodyPr>
+            <a:normAutofit/>
+          </a:bodyPr>
+          <a:lstStyle/>
+          <a:p>
+            <a:endParaRPr lang="en-US" sz="4000" dirty="0" smtClean="0"/>
+          </a:p>
+          <a:p>
+            <a:endParaRPr lang="en-US" dirty="0" smtClean="0"/>
+          </a:p>
+          <a:p>
+            <a:endParaRPr lang="en-US" dirty="0" smtClean="0"/>
+          </a:p>
+          <a:p>
+            <a:endParaRPr lang="en-US" dirty="0"/>
+          </a:p>
+        </p:txBody>
+      </p:sp>
+      <p:pic>
+        <p:nvPicPr>
+          <p:cNvPr id="5" name="Picture 4"/>
+          <p:cNvPicPr>
+            <a:picLocks noChangeAspect="1"/>
+          </p:cNvPicPr>
+          <p:nvPr/>
+        </p:nvPicPr>
+        <p:blipFill>
+          <a:blip r:embed="rId3"/>
+          <a:stretch>
+            <a:fillRect/>
+          </a:stretch>
+        </p:blipFill>
+        <p:spPr>
+          <a:xfrm>
+            <a:off x="838200" y="1690688"/>
+            <a:ext cx="8817773" cy="5005080"/>
+          </a:xfrm>
+          <a:prstGeom prst="rect">
+            <a:avLst/>
+          </a:prstGeom>
+        </p:spPr>
+      </p:pic>
+    </p:spTree>
+    <p:extLst>
+      <p:ext uri="{BB962C8B-B14F-4D97-AF65-F5344CB8AC3E}">
+        <p14:creationId xmlns:p14="http://schemas.microsoft.com/office/powerpoint/2010/main" val="99041716"/>
+      </p:ext>
+    </p:extLst>
+  </p:cSld>
+  <p:clrMapOvr>
+    <a:masterClrMapping/>
+  </p:clrMapOvr>
+  <p:timing>
+    <p:tnLst>
+      <p:par>
+        <p:cTn id="1" dur="indefinite" restart="never" nodeType="tmRoot"/>
+      </p:par>
+    </p:tnLst>
+  </p:timing>
+</p:sld>
+</file>
+
+<file path=ppt/slides/slide62.xml><?xml version="1.0" encoding="utf-8"?>
+<p:sld xmlns:a="http://schemas.openxmlformats.org/drawingml/2006/main" xmlns:r="http://schemas.openxmlformats.org/officeDocument/2006/relationships" xmlns:p="http://schemas.openxmlformats.org/presentationml/2006/main">
+  <p:cSld>
+    <p:spTree>
+      <p:nvGrpSpPr>
+        <p:cNvPr id="1" name=""/>
+        <p:cNvGrpSpPr/>
+        <p:nvPr/>
+      </p:nvGrpSpPr>
+      <p:grpSpPr>
+        <a:xfrm>
+          <a:off x="0" y="0"/>
+          <a:ext cx="0" cy="0"/>
+          <a:chOff x="0" y="0"/>
+          <a:chExt cx="0" cy="0"/>
+        </a:xfrm>
+      </p:grpSpPr>
+      <p:sp>
+        <p:nvSpPr>
+          <p:cNvPr id="2" name="Title 1"/>
+          <p:cNvSpPr>
+            <a:spLocks noGrp="1"/>
+          </p:cNvSpPr>
+          <p:nvPr>
+            <p:ph type="title"/>
+          </p:nvPr>
+        </p:nvSpPr>
+        <p:spPr/>
+        <p:txBody>
+          <a:bodyPr>
+            <a:normAutofit/>
+          </a:bodyPr>
+          <a:lstStyle/>
+          <a:p>
+            <a:r>
+              <a:rPr lang="en-US" sz="4800" dirty="0" smtClean="0"/>
+              <a:t>Patented step-by-step slide</a:t>
+            </a:r>
+            <a:endParaRPr lang="en-US" sz="4800" dirty="0"/>
+          </a:p>
+        </p:txBody>
+      </p:sp>
+      <p:sp>
+        <p:nvSpPr>
+          <p:cNvPr id="3" name="Content Placeholder 2"/>
+          <p:cNvSpPr>
+            <a:spLocks noGrp="1"/>
+          </p:cNvSpPr>
+          <p:nvPr>
+            <p:ph idx="1"/>
+          </p:nvPr>
+        </p:nvSpPr>
+        <p:spPr>
+          <a:xfrm>
+            <a:off x="838200" y="1825624"/>
+            <a:ext cx="10515600" cy="4589923"/>
+          </a:xfrm>
+        </p:spPr>
+        <p:txBody>
+          <a:bodyPr>
+            <a:normAutofit/>
+          </a:bodyPr>
+          <a:lstStyle/>
+          <a:p>
+            <a:r>
+              <a:rPr lang="en-US" sz="4000" dirty="0" smtClean="0">
+                <a:solidFill>
+                  <a:schemeClr val="bg1">
+                    <a:lumMod val="65000"/>
+                  </a:schemeClr>
+                </a:solidFill>
+              </a:rPr>
+              <a:t>Old news</a:t>
+            </a:r>
+            <a:br>
+              <a:rPr lang="en-US" sz="4000" dirty="0" smtClean="0">
+                <a:solidFill>
+                  <a:schemeClr val="bg1">
+                    <a:lumMod val="65000"/>
+                  </a:schemeClr>
+                </a:solidFill>
+              </a:rPr>
+            </a:br>
+            <a:endParaRPr lang="en-US" sz="4000" dirty="0" smtClean="0">
+              <a:solidFill>
+                <a:schemeClr val="bg1">
+                  <a:lumMod val="65000"/>
+                </a:schemeClr>
+              </a:solidFill>
+            </a:endParaRPr>
+          </a:p>
+          <a:p>
+            <a:r>
+              <a:rPr lang="en-US" sz="4000" b="1" dirty="0" smtClean="0"/>
+              <a:t>New hotness</a:t>
+            </a:r>
+          </a:p>
+          <a:p>
+            <a:endParaRPr lang="en-US" sz="4000" dirty="0" smtClean="0"/>
+          </a:p>
+          <a:p>
+            <a:endParaRPr lang="en-US" dirty="0" smtClean="0"/>
+          </a:p>
+          <a:p>
+            <a:endParaRPr lang="en-US" dirty="0" smtClean="0"/>
+          </a:p>
+          <a:p>
+            <a:endParaRPr lang="en-US" dirty="0"/>
+          </a:p>
+        </p:txBody>
+      </p:sp>
+    </p:spTree>
+    <p:extLst>
+      <p:ext uri="{BB962C8B-B14F-4D97-AF65-F5344CB8AC3E}">
+        <p14:creationId xmlns:p14="http://schemas.microsoft.com/office/powerpoint/2010/main" val="1887088746"/>
+      </p:ext>
+    </p:extLst>
+  </p:cSld>
+  <p:clrMapOvr>
+    <a:masterClrMapping/>
+  </p:clrMapOvr>
+  <p:timing>
+    <p:tnLst>
+      <p:par>
+        <p:cTn id="1" dur="indefinite" restart="never" nodeType="tmRoot"/>
+      </p:par>
+    </p:tnLst>
+  </p:timing>
+</p:sld>
+</file>
+
+<file path=ppt/slides/slide63.xml><?xml version="1.0" encoding="utf-8"?>
+<p:sld xmlns:a="http://schemas.openxmlformats.org/drawingml/2006/main" xmlns:r="http://schemas.openxmlformats.org/officeDocument/2006/relationships" xmlns:p="http://schemas.openxmlformats.org/presentationml/2006/main">
+  <p:cSld>
+    <p:spTree>
+      <p:nvGrpSpPr>
+        <p:cNvPr id="1" name=""/>
+        <p:cNvGrpSpPr/>
+        <p:nvPr/>
+      </p:nvGrpSpPr>
+      <p:grpSpPr>
+        <a:xfrm>
+          <a:off x="0" y="0"/>
+          <a:ext cx="0" cy="0"/>
+          <a:chOff x="0" y="0"/>
+          <a:chExt cx="0" cy="0"/>
+        </a:xfrm>
+      </p:grpSpPr>
+      <p:sp>
+        <p:nvSpPr>
+          <p:cNvPr id="2" name="Title 1"/>
+          <p:cNvSpPr>
+            <a:spLocks noGrp="1"/>
+          </p:cNvSpPr>
+          <p:nvPr>
+            <p:ph type="title"/>
+          </p:nvPr>
+        </p:nvSpPr>
+        <p:spPr/>
+        <p:txBody>
+          <a:bodyPr>
+            <a:normAutofit/>
+          </a:bodyPr>
+          <a:lstStyle/>
+          <a:p>
+            <a:r>
+              <a:rPr lang="en-US" sz="4800" dirty="0" smtClean="0"/>
+              <a:t>Canonical example: SQL Injection</a:t>
+            </a:r>
+            <a:endParaRPr lang="en-US" sz="4800" dirty="0"/>
+          </a:p>
+        </p:txBody>
+      </p:sp>
+      <p:sp>
+        <p:nvSpPr>
+          <p:cNvPr id="3" name="Content Placeholder 2"/>
+          <p:cNvSpPr>
+            <a:spLocks noGrp="1"/>
+          </p:cNvSpPr>
+          <p:nvPr>
+            <p:ph idx="1"/>
+          </p:nvPr>
+        </p:nvSpPr>
+        <p:spPr>
+          <a:xfrm>
+            <a:off x="838200" y="1825624"/>
+            <a:ext cx="10515600" cy="4589923"/>
+          </a:xfrm>
+        </p:spPr>
+        <p:txBody>
+          <a:bodyPr>
+            <a:normAutofit/>
+          </a:bodyPr>
+          <a:lstStyle/>
+          <a:p>
+            <a:endParaRPr lang="en-US" sz="4000" dirty="0" smtClean="0"/>
+          </a:p>
+          <a:p>
+            <a:endParaRPr lang="en-US" dirty="0" smtClean="0"/>
+          </a:p>
+          <a:p>
+            <a:endParaRPr lang="en-US" dirty="0" smtClean="0"/>
+          </a:p>
+          <a:p>
+            <a:endParaRPr lang="en-US" dirty="0"/>
+          </a:p>
+        </p:txBody>
+      </p:sp>
+    </p:spTree>
+    <p:extLst>
+      <p:ext uri="{BB962C8B-B14F-4D97-AF65-F5344CB8AC3E}">
+        <p14:creationId xmlns:p14="http://schemas.microsoft.com/office/powerpoint/2010/main" val="1766242099"/>
+      </p:ext>
+    </p:extLst>
+  </p:cSld>
+  <p:clrMapOvr>
+    <a:masterClrMapping/>
+  </p:clrMapOvr>
+  <p:timing>
+    <p:tnLst>
+      <p:par>
+        <p:cTn id="1" dur="indefinite" restart="never" nodeType="tmRoot"/>
+      </p:par>
+    </p:tnLst>
+  </p:timing>
+</p:sld>
+</file>
+
+<file path=ppt/slides/slide64.xml><?xml version="1.0" encoding="utf-8"?>
+<p:sld xmlns:a="http://schemas.openxmlformats.org/drawingml/2006/main" xmlns:r="http://schemas.openxmlformats.org/officeDocument/2006/relationships" xmlns:p="http://schemas.openxmlformats.org/presentationml/2006/main">
+  <p:cSld>
+    <p:spTree>
+      <p:nvGrpSpPr>
+        <p:cNvPr id="1" name=""/>
+        <p:cNvGrpSpPr/>
+        <p:nvPr/>
+      </p:nvGrpSpPr>
+      <p:grpSpPr>
+        <a:xfrm>
+          <a:off x="0" y="0"/>
+          <a:ext cx="0" cy="0"/>
+          <a:chOff x="0" y="0"/>
+          <a:chExt cx="0" cy="0"/>
+        </a:xfrm>
+      </p:grpSpPr>
+      <p:sp>
+        <p:nvSpPr>
+          <p:cNvPr id="2" name="Title 1"/>
+          <p:cNvSpPr>
+            <a:spLocks noGrp="1"/>
+          </p:cNvSpPr>
+          <p:nvPr>
+            <p:ph type="title"/>
+          </p:nvPr>
+        </p:nvSpPr>
         <p:spPr>
           <a:xfrm>
             <a:off x="838200" y="365125"/>
@@ -16232,13 +17018,6 @@
               </a:rPr>
               <a:t>"Secure by default" examples</a:t>
             </a:r>
-            <a:endParaRPr lang="en-US" sz="4000" dirty="0" smtClean="0">
-              <a:solidFill>
-                <a:schemeClr val="bg1">
-                  <a:lumMod val="65000"/>
-                </a:schemeClr>
-              </a:solidFill>
-            </a:endParaRPr>
           </a:p>
           <a:p>
             <a:endParaRPr lang="en-US" sz="4000" dirty="0"/>
@@ -16391,13 +17170,6 @@
               </a:rPr>
               <a:t>"Secure by default" examples</a:t>
             </a:r>
-            <a:endParaRPr lang="en-US" sz="4000" dirty="0" smtClean="0">
-              <a:solidFill>
-                <a:schemeClr val="bg1">
-                  <a:lumMod val="65000"/>
-                </a:schemeClr>
-              </a:solidFill>
-            </a:endParaRPr>
           </a:p>
           <a:p>
             <a:endParaRPr lang="en-US" sz="4000" dirty="0">
@@ -16428,7 +17200,6 @@
               <a:rPr lang="en-US" sz="4000" dirty="0" smtClean="0"/>
               <a:t>Audit / Testing</a:t>
             </a:r>
-            <a:endParaRPr lang="en-US" sz="4000" dirty="0" smtClean="0"/>
           </a:p>
           <a:p>
             <a:endParaRPr lang="en-US" sz="4000" dirty="0"/>

--- a/Secure Systems - CodeMash 2017.pptx
+++ b/Secure Systems - CodeMash 2017.pptx
@@ -5,7 +5,7 @@
     <p:sldMasterId id="2147483749" r:id="rId1"/>
   </p:sldMasterIdLst>
   <p:notesMasterIdLst>
-    <p:notesMasterId r:id="rId66"/>
+    <p:notesMasterId r:id="rId71"/>
   </p:notesMasterIdLst>
   <p:sldIdLst>
     <p:sldId id="395" r:id="rId2"/>
@@ -69,9 +69,14 @@
     <p:sldId id="556" r:id="rId60"/>
     <p:sldId id="557" r:id="rId61"/>
     <p:sldId id="558" r:id="rId62"/>
-    <p:sldId id="504" r:id="rId63"/>
-    <p:sldId id="485" r:id="rId64"/>
-    <p:sldId id="443" r:id="rId65"/>
+    <p:sldId id="559" r:id="rId63"/>
+    <p:sldId id="560" r:id="rId64"/>
+    <p:sldId id="561" r:id="rId65"/>
+    <p:sldId id="562" r:id="rId66"/>
+    <p:sldId id="563" r:id="rId67"/>
+    <p:sldId id="504" r:id="rId68"/>
+    <p:sldId id="485" r:id="rId69"/>
+    <p:sldId id="443" r:id="rId70"/>
   </p:sldIdLst>
   <p:sldSz cx="12192000" cy="6858000"/>
   <p:notesSz cx="6858000" cy="9144000"/>
@@ -297,7 +302,7 @@
           <a:p>
             <a:fld id="{C54A4886-B4AF-42F7-97BE-95CDF82A73E3}" type="datetimeFigureOut">
               <a:rPr lang="en-US" smtClean="0"/>
-              <a:t>1/2/2017</a:t>
+              <a:t>1/3/2017</a:t>
             </a:fld>
             <a:endParaRPr lang="en-US"/>
           </a:p>
@@ -5794,7 +5799,7 @@
     </p:spTree>
     <p:extLst>
       <p:ext uri="{BB962C8B-B14F-4D97-AF65-F5344CB8AC3E}">
-        <p14:creationId xmlns:p14="http://schemas.microsoft.com/office/powerpoint/2010/main" val="2602777311"/>
+        <p14:creationId xmlns:p14="http://schemas.microsoft.com/office/powerpoint/2010/main" val="2229440876"/>
       </p:ext>
     </p:extLst>
   </p:cSld>
@@ -5878,7 +5883,7 @@
     </p:spTree>
     <p:extLst>
       <p:ext uri="{BB962C8B-B14F-4D97-AF65-F5344CB8AC3E}">
-        <p14:creationId xmlns:p14="http://schemas.microsoft.com/office/powerpoint/2010/main" val="2267138517"/>
+        <p14:creationId xmlns:p14="http://schemas.microsoft.com/office/powerpoint/2010/main" val="994674812"/>
       </p:ext>
     </p:extLst>
   </p:cSld>
@@ -5932,6 +5937,426 @@
           <a:bodyPr/>
           <a:lstStyle/>
           <a:p>
+            <a:endParaRPr lang="en-US" b="0" dirty="0" smtClean="0"/>
+          </a:p>
+        </p:txBody>
+      </p:sp>
+      <p:sp>
+        <p:nvSpPr>
+          <p:cNvPr id="4" name="Slide Number Placeholder 3"/>
+          <p:cNvSpPr>
+            <a:spLocks noGrp="1"/>
+          </p:cNvSpPr>
+          <p:nvPr>
+            <p:ph type="sldNum" sz="quarter" idx="10"/>
+          </p:nvPr>
+        </p:nvSpPr>
+        <p:spPr/>
+        <p:txBody>
+          <a:bodyPr/>
+          <a:lstStyle/>
+          <a:p>
+            <a:fld id="{89029652-62E7-43D6-83B5-097D7B7AA5D8}" type="slidenum">
+              <a:rPr lang="en-US" smtClean="0"/>
+              <a:t>64</a:t>
+            </a:fld>
+            <a:endParaRPr lang="en-US"/>
+          </a:p>
+        </p:txBody>
+      </p:sp>
+    </p:spTree>
+    <p:extLst>
+      <p:ext uri="{BB962C8B-B14F-4D97-AF65-F5344CB8AC3E}">
+        <p14:creationId xmlns:p14="http://schemas.microsoft.com/office/powerpoint/2010/main" val="1004591723"/>
+      </p:ext>
+    </p:extLst>
+  </p:cSld>
+  <p:clrMapOvr>
+    <a:masterClrMapping/>
+  </p:clrMapOvr>
+</p:notes>
+</file>
+
+<file path=ppt/notesSlides/notesSlide65.xml><?xml version="1.0" encoding="utf-8"?>
+<p:notes xmlns:a="http://schemas.openxmlformats.org/drawingml/2006/main" xmlns:r="http://schemas.openxmlformats.org/officeDocument/2006/relationships" xmlns:p="http://schemas.openxmlformats.org/presentationml/2006/main">
+  <p:cSld>
+    <p:spTree>
+      <p:nvGrpSpPr>
+        <p:cNvPr id="1" name=""/>
+        <p:cNvGrpSpPr/>
+        <p:nvPr/>
+      </p:nvGrpSpPr>
+      <p:grpSpPr>
+        <a:xfrm>
+          <a:off x="0" y="0"/>
+          <a:ext cx="0" cy="0"/>
+          <a:chOff x="0" y="0"/>
+          <a:chExt cx="0" cy="0"/>
+        </a:xfrm>
+      </p:grpSpPr>
+      <p:sp>
+        <p:nvSpPr>
+          <p:cNvPr id="2" name="Slide Image Placeholder 1"/>
+          <p:cNvSpPr>
+            <a:spLocks noGrp="1" noRot="1" noChangeAspect="1"/>
+          </p:cNvSpPr>
+          <p:nvPr>
+            <p:ph type="sldImg"/>
+          </p:nvPr>
+        </p:nvSpPr>
+        <p:spPr/>
+      </p:sp>
+      <p:sp>
+        <p:nvSpPr>
+          <p:cNvPr id="3" name="Notes Placeholder 2"/>
+          <p:cNvSpPr>
+            <a:spLocks noGrp="1"/>
+          </p:cNvSpPr>
+          <p:nvPr>
+            <p:ph type="body" idx="1"/>
+          </p:nvPr>
+        </p:nvSpPr>
+        <p:spPr/>
+        <p:txBody>
+          <a:bodyPr/>
+          <a:lstStyle/>
+          <a:p>
+            <a:endParaRPr lang="en-US" b="0" dirty="0" smtClean="0"/>
+          </a:p>
+        </p:txBody>
+      </p:sp>
+      <p:sp>
+        <p:nvSpPr>
+          <p:cNvPr id="4" name="Slide Number Placeholder 3"/>
+          <p:cNvSpPr>
+            <a:spLocks noGrp="1"/>
+          </p:cNvSpPr>
+          <p:nvPr>
+            <p:ph type="sldNum" sz="quarter" idx="10"/>
+          </p:nvPr>
+        </p:nvSpPr>
+        <p:spPr/>
+        <p:txBody>
+          <a:bodyPr/>
+          <a:lstStyle/>
+          <a:p>
+            <a:fld id="{89029652-62E7-43D6-83B5-097D7B7AA5D8}" type="slidenum">
+              <a:rPr lang="en-US" smtClean="0"/>
+              <a:t>65</a:t>
+            </a:fld>
+            <a:endParaRPr lang="en-US"/>
+          </a:p>
+        </p:txBody>
+      </p:sp>
+    </p:spTree>
+    <p:extLst>
+      <p:ext uri="{BB962C8B-B14F-4D97-AF65-F5344CB8AC3E}">
+        <p14:creationId xmlns:p14="http://schemas.microsoft.com/office/powerpoint/2010/main" val="2345448789"/>
+      </p:ext>
+    </p:extLst>
+  </p:cSld>
+  <p:clrMapOvr>
+    <a:masterClrMapping/>
+  </p:clrMapOvr>
+</p:notes>
+</file>
+
+<file path=ppt/notesSlides/notesSlide66.xml><?xml version="1.0" encoding="utf-8"?>
+<p:notes xmlns:a="http://schemas.openxmlformats.org/drawingml/2006/main" xmlns:r="http://schemas.openxmlformats.org/officeDocument/2006/relationships" xmlns:p="http://schemas.openxmlformats.org/presentationml/2006/main">
+  <p:cSld>
+    <p:spTree>
+      <p:nvGrpSpPr>
+        <p:cNvPr id="1" name=""/>
+        <p:cNvGrpSpPr/>
+        <p:nvPr/>
+      </p:nvGrpSpPr>
+      <p:grpSpPr>
+        <a:xfrm>
+          <a:off x="0" y="0"/>
+          <a:ext cx="0" cy="0"/>
+          <a:chOff x="0" y="0"/>
+          <a:chExt cx="0" cy="0"/>
+        </a:xfrm>
+      </p:grpSpPr>
+      <p:sp>
+        <p:nvSpPr>
+          <p:cNvPr id="2" name="Slide Image Placeholder 1"/>
+          <p:cNvSpPr>
+            <a:spLocks noGrp="1" noRot="1" noChangeAspect="1"/>
+          </p:cNvSpPr>
+          <p:nvPr>
+            <p:ph type="sldImg"/>
+          </p:nvPr>
+        </p:nvSpPr>
+        <p:spPr/>
+      </p:sp>
+      <p:sp>
+        <p:nvSpPr>
+          <p:cNvPr id="3" name="Notes Placeholder 2"/>
+          <p:cNvSpPr>
+            <a:spLocks noGrp="1"/>
+          </p:cNvSpPr>
+          <p:nvPr>
+            <p:ph type="body" idx="1"/>
+          </p:nvPr>
+        </p:nvSpPr>
+        <p:spPr/>
+        <p:txBody>
+          <a:bodyPr/>
+          <a:lstStyle/>
+          <a:p>
+            <a:endParaRPr lang="en-US" b="0" dirty="0" smtClean="0"/>
+          </a:p>
+        </p:txBody>
+      </p:sp>
+      <p:sp>
+        <p:nvSpPr>
+          <p:cNvPr id="4" name="Slide Number Placeholder 3"/>
+          <p:cNvSpPr>
+            <a:spLocks noGrp="1"/>
+          </p:cNvSpPr>
+          <p:nvPr>
+            <p:ph type="sldNum" sz="quarter" idx="10"/>
+          </p:nvPr>
+        </p:nvSpPr>
+        <p:spPr/>
+        <p:txBody>
+          <a:bodyPr/>
+          <a:lstStyle/>
+          <a:p>
+            <a:fld id="{89029652-62E7-43D6-83B5-097D7B7AA5D8}" type="slidenum">
+              <a:rPr lang="en-US" smtClean="0"/>
+              <a:t>66</a:t>
+            </a:fld>
+            <a:endParaRPr lang="en-US"/>
+          </a:p>
+        </p:txBody>
+      </p:sp>
+    </p:spTree>
+    <p:extLst>
+      <p:ext uri="{BB962C8B-B14F-4D97-AF65-F5344CB8AC3E}">
+        <p14:creationId xmlns:p14="http://schemas.microsoft.com/office/powerpoint/2010/main" val="397105126"/>
+      </p:ext>
+    </p:extLst>
+  </p:cSld>
+  <p:clrMapOvr>
+    <a:masterClrMapping/>
+  </p:clrMapOvr>
+</p:notes>
+</file>
+
+<file path=ppt/notesSlides/notesSlide67.xml><?xml version="1.0" encoding="utf-8"?>
+<p:notes xmlns:a="http://schemas.openxmlformats.org/drawingml/2006/main" xmlns:r="http://schemas.openxmlformats.org/officeDocument/2006/relationships" xmlns:p="http://schemas.openxmlformats.org/presentationml/2006/main">
+  <p:cSld>
+    <p:spTree>
+      <p:nvGrpSpPr>
+        <p:cNvPr id="1" name=""/>
+        <p:cNvGrpSpPr/>
+        <p:nvPr/>
+      </p:nvGrpSpPr>
+      <p:grpSpPr>
+        <a:xfrm>
+          <a:off x="0" y="0"/>
+          <a:ext cx="0" cy="0"/>
+          <a:chOff x="0" y="0"/>
+          <a:chExt cx="0" cy="0"/>
+        </a:xfrm>
+      </p:grpSpPr>
+      <p:sp>
+        <p:nvSpPr>
+          <p:cNvPr id="2" name="Slide Image Placeholder 1"/>
+          <p:cNvSpPr>
+            <a:spLocks noGrp="1" noRot="1" noChangeAspect="1"/>
+          </p:cNvSpPr>
+          <p:nvPr>
+            <p:ph type="sldImg"/>
+          </p:nvPr>
+        </p:nvSpPr>
+        <p:spPr/>
+      </p:sp>
+      <p:sp>
+        <p:nvSpPr>
+          <p:cNvPr id="3" name="Notes Placeholder 2"/>
+          <p:cNvSpPr>
+            <a:spLocks noGrp="1"/>
+          </p:cNvSpPr>
+          <p:nvPr>
+            <p:ph type="body" idx="1"/>
+          </p:nvPr>
+        </p:nvSpPr>
+        <p:spPr/>
+        <p:txBody>
+          <a:bodyPr/>
+          <a:lstStyle/>
+          <a:p>
+            <a:endParaRPr lang="en-US" b="0" dirty="0" smtClean="0"/>
+          </a:p>
+        </p:txBody>
+      </p:sp>
+      <p:sp>
+        <p:nvSpPr>
+          <p:cNvPr id="4" name="Slide Number Placeholder 3"/>
+          <p:cNvSpPr>
+            <a:spLocks noGrp="1"/>
+          </p:cNvSpPr>
+          <p:nvPr>
+            <p:ph type="sldNum" sz="quarter" idx="10"/>
+          </p:nvPr>
+        </p:nvSpPr>
+        <p:spPr/>
+        <p:txBody>
+          <a:bodyPr/>
+          <a:lstStyle/>
+          <a:p>
+            <a:fld id="{89029652-62E7-43D6-83B5-097D7B7AA5D8}" type="slidenum">
+              <a:rPr lang="en-US" smtClean="0"/>
+              <a:t>67</a:t>
+            </a:fld>
+            <a:endParaRPr lang="en-US"/>
+          </a:p>
+        </p:txBody>
+      </p:sp>
+    </p:spTree>
+    <p:extLst>
+      <p:ext uri="{BB962C8B-B14F-4D97-AF65-F5344CB8AC3E}">
+        <p14:creationId xmlns:p14="http://schemas.microsoft.com/office/powerpoint/2010/main" val="2602777311"/>
+      </p:ext>
+    </p:extLst>
+  </p:cSld>
+  <p:clrMapOvr>
+    <a:masterClrMapping/>
+  </p:clrMapOvr>
+</p:notes>
+</file>
+
+<file path=ppt/notesSlides/notesSlide68.xml><?xml version="1.0" encoding="utf-8"?>
+<p:notes xmlns:a="http://schemas.openxmlformats.org/drawingml/2006/main" xmlns:r="http://schemas.openxmlformats.org/officeDocument/2006/relationships" xmlns:p="http://schemas.openxmlformats.org/presentationml/2006/main">
+  <p:cSld>
+    <p:spTree>
+      <p:nvGrpSpPr>
+        <p:cNvPr id="1" name=""/>
+        <p:cNvGrpSpPr/>
+        <p:nvPr/>
+      </p:nvGrpSpPr>
+      <p:grpSpPr>
+        <a:xfrm>
+          <a:off x="0" y="0"/>
+          <a:ext cx="0" cy="0"/>
+          <a:chOff x="0" y="0"/>
+          <a:chExt cx="0" cy="0"/>
+        </a:xfrm>
+      </p:grpSpPr>
+      <p:sp>
+        <p:nvSpPr>
+          <p:cNvPr id="2" name="Slide Image Placeholder 1"/>
+          <p:cNvSpPr>
+            <a:spLocks noGrp="1" noRot="1" noChangeAspect="1"/>
+          </p:cNvSpPr>
+          <p:nvPr>
+            <p:ph type="sldImg"/>
+          </p:nvPr>
+        </p:nvSpPr>
+        <p:spPr/>
+      </p:sp>
+      <p:sp>
+        <p:nvSpPr>
+          <p:cNvPr id="3" name="Notes Placeholder 2"/>
+          <p:cNvSpPr>
+            <a:spLocks noGrp="1"/>
+          </p:cNvSpPr>
+          <p:nvPr>
+            <p:ph type="body" idx="1"/>
+          </p:nvPr>
+        </p:nvSpPr>
+        <p:spPr/>
+        <p:txBody>
+          <a:bodyPr/>
+          <a:lstStyle/>
+          <a:p>
+            <a:endParaRPr lang="en-US" b="0" dirty="0" smtClean="0"/>
+          </a:p>
+        </p:txBody>
+      </p:sp>
+      <p:sp>
+        <p:nvSpPr>
+          <p:cNvPr id="4" name="Slide Number Placeholder 3"/>
+          <p:cNvSpPr>
+            <a:spLocks noGrp="1"/>
+          </p:cNvSpPr>
+          <p:nvPr>
+            <p:ph type="sldNum" sz="quarter" idx="10"/>
+          </p:nvPr>
+        </p:nvSpPr>
+        <p:spPr/>
+        <p:txBody>
+          <a:bodyPr/>
+          <a:lstStyle/>
+          <a:p>
+            <a:fld id="{89029652-62E7-43D6-83B5-097D7B7AA5D8}" type="slidenum">
+              <a:rPr lang="en-US" smtClean="0"/>
+              <a:t>68</a:t>
+            </a:fld>
+            <a:endParaRPr lang="en-US"/>
+          </a:p>
+        </p:txBody>
+      </p:sp>
+    </p:spTree>
+    <p:extLst>
+      <p:ext uri="{BB962C8B-B14F-4D97-AF65-F5344CB8AC3E}">
+        <p14:creationId xmlns:p14="http://schemas.microsoft.com/office/powerpoint/2010/main" val="2267138517"/>
+      </p:ext>
+    </p:extLst>
+  </p:cSld>
+  <p:clrMapOvr>
+    <a:masterClrMapping/>
+  </p:clrMapOvr>
+</p:notes>
+</file>
+
+<file path=ppt/notesSlides/notesSlide69.xml><?xml version="1.0" encoding="utf-8"?>
+<p:notes xmlns:a="http://schemas.openxmlformats.org/drawingml/2006/main" xmlns:r="http://schemas.openxmlformats.org/officeDocument/2006/relationships" xmlns:p="http://schemas.openxmlformats.org/presentationml/2006/main">
+  <p:cSld>
+    <p:spTree>
+      <p:nvGrpSpPr>
+        <p:cNvPr id="1" name=""/>
+        <p:cNvGrpSpPr/>
+        <p:nvPr/>
+      </p:nvGrpSpPr>
+      <p:grpSpPr>
+        <a:xfrm>
+          <a:off x="0" y="0"/>
+          <a:ext cx="0" cy="0"/>
+          <a:chOff x="0" y="0"/>
+          <a:chExt cx="0" cy="0"/>
+        </a:xfrm>
+      </p:grpSpPr>
+      <p:sp>
+        <p:nvSpPr>
+          <p:cNvPr id="2" name="Slide Image Placeholder 1"/>
+          <p:cNvSpPr>
+            <a:spLocks noGrp="1" noRot="1" noChangeAspect="1"/>
+          </p:cNvSpPr>
+          <p:nvPr>
+            <p:ph type="sldImg"/>
+          </p:nvPr>
+        </p:nvSpPr>
+        <p:spPr/>
+      </p:sp>
+      <p:sp>
+        <p:nvSpPr>
+          <p:cNvPr id="3" name="Notes Placeholder 2"/>
+          <p:cNvSpPr>
+            <a:spLocks noGrp="1"/>
+          </p:cNvSpPr>
+          <p:nvPr>
+            <p:ph type="body" idx="1"/>
+          </p:nvPr>
+        </p:nvSpPr>
+        <p:spPr/>
+        <p:txBody>
+          <a:bodyPr/>
+          <a:lstStyle/>
+          <a:p>
             <a:endParaRPr lang="en-US" sz="1200" kern="1200" dirty="0" smtClean="0">
               <a:solidFill>
                 <a:schemeClr val="tx1"/>
@@ -5961,7 +6386,7 @@
           <a:p>
             <a:fld id="{89029652-62E7-43D6-83B5-097D7B7AA5D8}" type="slidenum">
               <a:rPr lang="en-US" smtClean="0"/>
-              <a:t>64</a:t>
+              <a:t>69</a:t>
             </a:fld>
             <a:endParaRPr lang="en-US"/>
           </a:p>
@@ -6363,7 +6788,7 @@
           <a:p>
             <a:fld id="{75AA6396-395E-4ADA-8EE5-F328BC863A04}" type="datetimeFigureOut">
               <a:rPr lang="en-US" smtClean="0"/>
-              <a:t>1/2/2017</a:t>
+              <a:t>1/3/2017</a:t>
             </a:fld>
             <a:endParaRPr lang="en-US"/>
           </a:p>
@@ -6540,7 +6965,7 @@
           <a:p>
             <a:fld id="{75AA6396-395E-4ADA-8EE5-F328BC863A04}" type="datetimeFigureOut">
               <a:rPr lang="en-US" smtClean="0"/>
-              <a:t>1/2/2017</a:t>
+              <a:t>1/3/2017</a:t>
             </a:fld>
             <a:endParaRPr lang="en-US"/>
           </a:p>
@@ -6720,7 +7145,7 @@
           <a:p>
             <a:fld id="{75AA6396-395E-4ADA-8EE5-F328BC863A04}" type="datetimeFigureOut">
               <a:rPr lang="en-US" smtClean="0"/>
-              <a:t>1/2/2017</a:t>
+              <a:t>1/3/2017</a:t>
             </a:fld>
             <a:endParaRPr lang="en-US"/>
           </a:p>
@@ -6940,7 +7365,7 @@
           <a:p>
             <a:fld id="{75AA6396-395E-4ADA-8EE5-F328BC863A04}" type="datetimeFigureOut">
               <a:rPr lang="en-US" smtClean="0"/>
-              <a:t>1/2/2017</a:t>
+              <a:t>1/3/2017</a:t>
             </a:fld>
             <a:endParaRPr lang="en-US"/>
           </a:p>
@@ -7193,7 +7618,7 @@
           <a:p>
             <a:fld id="{75AA6396-395E-4ADA-8EE5-F328BC863A04}" type="datetimeFigureOut">
               <a:rPr lang="en-US" smtClean="0"/>
-              <a:t>1/2/2017</a:t>
+              <a:t>1/3/2017</a:t>
             </a:fld>
             <a:endParaRPr lang="en-US"/>
           </a:p>
@@ -7432,7 +7857,7 @@
           <a:p>
             <a:fld id="{75AA6396-395E-4ADA-8EE5-F328BC863A04}" type="datetimeFigureOut">
               <a:rPr lang="en-US" smtClean="0"/>
-              <a:t>1/2/2017</a:t>
+              <a:t>1/3/2017</a:t>
             </a:fld>
             <a:endParaRPr lang="en-US"/>
           </a:p>
@@ -7806,7 +8231,7 @@
           <a:p>
             <a:fld id="{75AA6396-395E-4ADA-8EE5-F328BC863A04}" type="datetimeFigureOut">
               <a:rPr lang="en-US" smtClean="0"/>
-              <a:t>1/2/2017</a:t>
+              <a:t>1/3/2017</a:t>
             </a:fld>
             <a:endParaRPr lang="en-US"/>
           </a:p>
@@ -7924,7 +8349,7 @@
           <a:p>
             <a:fld id="{75AA6396-395E-4ADA-8EE5-F328BC863A04}" type="datetimeFigureOut">
               <a:rPr lang="en-US" smtClean="0"/>
-              <a:t>1/2/2017</a:t>
+              <a:t>1/3/2017</a:t>
             </a:fld>
             <a:endParaRPr lang="en-US"/>
           </a:p>
@@ -8019,7 +8444,7 @@
           <a:p>
             <a:fld id="{75AA6396-395E-4ADA-8EE5-F328BC863A04}" type="datetimeFigureOut">
               <a:rPr lang="en-US" smtClean="0"/>
-              <a:t>1/2/2017</a:t>
+              <a:t>1/3/2017</a:t>
             </a:fld>
             <a:endParaRPr lang="en-US"/>
           </a:p>
@@ -8296,7 +8721,7 @@
           <a:p>
             <a:fld id="{75AA6396-395E-4ADA-8EE5-F328BC863A04}" type="datetimeFigureOut">
               <a:rPr lang="en-US" smtClean="0"/>
-              <a:t>1/2/2017</a:t>
+              <a:t>1/3/2017</a:t>
             </a:fld>
             <a:endParaRPr lang="en-US"/>
           </a:p>
@@ -8549,7 +8974,7 @@
           <a:p>
             <a:fld id="{75AA6396-395E-4ADA-8EE5-F328BC863A04}" type="datetimeFigureOut">
               <a:rPr lang="en-US" smtClean="0"/>
-              <a:t>1/2/2017</a:t>
+              <a:t>1/3/2017</a:t>
             </a:fld>
             <a:endParaRPr lang="en-US"/>
           </a:p>
@@ -8762,7 +9187,7 @@
           <a:p>
             <a:fld id="{75AA6396-395E-4ADA-8EE5-F328BC863A04}" type="datetimeFigureOut">
               <a:rPr lang="en-US" smtClean="0"/>
-              <a:t>1/2/2017</a:t>
+              <a:t>1/3/2017</a:t>
             </a:fld>
             <a:endParaRPr lang="en-US"/>
           </a:p>
@@ -15921,7 +16346,6 @@
               <a:rPr lang="en-US" sz="4800" dirty="0"/>
               <a:t>Authorization auditing</a:t>
             </a:r>
-            <a:endParaRPr lang="en-US" sz="4800" dirty="0"/>
           </a:p>
         </p:txBody>
       </p:sp>
@@ -16042,7 +16466,6 @@
               <a:rPr lang="en-US" sz="4800" dirty="0"/>
               <a:t>Authorization auditing</a:t>
             </a:r>
-            <a:endParaRPr lang="en-US" sz="4800" dirty="0"/>
           </a:p>
         </p:txBody>
       </p:sp>
@@ -16297,7 +16720,6 @@
               <a:rPr lang="en-US" sz="4800" dirty="0"/>
               <a:t>Authorization auditing</a:t>
             </a:r>
-            <a:endParaRPr lang="en-US" sz="4800" dirty="0"/>
           </a:p>
         </p:txBody>
       </p:sp>
@@ -16418,7 +16840,6 @@
               <a:rPr lang="en-US" sz="4800" dirty="0"/>
               <a:t>Authorization auditing</a:t>
             </a:r>
-            <a:endParaRPr lang="en-US" sz="4800" dirty="0"/>
           </a:p>
         </p:txBody>
       </p:sp>
@@ -16520,31 +16941,6 @@
       </p:grpSpPr>
       <p:sp>
         <p:nvSpPr>
-          <p:cNvPr id="2" name="Title 1"/>
-          <p:cNvSpPr>
-            <a:spLocks noGrp="1"/>
-          </p:cNvSpPr>
-          <p:nvPr>
-            <p:ph type="title"/>
-          </p:nvPr>
-        </p:nvSpPr>
-        <p:spPr/>
-        <p:txBody>
-          <a:bodyPr>
-            <a:normAutofit/>
-          </a:bodyPr>
-          <a:lstStyle/>
-          <a:p>
-            <a:r>
-              <a:rPr lang="en-US" sz="4800" dirty="0" smtClean="0"/>
-              <a:t>Patented step-by-step slide</a:t>
-            </a:r>
-            <a:endParaRPr lang="en-US" sz="4800" dirty="0"/>
-          </a:p>
-        </p:txBody>
-      </p:sp>
-      <p:sp>
-        <p:nvSpPr>
           <p:cNvPr id="3" name="Content Placeholder 2"/>
           <p:cNvSpPr>
             <a:spLocks noGrp="1"/>
@@ -16565,57 +16961,93 @@
           </a:bodyPr>
           <a:lstStyle/>
           <a:p>
-            <a:r>
-              <a:rPr lang="en-US" sz="4000" dirty="0" smtClean="0">
+            <a:endParaRPr lang="en-US" sz="4000" dirty="0" smtClean="0"/>
+          </a:p>
+          <a:p>
+            <a:endParaRPr lang="en-US" dirty="0" smtClean="0"/>
+          </a:p>
+          <a:p>
+            <a:endParaRPr lang="en-US" dirty="0" smtClean="0"/>
+          </a:p>
+          <a:p>
+            <a:endParaRPr lang="en-US" dirty="0"/>
+          </a:p>
+        </p:txBody>
+      </p:sp>
+      <p:pic>
+        <p:nvPicPr>
+          <p:cNvPr id="6" name="Picture 5"/>
+          <p:cNvPicPr>
+            <a:picLocks noChangeAspect="1"/>
+          </p:cNvPicPr>
+          <p:nvPr/>
+        </p:nvPicPr>
+        <p:blipFill>
+          <a:blip r:embed="rId3"/>
+          <a:stretch>
+            <a:fillRect/>
+          </a:stretch>
+        </p:blipFill>
+        <p:spPr>
+          <a:xfrm>
+            <a:off x="3347554" y="1672545"/>
+            <a:ext cx="5496889" cy="1598818"/>
+          </a:xfrm>
+          <a:prstGeom prst="rect">
+            <a:avLst/>
+          </a:prstGeom>
+        </p:spPr>
+      </p:pic>
+      <p:sp>
+        <p:nvSpPr>
+          <p:cNvPr id="7" name="TextBox 6"/>
+          <p:cNvSpPr txBox="1"/>
+          <p:nvPr/>
+        </p:nvSpPr>
+        <p:spPr>
+          <a:xfrm>
+            <a:off x="3832122" y="3797419"/>
+            <a:ext cx="4854678" cy="646331"/>
+          </a:xfrm>
+          <a:prstGeom prst="rect">
+            <a:avLst/>
+          </a:prstGeom>
+          <a:noFill/>
+        </p:spPr>
+        <p:txBody>
+          <a:bodyPr wrap="square" rtlCol="0">
+            <a:spAutoFit/>
+          </a:bodyPr>
+          <a:lstStyle/>
+          <a:p>
+            <a:r>
+              <a:rPr lang="en-US" sz="3600" dirty="0">
                 <a:solidFill>
-                  <a:schemeClr val="bg1">
-                    <a:lumMod val="65000"/>
-                  </a:schemeClr>
+                  <a:srgbClr val="013947"/>
                 </a:solidFill>
               </a:rPr>
-              <a:t>Old news</a:t>
-            </a:r>
-            <a:br>
-              <a:rPr lang="en-US" sz="4000" dirty="0" smtClean="0">
+              <a:t>http://</a:t>
+            </a:r>
+            <a:r>
+              <a:rPr lang="en-US" sz="3600" dirty="0" smtClean="0">
                 <a:solidFill>
-                  <a:schemeClr val="bg1">
-                    <a:lumMod val="65000"/>
-                  </a:schemeClr>
+                  <a:srgbClr val="013947"/>
                 </a:solidFill>
               </a:rPr>
-            </a:br>
-            <a:endParaRPr lang="en-US" sz="4000" dirty="0" smtClean="0">
+              <a:t>approvaltests.com</a:t>
+            </a:r>
+            <a:endParaRPr lang="en-US" sz="3600" dirty="0">
               <a:solidFill>
-                <a:schemeClr val="bg1">
-                  <a:lumMod val="65000"/>
-                </a:schemeClr>
+                <a:srgbClr val="013947"/>
               </a:solidFill>
             </a:endParaRPr>
-          </a:p>
-          <a:p>
-            <a:r>
-              <a:rPr lang="en-US" sz="4000" b="1" dirty="0" smtClean="0"/>
-              <a:t>New hotness</a:t>
-            </a:r>
-          </a:p>
-          <a:p>
-            <a:endParaRPr lang="en-US" sz="4000" dirty="0" smtClean="0"/>
-          </a:p>
-          <a:p>
-            <a:endParaRPr lang="en-US" dirty="0" smtClean="0"/>
-          </a:p>
-          <a:p>
-            <a:endParaRPr lang="en-US" dirty="0" smtClean="0"/>
-          </a:p>
-          <a:p>
-            <a:endParaRPr lang="en-US" dirty="0"/>
           </a:p>
         </p:txBody>
       </p:sp>
     </p:spTree>
     <p:extLst>
       <p:ext uri="{BB962C8B-B14F-4D97-AF65-F5344CB8AC3E}">
-        <p14:creationId xmlns:p14="http://schemas.microsoft.com/office/powerpoint/2010/main" val="1887088746"/>
+        <p14:creationId xmlns:p14="http://schemas.microsoft.com/office/powerpoint/2010/main" val="1588857752"/>
       </p:ext>
     </p:extLst>
   </p:cSld>
@@ -16668,6 +17100,571 @@
           <a:p>
             <a:r>
               <a:rPr lang="en-US" sz="4800" dirty="0" smtClean="0"/>
+              <a:t>Approval Tests – Step 1</a:t>
+            </a:r>
+            <a:endParaRPr lang="en-US" sz="4800" dirty="0"/>
+          </a:p>
+        </p:txBody>
+      </p:sp>
+      <p:sp>
+        <p:nvSpPr>
+          <p:cNvPr id="3" name="Content Placeholder 2"/>
+          <p:cNvSpPr>
+            <a:spLocks noGrp="1"/>
+          </p:cNvSpPr>
+          <p:nvPr>
+            <p:ph idx="1"/>
+          </p:nvPr>
+        </p:nvSpPr>
+        <p:spPr>
+          <a:xfrm>
+            <a:off x="838200" y="1825624"/>
+            <a:ext cx="10515600" cy="4589923"/>
+          </a:xfrm>
+        </p:spPr>
+        <p:txBody>
+          <a:bodyPr>
+            <a:normAutofit/>
+          </a:bodyPr>
+          <a:lstStyle/>
+          <a:p>
+            <a:endParaRPr lang="en-US" sz="4000" dirty="0" smtClean="0"/>
+          </a:p>
+          <a:p>
+            <a:endParaRPr lang="en-US" dirty="0" smtClean="0"/>
+          </a:p>
+          <a:p>
+            <a:endParaRPr lang="en-US" dirty="0" smtClean="0"/>
+          </a:p>
+          <a:p>
+            <a:endParaRPr lang="en-US" dirty="0"/>
+          </a:p>
+        </p:txBody>
+      </p:sp>
+      <p:pic>
+        <p:nvPicPr>
+          <p:cNvPr id="4" name="Picture 3"/>
+          <p:cNvPicPr>
+            <a:picLocks noChangeAspect="1"/>
+          </p:cNvPicPr>
+          <p:nvPr/>
+        </p:nvPicPr>
+        <p:blipFill>
+          <a:blip r:embed="rId3"/>
+          <a:stretch>
+            <a:fillRect/>
+          </a:stretch>
+        </p:blipFill>
+        <p:spPr>
+          <a:xfrm>
+            <a:off x="838200" y="1690687"/>
+            <a:ext cx="8166885" cy="5034577"/>
+          </a:xfrm>
+          <a:prstGeom prst="rect">
+            <a:avLst/>
+          </a:prstGeom>
+        </p:spPr>
+      </p:pic>
+    </p:spTree>
+    <p:extLst>
+      <p:ext uri="{BB962C8B-B14F-4D97-AF65-F5344CB8AC3E}">
+        <p14:creationId xmlns:p14="http://schemas.microsoft.com/office/powerpoint/2010/main" val="2227038732"/>
+      </p:ext>
+    </p:extLst>
+  </p:cSld>
+  <p:clrMapOvr>
+    <a:masterClrMapping/>
+  </p:clrMapOvr>
+  <p:timing>
+    <p:tnLst>
+      <p:par>
+        <p:cTn id="1" dur="indefinite" restart="never" nodeType="tmRoot"/>
+      </p:par>
+    </p:tnLst>
+  </p:timing>
+</p:sld>
+</file>
+
+<file path=ppt/slides/slide64.xml><?xml version="1.0" encoding="utf-8"?>
+<p:sld xmlns:a="http://schemas.openxmlformats.org/drawingml/2006/main" xmlns:r="http://schemas.openxmlformats.org/officeDocument/2006/relationships" xmlns:p="http://schemas.openxmlformats.org/presentationml/2006/main">
+  <p:cSld>
+    <p:spTree>
+      <p:nvGrpSpPr>
+        <p:cNvPr id="1" name=""/>
+        <p:cNvGrpSpPr/>
+        <p:nvPr/>
+      </p:nvGrpSpPr>
+      <p:grpSpPr>
+        <a:xfrm>
+          <a:off x="0" y="0"/>
+          <a:ext cx="0" cy="0"/>
+          <a:chOff x="0" y="0"/>
+          <a:chExt cx="0" cy="0"/>
+        </a:xfrm>
+      </p:grpSpPr>
+      <p:sp>
+        <p:nvSpPr>
+          <p:cNvPr id="2" name="Title 1"/>
+          <p:cNvSpPr>
+            <a:spLocks noGrp="1"/>
+          </p:cNvSpPr>
+          <p:nvPr>
+            <p:ph type="title"/>
+          </p:nvPr>
+        </p:nvSpPr>
+        <p:spPr/>
+        <p:txBody>
+          <a:bodyPr>
+            <a:normAutofit/>
+          </a:bodyPr>
+          <a:lstStyle/>
+          <a:p>
+            <a:r>
+              <a:rPr lang="en-US" sz="4800" dirty="0" smtClean="0"/>
+              <a:t>Approval Tests – Step 2</a:t>
+            </a:r>
+            <a:endParaRPr lang="en-US" sz="4800" dirty="0"/>
+          </a:p>
+        </p:txBody>
+      </p:sp>
+      <p:sp>
+        <p:nvSpPr>
+          <p:cNvPr id="3" name="Content Placeholder 2"/>
+          <p:cNvSpPr>
+            <a:spLocks noGrp="1"/>
+          </p:cNvSpPr>
+          <p:nvPr>
+            <p:ph idx="1"/>
+          </p:nvPr>
+        </p:nvSpPr>
+        <p:spPr>
+          <a:xfrm>
+            <a:off x="838200" y="1825624"/>
+            <a:ext cx="10515600" cy="4589923"/>
+          </a:xfrm>
+        </p:spPr>
+        <p:txBody>
+          <a:bodyPr>
+            <a:normAutofit/>
+          </a:bodyPr>
+          <a:lstStyle/>
+          <a:p>
+            <a:endParaRPr lang="en-US" sz="4000" dirty="0" smtClean="0"/>
+          </a:p>
+          <a:p>
+            <a:endParaRPr lang="en-US" dirty="0" smtClean="0"/>
+          </a:p>
+          <a:p>
+            <a:endParaRPr lang="en-US" dirty="0" smtClean="0"/>
+          </a:p>
+          <a:p>
+            <a:endParaRPr lang="en-US" dirty="0"/>
+          </a:p>
+        </p:txBody>
+      </p:sp>
+      <p:pic>
+        <p:nvPicPr>
+          <p:cNvPr id="5" name="Picture 4"/>
+          <p:cNvPicPr>
+            <a:picLocks noChangeAspect="1"/>
+          </p:cNvPicPr>
+          <p:nvPr/>
+        </p:nvPicPr>
+        <p:blipFill>
+          <a:blip r:embed="rId3"/>
+          <a:stretch>
+            <a:fillRect/>
+          </a:stretch>
+        </p:blipFill>
+        <p:spPr>
+          <a:xfrm>
+            <a:off x="838200" y="2606187"/>
+            <a:ext cx="11249815" cy="3028796"/>
+          </a:xfrm>
+          <a:prstGeom prst="rect">
+            <a:avLst/>
+          </a:prstGeom>
+        </p:spPr>
+      </p:pic>
+    </p:spTree>
+    <p:extLst>
+      <p:ext uri="{BB962C8B-B14F-4D97-AF65-F5344CB8AC3E}">
+        <p14:creationId xmlns:p14="http://schemas.microsoft.com/office/powerpoint/2010/main" val="2880740301"/>
+      </p:ext>
+    </p:extLst>
+  </p:cSld>
+  <p:clrMapOvr>
+    <a:masterClrMapping/>
+  </p:clrMapOvr>
+  <p:timing>
+    <p:tnLst>
+      <p:par>
+        <p:cTn id="1" dur="indefinite" restart="never" nodeType="tmRoot"/>
+      </p:par>
+    </p:tnLst>
+  </p:timing>
+</p:sld>
+</file>
+
+<file path=ppt/slides/slide65.xml><?xml version="1.0" encoding="utf-8"?>
+<p:sld xmlns:a="http://schemas.openxmlformats.org/drawingml/2006/main" xmlns:r="http://schemas.openxmlformats.org/officeDocument/2006/relationships" xmlns:p="http://schemas.openxmlformats.org/presentationml/2006/main">
+  <p:cSld>
+    <p:spTree>
+      <p:nvGrpSpPr>
+        <p:cNvPr id="1" name=""/>
+        <p:cNvGrpSpPr/>
+        <p:nvPr/>
+      </p:nvGrpSpPr>
+      <p:grpSpPr>
+        <a:xfrm>
+          <a:off x="0" y="0"/>
+          <a:ext cx="0" cy="0"/>
+          <a:chOff x="0" y="0"/>
+          <a:chExt cx="0" cy="0"/>
+        </a:xfrm>
+      </p:grpSpPr>
+      <p:sp>
+        <p:nvSpPr>
+          <p:cNvPr id="3" name="Content Placeholder 2"/>
+          <p:cNvSpPr>
+            <a:spLocks noGrp="1"/>
+          </p:cNvSpPr>
+          <p:nvPr>
+            <p:ph idx="1"/>
+          </p:nvPr>
+        </p:nvSpPr>
+        <p:spPr>
+          <a:xfrm>
+            <a:off x="838200" y="1825624"/>
+            <a:ext cx="10515600" cy="4589923"/>
+          </a:xfrm>
+        </p:spPr>
+        <p:txBody>
+          <a:bodyPr>
+            <a:normAutofit/>
+          </a:bodyPr>
+          <a:lstStyle/>
+          <a:p>
+            <a:endParaRPr lang="en-US" sz="4000" dirty="0" smtClean="0"/>
+          </a:p>
+          <a:p>
+            <a:endParaRPr lang="en-US" dirty="0" smtClean="0"/>
+          </a:p>
+          <a:p>
+            <a:endParaRPr lang="en-US" dirty="0" smtClean="0"/>
+          </a:p>
+          <a:p>
+            <a:endParaRPr lang="en-US" dirty="0"/>
+          </a:p>
+        </p:txBody>
+      </p:sp>
+      <p:pic>
+        <p:nvPicPr>
+          <p:cNvPr id="6" name="Picture 5"/>
+          <p:cNvPicPr>
+            <a:picLocks noChangeAspect="1"/>
+          </p:cNvPicPr>
+          <p:nvPr/>
+        </p:nvPicPr>
+        <p:blipFill>
+          <a:blip r:embed="rId3"/>
+          <a:stretch>
+            <a:fillRect/>
+          </a:stretch>
+        </p:blipFill>
+        <p:spPr>
+          <a:xfrm>
+            <a:off x="135333" y="388043"/>
+            <a:ext cx="11921334" cy="6027504"/>
+          </a:xfrm>
+          <a:prstGeom prst="rect">
+            <a:avLst/>
+          </a:prstGeom>
+        </p:spPr>
+      </p:pic>
+    </p:spTree>
+    <p:extLst>
+      <p:ext uri="{BB962C8B-B14F-4D97-AF65-F5344CB8AC3E}">
+        <p14:creationId xmlns:p14="http://schemas.microsoft.com/office/powerpoint/2010/main" val="674782299"/>
+      </p:ext>
+    </p:extLst>
+  </p:cSld>
+  <p:clrMapOvr>
+    <a:masterClrMapping/>
+  </p:clrMapOvr>
+  <p:timing>
+    <p:tnLst>
+      <p:par>
+        <p:cTn id="1" dur="indefinite" restart="never" nodeType="tmRoot"/>
+      </p:par>
+    </p:tnLst>
+  </p:timing>
+</p:sld>
+</file>
+
+<file path=ppt/slides/slide66.xml><?xml version="1.0" encoding="utf-8"?>
+<p:sld xmlns:a="http://schemas.openxmlformats.org/drawingml/2006/main" xmlns:r="http://schemas.openxmlformats.org/officeDocument/2006/relationships" xmlns:p="http://schemas.openxmlformats.org/presentationml/2006/main">
+  <p:cSld>
+    <p:spTree>
+      <p:nvGrpSpPr>
+        <p:cNvPr id="1" name=""/>
+        <p:cNvGrpSpPr/>
+        <p:nvPr/>
+      </p:nvGrpSpPr>
+      <p:grpSpPr>
+        <a:xfrm>
+          <a:off x="0" y="0"/>
+          <a:ext cx="0" cy="0"/>
+          <a:chOff x="0" y="0"/>
+          <a:chExt cx="0" cy="0"/>
+        </a:xfrm>
+      </p:grpSpPr>
+      <p:sp>
+        <p:nvSpPr>
+          <p:cNvPr id="3" name="Content Placeholder 2"/>
+          <p:cNvSpPr>
+            <a:spLocks noGrp="1"/>
+          </p:cNvSpPr>
+          <p:nvPr>
+            <p:ph idx="1"/>
+          </p:nvPr>
+        </p:nvSpPr>
+        <p:spPr>
+          <a:xfrm>
+            <a:off x="838200" y="1825624"/>
+            <a:ext cx="10515600" cy="4589923"/>
+          </a:xfrm>
+        </p:spPr>
+        <p:txBody>
+          <a:bodyPr>
+            <a:normAutofit/>
+          </a:bodyPr>
+          <a:lstStyle/>
+          <a:p>
+            <a:endParaRPr lang="en-US" sz="4000" dirty="0" smtClean="0"/>
+          </a:p>
+          <a:p>
+            <a:endParaRPr lang="en-US" dirty="0" smtClean="0"/>
+          </a:p>
+          <a:p>
+            <a:endParaRPr lang="en-US" dirty="0" smtClean="0"/>
+          </a:p>
+          <a:p>
+            <a:endParaRPr lang="en-US" dirty="0"/>
+          </a:p>
+        </p:txBody>
+      </p:sp>
+      <p:pic>
+        <p:nvPicPr>
+          <p:cNvPr id="7" name="Picture 6"/>
+          <p:cNvPicPr>
+            <a:picLocks noChangeAspect="1"/>
+          </p:cNvPicPr>
+          <p:nvPr/>
+        </p:nvPicPr>
+        <p:blipFill>
+          <a:blip r:embed="rId3"/>
+          <a:stretch>
+            <a:fillRect/>
+          </a:stretch>
+        </p:blipFill>
+        <p:spPr>
+          <a:xfrm>
+            <a:off x="206588" y="2513089"/>
+            <a:ext cx="11778823" cy="1607496"/>
+          </a:xfrm>
+          <a:prstGeom prst="rect">
+            <a:avLst/>
+          </a:prstGeom>
+        </p:spPr>
+      </p:pic>
+    </p:spTree>
+    <p:extLst>
+      <p:ext uri="{BB962C8B-B14F-4D97-AF65-F5344CB8AC3E}">
+        <p14:creationId xmlns:p14="http://schemas.microsoft.com/office/powerpoint/2010/main" val="854306639"/>
+      </p:ext>
+    </p:extLst>
+  </p:cSld>
+  <p:clrMapOvr>
+    <a:masterClrMapping/>
+  </p:clrMapOvr>
+  <p:timing>
+    <p:tnLst>
+      <p:par>
+        <p:cTn id="1" dur="indefinite" restart="never" nodeType="tmRoot"/>
+      </p:par>
+    </p:tnLst>
+  </p:timing>
+</p:sld>
+</file>
+
+<file path=ppt/slides/slide67.xml><?xml version="1.0" encoding="utf-8"?>
+<p:sld xmlns:a="http://schemas.openxmlformats.org/drawingml/2006/main" xmlns:r="http://schemas.openxmlformats.org/officeDocument/2006/relationships" xmlns:p="http://schemas.openxmlformats.org/presentationml/2006/main">
+  <p:cSld>
+    <p:spTree>
+      <p:nvGrpSpPr>
+        <p:cNvPr id="1" name=""/>
+        <p:cNvGrpSpPr/>
+        <p:nvPr/>
+      </p:nvGrpSpPr>
+      <p:grpSpPr>
+        <a:xfrm>
+          <a:off x="0" y="0"/>
+          <a:ext cx="0" cy="0"/>
+          <a:chOff x="0" y="0"/>
+          <a:chExt cx="0" cy="0"/>
+        </a:xfrm>
+      </p:grpSpPr>
+      <p:sp>
+        <p:nvSpPr>
+          <p:cNvPr id="2" name="Title 1"/>
+          <p:cNvSpPr>
+            <a:spLocks noGrp="1"/>
+          </p:cNvSpPr>
+          <p:nvPr>
+            <p:ph type="title"/>
+          </p:nvPr>
+        </p:nvSpPr>
+        <p:spPr/>
+        <p:txBody>
+          <a:bodyPr>
+            <a:normAutofit/>
+          </a:bodyPr>
+          <a:lstStyle/>
+          <a:p>
+            <a:r>
+              <a:rPr lang="en-US" sz="4800" dirty="0" smtClean="0"/>
+              <a:t>Patented step-by-step slide</a:t>
+            </a:r>
+            <a:endParaRPr lang="en-US" sz="4800" dirty="0"/>
+          </a:p>
+        </p:txBody>
+      </p:sp>
+      <p:sp>
+        <p:nvSpPr>
+          <p:cNvPr id="3" name="Content Placeholder 2"/>
+          <p:cNvSpPr>
+            <a:spLocks noGrp="1"/>
+          </p:cNvSpPr>
+          <p:nvPr>
+            <p:ph idx="1"/>
+          </p:nvPr>
+        </p:nvSpPr>
+        <p:spPr>
+          <a:xfrm>
+            <a:off x="838200" y="1825624"/>
+            <a:ext cx="10515600" cy="4589923"/>
+          </a:xfrm>
+        </p:spPr>
+        <p:txBody>
+          <a:bodyPr>
+            <a:normAutofit/>
+          </a:bodyPr>
+          <a:lstStyle/>
+          <a:p>
+            <a:r>
+              <a:rPr lang="en-US" sz="4000" dirty="0" smtClean="0">
+                <a:solidFill>
+                  <a:schemeClr val="bg1">
+                    <a:lumMod val="65000"/>
+                  </a:schemeClr>
+                </a:solidFill>
+              </a:rPr>
+              <a:t>Old news</a:t>
+            </a:r>
+            <a:br>
+              <a:rPr lang="en-US" sz="4000" dirty="0" smtClean="0">
+                <a:solidFill>
+                  <a:schemeClr val="bg1">
+                    <a:lumMod val="65000"/>
+                  </a:schemeClr>
+                </a:solidFill>
+              </a:rPr>
+            </a:br>
+            <a:endParaRPr lang="en-US" sz="4000" dirty="0" smtClean="0">
+              <a:solidFill>
+                <a:schemeClr val="bg1">
+                  <a:lumMod val="65000"/>
+                </a:schemeClr>
+              </a:solidFill>
+            </a:endParaRPr>
+          </a:p>
+          <a:p>
+            <a:r>
+              <a:rPr lang="en-US" sz="4000" b="1" dirty="0" smtClean="0"/>
+              <a:t>New hotness</a:t>
+            </a:r>
+          </a:p>
+          <a:p>
+            <a:endParaRPr lang="en-US" sz="4000" dirty="0" smtClean="0"/>
+          </a:p>
+          <a:p>
+            <a:endParaRPr lang="en-US" dirty="0" smtClean="0"/>
+          </a:p>
+          <a:p>
+            <a:endParaRPr lang="en-US" dirty="0" smtClean="0"/>
+          </a:p>
+          <a:p>
+            <a:endParaRPr lang="en-US" dirty="0"/>
+          </a:p>
+        </p:txBody>
+      </p:sp>
+    </p:spTree>
+    <p:extLst>
+      <p:ext uri="{BB962C8B-B14F-4D97-AF65-F5344CB8AC3E}">
+        <p14:creationId xmlns:p14="http://schemas.microsoft.com/office/powerpoint/2010/main" val="1887088746"/>
+      </p:ext>
+    </p:extLst>
+  </p:cSld>
+  <p:clrMapOvr>
+    <a:masterClrMapping/>
+  </p:clrMapOvr>
+  <p:timing>
+    <p:tnLst>
+      <p:par>
+        <p:cTn id="1" dur="indefinite" restart="never" nodeType="tmRoot"/>
+      </p:par>
+    </p:tnLst>
+  </p:timing>
+</p:sld>
+</file>
+
+<file path=ppt/slides/slide68.xml><?xml version="1.0" encoding="utf-8"?>
+<p:sld xmlns:a="http://schemas.openxmlformats.org/drawingml/2006/main" xmlns:r="http://schemas.openxmlformats.org/officeDocument/2006/relationships" xmlns:p="http://schemas.openxmlformats.org/presentationml/2006/main">
+  <p:cSld>
+    <p:spTree>
+      <p:nvGrpSpPr>
+        <p:cNvPr id="1" name=""/>
+        <p:cNvGrpSpPr/>
+        <p:nvPr/>
+      </p:nvGrpSpPr>
+      <p:grpSpPr>
+        <a:xfrm>
+          <a:off x="0" y="0"/>
+          <a:ext cx="0" cy="0"/>
+          <a:chOff x="0" y="0"/>
+          <a:chExt cx="0" cy="0"/>
+        </a:xfrm>
+      </p:grpSpPr>
+      <p:sp>
+        <p:nvSpPr>
+          <p:cNvPr id="2" name="Title 1"/>
+          <p:cNvSpPr>
+            <a:spLocks noGrp="1"/>
+          </p:cNvSpPr>
+          <p:nvPr>
+            <p:ph type="title"/>
+          </p:nvPr>
+        </p:nvSpPr>
+        <p:spPr/>
+        <p:txBody>
+          <a:bodyPr>
+            <a:normAutofit/>
+          </a:bodyPr>
+          <a:lstStyle/>
+          <a:p>
+            <a:r>
+              <a:rPr lang="en-US" sz="4800" dirty="0" smtClean="0"/>
               <a:t>Canonical example: SQL Injection</a:t>
             </a:r>
             <a:endParaRPr lang="en-US" sz="4800" dirty="0"/>
@@ -16729,7 +17726,7 @@
 </p:sld>
 </file>
 
-<file path=ppt/slides/slide64.xml><?xml version="1.0" encoding="utf-8"?>
+<file path=ppt/slides/slide69.xml><?xml version="1.0" encoding="utf-8"?>
 <p:sld xmlns:a="http://schemas.openxmlformats.org/drawingml/2006/main" xmlns:r="http://schemas.openxmlformats.org/officeDocument/2006/relationships" xmlns:p="http://schemas.openxmlformats.org/presentationml/2006/main">
   <p:cSld>
     <p:spTree>

--- a/Secure Systems - CodeMash 2017.pptx
+++ b/Secure Systems - CodeMash 2017.pptx
@@ -70,12 +70,12 @@
     <p:sldId id="557" r:id="rId61"/>
     <p:sldId id="558" r:id="rId62"/>
     <p:sldId id="559" r:id="rId63"/>
-    <p:sldId id="560" r:id="rId64"/>
+    <p:sldId id="564" r:id="rId64"/>
     <p:sldId id="561" r:id="rId65"/>
-    <p:sldId id="562" r:id="rId66"/>
-    <p:sldId id="563" r:id="rId67"/>
-    <p:sldId id="504" r:id="rId68"/>
-    <p:sldId id="485" r:id="rId69"/>
+    <p:sldId id="565" r:id="rId66"/>
+    <p:sldId id="566" r:id="rId67"/>
+    <p:sldId id="568" r:id="rId68"/>
+    <p:sldId id="569" r:id="rId69"/>
     <p:sldId id="443" r:id="rId70"/>
   </p:sldIdLst>
   <p:sldSz cx="12192000" cy="6858000"/>
@@ -5883,7 +5883,7 @@
     </p:spTree>
     <p:extLst>
       <p:ext uri="{BB962C8B-B14F-4D97-AF65-F5344CB8AC3E}">
-        <p14:creationId xmlns:p14="http://schemas.microsoft.com/office/powerpoint/2010/main" val="994674812"/>
+        <p14:creationId xmlns:p14="http://schemas.microsoft.com/office/powerpoint/2010/main" val="2350728921"/>
       </p:ext>
     </p:extLst>
   </p:cSld>
@@ -6051,7 +6051,7 @@
     </p:spTree>
     <p:extLst>
       <p:ext uri="{BB962C8B-B14F-4D97-AF65-F5344CB8AC3E}">
-        <p14:creationId xmlns:p14="http://schemas.microsoft.com/office/powerpoint/2010/main" val="2345448789"/>
+        <p14:creationId xmlns:p14="http://schemas.microsoft.com/office/powerpoint/2010/main" val="1737165775"/>
       </p:ext>
     </p:extLst>
   </p:cSld>
@@ -6135,7 +6135,7 @@
     </p:spTree>
     <p:extLst>
       <p:ext uri="{BB962C8B-B14F-4D97-AF65-F5344CB8AC3E}">
-        <p14:creationId xmlns:p14="http://schemas.microsoft.com/office/powerpoint/2010/main" val="397105126"/>
+        <p14:creationId xmlns:p14="http://schemas.microsoft.com/office/powerpoint/2010/main" val="1030293071"/>
       </p:ext>
     </p:extLst>
   </p:cSld>
@@ -6219,7 +6219,7 @@
     </p:spTree>
     <p:extLst>
       <p:ext uri="{BB962C8B-B14F-4D97-AF65-F5344CB8AC3E}">
-        <p14:creationId xmlns:p14="http://schemas.microsoft.com/office/powerpoint/2010/main" val="2602777311"/>
+        <p14:creationId xmlns:p14="http://schemas.microsoft.com/office/powerpoint/2010/main" val="834707851"/>
       </p:ext>
     </p:extLst>
   </p:cSld>
@@ -6303,7 +6303,7 @@
     </p:spTree>
     <p:extLst>
       <p:ext uri="{BB962C8B-B14F-4D97-AF65-F5344CB8AC3E}">
-        <p14:creationId xmlns:p14="http://schemas.microsoft.com/office/powerpoint/2010/main" val="2267138517"/>
+        <p14:creationId xmlns:p14="http://schemas.microsoft.com/office/powerpoint/2010/main" val="1542746690"/>
       </p:ext>
     </p:extLst>
   </p:cSld>
@@ -17143,7 +17143,7 @@
       </p:sp>
       <p:pic>
         <p:nvPicPr>
-          <p:cNvPr id="4" name="Picture 3"/>
+          <p:cNvPr id="6" name="Picture 5"/>
           <p:cNvPicPr>
             <a:picLocks noChangeAspect="1"/>
           </p:cNvPicPr>
@@ -17157,8 +17157,8 @@
         </p:blipFill>
         <p:spPr>
           <a:xfrm>
-            <a:off x="838200" y="1690687"/>
-            <a:ext cx="8166885" cy="5034577"/>
+            <a:off x="838200" y="1825624"/>
+            <a:ext cx="7946506" cy="4811150"/>
           </a:xfrm>
           <a:prstGeom prst="rect">
             <a:avLst/>
@@ -17168,7 +17168,7 @@
     </p:spTree>
     <p:extLst>
       <p:ext uri="{BB962C8B-B14F-4D97-AF65-F5344CB8AC3E}">
-        <p14:creationId xmlns:p14="http://schemas.microsoft.com/office/powerpoint/2010/main" val="2227038732"/>
+        <p14:creationId xmlns:p14="http://schemas.microsoft.com/office/powerpoint/2010/main" val="3666660301"/>
       </p:ext>
     </p:extLst>
   </p:cSld>
@@ -17325,6 +17325,35 @@
       </p:grpSpPr>
       <p:sp>
         <p:nvSpPr>
+          <p:cNvPr id="2" name="Title 1"/>
+          <p:cNvSpPr>
+            <a:spLocks noGrp="1"/>
+          </p:cNvSpPr>
+          <p:nvPr>
+            <p:ph type="title"/>
+          </p:nvPr>
+        </p:nvSpPr>
+        <p:spPr/>
+        <p:txBody>
+          <a:bodyPr>
+            <a:normAutofit/>
+          </a:bodyPr>
+          <a:lstStyle/>
+          <a:p>
+            <a:r>
+              <a:rPr lang="en-US" sz="4800" dirty="0" smtClean="0"/>
+              <a:t>Approval Tests – Step </a:t>
+            </a:r>
+            <a:r>
+              <a:rPr lang="en-US" sz="4800" dirty="0" smtClean="0"/>
+              <a:t>3</a:t>
+            </a:r>
+            <a:endParaRPr lang="en-US" sz="4800" dirty="0"/>
+          </a:p>
+        </p:txBody>
+      </p:sp>
+      <p:sp>
+        <p:nvSpPr>
           <p:cNvPr id="3" name="Content Placeholder 2"/>
           <p:cNvSpPr>
             <a:spLocks noGrp="1"/>
@@ -17360,7 +17389,7 @@
       </p:sp>
       <p:pic>
         <p:nvPicPr>
-          <p:cNvPr id="6" name="Picture 5"/>
+          <p:cNvPr id="4" name="Picture 3"/>
           <p:cNvPicPr>
             <a:picLocks noChangeAspect="1"/>
           </p:cNvPicPr>
@@ -17374,8 +17403,8 @@
         </p:blipFill>
         <p:spPr>
           <a:xfrm>
-            <a:off x="135333" y="388043"/>
-            <a:ext cx="11921334" cy="6027504"/>
+            <a:off x="838200" y="1484210"/>
+            <a:ext cx="7361903" cy="5335456"/>
           </a:xfrm>
           <a:prstGeom prst="rect">
             <a:avLst/>
@@ -17385,7 +17414,7 @@
     </p:spTree>
     <p:extLst>
       <p:ext uri="{BB962C8B-B14F-4D97-AF65-F5344CB8AC3E}">
-        <p14:creationId xmlns:p14="http://schemas.microsoft.com/office/powerpoint/2010/main" val="674782299"/>
+        <p14:creationId xmlns:p14="http://schemas.microsoft.com/office/powerpoint/2010/main" val="794583393"/>
       </p:ext>
     </p:extLst>
   </p:cSld>
@@ -17421,6 +17450,35 @@
       </p:grpSpPr>
       <p:sp>
         <p:nvSpPr>
+          <p:cNvPr id="2" name="Title 1"/>
+          <p:cNvSpPr>
+            <a:spLocks noGrp="1"/>
+          </p:cNvSpPr>
+          <p:nvPr>
+            <p:ph type="title"/>
+          </p:nvPr>
+        </p:nvSpPr>
+        <p:spPr/>
+        <p:txBody>
+          <a:bodyPr>
+            <a:normAutofit/>
+          </a:bodyPr>
+          <a:lstStyle/>
+          <a:p>
+            <a:r>
+              <a:rPr lang="en-US" sz="4800" dirty="0" smtClean="0"/>
+              <a:t>Approval Tests – Step </a:t>
+            </a:r>
+            <a:r>
+              <a:rPr lang="en-US" sz="4800" dirty="0"/>
+              <a:t>4</a:t>
+            </a:r>
+            <a:endParaRPr lang="en-US" sz="4800" dirty="0"/>
+          </a:p>
+        </p:txBody>
+      </p:sp>
+      <p:sp>
+        <p:nvSpPr>
           <p:cNvPr id="3" name="Content Placeholder 2"/>
           <p:cNvSpPr>
             <a:spLocks noGrp="1"/>
@@ -17456,7 +17514,7 @@
       </p:sp>
       <p:pic>
         <p:nvPicPr>
-          <p:cNvPr id="7" name="Picture 6"/>
+          <p:cNvPr id="6" name="Picture 5"/>
           <p:cNvPicPr>
             <a:picLocks noChangeAspect="1"/>
           </p:cNvPicPr>
@@ -17470,8 +17528,8 @@
         </p:blipFill>
         <p:spPr>
           <a:xfrm>
-            <a:off x="206588" y="2513089"/>
-            <a:ext cx="11778823" cy="1607496"/>
+            <a:off x="838199" y="1705436"/>
+            <a:ext cx="11180747" cy="4724859"/>
           </a:xfrm>
           <a:prstGeom prst="rect">
             <a:avLst/>
@@ -17481,7 +17539,7 @@
     </p:spTree>
     <p:extLst>
       <p:ext uri="{BB962C8B-B14F-4D97-AF65-F5344CB8AC3E}">
-        <p14:creationId xmlns:p14="http://schemas.microsoft.com/office/powerpoint/2010/main" val="854306639"/>
+        <p14:creationId xmlns:p14="http://schemas.microsoft.com/office/powerpoint/2010/main" val="2882460215"/>
       </p:ext>
     </p:extLst>
   </p:cSld>
@@ -17534,7 +17592,7 @@
           <a:p>
             <a:r>
               <a:rPr lang="en-US" sz="4800" dirty="0" smtClean="0"/>
-              <a:t>Patented step-by-step slide</a:t>
+              <a:t>What makes auditing easier?</a:t>
             </a:r>
             <a:endParaRPr lang="en-US" sz="4800" dirty="0"/>
           </a:p>
@@ -17553,7 +17611,7 @@
         <p:spPr>
           <a:xfrm>
             <a:off x="838200" y="1825624"/>
-            <a:ext cx="10515600" cy="4589923"/>
+            <a:ext cx="10515600" cy="4899641"/>
           </a:xfrm>
         </p:spPr>
         <p:txBody>
@@ -17563,37 +17621,37 @@
           <a:lstStyle/>
           <a:p>
             <a:r>
-              <a:rPr lang="en-US" sz="4000" dirty="0" smtClean="0">
-                <a:solidFill>
-                  <a:schemeClr val="bg1">
-                    <a:lumMod val="65000"/>
-                  </a:schemeClr>
-                </a:solidFill>
-              </a:rPr>
-              <a:t>Old news</a:t>
-            </a:r>
-            <a:br>
-              <a:rPr lang="en-US" sz="4000" dirty="0" smtClean="0">
-                <a:solidFill>
-                  <a:schemeClr val="bg1">
-                    <a:lumMod val="65000"/>
-                  </a:schemeClr>
-                </a:solidFill>
-              </a:rPr>
-            </a:br>
-            <a:endParaRPr lang="en-US" sz="4000" dirty="0" smtClean="0">
-              <a:solidFill>
-                <a:schemeClr val="bg1">
-                  <a:lumMod val="65000"/>
-                </a:schemeClr>
-              </a:solidFill>
-            </a:endParaRPr>
-          </a:p>
-          <a:p>
-            <a:r>
-              <a:rPr lang="en-US" sz="4000" b="1" dirty="0" smtClean="0"/>
-              <a:t>New hotness</a:t>
-            </a:r>
+              <a:rPr lang="en-US" sz="4000" dirty="0" smtClean="0"/>
+              <a:t>Using [Attributes] to decorate classes/methods</a:t>
+            </a:r>
+          </a:p>
+          <a:p>
+            <a:endParaRPr lang="en-US" sz="4000" dirty="0" smtClean="0"/>
+          </a:p>
+          <a:p>
+            <a:r>
+              <a:rPr lang="en-US" sz="4000" dirty="0" smtClean="0"/>
+              <a:t>Inheriting a base class</a:t>
+            </a:r>
+          </a:p>
+          <a:p>
+            <a:endParaRPr lang="en-US" sz="4000" dirty="0"/>
+          </a:p>
+          <a:p>
+            <a:r>
+              <a:rPr lang="en-US" sz="4000" dirty="0" smtClean="0"/>
+              <a:t>Implementing an interface</a:t>
+            </a:r>
+            <a:endParaRPr lang="en-US" sz="4000" dirty="0" smtClean="0"/>
+          </a:p>
+          <a:p>
+            <a:endParaRPr lang="en-US" sz="4000" dirty="0"/>
+          </a:p>
+          <a:p>
+            <a:endParaRPr lang="en-US" sz="4000" dirty="0"/>
+          </a:p>
+          <a:p>
+            <a:endParaRPr lang="en-US" sz="4000" dirty="0" smtClean="0"/>
           </a:p>
           <a:p>
             <a:endParaRPr lang="en-US" sz="4000" dirty="0" smtClean="0"/>
@@ -17612,7 +17670,7 @@
     </p:spTree>
     <p:extLst>
       <p:ext uri="{BB962C8B-B14F-4D97-AF65-F5344CB8AC3E}">
-        <p14:creationId xmlns:p14="http://schemas.microsoft.com/office/powerpoint/2010/main" val="1887088746"/>
+        <p14:creationId xmlns:p14="http://schemas.microsoft.com/office/powerpoint/2010/main" val="469543913"/>
       </p:ext>
     </p:extLst>
   </p:cSld>
@@ -17656,16 +17714,22 @@
             <p:ph type="title"/>
           </p:nvPr>
         </p:nvSpPr>
-        <p:spPr/>
+        <p:spPr>
+          <a:xfrm>
+            <a:off x="838200" y="1574493"/>
+            <a:ext cx="10515600" cy="1325563"/>
+          </a:xfrm>
+        </p:spPr>
         <p:txBody>
           <a:bodyPr>
             <a:normAutofit/>
           </a:bodyPr>
           <a:lstStyle/>
           <a:p>
+            <a:pPr algn="ctr"/>
             <a:r>
               <a:rPr lang="en-US" sz="4800" dirty="0" smtClean="0"/>
-              <a:t>Canonical example: SQL Injection</a:t>
+              <a:t>Recap</a:t>
             </a:r>
             <a:endParaRPr lang="en-US" sz="4800" dirty="0"/>
           </a:p>
@@ -17683,8 +17747,8 @@
         </p:nvSpPr>
         <p:spPr>
           <a:xfrm>
-            <a:off x="838200" y="1825624"/>
-            <a:ext cx="10515600" cy="4589923"/>
+            <a:off x="838200" y="3318387"/>
+            <a:ext cx="10515600" cy="1814052"/>
           </a:xfrm>
         </p:spPr>
         <p:txBody>
@@ -17693,6 +17757,19 @@
           </a:bodyPr>
           <a:lstStyle/>
           <a:p>
+            <a:pPr marL="0" indent="0" algn="ctr">
+              <a:buNone/>
+            </a:pPr>
+            <a:r>
+              <a:rPr lang="en-US" sz="4000" dirty="0" smtClean="0"/>
+              <a:t>The CliffsNotes version of this talk</a:t>
+            </a:r>
+            <a:endParaRPr lang="en-US" sz="4000" dirty="0" smtClean="0"/>
+          </a:p>
+          <a:p>
+            <a:endParaRPr lang="en-US" sz="4000" dirty="0" smtClean="0"/>
+          </a:p>
+          <a:p>
             <a:endParaRPr lang="en-US" sz="4000" dirty="0" smtClean="0"/>
           </a:p>
           <a:p>
@@ -17709,7 +17786,7 @@
     </p:spTree>
     <p:extLst>
       <p:ext uri="{BB962C8B-B14F-4D97-AF65-F5344CB8AC3E}">
-        <p14:creationId xmlns:p14="http://schemas.microsoft.com/office/powerpoint/2010/main" val="1766242099"/>
+        <p14:creationId xmlns:p14="http://schemas.microsoft.com/office/powerpoint/2010/main" val="3948013080"/>
       </p:ext>
     </p:extLst>
   </p:cSld>
@@ -17767,7 +17844,7 @@
           <a:p>
             <a:r>
               <a:rPr lang="en-US" sz="4800" dirty="0" smtClean="0"/>
-              <a:t>Closing slide</a:t>
+              <a:t>That's all, folks!</a:t>
             </a:r>
             <a:endParaRPr lang="en-US" sz="4800" dirty="0"/>
           </a:p>
@@ -17795,10 +17872,38 @@
           </a:bodyPr>
           <a:lstStyle/>
           <a:p>
+            <a:pPr marL="0" indent="0">
+              <a:buNone/>
+            </a:pPr>
             <a:r>
               <a:rPr lang="en-US" sz="4000" dirty="0" smtClean="0"/>
-              <a:t>The knowledge gets dropped here</a:t>
-            </a:r>
+              <a:t>Slide deck + complete sample app in GitHub</a:t>
+            </a:r>
+          </a:p>
+          <a:p>
+            <a:pPr marL="0" indent="0">
+              <a:buNone/>
+            </a:pPr>
+            <a:r>
+              <a:rPr lang="en-US" sz="4000" dirty="0" smtClean="0"/>
+              <a:t/>
+            </a:r>
+            <a:br>
+              <a:rPr lang="en-US" sz="4000" dirty="0" smtClean="0"/>
+            </a:br>
+            <a:r>
+              <a:rPr lang="en-US" sz="4000" b="1" dirty="0"/>
+              <a:t>bit.ly/2i0J91d</a:t>
+            </a:r>
+            <a:endParaRPr lang="en-US" sz="4000" b="1" dirty="0" smtClean="0"/>
+          </a:p>
+          <a:p>
+            <a:pPr marL="0" indent="0">
+              <a:buNone/>
+            </a:pPr>
+            <a:endParaRPr lang="en-US" sz="3200" dirty="0" smtClean="0">
+              <a:hlinkClick r:id="rId3"/>
+            </a:endParaRPr>
           </a:p>
           <a:p>
             <a:pPr marL="0" indent="0">
@@ -17863,11 +17968,7 @@
             </a:pPr>
             <a:r>
               <a:rPr lang="en-US" sz="3600" b="1" dirty="0" smtClean="0"/>
-              <a:t>@</a:t>
-            </a:r>
-            <a:r>
-              <a:rPr lang="en-US" sz="3600" b="1" dirty="0" err="1" smtClean="0"/>
-              <a:t>spetryjohnson</a:t>
+              <a:t>@spetryjohnson</a:t>
             </a:r>
             <a:endParaRPr lang="en-US" b="1" dirty="0" smtClean="0"/>
           </a:p>

--- a/Secure Systems - CodeMash 2017.pptx
+++ b/Secure Systems - CodeMash 2017.pptx
@@ -5,7 +5,7 @@
     <p:sldMasterId id="2147483749" r:id="rId1"/>
   </p:sldMasterIdLst>
   <p:notesMasterIdLst>
-    <p:notesMasterId r:id="rId71"/>
+    <p:notesMasterId r:id="rId76"/>
   </p:notesMasterIdLst>
   <p:sldIdLst>
     <p:sldId id="395" r:id="rId2"/>
@@ -17,66 +17,71 @@
     <p:sldId id="548" r:id="rId8"/>
     <p:sldId id="549" r:id="rId9"/>
     <p:sldId id="497" r:id="rId10"/>
-    <p:sldId id="491" r:id="rId11"/>
-    <p:sldId id="495" r:id="rId12"/>
-    <p:sldId id="492" r:id="rId13"/>
-    <p:sldId id="493" r:id="rId14"/>
-    <p:sldId id="494" r:id="rId15"/>
-    <p:sldId id="498" r:id="rId16"/>
-    <p:sldId id="496" r:id="rId17"/>
-    <p:sldId id="510" r:id="rId18"/>
-    <p:sldId id="511" r:id="rId19"/>
-    <p:sldId id="512" r:id="rId20"/>
-    <p:sldId id="516" r:id="rId21"/>
-    <p:sldId id="518" r:id="rId22"/>
-    <p:sldId id="499" r:id="rId23"/>
-    <p:sldId id="545" r:id="rId24"/>
-    <p:sldId id="541" r:id="rId25"/>
-    <p:sldId id="550" r:id="rId26"/>
-    <p:sldId id="506" r:id="rId27"/>
-    <p:sldId id="519" r:id="rId28"/>
-    <p:sldId id="524" r:id="rId29"/>
-    <p:sldId id="521" r:id="rId30"/>
-    <p:sldId id="522" r:id="rId31"/>
-    <p:sldId id="525" r:id="rId32"/>
-    <p:sldId id="523" r:id="rId33"/>
-    <p:sldId id="520" r:id="rId34"/>
-    <p:sldId id="526" r:id="rId35"/>
-    <p:sldId id="540" r:id="rId36"/>
-    <p:sldId id="500" r:id="rId37"/>
-    <p:sldId id="553" r:id="rId38"/>
-    <p:sldId id="534" r:id="rId39"/>
-    <p:sldId id="505" r:id="rId40"/>
-    <p:sldId id="535" r:id="rId41"/>
-    <p:sldId id="507" r:id="rId42"/>
-    <p:sldId id="536" r:id="rId43"/>
-    <p:sldId id="538" r:id="rId44"/>
-    <p:sldId id="539" r:id="rId45"/>
-    <p:sldId id="537" r:id="rId46"/>
-    <p:sldId id="551" r:id="rId47"/>
-    <p:sldId id="552" r:id="rId48"/>
-    <p:sldId id="501" r:id="rId49"/>
-    <p:sldId id="529" r:id="rId50"/>
-    <p:sldId id="546" r:id="rId51"/>
-    <p:sldId id="502" r:id="rId52"/>
-    <p:sldId id="503" r:id="rId53"/>
-    <p:sldId id="531" r:id="rId54"/>
-    <p:sldId id="532" r:id="rId55"/>
-    <p:sldId id="533" r:id="rId56"/>
-    <p:sldId id="554" r:id="rId57"/>
-    <p:sldId id="530" r:id="rId58"/>
-    <p:sldId id="555" r:id="rId59"/>
-    <p:sldId id="556" r:id="rId60"/>
-    <p:sldId id="557" r:id="rId61"/>
-    <p:sldId id="558" r:id="rId62"/>
-    <p:sldId id="559" r:id="rId63"/>
-    <p:sldId id="564" r:id="rId64"/>
-    <p:sldId id="561" r:id="rId65"/>
-    <p:sldId id="565" r:id="rId66"/>
-    <p:sldId id="566" r:id="rId67"/>
-    <p:sldId id="568" r:id="rId68"/>
-    <p:sldId id="569" r:id="rId69"/>
-    <p:sldId id="443" r:id="rId70"/>
+    <p:sldId id="570" r:id="rId11"/>
+    <p:sldId id="491" r:id="rId12"/>
+    <p:sldId id="495" r:id="rId13"/>
+    <p:sldId id="492" r:id="rId14"/>
+    <p:sldId id="493" r:id="rId15"/>
+    <p:sldId id="494" r:id="rId16"/>
+    <p:sldId id="498" r:id="rId17"/>
+    <p:sldId id="496" r:id="rId18"/>
+    <p:sldId id="510" r:id="rId19"/>
+    <p:sldId id="511" r:id="rId20"/>
+    <p:sldId id="512" r:id="rId21"/>
+    <p:sldId id="516" r:id="rId22"/>
+    <p:sldId id="518" r:id="rId23"/>
+    <p:sldId id="499" r:id="rId24"/>
+    <p:sldId id="545" r:id="rId25"/>
+    <p:sldId id="541" r:id="rId26"/>
+    <p:sldId id="550" r:id="rId27"/>
+    <p:sldId id="506" r:id="rId28"/>
+    <p:sldId id="519" r:id="rId29"/>
+    <p:sldId id="524" r:id="rId30"/>
+    <p:sldId id="521" r:id="rId31"/>
+    <p:sldId id="522" r:id="rId32"/>
+    <p:sldId id="525" r:id="rId33"/>
+    <p:sldId id="523" r:id="rId34"/>
+    <p:sldId id="520" r:id="rId35"/>
+    <p:sldId id="526" r:id="rId36"/>
+    <p:sldId id="540" r:id="rId37"/>
+    <p:sldId id="500" r:id="rId38"/>
+    <p:sldId id="553" r:id="rId39"/>
+    <p:sldId id="573" r:id="rId40"/>
+    <p:sldId id="574" r:id="rId41"/>
+    <p:sldId id="534" r:id="rId42"/>
+    <p:sldId id="505" r:id="rId43"/>
+    <p:sldId id="535" r:id="rId44"/>
+    <p:sldId id="507" r:id="rId45"/>
+    <p:sldId id="536" r:id="rId46"/>
+    <p:sldId id="538" r:id="rId47"/>
+    <p:sldId id="539" r:id="rId48"/>
+    <p:sldId id="537" r:id="rId49"/>
+    <p:sldId id="551" r:id="rId50"/>
+    <p:sldId id="552" r:id="rId51"/>
+    <p:sldId id="501" r:id="rId52"/>
+    <p:sldId id="529" r:id="rId53"/>
+    <p:sldId id="546" r:id="rId54"/>
+    <p:sldId id="502" r:id="rId55"/>
+    <p:sldId id="503" r:id="rId56"/>
+    <p:sldId id="531" r:id="rId57"/>
+    <p:sldId id="532" r:id="rId58"/>
+    <p:sldId id="533" r:id="rId59"/>
+    <p:sldId id="554" r:id="rId60"/>
+    <p:sldId id="530" r:id="rId61"/>
+    <p:sldId id="555" r:id="rId62"/>
+    <p:sldId id="556" r:id="rId63"/>
+    <p:sldId id="557" r:id="rId64"/>
+    <p:sldId id="558" r:id="rId65"/>
+    <p:sldId id="559" r:id="rId66"/>
+    <p:sldId id="564" r:id="rId67"/>
+    <p:sldId id="561" r:id="rId68"/>
+    <p:sldId id="565" r:id="rId69"/>
+    <p:sldId id="566" r:id="rId70"/>
+    <p:sldId id="568" r:id="rId71"/>
+    <p:sldId id="569" r:id="rId72"/>
+    <p:sldId id="571" r:id="rId73"/>
+    <p:sldId id="572" r:id="rId74"/>
+    <p:sldId id="443" r:id="rId75"/>
   </p:sldIdLst>
   <p:sldSz cx="12192000" cy="6858000"/>
   <p:notesSz cx="6858000" cy="9144000"/>
@@ -736,7 +741,7 @@
     </p:spTree>
     <p:extLst>
       <p:ext uri="{BB962C8B-B14F-4D97-AF65-F5344CB8AC3E}">
-        <p14:creationId xmlns:p14="http://schemas.microsoft.com/office/powerpoint/2010/main" val="2952211142"/>
+        <p14:creationId xmlns:p14="http://schemas.microsoft.com/office/powerpoint/2010/main" val="299668548"/>
       </p:ext>
     </p:extLst>
   </p:cSld>
@@ -820,7 +825,7 @@
     </p:spTree>
     <p:extLst>
       <p:ext uri="{BB962C8B-B14F-4D97-AF65-F5344CB8AC3E}">
-        <p14:creationId xmlns:p14="http://schemas.microsoft.com/office/powerpoint/2010/main" val="4127349146"/>
+        <p14:creationId xmlns:p14="http://schemas.microsoft.com/office/powerpoint/2010/main" val="2952211142"/>
       </p:ext>
     </p:extLst>
   </p:cSld>
@@ -904,7 +909,7 @@
     </p:spTree>
     <p:extLst>
       <p:ext uri="{BB962C8B-B14F-4D97-AF65-F5344CB8AC3E}">
-        <p14:creationId xmlns:p14="http://schemas.microsoft.com/office/powerpoint/2010/main" val="1755245411"/>
+        <p14:creationId xmlns:p14="http://schemas.microsoft.com/office/powerpoint/2010/main" val="4127349146"/>
       </p:ext>
     </p:extLst>
   </p:cSld>
@@ -988,7 +993,7 @@
     </p:spTree>
     <p:extLst>
       <p:ext uri="{BB962C8B-B14F-4D97-AF65-F5344CB8AC3E}">
-        <p14:creationId xmlns:p14="http://schemas.microsoft.com/office/powerpoint/2010/main" val="3246387786"/>
+        <p14:creationId xmlns:p14="http://schemas.microsoft.com/office/powerpoint/2010/main" val="1755245411"/>
       </p:ext>
     </p:extLst>
   </p:cSld>
@@ -1072,7 +1077,7 @@
     </p:spTree>
     <p:extLst>
       <p:ext uri="{BB962C8B-B14F-4D97-AF65-F5344CB8AC3E}">
-        <p14:creationId xmlns:p14="http://schemas.microsoft.com/office/powerpoint/2010/main" val="2622349736"/>
+        <p14:creationId xmlns:p14="http://schemas.microsoft.com/office/powerpoint/2010/main" val="3246387786"/>
       </p:ext>
     </p:extLst>
   </p:cSld>
@@ -1156,7 +1161,7 @@
     </p:spTree>
     <p:extLst>
       <p:ext uri="{BB962C8B-B14F-4D97-AF65-F5344CB8AC3E}">
-        <p14:creationId xmlns:p14="http://schemas.microsoft.com/office/powerpoint/2010/main" val="1778818159"/>
+        <p14:creationId xmlns:p14="http://schemas.microsoft.com/office/powerpoint/2010/main" val="2622349736"/>
       </p:ext>
     </p:extLst>
   </p:cSld>
@@ -1240,7 +1245,7 @@
     </p:spTree>
     <p:extLst>
       <p:ext uri="{BB962C8B-B14F-4D97-AF65-F5344CB8AC3E}">
-        <p14:creationId xmlns:p14="http://schemas.microsoft.com/office/powerpoint/2010/main" val="3559323980"/>
+        <p14:creationId xmlns:p14="http://schemas.microsoft.com/office/powerpoint/2010/main" val="1778818159"/>
       </p:ext>
     </p:extLst>
   </p:cSld>
@@ -1324,7 +1329,7 @@
     </p:spTree>
     <p:extLst>
       <p:ext uri="{BB962C8B-B14F-4D97-AF65-F5344CB8AC3E}">
-        <p14:creationId xmlns:p14="http://schemas.microsoft.com/office/powerpoint/2010/main" val="3097194813"/>
+        <p14:creationId xmlns:p14="http://schemas.microsoft.com/office/powerpoint/2010/main" val="3559323980"/>
       </p:ext>
     </p:extLst>
   </p:cSld>
@@ -1408,7 +1413,7 @@
     </p:spTree>
     <p:extLst>
       <p:ext uri="{BB962C8B-B14F-4D97-AF65-F5344CB8AC3E}">
-        <p14:creationId xmlns:p14="http://schemas.microsoft.com/office/powerpoint/2010/main" val="3114178305"/>
+        <p14:creationId xmlns:p14="http://schemas.microsoft.com/office/powerpoint/2010/main" val="3097194813"/>
       </p:ext>
     </p:extLst>
   </p:cSld>
@@ -1492,7 +1497,7 @@
     </p:spTree>
     <p:extLst>
       <p:ext uri="{BB962C8B-B14F-4D97-AF65-F5344CB8AC3E}">
-        <p14:creationId xmlns:p14="http://schemas.microsoft.com/office/powerpoint/2010/main" val="2521239552"/>
+        <p14:creationId xmlns:p14="http://schemas.microsoft.com/office/powerpoint/2010/main" val="3114178305"/>
       </p:ext>
     </p:extLst>
   </p:cSld>
@@ -1685,7 +1690,7 @@
     </p:spTree>
     <p:extLst>
       <p:ext uri="{BB962C8B-B14F-4D97-AF65-F5344CB8AC3E}">
-        <p14:creationId xmlns:p14="http://schemas.microsoft.com/office/powerpoint/2010/main" val="2539089675"/>
+        <p14:creationId xmlns:p14="http://schemas.microsoft.com/office/powerpoint/2010/main" val="2521239552"/>
       </p:ext>
     </p:extLst>
   </p:cSld>
@@ -1769,7 +1774,7 @@
     </p:spTree>
     <p:extLst>
       <p:ext uri="{BB962C8B-B14F-4D97-AF65-F5344CB8AC3E}">
-        <p14:creationId xmlns:p14="http://schemas.microsoft.com/office/powerpoint/2010/main" val="1916901341"/>
+        <p14:creationId xmlns:p14="http://schemas.microsoft.com/office/powerpoint/2010/main" val="2539089675"/>
       </p:ext>
     </p:extLst>
   </p:cSld>
@@ -1823,6 +1828,90 @@
           <a:bodyPr/>
           <a:lstStyle/>
           <a:p>
+            <a:endParaRPr lang="en-US" b="0" dirty="0" smtClean="0"/>
+          </a:p>
+        </p:txBody>
+      </p:sp>
+      <p:sp>
+        <p:nvSpPr>
+          <p:cNvPr id="4" name="Slide Number Placeholder 3"/>
+          <p:cNvSpPr>
+            <a:spLocks noGrp="1"/>
+          </p:cNvSpPr>
+          <p:nvPr>
+            <p:ph type="sldNum" sz="quarter" idx="10"/>
+          </p:nvPr>
+        </p:nvSpPr>
+        <p:spPr/>
+        <p:txBody>
+          <a:bodyPr/>
+          <a:lstStyle/>
+          <a:p>
+            <a:fld id="{89029652-62E7-43D6-83B5-097D7B7AA5D8}" type="slidenum">
+              <a:rPr lang="en-US" smtClean="0"/>
+              <a:t>22</a:t>
+            </a:fld>
+            <a:endParaRPr lang="en-US"/>
+          </a:p>
+        </p:txBody>
+      </p:sp>
+    </p:spTree>
+    <p:extLst>
+      <p:ext uri="{BB962C8B-B14F-4D97-AF65-F5344CB8AC3E}">
+        <p14:creationId xmlns:p14="http://schemas.microsoft.com/office/powerpoint/2010/main" val="1916901341"/>
+      </p:ext>
+    </p:extLst>
+  </p:cSld>
+  <p:clrMapOvr>
+    <a:masterClrMapping/>
+  </p:clrMapOvr>
+</p:notes>
+</file>
+
+<file path=ppt/notesSlides/notesSlide23.xml><?xml version="1.0" encoding="utf-8"?>
+<p:notes xmlns:a="http://schemas.openxmlformats.org/drawingml/2006/main" xmlns:r="http://schemas.openxmlformats.org/officeDocument/2006/relationships" xmlns:p="http://schemas.openxmlformats.org/presentationml/2006/main">
+  <p:cSld>
+    <p:spTree>
+      <p:nvGrpSpPr>
+        <p:cNvPr id="1" name=""/>
+        <p:cNvGrpSpPr/>
+        <p:nvPr/>
+      </p:nvGrpSpPr>
+      <p:grpSpPr>
+        <a:xfrm>
+          <a:off x="0" y="0"/>
+          <a:ext cx="0" cy="0"/>
+          <a:chOff x="0" y="0"/>
+          <a:chExt cx="0" cy="0"/>
+        </a:xfrm>
+      </p:grpSpPr>
+      <p:sp>
+        <p:nvSpPr>
+          <p:cNvPr id="2" name="Slide Image Placeholder 1"/>
+          <p:cNvSpPr>
+            <a:spLocks noGrp="1" noRot="1" noChangeAspect="1"/>
+          </p:cNvSpPr>
+          <p:nvPr>
+            <p:ph type="sldImg"/>
+          </p:nvPr>
+        </p:nvSpPr>
+        <p:spPr/>
+      </p:sp>
+      <p:sp>
+        <p:nvSpPr>
+          <p:cNvPr id="3" name="Notes Placeholder 2"/>
+          <p:cNvSpPr>
+            <a:spLocks noGrp="1"/>
+          </p:cNvSpPr>
+          <p:nvPr>
+            <p:ph type="body" idx="1"/>
+          </p:nvPr>
+        </p:nvSpPr>
+        <p:spPr/>
+        <p:txBody>
+          <a:bodyPr/>
+          <a:lstStyle/>
+          <a:p>
             <a:pPr marL="0" marR="0" indent="0" algn="l" defTabSz="914400" rtl="0" eaLnBrk="1" fontAlgn="auto" latinLnBrk="0" hangingPunct="1">
               <a:lnSpc>
                 <a:spcPct val="100000"/>
@@ -1869,7 +1958,7 @@
           <a:p>
             <a:fld id="{89029652-62E7-43D6-83B5-097D7B7AA5D8}" type="slidenum">
               <a:rPr lang="en-US" smtClean="0"/>
-              <a:t>22</a:t>
+              <a:t>23</a:t>
             </a:fld>
             <a:endParaRPr lang="en-US"/>
           </a:p>
@@ -1888,7 +1977,7 @@
 </p:notes>
 </file>
 
-<file path=ppt/notesSlides/notesSlide23.xml><?xml version="1.0" encoding="utf-8"?>
+<file path=ppt/notesSlides/notesSlide24.xml><?xml version="1.0" encoding="utf-8"?>
 <p:notes xmlns:a="http://schemas.openxmlformats.org/drawingml/2006/main" xmlns:r="http://schemas.openxmlformats.org/officeDocument/2006/relationships" xmlns:p="http://schemas.openxmlformats.org/presentationml/2006/main">
   <p:cSld>
     <p:spTree>
@@ -1978,7 +2067,7 @@
           <a:p>
             <a:fld id="{89029652-62E7-43D6-83B5-097D7B7AA5D8}" type="slidenum">
               <a:rPr lang="en-US" smtClean="0"/>
-              <a:t>23</a:t>
+              <a:t>24</a:t>
             </a:fld>
             <a:endParaRPr lang="en-US"/>
           </a:p>
@@ -1988,90 +2077,6 @@
     <p:extLst>
       <p:ext uri="{BB962C8B-B14F-4D97-AF65-F5344CB8AC3E}">
         <p14:creationId xmlns:p14="http://schemas.microsoft.com/office/powerpoint/2010/main" val="532131523"/>
-      </p:ext>
-    </p:extLst>
-  </p:cSld>
-  <p:clrMapOvr>
-    <a:masterClrMapping/>
-  </p:clrMapOvr>
-</p:notes>
-</file>
-
-<file path=ppt/notesSlides/notesSlide24.xml><?xml version="1.0" encoding="utf-8"?>
-<p:notes xmlns:a="http://schemas.openxmlformats.org/drawingml/2006/main" xmlns:r="http://schemas.openxmlformats.org/officeDocument/2006/relationships" xmlns:p="http://schemas.openxmlformats.org/presentationml/2006/main">
-  <p:cSld>
-    <p:spTree>
-      <p:nvGrpSpPr>
-        <p:cNvPr id="1" name=""/>
-        <p:cNvGrpSpPr/>
-        <p:nvPr/>
-      </p:nvGrpSpPr>
-      <p:grpSpPr>
-        <a:xfrm>
-          <a:off x="0" y="0"/>
-          <a:ext cx="0" cy="0"/>
-          <a:chOff x="0" y="0"/>
-          <a:chExt cx="0" cy="0"/>
-        </a:xfrm>
-      </p:grpSpPr>
-      <p:sp>
-        <p:nvSpPr>
-          <p:cNvPr id="2" name="Slide Image Placeholder 1"/>
-          <p:cNvSpPr>
-            <a:spLocks noGrp="1" noRot="1" noChangeAspect="1"/>
-          </p:cNvSpPr>
-          <p:nvPr>
-            <p:ph type="sldImg"/>
-          </p:nvPr>
-        </p:nvSpPr>
-        <p:spPr/>
-      </p:sp>
-      <p:sp>
-        <p:nvSpPr>
-          <p:cNvPr id="3" name="Notes Placeholder 2"/>
-          <p:cNvSpPr>
-            <a:spLocks noGrp="1"/>
-          </p:cNvSpPr>
-          <p:nvPr>
-            <p:ph type="body" idx="1"/>
-          </p:nvPr>
-        </p:nvSpPr>
-        <p:spPr/>
-        <p:txBody>
-          <a:bodyPr/>
-          <a:lstStyle/>
-          <a:p>
-            <a:endParaRPr lang="en-US" b="0" dirty="0" smtClean="0"/>
-          </a:p>
-        </p:txBody>
-      </p:sp>
-      <p:sp>
-        <p:nvSpPr>
-          <p:cNvPr id="4" name="Slide Number Placeholder 3"/>
-          <p:cNvSpPr>
-            <a:spLocks noGrp="1"/>
-          </p:cNvSpPr>
-          <p:nvPr>
-            <p:ph type="sldNum" sz="quarter" idx="10"/>
-          </p:nvPr>
-        </p:nvSpPr>
-        <p:spPr/>
-        <p:txBody>
-          <a:bodyPr/>
-          <a:lstStyle/>
-          <a:p>
-            <a:fld id="{89029652-62E7-43D6-83B5-097D7B7AA5D8}" type="slidenum">
-              <a:rPr lang="en-US" smtClean="0"/>
-              <a:t>24</a:t>
-            </a:fld>
-            <a:endParaRPr lang="en-US"/>
-          </a:p>
-        </p:txBody>
-      </p:sp>
-    </p:spTree>
-    <p:extLst>
-      <p:ext uri="{BB962C8B-B14F-4D97-AF65-F5344CB8AC3E}">
-        <p14:creationId xmlns:p14="http://schemas.microsoft.com/office/powerpoint/2010/main" val="2847908271"/>
       </p:ext>
     </p:extLst>
   </p:cSld>
@@ -2125,6 +2130,90 @@
           <a:bodyPr/>
           <a:lstStyle/>
           <a:p>
+            <a:endParaRPr lang="en-US" b="0" dirty="0" smtClean="0"/>
+          </a:p>
+        </p:txBody>
+      </p:sp>
+      <p:sp>
+        <p:nvSpPr>
+          <p:cNvPr id="4" name="Slide Number Placeholder 3"/>
+          <p:cNvSpPr>
+            <a:spLocks noGrp="1"/>
+          </p:cNvSpPr>
+          <p:nvPr>
+            <p:ph type="sldNum" sz="quarter" idx="10"/>
+          </p:nvPr>
+        </p:nvSpPr>
+        <p:spPr/>
+        <p:txBody>
+          <a:bodyPr/>
+          <a:lstStyle/>
+          <a:p>
+            <a:fld id="{89029652-62E7-43D6-83B5-097D7B7AA5D8}" type="slidenum">
+              <a:rPr lang="en-US" smtClean="0"/>
+              <a:t>25</a:t>
+            </a:fld>
+            <a:endParaRPr lang="en-US"/>
+          </a:p>
+        </p:txBody>
+      </p:sp>
+    </p:spTree>
+    <p:extLst>
+      <p:ext uri="{BB962C8B-B14F-4D97-AF65-F5344CB8AC3E}">
+        <p14:creationId xmlns:p14="http://schemas.microsoft.com/office/powerpoint/2010/main" val="2847908271"/>
+      </p:ext>
+    </p:extLst>
+  </p:cSld>
+  <p:clrMapOvr>
+    <a:masterClrMapping/>
+  </p:clrMapOvr>
+</p:notes>
+</file>
+
+<file path=ppt/notesSlides/notesSlide26.xml><?xml version="1.0" encoding="utf-8"?>
+<p:notes xmlns:a="http://schemas.openxmlformats.org/drawingml/2006/main" xmlns:r="http://schemas.openxmlformats.org/officeDocument/2006/relationships" xmlns:p="http://schemas.openxmlformats.org/presentationml/2006/main">
+  <p:cSld>
+    <p:spTree>
+      <p:nvGrpSpPr>
+        <p:cNvPr id="1" name=""/>
+        <p:cNvGrpSpPr/>
+        <p:nvPr/>
+      </p:nvGrpSpPr>
+      <p:grpSpPr>
+        <a:xfrm>
+          <a:off x="0" y="0"/>
+          <a:ext cx="0" cy="0"/>
+          <a:chOff x="0" y="0"/>
+          <a:chExt cx="0" cy="0"/>
+        </a:xfrm>
+      </p:grpSpPr>
+      <p:sp>
+        <p:nvSpPr>
+          <p:cNvPr id="2" name="Slide Image Placeholder 1"/>
+          <p:cNvSpPr>
+            <a:spLocks noGrp="1" noRot="1" noChangeAspect="1"/>
+          </p:cNvSpPr>
+          <p:nvPr>
+            <p:ph type="sldImg"/>
+          </p:nvPr>
+        </p:nvSpPr>
+        <p:spPr/>
+      </p:sp>
+      <p:sp>
+        <p:nvSpPr>
+          <p:cNvPr id="3" name="Notes Placeholder 2"/>
+          <p:cNvSpPr>
+            <a:spLocks noGrp="1"/>
+          </p:cNvSpPr>
+          <p:nvPr>
+            <p:ph type="body" idx="1"/>
+          </p:nvPr>
+        </p:nvSpPr>
+        <p:spPr/>
+        <p:txBody>
+          <a:bodyPr/>
+          <a:lstStyle/>
+          <a:p>
             <a:pPr marL="0" marR="0" indent="0" algn="l" defTabSz="914400" rtl="0" eaLnBrk="1" fontAlgn="auto" latinLnBrk="0" hangingPunct="1">
               <a:lnSpc>
                 <a:spcPct val="100000"/>
@@ -2171,7 +2260,7 @@
           <a:p>
             <a:fld id="{89029652-62E7-43D6-83B5-097D7B7AA5D8}" type="slidenum">
               <a:rPr lang="en-US" smtClean="0"/>
-              <a:t>25</a:t>
+              <a:t>26</a:t>
             </a:fld>
             <a:endParaRPr lang="en-US"/>
           </a:p>
@@ -2181,90 +2270,6 @@
     <p:extLst>
       <p:ext uri="{BB962C8B-B14F-4D97-AF65-F5344CB8AC3E}">
         <p14:creationId xmlns:p14="http://schemas.microsoft.com/office/powerpoint/2010/main" val="3797934880"/>
-      </p:ext>
-    </p:extLst>
-  </p:cSld>
-  <p:clrMapOvr>
-    <a:masterClrMapping/>
-  </p:clrMapOvr>
-</p:notes>
-</file>
-
-<file path=ppt/notesSlides/notesSlide26.xml><?xml version="1.0" encoding="utf-8"?>
-<p:notes xmlns:a="http://schemas.openxmlformats.org/drawingml/2006/main" xmlns:r="http://schemas.openxmlformats.org/officeDocument/2006/relationships" xmlns:p="http://schemas.openxmlformats.org/presentationml/2006/main">
-  <p:cSld>
-    <p:spTree>
-      <p:nvGrpSpPr>
-        <p:cNvPr id="1" name=""/>
-        <p:cNvGrpSpPr/>
-        <p:nvPr/>
-      </p:nvGrpSpPr>
-      <p:grpSpPr>
-        <a:xfrm>
-          <a:off x="0" y="0"/>
-          <a:ext cx="0" cy="0"/>
-          <a:chOff x="0" y="0"/>
-          <a:chExt cx="0" cy="0"/>
-        </a:xfrm>
-      </p:grpSpPr>
-      <p:sp>
-        <p:nvSpPr>
-          <p:cNvPr id="2" name="Slide Image Placeholder 1"/>
-          <p:cNvSpPr>
-            <a:spLocks noGrp="1" noRot="1" noChangeAspect="1"/>
-          </p:cNvSpPr>
-          <p:nvPr>
-            <p:ph type="sldImg"/>
-          </p:nvPr>
-        </p:nvSpPr>
-        <p:spPr/>
-      </p:sp>
-      <p:sp>
-        <p:nvSpPr>
-          <p:cNvPr id="3" name="Notes Placeholder 2"/>
-          <p:cNvSpPr>
-            <a:spLocks noGrp="1"/>
-          </p:cNvSpPr>
-          <p:nvPr>
-            <p:ph type="body" idx="1"/>
-          </p:nvPr>
-        </p:nvSpPr>
-        <p:spPr/>
-        <p:txBody>
-          <a:bodyPr/>
-          <a:lstStyle/>
-          <a:p>
-            <a:endParaRPr lang="en-US" b="0" dirty="0" smtClean="0"/>
-          </a:p>
-        </p:txBody>
-      </p:sp>
-      <p:sp>
-        <p:nvSpPr>
-          <p:cNvPr id="4" name="Slide Number Placeholder 3"/>
-          <p:cNvSpPr>
-            <a:spLocks noGrp="1"/>
-          </p:cNvSpPr>
-          <p:nvPr>
-            <p:ph type="sldNum" sz="quarter" idx="10"/>
-          </p:nvPr>
-        </p:nvSpPr>
-        <p:spPr/>
-        <p:txBody>
-          <a:bodyPr/>
-          <a:lstStyle/>
-          <a:p>
-            <a:fld id="{89029652-62E7-43D6-83B5-097D7B7AA5D8}" type="slidenum">
-              <a:rPr lang="en-US" smtClean="0"/>
-              <a:t>26</a:t>
-            </a:fld>
-            <a:endParaRPr lang="en-US"/>
-          </a:p>
-        </p:txBody>
-      </p:sp>
-    </p:spTree>
-    <p:extLst>
-      <p:ext uri="{BB962C8B-B14F-4D97-AF65-F5344CB8AC3E}">
-        <p14:creationId xmlns:p14="http://schemas.microsoft.com/office/powerpoint/2010/main" val="3766878569"/>
       </p:ext>
     </p:extLst>
   </p:cSld>
@@ -2348,7 +2353,7 @@
     </p:spTree>
     <p:extLst>
       <p:ext uri="{BB962C8B-B14F-4D97-AF65-F5344CB8AC3E}">
-        <p14:creationId xmlns:p14="http://schemas.microsoft.com/office/powerpoint/2010/main" val="1777663287"/>
+        <p14:creationId xmlns:p14="http://schemas.microsoft.com/office/powerpoint/2010/main" val="3766878569"/>
       </p:ext>
     </p:extLst>
   </p:cSld>
@@ -2432,7 +2437,7 @@
     </p:spTree>
     <p:extLst>
       <p:ext uri="{BB962C8B-B14F-4D97-AF65-F5344CB8AC3E}">
-        <p14:creationId xmlns:p14="http://schemas.microsoft.com/office/powerpoint/2010/main" val="128284815"/>
+        <p14:creationId xmlns:p14="http://schemas.microsoft.com/office/powerpoint/2010/main" val="1777663287"/>
       </p:ext>
     </p:extLst>
   </p:cSld>
@@ -2516,7 +2521,7 @@
     </p:spTree>
     <p:extLst>
       <p:ext uri="{BB962C8B-B14F-4D97-AF65-F5344CB8AC3E}">
-        <p14:creationId xmlns:p14="http://schemas.microsoft.com/office/powerpoint/2010/main" val="1266200327"/>
+        <p14:creationId xmlns:p14="http://schemas.microsoft.com/office/powerpoint/2010/main" val="128284815"/>
       </p:ext>
     </p:extLst>
   </p:cSld>
@@ -2709,7 +2714,7 @@
     </p:spTree>
     <p:extLst>
       <p:ext uri="{BB962C8B-B14F-4D97-AF65-F5344CB8AC3E}">
-        <p14:creationId xmlns:p14="http://schemas.microsoft.com/office/powerpoint/2010/main" val="3516029556"/>
+        <p14:creationId xmlns:p14="http://schemas.microsoft.com/office/powerpoint/2010/main" val="1266200327"/>
       </p:ext>
     </p:extLst>
   </p:cSld>
@@ -2793,7 +2798,7 @@
     </p:spTree>
     <p:extLst>
       <p:ext uri="{BB962C8B-B14F-4D97-AF65-F5344CB8AC3E}">
-        <p14:creationId xmlns:p14="http://schemas.microsoft.com/office/powerpoint/2010/main" val="3404565588"/>
+        <p14:creationId xmlns:p14="http://schemas.microsoft.com/office/powerpoint/2010/main" val="3516029556"/>
       </p:ext>
     </p:extLst>
   </p:cSld>
@@ -2877,7 +2882,7 @@
     </p:spTree>
     <p:extLst>
       <p:ext uri="{BB962C8B-B14F-4D97-AF65-F5344CB8AC3E}">
-        <p14:creationId xmlns:p14="http://schemas.microsoft.com/office/powerpoint/2010/main" val="2712589128"/>
+        <p14:creationId xmlns:p14="http://schemas.microsoft.com/office/powerpoint/2010/main" val="3404565588"/>
       </p:ext>
     </p:extLst>
   </p:cSld>
@@ -2961,7 +2966,7 @@
     </p:spTree>
     <p:extLst>
       <p:ext uri="{BB962C8B-B14F-4D97-AF65-F5344CB8AC3E}">
-        <p14:creationId xmlns:p14="http://schemas.microsoft.com/office/powerpoint/2010/main" val="1609105756"/>
+        <p14:creationId xmlns:p14="http://schemas.microsoft.com/office/powerpoint/2010/main" val="2712589128"/>
       </p:ext>
     </p:extLst>
   </p:cSld>
@@ -3045,7 +3050,7 @@
     </p:spTree>
     <p:extLst>
       <p:ext uri="{BB962C8B-B14F-4D97-AF65-F5344CB8AC3E}">
-        <p14:creationId xmlns:p14="http://schemas.microsoft.com/office/powerpoint/2010/main" val="4079219210"/>
+        <p14:creationId xmlns:p14="http://schemas.microsoft.com/office/powerpoint/2010/main" val="1609105756"/>
       </p:ext>
     </p:extLst>
   </p:cSld>
@@ -3099,6 +3104,90 @@
           <a:bodyPr/>
           <a:lstStyle/>
           <a:p>
+            <a:endParaRPr lang="en-US" b="0" dirty="0" smtClean="0"/>
+          </a:p>
+        </p:txBody>
+      </p:sp>
+      <p:sp>
+        <p:nvSpPr>
+          <p:cNvPr id="4" name="Slide Number Placeholder 3"/>
+          <p:cNvSpPr>
+            <a:spLocks noGrp="1"/>
+          </p:cNvSpPr>
+          <p:nvPr>
+            <p:ph type="sldNum" sz="quarter" idx="10"/>
+          </p:nvPr>
+        </p:nvSpPr>
+        <p:spPr/>
+        <p:txBody>
+          <a:bodyPr/>
+          <a:lstStyle/>
+          <a:p>
+            <a:fld id="{89029652-62E7-43D6-83B5-097D7B7AA5D8}" type="slidenum">
+              <a:rPr lang="en-US" smtClean="0"/>
+              <a:t>35</a:t>
+            </a:fld>
+            <a:endParaRPr lang="en-US"/>
+          </a:p>
+        </p:txBody>
+      </p:sp>
+    </p:spTree>
+    <p:extLst>
+      <p:ext uri="{BB962C8B-B14F-4D97-AF65-F5344CB8AC3E}">
+        <p14:creationId xmlns:p14="http://schemas.microsoft.com/office/powerpoint/2010/main" val="4079219210"/>
+      </p:ext>
+    </p:extLst>
+  </p:cSld>
+  <p:clrMapOvr>
+    <a:masterClrMapping/>
+  </p:clrMapOvr>
+</p:notes>
+</file>
+
+<file path=ppt/notesSlides/notesSlide36.xml><?xml version="1.0" encoding="utf-8"?>
+<p:notes xmlns:a="http://schemas.openxmlformats.org/drawingml/2006/main" xmlns:r="http://schemas.openxmlformats.org/officeDocument/2006/relationships" xmlns:p="http://schemas.openxmlformats.org/presentationml/2006/main">
+  <p:cSld>
+    <p:spTree>
+      <p:nvGrpSpPr>
+        <p:cNvPr id="1" name=""/>
+        <p:cNvGrpSpPr/>
+        <p:nvPr/>
+      </p:nvGrpSpPr>
+      <p:grpSpPr>
+        <a:xfrm>
+          <a:off x="0" y="0"/>
+          <a:ext cx="0" cy="0"/>
+          <a:chOff x="0" y="0"/>
+          <a:chExt cx="0" cy="0"/>
+        </a:xfrm>
+      </p:grpSpPr>
+      <p:sp>
+        <p:nvSpPr>
+          <p:cNvPr id="2" name="Slide Image Placeholder 1"/>
+          <p:cNvSpPr>
+            <a:spLocks noGrp="1" noRot="1" noChangeAspect="1"/>
+          </p:cNvSpPr>
+          <p:nvPr>
+            <p:ph type="sldImg"/>
+          </p:nvPr>
+        </p:nvSpPr>
+        <p:spPr/>
+      </p:sp>
+      <p:sp>
+        <p:nvSpPr>
+          <p:cNvPr id="3" name="Notes Placeholder 2"/>
+          <p:cNvSpPr>
+            <a:spLocks noGrp="1"/>
+          </p:cNvSpPr>
+          <p:nvPr>
+            <p:ph type="body" idx="1"/>
+          </p:nvPr>
+        </p:nvSpPr>
+        <p:spPr/>
+        <p:txBody>
+          <a:bodyPr/>
+          <a:lstStyle/>
+          <a:p>
             <a:pPr marL="0" marR="0" indent="0" algn="l" defTabSz="914400" rtl="0" eaLnBrk="1" fontAlgn="auto" latinLnBrk="0" hangingPunct="1">
               <a:lnSpc>
                 <a:spcPct val="100000"/>
@@ -3145,7 +3234,7 @@
           <a:p>
             <a:fld id="{89029652-62E7-43D6-83B5-097D7B7AA5D8}" type="slidenum">
               <a:rPr lang="en-US" smtClean="0"/>
-              <a:t>35</a:t>
+              <a:t>36</a:t>
             </a:fld>
             <a:endParaRPr lang="en-US"/>
           </a:p>
@@ -3155,90 +3244,6 @@
     <p:extLst>
       <p:ext uri="{BB962C8B-B14F-4D97-AF65-F5344CB8AC3E}">
         <p14:creationId xmlns:p14="http://schemas.microsoft.com/office/powerpoint/2010/main" val="1830730383"/>
-      </p:ext>
-    </p:extLst>
-  </p:cSld>
-  <p:clrMapOvr>
-    <a:masterClrMapping/>
-  </p:clrMapOvr>
-</p:notes>
-</file>
-
-<file path=ppt/notesSlides/notesSlide36.xml><?xml version="1.0" encoding="utf-8"?>
-<p:notes xmlns:a="http://schemas.openxmlformats.org/drawingml/2006/main" xmlns:r="http://schemas.openxmlformats.org/officeDocument/2006/relationships" xmlns:p="http://schemas.openxmlformats.org/presentationml/2006/main">
-  <p:cSld>
-    <p:spTree>
-      <p:nvGrpSpPr>
-        <p:cNvPr id="1" name=""/>
-        <p:cNvGrpSpPr/>
-        <p:nvPr/>
-      </p:nvGrpSpPr>
-      <p:grpSpPr>
-        <a:xfrm>
-          <a:off x="0" y="0"/>
-          <a:ext cx="0" cy="0"/>
-          <a:chOff x="0" y="0"/>
-          <a:chExt cx="0" cy="0"/>
-        </a:xfrm>
-      </p:grpSpPr>
-      <p:sp>
-        <p:nvSpPr>
-          <p:cNvPr id="2" name="Slide Image Placeholder 1"/>
-          <p:cNvSpPr>
-            <a:spLocks noGrp="1" noRot="1" noChangeAspect="1"/>
-          </p:cNvSpPr>
-          <p:nvPr>
-            <p:ph type="sldImg"/>
-          </p:nvPr>
-        </p:nvSpPr>
-        <p:spPr/>
-      </p:sp>
-      <p:sp>
-        <p:nvSpPr>
-          <p:cNvPr id="3" name="Notes Placeholder 2"/>
-          <p:cNvSpPr>
-            <a:spLocks noGrp="1"/>
-          </p:cNvSpPr>
-          <p:nvPr>
-            <p:ph type="body" idx="1"/>
-          </p:nvPr>
-        </p:nvSpPr>
-        <p:spPr/>
-        <p:txBody>
-          <a:bodyPr/>
-          <a:lstStyle/>
-          <a:p>
-            <a:endParaRPr lang="en-US" b="0" dirty="0" smtClean="0"/>
-          </a:p>
-        </p:txBody>
-      </p:sp>
-      <p:sp>
-        <p:nvSpPr>
-          <p:cNvPr id="4" name="Slide Number Placeholder 3"/>
-          <p:cNvSpPr>
-            <a:spLocks noGrp="1"/>
-          </p:cNvSpPr>
-          <p:nvPr>
-            <p:ph type="sldNum" sz="quarter" idx="10"/>
-          </p:nvPr>
-        </p:nvSpPr>
-        <p:spPr/>
-        <p:txBody>
-          <a:bodyPr/>
-          <a:lstStyle/>
-          <a:p>
-            <a:fld id="{89029652-62E7-43D6-83B5-097D7B7AA5D8}" type="slidenum">
-              <a:rPr lang="en-US" smtClean="0"/>
-              <a:t>36</a:t>
-            </a:fld>
-            <a:endParaRPr lang="en-US"/>
-          </a:p>
-        </p:txBody>
-      </p:sp>
-    </p:spTree>
-    <p:extLst>
-      <p:ext uri="{BB962C8B-B14F-4D97-AF65-F5344CB8AC3E}">
-        <p14:creationId xmlns:p14="http://schemas.microsoft.com/office/powerpoint/2010/main" val="1561525116"/>
       </p:ext>
     </p:extLst>
   </p:cSld>
@@ -3322,7 +3327,7 @@
     </p:spTree>
     <p:extLst>
       <p:ext uri="{BB962C8B-B14F-4D97-AF65-F5344CB8AC3E}">
-        <p14:creationId xmlns:p14="http://schemas.microsoft.com/office/powerpoint/2010/main" val="1514808285"/>
+        <p14:creationId xmlns:p14="http://schemas.microsoft.com/office/powerpoint/2010/main" val="1561525116"/>
       </p:ext>
     </p:extLst>
   </p:cSld>
@@ -3376,32 +3381,7 @@
           <a:bodyPr/>
           <a:lstStyle/>
           <a:p>
-            <a:pPr marL="0" marR="0" indent="0" algn="l" defTabSz="914400" rtl="0" eaLnBrk="1" fontAlgn="auto" latinLnBrk="0" hangingPunct="1">
-              <a:lnSpc>
-                <a:spcPct val="100000"/>
-              </a:lnSpc>
-              <a:spcBef>
-                <a:spcPts val="0"/>
-              </a:spcBef>
-              <a:spcAft>
-                <a:spcPts val="0"/>
-              </a:spcAft>
-              <a:buClrTx/>
-              <a:buSzTx/>
-              <a:buFontTx/>
-              <a:buNone/>
-              <a:tabLst/>
-              <a:defRPr/>
-            </a:pPr>
-            <a:endParaRPr lang="en-US" sz="1200" kern="1200" dirty="0" smtClean="0">
-              <a:solidFill>
-                <a:schemeClr val="tx1"/>
-              </a:solidFill>
-              <a:effectLst/>
-              <a:latin typeface="+mn-lt"/>
-              <a:ea typeface="+mn-ea"/>
-              <a:cs typeface="+mn-cs"/>
-            </a:endParaRPr>
+            <a:endParaRPr lang="en-US" b="0" dirty="0" smtClean="0"/>
           </a:p>
         </p:txBody>
       </p:sp>
@@ -3431,7 +3411,7 @@
     </p:spTree>
     <p:extLst>
       <p:ext uri="{BB962C8B-B14F-4D97-AF65-F5344CB8AC3E}">
-        <p14:creationId xmlns:p14="http://schemas.microsoft.com/office/powerpoint/2010/main" val="2286755864"/>
+        <p14:creationId xmlns:p14="http://schemas.microsoft.com/office/powerpoint/2010/main" val="1514808285"/>
       </p:ext>
     </p:extLst>
   </p:cSld>
@@ -3515,7 +3495,7 @@
     </p:spTree>
     <p:extLst>
       <p:ext uri="{BB962C8B-B14F-4D97-AF65-F5344CB8AC3E}">
-        <p14:creationId xmlns:p14="http://schemas.microsoft.com/office/powerpoint/2010/main" val="2653332077"/>
+        <p14:creationId xmlns:p14="http://schemas.microsoft.com/office/powerpoint/2010/main" val="1255163866"/>
       </p:ext>
     </p:extLst>
   </p:cSld>
@@ -3708,7 +3688,7 @@
     </p:spTree>
     <p:extLst>
       <p:ext uri="{BB962C8B-B14F-4D97-AF65-F5344CB8AC3E}">
-        <p14:creationId xmlns:p14="http://schemas.microsoft.com/office/powerpoint/2010/main" val="3778399677"/>
+        <p14:creationId xmlns:p14="http://schemas.microsoft.com/office/powerpoint/2010/main" val="3263699449"/>
       </p:ext>
     </p:extLst>
   </p:cSld>
@@ -3762,7 +3742,32 @@
           <a:bodyPr/>
           <a:lstStyle/>
           <a:p>
-            <a:endParaRPr lang="en-US" b="0" dirty="0" smtClean="0"/>
+            <a:pPr marL="0" marR="0" indent="0" algn="l" defTabSz="914400" rtl="0" eaLnBrk="1" fontAlgn="auto" latinLnBrk="0" hangingPunct="1">
+              <a:lnSpc>
+                <a:spcPct val="100000"/>
+              </a:lnSpc>
+              <a:spcBef>
+                <a:spcPts val="0"/>
+              </a:spcBef>
+              <a:spcAft>
+                <a:spcPts val="0"/>
+              </a:spcAft>
+              <a:buClrTx/>
+              <a:buSzTx/>
+              <a:buFontTx/>
+              <a:buNone/>
+              <a:tabLst/>
+              <a:defRPr/>
+            </a:pPr>
+            <a:endParaRPr lang="en-US" sz="1200" kern="1200" dirty="0" smtClean="0">
+              <a:solidFill>
+                <a:schemeClr val="tx1"/>
+              </a:solidFill>
+              <a:effectLst/>
+              <a:latin typeface="+mn-lt"/>
+              <a:ea typeface="+mn-ea"/>
+              <a:cs typeface="+mn-cs"/>
+            </a:endParaRPr>
           </a:p>
         </p:txBody>
       </p:sp>
@@ -3792,7 +3797,7 @@
     </p:spTree>
     <p:extLst>
       <p:ext uri="{BB962C8B-B14F-4D97-AF65-F5344CB8AC3E}">
-        <p14:creationId xmlns:p14="http://schemas.microsoft.com/office/powerpoint/2010/main" val="3271057564"/>
+        <p14:creationId xmlns:p14="http://schemas.microsoft.com/office/powerpoint/2010/main" val="2286755864"/>
       </p:ext>
     </p:extLst>
   </p:cSld>
@@ -3876,7 +3881,7 @@
     </p:spTree>
     <p:extLst>
       <p:ext uri="{BB962C8B-B14F-4D97-AF65-F5344CB8AC3E}">
-        <p14:creationId xmlns:p14="http://schemas.microsoft.com/office/powerpoint/2010/main" val="150335864"/>
+        <p14:creationId xmlns:p14="http://schemas.microsoft.com/office/powerpoint/2010/main" val="2653332077"/>
       </p:ext>
     </p:extLst>
   </p:cSld>
@@ -3960,7 +3965,7 @@
     </p:spTree>
     <p:extLst>
       <p:ext uri="{BB962C8B-B14F-4D97-AF65-F5344CB8AC3E}">
-        <p14:creationId xmlns:p14="http://schemas.microsoft.com/office/powerpoint/2010/main" val="1174323916"/>
+        <p14:creationId xmlns:p14="http://schemas.microsoft.com/office/powerpoint/2010/main" val="3778399677"/>
       </p:ext>
     </p:extLst>
   </p:cSld>
@@ -4044,7 +4049,7 @@
     </p:spTree>
     <p:extLst>
       <p:ext uri="{BB962C8B-B14F-4D97-AF65-F5344CB8AC3E}">
-        <p14:creationId xmlns:p14="http://schemas.microsoft.com/office/powerpoint/2010/main" val="22929660"/>
+        <p14:creationId xmlns:p14="http://schemas.microsoft.com/office/powerpoint/2010/main" val="3271057564"/>
       </p:ext>
     </p:extLst>
   </p:cSld>
@@ -4128,7 +4133,7 @@
     </p:spTree>
     <p:extLst>
       <p:ext uri="{BB962C8B-B14F-4D97-AF65-F5344CB8AC3E}">
-        <p14:creationId xmlns:p14="http://schemas.microsoft.com/office/powerpoint/2010/main" val="3079792467"/>
+        <p14:creationId xmlns:p14="http://schemas.microsoft.com/office/powerpoint/2010/main" val="150335864"/>
       </p:ext>
     </p:extLst>
   </p:cSld>
@@ -4182,6 +4187,258 @@
           <a:bodyPr/>
           <a:lstStyle/>
           <a:p>
+            <a:endParaRPr lang="en-US" b="0" dirty="0" smtClean="0"/>
+          </a:p>
+        </p:txBody>
+      </p:sp>
+      <p:sp>
+        <p:nvSpPr>
+          <p:cNvPr id="4" name="Slide Number Placeholder 3"/>
+          <p:cNvSpPr>
+            <a:spLocks noGrp="1"/>
+          </p:cNvSpPr>
+          <p:nvPr>
+            <p:ph type="sldNum" sz="quarter" idx="10"/>
+          </p:nvPr>
+        </p:nvSpPr>
+        <p:spPr/>
+        <p:txBody>
+          <a:bodyPr/>
+          <a:lstStyle/>
+          <a:p>
+            <a:fld id="{89029652-62E7-43D6-83B5-097D7B7AA5D8}" type="slidenum">
+              <a:rPr lang="en-US" smtClean="0"/>
+              <a:t>46</a:t>
+            </a:fld>
+            <a:endParaRPr lang="en-US"/>
+          </a:p>
+        </p:txBody>
+      </p:sp>
+    </p:spTree>
+    <p:extLst>
+      <p:ext uri="{BB962C8B-B14F-4D97-AF65-F5344CB8AC3E}">
+        <p14:creationId xmlns:p14="http://schemas.microsoft.com/office/powerpoint/2010/main" val="1174323916"/>
+      </p:ext>
+    </p:extLst>
+  </p:cSld>
+  <p:clrMapOvr>
+    <a:masterClrMapping/>
+  </p:clrMapOvr>
+</p:notes>
+</file>
+
+<file path=ppt/notesSlides/notesSlide47.xml><?xml version="1.0" encoding="utf-8"?>
+<p:notes xmlns:a="http://schemas.openxmlformats.org/drawingml/2006/main" xmlns:r="http://schemas.openxmlformats.org/officeDocument/2006/relationships" xmlns:p="http://schemas.openxmlformats.org/presentationml/2006/main">
+  <p:cSld>
+    <p:spTree>
+      <p:nvGrpSpPr>
+        <p:cNvPr id="1" name=""/>
+        <p:cNvGrpSpPr/>
+        <p:nvPr/>
+      </p:nvGrpSpPr>
+      <p:grpSpPr>
+        <a:xfrm>
+          <a:off x="0" y="0"/>
+          <a:ext cx="0" cy="0"/>
+          <a:chOff x="0" y="0"/>
+          <a:chExt cx="0" cy="0"/>
+        </a:xfrm>
+      </p:grpSpPr>
+      <p:sp>
+        <p:nvSpPr>
+          <p:cNvPr id="2" name="Slide Image Placeholder 1"/>
+          <p:cNvSpPr>
+            <a:spLocks noGrp="1" noRot="1" noChangeAspect="1"/>
+          </p:cNvSpPr>
+          <p:nvPr>
+            <p:ph type="sldImg"/>
+          </p:nvPr>
+        </p:nvSpPr>
+        <p:spPr/>
+      </p:sp>
+      <p:sp>
+        <p:nvSpPr>
+          <p:cNvPr id="3" name="Notes Placeholder 2"/>
+          <p:cNvSpPr>
+            <a:spLocks noGrp="1"/>
+          </p:cNvSpPr>
+          <p:nvPr>
+            <p:ph type="body" idx="1"/>
+          </p:nvPr>
+        </p:nvSpPr>
+        <p:spPr/>
+        <p:txBody>
+          <a:bodyPr/>
+          <a:lstStyle/>
+          <a:p>
+            <a:endParaRPr lang="en-US" b="0" dirty="0" smtClean="0"/>
+          </a:p>
+        </p:txBody>
+      </p:sp>
+      <p:sp>
+        <p:nvSpPr>
+          <p:cNvPr id="4" name="Slide Number Placeholder 3"/>
+          <p:cNvSpPr>
+            <a:spLocks noGrp="1"/>
+          </p:cNvSpPr>
+          <p:nvPr>
+            <p:ph type="sldNum" sz="quarter" idx="10"/>
+          </p:nvPr>
+        </p:nvSpPr>
+        <p:spPr/>
+        <p:txBody>
+          <a:bodyPr/>
+          <a:lstStyle/>
+          <a:p>
+            <a:fld id="{89029652-62E7-43D6-83B5-097D7B7AA5D8}" type="slidenum">
+              <a:rPr lang="en-US" smtClean="0"/>
+              <a:t>47</a:t>
+            </a:fld>
+            <a:endParaRPr lang="en-US"/>
+          </a:p>
+        </p:txBody>
+      </p:sp>
+    </p:spTree>
+    <p:extLst>
+      <p:ext uri="{BB962C8B-B14F-4D97-AF65-F5344CB8AC3E}">
+        <p14:creationId xmlns:p14="http://schemas.microsoft.com/office/powerpoint/2010/main" val="22929660"/>
+      </p:ext>
+    </p:extLst>
+  </p:cSld>
+  <p:clrMapOvr>
+    <a:masterClrMapping/>
+  </p:clrMapOvr>
+</p:notes>
+</file>
+
+<file path=ppt/notesSlides/notesSlide48.xml><?xml version="1.0" encoding="utf-8"?>
+<p:notes xmlns:a="http://schemas.openxmlformats.org/drawingml/2006/main" xmlns:r="http://schemas.openxmlformats.org/officeDocument/2006/relationships" xmlns:p="http://schemas.openxmlformats.org/presentationml/2006/main">
+  <p:cSld>
+    <p:spTree>
+      <p:nvGrpSpPr>
+        <p:cNvPr id="1" name=""/>
+        <p:cNvGrpSpPr/>
+        <p:nvPr/>
+      </p:nvGrpSpPr>
+      <p:grpSpPr>
+        <a:xfrm>
+          <a:off x="0" y="0"/>
+          <a:ext cx="0" cy="0"/>
+          <a:chOff x="0" y="0"/>
+          <a:chExt cx="0" cy="0"/>
+        </a:xfrm>
+      </p:grpSpPr>
+      <p:sp>
+        <p:nvSpPr>
+          <p:cNvPr id="2" name="Slide Image Placeholder 1"/>
+          <p:cNvSpPr>
+            <a:spLocks noGrp="1" noRot="1" noChangeAspect="1"/>
+          </p:cNvSpPr>
+          <p:nvPr>
+            <p:ph type="sldImg"/>
+          </p:nvPr>
+        </p:nvSpPr>
+        <p:spPr/>
+      </p:sp>
+      <p:sp>
+        <p:nvSpPr>
+          <p:cNvPr id="3" name="Notes Placeholder 2"/>
+          <p:cNvSpPr>
+            <a:spLocks noGrp="1"/>
+          </p:cNvSpPr>
+          <p:nvPr>
+            <p:ph type="body" idx="1"/>
+          </p:nvPr>
+        </p:nvSpPr>
+        <p:spPr/>
+        <p:txBody>
+          <a:bodyPr/>
+          <a:lstStyle/>
+          <a:p>
+            <a:endParaRPr lang="en-US" b="0" dirty="0" smtClean="0"/>
+          </a:p>
+        </p:txBody>
+      </p:sp>
+      <p:sp>
+        <p:nvSpPr>
+          <p:cNvPr id="4" name="Slide Number Placeholder 3"/>
+          <p:cNvSpPr>
+            <a:spLocks noGrp="1"/>
+          </p:cNvSpPr>
+          <p:nvPr>
+            <p:ph type="sldNum" sz="quarter" idx="10"/>
+          </p:nvPr>
+        </p:nvSpPr>
+        <p:spPr/>
+        <p:txBody>
+          <a:bodyPr/>
+          <a:lstStyle/>
+          <a:p>
+            <a:fld id="{89029652-62E7-43D6-83B5-097D7B7AA5D8}" type="slidenum">
+              <a:rPr lang="en-US" smtClean="0"/>
+              <a:t>48</a:t>
+            </a:fld>
+            <a:endParaRPr lang="en-US"/>
+          </a:p>
+        </p:txBody>
+      </p:sp>
+    </p:spTree>
+    <p:extLst>
+      <p:ext uri="{BB962C8B-B14F-4D97-AF65-F5344CB8AC3E}">
+        <p14:creationId xmlns:p14="http://schemas.microsoft.com/office/powerpoint/2010/main" val="3079792467"/>
+      </p:ext>
+    </p:extLst>
+  </p:cSld>
+  <p:clrMapOvr>
+    <a:masterClrMapping/>
+  </p:clrMapOvr>
+</p:notes>
+</file>
+
+<file path=ppt/notesSlides/notesSlide49.xml><?xml version="1.0" encoding="utf-8"?>
+<p:notes xmlns:a="http://schemas.openxmlformats.org/drawingml/2006/main" xmlns:r="http://schemas.openxmlformats.org/officeDocument/2006/relationships" xmlns:p="http://schemas.openxmlformats.org/presentationml/2006/main">
+  <p:cSld>
+    <p:spTree>
+      <p:nvGrpSpPr>
+        <p:cNvPr id="1" name=""/>
+        <p:cNvGrpSpPr/>
+        <p:nvPr/>
+      </p:nvGrpSpPr>
+      <p:grpSpPr>
+        <a:xfrm>
+          <a:off x="0" y="0"/>
+          <a:ext cx="0" cy="0"/>
+          <a:chOff x="0" y="0"/>
+          <a:chExt cx="0" cy="0"/>
+        </a:xfrm>
+      </p:grpSpPr>
+      <p:sp>
+        <p:nvSpPr>
+          <p:cNvPr id="2" name="Slide Image Placeholder 1"/>
+          <p:cNvSpPr>
+            <a:spLocks noGrp="1" noRot="1" noChangeAspect="1"/>
+          </p:cNvSpPr>
+          <p:nvPr>
+            <p:ph type="sldImg"/>
+          </p:nvPr>
+        </p:nvSpPr>
+        <p:spPr/>
+      </p:sp>
+      <p:sp>
+        <p:nvSpPr>
+          <p:cNvPr id="3" name="Notes Placeholder 2"/>
+          <p:cNvSpPr>
+            <a:spLocks noGrp="1"/>
+          </p:cNvSpPr>
+          <p:nvPr>
+            <p:ph type="body" idx="1"/>
+          </p:nvPr>
+        </p:nvSpPr>
+        <p:spPr/>
+        <p:txBody>
+          <a:bodyPr/>
+          <a:lstStyle/>
+          <a:p>
             <a:pPr marL="0" marR="0" indent="0" algn="l" defTabSz="914400" rtl="0" eaLnBrk="1" fontAlgn="auto" latinLnBrk="0" hangingPunct="1">
               <a:lnSpc>
                 <a:spcPct val="100000"/>
@@ -4228,7 +4485,7 @@
           <a:p>
             <a:fld id="{89029652-62E7-43D6-83B5-097D7B7AA5D8}" type="slidenum">
               <a:rPr lang="en-US" smtClean="0"/>
-              <a:t>46</a:t>
+              <a:t>49</a:t>
             </a:fld>
             <a:endParaRPr lang="en-US"/>
           </a:p>
@@ -4238,258 +4495,6 @@
     <p:extLst>
       <p:ext uri="{BB962C8B-B14F-4D97-AF65-F5344CB8AC3E}">
         <p14:creationId xmlns:p14="http://schemas.microsoft.com/office/powerpoint/2010/main" val="1704645259"/>
-      </p:ext>
-    </p:extLst>
-  </p:cSld>
-  <p:clrMapOvr>
-    <a:masterClrMapping/>
-  </p:clrMapOvr>
-</p:notes>
-</file>
-
-<file path=ppt/notesSlides/notesSlide47.xml><?xml version="1.0" encoding="utf-8"?>
-<p:notes xmlns:a="http://schemas.openxmlformats.org/drawingml/2006/main" xmlns:r="http://schemas.openxmlformats.org/officeDocument/2006/relationships" xmlns:p="http://schemas.openxmlformats.org/presentationml/2006/main">
-  <p:cSld>
-    <p:spTree>
-      <p:nvGrpSpPr>
-        <p:cNvPr id="1" name=""/>
-        <p:cNvGrpSpPr/>
-        <p:nvPr/>
-      </p:nvGrpSpPr>
-      <p:grpSpPr>
-        <a:xfrm>
-          <a:off x="0" y="0"/>
-          <a:ext cx="0" cy="0"/>
-          <a:chOff x="0" y="0"/>
-          <a:chExt cx="0" cy="0"/>
-        </a:xfrm>
-      </p:grpSpPr>
-      <p:sp>
-        <p:nvSpPr>
-          <p:cNvPr id="2" name="Slide Image Placeholder 1"/>
-          <p:cNvSpPr>
-            <a:spLocks noGrp="1" noRot="1" noChangeAspect="1"/>
-          </p:cNvSpPr>
-          <p:nvPr>
-            <p:ph type="sldImg"/>
-          </p:nvPr>
-        </p:nvSpPr>
-        <p:spPr/>
-      </p:sp>
-      <p:sp>
-        <p:nvSpPr>
-          <p:cNvPr id="3" name="Notes Placeholder 2"/>
-          <p:cNvSpPr>
-            <a:spLocks noGrp="1"/>
-          </p:cNvSpPr>
-          <p:nvPr>
-            <p:ph type="body" idx="1"/>
-          </p:nvPr>
-        </p:nvSpPr>
-        <p:spPr/>
-        <p:txBody>
-          <a:bodyPr/>
-          <a:lstStyle/>
-          <a:p>
-            <a:endParaRPr lang="en-US" b="0" dirty="0" smtClean="0"/>
-          </a:p>
-        </p:txBody>
-      </p:sp>
-      <p:sp>
-        <p:nvSpPr>
-          <p:cNvPr id="4" name="Slide Number Placeholder 3"/>
-          <p:cNvSpPr>
-            <a:spLocks noGrp="1"/>
-          </p:cNvSpPr>
-          <p:nvPr>
-            <p:ph type="sldNum" sz="quarter" idx="10"/>
-          </p:nvPr>
-        </p:nvSpPr>
-        <p:spPr/>
-        <p:txBody>
-          <a:bodyPr/>
-          <a:lstStyle/>
-          <a:p>
-            <a:fld id="{89029652-62E7-43D6-83B5-097D7B7AA5D8}" type="slidenum">
-              <a:rPr lang="en-US" smtClean="0"/>
-              <a:t>47</a:t>
-            </a:fld>
-            <a:endParaRPr lang="en-US"/>
-          </a:p>
-        </p:txBody>
-      </p:sp>
-    </p:spTree>
-    <p:extLst>
-      <p:ext uri="{BB962C8B-B14F-4D97-AF65-F5344CB8AC3E}">
-        <p14:creationId xmlns:p14="http://schemas.microsoft.com/office/powerpoint/2010/main" val="381415188"/>
-      </p:ext>
-    </p:extLst>
-  </p:cSld>
-  <p:clrMapOvr>
-    <a:masterClrMapping/>
-  </p:clrMapOvr>
-</p:notes>
-</file>
-
-<file path=ppt/notesSlides/notesSlide48.xml><?xml version="1.0" encoding="utf-8"?>
-<p:notes xmlns:a="http://schemas.openxmlformats.org/drawingml/2006/main" xmlns:r="http://schemas.openxmlformats.org/officeDocument/2006/relationships" xmlns:p="http://schemas.openxmlformats.org/presentationml/2006/main">
-  <p:cSld>
-    <p:spTree>
-      <p:nvGrpSpPr>
-        <p:cNvPr id="1" name=""/>
-        <p:cNvGrpSpPr/>
-        <p:nvPr/>
-      </p:nvGrpSpPr>
-      <p:grpSpPr>
-        <a:xfrm>
-          <a:off x="0" y="0"/>
-          <a:ext cx="0" cy="0"/>
-          <a:chOff x="0" y="0"/>
-          <a:chExt cx="0" cy="0"/>
-        </a:xfrm>
-      </p:grpSpPr>
-      <p:sp>
-        <p:nvSpPr>
-          <p:cNvPr id="2" name="Slide Image Placeholder 1"/>
-          <p:cNvSpPr>
-            <a:spLocks noGrp="1" noRot="1" noChangeAspect="1"/>
-          </p:cNvSpPr>
-          <p:nvPr>
-            <p:ph type="sldImg"/>
-          </p:nvPr>
-        </p:nvSpPr>
-        <p:spPr/>
-      </p:sp>
-      <p:sp>
-        <p:nvSpPr>
-          <p:cNvPr id="3" name="Notes Placeholder 2"/>
-          <p:cNvSpPr>
-            <a:spLocks noGrp="1"/>
-          </p:cNvSpPr>
-          <p:nvPr>
-            <p:ph type="body" idx="1"/>
-          </p:nvPr>
-        </p:nvSpPr>
-        <p:spPr/>
-        <p:txBody>
-          <a:bodyPr/>
-          <a:lstStyle/>
-          <a:p>
-            <a:endParaRPr lang="en-US" b="0" dirty="0" smtClean="0"/>
-          </a:p>
-        </p:txBody>
-      </p:sp>
-      <p:sp>
-        <p:nvSpPr>
-          <p:cNvPr id="4" name="Slide Number Placeholder 3"/>
-          <p:cNvSpPr>
-            <a:spLocks noGrp="1"/>
-          </p:cNvSpPr>
-          <p:nvPr>
-            <p:ph type="sldNum" sz="quarter" idx="10"/>
-          </p:nvPr>
-        </p:nvSpPr>
-        <p:spPr/>
-        <p:txBody>
-          <a:bodyPr/>
-          <a:lstStyle/>
-          <a:p>
-            <a:fld id="{89029652-62E7-43D6-83B5-097D7B7AA5D8}" type="slidenum">
-              <a:rPr lang="en-US" smtClean="0"/>
-              <a:t>48</a:t>
-            </a:fld>
-            <a:endParaRPr lang="en-US"/>
-          </a:p>
-        </p:txBody>
-      </p:sp>
-    </p:spTree>
-    <p:extLst>
-      <p:ext uri="{BB962C8B-B14F-4D97-AF65-F5344CB8AC3E}">
-        <p14:creationId xmlns:p14="http://schemas.microsoft.com/office/powerpoint/2010/main" val="3344468672"/>
-      </p:ext>
-    </p:extLst>
-  </p:cSld>
-  <p:clrMapOvr>
-    <a:masterClrMapping/>
-  </p:clrMapOvr>
-</p:notes>
-</file>
-
-<file path=ppt/notesSlides/notesSlide49.xml><?xml version="1.0" encoding="utf-8"?>
-<p:notes xmlns:a="http://schemas.openxmlformats.org/drawingml/2006/main" xmlns:r="http://schemas.openxmlformats.org/officeDocument/2006/relationships" xmlns:p="http://schemas.openxmlformats.org/presentationml/2006/main">
-  <p:cSld>
-    <p:spTree>
-      <p:nvGrpSpPr>
-        <p:cNvPr id="1" name=""/>
-        <p:cNvGrpSpPr/>
-        <p:nvPr/>
-      </p:nvGrpSpPr>
-      <p:grpSpPr>
-        <a:xfrm>
-          <a:off x="0" y="0"/>
-          <a:ext cx="0" cy="0"/>
-          <a:chOff x="0" y="0"/>
-          <a:chExt cx="0" cy="0"/>
-        </a:xfrm>
-      </p:grpSpPr>
-      <p:sp>
-        <p:nvSpPr>
-          <p:cNvPr id="2" name="Slide Image Placeholder 1"/>
-          <p:cNvSpPr>
-            <a:spLocks noGrp="1" noRot="1" noChangeAspect="1"/>
-          </p:cNvSpPr>
-          <p:nvPr>
-            <p:ph type="sldImg"/>
-          </p:nvPr>
-        </p:nvSpPr>
-        <p:spPr/>
-      </p:sp>
-      <p:sp>
-        <p:nvSpPr>
-          <p:cNvPr id="3" name="Notes Placeholder 2"/>
-          <p:cNvSpPr>
-            <a:spLocks noGrp="1"/>
-          </p:cNvSpPr>
-          <p:nvPr>
-            <p:ph type="body" idx="1"/>
-          </p:nvPr>
-        </p:nvSpPr>
-        <p:spPr/>
-        <p:txBody>
-          <a:bodyPr/>
-          <a:lstStyle/>
-          <a:p>
-            <a:endParaRPr lang="en-US" b="0" dirty="0" smtClean="0"/>
-          </a:p>
-        </p:txBody>
-      </p:sp>
-      <p:sp>
-        <p:nvSpPr>
-          <p:cNvPr id="4" name="Slide Number Placeholder 3"/>
-          <p:cNvSpPr>
-            <a:spLocks noGrp="1"/>
-          </p:cNvSpPr>
-          <p:nvPr>
-            <p:ph type="sldNum" sz="quarter" idx="10"/>
-          </p:nvPr>
-        </p:nvSpPr>
-        <p:spPr/>
-        <p:txBody>
-          <a:bodyPr/>
-          <a:lstStyle/>
-          <a:p>
-            <a:fld id="{89029652-62E7-43D6-83B5-097D7B7AA5D8}" type="slidenum">
-              <a:rPr lang="en-US" smtClean="0"/>
-              <a:t>49</a:t>
-            </a:fld>
-            <a:endParaRPr lang="en-US"/>
-          </a:p>
-        </p:txBody>
-      </p:sp>
-    </p:spTree>
-    <p:extLst>
-      <p:ext uri="{BB962C8B-B14F-4D97-AF65-F5344CB8AC3E}">
-        <p14:creationId xmlns:p14="http://schemas.microsoft.com/office/powerpoint/2010/main" val="3143393369"/>
       </p:ext>
     </p:extLst>
   </p:cSld>
@@ -4627,6 +4632,258 @@
           <a:bodyPr/>
           <a:lstStyle/>
           <a:p>
+            <a:endParaRPr lang="en-US" b="0" dirty="0" smtClean="0"/>
+          </a:p>
+        </p:txBody>
+      </p:sp>
+      <p:sp>
+        <p:nvSpPr>
+          <p:cNvPr id="4" name="Slide Number Placeholder 3"/>
+          <p:cNvSpPr>
+            <a:spLocks noGrp="1"/>
+          </p:cNvSpPr>
+          <p:nvPr>
+            <p:ph type="sldNum" sz="quarter" idx="10"/>
+          </p:nvPr>
+        </p:nvSpPr>
+        <p:spPr/>
+        <p:txBody>
+          <a:bodyPr/>
+          <a:lstStyle/>
+          <a:p>
+            <a:fld id="{89029652-62E7-43D6-83B5-097D7B7AA5D8}" type="slidenum">
+              <a:rPr lang="en-US" smtClean="0"/>
+              <a:t>50</a:t>
+            </a:fld>
+            <a:endParaRPr lang="en-US"/>
+          </a:p>
+        </p:txBody>
+      </p:sp>
+    </p:spTree>
+    <p:extLst>
+      <p:ext uri="{BB962C8B-B14F-4D97-AF65-F5344CB8AC3E}">
+        <p14:creationId xmlns:p14="http://schemas.microsoft.com/office/powerpoint/2010/main" val="381415188"/>
+      </p:ext>
+    </p:extLst>
+  </p:cSld>
+  <p:clrMapOvr>
+    <a:masterClrMapping/>
+  </p:clrMapOvr>
+</p:notes>
+</file>
+
+<file path=ppt/notesSlides/notesSlide51.xml><?xml version="1.0" encoding="utf-8"?>
+<p:notes xmlns:a="http://schemas.openxmlformats.org/drawingml/2006/main" xmlns:r="http://schemas.openxmlformats.org/officeDocument/2006/relationships" xmlns:p="http://schemas.openxmlformats.org/presentationml/2006/main">
+  <p:cSld>
+    <p:spTree>
+      <p:nvGrpSpPr>
+        <p:cNvPr id="1" name=""/>
+        <p:cNvGrpSpPr/>
+        <p:nvPr/>
+      </p:nvGrpSpPr>
+      <p:grpSpPr>
+        <a:xfrm>
+          <a:off x="0" y="0"/>
+          <a:ext cx="0" cy="0"/>
+          <a:chOff x="0" y="0"/>
+          <a:chExt cx="0" cy="0"/>
+        </a:xfrm>
+      </p:grpSpPr>
+      <p:sp>
+        <p:nvSpPr>
+          <p:cNvPr id="2" name="Slide Image Placeholder 1"/>
+          <p:cNvSpPr>
+            <a:spLocks noGrp="1" noRot="1" noChangeAspect="1"/>
+          </p:cNvSpPr>
+          <p:nvPr>
+            <p:ph type="sldImg"/>
+          </p:nvPr>
+        </p:nvSpPr>
+        <p:spPr/>
+      </p:sp>
+      <p:sp>
+        <p:nvSpPr>
+          <p:cNvPr id="3" name="Notes Placeholder 2"/>
+          <p:cNvSpPr>
+            <a:spLocks noGrp="1"/>
+          </p:cNvSpPr>
+          <p:nvPr>
+            <p:ph type="body" idx="1"/>
+          </p:nvPr>
+        </p:nvSpPr>
+        <p:spPr/>
+        <p:txBody>
+          <a:bodyPr/>
+          <a:lstStyle/>
+          <a:p>
+            <a:endParaRPr lang="en-US" b="0" dirty="0" smtClean="0"/>
+          </a:p>
+        </p:txBody>
+      </p:sp>
+      <p:sp>
+        <p:nvSpPr>
+          <p:cNvPr id="4" name="Slide Number Placeholder 3"/>
+          <p:cNvSpPr>
+            <a:spLocks noGrp="1"/>
+          </p:cNvSpPr>
+          <p:nvPr>
+            <p:ph type="sldNum" sz="quarter" idx="10"/>
+          </p:nvPr>
+        </p:nvSpPr>
+        <p:spPr/>
+        <p:txBody>
+          <a:bodyPr/>
+          <a:lstStyle/>
+          <a:p>
+            <a:fld id="{89029652-62E7-43D6-83B5-097D7B7AA5D8}" type="slidenum">
+              <a:rPr lang="en-US" smtClean="0"/>
+              <a:t>51</a:t>
+            </a:fld>
+            <a:endParaRPr lang="en-US"/>
+          </a:p>
+        </p:txBody>
+      </p:sp>
+    </p:spTree>
+    <p:extLst>
+      <p:ext uri="{BB962C8B-B14F-4D97-AF65-F5344CB8AC3E}">
+        <p14:creationId xmlns:p14="http://schemas.microsoft.com/office/powerpoint/2010/main" val="3344468672"/>
+      </p:ext>
+    </p:extLst>
+  </p:cSld>
+  <p:clrMapOvr>
+    <a:masterClrMapping/>
+  </p:clrMapOvr>
+</p:notes>
+</file>
+
+<file path=ppt/notesSlides/notesSlide52.xml><?xml version="1.0" encoding="utf-8"?>
+<p:notes xmlns:a="http://schemas.openxmlformats.org/drawingml/2006/main" xmlns:r="http://schemas.openxmlformats.org/officeDocument/2006/relationships" xmlns:p="http://schemas.openxmlformats.org/presentationml/2006/main">
+  <p:cSld>
+    <p:spTree>
+      <p:nvGrpSpPr>
+        <p:cNvPr id="1" name=""/>
+        <p:cNvGrpSpPr/>
+        <p:nvPr/>
+      </p:nvGrpSpPr>
+      <p:grpSpPr>
+        <a:xfrm>
+          <a:off x="0" y="0"/>
+          <a:ext cx="0" cy="0"/>
+          <a:chOff x="0" y="0"/>
+          <a:chExt cx="0" cy="0"/>
+        </a:xfrm>
+      </p:grpSpPr>
+      <p:sp>
+        <p:nvSpPr>
+          <p:cNvPr id="2" name="Slide Image Placeholder 1"/>
+          <p:cNvSpPr>
+            <a:spLocks noGrp="1" noRot="1" noChangeAspect="1"/>
+          </p:cNvSpPr>
+          <p:nvPr>
+            <p:ph type="sldImg"/>
+          </p:nvPr>
+        </p:nvSpPr>
+        <p:spPr/>
+      </p:sp>
+      <p:sp>
+        <p:nvSpPr>
+          <p:cNvPr id="3" name="Notes Placeholder 2"/>
+          <p:cNvSpPr>
+            <a:spLocks noGrp="1"/>
+          </p:cNvSpPr>
+          <p:nvPr>
+            <p:ph type="body" idx="1"/>
+          </p:nvPr>
+        </p:nvSpPr>
+        <p:spPr/>
+        <p:txBody>
+          <a:bodyPr/>
+          <a:lstStyle/>
+          <a:p>
+            <a:endParaRPr lang="en-US" b="0" dirty="0" smtClean="0"/>
+          </a:p>
+        </p:txBody>
+      </p:sp>
+      <p:sp>
+        <p:nvSpPr>
+          <p:cNvPr id="4" name="Slide Number Placeholder 3"/>
+          <p:cNvSpPr>
+            <a:spLocks noGrp="1"/>
+          </p:cNvSpPr>
+          <p:nvPr>
+            <p:ph type="sldNum" sz="quarter" idx="10"/>
+          </p:nvPr>
+        </p:nvSpPr>
+        <p:spPr/>
+        <p:txBody>
+          <a:bodyPr/>
+          <a:lstStyle/>
+          <a:p>
+            <a:fld id="{89029652-62E7-43D6-83B5-097D7B7AA5D8}" type="slidenum">
+              <a:rPr lang="en-US" smtClean="0"/>
+              <a:t>52</a:t>
+            </a:fld>
+            <a:endParaRPr lang="en-US"/>
+          </a:p>
+        </p:txBody>
+      </p:sp>
+    </p:spTree>
+    <p:extLst>
+      <p:ext uri="{BB962C8B-B14F-4D97-AF65-F5344CB8AC3E}">
+        <p14:creationId xmlns:p14="http://schemas.microsoft.com/office/powerpoint/2010/main" val="3143393369"/>
+      </p:ext>
+    </p:extLst>
+  </p:cSld>
+  <p:clrMapOvr>
+    <a:masterClrMapping/>
+  </p:clrMapOvr>
+</p:notes>
+</file>
+
+<file path=ppt/notesSlides/notesSlide53.xml><?xml version="1.0" encoding="utf-8"?>
+<p:notes xmlns:a="http://schemas.openxmlformats.org/drawingml/2006/main" xmlns:r="http://schemas.openxmlformats.org/officeDocument/2006/relationships" xmlns:p="http://schemas.openxmlformats.org/presentationml/2006/main">
+  <p:cSld>
+    <p:spTree>
+      <p:nvGrpSpPr>
+        <p:cNvPr id="1" name=""/>
+        <p:cNvGrpSpPr/>
+        <p:nvPr/>
+      </p:nvGrpSpPr>
+      <p:grpSpPr>
+        <a:xfrm>
+          <a:off x="0" y="0"/>
+          <a:ext cx="0" cy="0"/>
+          <a:chOff x="0" y="0"/>
+          <a:chExt cx="0" cy="0"/>
+        </a:xfrm>
+      </p:grpSpPr>
+      <p:sp>
+        <p:nvSpPr>
+          <p:cNvPr id="2" name="Slide Image Placeholder 1"/>
+          <p:cNvSpPr>
+            <a:spLocks noGrp="1" noRot="1" noChangeAspect="1"/>
+          </p:cNvSpPr>
+          <p:nvPr>
+            <p:ph type="sldImg"/>
+          </p:nvPr>
+        </p:nvSpPr>
+        <p:spPr/>
+      </p:sp>
+      <p:sp>
+        <p:nvSpPr>
+          <p:cNvPr id="3" name="Notes Placeholder 2"/>
+          <p:cNvSpPr>
+            <a:spLocks noGrp="1"/>
+          </p:cNvSpPr>
+          <p:nvPr>
+            <p:ph type="body" idx="1"/>
+          </p:nvPr>
+        </p:nvSpPr>
+        <p:spPr/>
+        <p:txBody>
+          <a:bodyPr/>
+          <a:lstStyle/>
+          <a:p>
             <a:pPr marL="0" marR="0" indent="0" algn="l" defTabSz="914400" rtl="0" eaLnBrk="1" fontAlgn="auto" latinLnBrk="0" hangingPunct="1">
               <a:lnSpc>
                 <a:spcPct val="100000"/>
@@ -4673,7 +4930,7 @@
           <a:p>
             <a:fld id="{89029652-62E7-43D6-83B5-097D7B7AA5D8}" type="slidenum">
               <a:rPr lang="en-US" smtClean="0"/>
-              <a:t>50</a:t>
+              <a:t>53</a:t>
             </a:fld>
             <a:endParaRPr lang="en-US"/>
           </a:p>
@@ -4683,258 +4940,6 @@
     <p:extLst>
       <p:ext uri="{BB962C8B-B14F-4D97-AF65-F5344CB8AC3E}">
         <p14:creationId xmlns:p14="http://schemas.microsoft.com/office/powerpoint/2010/main" val="1557858908"/>
-      </p:ext>
-    </p:extLst>
-  </p:cSld>
-  <p:clrMapOvr>
-    <a:masterClrMapping/>
-  </p:clrMapOvr>
-</p:notes>
-</file>
-
-<file path=ppt/notesSlides/notesSlide51.xml><?xml version="1.0" encoding="utf-8"?>
-<p:notes xmlns:a="http://schemas.openxmlformats.org/drawingml/2006/main" xmlns:r="http://schemas.openxmlformats.org/officeDocument/2006/relationships" xmlns:p="http://schemas.openxmlformats.org/presentationml/2006/main">
-  <p:cSld>
-    <p:spTree>
-      <p:nvGrpSpPr>
-        <p:cNvPr id="1" name=""/>
-        <p:cNvGrpSpPr/>
-        <p:nvPr/>
-      </p:nvGrpSpPr>
-      <p:grpSpPr>
-        <a:xfrm>
-          <a:off x="0" y="0"/>
-          <a:ext cx="0" cy="0"/>
-          <a:chOff x="0" y="0"/>
-          <a:chExt cx="0" cy="0"/>
-        </a:xfrm>
-      </p:grpSpPr>
-      <p:sp>
-        <p:nvSpPr>
-          <p:cNvPr id="2" name="Slide Image Placeholder 1"/>
-          <p:cNvSpPr>
-            <a:spLocks noGrp="1" noRot="1" noChangeAspect="1"/>
-          </p:cNvSpPr>
-          <p:nvPr>
-            <p:ph type="sldImg"/>
-          </p:nvPr>
-        </p:nvSpPr>
-        <p:spPr/>
-      </p:sp>
-      <p:sp>
-        <p:nvSpPr>
-          <p:cNvPr id="3" name="Notes Placeholder 2"/>
-          <p:cNvSpPr>
-            <a:spLocks noGrp="1"/>
-          </p:cNvSpPr>
-          <p:nvPr>
-            <p:ph type="body" idx="1"/>
-          </p:nvPr>
-        </p:nvSpPr>
-        <p:spPr/>
-        <p:txBody>
-          <a:bodyPr/>
-          <a:lstStyle/>
-          <a:p>
-            <a:endParaRPr lang="en-US" b="0" dirty="0" smtClean="0"/>
-          </a:p>
-        </p:txBody>
-      </p:sp>
-      <p:sp>
-        <p:nvSpPr>
-          <p:cNvPr id="4" name="Slide Number Placeholder 3"/>
-          <p:cNvSpPr>
-            <a:spLocks noGrp="1"/>
-          </p:cNvSpPr>
-          <p:nvPr>
-            <p:ph type="sldNum" sz="quarter" idx="10"/>
-          </p:nvPr>
-        </p:nvSpPr>
-        <p:spPr/>
-        <p:txBody>
-          <a:bodyPr/>
-          <a:lstStyle/>
-          <a:p>
-            <a:fld id="{89029652-62E7-43D6-83B5-097D7B7AA5D8}" type="slidenum">
-              <a:rPr lang="en-US" smtClean="0"/>
-              <a:t>51</a:t>
-            </a:fld>
-            <a:endParaRPr lang="en-US"/>
-          </a:p>
-        </p:txBody>
-      </p:sp>
-    </p:spTree>
-    <p:extLst>
-      <p:ext uri="{BB962C8B-B14F-4D97-AF65-F5344CB8AC3E}">
-        <p14:creationId xmlns:p14="http://schemas.microsoft.com/office/powerpoint/2010/main" val="3450469856"/>
-      </p:ext>
-    </p:extLst>
-  </p:cSld>
-  <p:clrMapOvr>
-    <a:masterClrMapping/>
-  </p:clrMapOvr>
-</p:notes>
-</file>
-
-<file path=ppt/notesSlides/notesSlide52.xml><?xml version="1.0" encoding="utf-8"?>
-<p:notes xmlns:a="http://schemas.openxmlformats.org/drawingml/2006/main" xmlns:r="http://schemas.openxmlformats.org/officeDocument/2006/relationships" xmlns:p="http://schemas.openxmlformats.org/presentationml/2006/main">
-  <p:cSld>
-    <p:spTree>
-      <p:nvGrpSpPr>
-        <p:cNvPr id="1" name=""/>
-        <p:cNvGrpSpPr/>
-        <p:nvPr/>
-      </p:nvGrpSpPr>
-      <p:grpSpPr>
-        <a:xfrm>
-          <a:off x="0" y="0"/>
-          <a:ext cx="0" cy="0"/>
-          <a:chOff x="0" y="0"/>
-          <a:chExt cx="0" cy="0"/>
-        </a:xfrm>
-      </p:grpSpPr>
-      <p:sp>
-        <p:nvSpPr>
-          <p:cNvPr id="2" name="Slide Image Placeholder 1"/>
-          <p:cNvSpPr>
-            <a:spLocks noGrp="1" noRot="1" noChangeAspect="1"/>
-          </p:cNvSpPr>
-          <p:nvPr>
-            <p:ph type="sldImg"/>
-          </p:nvPr>
-        </p:nvSpPr>
-        <p:spPr/>
-      </p:sp>
-      <p:sp>
-        <p:nvSpPr>
-          <p:cNvPr id="3" name="Notes Placeholder 2"/>
-          <p:cNvSpPr>
-            <a:spLocks noGrp="1"/>
-          </p:cNvSpPr>
-          <p:nvPr>
-            <p:ph type="body" idx="1"/>
-          </p:nvPr>
-        </p:nvSpPr>
-        <p:spPr/>
-        <p:txBody>
-          <a:bodyPr/>
-          <a:lstStyle/>
-          <a:p>
-            <a:endParaRPr lang="en-US" b="0" dirty="0" smtClean="0"/>
-          </a:p>
-        </p:txBody>
-      </p:sp>
-      <p:sp>
-        <p:nvSpPr>
-          <p:cNvPr id="4" name="Slide Number Placeholder 3"/>
-          <p:cNvSpPr>
-            <a:spLocks noGrp="1"/>
-          </p:cNvSpPr>
-          <p:nvPr>
-            <p:ph type="sldNum" sz="quarter" idx="10"/>
-          </p:nvPr>
-        </p:nvSpPr>
-        <p:spPr/>
-        <p:txBody>
-          <a:bodyPr/>
-          <a:lstStyle/>
-          <a:p>
-            <a:fld id="{89029652-62E7-43D6-83B5-097D7B7AA5D8}" type="slidenum">
-              <a:rPr lang="en-US" smtClean="0"/>
-              <a:t>52</a:t>
-            </a:fld>
-            <a:endParaRPr lang="en-US"/>
-          </a:p>
-        </p:txBody>
-      </p:sp>
-    </p:spTree>
-    <p:extLst>
-      <p:ext uri="{BB962C8B-B14F-4D97-AF65-F5344CB8AC3E}">
-        <p14:creationId xmlns:p14="http://schemas.microsoft.com/office/powerpoint/2010/main" val="2647091800"/>
-      </p:ext>
-    </p:extLst>
-  </p:cSld>
-  <p:clrMapOvr>
-    <a:masterClrMapping/>
-  </p:clrMapOvr>
-</p:notes>
-</file>
-
-<file path=ppt/notesSlides/notesSlide53.xml><?xml version="1.0" encoding="utf-8"?>
-<p:notes xmlns:a="http://schemas.openxmlformats.org/drawingml/2006/main" xmlns:r="http://schemas.openxmlformats.org/officeDocument/2006/relationships" xmlns:p="http://schemas.openxmlformats.org/presentationml/2006/main">
-  <p:cSld>
-    <p:spTree>
-      <p:nvGrpSpPr>
-        <p:cNvPr id="1" name=""/>
-        <p:cNvGrpSpPr/>
-        <p:nvPr/>
-      </p:nvGrpSpPr>
-      <p:grpSpPr>
-        <a:xfrm>
-          <a:off x="0" y="0"/>
-          <a:ext cx="0" cy="0"/>
-          <a:chOff x="0" y="0"/>
-          <a:chExt cx="0" cy="0"/>
-        </a:xfrm>
-      </p:grpSpPr>
-      <p:sp>
-        <p:nvSpPr>
-          <p:cNvPr id="2" name="Slide Image Placeholder 1"/>
-          <p:cNvSpPr>
-            <a:spLocks noGrp="1" noRot="1" noChangeAspect="1"/>
-          </p:cNvSpPr>
-          <p:nvPr>
-            <p:ph type="sldImg"/>
-          </p:nvPr>
-        </p:nvSpPr>
-        <p:spPr/>
-      </p:sp>
-      <p:sp>
-        <p:nvSpPr>
-          <p:cNvPr id="3" name="Notes Placeholder 2"/>
-          <p:cNvSpPr>
-            <a:spLocks noGrp="1"/>
-          </p:cNvSpPr>
-          <p:nvPr>
-            <p:ph type="body" idx="1"/>
-          </p:nvPr>
-        </p:nvSpPr>
-        <p:spPr/>
-        <p:txBody>
-          <a:bodyPr/>
-          <a:lstStyle/>
-          <a:p>
-            <a:endParaRPr lang="en-US" b="0" dirty="0" smtClean="0"/>
-          </a:p>
-        </p:txBody>
-      </p:sp>
-      <p:sp>
-        <p:nvSpPr>
-          <p:cNvPr id="4" name="Slide Number Placeholder 3"/>
-          <p:cNvSpPr>
-            <a:spLocks noGrp="1"/>
-          </p:cNvSpPr>
-          <p:nvPr>
-            <p:ph type="sldNum" sz="quarter" idx="10"/>
-          </p:nvPr>
-        </p:nvSpPr>
-        <p:spPr/>
-        <p:txBody>
-          <a:bodyPr/>
-          <a:lstStyle/>
-          <a:p>
-            <a:fld id="{89029652-62E7-43D6-83B5-097D7B7AA5D8}" type="slidenum">
-              <a:rPr lang="en-US" smtClean="0"/>
-              <a:t>53</a:t>
-            </a:fld>
-            <a:endParaRPr lang="en-US"/>
-          </a:p>
-        </p:txBody>
-      </p:sp>
-    </p:spTree>
-    <p:extLst>
-      <p:ext uri="{BB962C8B-B14F-4D97-AF65-F5344CB8AC3E}">
-        <p14:creationId xmlns:p14="http://schemas.microsoft.com/office/powerpoint/2010/main" val="3603726692"/>
       </p:ext>
     </p:extLst>
   </p:cSld>
@@ -5018,7 +5023,7 @@
     </p:spTree>
     <p:extLst>
       <p:ext uri="{BB962C8B-B14F-4D97-AF65-F5344CB8AC3E}">
-        <p14:creationId xmlns:p14="http://schemas.microsoft.com/office/powerpoint/2010/main" val="2106924964"/>
+        <p14:creationId xmlns:p14="http://schemas.microsoft.com/office/powerpoint/2010/main" val="3450469856"/>
       </p:ext>
     </p:extLst>
   </p:cSld>
@@ -5102,7 +5107,7 @@
     </p:spTree>
     <p:extLst>
       <p:ext uri="{BB962C8B-B14F-4D97-AF65-F5344CB8AC3E}">
-        <p14:creationId xmlns:p14="http://schemas.microsoft.com/office/powerpoint/2010/main" val="506673237"/>
+        <p14:creationId xmlns:p14="http://schemas.microsoft.com/office/powerpoint/2010/main" val="2647091800"/>
       </p:ext>
     </p:extLst>
   </p:cSld>
@@ -5156,6 +5161,258 @@
           <a:bodyPr/>
           <a:lstStyle/>
           <a:p>
+            <a:endParaRPr lang="en-US" b="0" dirty="0" smtClean="0"/>
+          </a:p>
+        </p:txBody>
+      </p:sp>
+      <p:sp>
+        <p:nvSpPr>
+          <p:cNvPr id="4" name="Slide Number Placeholder 3"/>
+          <p:cNvSpPr>
+            <a:spLocks noGrp="1"/>
+          </p:cNvSpPr>
+          <p:nvPr>
+            <p:ph type="sldNum" sz="quarter" idx="10"/>
+          </p:nvPr>
+        </p:nvSpPr>
+        <p:spPr/>
+        <p:txBody>
+          <a:bodyPr/>
+          <a:lstStyle/>
+          <a:p>
+            <a:fld id="{89029652-62E7-43D6-83B5-097D7B7AA5D8}" type="slidenum">
+              <a:rPr lang="en-US" smtClean="0"/>
+              <a:t>56</a:t>
+            </a:fld>
+            <a:endParaRPr lang="en-US"/>
+          </a:p>
+        </p:txBody>
+      </p:sp>
+    </p:spTree>
+    <p:extLst>
+      <p:ext uri="{BB962C8B-B14F-4D97-AF65-F5344CB8AC3E}">
+        <p14:creationId xmlns:p14="http://schemas.microsoft.com/office/powerpoint/2010/main" val="3603726692"/>
+      </p:ext>
+    </p:extLst>
+  </p:cSld>
+  <p:clrMapOvr>
+    <a:masterClrMapping/>
+  </p:clrMapOvr>
+</p:notes>
+</file>
+
+<file path=ppt/notesSlides/notesSlide57.xml><?xml version="1.0" encoding="utf-8"?>
+<p:notes xmlns:a="http://schemas.openxmlformats.org/drawingml/2006/main" xmlns:r="http://schemas.openxmlformats.org/officeDocument/2006/relationships" xmlns:p="http://schemas.openxmlformats.org/presentationml/2006/main">
+  <p:cSld>
+    <p:spTree>
+      <p:nvGrpSpPr>
+        <p:cNvPr id="1" name=""/>
+        <p:cNvGrpSpPr/>
+        <p:nvPr/>
+      </p:nvGrpSpPr>
+      <p:grpSpPr>
+        <a:xfrm>
+          <a:off x="0" y="0"/>
+          <a:ext cx="0" cy="0"/>
+          <a:chOff x="0" y="0"/>
+          <a:chExt cx="0" cy="0"/>
+        </a:xfrm>
+      </p:grpSpPr>
+      <p:sp>
+        <p:nvSpPr>
+          <p:cNvPr id="2" name="Slide Image Placeholder 1"/>
+          <p:cNvSpPr>
+            <a:spLocks noGrp="1" noRot="1" noChangeAspect="1"/>
+          </p:cNvSpPr>
+          <p:nvPr>
+            <p:ph type="sldImg"/>
+          </p:nvPr>
+        </p:nvSpPr>
+        <p:spPr/>
+      </p:sp>
+      <p:sp>
+        <p:nvSpPr>
+          <p:cNvPr id="3" name="Notes Placeholder 2"/>
+          <p:cNvSpPr>
+            <a:spLocks noGrp="1"/>
+          </p:cNvSpPr>
+          <p:nvPr>
+            <p:ph type="body" idx="1"/>
+          </p:nvPr>
+        </p:nvSpPr>
+        <p:spPr/>
+        <p:txBody>
+          <a:bodyPr/>
+          <a:lstStyle/>
+          <a:p>
+            <a:endParaRPr lang="en-US" b="0" dirty="0" smtClean="0"/>
+          </a:p>
+        </p:txBody>
+      </p:sp>
+      <p:sp>
+        <p:nvSpPr>
+          <p:cNvPr id="4" name="Slide Number Placeholder 3"/>
+          <p:cNvSpPr>
+            <a:spLocks noGrp="1"/>
+          </p:cNvSpPr>
+          <p:nvPr>
+            <p:ph type="sldNum" sz="quarter" idx="10"/>
+          </p:nvPr>
+        </p:nvSpPr>
+        <p:spPr/>
+        <p:txBody>
+          <a:bodyPr/>
+          <a:lstStyle/>
+          <a:p>
+            <a:fld id="{89029652-62E7-43D6-83B5-097D7B7AA5D8}" type="slidenum">
+              <a:rPr lang="en-US" smtClean="0"/>
+              <a:t>57</a:t>
+            </a:fld>
+            <a:endParaRPr lang="en-US"/>
+          </a:p>
+        </p:txBody>
+      </p:sp>
+    </p:spTree>
+    <p:extLst>
+      <p:ext uri="{BB962C8B-B14F-4D97-AF65-F5344CB8AC3E}">
+        <p14:creationId xmlns:p14="http://schemas.microsoft.com/office/powerpoint/2010/main" val="2106924964"/>
+      </p:ext>
+    </p:extLst>
+  </p:cSld>
+  <p:clrMapOvr>
+    <a:masterClrMapping/>
+  </p:clrMapOvr>
+</p:notes>
+</file>
+
+<file path=ppt/notesSlides/notesSlide58.xml><?xml version="1.0" encoding="utf-8"?>
+<p:notes xmlns:a="http://schemas.openxmlformats.org/drawingml/2006/main" xmlns:r="http://schemas.openxmlformats.org/officeDocument/2006/relationships" xmlns:p="http://schemas.openxmlformats.org/presentationml/2006/main">
+  <p:cSld>
+    <p:spTree>
+      <p:nvGrpSpPr>
+        <p:cNvPr id="1" name=""/>
+        <p:cNvGrpSpPr/>
+        <p:nvPr/>
+      </p:nvGrpSpPr>
+      <p:grpSpPr>
+        <a:xfrm>
+          <a:off x="0" y="0"/>
+          <a:ext cx="0" cy="0"/>
+          <a:chOff x="0" y="0"/>
+          <a:chExt cx="0" cy="0"/>
+        </a:xfrm>
+      </p:grpSpPr>
+      <p:sp>
+        <p:nvSpPr>
+          <p:cNvPr id="2" name="Slide Image Placeholder 1"/>
+          <p:cNvSpPr>
+            <a:spLocks noGrp="1" noRot="1" noChangeAspect="1"/>
+          </p:cNvSpPr>
+          <p:nvPr>
+            <p:ph type="sldImg"/>
+          </p:nvPr>
+        </p:nvSpPr>
+        <p:spPr/>
+      </p:sp>
+      <p:sp>
+        <p:nvSpPr>
+          <p:cNvPr id="3" name="Notes Placeholder 2"/>
+          <p:cNvSpPr>
+            <a:spLocks noGrp="1"/>
+          </p:cNvSpPr>
+          <p:nvPr>
+            <p:ph type="body" idx="1"/>
+          </p:nvPr>
+        </p:nvSpPr>
+        <p:spPr/>
+        <p:txBody>
+          <a:bodyPr/>
+          <a:lstStyle/>
+          <a:p>
+            <a:endParaRPr lang="en-US" b="0" dirty="0" smtClean="0"/>
+          </a:p>
+        </p:txBody>
+      </p:sp>
+      <p:sp>
+        <p:nvSpPr>
+          <p:cNvPr id="4" name="Slide Number Placeholder 3"/>
+          <p:cNvSpPr>
+            <a:spLocks noGrp="1"/>
+          </p:cNvSpPr>
+          <p:nvPr>
+            <p:ph type="sldNum" sz="quarter" idx="10"/>
+          </p:nvPr>
+        </p:nvSpPr>
+        <p:spPr/>
+        <p:txBody>
+          <a:bodyPr/>
+          <a:lstStyle/>
+          <a:p>
+            <a:fld id="{89029652-62E7-43D6-83B5-097D7B7AA5D8}" type="slidenum">
+              <a:rPr lang="en-US" smtClean="0"/>
+              <a:t>58</a:t>
+            </a:fld>
+            <a:endParaRPr lang="en-US"/>
+          </a:p>
+        </p:txBody>
+      </p:sp>
+    </p:spTree>
+    <p:extLst>
+      <p:ext uri="{BB962C8B-B14F-4D97-AF65-F5344CB8AC3E}">
+        <p14:creationId xmlns:p14="http://schemas.microsoft.com/office/powerpoint/2010/main" val="506673237"/>
+      </p:ext>
+    </p:extLst>
+  </p:cSld>
+  <p:clrMapOvr>
+    <a:masterClrMapping/>
+  </p:clrMapOvr>
+</p:notes>
+</file>
+
+<file path=ppt/notesSlides/notesSlide59.xml><?xml version="1.0" encoding="utf-8"?>
+<p:notes xmlns:a="http://schemas.openxmlformats.org/drawingml/2006/main" xmlns:r="http://schemas.openxmlformats.org/officeDocument/2006/relationships" xmlns:p="http://schemas.openxmlformats.org/presentationml/2006/main">
+  <p:cSld>
+    <p:spTree>
+      <p:nvGrpSpPr>
+        <p:cNvPr id="1" name=""/>
+        <p:cNvGrpSpPr/>
+        <p:nvPr/>
+      </p:nvGrpSpPr>
+      <p:grpSpPr>
+        <a:xfrm>
+          <a:off x="0" y="0"/>
+          <a:ext cx="0" cy="0"/>
+          <a:chOff x="0" y="0"/>
+          <a:chExt cx="0" cy="0"/>
+        </a:xfrm>
+      </p:grpSpPr>
+      <p:sp>
+        <p:nvSpPr>
+          <p:cNvPr id="2" name="Slide Image Placeholder 1"/>
+          <p:cNvSpPr>
+            <a:spLocks noGrp="1" noRot="1" noChangeAspect="1"/>
+          </p:cNvSpPr>
+          <p:nvPr>
+            <p:ph type="sldImg"/>
+          </p:nvPr>
+        </p:nvSpPr>
+        <p:spPr/>
+      </p:sp>
+      <p:sp>
+        <p:nvSpPr>
+          <p:cNvPr id="3" name="Notes Placeholder 2"/>
+          <p:cNvSpPr>
+            <a:spLocks noGrp="1"/>
+          </p:cNvSpPr>
+          <p:nvPr>
+            <p:ph type="body" idx="1"/>
+          </p:nvPr>
+        </p:nvSpPr>
+        <p:spPr/>
+        <p:txBody>
+          <a:bodyPr/>
+          <a:lstStyle/>
+          <a:p>
             <a:pPr marL="0" marR="0" indent="0" algn="l" defTabSz="914400" rtl="0" eaLnBrk="1" fontAlgn="auto" latinLnBrk="0" hangingPunct="1">
               <a:lnSpc>
                 <a:spcPct val="100000"/>
@@ -5202,7 +5459,7 @@
           <a:p>
             <a:fld id="{89029652-62E7-43D6-83B5-097D7B7AA5D8}" type="slidenum">
               <a:rPr lang="en-US" smtClean="0"/>
-              <a:t>56</a:t>
+              <a:t>59</a:t>
             </a:fld>
             <a:endParaRPr lang="en-US"/>
           </a:p>
@@ -5212,258 +5469,6 @@
     <p:extLst>
       <p:ext uri="{BB962C8B-B14F-4D97-AF65-F5344CB8AC3E}">
         <p14:creationId xmlns:p14="http://schemas.microsoft.com/office/powerpoint/2010/main" val="1923953829"/>
-      </p:ext>
-    </p:extLst>
-  </p:cSld>
-  <p:clrMapOvr>
-    <a:masterClrMapping/>
-  </p:clrMapOvr>
-</p:notes>
-</file>
-
-<file path=ppt/notesSlides/notesSlide57.xml><?xml version="1.0" encoding="utf-8"?>
-<p:notes xmlns:a="http://schemas.openxmlformats.org/drawingml/2006/main" xmlns:r="http://schemas.openxmlformats.org/officeDocument/2006/relationships" xmlns:p="http://schemas.openxmlformats.org/presentationml/2006/main">
-  <p:cSld>
-    <p:spTree>
-      <p:nvGrpSpPr>
-        <p:cNvPr id="1" name=""/>
-        <p:cNvGrpSpPr/>
-        <p:nvPr/>
-      </p:nvGrpSpPr>
-      <p:grpSpPr>
-        <a:xfrm>
-          <a:off x="0" y="0"/>
-          <a:ext cx="0" cy="0"/>
-          <a:chOff x="0" y="0"/>
-          <a:chExt cx="0" cy="0"/>
-        </a:xfrm>
-      </p:grpSpPr>
-      <p:sp>
-        <p:nvSpPr>
-          <p:cNvPr id="2" name="Slide Image Placeholder 1"/>
-          <p:cNvSpPr>
-            <a:spLocks noGrp="1" noRot="1" noChangeAspect="1"/>
-          </p:cNvSpPr>
-          <p:nvPr>
-            <p:ph type="sldImg"/>
-          </p:nvPr>
-        </p:nvSpPr>
-        <p:spPr/>
-      </p:sp>
-      <p:sp>
-        <p:nvSpPr>
-          <p:cNvPr id="3" name="Notes Placeholder 2"/>
-          <p:cNvSpPr>
-            <a:spLocks noGrp="1"/>
-          </p:cNvSpPr>
-          <p:nvPr>
-            <p:ph type="body" idx="1"/>
-          </p:nvPr>
-        </p:nvSpPr>
-        <p:spPr/>
-        <p:txBody>
-          <a:bodyPr/>
-          <a:lstStyle/>
-          <a:p>
-            <a:endParaRPr lang="en-US" b="0" dirty="0" smtClean="0"/>
-          </a:p>
-        </p:txBody>
-      </p:sp>
-      <p:sp>
-        <p:nvSpPr>
-          <p:cNvPr id="4" name="Slide Number Placeholder 3"/>
-          <p:cNvSpPr>
-            <a:spLocks noGrp="1"/>
-          </p:cNvSpPr>
-          <p:nvPr>
-            <p:ph type="sldNum" sz="quarter" idx="10"/>
-          </p:nvPr>
-        </p:nvSpPr>
-        <p:spPr/>
-        <p:txBody>
-          <a:bodyPr/>
-          <a:lstStyle/>
-          <a:p>
-            <a:fld id="{89029652-62E7-43D6-83B5-097D7B7AA5D8}" type="slidenum">
-              <a:rPr lang="en-US" smtClean="0"/>
-              <a:t>57</a:t>
-            </a:fld>
-            <a:endParaRPr lang="en-US"/>
-          </a:p>
-        </p:txBody>
-      </p:sp>
-    </p:spTree>
-    <p:extLst>
-      <p:ext uri="{BB962C8B-B14F-4D97-AF65-F5344CB8AC3E}">
-        <p14:creationId xmlns:p14="http://schemas.microsoft.com/office/powerpoint/2010/main" val="531577243"/>
-      </p:ext>
-    </p:extLst>
-  </p:cSld>
-  <p:clrMapOvr>
-    <a:masterClrMapping/>
-  </p:clrMapOvr>
-</p:notes>
-</file>
-
-<file path=ppt/notesSlides/notesSlide58.xml><?xml version="1.0" encoding="utf-8"?>
-<p:notes xmlns:a="http://schemas.openxmlformats.org/drawingml/2006/main" xmlns:r="http://schemas.openxmlformats.org/officeDocument/2006/relationships" xmlns:p="http://schemas.openxmlformats.org/presentationml/2006/main">
-  <p:cSld>
-    <p:spTree>
-      <p:nvGrpSpPr>
-        <p:cNvPr id="1" name=""/>
-        <p:cNvGrpSpPr/>
-        <p:nvPr/>
-      </p:nvGrpSpPr>
-      <p:grpSpPr>
-        <a:xfrm>
-          <a:off x="0" y="0"/>
-          <a:ext cx="0" cy="0"/>
-          <a:chOff x="0" y="0"/>
-          <a:chExt cx="0" cy="0"/>
-        </a:xfrm>
-      </p:grpSpPr>
-      <p:sp>
-        <p:nvSpPr>
-          <p:cNvPr id="2" name="Slide Image Placeholder 1"/>
-          <p:cNvSpPr>
-            <a:spLocks noGrp="1" noRot="1" noChangeAspect="1"/>
-          </p:cNvSpPr>
-          <p:nvPr>
-            <p:ph type="sldImg"/>
-          </p:nvPr>
-        </p:nvSpPr>
-        <p:spPr/>
-      </p:sp>
-      <p:sp>
-        <p:nvSpPr>
-          <p:cNvPr id="3" name="Notes Placeholder 2"/>
-          <p:cNvSpPr>
-            <a:spLocks noGrp="1"/>
-          </p:cNvSpPr>
-          <p:nvPr>
-            <p:ph type="body" idx="1"/>
-          </p:nvPr>
-        </p:nvSpPr>
-        <p:spPr/>
-        <p:txBody>
-          <a:bodyPr/>
-          <a:lstStyle/>
-          <a:p>
-            <a:endParaRPr lang="en-US" b="0" dirty="0" smtClean="0"/>
-          </a:p>
-        </p:txBody>
-      </p:sp>
-      <p:sp>
-        <p:nvSpPr>
-          <p:cNvPr id="4" name="Slide Number Placeholder 3"/>
-          <p:cNvSpPr>
-            <a:spLocks noGrp="1"/>
-          </p:cNvSpPr>
-          <p:nvPr>
-            <p:ph type="sldNum" sz="quarter" idx="10"/>
-          </p:nvPr>
-        </p:nvSpPr>
-        <p:spPr/>
-        <p:txBody>
-          <a:bodyPr/>
-          <a:lstStyle/>
-          <a:p>
-            <a:fld id="{89029652-62E7-43D6-83B5-097D7B7AA5D8}" type="slidenum">
-              <a:rPr lang="en-US" smtClean="0"/>
-              <a:t>58</a:t>
-            </a:fld>
-            <a:endParaRPr lang="en-US"/>
-          </a:p>
-        </p:txBody>
-      </p:sp>
-    </p:spTree>
-    <p:extLst>
-      <p:ext uri="{BB962C8B-B14F-4D97-AF65-F5344CB8AC3E}">
-        <p14:creationId xmlns:p14="http://schemas.microsoft.com/office/powerpoint/2010/main" val="2079785236"/>
-      </p:ext>
-    </p:extLst>
-  </p:cSld>
-  <p:clrMapOvr>
-    <a:masterClrMapping/>
-  </p:clrMapOvr>
-</p:notes>
-</file>
-
-<file path=ppt/notesSlides/notesSlide59.xml><?xml version="1.0" encoding="utf-8"?>
-<p:notes xmlns:a="http://schemas.openxmlformats.org/drawingml/2006/main" xmlns:r="http://schemas.openxmlformats.org/officeDocument/2006/relationships" xmlns:p="http://schemas.openxmlformats.org/presentationml/2006/main">
-  <p:cSld>
-    <p:spTree>
-      <p:nvGrpSpPr>
-        <p:cNvPr id="1" name=""/>
-        <p:cNvGrpSpPr/>
-        <p:nvPr/>
-      </p:nvGrpSpPr>
-      <p:grpSpPr>
-        <a:xfrm>
-          <a:off x="0" y="0"/>
-          <a:ext cx="0" cy="0"/>
-          <a:chOff x="0" y="0"/>
-          <a:chExt cx="0" cy="0"/>
-        </a:xfrm>
-      </p:grpSpPr>
-      <p:sp>
-        <p:nvSpPr>
-          <p:cNvPr id="2" name="Slide Image Placeholder 1"/>
-          <p:cNvSpPr>
-            <a:spLocks noGrp="1" noRot="1" noChangeAspect="1"/>
-          </p:cNvSpPr>
-          <p:nvPr>
-            <p:ph type="sldImg"/>
-          </p:nvPr>
-        </p:nvSpPr>
-        <p:spPr/>
-      </p:sp>
-      <p:sp>
-        <p:nvSpPr>
-          <p:cNvPr id="3" name="Notes Placeholder 2"/>
-          <p:cNvSpPr>
-            <a:spLocks noGrp="1"/>
-          </p:cNvSpPr>
-          <p:nvPr>
-            <p:ph type="body" idx="1"/>
-          </p:nvPr>
-        </p:nvSpPr>
-        <p:spPr/>
-        <p:txBody>
-          <a:bodyPr/>
-          <a:lstStyle/>
-          <a:p>
-            <a:endParaRPr lang="en-US" b="0" dirty="0" smtClean="0"/>
-          </a:p>
-        </p:txBody>
-      </p:sp>
-      <p:sp>
-        <p:nvSpPr>
-          <p:cNvPr id="4" name="Slide Number Placeholder 3"/>
-          <p:cNvSpPr>
-            <a:spLocks noGrp="1"/>
-          </p:cNvSpPr>
-          <p:nvPr>
-            <p:ph type="sldNum" sz="quarter" idx="10"/>
-          </p:nvPr>
-        </p:nvSpPr>
-        <p:spPr/>
-        <p:txBody>
-          <a:bodyPr/>
-          <a:lstStyle/>
-          <a:p>
-            <a:fld id="{89029652-62E7-43D6-83B5-097D7B7AA5D8}" type="slidenum">
-              <a:rPr lang="en-US" smtClean="0"/>
-              <a:t>59</a:t>
-            </a:fld>
-            <a:endParaRPr lang="en-US"/>
-          </a:p>
-        </p:txBody>
-      </p:sp>
-    </p:spTree>
-    <p:extLst>
-      <p:ext uri="{BB962C8B-B14F-4D97-AF65-F5344CB8AC3E}">
-        <p14:creationId xmlns:p14="http://schemas.microsoft.com/office/powerpoint/2010/main" val="1664318980"/>
       </p:ext>
     </p:extLst>
   </p:cSld>
@@ -5631,7 +5636,7 @@
     </p:spTree>
     <p:extLst>
       <p:ext uri="{BB962C8B-B14F-4D97-AF65-F5344CB8AC3E}">
-        <p14:creationId xmlns:p14="http://schemas.microsoft.com/office/powerpoint/2010/main" val="1581406028"/>
+        <p14:creationId xmlns:p14="http://schemas.microsoft.com/office/powerpoint/2010/main" val="531577243"/>
       </p:ext>
     </p:extLst>
   </p:cSld>
@@ -5715,7 +5720,7 @@
     </p:spTree>
     <p:extLst>
       <p:ext uri="{BB962C8B-B14F-4D97-AF65-F5344CB8AC3E}">
-        <p14:creationId xmlns:p14="http://schemas.microsoft.com/office/powerpoint/2010/main" val="299799724"/>
+        <p14:creationId xmlns:p14="http://schemas.microsoft.com/office/powerpoint/2010/main" val="2079785236"/>
       </p:ext>
     </p:extLst>
   </p:cSld>
@@ -5799,7 +5804,7 @@
     </p:spTree>
     <p:extLst>
       <p:ext uri="{BB962C8B-B14F-4D97-AF65-F5344CB8AC3E}">
-        <p14:creationId xmlns:p14="http://schemas.microsoft.com/office/powerpoint/2010/main" val="2229440876"/>
+        <p14:creationId xmlns:p14="http://schemas.microsoft.com/office/powerpoint/2010/main" val="1664318980"/>
       </p:ext>
     </p:extLst>
   </p:cSld>
@@ -5883,7 +5888,7 @@
     </p:spTree>
     <p:extLst>
       <p:ext uri="{BB962C8B-B14F-4D97-AF65-F5344CB8AC3E}">
-        <p14:creationId xmlns:p14="http://schemas.microsoft.com/office/powerpoint/2010/main" val="2350728921"/>
+        <p14:creationId xmlns:p14="http://schemas.microsoft.com/office/powerpoint/2010/main" val="1581406028"/>
       </p:ext>
     </p:extLst>
   </p:cSld>
@@ -5967,7 +5972,7 @@
     </p:spTree>
     <p:extLst>
       <p:ext uri="{BB962C8B-B14F-4D97-AF65-F5344CB8AC3E}">
-        <p14:creationId xmlns:p14="http://schemas.microsoft.com/office/powerpoint/2010/main" val="1004591723"/>
+        <p14:creationId xmlns:p14="http://schemas.microsoft.com/office/powerpoint/2010/main" val="299799724"/>
       </p:ext>
     </p:extLst>
   </p:cSld>
@@ -6051,7 +6056,7 @@
     </p:spTree>
     <p:extLst>
       <p:ext uri="{BB962C8B-B14F-4D97-AF65-F5344CB8AC3E}">
-        <p14:creationId xmlns:p14="http://schemas.microsoft.com/office/powerpoint/2010/main" val="1737165775"/>
+        <p14:creationId xmlns:p14="http://schemas.microsoft.com/office/powerpoint/2010/main" val="2229440876"/>
       </p:ext>
     </p:extLst>
   </p:cSld>
@@ -6135,7 +6140,7 @@
     </p:spTree>
     <p:extLst>
       <p:ext uri="{BB962C8B-B14F-4D97-AF65-F5344CB8AC3E}">
-        <p14:creationId xmlns:p14="http://schemas.microsoft.com/office/powerpoint/2010/main" val="1030293071"/>
+        <p14:creationId xmlns:p14="http://schemas.microsoft.com/office/powerpoint/2010/main" val="2350728921"/>
       </p:ext>
     </p:extLst>
   </p:cSld>
@@ -6219,7 +6224,7 @@
     </p:spTree>
     <p:extLst>
       <p:ext uri="{BB962C8B-B14F-4D97-AF65-F5344CB8AC3E}">
-        <p14:creationId xmlns:p14="http://schemas.microsoft.com/office/powerpoint/2010/main" val="834707851"/>
+        <p14:creationId xmlns:p14="http://schemas.microsoft.com/office/powerpoint/2010/main" val="1004591723"/>
       </p:ext>
     </p:extLst>
   </p:cSld>
@@ -6303,7 +6308,7 @@
     </p:spTree>
     <p:extLst>
       <p:ext uri="{BB962C8B-B14F-4D97-AF65-F5344CB8AC3E}">
-        <p14:creationId xmlns:p14="http://schemas.microsoft.com/office/powerpoint/2010/main" val="1542746690"/>
+        <p14:creationId xmlns:p14="http://schemas.microsoft.com/office/powerpoint/2010/main" val="1737165775"/>
       </p:ext>
     </p:extLst>
   </p:cSld>
@@ -6357,15 +6362,7 @@
           <a:bodyPr/>
           <a:lstStyle/>
           <a:p>
-            <a:endParaRPr lang="en-US" sz="1200" kern="1200" dirty="0" smtClean="0">
-              <a:solidFill>
-                <a:schemeClr val="tx1"/>
-              </a:solidFill>
-              <a:effectLst/>
-              <a:latin typeface="+mn-lt"/>
-              <a:ea typeface="+mn-ea"/>
-              <a:cs typeface="+mn-cs"/>
-            </a:endParaRPr>
+            <a:endParaRPr lang="en-US" b="0" dirty="0" smtClean="0"/>
           </a:p>
         </p:txBody>
       </p:sp>
@@ -6395,7 +6392,7 @@
     </p:spTree>
     <p:extLst>
       <p:ext uri="{BB962C8B-B14F-4D97-AF65-F5344CB8AC3E}">
-        <p14:creationId xmlns:p14="http://schemas.microsoft.com/office/powerpoint/2010/main" val="2813022412"/>
+        <p14:creationId xmlns:p14="http://schemas.microsoft.com/office/powerpoint/2010/main" val="1030293071"/>
       </p:ext>
     </p:extLst>
   </p:cSld>
@@ -6480,6 +6477,434 @@
     <p:extLst>
       <p:ext uri="{BB962C8B-B14F-4D97-AF65-F5344CB8AC3E}">
         <p14:creationId xmlns:p14="http://schemas.microsoft.com/office/powerpoint/2010/main" val="3668168445"/>
+      </p:ext>
+    </p:extLst>
+  </p:cSld>
+  <p:clrMapOvr>
+    <a:masterClrMapping/>
+  </p:clrMapOvr>
+</p:notes>
+</file>
+
+<file path=ppt/notesSlides/notesSlide70.xml><?xml version="1.0" encoding="utf-8"?>
+<p:notes xmlns:a="http://schemas.openxmlformats.org/drawingml/2006/main" xmlns:r="http://schemas.openxmlformats.org/officeDocument/2006/relationships" xmlns:p="http://schemas.openxmlformats.org/presentationml/2006/main">
+  <p:cSld>
+    <p:spTree>
+      <p:nvGrpSpPr>
+        <p:cNvPr id="1" name=""/>
+        <p:cNvGrpSpPr/>
+        <p:nvPr/>
+      </p:nvGrpSpPr>
+      <p:grpSpPr>
+        <a:xfrm>
+          <a:off x="0" y="0"/>
+          <a:ext cx="0" cy="0"/>
+          <a:chOff x="0" y="0"/>
+          <a:chExt cx="0" cy="0"/>
+        </a:xfrm>
+      </p:grpSpPr>
+      <p:sp>
+        <p:nvSpPr>
+          <p:cNvPr id="2" name="Slide Image Placeholder 1"/>
+          <p:cNvSpPr>
+            <a:spLocks noGrp="1" noRot="1" noChangeAspect="1"/>
+          </p:cNvSpPr>
+          <p:nvPr>
+            <p:ph type="sldImg"/>
+          </p:nvPr>
+        </p:nvSpPr>
+        <p:spPr/>
+      </p:sp>
+      <p:sp>
+        <p:nvSpPr>
+          <p:cNvPr id="3" name="Notes Placeholder 2"/>
+          <p:cNvSpPr>
+            <a:spLocks noGrp="1"/>
+          </p:cNvSpPr>
+          <p:nvPr>
+            <p:ph type="body" idx="1"/>
+          </p:nvPr>
+        </p:nvSpPr>
+        <p:spPr/>
+        <p:txBody>
+          <a:bodyPr/>
+          <a:lstStyle/>
+          <a:p>
+            <a:endParaRPr lang="en-US" b="0" dirty="0" smtClean="0"/>
+          </a:p>
+        </p:txBody>
+      </p:sp>
+      <p:sp>
+        <p:nvSpPr>
+          <p:cNvPr id="4" name="Slide Number Placeholder 3"/>
+          <p:cNvSpPr>
+            <a:spLocks noGrp="1"/>
+          </p:cNvSpPr>
+          <p:nvPr>
+            <p:ph type="sldNum" sz="quarter" idx="10"/>
+          </p:nvPr>
+        </p:nvSpPr>
+        <p:spPr/>
+        <p:txBody>
+          <a:bodyPr/>
+          <a:lstStyle/>
+          <a:p>
+            <a:fld id="{89029652-62E7-43D6-83B5-097D7B7AA5D8}" type="slidenum">
+              <a:rPr lang="en-US" smtClean="0"/>
+              <a:t>70</a:t>
+            </a:fld>
+            <a:endParaRPr lang="en-US"/>
+          </a:p>
+        </p:txBody>
+      </p:sp>
+    </p:spTree>
+    <p:extLst>
+      <p:ext uri="{BB962C8B-B14F-4D97-AF65-F5344CB8AC3E}">
+        <p14:creationId xmlns:p14="http://schemas.microsoft.com/office/powerpoint/2010/main" val="834707851"/>
+      </p:ext>
+    </p:extLst>
+  </p:cSld>
+  <p:clrMapOvr>
+    <a:masterClrMapping/>
+  </p:clrMapOvr>
+</p:notes>
+</file>
+
+<file path=ppt/notesSlides/notesSlide71.xml><?xml version="1.0" encoding="utf-8"?>
+<p:notes xmlns:a="http://schemas.openxmlformats.org/drawingml/2006/main" xmlns:r="http://schemas.openxmlformats.org/officeDocument/2006/relationships" xmlns:p="http://schemas.openxmlformats.org/presentationml/2006/main">
+  <p:cSld>
+    <p:spTree>
+      <p:nvGrpSpPr>
+        <p:cNvPr id="1" name=""/>
+        <p:cNvGrpSpPr/>
+        <p:nvPr/>
+      </p:nvGrpSpPr>
+      <p:grpSpPr>
+        <a:xfrm>
+          <a:off x="0" y="0"/>
+          <a:ext cx="0" cy="0"/>
+          <a:chOff x="0" y="0"/>
+          <a:chExt cx="0" cy="0"/>
+        </a:xfrm>
+      </p:grpSpPr>
+      <p:sp>
+        <p:nvSpPr>
+          <p:cNvPr id="2" name="Slide Image Placeholder 1"/>
+          <p:cNvSpPr>
+            <a:spLocks noGrp="1" noRot="1" noChangeAspect="1"/>
+          </p:cNvSpPr>
+          <p:nvPr>
+            <p:ph type="sldImg"/>
+          </p:nvPr>
+        </p:nvSpPr>
+        <p:spPr/>
+      </p:sp>
+      <p:sp>
+        <p:nvSpPr>
+          <p:cNvPr id="3" name="Notes Placeholder 2"/>
+          <p:cNvSpPr>
+            <a:spLocks noGrp="1"/>
+          </p:cNvSpPr>
+          <p:nvPr>
+            <p:ph type="body" idx="1"/>
+          </p:nvPr>
+        </p:nvSpPr>
+        <p:spPr/>
+        <p:txBody>
+          <a:bodyPr/>
+          <a:lstStyle/>
+          <a:p>
+            <a:endParaRPr lang="en-US" b="0" dirty="0" smtClean="0"/>
+          </a:p>
+        </p:txBody>
+      </p:sp>
+      <p:sp>
+        <p:nvSpPr>
+          <p:cNvPr id="4" name="Slide Number Placeholder 3"/>
+          <p:cNvSpPr>
+            <a:spLocks noGrp="1"/>
+          </p:cNvSpPr>
+          <p:nvPr>
+            <p:ph type="sldNum" sz="quarter" idx="10"/>
+          </p:nvPr>
+        </p:nvSpPr>
+        <p:spPr/>
+        <p:txBody>
+          <a:bodyPr/>
+          <a:lstStyle/>
+          <a:p>
+            <a:fld id="{89029652-62E7-43D6-83B5-097D7B7AA5D8}" type="slidenum">
+              <a:rPr lang="en-US" smtClean="0"/>
+              <a:t>71</a:t>
+            </a:fld>
+            <a:endParaRPr lang="en-US"/>
+          </a:p>
+        </p:txBody>
+      </p:sp>
+    </p:spTree>
+    <p:extLst>
+      <p:ext uri="{BB962C8B-B14F-4D97-AF65-F5344CB8AC3E}">
+        <p14:creationId xmlns:p14="http://schemas.microsoft.com/office/powerpoint/2010/main" val="1542746690"/>
+      </p:ext>
+    </p:extLst>
+  </p:cSld>
+  <p:clrMapOvr>
+    <a:masterClrMapping/>
+  </p:clrMapOvr>
+</p:notes>
+</file>
+
+<file path=ppt/notesSlides/notesSlide72.xml><?xml version="1.0" encoding="utf-8"?>
+<p:notes xmlns:a="http://schemas.openxmlformats.org/drawingml/2006/main" xmlns:r="http://schemas.openxmlformats.org/officeDocument/2006/relationships" xmlns:p="http://schemas.openxmlformats.org/presentationml/2006/main">
+  <p:cSld>
+    <p:spTree>
+      <p:nvGrpSpPr>
+        <p:cNvPr id="1" name=""/>
+        <p:cNvGrpSpPr/>
+        <p:nvPr/>
+      </p:nvGrpSpPr>
+      <p:grpSpPr>
+        <a:xfrm>
+          <a:off x="0" y="0"/>
+          <a:ext cx="0" cy="0"/>
+          <a:chOff x="0" y="0"/>
+          <a:chExt cx="0" cy="0"/>
+        </a:xfrm>
+      </p:grpSpPr>
+      <p:sp>
+        <p:nvSpPr>
+          <p:cNvPr id="2" name="Slide Image Placeholder 1"/>
+          <p:cNvSpPr>
+            <a:spLocks noGrp="1" noRot="1" noChangeAspect="1"/>
+          </p:cNvSpPr>
+          <p:nvPr>
+            <p:ph type="sldImg"/>
+          </p:nvPr>
+        </p:nvSpPr>
+        <p:spPr/>
+      </p:sp>
+      <p:sp>
+        <p:nvSpPr>
+          <p:cNvPr id="3" name="Notes Placeholder 2"/>
+          <p:cNvSpPr>
+            <a:spLocks noGrp="1"/>
+          </p:cNvSpPr>
+          <p:nvPr>
+            <p:ph type="body" idx="1"/>
+          </p:nvPr>
+        </p:nvSpPr>
+        <p:spPr/>
+        <p:txBody>
+          <a:bodyPr/>
+          <a:lstStyle/>
+          <a:p>
+            <a:endParaRPr lang="en-US" b="0" dirty="0" smtClean="0"/>
+          </a:p>
+        </p:txBody>
+      </p:sp>
+      <p:sp>
+        <p:nvSpPr>
+          <p:cNvPr id="4" name="Slide Number Placeholder 3"/>
+          <p:cNvSpPr>
+            <a:spLocks noGrp="1"/>
+          </p:cNvSpPr>
+          <p:nvPr>
+            <p:ph type="sldNum" sz="quarter" idx="10"/>
+          </p:nvPr>
+        </p:nvSpPr>
+        <p:spPr/>
+        <p:txBody>
+          <a:bodyPr/>
+          <a:lstStyle/>
+          <a:p>
+            <a:fld id="{89029652-62E7-43D6-83B5-097D7B7AA5D8}" type="slidenum">
+              <a:rPr lang="en-US" smtClean="0"/>
+              <a:t>72</a:t>
+            </a:fld>
+            <a:endParaRPr lang="en-US"/>
+          </a:p>
+        </p:txBody>
+      </p:sp>
+    </p:spTree>
+    <p:extLst>
+      <p:ext uri="{BB962C8B-B14F-4D97-AF65-F5344CB8AC3E}">
+        <p14:creationId xmlns:p14="http://schemas.microsoft.com/office/powerpoint/2010/main" val="3271074343"/>
+      </p:ext>
+    </p:extLst>
+  </p:cSld>
+  <p:clrMapOvr>
+    <a:masterClrMapping/>
+  </p:clrMapOvr>
+</p:notes>
+</file>
+
+<file path=ppt/notesSlides/notesSlide73.xml><?xml version="1.0" encoding="utf-8"?>
+<p:notes xmlns:a="http://schemas.openxmlformats.org/drawingml/2006/main" xmlns:r="http://schemas.openxmlformats.org/officeDocument/2006/relationships" xmlns:p="http://schemas.openxmlformats.org/presentationml/2006/main">
+  <p:cSld>
+    <p:spTree>
+      <p:nvGrpSpPr>
+        <p:cNvPr id="1" name=""/>
+        <p:cNvGrpSpPr/>
+        <p:nvPr/>
+      </p:nvGrpSpPr>
+      <p:grpSpPr>
+        <a:xfrm>
+          <a:off x="0" y="0"/>
+          <a:ext cx="0" cy="0"/>
+          <a:chOff x="0" y="0"/>
+          <a:chExt cx="0" cy="0"/>
+        </a:xfrm>
+      </p:grpSpPr>
+      <p:sp>
+        <p:nvSpPr>
+          <p:cNvPr id="2" name="Slide Image Placeholder 1"/>
+          <p:cNvSpPr>
+            <a:spLocks noGrp="1" noRot="1" noChangeAspect="1"/>
+          </p:cNvSpPr>
+          <p:nvPr>
+            <p:ph type="sldImg"/>
+          </p:nvPr>
+        </p:nvSpPr>
+        <p:spPr/>
+      </p:sp>
+      <p:sp>
+        <p:nvSpPr>
+          <p:cNvPr id="3" name="Notes Placeholder 2"/>
+          <p:cNvSpPr>
+            <a:spLocks noGrp="1"/>
+          </p:cNvSpPr>
+          <p:nvPr>
+            <p:ph type="body" idx="1"/>
+          </p:nvPr>
+        </p:nvSpPr>
+        <p:spPr/>
+        <p:txBody>
+          <a:bodyPr/>
+          <a:lstStyle/>
+          <a:p>
+            <a:endParaRPr lang="en-US" b="0" dirty="0" smtClean="0"/>
+          </a:p>
+        </p:txBody>
+      </p:sp>
+      <p:sp>
+        <p:nvSpPr>
+          <p:cNvPr id="4" name="Slide Number Placeholder 3"/>
+          <p:cNvSpPr>
+            <a:spLocks noGrp="1"/>
+          </p:cNvSpPr>
+          <p:nvPr>
+            <p:ph type="sldNum" sz="quarter" idx="10"/>
+          </p:nvPr>
+        </p:nvSpPr>
+        <p:spPr/>
+        <p:txBody>
+          <a:bodyPr/>
+          <a:lstStyle/>
+          <a:p>
+            <a:fld id="{89029652-62E7-43D6-83B5-097D7B7AA5D8}" type="slidenum">
+              <a:rPr lang="en-US" smtClean="0"/>
+              <a:t>73</a:t>
+            </a:fld>
+            <a:endParaRPr lang="en-US"/>
+          </a:p>
+        </p:txBody>
+      </p:sp>
+    </p:spTree>
+    <p:extLst>
+      <p:ext uri="{BB962C8B-B14F-4D97-AF65-F5344CB8AC3E}">
+        <p14:creationId xmlns:p14="http://schemas.microsoft.com/office/powerpoint/2010/main" val="2298775834"/>
+      </p:ext>
+    </p:extLst>
+  </p:cSld>
+  <p:clrMapOvr>
+    <a:masterClrMapping/>
+  </p:clrMapOvr>
+</p:notes>
+</file>
+
+<file path=ppt/notesSlides/notesSlide74.xml><?xml version="1.0" encoding="utf-8"?>
+<p:notes xmlns:a="http://schemas.openxmlformats.org/drawingml/2006/main" xmlns:r="http://schemas.openxmlformats.org/officeDocument/2006/relationships" xmlns:p="http://schemas.openxmlformats.org/presentationml/2006/main">
+  <p:cSld>
+    <p:spTree>
+      <p:nvGrpSpPr>
+        <p:cNvPr id="1" name=""/>
+        <p:cNvGrpSpPr/>
+        <p:nvPr/>
+      </p:nvGrpSpPr>
+      <p:grpSpPr>
+        <a:xfrm>
+          <a:off x="0" y="0"/>
+          <a:ext cx="0" cy="0"/>
+          <a:chOff x="0" y="0"/>
+          <a:chExt cx="0" cy="0"/>
+        </a:xfrm>
+      </p:grpSpPr>
+      <p:sp>
+        <p:nvSpPr>
+          <p:cNvPr id="2" name="Slide Image Placeholder 1"/>
+          <p:cNvSpPr>
+            <a:spLocks noGrp="1" noRot="1" noChangeAspect="1"/>
+          </p:cNvSpPr>
+          <p:nvPr>
+            <p:ph type="sldImg"/>
+          </p:nvPr>
+        </p:nvSpPr>
+        <p:spPr/>
+      </p:sp>
+      <p:sp>
+        <p:nvSpPr>
+          <p:cNvPr id="3" name="Notes Placeholder 2"/>
+          <p:cNvSpPr>
+            <a:spLocks noGrp="1"/>
+          </p:cNvSpPr>
+          <p:nvPr>
+            <p:ph type="body" idx="1"/>
+          </p:nvPr>
+        </p:nvSpPr>
+        <p:spPr/>
+        <p:txBody>
+          <a:bodyPr/>
+          <a:lstStyle/>
+          <a:p>
+            <a:endParaRPr lang="en-US" sz="1200" kern="1200" dirty="0" smtClean="0">
+              <a:solidFill>
+                <a:schemeClr val="tx1"/>
+              </a:solidFill>
+              <a:effectLst/>
+              <a:latin typeface="+mn-lt"/>
+              <a:ea typeface="+mn-ea"/>
+              <a:cs typeface="+mn-cs"/>
+            </a:endParaRPr>
+          </a:p>
+        </p:txBody>
+      </p:sp>
+      <p:sp>
+        <p:nvSpPr>
+          <p:cNvPr id="4" name="Slide Number Placeholder 3"/>
+          <p:cNvSpPr>
+            <a:spLocks noGrp="1"/>
+          </p:cNvSpPr>
+          <p:nvPr>
+            <p:ph type="sldNum" sz="quarter" idx="10"/>
+          </p:nvPr>
+        </p:nvSpPr>
+        <p:spPr/>
+        <p:txBody>
+          <a:bodyPr/>
+          <a:lstStyle/>
+          <a:p>
+            <a:fld id="{89029652-62E7-43D6-83B5-097D7B7AA5D8}" type="slidenum">
+              <a:rPr lang="en-US" smtClean="0"/>
+              <a:t>74</a:t>
+            </a:fld>
+            <a:endParaRPr lang="en-US"/>
+          </a:p>
+        </p:txBody>
+      </p:sp>
+    </p:spTree>
+    <p:extLst>
+      <p:ext uri="{BB962C8B-B14F-4D97-AF65-F5344CB8AC3E}">
+        <p14:creationId xmlns:p14="http://schemas.microsoft.com/office/powerpoint/2010/main" val="2813022412"/>
       </p:ext>
     </p:extLst>
   </p:cSld>
@@ -9750,6 +10175,130 @@
           <a:chExt cx="0" cy="0"/>
         </a:xfrm>
       </p:grpSpPr>
+      <p:sp>
+        <p:nvSpPr>
+          <p:cNvPr id="2" name="Title 1"/>
+          <p:cNvSpPr>
+            <a:spLocks noGrp="1"/>
+          </p:cNvSpPr>
+          <p:nvPr>
+            <p:ph type="title"/>
+          </p:nvPr>
+        </p:nvSpPr>
+        <p:spPr>
+          <a:xfrm>
+            <a:off x="838200" y="1574493"/>
+            <a:ext cx="10515600" cy="1325563"/>
+          </a:xfrm>
+        </p:spPr>
+        <p:txBody>
+          <a:bodyPr>
+            <a:normAutofit/>
+          </a:bodyPr>
+          <a:lstStyle/>
+          <a:p>
+            <a:pPr algn="ctr"/>
+            <a:r>
+              <a:rPr lang="en-US" sz="4800" dirty="0" smtClean="0"/>
+              <a:t>"Cross cutting" concern</a:t>
+            </a:r>
+            <a:endParaRPr lang="en-US" sz="4800" dirty="0"/>
+          </a:p>
+        </p:txBody>
+      </p:sp>
+      <p:sp>
+        <p:nvSpPr>
+          <p:cNvPr id="3" name="Content Placeholder 2"/>
+          <p:cNvSpPr>
+            <a:spLocks noGrp="1"/>
+          </p:cNvSpPr>
+          <p:nvPr>
+            <p:ph idx="1"/>
+          </p:nvPr>
+        </p:nvSpPr>
+        <p:spPr>
+          <a:xfrm>
+            <a:off x="838200" y="3318387"/>
+            <a:ext cx="10515600" cy="1814052"/>
+          </a:xfrm>
+        </p:spPr>
+        <p:txBody>
+          <a:bodyPr>
+            <a:normAutofit/>
+          </a:bodyPr>
+          <a:lstStyle/>
+          <a:p>
+            <a:pPr marL="0" indent="0" algn="ctr">
+              <a:buNone/>
+            </a:pPr>
+            <a:r>
+              <a:rPr lang="en-US" sz="4000" dirty="0" smtClean="0"/>
+              <a:t>Any security requirement that </a:t>
+            </a:r>
+          </a:p>
+          <a:p>
+            <a:pPr marL="0" indent="0" algn="ctr">
+              <a:buNone/>
+            </a:pPr>
+            <a:r>
+              <a:rPr lang="en-US" sz="4000" dirty="0" smtClean="0"/>
+              <a:t>spans multiple features</a:t>
+            </a:r>
+          </a:p>
+          <a:p>
+            <a:endParaRPr lang="en-US" sz="4000" dirty="0" smtClean="0"/>
+          </a:p>
+          <a:p>
+            <a:endParaRPr lang="en-US" sz="4000" dirty="0" smtClean="0"/>
+          </a:p>
+          <a:p>
+            <a:endParaRPr lang="en-US" dirty="0" smtClean="0"/>
+          </a:p>
+          <a:p>
+            <a:endParaRPr lang="en-US" dirty="0" smtClean="0"/>
+          </a:p>
+          <a:p>
+            <a:endParaRPr lang="en-US" dirty="0"/>
+          </a:p>
+        </p:txBody>
+      </p:sp>
+    </p:spTree>
+    <p:extLst>
+      <p:ext uri="{BB962C8B-B14F-4D97-AF65-F5344CB8AC3E}">
+        <p14:creationId xmlns:p14="http://schemas.microsoft.com/office/powerpoint/2010/main" val="3870691827"/>
+      </p:ext>
+    </p:extLst>
+  </p:cSld>
+  <p:clrMapOvr>
+    <a:masterClrMapping/>
+  </p:clrMapOvr>
+  <p:timing>
+    <p:tnLst>
+      <p:par>
+        <p:cTn id="1" dur="indefinite" restart="never" nodeType="tmRoot"/>
+      </p:par>
+    </p:tnLst>
+  </p:timing>
+</p:sld>
+</file>
+
+<file path=ppt/slides/slide11.xml><?xml version="1.0" encoding="utf-8"?>
+<p:sld xmlns:a="http://schemas.openxmlformats.org/drawingml/2006/main" xmlns:r="http://schemas.openxmlformats.org/officeDocument/2006/relationships" xmlns:p="http://schemas.openxmlformats.org/presentationml/2006/main">
+  <p:cSld>
+    <p:spTree>
+      <p:nvGrpSpPr>
+        <p:cNvPr id="1" name=""/>
+        <p:cNvGrpSpPr/>
+        <p:nvPr/>
+      </p:nvGrpSpPr>
+      <p:grpSpPr>
+        <a:xfrm>
+          <a:off x="0" y="0"/>
+          <a:ext cx="0" cy="0"/>
+          <a:chOff x="0" y="0"/>
+          <a:chExt cx="0" cy="0"/>
+        </a:xfrm>
+      </p:grpSpPr>
       <p:pic>
         <p:nvPicPr>
           <p:cNvPr id="9" name="Picture 8"/>
@@ -9952,7 +10501,7 @@
 </p:sld>
 </file>
 
-<file path=ppt/slides/slide11.xml><?xml version="1.0" encoding="utf-8"?>
+<file path=ppt/slides/slide12.xml><?xml version="1.0" encoding="utf-8"?>
 <p:sld xmlns:a="http://schemas.openxmlformats.org/drawingml/2006/main" xmlns:r="http://schemas.openxmlformats.org/officeDocument/2006/relationships" xmlns:p="http://schemas.openxmlformats.org/presentationml/2006/main">
   <p:cSld>
     <p:spTree>
@@ -10171,7 +10720,7 @@
 </p:sld>
 </file>
 
-<file path=ppt/slides/slide12.xml><?xml version="1.0" encoding="utf-8"?>
+<file path=ppt/slides/slide13.xml><?xml version="1.0" encoding="utf-8"?>
 <p:sld xmlns:a="http://schemas.openxmlformats.org/drawingml/2006/main" xmlns:r="http://schemas.openxmlformats.org/officeDocument/2006/relationships" xmlns:p="http://schemas.openxmlformats.org/presentationml/2006/main">
   <p:cSld>
     <p:spTree>
@@ -10322,7 +10871,7 @@
 </p:sld>
 </file>
 
-<file path=ppt/slides/slide13.xml><?xml version="1.0" encoding="utf-8"?>
+<file path=ppt/slides/slide14.xml><?xml version="1.0" encoding="utf-8"?>
 <p:sld xmlns:a="http://schemas.openxmlformats.org/drawingml/2006/main" xmlns:r="http://schemas.openxmlformats.org/officeDocument/2006/relationships" xmlns:p="http://schemas.openxmlformats.org/presentationml/2006/main">
   <p:cSld>
     <p:spTree>
@@ -10473,7 +11022,7 @@
 </p:sld>
 </file>
 
-<file path=ppt/slides/slide14.xml><?xml version="1.0" encoding="utf-8"?>
+<file path=ppt/slides/slide15.xml><?xml version="1.0" encoding="utf-8"?>
 <p:sld xmlns:a="http://schemas.openxmlformats.org/drawingml/2006/main" xmlns:r="http://schemas.openxmlformats.org/officeDocument/2006/relationships" xmlns:p="http://schemas.openxmlformats.org/presentationml/2006/main">
   <p:cSld>
     <p:spTree>
@@ -10600,7 +11149,7 @@
 </p:sld>
 </file>
 
-<file path=ppt/slides/slide15.xml><?xml version="1.0" encoding="utf-8"?>
+<file path=ppt/slides/slide16.xml><?xml version="1.0" encoding="utf-8"?>
 <p:sld xmlns:a="http://schemas.openxmlformats.org/drawingml/2006/main" xmlns:r="http://schemas.openxmlformats.org/officeDocument/2006/relationships" xmlns:p="http://schemas.openxmlformats.org/presentationml/2006/main">
   <p:cSld>
     <p:spTree>
@@ -10711,133 +11260,6 @@
     <p:extLst>
       <p:ext uri="{BB962C8B-B14F-4D97-AF65-F5344CB8AC3E}">
         <p14:creationId xmlns:p14="http://schemas.microsoft.com/office/powerpoint/2010/main" val="523276211"/>
-      </p:ext>
-    </p:extLst>
-  </p:cSld>
-  <p:clrMapOvr>
-    <a:masterClrMapping/>
-  </p:clrMapOvr>
-  <p:timing>
-    <p:tnLst>
-      <p:par>
-        <p:cTn id="1" dur="indefinite" restart="never" nodeType="tmRoot"/>
-      </p:par>
-    </p:tnLst>
-  </p:timing>
-</p:sld>
-</file>
-
-<file path=ppt/slides/slide16.xml><?xml version="1.0" encoding="utf-8"?>
-<p:sld xmlns:a="http://schemas.openxmlformats.org/drawingml/2006/main" xmlns:r="http://schemas.openxmlformats.org/officeDocument/2006/relationships" xmlns:p="http://schemas.openxmlformats.org/presentationml/2006/main">
-  <p:cSld>
-    <p:spTree>
-      <p:nvGrpSpPr>
-        <p:cNvPr id="1" name=""/>
-        <p:cNvGrpSpPr/>
-        <p:nvPr/>
-      </p:nvGrpSpPr>
-      <p:grpSpPr>
-        <a:xfrm>
-          <a:off x="0" y="0"/>
-          <a:ext cx="0" cy="0"/>
-          <a:chOff x="0" y="0"/>
-          <a:chExt cx="0" cy="0"/>
-        </a:xfrm>
-      </p:grpSpPr>
-      <p:pic>
-        <p:nvPicPr>
-          <p:cNvPr id="6" name="Picture 5"/>
-          <p:cNvPicPr>
-            <a:picLocks noChangeAspect="1"/>
-          </p:cNvPicPr>
-          <p:nvPr/>
-        </p:nvPicPr>
-        <p:blipFill>
-          <a:blip r:embed="rId3"/>
-          <a:stretch>
-            <a:fillRect/>
-          </a:stretch>
-        </p:blipFill>
-        <p:spPr>
-          <a:xfrm>
-            <a:off x="533392" y="2193260"/>
-            <a:ext cx="10783355" cy="4561500"/>
-          </a:xfrm>
-          <a:prstGeom prst="rect">
-            <a:avLst/>
-          </a:prstGeom>
-        </p:spPr>
-      </p:pic>
-      <p:sp>
-        <p:nvSpPr>
-          <p:cNvPr id="2" name="Title 1"/>
-          <p:cNvSpPr>
-            <a:spLocks noGrp="1"/>
-          </p:cNvSpPr>
-          <p:nvPr>
-            <p:ph type="title"/>
-          </p:nvPr>
-        </p:nvSpPr>
-        <p:spPr/>
-        <p:txBody>
-          <a:bodyPr>
-            <a:normAutofit/>
-          </a:bodyPr>
-          <a:lstStyle/>
-          <a:p>
-            <a:r>
-              <a:rPr lang="en-US" sz="4800" dirty="0" smtClean="0"/>
-              <a:t>"Cross cutting" concerns</a:t>
-            </a:r>
-            <a:endParaRPr lang="en-US" sz="4800" dirty="0"/>
-          </a:p>
-        </p:txBody>
-      </p:sp>
-      <p:sp>
-        <p:nvSpPr>
-          <p:cNvPr id="3" name="Content Placeholder 2"/>
-          <p:cNvSpPr>
-            <a:spLocks noGrp="1"/>
-          </p:cNvSpPr>
-          <p:nvPr>
-            <p:ph idx="1"/>
-          </p:nvPr>
-        </p:nvSpPr>
-        <p:spPr>
-          <a:xfrm>
-            <a:off x="838200" y="1825624"/>
-            <a:ext cx="10515600" cy="4589923"/>
-          </a:xfrm>
-        </p:spPr>
-        <p:txBody>
-          <a:bodyPr>
-            <a:normAutofit/>
-          </a:bodyPr>
-          <a:lstStyle/>
-          <a:p>
-            <a:endParaRPr lang="en-US" sz="4000" dirty="0"/>
-          </a:p>
-          <a:p>
-            <a:endParaRPr lang="en-US" sz="4000" dirty="0" smtClean="0"/>
-          </a:p>
-          <a:p>
-            <a:endParaRPr lang="en-US" sz="4000" dirty="0" smtClean="0"/>
-          </a:p>
-          <a:p>
-            <a:endParaRPr lang="en-US" dirty="0" smtClean="0"/>
-          </a:p>
-          <a:p>
-            <a:endParaRPr lang="en-US" dirty="0" smtClean="0"/>
-          </a:p>
-          <a:p>
-            <a:endParaRPr lang="en-US" dirty="0"/>
-          </a:p>
-        </p:txBody>
-      </p:sp>
-    </p:spTree>
-    <p:extLst>
-      <p:ext uri="{BB962C8B-B14F-4D97-AF65-F5344CB8AC3E}">
-        <p14:creationId xmlns:p14="http://schemas.microsoft.com/office/powerpoint/2010/main" val="3351071678"/>
       </p:ext>
     </p:extLst>
   </p:cSld>
@@ -10961,34 +11383,10 @@
           </a:p>
         </p:txBody>
       </p:sp>
-      <p:pic>
-        <p:nvPicPr>
-          <p:cNvPr id="4" name="Picture 3"/>
-          <p:cNvPicPr>
-            <a:picLocks noChangeAspect="1"/>
-          </p:cNvPicPr>
-          <p:nvPr/>
-        </p:nvPicPr>
-        <p:blipFill>
-          <a:blip r:embed="rId4"/>
-          <a:stretch>
-            <a:fillRect/>
-          </a:stretch>
-        </p:blipFill>
-        <p:spPr>
-          <a:xfrm>
-            <a:off x="3840103" y="1742919"/>
-            <a:ext cx="7781452" cy="2377666"/>
-          </a:xfrm>
-          <a:prstGeom prst="rect">
-            <a:avLst/>
-          </a:prstGeom>
-        </p:spPr>
-      </p:pic>
     </p:spTree>
     <p:extLst>
       <p:ext uri="{BB962C8B-B14F-4D97-AF65-F5344CB8AC3E}">
-        <p14:creationId xmlns:p14="http://schemas.microsoft.com/office/powerpoint/2010/main" val="1750226626"/>
+        <p14:creationId xmlns:p14="http://schemas.microsoft.com/office/powerpoint/2010/main" val="3351071678"/>
       </p:ext>
     </p:extLst>
   </p:cSld>
@@ -11128,8 +11526,8 @@
         </p:blipFill>
         <p:spPr>
           <a:xfrm>
-            <a:off x="3847789" y="1690688"/>
-            <a:ext cx="7198579" cy="2451408"/>
+            <a:off x="3840103" y="1742919"/>
+            <a:ext cx="7781452" cy="2377666"/>
           </a:xfrm>
           <a:prstGeom prst="rect">
             <a:avLst/>
@@ -11139,7 +11537,7 @@
     </p:spTree>
     <p:extLst>
       <p:ext uri="{BB962C8B-B14F-4D97-AF65-F5344CB8AC3E}">
-        <p14:creationId xmlns:p14="http://schemas.microsoft.com/office/powerpoint/2010/main" val="841446169"/>
+        <p14:creationId xmlns:p14="http://schemas.microsoft.com/office/powerpoint/2010/main" val="1750226626"/>
       </p:ext>
     </p:extLst>
   </p:cSld>
@@ -11265,6 +11663,225 @@
       </p:sp>
       <p:pic>
         <p:nvPicPr>
+          <p:cNvPr id="4" name="Picture 3"/>
+          <p:cNvPicPr>
+            <a:picLocks noChangeAspect="1"/>
+          </p:cNvPicPr>
+          <p:nvPr/>
+        </p:nvPicPr>
+        <p:blipFill>
+          <a:blip r:embed="rId4"/>
+          <a:stretch>
+            <a:fillRect/>
+          </a:stretch>
+        </p:blipFill>
+        <p:spPr>
+          <a:xfrm>
+            <a:off x="3847789" y="1690688"/>
+            <a:ext cx="7198579" cy="2451408"/>
+          </a:xfrm>
+          <a:prstGeom prst="rect">
+            <a:avLst/>
+          </a:prstGeom>
+        </p:spPr>
+      </p:pic>
+    </p:spTree>
+    <p:extLst>
+      <p:ext uri="{BB962C8B-B14F-4D97-AF65-F5344CB8AC3E}">
+        <p14:creationId xmlns:p14="http://schemas.microsoft.com/office/powerpoint/2010/main" val="841446169"/>
+      </p:ext>
+    </p:extLst>
+  </p:cSld>
+  <p:clrMapOvr>
+    <a:masterClrMapping/>
+  </p:clrMapOvr>
+  <p:timing>
+    <p:tnLst>
+      <p:par>
+        <p:cTn id="1" dur="indefinite" restart="never" nodeType="tmRoot"/>
+      </p:par>
+    </p:tnLst>
+  </p:timing>
+</p:sld>
+</file>
+
+<file path=ppt/slides/slide2.xml><?xml version="1.0" encoding="utf-8"?>
+<p:sld xmlns:a="http://schemas.openxmlformats.org/drawingml/2006/main" xmlns:r="http://schemas.openxmlformats.org/officeDocument/2006/relationships" xmlns:p="http://schemas.openxmlformats.org/presentationml/2006/main">
+  <p:cSld>
+    <p:spTree>
+      <p:nvGrpSpPr>
+        <p:cNvPr id="1" name=""/>
+        <p:cNvGrpSpPr/>
+        <p:nvPr/>
+      </p:nvGrpSpPr>
+      <p:grpSpPr>
+        <a:xfrm>
+          <a:off x="0" y="0"/>
+          <a:ext cx="0" cy="0"/>
+          <a:chOff x="0" y="0"/>
+          <a:chExt cx="0" cy="0"/>
+        </a:xfrm>
+      </p:grpSpPr>
+      <p:sp>
+        <p:nvSpPr>
+          <p:cNvPr id="2" name="Title 1"/>
+          <p:cNvSpPr>
+            <a:spLocks noGrp="1"/>
+          </p:cNvSpPr>
+          <p:nvPr>
+            <p:ph type="title"/>
+          </p:nvPr>
+        </p:nvSpPr>
+        <p:spPr>
+          <a:xfrm>
+            <a:off x="964927" y="1"/>
+            <a:ext cx="10515600" cy="6858000"/>
+          </a:xfrm>
+        </p:spPr>
+        <p:txBody>
+          <a:bodyPr anchor="ctr">
+            <a:normAutofit/>
+          </a:bodyPr>
+          <a:lstStyle/>
+          <a:p>
+            <a:pPr algn="ctr"/>
+            <a:r>
+              <a:rPr lang="en-US" sz="4800" dirty="0" smtClean="0"/>
+              <a:t>I hate writing secure code</a:t>
+            </a:r>
+            <a:endParaRPr lang="en-US" sz="4800" dirty="0"/>
+          </a:p>
+        </p:txBody>
+      </p:sp>
+    </p:spTree>
+    <p:extLst>
+      <p:ext uri="{BB962C8B-B14F-4D97-AF65-F5344CB8AC3E}">
+        <p14:creationId xmlns:p14="http://schemas.microsoft.com/office/powerpoint/2010/main" val="3599913949"/>
+      </p:ext>
+    </p:extLst>
+  </p:cSld>
+  <p:clrMapOvr>
+    <a:masterClrMapping/>
+  </p:clrMapOvr>
+  <p:timing>
+    <p:tnLst>
+      <p:par>
+        <p:cTn id="1" dur="indefinite" restart="never" nodeType="tmRoot"/>
+      </p:par>
+    </p:tnLst>
+  </p:timing>
+</p:sld>
+</file>
+
+<file path=ppt/slides/slide20.xml><?xml version="1.0" encoding="utf-8"?>
+<p:sld xmlns:a="http://schemas.openxmlformats.org/drawingml/2006/main" xmlns:r="http://schemas.openxmlformats.org/officeDocument/2006/relationships" xmlns:p="http://schemas.openxmlformats.org/presentationml/2006/main">
+  <p:cSld>
+    <p:spTree>
+      <p:nvGrpSpPr>
+        <p:cNvPr id="1" name=""/>
+        <p:cNvGrpSpPr/>
+        <p:nvPr/>
+      </p:nvGrpSpPr>
+      <p:grpSpPr>
+        <a:xfrm>
+          <a:off x="0" y="0"/>
+          <a:ext cx="0" cy="0"/>
+          <a:chOff x="0" y="0"/>
+          <a:chExt cx="0" cy="0"/>
+        </a:xfrm>
+      </p:grpSpPr>
+      <p:pic>
+        <p:nvPicPr>
+          <p:cNvPr id="6" name="Picture 5"/>
+          <p:cNvPicPr>
+            <a:picLocks noChangeAspect="1"/>
+          </p:cNvPicPr>
+          <p:nvPr/>
+        </p:nvPicPr>
+        <p:blipFill>
+          <a:blip r:embed="rId3"/>
+          <a:stretch>
+            <a:fillRect/>
+          </a:stretch>
+        </p:blipFill>
+        <p:spPr>
+          <a:xfrm>
+            <a:off x="533392" y="2193260"/>
+            <a:ext cx="10783355" cy="4561500"/>
+          </a:xfrm>
+          <a:prstGeom prst="rect">
+            <a:avLst/>
+          </a:prstGeom>
+        </p:spPr>
+      </p:pic>
+      <p:sp>
+        <p:nvSpPr>
+          <p:cNvPr id="2" name="Title 1"/>
+          <p:cNvSpPr>
+            <a:spLocks noGrp="1"/>
+          </p:cNvSpPr>
+          <p:nvPr>
+            <p:ph type="title"/>
+          </p:nvPr>
+        </p:nvSpPr>
+        <p:spPr/>
+        <p:txBody>
+          <a:bodyPr>
+            <a:normAutofit/>
+          </a:bodyPr>
+          <a:lstStyle/>
+          <a:p>
+            <a:r>
+              <a:rPr lang="en-US" sz="4800" dirty="0" smtClean="0"/>
+              <a:t>"Cross cutting" concerns</a:t>
+            </a:r>
+            <a:endParaRPr lang="en-US" sz="4800" dirty="0"/>
+          </a:p>
+        </p:txBody>
+      </p:sp>
+      <p:sp>
+        <p:nvSpPr>
+          <p:cNvPr id="3" name="Content Placeholder 2"/>
+          <p:cNvSpPr>
+            <a:spLocks noGrp="1"/>
+          </p:cNvSpPr>
+          <p:nvPr>
+            <p:ph idx="1"/>
+          </p:nvPr>
+        </p:nvSpPr>
+        <p:spPr>
+          <a:xfrm>
+            <a:off x="838200" y="1825624"/>
+            <a:ext cx="10515600" cy="4589923"/>
+          </a:xfrm>
+        </p:spPr>
+        <p:txBody>
+          <a:bodyPr>
+            <a:normAutofit/>
+          </a:bodyPr>
+          <a:lstStyle/>
+          <a:p>
+            <a:endParaRPr lang="en-US" sz="4000" dirty="0"/>
+          </a:p>
+          <a:p>
+            <a:endParaRPr lang="en-US" sz="4000" dirty="0" smtClean="0"/>
+          </a:p>
+          <a:p>
+            <a:endParaRPr lang="en-US" sz="4000" dirty="0" smtClean="0"/>
+          </a:p>
+          <a:p>
+            <a:endParaRPr lang="en-US" dirty="0" smtClean="0"/>
+          </a:p>
+          <a:p>
+            <a:endParaRPr lang="en-US" dirty="0" smtClean="0"/>
+          </a:p>
+          <a:p>
+            <a:endParaRPr lang="en-US" dirty="0"/>
+          </a:p>
+        </p:txBody>
+      </p:sp>
+      <p:pic>
+        <p:nvPicPr>
           <p:cNvPr id="5" name="Picture 4"/>
           <p:cNvPicPr>
             <a:picLocks noChangeAspect="1"/>
@@ -11307,201 +11924,6 @@
 </p:sld>
 </file>
 
-<file path=ppt/slides/slide2.xml><?xml version="1.0" encoding="utf-8"?>
-<p:sld xmlns:a="http://schemas.openxmlformats.org/drawingml/2006/main" xmlns:r="http://schemas.openxmlformats.org/officeDocument/2006/relationships" xmlns:p="http://schemas.openxmlformats.org/presentationml/2006/main">
-  <p:cSld>
-    <p:spTree>
-      <p:nvGrpSpPr>
-        <p:cNvPr id="1" name=""/>
-        <p:cNvGrpSpPr/>
-        <p:nvPr/>
-      </p:nvGrpSpPr>
-      <p:grpSpPr>
-        <a:xfrm>
-          <a:off x="0" y="0"/>
-          <a:ext cx="0" cy="0"/>
-          <a:chOff x="0" y="0"/>
-          <a:chExt cx="0" cy="0"/>
-        </a:xfrm>
-      </p:grpSpPr>
-      <p:sp>
-        <p:nvSpPr>
-          <p:cNvPr id="2" name="Title 1"/>
-          <p:cNvSpPr>
-            <a:spLocks noGrp="1"/>
-          </p:cNvSpPr>
-          <p:nvPr>
-            <p:ph type="title"/>
-          </p:nvPr>
-        </p:nvSpPr>
-        <p:spPr>
-          <a:xfrm>
-            <a:off x="964927" y="1"/>
-            <a:ext cx="10515600" cy="6858000"/>
-          </a:xfrm>
-        </p:spPr>
-        <p:txBody>
-          <a:bodyPr anchor="ctr">
-            <a:normAutofit/>
-          </a:bodyPr>
-          <a:lstStyle/>
-          <a:p>
-            <a:pPr algn="ctr"/>
-            <a:r>
-              <a:rPr lang="en-US" sz="4800" dirty="0" smtClean="0"/>
-              <a:t>I hate writing secure code</a:t>
-            </a:r>
-            <a:endParaRPr lang="en-US" sz="4800" dirty="0"/>
-          </a:p>
-        </p:txBody>
-      </p:sp>
-    </p:spTree>
-    <p:extLst>
-      <p:ext uri="{BB962C8B-B14F-4D97-AF65-F5344CB8AC3E}">
-        <p14:creationId xmlns:p14="http://schemas.microsoft.com/office/powerpoint/2010/main" val="3599913949"/>
-      </p:ext>
-    </p:extLst>
-  </p:cSld>
-  <p:clrMapOvr>
-    <a:masterClrMapping/>
-  </p:clrMapOvr>
-  <p:timing>
-    <p:tnLst>
-      <p:par>
-        <p:cTn id="1" dur="indefinite" restart="never" nodeType="tmRoot"/>
-      </p:par>
-    </p:tnLst>
-  </p:timing>
-</p:sld>
-</file>
-
-<file path=ppt/slides/slide20.xml><?xml version="1.0" encoding="utf-8"?>
-<p:sld xmlns:a="http://schemas.openxmlformats.org/drawingml/2006/main" xmlns:r="http://schemas.openxmlformats.org/officeDocument/2006/relationships" xmlns:p="http://schemas.openxmlformats.org/presentationml/2006/main">
-  <p:cSld>
-    <p:spTree>
-      <p:nvGrpSpPr>
-        <p:cNvPr id="1" name=""/>
-        <p:cNvGrpSpPr/>
-        <p:nvPr/>
-      </p:nvGrpSpPr>
-      <p:grpSpPr>
-        <a:xfrm>
-          <a:off x="0" y="0"/>
-          <a:ext cx="0" cy="0"/>
-          <a:chOff x="0" y="0"/>
-          <a:chExt cx="0" cy="0"/>
-        </a:xfrm>
-      </p:grpSpPr>
-      <p:sp>
-        <p:nvSpPr>
-          <p:cNvPr id="2" name="Title 1"/>
-          <p:cNvSpPr>
-            <a:spLocks noGrp="1"/>
-          </p:cNvSpPr>
-          <p:nvPr>
-            <p:ph type="title"/>
-          </p:nvPr>
-        </p:nvSpPr>
-        <p:spPr>
-          <a:xfrm>
-            <a:off x="838200" y="365125"/>
-            <a:ext cx="10960510" cy="1325563"/>
-          </a:xfrm>
-        </p:spPr>
-        <p:txBody>
-          <a:bodyPr>
-            <a:normAutofit/>
-          </a:bodyPr>
-          <a:lstStyle/>
-          <a:p>
-            <a:r>
-              <a:rPr lang="en-US" sz="4800" dirty="0" smtClean="0"/>
-              <a:t>What makes a concern "cross cutting"?</a:t>
-            </a:r>
-            <a:endParaRPr lang="en-US" sz="4800" dirty="0"/>
-          </a:p>
-        </p:txBody>
-      </p:sp>
-      <p:sp>
-        <p:nvSpPr>
-          <p:cNvPr id="3" name="Content Placeholder 2"/>
-          <p:cNvSpPr>
-            <a:spLocks noGrp="1"/>
-          </p:cNvSpPr>
-          <p:nvPr>
-            <p:ph idx="1"/>
-          </p:nvPr>
-        </p:nvSpPr>
-        <p:spPr>
-          <a:xfrm>
-            <a:off x="838200" y="1825624"/>
-            <a:ext cx="10515600" cy="4899641"/>
-          </a:xfrm>
-        </p:spPr>
-        <p:txBody>
-          <a:bodyPr>
-            <a:normAutofit/>
-          </a:bodyPr>
-          <a:lstStyle/>
-          <a:p>
-            <a:r>
-              <a:rPr lang="en-US" sz="4000" dirty="0" smtClean="0"/>
-              <a:t>Orthogonal to feature-specific business rules</a:t>
-            </a:r>
-            <a:endParaRPr lang="en-US" sz="4000" dirty="0"/>
-          </a:p>
-          <a:p>
-            <a:endParaRPr lang="en-US" sz="4000" dirty="0" smtClean="0"/>
-          </a:p>
-          <a:p>
-            <a:r>
-              <a:rPr lang="en-US" sz="4000" dirty="0" smtClean="0"/>
-              <a:t>Applies to multiple features</a:t>
-            </a:r>
-          </a:p>
-          <a:p>
-            <a:endParaRPr lang="en-US" sz="4000" dirty="0" smtClean="0"/>
-          </a:p>
-          <a:p>
-            <a:endParaRPr lang="en-US" sz="4000" dirty="0"/>
-          </a:p>
-          <a:p>
-            <a:endParaRPr lang="en-US" sz="4000" dirty="0" smtClean="0"/>
-          </a:p>
-          <a:p>
-            <a:endParaRPr lang="en-US" sz="4000" dirty="0" smtClean="0"/>
-          </a:p>
-          <a:p>
-            <a:endParaRPr lang="en-US" dirty="0" smtClean="0"/>
-          </a:p>
-          <a:p>
-            <a:endParaRPr lang="en-US" dirty="0" smtClean="0"/>
-          </a:p>
-          <a:p>
-            <a:endParaRPr lang="en-US" dirty="0"/>
-          </a:p>
-        </p:txBody>
-      </p:sp>
-    </p:spTree>
-    <p:extLst>
-      <p:ext uri="{BB962C8B-B14F-4D97-AF65-F5344CB8AC3E}">
-        <p14:creationId xmlns:p14="http://schemas.microsoft.com/office/powerpoint/2010/main" val="4241676050"/>
-      </p:ext>
-    </p:extLst>
-  </p:cSld>
-  <p:clrMapOvr>
-    <a:masterClrMapping/>
-  </p:clrMapOvr>
-  <p:timing>
-    <p:tnLst>
-      <p:par>
-        <p:cTn id="1" dur="indefinite" restart="never" nodeType="tmRoot"/>
-      </p:par>
-    </p:tnLst>
-  </p:timing>
-</p:sld>
-</file>
-
 <file path=ppt/slides/slide21.xml><?xml version="1.0" encoding="utf-8"?>
 <p:sld xmlns:a="http://schemas.openxmlformats.org/drawingml/2006/main" xmlns:r="http://schemas.openxmlformats.org/officeDocument/2006/relationships" xmlns:p="http://schemas.openxmlformats.org/presentationml/2006/main">
   <p:cSld>
@@ -11543,7 +11965,7 @@
           <a:p>
             <a:r>
               <a:rPr lang="en-US" sz="4800" dirty="0" smtClean="0"/>
-              <a:t>What belongs in the "framework"?</a:t>
+              <a:t>What makes a concern "cross cutting"?</a:t>
             </a:r>
             <a:endParaRPr lang="en-US" sz="4800" dirty="0"/>
           </a:p>
@@ -11573,8 +11995,9 @@
           <a:p>
             <a:r>
               <a:rPr lang="en-US" sz="4000" dirty="0" smtClean="0"/>
-              <a:t>All "cross-cutting" concerns</a:t>
-            </a:r>
+              <a:t>Orthogonal to feature-specific business rules</a:t>
+            </a:r>
+            <a:endParaRPr lang="en-US" sz="4000" dirty="0"/>
           </a:p>
           <a:p>
             <a:endParaRPr lang="en-US" sz="4000" dirty="0" smtClean="0"/>
@@ -11582,17 +12005,11 @@
           <a:p>
             <a:r>
               <a:rPr lang="en-US" sz="4000" dirty="0" smtClean="0"/>
-              <a:t>Anything that can be made "secure by default"</a:t>
-            </a:r>
-          </a:p>
-          <a:p>
-            <a:endParaRPr lang="en-US" sz="4000" dirty="0"/>
-          </a:p>
-          <a:p>
-            <a:r>
-              <a:rPr lang="en-US" sz="4000" dirty="0" smtClean="0"/>
-              <a:t>Anything that needs auditing / global testing</a:t>
-            </a:r>
+              <a:t>Applies to multiple features</a:t>
+            </a:r>
+          </a:p>
+          <a:p>
+            <a:endParaRPr lang="en-US" sz="4000" dirty="0" smtClean="0"/>
           </a:p>
           <a:p>
             <a:endParaRPr lang="en-US" sz="4000" dirty="0"/>
@@ -11617,7 +12034,7 @@
     </p:spTree>
     <p:extLst>
       <p:ext uri="{BB962C8B-B14F-4D97-AF65-F5344CB8AC3E}">
-        <p14:creationId xmlns:p14="http://schemas.microsoft.com/office/powerpoint/2010/main" val="617467512"/>
+        <p14:creationId xmlns:p14="http://schemas.microsoft.com/office/powerpoint/2010/main" val="4241676050"/>
       </p:ext>
     </p:extLst>
   </p:cSld>
@@ -11663,59 +12080,93 @@
         </p:nvSpPr>
         <p:spPr>
           <a:xfrm>
-            <a:off x="964927" y="1"/>
-            <a:ext cx="10515600" cy="6858000"/>
+            <a:off x="838200" y="365125"/>
+            <a:ext cx="10960510" cy="1325563"/>
           </a:xfrm>
         </p:spPr>
         <p:txBody>
-          <a:bodyPr anchor="ctr">
+          <a:bodyPr>
             <a:normAutofit/>
           </a:bodyPr>
           <a:lstStyle/>
           <a:p>
-            <a:pPr algn="ctr"/>
             <a:r>
               <a:rPr lang="en-US" sz="4800" dirty="0" smtClean="0"/>
-              <a:t>Show me the </a:t>
-            </a:r>
-            <a:r>
-              <a:rPr lang="en-US" sz="4800" dirty="0" err="1" smtClean="0"/>
-              <a:t>codez</a:t>
-            </a:r>
-            <a:r>
-              <a:rPr lang="en-US" sz="4800" dirty="0" smtClean="0"/>
-              <a:t>!</a:t>
-            </a:r>
-            <a:br>
-              <a:rPr lang="en-US" sz="4800" dirty="0" smtClean="0"/>
-            </a:br>
-            <a:r>
-              <a:rPr lang="en-US" sz="4800" dirty="0"/>
-              <a:t/>
-            </a:r>
-            <a:br>
-              <a:rPr lang="en-US" sz="4800" dirty="0"/>
-            </a:br>
-            <a:r>
-              <a:rPr lang="en-US" dirty="0" smtClean="0">
-                <a:solidFill>
-                  <a:srgbClr val="013947"/>
-                </a:solidFill>
-              </a:rPr>
-              <a:t>bit.ly/2i0J91d</a:t>
-            </a:r>
-            <a:endParaRPr lang="en-US" sz="4800" dirty="0">
-              <a:solidFill>
-                <a:srgbClr val="013947"/>
-              </a:solidFill>
-            </a:endParaRPr>
+              <a:t>What belongs in the "framework"?</a:t>
+            </a:r>
+            <a:endParaRPr lang="en-US" sz="4800" dirty="0"/>
+          </a:p>
+        </p:txBody>
+      </p:sp>
+      <p:sp>
+        <p:nvSpPr>
+          <p:cNvPr id="3" name="Content Placeholder 2"/>
+          <p:cNvSpPr>
+            <a:spLocks noGrp="1"/>
+          </p:cNvSpPr>
+          <p:nvPr>
+            <p:ph idx="1"/>
+          </p:nvPr>
+        </p:nvSpPr>
+        <p:spPr>
+          <a:xfrm>
+            <a:off x="838200" y="1825624"/>
+            <a:ext cx="10515600" cy="4899641"/>
+          </a:xfrm>
+        </p:spPr>
+        <p:txBody>
+          <a:bodyPr>
+            <a:normAutofit/>
+          </a:bodyPr>
+          <a:lstStyle/>
+          <a:p>
+            <a:r>
+              <a:rPr lang="en-US" sz="4000" dirty="0" smtClean="0"/>
+              <a:t>All "cross-cutting" concerns</a:t>
+            </a:r>
+          </a:p>
+          <a:p>
+            <a:endParaRPr lang="en-US" sz="4000" dirty="0" smtClean="0"/>
+          </a:p>
+          <a:p>
+            <a:r>
+              <a:rPr lang="en-US" sz="4000" dirty="0" smtClean="0"/>
+              <a:t>Anything that can be made "secure by default"</a:t>
+            </a:r>
+          </a:p>
+          <a:p>
+            <a:endParaRPr lang="en-US" sz="4000" dirty="0"/>
+          </a:p>
+          <a:p>
+            <a:r>
+              <a:rPr lang="en-US" sz="4000" dirty="0" smtClean="0"/>
+              <a:t>Anything that needs auditing / global testing</a:t>
+            </a:r>
+          </a:p>
+          <a:p>
+            <a:endParaRPr lang="en-US" sz="4000" dirty="0"/>
+          </a:p>
+          <a:p>
+            <a:endParaRPr lang="en-US" sz="4000" dirty="0" smtClean="0"/>
+          </a:p>
+          <a:p>
+            <a:endParaRPr lang="en-US" sz="4000" dirty="0" smtClean="0"/>
+          </a:p>
+          <a:p>
+            <a:endParaRPr lang="en-US" dirty="0" smtClean="0"/>
+          </a:p>
+          <a:p>
+            <a:endParaRPr lang="en-US" dirty="0" smtClean="0"/>
+          </a:p>
+          <a:p>
+            <a:endParaRPr lang="en-US" dirty="0"/>
           </a:p>
         </p:txBody>
       </p:sp>
     </p:spTree>
     <p:extLst>
       <p:ext uri="{BB962C8B-B14F-4D97-AF65-F5344CB8AC3E}">
-        <p14:creationId xmlns:p14="http://schemas.microsoft.com/office/powerpoint/2010/main" val="269211379"/>
+        <p14:creationId xmlns:p14="http://schemas.microsoft.com/office/powerpoint/2010/main" val="617467512"/>
       </p:ext>
     </p:extLst>
   </p:cSld>
@@ -11774,6 +12225,104 @@
             <a:pPr algn="ctr"/>
             <a:r>
               <a:rPr lang="en-US" sz="4800" dirty="0" smtClean="0"/>
+              <a:t>Show me the </a:t>
+            </a:r>
+            <a:r>
+              <a:rPr lang="en-US" sz="4800" dirty="0" err="1" smtClean="0"/>
+              <a:t>codez</a:t>
+            </a:r>
+            <a:r>
+              <a:rPr lang="en-US" sz="4800" dirty="0" smtClean="0"/>
+              <a:t>!</a:t>
+            </a:r>
+            <a:br>
+              <a:rPr lang="en-US" sz="4800" dirty="0" smtClean="0"/>
+            </a:br>
+            <a:r>
+              <a:rPr lang="en-US" sz="4800" dirty="0"/>
+              <a:t/>
+            </a:r>
+            <a:br>
+              <a:rPr lang="en-US" sz="4800" dirty="0"/>
+            </a:br>
+            <a:r>
+              <a:rPr lang="en-US" dirty="0" smtClean="0">
+                <a:solidFill>
+                  <a:srgbClr val="013947"/>
+                </a:solidFill>
+              </a:rPr>
+              <a:t>bit.ly/2i0J91d</a:t>
+            </a:r>
+            <a:endParaRPr lang="en-US" sz="4800" dirty="0">
+              <a:solidFill>
+                <a:srgbClr val="013947"/>
+              </a:solidFill>
+            </a:endParaRPr>
+          </a:p>
+        </p:txBody>
+      </p:sp>
+    </p:spTree>
+    <p:extLst>
+      <p:ext uri="{BB962C8B-B14F-4D97-AF65-F5344CB8AC3E}">
+        <p14:creationId xmlns:p14="http://schemas.microsoft.com/office/powerpoint/2010/main" val="269211379"/>
+      </p:ext>
+    </p:extLst>
+  </p:cSld>
+  <p:clrMapOvr>
+    <a:masterClrMapping/>
+  </p:clrMapOvr>
+  <p:timing>
+    <p:tnLst>
+      <p:par>
+        <p:cTn id="1" dur="indefinite" restart="never" nodeType="tmRoot"/>
+      </p:par>
+    </p:tnLst>
+  </p:timing>
+</p:sld>
+</file>
+
+<file path=ppt/slides/slide24.xml><?xml version="1.0" encoding="utf-8"?>
+<p:sld xmlns:a="http://schemas.openxmlformats.org/drawingml/2006/main" xmlns:r="http://schemas.openxmlformats.org/officeDocument/2006/relationships" xmlns:p="http://schemas.openxmlformats.org/presentationml/2006/main">
+  <p:cSld>
+    <p:spTree>
+      <p:nvGrpSpPr>
+        <p:cNvPr id="1" name=""/>
+        <p:cNvGrpSpPr/>
+        <p:nvPr/>
+      </p:nvGrpSpPr>
+      <p:grpSpPr>
+        <a:xfrm>
+          <a:off x="0" y="0"/>
+          <a:ext cx="0" cy="0"/>
+          <a:chOff x="0" y="0"/>
+          <a:chExt cx="0" cy="0"/>
+        </a:xfrm>
+      </p:grpSpPr>
+      <p:sp>
+        <p:nvSpPr>
+          <p:cNvPr id="2" name="Title 1"/>
+          <p:cNvSpPr>
+            <a:spLocks noGrp="1"/>
+          </p:cNvSpPr>
+          <p:nvPr>
+            <p:ph type="title"/>
+          </p:nvPr>
+        </p:nvSpPr>
+        <p:spPr>
+          <a:xfrm>
+            <a:off x="964927" y="1"/>
+            <a:ext cx="10515600" cy="6858000"/>
+          </a:xfrm>
+        </p:spPr>
+        <p:txBody>
+          <a:bodyPr anchor="ctr">
+            <a:normAutofit/>
+          </a:bodyPr>
+          <a:lstStyle/>
+          <a:p>
+            <a:pPr algn="ctr"/>
+            <a:r>
+              <a:rPr lang="en-US" sz="4800" dirty="0" smtClean="0"/>
               <a:t>SQL Injection</a:t>
             </a:r>
             <a:br>
@@ -11822,7 +12371,7 @@
 </p:sld>
 </file>
 
-<file path=ppt/slides/slide24.xml><?xml version="1.0" encoding="utf-8"?>
+<file path=ppt/slides/slide25.xml><?xml version="1.0" encoding="utf-8"?>
 <p:sld xmlns:a="http://schemas.openxmlformats.org/drawingml/2006/main" xmlns:r="http://schemas.openxmlformats.org/officeDocument/2006/relationships" xmlns:p="http://schemas.openxmlformats.org/presentationml/2006/main">
   <p:cSld>
     <p:spTree>
@@ -11964,7 +12513,7 @@
 </p:sld>
 </file>
 
-<file path=ppt/slides/slide25.xml><?xml version="1.0" encoding="utf-8"?>
+<file path=ppt/slides/slide26.xml><?xml version="1.0" encoding="utf-8"?>
 <p:sld xmlns:a="http://schemas.openxmlformats.org/drawingml/2006/main" xmlns:r="http://schemas.openxmlformats.org/officeDocument/2006/relationships" xmlns:p="http://schemas.openxmlformats.org/presentationml/2006/main">
   <p:cSld>
     <p:spTree>
@@ -12140,7 +12689,7 @@
 </p:sld>
 </file>
 
-<file path=ppt/slides/slide26.xml><?xml version="1.0" encoding="utf-8"?>
+<file path=ppt/slides/slide27.xml><?xml version="1.0" encoding="utf-8"?>
 <p:sld xmlns:a="http://schemas.openxmlformats.org/drawingml/2006/main" xmlns:r="http://schemas.openxmlformats.org/officeDocument/2006/relationships" xmlns:p="http://schemas.openxmlformats.org/presentationml/2006/main">
   <p:cSld>
     <p:spTree>
@@ -12258,7 +12807,7 @@
 </p:sld>
 </file>
 
-<file path=ppt/slides/slide27.xml><?xml version="1.0" encoding="utf-8"?>
+<file path=ppt/slides/slide28.xml><?xml version="1.0" encoding="utf-8"?>
 <p:sld xmlns:a="http://schemas.openxmlformats.org/drawingml/2006/main" xmlns:r="http://schemas.openxmlformats.org/officeDocument/2006/relationships" xmlns:p="http://schemas.openxmlformats.org/presentationml/2006/main">
   <p:cSld>
     <p:spTree>
@@ -12403,7 +12952,7 @@
 </p:sld>
 </file>
 
-<file path=ppt/slides/slide28.xml><?xml version="1.0" encoding="utf-8"?>
+<file path=ppt/slides/slide29.xml><?xml version="1.0" encoding="utf-8"?>
 <p:sld xmlns:a="http://schemas.openxmlformats.org/drawingml/2006/main" xmlns:r="http://schemas.openxmlformats.org/officeDocument/2006/relationships" xmlns:p="http://schemas.openxmlformats.org/presentationml/2006/main">
   <p:cSld>
     <p:spTree>
@@ -12545,7 +13094,96 @@
 </p:sld>
 </file>
 
-<file path=ppt/slides/slide29.xml><?xml version="1.0" encoding="utf-8"?>
+<file path=ppt/slides/slide3.xml><?xml version="1.0" encoding="utf-8"?>
+<p:sld xmlns:a="http://schemas.openxmlformats.org/drawingml/2006/main" xmlns:r="http://schemas.openxmlformats.org/officeDocument/2006/relationships" xmlns:p="http://schemas.openxmlformats.org/presentationml/2006/main">
+  <p:cSld>
+    <p:spTree>
+      <p:nvGrpSpPr>
+        <p:cNvPr id="1" name=""/>
+        <p:cNvGrpSpPr/>
+        <p:nvPr/>
+      </p:nvGrpSpPr>
+      <p:grpSpPr>
+        <a:xfrm>
+          <a:off x="0" y="0"/>
+          <a:ext cx="0" cy="0"/>
+          <a:chOff x="0" y="0"/>
+          <a:chExt cx="0" cy="0"/>
+        </a:xfrm>
+      </p:grpSpPr>
+      <p:sp>
+        <p:nvSpPr>
+          <p:cNvPr id="2" name="Title 1"/>
+          <p:cNvSpPr>
+            <a:spLocks noGrp="1"/>
+          </p:cNvSpPr>
+          <p:nvPr>
+            <p:ph type="title"/>
+          </p:nvPr>
+        </p:nvSpPr>
+        <p:spPr>
+          <a:xfrm>
+            <a:off x="964927" y="1"/>
+            <a:ext cx="10515600" cy="6858000"/>
+          </a:xfrm>
+        </p:spPr>
+        <p:txBody>
+          <a:bodyPr anchor="ctr">
+            <a:normAutofit/>
+          </a:bodyPr>
+          <a:lstStyle/>
+          <a:p>
+            <a:pPr algn="ctr"/>
+            <a:r>
+              <a:rPr lang="en-US" sz="4800" strike="sngStrike" dirty="0" smtClean="0">
+                <a:solidFill>
+                  <a:schemeClr val="bg1">
+                    <a:lumMod val="75000"/>
+                  </a:schemeClr>
+                </a:solidFill>
+              </a:rPr>
+              <a:t>I hate writing secure code</a:t>
+            </a:r>
+            <a:r>
+              <a:rPr lang="en-US" sz="4800" strike="sngStrike" dirty="0" smtClean="0"/>
+              <a:t/>
+            </a:r>
+            <a:br>
+              <a:rPr lang="en-US" sz="4800" strike="sngStrike" dirty="0" smtClean="0"/>
+            </a:br>
+            <a:r>
+              <a:rPr lang="en-US" sz="4800" dirty="0" smtClean="0"/>
+              <a:t>I hate writing secure </a:t>
+            </a:r>
+            <a:r>
+              <a:rPr lang="en-US" sz="4800" i="1" dirty="0" smtClean="0"/>
+              <a:t>features</a:t>
+            </a:r>
+            <a:endParaRPr lang="en-US" sz="4800" i="1" dirty="0"/>
+          </a:p>
+        </p:txBody>
+      </p:sp>
+    </p:spTree>
+    <p:extLst>
+      <p:ext uri="{BB962C8B-B14F-4D97-AF65-F5344CB8AC3E}">
+        <p14:creationId xmlns:p14="http://schemas.microsoft.com/office/powerpoint/2010/main" val="75936766"/>
+      </p:ext>
+    </p:extLst>
+  </p:cSld>
+  <p:clrMapOvr>
+    <a:masterClrMapping/>
+  </p:clrMapOvr>
+  <p:timing>
+    <p:tnLst>
+      <p:par>
+        <p:cTn id="1" dur="indefinite" restart="never" nodeType="tmRoot"/>
+      </p:par>
+    </p:tnLst>
+  </p:timing>
+</p:sld>
+</file>
+
+<file path=ppt/slides/slide30.xml><?xml version="1.0" encoding="utf-8"?>
 <p:sld xmlns:a="http://schemas.openxmlformats.org/drawingml/2006/main" xmlns:r="http://schemas.openxmlformats.org/officeDocument/2006/relationships" xmlns:p="http://schemas.openxmlformats.org/presentationml/2006/main">
   <p:cSld>
     <p:spTree>
@@ -12688,96 +13326,7 @@
 </p:sld>
 </file>
 
-<file path=ppt/slides/slide3.xml><?xml version="1.0" encoding="utf-8"?>
-<p:sld xmlns:a="http://schemas.openxmlformats.org/drawingml/2006/main" xmlns:r="http://schemas.openxmlformats.org/officeDocument/2006/relationships" xmlns:p="http://schemas.openxmlformats.org/presentationml/2006/main">
-  <p:cSld>
-    <p:spTree>
-      <p:nvGrpSpPr>
-        <p:cNvPr id="1" name=""/>
-        <p:cNvGrpSpPr/>
-        <p:nvPr/>
-      </p:nvGrpSpPr>
-      <p:grpSpPr>
-        <a:xfrm>
-          <a:off x="0" y="0"/>
-          <a:ext cx="0" cy="0"/>
-          <a:chOff x="0" y="0"/>
-          <a:chExt cx="0" cy="0"/>
-        </a:xfrm>
-      </p:grpSpPr>
-      <p:sp>
-        <p:nvSpPr>
-          <p:cNvPr id="2" name="Title 1"/>
-          <p:cNvSpPr>
-            <a:spLocks noGrp="1"/>
-          </p:cNvSpPr>
-          <p:nvPr>
-            <p:ph type="title"/>
-          </p:nvPr>
-        </p:nvSpPr>
-        <p:spPr>
-          <a:xfrm>
-            <a:off x="964927" y="1"/>
-            <a:ext cx="10515600" cy="6858000"/>
-          </a:xfrm>
-        </p:spPr>
-        <p:txBody>
-          <a:bodyPr anchor="ctr">
-            <a:normAutofit/>
-          </a:bodyPr>
-          <a:lstStyle/>
-          <a:p>
-            <a:pPr algn="ctr"/>
-            <a:r>
-              <a:rPr lang="en-US" sz="4800" strike="sngStrike" dirty="0" smtClean="0">
-                <a:solidFill>
-                  <a:schemeClr val="bg1">
-                    <a:lumMod val="75000"/>
-                  </a:schemeClr>
-                </a:solidFill>
-              </a:rPr>
-              <a:t>I hate writing secure code</a:t>
-            </a:r>
-            <a:r>
-              <a:rPr lang="en-US" sz="4800" strike="sngStrike" dirty="0" smtClean="0"/>
-              <a:t/>
-            </a:r>
-            <a:br>
-              <a:rPr lang="en-US" sz="4800" strike="sngStrike" dirty="0" smtClean="0"/>
-            </a:br>
-            <a:r>
-              <a:rPr lang="en-US" sz="4800" dirty="0" smtClean="0"/>
-              <a:t>I hate writing secure </a:t>
-            </a:r>
-            <a:r>
-              <a:rPr lang="en-US" sz="4800" i="1" dirty="0" smtClean="0"/>
-              <a:t>features</a:t>
-            </a:r>
-            <a:endParaRPr lang="en-US" sz="4800" i="1" dirty="0"/>
-          </a:p>
-        </p:txBody>
-      </p:sp>
-    </p:spTree>
-    <p:extLst>
-      <p:ext uri="{BB962C8B-B14F-4D97-AF65-F5344CB8AC3E}">
-        <p14:creationId xmlns:p14="http://schemas.microsoft.com/office/powerpoint/2010/main" val="75936766"/>
-      </p:ext>
-    </p:extLst>
-  </p:cSld>
-  <p:clrMapOvr>
-    <a:masterClrMapping/>
-  </p:clrMapOvr>
-  <p:timing>
-    <p:tnLst>
-      <p:par>
-        <p:cTn id="1" dur="indefinite" restart="never" nodeType="tmRoot"/>
-      </p:par>
-    </p:tnLst>
-  </p:timing>
-</p:sld>
-</file>
-
-<file path=ppt/slides/slide30.xml><?xml version="1.0" encoding="utf-8"?>
+<file path=ppt/slides/slide31.xml><?xml version="1.0" encoding="utf-8"?>
 <p:sld xmlns:a="http://schemas.openxmlformats.org/drawingml/2006/main" xmlns:r="http://schemas.openxmlformats.org/officeDocument/2006/relationships" xmlns:p="http://schemas.openxmlformats.org/presentationml/2006/main">
   <p:cSld>
     <p:spTree>
@@ -12915,7 +13464,7 @@
 </p:sld>
 </file>
 
-<file path=ppt/slides/slide31.xml><?xml version="1.0" encoding="utf-8"?>
+<file path=ppt/slides/slide32.xml><?xml version="1.0" encoding="utf-8"?>
 <p:sld xmlns:a="http://schemas.openxmlformats.org/drawingml/2006/main" xmlns:r="http://schemas.openxmlformats.org/officeDocument/2006/relationships" xmlns:p="http://schemas.openxmlformats.org/presentationml/2006/main">
   <p:cSld>
     <p:spTree>
@@ -13053,7 +13602,7 @@
 </p:sld>
 </file>
 
-<file path=ppt/slides/slide32.xml><?xml version="1.0" encoding="utf-8"?>
+<file path=ppt/slides/slide33.xml><?xml version="1.0" encoding="utf-8"?>
 <p:sld xmlns:a="http://schemas.openxmlformats.org/drawingml/2006/main" xmlns:r="http://schemas.openxmlformats.org/officeDocument/2006/relationships" xmlns:p="http://schemas.openxmlformats.org/presentationml/2006/main">
   <p:cSld>
     <p:spTree>
@@ -13191,7 +13740,7 @@
 </p:sld>
 </file>
 
-<file path=ppt/slides/slide33.xml><?xml version="1.0" encoding="utf-8"?>
+<file path=ppt/slides/slide34.xml><?xml version="1.0" encoding="utf-8"?>
 <p:sld xmlns:a="http://schemas.openxmlformats.org/drawingml/2006/main" xmlns:r="http://schemas.openxmlformats.org/officeDocument/2006/relationships" xmlns:p="http://schemas.openxmlformats.org/presentationml/2006/main">
   <p:cSld>
     <p:spTree>
@@ -13336,7 +13885,7 @@
 </p:sld>
 </file>
 
-<file path=ppt/slides/slide34.xml><?xml version="1.0" encoding="utf-8"?>
+<file path=ppt/slides/slide35.xml><?xml version="1.0" encoding="utf-8"?>
 <p:sld xmlns:a="http://schemas.openxmlformats.org/drawingml/2006/main" xmlns:r="http://schemas.openxmlformats.org/officeDocument/2006/relationships" xmlns:p="http://schemas.openxmlformats.org/presentationml/2006/main">
   <p:cSld>
     <p:spTree>
@@ -13486,96 +14035,6 @@
 </p:sld>
 </file>
 
-<file path=ppt/slides/slide35.xml><?xml version="1.0" encoding="utf-8"?>
-<p:sld xmlns:a="http://schemas.openxmlformats.org/drawingml/2006/main" xmlns:r="http://schemas.openxmlformats.org/officeDocument/2006/relationships" xmlns:p="http://schemas.openxmlformats.org/presentationml/2006/main">
-  <p:cSld>
-    <p:spTree>
-      <p:nvGrpSpPr>
-        <p:cNvPr id="1" name=""/>
-        <p:cNvGrpSpPr/>
-        <p:nvPr/>
-      </p:nvGrpSpPr>
-      <p:grpSpPr>
-        <a:xfrm>
-          <a:off x="0" y="0"/>
-          <a:ext cx="0" cy="0"/>
-          <a:chOff x="0" y="0"/>
-          <a:chExt cx="0" cy="0"/>
-        </a:xfrm>
-      </p:grpSpPr>
-      <p:sp>
-        <p:nvSpPr>
-          <p:cNvPr id="2" name="Title 1"/>
-          <p:cNvSpPr>
-            <a:spLocks noGrp="1"/>
-          </p:cNvSpPr>
-          <p:nvPr>
-            <p:ph type="title"/>
-          </p:nvPr>
-        </p:nvSpPr>
-        <p:spPr>
-          <a:xfrm>
-            <a:off x="964927" y="1"/>
-            <a:ext cx="10515600" cy="6858000"/>
-          </a:xfrm>
-        </p:spPr>
-        <p:txBody>
-          <a:bodyPr anchor="ctr">
-            <a:normAutofit/>
-          </a:bodyPr>
-          <a:lstStyle/>
-          <a:p>
-            <a:pPr algn="ctr"/>
-            <a:r>
-              <a:rPr lang="en-US" sz="4800" dirty="0" smtClean="0"/>
-              <a:t>Authentication</a:t>
-            </a:r>
-            <a:br>
-              <a:rPr lang="en-US" sz="4800" dirty="0" smtClean="0"/>
-            </a:br>
-            <a:r>
-              <a:rPr lang="en-US" sz="4800" dirty="0"/>
-              <a:t/>
-            </a:r>
-            <a:br>
-              <a:rPr lang="en-US" sz="4800" dirty="0"/>
-            </a:br>
-            <a:r>
-              <a:rPr lang="en-US" dirty="0" smtClean="0">
-                <a:solidFill>
-                  <a:srgbClr val="013947"/>
-                </a:solidFill>
-              </a:rPr>
-              <a:t>Keeping out the unwashed masses</a:t>
-            </a:r>
-            <a:endParaRPr lang="en-US" sz="4800" dirty="0">
-              <a:solidFill>
-                <a:srgbClr val="013947"/>
-              </a:solidFill>
-            </a:endParaRPr>
-          </a:p>
-        </p:txBody>
-      </p:sp>
-    </p:spTree>
-    <p:extLst>
-      <p:ext uri="{BB962C8B-B14F-4D97-AF65-F5344CB8AC3E}">
-        <p14:creationId xmlns:p14="http://schemas.microsoft.com/office/powerpoint/2010/main" val="565801111"/>
-      </p:ext>
-    </p:extLst>
-  </p:cSld>
-  <p:clrMapOvr>
-    <a:masterClrMapping/>
-  </p:clrMapOvr>
-  <p:timing>
-    <p:tnLst>
-      <p:par>
-        <p:cTn id="1" dur="indefinite" restart="never" nodeType="tmRoot"/>
-      </p:par>
-    </p:tnLst>
-  </p:timing>
-</p:sld>
-</file>
-
 <file path=ppt/slides/slide36.xml><?xml version="1.0" encoding="utf-8"?>
 <p:sld xmlns:a="http://schemas.openxmlformats.org/drawingml/2006/main" xmlns:r="http://schemas.openxmlformats.org/officeDocument/2006/relationships" xmlns:p="http://schemas.openxmlformats.org/presentationml/2006/main">
   <p:cSld>
@@ -13603,60 +14062,53 @@
             <p:ph type="title"/>
           </p:nvPr>
         </p:nvSpPr>
-        <p:spPr/>
-        <p:txBody>
-          <a:bodyPr>
+        <p:spPr>
+          <a:xfrm>
+            <a:off x="964927" y="1"/>
+            <a:ext cx="10515600" cy="6858000"/>
+          </a:xfrm>
+        </p:spPr>
+        <p:txBody>
+          <a:bodyPr anchor="ctr">
             <a:normAutofit/>
           </a:bodyPr>
           <a:lstStyle/>
           <a:p>
+            <a:pPr algn="ctr"/>
             <a:r>
               <a:rPr lang="en-US" sz="4800" dirty="0" smtClean="0"/>
               <a:t>Authentication</a:t>
             </a:r>
-            <a:endParaRPr lang="en-US" sz="4800" dirty="0"/>
-          </a:p>
-        </p:txBody>
-      </p:sp>
-      <p:sp>
-        <p:nvSpPr>
-          <p:cNvPr id="3" name="Content Placeholder 2"/>
-          <p:cNvSpPr>
-            <a:spLocks noGrp="1"/>
-          </p:cNvSpPr>
-          <p:nvPr>
-            <p:ph idx="1"/>
-          </p:nvPr>
-        </p:nvSpPr>
-        <p:spPr>
-          <a:xfrm>
-            <a:off x="838200" y="1825624"/>
-            <a:ext cx="10515600" cy="4589923"/>
-          </a:xfrm>
-        </p:spPr>
-        <p:txBody>
-          <a:bodyPr>
-            <a:normAutofit/>
-          </a:bodyPr>
-          <a:lstStyle/>
-          <a:p>
-            <a:endParaRPr lang="en-US" sz="4000" dirty="0" smtClean="0"/>
-          </a:p>
-          <a:p>
-            <a:endParaRPr lang="en-US" dirty="0" smtClean="0"/>
-          </a:p>
-          <a:p>
-            <a:endParaRPr lang="en-US" dirty="0" smtClean="0"/>
-          </a:p>
-          <a:p>
-            <a:endParaRPr lang="en-US" dirty="0"/>
+            <a:br>
+              <a:rPr lang="en-US" sz="4800" dirty="0" smtClean="0"/>
+            </a:br>
+            <a:r>
+              <a:rPr lang="en-US" sz="4800" dirty="0"/>
+              <a:t/>
+            </a:r>
+            <a:br>
+              <a:rPr lang="en-US" sz="4800" dirty="0"/>
+            </a:br>
+            <a:r>
+              <a:rPr lang="en-US" dirty="0" smtClean="0">
+                <a:solidFill>
+                  <a:srgbClr val="013947"/>
+                </a:solidFill>
+              </a:rPr>
+              <a:t>Keeping out the unwashed masses</a:t>
+            </a:r>
+            <a:endParaRPr lang="en-US" sz="4800" dirty="0">
+              <a:solidFill>
+                <a:srgbClr val="013947"/>
+              </a:solidFill>
+            </a:endParaRPr>
           </a:p>
         </p:txBody>
       </p:sp>
     </p:spTree>
     <p:extLst>
       <p:ext uri="{BB962C8B-B14F-4D97-AF65-F5344CB8AC3E}">
-        <p14:creationId xmlns:p14="http://schemas.microsoft.com/office/powerpoint/2010/main" val="176538875"/>
+        <p14:creationId xmlns:p14="http://schemas.microsoft.com/office/powerpoint/2010/main" val="565801111"/>
       </p:ext>
     </p:extLst>
   </p:cSld>
@@ -13750,10 +14202,34 @@
           </a:p>
         </p:txBody>
       </p:sp>
+      <p:pic>
+        <p:nvPicPr>
+          <p:cNvPr id="4" name="Picture 3"/>
+          <p:cNvPicPr>
+            <a:picLocks noChangeAspect="1"/>
+          </p:cNvPicPr>
+          <p:nvPr/>
+        </p:nvPicPr>
+        <p:blipFill>
+          <a:blip r:embed="rId3"/>
+          <a:stretch>
+            <a:fillRect/>
+          </a:stretch>
+        </p:blipFill>
+        <p:spPr>
+          <a:xfrm>
+            <a:off x="838200" y="2221630"/>
+            <a:ext cx="11114728" cy="3264770"/>
+          </a:xfrm>
+          <a:prstGeom prst="rect">
+            <a:avLst/>
+          </a:prstGeom>
+        </p:spPr>
+      </p:pic>
     </p:spTree>
     <p:extLst>
       <p:ext uri="{BB962C8B-B14F-4D97-AF65-F5344CB8AC3E}">
-        <p14:creationId xmlns:p14="http://schemas.microsoft.com/office/powerpoint/2010/main" val="295902893"/>
+        <p14:creationId xmlns:p14="http://schemas.microsoft.com/office/powerpoint/2010/main" val="176538875"/>
       </p:ext>
     </p:extLst>
   </p:cSld>
@@ -13797,6 +14273,481 @@
             <p:ph type="title"/>
           </p:nvPr>
         </p:nvSpPr>
+        <p:spPr/>
+        <p:txBody>
+          <a:bodyPr>
+            <a:normAutofit/>
+          </a:bodyPr>
+          <a:lstStyle/>
+          <a:p>
+            <a:r>
+              <a:rPr lang="en-US" sz="4800" dirty="0" smtClean="0"/>
+              <a:t>Authentication</a:t>
+            </a:r>
+            <a:endParaRPr lang="en-US" sz="4800" dirty="0"/>
+          </a:p>
+        </p:txBody>
+      </p:sp>
+      <p:sp>
+        <p:nvSpPr>
+          <p:cNvPr id="3" name="Content Placeholder 2"/>
+          <p:cNvSpPr>
+            <a:spLocks noGrp="1"/>
+          </p:cNvSpPr>
+          <p:nvPr>
+            <p:ph idx="1"/>
+          </p:nvPr>
+        </p:nvSpPr>
+        <p:spPr>
+          <a:xfrm>
+            <a:off x="838200" y="1825624"/>
+            <a:ext cx="10515600" cy="4589923"/>
+          </a:xfrm>
+        </p:spPr>
+        <p:txBody>
+          <a:bodyPr>
+            <a:normAutofit/>
+          </a:bodyPr>
+          <a:lstStyle/>
+          <a:p>
+            <a:endParaRPr lang="en-US" sz="4000" dirty="0" smtClean="0"/>
+          </a:p>
+          <a:p>
+            <a:endParaRPr lang="en-US" dirty="0" smtClean="0"/>
+          </a:p>
+          <a:p>
+            <a:endParaRPr lang="en-US" dirty="0" smtClean="0"/>
+          </a:p>
+          <a:p>
+            <a:endParaRPr lang="en-US" dirty="0"/>
+          </a:p>
+        </p:txBody>
+      </p:sp>
+      <p:pic>
+        <p:nvPicPr>
+          <p:cNvPr id="6" name="Picture 5"/>
+          <p:cNvPicPr>
+            <a:picLocks noChangeAspect="1"/>
+          </p:cNvPicPr>
+          <p:nvPr/>
+        </p:nvPicPr>
+        <p:blipFill>
+          <a:blip r:embed="rId3"/>
+          <a:stretch>
+            <a:fillRect/>
+          </a:stretch>
+        </p:blipFill>
+        <p:spPr>
+          <a:xfrm>
+            <a:off x="838200" y="1690688"/>
+            <a:ext cx="11353800" cy="5030165"/>
+          </a:xfrm>
+          <a:prstGeom prst="rect">
+            <a:avLst/>
+          </a:prstGeom>
+        </p:spPr>
+      </p:pic>
+    </p:spTree>
+    <p:extLst>
+      <p:ext uri="{BB962C8B-B14F-4D97-AF65-F5344CB8AC3E}">
+        <p14:creationId xmlns:p14="http://schemas.microsoft.com/office/powerpoint/2010/main" val="295902893"/>
+      </p:ext>
+    </p:extLst>
+  </p:cSld>
+  <p:clrMapOvr>
+    <a:masterClrMapping/>
+  </p:clrMapOvr>
+  <p:timing>
+    <p:tnLst>
+      <p:par>
+        <p:cTn id="1" dur="indefinite" restart="never" nodeType="tmRoot"/>
+      </p:par>
+    </p:tnLst>
+  </p:timing>
+</p:sld>
+</file>
+
+<file path=ppt/slides/slide39.xml><?xml version="1.0" encoding="utf-8"?>
+<p:sld xmlns:a="http://schemas.openxmlformats.org/drawingml/2006/main" xmlns:r="http://schemas.openxmlformats.org/officeDocument/2006/relationships" xmlns:p="http://schemas.openxmlformats.org/presentationml/2006/main">
+  <p:cSld>
+    <p:spTree>
+      <p:nvGrpSpPr>
+        <p:cNvPr id="1" name=""/>
+        <p:cNvGrpSpPr/>
+        <p:nvPr/>
+      </p:nvGrpSpPr>
+      <p:grpSpPr>
+        <a:xfrm>
+          <a:off x="0" y="0"/>
+          <a:ext cx="0" cy="0"/>
+          <a:chOff x="0" y="0"/>
+          <a:chExt cx="0" cy="0"/>
+        </a:xfrm>
+      </p:grpSpPr>
+      <p:sp>
+        <p:nvSpPr>
+          <p:cNvPr id="2" name="Title 1"/>
+          <p:cNvSpPr>
+            <a:spLocks noGrp="1"/>
+          </p:cNvSpPr>
+          <p:nvPr>
+            <p:ph type="title"/>
+          </p:nvPr>
+        </p:nvSpPr>
+        <p:spPr/>
+        <p:txBody>
+          <a:bodyPr>
+            <a:normAutofit/>
+          </a:bodyPr>
+          <a:lstStyle/>
+          <a:p>
+            <a:r>
+              <a:rPr lang="en-US" sz="4800" dirty="0" smtClean="0"/>
+              <a:t>Authentication</a:t>
+            </a:r>
+            <a:endParaRPr lang="en-US" sz="4800" dirty="0"/>
+          </a:p>
+        </p:txBody>
+      </p:sp>
+      <p:sp>
+        <p:nvSpPr>
+          <p:cNvPr id="3" name="Content Placeholder 2"/>
+          <p:cNvSpPr>
+            <a:spLocks noGrp="1"/>
+          </p:cNvSpPr>
+          <p:nvPr>
+            <p:ph idx="1"/>
+          </p:nvPr>
+        </p:nvSpPr>
+        <p:spPr>
+          <a:xfrm>
+            <a:off x="838200" y="1825624"/>
+            <a:ext cx="10515600" cy="4589923"/>
+          </a:xfrm>
+        </p:spPr>
+        <p:txBody>
+          <a:bodyPr>
+            <a:normAutofit/>
+          </a:bodyPr>
+          <a:lstStyle/>
+          <a:p>
+            <a:endParaRPr lang="en-US" sz="4000" dirty="0" smtClean="0"/>
+          </a:p>
+          <a:p>
+            <a:endParaRPr lang="en-US" dirty="0" smtClean="0"/>
+          </a:p>
+          <a:p>
+            <a:endParaRPr lang="en-US" dirty="0" smtClean="0"/>
+          </a:p>
+          <a:p>
+            <a:endParaRPr lang="en-US" dirty="0"/>
+          </a:p>
+        </p:txBody>
+      </p:sp>
+      <p:pic>
+        <p:nvPicPr>
+          <p:cNvPr id="4" name="Picture 3"/>
+          <p:cNvPicPr>
+            <a:picLocks noChangeAspect="1"/>
+          </p:cNvPicPr>
+          <p:nvPr/>
+        </p:nvPicPr>
+        <p:blipFill>
+          <a:blip r:embed="rId3"/>
+          <a:stretch>
+            <a:fillRect/>
+          </a:stretch>
+        </p:blipFill>
+        <p:spPr>
+          <a:xfrm>
+            <a:off x="838199" y="1690688"/>
+            <a:ext cx="9373015" cy="5034577"/>
+          </a:xfrm>
+          <a:prstGeom prst="rect">
+            <a:avLst/>
+          </a:prstGeom>
+        </p:spPr>
+      </p:pic>
+    </p:spTree>
+    <p:extLst>
+      <p:ext uri="{BB962C8B-B14F-4D97-AF65-F5344CB8AC3E}">
+        <p14:creationId xmlns:p14="http://schemas.microsoft.com/office/powerpoint/2010/main" val="1328286172"/>
+      </p:ext>
+    </p:extLst>
+  </p:cSld>
+  <p:clrMapOvr>
+    <a:masterClrMapping/>
+  </p:clrMapOvr>
+  <p:timing>
+    <p:tnLst>
+      <p:par>
+        <p:cTn id="1" dur="indefinite" restart="never" nodeType="tmRoot"/>
+      </p:par>
+    </p:tnLst>
+  </p:timing>
+</p:sld>
+</file>
+
+<file path=ppt/slides/slide4.xml><?xml version="1.0" encoding="utf-8"?>
+<p:sld xmlns:a="http://schemas.openxmlformats.org/drawingml/2006/main" xmlns:r="http://schemas.openxmlformats.org/officeDocument/2006/relationships" xmlns:p="http://schemas.openxmlformats.org/presentationml/2006/main">
+  <p:cSld>
+    <p:spTree>
+      <p:nvGrpSpPr>
+        <p:cNvPr id="1" name=""/>
+        <p:cNvGrpSpPr/>
+        <p:nvPr/>
+      </p:nvGrpSpPr>
+      <p:grpSpPr>
+        <a:xfrm>
+          <a:off x="0" y="0"/>
+          <a:ext cx="0" cy="0"/>
+          <a:chOff x="0" y="0"/>
+          <a:chExt cx="0" cy="0"/>
+        </a:xfrm>
+      </p:grpSpPr>
+      <p:sp>
+        <p:nvSpPr>
+          <p:cNvPr id="2" name="Title 1"/>
+          <p:cNvSpPr>
+            <a:spLocks noGrp="1"/>
+          </p:cNvSpPr>
+          <p:nvPr>
+            <p:ph type="title"/>
+          </p:nvPr>
+        </p:nvSpPr>
+        <p:spPr>
+          <a:xfrm>
+            <a:off x="964927" y="1"/>
+            <a:ext cx="10515600" cy="6858000"/>
+          </a:xfrm>
+        </p:spPr>
+        <p:txBody>
+          <a:bodyPr anchor="ctr">
+            <a:normAutofit/>
+          </a:bodyPr>
+          <a:lstStyle/>
+          <a:p>
+            <a:pPr algn="ctr"/>
+            <a:r>
+              <a:rPr lang="en-US" sz="4800" strike="sngStrike" dirty="0" smtClean="0">
+                <a:solidFill>
+                  <a:schemeClr val="bg1">
+                    <a:lumMod val="75000"/>
+                  </a:schemeClr>
+                </a:solidFill>
+              </a:rPr>
+              <a:t>I hate writing secure code</a:t>
+            </a:r>
+            <a:br>
+              <a:rPr lang="en-US" sz="4800" strike="sngStrike" dirty="0" smtClean="0">
+                <a:solidFill>
+                  <a:schemeClr val="bg1">
+                    <a:lumMod val="75000"/>
+                  </a:schemeClr>
+                </a:solidFill>
+              </a:rPr>
+            </a:br>
+            <a:r>
+              <a:rPr lang="en-US" sz="4800" strike="sngStrike" dirty="0" smtClean="0">
+                <a:solidFill>
+                  <a:schemeClr val="bg1">
+                    <a:lumMod val="75000"/>
+                  </a:schemeClr>
+                </a:solidFill>
+              </a:rPr>
+              <a:t>I hate writing secure features</a:t>
+            </a:r>
+            <a:r>
+              <a:rPr lang="en-US" sz="4800" strike="sngStrike" dirty="0" smtClean="0"/>
+              <a:t/>
+            </a:r>
+            <a:br>
+              <a:rPr lang="en-US" sz="4800" strike="sngStrike" dirty="0" smtClean="0"/>
+            </a:br>
+            <a:r>
+              <a:rPr lang="en-US" sz="4800" dirty="0" smtClean="0"/>
+              <a:t>I hate implementing </a:t>
+            </a:r>
+            <a:r>
+              <a:rPr lang="en-US" sz="4800" i="1" dirty="0" smtClean="0"/>
+              <a:t>cross-cutting security concerns</a:t>
+            </a:r>
+            <a:r>
+              <a:rPr lang="en-US" sz="4800" dirty="0" smtClean="0"/>
+              <a:t> by repeating the same patterns over and over again in my feature-level code</a:t>
+            </a:r>
+            <a:endParaRPr lang="en-US" sz="4800" dirty="0"/>
+          </a:p>
+        </p:txBody>
+      </p:sp>
+    </p:spTree>
+    <p:extLst>
+      <p:ext uri="{BB962C8B-B14F-4D97-AF65-F5344CB8AC3E}">
+        <p14:creationId xmlns:p14="http://schemas.microsoft.com/office/powerpoint/2010/main" val="3846056723"/>
+      </p:ext>
+    </p:extLst>
+  </p:cSld>
+  <p:clrMapOvr>
+    <a:masterClrMapping/>
+  </p:clrMapOvr>
+  <p:timing>
+    <p:tnLst>
+      <p:par>
+        <p:cTn id="1" dur="indefinite" restart="never" nodeType="tmRoot"/>
+      </p:par>
+    </p:tnLst>
+  </p:timing>
+</p:sld>
+</file>
+
+<file path=ppt/slides/slide40.xml><?xml version="1.0" encoding="utf-8"?>
+<p:sld xmlns:a="http://schemas.openxmlformats.org/drawingml/2006/main" xmlns:r="http://schemas.openxmlformats.org/officeDocument/2006/relationships" xmlns:p="http://schemas.openxmlformats.org/presentationml/2006/main">
+  <p:cSld>
+    <p:spTree>
+      <p:nvGrpSpPr>
+        <p:cNvPr id="1" name=""/>
+        <p:cNvGrpSpPr/>
+        <p:nvPr/>
+      </p:nvGrpSpPr>
+      <p:grpSpPr>
+        <a:xfrm>
+          <a:off x="0" y="0"/>
+          <a:ext cx="0" cy="0"/>
+          <a:chOff x="0" y="0"/>
+          <a:chExt cx="0" cy="0"/>
+        </a:xfrm>
+      </p:grpSpPr>
+      <p:sp>
+        <p:nvSpPr>
+          <p:cNvPr id="2" name="Title 1"/>
+          <p:cNvSpPr>
+            <a:spLocks noGrp="1"/>
+          </p:cNvSpPr>
+          <p:nvPr>
+            <p:ph type="title"/>
+          </p:nvPr>
+        </p:nvSpPr>
+        <p:spPr/>
+        <p:txBody>
+          <a:bodyPr>
+            <a:normAutofit/>
+          </a:bodyPr>
+          <a:lstStyle/>
+          <a:p>
+            <a:r>
+              <a:rPr lang="en-US" sz="4800" dirty="0" smtClean="0"/>
+              <a:t>Authentication</a:t>
+            </a:r>
+            <a:endParaRPr lang="en-US" sz="4800" dirty="0"/>
+          </a:p>
+        </p:txBody>
+      </p:sp>
+      <p:sp>
+        <p:nvSpPr>
+          <p:cNvPr id="3" name="Content Placeholder 2"/>
+          <p:cNvSpPr>
+            <a:spLocks noGrp="1"/>
+          </p:cNvSpPr>
+          <p:nvPr>
+            <p:ph idx="1"/>
+          </p:nvPr>
+        </p:nvSpPr>
+        <p:spPr>
+          <a:xfrm>
+            <a:off x="838200" y="1825624"/>
+            <a:ext cx="10515600" cy="4589923"/>
+          </a:xfrm>
+        </p:spPr>
+        <p:txBody>
+          <a:bodyPr>
+            <a:normAutofit/>
+          </a:bodyPr>
+          <a:lstStyle/>
+          <a:p>
+            <a:endParaRPr lang="en-US" sz="4000" dirty="0" smtClean="0"/>
+          </a:p>
+          <a:p>
+            <a:endParaRPr lang="en-US" dirty="0" smtClean="0"/>
+          </a:p>
+          <a:p>
+            <a:endParaRPr lang="en-US" dirty="0" smtClean="0"/>
+          </a:p>
+          <a:p>
+            <a:endParaRPr lang="en-US" dirty="0"/>
+          </a:p>
+        </p:txBody>
+      </p:sp>
+      <p:pic>
+        <p:nvPicPr>
+          <p:cNvPr id="4" name="Picture 3"/>
+          <p:cNvPicPr>
+            <a:picLocks noChangeAspect="1"/>
+          </p:cNvPicPr>
+          <p:nvPr/>
+        </p:nvPicPr>
+        <p:blipFill>
+          <a:blip r:embed="rId3"/>
+          <a:stretch>
+            <a:fillRect/>
+          </a:stretch>
+        </p:blipFill>
+        <p:spPr>
+          <a:xfrm>
+            <a:off x="838199" y="1690688"/>
+            <a:ext cx="11363759" cy="5034577"/>
+          </a:xfrm>
+          <a:prstGeom prst="rect">
+            <a:avLst/>
+          </a:prstGeom>
+        </p:spPr>
+      </p:pic>
+    </p:spTree>
+    <p:extLst>
+      <p:ext uri="{BB962C8B-B14F-4D97-AF65-F5344CB8AC3E}">
+        <p14:creationId xmlns:p14="http://schemas.microsoft.com/office/powerpoint/2010/main" val="750296430"/>
+      </p:ext>
+    </p:extLst>
+  </p:cSld>
+  <p:clrMapOvr>
+    <a:masterClrMapping/>
+  </p:clrMapOvr>
+  <p:timing>
+    <p:tnLst>
+      <p:par>
+        <p:cTn id="1" dur="indefinite" restart="never" nodeType="tmRoot"/>
+      </p:par>
+    </p:tnLst>
+  </p:timing>
+</p:sld>
+</file>
+
+<file path=ppt/slides/slide41.xml><?xml version="1.0" encoding="utf-8"?>
+<p:sld xmlns:a="http://schemas.openxmlformats.org/drawingml/2006/main" xmlns:r="http://schemas.openxmlformats.org/officeDocument/2006/relationships" xmlns:p="http://schemas.openxmlformats.org/presentationml/2006/main">
+  <p:cSld>
+    <p:spTree>
+      <p:nvGrpSpPr>
+        <p:cNvPr id="1" name=""/>
+        <p:cNvGrpSpPr/>
+        <p:nvPr/>
+      </p:nvGrpSpPr>
+      <p:grpSpPr>
+        <a:xfrm>
+          <a:off x="0" y="0"/>
+          <a:ext cx="0" cy="0"/>
+          <a:chOff x="0" y="0"/>
+          <a:chExt cx="0" cy="0"/>
+        </a:xfrm>
+      </p:grpSpPr>
+      <p:sp>
+        <p:nvSpPr>
+          <p:cNvPr id="2" name="Title 1"/>
+          <p:cNvSpPr>
+            <a:spLocks noGrp="1"/>
+          </p:cNvSpPr>
+          <p:nvPr>
+            <p:ph type="title"/>
+          </p:nvPr>
+        </p:nvSpPr>
         <p:spPr>
           <a:xfrm>
             <a:off x="964927" y="1"/>
@@ -13860,7 +14811,7 @@
 </p:sld>
 </file>
 
-<file path=ppt/slides/slide39.xml><?xml version="1.0" encoding="utf-8"?>
+<file path=ppt/slides/slide42.xml><?xml version="1.0" encoding="utf-8"?>
 <p:sld xmlns:a="http://schemas.openxmlformats.org/drawingml/2006/main" xmlns:r="http://schemas.openxmlformats.org/officeDocument/2006/relationships" xmlns:p="http://schemas.openxmlformats.org/presentationml/2006/main">
   <p:cSld>
     <p:spTree>
@@ -13986,119 +14937,7 @@
 </p:sld>
 </file>
 
-<file path=ppt/slides/slide4.xml><?xml version="1.0" encoding="utf-8"?>
-<p:sld xmlns:a="http://schemas.openxmlformats.org/drawingml/2006/main" xmlns:r="http://schemas.openxmlformats.org/officeDocument/2006/relationships" xmlns:p="http://schemas.openxmlformats.org/presentationml/2006/main">
-  <p:cSld>
-    <p:spTree>
-      <p:nvGrpSpPr>
-        <p:cNvPr id="1" name=""/>
-        <p:cNvGrpSpPr/>
-        <p:nvPr/>
-      </p:nvGrpSpPr>
-      <p:grpSpPr>
-        <a:xfrm>
-          <a:off x="0" y="0"/>
-          <a:ext cx="0" cy="0"/>
-          <a:chOff x="0" y="0"/>
-          <a:chExt cx="0" cy="0"/>
-        </a:xfrm>
-      </p:grpSpPr>
-      <p:sp>
-        <p:nvSpPr>
-          <p:cNvPr id="2" name="Title 1"/>
-          <p:cNvSpPr>
-            <a:spLocks noGrp="1"/>
-          </p:cNvSpPr>
-          <p:nvPr>
-            <p:ph type="title"/>
-          </p:nvPr>
-        </p:nvSpPr>
-        <p:spPr>
-          <a:xfrm>
-            <a:off x="964927" y="1"/>
-            <a:ext cx="10515600" cy="6858000"/>
-          </a:xfrm>
-        </p:spPr>
-        <p:txBody>
-          <a:bodyPr anchor="ctr">
-            <a:normAutofit/>
-          </a:bodyPr>
-          <a:lstStyle/>
-          <a:p>
-            <a:pPr algn="ctr"/>
-            <a:r>
-              <a:rPr lang="en-US" sz="4800" strike="sngStrike" dirty="0" smtClean="0">
-                <a:solidFill>
-                  <a:schemeClr val="bg1">
-                    <a:lumMod val="75000"/>
-                  </a:schemeClr>
-                </a:solidFill>
-              </a:rPr>
-              <a:t>I hate writing secure code</a:t>
-            </a:r>
-            <a:br>
-              <a:rPr lang="en-US" sz="4800" strike="sngStrike" dirty="0" smtClean="0">
-                <a:solidFill>
-                  <a:schemeClr val="bg1">
-                    <a:lumMod val="75000"/>
-                  </a:schemeClr>
-                </a:solidFill>
-              </a:rPr>
-            </a:br>
-            <a:r>
-              <a:rPr lang="en-US" sz="4800" strike="sngStrike" dirty="0" smtClean="0">
-                <a:solidFill>
-                  <a:schemeClr val="bg1">
-                    <a:lumMod val="75000"/>
-                  </a:schemeClr>
-                </a:solidFill>
-              </a:rPr>
-              <a:t>I hate writing secure features</a:t>
-            </a:r>
-            <a:r>
-              <a:rPr lang="en-US" sz="4800" strike="sngStrike" dirty="0" smtClean="0"/>
-              <a:t/>
-            </a:r>
-            <a:br>
-              <a:rPr lang="en-US" sz="4800" strike="sngStrike" dirty="0" smtClean="0"/>
-            </a:br>
-            <a:r>
-              <a:rPr lang="en-US" sz="4800" dirty="0" smtClean="0"/>
-              <a:t>I hate implementing </a:t>
-            </a:r>
-            <a:r>
-              <a:rPr lang="en-US" sz="4800" i="1" dirty="0" smtClean="0"/>
-              <a:t>cross-cutting security concerns</a:t>
-            </a:r>
-            <a:r>
-              <a:rPr lang="en-US" sz="4800" dirty="0" smtClean="0"/>
-              <a:t> by repeating the same patterns over and over again in my feature-level code</a:t>
-            </a:r>
-            <a:endParaRPr lang="en-US" sz="4800" dirty="0"/>
-          </a:p>
-        </p:txBody>
-      </p:sp>
-    </p:spTree>
-    <p:extLst>
-      <p:ext uri="{BB962C8B-B14F-4D97-AF65-F5344CB8AC3E}">
-        <p14:creationId xmlns:p14="http://schemas.microsoft.com/office/powerpoint/2010/main" val="3846056723"/>
-      </p:ext>
-    </p:extLst>
-  </p:cSld>
-  <p:clrMapOvr>
-    <a:masterClrMapping/>
-  </p:clrMapOvr>
-  <p:timing>
-    <p:tnLst>
-      <p:par>
-        <p:cTn id="1" dur="indefinite" restart="never" nodeType="tmRoot"/>
-      </p:par>
-    </p:tnLst>
-  </p:timing>
-</p:sld>
-</file>
-
-<file path=ppt/slides/slide40.xml><?xml version="1.0" encoding="utf-8"?>
+<file path=ppt/slides/slide43.xml><?xml version="1.0" encoding="utf-8"?>
 <p:sld xmlns:a="http://schemas.openxmlformats.org/drawingml/2006/main" xmlns:r="http://schemas.openxmlformats.org/officeDocument/2006/relationships" xmlns:p="http://schemas.openxmlformats.org/presentationml/2006/main">
   <p:cSld>
     <p:spTree>
@@ -14224,7 +15063,7 @@
 </p:sld>
 </file>
 
-<file path=ppt/slides/slide41.xml><?xml version="1.0" encoding="utf-8"?>
+<file path=ppt/slides/slide44.xml><?xml version="1.0" encoding="utf-8"?>
 <p:sld xmlns:a="http://schemas.openxmlformats.org/drawingml/2006/main" xmlns:r="http://schemas.openxmlformats.org/officeDocument/2006/relationships" xmlns:p="http://schemas.openxmlformats.org/presentationml/2006/main">
   <p:cSld>
     <p:spTree>
@@ -14345,7 +15184,7 @@
 </p:sld>
 </file>
 
-<file path=ppt/slides/slide42.xml><?xml version="1.0" encoding="utf-8"?>
+<file path=ppt/slides/slide45.xml><?xml version="1.0" encoding="utf-8"?>
 <p:sld xmlns:a="http://schemas.openxmlformats.org/drawingml/2006/main" xmlns:r="http://schemas.openxmlformats.org/officeDocument/2006/relationships" xmlns:p="http://schemas.openxmlformats.org/presentationml/2006/main">
   <p:cSld>
     <p:spTree>
@@ -14471,7 +15310,7 @@
 </p:sld>
 </file>
 
-<file path=ppt/slides/slide43.xml><?xml version="1.0" encoding="utf-8"?>
+<file path=ppt/slides/slide46.xml><?xml version="1.0" encoding="utf-8"?>
 <p:sld xmlns:a="http://schemas.openxmlformats.org/drawingml/2006/main" xmlns:r="http://schemas.openxmlformats.org/officeDocument/2006/relationships" xmlns:p="http://schemas.openxmlformats.org/presentationml/2006/main">
   <p:cSld>
     <p:spTree>
@@ -14597,7 +15436,7 @@
 </p:sld>
 </file>
 
-<file path=ppt/slides/slide44.xml><?xml version="1.0" encoding="utf-8"?>
+<file path=ppt/slides/slide47.xml><?xml version="1.0" encoding="utf-8"?>
 <p:sld xmlns:a="http://schemas.openxmlformats.org/drawingml/2006/main" xmlns:r="http://schemas.openxmlformats.org/officeDocument/2006/relationships" xmlns:p="http://schemas.openxmlformats.org/presentationml/2006/main">
   <p:cSld>
     <p:spTree>
@@ -14723,7 +15562,7 @@
 </p:sld>
 </file>
 
-<file path=ppt/slides/slide45.xml><?xml version="1.0" encoding="utf-8"?>
+<file path=ppt/slides/slide48.xml><?xml version="1.0" encoding="utf-8"?>
 <p:sld xmlns:a="http://schemas.openxmlformats.org/drawingml/2006/main" xmlns:r="http://schemas.openxmlformats.org/officeDocument/2006/relationships" xmlns:p="http://schemas.openxmlformats.org/presentationml/2006/main">
   <p:cSld>
     <p:spTree>
@@ -14844,7 +15683,7 @@
 </p:sld>
 </file>
 
-<file path=ppt/slides/slide46.xml><?xml version="1.0" encoding="utf-8"?>
+<file path=ppt/slides/slide49.xml><?xml version="1.0" encoding="utf-8"?>
 <p:sld xmlns:a="http://schemas.openxmlformats.org/drawingml/2006/main" xmlns:r="http://schemas.openxmlformats.org/officeDocument/2006/relationships" xmlns:p="http://schemas.openxmlformats.org/presentationml/2006/main">
   <p:cSld>
     <p:spTree>
@@ -14934,7 +15773,123 @@
 </p:sld>
 </file>
 
-<file path=ppt/slides/slide47.xml><?xml version="1.0" encoding="utf-8"?>
+<file path=ppt/slides/slide5.xml><?xml version="1.0" encoding="utf-8"?>
+<p:sld xmlns:a="http://schemas.openxmlformats.org/drawingml/2006/main" xmlns:r="http://schemas.openxmlformats.org/officeDocument/2006/relationships" xmlns:p="http://schemas.openxmlformats.org/presentationml/2006/main">
+  <p:cSld>
+    <p:spTree>
+      <p:nvGrpSpPr>
+        <p:cNvPr id="1" name=""/>
+        <p:cNvGrpSpPr/>
+        <p:nvPr/>
+      </p:nvGrpSpPr>
+      <p:grpSpPr>
+        <a:xfrm>
+          <a:off x="0" y="0"/>
+          <a:ext cx="0" cy="0"/>
+          <a:chOff x="0" y="0"/>
+          <a:chExt cx="0" cy="0"/>
+        </a:xfrm>
+      </p:grpSpPr>
+      <p:sp>
+        <p:nvSpPr>
+          <p:cNvPr id="2" name="Title 1"/>
+          <p:cNvSpPr>
+            <a:spLocks noGrp="1"/>
+          </p:cNvSpPr>
+          <p:nvPr>
+            <p:ph type="title"/>
+          </p:nvPr>
+        </p:nvSpPr>
+        <p:spPr/>
+        <p:txBody>
+          <a:bodyPr>
+            <a:normAutofit/>
+          </a:bodyPr>
+          <a:lstStyle/>
+          <a:p>
+            <a:r>
+              <a:rPr lang="en-US" sz="4800" dirty="0" smtClean="0"/>
+              <a:t>What's on </a:t>
+            </a:r>
+            <a:r>
+              <a:rPr lang="en-US" sz="4800" smtClean="0"/>
+              <a:t>the agenda?</a:t>
+            </a:r>
+            <a:endParaRPr lang="en-US" sz="4800" dirty="0"/>
+          </a:p>
+        </p:txBody>
+      </p:sp>
+      <p:sp>
+        <p:nvSpPr>
+          <p:cNvPr id="3" name="Content Placeholder 2"/>
+          <p:cNvSpPr>
+            <a:spLocks noGrp="1"/>
+          </p:cNvSpPr>
+          <p:nvPr>
+            <p:ph idx="1"/>
+          </p:nvPr>
+        </p:nvSpPr>
+        <p:spPr>
+          <a:xfrm>
+            <a:off x="838200" y="1825624"/>
+            <a:ext cx="10515600" cy="4899641"/>
+          </a:xfrm>
+        </p:spPr>
+        <p:txBody>
+          <a:bodyPr>
+            <a:normAutofit/>
+          </a:bodyPr>
+          <a:lstStyle/>
+          <a:p>
+            <a:r>
+              <a:rPr lang="en-US" sz="4000" dirty="0" smtClean="0"/>
+              <a:t>Define "cross cutting" security concerns</a:t>
+            </a:r>
+          </a:p>
+          <a:p>
+            <a:endParaRPr lang="en-US" sz="4000" dirty="0"/>
+          </a:p>
+          <a:p>
+            <a:endParaRPr lang="en-US" sz="4000" dirty="0"/>
+          </a:p>
+          <a:p>
+            <a:endParaRPr lang="en-US" sz="4000" dirty="0" smtClean="0"/>
+          </a:p>
+          <a:p>
+            <a:endParaRPr lang="en-US" sz="4000" dirty="0" smtClean="0"/>
+          </a:p>
+          <a:p>
+            <a:endParaRPr lang="en-US" dirty="0" smtClean="0"/>
+          </a:p>
+          <a:p>
+            <a:endParaRPr lang="en-US" dirty="0" smtClean="0"/>
+          </a:p>
+          <a:p>
+            <a:endParaRPr lang="en-US" dirty="0"/>
+          </a:p>
+        </p:txBody>
+      </p:sp>
+    </p:spTree>
+    <p:extLst>
+      <p:ext uri="{BB962C8B-B14F-4D97-AF65-F5344CB8AC3E}">
+        <p14:creationId xmlns:p14="http://schemas.microsoft.com/office/powerpoint/2010/main" val="2651230507"/>
+      </p:ext>
+    </p:extLst>
+  </p:cSld>
+  <p:clrMapOvr>
+    <a:masterClrMapping/>
+  </p:clrMapOvr>
+  <p:timing>
+    <p:tnLst>
+      <p:par>
+        <p:cTn id="1" dur="indefinite" restart="never" nodeType="tmRoot"/>
+      </p:par>
+    </p:tnLst>
+  </p:timing>
+</p:sld>
+</file>
+
+<file path=ppt/slides/slide50.xml><?xml version="1.0" encoding="utf-8"?>
 <p:sld xmlns:a="http://schemas.openxmlformats.org/drawingml/2006/main" xmlns:r="http://schemas.openxmlformats.org/officeDocument/2006/relationships" xmlns:p="http://schemas.openxmlformats.org/presentationml/2006/main">
   <p:cSld>
     <p:spTree>
@@ -15054,7 +16009,7 @@
 </p:sld>
 </file>
 
-<file path=ppt/slides/slide48.xml><?xml version="1.0" encoding="utf-8"?>
+<file path=ppt/slides/slide51.xml><?xml version="1.0" encoding="utf-8"?>
 <p:sld xmlns:a="http://schemas.openxmlformats.org/drawingml/2006/main" xmlns:r="http://schemas.openxmlformats.org/officeDocument/2006/relationships" xmlns:p="http://schemas.openxmlformats.org/presentationml/2006/main">
   <p:cSld>
     <p:spTree>
@@ -15179,7 +16134,7 @@
 </p:sld>
 </file>
 
-<file path=ppt/slides/slide49.xml><?xml version="1.0" encoding="utf-8"?>
+<file path=ppt/slides/slide52.xml><?xml version="1.0" encoding="utf-8"?>
 <p:sld xmlns:a="http://schemas.openxmlformats.org/drawingml/2006/main" xmlns:r="http://schemas.openxmlformats.org/officeDocument/2006/relationships" xmlns:p="http://schemas.openxmlformats.org/presentationml/2006/main">
   <p:cSld>
     <p:spTree>
@@ -15275,123 +16230,7 @@
 </p:sld>
 </file>
 
-<file path=ppt/slides/slide5.xml><?xml version="1.0" encoding="utf-8"?>
-<p:sld xmlns:a="http://schemas.openxmlformats.org/drawingml/2006/main" xmlns:r="http://schemas.openxmlformats.org/officeDocument/2006/relationships" xmlns:p="http://schemas.openxmlformats.org/presentationml/2006/main">
-  <p:cSld>
-    <p:spTree>
-      <p:nvGrpSpPr>
-        <p:cNvPr id="1" name=""/>
-        <p:cNvGrpSpPr/>
-        <p:nvPr/>
-      </p:nvGrpSpPr>
-      <p:grpSpPr>
-        <a:xfrm>
-          <a:off x="0" y="0"/>
-          <a:ext cx="0" cy="0"/>
-          <a:chOff x="0" y="0"/>
-          <a:chExt cx="0" cy="0"/>
-        </a:xfrm>
-      </p:grpSpPr>
-      <p:sp>
-        <p:nvSpPr>
-          <p:cNvPr id="2" name="Title 1"/>
-          <p:cNvSpPr>
-            <a:spLocks noGrp="1"/>
-          </p:cNvSpPr>
-          <p:nvPr>
-            <p:ph type="title"/>
-          </p:nvPr>
-        </p:nvSpPr>
-        <p:spPr/>
-        <p:txBody>
-          <a:bodyPr>
-            <a:normAutofit/>
-          </a:bodyPr>
-          <a:lstStyle/>
-          <a:p>
-            <a:r>
-              <a:rPr lang="en-US" sz="4800" dirty="0" smtClean="0"/>
-              <a:t>What's on </a:t>
-            </a:r>
-            <a:r>
-              <a:rPr lang="en-US" sz="4800" smtClean="0"/>
-              <a:t>the agenda?</a:t>
-            </a:r>
-            <a:endParaRPr lang="en-US" sz="4800" dirty="0"/>
-          </a:p>
-        </p:txBody>
-      </p:sp>
-      <p:sp>
-        <p:nvSpPr>
-          <p:cNvPr id="3" name="Content Placeholder 2"/>
-          <p:cNvSpPr>
-            <a:spLocks noGrp="1"/>
-          </p:cNvSpPr>
-          <p:nvPr>
-            <p:ph idx="1"/>
-          </p:nvPr>
-        </p:nvSpPr>
-        <p:spPr>
-          <a:xfrm>
-            <a:off x="838200" y="1825624"/>
-            <a:ext cx="10515600" cy="4899641"/>
-          </a:xfrm>
-        </p:spPr>
-        <p:txBody>
-          <a:bodyPr>
-            <a:normAutofit/>
-          </a:bodyPr>
-          <a:lstStyle/>
-          <a:p>
-            <a:r>
-              <a:rPr lang="en-US" sz="4000" dirty="0" smtClean="0"/>
-              <a:t>Define "cross cutting" security concerns</a:t>
-            </a:r>
-          </a:p>
-          <a:p>
-            <a:endParaRPr lang="en-US" sz="4000" dirty="0"/>
-          </a:p>
-          <a:p>
-            <a:endParaRPr lang="en-US" sz="4000" dirty="0"/>
-          </a:p>
-          <a:p>
-            <a:endParaRPr lang="en-US" sz="4000" dirty="0" smtClean="0"/>
-          </a:p>
-          <a:p>
-            <a:endParaRPr lang="en-US" sz="4000" dirty="0" smtClean="0"/>
-          </a:p>
-          <a:p>
-            <a:endParaRPr lang="en-US" dirty="0" smtClean="0"/>
-          </a:p>
-          <a:p>
-            <a:endParaRPr lang="en-US" dirty="0" smtClean="0"/>
-          </a:p>
-          <a:p>
-            <a:endParaRPr lang="en-US" dirty="0"/>
-          </a:p>
-        </p:txBody>
-      </p:sp>
-    </p:spTree>
-    <p:extLst>
-      <p:ext uri="{BB962C8B-B14F-4D97-AF65-F5344CB8AC3E}">
-        <p14:creationId xmlns:p14="http://schemas.microsoft.com/office/powerpoint/2010/main" val="2651230507"/>
-      </p:ext>
-    </p:extLst>
-  </p:cSld>
-  <p:clrMapOvr>
-    <a:masterClrMapping/>
-  </p:clrMapOvr>
-  <p:timing>
-    <p:tnLst>
-      <p:par>
-        <p:cTn id="1" dur="indefinite" restart="never" nodeType="tmRoot"/>
-      </p:par>
-    </p:tnLst>
-  </p:timing>
-</p:sld>
-</file>
-
-<file path=ppt/slides/slide50.xml><?xml version="1.0" encoding="utf-8"?>
+<file path=ppt/slides/slide53.xml><?xml version="1.0" encoding="utf-8"?>
 <p:sld xmlns:a="http://schemas.openxmlformats.org/drawingml/2006/main" xmlns:r="http://schemas.openxmlformats.org/officeDocument/2006/relationships" xmlns:p="http://schemas.openxmlformats.org/presentationml/2006/main">
   <p:cSld>
     <p:spTree>
@@ -15481,7 +16320,7 @@
 </p:sld>
 </file>
 
-<file path=ppt/slides/slide51.xml><?xml version="1.0" encoding="utf-8"?>
+<file path=ppt/slides/slide54.xml><?xml version="1.0" encoding="utf-8"?>
 <p:sld xmlns:a="http://schemas.openxmlformats.org/drawingml/2006/main" xmlns:r="http://schemas.openxmlformats.org/officeDocument/2006/relationships" xmlns:p="http://schemas.openxmlformats.org/presentationml/2006/main">
   <p:cSld>
     <p:spTree>
@@ -15605,7 +16444,7 @@
 </p:sld>
 </file>
 
-<file path=ppt/slides/slide52.xml><?xml version="1.0" encoding="utf-8"?>
+<file path=ppt/slides/slide55.xml><?xml version="1.0" encoding="utf-8"?>
 <p:sld xmlns:a="http://schemas.openxmlformats.org/drawingml/2006/main" xmlns:r="http://schemas.openxmlformats.org/officeDocument/2006/relationships" xmlns:p="http://schemas.openxmlformats.org/presentationml/2006/main">
   <p:cSld>
     <p:spTree>
@@ -15730,7 +16569,7 @@
 </p:sld>
 </file>
 
-<file path=ppt/slides/slide53.xml><?xml version="1.0" encoding="utf-8"?>
+<file path=ppt/slides/slide56.xml><?xml version="1.0" encoding="utf-8"?>
 <p:sld xmlns:a="http://schemas.openxmlformats.org/drawingml/2006/main" xmlns:r="http://schemas.openxmlformats.org/officeDocument/2006/relationships" xmlns:p="http://schemas.openxmlformats.org/presentationml/2006/main">
   <p:cSld>
     <p:spTree>
@@ -15823,7 +16662,7 @@
 </p:sld>
 </file>
 
-<file path=ppt/slides/slide54.xml><?xml version="1.0" encoding="utf-8"?>
+<file path=ppt/slides/slide57.xml><?xml version="1.0" encoding="utf-8"?>
 <p:sld xmlns:a="http://schemas.openxmlformats.org/drawingml/2006/main" xmlns:r="http://schemas.openxmlformats.org/officeDocument/2006/relationships" xmlns:p="http://schemas.openxmlformats.org/presentationml/2006/main">
   <p:cSld>
     <p:spTree>
@@ -15948,7 +16787,7 @@
 </p:sld>
 </file>
 
-<file path=ppt/slides/slide55.xml><?xml version="1.0" encoding="utf-8"?>
+<file path=ppt/slides/slide58.xml><?xml version="1.0" encoding="utf-8"?>
 <p:sld xmlns:a="http://schemas.openxmlformats.org/drawingml/2006/main" xmlns:r="http://schemas.openxmlformats.org/officeDocument/2006/relationships" xmlns:p="http://schemas.openxmlformats.org/presentationml/2006/main">
   <p:cSld>
     <p:spTree>
@@ -16081,7 +16920,7 @@
 </p:sld>
 </file>
 
-<file path=ppt/slides/slide56.xml><?xml version="1.0" encoding="utf-8"?>
+<file path=ppt/slides/slide59.xml><?xml version="1.0" encoding="utf-8"?>
 <p:sld xmlns:a="http://schemas.openxmlformats.org/drawingml/2006/main" xmlns:r="http://schemas.openxmlformats.org/officeDocument/2006/relationships" xmlns:p="http://schemas.openxmlformats.org/presentationml/2006/main">
   <p:cSld>
     <p:spTree>
@@ -16187,7 +17026,141 @@
 </p:sld>
 </file>
 
-<file path=ppt/slides/slide57.xml><?xml version="1.0" encoding="utf-8"?>
+<file path=ppt/slides/slide6.xml><?xml version="1.0" encoding="utf-8"?>
+<p:sld xmlns:a="http://schemas.openxmlformats.org/drawingml/2006/main" xmlns:r="http://schemas.openxmlformats.org/officeDocument/2006/relationships" xmlns:p="http://schemas.openxmlformats.org/presentationml/2006/main">
+  <p:cSld>
+    <p:spTree>
+      <p:nvGrpSpPr>
+        <p:cNvPr id="1" name=""/>
+        <p:cNvGrpSpPr/>
+        <p:nvPr/>
+      </p:nvGrpSpPr>
+      <p:grpSpPr>
+        <a:xfrm>
+          <a:off x="0" y="0"/>
+          <a:ext cx="0" cy="0"/>
+          <a:chOff x="0" y="0"/>
+          <a:chExt cx="0" cy="0"/>
+        </a:xfrm>
+      </p:grpSpPr>
+      <p:sp>
+        <p:nvSpPr>
+          <p:cNvPr id="2" name="Title 1"/>
+          <p:cNvSpPr>
+            <a:spLocks noGrp="1"/>
+          </p:cNvSpPr>
+          <p:nvPr>
+            <p:ph type="title"/>
+          </p:nvPr>
+        </p:nvSpPr>
+        <p:spPr/>
+        <p:txBody>
+          <a:bodyPr>
+            <a:normAutofit/>
+          </a:bodyPr>
+          <a:lstStyle/>
+          <a:p>
+            <a:r>
+              <a:rPr lang="en-US" sz="4800" dirty="0" smtClean="0"/>
+              <a:t>What's on </a:t>
+            </a:r>
+            <a:r>
+              <a:rPr lang="en-US" sz="4800" smtClean="0"/>
+              <a:t>the agenda?</a:t>
+            </a:r>
+            <a:endParaRPr lang="en-US" sz="4800" dirty="0"/>
+          </a:p>
+        </p:txBody>
+      </p:sp>
+      <p:sp>
+        <p:nvSpPr>
+          <p:cNvPr id="3" name="Content Placeholder 2"/>
+          <p:cNvSpPr>
+            <a:spLocks noGrp="1"/>
+          </p:cNvSpPr>
+          <p:nvPr>
+            <p:ph idx="1"/>
+          </p:nvPr>
+        </p:nvSpPr>
+        <p:spPr>
+          <a:xfrm>
+            <a:off x="838200" y="1825624"/>
+            <a:ext cx="10515600" cy="4899641"/>
+          </a:xfrm>
+        </p:spPr>
+        <p:txBody>
+          <a:bodyPr>
+            <a:normAutofit/>
+          </a:bodyPr>
+          <a:lstStyle/>
+          <a:p>
+            <a:r>
+              <a:rPr lang="en-US" sz="4000" dirty="0" smtClean="0">
+                <a:solidFill>
+                  <a:schemeClr val="bg1">
+                    <a:lumMod val="65000"/>
+                  </a:schemeClr>
+                </a:solidFill>
+              </a:rPr>
+              <a:t>Define "cross cutting" security concerns</a:t>
+            </a:r>
+          </a:p>
+          <a:p>
+            <a:endParaRPr lang="en-US" sz="4000" dirty="0"/>
+          </a:p>
+          <a:p>
+            <a:r>
+              <a:rPr lang="en-US" sz="4000" dirty="0" smtClean="0"/>
+              <a:t>"Secure by default" examples</a:t>
+            </a:r>
+          </a:p>
+          <a:p>
+            <a:endParaRPr lang="en-US" sz="4000" dirty="0"/>
+          </a:p>
+          <a:p>
+            <a:endParaRPr lang="en-US" sz="4000" dirty="0" smtClean="0"/>
+          </a:p>
+          <a:p>
+            <a:endParaRPr lang="en-US" sz="4000" dirty="0"/>
+          </a:p>
+          <a:p>
+            <a:endParaRPr lang="en-US" sz="4000" dirty="0" smtClean="0"/>
+          </a:p>
+          <a:p>
+            <a:endParaRPr lang="en-US" sz="4000" dirty="0" smtClean="0"/>
+          </a:p>
+          <a:p>
+            <a:endParaRPr lang="en-US" dirty="0" smtClean="0"/>
+          </a:p>
+          <a:p>
+            <a:endParaRPr lang="en-US" dirty="0" smtClean="0"/>
+          </a:p>
+          <a:p>
+            <a:endParaRPr lang="en-US" dirty="0"/>
+          </a:p>
+        </p:txBody>
+      </p:sp>
+    </p:spTree>
+    <p:extLst>
+      <p:ext uri="{BB962C8B-B14F-4D97-AF65-F5344CB8AC3E}">
+        <p14:creationId xmlns:p14="http://schemas.microsoft.com/office/powerpoint/2010/main" val="902317821"/>
+      </p:ext>
+    </p:extLst>
+  </p:cSld>
+  <p:clrMapOvr>
+    <a:masterClrMapping/>
+  </p:clrMapOvr>
+  <p:timing>
+    <p:tnLst>
+      <p:par>
+        <p:cTn id="1" dur="indefinite" restart="never" nodeType="tmRoot"/>
+      </p:par>
+    </p:tnLst>
+  </p:timing>
+</p:sld>
+</file>
+
+<file path=ppt/slides/slide60.xml><?xml version="1.0" encoding="utf-8"?>
 <p:sld xmlns:a="http://schemas.openxmlformats.org/drawingml/2006/main" xmlns:r="http://schemas.openxmlformats.org/officeDocument/2006/relationships" xmlns:p="http://schemas.openxmlformats.org/presentationml/2006/main">
   <p:cSld>
     <p:spTree>
@@ -16308,7 +17281,7 @@
 </p:sld>
 </file>
 
-<file path=ppt/slides/slide58.xml><?xml version="1.0" encoding="utf-8"?>
+<file path=ppt/slides/slide61.xml><?xml version="1.0" encoding="utf-8"?>
 <p:sld xmlns:a="http://schemas.openxmlformats.org/drawingml/2006/main" xmlns:r="http://schemas.openxmlformats.org/officeDocument/2006/relationships" xmlns:p="http://schemas.openxmlformats.org/presentationml/2006/main">
   <p:cSld>
     <p:spTree>
@@ -16428,7 +17401,7 @@
 </p:sld>
 </file>
 
-<file path=ppt/slides/slide59.xml><?xml version="1.0" encoding="utf-8"?>
+<file path=ppt/slides/slide62.xml><?xml version="1.0" encoding="utf-8"?>
 <p:sld xmlns:a="http://schemas.openxmlformats.org/drawingml/2006/main" xmlns:r="http://schemas.openxmlformats.org/officeDocument/2006/relationships" xmlns:p="http://schemas.openxmlformats.org/presentationml/2006/main">
   <p:cSld>
     <p:spTree>
@@ -16548,141 +17521,7 @@
 </p:sld>
 </file>
 
-<file path=ppt/slides/slide6.xml><?xml version="1.0" encoding="utf-8"?>
-<p:sld xmlns:a="http://schemas.openxmlformats.org/drawingml/2006/main" xmlns:r="http://schemas.openxmlformats.org/officeDocument/2006/relationships" xmlns:p="http://schemas.openxmlformats.org/presentationml/2006/main">
-  <p:cSld>
-    <p:spTree>
-      <p:nvGrpSpPr>
-        <p:cNvPr id="1" name=""/>
-        <p:cNvGrpSpPr/>
-        <p:nvPr/>
-      </p:nvGrpSpPr>
-      <p:grpSpPr>
-        <a:xfrm>
-          <a:off x="0" y="0"/>
-          <a:ext cx="0" cy="0"/>
-          <a:chOff x="0" y="0"/>
-          <a:chExt cx="0" cy="0"/>
-        </a:xfrm>
-      </p:grpSpPr>
-      <p:sp>
-        <p:nvSpPr>
-          <p:cNvPr id="2" name="Title 1"/>
-          <p:cNvSpPr>
-            <a:spLocks noGrp="1"/>
-          </p:cNvSpPr>
-          <p:nvPr>
-            <p:ph type="title"/>
-          </p:nvPr>
-        </p:nvSpPr>
-        <p:spPr/>
-        <p:txBody>
-          <a:bodyPr>
-            <a:normAutofit/>
-          </a:bodyPr>
-          <a:lstStyle/>
-          <a:p>
-            <a:r>
-              <a:rPr lang="en-US" sz="4800" dirty="0" smtClean="0"/>
-              <a:t>What's on </a:t>
-            </a:r>
-            <a:r>
-              <a:rPr lang="en-US" sz="4800" smtClean="0"/>
-              <a:t>the agenda?</a:t>
-            </a:r>
-            <a:endParaRPr lang="en-US" sz="4800" dirty="0"/>
-          </a:p>
-        </p:txBody>
-      </p:sp>
-      <p:sp>
-        <p:nvSpPr>
-          <p:cNvPr id="3" name="Content Placeholder 2"/>
-          <p:cNvSpPr>
-            <a:spLocks noGrp="1"/>
-          </p:cNvSpPr>
-          <p:nvPr>
-            <p:ph idx="1"/>
-          </p:nvPr>
-        </p:nvSpPr>
-        <p:spPr>
-          <a:xfrm>
-            <a:off x="838200" y="1825624"/>
-            <a:ext cx="10515600" cy="4899641"/>
-          </a:xfrm>
-        </p:spPr>
-        <p:txBody>
-          <a:bodyPr>
-            <a:normAutofit/>
-          </a:bodyPr>
-          <a:lstStyle/>
-          <a:p>
-            <a:r>
-              <a:rPr lang="en-US" sz="4000" dirty="0" smtClean="0">
-                <a:solidFill>
-                  <a:schemeClr val="bg1">
-                    <a:lumMod val="65000"/>
-                  </a:schemeClr>
-                </a:solidFill>
-              </a:rPr>
-              <a:t>Define "cross cutting" security concerns</a:t>
-            </a:r>
-          </a:p>
-          <a:p>
-            <a:endParaRPr lang="en-US" sz="4000" dirty="0"/>
-          </a:p>
-          <a:p>
-            <a:r>
-              <a:rPr lang="en-US" sz="4000" dirty="0" smtClean="0"/>
-              <a:t>"Secure by default" examples</a:t>
-            </a:r>
-          </a:p>
-          <a:p>
-            <a:endParaRPr lang="en-US" sz="4000" dirty="0"/>
-          </a:p>
-          <a:p>
-            <a:endParaRPr lang="en-US" sz="4000" dirty="0" smtClean="0"/>
-          </a:p>
-          <a:p>
-            <a:endParaRPr lang="en-US" sz="4000" dirty="0"/>
-          </a:p>
-          <a:p>
-            <a:endParaRPr lang="en-US" sz="4000" dirty="0" smtClean="0"/>
-          </a:p>
-          <a:p>
-            <a:endParaRPr lang="en-US" sz="4000" dirty="0" smtClean="0"/>
-          </a:p>
-          <a:p>
-            <a:endParaRPr lang="en-US" dirty="0" smtClean="0"/>
-          </a:p>
-          <a:p>
-            <a:endParaRPr lang="en-US" dirty="0" smtClean="0"/>
-          </a:p>
-          <a:p>
-            <a:endParaRPr lang="en-US" dirty="0"/>
-          </a:p>
-        </p:txBody>
-      </p:sp>
-    </p:spTree>
-    <p:extLst>
-      <p:ext uri="{BB962C8B-B14F-4D97-AF65-F5344CB8AC3E}">
-        <p14:creationId xmlns:p14="http://schemas.microsoft.com/office/powerpoint/2010/main" val="902317821"/>
-      </p:ext>
-    </p:extLst>
-  </p:cSld>
-  <p:clrMapOvr>
-    <a:masterClrMapping/>
-  </p:clrMapOvr>
-  <p:timing>
-    <p:tnLst>
-      <p:par>
-        <p:cTn id="1" dur="indefinite" restart="never" nodeType="tmRoot"/>
-      </p:par>
-    </p:tnLst>
-  </p:timing>
-</p:sld>
-</file>
-
-<file path=ppt/slides/slide60.xml><?xml version="1.0" encoding="utf-8"?>
+<file path=ppt/slides/slide63.xml><?xml version="1.0" encoding="utf-8"?>
 <p:sld xmlns:a="http://schemas.openxmlformats.org/drawingml/2006/main" xmlns:r="http://schemas.openxmlformats.org/officeDocument/2006/relationships" xmlns:p="http://schemas.openxmlformats.org/presentationml/2006/main">
   <p:cSld>
     <p:spTree>
@@ -16802,7 +17641,7 @@
 </p:sld>
 </file>
 
-<file path=ppt/slides/slide61.xml><?xml version="1.0" encoding="utf-8"?>
+<file path=ppt/slides/slide64.xml><?xml version="1.0" encoding="utf-8"?>
 <p:sld xmlns:a="http://schemas.openxmlformats.org/drawingml/2006/main" xmlns:r="http://schemas.openxmlformats.org/officeDocument/2006/relationships" xmlns:p="http://schemas.openxmlformats.org/presentationml/2006/main">
   <p:cSld>
     <p:spTree>
@@ -16922,7 +17761,7 @@
 </p:sld>
 </file>
 
-<file path=ppt/slides/slide62.xml><?xml version="1.0" encoding="utf-8"?>
+<file path=ppt/slides/slide65.xml><?xml version="1.0" encoding="utf-8"?>
 <p:sld xmlns:a="http://schemas.openxmlformats.org/drawingml/2006/main" xmlns:r="http://schemas.openxmlformats.org/officeDocument/2006/relationships" xmlns:p="http://schemas.openxmlformats.org/presentationml/2006/main">
   <p:cSld>
     <p:spTree>
@@ -17064,7 +17903,7 @@
 </p:sld>
 </file>
 
-<file path=ppt/slides/slide63.xml><?xml version="1.0" encoding="utf-8"?>
+<file path=ppt/slides/slide66.xml><?xml version="1.0" encoding="utf-8"?>
 <p:sld xmlns:a="http://schemas.openxmlformats.org/drawingml/2006/main" xmlns:r="http://schemas.openxmlformats.org/officeDocument/2006/relationships" xmlns:p="http://schemas.openxmlformats.org/presentationml/2006/main">
   <p:cSld>
     <p:spTree>
@@ -17185,7 +18024,7 @@
 </p:sld>
 </file>
 
-<file path=ppt/slides/slide64.xml><?xml version="1.0" encoding="utf-8"?>
+<file path=ppt/slides/slide67.xml><?xml version="1.0" encoding="utf-8"?>
 <p:sld xmlns:a="http://schemas.openxmlformats.org/drawingml/2006/main" xmlns:r="http://schemas.openxmlformats.org/officeDocument/2006/relationships" xmlns:p="http://schemas.openxmlformats.org/presentationml/2006/main">
   <p:cSld>
     <p:spTree>
@@ -17306,7 +18145,7 @@
 </p:sld>
 </file>
 
-<file path=ppt/slides/slide65.xml><?xml version="1.0" encoding="utf-8"?>
+<file path=ppt/slides/slide68.xml><?xml version="1.0" encoding="utf-8"?>
 <p:sld xmlns:a="http://schemas.openxmlformats.org/drawingml/2006/main" xmlns:r="http://schemas.openxmlformats.org/officeDocument/2006/relationships" xmlns:p="http://schemas.openxmlformats.org/presentationml/2006/main">
   <p:cSld>
     <p:spTree>
@@ -17342,11 +18181,7 @@
           <a:p>
             <a:r>
               <a:rPr lang="en-US" sz="4800" dirty="0" smtClean="0"/>
-              <a:t>Approval Tests – Step </a:t>
-            </a:r>
-            <a:r>
-              <a:rPr lang="en-US" sz="4800" dirty="0" smtClean="0"/>
-              <a:t>3</a:t>
+              <a:t>Approval Tests – Step 3</a:t>
             </a:r>
             <a:endParaRPr lang="en-US" sz="4800" dirty="0"/>
           </a:p>
@@ -17431,7 +18266,7 @@
 </p:sld>
 </file>
 
-<file path=ppt/slides/slide66.xml><?xml version="1.0" encoding="utf-8"?>
+<file path=ppt/slides/slide69.xml><?xml version="1.0" encoding="utf-8"?>
 <p:sld xmlns:a="http://schemas.openxmlformats.org/drawingml/2006/main" xmlns:r="http://schemas.openxmlformats.org/officeDocument/2006/relationships" xmlns:p="http://schemas.openxmlformats.org/presentationml/2006/main">
   <p:cSld>
     <p:spTree>
@@ -17473,7 +18308,6 @@
               <a:rPr lang="en-US" sz="4800" dirty="0"/>
               <a:t>4</a:t>
             </a:r>
-            <a:endParaRPr lang="en-US" sz="4800" dirty="0"/>
           </a:p>
         </p:txBody>
       </p:sp>
@@ -17556,7 +18390,7 @@
 </p:sld>
 </file>
 
-<file path=ppt/slides/slide67.xml><?xml version="1.0" encoding="utf-8"?>
+<file path=ppt/slides/slide7.xml><?xml version="1.0" encoding="utf-8"?>
 <p:sld xmlns:a="http://schemas.openxmlformats.org/drawingml/2006/main" xmlns:r="http://schemas.openxmlformats.org/officeDocument/2006/relationships" xmlns:p="http://schemas.openxmlformats.org/presentationml/2006/main">
   <p:cSld>
     <p:spTree>
@@ -17592,7 +18426,11 @@
           <a:p>
             <a:r>
               <a:rPr lang="en-US" sz="4800" dirty="0" smtClean="0"/>
-              <a:t>What makes auditing easier?</a:t>
+              <a:t>What's on </a:t>
+            </a:r>
+            <a:r>
+              <a:rPr lang="en-US" sz="4800" smtClean="0"/>
+              <a:t>the agenda?</a:t>
             </a:r>
             <a:endParaRPr lang="en-US" sz="4800" dirty="0"/>
           </a:p>
@@ -17621,6 +18459,154 @@
           <a:lstStyle/>
           <a:p>
             <a:r>
+              <a:rPr lang="en-US" sz="4000" dirty="0" smtClean="0">
+                <a:solidFill>
+                  <a:schemeClr val="bg1">
+                    <a:lumMod val="65000"/>
+                  </a:schemeClr>
+                </a:solidFill>
+              </a:rPr>
+              <a:t>Define "cross cutting" security concerns</a:t>
+            </a:r>
+          </a:p>
+          <a:p>
+            <a:endParaRPr lang="en-US" sz="4000" dirty="0">
+              <a:solidFill>
+                <a:schemeClr val="bg1">
+                  <a:lumMod val="65000"/>
+                </a:schemeClr>
+              </a:solidFill>
+            </a:endParaRPr>
+          </a:p>
+          <a:p>
+            <a:r>
+              <a:rPr lang="en-US" sz="4000" dirty="0" smtClean="0">
+                <a:solidFill>
+                  <a:schemeClr val="bg1">
+                    <a:lumMod val="65000"/>
+                  </a:schemeClr>
+                </a:solidFill>
+              </a:rPr>
+              <a:t>"Secure by default" examples</a:t>
+            </a:r>
+          </a:p>
+          <a:p>
+            <a:endParaRPr lang="en-US" sz="4000" dirty="0"/>
+          </a:p>
+          <a:p>
+            <a:r>
+              <a:rPr lang="en-US" sz="4000" dirty="0" smtClean="0"/>
+              <a:t>Declarative vs Imperative security</a:t>
+            </a:r>
+          </a:p>
+          <a:p>
+            <a:endParaRPr lang="en-US" sz="4000" dirty="0"/>
+          </a:p>
+          <a:p>
+            <a:endParaRPr lang="en-US" sz="4000" dirty="0"/>
+          </a:p>
+          <a:p>
+            <a:endParaRPr lang="en-US" sz="4000" dirty="0" smtClean="0"/>
+          </a:p>
+          <a:p>
+            <a:endParaRPr lang="en-US" sz="4000" dirty="0" smtClean="0"/>
+          </a:p>
+          <a:p>
+            <a:endParaRPr lang="en-US" dirty="0" smtClean="0"/>
+          </a:p>
+          <a:p>
+            <a:endParaRPr lang="en-US" dirty="0" smtClean="0"/>
+          </a:p>
+          <a:p>
+            <a:endParaRPr lang="en-US" dirty="0"/>
+          </a:p>
+        </p:txBody>
+      </p:sp>
+    </p:spTree>
+    <p:extLst>
+      <p:ext uri="{BB962C8B-B14F-4D97-AF65-F5344CB8AC3E}">
+        <p14:creationId xmlns:p14="http://schemas.microsoft.com/office/powerpoint/2010/main" val="1001694156"/>
+      </p:ext>
+    </p:extLst>
+  </p:cSld>
+  <p:clrMapOvr>
+    <a:masterClrMapping/>
+  </p:clrMapOvr>
+  <p:timing>
+    <p:tnLst>
+      <p:par>
+        <p:cTn id="1" dur="indefinite" restart="never" nodeType="tmRoot"/>
+      </p:par>
+    </p:tnLst>
+  </p:timing>
+</p:sld>
+</file>
+
+<file path=ppt/slides/slide70.xml><?xml version="1.0" encoding="utf-8"?>
+<p:sld xmlns:a="http://schemas.openxmlformats.org/drawingml/2006/main" xmlns:r="http://schemas.openxmlformats.org/officeDocument/2006/relationships" xmlns:p="http://schemas.openxmlformats.org/presentationml/2006/main">
+  <p:cSld>
+    <p:spTree>
+      <p:nvGrpSpPr>
+        <p:cNvPr id="1" name=""/>
+        <p:cNvGrpSpPr/>
+        <p:nvPr/>
+      </p:nvGrpSpPr>
+      <p:grpSpPr>
+        <a:xfrm>
+          <a:off x="0" y="0"/>
+          <a:ext cx="0" cy="0"/>
+          <a:chOff x="0" y="0"/>
+          <a:chExt cx="0" cy="0"/>
+        </a:xfrm>
+      </p:grpSpPr>
+      <p:sp>
+        <p:nvSpPr>
+          <p:cNvPr id="2" name="Title 1"/>
+          <p:cNvSpPr>
+            <a:spLocks noGrp="1"/>
+          </p:cNvSpPr>
+          <p:nvPr>
+            <p:ph type="title"/>
+          </p:nvPr>
+        </p:nvSpPr>
+        <p:spPr/>
+        <p:txBody>
+          <a:bodyPr>
+            <a:normAutofit/>
+          </a:bodyPr>
+          <a:lstStyle/>
+          <a:p>
+            <a:r>
+              <a:rPr lang="en-US" sz="4800" dirty="0" smtClean="0"/>
+              <a:t>What makes auditing easier?</a:t>
+            </a:r>
+            <a:endParaRPr lang="en-US" sz="4800" dirty="0"/>
+          </a:p>
+        </p:txBody>
+      </p:sp>
+      <p:sp>
+        <p:nvSpPr>
+          <p:cNvPr id="3" name="Content Placeholder 2"/>
+          <p:cNvSpPr>
+            <a:spLocks noGrp="1"/>
+          </p:cNvSpPr>
+          <p:nvPr>
+            <p:ph idx="1"/>
+          </p:nvPr>
+        </p:nvSpPr>
+        <p:spPr>
+          <a:xfrm>
+            <a:off x="838200" y="1825624"/>
+            <a:ext cx="10515600" cy="4899641"/>
+          </a:xfrm>
+        </p:spPr>
+        <p:txBody>
+          <a:bodyPr>
+            <a:normAutofit/>
+          </a:bodyPr>
+          <a:lstStyle/>
+          <a:p>
+            <a:r>
               <a:rPr lang="en-US" sz="4000" dirty="0" smtClean="0"/>
               <a:t>Using [Attributes] to decorate classes/methods</a:t>
             </a:r>
@@ -17642,7 +18628,6 @@
               <a:rPr lang="en-US" sz="4000" dirty="0" smtClean="0"/>
               <a:t>Implementing an interface</a:t>
             </a:r>
-            <a:endParaRPr lang="en-US" sz="4000" dirty="0" smtClean="0"/>
           </a:p>
           <a:p>
             <a:endParaRPr lang="en-US" sz="4000" dirty="0"/>
@@ -17687,7 +18672,7 @@
 </p:sld>
 </file>
 
-<file path=ppt/slides/slide68.xml><?xml version="1.0" encoding="utf-8"?>
+<file path=ppt/slides/slide71.xml><?xml version="1.0" encoding="utf-8"?>
 <p:sld xmlns:a="http://schemas.openxmlformats.org/drawingml/2006/main" xmlns:r="http://schemas.openxmlformats.org/officeDocument/2006/relationships" xmlns:p="http://schemas.openxmlformats.org/presentationml/2006/main">
   <p:cSld>
     <p:spTree>
@@ -17764,7 +18749,6 @@
               <a:rPr lang="en-US" sz="4000" dirty="0" smtClean="0"/>
               <a:t>The CliffsNotes version of this talk</a:t>
             </a:r>
-            <a:endParaRPr lang="en-US" sz="4000" dirty="0" smtClean="0"/>
           </a:p>
           <a:p>
             <a:endParaRPr lang="en-US" sz="4000" dirty="0" smtClean="0"/>
@@ -17803,7 +18787,7 @@
 </p:sld>
 </file>
 
-<file path=ppt/slides/slide69.xml><?xml version="1.0" encoding="utf-8"?>
+<file path=ppt/slides/slide72.xml><?xml version="1.0" encoding="utf-8"?>
 <p:sld xmlns:a="http://schemas.openxmlformats.org/drawingml/2006/main" xmlns:r="http://schemas.openxmlformats.org/officeDocument/2006/relationships" xmlns:p="http://schemas.openxmlformats.org/presentationml/2006/main">
   <p:cSld>
     <p:spTree>
@@ -17830,169 +18814,177 @@
             <p:ph type="title"/>
           </p:nvPr>
         </p:nvSpPr>
-        <p:spPr>
-          <a:xfrm>
-            <a:off x="838200" y="365125"/>
-            <a:ext cx="10886768" cy="1325563"/>
-          </a:xfrm>
-        </p:spPr>
-        <p:txBody>
-          <a:bodyPr>
-            <a:noAutofit/>
-          </a:bodyPr>
-          <a:lstStyle/>
-          <a:p>
-            <a:r>
-              <a:rPr lang="en-US" sz="4800" dirty="0" smtClean="0"/>
-              <a:t>That's all, folks!</a:t>
-            </a:r>
-            <a:endParaRPr lang="en-US" sz="4800" dirty="0"/>
-          </a:p>
-        </p:txBody>
-      </p:sp>
-      <p:sp>
-        <p:nvSpPr>
-          <p:cNvPr id="3" name="Content Placeholder 2"/>
-          <p:cNvSpPr>
-            <a:spLocks noGrp="1"/>
-          </p:cNvSpPr>
-          <p:nvPr>
-            <p:ph idx="1"/>
-          </p:nvPr>
-        </p:nvSpPr>
-        <p:spPr>
-          <a:xfrm>
-            <a:off x="838200" y="1825625"/>
-            <a:ext cx="11137490" cy="4899640"/>
-          </a:xfrm>
-        </p:spPr>
+        <p:spPr/>
         <p:txBody>
           <a:bodyPr>
             <a:normAutofit/>
           </a:bodyPr>
           <a:lstStyle/>
           <a:p>
+            <a:r>
+              <a:rPr lang="en-US" sz="4800" dirty="0" smtClean="0"/>
+              <a:t>What framework stuff can I tap into?</a:t>
+            </a:r>
+            <a:endParaRPr lang="en-US" sz="4800" dirty="0"/>
+          </a:p>
+        </p:txBody>
+      </p:sp>
+      <p:sp>
+        <p:nvSpPr>
+          <p:cNvPr id="3" name="Content Placeholder 2"/>
+          <p:cNvSpPr>
+            <a:spLocks noGrp="1"/>
+          </p:cNvSpPr>
+          <p:nvPr>
+            <p:ph idx="1"/>
+          </p:nvPr>
+        </p:nvSpPr>
+        <p:spPr>
+          <a:xfrm>
+            <a:off x="838200" y="1825624"/>
+            <a:ext cx="10515600" cy="4899641"/>
+          </a:xfrm>
+        </p:spPr>
+        <p:txBody>
+          <a:bodyPr>
+            <a:normAutofit lnSpcReduction="10000"/>
+          </a:bodyPr>
+          <a:lstStyle/>
+          <a:p>
             <a:pPr marL="0" indent="0">
               <a:buNone/>
             </a:pPr>
             <a:r>
-              <a:rPr lang="en-US" sz="4000" dirty="0" smtClean="0"/>
-              <a:t>Slide deck + complete sample app in GitHub</a:t>
+              <a:rPr lang="en-US" sz="3200" dirty="0" smtClean="0"/>
+              <a:t>ASPNET MVC</a:t>
+            </a:r>
+          </a:p>
+          <a:p>
+            <a:r>
+              <a:rPr lang="en-US" sz="3200" dirty="0" err="1" smtClean="0"/>
+              <a:t>ActionFilter</a:t>
+            </a:r>
+            <a:r>
+              <a:rPr lang="en-US" sz="3200" dirty="0" smtClean="0"/>
+              <a:t> attributes / "On&lt;Foo&gt;" methods</a:t>
             </a:r>
           </a:p>
           <a:p>
             <a:pPr marL="0" indent="0">
               <a:buNone/>
             </a:pPr>
-            <a:r>
-              <a:rPr lang="en-US" sz="4000" dirty="0" smtClean="0"/>
-              <a:t/>
-            </a:r>
-            <a:br>
-              <a:rPr lang="en-US" sz="4000" dirty="0" smtClean="0"/>
-            </a:br>
-            <a:r>
-              <a:rPr lang="en-US" sz="4000" b="1" dirty="0"/>
-              <a:t>bit.ly/2i0J91d</a:t>
-            </a:r>
-            <a:endParaRPr lang="en-US" sz="4000" b="1" dirty="0" smtClean="0"/>
+            <a:endParaRPr lang="en-US" sz="3200" dirty="0" smtClean="0"/>
           </a:p>
           <a:p>
             <a:pPr marL="0" indent="0">
               <a:buNone/>
             </a:pPr>
-            <a:endParaRPr lang="en-US" sz="3200" dirty="0" smtClean="0">
-              <a:hlinkClick r:id="rId3"/>
-            </a:endParaRPr>
+            <a:r>
+              <a:rPr lang="en-US" sz="3200" dirty="0" smtClean="0"/>
+              <a:t>Plain Old C# objects (</a:t>
+            </a:r>
+            <a:r>
+              <a:rPr lang="en-US" sz="3200" i="1" dirty="0" smtClean="0"/>
+              <a:t>using </a:t>
+            </a:r>
+            <a:r>
+              <a:rPr lang="en-US" sz="3200" i="1" dirty="0" err="1" smtClean="0"/>
+              <a:t>PostSharp</a:t>
+            </a:r>
+            <a:r>
+              <a:rPr lang="en-US" sz="3200" dirty="0" smtClean="0"/>
+              <a:t>)</a:t>
+            </a:r>
+          </a:p>
+          <a:p>
+            <a:r>
+              <a:rPr lang="en-US" sz="3200" dirty="0" smtClean="0"/>
+              <a:t>Property access</a:t>
+            </a:r>
+          </a:p>
+          <a:p>
+            <a:r>
+              <a:rPr lang="en-US" sz="3200" dirty="0" smtClean="0"/>
+              <a:t>Method boundaries</a:t>
+            </a:r>
+            <a:endParaRPr lang="en-US" sz="3200" dirty="0" smtClean="0"/>
           </a:p>
           <a:p>
             <a:pPr marL="0" indent="0">
               <a:buNone/>
             </a:pPr>
-            <a:endParaRPr lang="en-US" sz="3200" dirty="0" smtClean="0">
-              <a:hlinkClick r:id="rId3"/>
-            </a:endParaRPr>
+            <a:endParaRPr lang="en-US" sz="3200" dirty="0" smtClean="0"/>
           </a:p>
           <a:p>
             <a:pPr marL="0" indent="0">
               <a:buNone/>
             </a:pPr>
             <a:r>
-              <a:rPr lang="en-US" sz="3600" dirty="0" smtClean="0">
-                <a:hlinkClick r:id="rId3"/>
-              </a:rPr>
-              <a:t>github.com/</a:t>
-            </a:r>
-            <a:r>
-              <a:rPr lang="en-US" sz="3600" dirty="0" err="1" smtClean="0">
-                <a:hlinkClick r:id="rId3"/>
-              </a:rPr>
-              <a:t>spetryjohnson</a:t>
-            </a:r>
-            <a:r>
-              <a:rPr lang="en-US" sz="3600" dirty="0" smtClean="0"/>
+              <a:rPr lang="en-US" sz="3200" dirty="0" smtClean="0"/>
+              <a:t>jQuery</a:t>
+            </a:r>
+          </a:p>
+          <a:p>
+            <a:r>
+              <a:rPr lang="en-US" sz="3200" dirty="0" err="1" smtClean="0"/>
+              <a:t>ajaxStart</a:t>
+            </a:r>
+            <a:r>
+              <a:rPr lang="en-US" sz="3200" dirty="0"/>
               <a:t> </a:t>
             </a:r>
             <a:r>
-              <a:rPr lang="en-US" sz="3600" dirty="0" smtClean="0">
-                <a:solidFill>
-                  <a:schemeClr val="bg1">
-                    <a:lumMod val="50000"/>
-                  </a:schemeClr>
-                </a:solidFill>
-              </a:rPr>
-              <a:t>|</a:t>
-            </a:r>
-            <a:r>
-              <a:rPr lang="en-US" sz="3600" dirty="0" smtClean="0"/>
-              <a:t> </a:t>
-            </a:r>
-            <a:r>
-              <a:rPr lang="en-US" sz="3600" dirty="0" smtClean="0">
-                <a:hlinkClick r:id="rId4"/>
-              </a:rPr>
-              <a:t>www.petry-johnson.com</a:t>
-            </a:r>
-            <a:r>
-              <a:rPr lang="en-US" sz="3600" dirty="0" smtClean="0"/>
-              <a:t/>
-            </a:r>
-            <a:br>
-              <a:rPr lang="en-US" sz="3600" dirty="0" smtClean="0"/>
-            </a:br>
-            <a:endParaRPr lang="en-US" sz="3600" dirty="0"/>
-          </a:p>
-          <a:p>
-            <a:pPr marL="0" indent="0" algn="ctr">
+              <a:rPr lang="en-US" sz="3200" dirty="0" smtClean="0"/>
+              <a:t>/ </a:t>
+            </a:r>
+            <a:r>
+              <a:rPr lang="en-US" sz="3200" dirty="0" err="1" smtClean="0"/>
+              <a:t>ajaxEnd</a:t>
+            </a:r>
+            <a:r>
+              <a:rPr lang="en-US" sz="3200" dirty="0" smtClean="0"/>
+              <a:t> / </a:t>
+            </a:r>
+            <a:r>
+              <a:rPr lang="en-US" sz="3200" dirty="0" err="1" smtClean="0"/>
+              <a:t>ajaxPrefilter</a:t>
+            </a:r>
+            <a:endParaRPr lang="en-US" sz="3200" dirty="0" smtClean="0"/>
+          </a:p>
+          <a:p>
+            <a:endParaRPr lang="en-US" sz="3200" dirty="0" smtClean="0"/>
+          </a:p>
+          <a:p>
+            <a:pPr marL="0" indent="0">
               <a:buNone/>
             </a:pPr>
-            <a:r>
-              <a:rPr lang="en-US" sz="3600" b="1" dirty="0" smtClean="0"/>
-              <a:t>@spetryjohnson</a:t>
-            </a:r>
-            <a:endParaRPr lang="en-US" b="1" dirty="0" smtClean="0"/>
+            <a:endParaRPr lang="en-US" sz="3200" dirty="0" smtClean="0"/>
+          </a:p>
+          <a:p>
+            <a:pPr marL="0" indent="0">
+              <a:buNone/>
+            </a:pPr>
+            <a:endParaRPr lang="en-US" sz="4000" dirty="0" smtClean="0"/>
+          </a:p>
+          <a:p>
+            <a:endParaRPr lang="en-US" sz="4000" dirty="0"/>
+          </a:p>
+          <a:p>
+            <a:endParaRPr lang="en-US" sz="4000" dirty="0"/>
+          </a:p>
+          <a:p>
+            <a:endParaRPr lang="en-US" sz="4000" dirty="0" smtClean="0"/>
+          </a:p>
+          <a:p>
+            <a:endParaRPr lang="en-US" sz="4000" dirty="0" smtClean="0"/>
           </a:p>
           <a:p>
             <a:endParaRPr lang="en-US" dirty="0" smtClean="0"/>
           </a:p>
           <a:p>
-            <a:pPr lvl="1"/>
             <a:endParaRPr lang="en-US" dirty="0" smtClean="0"/>
           </a:p>
           <a:p>
-            <a:pPr lvl="1"/>
-            <a:endParaRPr lang="en-US" dirty="0" smtClean="0"/>
-          </a:p>
-          <a:p>
-            <a:pPr lvl="1"/>
-            <a:endParaRPr lang="en-US" dirty="0"/>
-          </a:p>
-          <a:p>
-            <a:pPr lvl="1"/>
-            <a:endParaRPr lang="en-US" dirty="0" smtClean="0"/>
-          </a:p>
-          <a:p>
-            <a:pPr lvl="1"/>
             <a:endParaRPr lang="en-US" dirty="0"/>
           </a:p>
         </p:txBody>
@@ -18000,7 +18992,7 @@
     </p:spTree>
     <p:extLst>
       <p:ext uri="{BB962C8B-B14F-4D97-AF65-F5344CB8AC3E}">
-        <p14:creationId xmlns:p14="http://schemas.microsoft.com/office/powerpoint/2010/main" val="659085787"/>
+        <p14:creationId xmlns:p14="http://schemas.microsoft.com/office/powerpoint/2010/main" val="3453239347"/>
       </p:ext>
     </p:extLst>
   </p:cSld>
@@ -18017,7 +19009,7 @@
 </p:sld>
 </file>
 
-<file path=ppt/slides/slide7.xml><?xml version="1.0" encoding="utf-8"?>
+<file path=ppt/slides/slide73.xml><?xml version="1.0" encoding="utf-8"?>
 <p:sld xmlns:a="http://schemas.openxmlformats.org/drawingml/2006/main" xmlns:r="http://schemas.openxmlformats.org/officeDocument/2006/relationships" xmlns:p="http://schemas.openxmlformats.org/presentationml/2006/main">
   <p:cSld>
     <p:spTree>
@@ -18053,11 +19045,7 @@
           <a:p>
             <a:r>
               <a:rPr lang="en-US" sz="4800" dirty="0" smtClean="0"/>
-              <a:t>What's on </a:t>
-            </a:r>
-            <a:r>
-              <a:rPr lang="en-US" sz="4800" smtClean="0"/>
-              <a:t>the agenda?</a:t>
+              <a:t>What framework stuff can I tap into?</a:t>
             </a:r>
             <a:endParaRPr lang="en-US" sz="4800" dirty="0"/>
           </a:p>
@@ -18085,66 +19073,274 @@
           </a:bodyPr>
           <a:lstStyle/>
           <a:p>
-            <a:r>
-              <a:rPr lang="en-US" sz="4000" dirty="0" smtClean="0">
+            <a:pPr marL="0" indent="0">
+              <a:buNone/>
+            </a:pPr>
+            <a:r>
+              <a:rPr lang="en-US" sz="3200" dirty="0" smtClean="0"/>
+              <a:t>Entity Framework / NHibernate</a:t>
+            </a:r>
+          </a:p>
+          <a:p>
+            <a:r>
+              <a:rPr lang="en-US" sz="3200" dirty="0" smtClean="0"/>
+              <a:t>Connection opened</a:t>
+            </a:r>
+          </a:p>
+          <a:p>
+            <a:pPr marL="0" indent="0">
+              <a:buNone/>
+            </a:pPr>
+            <a:endParaRPr lang="en-US" sz="3200" dirty="0" smtClean="0"/>
+          </a:p>
+          <a:p>
+            <a:endParaRPr lang="en-US" sz="3200" dirty="0" smtClean="0"/>
+          </a:p>
+          <a:p>
+            <a:pPr marL="0" indent="0">
+              <a:buNone/>
+            </a:pPr>
+            <a:endParaRPr lang="en-US" sz="3200" dirty="0" smtClean="0"/>
+          </a:p>
+          <a:p>
+            <a:pPr marL="0" indent="0">
+              <a:buNone/>
+            </a:pPr>
+            <a:endParaRPr lang="en-US" sz="4000" dirty="0" smtClean="0"/>
+          </a:p>
+          <a:p>
+            <a:endParaRPr lang="en-US" sz="4000" dirty="0"/>
+          </a:p>
+          <a:p>
+            <a:endParaRPr lang="en-US" sz="4000" dirty="0"/>
+          </a:p>
+          <a:p>
+            <a:endParaRPr lang="en-US" sz="4000" dirty="0" smtClean="0"/>
+          </a:p>
+          <a:p>
+            <a:endParaRPr lang="en-US" sz="4000" dirty="0" smtClean="0"/>
+          </a:p>
+          <a:p>
+            <a:endParaRPr lang="en-US" dirty="0" smtClean="0"/>
+          </a:p>
+          <a:p>
+            <a:endParaRPr lang="en-US" dirty="0" smtClean="0"/>
+          </a:p>
+          <a:p>
+            <a:endParaRPr lang="en-US" dirty="0"/>
+          </a:p>
+        </p:txBody>
+      </p:sp>
+    </p:spTree>
+    <p:extLst>
+      <p:ext uri="{BB962C8B-B14F-4D97-AF65-F5344CB8AC3E}">
+        <p14:creationId xmlns:p14="http://schemas.microsoft.com/office/powerpoint/2010/main" val="3082010923"/>
+      </p:ext>
+    </p:extLst>
+  </p:cSld>
+  <p:clrMapOvr>
+    <a:masterClrMapping/>
+  </p:clrMapOvr>
+  <p:timing>
+    <p:tnLst>
+      <p:par>
+        <p:cTn id="1" dur="indefinite" restart="never" nodeType="tmRoot"/>
+      </p:par>
+    </p:tnLst>
+  </p:timing>
+</p:sld>
+</file>
+
+<file path=ppt/slides/slide74.xml><?xml version="1.0" encoding="utf-8"?>
+<p:sld xmlns:a="http://schemas.openxmlformats.org/drawingml/2006/main" xmlns:r="http://schemas.openxmlformats.org/officeDocument/2006/relationships" xmlns:p="http://schemas.openxmlformats.org/presentationml/2006/main">
+  <p:cSld>
+    <p:spTree>
+      <p:nvGrpSpPr>
+        <p:cNvPr id="1" name=""/>
+        <p:cNvGrpSpPr/>
+        <p:nvPr/>
+      </p:nvGrpSpPr>
+      <p:grpSpPr>
+        <a:xfrm>
+          <a:off x="0" y="0"/>
+          <a:ext cx="0" cy="0"/>
+          <a:chOff x="0" y="0"/>
+          <a:chExt cx="0" cy="0"/>
+        </a:xfrm>
+      </p:grpSpPr>
+      <p:sp>
+        <p:nvSpPr>
+          <p:cNvPr id="2" name="Title 1"/>
+          <p:cNvSpPr>
+            <a:spLocks noGrp="1"/>
+          </p:cNvSpPr>
+          <p:nvPr>
+            <p:ph type="title"/>
+          </p:nvPr>
+        </p:nvSpPr>
+        <p:spPr>
+          <a:xfrm>
+            <a:off x="838200" y="365125"/>
+            <a:ext cx="10886768" cy="1325563"/>
+          </a:xfrm>
+        </p:spPr>
+        <p:txBody>
+          <a:bodyPr>
+            <a:noAutofit/>
+          </a:bodyPr>
+          <a:lstStyle/>
+          <a:p>
+            <a:r>
+              <a:rPr lang="en-US" sz="4800" dirty="0" smtClean="0"/>
+              <a:t>That's all, folks!</a:t>
+            </a:r>
+            <a:endParaRPr lang="en-US" sz="4800" dirty="0"/>
+          </a:p>
+        </p:txBody>
+      </p:sp>
+      <p:sp>
+        <p:nvSpPr>
+          <p:cNvPr id="3" name="Content Placeholder 2"/>
+          <p:cNvSpPr>
+            <a:spLocks noGrp="1"/>
+          </p:cNvSpPr>
+          <p:nvPr>
+            <p:ph idx="1"/>
+          </p:nvPr>
+        </p:nvSpPr>
+        <p:spPr>
+          <a:xfrm>
+            <a:off x="838200" y="1825625"/>
+            <a:ext cx="11137490" cy="4899640"/>
+          </a:xfrm>
+        </p:spPr>
+        <p:txBody>
+          <a:bodyPr>
+            <a:normAutofit/>
+          </a:bodyPr>
+          <a:lstStyle/>
+          <a:p>
+            <a:pPr marL="0" indent="0">
+              <a:buNone/>
+            </a:pPr>
+            <a:r>
+              <a:rPr lang="en-US" sz="4000" dirty="0" smtClean="0"/>
+              <a:t>Slide deck + complete sample app in GitHub</a:t>
+            </a:r>
+          </a:p>
+          <a:p>
+            <a:pPr marL="0" indent="0">
+              <a:buNone/>
+            </a:pPr>
+            <a:r>
+              <a:rPr lang="en-US" sz="4000" dirty="0" smtClean="0"/>
+              <a:t/>
+            </a:r>
+            <a:br>
+              <a:rPr lang="en-US" sz="4000" dirty="0" smtClean="0"/>
+            </a:br>
+            <a:r>
+              <a:rPr lang="en-US" sz="4000" b="1" dirty="0"/>
+              <a:t>bit.ly/2i0J91d</a:t>
+            </a:r>
+            <a:endParaRPr lang="en-US" sz="4000" b="1" dirty="0" smtClean="0"/>
+          </a:p>
+          <a:p>
+            <a:pPr marL="0" indent="0">
+              <a:buNone/>
+            </a:pPr>
+            <a:endParaRPr lang="en-US" sz="3200" dirty="0" smtClean="0">
+              <a:hlinkClick r:id="rId3"/>
+            </a:endParaRPr>
+          </a:p>
+          <a:p>
+            <a:pPr marL="0" indent="0">
+              <a:buNone/>
+            </a:pPr>
+            <a:endParaRPr lang="en-US" sz="3200" dirty="0" smtClean="0">
+              <a:hlinkClick r:id="rId3"/>
+            </a:endParaRPr>
+          </a:p>
+          <a:p>
+            <a:pPr marL="0" indent="0">
+              <a:buNone/>
+            </a:pPr>
+            <a:r>
+              <a:rPr lang="en-US" sz="3600" dirty="0" smtClean="0">
+                <a:hlinkClick r:id="rId3"/>
+              </a:rPr>
+              <a:t>github.com/</a:t>
+            </a:r>
+            <a:r>
+              <a:rPr lang="en-US" sz="3600" dirty="0" err="1" smtClean="0">
+                <a:hlinkClick r:id="rId3"/>
+              </a:rPr>
+              <a:t>spetryjohnson</a:t>
+            </a:r>
+            <a:r>
+              <a:rPr lang="en-US" sz="3600" dirty="0" smtClean="0"/>
+              <a:t> </a:t>
+            </a:r>
+            <a:r>
+              <a:rPr lang="en-US" sz="3600" dirty="0" smtClean="0">
                 <a:solidFill>
                   <a:schemeClr val="bg1">
-                    <a:lumMod val="65000"/>
+                    <a:lumMod val="50000"/>
                   </a:schemeClr>
                 </a:solidFill>
               </a:rPr>
-              <a:t>Define "cross cutting" security concerns</a:t>
-            </a:r>
-          </a:p>
-          <a:p>
-            <a:endParaRPr lang="en-US" sz="4000" dirty="0">
-              <a:solidFill>
-                <a:schemeClr val="bg1">
-                  <a:lumMod val="65000"/>
-                </a:schemeClr>
-              </a:solidFill>
-            </a:endParaRPr>
-          </a:p>
-          <a:p>
-            <a:r>
-              <a:rPr lang="en-US" sz="4000" dirty="0" smtClean="0">
-                <a:solidFill>
-                  <a:schemeClr val="bg1">
-                    <a:lumMod val="65000"/>
-                  </a:schemeClr>
-                </a:solidFill>
+              <a:t>|</a:t>
+            </a:r>
+            <a:r>
+              <a:rPr lang="en-US" sz="3600" dirty="0" smtClean="0"/>
+              <a:t> </a:t>
+            </a:r>
+            <a:r>
+              <a:rPr lang="en-US" sz="3600" dirty="0" smtClean="0">
+                <a:hlinkClick r:id="rId4"/>
               </a:rPr>
-              <a:t>"Secure by default" examples</a:t>
-            </a:r>
-          </a:p>
-          <a:p>
-            <a:endParaRPr lang="en-US" sz="4000" dirty="0"/>
-          </a:p>
-          <a:p>
-            <a:r>
-              <a:rPr lang="en-US" sz="4000" dirty="0" smtClean="0"/>
-              <a:t>Declarative vs Imperative security</a:t>
-            </a:r>
-          </a:p>
-          <a:p>
-            <a:endParaRPr lang="en-US" sz="4000" dirty="0"/>
-          </a:p>
-          <a:p>
-            <a:endParaRPr lang="en-US" sz="4000" dirty="0"/>
-          </a:p>
-          <a:p>
-            <a:endParaRPr lang="en-US" sz="4000" dirty="0" smtClean="0"/>
-          </a:p>
-          <a:p>
-            <a:endParaRPr lang="en-US" sz="4000" dirty="0" smtClean="0"/>
+              <a:t>www.petry-johnson.com</a:t>
+            </a:r>
+            <a:r>
+              <a:rPr lang="en-US" sz="3600" dirty="0" smtClean="0"/>
+              <a:t/>
+            </a:r>
+            <a:br>
+              <a:rPr lang="en-US" sz="3600" dirty="0" smtClean="0"/>
+            </a:br>
+            <a:endParaRPr lang="en-US" sz="3600" dirty="0"/>
+          </a:p>
+          <a:p>
+            <a:pPr marL="0" indent="0" algn="ctr">
+              <a:buNone/>
+            </a:pPr>
+            <a:r>
+              <a:rPr lang="en-US" sz="3600" b="1" dirty="0" smtClean="0"/>
+              <a:t>@spetryjohnson</a:t>
+            </a:r>
+            <a:endParaRPr lang="en-US" b="1" dirty="0" smtClean="0"/>
           </a:p>
           <a:p>
             <a:endParaRPr lang="en-US" dirty="0" smtClean="0"/>
           </a:p>
           <a:p>
+            <a:pPr lvl="1"/>
             <a:endParaRPr lang="en-US" dirty="0" smtClean="0"/>
           </a:p>
           <a:p>
+            <a:pPr lvl="1"/>
+            <a:endParaRPr lang="en-US" dirty="0" smtClean="0"/>
+          </a:p>
+          <a:p>
+            <a:pPr lvl="1"/>
+            <a:endParaRPr lang="en-US" dirty="0"/>
+          </a:p>
+          <a:p>
+            <a:pPr lvl="1"/>
+            <a:endParaRPr lang="en-US" dirty="0" smtClean="0"/>
+          </a:p>
+          <a:p>
+            <a:pPr lvl="1"/>
             <a:endParaRPr lang="en-US" dirty="0"/>
           </a:p>
         </p:txBody>
@@ -18152,7 +19348,7 @@
     </p:spTree>
     <p:extLst>
       <p:ext uri="{BB962C8B-B14F-4D97-AF65-F5344CB8AC3E}">
-        <p14:creationId xmlns:p14="http://schemas.microsoft.com/office/powerpoint/2010/main" val="1001694156"/>
+        <p14:creationId xmlns:p14="http://schemas.microsoft.com/office/powerpoint/2010/main" val="659085787"/>
       </p:ext>
     </p:extLst>
   </p:cSld>
@@ -18381,7 +19577,7 @@
             <a:pPr algn="ctr"/>
             <a:r>
               <a:rPr lang="en-US" sz="4800" dirty="0" smtClean="0"/>
-              <a:t>"Cross cutting" concern</a:t>
+              <a:t>Application "framework"</a:t>
             </a:r>
             <a:endParaRPr lang="en-US" sz="4800" dirty="0"/>
           </a:p>
@@ -18414,7 +19610,7 @@
             </a:pPr>
             <a:r>
               <a:rPr lang="en-US" sz="4000" dirty="0" smtClean="0"/>
-              <a:t>Any security requirement that </a:t>
+              <a:t>Any code that leverages "hooks"</a:t>
             </a:r>
           </a:p>
           <a:p>
@@ -18423,8 +19619,9 @@
             </a:pPr>
             <a:r>
               <a:rPr lang="en-US" sz="4000" dirty="0" smtClean="0"/>
-              <a:t>spans multiple features</a:t>
-            </a:r>
+              <a:t>in the underlying system</a:t>
+            </a:r>
+            <a:endParaRPr lang="en-US" sz="4000" dirty="0" smtClean="0"/>
           </a:p>
           <a:p>
             <a:endParaRPr lang="en-US" sz="4000" dirty="0" smtClean="0"/>

--- a/Secure Systems - CodeMash 2017.pptx
+++ b/Secure Systems - CodeMash 2017.pptx
@@ -5,7 +5,7 @@
     <p:sldMasterId id="2147483749" r:id="rId1"/>
   </p:sldMasterIdLst>
   <p:notesMasterIdLst>
-    <p:notesMasterId r:id="rId76"/>
+    <p:notesMasterId r:id="rId80"/>
   </p:notesMasterIdLst>
   <p:sldIdLst>
     <p:sldId id="395" r:id="rId2"/>
@@ -46,42 +46,46 @@
     <p:sldId id="540" r:id="rId37"/>
     <p:sldId id="500" r:id="rId38"/>
     <p:sldId id="553" r:id="rId39"/>
-    <p:sldId id="573" r:id="rId40"/>
-    <p:sldId id="574" r:id="rId41"/>
-    <p:sldId id="534" r:id="rId42"/>
-    <p:sldId id="505" r:id="rId43"/>
-    <p:sldId id="535" r:id="rId44"/>
-    <p:sldId id="507" r:id="rId45"/>
-    <p:sldId id="536" r:id="rId46"/>
-    <p:sldId id="538" r:id="rId47"/>
-    <p:sldId id="539" r:id="rId48"/>
-    <p:sldId id="537" r:id="rId49"/>
-    <p:sldId id="551" r:id="rId50"/>
-    <p:sldId id="552" r:id="rId51"/>
-    <p:sldId id="501" r:id="rId52"/>
-    <p:sldId id="529" r:id="rId53"/>
-    <p:sldId id="546" r:id="rId54"/>
-    <p:sldId id="502" r:id="rId55"/>
-    <p:sldId id="503" r:id="rId56"/>
-    <p:sldId id="531" r:id="rId57"/>
-    <p:sldId id="532" r:id="rId58"/>
-    <p:sldId id="533" r:id="rId59"/>
-    <p:sldId id="554" r:id="rId60"/>
-    <p:sldId id="530" r:id="rId61"/>
-    <p:sldId id="555" r:id="rId62"/>
-    <p:sldId id="556" r:id="rId63"/>
-    <p:sldId id="557" r:id="rId64"/>
-    <p:sldId id="558" r:id="rId65"/>
-    <p:sldId id="559" r:id="rId66"/>
-    <p:sldId id="564" r:id="rId67"/>
-    <p:sldId id="561" r:id="rId68"/>
-    <p:sldId id="565" r:id="rId69"/>
-    <p:sldId id="566" r:id="rId70"/>
-    <p:sldId id="568" r:id="rId71"/>
-    <p:sldId id="569" r:id="rId72"/>
-    <p:sldId id="571" r:id="rId73"/>
-    <p:sldId id="572" r:id="rId74"/>
-    <p:sldId id="443" r:id="rId75"/>
+    <p:sldId id="574" r:id="rId40"/>
+    <p:sldId id="573" r:id="rId41"/>
+    <p:sldId id="575" r:id="rId42"/>
+    <p:sldId id="534" r:id="rId43"/>
+    <p:sldId id="505" r:id="rId44"/>
+    <p:sldId id="535" r:id="rId45"/>
+    <p:sldId id="576" r:id="rId46"/>
+    <p:sldId id="507" r:id="rId47"/>
+    <p:sldId id="536" r:id="rId48"/>
+    <p:sldId id="577" r:id="rId49"/>
+    <p:sldId id="538" r:id="rId50"/>
+    <p:sldId id="539" r:id="rId51"/>
+    <p:sldId id="537" r:id="rId52"/>
+    <p:sldId id="551" r:id="rId53"/>
+    <p:sldId id="552" r:id="rId54"/>
+    <p:sldId id="578" r:id="rId55"/>
+    <p:sldId id="501" r:id="rId56"/>
+    <p:sldId id="529" r:id="rId57"/>
+    <p:sldId id="546" r:id="rId58"/>
+    <p:sldId id="502" r:id="rId59"/>
+    <p:sldId id="503" r:id="rId60"/>
+    <p:sldId id="531" r:id="rId61"/>
+    <p:sldId id="532" r:id="rId62"/>
+    <p:sldId id="533" r:id="rId63"/>
+    <p:sldId id="554" r:id="rId64"/>
+    <p:sldId id="530" r:id="rId65"/>
+    <p:sldId id="555" r:id="rId66"/>
+    <p:sldId id="556" r:id="rId67"/>
+    <p:sldId id="557" r:id="rId68"/>
+    <p:sldId id="558" r:id="rId69"/>
+    <p:sldId id="559" r:id="rId70"/>
+    <p:sldId id="564" r:id="rId71"/>
+    <p:sldId id="561" r:id="rId72"/>
+    <p:sldId id="565" r:id="rId73"/>
+    <p:sldId id="566" r:id="rId74"/>
+    <p:sldId id="568" r:id="rId75"/>
+    <p:sldId id="569" r:id="rId76"/>
+    <p:sldId id="571" r:id="rId77"/>
+    <p:sldId id="572" r:id="rId78"/>
+    <p:sldId id="443" r:id="rId79"/>
   </p:sldIdLst>
   <p:sldSz cx="12192000" cy="6858000"/>
   <p:notesSz cx="6858000" cy="9144000"/>
@@ -307,7 +311,7 @@
           <a:p>
             <a:fld id="{C54A4886-B4AF-42F7-97BE-95CDF82A73E3}" type="datetimeFigureOut">
               <a:rPr lang="en-US" smtClean="0"/>
-              <a:t>1/3/2017</a:t>
+              <a:t>1/4/2017</a:t>
             </a:fld>
             <a:endParaRPr lang="en-US"/>
           </a:p>
@@ -3495,7 +3499,7 @@
     </p:spTree>
     <p:extLst>
       <p:ext uri="{BB962C8B-B14F-4D97-AF65-F5344CB8AC3E}">
-        <p14:creationId xmlns:p14="http://schemas.microsoft.com/office/powerpoint/2010/main" val="1255163866"/>
+        <p14:creationId xmlns:p14="http://schemas.microsoft.com/office/powerpoint/2010/main" val="3263699449"/>
       </p:ext>
     </p:extLst>
   </p:cSld>
@@ -3688,7 +3692,7 @@
     </p:spTree>
     <p:extLst>
       <p:ext uri="{BB962C8B-B14F-4D97-AF65-F5344CB8AC3E}">
-        <p14:creationId xmlns:p14="http://schemas.microsoft.com/office/powerpoint/2010/main" val="3263699449"/>
+        <p14:creationId xmlns:p14="http://schemas.microsoft.com/office/powerpoint/2010/main" val="1255163866"/>
       </p:ext>
     </p:extLst>
   </p:cSld>
@@ -3742,6 +3746,90 @@
           <a:bodyPr/>
           <a:lstStyle/>
           <a:p>
+            <a:endParaRPr lang="en-US" b="0" dirty="0" smtClean="0"/>
+          </a:p>
+        </p:txBody>
+      </p:sp>
+      <p:sp>
+        <p:nvSpPr>
+          <p:cNvPr id="4" name="Slide Number Placeholder 3"/>
+          <p:cNvSpPr>
+            <a:spLocks noGrp="1"/>
+          </p:cNvSpPr>
+          <p:nvPr>
+            <p:ph type="sldNum" sz="quarter" idx="10"/>
+          </p:nvPr>
+        </p:nvSpPr>
+        <p:spPr/>
+        <p:txBody>
+          <a:bodyPr/>
+          <a:lstStyle/>
+          <a:p>
+            <a:fld id="{89029652-62E7-43D6-83B5-097D7B7AA5D8}" type="slidenum">
+              <a:rPr lang="en-US" smtClean="0"/>
+              <a:t>41</a:t>
+            </a:fld>
+            <a:endParaRPr lang="en-US"/>
+          </a:p>
+        </p:txBody>
+      </p:sp>
+    </p:spTree>
+    <p:extLst>
+      <p:ext uri="{BB962C8B-B14F-4D97-AF65-F5344CB8AC3E}">
+        <p14:creationId xmlns:p14="http://schemas.microsoft.com/office/powerpoint/2010/main" val="532748052"/>
+      </p:ext>
+    </p:extLst>
+  </p:cSld>
+  <p:clrMapOvr>
+    <a:masterClrMapping/>
+  </p:clrMapOvr>
+</p:notes>
+</file>
+
+<file path=ppt/notesSlides/notesSlide42.xml><?xml version="1.0" encoding="utf-8"?>
+<p:notes xmlns:a="http://schemas.openxmlformats.org/drawingml/2006/main" xmlns:r="http://schemas.openxmlformats.org/officeDocument/2006/relationships" xmlns:p="http://schemas.openxmlformats.org/presentationml/2006/main">
+  <p:cSld>
+    <p:spTree>
+      <p:nvGrpSpPr>
+        <p:cNvPr id="1" name=""/>
+        <p:cNvGrpSpPr/>
+        <p:nvPr/>
+      </p:nvGrpSpPr>
+      <p:grpSpPr>
+        <a:xfrm>
+          <a:off x="0" y="0"/>
+          <a:ext cx="0" cy="0"/>
+          <a:chOff x="0" y="0"/>
+          <a:chExt cx="0" cy="0"/>
+        </a:xfrm>
+      </p:grpSpPr>
+      <p:sp>
+        <p:nvSpPr>
+          <p:cNvPr id="2" name="Slide Image Placeholder 1"/>
+          <p:cNvSpPr>
+            <a:spLocks noGrp="1" noRot="1" noChangeAspect="1"/>
+          </p:cNvSpPr>
+          <p:nvPr>
+            <p:ph type="sldImg"/>
+          </p:nvPr>
+        </p:nvSpPr>
+        <p:spPr/>
+      </p:sp>
+      <p:sp>
+        <p:nvSpPr>
+          <p:cNvPr id="3" name="Notes Placeholder 2"/>
+          <p:cNvSpPr>
+            <a:spLocks noGrp="1"/>
+          </p:cNvSpPr>
+          <p:nvPr>
+            <p:ph type="body" idx="1"/>
+          </p:nvPr>
+        </p:nvSpPr>
+        <p:spPr/>
+        <p:txBody>
+          <a:bodyPr/>
+          <a:lstStyle/>
+          <a:p>
             <a:pPr marL="0" marR="0" indent="0" algn="l" defTabSz="914400" rtl="0" eaLnBrk="1" fontAlgn="auto" latinLnBrk="0" hangingPunct="1">
               <a:lnSpc>
                 <a:spcPct val="100000"/>
@@ -3788,7 +3876,7 @@
           <a:p>
             <a:fld id="{89029652-62E7-43D6-83B5-097D7B7AA5D8}" type="slidenum">
               <a:rPr lang="en-US" smtClean="0"/>
-              <a:t>41</a:t>
+              <a:t>42</a:t>
             </a:fld>
             <a:endParaRPr lang="en-US"/>
           </a:p>
@@ -3798,90 +3886,6 @@
     <p:extLst>
       <p:ext uri="{BB962C8B-B14F-4D97-AF65-F5344CB8AC3E}">
         <p14:creationId xmlns:p14="http://schemas.microsoft.com/office/powerpoint/2010/main" val="2286755864"/>
-      </p:ext>
-    </p:extLst>
-  </p:cSld>
-  <p:clrMapOvr>
-    <a:masterClrMapping/>
-  </p:clrMapOvr>
-</p:notes>
-</file>
-
-<file path=ppt/notesSlides/notesSlide42.xml><?xml version="1.0" encoding="utf-8"?>
-<p:notes xmlns:a="http://schemas.openxmlformats.org/drawingml/2006/main" xmlns:r="http://schemas.openxmlformats.org/officeDocument/2006/relationships" xmlns:p="http://schemas.openxmlformats.org/presentationml/2006/main">
-  <p:cSld>
-    <p:spTree>
-      <p:nvGrpSpPr>
-        <p:cNvPr id="1" name=""/>
-        <p:cNvGrpSpPr/>
-        <p:nvPr/>
-      </p:nvGrpSpPr>
-      <p:grpSpPr>
-        <a:xfrm>
-          <a:off x="0" y="0"/>
-          <a:ext cx="0" cy="0"/>
-          <a:chOff x="0" y="0"/>
-          <a:chExt cx="0" cy="0"/>
-        </a:xfrm>
-      </p:grpSpPr>
-      <p:sp>
-        <p:nvSpPr>
-          <p:cNvPr id="2" name="Slide Image Placeholder 1"/>
-          <p:cNvSpPr>
-            <a:spLocks noGrp="1" noRot="1" noChangeAspect="1"/>
-          </p:cNvSpPr>
-          <p:nvPr>
-            <p:ph type="sldImg"/>
-          </p:nvPr>
-        </p:nvSpPr>
-        <p:spPr/>
-      </p:sp>
-      <p:sp>
-        <p:nvSpPr>
-          <p:cNvPr id="3" name="Notes Placeholder 2"/>
-          <p:cNvSpPr>
-            <a:spLocks noGrp="1"/>
-          </p:cNvSpPr>
-          <p:nvPr>
-            <p:ph type="body" idx="1"/>
-          </p:nvPr>
-        </p:nvSpPr>
-        <p:spPr/>
-        <p:txBody>
-          <a:bodyPr/>
-          <a:lstStyle/>
-          <a:p>
-            <a:endParaRPr lang="en-US" b="0" dirty="0" smtClean="0"/>
-          </a:p>
-        </p:txBody>
-      </p:sp>
-      <p:sp>
-        <p:nvSpPr>
-          <p:cNvPr id="4" name="Slide Number Placeholder 3"/>
-          <p:cNvSpPr>
-            <a:spLocks noGrp="1"/>
-          </p:cNvSpPr>
-          <p:nvPr>
-            <p:ph type="sldNum" sz="quarter" idx="10"/>
-          </p:nvPr>
-        </p:nvSpPr>
-        <p:spPr/>
-        <p:txBody>
-          <a:bodyPr/>
-          <a:lstStyle/>
-          <a:p>
-            <a:fld id="{89029652-62E7-43D6-83B5-097D7B7AA5D8}" type="slidenum">
-              <a:rPr lang="en-US" smtClean="0"/>
-              <a:t>42</a:t>
-            </a:fld>
-            <a:endParaRPr lang="en-US"/>
-          </a:p>
-        </p:txBody>
-      </p:sp>
-    </p:spTree>
-    <p:extLst>
-      <p:ext uri="{BB962C8B-B14F-4D97-AF65-F5344CB8AC3E}">
-        <p14:creationId xmlns:p14="http://schemas.microsoft.com/office/powerpoint/2010/main" val="2653332077"/>
       </p:ext>
     </p:extLst>
   </p:cSld>
@@ -3965,7 +3969,7 @@
     </p:spTree>
     <p:extLst>
       <p:ext uri="{BB962C8B-B14F-4D97-AF65-F5344CB8AC3E}">
-        <p14:creationId xmlns:p14="http://schemas.microsoft.com/office/powerpoint/2010/main" val="3778399677"/>
+        <p14:creationId xmlns:p14="http://schemas.microsoft.com/office/powerpoint/2010/main" val="2653332077"/>
       </p:ext>
     </p:extLst>
   </p:cSld>
@@ -4049,7 +4053,7 @@
     </p:spTree>
     <p:extLst>
       <p:ext uri="{BB962C8B-B14F-4D97-AF65-F5344CB8AC3E}">
-        <p14:creationId xmlns:p14="http://schemas.microsoft.com/office/powerpoint/2010/main" val="3271057564"/>
+        <p14:creationId xmlns:p14="http://schemas.microsoft.com/office/powerpoint/2010/main" val="3778399677"/>
       </p:ext>
     </p:extLst>
   </p:cSld>
@@ -4133,7 +4137,7 @@
     </p:spTree>
     <p:extLst>
       <p:ext uri="{BB962C8B-B14F-4D97-AF65-F5344CB8AC3E}">
-        <p14:creationId xmlns:p14="http://schemas.microsoft.com/office/powerpoint/2010/main" val="150335864"/>
+        <p14:creationId xmlns:p14="http://schemas.microsoft.com/office/powerpoint/2010/main" val="4047639699"/>
       </p:ext>
     </p:extLst>
   </p:cSld>
@@ -4217,7 +4221,7 @@
     </p:spTree>
     <p:extLst>
       <p:ext uri="{BB962C8B-B14F-4D97-AF65-F5344CB8AC3E}">
-        <p14:creationId xmlns:p14="http://schemas.microsoft.com/office/powerpoint/2010/main" val="1174323916"/>
+        <p14:creationId xmlns:p14="http://schemas.microsoft.com/office/powerpoint/2010/main" val="3271057564"/>
       </p:ext>
     </p:extLst>
   </p:cSld>
@@ -4301,7 +4305,7 @@
     </p:spTree>
     <p:extLst>
       <p:ext uri="{BB962C8B-B14F-4D97-AF65-F5344CB8AC3E}">
-        <p14:creationId xmlns:p14="http://schemas.microsoft.com/office/powerpoint/2010/main" val="22929660"/>
+        <p14:creationId xmlns:p14="http://schemas.microsoft.com/office/powerpoint/2010/main" val="150335864"/>
       </p:ext>
     </p:extLst>
   </p:cSld>
@@ -4385,7 +4389,7 @@
     </p:spTree>
     <p:extLst>
       <p:ext uri="{BB962C8B-B14F-4D97-AF65-F5344CB8AC3E}">
-        <p14:creationId xmlns:p14="http://schemas.microsoft.com/office/powerpoint/2010/main" val="3079792467"/>
+        <p14:creationId xmlns:p14="http://schemas.microsoft.com/office/powerpoint/2010/main" val="508677048"/>
       </p:ext>
     </p:extLst>
   </p:cSld>
@@ -4439,32 +4443,7 @@
           <a:bodyPr/>
           <a:lstStyle/>
           <a:p>
-            <a:pPr marL="0" marR="0" indent="0" algn="l" defTabSz="914400" rtl="0" eaLnBrk="1" fontAlgn="auto" latinLnBrk="0" hangingPunct="1">
-              <a:lnSpc>
-                <a:spcPct val="100000"/>
-              </a:lnSpc>
-              <a:spcBef>
-                <a:spcPts val="0"/>
-              </a:spcBef>
-              <a:spcAft>
-                <a:spcPts val="0"/>
-              </a:spcAft>
-              <a:buClrTx/>
-              <a:buSzTx/>
-              <a:buFontTx/>
-              <a:buNone/>
-              <a:tabLst/>
-              <a:defRPr/>
-            </a:pPr>
-            <a:endParaRPr lang="en-US" sz="1200" kern="1200" dirty="0" smtClean="0">
-              <a:solidFill>
-                <a:schemeClr val="tx1"/>
-              </a:solidFill>
-              <a:effectLst/>
-              <a:latin typeface="+mn-lt"/>
-              <a:ea typeface="+mn-ea"/>
-              <a:cs typeface="+mn-cs"/>
-            </a:endParaRPr>
+            <a:endParaRPr lang="en-US" b="0" dirty="0" smtClean="0"/>
           </a:p>
         </p:txBody>
       </p:sp>
@@ -4494,7 +4473,7 @@
     </p:spTree>
     <p:extLst>
       <p:ext uri="{BB962C8B-B14F-4D97-AF65-F5344CB8AC3E}">
-        <p14:creationId xmlns:p14="http://schemas.microsoft.com/office/powerpoint/2010/main" val="1704645259"/>
+        <p14:creationId xmlns:p14="http://schemas.microsoft.com/office/powerpoint/2010/main" val="1174323916"/>
       </p:ext>
     </p:extLst>
   </p:cSld>
@@ -4662,7 +4641,7 @@
     </p:spTree>
     <p:extLst>
       <p:ext uri="{BB962C8B-B14F-4D97-AF65-F5344CB8AC3E}">
-        <p14:creationId xmlns:p14="http://schemas.microsoft.com/office/powerpoint/2010/main" val="381415188"/>
+        <p14:creationId xmlns:p14="http://schemas.microsoft.com/office/powerpoint/2010/main" val="22929660"/>
       </p:ext>
     </p:extLst>
   </p:cSld>
@@ -4746,7 +4725,7 @@
     </p:spTree>
     <p:extLst>
       <p:ext uri="{BB962C8B-B14F-4D97-AF65-F5344CB8AC3E}">
-        <p14:creationId xmlns:p14="http://schemas.microsoft.com/office/powerpoint/2010/main" val="3344468672"/>
+        <p14:creationId xmlns:p14="http://schemas.microsoft.com/office/powerpoint/2010/main" val="3079792467"/>
       </p:ext>
     </p:extLst>
   </p:cSld>
@@ -4800,7 +4779,32 @@
           <a:bodyPr/>
           <a:lstStyle/>
           <a:p>
-            <a:endParaRPr lang="en-US" b="0" dirty="0" smtClean="0"/>
+            <a:pPr marL="0" marR="0" indent="0" algn="l" defTabSz="914400" rtl="0" eaLnBrk="1" fontAlgn="auto" latinLnBrk="0" hangingPunct="1">
+              <a:lnSpc>
+                <a:spcPct val="100000"/>
+              </a:lnSpc>
+              <a:spcBef>
+                <a:spcPts val="0"/>
+              </a:spcBef>
+              <a:spcAft>
+                <a:spcPts val="0"/>
+              </a:spcAft>
+              <a:buClrTx/>
+              <a:buSzTx/>
+              <a:buFontTx/>
+              <a:buNone/>
+              <a:tabLst/>
+              <a:defRPr/>
+            </a:pPr>
+            <a:endParaRPr lang="en-US" sz="1200" kern="1200" dirty="0" smtClean="0">
+              <a:solidFill>
+                <a:schemeClr val="tx1"/>
+              </a:solidFill>
+              <a:effectLst/>
+              <a:latin typeface="+mn-lt"/>
+              <a:ea typeface="+mn-ea"/>
+              <a:cs typeface="+mn-cs"/>
+            </a:endParaRPr>
           </a:p>
         </p:txBody>
       </p:sp>
@@ -4830,7 +4834,7 @@
     </p:spTree>
     <p:extLst>
       <p:ext uri="{BB962C8B-B14F-4D97-AF65-F5344CB8AC3E}">
-        <p14:creationId xmlns:p14="http://schemas.microsoft.com/office/powerpoint/2010/main" val="3143393369"/>
+        <p14:creationId xmlns:p14="http://schemas.microsoft.com/office/powerpoint/2010/main" val="1704645259"/>
       </p:ext>
     </p:extLst>
   </p:cSld>
@@ -4884,6 +4888,342 @@
           <a:bodyPr/>
           <a:lstStyle/>
           <a:p>
+            <a:endParaRPr lang="en-US" b="0" dirty="0" smtClean="0"/>
+          </a:p>
+        </p:txBody>
+      </p:sp>
+      <p:sp>
+        <p:nvSpPr>
+          <p:cNvPr id="4" name="Slide Number Placeholder 3"/>
+          <p:cNvSpPr>
+            <a:spLocks noGrp="1"/>
+          </p:cNvSpPr>
+          <p:nvPr>
+            <p:ph type="sldNum" sz="quarter" idx="10"/>
+          </p:nvPr>
+        </p:nvSpPr>
+        <p:spPr/>
+        <p:txBody>
+          <a:bodyPr/>
+          <a:lstStyle/>
+          <a:p>
+            <a:fld id="{89029652-62E7-43D6-83B5-097D7B7AA5D8}" type="slidenum">
+              <a:rPr lang="en-US" smtClean="0"/>
+              <a:t>53</a:t>
+            </a:fld>
+            <a:endParaRPr lang="en-US"/>
+          </a:p>
+        </p:txBody>
+      </p:sp>
+    </p:spTree>
+    <p:extLst>
+      <p:ext uri="{BB962C8B-B14F-4D97-AF65-F5344CB8AC3E}">
+        <p14:creationId xmlns:p14="http://schemas.microsoft.com/office/powerpoint/2010/main" val="381415188"/>
+      </p:ext>
+    </p:extLst>
+  </p:cSld>
+  <p:clrMapOvr>
+    <a:masterClrMapping/>
+  </p:clrMapOvr>
+</p:notes>
+</file>
+
+<file path=ppt/notesSlides/notesSlide54.xml><?xml version="1.0" encoding="utf-8"?>
+<p:notes xmlns:a="http://schemas.openxmlformats.org/drawingml/2006/main" xmlns:r="http://schemas.openxmlformats.org/officeDocument/2006/relationships" xmlns:p="http://schemas.openxmlformats.org/presentationml/2006/main">
+  <p:cSld>
+    <p:spTree>
+      <p:nvGrpSpPr>
+        <p:cNvPr id="1" name=""/>
+        <p:cNvGrpSpPr/>
+        <p:nvPr/>
+      </p:nvGrpSpPr>
+      <p:grpSpPr>
+        <a:xfrm>
+          <a:off x="0" y="0"/>
+          <a:ext cx="0" cy="0"/>
+          <a:chOff x="0" y="0"/>
+          <a:chExt cx="0" cy="0"/>
+        </a:xfrm>
+      </p:grpSpPr>
+      <p:sp>
+        <p:nvSpPr>
+          <p:cNvPr id="2" name="Slide Image Placeholder 1"/>
+          <p:cNvSpPr>
+            <a:spLocks noGrp="1" noRot="1" noChangeAspect="1"/>
+          </p:cNvSpPr>
+          <p:nvPr>
+            <p:ph type="sldImg"/>
+          </p:nvPr>
+        </p:nvSpPr>
+        <p:spPr/>
+      </p:sp>
+      <p:sp>
+        <p:nvSpPr>
+          <p:cNvPr id="3" name="Notes Placeholder 2"/>
+          <p:cNvSpPr>
+            <a:spLocks noGrp="1"/>
+          </p:cNvSpPr>
+          <p:nvPr>
+            <p:ph type="body" idx="1"/>
+          </p:nvPr>
+        </p:nvSpPr>
+        <p:spPr/>
+        <p:txBody>
+          <a:bodyPr/>
+          <a:lstStyle/>
+          <a:p>
+            <a:endParaRPr lang="en-US" b="0" dirty="0" smtClean="0"/>
+          </a:p>
+        </p:txBody>
+      </p:sp>
+      <p:sp>
+        <p:nvSpPr>
+          <p:cNvPr id="4" name="Slide Number Placeholder 3"/>
+          <p:cNvSpPr>
+            <a:spLocks noGrp="1"/>
+          </p:cNvSpPr>
+          <p:nvPr>
+            <p:ph type="sldNum" sz="quarter" idx="10"/>
+          </p:nvPr>
+        </p:nvSpPr>
+        <p:spPr/>
+        <p:txBody>
+          <a:bodyPr/>
+          <a:lstStyle/>
+          <a:p>
+            <a:fld id="{89029652-62E7-43D6-83B5-097D7B7AA5D8}" type="slidenum">
+              <a:rPr lang="en-US" smtClean="0"/>
+              <a:t>54</a:t>
+            </a:fld>
+            <a:endParaRPr lang="en-US"/>
+          </a:p>
+        </p:txBody>
+      </p:sp>
+    </p:spTree>
+    <p:extLst>
+      <p:ext uri="{BB962C8B-B14F-4D97-AF65-F5344CB8AC3E}">
+        <p14:creationId xmlns:p14="http://schemas.microsoft.com/office/powerpoint/2010/main" val="3479328780"/>
+      </p:ext>
+    </p:extLst>
+  </p:cSld>
+  <p:clrMapOvr>
+    <a:masterClrMapping/>
+  </p:clrMapOvr>
+</p:notes>
+</file>
+
+<file path=ppt/notesSlides/notesSlide55.xml><?xml version="1.0" encoding="utf-8"?>
+<p:notes xmlns:a="http://schemas.openxmlformats.org/drawingml/2006/main" xmlns:r="http://schemas.openxmlformats.org/officeDocument/2006/relationships" xmlns:p="http://schemas.openxmlformats.org/presentationml/2006/main">
+  <p:cSld>
+    <p:spTree>
+      <p:nvGrpSpPr>
+        <p:cNvPr id="1" name=""/>
+        <p:cNvGrpSpPr/>
+        <p:nvPr/>
+      </p:nvGrpSpPr>
+      <p:grpSpPr>
+        <a:xfrm>
+          <a:off x="0" y="0"/>
+          <a:ext cx="0" cy="0"/>
+          <a:chOff x="0" y="0"/>
+          <a:chExt cx="0" cy="0"/>
+        </a:xfrm>
+      </p:grpSpPr>
+      <p:sp>
+        <p:nvSpPr>
+          <p:cNvPr id="2" name="Slide Image Placeholder 1"/>
+          <p:cNvSpPr>
+            <a:spLocks noGrp="1" noRot="1" noChangeAspect="1"/>
+          </p:cNvSpPr>
+          <p:nvPr>
+            <p:ph type="sldImg"/>
+          </p:nvPr>
+        </p:nvSpPr>
+        <p:spPr/>
+      </p:sp>
+      <p:sp>
+        <p:nvSpPr>
+          <p:cNvPr id="3" name="Notes Placeholder 2"/>
+          <p:cNvSpPr>
+            <a:spLocks noGrp="1"/>
+          </p:cNvSpPr>
+          <p:nvPr>
+            <p:ph type="body" idx="1"/>
+          </p:nvPr>
+        </p:nvSpPr>
+        <p:spPr/>
+        <p:txBody>
+          <a:bodyPr/>
+          <a:lstStyle/>
+          <a:p>
+            <a:endParaRPr lang="en-US" b="0" dirty="0" smtClean="0"/>
+          </a:p>
+        </p:txBody>
+      </p:sp>
+      <p:sp>
+        <p:nvSpPr>
+          <p:cNvPr id="4" name="Slide Number Placeholder 3"/>
+          <p:cNvSpPr>
+            <a:spLocks noGrp="1"/>
+          </p:cNvSpPr>
+          <p:nvPr>
+            <p:ph type="sldNum" sz="quarter" idx="10"/>
+          </p:nvPr>
+        </p:nvSpPr>
+        <p:spPr/>
+        <p:txBody>
+          <a:bodyPr/>
+          <a:lstStyle/>
+          <a:p>
+            <a:fld id="{89029652-62E7-43D6-83B5-097D7B7AA5D8}" type="slidenum">
+              <a:rPr lang="en-US" smtClean="0"/>
+              <a:t>55</a:t>
+            </a:fld>
+            <a:endParaRPr lang="en-US"/>
+          </a:p>
+        </p:txBody>
+      </p:sp>
+    </p:spTree>
+    <p:extLst>
+      <p:ext uri="{BB962C8B-B14F-4D97-AF65-F5344CB8AC3E}">
+        <p14:creationId xmlns:p14="http://schemas.microsoft.com/office/powerpoint/2010/main" val="3344468672"/>
+      </p:ext>
+    </p:extLst>
+  </p:cSld>
+  <p:clrMapOvr>
+    <a:masterClrMapping/>
+  </p:clrMapOvr>
+</p:notes>
+</file>
+
+<file path=ppt/notesSlides/notesSlide56.xml><?xml version="1.0" encoding="utf-8"?>
+<p:notes xmlns:a="http://schemas.openxmlformats.org/drawingml/2006/main" xmlns:r="http://schemas.openxmlformats.org/officeDocument/2006/relationships" xmlns:p="http://schemas.openxmlformats.org/presentationml/2006/main">
+  <p:cSld>
+    <p:spTree>
+      <p:nvGrpSpPr>
+        <p:cNvPr id="1" name=""/>
+        <p:cNvGrpSpPr/>
+        <p:nvPr/>
+      </p:nvGrpSpPr>
+      <p:grpSpPr>
+        <a:xfrm>
+          <a:off x="0" y="0"/>
+          <a:ext cx="0" cy="0"/>
+          <a:chOff x="0" y="0"/>
+          <a:chExt cx="0" cy="0"/>
+        </a:xfrm>
+      </p:grpSpPr>
+      <p:sp>
+        <p:nvSpPr>
+          <p:cNvPr id="2" name="Slide Image Placeholder 1"/>
+          <p:cNvSpPr>
+            <a:spLocks noGrp="1" noRot="1" noChangeAspect="1"/>
+          </p:cNvSpPr>
+          <p:nvPr>
+            <p:ph type="sldImg"/>
+          </p:nvPr>
+        </p:nvSpPr>
+        <p:spPr/>
+      </p:sp>
+      <p:sp>
+        <p:nvSpPr>
+          <p:cNvPr id="3" name="Notes Placeholder 2"/>
+          <p:cNvSpPr>
+            <a:spLocks noGrp="1"/>
+          </p:cNvSpPr>
+          <p:nvPr>
+            <p:ph type="body" idx="1"/>
+          </p:nvPr>
+        </p:nvSpPr>
+        <p:spPr/>
+        <p:txBody>
+          <a:bodyPr/>
+          <a:lstStyle/>
+          <a:p>
+            <a:endParaRPr lang="en-US" b="0" dirty="0" smtClean="0"/>
+          </a:p>
+        </p:txBody>
+      </p:sp>
+      <p:sp>
+        <p:nvSpPr>
+          <p:cNvPr id="4" name="Slide Number Placeholder 3"/>
+          <p:cNvSpPr>
+            <a:spLocks noGrp="1"/>
+          </p:cNvSpPr>
+          <p:nvPr>
+            <p:ph type="sldNum" sz="quarter" idx="10"/>
+          </p:nvPr>
+        </p:nvSpPr>
+        <p:spPr/>
+        <p:txBody>
+          <a:bodyPr/>
+          <a:lstStyle/>
+          <a:p>
+            <a:fld id="{89029652-62E7-43D6-83B5-097D7B7AA5D8}" type="slidenum">
+              <a:rPr lang="en-US" smtClean="0"/>
+              <a:t>56</a:t>
+            </a:fld>
+            <a:endParaRPr lang="en-US"/>
+          </a:p>
+        </p:txBody>
+      </p:sp>
+    </p:spTree>
+    <p:extLst>
+      <p:ext uri="{BB962C8B-B14F-4D97-AF65-F5344CB8AC3E}">
+        <p14:creationId xmlns:p14="http://schemas.microsoft.com/office/powerpoint/2010/main" val="3143393369"/>
+      </p:ext>
+    </p:extLst>
+  </p:cSld>
+  <p:clrMapOvr>
+    <a:masterClrMapping/>
+  </p:clrMapOvr>
+</p:notes>
+</file>
+
+<file path=ppt/notesSlides/notesSlide57.xml><?xml version="1.0" encoding="utf-8"?>
+<p:notes xmlns:a="http://schemas.openxmlformats.org/drawingml/2006/main" xmlns:r="http://schemas.openxmlformats.org/officeDocument/2006/relationships" xmlns:p="http://schemas.openxmlformats.org/presentationml/2006/main">
+  <p:cSld>
+    <p:spTree>
+      <p:nvGrpSpPr>
+        <p:cNvPr id="1" name=""/>
+        <p:cNvGrpSpPr/>
+        <p:nvPr/>
+      </p:nvGrpSpPr>
+      <p:grpSpPr>
+        <a:xfrm>
+          <a:off x="0" y="0"/>
+          <a:ext cx="0" cy="0"/>
+          <a:chOff x="0" y="0"/>
+          <a:chExt cx="0" cy="0"/>
+        </a:xfrm>
+      </p:grpSpPr>
+      <p:sp>
+        <p:nvSpPr>
+          <p:cNvPr id="2" name="Slide Image Placeholder 1"/>
+          <p:cNvSpPr>
+            <a:spLocks noGrp="1" noRot="1" noChangeAspect="1"/>
+          </p:cNvSpPr>
+          <p:nvPr>
+            <p:ph type="sldImg"/>
+          </p:nvPr>
+        </p:nvSpPr>
+        <p:spPr/>
+      </p:sp>
+      <p:sp>
+        <p:nvSpPr>
+          <p:cNvPr id="3" name="Notes Placeholder 2"/>
+          <p:cNvSpPr>
+            <a:spLocks noGrp="1"/>
+          </p:cNvSpPr>
+          <p:nvPr>
+            <p:ph type="body" idx="1"/>
+          </p:nvPr>
+        </p:nvSpPr>
+        <p:spPr/>
+        <p:txBody>
+          <a:bodyPr/>
+          <a:lstStyle/>
+          <a:p>
             <a:pPr marL="0" marR="0" indent="0" algn="l" defTabSz="914400" rtl="0" eaLnBrk="1" fontAlgn="auto" latinLnBrk="0" hangingPunct="1">
               <a:lnSpc>
                 <a:spcPct val="100000"/>
@@ -4930,7 +5270,7 @@
           <a:p>
             <a:fld id="{89029652-62E7-43D6-83B5-097D7B7AA5D8}" type="slidenum">
               <a:rPr lang="en-US" smtClean="0"/>
-              <a:t>53</a:t>
+              <a:t>57</a:t>
             </a:fld>
             <a:endParaRPr lang="en-US"/>
           </a:p>
@@ -4940,342 +5280,6 @@
     <p:extLst>
       <p:ext uri="{BB962C8B-B14F-4D97-AF65-F5344CB8AC3E}">
         <p14:creationId xmlns:p14="http://schemas.microsoft.com/office/powerpoint/2010/main" val="1557858908"/>
-      </p:ext>
-    </p:extLst>
-  </p:cSld>
-  <p:clrMapOvr>
-    <a:masterClrMapping/>
-  </p:clrMapOvr>
-</p:notes>
-</file>
-
-<file path=ppt/notesSlides/notesSlide54.xml><?xml version="1.0" encoding="utf-8"?>
-<p:notes xmlns:a="http://schemas.openxmlformats.org/drawingml/2006/main" xmlns:r="http://schemas.openxmlformats.org/officeDocument/2006/relationships" xmlns:p="http://schemas.openxmlformats.org/presentationml/2006/main">
-  <p:cSld>
-    <p:spTree>
-      <p:nvGrpSpPr>
-        <p:cNvPr id="1" name=""/>
-        <p:cNvGrpSpPr/>
-        <p:nvPr/>
-      </p:nvGrpSpPr>
-      <p:grpSpPr>
-        <a:xfrm>
-          <a:off x="0" y="0"/>
-          <a:ext cx="0" cy="0"/>
-          <a:chOff x="0" y="0"/>
-          <a:chExt cx="0" cy="0"/>
-        </a:xfrm>
-      </p:grpSpPr>
-      <p:sp>
-        <p:nvSpPr>
-          <p:cNvPr id="2" name="Slide Image Placeholder 1"/>
-          <p:cNvSpPr>
-            <a:spLocks noGrp="1" noRot="1" noChangeAspect="1"/>
-          </p:cNvSpPr>
-          <p:nvPr>
-            <p:ph type="sldImg"/>
-          </p:nvPr>
-        </p:nvSpPr>
-        <p:spPr/>
-      </p:sp>
-      <p:sp>
-        <p:nvSpPr>
-          <p:cNvPr id="3" name="Notes Placeholder 2"/>
-          <p:cNvSpPr>
-            <a:spLocks noGrp="1"/>
-          </p:cNvSpPr>
-          <p:nvPr>
-            <p:ph type="body" idx="1"/>
-          </p:nvPr>
-        </p:nvSpPr>
-        <p:spPr/>
-        <p:txBody>
-          <a:bodyPr/>
-          <a:lstStyle/>
-          <a:p>
-            <a:endParaRPr lang="en-US" b="0" dirty="0" smtClean="0"/>
-          </a:p>
-        </p:txBody>
-      </p:sp>
-      <p:sp>
-        <p:nvSpPr>
-          <p:cNvPr id="4" name="Slide Number Placeholder 3"/>
-          <p:cNvSpPr>
-            <a:spLocks noGrp="1"/>
-          </p:cNvSpPr>
-          <p:nvPr>
-            <p:ph type="sldNum" sz="quarter" idx="10"/>
-          </p:nvPr>
-        </p:nvSpPr>
-        <p:spPr/>
-        <p:txBody>
-          <a:bodyPr/>
-          <a:lstStyle/>
-          <a:p>
-            <a:fld id="{89029652-62E7-43D6-83B5-097D7B7AA5D8}" type="slidenum">
-              <a:rPr lang="en-US" smtClean="0"/>
-              <a:t>54</a:t>
-            </a:fld>
-            <a:endParaRPr lang="en-US"/>
-          </a:p>
-        </p:txBody>
-      </p:sp>
-    </p:spTree>
-    <p:extLst>
-      <p:ext uri="{BB962C8B-B14F-4D97-AF65-F5344CB8AC3E}">
-        <p14:creationId xmlns:p14="http://schemas.microsoft.com/office/powerpoint/2010/main" val="3450469856"/>
-      </p:ext>
-    </p:extLst>
-  </p:cSld>
-  <p:clrMapOvr>
-    <a:masterClrMapping/>
-  </p:clrMapOvr>
-</p:notes>
-</file>
-
-<file path=ppt/notesSlides/notesSlide55.xml><?xml version="1.0" encoding="utf-8"?>
-<p:notes xmlns:a="http://schemas.openxmlformats.org/drawingml/2006/main" xmlns:r="http://schemas.openxmlformats.org/officeDocument/2006/relationships" xmlns:p="http://schemas.openxmlformats.org/presentationml/2006/main">
-  <p:cSld>
-    <p:spTree>
-      <p:nvGrpSpPr>
-        <p:cNvPr id="1" name=""/>
-        <p:cNvGrpSpPr/>
-        <p:nvPr/>
-      </p:nvGrpSpPr>
-      <p:grpSpPr>
-        <a:xfrm>
-          <a:off x="0" y="0"/>
-          <a:ext cx="0" cy="0"/>
-          <a:chOff x="0" y="0"/>
-          <a:chExt cx="0" cy="0"/>
-        </a:xfrm>
-      </p:grpSpPr>
-      <p:sp>
-        <p:nvSpPr>
-          <p:cNvPr id="2" name="Slide Image Placeholder 1"/>
-          <p:cNvSpPr>
-            <a:spLocks noGrp="1" noRot="1" noChangeAspect="1"/>
-          </p:cNvSpPr>
-          <p:nvPr>
-            <p:ph type="sldImg"/>
-          </p:nvPr>
-        </p:nvSpPr>
-        <p:spPr/>
-      </p:sp>
-      <p:sp>
-        <p:nvSpPr>
-          <p:cNvPr id="3" name="Notes Placeholder 2"/>
-          <p:cNvSpPr>
-            <a:spLocks noGrp="1"/>
-          </p:cNvSpPr>
-          <p:nvPr>
-            <p:ph type="body" idx="1"/>
-          </p:nvPr>
-        </p:nvSpPr>
-        <p:spPr/>
-        <p:txBody>
-          <a:bodyPr/>
-          <a:lstStyle/>
-          <a:p>
-            <a:endParaRPr lang="en-US" b="0" dirty="0" smtClean="0"/>
-          </a:p>
-        </p:txBody>
-      </p:sp>
-      <p:sp>
-        <p:nvSpPr>
-          <p:cNvPr id="4" name="Slide Number Placeholder 3"/>
-          <p:cNvSpPr>
-            <a:spLocks noGrp="1"/>
-          </p:cNvSpPr>
-          <p:nvPr>
-            <p:ph type="sldNum" sz="quarter" idx="10"/>
-          </p:nvPr>
-        </p:nvSpPr>
-        <p:spPr/>
-        <p:txBody>
-          <a:bodyPr/>
-          <a:lstStyle/>
-          <a:p>
-            <a:fld id="{89029652-62E7-43D6-83B5-097D7B7AA5D8}" type="slidenum">
-              <a:rPr lang="en-US" smtClean="0"/>
-              <a:t>55</a:t>
-            </a:fld>
-            <a:endParaRPr lang="en-US"/>
-          </a:p>
-        </p:txBody>
-      </p:sp>
-    </p:spTree>
-    <p:extLst>
-      <p:ext uri="{BB962C8B-B14F-4D97-AF65-F5344CB8AC3E}">
-        <p14:creationId xmlns:p14="http://schemas.microsoft.com/office/powerpoint/2010/main" val="2647091800"/>
-      </p:ext>
-    </p:extLst>
-  </p:cSld>
-  <p:clrMapOvr>
-    <a:masterClrMapping/>
-  </p:clrMapOvr>
-</p:notes>
-</file>
-
-<file path=ppt/notesSlides/notesSlide56.xml><?xml version="1.0" encoding="utf-8"?>
-<p:notes xmlns:a="http://schemas.openxmlformats.org/drawingml/2006/main" xmlns:r="http://schemas.openxmlformats.org/officeDocument/2006/relationships" xmlns:p="http://schemas.openxmlformats.org/presentationml/2006/main">
-  <p:cSld>
-    <p:spTree>
-      <p:nvGrpSpPr>
-        <p:cNvPr id="1" name=""/>
-        <p:cNvGrpSpPr/>
-        <p:nvPr/>
-      </p:nvGrpSpPr>
-      <p:grpSpPr>
-        <a:xfrm>
-          <a:off x="0" y="0"/>
-          <a:ext cx="0" cy="0"/>
-          <a:chOff x="0" y="0"/>
-          <a:chExt cx="0" cy="0"/>
-        </a:xfrm>
-      </p:grpSpPr>
-      <p:sp>
-        <p:nvSpPr>
-          <p:cNvPr id="2" name="Slide Image Placeholder 1"/>
-          <p:cNvSpPr>
-            <a:spLocks noGrp="1" noRot="1" noChangeAspect="1"/>
-          </p:cNvSpPr>
-          <p:nvPr>
-            <p:ph type="sldImg"/>
-          </p:nvPr>
-        </p:nvSpPr>
-        <p:spPr/>
-      </p:sp>
-      <p:sp>
-        <p:nvSpPr>
-          <p:cNvPr id="3" name="Notes Placeholder 2"/>
-          <p:cNvSpPr>
-            <a:spLocks noGrp="1"/>
-          </p:cNvSpPr>
-          <p:nvPr>
-            <p:ph type="body" idx="1"/>
-          </p:nvPr>
-        </p:nvSpPr>
-        <p:spPr/>
-        <p:txBody>
-          <a:bodyPr/>
-          <a:lstStyle/>
-          <a:p>
-            <a:endParaRPr lang="en-US" b="0" dirty="0" smtClean="0"/>
-          </a:p>
-        </p:txBody>
-      </p:sp>
-      <p:sp>
-        <p:nvSpPr>
-          <p:cNvPr id="4" name="Slide Number Placeholder 3"/>
-          <p:cNvSpPr>
-            <a:spLocks noGrp="1"/>
-          </p:cNvSpPr>
-          <p:nvPr>
-            <p:ph type="sldNum" sz="quarter" idx="10"/>
-          </p:nvPr>
-        </p:nvSpPr>
-        <p:spPr/>
-        <p:txBody>
-          <a:bodyPr/>
-          <a:lstStyle/>
-          <a:p>
-            <a:fld id="{89029652-62E7-43D6-83B5-097D7B7AA5D8}" type="slidenum">
-              <a:rPr lang="en-US" smtClean="0"/>
-              <a:t>56</a:t>
-            </a:fld>
-            <a:endParaRPr lang="en-US"/>
-          </a:p>
-        </p:txBody>
-      </p:sp>
-    </p:spTree>
-    <p:extLst>
-      <p:ext uri="{BB962C8B-B14F-4D97-AF65-F5344CB8AC3E}">
-        <p14:creationId xmlns:p14="http://schemas.microsoft.com/office/powerpoint/2010/main" val="3603726692"/>
-      </p:ext>
-    </p:extLst>
-  </p:cSld>
-  <p:clrMapOvr>
-    <a:masterClrMapping/>
-  </p:clrMapOvr>
-</p:notes>
-</file>
-
-<file path=ppt/notesSlides/notesSlide57.xml><?xml version="1.0" encoding="utf-8"?>
-<p:notes xmlns:a="http://schemas.openxmlformats.org/drawingml/2006/main" xmlns:r="http://schemas.openxmlformats.org/officeDocument/2006/relationships" xmlns:p="http://schemas.openxmlformats.org/presentationml/2006/main">
-  <p:cSld>
-    <p:spTree>
-      <p:nvGrpSpPr>
-        <p:cNvPr id="1" name=""/>
-        <p:cNvGrpSpPr/>
-        <p:nvPr/>
-      </p:nvGrpSpPr>
-      <p:grpSpPr>
-        <a:xfrm>
-          <a:off x="0" y="0"/>
-          <a:ext cx="0" cy="0"/>
-          <a:chOff x="0" y="0"/>
-          <a:chExt cx="0" cy="0"/>
-        </a:xfrm>
-      </p:grpSpPr>
-      <p:sp>
-        <p:nvSpPr>
-          <p:cNvPr id="2" name="Slide Image Placeholder 1"/>
-          <p:cNvSpPr>
-            <a:spLocks noGrp="1" noRot="1" noChangeAspect="1"/>
-          </p:cNvSpPr>
-          <p:nvPr>
-            <p:ph type="sldImg"/>
-          </p:nvPr>
-        </p:nvSpPr>
-        <p:spPr/>
-      </p:sp>
-      <p:sp>
-        <p:nvSpPr>
-          <p:cNvPr id="3" name="Notes Placeholder 2"/>
-          <p:cNvSpPr>
-            <a:spLocks noGrp="1"/>
-          </p:cNvSpPr>
-          <p:nvPr>
-            <p:ph type="body" idx="1"/>
-          </p:nvPr>
-        </p:nvSpPr>
-        <p:spPr/>
-        <p:txBody>
-          <a:bodyPr/>
-          <a:lstStyle/>
-          <a:p>
-            <a:endParaRPr lang="en-US" b="0" dirty="0" smtClean="0"/>
-          </a:p>
-        </p:txBody>
-      </p:sp>
-      <p:sp>
-        <p:nvSpPr>
-          <p:cNvPr id="4" name="Slide Number Placeholder 3"/>
-          <p:cNvSpPr>
-            <a:spLocks noGrp="1"/>
-          </p:cNvSpPr>
-          <p:nvPr>
-            <p:ph type="sldNum" sz="quarter" idx="10"/>
-          </p:nvPr>
-        </p:nvSpPr>
-        <p:spPr/>
-        <p:txBody>
-          <a:bodyPr/>
-          <a:lstStyle/>
-          <a:p>
-            <a:fld id="{89029652-62E7-43D6-83B5-097D7B7AA5D8}" type="slidenum">
-              <a:rPr lang="en-US" smtClean="0"/>
-              <a:t>57</a:t>
-            </a:fld>
-            <a:endParaRPr lang="en-US"/>
-          </a:p>
-        </p:txBody>
-      </p:sp>
-    </p:spTree>
-    <p:extLst>
-      <p:ext uri="{BB962C8B-B14F-4D97-AF65-F5344CB8AC3E}">
-        <p14:creationId xmlns:p14="http://schemas.microsoft.com/office/powerpoint/2010/main" val="2106924964"/>
       </p:ext>
     </p:extLst>
   </p:cSld>
@@ -5359,7 +5363,7 @@
     </p:spTree>
     <p:extLst>
       <p:ext uri="{BB962C8B-B14F-4D97-AF65-F5344CB8AC3E}">
-        <p14:creationId xmlns:p14="http://schemas.microsoft.com/office/powerpoint/2010/main" val="506673237"/>
+        <p14:creationId xmlns:p14="http://schemas.microsoft.com/office/powerpoint/2010/main" val="3450469856"/>
       </p:ext>
     </p:extLst>
   </p:cSld>
@@ -5413,32 +5417,7 @@
           <a:bodyPr/>
           <a:lstStyle/>
           <a:p>
-            <a:pPr marL="0" marR="0" indent="0" algn="l" defTabSz="914400" rtl="0" eaLnBrk="1" fontAlgn="auto" latinLnBrk="0" hangingPunct="1">
-              <a:lnSpc>
-                <a:spcPct val="100000"/>
-              </a:lnSpc>
-              <a:spcBef>
-                <a:spcPts val="0"/>
-              </a:spcBef>
-              <a:spcAft>
-                <a:spcPts val="0"/>
-              </a:spcAft>
-              <a:buClrTx/>
-              <a:buSzTx/>
-              <a:buFontTx/>
-              <a:buNone/>
-              <a:tabLst/>
-              <a:defRPr/>
-            </a:pPr>
-            <a:endParaRPr lang="en-US" sz="1200" kern="1200" dirty="0" smtClean="0">
-              <a:solidFill>
-                <a:schemeClr val="tx1"/>
-              </a:solidFill>
-              <a:effectLst/>
-              <a:latin typeface="+mn-lt"/>
-              <a:ea typeface="+mn-ea"/>
-              <a:cs typeface="+mn-cs"/>
-            </a:endParaRPr>
+            <a:endParaRPr lang="en-US" b="0" dirty="0" smtClean="0"/>
           </a:p>
         </p:txBody>
       </p:sp>
@@ -5468,7 +5447,7 @@
     </p:spTree>
     <p:extLst>
       <p:ext uri="{BB962C8B-B14F-4D97-AF65-F5344CB8AC3E}">
-        <p14:creationId xmlns:p14="http://schemas.microsoft.com/office/powerpoint/2010/main" val="1923953829"/>
+        <p14:creationId xmlns:p14="http://schemas.microsoft.com/office/powerpoint/2010/main" val="2647091800"/>
       </p:ext>
     </p:extLst>
   </p:cSld>
@@ -5636,7 +5615,7 @@
     </p:spTree>
     <p:extLst>
       <p:ext uri="{BB962C8B-B14F-4D97-AF65-F5344CB8AC3E}">
-        <p14:creationId xmlns:p14="http://schemas.microsoft.com/office/powerpoint/2010/main" val="531577243"/>
+        <p14:creationId xmlns:p14="http://schemas.microsoft.com/office/powerpoint/2010/main" val="3603726692"/>
       </p:ext>
     </p:extLst>
   </p:cSld>
@@ -5720,7 +5699,7 @@
     </p:spTree>
     <p:extLst>
       <p:ext uri="{BB962C8B-B14F-4D97-AF65-F5344CB8AC3E}">
-        <p14:creationId xmlns:p14="http://schemas.microsoft.com/office/powerpoint/2010/main" val="2079785236"/>
+        <p14:creationId xmlns:p14="http://schemas.microsoft.com/office/powerpoint/2010/main" val="2106924964"/>
       </p:ext>
     </p:extLst>
   </p:cSld>
@@ -5804,7 +5783,7 @@
     </p:spTree>
     <p:extLst>
       <p:ext uri="{BB962C8B-B14F-4D97-AF65-F5344CB8AC3E}">
-        <p14:creationId xmlns:p14="http://schemas.microsoft.com/office/powerpoint/2010/main" val="1664318980"/>
+        <p14:creationId xmlns:p14="http://schemas.microsoft.com/office/powerpoint/2010/main" val="506673237"/>
       </p:ext>
     </p:extLst>
   </p:cSld>
@@ -5858,7 +5837,32 @@
           <a:bodyPr/>
           <a:lstStyle/>
           <a:p>
-            <a:endParaRPr lang="en-US" b="0" dirty="0" smtClean="0"/>
+            <a:pPr marL="0" marR="0" indent="0" algn="l" defTabSz="914400" rtl="0" eaLnBrk="1" fontAlgn="auto" latinLnBrk="0" hangingPunct="1">
+              <a:lnSpc>
+                <a:spcPct val="100000"/>
+              </a:lnSpc>
+              <a:spcBef>
+                <a:spcPts val="0"/>
+              </a:spcBef>
+              <a:spcAft>
+                <a:spcPts val="0"/>
+              </a:spcAft>
+              <a:buClrTx/>
+              <a:buSzTx/>
+              <a:buFontTx/>
+              <a:buNone/>
+              <a:tabLst/>
+              <a:defRPr/>
+            </a:pPr>
+            <a:endParaRPr lang="en-US" sz="1200" kern="1200" dirty="0" smtClean="0">
+              <a:solidFill>
+                <a:schemeClr val="tx1"/>
+              </a:solidFill>
+              <a:effectLst/>
+              <a:latin typeface="+mn-lt"/>
+              <a:ea typeface="+mn-ea"/>
+              <a:cs typeface="+mn-cs"/>
+            </a:endParaRPr>
           </a:p>
         </p:txBody>
       </p:sp>
@@ -5888,7 +5892,7 @@
     </p:spTree>
     <p:extLst>
       <p:ext uri="{BB962C8B-B14F-4D97-AF65-F5344CB8AC3E}">
-        <p14:creationId xmlns:p14="http://schemas.microsoft.com/office/powerpoint/2010/main" val="1581406028"/>
+        <p14:creationId xmlns:p14="http://schemas.microsoft.com/office/powerpoint/2010/main" val="1923953829"/>
       </p:ext>
     </p:extLst>
   </p:cSld>
@@ -5972,7 +5976,7 @@
     </p:spTree>
     <p:extLst>
       <p:ext uri="{BB962C8B-B14F-4D97-AF65-F5344CB8AC3E}">
-        <p14:creationId xmlns:p14="http://schemas.microsoft.com/office/powerpoint/2010/main" val="299799724"/>
+        <p14:creationId xmlns:p14="http://schemas.microsoft.com/office/powerpoint/2010/main" val="531577243"/>
       </p:ext>
     </p:extLst>
   </p:cSld>
@@ -6056,7 +6060,7 @@
     </p:spTree>
     <p:extLst>
       <p:ext uri="{BB962C8B-B14F-4D97-AF65-F5344CB8AC3E}">
-        <p14:creationId xmlns:p14="http://schemas.microsoft.com/office/powerpoint/2010/main" val="2229440876"/>
+        <p14:creationId xmlns:p14="http://schemas.microsoft.com/office/powerpoint/2010/main" val="2079785236"/>
       </p:ext>
     </p:extLst>
   </p:cSld>
@@ -6140,7 +6144,7 @@
     </p:spTree>
     <p:extLst>
       <p:ext uri="{BB962C8B-B14F-4D97-AF65-F5344CB8AC3E}">
-        <p14:creationId xmlns:p14="http://schemas.microsoft.com/office/powerpoint/2010/main" val="2350728921"/>
+        <p14:creationId xmlns:p14="http://schemas.microsoft.com/office/powerpoint/2010/main" val="1664318980"/>
       </p:ext>
     </p:extLst>
   </p:cSld>
@@ -6224,7 +6228,7 @@
     </p:spTree>
     <p:extLst>
       <p:ext uri="{BB962C8B-B14F-4D97-AF65-F5344CB8AC3E}">
-        <p14:creationId xmlns:p14="http://schemas.microsoft.com/office/powerpoint/2010/main" val="1004591723"/>
+        <p14:creationId xmlns:p14="http://schemas.microsoft.com/office/powerpoint/2010/main" val="1581406028"/>
       </p:ext>
     </p:extLst>
   </p:cSld>
@@ -6308,7 +6312,7 @@
     </p:spTree>
     <p:extLst>
       <p:ext uri="{BB962C8B-B14F-4D97-AF65-F5344CB8AC3E}">
-        <p14:creationId xmlns:p14="http://schemas.microsoft.com/office/powerpoint/2010/main" val="1737165775"/>
+        <p14:creationId xmlns:p14="http://schemas.microsoft.com/office/powerpoint/2010/main" val="299799724"/>
       </p:ext>
     </p:extLst>
   </p:cSld>
@@ -6392,7 +6396,7 @@
     </p:spTree>
     <p:extLst>
       <p:ext uri="{BB962C8B-B14F-4D97-AF65-F5344CB8AC3E}">
-        <p14:creationId xmlns:p14="http://schemas.microsoft.com/office/powerpoint/2010/main" val="1030293071"/>
+        <p14:creationId xmlns:p14="http://schemas.microsoft.com/office/powerpoint/2010/main" val="2229440876"/>
       </p:ext>
     </p:extLst>
   </p:cSld>
@@ -6560,7 +6564,7 @@
     </p:spTree>
     <p:extLst>
       <p:ext uri="{BB962C8B-B14F-4D97-AF65-F5344CB8AC3E}">
-        <p14:creationId xmlns:p14="http://schemas.microsoft.com/office/powerpoint/2010/main" val="834707851"/>
+        <p14:creationId xmlns:p14="http://schemas.microsoft.com/office/powerpoint/2010/main" val="2350728921"/>
       </p:ext>
     </p:extLst>
   </p:cSld>
@@ -6644,7 +6648,7 @@
     </p:spTree>
     <p:extLst>
       <p:ext uri="{BB962C8B-B14F-4D97-AF65-F5344CB8AC3E}">
-        <p14:creationId xmlns:p14="http://schemas.microsoft.com/office/powerpoint/2010/main" val="1542746690"/>
+        <p14:creationId xmlns:p14="http://schemas.microsoft.com/office/powerpoint/2010/main" val="1004591723"/>
       </p:ext>
     </p:extLst>
   </p:cSld>
@@ -6728,7 +6732,7 @@
     </p:spTree>
     <p:extLst>
       <p:ext uri="{BB962C8B-B14F-4D97-AF65-F5344CB8AC3E}">
-        <p14:creationId xmlns:p14="http://schemas.microsoft.com/office/powerpoint/2010/main" val="3271074343"/>
+        <p14:creationId xmlns:p14="http://schemas.microsoft.com/office/powerpoint/2010/main" val="1737165775"/>
       </p:ext>
     </p:extLst>
   </p:cSld>
@@ -6812,7 +6816,7 @@
     </p:spTree>
     <p:extLst>
       <p:ext uri="{BB962C8B-B14F-4D97-AF65-F5344CB8AC3E}">
-        <p14:creationId xmlns:p14="http://schemas.microsoft.com/office/powerpoint/2010/main" val="2298775834"/>
+        <p14:creationId xmlns:p14="http://schemas.microsoft.com/office/powerpoint/2010/main" val="1030293071"/>
       </p:ext>
     </p:extLst>
   </p:cSld>
@@ -6866,6 +6870,342 @@
           <a:bodyPr/>
           <a:lstStyle/>
           <a:p>
+            <a:endParaRPr lang="en-US" b="0" dirty="0" smtClean="0"/>
+          </a:p>
+        </p:txBody>
+      </p:sp>
+      <p:sp>
+        <p:nvSpPr>
+          <p:cNvPr id="4" name="Slide Number Placeholder 3"/>
+          <p:cNvSpPr>
+            <a:spLocks noGrp="1"/>
+          </p:cNvSpPr>
+          <p:nvPr>
+            <p:ph type="sldNum" sz="quarter" idx="10"/>
+          </p:nvPr>
+        </p:nvSpPr>
+        <p:spPr/>
+        <p:txBody>
+          <a:bodyPr/>
+          <a:lstStyle/>
+          <a:p>
+            <a:fld id="{89029652-62E7-43D6-83B5-097D7B7AA5D8}" type="slidenum">
+              <a:rPr lang="en-US" smtClean="0"/>
+              <a:t>74</a:t>
+            </a:fld>
+            <a:endParaRPr lang="en-US"/>
+          </a:p>
+        </p:txBody>
+      </p:sp>
+    </p:spTree>
+    <p:extLst>
+      <p:ext uri="{BB962C8B-B14F-4D97-AF65-F5344CB8AC3E}">
+        <p14:creationId xmlns:p14="http://schemas.microsoft.com/office/powerpoint/2010/main" val="834707851"/>
+      </p:ext>
+    </p:extLst>
+  </p:cSld>
+  <p:clrMapOvr>
+    <a:masterClrMapping/>
+  </p:clrMapOvr>
+</p:notes>
+</file>
+
+<file path=ppt/notesSlides/notesSlide75.xml><?xml version="1.0" encoding="utf-8"?>
+<p:notes xmlns:a="http://schemas.openxmlformats.org/drawingml/2006/main" xmlns:r="http://schemas.openxmlformats.org/officeDocument/2006/relationships" xmlns:p="http://schemas.openxmlformats.org/presentationml/2006/main">
+  <p:cSld>
+    <p:spTree>
+      <p:nvGrpSpPr>
+        <p:cNvPr id="1" name=""/>
+        <p:cNvGrpSpPr/>
+        <p:nvPr/>
+      </p:nvGrpSpPr>
+      <p:grpSpPr>
+        <a:xfrm>
+          <a:off x="0" y="0"/>
+          <a:ext cx="0" cy="0"/>
+          <a:chOff x="0" y="0"/>
+          <a:chExt cx="0" cy="0"/>
+        </a:xfrm>
+      </p:grpSpPr>
+      <p:sp>
+        <p:nvSpPr>
+          <p:cNvPr id="2" name="Slide Image Placeholder 1"/>
+          <p:cNvSpPr>
+            <a:spLocks noGrp="1" noRot="1" noChangeAspect="1"/>
+          </p:cNvSpPr>
+          <p:nvPr>
+            <p:ph type="sldImg"/>
+          </p:nvPr>
+        </p:nvSpPr>
+        <p:spPr/>
+      </p:sp>
+      <p:sp>
+        <p:nvSpPr>
+          <p:cNvPr id="3" name="Notes Placeholder 2"/>
+          <p:cNvSpPr>
+            <a:spLocks noGrp="1"/>
+          </p:cNvSpPr>
+          <p:nvPr>
+            <p:ph type="body" idx="1"/>
+          </p:nvPr>
+        </p:nvSpPr>
+        <p:spPr/>
+        <p:txBody>
+          <a:bodyPr/>
+          <a:lstStyle/>
+          <a:p>
+            <a:endParaRPr lang="en-US" b="0" dirty="0" smtClean="0"/>
+          </a:p>
+        </p:txBody>
+      </p:sp>
+      <p:sp>
+        <p:nvSpPr>
+          <p:cNvPr id="4" name="Slide Number Placeholder 3"/>
+          <p:cNvSpPr>
+            <a:spLocks noGrp="1"/>
+          </p:cNvSpPr>
+          <p:nvPr>
+            <p:ph type="sldNum" sz="quarter" idx="10"/>
+          </p:nvPr>
+        </p:nvSpPr>
+        <p:spPr/>
+        <p:txBody>
+          <a:bodyPr/>
+          <a:lstStyle/>
+          <a:p>
+            <a:fld id="{89029652-62E7-43D6-83B5-097D7B7AA5D8}" type="slidenum">
+              <a:rPr lang="en-US" smtClean="0"/>
+              <a:t>75</a:t>
+            </a:fld>
+            <a:endParaRPr lang="en-US"/>
+          </a:p>
+        </p:txBody>
+      </p:sp>
+    </p:spTree>
+    <p:extLst>
+      <p:ext uri="{BB962C8B-B14F-4D97-AF65-F5344CB8AC3E}">
+        <p14:creationId xmlns:p14="http://schemas.microsoft.com/office/powerpoint/2010/main" val="1542746690"/>
+      </p:ext>
+    </p:extLst>
+  </p:cSld>
+  <p:clrMapOvr>
+    <a:masterClrMapping/>
+  </p:clrMapOvr>
+</p:notes>
+</file>
+
+<file path=ppt/notesSlides/notesSlide76.xml><?xml version="1.0" encoding="utf-8"?>
+<p:notes xmlns:a="http://schemas.openxmlformats.org/drawingml/2006/main" xmlns:r="http://schemas.openxmlformats.org/officeDocument/2006/relationships" xmlns:p="http://schemas.openxmlformats.org/presentationml/2006/main">
+  <p:cSld>
+    <p:spTree>
+      <p:nvGrpSpPr>
+        <p:cNvPr id="1" name=""/>
+        <p:cNvGrpSpPr/>
+        <p:nvPr/>
+      </p:nvGrpSpPr>
+      <p:grpSpPr>
+        <a:xfrm>
+          <a:off x="0" y="0"/>
+          <a:ext cx="0" cy="0"/>
+          <a:chOff x="0" y="0"/>
+          <a:chExt cx="0" cy="0"/>
+        </a:xfrm>
+      </p:grpSpPr>
+      <p:sp>
+        <p:nvSpPr>
+          <p:cNvPr id="2" name="Slide Image Placeholder 1"/>
+          <p:cNvSpPr>
+            <a:spLocks noGrp="1" noRot="1" noChangeAspect="1"/>
+          </p:cNvSpPr>
+          <p:nvPr>
+            <p:ph type="sldImg"/>
+          </p:nvPr>
+        </p:nvSpPr>
+        <p:spPr/>
+      </p:sp>
+      <p:sp>
+        <p:nvSpPr>
+          <p:cNvPr id="3" name="Notes Placeholder 2"/>
+          <p:cNvSpPr>
+            <a:spLocks noGrp="1"/>
+          </p:cNvSpPr>
+          <p:nvPr>
+            <p:ph type="body" idx="1"/>
+          </p:nvPr>
+        </p:nvSpPr>
+        <p:spPr/>
+        <p:txBody>
+          <a:bodyPr/>
+          <a:lstStyle/>
+          <a:p>
+            <a:endParaRPr lang="en-US" b="0" dirty="0" smtClean="0"/>
+          </a:p>
+        </p:txBody>
+      </p:sp>
+      <p:sp>
+        <p:nvSpPr>
+          <p:cNvPr id="4" name="Slide Number Placeholder 3"/>
+          <p:cNvSpPr>
+            <a:spLocks noGrp="1"/>
+          </p:cNvSpPr>
+          <p:nvPr>
+            <p:ph type="sldNum" sz="quarter" idx="10"/>
+          </p:nvPr>
+        </p:nvSpPr>
+        <p:spPr/>
+        <p:txBody>
+          <a:bodyPr/>
+          <a:lstStyle/>
+          <a:p>
+            <a:fld id="{89029652-62E7-43D6-83B5-097D7B7AA5D8}" type="slidenum">
+              <a:rPr lang="en-US" smtClean="0"/>
+              <a:t>76</a:t>
+            </a:fld>
+            <a:endParaRPr lang="en-US"/>
+          </a:p>
+        </p:txBody>
+      </p:sp>
+    </p:spTree>
+    <p:extLst>
+      <p:ext uri="{BB962C8B-B14F-4D97-AF65-F5344CB8AC3E}">
+        <p14:creationId xmlns:p14="http://schemas.microsoft.com/office/powerpoint/2010/main" val="3271074343"/>
+      </p:ext>
+    </p:extLst>
+  </p:cSld>
+  <p:clrMapOvr>
+    <a:masterClrMapping/>
+  </p:clrMapOvr>
+</p:notes>
+</file>
+
+<file path=ppt/notesSlides/notesSlide77.xml><?xml version="1.0" encoding="utf-8"?>
+<p:notes xmlns:a="http://schemas.openxmlformats.org/drawingml/2006/main" xmlns:r="http://schemas.openxmlformats.org/officeDocument/2006/relationships" xmlns:p="http://schemas.openxmlformats.org/presentationml/2006/main">
+  <p:cSld>
+    <p:spTree>
+      <p:nvGrpSpPr>
+        <p:cNvPr id="1" name=""/>
+        <p:cNvGrpSpPr/>
+        <p:nvPr/>
+      </p:nvGrpSpPr>
+      <p:grpSpPr>
+        <a:xfrm>
+          <a:off x="0" y="0"/>
+          <a:ext cx="0" cy="0"/>
+          <a:chOff x="0" y="0"/>
+          <a:chExt cx="0" cy="0"/>
+        </a:xfrm>
+      </p:grpSpPr>
+      <p:sp>
+        <p:nvSpPr>
+          <p:cNvPr id="2" name="Slide Image Placeholder 1"/>
+          <p:cNvSpPr>
+            <a:spLocks noGrp="1" noRot="1" noChangeAspect="1"/>
+          </p:cNvSpPr>
+          <p:nvPr>
+            <p:ph type="sldImg"/>
+          </p:nvPr>
+        </p:nvSpPr>
+        <p:spPr/>
+      </p:sp>
+      <p:sp>
+        <p:nvSpPr>
+          <p:cNvPr id="3" name="Notes Placeholder 2"/>
+          <p:cNvSpPr>
+            <a:spLocks noGrp="1"/>
+          </p:cNvSpPr>
+          <p:nvPr>
+            <p:ph type="body" idx="1"/>
+          </p:nvPr>
+        </p:nvSpPr>
+        <p:spPr/>
+        <p:txBody>
+          <a:bodyPr/>
+          <a:lstStyle/>
+          <a:p>
+            <a:endParaRPr lang="en-US" b="0" dirty="0" smtClean="0"/>
+          </a:p>
+        </p:txBody>
+      </p:sp>
+      <p:sp>
+        <p:nvSpPr>
+          <p:cNvPr id="4" name="Slide Number Placeholder 3"/>
+          <p:cNvSpPr>
+            <a:spLocks noGrp="1"/>
+          </p:cNvSpPr>
+          <p:nvPr>
+            <p:ph type="sldNum" sz="quarter" idx="10"/>
+          </p:nvPr>
+        </p:nvSpPr>
+        <p:spPr/>
+        <p:txBody>
+          <a:bodyPr/>
+          <a:lstStyle/>
+          <a:p>
+            <a:fld id="{89029652-62E7-43D6-83B5-097D7B7AA5D8}" type="slidenum">
+              <a:rPr lang="en-US" smtClean="0"/>
+              <a:t>77</a:t>
+            </a:fld>
+            <a:endParaRPr lang="en-US"/>
+          </a:p>
+        </p:txBody>
+      </p:sp>
+    </p:spTree>
+    <p:extLst>
+      <p:ext uri="{BB962C8B-B14F-4D97-AF65-F5344CB8AC3E}">
+        <p14:creationId xmlns:p14="http://schemas.microsoft.com/office/powerpoint/2010/main" val="2298775834"/>
+      </p:ext>
+    </p:extLst>
+  </p:cSld>
+  <p:clrMapOvr>
+    <a:masterClrMapping/>
+  </p:clrMapOvr>
+</p:notes>
+</file>
+
+<file path=ppt/notesSlides/notesSlide78.xml><?xml version="1.0" encoding="utf-8"?>
+<p:notes xmlns:a="http://schemas.openxmlformats.org/drawingml/2006/main" xmlns:r="http://schemas.openxmlformats.org/officeDocument/2006/relationships" xmlns:p="http://schemas.openxmlformats.org/presentationml/2006/main">
+  <p:cSld>
+    <p:spTree>
+      <p:nvGrpSpPr>
+        <p:cNvPr id="1" name=""/>
+        <p:cNvGrpSpPr/>
+        <p:nvPr/>
+      </p:nvGrpSpPr>
+      <p:grpSpPr>
+        <a:xfrm>
+          <a:off x="0" y="0"/>
+          <a:ext cx="0" cy="0"/>
+          <a:chOff x="0" y="0"/>
+          <a:chExt cx="0" cy="0"/>
+        </a:xfrm>
+      </p:grpSpPr>
+      <p:sp>
+        <p:nvSpPr>
+          <p:cNvPr id="2" name="Slide Image Placeholder 1"/>
+          <p:cNvSpPr>
+            <a:spLocks noGrp="1" noRot="1" noChangeAspect="1"/>
+          </p:cNvSpPr>
+          <p:nvPr>
+            <p:ph type="sldImg"/>
+          </p:nvPr>
+        </p:nvSpPr>
+        <p:spPr/>
+      </p:sp>
+      <p:sp>
+        <p:nvSpPr>
+          <p:cNvPr id="3" name="Notes Placeholder 2"/>
+          <p:cNvSpPr>
+            <a:spLocks noGrp="1"/>
+          </p:cNvSpPr>
+          <p:nvPr>
+            <p:ph type="body" idx="1"/>
+          </p:nvPr>
+        </p:nvSpPr>
+        <p:spPr/>
+        <p:txBody>
+          <a:bodyPr/>
+          <a:lstStyle/>
+          <a:p>
             <a:endParaRPr lang="en-US" sz="1200" kern="1200" dirty="0" smtClean="0">
               <a:solidFill>
                 <a:schemeClr val="tx1"/>
@@ -6895,7 +7235,7 @@
           <a:p>
             <a:fld id="{89029652-62E7-43D6-83B5-097D7B7AA5D8}" type="slidenum">
               <a:rPr lang="en-US" smtClean="0"/>
-              <a:t>74</a:t>
+              <a:t>78</a:t>
             </a:fld>
             <a:endParaRPr lang="en-US"/>
           </a:p>
@@ -7213,7 +7553,7 @@
           <a:p>
             <a:fld id="{75AA6396-395E-4ADA-8EE5-F328BC863A04}" type="datetimeFigureOut">
               <a:rPr lang="en-US" smtClean="0"/>
-              <a:t>1/3/2017</a:t>
+              <a:t>1/4/2017</a:t>
             </a:fld>
             <a:endParaRPr lang="en-US"/>
           </a:p>
@@ -7390,7 +7730,7 @@
           <a:p>
             <a:fld id="{75AA6396-395E-4ADA-8EE5-F328BC863A04}" type="datetimeFigureOut">
               <a:rPr lang="en-US" smtClean="0"/>
-              <a:t>1/3/2017</a:t>
+              <a:t>1/4/2017</a:t>
             </a:fld>
             <a:endParaRPr lang="en-US"/>
           </a:p>
@@ -7570,7 +7910,7 @@
           <a:p>
             <a:fld id="{75AA6396-395E-4ADA-8EE5-F328BC863A04}" type="datetimeFigureOut">
               <a:rPr lang="en-US" smtClean="0"/>
-              <a:t>1/3/2017</a:t>
+              <a:t>1/4/2017</a:t>
             </a:fld>
             <a:endParaRPr lang="en-US"/>
           </a:p>
@@ -7790,7 +8130,7 @@
           <a:p>
             <a:fld id="{75AA6396-395E-4ADA-8EE5-F328BC863A04}" type="datetimeFigureOut">
               <a:rPr lang="en-US" smtClean="0"/>
-              <a:t>1/3/2017</a:t>
+              <a:t>1/4/2017</a:t>
             </a:fld>
             <a:endParaRPr lang="en-US"/>
           </a:p>
@@ -8043,7 +8383,7 @@
           <a:p>
             <a:fld id="{75AA6396-395E-4ADA-8EE5-F328BC863A04}" type="datetimeFigureOut">
               <a:rPr lang="en-US" smtClean="0"/>
-              <a:t>1/3/2017</a:t>
+              <a:t>1/4/2017</a:t>
             </a:fld>
             <a:endParaRPr lang="en-US"/>
           </a:p>
@@ -8282,7 +8622,7 @@
           <a:p>
             <a:fld id="{75AA6396-395E-4ADA-8EE5-F328BC863A04}" type="datetimeFigureOut">
               <a:rPr lang="en-US" smtClean="0"/>
-              <a:t>1/3/2017</a:t>
+              <a:t>1/4/2017</a:t>
             </a:fld>
             <a:endParaRPr lang="en-US"/>
           </a:p>
@@ -8656,7 +8996,7 @@
           <a:p>
             <a:fld id="{75AA6396-395E-4ADA-8EE5-F328BC863A04}" type="datetimeFigureOut">
               <a:rPr lang="en-US" smtClean="0"/>
-              <a:t>1/3/2017</a:t>
+              <a:t>1/4/2017</a:t>
             </a:fld>
             <a:endParaRPr lang="en-US"/>
           </a:p>
@@ -8774,7 +9114,7 @@
           <a:p>
             <a:fld id="{75AA6396-395E-4ADA-8EE5-F328BC863A04}" type="datetimeFigureOut">
               <a:rPr lang="en-US" smtClean="0"/>
-              <a:t>1/3/2017</a:t>
+              <a:t>1/4/2017</a:t>
             </a:fld>
             <a:endParaRPr lang="en-US"/>
           </a:p>
@@ -8869,7 +9209,7 @@
           <a:p>
             <a:fld id="{75AA6396-395E-4ADA-8EE5-F328BC863A04}" type="datetimeFigureOut">
               <a:rPr lang="en-US" smtClean="0"/>
-              <a:t>1/3/2017</a:t>
+              <a:t>1/4/2017</a:t>
             </a:fld>
             <a:endParaRPr lang="en-US"/>
           </a:p>
@@ -9146,7 +9486,7 @@
           <a:p>
             <a:fld id="{75AA6396-395E-4ADA-8EE5-F328BC863A04}" type="datetimeFigureOut">
               <a:rPr lang="en-US" smtClean="0"/>
-              <a:t>1/3/2017</a:t>
+              <a:t>1/4/2017</a:t>
             </a:fld>
             <a:endParaRPr lang="en-US"/>
           </a:p>
@@ -9399,7 +9739,7 @@
           <a:p>
             <a:fld id="{75AA6396-395E-4ADA-8EE5-F328BC863A04}" type="datetimeFigureOut">
               <a:rPr lang="en-US" smtClean="0"/>
-              <a:t>1/3/2017</a:t>
+              <a:t>1/4/2017</a:t>
             </a:fld>
             <a:endParaRPr lang="en-US"/>
           </a:p>
@@ -9612,7 +9952,7 @@
           <a:p>
             <a:fld id="{75AA6396-395E-4ADA-8EE5-F328BC863A04}" type="datetimeFigureOut">
               <a:rPr lang="en-US" smtClean="0"/>
-              <a:t>1/3/2017</a:t>
+              <a:t>1/4/2017</a:t>
             </a:fld>
             <a:endParaRPr lang="en-US"/>
           </a:p>
@@ -12225,15 +12565,7 @@
             <a:pPr algn="ctr"/>
             <a:r>
               <a:rPr lang="en-US" sz="4800" dirty="0" smtClean="0"/>
-              <a:t>Show me the </a:t>
-            </a:r>
-            <a:r>
-              <a:rPr lang="en-US" sz="4800" dirty="0" err="1" smtClean="0"/>
-              <a:t>codez</a:t>
-            </a:r>
-            <a:r>
-              <a:rPr lang="en-US" sz="4800" dirty="0" smtClean="0"/>
-              <a:t>!</a:t>
+              <a:t>Show me the codez!</a:t>
             </a:r>
             <a:br>
               <a:rPr lang="en-US" sz="4800" dirty="0" smtClean="0"/>
@@ -14461,7 +14793,7 @@
         <p:spPr>
           <a:xfrm>
             <a:off x="838199" y="1690688"/>
-            <a:ext cx="9373015" cy="5034577"/>
+            <a:ext cx="11363759" cy="5034577"/>
           </a:xfrm>
           <a:prstGeom prst="rect">
             <a:avLst/>
@@ -14471,7 +14803,7 @@
     </p:spTree>
     <p:extLst>
       <p:ext uri="{BB962C8B-B14F-4D97-AF65-F5344CB8AC3E}">
-        <p14:creationId xmlns:p14="http://schemas.microsoft.com/office/powerpoint/2010/main" val="1328286172"/>
+        <p14:creationId xmlns:p14="http://schemas.microsoft.com/office/powerpoint/2010/main" val="750296430"/>
       </p:ext>
     </p:extLst>
   </p:cSld>
@@ -14694,7 +15026,7 @@
         <p:spPr>
           <a:xfrm>
             <a:off x="838199" y="1690688"/>
-            <a:ext cx="11363759" cy="5034577"/>
+            <a:ext cx="9373015" cy="5034577"/>
           </a:xfrm>
           <a:prstGeom prst="rect">
             <a:avLst/>
@@ -14704,7 +15036,7 @@
     </p:spTree>
     <p:extLst>
       <p:ext uri="{BB962C8B-B14F-4D97-AF65-F5344CB8AC3E}">
-        <p14:creationId xmlns:p14="http://schemas.microsoft.com/office/powerpoint/2010/main" val="750296430"/>
+        <p14:creationId xmlns:p14="http://schemas.microsoft.com/office/powerpoint/2010/main" val="1328286172"/>
       </p:ext>
     </p:extLst>
   </p:cSld>
@@ -14748,6 +15080,127 @@
             <p:ph type="title"/>
           </p:nvPr>
         </p:nvSpPr>
+        <p:spPr/>
+        <p:txBody>
+          <a:bodyPr>
+            <a:normAutofit/>
+          </a:bodyPr>
+          <a:lstStyle/>
+          <a:p>
+            <a:r>
+              <a:rPr lang="en-US" sz="4800" dirty="0" smtClean="0"/>
+              <a:t>Authentication</a:t>
+            </a:r>
+            <a:endParaRPr lang="en-US" sz="4800" dirty="0"/>
+          </a:p>
+        </p:txBody>
+      </p:sp>
+      <p:sp>
+        <p:nvSpPr>
+          <p:cNvPr id="3" name="Content Placeholder 2"/>
+          <p:cNvSpPr>
+            <a:spLocks noGrp="1"/>
+          </p:cNvSpPr>
+          <p:nvPr>
+            <p:ph idx="1"/>
+          </p:nvPr>
+        </p:nvSpPr>
+        <p:spPr>
+          <a:xfrm>
+            <a:off x="838200" y="1825624"/>
+            <a:ext cx="10515600" cy="4589923"/>
+          </a:xfrm>
+        </p:spPr>
+        <p:txBody>
+          <a:bodyPr>
+            <a:normAutofit/>
+          </a:bodyPr>
+          <a:lstStyle/>
+          <a:p>
+            <a:endParaRPr lang="en-US" sz="4000" dirty="0" smtClean="0"/>
+          </a:p>
+          <a:p>
+            <a:endParaRPr lang="en-US" dirty="0" smtClean="0"/>
+          </a:p>
+          <a:p>
+            <a:endParaRPr lang="en-US" dirty="0" smtClean="0"/>
+          </a:p>
+          <a:p>
+            <a:endParaRPr lang="en-US" dirty="0"/>
+          </a:p>
+        </p:txBody>
+      </p:sp>
+      <p:pic>
+        <p:nvPicPr>
+          <p:cNvPr id="4" name="Picture 3"/>
+          <p:cNvPicPr>
+            <a:picLocks noChangeAspect="1"/>
+          </p:cNvPicPr>
+          <p:nvPr/>
+        </p:nvPicPr>
+        <p:blipFill>
+          <a:blip r:embed="rId3"/>
+          <a:stretch>
+            <a:fillRect/>
+          </a:stretch>
+        </p:blipFill>
+        <p:spPr>
+          <a:xfrm>
+            <a:off x="838199" y="1690688"/>
+            <a:ext cx="11363759" cy="5034577"/>
+          </a:xfrm>
+          <a:prstGeom prst="rect">
+            <a:avLst/>
+          </a:prstGeom>
+        </p:spPr>
+      </p:pic>
+    </p:spTree>
+    <p:extLst>
+      <p:ext uri="{BB962C8B-B14F-4D97-AF65-F5344CB8AC3E}">
+        <p14:creationId xmlns:p14="http://schemas.microsoft.com/office/powerpoint/2010/main" val="3643659107"/>
+      </p:ext>
+    </p:extLst>
+  </p:cSld>
+  <p:clrMapOvr>
+    <a:masterClrMapping/>
+  </p:clrMapOvr>
+  <p:timing>
+    <p:tnLst>
+      <p:par>
+        <p:cTn id="1" dur="indefinite" restart="never" nodeType="tmRoot"/>
+      </p:par>
+    </p:tnLst>
+  </p:timing>
+</p:sld>
+</file>
+
+<file path=ppt/slides/slide42.xml><?xml version="1.0" encoding="utf-8"?>
+<p:sld xmlns:a="http://schemas.openxmlformats.org/drawingml/2006/main" xmlns:r="http://schemas.openxmlformats.org/officeDocument/2006/relationships" xmlns:p="http://schemas.openxmlformats.org/presentationml/2006/main">
+  <p:cSld>
+    <p:spTree>
+      <p:nvGrpSpPr>
+        <p:cNvPr id="1" name=""/>
+        <p:cNvGrpSpPr/>
+        <p:nvPr/>
+      </p:nvGrpSpPr>
+      <p:grpSpPr>
+        <a:xfrm>
+          <a:off x="0" y="0"/>
+          <a:ext cx="0" cy="0"/>
+          <a:chOff x="0" y="0"/>
+          <a:chExt cx="0" cy="0"/>
+        </a:xfrm>
+      </p:grpSpPr>
+      <p:sp>
+        <p:nvSpPr>
+          <p:cNvPr id="2" name="Title 1"/>
+          <p:cNvSpPr>
+            <a:spLocks noGrp="1"/>
+          </p:cNvSpPr>
+          <p:nvPr>
+            <p:ph type="title"/>
+          </p:nvPr>
+        </p:nvSpPr>
         <p:spPr>
           <a:xfrm>
             <a:off x="964927" y="1"/>
@@ -14811,7 +15264,7 @@
 </p:sld>
 </file>
 
-<file path=ppt/slides/slide42.xml><?xml version="1.0" encoding="utf-8"?>
+<file path=ppt/slides/slide43.xml><?xml version="1.0" encoding="utf-8"?>
 <p:sld xmlns:a="http://schemas.openxmlformats.org/drawingml/2006/main" xmlns:r="http://schemas.openxmlformats.org/officeDocument/2006/relationships" xmlns:p="http://schemas.openxmlformats.org/presentationml/2006/main">
   <p:cSld>
     <p:spTree>
@@ -14937,7 +15390,7 @@
 </p:sld>
 </file>
 
-<file path=ppt/slides/slide43.xml><?xml version="1.0" encoding="utf-8"?>
+<file path=ppt/slides/slide44.xml><?xml version="1.0" encoding="utf-8"?>
 <p:sld xmlns:a="http://schemas.openxmlformats.org/drawingml/2006/main" xmlns:r="http://schemas.openxmlformats.org/officeDocument/2006/relationships" xmlns:p="http://schemas.openxmlformats.org/presentationml/2006/main">
   <p:cSld>
     <p:spTree>
@@ -15063,7 +15516,142 @@
 </p:sld>
 </file>
 
-<file path=ppt/slides/slide44.xml><?xml version="1.0" encoding="utf-8"?>
+<file path=ppt/slides/slide45.xml><?xml version="1.0" encoding="utf-8"?>
+<p:sld xmlns:a="http://schemas.openxmlformats.org/drawingml/2006/main" xmlns:r="http://schemas.openxmlformats.org/officeDocument/2006/relationships" xmlns:p="http://schemas.openxmlformats.org/presentationml/2006/main">
+  <p:cSld>
+    <p:spTree>
+      <p:nvGrpSpPr>
+        <p:cNvPr id="1" name=""/>
+        <p:cNvGrpSpPr/>
+        <p:nvPr/>
+      </p:nvGrpSpPr>
+      <p:grpSpPr>
+        <a:xfrm>
+          <a:off x="0" y="0"/>
+          <a:ext cx="0" cy="0"/>
+          <a:chOff x="0" y="0"/>
+          <a:chExt cx="0" cy="0"/>
+        </a:xfrm>
+      </p:grpSpPr>
+      <p:sp>
+        <p:nvSpPr>
+          <p:cNvPr id="2" name="Title 1"/>
+          <p:cNvSpPr>
+            <a:spLocks noGrp="1"/>
+          </p:cNvSpPr>
+          <p:nvPr>
+            <p:ph type="title"/>
+          </p:nvPr>
+        </p:nvSpPr>
+        <p:spPr/>
+        <p:txBody>
+          <a:bodyPr>
+            <a:normAutofit/>
+          </a:bodyPr>
+          <a:lstStyle/>
+          <a:p>
+            <a:r>
+              <a:rPr lang="en-US" sz="4800" dirty="0" smtClean="0"/>
+              <a:t>Access Control </a:t>
+            </a:r>
+            <a:r>
+              <a:rPr lang="en-US" sz="4800" dirty="0"/>
+              <a:t>– framework</a:t>
+            </a:r>
+          </a:p>
+        </p:txBody>
+      </p:sp>
+      <p:sp>
+        <p:nvSpPr>
+          <p:cNvPr id="3" name="Content Placeholder 2"/>
+          <p:cNvSpPr>
+            <a:spLocks noGrp="1"/>
+          </p:cNvSpPr>
+          <p:nvPr>
+            <p:ph idx="1"/>
+          </p:nvPr>
+        </p:nvSpPr>
+        <p:spPr>
+          <a:xfrm>
+            <a:off x="838200" y="1825624"/>
+            <a:ext cx="10515600" cy="4589923"/>
+          </a:xfrm>
+        </p:spPr>
+        <p:txBody>
+          <a:bodyPr>
+            <a:normAutofit/>
+          </a:bodyPr>
+          <a:lstStyle/>
+          <a:p>
+            <a:endParaRPr lang="en-US" dirty="0" smtClean="0"/>
+          </a:p>
+          <a:p>
+            <a:endParaRPr lang="en-US" dirty="0" smtClean="0"/>
+          </a:p>
+          <a:p>
+            <a:endParaRPr lang="en-US" dirty="0"/>
+          </a:p>
+        </p:txBody>
+      </p:sp>
+      <p:sp>
+        <p:nvSpPr>
+          <p:cNvPr id="4" name="TextBox 3"/>
+          <p:cNvSpPr txBox="1"/>
+          <p:nvPr/>
+        </p:nvSpPr>
+        <p:spPr>
+          <a:xfrm>
+            <a:off x="2091813" y="2507226"/>
+            <a:ext cx="8008374" cy="1077218"/>
+          </a:xfrm>
+          <a:prstGeom prst="rect">
+            <a:avLst/>
+          </a:prstGeom>
+          <a:noFill/>
+        </p:spPr>
+        <p:txBody>
+          <a:bodyPr wrap="square" rtlCol="0">
+            <a:spAutoFit/>
+          </a:bodyPr>
+          <a:lstStyle/>
+          <a:p>
+            <a:r>
+              <a:rPr lang="en-US" sz="3200" dirty="0" smtClean="0">
+                <a:solidFill>
+                  <a:srgbClr val="FF0000"/>
+                </a:solidFill>
+              </a:rPr>
+              <a:t>TODO: Show method names w/ out "secure" and "insecure"</a:t>
+            </a:r>
+            <a:endParaRPr lang="en-US" sz="3200" dirty="0">
+              <a:solidFill>
+                <a:srgbClr val="FF0000"/>
+              </a:solidFill>
+            </a:endParaRPr>
+          </a:p>
+        </p:txBody>
+      </p:sp>
+    </p:spTree>
+    <p:extLst>
+      <p:ext uri="{BB962C8B-B14F-4D97-AF65-F5344CB8AC3E}">
+        <p14:creationId xmlns:p14="http://schemas.microsoft.com/office/powerpoint/2010/main" val="599466552"/>
+      </p:ext>
+    </p:extLst>
+  </p:cSld>
+  <p:clrMapOvr>
+    <a:masterClrMapping/>
+  </p:clrMapOvr>
+  <p:timing>
+    <p:tnLst>
+      <p:par>
+        <p:cTn id="1" dur="indefinite" restart="never" nodeType="tmRoot"/>
+      </p:par>
+    </p:tnLst>
+  </p:timing>
+</p:sld>
+</file>
+
+<file path=ppt/slides/slide46.xml><?xml version="1.0" encoding="utf-8"?>
 <p:sld xmlns:a="http://schemas.openxmlformats.org/drawingml/2006/main" xmlns:r="http://schemas.openxmlformats.org/officeDocument/2006/relationships" xmlns:p="http://schemas.openxmlformats.org/presentationml/2006/main">
   <p:cSld>
     <p:spTree>
@@ -15184,7 +15772,147 @@
 </p:sld>
 </file>
 
-<file path=ppt/slides/slide45.xml><?xml version="1.0" encoding="utf-8"?>
+<file path=ppt/slides/slide47.xml><?xml version="1.0" encoding="utf-8"?>
+<p:sld xmlns:a="http://schemas.openxmlformats.org/drawingml/2006/main" xmlns:r="http://schemas.openxmlformats.org/officeDocument/2006/relationships" xmlns:p="http://schemas.openxmlformats.org/presentationml/2006/main">
+  <p:cSld>
+    <p:spTree>
+      <p:nvGrpSpPr>
+        <p:cNvPr id="1" name=""/>
+        <p:cNvGrpSpPr/>
+        <p:nvPr/>
+      </p:nvGrpSpPr>
+      <p:grpSpPr>
+        <a:xfrm>
+          <a:off x="0" y="0"/>
+          <a:ext cx="0" cy="0"/>
+          <a:chOff x="0" y="0"/>
+          <a:chExt cx="0" cy="0"/>
+        </a:xfrm>
+      </p:grpSpPr>
+      <p:sp>
+        <p:nvSpPr>
+          <p:cNvPr id="2" name="Title 1"/>
+          <p:cNvSpPr>
+            <a:spLocks noGrp="1"/>
+          </p:cNvSpPr>
+          <p:nvPr>
+            <p:ph type="title"/>
+          </p:nvPr>
+        </p:nvSpPr>
+        <p:spPr/>
+        <p:txBody>
+          <a:bodyPr>
+            <a:normAutofit/>
+          </a:bodyPr>
+          <a:lstStyle/>
+          <a:p>
+            <a:r>
+              <a:rPr lang="en-US" sz="4800" dirty="0" smtClean="0"/>
+              <a:t>Access Control </a:t>
+            </a:r>
+            <a:r>
+              <a:rPr lang="en-US" sz="4800" dirty="0"/>
+              <a:t>– </a:t>
+            </a:r>
+            <a:r>
+              <a:rPr lang="en-US" sz="4800" dirty="0" smtClean="0"/>
+              <a:t>Row Level Security</a:t>
+            </a:r>
+            <a:endParaRPr lang="en-US" sz="4800" dirty="0"/>
+          </a:p>
+        </p:txBody>
+      </p:sp>
+      <p:sp>
+        <p:nvSpPr>
+          <p:cNvPr id="3" name="Content Placeholder 2"/>
+          <p:cNvSpPr>
+            <a:spLocks noGrp="1"/>
+          </p:cNvSpPr>
+          <p:nvPr>
+            <p:ph idx="1"/>
+          </p:nvPr>
+        </p:nvSpPr>
+        <p:spPr>
+          <a:xfrm>
+            <a:off x="838200" y="1825624"/>
+            <a:ext cx="10515600" cy="4589923"/>
+          </a:xfrm>
+        </p:spPr>
+        <p:txBody>
+          <a:bodyPr>
+            <a:normAutofit/>
+          </a:bodyPr>
+          <a:lstStyle/>
+          <a:p>
+            <a:endParaRPr lang="en-US" dirty="0" smtClean="0"/>
+          </a:p>
+          <a:p>
+            <a:endParaRPr lang="en-US" dirty="0" smtClean="0"/>
+          </a:p>
+          <a:p>
+            <a:endParaRPr lang="en-US" dirty="0"/>
+          </a:p>
+        </p:txBody>
+      </p:sp>
+      <p:sp>
+        <p:nvSpPr>
+          <p:cNvPr id="4" name="TextBox 3"/>
+          <p:cNvSpPr txBox="1"/>
+          <p:nvPr/>
+        </p:nvSpPr>
+        <p:spPr>
+          <a:xfrm>
+            <a:off x="1327355" y="2241755"/>
+            <a:ext cx="7079226" cy="1323439"/>
+          </a:xfrm>
+          <a:prstGeom prst="rect">
+            <a:avLst/>
+          </a:prstGeom>
+          <a:noFill/>
+        </p:spPr>
+        <p:txBody>
+          <a:bodyPr wrap="square" rtlCol="0">
+            <a:spAutoFit/>
+          </a:bodyPr>
+          <a:lstStyle/>
+          <a:p>
+            <a:r>
+              <a:rPr lang="en-US" sz="4000" dirty="0" smtClean="0">
+                <a:solidFill>
+                  <a:srgbClr val="FF0000"/>
+                </a:solidFill>
+              </a:rPr>
+              <a:t>TODO Add transition slide for Session Context</a:t>
+            </a:r>
+            <a:endParaRPr lang="en-US" sz="4000" dirty="0">
+              <a:solidFill>
+                <a:srgbClr val="FF0000"/>
+              </a:solidFill>
+            </a:endParaRPr>
+          </a:p>
+        </p:txBody>
+      </p:sp>
+    </p:spTree>
+    <p:extLst>
+      <p:ext uri="{BB962C8B-B14F-4D97-AF65-F5344CB8AC3E}">
+        <p14:creationId xmlns:p14="http://schemas.microsoft.com/office/powerpoint/2010/main" val="1142635180"/>
+      </p:ext>
+    </p:extLst>
+  </p:cSld>
+  <p:clrMapOvr>
+    <a:masterClrMapping/>
+  </p:clrMapOvr>
+  <p:timing>
+    <p:tnLst>
+      <p:par>
+        <p:cTn id="1" dur="indefinite" restart="never" nodeType="tmRoot"/>
+      </p:par>
+    </p:tnLst>
+  </p:timing>
+</p:sld>
+</file>
+
+<file path=ppt/slides/slide48.xml><?xml version="1.0" encoding="utf-8"?>
 <p:sld xmlns:a="http://schemas.openxmlformats.org/drawingml/2006/main" xmlns:r="http://schemas.openxmlformats.org/officeDocument/2006/relationships" xmlns:p="http://schemas.openxmlformats.org/presentationml/2006/main">
   <p:cSld>
     <p:spTree>
@@ -15293,7 +16021,7 @@
     </p:spTree>
     <p:extLst>
       <p:ext uri="{BB962C8B-B14F-4D97-AF65-F5344CB8AC3E}">
-        <p14:creationId xmlns:p14="http://schemas.microsoft.com/office/powerpoint/2010/main" val="1142635180"/>
+        <p14:creationId xmlns:p14="http://schemas.microsoft.com/office/powerpoint/2010/main" val="820867429"/>
       </p:ext>
     </p:extLst>
   </p:cSld>
@@ -15310,7 +16038,7 @@
 </p:sld>
 </file>
 
-<file path=ppt/slides/slide46.xml><?xml version="1.0" encoding="utf-8"?>
+<file path=ppt/slides/slide49.xml><?xml version="1.0" encoding="utf-8"?>
 <p:sld xmlns:a="http://schemas.openxmlformats.org/drawingml/2006/main" xmlns:r="http://schemas.openxmlformats.org/officeDocument/2006/relationships" xmlns:p="http://schemas.openxmlformats.org/presentationml/2006/main">
   <p:cSld>
     <p:spTree>
@@ -15436,7 +16164,123 @@
 </p:sld>
 </file>
 
-<file path=ppt/slides/slide47.xml><?xml version="1.0" encoding="utf-8"?>
+<file path=ppt/slides/slide5.xml><?xml version="1.0" encoding="utf-8"?>
+<p:sld xmlns:a="http://schemas.openxmlformats.org/drawingml/2006/main" xmlns:r="http://schemas.openxmlformats.org/officeDocument/2006/relationships" xmlns:p="http://schemas.openxmlformats.org/presentationml/2006/main">
+  <p:cSld>
+    <p:spTree>
+      <p:nvGrpSpPr>
+        <p:cNvPr id="1" name=""/>
+        <p:cNvGrpSpPr/>
+        <p:nvPr/>
+      </p:nvGrpSpPr>
+      <p:grpSpPr>
+        <a:xfrm>
+          <a:off x="0" y="0"/>
+          <a:ext cx="0" cy="0"/>
+          <a:chOff x="0" y="0"/>
+          <a:chExt cx="0" cy="0"/>
+        </a:xfrm>
+      </p:grpSpPr>
+      <p:sp>
+        <p:nvSpPr>
+          <p:cNvPr id="2" name="Title 1"/>
+          <p:cNvSpPr>
+            <a:spLocks noGrp="1"/>
+          </p:cNvSpPr>
+          <p:nvPr>
+            <p:ph type="title"/>
+          </p:nvPr>
+        </p:nvSpPr>
+        <p:spPr/>
+        <p:txBody>
+          <a:bodyPr>
+            <a:normAutofit/>
+          </a:bodyPr>
+          <a:lstStyle/>
+          <a:p>
+            <a:r>
+              <a:rPr lang="en-US" sz="4800" dirty="0" smtClean="0"/>
+              <a:t>What's on </a:t>
+            </a:r>
+            <a:r>
+              <a:rPr lang="en-US" sz="4800" smtClean="0"/>
+              <a:t>the agenda?</a:t>
+            </a:r>
+            <a:endParaRPr lang="en-US" sz="4800" dirty="0"/>
+          </a:p>
+        </p:txBody>
+      </p:sp>
+      <p:sp>
+        <p:nvSpPr>
+          <p:cNvPr id="3" name="Content Placeholder 2"/>
+          <p:cNvSpPr>
+            <a:spLocks noGrp="1"/>
+          </p:cNvSpPr>
+          <p:nvPr>
+            <p:ph idx="1"/>
+          </p:nvPr>
+        </p:nvSpPr>
+        <p:spPr>
+          <a:xfrm>
+            <a:off x="838200" y="1825624"/>
+            <a:ext cx="10515600" cy="4899641"/>
+          </a:xfrm>
+        </p:spPr>
+        <p:txBody>
+          <a:bodyPr>
+            <a:normAutofit/>
+          </a:bodyPr>
+          <a:lstStyle/>
+          <a:p>
+            <a:r>
+              <a:rPr lang="en-US" sz="4000" dirty="0" smtClean="0"/>
+              <a:t>Define "cross cutting" security concerns</a:t>
+            </a:r>
+          </a:p>
+          <a:p>
+            <a:endParaRPr lang="en-US" sz="4000" dirty="0"/>
+          </a:p>
+          <a:p>
+            <a:endParaRPr lang="en-US" sz="4000" dirty="0"/>
+          </a:p>
+          <a:p>
+            <a:endParaRPr lang="en-US" sz="4000" dirty="0" smtClean="0"/>
+          </a:p>
+          <a:p>
+            <a:endParaRPr lang="en-US" sz="4000" dirty="0" smtClean="0"/>
+          </a:p>
+          <a:p>
+            <a:endParaRPr lang="en-US" dirty="0" smtClean="0"/>
+          </a:p>
+          <a:p>
+            <a:endParaRPr lang="en-US" dirty="0" smtClean="0"/>
+          </a:p>
+          <a:p>
+            <a:endParaRPr lang="en-US" dirty="0"/>
+          </a:p>
+        </p:txBody>
+      </p:sp>
+    </p:spTree>
+    <p:extLst>
+      <p:ext uri="{BB962C8B-B14F-4D97-AF65-F5344CB8AC3E}">
+        <p14:creationId xmlns:p14="http://schemas.microsoft.com/office/powerpoint/2010/main" val="2651230507"/>
+      </p:ext>
+    </p:extLst>
+  </p:cSld>
+  <p:clrMapOvr>
+    <a:masterClrMapping/>
+  </p:clrMapOvr>
+  <p:timing>
+    <p:tnLst>
+      <p:par>
+        <p:cTn id="1" dur="indefinite" restart="never" nodeType="tmRoot"/>
+      </p:par>
+    </p:tnLst>
+  </p:timing>
+</p:sld>
+</file>
+
+<file path=ppt/slides/slide50.xml><?xml version="1.0" encoding="utf-8"?>
 <p:sld xmlns:a="http://schemas.openxmlformats.org/drawingml/2006/main" xmlns:r="http://schemas.openxmlformats.org/officeDocument/2006/relationships" xmlns:p="http://schemas.openxmlformats.org/presentationml/2006/main">
   <p:cSld>
     <p:spTree>
@@ -15562,7 +16406,7 @@
 </p:sld>
 </file>
 
-<file path=ppt/slides/slide48.xml><?xml version="1.0" encoding="utf-8"?>
+<file path=ppt/slides/slide51.xml><?xml version="1.0" encoding="utf-8"?>
 <p:sld xmlns:a="http://schemas.openxmlformats.org/drawingml/2006/main" xmlns:r="http://schemas.openxmlformats.org/officeDocument/2006/relationships" xmlns:p="http://schemas.openxmlformats.org/presentationml/2006/main">
   <p:cSld>
     <p:spTree>
@@ -15683,7 +16527,7 @@
 </p:sld>
 </file>
 
-<file path=ppt/slides/slide49.xml><?xml version="1.0" encoding="utf-8"?>
+<file path=ppt/slides/slide52.xml><?xml version="1.0" encoding="utf-8"?>
 <p:sld xmlns:a="http://schemas.openxmlformats.org/drawingml/2006/main" xmlns:r="http://schemas.openxmlformats.org/officeDocument/2006/relationships" xmlns:p="http://schemas.openxmlformats.org/presentationml/2006/main">
   <p:cSld>
     <p:spTree>
@@ -15773,123 +16617,7 @@
 </p:sld>
 </file>
 
-<file path=ppt/slides/slide5.xml><?xml version="1.0" encoding="utf-8"?>
-<p:sld xmlns:a="http://schemas.openxmlformats.org/drawingml/2006/main" xmlns:r="http://schemas.openxmlformats.org/officeDocument/2006/relationships" xmlns:p="http://schemas.openxmlformats.org/presentationml/2006/main">
-  <p:cSld>
-    <p:spTree>
-      <p:nvGrpSpPr>
-        <p:cNvPr id="1" name=""/>
-        <p:cNvGrpSpPr/>
-        <p:nvPr/>
-      </p:nvGrpSpPr>
-      <p:grpSpPr>
-        <a:xfrm>
-          <a:off x="0" y="0"/>
-          <a:ext cx="0" cy="0"/>
-          <a:chOff x="0" y="0"/>
-          <a:chExt cx="0" cy="0"/>
-        </a:xfrm>
-      </p:grpSpPr>
-      <p:sp>
-        <p:nvSpPr>
-          <p:cNvPr id="2" name="Title 1"/>
-          <p:cNvSpPr>
-            <a:spLocks noGrp="1"/>
-          </p:cNvSpPr>
-          <p:nvPr>
-            <p:ph type="title"/>
-          </p:nvPr>
-        </p:nvSpPr>
-        <p:spPr/>
-        <p:txBody>
-          <a:bodyPr>
-            <a:normAutofit/>
-          </a:bodyPr>
-          <a:lstStyle/>
-          <a:p>
-            <a:r>
-              <a:rPr lang="en-US" sz="4800" dirty="0" smtClean="0"/>
-              <a:t>What's on </a:t>
-            </a:r>
-            <a:r>
-              <a:rPr lang="en-US" sz="4800" smtClean="0"/>
-              <a:t>the agenda?</a:t>
-            </a:r>
-            <a:endParaRPr lang="en-US" sz="4800" dirty="0"/>
-          </a:p>
-        </p:txBody>
-      </p:sp>
-      <p:sp>
-        <p:nvSpPr>
-          <p:cNvPr id="3" name="Content Placeholder 2"/>
-          <p:cNvSpPr>
-            <a:spLocks noGrp="1"/>
-          </p:cNvSpPr>
-          <p:nvPr>
-            <p:ph idx="1"/>
-          </p:nvPr>
-        </p:nvSpPr>
-        <p:spPr>
-          <a:xfrm>
-            <a:off x="838200" y="1825624"/>
-            <a:ext cx="10515600" cy="4899641"/>
-          </a:xfrm>
-        </p:spPr>
-        <p:txBody>
-          <a:bodyPr>
-            <a:normAutofit/>
-          </a:bodyPr>
-          <a:lstStyle/>
-          <a:p>
-            <a:r>
-              <a:rPr lang="en-US" sz="4000" dirty="0" smtClean="0"/>
-              <a:t>Define "cross cutting" security concerns</a:t>
-            </a:r>
-          </a:p>
-          <a:p>
-            <a:endParaRPr lang="en-US" sz="4000" dirty="0"/>
-          </a:p>
-          <a:p>
-            <a:endParaRPr lang="en-US" sz="4000" dirty="0"/>
-          </a:p>
-          <a:p>
-            <a:endParaRPr lang="en-US" sz="4000" dirty="0" smtClean="0"/>
-          </a:p>
-          <a:p>
-            <a:endParaRPr lang="en-US" sz="4000" dirty="0" smtClean="0"/>
-          </a:p>
-          <a:p>
-            <a:endParaRPr lang="en-US" dirty="0" smtClean="0"/>
-          </a:p>
-          <a:p>
-            <a:endParaRPr lang="en-US" dirty="0" smtClean="0"/>
-          </a:p>
-          <a:p>
-            <a:endParaRPr lang="en-US" dirty="0"/>
-          </a:p>
-        </p:txBody>
-      </p:sp>
-    </p:spTree>
-    <p:extLst>
-      <p:ext uri="{BB962C8B-B14F-4D97-AF65-F5344CB8AC3E}">
-        <p14:creationId xmlns:p14="http://schemas.microsoft.com/office/powerpoint/2010/main" val="2651230507"/>
-      </p:ext>
-    </p:extLst>
-  </p:cSld>
-  <p:clrMapOvr>
-    <a:masterClrMapping/>
-  </p:clrMapOvr>
-  <p:timing>
-    <p:tnLst>
-      <p:par>
-        <p:cTn id="1" dur="indefinite" restart="never" nodeType="tmRoot"/>
-      </p:par>
-    </p:tnLst>
-  </p:timing>
-</p:sld>
-</file>
-
-<file path=ppt/slides/slide50.xml><?xml version="1.0" encoding="utf-8"?>
+<file path=ppt/slides/slide53.xml><?xml version="1.0" encoding="utf-8"?>
 <p:sld xmlns:a="http://schemas.openxmlformats.org/drawingml/2006/main" xmlns:r="http://schemas.openxmlformats.org/officeDocument/2006/relationships" xmlns:p="http://schemas.openxmlformats.org/presentationml/2006/main">
   <p:cSld>
     <p:spTree>
@@ -16009,7 +16737,165 @@
 </p:sld>
 </file>
 
-<file path=ppt/slides/slide51.xml><?xml version="1.0" encoding="utf-8"?>
+<file path=ppt/slides/slide54.xml><?xml version="1.0" encoding="utf-8"?>
+<p:sld xmlns:a="http://schemas.openxmlformats.org/drawingml/2006/main" xmlns:r="http://schemas.openxmlformats.org/officeDocument/2006/relationships" xmlns:p="http://schemas.openxmlformats.org/presentationml/2006/main">
+  <p:cSld>
+    <p:spTree>
+      <p:nvGrpSpPr>
+        <p:cNvPr id="1" name=""/>
+        <p:cNvGrpSpPr/>
+        <p:nvPr/>
+      </p:nvGrpSpPr>
+      <p:grpSpPr>
+        <a:xfrm>
+          <a:off x="0" y="0"/>
+          <a:ext cx="0" cy="0"/>
+          <a:chOff x="0" y="0"/>
+          <a:chExt cx="0" cy="0"/>
+        </a:xfrm>
+      </p:grpSpPr>
+      <p:sp>
+        <p:nvSpPr>
+          <p:cNvPr id="2" name="Title 1"/>
+          <p:cNvSpPr>
+            <a:spLocks noGrp="1"/>
+          </p:cNvSpPr>
+          <p:nvPr>
+            <p:ph type="title"/>
+          </p:nvPr>
+        </p:nvSpPr>
+        <p:spPr/>
+        <p:txBody>
+          <a:bodyPr>
+            <a:normAutofit/>
+          </a:bodyPr>
+          <a:lstStyle/>
+          <a:p>
+            <a:r>
+              <a:rPr lang="en-US" sz="4800" dirty="0"/>
+              <a:t>Page Authorization – feature</a:t>
+            </a:r>
+          </a:p>
+        </p:txBody>
+      </p:sp>
+      <p:sp>
+        <p:nvSpPr>
+          <p:cNvPr id="3" name="Content Placeholder 2"/>
+          <p:cNvSpPr>
+            <a:spLocks noGrp="1"/>
+          </p:cNvSpPr>
+          <p:nvPr>
+            <p:ph idx="1"/>
+          </p:nvPr>
+        </p:nvSpPr>
+        <p:spPr>
+          <a:xfrm>
+            <a:off x="838200" y="1825624"/>
+            <a:ext cx="10515600" cy="4589923"/>
+          </a:xfrm>
+        </p:spPr>
+        <p:txBody>
+          <a:bodyPr>
+            <a:normAutofit/>
+          </a:bodyPr>
+          <a:lstStyle/>
+          <a:p>
+            <a:endParaRPr lang="en-US" sz="4000" dirty="0" smtClean="0"/>
+          </a:p>
+          <a:p>
+            <a:endParaRPr lang="en-US" dirty="0" smtClean="0"/>
+          </a:p>
+          <a:p>
+            <a:endParaRPr lang="en-US" dirty="0" smtClean="0"/>
+          </a:p>
+          <a:p>
+            <a:endParaRPr lang="en-US" dirty="0"/>
+          </a:p>
+        </p:txBody>
+      </p:sp>
+      <p:pic>
+        <p:nvPicPr>
+          <p:cNvPr id="5" name="Picture 4"/>
+          <p:cNvPicPr>
+            <a:picLocks noChangeAspect="1"/>
+          </p:cNvPicPr>
+          <p:nvPr/>
+        </p:nvPicPr>
+        <p:blipFill>
+          <a:blip r:embed="rId3"/>
+          <a:stretch>
+            <a:fillRect/>
+          </a:stretch>
+        </p:blipFill>
+        <p:spPr>
+          <a:xfrm>
+            <a:off x="838199" y="2946501"/>
+            <a:ext cx="11154151" cy="2731628"/>
+          </a:xfrm>
+          <a:prstGeom prst="rect">
+            <a:avLst/>
+          </a:prstGeom>
+        </p:spPr>
+      </p:pic>
+      <p:sp>
+        <p:nvSpPr>
+          <p:cNvPr id="4" name="TextBox 3"/>
+          <p:cNvSpPr txBox="1"/>
+          <p:nvPr/>
+        </p:nvSpPr>
+        <p:spPr>
+          <a:xfrm>
+            <a:off x="2389239" y="1578077"/>
+            <a:ext cx="6474542" cy="954107"/>
+          </a:xfrm>
+          <a:prstGeom prst="rect">
+            <a:avLst/>
+          </a:prstGeom>
+          <a:noFill/>
+        </p:spPr>
+        <p:txBody>
+          <a:bodyPr wrap="square" rtlCol="0">
+            <a:spAutoFit/>
+          </a:bodyPr>
+          <a:lstStyle/>
+          <a:p>
+            <a:r>
+              <a:rPr lang="en-US" sz="2800" dirty="0" smtClean="0">
+                <a:solidFill>
+                  <a:srgbClr val="FF0000"/>
+                </a:solidFill>
+              </a:rPr>
+              <a:t>TODO: Show arrows and circles highlighting what stays the same, and what changes</a:t>
+            </a:r>
+            <a:endParaRPr lang="en-US" sz="2800" dirty="0">
+              <a:solidFill>
+                <a:srgbClr val="FF0000"/>
+              </a:solidFill>
+            </a:endParaRPr>
+          </a:p>
+        </p:txBody>
+      </p:sp>
+    </p:spTree>
+    <p:extLst>
+      <p:ext uri="{BB962C8B-B14F-4D97-AF65-F5344CB8AC3E}">
+        <p14:creationId xmlns:p14="http://schemas.microsoft.com/office/powerpoint/2010/main" val="2638902081"/>
+      </p:ext>
+    </p:extLst>
+  </p:cSld>
+  <p:clrMapOvr>
+    <a:masterClrMapping/>
+  </p:clrMapOvr>
+  <p:timing>
+    <p:tnLst>
+      <p:par>
+        <p:cTn id="1" dur="indefinite" restart="never" nodeType="tmRoot"/>
+      </p:par>
+    </p:tnLst>
+  </p:timing>
+</p:sld>
+</file>
+
+<file path=ppt/slides/slide55.xml><?xml version="1.0" encoding="utf-8"?>
 <p:sld xmlns:a="http://schemas.openxmlformats.org/drawingml/2006/main" xmlns:r="http://schemas.openxmlformats.org/officeDocument/2006/relationships" xmlns:p="http://schemas.openxmlformats.org/presentationml/2006/main">
   <p:cSld>
     <p:spTree>
@@ -16134,7 +17020,7 @@
 </p:sld>
 </file>
 
-<file path=ppt/slides/slide52.xml><?xml version="1.0" encoding="utf-8"?>
+<file path=ppt/slides/slide56.xml><?xml version="1.0" encoding="utf-8"?>
 <p:sld xmlns:a="http://schemas.openxmlformats.org/drawingml/2006/main" xmlns:r="http://schemas.openxmlformats.org/officeDocument/2006/relationships" xmlns:p="http://schemas.openxmlformats.org/presentationml/2006/main">
   <p:cSld>
     <p:spTree>
@@ -16230,7 +17116,7 @@
 </p:sld>
 </file>
 
-<file path=ppt/slides/slide53.xml><?xml version="1.0" encoding="utf-8"?>
+<file path=ppt/slides/slide57.xml><?xml version="1.0" encoding="utf-8"?>
 <p:sld xmlns:a="http://schemas.openxmlformats.org/drawingml/2006/main" xmlns:r="http://schemas.openxmlformats.org/officeDocument/2006/relationships" xmlns:p="http://schemas.openxmlformats.org/presentationml/2006/main">
   <p:cSld>
     <p:spTree>
@@ -16320,7 +17206,7 @@
 </p:sld>
 </file>
 
-<file path=ppt/slides/slide54.xml><?xml version="1.0" encoding="utf-8"?>
+<file path=ppt/slides/slide58.xml><?xml version="1.0" encoding="utf-8"?>
 <p:sld xmlns:a="http://schemas.openxmlformats.org/drawingml/2006/main" xmlns:r="http://schemas.openxmlformats.org/officeDocument/2006/relationships" xmlns:p="http://schemas.openxmlformats.org/presentationml/2006/main">
   <p:cSld>
     <p:spTree>
@@ -16444,7 +17330,7 @@
 </p:sld>
 </file>
 
-<file path=ppt/slides/slide55.xml><?xml version="1.0" encoding="utf-8"?>
+<file path=ppt/slides/slide59.xml><?xml version="1.0" encoding="utf-8"?>
 <p:sld xmlns:a="http://schemas.openxmlformats.org/drawingml/2006/main" xmlns:r="http://schemas.openxmlformats.org/officeDocument/2006/relationships" xmlns:p="http://schemas.openxmlformats.org/presentationml/2006/main">
   <p:cSld>
     <p:spTree>
@@ -16569,7 +17455,141 @@
 </p:sld>
 </file>
 
-<file path=ppt/slides/slide56.xml><?xml version="1.0" encoding="utf-8"?>
+<file path=ppt/slides/slide6.xml><?xml version="1.0" encoding="utf-8"?>
+<p:sld xmlns:a="http://schemas.openxmlformats.org/drawingml/2006/main" xmlns:r="http://schemas.openxmlformats.org/officeDocument/2006/relationships" xmlns:p="http://schemas.openxmlformats.org/presentationml/2006/main">
+  <p:cSld>
+    <p:spTree>
+      <p:nvGrpSpPr>
+        <p:cNvPr id="1" name=""/>
+        <p:cNvGrpSpPr/>
+        <p:nvPr/>
+      </p:nvGrpSpPr>
+      <p:grpSpPr>
+        <a:xfrm>
+          <a:off x="0" y="0"/>
+          <a:ext cx="0" cy="0"/>
+          <a:chOff x="0" y="0"/>
+          <a:chExt cx="0" cy="0"/>
+        </a:xfrm>
+      </p:grpSpPr>
+      <p:sp>
+        <p:nvSpPr>
+          <p:cNvPr id="2" name="Title 1"/>
+          <p:cNvSpPr>
+            <a:spLocks noGrp="1"/>
+          </p:cNvSpPr>
+          <p:nvPr>
+            <p:ph type="title"/>
+          </p:nvPr>
+        </p:nvSpPr>
+        <p:spPr/>
+        <p:txBody>
+          <a:bodyPr>
+            <a:normAutofit/>
+          </a:bodyPr>
+          <a:lstStyle/>
+          <a:p>
+            <a:r>
+              <a:rPr lang="en-US" sz="4800" dirty="0" smtClean="0"/>
+              <a:t>What's on </a:t>
+            </a:r>
+            <a:r>
+              <a:rPr lang="en-US" sz="4800" smtClean="0"/>
+              <a:t>the agenda?</a:t>
+            </a:r>
+            <a:endParaRPr lang="en-US" sz="4800" dirty="0"/>
+          </a:p>
+        </p:txBody>
+      </p:sp>
+      <p:sp>
+        <p:nvSpPr>
+          <p:cNvPr id="3" name="Content Placeholder 2"/>
+          <p:cNvSpPr>
+            <a:spLocks noGrp="1"/>
+          </p:cNvSpPr>
+          <p:nvPr>
+            <p:ph idx="1"/>
+          </p:nvPr>
+        </p:nvSpPr>
+        <p:spPr>
+          <a:xfrm>
+            <a:off x="838200" y="1825624"/>
+            <a:ext cx="10515600" cy="4899641"/>
+          </a:xfrm>
+        </p:spPr>
+        <p:txBody>
+          <a:bodyPr>
+            <a:normAutofit/>
+          </a:bodyPr>
+          <a:lstStyle/>
+          <a:p>
+            <a:r>
+              <a:rPr lang="en-US" sz="4000" dirty="0" smtClean="0">
+                <a:solidFill>
+                  <a:schemeClr val="bg1">
+                    <a:lumMod val="65000"/>
+                  </a:schemeClr>
+                </a:solidFill>
+              </a:rPr>
+              <a:t>Define "cross cutting" security concerns</a:t>
+            </a:r>
+          </a:p>
+          <a:p>
+            <a:endParaRPr lang="en-US" sz="4000" dirty="0"/>
+          </a:p>
+          <a:p>
+            <a:r>
+              <a:rPr lang="en-US" sz="4000" dirty="0" smtClean="0"/>
+              <a:t>"Secure by default" examples</a:t>
+            </a:r>
+          </a:p>
+          <a:p>
+            <a:endParaRPr lang="en-US" sz="4000" dirty="0"/>
+          </a:p>
+          <a:p>
+            <a:endParaRPr lang="en-US" sz="4000" dirty="0" smtClean="0"/>
+          </a:p>
+          <a:p>
+            <a:endParaRPr lang="en-US" sz="4000" dirty="0"/>
+          </a:p>
+          <a:p>
+            <a:endParaRPr lang="en-US" sz="4000" dirty="0" smtClean="0"/>
+          </a:p>
+          <a:p>
+            <a:endParaRPr lang="en-US" sz="4000" dirty="0" smtClean="0"/>
+          </a:p>
+          <a:p>
+            <a:endParaRPr lang="en-US" dirty="0" smtClean="0"/>
+          </a:p>
+          <a:p>
+            <a:endParaRPr lang="en-US" dirty="0" smtClean="0"/>
+          </a:p>
+          <a:p>
+            <a:endParaRPr lang="en-US" dirty="0"/>
+          </a:p>
+        </p:txBody>
+      </p:sp>
+    </p:spTree>
+    <p:extLst>
+      <p:ext uri="{BB962C8B-B14F-4D97-AF65-F5344CB8AC3E}">
+        <p14:creationId xmlns:p14="http://schemas.microsoft.com/office/powerpoint/2010/main" val="902317821"/>
+      </p:ext>
+    </p:extLst>
+  </p:cSld>
+  <p:clrMapOvr>
+    <a:masterClrMapping/>
+  </p:clrMapOvr>
+  <p:timing>
+    <p:tnLst>
+      <p:par>
+        <p:cTn id="1" dur="indefinite" restart="never" nodeType="tmRoot"/>
+      </p:par>
+    </p:tnLst>
+  </p:timing>
+</p:sld>
+</file>
+
+<file path=ppt/slides/slide60.xml><?xml version="1.0" encoding="utf-8"?>
 <p:sld xmlns:a="http://schemas.openxmlformats.org/drawingml/2006/main" xmlns:r="http://schemas.openxmlformats.org/officeDocument/2006/relationships" xmlns:p="http://schemas.openxmlformats.org/presentationml/2006/main">
   <p:cSld>
     <p:spTree>
@@ -16662,7 +17682,7 @@
 </p:sld>
 </file>
 
-<file path=ppt/slides/slide57.xml><?xml version="1.0" encoding="utf-8"?>
+<file path=ppt/slides/slide61.xml><?xml version="1.0" encoding="utf-8"?>
 <p:sld xmlns:a="http://schemas.openxmlformats.org/drawingml/2006/main" xmlns:r="http://schemas.openxmlformats.org/officeDocument/2006/relationships" xmlns:p="http://schemas.openxmlformats.org/presentationml/2006/main">
   <p:cSld>
     <p:spTree>
@@ -16787,7 +17807,7 @@
 </p:sld>
 </file>
 
-<file path=ppt/slides/slide58.xml><?xml version="1.0" encoding="utf-8"?>
+<file path=ppt/slides/slide62.xml><?xml version="1.0" encoding="utf-8"?>
 <p:sld xmlns:a="http://schemas.openxmlformats.org/drawingml/2006/main" xmlns:r="http://schemas.openxmlformats.org/officeDocument/2006/relationships" xmlns:p="http://schemas.openxmlformats.org/presentationml/2006/main">
   <p:cSld>
     <p:spTree>
@@ -16920,7 +17940,7 @@
 </p:sld>
 </file>
 
-<file path=ppt/slides/slide59.xml><?xml version="1.0" encoding="utf-8"?>
+<file path=ppt/slides/slide63.xml><?xml version="1.0" encoding="utf-8"?>
 <p:sld xmlns:a="http://schemas.openxmlformats.org/drawingml/2006/main" xmlns:r="http://schemas.openxmlformats.org/officeDocument/2006/relationships" xmlns:p="http://schemas.openxmlformats.org/presentationml/2006/main">
   <p:cSld>
     <p:spTree>
@@ -17026,141 +18046,7 @@
 </p:sld>
 </file>
 
-<file path=ppt/slides/slide6.xml><?xml version="1.0" encoding="utf-8"?>
-<p:sld xmlns:a="http://schemas.openxmlformats.org/drawingml/2006/main" xmlns:r="http://schemas.openxmlformats.org/officeDocument/2006/relationships" xmlns:p="http://schemas.openxmlformats.org/presentationml/2006/main">
-  <p:cSld>
-    <p:spTree>
-      <p:nvGrpSpPr>
-        <p:cNvPr id="1" name=""/>
-        <p:cNvGrpSpPr/>
-        <p:nvPr/>
-      </p:nvGrpSpPr>
-      <p:grpSpPr>
-        <a:xfrm>
-          <a:off x="0" y="0"/>
-          <a:ext cx="0" cy="0"/>
-          <a:chOff x="0" y="0"/>
-          <a:chExt cx="0" cy="0"/>
-        </a:xfrm>
-      </p:grpSpPr>
-      <p:sp>
-        <p:nvSpPr>
-          <p:cNvPr id="2" name="Title 1"/>
-          <p:cNvSpPr>
-            <a:spLocks noGrp="1"/>
-          </p:cNvSpPr>
-          <p:nvPr>
-            <p:ph type="title"/>
-          </p:nvPr>
-        </p:nvSpPr>
-        <p:spPr/>
-        <p:txBody>
-          <a:bodyPr>
-            <a:normAutofit/>
-          </a:bodyPr>
-          <a:lstStyle/>
-          <a:p>
-            <a:r>
-              <a:rPr lang="en-US" sz="4800" dirty="0" smtClean="0"/>
-              <a:t>What's on </a:t>
-            </a:r>
-            <a:r>
-              <a:rPr lang="en-US" sz="4800" smtClean="0"/>
-              <a:t>the agenda?</a:t>
-            </a:r>
-            <a:endParaRPr lang="en-US" sz="4800" dirty="0"/>
-          </a:p>
-        </p:txBody>
-      </p:sp>
-      <p:sp>
-        <p:nvSpPr>
-          <p:cNvPr id="3" name="Content Placeholder 2"/>
-          <p:cNvSpPr>
-            <a:spLocks noGrp="1"/>
-          </p:cNvSpPr>
-          <p:nvPr>
-            <p:ph idx="1"/>
-          </p:nvPr>
-        </p:nvSpPr>
-        <p:spPr>
-          <a:xfrm>
-            <a:off x="838200" y="1825624"/>
-            <a:ext cx="10515600" cy="4899641"/>
-          </a:xfrm>
-        </p:spPr>
-        <p:txBody>
-          <a:bodyPr>
-            <a:normAutofit/>
-          </a:bodyPr>
-          <a:lstStyle/>
-          <a:p>
-            <a:r>
-              <a:rPr lang="en-US" sz="4000" dirty="0" smtClean="0">
-                <a:solidFill>
-                  <a:schemeClr val="bg1">
-                    <a:lumMod val="65000"/>
-                  </a:schemeClr>
-                </a:solidFill>
-              </a:rPr>
-              <a:t>Define "cross cutting" security concerns</a:t>
-            </a:r>
-          </a:p>
-          <a:p>
-            <a:endParaRPr lang="en-US" sz="4000" dirty="0"/>
-          </a:p>
-          <a:p>
-            <a:r>
-              <a:rPr lang="en-US" sz="4000" dirty="0" smtClean="0"/>
-              <a:t>"Secure by default" examples</a:t>
-            </a:r>
-          </a:p>
-          <a:p>
-            <a:endParaRPr lang="en-US" sz="4000" dirty="0"/>
-          </a:p>
-          <a:p>
-            <a:endParaRPr lang="en-US" sz="4000" dirty="0" smtClean="0"/>
-          </a:p>
-          <a:p>
-            <a:endParaRPr lang="en-US" sz="4000" dirty="0"/>
-          </a:p>
-          <a:p>
-            <a:endParaRPr lang="en-US" sz="4000" dirty="0" smtClean="0"/>
-          </a:p>
-          <a:p>
-            <a:endParaRPr lang="en-US" sz="4000" dirty="0" smtClean="0"/>
-          </a:p>
-          <a:p>
-            <a:endParaRPr lang="en-US" dirty="0" smtClean="0"/>
-          </a:p>
-          <a:p>
-            <a:endParaRPr lang="en-US" dirty="0" smtClean="0"/>
-          </a:p>
-          <a:p>
-            <a:endParaRPr lang="en-US" dirty="0"/>
-          </a:p>
-        </p:txBody>
-      </p:sp>
-    </p:spTree>
-    <p:extLst>
-      <p:ext uri="{BB962C8B-B14F-4D97-AF65-F5344CB8AC3E}">
-        <p14:creationId xmlns:p14="http://schemas.microsoft.com/office/powerpoint/2010/main" val="902317821"/>
-      </p:ext>
-    </p:extLst>
-  </p:cSld>
-  <p:clrMapOvr>
-    <a:masterClrMapping/>
-  </p:clrMapOvr>
-  <p:timing>
-    <p:tnLst>
-      <p:par>
-        <p:cTn id="1" dur="indefinite" restart="never" nodeType="tmRoot"/>
-      </p:par>
-    </p:tnLst>
-  </p:timing>
-</p:sld>
-</file>
-
-<file path=ppt/slides/slide60.xml><?xml version="1.0" encoding="utf-8"?>
+<file path=ppt/slides/slide64.xml><?xml version="1.0" encoding="utf-8"?>
 <p:sld xmlns:a="http://schemas.openxmlformats.org/drawingml/2006/main" xmlns:r="http://schemas.openxmlformats.org/officeDocument/2006/relationships" xmlns:p="http://schemas.openxmlformats.org/presentationml/2006/main">
   <p:cSld>
     <p:spTree>
@@ -17281,7 +18167,7 @@
 </p:sld>
 </file>
 
-<file path=ppt/slides/slide61.xml><?xml version="1.0" encoding="utf-8"?>
+<file path=ppt/slides/slide65.xml><?xml version="1.0" encoding="utf-8"?>
 <p:sld xmlns:a="http://schemas.openxmlformats.org/drawingml/2006/main" xmlns:r="http://schemas.openxmlformats.org/officeDocument/2006/relationships" xmlns:p="http://schemas.openxmlformats.org/presentationml/2006/main">
   <p:cSld>
     <p:spTree>
@@ -17401,7 +18287,7 @@
 </p:sld>
 </file>
 
-<file path=ppt/slides/slide62.xml><?xml version="1.0" encoding="utf-8"?>
+<file path=ppt/slides/slide66.xml><?xml version="1.0" encoding="utf-8"?>
 <p:sld xmlns:a="http://schemas.openxmlformats.org/drawingml/2006/main" xmlns:r="http://schemas.openxmlformats.org/officeDocument/2006/relationships" xmlns:p="http://schemas.openxmlformats.org/presentationml/2006/main">
   <p:cSld>
     <p:spTree>
@@ -17521,7 +18407,7 @@
 </p:sld>
 </file>
 
-<file path=ppt/slides/slide63.xml><?xml version="1.0" encoding="utf-8"?>
+<file path=ppt/slides/slide67.xml><?xml version="1.0" encoding="utf-8"?>
 <p:sld xmlns:a="http://schemas.openxmlformats.org/drawingml/2006/main" xmlns:r="http://schemas.openxmlformats.org/officeDocument/2006/relationships" xmlns:p="http://schemas.openxmlformats.org/presentationml/2006/main">
   <p:cSld>
     <p:spTree>
@@ -17641,7 +18527,7 @@
 </p:sld>
 </file>
 
-<file path=ppt/slides/slide64.xml><?xml version="1.0" encoding="utf-8"?>
+<file path=ppt/slides/slide68.xml><?xml version="1.0" encoding="utf-8"?>
 <p:sld xmlns:a="http://schemas.openxmlformats.org/drawingml/2006/main" xmlns:r="http://schemas.openxmlformats.org/officeDocument/2006/relationships" xmlns:p="http://schemas.openxmlformats.org/presentationml/2006/main">
   <p:cSld>
     <p:spTree>
@@ -17761,7 +18647,7 @@
 </p:sld>
 </file>
 
-<file path=ppt/slides/slide65.xml><?xml version="1.0" encoding="utf-8"?>
+<file path=ppt/slides/slide69.xml><?xml version="1.0" encoding="utf-8"?>
 <p:sld xmlns:a="http://schemas.openxmlformats.org/drawingml/2006/main" xmlns:r="http://schemas.openxmlformats.org/officeDocument/2006/relationships" xmlns:p="http://schemas.openxmlformats.org/presentationml/2006/main">
   <p:cSld>
     <p:spTree>
@@ -17903,7 +18789,159 @@
 </p:sld>
 </file>
 
-<file path=ppt/slides/slide66.xml><?xml version="1.0" encoding="utf-8"?>
+<file path=ppt/slides/slide7.xml><?xml version="1.0" encoding="utf-8"?>
+<p:sld xmlns:a="http://schemas.openxmlformats.org/drawingml/2006/main" xmlns:r="http://schemas.openxmlformats.org/officeDocument/2006/relationships" xmlns:p="http://schemas.openxmlformats.org/presentationml/2006/main">
+  <p:cSld>
+    <p:spTree>
+      <p:nvGrpSpPr>
+        <p:cNvPr id="1" name=""/>
+        <p:cNvGrpSpPr/>
+        <p:nvPr/>
+      </p:nvGrpSpPr>
+      <p:grpSpPr>
+        <a:xfrm>
+          <a:off x="0" y="0"/>
+          <a:ext cx="0" cy="0"/>
+          <a:chOff x="0" y="0"/>
+          <a:chExt cx="0" cy="0"/>
+        </a:xfrm>
+      </p:grpSpPr>
+      <p:sp>
+        <p:nvSpPr>
+          <p:cNvPr id="2" name="Title 1"/>
+          <p:cNvSpPr>
+            <a:spLocks noGrp="1"/>
+          </p:cNvSpPr>
+          <p:nvPr>
+            <p:ph type="title"/>
+          </p:nvPr>
+        </p:nvSpPr>
+        <p:spPr/>
+        <p:txBody>
+          <a:bodyPr>
+            <a:normAutofit/>
+          </a:bodyPr>
+          <a:lstStyle/>
+          <a:p>
+            <a:r>
+              <a:rPr lang="en-US" sz="4800" dirty="0" smtClean="0"/>
+              <a:t>What's on </a:t>
+            </a:r>
+            <a:r>
+              <a:rPr lang="en-US" sz="4800" smtClean="0"/>
+              <a:t>the agenda?</a:t>
+            </a:r>
+            <a:endParaRPr lang="en-US" sz="4800" dirty="0"/>
+          </a:p>
+        </p:txBody>
+      </p:sp>
+      <p:sp>
+        <p:nvSpPr>
+          <p:cNvPr id="3" name="Content Placeholder 2"/>
+          <p:cNvSpPr>
+            <a:spLocks noGrp="1"/>
+          </p:cNvSpPr>
+          <p:nvPr>
+            <p:ph idx="1"/>
+          </p:nvPr>
+        </p:nvSpPr>
+        <p:spPr>
+          <a:xfrm>
+            <a:off x="838200" y="1825624"/>
+            <a:ext cx="10515600" cy="4899641"/>
+          </a:xfrm>
+        </p:spPr>
+        <p:txBody>
+          <a:bodyPr>
+            <a:normAutofit/>
+          </a:bodyPr>
+          <a:lstStyle/>
+          <a:p>
+            <a:r>
+              <a:rPr lang="en-US" sz="4000" dirty="0" smtClean="0">
+                <a:solidFill>
+                  <a:schemeClr val="bg1">
+                    <a:lumMod val="65000"/>
+                  </a:schemeClr>
+                </a:solidFill>
+              </a:rPr>
+              <a:t>Define "cross cutting" security concerns</a:t>
+            </a:r>
+          </a:p>
+          <a:p>
+            <a:endParaRPr lang="en-US" sz="4000" dirty="0">
+              <a:solidFill>
+                <a:schemeClr val="bg1">
+                  <a:lumMod val="65000"/>
+                </a:schemeClr>
+              </a:solidFill>
+            </a:endParaRPr>
+          </a:p>
+          <a:p>
+            <a:r>
+              <a:rPr lang="en-US" sz="4000" dirty="0" smtClean="0">
+                <a:solidFill>
+                  <a:schemeClr val="bg1">
+                    <a:lumMod val="65000"/>
+                  </a:schemeClr>
+                </a:solidFill>
+              </a:rPr>
+              <a:t>"Secure by default" examples</a:t>
+            </a:r>
+          </a:p>
+          <a:p>
+            <a:endParaRPr lang="en-US" sz="4000" dirty="0"/>
+          </a:p>
+          <a:p>
+            <a:r>
+              <a:rPr lang="en-US" sz="4000" dirty="0" smtClean="0"/>
+              <a:t>Declarative vs Imperative security</a:t>
+            </a:r>
+          </a:p>
+          <a:p>
+            <a:endParaRPr lang="en-US" sz="4000" dirty="0"/>
+          </a:p>
+          <a:p>
+            <a:endParaRPr lang="en-US" sz="4000" dirty="0"/>
+          </a:p>
+          <a:p>
+            <a:endParaRPr lang="en-US" sz="4000" dirty="0" smtClean="0"/>
+          </a:p>
+          <a:p>
+            <a:endParaRPr lang="en-US" sz="4000" dirty="0" smtClean="0"/>
+          </a:p>
+          <a:p>
+            <a:endParaRPr lang="en-US" dirty="0" smtClean="0"/>
+          </a:p>
+          <a:p>
+            <a:endParaRPr lang="en-US" dirty="0" smtClean="0"/>
+          </a:p>
+          <a:p>
+            <a:endParaRPr lang="en-US" dirty="0"/>
+          </a:p>
+        </p:txBody>
+      </p:sp>
+    </p:spTree>
+    <p:extLst>
+      <p:ext uri="{BB962C8B-B14F-4D97-AF65-F5344CB8AC3E}">
+        <p14:creationId xmlns:p14="http://schemas.microsoft.com/office/powerpoint/2010/main" val="1001694156"/>
+      </p:ext>
+    </p:extLst>
+  </p:cSld>
+  <p:clrMapOvr>
+    <a:masterClrMapping/>
+  </p:clrMapOvr>
+  <p:timing>
+    <p:tnLst>
+      <p:par>
+        <p:cTn id="1" dur="indefinite" restart="never" nodeType="tmRoot"/>
+      </p:par>
+    </p:tnLst>
+  </p:timing>
+</p:sld>
+</file>
+
+<file path=ppt/slides/slide70.xml><?xml version="1.0" encoding="utf-8"?>
 <p:sld xmlns:a="http://schemas.openxmlformats.org/drawingml/2006/main" xmlns:r="http://schemas.openxmlformats.org/officeDocument/2006/relationships" xmlns:p="http://schemas.openxmlformats.org/presentationml/2006/main">
   <p:cSld>
     <p:spTree>
@@ -18024,7 +19062,7 @@
 </p:sld>
 </file>
 
-<file path=ppt/slides/slide67.xml><?xml version="1.0" encoding="utf-8"?>
+<file path=ppt/slides/slide71.xml><?xml version="1.0" encoding="utf-8"?>
 <p:sld xmlns:a="http://schemas.openxmlformats.org/drawingml/2006/main" xmlns:r="http://schemas.openxmlformats.org/officeDocument/2006/relationships" xmlns:p="http://schemas.openxmlformats.org/presentationml/2006/main">
   <p:cSld>
     <p:spTree>
@@ -18145,7 +19183,7 @@
 </p:sld>
 </file>
 
-<file path=ppt/slides/slide68.xml><?xml version="1.0" encoding="utf-8"?>
+<file path=ppt/slides/slide72.xml><?xml version="1.0" encoding="utf-8"?>
 <p:sld xmlns:a="http://schemas.openxmlformats.org/drawingml/2006/main" xmlns:r="http://schemas.openxmlformats.org/officeDocument/2006/relationships" xmlns:p="http://schemas.openxmlformats.org/presentationml/2006/main">
   <p:cSld>
     <p:spTree>
@@ -18266,7 +19304,7 @@
 </p:sld>
 </file>
 
-<file path=ppt/slides/slide69.xml><?xml version="1.0" encoding="utf-8"?>
+<file path=ppt/slides/slide73.xml><?xml version="1.0" encoding="utf-8"?>
 <p:sld xmlns:a="http://schemas.openxmlformats.org/drawingml/2006/main" xmlns:r="http://schemas.openxmlformats.org/officeDocument/2006/relationships" xmlns:p="http://schemas.openxmlformats.org/presentationml/2006/main">
   <p:cSld>
     <p:spTree>
@@ -18390,159 +19428,7 @@
 </p:sld>
 </file>
 
-<file path=ppt/slides/slide7.xml><?xml version="1.0" encoding="utf-8"?>
-<p:sld xmlns:a="http://schemas.openxmlformats.org/drawingml/2006/main" xmlns:r="http://schemas.openxmlformats.org/officeDocument/2006/relationships" xmlns:p="http://schemas.openxmlformats.org/presentationml/2006/main">
-  <p:cSld>
-    <p:spTree>
-      <p:nvGrpSpPr>
-        <p:cNvPr id="1" name=""/>
-        <p:cNvGrpSpPr/>
-        <p:nvPr/>
-      </p:nvGrpSpPr>
-      <p:grpSpPr>
-        <a:xfrm>
-          <a:off x="0" y="0"/>
-          <a:ext cx="0" cy="0"/>
-          <a:chOff x="0" y="0"/>
-          <a:chExt cx="0" cy="0"/>
-        </a:xfrm>
-      </p:grpSpPr>
-      <p:sp>
-        <p:nvSpPr>
-          <p:cNvPr id="2" name="Title 1"/>
-          <p:cNvSpPr>
-            <a:spLocks noGrp="1"/>
-          </p:cNvSpPr>
-          <p:nvPr>
-            <p:ph type="title"/>
-          </p:nvPr>
-        </p:nvSpPr>
-        <p:spPr/>
-        <p:txBody>
-          <a:bodyPr>
-            <a:normAutofit/>
-          </a:bodyPr>
-          <a:lstStyle/>
-          <a:p>
-            <a:r>
-              <a:rPr lang="en-US" sz="4800" dirty="0" smtClean="0"/>
-              <a:t>What's on </a:t>
-            </a:r>
-            <a:r>
-              <a:rPr lang="en-US" sz="4800" smtClean="0"/>
-              <a:t>the agenda?</a:t>
-            </a:r>
-            <a:endParaRPr lang="en-US" sz="4800" dirty="0"/>
-          </a:p>
-        </p:txBody>
-      </p:sp>
-      <p:sp>
-        <p:nvSpPr>
-          <p:cNvPr id="3" name="Content Placeholder 2"/>
-          <p:cNvSpPr>
-            <a:spLocks noGrp="1"/>
-          </p:cNvSpPr>
-          <p:nvPr>
-            <p:ph idx="1"/>
-          </p:nvPr>
-        </p:nvSpPr>
-        <p:spPr>
-          <a:xfrm>
-            <a:off x="838200" y="1825624"/>
-            <a:ext cx="10515600" cy="4899641"/>
-          </a:xfrm>
-        </p:spPr>
-        <p:txBody>
-          <a:bodyPr>
-            <a:normAutofit/>
-          </a:bodyPr>
-          <a:lstStyle/>
-          <a:p>
-            <a:r>
-              <a:rPr lang="en-US" sz="4000" dirty="0" smtClean="0">
-                <a:solidFill>
-                  <a:schemeClr val="bg1">
-                    <a:lumMod val="65000"/>
-                  </a:schemeClr>
-                </a:solidFill>
-              </a:rPr>
-              <a:t>Define "cross cutting" security concerns</a:t>
-            </a:r>
-          </a:p>
-          <a:p>
-            <a:endParaRPr lang="en-US" sz="4000" dirty="0">
-              <a:solidFill>
-                <a:schemeClr val="bg1">
-                  <a:lumMod val="65000"/>
-                </a:schemeClr>
-              </a:solidFill>
-            </a:endParaRPr>
-          </a:p>
-          <a:p>
-            <a:r>
-              <a:rPr lang="en-US" sz="4000" dirty="0" smtClean="0">
-                <a:solidFill>
-                  <a:schemeClr val="bg1">
-                    <a:lumMod val="65000"/>
-                  </a:schemeClr>
-                </a:solidFill>
-              </a:rPr>
-              <a:t>"Secure by default" examples</a:t>
-            </a:r>
-          </a:p>
-          <a:p>
-            <a:endParaRPr lang="en-US" sz="4000" dirty="0"/>
-          </a:p>
-          <a:p>
-            <a:r>
-              <a:rPr lang="en-US" sz="4000" dirty="0" smtClean="0"/>
-              <a:t>Declarative vs Imperative security</a:t>
-            </a:r>
-          </a:p>
-          <a:p>
-            <a:endParaRPr lang="en-US" sz="4000" dirty="0"/>
-          </a:p>
-          <a:p>
-            <a:endParaRPr lang="en-US" sz="4000" dirty="0"/>
-          </a:p>
-          <a:p>
-            <a:endParaRPr lang="en-US" sz="4000" dirty="0" smtClean="0"/>
-          </a:p>
-          <a:p>
-            <a:endParaRPr lang="en-US" sz="4000" dirty="0" smtClean="0"/>
-          </a:p>
-          <a:p>
-            <a:endParaRPr lang="en-US" dirty="0" smtClean="0"/>
-          </a:p>
-          <a:p>
-            <a:endParaRPr lang="en-US" dirty="0" smtClean="0"/>
-          </a:p>
-          <a:p>
-            <a:endParaRPr lang="en-US" dirty="0"/>
-          </a:p>
-        </p:txBody>
-      </p:sp>
-    </p:spTree>
-    <p:extLst>
-      <p:ext uri="{BB962C8B-B14F-4D97-AF65-F5344CB8AC3E}">
-        <p14:creationId xmlns:p14="http://schemas.microsoft.com/office/powerpoint/2010/main" val="1001694156"/>
-      </p:ext>
-    </p:extLst>
-  </p:cSld>
-  <p:clrMapOvr>
-    <a:masterClrMapping/>
-  </p:clrMapOvr>
-  <p:timing>
-    <p:tnLst>
-      <p:par>
-        <p:cTn id="1" dur="indefinite" restart="never" nodeType="tmRoot"/>
-      </p:par>
-    </p:tnLst>
-  </p:timing>
-</p:sld>
-</file>
-
-<file path=ppt/slides/slide70.xml><?xml version="1.0" encoding="utf-8"?>
+<file path=ppt/slides/slide74.xml><?xml version="1.0" encoding="utf-8"?>
 <p:sld xmlns:a="http://schemas.openxmlformats.org/drawingml/2006/main" xmlns:r="http://schemas.openxmlformats.org/officeDocument/2006/relationships" xmlns:p="http://schemas.openxmlformats.org/presentationml/2006/main">
   <p:cSld>
     <p:spTree>
@@ -18672,7 +19558,7 @@
 </p:sld>
 </file>
 
-<file path=ppt/slides/slide71.xml><?xml version="1.0" encoding="utf-8"?>
+<file path=ppt/slides/slide75.xml><?xml version="1.0" encoding="utf-8"?>
 <p:sld xmlns:a="http://schemas.openxmlformats.org/drawingml/2006/main" xmlns:r="http://schemas.openxmlformats.org/officeDocument/2006/relationships" xmlns:p="http://schemas.openxmlformats.org/presentationml/2006/main">
   <p:cSld>
     <p:spTree>
@@ -18787,7 +19673,7 @@
 </p:sld>
 </file>
 
-<file path=ppt/slides/slide72.xml><?xml version="1.0" encoding="utf-8"?>
+<file path=ppt/slides/slide76.xml><?xml version="1.0" encoding="utf-8"?>
 <p:sld xmlns:a="http://schemas.openxmlformats.org/drawingml/2006/main" xmlns:r="http://schemas.openxmlformats.org/officeDocument/2006/relationships" xmlns:p="http://schemas.openxmlformats.org/presentationml/2006/main">
   <p:cSld>
     <p:spTree>
@@ -18907,7 +19793,6 @@
               <a:rPr lang="en-US" sz="3200" dirty="0" smtClean="0"/>
               <a:t>Method boundaries</a:t>
             </a:r>
-            <a:endParaRPr lang="en-US" sz="3200" dirty="0" smtClean="0"/>
           </a:p>
           <a:p>
             <a:pPr marL="0" indent="0">
@@ -19009,7 +19894,7 @@
 </p:sld>
 </file>
 
-<file path=ppt/slides/slide73.xml><?xml version="1.0" encoding="utf-8"?>
+<file path=ppt/slides/slide77.xml><?xml version="1.0" encoding="utf-8"?>
 <p:sld xmlns:a="http://schemas.openxmlformats.org/drawingml/2006/main" xmlns:r="http://schemas.openxmlformats.org/officeDocument/2006/relationships" xmlns:p="http://schemas.openxmlformats.org/presentationml/2006/main">
   <p:cSld>
     <p:spTree>
@@ -19151,7 +20036,7 @@
 </p:sld>
 </file>
 
-<file path=ppt/slides/slide74.xml><?xml version="1.0" encoding="utf-8"?>
+<file path=ppt/slides/slide78.xml><?xml version="1.0" encoding="utf-8"?>
 <p:sld xmlns:a="http://schemas.openxmlformats.org/drawingml/2006/main" xmlns:r="http://schemas.openxmlformats.org/officeDocument/2006/relationships" xmlns:p="http://schemas.openxmlformats.org/presentationml/2006/main">
   <p:cSld>
     <p:spTree>
@@ -19621,7 +20506,6 @@
               <a:rPr lang="en-US" sz="4000" dirty="0" smtClean="0"/>
               <a:t>in the underlying system</a:t>
             </a:r>
-            <a:endParaRPr lang="en-US" sz="4000" dirty="0" smtClean="0"/>
           </a:p>
           <a:p>
             <a:endParaRPr lang="en-US" sz="4000" dirty="0" smtClean="0"/>

--- a/Secure Systems - CodeMash 2017.pptx
+++ b/Secure Systems - CodeMash 2017.pptx
@@ -311,7 +311,7 @@
           <a:p>
             <a:fld id="{C54A4886-B4AF-42F7-97BE-95CDF82A73E3}" type="datetimeFigureOut">
               <a:rPr lang="en-US" smtClean="0"/>
-              <a:t>1/4/2017</a:t>
+              <a:t>1/5/2017</a:t>
             </a:fld>
             <a:endParaRPr lang="en-US"/>
           </a:p>
@@ -7553,7 +7553,7 @@
           <a:p>
             <a:fld id="{75AA6396-395E-4ADA-8EE5-F328BC863A04}" type="datetimeFigureOut">
               <a:rPr lang="en-US" smtClean="0"/>
-              <a:t>1/4/2017</a:t>
+              <a:t>1/5/2017</a:t>
             </a:fld>
             <a:endParaRPr lang="en-US"/>
           </a:p>
@@ -7730,7 +7730,7 @@
           <a:p>
             <a:fld id="{75AA6396-395E-4ADA-8EE5-F328BC863A04}" type="datetimeFigureOut">
               <a:rPr lang="en-US" smtClean="0"/>
-              <a:t>1/4/2017</a:t>
+              <a:t>1/5/2017</a:t>
             </a:fld>
             <a:endParaRPr lang="en-US"/>
           </a:p>
@@ -7910,7 +7910,7 @@
           <a:p>
             <a:fld id="{75AA6396-395E-4ADA-8EE5-F328BC863A04}" type="datetimeFigureOut">
               <a:rPr lang="en-US" smtClean="0"/>
-              <a:t>1/4/2017</a:t>
+              <a:t>1/5/2017</a:t>
             </a:fld>
             <a:endParaRPr lang="en-US"/>
           </a:p>
@@ -8130,7 +8130,7 @@
           <a:p>
             <a:fld id="{75AA6396-395E-4ADA-8EE5-F328BC863A04}" type="datetimeFigureOut">
               <a:rPr lang="en-US" smtClean="0"/>
-              <a:t>1/4/2017</a:t>
+              <a:t>1/5/2017</a:t>
             </a:fld>
             <a:endParaRPr lang="en-US"/>
           </a:p>
@@ -8383,7 +8383,7 @@
           <a:p>
             <a:fld id="{75AA6396-395E-4ADA-8EE5-F328BC863A04}" type="datetimeFigureOut">
               <a:rPr lang="en-US" smtClean="0"/>
-              <a:t>1/4/2017</a:t>
+              <a:t>1/5/2017</a:t>
             </a:fld>
             <a:endParaRPr lang="en-US"/>
           </a:p>
@@ -8622,7 +8622,7 @@
           <a:p>
             <a:fld id="{75AA6396-395E-4ADA-8EE5-F328BC863A04}" type="datetimeFigureOut">
               <a:rPr lang="en-US" smtClean="0"/>
-              <a:t>1/4/2017</a:t>
+              <a:t>1/5/2017</a:t>
             </a:fld>
             <a:endParaRPr lang="en-US"/>
           </a:p>
@@ -8996,7 +8996,7 @@
           <a:p>
             <a:fld id="{75AA6396-395E-4ADA-8EE5-F328BC863A04}" type="datetimeFigureOut">
               <a:rPr lang="en-US" smtClean="0"/>
-              <a:t>1/4/2017</a:t>
+              <a:t>1/5/2017</a:t>
             </a:fld>
             <a:endParaRPr lang="en-US"/>
           </a:p>
@@ -9114,7 +9114,7 @@
           <a:p>
             <a:fld id="{75AA6396-395E-4ADA-8EE5-F328BC863A04}" type="datetimeFigureOut">
               <a:rPr lang="en-US" smtClean="0"/>
-              <a:t>1/4/2017</a:t>
+              <a:t>1/5/2017</a:t>
             </a:fld>
             <a:endParaRPr lang="en-US"/>
           </a:p>
@@ -9209,7 +9209,7 @@
           <a:p>
             <a:fld id="{75AA6396-395E-4ADA-8EE5-F328BC863A04}" type="datetimeFigureOut">
               <a:rPr lang="en-US" smtClean="0"/>
-              <a:t>1/4/2017</a:t>
+              <a:t>1/5/2017</a:t>
             </a:fld>
             <a:endParaRPr lang="en-US"/>
           </a:p>
@@ -9486,7 +9486,7 @@
           <a:p>
             <a:fld id="{75AA6396-395E-4ADA-8EE5-F328BC863A04}" type="datetimeFigureOut">
               <a:rPr lang="en-US" smtClean="0"/>
-              <a:t>1/4/2017</a:t>
+              <a:t>1/5/2017</a:t>
             </a:fld>
             <a:endParaRPr lang="en-US"/>
           </a:p>
@@ -9739,7 +9739,7 @@
           <a:p>
             <a:fld id="{75AA6396-395E-4ADA-8EE5-F328BC863A04}" type="datetimeFigureOut">
               <a:rPr lang="en-US" smtClean="0"/>
-              <a:t>1/4/2017</a:t>
+              <a:t>1/5/2017</a:t>
             </a:fld>
             <a:endParaRPr lang="en-US"/>
           </a:p>
@@ -9952,7 +9952,7 @@
           <a:p>
             <a:fld id="{75AA6396-395E-4ADA-8EE5-F328BC863A04}" type="datetimeFigureOut">
               <a:rPr lang="en-US" smtClean="0"/>
-              <a:t>1/4/2017</a:t>
+              <a:t>1/5/2017</a:t>
             </a:fld>
             <a:endParaRPr lang="en-US"/>
           </a:p>
@@ -15474,7 +15474,7 @@
       </p:sp>
       <p:pic>
         <p:nvPicPr>
-          <p:cNvPr id="4" name="Picture 3"/>
+          <p:cNvPr id="5" name="Picture 4"/>
           <p:cNvPicPr>
             <a:picLocks noChangeAspect="1"/>
           </p:cNvPicPr>
@@ -15488,8 +15488,8 @@
         </p:blipFill>
         <p:spPr>
           <a:xfrm>
-            <a:off x="838200" y="2221629"/>
-            <a:ext cx="11276443" cy="4193918"/>
+            <a:off x="449419" y="1825624"/>
+            <a:ext cx="11614245" cy="4324453"/>
           </a:xfrm>
           <a:prstGeom prst="rect">
             <a:avLst/>
@@ -15593,44 +15593,30 @@
           </a:p>
         </p:txBody>
       </p:sp>
-      <p:sp>
-        <p:nvSpPr>
-          <p:cNvPr id="4" name="TextBox 3"/>
-          <p:cNvSpPr txBox="1"/>
+      <p:pic>
+        <p:nvPicPr>
+          <p:cNvPr id="6" name="Picture 5"/>
+          <p:cNvPicPr>
+            <a:picLocks noChangeAspect="1"/>
+          </p:cNvPicPr>
           <p:nvPr/>
-        </p:nvSpPr>
+        </p:nvPicPr>
+        <p:blipFill>
+          <a:blip r:embed="rId3"/>
+          <a:stretch>
+            <a:fillRect/>
+          </a:stretch>
+        </p:blipFill>
         <p:spPr>
           <a:xfrm>
-            <a:off x="2091813" y="2507226"/>
-            <a:ext cx="8008374" cy="1077218"/>
+            <a:off x="838200" y="2194332"/>
+            <a:ext cx="10894379" cy="3852505"/>
           </a:xfrm>
           <a:prstGeom prst="rect">
             <a:avLst/>
           </a:prstGeom>
-          <a:noFill/>
         </p:spPr>
-        <p:txBody>
-          <a:bodyPr wrap="square" rtlCol="0">
-            <a:spAutoFit/>
-          </a:bodyPr>
-          <a:lstStyle/>
-          <a:p>
-            <a:r>
-              <a:rPr lang="en-US" sz="3200" dirty="0" smtClean="0">
-                <a:solidFill>
-                  <a:srgbClr val="FF0000"/>
-                </a:solidFill>
-              </a:rPr>
-              <a:t>TODO: Show method names w/ out "secure" and "insecure"</a:t>
-            </a:r>
-            <a:endParaRPr lang="en-US" sz="3200" dirty="0">
-              <a:solidFill>
-                <a:srgbClr val="FF0000"/>
-              </a:solidFill>
-            </a:endParaRPr>
-          </a:p>
-        </p:txBody>
-      </p:sp>
+      </p:pic>
     </p:spTree>
     <p:extLst>
       <p:ext uri="{BB962C8B-B14F-4D97-AF65-F5344CB8AC3E}">
@@ -15730,7 +15716,7 @@
       </p:sp>
       <p:pic>
         <p:nvPicPr>
-          <p:cNvPr id="7" name="Picture 6"/>
+          <p:cNvPr id="4" name="Picture 3"/>
           <p:cNvPicPr>
             <a:picLocks noChangeAspect="1"/>
           </p:cNvPicPr>
@@ -15744,8 +15730,8 @@
         </p:blipFill>
         <p:spPr>
           <a:xfrm>
-            <a:off x="838200" y="1960560"/>
-            <a:ext cx="10991659" cy="4589923"/>
+            <a:off x="838200" y="2253326"/>
+            <a:ext cx="10532864" cy="3734518"/>
           </a:xfrm>
           <a:prstGeom prst="rect">
             <a:avLst/>

--- a/Secure Systems - CodeMash 2017.pptx
+++ b/Secure Systems - CodeMash 2017.pptx
@@ -5,7 +5,7 @@
     <p:sldMasterId id="2147483749" r:id="rId1"/>
   </p:sldMasterIdLst>
   <p:notesMasterIdLst>
-    <p:notesMasterId r:id="rId80"/>
+    <p:notesMasterId r:id="rId79"/>
   </p:notesMasterIdLst>
   <p:sldIdLst>
     <p:sldId id="395" r:id="rId2"/>
@@ -17,75 +17,74 @@
     <p:sldId id="548" r:id="rId8"/>
     <p:sldId id="549" r:id="rId9"/>
     <p:sldId id="497" r:id="rId10"/>
-    <p:sldId id="570" r:id="rId11"/>
-    <p:sldId id="491" r:id="rId12"/>
-    <p:sldId id="495" r:id="rId13"/>
-    <p:sldId id="492" r:id="rId14"/>
-    <p:sldId id="493" r:id="rId15"/>
-    <p:sldId id="494" r:id="rId16"/>
-    <p:sldId id="498" r:id="rId17"/>
-    <p:sldId id="496" r:id="rId18"/>
-    <p:sldId id="510" r:id="rId19"/>
-    <p:sldId id="511" r:id="rId20"/>
-    <p:sldId id="512" r:id="rId21"/>
-    <p:sldId id="516" r:id="rId22"/>
-    <p:sldId id="518" r:id="rId23"/>
-    <p:sldId id="499" r:id="rId24"/>
-    <p:sldId id="545" r:id="rId25"/>
-    <p:sldId id="541" r:id="rId26"/>
-    <p:sldId id="550" r:id="rId27"/>
-    <p:sldId id="506" r:id="rId28"/>
-    <p:sldId id="519" r:id="rId29"/>
-    <p:sldId id="524" r:id="rId30"/>
-    <p:sldId id="521" r:id="rId31"/>
-    <p:sldId id="522" r:id="rId32"/>
-    <p:sldId id="525" r:id="rId33"/>
-    <p:sldId id="523" r:id="rId34"/>
-    <p:sldId id="520" r:id="rId35"/>
-    <p:sldId id="526" r:id="rId36"/>
-    <p:sldId id="540" r:id="rId37"/>
-    <p:sldId id="500" r:id="rId38"/>
-    <p:sldId id="553" r:id="rId39"/>
-    <p:sldId id="574" r:id="rId40"/>
-    <p:sldId id="573" r:id="rId41"/>
-    <p:sldId id="575" r:id="rId42"/>
-    <p:sldId id="534" r:id="rId43"/>
-    <p:sldId id="505" r:id="rId44"/>
-    <p:sldId id="535" r:id="rId45"/>
-    <p:sldId id="576" r:id="rId46"/>
-    <p:sldId id="507" r:id="rId47"/>
-    <p:sldId id="536" r:id="rId48"/>
-    <p:sldId id="577" r:id="rId49"/>
-    <p:sldId id="538" r:id="rId50"/>
-    <p:sldId id="539" r:id="rId51"/>
-    <p:sldId id="537" r:id="rId52"/>
-    <p:sldId id="551" r:id="rId53"/>
-    <p:sldId id="552" r:id="rId54"/>
-    <p:sldId id="578" r:id="rId55"/>
-    <p:sldId id="501" r:id="rId56"/>
-    <p:sldId id="529" r:id="rId57"/>
-    <p:sldId id="546" r:id="rId58"/>
-    <p:sldId id="502" r:id="rId59"/>
-    <p:sldId id="503" r:id="rId60"/>
-    <p:sldId id="531" r:id="rId61"/>
-    <p:sldId id="532" r:id="rId62"/>
-    <p:sldId id="533" r:id="rId63"/>
-    <p:sldId id="554" r:id="rId64"/>
-    <p:sldId id="530" r:id="rId65"/>
-    <p:sldId id="555" r:id="rId66"/>
-    <p:sldId id="556" r:id="rId67"/>
-    <p:sldId id="557" r:id="rId68"/>
-    <p:sldId id="558" r:id="rId69"/>
-    <p:sldId id="559" r:id="rId70"/>
-    <p:sldId id="564" r:id="rId71"/>
-    <p:sldId id="561" r:id="rId72"/>
-    <p:sldId id="565" r:id="rId73"/>
-    <p:sldId id="566" r:id="rId74"/>
-    <p:sldId id="568" r:id="rId75"/>
-    <p:sldId id="569" r:id="rId76"/>
-    <p:sldId id="571" r:id="rId77"/>
-    <p:sldId id="572" r:id="rId78"/>
-    <p:sldId id="443" r:id="rId79"/>
+    <p:sldId id="582" r:id="rId11"/>
+    <p:sldId id="570" r:id="rId12"/>
+    <p:sldId id="491" r:id="rId13"/>
+    <p:sldId id="495" r:id="rId14"/>
+    <p:sldId id="492" r:id="rId15"/>
+    <p:sldId id="493" r:id="rId16"/>
+    <p:sldId id="494" r:id="rId17"/>
+    <p:sldId id="498" r:id="rId18"/>
+    <p:sldId id="496" r:id="rId19"/>
+    <p:sldId id="510" r:id="rId20"/>
+    <p:sldId id="511" r:id="rId21"/>
+    <p:sldId id="512" r:id="rId22"/>
+    <p:sldId id="516" r:id="rId23"/>
+    <p:sldId id="518" r:id="rId24"/>
+    <p:sldId id="499" r:id="rId25"/>
+    <p:sldId id="545" r:id="rId26"/>
+    <p:sldId id="541" r:id="rId27"/>
+    <p:sldId id="550" r:id="rId28"/>
+    <p:sldId id="579" r:id="rId29"/>
+    <p:sldId id="519" r:id="rId30"/>
+    <p:sldId id="524" r:id="rId31"/>
+    <p:sldId id="521" r:id="rId32"/>
+    <p:sldId id="522" r:id="rId33"/>
+    <p:sldId id="525" r:id="rId34"/>
+    <p:sldId id="523" r:id="rId35"/>
+    <p:sldId id="520" r:id="rId36"/>
+    <p:sldId id="526" r:id="rId37"/>
+    <p:sldId id="540" r:id="rId38"/>
+    <p:sldId id="500" r:id="rId39"/>
+    <p:sldId id="553" r:id="rId40"/>
+    <p:sldId id="574" r:id="rId41"/>
+    <p:sldId id="573" r:id="rId42"/>
+    <p:sldId id="575" r:id="rId43"/>
+    <p:sldId id="534" r:id="rId44"/>
+    <p:sldId id="505" r:id="rId45"/>
+    <p:sldId id="535" r:id="rId46"/>
+    <p:sldId id="576" r:id="rId47"/>
+    <p:sldId id="507" r:id="rId48"/>
+    <p:sldId id="536" r:id="rId49"/>
+    <p:sldId id="580" r:id="rId50"/>
+    <p:sldId id="538" r:id="rId51"/>
+    <p:sldId id="539" r:id="rId52"/>
+    <p:sldId id="577" r:id="rId53"/>
+    <p:sldId id="537" r:id="rId54"/>
+    <p:sldId id="551" r:id="rId55"/>
+    <p:sldId id="552" r:id="rId56"/>
+    <p:sldId id="581" r:id="rId57"/>
+    <p:sldId id="501" r:id="rId58"/>
+    <p:sldId id="529" r:id="rId59"/>
+    <p:sldId id="546" r:id="rId60"/>
+    <p:sldId id="502" r:id="rId61"/>
+    <p:sldId id="503" r:id="rId62"/>
+    <p:sldId id="531" r:id="rId63"/>
+    <p:sldId id="532" r:id="rId64"/>
+    <p:sldId id="533" r:id="rId65"/>
+    <p:sldId id="554" r:id="rId66"/>
+    <p:sldId id="530" r:id="rId67"/>
+    <p:sldId id="555" r:id="rId68"/>
+    <p:sldId id="556" r:id="rId69"/>
+    <p:sldId id="557" r:id="rId70"/>
+    <p:sldId id="558" r:id="rId71"/>
+    <p:sldId id="559" r:id="rId72"/>
+    <p:sldId id="564" r:id="rId73"/>
+    <p:sldId id="561" r:id="rId74"/>
+    <p:sldId id="565" r:id="rId75"/>
+    <p:sldId id="566" r:id="rId76"/>
+    <p:sldId id="568" r:id="rId77"/>
+    <p:sldId id="583" r:id="rId78"/>
   </p:sldIdLst>
   <p:sldSz cx="12192000" cy="6858000"/>
   <p:notesSz cx="6858000" cy="9144000"/>
@@ -745,7 +744,7 @@
     </p:spTree>
     <p:extLst>
       <p:ext uri="{BB962C8B-B14F-4D97-AF65-F5344CB8AC3E}">
-        <p14:creationId xmlns:p14="http://schemas.microsoft.com/office/powerpoint/2010/main" val="299668548"/>
+        <p14:creationId xmlns:p14="http://schemas.microsoft.com/office/powerpoint/2010/main" val="393242489"/>
       </p:ext>
     </p:extLst>
   </p:cSld>
@@ -829,7 +828,7 @@
     </p:spTree>
     <p:extLst>
       <p:ext uri="{BB962C8B-B14F-4D97-AF65-F5344CB8AC3E}">
-        <p14:creationId xmlns:p14="http://schemas.microsoft.com/office/powerpoint/2010/main" val="2952211142"/>
+        <p14:creationId xmlns:p14="http://schemas.microsoft.com/office/powerpoint/2010/main" val="299668548"/>
       </p:ext>
     </p:extLst>
   </p:cSld>
@@ -913,7 +912,7 @@
     </p:spTree>
     <p:extLst>
       <p:ext uri="{BB962C8B-B14F-4D97-AF65-F5344CB8AC3E}">
-        <p14:creationId xmlns:p14="http://schemas.microsoft.com/office/powerpoint/2010/main" val="4127349146"/>
+        <p14:creationId xmlns:p14="http://schemas.microsoft.com/office/powerpoint/2010/main" val="2952211142"/>
       </p:ext>
     </p:extLst>
   </p:cSld>
@@ -997,7 +996,7 @@
     </p:spTree>
     <p:extLst>
       <p:ext uri="{BB962C8B-B14F-4D97-AF65-F5344CB8AC3E}">
-        <p14:creationId xmlns:p14="http://schemas.microsoft.com/office/powerpoint/2010/main" val="1755245411"/>
+        <p14:creationId xmlns:p14="http://schemas.microsoft.com/office/powerpoint/2010/main" val="4127349146"/>
       </p:ext>
     </p:extLst>
   </p:cSld>
@@ -1081,7 +1080,7 @@
     </p:spTree>
     <p:extLst>
       <p:ext uri="{BB962C8B-B14F-4D97-AF65-F5344CB8AC3E}">
-        <p14:creationId xmlns:p14="http://schemas.microsoft.com/office/powerpoint/2010/main" val="3246387786"/>
+        <p14:creationId xmlns:p14="http://schemas.microsoft.com/office/powerpoint/2010/main" val="1755245411"/>
       </p:ext>
     </p:extLst>
   </p:cSld>
@@ -1165,7 +1164,7 @@
     </p:spTree>
     <p:extLst>
       <p:ext uri="{BB962C8B-B14F-4D97-AF65-F5344CB8AC3E}">
-        <p14:creationId xmlns:p14="http://schemas.microsoft.com/office/powerpoint/2010/main" val="2622349736"/>
+        <p14:creationId xmlns:p14="http://schemas.microsoft.com/office/powerpoint/2010/main" val="3246387786"/>
       </p:ext>
     </p:extLst>
   </p:cSld>
@@ -1249,7 +1248,7 @@
     </p:spTree>
     <p:extLst>
       <p:ext uri="{BB962C8B-B14F-4D97-AF65-F5344CB8AC3E}">
-        <p14:creationId xmlns:p14="http://schemas.microsoft.com/office/powerpoint/2010/main" val="1778818159"/>
+        <p14:creationId xmlns:p14="http://schemas.microsoft.com/office/powerpoint/2010/main" val="2622349736"/>
       </p:ext>
     </p:extLst>
   </p:cSld>
@@ -1333,7 +1332,7 @@
     </p:spTree>
     <p:extLst>
       <p:ext uri="{BB962C8B-B14F-4D97-AF65-F5344CB8AC3E}">
-        <p14:creationId xmlns:p14="http://schemas.microsoft.com/office/powerpoint/2010/main" val="3559323980"/>
+        <p14:creationId xmlns:p14="http://schemas.microsoft.com/office/powerpoint/2010/main" val="1778818159"/>
       </p:ext>
     </p:extLst>
   </p:cSld>
@@ -1417,7 +1416,7 @@
     </p:spTree>
     <p:extLst>
       <p:ext uri="{BB962C8B-B14F-4D97-AF65-F5344CB8AC3E}">
-        <p14:creationId xmlns:p14="http://schemas.microsoft.com/office/powerpoint/2010/main" val="3097194813"/>
+        <p14:creationId xmlns:p14="http://schemas.microsoft.com/office/powerpoint/2010/main" val="3559323980"/>
       </p:ext>
     </p:extLst>
   </p:cSld>
@@ -1501,7 +1500,7 @@
     </p:spTree>
     <p:extLst>
       <p:ext uri="{BB962C8B-B14F-4D97-AF65-F5344CB8AC3E}">
-        <p14:creationId xmlns:p14="http://schemas.microsoft.com/office/powerpoint/2010/main" val="3114178305"/>
+        <p14:creationId xmlns:p14="http://schemas.microsoft.com/office/powerpoint/2010/main" val="3097194813"/>
       </p:ext>
     </p:extLst>
   </p:cSld>
@@ -1694,7 +1693,7 @@
     </p:spTree>
     <p:extLst>
       <p:ext uri="{BB962C8B-B14F-4D97-AF65-F5344CB8AC3E}">
-        <p14:creationId xmlns:p14="http://schemas.microsoft.com/office/powerpoint/2010/main" val="2521239552"/>
+        <p14:creationId xmlns:p14="http://schemas.microsoft.com/office/powerpoint/2010/main" val="3114178305"/>
       </p:ext>
     </p:extLst>
   </p:cSld>
@@ -1778,7 +1777,7 @@
     </p:spTree>
     <p:extLst>
       <p:ext uri="{BB962C8B-B14F-4D97-AF65-F5344CB8AC3E}">
-        <p14:creationId xmlns:p14="http://schemas.microsoft.com/office/powerpoint/2010/main" val="2539089675"/>
+        <p14:creationId xmlns:p14="http://schemas.microsoft.com/office/powerpoint/2010/main" val="2521239552"/>
       </p:ext>
     </p:extLst>
   </p:cSld>
@@ -1862,7 +1861,7 @@
     </p:spTree>
     <p:extLst>
       <p:ext uri="{BB962C8B-B14F-4D97-AF65-F5344CB8AC3E}">
-        <p14:creationId xmlns:p14="http://schemas.microsoft.com/office/powerpoint/2010/main" val="1916901341"/>
+        <p14:creationId xmlns:p14="http://schemas.microsoft.com/office/powerpoint/2010/main" val="2539089675"/>
       </p:ext>
     </p:extLst>
   </p:cSld>
@@ -1916,6 +1915,90 @@
           <a:bodyPr/>
           <a:lstStyle/>
           <a:p>
+            <a:endParaRPr lang="en-US" b="0" dirty="0" smtClean="0"/>
+          </a:p>
+        </p:txBody>
+      </p:sp>
+      <p:sp>
+        <p:nvSpPr>
+          <p:cNvPr id="4" name="Slide Number Placeholder 3"/>
+          <p:cNvSpPr>
+            <a:spLocks noGrp="1"/>
+          </p:cNvSpPr>
+          <p:nvPr>
+            <p:ph type="sldNum" sz="quarter" idx="10"/>
+          </p:nvPr>
+        </p:nvSpPr>
+        <p:spPr/>
+        <p:txBody>
+          <a:bodyPr/>
+          <a:lstStyle/>
+          <a:p>
+            <a:fld id="{89029652-62E7-43D6-83B5-097D7B7AA5D8}" type="slidenum">
+              <a:rPr lang="en-US" smtClean="0"/>
+              <a:t>23</a:t>
+            </a:fld>
+            <a:endParaRPr lang="en-US"/>
+          </a:p>
+        </p:txBody>
+      </p:sp>
+    </p:spTree>
+    <p:extLst>
+      <p:ext uri="{BB962C8B-B14F-4D97-AF65-F5344CB8AC3E}">
+        <p14:creationId xmlns:p14="http://schemas.microsoft.com/office/powerpoint/2010/main" val="1916901341"/>
+      </p:ext>
+    </p:extLst>
+  </p:cSld>
+  <p:clrMapOvr>
+    <a:masterClrMapping/>
+  </p:clrMapOvr>
+</p:notes>
+</file>
+
+<file path=ppt/notesSlides/notesSlide24.xml><?xml version="1.0" encoding="utf-8"?>
+<p:notes xmlns:a="http://schemas.openxmlformats.org/drawingml/2006/main" xmlns:r="http://schemas.openxmlformats.org/officeDocument/2006/relationships" xmlns:p="http://schemas.openxmlformats.org/presentationml/2006/main">
+  <p:cSld>
+    <p:spTree>
+      <p:nvGrpSpPr>
+        <p:cNvPr id="1" name=""/>
+        <p:cNvGrpSpPr/>
+        <p:nvPr/>
+      </p:nvGrpSpPr>
+      <p:grpSpPr>
+        <a:xfrm>
+          <a:off x="0" y="0"/>
+          <a:ext cx="0" cy="0"/>
+          <a:chOff x="0" y="0"/>
+          <a:chExt cx="0" cy="0"/>
+        </a:xfrm>
+      </p:grpSpPr>
+      <p:sp>
+        <p:nvSpPr>
+          <p:cNvPr id="2" name="Slide Image Placeholder 1"/>
+          <p:cNvSpPr>
+            <a:spLocks noGrp="1" noRot="1" noChangeAspect="1"/>
+          </p:cNvSpPr>
+          <p:nvPr>
+            <p:ph type="sldImg"/>
+          </p:nvPr>
+        </p:nvSpPr>
+        <p:spPr/>
+      </p:sp>
+      <p:sp>
+        <p:nvSpPr>
+          <p:cNvPr id="3" name="Notes Placeholder 2"/>
+          <p:cNvSpPr>
+            <a:spLocks noGrp="1"/>
+          </p:cNvSpPr>
+          <p:nvPr>
+            <p:ph type="body" idx="1"/>
+          </p:nvPr>
+        </p:nvSpPr>
+        <p:spPr/>
+        <p:txBody>
+          <a:bodyPr/>
+          <a:lstStyle/>
+          <a:p>
             <a:pPr marL="0" marR="0" indent="0" algn="l" defTabSz="914400" rtl="0" eaLnBrk="1" fontAlgn="auto" latinLnBrk="0" hangingPunct="1">
               <a:lnSpc>
                 <a:spcPct val="100000"/>
@@ -1962,7 +2045,7 @@
           <a:p>
             <a:fld id="{89029652-62E7-43D6-83B5-097D7B7AA5D8}" type="slidenum">
               <a:rPr lang="en-US" smtClean="0"/>
-              <a:t>23</a:t>
+              <a:t>24</a:t>
             </a:fld>
             <a:endParaRPr lang="en-US"/>
           </a:p>
@@ -1981,7 +2064,7 @@
 </p:notes>
 </file>
 
-<file path=ppt/notesSlides/notesSlide24.xml><?xml version="1.0" encoding="utf-8"?>
+<file path=ppt/notesSlides/notesSlide25.xml><?xml version="1.0" encoding="utf-8"?>
 <p:notes xmlns:a="http://schemas.openxmlformats.org/drawingml/2006/main" xmlns:r="http://schemas.openxmlformats.org/officeDocument/2006/relationships" xmlns:p="http://schemas.openxmlformats.org/presentationml/2006/main">
   <p:cSld>
     <p:spTree>
@@ -2071,7 +2154,7 @@
           <a:p>
             <a:fld id="{89029652-62E7-43D6-83B5-097D7B7AA5D8}" type="slidenum">
               <a:rPr lang="en-US" smtClean="0"/>
-              <a:t>24</a:t>
+              <a:t>25</a:t>
             </a:fld>
             <a:endParaRPr lang="en-US"/>
           </a:p>
@@ -2081,90 +2164,6 @@
     <p:extLst>
       <p:ext uri="{BB962C8B-B14F-4D97-AF65-F5344CB8AC3E}">
         <p14:creationId xmlns:p14="http://schemas.microsoft.com/office/powerpoint/2010/main" val="532131523"/>
-      </p:ext>
-    </p:extLst>
-  </p:cSld>
-  <p:clrMapOvr>
-    <a:masterClrMapping/>
-  </p:clrMapOvr>
-</p:notes>
-</file>
-
-<file path=ppt/notesSlides/notesSlide25.xml><?xml version="1.0" encoding="utf-8"?>
-<p:notes xmlns:a="http://schemas.openxmlformats.org/drawingml/2006/main" xmlns:r="http://schemas.openxmlformats.org/officeDocument/2006/relationships" xmlns:p="http://schemas.openxmlformats.org/presentationml/2006/main">
-  <p:cSld>
-    <p:spTree>
-      <p:nvGrpSpPr>
-        <p:cNvPr id="1" name=""/>
-        <p:cNvGrpSpPr/>
-        <p:nvPr/>
-      </p:nvGrpSpPr>
-      <p:grpSpPr>
-        <a:xfrm>
-          <a:off x="0" y="0"/>
-          <a:ext cx="0" cy="0"/>
-          <a:chOff x="0" y="0"/>
-          <a:chExt cx="0" cy="0"/>
-        </a:xfrm>
-      </p:grpSpPr>
-      <p:sp>
-        <p:nvSpPr>
-          <p:cNvPr id="2" name="Slide Image Placeholder 1"/>
-          <p:cNvSpPr>
-            <a:spLocks noGrp="1" noRot="1" noChangeAspect="1"/>
-          </p:cNvSpPr>
-          <p:nvPr>
-            <p:ph type="sldImg"/>
-          </p:nvPr>
-        </p:nvSpPr>
-        <p:spPr/>
-      </p:sp>
-      <p:sp>
-        <p:nvSpPr>
-          <p:cNvPr id="3" name="Notes Placeholder 2"/>
-          <p:cNvSpPr>
-            <a:spLocks noGrp="1"/>
-          </p:cNvSpPr>
-          <p:nvPr>
-            <p:ph type="body" idx="1"/>
-          </p:nvPr>
-        </p:nvSpPr>
-        <p:spPr/>
-        <p:txBody>
-          <a:bodyPr/>
-          <a:lstStyle/>
-          <a:p>
-            <a:endParaRPr lang="en-US" b="0" dirty="0" smtClean="0"/>
-          </a:p>
-        </p:txBody>
-      </p:sp>
-      <p:sp>
-        <p:nvSpPr>
-          <p:cNvPr id="4" name="Slide Number Placeholder 3"/>
-          <p:cNvSpPr>
-            <a:spLocks noGrp="1"/>
-          </p:cNvSpPr>
-          <p:nvPr>
-            <p:ph type="sldNum" sz="quarter" idx="10"/>
-          </p:nvPr>
-        </p:nvSpPr>
-        <p:spPr/>
-        <p:txBody>
-          <a:bodyPr/>
-          <a:lstStyle/>
-          <a:p>
-            <a:fld id="{89029652-62E7-43D6-83B5-097D7B7AA5D8}" type="slidenum">
-              <a:rPr lang="en-US" smtClean="0"/>
-              <a:t>25</a:t>
-            </a:fld>
-            <a:endParaRPr lang="en-US"/>
-          </a:p>
-        </p:txBody>
-      </p:sp>
-    </p:spTree>
-    <p:extLst>
-      <p:ext uri="{BB962C8B-B14F-4D97-AF65-F5344CB8AC3E}">
-        <p14:creationId xmlns:p14="http://schemas.microsoft.com/office/powerpoint/2010/main" val="2847908271"/>
       </p:ext>
     </p:extLst>
   </p:cSld>
@@ -2218,6 +2217,90 @@
           <a:bodyPr/>
           <a:lstStyle/>
           <a:p>
+            <a:endParaRPr lang="en-US" b="0" dirty="0" smtClean="0"/>
+          </a:p>
+        </p:txBody>
+      </p:sp>
+      <p:sp>
+        <p:nvSpPr>
+          <p:cNvPr id="4" name="Slide Number Placeholder 3"/>
+          <p:cNvSpPr>
+            <a:spLocks noGrp="1"/>
+          </p:cNvSpPr>
+          <p:nvPr>
+            <p:ph type="sldNum" sz="quarter" idx="10"/>
+          </p:nvPr>
+        </p:nvSpPr>
+        <p:spPr/>
+        <p:txBody>
+          <a:bodyPr/>
+          <a:lstStyle/>
+          <a:p>
+            <a:fld id="{89029652-62E7-43D6-83B5-097D7B7AA5D8}" type="slidenum">
+              <a:rPr lang="en-US" smtClean="0"/>
+              <a:t>26</a:t>
+            </a:fld>
+            <a:endParaRPr lang="en-US"/>
+          </a:p>
+        </p:txBody>
+      </p:sp>
+    </p:spTree>
+    <p:extLst>
+      <p:ext uri="{BB962C8B-B14F-4D97-AF65-F5344CB8AC3E}">
+        <p14:creationId xmlns:p14="http://schemas.microsoft.com/office/powerpoint/2010/main" val="2847908271"/>
+      </p:ext>
+    </p:extLst>
+  </p:cSld>
+  <p:clrMapOvr>
+    <a:masterClrMapping/>
+  </p:clrMapOvr>
+</p:notes>
+</file>
+
+<file path=ppt/notesSlides/notesSlide27.xml><?xml version="1.0" encoding="utf-8"?>
+<p:notes xmlns:a="http://schemas.openxmlformats.org/drawingml/2006/main" xmlns:r="http://schemas.openxmlformats.org/officeDocument/2006/relationships" xmlns:p="http://schemas.openxmlformats.org/presentationml/2006/main">
+  <p:cSld>
+    <p:spTree>
+      <p:nvGrpSpPr>
+        <p:cNvPr id="1" name=""/>
+        <p:cNvGrpSpPr/>
+        <p:nvPr/>
+      </p:nvGrpSpPr>
+      <p:grpSpPr>
+        <a:xfrm>
+          <a:off x="0" y="0"/>
+          <a:ext cx="0" cy="0"/>
+          <a:chOff x="0" y="0"/>
+          <a:chExt cx="0" cy="0"/>
+        </a:xfrm>
+      </p:grpSpPr>
+      <p:sp>
+        <p:nvSpPr>
+          <p:cNvPr id="2" name="Slide Image Placeholder 1"/>
+          <p:cNvSpPr>
+            <a:spLocks noGrp="1" noRot="1" noChangeAspect="1"/>
+          </p:cNvSpPr>
+          <p:nvPr>
+            <p:ph type="sldImg"/>
+          </p:nvPr>
+        </p:nvSpPr>
+        <p:spPr/>
+      </p:sp>
+      <p:sp>
+        <p:nvSpPr>
+          <p:cNvPr id="3" name="Notes Placeholder 2"/>
+          <p:cNvSpPr>
+            <a:spLocks noGrp="1"/>
+          </p:cNvSpPr>
+          <p:nvPr>
+            <p:ph type="body" idx="1"/>
+          </p:nvPr>
+        </p:nvSpPr>
+        <p:spPr/>
+        <p:txBody>
+          <a:bodyPr/>
+          <a:lstStyle/>
+          <a:p>
             <a:pPr marL="0" marR="0" indent="0" algn="l" defTabSz="914400" rtl="0" eaLnBrk="1" fontAlgn="auto" latinLnBrk="0" hangingPunct="1">
               <a:lnSpc>
                 <a:spcPct val="100000"/>
@@ -2264,7 +2347,7 @@
           <a:p>
             <a:fld id="{89029652-62E7-43D6-83B5-097D7B7AA5D8}" type="slidenum">
               <a:rPr lang="en-US" smtClean="0"/>
-              <a:t>26</a:t>
+              <a:t>27</a:t>
             </a:fld>
             <a:endParaRPr lang="en-US"/>
           </a:p>
@@ -2274,90 +2357,6 @@
     <p:extLst>
       <p:ext uri="{BB962C8B-B14F-4D97-AF65-F5344CB8AC3E}">
         <p14:creationId xmlns:p14="http://schemas.microsoft.com/office/powerpoint/2010/main" val="3797934880"/>
-      </p:ext>
-    </p:extLst>
-  </p:cSld>
-  <p:clrMapOvr>
-    <a:masterClrMapping/>
-  </p:clrMapOvr>
-</p:notes>
-</file>
-
-<file path=ppt/notesSlides/notesSlide27.xml><?xml version="1.0" encoding="utf-8"?>
-<p:notes xmlns:a="http://schemas.openxmlformats.org/drawingml/2006/main" xmlns:r="http://schemas.openxmlformats.org/officeDocument/2006/relationships" xmlns:p="http://schemas.openxmlformats.org/presentationml/2006/main">
-  <p:cSld>
-    <p:spTree>
-      <p:nvGrpSpPr>
-        <p:cNvPr id="1" name=""/>
-        <p:cNvGrpSpPr/>
-        <p:nvPr/>
-      </p:nvGrpSpPr>
-      <p:grpSpPr>
-        <a:xfrm>
-          <a:off x="0" y="0"/>
-          <a:ext cx="0" cy="0"/>
-          <a:chOff x="0" y="0"/>
-          <a:chExt cx="0" cy="0"/>
-        </a:xfrm>
-      </p:grpSpPr>
-      <p:sp>
-        <p:nvSpPr>
-          <p:cNvPr id="2" name="Slide Image Placeholder 1"/>
-          <p:cNvSpPr>
-            <a:spLocks noGrp="1" noRot="1" noChangeAspect="1"/>
-          </p:cNvSpPr>
-          <p:nvPr>
-            <p:ph type="sldImg"/>
-          </p:nvPr>
-        </p:nvSpPr>
-        <p:spPr/>
-      </p:sp>
-      <p:sp>
-        <p:nvSpPr>
-          <p:cNvPr id="3" name="Notes Placeholder 2"/>
-          <p:cNvSpPr>
-            <a:spLocks noGrp="1"/>
-          </p:cNvSpPr>
-          <p:nvPr>
-            <p:ph type="body" idx="1"/>
-          </p:nvPr>
-        </p:nvSpPr>
-        <p:spPr/>
-        <p:txBody>
-          <a:bodyPr/>
-          <a:lstStyle/>
-          <a:p>
-            <a:endParaRPr lang="en-US" b="0" dirty="0" smtClean="0"/>
-          </a:p>
-        </p:txBody>
-      </p:sp>
-      <p:sp>
-        <p:nvSpPr>
-          <p:cNvPr id="4" name="Slide Number Placeholder 3"/>
-          <p:cNvSpPr>
-            <a:spLocks noGrp="1"/>
-          </p:cNvSpPr>
-          <p:nvPr>
-            <p:ph type="sldNum" sz="quarter" idx="10"/>
-          </p:nvPr>
-        </p:nvSpPr>
-        <p:spPr/>
-        <p:txBody>
-          <a:bodyPr/>
-          <a:lstStyle/>
-          <a:p>
-            <a:fld id="{89029652-62E7-43D6-83B5-097D7B7AA5D8}" type="slidenum">
-              <a:rPr lang="en-US" smtClean="0"/>
-              <a:t>27</a:t>
-            </a:fld>
-            <a:endParaRPr lang="en-US"/>
-          </a:p>
-        </p:txBody>
-      </p:sp>
-    </p:spTree>
-    <p:extLst>
-      <p:ext uri="{BB962C8B-B14F-4D97-AF65-F5344CB8AC3E}">
-        <p14:creationId xmlns:p14="http://schemas.microsoft.com/office/powerpoint/2010/main" val="3766878569"/>
       </p:ext>
     </p:extLst>
   </p:cSld>
@@ -2441,7 +2440,7 @@
     </p:spTree>
     <p:extLst>
       <p:ext uri="{BB962C8B-B14F-4D97-AF65-F5344CB8AC3E}">
-        <p14:creationId xmlns:p14="http://schemas.microsoft.com/office/powerpoint/2010/main" val="1777663287"/>
+        <p14:creationId xmlns:p14="http://schemas.microsoft.com/office/powerpoint/2010/main" val="920834877"/>
       </p:ext>
     </p:extLst>
   </p:cSld>
@@ -2525,7 +2524,7 @@
     </p:spTree>
     <p:extLst>
       <p:ext uri="{BB962C8B-B14F-4D97-AF65-F5344CB8AC3E}">
-        <p14:creationId xmlns:p14="http://schemas.microsoft.com/office/powerpoint/2010/main" val="128284815"/>
+        <p14:creationId xmlns:p14="http://schemas.microsoft.com/office/powerpoint/2010/main" val="1777663287"/>
       </p:ext>
     </p:extLst>
   </p:cSld>
@@ -2718,7 +2717,7 @@
     </p:spTree>
     <p:extLst>
       <p:ext uri="{BB962C8B-B14F-4D97-AF65-F5344CB8AC3E}">
-        <p14:creationId xmlns:p14="http://schemas.microsoft.com/office/powerpoint/2010/main" val="1266200327"/>
+        <p14:creationId xmlns:p14="http://schemas.microsoft.com/office/powerpoint/2010/main" val="128284815"/>
       </p:ext>
     </p:extLst>
   </p:cSld>
@@ -2802,7 +2801,7 @@
     </p:spTree>
     <p:extLst>
       <p:ext uri="{BB962C8B-B14F-4D97-AF65-F5344CB8AC3E}">
-        <p14:creationId xmlns:p14="http://schemas.microsoft.com/office/powerpoint/2010/main" val="3516029556"/>
+        <p14:creationId xmlns:p14="http://schemas.microsoft.com/office/powerpoint/2010/main" val="1266200327"/>
       </p:ext>
     </p:extLst>
   </p:cSld>
@@ -2886,7 +2885,7 @@
     </p:spTree>
     <p:extLst>
       <p:ext uri="{BB962C8B-B14F-4D97-AF65-F5344CB8AC3E}">
-        <p14:creationId xmlns:p14="http://schemas.microsoft.com/office/powerpoint/2010/main" val="3404565588"/>
+        <p14:creationId xmlns:p14="http://schemas.microsoft.com/office/powerpoint/2010/main" val="3516029556"/>
       </p:ext>
     </p:extLst>
   </p:cSld>
@@ -2970,7 +2969,7 @@
     </p:spTree>
     <p:extLst>
       <p:ext uri="{BB962C8B-B14F-4D97-AF65-F5344CB8AC3E}">
-        <p14:creationId xmlns:p14="http://schemas.microsoft.com/office/powerpoint/2010/main" val="2712589128"/>
+        <p14:creationId xmlns:p14="http://schemas.microsoft.com/office/powerpoint/2010/main" val="3404565588"/>
       </p:ext>
     </p:extLst>
   </p:cSld>
@@ -3054,7 +3053,7 @@
     </p:spTree>
     <p:extLst>
       <p:ext uri="{BB962C8B-B14F-4D97-AF65-F5344CB8AC3E}">
-        <p14:creationId xmlns:p14="http://schemas.microsoft.com/office/powerpoint/2010/main" val="1609105756"/>
+        <p14:creationId xmlns:p14="http://schemas.microsoft.com/office/powerpoint/2010/main" val="2712589128"/>
       </p:ext>
     </p:extLst>
   </p:cSld>
@@ -3138,7 +3137,7 @@
     </p:spTree>
     <p:extLst>
       <p:ext uri="{BB962C8B-B14F-4D97-AF65-F5344CB8AC3E}">
-        <p14:creationId xmlns:p14="http://schemas.microsoft.com/office/powerpoint/2010/main" val="4079219210"/>
+        <p14:creationId xmlns:p14="http://schemas.microsoft.com/office/powerpoint/2010/main" val="1609105756"/>
       </p:ext>
     </p:extLst>
   </p:cSld>
@@ -3192,6 +3191,90 @@
           <a:bodyPr/>
           <a:lstStyle/>
           <a:p>
+            <a:endParaRPr lang="en-US" b="0" dirty="0" smtClean="0"/>
+          </a:p>
+        </p:txBody>
+      </p:sp>
+      <p:sp>
+        <p:nvSpPr>
+          <p:cNvPr id="4" name="Slide Number Placeholder 3"/>
+          <p:cNvSpPr>
+            <a:spLocks noGrp="1"/>
+          </p:cNvSpPr>
+          <p:nvPr>
+            <p:ph type="sldNum" sz="quarter" idx="10"/>
+          </p:nvPr>
+        </p:nvSpPr>
+        <p:spPr/>
+        <p:txBody>
+          <a:bodyPr/>
+          <a:lstStyle/>
+          <a:p>
+            <a:fld id="{89029652-62E7-43D6-83B5-097D7B7AA5D8}" type="slidenum">
+              <a:rPr lang="en-US" smtClean="0"/>
+              <a:t>36</a:t>
+            </a:fld>
+            <a:endParaRPr lang="en-US"/>
+          </a:p>
+        </p:txBody>
+      </p:sp>
+    </p:spTree>
+    <p:extLst>
+      <p:ext uri="{BB962C8B-B14F-4D97-AF65-F5344CB8AC3E}">
+        <p14:creationId xmlns:p14="http://schemas.microsoft.com/office/powerpoint/2010/main" val="4079219210"/>
+      </p:ext>
+    </p:extLst>
+  </p:cSld>
+  <p:clrMapOvr>
+    <a:masterClrMapping/>
+  </p:clrMapOvr>
+</p:notes>
+</file>
+
+<file path=ppt/notesSlides/notesSlide37.xml><?xml version="1.0" encoding="utf-8"?>
+<p:notes xmlns:a="http://schemas.openxmlformats.org/drawingml/2006/main" xmlns:r="http://schemas.openxmlformats.org/officeDocument/2006/relationships" xmlns:p="http://schemas.openxmlformats.org/presentationml/2006/main">
+  <p:cSld>
+    <p:spTree>
+      <p:nvGrpSpPr>
+        <p:cNvPr id="1" name=""/>
+        <p:cNvGrpSpPr/>
+        <p:nvPr/>
+      </p:nvGrpSpPr>
+      <p:grpSpPr>
+        <a:xfrm>
+          <a:off x="0" y="0"/>
+          <a:ext cx="0" cy="0"/>
+          <a:chOff x="0" y="0"/>
+          <a:chExt cx="0" cy="0"/>
+        </a:xfrm>
+      </p:grpSpPr>
+      <p:sp>
+        <p:nvSpPr>
+          <p:cNvPr id="2" name="Slide Image Placeholder 1"/>
+          <p:cNvSpPr>
+            <a:spLocks noGrp="1" noRot="1" noChangeAspect="1"/>
+          </p:cNvSpPr>
+          <p:nvPr>
+            <p:ph type="sldImg"/>
+          </p:nvPr>
+        </p:nvSpPr>
+        <p:spPr/>
+      </p:sp>
+      <p:sp>
+        <p:nvSpPr>
+          <p:cNvPr id="3" name="Notes Placeholder 2"/>
+          <p:cNvSpPr>
+            <a:spLocks noGrp="1"/>
+          </p:cNvSpPr>
+          <p:nvPr>
+            <p:ph type="body" idx="1"/>
+          </p:nvPr>
+        </p:nvSpPr>
+        <p:spPr/>
+        <p:txBody>
+          <a:bodyPr/>
+          <a:lstStyle/>
+          <a:p>
             <a:pPr marL="0" marR="0" indent="0" algn="l" defTabSz="914400" rtl="0" eaLnBrk="1" fontAlgn="auto" latinLnBrk="0" hangingPunct="1">
               <a:lnSpc>
                 <a:spcPct val="100000"/>
@@ -3238,7 +3321,7 @@
           <a:p>
             <a:fld id="{89029652-62E7-43D6-83B5-097D7B7AA5D8}" type="slidenum">
               <a:rPr lang="en-US" smtClean="0"/>
-              <a:t>36</a:t>
+              <a:t>37</a:t>
             </a:fld>
             <a:endParaRPr lang="en-US"/>
           </a:p>
@@ -3248,90 +3331,6 @@
     <p:extLst>
       <p:ext uri="{BB962C8B-B14F-4D97-AF65-F5344CB8AC3E}">
         <p14:creationId xmlns:p14="http://schemas.microsoft.com/office/powerpoint/2010/main" val="1830730383"/>
-      </p:ext>
-    </p:extLst>
-  </p:cSld>
-  <p:clrMapOvr>
-    <a:masterClrMapping/>
-  </p:clrMapOvr>
-</p:notes>
-</file>
-
-<file path=ppt/notesSlides/notesSlide37.xml><?xml version="1.0" encoding="utf-8"?>
-<p:notes xmlns:a="http://schemas.openxmlformats.org/drawingml/2006/main" xmlns:r="http://schemas.openxmlformats.org/officeDocument/2006/relationships" xmlns:p="http://schemas.openxmlformats.org/presentationml/2006/main">
-  <p:cSld>
-    <p:spTree>
-      <p:nvGrpSpPr>
-        <p:cNvPr id="1" name=""/>
-        <p:cNvGrpSpPr/>
-        <p:nvPr/>
-      </p:nvGrpSpPr>
-      <p:grpSpPr>
-        <a:xfrm>
-          <a:off x="0" y="0"/>
-          <a:ext cx="0" cy="0"/>
-          <a:chOff x="0" y="0"/>
-          <a:chExt cx="0" cy="0"/>
-        </a:xfrm>
-      </p:grpSpPr>
-      <p:sp>
-        <p:nvSpPr>
-          <p:cNvPr id="2" name="Slide Image Placeholder 1"/>
-          <p:cNvSpPr>
-            <a:spLocks noGrp="1" noRot="1" noChangeAspect="1"/>
-          </p:cNvSpPr>
-          <p:nvPr>
-            <p:ph type="sldImg"/>
-          </p:nvPr>
-        </p:nvSpPr>
-        <p:spPr/>
-      </p:sp>
-      <p:sp>
-        <p:nvSpPr>
-          <p:cNvPr id="3" name="Notes Placeholder 2"/>
-          <p:cNvSpPr>
-            <a:spLocks noGrp="1"/>
-          </p:cNvSpPr>
-          <p:nvPr>
-            <p:ph type="body" idx="1"/>
-          </p:nvPr>
-        </p:nvSpPr>
-        <p:spPr/>
-        <p:txBody>
-          <a:bodyPr/>
-          <a:lstStyle/>
-          <a:p>
-            <a:endParaRPr lang="en-US" b="0" dirty="0" smtClean="0"/>
-          </a:p>
-        </p:txBody>
-      </p:sp>
-      <p:sp>
-        <p:nvSpPr>
-          <p:cNvPr id="4" name="Slide Number Placeholder 3"/>
-          <p:cNvSpPr>
-            <a:spLocks noGrp="1"/>
-          </p:cNvSpPr>
-          <p:nvPr>
-            <p:ph type="sldNum" sz="quarter" idx="10"/>
-          </p:nvPr>
-        </p:nvSpPr>
-        <p:spPr/>
-        <p:txBody>
-          <a:bodyPr/>
-          <a:lstStyle/>
-          <a:p>
-            <a:fld id="{89029652-62E7-43D6-83B5-097D7B7AA5D8}" type="slidenum">
-              <a:rPr lang="en-US" smtClean="0"/>
-              <a:t>37</a:t>
-            </a:fld>
-            <a:endParaRPr lang="en-US"/>
-          </a:p>
-        </p:txBody>
-      </p:sp>
-    </p:spTree>
-    <p:extLst>
-      <p:ext uri="{BB962C8B-B14F-4D97-AF65-F5344CB8AC3E}">
-        <p14:creationId xmlns:p14="http://schemas.microsoft.com/office/powerpoint/2010/main" val="1561525116"/>
       </p:ext>
     </p:extLst>
   </p:cSld>
@@ -3415,7 +3414,7 @@
     </p:spTree>
     <p:extLst>
       <p:ext uri="{BB962C8B-B14F-4D97-AF65-F5344CB8AC3E}">
-        <p14:creationId xmlns:p14="http://schemas.microsoft.com/office/powerpoint/2010/main" val="1514808285"/>
+        <p14:creationId xmlns:p14="http://schemas.microsoft.com/office/powerpoint/2010/main" val="1561525116"/>
       </p:ext>
     </p:extLst>
   </p:cSld>
@@ -3499,7 +3498,7 @@
     </p:spTree>
     <p:extLst>
       <p:ext uri="{BB962C8B-B14F-4D97-AF65-F5344CB8AC3E}">
-        <p14:creationId xmlns:p14="http://schemas.microsoft.com/office/powerpoint/2010/main" val="3263699449"/>
+        <p14:creationId xmlns:p14="http://schemas.microsoft.com/office/powerpoint/2010/main" val="1514808285"/>
       </p:ext>
     </p:extLst>
   </p:cSld>
@@ -3692,7 +3691,7 @@
     </p:spTree>
     <p:extLst>
       <p:ext uri="{BB962C8B-B14F-4D97-AF65-F5344CB8AC3E}">
-        <p14:creationId xmlns:p14="http://schemas.microsoft.com/office/powerpoint/2010/main" val="1255163866"/>
+        <p14:creationId xmlns:p14="http://schemas.microsoft.com/office/powerpoint/2010/main" val="3263699449"/>
       </p:ext>
     </p:extLst>
   </p:cSld>
@@ -3776,7 +3775,7 @@
     </p:spTree>
     <p:extLst>
       <p:ext uri="{BB962C8B-B14F-4D97-AF65-F5344CB8AC3E}">
-        <p14:creationId xmlns:p14="http://schemas.microsoft.com/office/powerpoint/2010/main" val="532748052"/>
+        <p14:creationId xmlns:p14="http://schemas.microsoft.com/office/powerpoint/2010/main" val="1255163866"/>
       </p:ext>
     </p:extLst>
   </p:cSld>
@@ -3830,6 +3829,90 @@
           <a:bodyPr/>
           <a:lstStyle/>
           <a:p>
+            <a:endParaRPr lang="en-US" b="0" dirty="0" smtClean="0"/>
+          </a:p>
+        </p:txBody>
+      </p:sp>
+      <p:sp>
+        <p:nvSpPr>
+          <p:cNvPr id="4" name="Slide Number Placeholder 3"/>
+          <p:cNvSpPr>
+            <a:spLocks noGrp="1"/>
+          </p:cNvSpPr>
+          <p:nvPr>
+            <p:ph type="sldNum" sz="quarter" idx="10"/>
+          </p:nvPr>
+        </p:nvSpPr>
+        <p:spPr/>
+        <p:txBody>
+          <a:bodyPr/>
+          <a:lstStyle/>
+          <a:p>
+            <a:fld id="{89029652-62E7-43D6-83B5-097D7B7AA5D8}" type="slidenum">
+              <a:rPr lang="en-US" smtClean="0"/>
+              <a:t>42</a:t>
+            </a:fld>
+            <a:endParaRPr lang="en-US"/>
+          </a:p>
+        </p:txBody>
+      </p:sp>
+    </p:spTree>
+    <p:extLst>
+      <p:ext uri="{BB962C8B-B14F-4D97-AF65-F5344CB8AC3E}">
+        <p14:creationId xmlns:p14="http://schemas.microsoft.com/office/powerpoint/2010/main" val="532748052"/>
+      </p:ext>
+    </p:extLst>
+  </p:cSld>
+  <p:clrMapOvr>
+    <a:masterClrMapping/>
+  </p:clrMapOvr>
+</p:notes>
+</file>
+
+<file path=ppt/notesSlides/notesSlide43.xml><?xml version="1.0" encoding="utf-8"?>
+<p:notes xmlns:a="http://schemas.openxmlformats.org/drawingml/2006/main" xmlns:r="http://schemas.openxmlformats.org/officeDocument/2006/relationships" xmlns:p="http://schemas.openxmlformats.org/presentationml/2006/main">
+  <p:cSld>
+    <p:spTree>
+      <p:nvGrpSpPr>
+        <p:cNvPr id="1" name=""/>
+        <p:cNvGrpSpPr/>
+        <p:nvPr/>
+      </p:nvGrpSpPr>
+      <p:grpSpPr>
+        <a:xfrm>
+          <a:off x="0" y="0"/>
+          <a:ext cx="0" cy="0"/>
+          <a:chOff x="0" y="0"/>
+          <a:chExt cx="0" cy="0"/>
+        </a:xfrm>
+      </p:grpSpPr>
+      <p:sp>
+        <p:nvSpPr>
+          <p:cNvPr id="2" name="Slide Image Placeholder 1"/>
+          <p:cNvSpPr>
+            <a:spLocks noGrp="1" noRot="1" noChangeAspect="1"/>
+          </p:cNvSpPr>
+          <p:nvPr>
+            <p:ph type="sldImg"/>
+          </p:nvPr>
+        </p:nvSpPr>
+        <p:spPr/>
+      </p:sp>
+      <p:sp>
+        <p:nvSpPr>
+          <p:cNvPr id="3" name="Notes Placeholder 2"/>
+          <p:cNvSpPr>
+            <a:spLocks noGrp="1"/>
+          </p:cNvSpPr>
+          <p:nvPr>
+            <p:ph type="body" idx="1"/>
+          </p:nvPr>
+        </p:nvSpPr>
+        <p:spPr/>
+        <p:txBody>
+          <a:bodyPr/>
+          <a:lstStyle/>
+          <a:p>
             <a:pPr marL="0" marR="0" indent="0" algn="l" defTabSz="914400" rtl="0" eaLnBrk="1" fontAlgn="auto" latinLnBrk="0" hangingPunct="1">
               <a:lnSpc>
                 <a:spcPct val="100000"/>
@@ -3876,7 +3959,7 @@
           <a:p>
             <a:fld id="{89029652-62E7-43D6-83B5-097D7B7AA5D8}" type="slidenum">
               <a:rPr lang="en-US" smtClean="0"/>
-              <a:t>42</a:t>
+              <a:t>43</a:t>
             </a:fld>
             <a:endParaRPr lang="en-US"/>
           </a:p>
@@ -3886,90 +3969,6 @@
     <p:extLst>
       <p:ext uri="{BB962C8B-B14F-4D97-AF65-F5344CB8AC3E}">
         <p14:creationId xmlns:p14="http://schemas.microsoft.com/office/powerpoint/2010/main" val="2286755864"/>
-      </p:ext>
-    </p:extLst>
-  </p:cSld>
-  <p:clrMapOvr>
-    <a:masterClrMapping/>
-  </p:clrMapOvr>
-</p:notes>
-</file>
-
-<file path=ppt/notesSlides/notesSlide43.xml><?xml version="1.0" encoding="utf-8"?>
-<p:notes xmlns:a="http://schemas.openxmlformats.org/drawingml/2006/main" xmlns:r="http://schemas.openxmlformats.org/officeDocument/2006/relationships" xmlns:p="http://schemas.openxmlformats.org/presentationml/2006/main">
-  <p:cSld>
-    <p:spTree>
-      <p:nvGrpSpPr>
-        <p:cNvPr id="1" name=""/>
-        <p:cNvGrpSpPr/>
-        <p:nvPr/>
-      </p:nvGrpSpPr>
-      <p:grpSpPr>
-        <a:xfrm>
-          <a:off x="0" y="0"/>
-          <a:ext cx="0" cy="0"/>
-          <a:chOff x="0" y="0"/>
-          <a:chExt cx="0" cy="0"/>
-        </a:xfrm>
-      </p:grpSpPr>
-      <p:sp>
-        <p:nvSpPr>
-          <p:cNvPr id="2" name="Slide Image Placeholder 1"/>
-          <p:cNvSpPr>
-            <a:spLocks noGrp="1" noRot="1" noChangeAspect="1"/>
-          </p:cNvSpPr>
-          <p:nvPr>
-            <p:ph type="sldImg"/>
-          </p:nvPr>
-        </p:nvSpPr>
-        <p:spPr/>
-      </p:sp>
-      <p:sp>
-        <p:nvSpPr>
-          <p:cNvPr id="3" name="Notes Placeholder 2"/>
-          <p:cNvSpPr>
-            <a:spLocks noGrp="1"/>
-          </p:cNvSpPr>
-          <p:nvPr>
-            <p:ph type="body" idx="1"/>
-          </p:nvPr>
-        </p:nvSpPr>
-        <p:spPr/>
-        <p:txBody>
-          <a:bodyPr/>
-          <a:lstStyle/>
-          <a:p>
-            <a:endParaRPr lang="en-US" b="0" dirty="0" smtClean="0"/>
-          </a:p>
-        </p:txBody>
-      </p:sp>
-      <p:sp>
-        <p:nvSpPr>
-          <p:cNvPr id="4" name="Slide Number Placeholder 3"/>
-          <p:cNvSpPr>
-            <a:spLocks noGrp="1"/>
-          </p:cNvSpPr>
-          <p:nvPr>
-            <p:ph type="sldNum" sz="quarter" idx="10"/>
-          </p:nvPr>
-        </p:nvSpPr>
-        <p:spPr/>
-        <p:txBody>
-          <a:bodyPr/>
-          <a:lstStyle/>
-          <a:p>
-            <a:fld id="{89029652-62E7-43D6-83B5-097D7B7AA5D8}" type="slidenum">
-              <a:rPr lang="en-US" smtClean="0"/>
-              <a:t>43</a:t>
-            </a:fld>
-            <a:endParaRPr lang="en-US"/>
-          </a:p>
-        </p:txBody>
-      </p:sp>
-    </p:spTree>
-    <p:extLst>
-      <p:ext uri="{BB962C8B-B14F-4D97-AF65-F5344CB8AC3E}">
-        <p14:creationId xmlns:p14="http://schemas.microsoft.com/office/powerpoint/2010/main" val="2653332077"/>
       </p:ext>
     </p:extLst>
   </p:cSld>
@@ -4053,7 +4052,7 @@
     </p:spTree>
     <p:extLst>
       <p:ext uri="{BB962C8B-B14F-4D97-AF65-F5344CB8AC3E}">
-        <p14:creationId xmlns:p14="http://schemas.microsoft.com/office/powerpoint/2010/main" val="3778399677"/>
+        <p14:creationId xmlns:p14="http://schemas.microsoft.com/office/powerpoint/2010/main" val="2653332077"/>
       </p:ext>
     </p:extLst>
   </p:cSld>
@@ -4137,7 +4136,7 @@
     </p:spTree>
     <p:extLst>
       <p:ext uri="{BB962C8B-B14F-4D97-AF65-F5344CB8AC3E}">
-        <p14:creationId xmlns:p14="http://schemas.microsoft.com/office/powerpoint/2010/main" val="4047639699"/>
+        <p14:creationId xmlns:p14="http://schemas.microsoft.com/office/powerpoint/2010/main" val="3778399677"/>
       </p:ext>
     </p:extLst>
   </p:cSld>
@@ -4221,7 +4220,7 @@
     </p:spTree>
     <p:extLst>
       <p:ext uri="{BB962C8B-B14F-4D97-AF65-F5344CB8AC3E}">
-        <p14:creationId xmlns:p14="http://schemas.microsoft.com/office/powerpoint/2010/main" val="3271057564"/>
+        <p14:creationId xmlns:p14="http://schemas.microsoft.com/office/powerpoint/2010/main" val="4047639699"/>
       </p:ext>
     </p:extLst>
   </p:cSld>
@@ -4305,7 +4304,7 @@
     </p:spTree>
     <p:extLst>
       <p:ext uri="{BB962C8B-B14F-4D97-AF65-F5344CB8AC3E}">
-        <p14:creationId xmlns:p14="http://schemas.microsoft.com/office/powerpoint/2010/main" val="150335864"/>
+        <p14:creationId xmlns:p14="http://schemas.microsoft.com/office/powerpoint/2010/main" val="3271057564"/>
       </p:ext>
     </p:extLst>
   </p:cSld>
@@ -4389,7 +4388,7 @@
     </p:spTree>
     <p:extLst>
       <p:ext uri="{BB962C8B-B14F-4D97-AF65-F5344CB8AC3E}">
-        <p14:creationId xmlns:p14="http://schemas.microsoft.com/office/powerpoint/2010/main" val="508677048"/>
+        <p14:creationId xmlns:p14="http://schemas.microsoft.com/office/powerpoint/2010/main" val="150335864"/>
       </p:ext>
     </p:extLst>
   </p:cSld>
@@ -4473,7 +4472,7 @@
     </p:spTree>
     <p:extLst>
       <p:ext uri="{BB962C8B-B14F-4D97-AF65-F5344CB8AC3E}">
-        <p14:creationId xmlns:p14="http://schemas.microsoft.com/office/powerpoint/2010/main" val="1174323916"/>
+        <p14:creationId xmlns:p14="http://schemas.microsoft.com/office/powerpoint/2010/main" val="3480706183"/>
       </p:ext>
     </p:extLst>
   </p:cSld>
@@ -4641,7 +4640,7 @@
     </p:spTree>
     <p:extLst>
       <p:ext uri="{BB962C8B-B14F-4D97-AF65-F5344CB8AC3E}">
-        <p14:creationId xmlns:p14="http://schemas.microsoft.com/office/powerpoint/2010/main" val="22929660"/>
+        <p14:creationId xmlns:p14="http://schemas.microsoft.com/office/powerpoint/2010/main" val="1174323916"/>
       </p:ext>
     </p:extLst>
   </p:cSld>
@@ -4725,7 +4724,7 @@
     </p:spTree>
     <p:extLst>
       <p:ext uri="{BB962C8B-B14F-4D97-AF65-F5344CB8AC3E}">
-        <p14:creationId xmlns:p14="http://schemas.microsoft.com/office/powerpoint/2010/main" val="3079792467"/>
+        <p14:creationId xmlns:p14="http://schemas.microsoft.com/office/powerpoint/2010/main" val="22929660"/>
       </p:ext>
     </p:extLst>
   </p:cSld>
@@ -4779,6 +4778,174 @@
           <a:bodyPr/>
           <a:lstStyle/>
           <a:p>
+            <a:endParaRPr lang="en-US" b="0" dirty="0" smtClean="0"/>
+          </a:p>
+        </p:txBody>
+      </p:sp>
+      <p:sp>
+        <p:nvSpPr>
+          <p:cNvPr id="4" name="Slide Number Placeholder 3"/>
+          <p:cNvSpPr>
+            <a:spLocks noGrp="1"/>
+          </p:cNvSpPr>
+          <p:nvPr>
+            <p:ph type="sldNum" sz="quarter" idx="10"/>
+          </p:nvPr>
+        </p:nvSpPr>
+        <p:spPr/>
+        <p:txBody>
+          <a:bodyPr/>
+          <a:lstStyle/>
+          <a:p>
+            <a:fld id="{89029652-62E7-43D6-83B5-097D7B7AA5D8}" type="slidenum">
+              <a:rPr lang="en-US" smtClean="0"/>
+              <a:t>52</a:t>
+            </a:fld>
+            <a:endParaRPr lang="en-US"/>
+          </a:p>
+        </p:txBody>
+      </p:sp>
+    </p:spTree>
+    <p:extLst>
+      <p:ext uri="{BB962C8B-B14F-4D97-AF65-F5344CB8AC3E}">
+        <p14:creationId xmlns:p14="http://schemas.microsoft.com/office/powerpoint/2010/main" val="508677048"/>
+      </p:ext>
+    </p:extLst>
+  </p:cSld>
+  <p:clrMapOvr>
+    <a:masterClrMapping/>
+  </p:clrMapOvr>
+</p:notes>
+</file>
+
+<file path=ppt/notesSlides/notesSlide53.xml><?xml version="1.0" encoding="utf-8"?>
+<p:notes xmlns:a="http://schemas.openxmlformats.org/drawingml/2006/main" xmlns:r="http://schemas.openxmlformats.org/officeDocument/2006/relationships" xmlns:p="http://schemas.openxmlformats.org/presentationml/2006/main">
+  <p:cSld>
+    <p:spTree>
+      <p:nvGrpSpPr>
+        <p:cNvPr id="1" name=""/>
+        <p:cNvGrpSpPr/>
+        <p:nvPr/>
+      </p:nvGrpSpPr>
+      <p:grpSpPr>
+        <a:xfrm>
+          <a:off x="0" y="0"/>
+          <a:ext cx="0" cy="0"/>
+          <a:chOff x="0" y="0"/>
+          <a:chExt cx="0" cy="0"/>
+        </a:xfrm>
+      </p:grpSpPr>
+      <p:sp>
+        <p:nvSpPr>
+          <p:cNvPr id="2" name="Slide Image Placeholder 1"/>
+          <p:cNvSpPr>
+            <a:spLocks noGrp="1" noRot="1" noChangeAspect="1"/>
+          </p:cNvSpPr>
+          <p:nvPr>
+            <p:ph type="sldImg"/>
+          </p:nvPr>
+        </p:nvSpPr>
+        <p:spPr/>
+      </p:sp>
+      <p:sp>
+        <p:nvSpPr>
+          <p:cNvPr id="3" name="Notes Placeholder 2"/>
+          <p:cNvSpPr>
+            <a:spLocks noGrp="1"/>
+          </p:cNvSpPr>
+          <p:nvPr>
+            <p:ph type="body" idx="1"/>
+          </p:nvPr>
+        </p:nvSpPr>
+        <p:spPr/>
+        <p:txBody>
+          <a:bodyPr/>
+          <a:lstStyle/>
+          <a:p>
+            <a:endParaRPr lang="en-US" b="0" dirty="0" smtClean="0"/>
+          </a:p>
+        </p:txBody>
+      </p:sp>
+      <p:sp>
+        <p:nvSpPr>
+          <p:cNvPr id="4" name="Slide Number Placeholder 3"/>
+          <p:cNvSpPr>
+            <a:spLocks noGrp="1"/>
+          </p:cNvSpPr>
+          <p:nvPr>
+            <p:ph type="sldNum" sz="quarter" idx="10"/>
+          </p:nvPr>
+        </p:nvSpPr>
+        <p:spPr/>
+        <p:txBody>
+          <a:bodyPr/>
+          <a:lstStyle/>
+          <a:p>
+            <a:fld id="{89029652-62E7-43D6-83B5-097D7B7AA5D8}" type="slidenum">
+              <a:rPr lang="en-US" smtClean="0"/>
+              <a:t>53</a:t>
+            </a:fld>
+            <a:endParaRPr lang="en-US"/>
+          </a:p>
+        </p:txBody>
+      </p:sp>
+    </p:spTree>
+    <p:extLst>
+      <p:ext uri="{BB962C8B-B14F-4D97-AF65-F5344CB8AC3E}">
+        <p14:creationId xmlns:p14="http://schemas.microsoft.com/office/powerpoint/2010/main" val="3079792467"/>
+      </p:ext>
+    </p:extLst>
+  </p:cSld>
+  <p:clrMapOvr>
+    <a:masterClrMapping/>
+  </p:clrMapOvr>
+</p:notes>
+</file>
+
+<file path=ppt/notesSlides/notesSlide54.xml><?xml version="1.0" encoding="utf-8"?>
+<p:notes xmlns:a="http://schemas.openxmlformats.org/drawingml/2006/main" xmlns:r="http://schemas.openxmlformats.org/officeDocument/2006/relationships" xmlns:p="http://schemas.openxmlformats.org/presentationml/2006/main">
+  <p:cSld>
+    <p:spTree>
+      <p:nvGrpSpPr>
+        <p:cNvPr id="1" name=""/>
+        <p:cNvGrpSpPr/>
+        <p:nvPr/>
+      </p:nvGrpSpPr>
+      <p:grpSpPr>
+        <a:xfrm>
+          <a:off x="0" y="0"/>
+          <a:ext cx="0" cy="0"/>
+          <a:chOff x="0" y="0"/>
+          <a:chExt cx="0" cy="0"/>
+        </a:xfrm>
+      </p:grpSpPr>
+      <p:sp>
+        <p:nvSpPr>
+          <p:cNvPr id="2" name="Slide Image Placeholder 1"/>
+          <p:cNvSpPr>
+            <a:spLocks noGrp="1" noRot="1" noChangeAspect="1"/>
+          </p:cNvSpPr>
+          <p:nvPr>
+            <p:ph type="sldImg"/>
+          </p:nvPr>
+        </p:nvSpPr>
+        <p:spPr/>
+      </p:sp>
+      <p:sp>
+        <p:nvSpPr>
+          <p:cNvPr id="3" name="Notes Placeholder 2"/>
+          <p:cNvSpPr>
+            <a:spLocks noGrp="1"/>
+          </p:cNvSpPr>
+          <p:nvPr>
+            <p:ph type="body" idx="1"/>
+          </p:nvPr>
+        </p:nvSpPr>
+        <p:spPr/>
+        <p:txBody>
+          <a:bodyPr/>
+          <a:lstStyle/>
+          <a:p>
             <a:pPr marL="0" marR="0" indent="0" algn="l" defTabSz="914400" rtl="0" eaLnBrk="1" fontAlgn="auto" latinLnBrk="0" hangingPunct="1">
               <a:lnSpc>
                 <a:spcPct val="100000"/>
@@ -4825,7 +4992,7 @@
           <a:p>
             <a:fld id="{89029652-62E7-43D6-83B5-097D7B7AA5D8}" type="slidenum">
               <a:rPr lang="en-US" smtClean="0"/>
-              <a:t>52</a:t>
+              <a:t>54</a:t>
             </a:fld>
             <a:endParaRPr lang="en-US"/>
           </a:p>
@@ -4835,174 +5002,6 @@
     <p:extLst>
       <p:ext uri="{BB962C8B-B14F-4D97-AF65-F5344CB8AC3E}">
         <p14:creationId xmlns:p14="http://schemas.microsoft.com/office/powerpoint/2010/main" val="1704645259"/>
-      </p:ext>
-    </p:extLst>
-  </p:cSld>
-  <p:clrMapOvr>
-    <a:masterClrMapping/>
-  </p:clrMapOvr>
-</p:notes>
-</file>
-
-<file path=ppt/notesSlides/notesSlide53.xml><?xml version="1.0" encoding="utf-8"?>
-<p:notes xmlns:a="http://schemas.openxmlformats.org/drawingml/2006/main" xmlns:r="http://schemas.openxmlformats.org/officeDocument/2006/relationships" xmlns:p="http://schemas.openxmlformats.org/presentationml/2006/main">
-  <p:cSld>
-    <p:spTree>
-      <p:nvGrpSpPr>
-        <p:cNvPr id="1" name=""/>
-        <p:cNvGrpSpPr/>
-        <p:nvPr/>
-      </p:nvGrpSpPr>
-      <p:grpSpPr>
-        <a:xfrm>
-          <a:off x="0" y="0"/>
-          <a:ext cx="0" cy="0"/>
-          <a:chOff x="0" y="0"/>
-          <a:chExt cx="0" cy="0"/>
-        </a:xfrm>
-      </p:grpSpPr>
-      <p:sp>
-        <p:nvSpPr>
-          <p:cNvPr id="2" name="Slide Image Placeholder 1"/>
-          <p:cNvSpPr>
-            <a:spLocks noGrp="1" noRot="1" noChangeAspect="1"/>
-          </p:cNvSpPr>
-          <p:nvPr>
-            <p:ph type="sldImg"/>
-          </p:nvPr>
-        </p:nvSpPr>
-        <p:spPr/>
-      </p:sp>
-      <p:sp>
-        <p:nvSpPr>
-          <p:cNvPr id="3" name="Notes Placeholder 2"/>
-          <p:cNvSpPr>
-            <a:spLocks noGrp="1"/>
-          </p:cNvSpPr>
-          <p:nvPr>
-            <p:ph type="body" idx="1"/>
-          </p:nvPr>
-        </p:nvSpPr>
-        <p:spPr/>
-        <p:txBody>
-          <a:bodyPr/>
-          <a:lstStyle/>
-          <a:p>
-            <a:endParaRPr lang="en-US" b="0" dirty="0" smtClean="0"/>
-          </a:p>
-        </p:txBody>
-      </p:sp>
-      <p:sp>
-        <p:nvSpPr>
-          <p:cNvPr id="4" name="Slide Number Placeholder 3"/>
-          <p:cNvSpPr>
-            <a:spLocks noGrp="1"/>
-          </p:cNvSpPr>
-          <p:nvPr>
-            <p:ph type="sldNum" sz="quarter" idx="10"/>
-          </p:nvPr>
-        </p:nvSpPr>
-        <p:spPr/>
-        <p:txBody>
-          <a:bodyPr/>
-          <a:lstStyle/>
-          <a:p>
-            <a:fld id="{89029652-62E7-43D6-83B5-097D7B7AA5D8}" type="slidenum">
-              <a:rPr lang="en-US" smtClean="0"/>
-              <a:t>53</a:t>
-            </a:fld>
-            <a:endParaRPr lang="en-US"/>
-          </a:p>
-        </p:txBody>
-      </p:sp>
-    </p:spTree>
-    <p:extLst>
-      <p:ext uri="{BB962C8B-B14F-4D97-AF65-F5344CB8AC3E}">
-        <p14:creationId xmlns:p14="http://schemas.microsoft.com/office/powerpoint/2010/main" val="381415188"/>
-      </p:ext>
-    </p:extLst>
-  </p:cSld>
-  <p:clrMapOvr>
-    <a:masterClrMapping/>
-  </p:clrMapOvr>
-</p:notes>
-</file>
-
-<file path=ppt/notesSlides/notesSlide54.xml><?xml version="1.0" encoding="utf-8"?>
-<p:notes xmlns:a="http://schemas.openxmlformats.org/drawingml/2006/main" xmlns:r="http://schemas.openxmlformats.org/officeDocument/2006/relationships" xmlns:p="http://schemas.openxmlformats.org/presentationml/2006/main">
-  <p:cSld>
-    <p:spTree>
-      <p:nvGrpSpPr>
-        <p:cNvPr id="1" name=""/>
-        <p:cNvGrpSpPr/>
-        <p:nvPr/>
-      </p:nvGrpSpPr>
-      <p:grpSpPr>
-        <a:xfrm>
-          <a:off x="0" y="0"/>
-          <a:ext cx="0" cy="0"/>
-          <a:chOff x="0" y="0"/>
-          <a:chExt cx="0" cy="0"/>
-        </a:xfrm>
-      </p:grpSpPr>
-      <p:sp>
-        <p:nvSpPr>
-          <p:cNvPr id="2" name="Slide Image Placeholder 1"/>
-          <p:cNvSpPr>
-            <a:spLocks noGrp="1" noRot="1" noChangeAspect="1"/>
-          </p:cNvSpPr>
-          <p:nvPr>
-            <p:ph type="sldImg"/>
-          </p:nvPr>
-        </p:nvSpPr>
-        <p:spPr/>
-      </p:sp>
-      <p:sp>
-        <p:nvSpPr>
-          <p:cNvPr id="3" name="Notes Placeholder 2"/>
-          <p:cNvSpPr>
-            <a:spLocks noGrp="1"/>
-          </p:cNvSpPr>
-          <p:nvPr>
-            <p:ph type="body" idx="1"/>
-          </p:nvPr>
-        </p:nvSpPr>
-        <p:spPr/>
-        <p:txBody>
-          <a:bodyPr/>
-          <a:lstStyle/>
-          <a:p>
-            <a:endParaRPr lang="en-US" b="0" dirty="0" smtClean="0"/>
-          </a:p>
-        </p:txBody>
-      </p:sp>
-      <p:sp>
-        <p:nvSpPr>
-          <p:cNvPr id="4" name="Slide Number Placeholder 3"/>
-          <p:cNvSpPr>
-            <a:spLocks noGrp="1"/>
-          </p:cNvSpPr>
-          <p:nvPr>
-            <p:ph type="sldNum" sz="quarter" idx="10"/>
-          </p:nvPr>
-        </p:nvSpPr>
-        <p:spPr/>
-        <p:txBody>
-          <a:bodyPr/>
-          <a:lstStyle/>
-          <a:p>
-            <a:fld id="{89029652-62E7-43D6-83B5-097D7B7AA5D8}" type="slidenum">
-              <a:rPr lang="en-US" smtClean="0"/>
-              <a:t>54</a:t>
-            </a:fld>
-            <a:endParaRPr lang="en-US"/>
-          </a:p>
-        </p:txBody>
-      </p:sp>
-    </p:spTree>
-    <p:extLst>
-      <p:ext uri="{BB962C8B-B14F-4D97-AF65-F5344CB8AC3E}">
-        <p14:creationId xmlns:p14="http://schemas.microsoft.com/office/powerpoint/2010/main" val="3479328780"/>
       </p:ext>
     </p:extLst>
   </p:cSld>
@@ -5086,7 +5085,7 @@
     </p:spTree>
     <p:extLst>
       <p:ext uri="{BB962C8B-B14F-4D97-AF65-F5344CB8AC3E}">
-        <p14:creationId xmlns:p14="http://schemas.microsoft.com/office/powerpoint/2010/main" val="3344468672"/>
+        <p14:creationId xmlns:p14="http://schemas.microsoft.com/office/powerpoint/2010/main" val="381415188"/>
       </p:ext>
     </p:extLst>
   </p:cSld>
@@ -5170,7 +5169,7 @@
     </p:spTree>
     <p:extLst>
       <p:ext uri="{BB962C8B-B14F-4D97-AF65-F5344CB8AC3E}">
-        <p14:creationId xmlns:p14="http://schemas.microsoft.com/office/powerpoint/2010/main" val="3143393369"/>
+        <p14:creationId xmlns:p14="http://schemas.microsoft.com/office/powerpoint/2010/main" val="3234596091"/>
       </p:ext>
     </p:extLst>
   </p:cSld>
@@ -5224,6 +5223,174 @@
           <a:bodyPr/>
           <a:lstStyle/>
           <a:p>
+            <a:endParaRPr lang="en-US" b="0" dirty="0" smtClean="0"/>
+          </a:p>
+        </p:txBody>
+      </p:sp>
+      <p:sp>
+        <p:nvSpPr>
+          <p:cNvPr id="4" name="Slide Number Placeholder 3"/>
+          <p:cNvSpPr>
+            <a:spLocks noGrp="1"/>
+          </p:cNvSpPr>
+          <p:nvPr>
+            <p:ph type="sldNum" sz="quarter" idx="10"/>
+          </p:nvPr>
+        </p:nvSpPr>
+        <p:spPr/>
+        <p:txBody>
+          <a:bodyPr/>
+          <a:lstStyle/>
+          <a:p>
+            <a:fld id="{89029652-62E7-43D6-83B5-097D7B7AA5D8}" type="slidenum">
+              <a:rPr lang="en-US" smtClean="0"/>
+              <a:t>57</a:t>
+            </a:fld>
+            <a:endParaRPr lang="en-US"/>
+          </a:p>
+        </p:txBody>
+      </p:sp>
+    </p:spTree>
+    <p:extLst>
+      <p:ext uri="{BB962C8B-B14F-4D97-AF65-F5344CB8AC3E}">
+        <p14:creationId xmlns:p14="http://schemas.microsoft.com/office/powerpoint/2010/main" val="3344468672"/>
+      </p:ext>
+    </p:extLst>
+  </p:cSld>
+  <p:clrMapOvr>
+    <a:masterClrMapping/>
+  </p:clrMapOvr>
+</p:notes>
+</file>
+
+<file path=ppt/notesSlides/notesSlide58.xml><?xml version="1.0" encoding="utf-8"?>
+<p:notes xmlns:a="http://schemas.openxmlformats.org/drawingml/2006/main" xmlns:r="http://schemas.openxmlformats.org/officeDocument/2006/relationships" xmlns:p="http://schemas.openxmlformats.org/presentationml/2006/main">
+  <p:cSld>
+    <p:spTree>
+      <p:nvGrpSpPr>
+        <p:cNvPr id="1" name=""/>
+        <p:cNvGrpSpPr/>
+        <p:nvPr/>
+      </p:nvGrpSpPr>
+      <p:grpSpPr>
+        <a:xfrm>
+          <a:off x="0" y="0"/>
+          <a:ext cx="0" cy="0"/>
+          <a:chOff x="0" y="0"/>
+          <a:chExt cx="0" cy="0"/>
+        </a:xfrm>
+      </p:grpSpPr>
+      <p:sp>
+        <p:nvSpPr>
+          <p:cNvPr id="2" name="Slide Image Placeholder 1"/>
+          <p:cNvSpPr>
+            <a:spLocks noGrp="1" noRot="1" noChangeAspect="1"/>
+          </p:cNvSpPr>
+          <p:nvPr>
+            <p:ph type="sldImg"/>
+          </p:nvPr>
+        </p:nvSpPr>
+        <p:spPr/>
+      </p:sp>
+      <p:sp>
+        <p:nvSpPr>
+          <p:cNvPr id="3" name="Notes Placeholder 2"/>
+          <p:cNvSpPr>
+            <a:spLocks noGrp="1"/>
+          </p:cNvSpPr>
+          <p:nvPr>
+            <p:ph type="body" idx="1"/>
+          </p:nvPr>
+        </p:nvSpPr>
+        <p:spPr/>
+        <p:txBody>
+          <a:bodyPr/>
+          <a:lstStyle/>
+          <a:p>
+            <a:endParaRPr lang="en-US" b="0" dirty="0" smtClean="0"/>
+          </a:p>
+        </p:txBody>
+      </p:sp>
+      <p:sp>
+        <p:nvSpPr>
+          <p:cNvPr id="4" name="Slide Number Placeholder 3"/>
+          <p:cNvSpPr>
+            <a:spLocks noGrp="1"/>
+          </p:cNvSpPr>
+          <p:nvPr>
+            <p:ph type="sldNum" sz="quarter" idx="10"/>
+          </p:nvPr>
+        </p:nvSpPr>
+        <p:spPr/>
+        <p:txBody>
+          <a:bodyPr/>
+          <a:lstStyle/>
+          <a:p>
+            <a:fld id="{89029652-62E7-43D6-83B5-097D7B7AA5D8}" type="slidenum">
+              <a:rPr lang="en-US" smtClean="0"/>
+              <a:t>58</a:t>
+            </a:fld>
+            <a:endParaRPr lang="en-US"/>
+          </a:p>
+        </p:txBody>
+      </p:sp>
+    </p:spTree>
+    <p:extLst>
+      <p:ext uri="{BB962C8B-B14F-4D97-AF65-F5344CB8AC3E}">
+        <p14:creationId xmlns:p14="http://schemas.microsoft.com/office/powerpoint/2010/main" val="3143393369"/>
+      </p:ext>
+    </p:extLst>
+  </p:cSld>
+  <p:clrMapOvr>
+    <a:masterClrMapping/>
+  </p:clrMapOvr>
+</p:notes>
+</file>
+
+<file path=ppt/notesSlides/notesSlide59.xml><?xml version="1.0" encoding="utf-8"?>
+<p:notes xmlns:a="http://schemas.openxmlformats.org/drawingml/2006/main" xmlns:r="http://schemas.openxmlformats.org/officeDocument/2006/relationships" xmlns:p="http://schemas.openxmlformats.org/presentationml/2006/main">
+  <p:cSld>
+    <p:spTree>
+      <p:nvGrpSpPr>
+        <p:cNvPr id="1" name=""/>
+        <p:cNvGrpSpPr/>
+        <p:nvPr/>
+      </p:nvGrpSpPr>
+      <p:grpSpPr>
+        <a:xfrm>
+          <a:off x="0" y="0"/>
+          <a:ext cx="0" cy="0"/>
+          <a:chOff x="0" y="0"/>
+          <a:chExt cx="0" cy="0"/>
+        </a:xfrm>
+      </p:grpSpPr>
+      <p:sp>
+        <p:nvSpPr>
+          <p:cNvPr id="2" name="Slide Image Placeholder 1"/>
+          <p:cNvSpPr>
+            <a:spLocks noGrp="1" noRot="1" noChangeAspect="1"/>
+          </p:cNvSpPr>
+          <p:nvPr>
+            <p:ph type="sldImg"/>
+          </p:nvPr>
+        </p:nvSpPr>
+        <p:spPr/>
+      </p:sp>
+      <p:sp>
+        <p:nvSpPr>
+          <p:cNvPr id="3" name="Notes Placeholder 2"/>
+          <p:cNvSpPr>
+            <a:spLocks noGrp="1"/>
+          </p:cNvSpPr>
+          <p:nvPr>
+            <p:ph type="body" idx="1"/>
+          </p:nvPr>
+        </p:nvSpPr>
+        <p:spPr/>
+        <p:txBody>
+          <a:bodyPr/>
+          <a:lstStyle/>
+          <a:p>
             <a:pPr marL="0" marR="0" indent="0" algn="l" defTabSz="914400" rtl="0" eaLnBrk="1" fontAlgn="auto" latinLnBrk="0" hangingPunct="1">
               <a:lnSpc>
                 <a:spcPct val="100000"/>
@@ -5270,7 +5437,7 @@
           <a:p>
             <a:fld id="{89029652-62E7-43D6-83B5-097D7B7AA5D8}" type="slidenum">
               <a:rPr lang="en-US" smtClean="0"/>
-              <a:t>57</a:t>
+              <a:t>59</a:t>
             </a:fld>
             <a:endParaRPr lang="en-US"/>
           </a:p>
@@ -5280,174 +5447,6 @@
     <p:extLst>
       <p:ext uri="{BB962C8B-B14F-4D97-AF65-F5344CB8AC3E}">
         <p14:creationId xmlns:p14="http://schemas.microsoft.com/office/powerpoint/2010/main" val="1557858908"/>
-      </p:ext>
-    </p:extLst>
-  </p:cSld>
-  <p:clrMapOvr>
-    <a:masterClrMapping/>
-  </p:clrMapOvr>
-</p:notes>
-</file>
-
-<file path=ppt/notesSlides/notesSlide58.xml><?xml version="1.0" encoding="utf-8"?>
-<p:notes xmlns:a="http://schemas.openxmlformats.org/drawingml/2006/main" xmlns:r="http://schemas.openxmlformats.org/officeDocument/2006/relationships" xmlns:p="http://schemas.openxmlformats.org/presentationml/2006/main">
-  <p:cSld>
-    <p:spTree>
-      <p:nvGrpSpPr>
-        <p:cNvPr id="1" name=""/>
-        <p:cNvGrpSpPr/>
-        <p:nvPr/>
-      </p:nvGrpSpPr>
-      <p:grpSpPr>
-        <a:xfrm>
-          <a:off x="0" y="0"/>
-          <a:ext cx="0" cy="0"/>
-          <a:chOff x="0" y="0"/>
-          <a:chExt cx="0" cy="0"/>
-        </a:xfrm>
-      </p:grpSpPr>
-      <p:sp>
-        <p:nvSpPr>
-          <p:cNvPr id="2" name="Slide Image Placeholder 1"/>
-          <p:cNvSpPr>
-            <a:spLocks noGrp="1" noRot="1" noChangeAspect="1"/>
-          </p:cNvSpPr>
-          <p:nvPr>
-            <p:ph type="sldImg"/>
-          </p:nvPr>
-        </p:nvSpPr>
-        <p:spPr/>
-      </p:sp>
-      <p:sp>
-        <p:nvSpPr>
-          <p:cNvPr id="3" name="Notes Placeholder 2"/>
-          <p:cNvSpPr>
-            <a:spLocks noGrp="1"/>
-          </p:cNvSpPr>
-          <p:nvPr>
-            <p:ph type="body" idx="1"/>
-          </p:nvPr>
-        </p:nvSpPr>
-        <p:spPr/>
-        <p:txBody>
-          <a:bodyPr/>
-          <a:lstStyle/>
-          <a:p>
-            <a:endParaRPr lang="en-US" b="0" dirty="0" smtClean="0"/>
-          </a:p>
-        </p:txBody>
-      </p:sp>
-      <p:sp>
-        <p:nvSpPr>
-          <p:cNvPr id="4" name="Slide Number Placeholder 3"/>
-          <p:cNvSpPr>
-            <a:spLocks noGrp="1"/>
-          </p:cNvSpPr>
-          <p:nvPr>
-            <p:ph type="sldNum" sz="quarter" idx="10"/>
-          </p:nvPr>
-        </p:nvSpPr>
-        <p:spPr/>
-        <p:txBody>
-          <a:bodyPr/>
-          <a:lstStyle/>
-          <a:p>
-            <a:fld id="{89029652-62E7-43D6-83B5-097D7B7AA5D8}" type="slidenum">
-              <a:rPr lang="en-US" smtClean="0"/>
-              <a:t>58</a:t>
-            </a:fld>
-            <a:endParaRPr lang="en-US"/>
-          </a:p>
-        </p:txBody>
-      </p:sp>
-    </p:spTree>
-    <p:extLst>
-      <p:ext uri="{BB962C8B-B14F-4D97-AF65-F5344CB8AC3E}">
-        <p14:creationId xmlns:p14="http://schemas.microsoft.com/office/powerpoint/2010/main" val="3450469856"/>
-      </p:ext>
-    </p:extLst>
-  </p:cSld>
-  <p:clrMapOvr>
-    <a:masterClrMapping/>
-  </p:clrMapOvr>
-</p:notes>
-</file>
-
-<file path=ppt/notesSlides/notesSlide59.xml><?xml version="1.0" encoding="utf-8"?>
-<p:notes xmlns:a="http://schemas.openxmlformats.org/drawingml/2006/main" xmlns:r="http://schemas.openxmlformats.org/officeDocument/2006/relationships" xmlns:p="http://schemas.openxmlformats.org/presentationml/2006/main">
-  <p:cSld>
-    <p:spTree>
-      <p:nvGrpSpPr>
-        <p:cNvPr id="1" name=""/>
-        <p:cNvGrpSpPr/>
-        <p:nvPr/>
-      </p:nvGrpSpPr>
-      <p:grpSpPr>
-        <a:xfrm>
-          <a:off x="0" y="0"/>
-          <a:ext cx="0" cy="0"/>
-          <a:chOff x="0" y="0"/>
-          <a:chExt cx="0" cy="0"/>
-        </a:xfrm>
-      </p:grpSpPr>
-      <p:sp>
-        <p:nvSpPr>
-          <p:cNvPr id="2" name="Slide Image Placeholder 1"/>
-          <p:cNvSpPr>
-            <a:spLocks noGrp="1" noRot="1" noChangeAspect="1"/>
-          </p:cNvSpPr>
-          <p:nvPr>
-            <p:ph type="sldImg"/>
-          </p:nvPr>
-        </p:nvSpPr>
-        <p:spPr/>
-      </p:sp>
-      <p:sp>
-        <p:nvSpPr>
-          <p:cNvPr id="3" name="Notes Placeholder 2"/>
-          <p:cNvSpPr>
-            <a:spLocks noGrp="1"/>
-          </p:cNvSpPr>
-          <p:nvPr>
-            <p:ph type="body" idx="1"/>
-          </p:nvPr>
-        </p:nvSpPr>
-        <p:spPr/>
-        <p:txBody>
-          <a:bodyPr/>
-          <a:lstStyle/>
-          <a:p>
-            <a:endParaRPr lang="en-US" b="0" dirty="0" smtClean="0"/>
-          </a:p>
-        </p:txBody>
-      </p:sp>
-      <p:sp>
-        <p:nvSpPr>
-          <p:cNvPr id="4" name="Slide Number Placeholder 3"/>
-          <p:cNvSpPr>
-            <a:spLocks noGrp="1"/>
-          </p:cNvSpPr>
-          <p:nvPr>
-            <p:ph type="sldNum" sz="quarter" idx="10"/>
-          </p:nvPr>
-        </p:nvSpPr>
-        <p:spPr/>
-        <p:txBody>
-          <a:bodyPr/>
-          <a:lstStyle/>
-          <a:p>
-            <a:fld id="{89029652-62E7-43D6-83B5-097D7B7AA5D8}" type="slidenum">
-              <a:rPr lang="en-US" smtClean="0"/>
-              <a:t>59</a:t>
-            </a:fld>
-            <a:endParaRPr lang="en-US"/>
-          </a:p>
-        </p:txBody>
-      </p:sp>
-    </p:spTree>
-    <p:extLst>
-      <p:ext uri="{BB962C8B-B14F-4D97-AF65-F5344CB8AC3E}">
-        <p14:creationId xmlns:p14="http://schemas.microsoft.com/office/powerpoint/2010/main" val="2647091800"/>
       </p:ext>
     </p:extLst>
   </p:cSld>
@@ -5615,7 +5614,7 @@
     </p:spTree>
     <p:extLst>
       <p:ext uri="{BB962C8B-B14F-4D97-AF65-F5344CB8AC3E}">
-        <p14:creationId xmlns:p14="http://schemas.microsoft.com/office/powerpoint/2010/main" val="3603726692"/>
+        <p14:creationId xmlns:p14="http://schemas.microsoft.com/office/powerpoint/2010/main" val="3450469856"/>
       </p:ext>
     </p:extLst>
   </p:cSld>
@@ -5699,7 +5698,7 @@
     </p:spTree>
     <p:extLst>
       <p:ext uri="{BB962C8B-B14F-4D97-AF65-F5344CB8AC3E}">
-        <p14:creationId xmlns:p14="http://schemas.microsoft.com/office/powerpoint/2010/main" val="2106924964"/>
+        <p14:creationId xmlns:p14="http://schemas.microsoft.com/office/powerpoint/2010/main" val="2647091800"/>
       </p:ext>
     </p:extLst>
   </p:cSld>
@@ -5783,7 +5782,7 @@
     </p:spTree>
     <p:extLst>
       <p:ext uri="{BB962C8B-B14F-4D97-AF65-F5344CB8AC3E}">
-        <p14:creationId xmlns:p14="http://schemas.microsoft.com/office/powerpoint/2010/main" val="506673237"/>
+        <p14:creationId xmlns:p14="http://schemas.microsoft.com/office/powerpoint/2010/main" val="3603726692"/>
       </p:ext>
     </p:extLst>
   </p:cSld>
@@ -5837,6 +5836,174 @@
           <a:bodyPr/>
           <a:lstStyle/>
           <a:p>
+            <a:endParaRPr lang="en-US" b="0" dirty="0" smtClean="0"/>
+          </a:p>
+        </p:txBody>
+      </p:sp>
+      <p:sp>
+        <p:nvSpPr>
+          <p:cNvPr id="4" name="Slide Number Placeholder 3"/>
+          <p:cNvSpPr>
+            <a:spLocks noGrp="1"/>
+          </p:cNvSpPr>
+          <p:nvPr>
+            <p:ph type="sldNum" sz="quarter" idx="10"/>
+          </p:nvPr>
+        </p:nvSpPr>
+        <p:spPr/>
+        <p:txBody>
+          <a:bodyPr/>
+          <a:lstStyle/>
+          <a:p>
+            <a:fld id="{89029652-62E7-43D6-83B5-097D7B7AA5D8}" type="slidenum">
+              <a:rPr lang="en-US" smtClean="0"/>
+              <a:t>63</a:t>
+            </a:fld>
+            <a:endParaRPr lang="en-US"/>
+          </a:p>
+        </p:txBody>
+      </p:sp>
+    </p:spTree>
+    <p:extLst>
+      <p:ext uri="{BB962C8B-B14F-4D97-AF65-F5344CB8AC3E}">
+        <p14:creationId xmlns:p14="http://schemas.microsoft.com/office/powerpoint/2010/main" val="2106924964"/>
+      </p:ext>
+    </p:extLst>
+  </p:cSld>
+  <p:clrMapOvr>
+    <a:masterClrMapping/>
+  </p:clrMapOvr>
+</p:notes>
+</file>
+
+<file path=ppt/notesSlides/notesSlide64.xml><?xml version="1.0" encoding="utf-8"?>
+<p:notes xmlns:a="http://schemas.openxmlformats.org/drawingml/2006/main" xmlns:r="http://schemas.openxmlformats.org/officeDocument/2006/relationships" xmlns:p="http://schemas.openxmlformats.org/presentationml/2006/main">
+  <p:cSld>
+    <p:spTree>
+      <p:nvGrpSpPr>
+        <p:cNvPr id="1" name=""/>
+        <p:cNvGrpSpPr/>
+        <p:nvPr/>
+      </p:nvGrpSpPr>
+      <p:grpSpPr>
+        <a:xfrm>
+          <a:off x="0" y="0"/>
+          <a:ext cx="0" cy="0"/>
+          <a:chOff x="0" y="0"/>
+          <a:chExt cx="0" cy="0"/>
+        </a:xfrm>
+      </p:grpSpPr>
+      <p:sp>
+        <p:nvSpPr>
+          <p:cNvPr id="2" name="Slide Image Placeholder 1"/>
+          <p:cNvSpPr>
+            <a:spLocks noGrp="1" noRot="1" noChangeAspect="1"/>
+          </p:cNvSpPr>
+          <p:nvPr>
+            <p:ph type="sldImg"/>
+          </p:nvPr>
+        </p:nvSpPr>
+        <p:spPr/>
+      </p:sp>
+      <p:sp>
+        <p:nvSpPr>
+          <p:cNvPr id="3" name="Notes Placeholder 2"/>
+          <p:cNvSpPr>
+            <a:spLocks noGrp="1"/>
+          </p:cNvSpPr>
+          <p:nvPr>
+            <p:ph type="body" idx="1"/>
+          </p:nvPr>
+        </p:nvSpPr>
+        <p:spPr/>
+        <p:txBody>
+          <a:bodyPr/>
+          <a:lstStyle/>
+          <a:p>
+            <a:endParaRPr lang="en-US" b="0" dirty="0" smtClean="0"/>
+          </a:p>
+        </p:txBody>
+      </p:sp>
+      <p:sp>
+        <p:nvSpPr>
+          <p:cNvPr id="4" name="Slide Number Placeholder 3"/>
+          <p:cNvSpPr>
+            <a:spLocks noGrp="1"/>
+          </p:cNvSpPr>
+          <p:nvPr>
+            <p:ph type="sldNum" sz="quarter" idx="10"/>
+          </p:nvPr>
+        </p:nvSpPr>
+        <p:spPr/>
+        <p:txBody>
+          <a:bodyPr/>
+          <a:lstStyle/>
+          <a:p>
+            <a:fld id="{89029652-62E7-43D6-83B5-097D7B7AA5D8}" type="slidenum">
+              <a:rPr lang="en-US" smtClean="0"/>
+              <a:t>64</a:t>
+            </a:fld>
+            <a:endParaRPr lang="en-US"/>
+          </a:p>
+        </p:txBody>
+      </p:sp>
+    </p:spTree>
+    <p:extLst>
+      <p:ext uri="{BB962C8B-B14F-4D97-AF65-F5344CB8AC3E}">
+        <p14:creationId xmlns:p14="http://schemas.microsoft.com/office/powerpoint/2010/main" val="506673237"/>
+      </p:ext>
+    </p:extLst>
+  </p:cSld>
+  <p:clrMapOvr>
+    <a:masterClrMapping/>
+  </p:clrMapOvr>
+</p:notes>
+</file>
+
+<file path=ppt/notesSlides/notesSlide65.xml><?xml version="1.0" encoding="utf-8"?>
+<p:notes xmlns:a="http://schemas.openxmlformats.org/drawingml/2006/main" xmlns:r="http://schemas.openxmlformats.org/officeDocument/2006/relationships" xmlns:p="http://schemas.openxmlformats.org/presentationml/2006/main">
+  <p:cSld>
+    <p:spTree>
+      <p:nvGrpSpPr>
+        <p:cNvPr id="1" name=""/>
+        <p:cNvGrpSpPr/>
+        <p:nvPr/>
+      </p:nvGrpSpPr>
+      <p:grpSpPr>
+        <a:xfrm>
+          <a:off x="0" y="0"/>
+          <a:ext cx="0" cy="0"/>
+          <a:chOff x="0" y="0"/>
+          <a:chExt cx="0" cy="0"/>
+        </a:xfrm>
+      </p:grpSpPr>
+      <p:sp>
+        <p:nvSpPr>
+          <p:cNvPr id="2" name="Slide Image Placeholder 1"/>
+          <p:cNvSpPr>
+            <a:spLocks noGrp="1" noRot="1" noChangeAspect="1"/>
+          </p:cNvSpPr>
+          <p:nvPr>
+            <p:ph type="sldImg"/>
+          </p:nvPr>
+        </p:nvSpPr>
+        <p:spPr/>
+      </p:sp>
+      <p:sp>
+        <p:nvSpPr>
+          <p:cNvPr id="3" name="Notes Placeholder 2"/>
+          <p:cNvSpPr>
+            <a:spLocks noGrp="1"/>
+          </p:cNvSpPr>
+          <p:nvPr>
+            <p:ph type="body" idx="1"/>
+          </p:nvPr>
+        </p:nvSpPr>
+        <p:spPr/>
+        <p:txBody>
+          <a:bodyPr/>
+          <a:lstStyle/>
+          <a:p>
             <a:pPr marL="0" marR="0" indent="0" algn="l" defTabSz="914400" rtl="0" eaLnBrk="1" fontAlgn="auto" latinLnBrk="0" hangingPunct="1">
               <a:lnSpc>
                 <a:spcPct val="100000"/>
@@ -5883,7 +6050,7 @@
           <a:p>
             <a:fld id="{89029652-62E7-43D6-83B5-097D7B7AA5D8}" type="slidenum">
               <a:rPr lang="en-US" smtClean="0"/>
-              <a:t>63</a:t>
+              <a:t>65</a:t>
             </a:fld>
             <a:endParaRPr lang="en-US"/>
           </a:p>
@@ -5893,174 +6060,6 @@
     <p:extLst>
       <p:ext uri="{BB962C8B-B14F-4D97-AF65-F5344CB8AC3E}">
         <p14:creationId xmlns:p14="http://schemas.microsoft.com/office/powerpoint/2010/main" val="1923953829"/>
-      </p:ext>
-    </p:extLst>
-  </p:cSld>
-  <p:clrMapOvr>
-    <a:masterClrMapping/>
-  </p:clrMapOvr>
-</p:notes>
-</file>
-
-<file path=ppt/notesSlides/notesSlide64.xml><?xml version="1.0" encoding="utf-8"?>
-<p:notes xmlns:a="http://schemas.openxmlformats.org/drawingml/2006/main" xmlns:r="http://schemas.openxmlformats.org/officeDocument/2006/relationships" xmlns:p="http://schemas.openxmlformats.org/presentationml/2006/main">
-  <p:cSld>
-    <p:spTree>
-      <p:nvGrpSpPr>
-        <p:cNvPr id="1" name=""/>
-        <p:cNvGrpSpPr/>
-        <p:nvPr/>
-      </p:nvGrpSpPr>
-      <p:grpSpPr>
-        <a:xfrm>
-          <a:off x="0" y="0"/>
-          <a:ext cx="0" cy="0"/>
-          <a:chOff x="0" y="0"/>
-          <a:chExt cx="0" cy="0"/>
-        </a:xfrm>
-      </p:grpSpPr>
-      <p:sp>
-        <p:nvSpPr>
-          <p:cNvPr id="2" name="Slide Image Placeholder 1"/>
-          <p:cNvSpPr>
-            <a:spLocks noGrp="1" noRot="1" noChangeAspect="1"/>
-          </p:cNvSpPr>
-          <p:nvPr>
-            <p:ph type="sldImg"/>
-          </p:nvPr>
-        </p:nvSpPr>
-        <p:spPr/>
-      </p:sp>
-      <p:sp>
-        <p:nvSpPr>
-          <p:cNvPr id="3" name="Notes Placeholder 2"/>
-          <p:cNvSpPr>
-            <a:spLocks noGrp="1"/>
-          </p:cNvSpPr>
-          <p:nvPr>
-            <p:ph type="body" idx="1"/>
-          </p:nvPr>
-        </p:nvSpPr>
-        <p:spPr/>
-        <p:txBody>
-          <a:bodyPr/>
-          <a:lstStyle/>
-          <a:p>
-            <a:endParaRPr lang="en-US" b="0" dirty="0" smtClean="0"/>
-          </a:p>
-        </p:txBody>
-      </p:sp>
-      <p:sp>
-        <p:nvSpPr>
-          <p:cNvPr id="4" name="Slide Number Placeholder 3"/>
-          <p:cNvSpPr>
-            <a:spLocks noGrp="1"/>
-          </p:cNvSpPr>
-          <p:nvPr>
-            <p:ph type="sldNum" sz="quarter" idx="10"/>
-          </p:nvPr>
-        </p:nvSpPr>
-        <p:spPr/>
-        <p:txBody>
-          <a:bodyPr/>
-          <a:lstStyle/>
-          <a:p>
-            <a:fld id="{89029652-62E7-43D6-83B5-097D7B7AA5D8}" type="slidenum">
-              <a:rPr lang="en-US" smtClean="0"/>
-              <a:t>64</a:t>
-            </a:fld>
-            <a:endParaRPr lang="en-US"/>
-          </a:p>
-        </p:txBody>
-      </p:sp>
-    </p:spTree>
-    <p:extLst>
-      <p:ext uri="{BB962C8B-B14F-4D97-AF65-F5344CB8AC3E}">
-        <p14:creationId xmlns:p14="http://schemas.microsoft.com/office/powerpoint/2010/main" val="531577243"/>
-      </p:ext>
-    </p:extLst>
-  </p:cSld>
-  <p:clrMapOvr>
-    <a:masterClrMapping/>
-  </p:clrMapOvr>
-</p:notes>
-</file>
-
-<file path=ppt/notesSlides/notesSlide65.xml><?xml version="1.0" encoding="utf-8"?>
-<p:notes xmlns:a="http://schemas.openxmlformats.org/drawingml/2006/main" xmlns:r="http://schemas.openxmlformats.org/officeDocument/2006/relationships" xmlns:p="http://schemas.openxmlformats.org/presentationml/2006/main">
-  <p:cSld>
-    <p:spTree>
-      <p:nvGrpSpPr>
-        <p:cNvPr id="1" name=""/>
-        <p:cNvGrpSpPr/>
-        <p:nvPr/>
-      </p:nvGrpSpPr>
-      <p:grpSpPr>
-        <a:xfrm>
-          <a:off x="0" y="0"/>
-          <a:ext cx="0" cy="0"/>
-          <a:chOff x="0" y="0"/>
-          <a:chExt cx="0" cy="0"/>
-        </a:xfrm>
-      </p:grpSpPr>
-      <p:sp>
-        <p:nvSpPr>
-          <p:cNvPr id="2" name="Slide Image Placeholder 1"/>
-          <p:cNvSpPr>
-            <a:spLocks noGrp="1" noRot="1" noChangeAspect="1"/>
-          </p:cNvSpPr>
-          <p:nvPr>
-            <p:ph type="sldImg"/>
-          </p:nvPr>
-        </p:nvSpPr>
-        <p:spPr/>
-      </p:sp>
-      <p:sp>
-        <p:nvSpPr>
-          <p:cNvPr id="3" name="Notes Placeholder 2"/>
-          <p:cNvSpPr>
-            <a:spLocks noGrp="1"/>
-          </p:cNvSpPr>
-          <p:nvPr>
-            <p:ph type="body" idx="1"/>
-          </p:nvPr>
-        </p:nvSpPr>
-        <p:spPr/>
-        <p:txBody>
-          <a:bodyPr/>
-          <a:lstStyle/>
-          <a:p>
-            <a:endParaRPr lang="en-US" b="0" dirty="0" smtClean="0"/>
-          </a:p>
-        </p:txBody>
-      </p:sp>
-      <p:sp>
-        <p:nvSpPr>
-          <p:cNvPr id="4" name="Slide Number Placeholder 3"/>
-          <p:cNvSpPr>
-            <a:spLocks noGrp="1"/>
-          </p:cNvSpPr>
-          <p:nvPr>
-            <p:ph type="sldNum" sz="quarter" idx="10"/>
-          </p:nvPr>
-        </p:nvSpPr>
-        <p:spPr/>
-        <p:txBody>
-          <a:bodyPr/>
-          <a:lstStyle/>
-          <a:p>
-            <a:fld id="{89029652-62E7-43D6-83B5-097D7B7AA5D8}" type="slidenum">
-              <a:rPr lang="en-US" smtClean="0"/>
-              <a:t>65</a:t>
-            </a:fld>
-            <a:endParaRPr lang="en-US"/>
-          </a:p>
-        </p:txBody>
-      </p:sp>
-    </p:spTree>
-    <p:extLst>
-      <p:ext uri="{BB962C8B-B14F-4D97-AF65-F5344CB8AC3E}">
-        <p14:creationId xmlns:p14="http://schemas.microsoft.com/office/powerpoint/2010/main" val="2079785236"/>
       </p:ext>
     </p:extLst>
   </p:cSld>
@@ -6144,7 +6143,7 @@
     </p:spTree>
     <p:extLst>
       <p:ext uri="{BB962C8B-B14F-4D97-AF65-F5344CB8AC3E}">
-        <p14:creationId xmlns:p14="http://schemas.microsoft.com/office/powerpoint/2010/main" val="1664318980"/>
+        <p14:creationId xmlns:p14="http://schemas.microsoft.com/office/powerpoint/2010/main" val="531577243"/>
       </p:ext>
     </p:extLst>
   </p:cSld>
@@ -6228,7 +6227,7 @@
     </p:spTree>
     <p:extLst>
       <p:ext uri="{BB962C8B-B14F-4D97-AF65-F5344CB8AC3E}">
-        <p14:creationId xmlns:p14="http://schemas.microsoft.com/office/powerpoint/2010/main" val="1581406028"/>
+        <p14:creationId xmlns:p14="http://schemas.microsoft.com/office/powerpoint/2010/main" val="2079785236"/>
       </p:ext>
     </p:extLst>
   </p:cSld>
@@ -6312,7 +6311,7 @@
     </p:spTree>
     <p:extLst>
       <p:ext uri="{BB962C8B-B14F-4D97-AF65-F5344CB8AC3E}">
-        <p14:creationId xmlns:p14="http://schemas.microsoft.com/office/powerpoint/2010/main" val="299799724"/>
+        <p14:creationId xmlns:p14="http://schemas.microsoft.com/office/powerpoint/2010/main" val="1664318980"/>
       </p:ext>
     </p:extLst>
   </p:cSld>
@@ -6396,7 +6395,7 @@
     </p:spTree>
     <p:extLst>
       <p:ext uri="{BB962C8B-B14F-4D97-AF65-F5344CB8AC3E}">
-        <p14:creationId xmlns:p14="http://schemas.microsoft.com/office/powerpoint/2010/main" val="2229440876"/>
+        <p14:creationId xmlns:p14="http://schemas.microsoft.com/office/powerpoint/2010/main" val="1581406028"/>
       </p:ext>
     </p:extLst>
   </p:cSld>
@@ -6564,7 +6563,7 @@
     </p:spTree>
     <p:extLst>
       <p:ext uri="{BB962C8B-B14F-4D97-AF65-F5344CB8AC3E}">
-        <p14:creationId xmlns:p14="http://schemas.microsoft.com/office/powerpoint/2010/main" val="2350728921"/>
+        <p14:creationId xmlns:p14="http://schemas.microsoft.com/office/powerpoint/2010/main" val="299799724"/>
       </p:ext>
     </p:extLst>
   </p:cSld>
@@ -6648,7 +6647,7 @@
     </p:spTree>
     <p:extLst>
       <p:ext uri="{BB962C8B-B14F-4D97-AF65-F5344CB8AC3E}">
-        <p14:creationId xmlns:p14="http://schemas.microsoft.com/office/powerpoint/2010/main" val="1004591723"/>
+        <p14:creationId xmlns:p14="http://schemas.microsoft.com/office/powerpoint/2010/main" val="2229440876"/>
       </p:ext>
     </p:extLst>
   </p:cSld>
@@ -6732,7 +6731,7 @@
     </p:spTree>
     <p:extLst>
       <p:ext uri="{BB962C8B-B14F-4D97-AF65-F5344CB8AC3E}">
-        <p14:creationId xmlns:p14="http://schemas.microsoft.com/office/powerpoint/2010/main" val="1737165775"/>
+        <p14:creationId xmlns:p14="http://schemas.microsoft.com/office/powerpoint/2010/main" val="2350728921"/>
       </p:ext>
     </p:extLst>
   </p:cSld>
@@ -6816,7 +6815,7 @@
     </p:spTree>
     <p:extLst>
       <p:ext uri="{BB962C8B-B14F-4D97-AF65-F5344CB8AC3E}">
-        <p14:creationId xmlns:p14="http://schemas.microsoft.com/office/powerpoint/2010/main" val="1030293071"/>
+        <p14:creationId xmlns:p14="http://schemas.microsoft.com/office/powerpoint/2010/main" val="1004591723"/>
       </p:ext>
     </p:extLst>
   </p:cSld>
@@ -6900,7 +6899,7 @@
     </p:spTree>
     <p:extLst>
       <p:ext uri="{BB962C8B-B14F-4D97-AF65-F5344CB8AC3E}">
-        <p14:creationId xmlns:p14="http://schemas.microsoft.com/office/powerpoint/2010/main" val="834707851"/>
+        <p14:creationId xmlns:p14="http://schemas.microsoft.com/office/powerpoint/2010/main" val="1737165775"/>
       </p:ext>
     </p:extLst>
   </p:cSld>
@@ -6984,7 +6983,7 @@
     </p:spTree>
     <p:extLst>
       <p:ext uri="{BB962C8B-B14F-4D97-AF65-F5344CB8AC3E}">
-        <p14:creationId xmlns:p14="http://schemas.microsoft.com/office/powerpoint/2010/main" val="1542746690"/>
+        <p14:creationId xmlns:p14="http://schemas.microsoft.com/office/powerpoint/2010/main" val="1030293071"/>
       </p:ext>
     </p:extLst>
   </p:cSld>
@@ -7068,7 +7067,7 @@
     </p:spTree>
     <p:extLst>
       <p:ext uri="{BB962C8B-B14F-4D97-AF65-F5344CB8AC3E}">
-        <p14:creationId xmlns:p14="http://schemas.microsoft.com/office/powerpoint/2010/main" val="3271074343"/>
+        <p14:creationId xmlns:p14="http://schemas.microsoft.com/office/powerpoint/2010/main" val="834707851"/>
       </p:ext>
     </p:extLst>
   </p:cSld>
@@ -7152,99 +7151,7 @@
     </p:spTree>
     <p:extLst>
       <p:ext uri="{BB962C8B-B14F-4D97-AF65-F5344CB8AC3E}">
-        <p14:creationId xmlns:p14="http://schemas.microsoft.com/office/powerpoint/2010/main" val="2298775834"/>
-      </p:ext>
-    </p:extLst>
-  </p:cSld>
-  <p:clrMapOvr>
-    <a:masterClrMapping/>
-  </p:clrMapOvr>
-</p:notes>
-</file>
-
-<file path=ppt/notesSlides/notesSlide78.xml><?xml version="1.0" encoding="utf-8"?>
-<p:notes xmlns:a="http://schemas.openxmlformats.org/drawingml/2006/main" xmlns:r="http://schemas.openxmlformats.org/officeDocument/2006/relationships" xmlns:p="http://schemas.openxmlformats.org/presentationml/2006/main">
-  <p:cSld>
-    <p:spTree>
-      <p:nvGrpSpPr>
-        <p:cNvPr id="1" name=""/>
-        <p:cNvGrpSpPr/>
-        <p:nvPr/>
-      </p:nvGrpSpPr>
-      <p:grpSpPr>
-        <a:xfrm>
-          <a:off x="0" y="0"/>
-          <a:ext cx="0" cy="0"/>
-          <a:chOff x="0" y="0"/>
-          <a:chExt cx="0" cy="0"/>
-        </a:xfrm>
-      </p:grpSpPr>
-      <p:sp>
-        <p:nvSpPr>
-          <p:cNvPr id="2" name="Slide Image Placeholder 1"/>
-          <p:cNvSpPr>
-            <a:spLocks noGrp="1" noRot="1" noChangeAspect="1"/>
-          </p:cNvSpPr>
-          <p:nvPr>
-            <p:ph type="sldImg"/>
-          </p:nvPr>
-        </p:nvSpPr>
-        <p:spPr/>
-      </p:sp>
-      <p:sp>
-        <p:nvSpPr>
-          <p:cNvPr id="3" name="Notes Placeholder 2"/>
-          <p:cNvSpPr>
-            <a:spLocks noGrp="1"/>
-          </p:cNvSpPr>
-          <p:nvPr>
-            <p:ph type="body" idx="1"/>
-          </p:nvPr>
-        </p:nvSpPr>
-        <p:spPr/>
-        <p:txBody>
-          <a:bodyPr/>
-          <a:lstStyle/>
-          <a:p>
-            <a:endParaRPr lang="en-US" sz="1200" kern="1200" dirty="0" smtClean="0">
-              <a:solidFill>
-                <a:schemeClr val="tx1"/>
-              </a:solidFill>
-              <a:effectLst/>
-              <a:latin typeface="+mn-lt"/>
-              <a:ea typeface="+mn-ea"/>
-              <a:cs typeface="+mn-cs"/>
-            </a:endParaRPr>
-          </a:p>
-        </p:txBody>
-      </p:sp>
-      <p:sp>
-        <p:nvSpPr>
-          <p:cNvPr id="4" name="Slide Number Placeholder 3"/>
-          <p:cNvSpPr>
-            <a:spLocks noGrp="1"/>
-          </p:cNvSpPr>
-          <p:nvPr>
-            <p:ph type="sldNum" sz="quarter" idx="10"/>
-          </p:nvPr>
-        </p:nvSpPr>
-        <p:spPr/>
-        <p:txBody>
-          <a:bodyPr/>
-          <a:lstStyle/>
-          <a:p>
-            <a:fld id="{89029652-62E7-43D6-83B5-097D7B7AA5D8}" type="slidenum">
-              <a:rPr lang="en-US" smtClean="0"/>
-              <a:t>78</a:t>
-            </a:fld>
-            <a:endParaRPr lang="en-US"/>
-          </a:p>
-        </p:txBody>
-      </p:sp>
-    </p:spTree>
-    <p:extLst>
-      <p:ext uri="{BB962C8B-B14F-4D97-AF65-F5344CB8AC3E}">
-        <p14:creationId xmlns:p14="http://schemas.microsoft.com/office/powerpoint/2010/main" val="2813022412"/>
+        <p14:creationId xmlns:p14="http://schemas.microsoft.com/office/powerpoint/2010/main" val="1748055161"/>
       </p:ext>
     </p:extLst>
   </p:cSld>
@@ -10525,6 +10432,220 @@
             <p:ph type="title"/>
           </p:nvPr>
         </p:nvSpPr>
+        <p:spPr/>
+        <p:txBody>
+          <a:bodyPr>
+            <a:normAutofit/>
+          </a:bodyPr>
+          <a:lstStyle/>
+          <a:p>
+            <a:r>
+              <a:rPr lang="en-US" sz="4800" dirty="0" smtClean="0"/>
+              <a:t>What framework stuff can I tap into?</a:t>
+            </a:r>
+            <a:endParaRPr lang="en-US" sz="4800" dirty="0"/>
+          </a:p>
+        </p:txBody>
+      </p:sp>
+      <p:sp>
+        <p:nvSpPr>
+          <p:cNvPr id="3" name="Content Placeholder 2"/>
+          <p:cNvSpPr>
+            <a:spLocks noGrp="1"/>
+          </p:cNvSpPr>
+          <p:nvPr>
+            <p:ph idx="1"/>
+          </p:nvPr>
+        </p:nvSpPr>
+        <p:spPr>
+          <a:xfrm>
+            <a:off x="838200" y="1825624"/>
+            <a:ext cx="10515600" cy="4899641"/>
+          </a:xfrm>
+        </p:spPr>
+        <p:txBody>
+          <a:bodyPr>
+            <a:normAutofit/>
+          </a:bodyPr>
+          <a:lstStyle/>
+          <a:p>
+            <a:r>
+              <a:rPr lang="en-US" sz="4000" dirty="0" smtClean="0"/>
+              <a:t>MVC </a:t>
+            </a:r>
+            <a:r>
+              <a:rPr lang="en-US" sz="4000" dirty="0" err="1" smtClean="0"/>
+              <a:t>ActionFilter</a:t>
+            </a:r>
+            <a:r>
+              <a:rPr lang="en-US" sz="4000" dirty="0" smtClean="0"/>
+              <a:t> attributes (</a:t>
+            </a:r>
+            <a:r>
+              <a:rPr lang="en-US" sz="4000" i="1" dirty="0" err="1" smtClean="0"/>
+              <a:t>OnActionExecuting</a:t>
+            </a:r>
+            <a:r>
+              <a:rPr lang="en-US" sz="4000" i="1" dirty="0" smtClean="0"/>
+              <a:t>)</a:t>
+            </a:r>
+            <a:br>
+              <a:rPr lang="en-US" sz="4000" i="1" dirty="0" smtClean="0"/>
+            </a:br>
+            <a:endParaRPr lang="en-US" sz="4000" dirty="0" smtClean="0"/>
+          </a:p>
+          <a:p>
+            <a:r>
+              <a:rPr lang="en-US" sz="4000" dirty="0" smtClean="0"/>
+              <a:t>ORM interceptors (</a:t>
+            </a:r>
+            <a:r>
+              <a:rPr lang="en-US" sz="4000" i="1" dirty="0" smtClean="0"/>
+              <a:t>connection opened)</a:t>
+            </a:r>
+            <a:br>
+              <a:rPr lang="en-US" sz="4000" i="1" dirty="0" smtClean="0"/>
+            </a:br>
+            <a:endParaRPr lang="en-US" sz="4000" dirty="0" smtClean="0"/>
+          </a:p>
+          <a:p>
+            <a:r>
+              <a:rPr lang="en-US" sz="4000" dirty="0" smtClean="0"/>
+              <a:t>jQuery AJAX events (</a:t>
+            </a:r>
+            <a:r>
+              <a:rPr lang="en-US" sz="4000" i="1" dirty="0" err="1" smtClean="0"/>
+              <a:t>ajaxStart</a:t>
+            </a:r>
+            <a:r>
+              <a:rPr lang="en-US" sz="4000" i="1" dirty="0" smtClean="0"/>
+              <a:t>, </a:t>
+            </a:r>
+            <a:r>
+              <a:rPr lang="en-US" sz="4000" i="1" dirty="0" err="1" smtClean="0"/>
+              <a:t>ajaxEnd</a:t>
+            </a:r>
+            <a:r>
+              <a:rPr lang="en-US" sz="4000" i="1" dirty="0" smtClean="0"/>
+              <a:t>, </a:t>
+            </a:r>
+            <a:r>
+              <a:rPr lang="en-US" sz="4000" i="1" dirty="0" err="1" smtClean="0"/>
+              <a:t>ajaxPrefilter</a:t>
+            </a:r>
+            <a:r>
+              <a:rPr lang="en-US" sz="4000" i="1" dirty="0" smtClean="0"/>
+              <a:t>)</a:t>
+            </a:r>
+            <a:br>
+              <a:rPr lang="en-US" sz="4000" i="1" dirty="0" smtClean="0"/>
+            </a:br>
+            <a:endParaRPr lang="en-US" sz="4000" i="1" dirty="0" smtClean="0"/>
+          </a:p>
+          <a:p>
+            <a:r>
+              <a:rPr lang="en-US" sz="4000" dirty="0" err="1" smtClean="0"/>
+              <a:t>PostSharp</a:t>
+            </a:r>
+            <a:r>
+              <a:rPr lang="en-US" sz="4000" dirty="0" smtClean="0"/>
+              <a:t> (</a:t>
+            </a:r>
+            <a:r>
+              <a:rPr lang="en-US" sz="4000" i="1" dirty="0" smtClean="0"/>
+              <a:t>property access, method boundaries</a:t>
+            </a:r>
+            <a:r>
+              <a:rPr lang="en-US" sz="4000" dirty="0" smtClean="0"/>
+              <a:t>)</a:t>
+            </a:r>
+            <a:endParaRPr lang="en-US" sz="4000" dirty="0" smtClean="0"/>
+          </a:p>
+          <a:p>
+            <a:endParaRPr lang="en-US" sz="3200" dirty="0" smtClean="0"/>
+          </a:p>
+          <a:p>
+            <a:pPr marL="0" indent="0">
+              <a:buNone/>
+            </a:pPr>
+            <a:endParaRPr lang="en-US" sz="3200" dirty="0" smtClean="0"/>
+          </a:p>
+          <a:p>
+            <a:pPr marL="0" indent="0">
+              <a:buNone/>
+            </a:pPr>
+            <a:endParaRPr lang="en-US" sz="4000" dirty="0" smtClean="0"/>
+          </a:p>
+          <a:p>
+            <a:endParaRPr lang="en-US" sz="4000" dirty="0"/>
+          </a:p>
+          <a:p>
+            <a:endParaRPr lang="en-US" sz="4000" dirty="0"/>
+          </a:p>
+          <a:p>
+            <a:endParaRPr lang="en-US" sz="4000" dirty="0" smtClean="0"/>
+          </a:p>
+          <a:p>
+            <a:endParaRPr lang="en-US" sz="4000" dirty="0" smtClean="0"/>
+          </a:p>
+          <a:p>
+            <a:endParaRPr lang="en-US" dirty="0" smtClean="0"/>
+          </a:p>
+          <a:p>
+            <a:endParaRPr lang="en-US" dirty="0" smtClean="0"/>
+          </a:p>
+          <a:p>
+            <a:endParaRPr lang="en-US" dirty="0"/>
+          </a:p>
+        </p:txBody>
+      </p:sp>
+    </p:spTree>
+    <p:extLst>
+      <p:ext uri="{BB962C8B-B14F-4D97-AF65-F5344CB8AC3E}">
+        <p14:creationId xmlns:p14="http://schemas.microsoft.com/office/powerpoint/2010/main" val="883969631"/>
+      </p:ext>
+    </p:extLst>
+  </p:cSld>
+  <p:clrMapOvr>
+    <a:masterClrMapping/>
+  </p:clrMapOvr>
+  <p:timing>
+    <p:tnLst>
+      <p:par>
+        <p:cTn id="1" dur="indefinite" restart="never" nodeType="tmRoot"/>
+      </p:par>
+    </p:tnLst>
+  </p:timing>
+</p:sld>
+</file>
+
+<file path=ppt/slides/slide11.xml><?xml version="1.0" encoding="utf-8"?>
+<p:sld xmlns:a="http://schemas.openxmlformats.org/drawingml/2006/main" xmlns:r="http://schemas.openxmlformats.org/officeDocument/2006/relationships" xmlns:p="http://schemas.openxmlformats.org/presentationml/2006/main">
+  <p:cSld>
+    <p:spTree>
+      <p:nvGrpSpPr>
+        <p:cNvPr id="1" name=""/>
+        <p:cNvGrpSpPr/>
+        <p:nvPr/>
+      </p:nvGrpSpPr>
+      <p:grpSpPr>
+        <a:xfrm>
+          <a:off x="0" y="0"/>
+          <a:ext cx="0" cy="0"/>
+          <a:chOff x="0" y="0"/>
+          <a:chExt cx="0" cy="0"/>
+        </a:xfrm>
+      </p:grpSpPr>
+      <p:sp>
+        <p:nvSpPr>
+          <p:cNvPr id="2" name="Title 1"/>
+          <p:cNvSpPr>
+            <a:spLocks noGrp="1"/>
+          </p:cNvSpPr>
+          <p:nvPr>
+            <p:ph type="title"/>
+          </p:nvPr>
+        </p:nvSpPr>
         <p:spPr>
           <a:xfrm>
             <a:off x="838200" y="1574493"/>
@@ -10622,7 +10743,7 @@
 </p:sld>
 </file>
 
-<file path=ppt/slides/slide11.xml><?xml version="1.0" encoding="utf-8"?>
+<file path=ppt/slides/slide12.xml><?xml version="1.0" encoding="utf-8"?>
 <p:sld xmlns:a="http://schemas.openxmlformats.org/drawingml/2006/main" xmlns:r="http://schemas.openxmlformats.org/officeDocument/2006/relationships" xmlns:p="http://schemas.openxmlformats.org/presentationml/2006/main">
   <p:cSld>
     <p:spTree>
@@ -10841,7 +10962,7 @@
 </p:sld>
 </file>
 
-<file path=ppt/slides/slide12.xml><?xml version="1.0" encoding="utf-8"?>
+<file path=ppt/slides/slide13.xml><?xml version="1.0" encoding="utf-8"?>
 <p:sld xmlns:a="http://schemas.openxmlformats.org/drawingml/2006/main" xmlns:r="http://schemas.openxmlformats.org/officeDocument/2006/relationships" xmlns:p="http://schemas.openxmlformats.org/presentationml/2006/main">
   <p:cSld>
     <p:spTree>
@@ -11060,7 +11181,7 @@
 </p:sld>
 </file>
 
-<file path=ppt/slides/slide13.xml><?xml version="1.0" encoding="utf-8"?>
+<file path=ppt/slides/slide14.xml><?xml version="1.0" encoding="utf-8"?>
 <p:sld xmlns:a="http://schemas.openxmlformats.org/drawingml/2006/main" xmlns:r="http://schemas.openxmlformats.org/officeDocument/2006/relationships" xmlns:p="http://schemas.openxmlformats.org/presentationml/2006/main">
   <p:cSld>
     <p:spTree>
@@ -11211,7 +11332,7 @@
 </p:sld>
 </file>
 
-<file path=ppt/slides/slide14.xml><?xml version="1.0" encoding="utf-8"?>
+<file path=ppt/slides/slide15.xml><?xml version="1.0" encoding="utf-8"?>
 <p:sld xmlns:a="http://schemas.openxmlformats.org/drawingml/2006/main" xmlns:r="http://schemas.openxmlformats.org/officeDocument/2006/relationships" xmlns:p="http://schemas.openxmlformats.org/presentationml/2006/main">
   <p:cSld>
     <p:spTree>
@@ -11362,7 +11483,7 @@
 </p:sld>
 </file>
 
-<file path=ppt/slides/slide15.xml><?xml version="1.0" encoding="utf-8"?>
+<file path=ppt/slides/slide16.xml><?xml version="1.0" encoding="utf-8"?>
 <p:sld xmlns:a="http://schemas.openxmlformats.org/drawingml/2006/main" xmlns:r="http://schemas.openxmlformats.org/officeDocument/2006/relationships" xmlns:p="http://schemas.openxmlformats.org/presentationml/2006/main">
   <p:cSld>
     <p:spTree>
@@ -11489,7 +11610,7 @@
 </p:sld>
 </file>
 
-<file path=ppt/slides/slide16.xml><?xml version="1.0" encoding="utf-8"?>
+<file path=ppt/slides/slide17.xml><?xml version="1.0" encoding="utf-8"?>
 <p:sld xmlns:a="http://schemas.openxmlformats.org/drawingml/2006/main" xmlns:r="http://schemas.openxmlformats.org/officeDocument/2006/relationships" xmlns:p="http://schemas.openxmlformats.org/presentationml/2006/main">
   <p:cSld>
     <p:spTree>
@@ -11600,133 +11721,6 @@
     <p:extLst>
       <p:ext uri="{BB962C8B-B14F-4D97-AF65-F5344CB8AC3E}">
         <p14:creationId xmlns:p14="http://schemas.microsoft.com/office/powerpoint/2010/main" val="523276211"/>
-      </p:ext>
-    </p:extLst>
-  </p:cSld>
-  <p:clrMapOvr>
-    <a:masterClrMapping/>
-  </p:clrMapOvr>
-  <p:timing>
-    <p:tnLst>
-      <p:par>
-        <p:cTn id="1" dur="indefinite" restart="never" nodeType="tmRoot"/>
-      </p:par>
-    </p:tnLst>
-  </p:timing>
-</p:sld>
-</file>
-
-<file path=ppt/slides/slide17.xml><?xml version="1.0" encoding="utf-8"?>
-<p:sld xmlns:a="http://schemas.openxmlformats.org/drawingml/2006/main" xmlns:r="http://schemas.openxmlformats.org/officeDocument/2006/relationships" xmlns:p="http://schemas.openxmlformats.org/presentationml/2006/main">
-  <p:cSld>
-    <p:spTree>
-      <p:nvGrpSpPr>
-        <p:cNvPr id="1" name=""/>
-        <p:cNvGrpSpPr/>
-        <p:nvPr/>
-      </p:nvGrpSpPr>
-      <p:grpSpPr>
-        <a:xfrm>
-          <a:off x="0" y="0"/>
-          <a:ext cx="0" cy="0"/>
-          <a:chOff x="0" y="0"/>
-          <a:chExt cx="0" cy="0"/>
-        </a:xfrm>
-      </p:grpSpPr>
-      <p:pic>
-        <p:nvPicPr>
-          <p:cNvPr id="6" name="Picture 5"/>
-          <p:cNvPicPr>
-            <a:picLocks noChangeAspect="1"/>
-          </p:cNvPicPr>
-          <p:nvPr/>
-        </p:nvPicPr>
-        <p:blipFill>
-          <a:blip r:embed="rId3"/>
-          <a:stretch>
-            <a:fillRect/>
-          </a:stretch>
-        </p:blipFill>
-        <p:spPr>
-          <a:xfrm>
-            <a:off x="533392" y="2193260"/>
-            <a:ext cx="10783355" cy="4561500"/>
-          </a:xfrm>
-          <a:prstGeom prst="rect">
-            <a:avLst/>
-          </a:prstGeom>
-        </p:spPr>
-      </p:pic>
-      <p:sp>
-        <p:nvSpPr>
-          <p:cNvPr id="2" name="Title 1"/>
-          <p:cNvSpPr>
-            <a:spLocks noGrp="1"/>
-          </p:cNvSpPr>
-          <p:nvPr>
-            <p:ph type="title"/>
-          </p:nvPr>
-        </p:nvSpPr>
-        <p:spPr/>
-        <p:txBody>
-          <a:bodyPr>
-            <a:normAutofit/>
-          </a:bodyPr>
-          <a:lstStyle/>
-          <a:p>
-            <a:r>
-              <a:rPr lang="en-US" sz="4800" dirty="0" smtClean="0"/>
-              <a:t>"Cross cutting" concerns</a:t>
-            </a:r>
-            <a:endParaRPr lang="en-US" sz="4800" dirty="0"/>
-          </a:p>
-        </p:txBody>
-      </p:sp>
-      <p:sp>
-        <p:nvSpPr>
-          <p:cNvPr id="3" name="Content Placeholder 2"/>
-          <p:cNvSpPr>
-            <a:spLocks noGrp="1"/>
-          </p:cNvSpPr>
-          <p:nvPr>
-            <p:ph idx="1"/>
-          </p:nvPr>
-        </p:nvSpPr>
-        <p:spPr>
-          <a:xfrm>
-            <a:off x="838200" y="1825624"/>
-            <a:ext cx="10515600" cy="4589923"/>
-          </a:xfrm>
-        </p:spPr>
-        <p:txBody>
-          <a:bodyPr>
-            <a:normAutofit/>
-          </a:bodyPr>
-          <a:lstStyle/>
-          <a:p>
-            <a:endParaRPr lang="en-US" sz="4000" dirty="0"/>
-          </a:p>
-          <a:p>
-            <a:endParaRPr lang="en-US" sz="4000" dirty="0" smtClean="0"/>
-          </a:p>
-          <a:p>
-            <a:endParaRPr lang="en-US" sz="4000" dirty="0" smtClean="0"/>
-          </a:p>
-          <a:p>
-            <a:endParaRPr lang="en-US" dirty="0" smtClean="0"/>
-          </a:p>
-          <a:p>
-            <a:endParaRPr lang="en-US" dirty="0" smtClean="0"/>
-          </a:p>
-          <a:p>
-            <a:endParaRPr lang="en-US" dirty="0"/>
-          </a:p>
-        </p:txBody>
-      </p:sp>
-    </p:spTree>
-    <p:extLst>
-      <p:ext uri="{BB962C8B-B14F-4D97-AF65-F5344CB8AC3E}">
-        <p14:creationId xmlns:p14="http://schemas.microsoft.com/office/powerpoint/2010/main" val="3351071678"/>
       </p:ext>
     </p:extLst>
   </p:cSld>
@@ -11850,34 +11844,10 @@
           </a:p>
         </p:txBody>
       </p:sp>
-      <p:pic>
-        <p:nvPicPr>
-          <p:cNvPr id="4" name="Picture 3"/>
-          <p:cNvPicPr>
-            <a:picLocks noChangeAspect="1"/>
-          </p:cNvPicPr>
-          <p:nvPr/>
-        </p:nvPicPr>
-        <p:blipFill>
-          <a:blip r:embed="rId4"/>
-          <a:stretch>
-            <a:fillRect/>
-          </a:stretch>
-        </p:blipFill>
-        <p:spPr>
-          <a:xfrm>
-            <a:off x="3840103" y="1742919"/>
-            <a:ext cx="7781452" cy="2377666"/>
-          </a:xfrm>
-          <a:prstGeom prst="rect">
-            <a:avLst/>
-          </a:prstGeom>
-        </p:spPr>
-      </p:pic>
     </p:spTree>
     <p:extLst>
       <p:ext uri="{BB962C8B-B14F-4D97-AF65-F5344CB8AC3E}">
-        <p14:creationId xmlns:p14="http://schemas.microsoft.com/office/powerpoint/2010/main" val="1750226626"/>
+        <p14:creationId xmlns:p14="http://schemas.microsoft.com/office/powerpoint/2010/main" val="3351071678"/>
       </p:ext>
     </p:extLst>
   </p:cSld>
@@ -12017,8 +11987,8 @@
         </p:blipFill>
         <p:spPr>
           <a:xfrm>
-            <a:off x="3847789" y="1690688"/>
-            <a:ext cx="7198579" cy="2451408"/>
+            <a:off x="3840103" y="1742919"/>
+            <a:ext cx="7781452" cy="2377666"/>
           </a:xfrm>
           <a:prstGeom prst="rect">
             <a:avLst/>
@@ -12028,7 +11998,7 @@
     </p:spTree>
     <p:extLst>
       <p:ext uri="{BB962C8B-B14F-4D97-AF65-F5344CB8AC3E}">
-        <p14:creationId xmlns:p14="http://schemas.microsoft.com/office/powerpoint/2010/main" val="841446169"/>
+        <p14:creationId xmlns:p14="http://schemas.microsoft.com/office/powerpoint/2010/main" val="1750226626"/>
       </p:ext>
     </p:extLst>
   </p:cSld>
@@ -12222,6 +12192,157 @@
       </p:sp>
       <p:pic>
         <p:nvPicPr>
+          <p:cNvPr id="4" name="Picture 3"/>
+          <p:cNvPicPr>
+            <a:picLocks noChangeAspect="1"/>
+          </p:cNvPicPr>
+          <p:nvPr/>
+        </p:nvPicPr>
+        <p:blipFill>
+          <a:blip r:embed="rId4"/>
+          <a:stretch>
+            <a:fillRect/>
+          </a:stretch>
+        </p:blipFill>
+        <p:spPr>
+          <a:xfrm>
+            <a:off x="3847789" y="1690688"/>
+            <a:ext cx="7198579" cy="2451408"/>
+          </a:xfrm>
+          <a:prstGeom prst="rect">
+            <a:avLst/>
+          </a:prstGeom>
+        </p:spPr>
+      </p:pic>
+    </p:spTree>
+    <p:extLst>
+      <p:ext uri="{BB962C8B-B14F-4D97-AF65-F5344CB8AC3E}">
+        <p14:creationId xmlns:p14="http://schemas.microsoft.com/office/powerpoint/2010/main" val="841446169"/>
+      </p:ext>
+    </p:extLst>
+  </p:cSld>
+  <p:clrMapOvr>
+    <a:masterClrMapping/>
+  </p:clrMapOvr>
+  <p:timing>
+    <p:tnLst>
+      <p:par>
+        <p:cTn id="1" dur="indefinite" restart="never" nodeType="tmRoot"/>
+      </p:par>
+    </p:tnLst>
+  </p:timing>
+</p:sld>
+</file>
+
+<file path=ppt/slides/slide21.xml><?xml version="1.0" encoding="utf-8"?>
+<p:sld xmlns:a="http://schemas.openxmlformats.org/drawingml/2006/main" xmlns:r="http://schemas.openxmlformats.org/officeDocument/2006/relationships" xmlns:p="http://schemas.openxmlformats.org/presentationml/2006/main">
+  <p:cSld>
+    <p:spTree>
+      <p:nvGrpSpPr>
+        <p:cNvPr id="1" name=""/>
+        <p:cNvGrpSpPr/>
+        <p:nvPr/>
+      </p:nvGrpSpPr>
+      <p:grpSpPr>
+        <a:xfrm>
+          <a:off x="0" y="0"/>
+          <a:ext cx="0" cy="0"/>
+          <a:chOff x="0" y="0"/>
+          <a:chExt cx="0" cy="0"/>
+        </a:xfrm>
+      </p:grpSpPr>
+      <p:pic>
+        <p:nvPicPr>
+          <p:cNvPr id="6" name="Picture 5"/>
+          <p:cNvPicPr>
+            <a:picLocks noChangeAspect="1"/>
+          </p:cNvPicPr>
+          <p:nvPr/>
+        </p:nvPicPr>
+        <p:blipFill>
+          <a:blip r:embed="rId3"/>
+          <a:stretch>
+            <a:fillRect/>
+          </a:stretch>
+        </p:blipFill>
+        <p:spPr>
+          <a:xfrm>
+            <a:off x="533392" y="2193260"/>
+            <a:ext cx="10783355" cy="4561500"/>
+          </a:xfrm>
+          <a:prstGeom prst="rect">
+            <a:avLst/>
+          </a:prstGeom>
+        </p:spPr>
+      </p:pic>
+      <p:sp>
+        <p:nvSpPr>
+          <p:cNvPr id="2" name="Title 1"/>
+          <p:cNvSpPr>
+            <a:spLocks noGrp="1"/>
+          </p:cNvSpPr>
+          <p:nvPr>
+            <p:ph type="title"/>
+          </p:nvPr>
+        </p:nvSpPr>
+        <p:spPr/>
+        <p:txBody>
+          <a:bodyPr>
+            <a:normAutofit/>
+          </a:bodyPr>
+          <a:lstStyle/>
+          <a:p>
+            <a:r>
+              <a:rPr lang="en-US" sz="4800" dirty="0" smtClean="0"/>
+              <a:t>"Cross cutting" concerns</a:t>
+            </a:r>
+            <a:endParaRPr lang="en-US" sz="4800" dirty="0"/>
+          </a:p>
+        </p:txBody>
+      </p:sp>
+      <p:sp>
+        <p:nvSpPr>
+          <p:cNvPr id="3" name="Content Placeholder 2"/>
+          <p:cNvSpPr>
+            <a:spLocks noGrp="1"/>
+          </p:cNvSpPr>
+          <p:nvPr>
+            <p:ph idx="1"/>
+          </p:nvPr>
+        </p:nvSpPr>
+        <p:spPr>
+          <a:xfrm>
+            <a:off x="838200" y="1825624"/>
+            <a:ext cx="10515600" cy="4589923"/>
+          </a:xfrm>
+        </p:spPr>
+        <p:txBody>
+          <a:bodyPr>
+            <a:normAutofit/>
+          </a:bodyPr>
+          <a:lstStyle/>
+          <a:p>
+            <a:endParaRPr lang="en-US" sz="4000" dirty="0"/>
+          </a:p>
+          <a:p>
+            <a:endParaRPr lang="en-US" sz="4000" dirty="0" smtClean="0"/>
+          </a:p>
+          <a:p>
+            <a:endParaRPr lang="en-US" sz="4000" dirty="0" smtClean="0"/>
+          </a:p>
+          <a:p>
+            <a:endParaRPr lang="en-US" dirty="0" smtClean="0"/>
+          </a:p>
+          <a:p>
+            <a:endParaRPr lang="en-US" dirty="0" smtClean="0"/>
+          </a:p>
+          <a:p>
+            <a:endParaRPr lang="en-US" dirty="0"/>
+          </a:p>
+        </p:txBody>
+      </p:sp>
+      <p:pic>
+        <p:nvPicPr>
           <p:cNvPr id="5" name="Picture 4"/>
           <p:cNvPicPr>
             <a:picLocks noChangeAspect="1"/>
@@ -12264,133 +12385,6 @@
 </p:sld>
 </file>
 
-<file path=ppt/slides/slide21.xml><?xml version="1.0" encoding="utf-8"?>
-<p:sld xmlns:a="http://schemas.openxmlformats.org/drawingml/2006/main" xmlns:r="http://schemas.openxmlformats.org/officeDocument/2006/relationships" xmlns:p="http://schemas.openxmlformats.org/presentationml/2006/main">
-  <p:cSld>
-    <p:spTree>
-      <p:nvGrpSpPr>
-        <p:cNvPr id="1" name=""/>
-        <p:cNvGrpSpPr/>
-        <p:nvPr/>
-      </p:nvGrpSpPr>
-      <p:grpSpPr>
-        <a:xfrm>
-          <a:off x="0" y="0"/>
-          <a:ext cx="0" cy="0"/>
-          <a:chOff x="0" y="0"/>
-          <a:chExt cx="0" cy="0"/>
-        </a:xfrm>
-      </p:grpSpPr>
-      <p:sp>
-        <p:nvSpPr>
-          <p:cNvPr id="2" name="Title 1"/>
-          <p:cNvSpPr>
-            <a:spLocks noGrp="1"/>
-          </p:cNvSpPr>
-          <p:nvPr>
-            <p:ph type="title"/>
-          </p:nvPr>
-        </p:nvSpPr>
-        <p:spPr>
-          <a:xfrm>
-            <a:off x="838200" y="365125"/>
-            <a:ext cx="10960510" cy="1325563"/>
-          </a:xfrm>
-        </p:spPr>
-        <p:txBody>
-          <a:bodyPr>
-            <a:normAutofit/>
-          </a:bodyPr>
-          <a:lstStyle/>
-          <a:p>
-            <a:r>
-              <a:rPr lang="en-US" sz="4800" dirty="0" smtClean="0"/>
-              <a:t>What makes a concern "cross cutting"?</a:t>
-            </a:r>
-            <a:endParaRPr lang="en-US" sz="4800" dirty="0"/>
-          </a:p>
-        </p:txBody>
-      </p:sp>
-      <p:sp>
-        <p:nvSpPr>
-          <p:cNvPr id="3" name="Content Placeholder 2"/>
-          <p:cNvSpPr>
-            <a:spLocks noGrp="1"/>
-          </p:cNvSpPr>
-          <p:nvPr>
-            <p:ph idx="1"/>
-          </p:nvPr>
-        </p:nvSpPr>
-        <p:spPr>
-          <a:xfrm>
-            <a:off x="838200" y="1825624"/>
-            <a:ext cx="10515600" cy="4899641"/>
-          </a:xfrm>
-        </p:spPr>
-        <p:txBody>
-          <a:bodyPr>
-            <a:normAutofit/>
-          </a:bodyPr>
-          <a:lstStyle/>
-          <a:p>
-            <a:r>
-              <a:rPr lang="en-US" sz="4000" dirty="0" smtClean="0"/>
-              <a:t>Orthogonal to feature-specific business rules</a:t>
-            </a:r>
-            <a:endParaRPr lang="en-US" sz="4000" dirty="0"/>
-          </a:p>
-          <a:p>
-            <a:endParaRPr lang="en-US" sz="4000" dirty="0" smtClean="0"/>
-          </a:p>
-          <a:p>
-            <a:r>
-              <a:rPr lang="en-US" sz="4000" dirty="0" smtClean="0"/>
-              <a:t>Applies to multiple features</a:t>
-            </a:r>
-          </a:p>
-          <a:p>
-            <a:endParaRPr lang="en-US" sz="4000" dirty="0" smtClean="0"/>
-          </a:p>
-          <a:p>
-            <a:endParaRPr lang="en-US" sz="4000" dirty="0"/>
-          </a:p>
-          <a:p>
-            <a:endParaRPr lang="en-US" sz="4000" dirty="0" smtClean="0"/>
-          </a:p>
-          <a:p>
-            <a:endParaRPr lang="en-US" sz="4000" dirty="0" smtClean="0"/>
-          </a:p>
-          <a:p>
-            <a:endParaRPr lang="en-US" dirty="0" smtClean="0"/>
-          </a:p>
-          <a:p>
-            <a:endParaRPr lang="en-US" dirty="0" smtClean="0"/>
-          </a:p>
-          <a:p>
-            <a:endParaRPr lang="en-US" dirty="0"/>
-          </a:p>
-        </p:txBody>
-      </p:sp>
-    </p:spTree>
-    <p:extLst>
-      <p:ext uri="{BB962C8B-B14F-4D97-AF65-F5344CB8AC3E}">
-        <p14:creationId xmlns:p14="http://schemas.microsoft.com/office/powerpoint/2010/main" val="4241676050"/>
-      </p:ext>
-    </p:extLst>
-  </p:cSld>
-  <p:clrMapOvr>
-    <a:masterClrMapping/>
-  </p:clrMapOvr>
-  <p:timing>
-    <p:tnLst>
-      <p:par>
-        <p:cTn id="1" dur="indefinite" restart="never" nodeType="tmRoot"/>
-      </p:par>
-    </p:tnLst>
-  </p:timing>
-</p:sld>
-</file>
-
 <file path=ppt/slides/slide22.xml><?xml version="1.0" encoding="utf-8"?>
 <p:sld xmlns:a="http://schemas.openxmlformats.org/drawingml/2006/main" xmlns:r="http://schemas.openxmlformats.org/officeDocument/2006/relationships" xmlns:p="http://schemas.openxmlformats.org/presentationml/2006/main">
   <p:cSld>
@@ -12432,7 +12426,7 @@
           <a:p>
             <a:r>
               <a:rPr lang="en-US" sz="4800" dirty="0" smtClean="0"/>
-              <a:t>What belongs in the "framework"?</a:t>
+              <a:t>What makes a concern "cross cutting"?</a:t>
             </a:r>
             <a:endParaRPr lang="en-US" sz="4800" dirty="0"/>
           </a:p>
@@ -12462,8 +12456,9 @@
           <a:p>
             <a:r>
               <a:rPr lang="en-US" sz="4000" dirty="0" smtClean="0"/>
-              <a:t>All "cross-cutting" concerns</a:t>
-            </a:r>
+              <a:t>Orthogonal to feature-specific business rules</a:t>
+            </a:r>
+            <a:endParaRPr lang="en-US" sz="4000" dirty="0"/>
           </a:p>
           <a:p>
             <a:endParaRPr lang="en-US" sz="4000" dirty="0" smtClean="0"/>
@@ -12471,17 +12466,11 @@
           <a:p>
             <a:r>
               <a:rPr lang="en-US" sz="4000" dirty="0" smtClean="0"/>
-              <a:t>Anything that can be made "secure by default"</a:t>
-            </a:r>
-          </a:p>
-          <a:p>
-            <a:endParaRPr lang="en-US" sz="4000" dirty="0"/>
-          </a:p>
-          <a:p>
-            <a:r>
-              <a:rPr lang="en-US" sz="4000" dirty="0" smtClean="0"/>
-              <a:t>Anything that needs auditing / global testing</a:t>
-            </a:r>
+              <a:t>Applies to multiple features</a:t>
+            </a:r>
+          </a:p>
+          <a:p>
+            <a:endParaRPr lang="en-US" sz="4000" dirty="0" smtClean="0"/>
           </a:p>
           <a:p>
             <a:endParaRPr lang="en-US" sz="4000" dirty="0"/>
@@ -12506,7 +12495,7 @@
     </p:spTree>
     <p:extLst>
       <p:ext uri="{BB962C8B-B14F-4D97-AF65-F5344CB8AC3E}">
-        <p14:creationId xmlns:p14="http://schemas.microsoft.com/office/powerpoint/2010/main" val="617467512"/>
+        <p14:creationId xmlns:p14="http://schemas.microsoft.com/office/powerpoint/2010/main" val="4241676050"/>
       </p:ext>
     </p:extLst>
   </p:cSld>
@@ -12552,51 +12541,93 @@
         </p:nvSpPr>
         <p:spPr>
           <a:xfrm>
-            <a:off x="964927" y="1"/>
-            <a:ext cx="10515600" cy="6858000"/>
+            <a:off x="838200" y="365125"/>
+            <a:ext cx="10960510" cy="1325563"/>
           </a:xfrm>
         </p:spPr>
         <p:txBody>
-          <a:bodyPr anchor="ctr">
+          <a:bodyPr>
             <a:normAutofit/>
           </a:bodyPr>
           <a:lstStyle/>
           <a:p>
-            <a:pPr algn="ctr"/>
             <a:r>
               <a:rPr lang="en-US" sz="4800" dirty="0" smtClean="0"/>
-              <a:t>Show me the codez!</a:t>
-            </a:r>
-            <a:br>
-              <a:rPr lang="en-US" sz="4800" dirty="0" smtClean="0"/>
-            </a:br>
-            <a:r>
-              <a:rPr lang="en-US" sz="4800" dirty="0"/>
-              <a:t/>
-            </a:r>
-            <a:br>
-              <a:rPr lang="en-US" sz="4800" dirty="0"/>
-            </a:br>
-            <a:r>
-              <a:rPr lang="en-US" dirty="0" smtClean="0">
-                <a:solidFill>
-                  <a:srgbClr val="013947"/>
-                </a:solidFill>
-              </a:rPr>
-              <a:t>bit.ly/2i0J91d</a:t>
-            </a:r>
-            <a:endParaRPr lang="en-US" sz="4800" dirty="0">
-              <a:solidFill>
-                <a:srgbClr val="013947"/>
-              </a:solidFill>
-            </a:endParaRPr>
+              <a:t>What belongs in the "framework"?</a:t>
+            </a:r>
+            <a:endParaRPr lang="en-US" sz="4800" dirty="0"/>
+          </a:p>
+        </p:txBody>
+      </p:sp>
+      <p:sp>
+        <p:nvSpPr>
+          <p:cNvPr id="3" name="Content Placeholder 2"/>
+          <p:cNvSpPr>
+            <a:spLocks noGrp="1"/>
+          </p:cNvSpPr>
+          <p:nvPr>
+            <p:ph idx="1"/>
+          </p:nvPr>
+        </p:nvSpPr>
+        <p:spPr>
+          <a:xfrm>
+            <a:off x="838200" y="1825624"/>
+            <a:ext cx="10515600" cy="4899641"/>
+          </a:xfrm>
+        </p:spPr>
+        <p:txBody>
+          <a:bodyPr>
+            <a:normAutofit/>
+          </a:bodyPr>
+          <a:lstStyle/>
+          <a:p>
+            <a:r>
+              <a:rPr lang="en-US" sz="4000" dirty="0" smtClean="0"/>
+              <a:t>All "cross-cutting" concerns</a:t>
+            </a:r>
+          </a:p>
+          <a:p>
+            <a:endParaRPr lang="en-US" sz="4000" dirty="0" smtClean="0"/>
+          </a:p>
+          <a:p>
+            <a:r>
+              <a:rPr lang="en-US" sz="4000" dirty="0" smtClean="0"/>
+              <a:t>Anything that can be made "secure by default"</a:t>
+            </a:r>
+          </a:p>
+          <a:p>
+            <a:endParaRPr lang="en-US" sz="4000" dirty="0"/>
+          </a:p>
+          <a:p>
+            <a:r>
+              <a:rPr lang="en-US" sz="4000" dirty="0" smtClean="0"/>
+              <a:t>Anything that needs auditing / global testing</a:t>
+            </a:r>
+          </a:p>
+          <a:p>
+            <a:endParaRPr lang="en-US" sz="4000" dirty="0"/>
+          </a:p>
+          <a:p>
+            <a:endParaRPr lang="en-US" sz="4000" dirty="0" smtClean="0"/>
+          </a:p>
+          <a:p>
+            <a:endParaRPr lang="en-US" sz="4000" dirty="0" smtClean="0"/>
+          </a:p>
+          <a:p>
+            <a:endParaRPr lang="en-US" dirty="0" smtClean="0"/>
+          </a:p>
+          <a:p>
+            <a:endParaRPr lang="en-US" dirty="0" smtClean="0"/>
+          </a:p>
+          <a:p>
+            <a:endParaRPr lang="en-US" dirty="0"/>
           </a:p>
         </p:txBody>
       </p:sp>
     </p:spTree>
     <p:extLst>
       <p:ext uri="{BB962C8B-B14F-4D97-AF65-F5344CB8AC3E}">
-        <p14:creationId xmlns:p14="http://schemas.microsoft.com/office/powerpoint/2010/main" val="269211379"/>
+        <p14:creationId xmlns:p14="http://schemas.microsoft.com/office/powerpoint/2010/main" val="617467512"/>
       </p:ext>
     </p:extLst>
   </p:cSld>
@@ -12655,6 +12686,96 @@
             <a:pPr algn="ctr"/>
             <a:r>
               <a:rPr lang="en-US" sz="4800" dirty="0" smtClean="0"/>
+              <a:t>Show me the codez!</a:t>
+            </a:r>
+            <a:br>
+              <a:rPr lang="en-US" sz="4800" dirty="0" smtClean="0"/>
+            </a:br>
+            <a:r>
+              <a:rPr lang="en-US" sz="4800" dirty="0"/>
+              <a:t/>
+            </a:r>
+            <a:br>
+              <a:rPr lang="en-US" sz="4800" dirty="0"/>
+            </a:br>
+            <a:r>
+              <a:rPr lang="en-US" dirty="0" smtClean="0">
+                <a:solidFill>
+                  <a:srgbClr val="013947"/>
+                </a:solidFill>
+              </a:rPr>
+              <a:t>bit.ly/2i0J91d</a:t>
+            </a:r>
+            <a:endParaRPr lang="en-US" sz="4800" dirty="0">
+              <a:solidFill>
+                <a:srgbClr val="013947"/>
+              </a:solidFill>
+            </a:endParaRPr>
+          </a:p>
+        </p:txBody>
+      </p:sp>
+    </p:spTree>
+    <p:extLst>
+      <p:ext uri="{BB962C8B-B14F-4D97-AF65-F5344CB8AC3E}">
+        <p14:creationId xmlns:p14="http://schemas.microsoft.com/office/powerpoint/2010/main" val="269211379"/>
+      </p:ext>
+    </p:extLst>
+  </p:cSld>
+  <p:clrMapOvr>
+    <a:masterClrMapping/>
+  </p:clrMapOvr>
+  <p:timing>
+    <p:tnLst>
+      <p:par>
+        <p:cTn id="1" dur="indefinite" restart="never" nodeType="tmRoot"/>
+      </p:par>
+    </p:tnLst>
+  </p:timing>
+</p:sld>
+</file>
+
+<file path=ppt/slides/slide25.xml><?xml version="1.0" encoding="utf-8"?>
+<p:sld xmlns:a="http://schemas.openxmlformats.org/drawingml/2006/main" xmlns:r="http://schemas.openxmlformats.org/officeDocument/2006/relationships" xmlns:p="http://schemas.openxmlformats.org/presentationml/2006/main">
+  <p:cSld>
+    <p:spTree>
+      <p:nvGrpSpPr>
+        <p:cNvPr id="1" name=""/>
+        <p:cNvGrpSpPr/>
+        <p:nvPr/>
+      </p:nvGrpSpPr>
+      <p:grpSpPr>
+        <a:xfrm>
+          <a:off x="0" y="0"/>
+          <a:ext cx="0" cy="0"/>
+          <a:chOff x="0" y="0"/>
+          <a:chExt cx="0" cy="0"/>
+        </a:xfrm>
+      </p:grpSpPr>
+      <p:sp>
+        <p:nvSpPr>
+          <p:cNvPr id="2" name="Title 1"/>
+          <p:cNvSpPr>
+            <a:spLocks noGrp="1"/>
+          </p:cNvSpPr>
+          <p:nvPr>
+            <p:ph type="title"/>
+          </p:nvPr>
+        </p:nvSpPr>
+        <p:spPr>
+          <a:xfrm>
+            <a:off x="964927" y="1"/>
+            <a:ext cx="10515600" cy="6858000"/>
+          </a:xfrm>
+        </p:spPr>
+        <p:txBody>
+          <a:bodyPr anchor="ctr">
+            <a:normAutofit/>
+          </a:bodyPr>
+          <a:lstStyle/>
+          <a:p>
+            <a:pPr algn="ctr"/>
+            <a:r>
+              <a:rPr lang="en-US" sz="4800" dirty="0" smtClean="0"/>
               <a:t>SQL Injection</a:t>
             </a:r>
             <a:br>
@@ -12703,7 +12824,7 @@
 </p:sld>
 </file>
 
-<file path=ppt/slides/slide25.xml><?xml version="1.0" encoding="utf-8"?>
+<file path=ppt/slides/slide26.xml><?xml version="1.0" encoding="utf-8"?>
 <p:sld xmlns:a="http://schemas.openxmlformats.org/drawingml/2006/main" xmlns:r="http://schemas.openxmlformats.org/officeDocument/2006/relationships" xmlns:p="http://schemas.openxmlformats.org/presentationml/2006/main">
   <p:cSld>
     <p:spTree>
@@ -12845,7 +12966,7 @@
 </p:sld>
 </file>
 
-<file path=ppt/slides/slide26.xml><?xml version="1.0" encoding="utf-8"?>
+<file path=ppt/slides/slide27.xml><?xml version="1.0" encoding="utf-8"?>
 <p:sld xmlns:a="http://schemas.openxmlformats.org/drawingml/2006/main" xmlns:r="http://schemas.openxmlformats.org/officeDocument/2006/relationships" xmlns:p="http://schemas.openxmlformats.org/presentationml/2006/main">
   <p:cSld>
     <p:spTree>
@@ -13021,7 +13142,7 @@
 </p:sld>
 </file>
 
-<file path=ppt/slides/slide27.xml><?xml version="1.0" encoding="utf-8"?>
+<file path=ppt/slides/slide28.xml><?xml version="1.0" encoding="utf-8"?>
 <p:sld xmlns:a="http://schemas.openxmlformats.org/drawingml/2006/main" xmlns:r="http://schemas.openxmlformats.org/officeDocument/2006/relationships" xmlns:p="http://schemas.openxmlformats.org/presentationml/2006/main">
   <p:cSld>
     <p:spTree>
@@ -13097,7 +13218,7 @@
       </p:sp>
       <p:pic>
         <p:nvPicPr>
-          <p:cNvPr id="4" name="Picture 3"/>
+          <p:cNvPr id="7" name="Picture 6"/>
           <p:cNvPicPr>
             <a:picLocks noChangeAspect="1"/>
           </p:cNvPicPr>
@@ -13111,8 +13232,8 @@
         </p:blipFill>
         <p:spPr>
           <a:xfrm>
-            <a:off x="838200" y="1303066"/>
-            <a:ext cx="8822230" cy="5304211"/>
+            <a:off x="838200" y="1690687"/>
+            <a:ext cx="11175520" cy="4606873"/>
           </a:xfrm>
           <a:prstGeom prst="rect">
             <a:avLst/>
@@ -13122,7 +13243,7 @@
     </p:spTree>
     <p:extLst>
       <p:ext uri="{BB962C8B-B14F-4D97-AF65-F5344CB8AC3E}">
-        <p14:creationId xmlns:p14="http://schemas.microsoft.com/office/powerpoint/2010/main" val="4124003797"/>
+        <p14:creationId xmlns:p14="http://schemas.microsoft.com/office/powerpoint/2010/main" val="2352128134"/>
       </p:ext>
     </p:extLst>
   </p:cSld>
@@ -13139,7 +13260,7 @@
 </p:sld>
 </file>
 
-<file path=ppt/slides/slide28.xml><?xml version="1.0" encoding="utf-8"?>
+<file path=ppt/slides/slide29.xml><?xml version="1.0" encoding="utf-8"?>
 <p:sld xmlns:a="http://schemas.openxmlformats.org/drawingml/2006/main" xmlns:r="http://schemas.openxmlformats.org/officeDocument/2006/relationships" xmlns:p="http://schemas.openxmlformats.org/presentationml/2006/main">
   <p:cSld>
     <p:spTree>
@@ -13284,7 +13405,96 @@
 </p:sld>
 </file>
 
-<file path=ppt/slides/slide29.xml><?xml version="1.0" encoding="utf-8"?>
+<file path=ppt/slides/slide3.xml><?xml version="1.0" encoding="utf-8"?>
+<p:sld xmlns:a="http://schemas.openxmlformats.org/drawingml/2006/main" xmlns:r="http://schemas.openxmlformats.org/officeDocument/2006/relationships" xmlns:p="http://schemas.openxmlformats.org/presentationml/2006/main">
+  <p:cSld>
+    <p:spTree>
+      <p:nvGrpSpPr>
+        <p:cNvPr id="1" name=""/>
+        <p:cNvGrpSpPr/>
+        <p:nvPr/>
+      </p:nvGrpSpPr>
+      <p:grpSpPr>
+        <a:xfrm>
+          <a:off x="0" y="0"/>
+          <a:ext cx="0" cy="0"/>
+          <a:chOff x="0" y="0"/>
+          <a:chExt cx="0" cy="0"/>
+        </a:xfrm>
+      </p:grpSpPr>
+      <p:sp>
+        <p:nvSpPr>
+          <p:cNvPr id="2" name="Title 1"/>
+          <p:cNvSpPr>
+            <a:spLocks noGrp="1"/>
+          </p:cNvSpPr>
+          <p:nvPr>
+            <p:ph type="title"/>
+          </p:nvPr>
+        </p:nvSpPr>
+        <p:spPr>
+          <a:xfrm>
+            <a:off x="964927" y="1"/>
+            <a:ext cx="10515600" cy="6858000"/>
+          </a:xfrm>
+        </p:spPr>
+        <p:txBody>
+          <a:bodyPr anchor="ctr">
+            <a:normAutofit/>
+          </a:bodyPr>
+          <a:lstStyle/>
+          <a:p>
+            <a:pPr algn="ctr"/>
+            <a:r>
+              <a:rPr lang="en-US" sz="4800" strike="sngStrike" dirty="0" smtClean="0">
+                <a:solidFill>
+                  <a:schemeClr val="bg1">
+                    <a:lumMod val="75000"/>
+                  </a:schemeClr>
+                </a:solidFill>
+              </a:rPr>
+              <a:t>I hate writing secure code</a:t>
+            </a:r>
+            <a:r>
+              <a:rPr lang="en-US" sz="4800" strike="sngStrike" dirty="0" smtClean="0"/>
+              <a:t/>
+            </a:r>
+            <a:br>
+              <a:rPr lang="en-US" sz="4800" strike="sngStrike" dirty="0" smtClean="0"/>
+            </a:br>
+            <a:r>
+              <a:rPr lang="en-US" sz="4800" dirty="0" smtClean="0"/>
+              <a:t>I hate writing secure </a:t>
+            </a:r>
+            <a:r>
+              <a:rPr lang="en-US" sz="4800" i="1" dirty="0" smtClean="0"/>
+              <a:t>features</a:t>
+            </a:r>
+            <a:endParaRPr lang="en-US" sz="4800" i="1" dirty="0"/>
+          </a:p>
+        </p:txBody>
+      </p:sp>
+    </p:spTree>
+    <p:extLst>
+      <p:ext uri="{BB962C8B-B14F-4D97-AF65-F5344CB8AC3E}">
+        <p14:creationId xmlns:p14="http://schemas.microsoft.com/office/powerpoint/2010/main" val="75936766"/>
+      </p:ext>
+    </p:extLst>
+  </p:cSld>
+  <p:clrMapOvr>
+    <a:masterClrMapping/>
+  </p:clrMapOvr>
+  <p:timing>
+    <p:tnLst>
+      <p:par>
+        <p:cTn id="1" dur="indefinite" restart="never" nodeType="tmRoot"/>
+      </p:par>
+    </p:tnLst>
+  </p:timing>
+</p:sld>
+</file>
+
+<file path=ppt/slides/slide30.xml><?xml version="1.0" encoding="utf-8"?>
 <p:sld xmlns:a="http://schemas.openxmlformats.org/drawingml/2006/main" xmlns:r="http://schemas.openxmlformats.org/officeDocument/2006/relationships" xmlns:p="http://schemas.openxmlformats.org/presentationml/2006/main">
   <p:cSld>
     <p:spTree>
@@ -13426,96 +13636,7 @@
 </p:sld>
 </file>
 
-<file path=ppt/slides/slide3.xml><?xml version="1.0" encoding="utf-8"?>
-<p:sld xmlns:a="http://schemas.openxmlformats.org/drawingml/2006/main" xmlns:r="http://schemas.openxmlformats.org/officeDocument/2006/relationships" xmlns:p="http://schemas.openxmlformats.org/presentationml/2006/main">
-  <p:cSld>
-    <p:spTree>
-      <p:nvGrpSpPr>
-        <p:cNvPr id="1" name=""/>
-        <p:cNvGrpSpPr/>
-        <p:nvPr/>
-      </p:nvGrpSpPr>
-      <p:grpSpPr>
-        <a:xfrm>
-          <a:off x="0" y="0"/>
-          <a:ext cx="0" cy="0"/>
-          <a:chOff x="0" y="0"/>
-          <a:chExt cx="0" cy="0"/>
-        </a:xfrm>
-      </p:grpSpPr>
-      <p:sp>
-        <p:nvSpPr>
-          <p:cNvPr id="2" name="Title 1"/>
-          <p:cNvSpPr>
-            <a:spLocks noGrp="1"/>
-          </p:cNvSpPr>
-          <p:nvPr>
-            <p:ph type="title"/>
-          </p:nvPr>
-        </p:nvSpPr>
-        <p:spPr>
-          <a:xfrm>
-            <a:off x="964927" y="1"/>
-            <a:ext cx="10515600" cy="6858000"/>
-          </a:xfrm>
-        </p:spPr>
-        <p:txBody>
-          <a:bodyPr anchor="ctr">
-            <a:normAutofit/>
-          </a:bodyPr>
-          <a:lstStyle/>
-          <a:p>
-            <a:pPr algn="ctr"/>
-            <a:r>
-              <a:rPr lang="en-US" sz="4800" strike="sngStrike" dirty="0" smtClean="0">
-                <a:solidFill>
-                  <a:schemeClr val="bg1">
-                    <a:lumMod val="75000"/>
-                  </a:schemeClr>
-                </a:solidFill>
-              </a:rPr>
-              <a:t>I hate writing secure code</a:t>
-            </a:r>
-            <a:r>
-              <a:rPr lang="en-US" sz="4800" strike="sngStrike" dirty="0" smtClean="0"/>
-              <a:t/>
-            </a:r>
-            <a:br>
-              <a:rPr lang="en-US" sz="4800" strike="sngStrike" dirty="0" smtClean="0"/>
-            </a:br>
-            <a:r>
-              <a:rPr lang="en-US" sz="4800" dirty="0" smtClean="0"/>
-              <a:t>I hate writing secure </a:t>
-            </a:r>
-            <a:r>
-              <a:rPr lang="en-US" sz="4800" i="1" dirty="0" smtClean="0"/>
-              <a:t>features</a:t>
-            </a:r>
-            <a:endParaRPr lang="en-US" sz="4800" i="1" dirty="0"/>
-          </a:p>
-        </p:txBody>
-      </p:sp>
-    </p:spTree>
-    <p:extLst>
-      <p:ext uri="{BB962C8B-B14F-4D97-AF65-F5344CB8AC3E}">
-        <p14:creationId xmlns:p14="http://schemas.microsoft.com/office/powerpoint/2010/main" val="75936766"/>
-      </p:ext>
-    </p:extLst>
-  </p:cSld>
-  <p:clrMapOvr>
-    <a:masterClrMapping/>
-  </p:clrMapOvr>
-  <p:timing>
-    <p:tnLst>
-      <p:par>
-        <p:cTn id="1" dur="indefinite" restart="never" nodeType="tmRoot"/>
-      </p:par>
-    </p:tnLst>
-  </p:timing>
-</p:sld>
-</file>
-
-<file path=ppt/slides/slide30.xml><?xml version="1.0" encoding="utf-8"?>
+<file path=ppt/slides/slide31.xml><?xml version="1.0" encoding="utf-8"?>
 <p:sld xmlns:a="http://schemas.openxmlformats.org/drawingml/2006/main" xmlns:r="http://schemas.openxmlformats.org/officeDocument/2006/relationships" xmlns:p="http://schemas.openxmlformats.org/presentationml/2006/main">
   <p:cSld>
     <p:spTree>
@@ -13658,7 +13779,7 @@
 </p:sld>
 </file>
 
-<file path=ppt/slides/slide31.xml><?xml version="1.0" encoding="utf-8"?>
+<file path=ppt/slides/slide32.xml><?xml version="1.0" encoding="utf-8"?>
 <p:sld xmlns:a="http://schemas.openxmlformats.org/drawingml/2006/main" xmlns:r="http://schemas.openxmlformats.org/officeDocument/2006/relationships" xmlns:p="http://schemas.openxmlformats.org/presentationml/2006/main">
   <p:cSld>
     <p:spTree>
@@ -13796,7 +13917,7 @@
 </p:sld>
 </file>
 
-<file path=ppt/slides/slide32.xml><?xml version="1.0" encoding="utf-8"?>
+<file path=ppt/slides/slide33.xml><?xml version="1.0" encoding="utf-8"?>
 <p:sld xmlns:a="http://schemas.openxmlformats.org/drawingml/2006/main" xmlns:r="http://schemas.openxmlformats.org/officeDocument/2006/relationships" xmlns:p="http://schemas.openxmlformats.org/presentationml/2006/main">
   <p:cSld>
     <p:spTree>
@@ -13934,7 +14055,7 @@
 </p:sld>
 </file>
 
-<file path=ppt/slides/slide33.xml><?xml version="1.0" encoding="utf-8"?>
+<file path=ppt/slides/slide34.xml><?xml version="1.0" encoding="utf-8"?>
 <p:sld xmlns:a="http://schemas.openxmlformats.org/drawingml/2006/main" xmlns:r="http://schemas.openxmlformats.org/officeDocument/2006/relationships" xmlns:p="http://schemas.openxmlformats.org/presentationml/2006/main">
   <p:cSld>
     <p:spTree>
@@ -14072,7 +14193,7 @@
 </p:sld>
 </file>
 
-<file path=ppt/slides/slide34.xml><?xml version="1.0" encoding="utf-8"?>
+<file path=ppt/slides/slide35.xml><?xml version="1.0" encoding="utf-8"?>
 <p:sld xmlns:a="http://schemas.openxmlformats.org/drawingml/2006/main" xmlns:r="http://schemas.openxmlformats.org/officeDocument/2006/relationships" xmlns:p="http://schemas.openxmlformats.org/presentationml/2006/main">
   <p:cSld>
     <p:spTree>
@@ -14217,7 +14338,7 @@
 </p:sld>
 </file>
 
-<file path=ppt/slides/slide35.xml><?xml version="1.0" encoding="utf-8"?>
+<file path=ppt/slides/slide36.xml><?xml version="1.0" encoding="utf-8"?>
 <p:sld xmlns:a="http://schemas.openxmlformats.org/drawingml/2006/main" xmlns:r="http://schemas.openxmlformats.org/officeDocument/2006/relationships" xmlns:p="http://schemas.openxmlformats.org/presentationml/2006/main">
   <p:cSld>
     <p:spTree>
@@ -14367,7 +14488,7 @@
 </p:sld>
 </file>
 
-<file path=ppt/slides/slide36.xml><?xml version="1.0" encoding="utf-8"?>
+<file path=ppt/slides/slide37.xml><?xml version="1.0" encoding="utf-8"?>
 <p:sld xmlns:a="http://schemas.openxmlformats.org/drawingml/2006/main" xmlns:r="http://schemas.openxmlformats.org/officeDocument/2006/relationships" xmlns:p="http://schemas.openxmlformats.org/presentationml/2006/main">
   <p:cSld>
     <p:spTree>
@@ -14457,7 +14578,7 @@
 </p:sld>
 </file>
 
-<file path=ppt/slides/slide37.xml><?xml version="1.0" encoding="utf-8"?>
+<file path=ppt/slides/slide38.xml><?xml version="1.0" encoding="utf-8"?>
 <p:sld xmlns:a="http://schemas.openxmlformats.org/drawingml/2006/main" xmlns:r="http://schemas.openxmlformats.org/officeDocument/2006/relationships" xmlns:p="http://schemas.openxmlformats.org/presentationml/2006/main">
   <p:cSld>
     <p:spTree>
@@ -14578,7 +14699,7 @@
 </p:sld>
 </file>
 
-<file path=ppt/slides/slide38.xml><?xml version="1.0" encoding="utf-8"?>
+<file path=ppt/slides/slide39.xml><?xml version="1.0" encoding="utf-8"?>
 <p:sld xmlns:a="http://schemas.openxmlformats.org/drawingml/2006/main" xmlns:r="http://schemas.openxmlformats.org/officeDocument/2006/relationships" xmlns:p="http://schemas.openxmlformats.org/presentationml/2006/main">
   <p:cSld>
     <p:spTree>
@@ -14699,7 +14820,119 @@
 </p:sld>
 </file>
 
-<file path=ppt/slides/slide39.xml><?xml version="1.0" encoding="utf-8"?>
+<file path=ppt/slides/slide4.xml><?xml version="1.0" encoding="utf-8"?>
+<p:sld xmlns:a="http://schemas.openxmlformats.org/drawingml/2006/main" xmlns:r="http://schemas.openxmlformats.org/officeDocument/2006/relationships" xmlns:p="http://schemas.openxmlformats.org/presentationml/2006/main">
+  <p:cSld>
+    <p:spTree>
+      <p:nvGrpSpPr>
+        <p:cNvPr id="1" name=""/>
+        <p:cNvGrpSpPr/>
+        <p:nvPr/>
+      </p:nvGrpSpPr>
+      <p:grpSpPr>
+        <a:xfrm>
+          <a:off x="0" y="0"/>
+          <a:ext cx="0" cy="0"/>
+          <a:chOff x="0" y="0"/>
+          <a:chExt cx="0" cy="0"/>
+        </a:xfrm>
+      </p:grpSpPr>
+      <p:sp>
+        <p:nvSpPr>
+          <p:cNvPr id="2" name="Title 1"/>
+          <p:cNvSpPr>
+            <a:spLocks noGrp="1"/>
+          </p:cNvSpPr>
+          <p:nvPr>
+            <p:ph type="title"/>
+          </p:nvPr>
+        </p:nvSpPr>
+        <p:spPr>
+          <a:xfrm>
+            <a:off x="964927" y="1"/>
+            <a:ext cx="10515600" cy="6858000"/>
+          </a:xfrm>
+        </p:spPr>
+        <p:txBody>
+          <a:bodyPr anchor="ctr">
+            <a:normAutofit/>
+          </a:bodyPr>
+          <a:lstStyle/>
+          <a:p>
+            <a:pPr algn="ctr"/>
+            <a:r>
+              <a:rPr lang="en-US" sz="4800" strike="sngStrike" dirty="0" smtClean="0">
+                <a:solidFill>
+                  <a:schemeClr val="bg1">
+                    <a:lumMod val="75000"/>
+                  </a:schemeClr>
+                </a:solidFill>
+              </a:rPr>
+              <a:t>I hate writing secure code</a:t>
+            </a:r>
+            <a:br>
+              <a:rPr lang="en-US" sz="4800" strike="sngStrike" dirty="0" smtClean="0">
+                <a:solidFill>
+                  <a:schemeClr val="bg1">
+                    <a:lumMod val="75000"/>
+                  </a:schemeClr>
+                </a:solidFill>
+              </a:rPr>
+            </a:br>
+            <a:r>
+              <a:rPr lang="en-US" sz="4800" strike="sngStrike" dirty="0" smtClean="0">
+                <a:solidFill>
+                  <a:schemeClr val="bg1">
+                    <a:lumMod val="75000"/>
+                  </a:schemeClr>
+                </a:solidFill>
+              </a:rPr>
+              <a:t>I hate writing secure features</a:t>
+            </a:r>
+            <a:r>
+              <a:rPr lang="en-US" sz="4800" strike="sngStrike" dirty="0" smtClean="0"/>
+              <a:t/>
+            </a:r>
+            <a:br>
+              <a:rPr lang="en-US" sz="4800" strike="sngStrike" dirty="0" smtClean="0"/>
+            </a:br>
+            <a:r>
+              <a:rPr lang="en-US" sz="4800" dirty="0" smtClean="0"/>
+              <a:t>I hate implementing </a:t>
+            </a:r>
+            <a:r>
+              <a:rPr lang="en-US" sz="4800" i="1" dirty="0" smtClean="0"/>
+              <a:t>cross-cutting security concerns</a:t>
+            </a:r>
+            <a:r>
+              <a:rPr lang="en-US" sz="4800" dirty="0" smtClean="0"/>
+              <a:t> by repeating the same patterns over and over again in my feature-level code</a:t>
+            </a:r>
+            <a:endParaRPr lang="en-US" sz="4800" dirty="0"/>
+          </a:p>
+        </p:txBody>
+      </p:sp>
+    </p:spTree>
+    <p:extLst>
+      <p:ext uri="{BB962C8B-B14F-4D97-AF65-F5344CB8AC3E}">
+        <p14:creationId xmlns:p14="http://schemas.microsoft.com/office/powerpoint/2010/main" val="3846056723"/>
+      </p:ext>
+    </p:extLst>
+  </p:cSld>
+  <p:clrMapOvr>
+    <a:masterClrMapping/>
+  </p:clrMapOvr>
+  <p:timing>
+    <p:tnLst>
+      <p:par>
+        <p:cTn id="1" dur="indefinite" restart="never" nodeType="tmRoot"/>
+      </p:par>
+    </p:tnLst>
+  </p:timing>
+</p:sld>
+</file>
+
+<file path=ppt/slides/slide40.xml><?xml version="1.0" encoding="utf-8"?>
 <p:sld xmlns:a="http://schemas.openxmlformats.org/drawingml/2006/main" xmlns:r="http://schemas.openxmlformats.org/officeDocument/2006/relationships" xmlns:p="http://schemas.openxmlformats.org/presentationml/2006/main">
   <p:cSld>
     <p:spTree>
@@ -14820,119 +15053,7 @@
 </p:sld>
 </file>
 
-<file path=ppt/slides/slide4.xml><?xml version="1.0" encoding="utf-8"?>
-<p:sld xmlns:a="http://schemas.openxmlformats.org/drawingml/2006/main" xmlns:r="http://schemas.openxmlformats.org/officeDocument/2006/relationships" xmlns:p="http://schemas.openxmlformats.org/presentationml/2006/main">
-  <p:cSld>
-    <p:spTree>
-      <p:nvGrpSpPr>
-        <p:cNvPr id="1" name=""/>
-        <p:cNvGrpSpPr/>
-        <p:nvPr/>
-      </p:nvGrpSpPr>
-      <p:grpSpPr>
-        <a:xfrm>
-          <a:off x="0" y="0"/>
-          <a:ext cx="0" cy="0"/>
-          <a:chOff x="0" y="0"/>
-          <a:chExt cx="0" cy="0"/>
-        </a:xfrm>
-      </p:grpSpPr>
-      <p:sp>
-        <p:nvSpPr>
-          <p:cNvPr id="2" name="Title 1"/>
-          <p:cNvSpPr>
-            <a:spLocks noGrp="1"/>
-          </p:cNvSpPr>
-          <p:nvPr>
-            <p:ph type="title"/>
-          </p:nvPr>
-        </p:nvSpPr>
-        <p:spPr>
-          <a:xfrm>
-            <a:off x="964927" y="1"/>
-            <a:ext cx="10515600" cy="6858000"/>
-          </a:xfrm>
-        </p:spPr>
-        <p:txBody>
-          <a:bodyPr anchor="ctr">
-            <a:normAutofit/>
-          </a:bodyPr>
-          <a:lstStyle/>
-          <a:p>
-            <a:pPr algn="ctr"/>
-            <a:r>
-              <a:rPr lang="en-US" sz="4800" strike="sngStrike" dirty="0" smtClean="0">
-                <a:solidFill>
-                  <a:schemeClr val="bg1">
-                    <a:lumMod val="75000"/>
-                  </a:schemeClr>
-                </a:solidFill>
-              </a:rPr>
-              <a:t>I hate writing secure code</a:t>
-            </a:r>
-            <a:br>
-              <a:rPr lang="en-US" sz="4800" strike="sngStrike" dirty="0" smtClean="0">
-                <a:solidFill>
-                  <a:schemeClr val="bg1">
-                    <a:lumMod val="75000"/>
-                  </a:schemeClr>
-                </a:solidFill>
-              </a:rPr>
-            </a:br>
-            <a:r>
-              <a:rPr lang="en-US" sz="4800" strike="sngStrike" dirty="0" smtClean="0">
-                <a:solidFill>
-                  <a:schemeClr val="bg1">
-                    <a:lumMod val="75000"/>
-                  </a:schemeClr>
-                </a:solidFill>
-              </a:rPr>
-              <a:t>I hate writing secure features</a:t>
-            </a:r>
-            <a:r>
-              <a:rPr lang="en-US" sz="4800" strike="sngStrike" dirty="0" smtClean="0"/>
-              <a:t/>
-            </a:r>
-            <a:br>
-              <a:rPr lang="en-US" sz="4800" strike="sngStrike" dirty="0" smtClean="0"/>
-            </a:br>
-            <a:r>
-              <a:rPr lang="en-US" sz="4800" dirty="0" smtClean="0"/>
-              <a:t>I hate implementing </a:t>
-            </a:r>
-            <a:r>
-              <a:rPr lang="en-US" sz="4800" i="1" dirty="0" smtClean="0"/>
-              <a:t>cross-cutting security concerns</a:t>
-            </a:r>
-            <a:r>
-              <a:rPr lang="en-US" sz="4800" dirty="0" smtClean="0"/>
-              <a:t> by repeating the same patterns over and over again in my feature-level code</a:t>
-            </a:r>
-            <a:endParaRPr lang="en-US" sz="4800" dirty="0"/>
-          </a:p>
-        </p:txBody>
-      </p:sp>
-    </p:spTree>
-    <p:extLst>
-      <p:ext uri="{BB962C8B-B14F-4D97-AF65-F5344CB8AC3E}">
-        <p14:creationId xmlns:p14="http://schemas.microsoft.com/office/powerpoint/2010/main" val="3846056723"/>
-      </p:ext>
-    </p:extLst>
-  </p:cSld>
-  <p:clrMapOvr>
-    <a:masterClrMapping/>
-  </p:clrMapOvr>
-  <p:timing>
-    <p:tnLst>
-      <p:par>
-        <p:cTn id="1" dur="indefinite" restart="never" nodeType="tmRoot"/>
-      </p:par>
-    </p:tnLst>
-  </p:timing>
-</p:sld>
-</file>
-
-<file path=ppt/slides/slide40.xml><?xml version="1.0" encoding="utf-8"?>
+<file path=ppt/slides/slide41.xml><?xml version="1.0" encoding="utf-8"?>
 <p:sld xmlns:a="http://schemas.openxmlformats.org/drawingml/2006/main" xmlns:r="http://schemas.openxmlformats.org/officeDocument/2006/relationships" xmlns:p="http://schemas.openxmlformats.org/presentationml/2006/main">
   <p:cSld>
     <p:spTree>
@@ -15053,7 +15174,7 @@
 </p:sld>
 </file>
 
-<file path=ppt/slides/slide41.xml><?xml version="1.0" encoding="utf-8"?>
+<file path=ppt/slides/slide42.xml><?xml version="1.0" encoding="utf-8"?>
 <p:sld xmlns:a="http://schemas.openxmlformats.org/drawingml/2006/main" xmlns:r="http://schemas.openxmlformats.org/officeDocument/2006/relationships" xmlns:p="http://schemas.openxmlformats.org/presentationml/2006/main">
   <p:cSld>
     <p:spTree>
@@ -15174,7 +15295,7 @@
 </p:sld>
 </file>
 
-<file path=ppt/slides/slide42.xml><?xml version="1.0" encoding="utf-8"?>
+<file path=ppt/slides/slide43.xml><?xml version="1.0" encoding="utf-8"?>
 <p:sld xmlns:a="http://schemas.openxmlformats.org/drawingml/2006/main" xmlns:r="http://schemas.openxmlformats.org/officeDocument/2006/relationships" xmlns:p="http://schemas.openxmlformats.org/presentationml/2006/main">
   <p:cSld>
     <p:spTree>
@@ -15264,7 +15385,7 @@
 </p:sld>
 </file>
 
-<file path=ppt/slides/slide43.xml><?xml version="1.0" encoding="utf-8"?>
+<file path=ppt/slides/slide44.xml><?xml version="1.0" encoding="utf-8"?>
 <p:sld xmlns:a="http://schemas.openxmlformats.org/drawingml/2006/main" xmlns:r="http://schemas.openxmlformats.org/officeDocument/2006/relationships" xmlns:p="http://schemas.openxmlformats.org/presentationml/2006/main">
   <p:cSld>
     <p:spTree>
@@ -15390,7 +15511,7 @@
 </p:sld>
 </file>
 
-<file path=ppt/slides/slide44.xml><?xml version="1.0" encoding="utf-8"?>
+<file path=ppt/slides/slide45.xml><?xml version="1.0" encoding="utf-8"?>
 <p:sld xmlns:a="http://schemas.openxmlformats.org/drawingml/2006/main" xmlns:r="http://schemas.openxmlformats.org/officeDocument/2006/relationships" xmlns:p="http://schemas.openxmlformats.org/presentationml/2006/main">
   <p:cSld>
     <p:spTree>
@@ -15516,7 +15637,7 @@
 </p:sld>
 </file>
 
-<file path=ppt/slides/slide45.xml><?xml version="1.0" encoding="utf-8"?>
+<file path=ppt/slides/slide46.xml><?xml version="1.0" encoding="utf-8"?>
 <p:sld xmlns:a="http://schemas.openxmlformats.org/drawingml/2006/main" xmlns:r="http://schemas.openxmlformats.org/officeDocument/2006/relationships" xmlns:p="http://schemas.openxmlformats.org/presentationml/2006/main">
   <p:cSld>
     <p:spTree>
@@ -15637,127 +15758,6 @@
 </p:sld>
 </file>
 
-<file path=ppt/slides/slide46.xml><?xml version="1.0" encoding="utf-8"?>
-<p:sld xmlns:a="http://schemas.openxmlformats.org/drawingml/2006/main" xmlns:r="http://schemas.openxmlformats.org/officeDocument/2006/relationships" xmlns:p="http://schemas.openxmlformats.org/presentationml/2006/main">
-  <p:cSld>
-    <p:spTree>
-      <p:nvGrpSpPr>
-        <p:cNvPr id="1" name=""/>
-        <p:cNvGrpSpPr/>
-        <p:nvPr/>
-      </p:nvGrpSpPr>
-      <p:grpSpPr>
-        <a:xfrm>
-          <a:off x="0" y="0"/>
-          <a:ext cx="0" cy="0"/>
-          <a:chOff x="0" y="0"/>
-          <a:chExt cx="0" cy="0"/>
-        </a:xfrm>
-      </p:grpSpPr>
-      <p:sp>
-        <p:nvSpPr>
-          <p:cNvPr id="2" name="Title 1"/>
-          <p:cNvSpPr>
-            <a:spLocks noGrp="1"/>
-          </p:cNvSpPr>
-          <p:nvPr>
-            <p:ph type="title"/>
-          </p:nvPr>
-        </p:nvSpPr>
-        <p:spPr/>
-        <p:txBody>
-          <a:bodyPr>
-            <a:normAutofit/>
-          </a:bodyPr>
-          <a:lstStyle/>
-          <a:p>
-            <a:r>
-              <a:rPr lang="en-US" sz="4800" dirty="0" smtClean="0"/>
-              <a:t>Access Control </a:t>
-            </a:r>
-            <a:r>
-              <a:rPr lang="en-US" sz="4800" dirty="0"/>
-              <a:t>– framework</a:t>
-            </a:r>
-          </a:p>
-        </p:txBody>
-      </p:sp>
-      <p:sp>
-        <p:nvSpPr>
-          <p:cNvPr id="3" name="Content Placeholder 2"/>
-          <p:cNvSpPr>
-            <a:spLocks noGrp="1"/>
-          </p:cNvSpPr>
-          <p:nvPr>
-            <p:ph idx="1"/>
-          </p:nvPr>
-        </p:nvSpPr>
-        <p:spPr>
-          <a:xfrm>
-            <a:off x="838200" y="1825624"/>
-            <a:ext cx="10515600" cy="4589923"/>
-          </a:xfrm>
-        </p:spPr>
-        <p:txBody>
-          <a:bodyPr>
-            <a:normAutofit/>
-          </a:bodyPr>
-          <a:lstStyle/>
-          <a:p>
-            <a:endParaRPr lang="en-US" dirty="0" smtClean="0"/>
-          </a:p>
-          <a:p>
-            <a:endParaRPr lang="en-US" dirty="0" smtClean="0"/>
-          </a:p>
-          <a:p>
-            <a:endParaRPr lang="en-US" dirty="0"/>
-          </a:p>
-        </p:txBody>
-      </p:sp>
-      <p:pic>
-        <p:nvPicPr>
-          <p:cNvPr id="4" name="Picture 3"/>
-          <p:cNvPicPr>
-            <a:picLocks noChangeAspect="1"/>
-          </p:cNvPicPr>
-          <p:nvPr/>
-        </p:nvPicPr>
-        <p:blipFill>
-          <a:blip r:embed="rId3"/>
-          <a:stretch>
-            <a:fillRect/>
-          </a:stretch>
-        </p:blipFill>
-        <p:spPr>
-          <a:xfrm>
-            <a:off x="838200" y="2253326"/>
-            <a:ext cx="10532864" cy="3734518"/>
-          </a:xfrm>
-          <a:prstGeom prst="rect">
-            <a:avLst/>
-          </a:prstGeom>
-        </p:spPr>
-      </p:pic>
-    </p:spTree>
-    <p:extLst>
-      <p:ext uri="{BB962C8B-B14F-4D97-AF65-F5344CB8AC3E}">
-        <p14:creationId xmlns:p14="http://schemas.microsoft.com/office/powerpoint/2010/main" val="2515974239"/>
-      </p:ext>
-    </p:extLst>
-  </p:cSld>
-  <p:clrMapOvr>
-    <a:masterClrMapping/>
-  </p:clrMapOvr>
-  <p:timing>
-    <p:tnLst>
-      <p:par>
-        <p:cTn id="1" dur="indefinite" restart="never" nodeType="tmRoot"/>
-      </p:par>
-    </p:tnLst>
-  </p:timing>
-</p:sld>
-</file>
-
 <file path=ppt/slides/slide47.xml><?xml version="1.0" encoding="utf-8"?>
 <p:sld xmlns:a="http://schemas.openxmlformats.org/drawingml/2006/main" xmlns:r="http://schemas.openxmlformats.org/officeDocument/2006/relationships" xmlns:p="http://schemas.openxmlformats.org/presentationml/2006/main">
   <p:cSld>
@@ -15798,13 +15798,8 @@
             </a:r>
             <a:r>
               <a:rPr lang="en-US" sz="4800" dirty="0"/>
-              <a:t>– </a:t>
-            </a:r>
-            <a:r>
-              <a:rPr lang="en-US" sz="4800" dirty="0" smtClean="0"/>
-              <a:t>Row Level Security</a:t>
-            </a:r>
-            <a:endParaRPr lang="en-US" sz="4800" dirty="0"/>
+              <a:t>– framework</a:t>
+            </a:r>
           </a:p>
         </p:txBody>
       </p:sp>
@@ -15840,48 +15835,34 @@
           </a:p>
         </p:txBody>
       </p:sp>
-      <p:sp>
-        <p:nvSpPr>
-          <p:cNvPr id="4" name="TextBox 3"/>
-          <p:cNvSpPr txBox="1"/>
+      <p:pic>
+        <p:nvPicPr>
+          <p:cNvPr id="4" name="Picture 3"/>
+          <p:cNvPicPr>
+            <a:picLocks noChangeAspect="1"/>
+          </p:cNvPicPr>
           <p:nvPr/>
-        </p:nvSpPr>
+        </p:nvPicPr>
+        <p:blipFill>
+          <a:blip r:embed="rId3"/>
+          <a:stretch>
+            <a:fillRect/>
+          </a:stretch>
+        </p:blipFill>
         <p:spPr>
           <a:xfrm>
-            <a:off x="1327355" y="2241755"/>
-            <a:ext cx="7079226" cy="1323439"/>
+            <a:off x="838199" y="2253325"/>
+            <a:ext cx="10782445" cy="3823009"/>
           </a:xfrm>
           <a:prstGeom prst="rect">
             <a:avLst/>
           </a:prstGeom>
-          <a:noFill/>
         </p:spPr>
-        <p:txBody>
-          <a:bodyPr wrap="square" rtlCol="0">
-            <a:spAutoFit/>
-          </a:bodyPr>
-          <a:lstStyle/>
-          <a:p>
-            <a:r>
-              <a:rPr lang="en-US" sz="4000" dirty="0" smtClean="0">
-                <a:solidFill>
-                  <a:srgbClr val="FF0000"/>
-                </a:solidFill>
-              </a:rPr>
-              <a:t>TODO Add transition slide for Session Context</a:t>
-            </a:r>
-            <a:endParaRPr lang="en-US" sz="4000" dirty="0">
-              <a:solidFill>
-                <a:srgbClr val="FF0000"/>
-              </a:solidFill>
-            </a:endParaRPr>
-          </a:p>
-        </p:txBody>
-      </p:sp>
+      </p:pic>
     </p:spTree>
     <p:extLst>
       <p:ext uri="{BB962C8B-B14F-4D97-AF65-F5344CB8AC3E}">
-        <p14:creationId xmlns:p14="http://schemas.microsoft.com/office/powerpoint/2010/main" val="1142635180"/>
+        <p14:creationId xmlns:p14="http://schemas.microsoft.com/office/powerpoint/2010/main" val="2515974239"/>
       </p:ext>
     </p:extLst>
   </p:cSld>
@@ -15996,8 +15977,8 @@
         </p:blipFill>
         <p:spPr>
           <a:xfrm>
-            <a:off x="838199" y="1447348"/>
-            <a:ext cx="11099705" cy="5410652"/>
+            <a:off x="838200" y="2032100"/>
+            <a:ext cx="11207988" cy="4383447"/>
           </a:xfrm>
           <a:prstGeom prst="rect">
             <a:avLst/>
@@ -16007,7 +15988,7 @@
     </p:spTree>
     <p:extLst>
       <p:ext uri="{BB962C8B-B14F-4D97-AF65-F5344CB8AC3E}">
-        <p14:creationId xmlns:p14="http://schemas.microsoft.com/office/powerpoint/2010/main" val="820867429"/>
+        <p14:creationId xmlns:p14="http://schemas.microsoft.com/office/powerpoint/2010/main" val="1142635180"/>
       </p:ext>
     </p:extLst>
   </p:cSld>
@@ -16025,6 +16006,272 @@
 </file>
 
 <file path=ppt/slides/slide49.xml><?xml version="1.0" encoding="utf-8"?>
+<p:sld xmlns:a="http://schemas.openxmlformats.org/drawingml/2006/main" xmlns:r="http://schemas.openxmlformats.org/officeDocument/2006/relationships" xmlns:p="http://schemas.openxmlformats.org/presentationml/2006/main">
+  <p:cSld>
+    <p:spTree>
+      <p:nvGrpSpPr>
+        <p:cNvPr id="1" name=""/>
+        <p:cNvGrpSpPr/>
+        <p:nvPr/>
+      </p:nvGrpSpPr>
+      <p:grpSpPr>
+        <a:xfrm>
+          <a:off x="0" y="0"/>
+          <a:ext cx="0" cy="0"/>
+          <a:chOff x="0" y="0"/>
+          <a:chExt cx="0" cy="0"/>
+        </a:xfrm>
+      </p:grpSpPr>
+      <p:sp>
+        <p:nvSpPr>
+          <p:cNvPr id="2" name="Title 1"/>
+          <p:cNvSpPr>
+            <a:spLocks noGrp="1"/>
+          </p:cNvSpPr>
+          <p:nvPr>
+            <p:ph type="title"/>
+          </p:nvPr>
+        </p:nvSpPr>
+        <p:spPr/>
+        <p:txBody>
+          <a:bodyPr>
+            <a:normAutofit/>
+          </a:bodyPr>
+          <a:lstStyle/>
+          <a:p>
+            <a:r>
+              <a:rPr lang="en-US" sz="4800" dirty="0" smtClean="0"/>
+              <a:t>Access Control </a:t>
+            </a:r>
+            <a:r>
+              <a:rPr lang="en-US" sz="4800" dirty="0"/>
+              <a:t>– </a:t>
+            </a:r>
+            <a:r>
+              <a:rPr lang="en-US" sz="4800" dirty="0" smtClean="0"/>
+              <a:t>Row Level Security</a:t>
+            </a:r>
+            <a:endParaRPr lang="en-US" sz="4800" dirty="0"/>
+          </a:p>
+        </p:txBody>
+      </p:sp>
+      <p:sp>
+        <p:nvSpPr>
+          <p:cNvPr id="3" name="Content Placeholder 2"/>
+          <p:cNvSpPr>
+            <a:spLocks noGrp="1"/>
+          </p:cNvSpPr>
+          <p:nvPr>
+            <p:ph idx="1"/>
+          </p:nvPr>
+        </p:nvSpPr>
+        <p:spPr>
+          <a:xfrm>
+            <a:off x="838200" y="1825624"/>
+            <a:ext cx="10515600" cy="4589923"/>
+          </a:xfrm>
+        </p:spPr>
+        <p:txBody>
+          <a:bodyPr>
+            <a:normAutofit/>
+          </a:bodyPr>
+          <a:lstStyle/>
+          <a:p>
+            <a:endParaRPr lang="en-US" dirty="0" smtClean="0"/>
+          </a:p>
+          <a:p>
+            <a:endParaRPr lang="en-US" dirty="0" smtClean="0"/>
+          </a:p>
+          <a:p>
+            <a:endParaRPr lang="en-US" dirty="0"/>
+          </a:p>
+        </p:txBody>
+      </p:sp>
+      <p:pic>
+        <p:nvPicPr>
+          <p:cNvPr id="4" name="Picture 3"/>
+          <p:cNvPicPr>
+            <a:picLocks noChangeAspect="1"/>
+          </p:cNvPicPr>
+          <p:nvPr/>
+        </p:nvPicPr>
+        <p:blipFill>
+          <a:blip r:embed="rId3"/>
+          <a:stretch>
+            <a:fillRect/>
+          </a:stretch>
+        </p:blipFill>
+        <p:spPr>
+          <a:xfrm>
+            <a:off x="838200" y="2209082"/>
+            <a:ext cx="8920022" cy="2274428"/>
+          </a:xfrm>
+          <a:prstGeom prst="rect">
+            <a:avLst/>
+          </a:prstGeom>
+        </p:spPr>
+      </p:pic>
+      <p:pic>
+        <p:nvPicPr>
+          <p:cNvPr id="6" name="Picture 5"/>
+          <p:cNvPicPr>
+            <a:picLocks noChangeAspect="1"/>
+          </p:cNvPicPr>
+          <p:nvPr/>
+        </p:nvPicPr>
+        <p:blipFill>
+          <a:blip r:embed="rId4"/>
+          <a:stretch>
+            <a:fillRect/>
+          </a:stretch>
+        </p:blipFill>
+        <p:spPr>
+          <a:xfrm>
+            <a:off x="838200" y="4866968"/>
+            <a:ext cx="4033116" cy="1991032"/>
+          </a:xfrm>
+          <a:prstGeom prst="rect">
+            <a:avLst/>
+          </a:prstGeom>
+        </p:spPr>
+      </p:pic>
+    </p:spTree>
+    <p:extLst>
+      <p:ext uri="{BB962C8B-B14F-4D97-AF65-F5344CB8AC3E}">
+        <p14:creationId xmlns:p14="http://schemas.microsoft.com/office/powerpoint/2010/main" val="2490918593"/>
+      </p:ext>
+    </p:extLst>
+  </p:cSld>
+  <p:clrMapOvr>
+    <a:masterClrMapping/>
+  </p:clrMapOvr>
+  <p:timing>
+    <p:tnLst>
+      <p:par>
+        <p:cTn id="1" dur="indefinite" restart="never" nodeType="tmRoot"/>
+      </p:par>
+    </p:tnLst>
+  </p:timing>
+</p:sld>
+</file>
+
+<file path=ppt/slides/slide5.xml><?xml version="1.0" encoding="utf-8"?>
+<p:sld xmlns:a="http://schemas.openxmlformats.org/drawingml/2006/main" xmlns:r="http://schemas.openxmlformats.org/officeDocument/2006/relationships" xmlns:p="http://schemas.openxmlformats.org/presentationml/2006/main">
+  <p:cSld>
+    <p:spTree>
+      <p:nvGrpSpPr>
+        <p:cNvPr id="1" name=""/>
+        <p:cNvGrpSpPr/>
+        <p:nvPr/>
+      </p:nvGrpSpPr>
+      <p:grpSpPr>
+        <a:xfrm>
+          <a:off x="0" y="0"/>
+          <a:ext cx="0" cy="0"/>
+          <a:chOff x="0" y="0"/>
+          <a:chExt cx="0" cy="0"/>
+        </a:xfrm>
+      </p:grpSpPr>
+      <p:sp>
+        <p:nvSpPr>
+          <p:cNvPr id="2" name="Title 1"/>
+          <p:cNvSpPr>
+            <a:spLocks noGrp="1"/>
+          </p:cNvSpPr>
+          <p:nvPr>
+            <p:ph type="title"/>
+          </p:nvPr>
+        </p:nvSpPr>
+        <p:spPr/>
+        <p:txBody>
+          <a:bodyPr>
+            <a:normAutofit/>
+          </a:bodyPr>
+          <a:lstStyle/>
+          <a:p>
+            <a:r>
+              <a:rPr lang="en-US" sz="4800" dirty="0" smtClean="0"/>
+              <a:t>What's on </a:t>
+            </a:r>
+            <a:r>
+              <a:rPr lang="en-US" sz="4800" smtClean="0"/>
+              <a:t>the agenda?</a:t>
+            </a:r>
+            <a:endParaRPr lang="en-US" sz="4800" dirty="0"/>
+          </a:p>
+        </p:txBody>
+      </p:sp>
+      <p:sp>
+        <p:nvSpPr>
+          <p:cNvPr id="3" name="Content Placeholder 2"/>
+          <p:cNvSpPr>
+            <a:spLocks noGrp="1"/>
+          </p:cNvSpPr>
+          <p:nvPr>
+            <p:ph idx="1"/>
+          </p:nvPr>
+        </p:nvSpPr>
+        <p:spPr>
+          <a:xfrm>
+            <a:off x="838200" y="1825624"/>
+            <a:ext cx="10515600" cy="4899641"/>
+          </a:xfrm>
+        </p:spPr>
+        <p:txBody>
+          <a:bodyPr>
+            <a:normAutofit/>
+          </a:bodyPr>
+          <a:lstStyle/>
+          <a:p>
+            <a:r>
+              <a:rPr lang="en-US" sz="4000" dirty="0" smtClean="0"/>
+              <a:t>Define "cross cutting" security concerns</a:t>
+            </a:r>
+          </a:p>
+          <a:p>
+            <a:endParaRPr lang="en-US" sz="4000" dirty="0"/>
+          </a:p>
+          <a:p>
+            <a:endParaRPr lang="en-US" sz="4000" dirty="0"/>
+          </a:p>
+          <a:p>
+            <a:endParaRPr lang="en-US" sz="4000" dirty="0" smtClean="0"/>
+          </a:p>
+          <a:p>
+            <a:endParaRPr lang="en-US" sz="4000" dirty="0" smtClean="0"/>
+          </a:p>
+          <a:p>
+            <a:endParaRPr lang="en-US" dirty="0" smtClean="0"/>
+          </a:p>
+          <a:p>
+            <a:endParaRPr lang="en-US" dirty="0" smtClean="0"/>
+          </a:p>
+          <a:p>
+            <a:endParaRPr lang="en-US" dirty="0"/>
+          </a:p>
+        </p:txBody>
+      </p:sp>
+    </p:spTree>
+    <p:extLst>
+      <p:ext uri="{BB962C8B-B14F-4D97-AF65-F5344CB8AC3E}">
+        <p14:creationId xmlns:p14="http://schemas.microsoft.com/office/powerpoint/2010/main" val="2651230507"/>
+      </p:ext>
+    </p:extLst>
+  </p:cSld>
+  <p:clrMapOvr>
+    <a:masterClrMapping/>
+  </p:clrMapOvr>
+  <p:timing>
+    <p:tnLst>
+      <p:par>
+        <p:cTn id="1" dur="indefinite" restart="never" nodeType="tmRoot"/>
+      </p:par>
+    </p:tnLst>
+  </p:timing>
+</p:sld>
+</file>
+
+<file path=ppt/slides/slide50.xml><?xml version="1.0" encoding="utf-8"?>
 <p:sld xmlns:a="http://schemas.openxmlformats.org/drawingml/2006/main" xmlns:r="http://schemas.openxmlformats.org/officeDocument/2006/relationships" xmlns:p="http://schemas.openxmlformats.org/presentationml/2006/main">
   <p:cSld>
     <p:spTree>
@@ -16150,123 +16397,7 @@
 </p:sld>
 </file>
 
-<file path=ppt/slides/slide5.xml><?xml version="1.0" encoding="utf-8"?>
-<p:sld xmlns:a="http://schemas.openxmlformats.org/drawingml/2006/main" xmlns:r="http://schemas.openxmlformats.org/officeDocument/2006/relationships" xmlns:p="http://schemas.openxmlformats.org/presentationml/2006/main">
-  <p:cSld>
-    <p:spTree>
-      <p:nvGrpSpPr>
-        <p:cNvPr id="1" name=""/>
-        <p:cNvGrpSpPr/>
-        <p:nvPr/>
-      </p:nvGrpSpPr>
-      <p:grpSpPr>
-        <a:xfrm>
-          <a:off x="0" y="0"/>
-          <a:ext cx="0" cy="0"/>
-          <a:chOff x="0" y="0"/>
-          <a:chExt cx="0" cy="0"/>
-        </a:xfrm>
-      </p:grpSpPr>
-      <p:sp>
-        <p:nvSpPr>
-          <p:cNvPr id="2" name="Title 1"/>
-          <p:cNvSpPr>
-            <a:spLocks noGrp="1"/>
-          </p:cNvSpPr>
-          <p:nvPr>
-            <p:ph type="title"/>
-          </p:nvPr>
-        </p:nvSpPr>
-        <p:spPr/>
-        <p:txBody>
-          <a:bodyPr>
-            <a:normAutofit/>
-          </a:bodyPr>
-          <a:lstStyle/>
-          <a:p>
-            <a:r>
-              <a:rPr lang="en-US" sz="4800" dirty="0" smtClean="0"/>
-              <a:t>What's on </a:t>
-            </a:r>
-            <a:r>
-              <a:rPr lang="en-US" sz="4800" smtClean="0"/>
-              <a:t>the agenda?</a:t>
-            </a:r>
-            <a:endParaRPr lang="en-US" sz="4800" dirty="0"/>
-          </a:p>
-        </p:txBody>
-      </p:sp>
-      <p:sp>
-        <p:nvSpPr>
-          <p:cNvPr id="3" name="Content Placeholder 2"/>
-          <p:cNvSpPr>
-            <a:spLocks noGrp="1"/>
-          </p:cNvSpPr>
-          <p:nvPr>
-            <p:ph idx="1"/>
-          </p:nvPr>
-        </p:nvSpPr>
-        <p:spPr>
-          <a:xfrm>
-            <a:off x="838200" y="1825624"/>
-            <a:ext cx="10515600" cy="4899641"/>
-          </a:xfrm>
-        </p:spPr>
-        <p:txBody>
-          <a:bodyPr>
-            <a:normAutofit/>
-          </a:bodyPr>
-          <a:lstStyle/>
-          <a:p>
-            <a:r>
-              <a:rPr lang="en-US" sz="4000" dirty="0" smtClean="0"/>
-              <a:t>Define "cross cutting" security concerns</a:t>
-            </a:r>
-          </a:p>
-          <a:p>
-            <a:endParaRPr lang="en-US" sz="4000" dirty="0"/>
-          </a:p>
-          <a:p>
-            <a:endParaRPr lang="en-US" sz="4000" dirty="0"/>
-          </a:p>
-          <a:p>
-            <a:endParaRPr lang="en-US" sz="4000" dirty="0" smtClean="0"/>
-          </a:p>
-          <a:p>
-            <a:endParaRPr lang="en-US" sz="4000" dirty="0" smtClean="0"/>
-          </a:p>
-          <a:p>
-            <a:endParaRPr lang="en-US" dirty="0" smtClean="0"/>
-          </a:p>
-          <a:p>
-            <a:endParaRPr lang="en-US" dirty="0" smtClean="0"/>
-          </a:p>
-          <a:p>
-            <a:endParaRPr lang="en-US" dirty="0"/>
-          </a:p>
-        </p:txBody>
-      </p:sp>
-    </p:spTree>
-    <p:extLst>
-      <p:ext uri="{BB962C8B-B14F-4D97-AF65-F5344CB8AC3E}">
-        <p14:creationId xmlns:p14="http://schemas.microsoft.com/office/powerpoint/2010/main" val="2651230507"/>
-      </p:ext>
-    </p:extLst>
-  </p:cSld>
-  <p:clrMapOvr>
-    <a:masterClrMapping/>
-  </p:clrMapOvr>
-  <p:timing>
-    <p:tnLst>
-      <p:par>
-        <p:cTn id="1" dur="indefinite" restart="never" nodeType="tmRoot"/>
-      </p:par>
-    </p:tnLst>
-  </p:timing>
-</p:sld>
-</file>
-
-<file path=ppt/slides/slide50.xml><?xml version="1.0" encoding="utf-8"?>
+<file path=ppt/slides/slide51.xml><?xml version="1.0" encoding="utf-8"?>
 <p:sld xmlns:a="http://schemas.openxmlformats.org/drawingml/2006/main" xmlns:r="http://schemas.openxmlformats.org/officeDocument/2006/relationships" xmlns:p="http://schemas.openxmlformats.org/presentationml/2006/main">
   <p:cSld>
     <p:spTree>
@@ -16392,7 +16523,133 @@
 </p:sld>
 </file>
 
-<file path=ppt/slides/slide51.xml><?xml version="1.0" encoding="utf-8"?>
+<file path=ppt/slides/slide52.xml><?xml version="1.0" encoding="utf-8"?>
+<p:sld xmlns:a="http://schemas.openxmlformats.org/drawingml/2006/main" xmlns:r="http://schemas.openxmlformats.org/officeDocument/2006/relationships" xmlns:p="http://schemas.openxmlformats.org/presentationml/2006/main">
+  <p:cSld>
+    <p:spTree>
+      <p:nvGrpSpPr>
+        <p:cNvPr id="1" name=""/>
+        <p:cNvGrpSpPr/>
+        <p:nvPr/>
+      </p:nvGrpSpPr>
+      <p:grpSpPr>
+        <a:xfrm>
+          <a:off x="0" y="0"/>
+          <a:ext cx="0" cy="0"/>
+          <a:chOff x="0" y="0"/>
+          <a:chExt cx="0" cy="0"/>
+        </a:xfrm>
+      </p:grpSpPr>
+      <p:sp>
+        <p:nvSpPr>
+          <p:cNvPr id="2" name="Title 1"/>
+          <p:cNvSpPr>
+            <a:spLocks noGrp="1"/>
+          </p:cNvSpPr>
+          <p:nvPr>
+            <p:ph type="title"/>
+          </p:nvPr>
+        </p:nvSpPr>
+        <p:spPr/>
+        <p:txBody>
+          <a:bodyPr>
+            <a:normAutofit/>
+          </a:bodyPr>
+          <a:lstStyle/>
+          <a:p>
+            <a:r>
+              <a:rPr lang="en-US" sz="4800" dirty="0" smtClean="0"/>
+              <a:t>Access Control </a:t>
+            </a:r>
+            <a:r>
+              <a:rPr lang="en-US" sz="4800" dirty="0"/>
+              <a:t>– </a:t>
+            </a:r>
+            <a:r>
+              <a:rPr lang="en-US" sz="4800" dirty="0" smtClean="0"/>
+              <a:t>Row Level Security</a:t>
+            </a:r>
+            <a:endParaRPr lang="en-US" sz="4800" dirty="0"/>
+          </a:p>
+        </p:txBody>
+      </p:sp>
+      <p:sp>
+        <p:nvSpPr>
+          <p:cNvPr id="3" name="Content Placeholder 2"/>
+          <p:cNvSpPr>
+            <a:spLocks noGrp="1"/>
+          </p:cNvSpPr>
+          <p:nvPr>
+            <p:ph idx="1"/>
+          </p:nvPr>
+        </p:nvSpPr>
+        <p:spPr>
+          <a:xfrm>
+            <a:off x="838200" y="1825624"/>
+            <a:ext cx="10515600" cy="4589923"/>
+          </a:xfrm>
+        </p:spPr>
+        <p:txBody>
+          <a:bodyPr>
+            <a:normAutofit/>
+          </a:bodyPr>
+          <a:lstStyle/>
+          <a:p>
+            <a:endParaRPr lang="en-US" dirty="0" smtClean="0"/>
+          </a:p>
+          <a:p>
+            <a:endParaRPr lang="en-US" dirty="0" smtClean="0"/>
+          </a:p>
+          <a:p>
+            <a:endParaRPr lang="en-US" dirty="0"/>
+          </a:p>
+        </p:txBody>
+      </p:sp>
+      <p:pic>
+        <p:nvPicPr>
+          <p:cNvPr id="4" name="Picture 3"/>
+          <p:cNvPicPr>
+            <a:picLocks noChangeAspect="1"/>
+          </p:cNvPicPr>
+          <p:nvPr/>
+        </p:nvPicPr>
+        <p:blipFill>
+          <a:blip r:embed="rId3"/>
+          <a:stretch>
+            <a:fillRect/>
+          </a:stretch>
+        </p:blipFill>
+        <p:spPr>
+          <a:xfrm>
+            <a:off x="838200" y="1491594"/>
+            <a:ext cx="10701511" cy="5233671"/>
+          </a:xfrm>
+          <a:prstGeom prst="rect">
+            <a:avLst/>
+          </a:prstGeom>
+        </p:spPr>
+      </p:pic>
+    </p:spTree>
+    <p:extLst>
+      <p:ext uri="{BB962C8B-B14F-4D97-AF65-F5344CB8AC3E}">
+        <p14:creationId xmlns:p14="http://schemas.microsoft.com/office/powerpoint/2010/main" val="820867429"/>
+      </p:ext>
+    </p:extLst>
+  </p:cSld>
+  <p:clrMapOvr>
+    <a:masterClrMapping/>
+  </p:clrMapOvr>
+  <p:timing>
+    <p:tnLst>
+      <p:par>
+        <p:cTn id="1" dur="indefinite" restart="never" nodeType="tmRoot"/>
+      </p:par>
+    </p:tnLst>
+  </p:timing>
+</p:sld>
+</file>
+
+<file path=ppt/slides/slide53.xml><?xml version="1.0" encoding="utf-8"?>
 <p:sld xmlns:a="http://schemas.openxmlformats.org/drawingml/2006/main" xmlns:r="http://schemas.openxmlformats.org/officeDocument/2006/relationships" xmlns:p="http://schemas.openxmlformats.org/presentationml/2006/main">
   <p:cSld>
     <p:spTree>
@@ -16513,7 +16770,7 @@
 </p:sld>
 </file>
 
-<file path=ppt/slides/slide52.xml><?xml version="1.0" encoding="utf-8"?>
+<file path=ppt/slides/slide54.xml><?xml version="1.0" encoding="utf-8"?>
 <p:sld xmlns:a="http://schemas.openxmlformats.org/drawingml/2006/main" xmlns:r="http://schemas.openxmlformats.org/officeDocument/2006/relationships" xmlns:p="http://schemas.openxmlformats.org/presentationml/2006/main">
   <p:cSld>
     <p:spTree>
@@ -16573,7 +16830,7 @@
                   <a:srgbClr val="013947"/>
                 </a:solidFill>
               </a:rPr>
-              <a:t>Security by obscurity is weak sauce</a:t>
+              <a:t>Keeping Bob in his sandbox </a:t>
             </a:r>
             <a:endParaRPr lang="en-US" sz="4800" dirty="0">
               <a:solidFill>
@@ -16603,7 +16860,7 @@
 </p:sld>
 </file>
 
-<file path=ppt/slides/slide53.xml><?xml version="1.0" encoding="utf-8"?>
+<file path=ppt/slides/slide55.xml><?xml version="1.0" encoding="utf-8"?>
 <p:sld xmlns:a="http://schemas.openxmlformats.org/drawingml/2006/main" xmlns:r="http://schemas.openxmlformats.org/officeDocument/2006/relationships" xmlns:p="http://schemas.openxmlformats.org/presentationml/2006/main">
   <p:cSld>
     <p:spTree>
@@ -16681,7 +16938,7 @@
       </p:sp>
       <p:pic>
         <p:nvPicPr>
-          <p:cNvPr id="5" name="Picture 4"/>
+          <p:cNvPr id="4" name="Picture 3"/>
           <p:cNvPicPr>
             <a:picLocks noChangeAspect="1"/>
           </p:cNvPicPr>
@@ -16695,8 +16952,8 @@
         </p:blipFill>
         <p:spPr>
           <a:xfrm>
-            <a:off x="838199" y="2946501"/>
-            <a:ext cx="11154151" cy="2731628"/>
+            <a:off x="838200" y="2911595"/>
+            <a:ext cx="11163466" cy="2855025"/>
           </a:xfrm>
           <a:prstGeom prst="rect">
             <a:avLst/>
@@ -16723,7 +16980,7 @@
 </p:sld>
 </file>
 
-<file path=ppt/slides/slide54.xml><?xml version="1.0" encoding="utf-8"?>
+<file path=ppt/slides/slide56.xml><?xml version="1.0" encoding="utf-8"?>
 <p:sld xmlns:a="http://schemas.openxmlformats.org/drawingml/2006/main" xmlns:r="http://schemas.openxmlformats.org/officeDocument/2006/relationships" xmlns:p="http://schemas.openxmlformats.org/presentationml/2006/main">
   <p:cSld>
     <p:spTree>
@@ -16801,7 +17058,7 @@
       </p:sp>
       <p:pic>
         <p:nvPicPr>
-          <p:cNvPr id="5" name="Picture 4"/>
+          <p:cNvPr id="4" name="Picture 3"/>
           <p:cNvPicPr>
             <a:picLocks noChangeAspect="1"/>
           </p:cNvPicPr>
@@ -16815,56 +17072,42 @@
         </p:blipFill>
         <p:spPr>
           <a:xfrm>
-            <a:off x="838199" y="2946501"/>
-            <a:ext cx="11154151" cy="2731628"/>
+            <a:off x="838200" y="2911595"/>
+            <a:ext cx="11163466" cy="2855025"/>
           </a:xfrm>
           <a:prstGeom prst="rect">
             <a:avLst/>
           </a:prstGeom>
         </p:spPr>
       </p:pic>
-      <p:sp>
-        <p:nvSpPr>
-          <p:cNvPr id="4" name="TextBox 3"/>
-          <p:cNvSpPr txBox="1"/>
+      <p:pic>
+        <p:nvPicPr>
+          <p:cNvPr id="5" name="Picture 4"/>
+          <p:cNvPicPr>
+            <a:picLocks noChangeAspect="1"/>
+          </p:cNvPicPr>
           <p:nvPr/>
-        </p:nvSpPr>
+        </p:nvPicPr>
+        <p:blipFill>
+          <a:blip r:embed="rId4"/>
+          <a:stretch>
+            <a:fillRect/>
+          </a:stretch>
+        </p:blipFill>
         <p:spPr>
           <a:xfrm>
-            <a:off x="2389239" y="1578077"/>
-            <a:ext cx="6474542" cy="954107"/>
+            <a:off x="838200" y="2911595"/>
+            <a:ext cx="11163466" cy="2855025"/>
           </a:xfrm>
           <a:prstGeom prst="rect">
             <a:avLst/>
           </a:prstGeom>
-          <a:noFill/>
         </p:spPr>
-        <p:txBody>
-          <a:bodyPr wrap="square" rtlCol="0">
-            <a:spAutoFit/>
-          </a:bodyPr>
-          <a:lstStyle/>
-          <a:p>
-            <a:r>
-              <a:rPr lang="en-US" sz="2800" dirty="0" smtClean="0">
-                <a:solidFill>
-                  <a:srgbClr val="FF0000"/>
-                </a:solidFill>
-              </a:rPr>
-              <a:t>TODO: Show arrows and circles highlighting what stays the same, and what changes</a:t>
-            </a:r>
-            <a:endParaRPr lang="en-US" sz="2800" dirty="0">
-              <a:solidFill>
-                <a:srgbClr val="FF0000"/>
-              </a:solidFill>
-            </a:endParaRPr>
-          </a:p>
-        </p:txBody>
-      </p:sp>
+      </p:pic>
     </p:spTree>
     <p:extLst>
       <p:ext uri="{BB962C8B-B14F-4D97-AF65-F5344CB8AC3E}">
-        <p14:creationId xmlns:p14="http://schemas.microsoft.com/office/powerpoint/2010/main" val="2638902081"/>
+        <p14:creationId xmlns:p14="http://schemas.microsoft.com/office/powerpoint/2010/main" val="3898066797"/>
       </p:ext>
     </p:extLst>
   </p:cSld>
@@ -16881,7 +17124,7 @@
 </p:sld>
 </file>
 
-<file path=ppt/slides/slide55.xml><?xml version="1.0" encoding="utf-8"?>
+<file path=ppt/slides/slide57.xml><?xml version="1.0" encoding="utf-8"?>
 <p:sld xmlns:a="http://schemas.openxmlformats.org/drawingml/2006/main" xmlns:r="http://schemas.openxmlformats.org/officeDocument/2006/relationships" xmlns:p="http://schemas.openxmlformats.org/presentationml/2006/main">
   <p:cSld>
     <p:spTree>
@@ -17006,7 +17249,7 @@
 </p:sld>
 </file>
 
-<file path=ppt/slides/slide56.xml><?xml version="1.0" encoding="utf-8"?>
+<file path=ppt/slides/slide58.xml><?xml version="1.0" encoding="utf-8"?>
 <p:sld xmlns:a="http://schemas.openxmlformats.org/drawingml/2006/main" xmlns:r="http://schemas.openxmlformats.org/officeDocument/2006/relationships" xmlns:p="http://schemas.openxmlformats.org/presentationml/2006/main">
   <p:cSld>
     <p:spTree>
@@ -17102,7 +17345,7 @@
 </p:sld>
 </file>
 
-<file path=ppt/slides/slide57.xml><?xml version="1.0" encoding="utf-8"?>
+<file path=ppt/slides/slide59.xml><?xml version="1.0" encoding="utf-8"?>
 <p:sld xmlns:a="http://schemas.openxmlformats.org/drawingml/2006/main" xmlns:r="http://schemas.openxmlformats.org/officeDocument/2006/relationships" xmlns:p="http://schemas.openxmlformats.org/presentationml/2006/main">
   <p:cSld>
     <p:spTree>
@@ -17192,7 +17435,141 @@
 </p:sld>
 </file>
 
-<file path=ppt/slides/slide58.xml><?xml version="1.0" encoding="utf-8"?>
+<file path=ppt/slides/slide6.xml><?xml version="1.0" encoding="utf-8"?>
+<p:sld xmlns:a="http://schemas.openxmlformats.org/drawingml/2006/main" xmlns:r="http://schemas.openxmlformats.org/officeDocument/2006/relationships" xmlns:p="http://schemas.openxmlformats.org/presentationml/2006/main">
+  <p:cSld>
+    <p:spTree>
+      <p:nvGrpSpPr>
+        <p:cNvPr id="1" name=""/>
+        <p:cNvGrpSpPr/>
+        <p:nvPr/>
+      </p:nvGrpSpPr>
+      <p:grpSpPr>
+        <a:xfrm>
+          <a:off x="0" y="0"/>
+          <a:ext cx="0" cy="0"/>
+          <a:chOff x="0" y="0"/>
+          <a:chExt cx="0" cy="0"/>
+        </a:xfrm>
+      </p:grpSpPr>
+      <p:sp>
+        <p:nvSpPr>
+          <p:cNvPr id="2" name="Title 1"/>
+          <p:cNvSpPr>
+            <a:spLocks noGrp="1"/>
+          </p:cNvSpPr>
+          <p:nvPr>
+            <p:ph type="title"/>
+          </p:nvPr>
+        </p:nvSpPr>
+        <p:spPr/>
+        <p:txBody>
+          <a:bodyPr>
+            <a:normAutofit/>
+          </a:bodyPr>
+          <a:lstStyle/>
+          <a:p>
+            <a:r>
+              <a:rPr lang="en-US" sz="4800" dirty="0" smtClean="0"/>
+              <a:t>What's on </a:t>
+            </a:r>
+            <a:r>
+              <a:rPr lang="en-US" sz="4800" smtClean="0"/>
+              <a:t>the agenda?</a:t>
+            </a:r>
+            <a:endParaRPr lang="en-US" sz="4800" dirty="0"/>
+          </a:p>
+        </p:txBody>
+      </p:sp>
+      <p:sp>
+        <p:nvSpPr>
+          <p:cNvPr id="3" name="Content Placeholder 2"/>
+          <p:cNvSpPr>
+            <a:spLocks noGrp="1"/>
+          </p:cNvSpPr>
+          <p:nvPr>
+            <p:ph idx="1"/>
+          </p:nvPr>
+        </p:nvSpPr>
+        <p:spPr>
+          <a:xfrm>
+            <a:off x="838200" y="1825624"/>
+            <a:ext cx="10515600" cy="4899641"/>
+          </a:xfrm>
+        </p:spPr>
+        <p:txBody>
+          <a:bodyPr>
+            <a:normAutofit/>
+          </a:bodyPr>
+          <a:lstStyle/>
+          <a:p>
+            <a:r>
+              <a:rPr lang="en-US" sz="4000" dirty="0" smtClean="0">
+                <a:solidFill>
+                  <a:schemeClr val="bg1">
+                    <a:lumMod val="65000"/>
+                  </a:schemeClr>
+                </a:solidFill>
+              </a:rPr>
+              <a:t>Define "cross cutting" security concerns</a:t>
+            </a:r>
+          </a:p>
+          <a:p>
+            <a:endParaRPr lang="en-US" sz="4000" dirty="0"/>
+          </a:p>
+          <a:p>
+            <a:r>
+              <a:rPr lang="en-US" sz="4000" dirty="0" smtClean="0"/>
+              <a:t>"Secure by default" examples</a:t>
+            </a:r>
+          </a:p>
+          <a:p>
+            <a:endParaRPr lang="en-US" sz="4000" dirty="0"/>
+          </a:p>
+          <a:p>
+            <a:endParaRPr lang="en-US" sz="4000" dirty="0" smtClean="0"/>
+          </a:p>
+          <a:p>
+            <a:endParaRPr lang="en-US" sz="4000" dirty="0"/>
+          </a:p>
+          <a:p>
+            <a:endParaRPr lang="en-US" sz="4000" dirty="0" smtClean="0"/>
+          </a:p>
+          <a:p>
+            <a:endParaRPr lang="en-US" sz="4000" dirty="0" smtClean="0"/>
+          </a:p>
+          <a:p>
+            <a:endParaRPr lang="en-US" dirty="0" smtClean="0"/>
+          </a:p>
+          <a:p>
+            <a:endParaRPr lang="en-US" dirty="0" smtClean="0"/>
+          </a:p>
+          <a:p>
+            <a:endParaRPr lang="en-US" dirty="0"/>
+          </a:p>
+        </p:txBody>
+      </p:sp>
+    </p:spTree>
+    <p:extLst>
+      <p:ext uri="{BB962C8B-B14F-4D97-AF65-F5344CB8AC3E}">
+        <p14:creationId xmlns:p14="http://schemas.microsoft.com/office/powerpoint/2010/main" val="902317821"/>
+      </p:ext>
+    </p:extLst>
+  </p:cSld>
+  <p:clrMapOvr>
+    <a:masterClrMapping/>
+  </p:clrMapOvr>
+  <p:timing>
+    <p:tnLst>
+      <p:par>
+        <p:cTn id="1" dur="indefinite" restart="never" nodeType="tmRoot"/>
+      </p:par>
+    </p:tnLst>
+  </p:timing>
+</p:sld>
+</file>
+
+<file path=ppt/slides/slide60.xml><?xml version="1.0" encoding="utf-8"?>
 <p:sld xmlns:a="http://schemas.openxmlformats.org/drawingml/2006/main" xmlns:r="http://schemas.openxmlformats.org/officeDocument/2006/relationships" xmlns:p="http://schemas.openxmlformats.org/presentationml/2006/main">
   <p:cSld>
     <p:spTree>
@@ -17316,7 +17693,7 @@
 </p:sld>
 </file>
 
-<file path=ppt/slides/slide59.xml><?xml version="1.0" encoding="utf-8"?>
+<file path=ppt/slides/slide61.xml><?xml version="1.0" encoding="utf-8"?>
 <p:sld xmlns:a="http://schemas.openxmlformats.org/drawingml/2006/main" xmlns:r="http://schemas.openxmlformats.org/officeDocument/2006/relationships" xmlns:p="http://schemas.openxmlformats.org/presentationml/2006/main">
   <p:cSld>
     <p:spTree>
@@ -17441,141 +17818,7 @@
 </p:sld>
 </file>
 
-<file path=ppt/slides/slide6.xml><?xml version="1.0" encoding="utf-8"?>
-<p:sld xmlns:a="http://schemas.openxmlformats.org/drawingml/2006/main" xmlns:r="http://schemas.openxmlformats.org/officeDocument/2006/relationships" xmlns:p="http://schemas.openxmlformats.org/presentationml/2006/main">
-  <p:cSld>
-    <p:spTree>
-      <p:nvGrpSpPr>
-        <p:cNvPr id="1" name=""/>
-        <p:cNvGrpSpPr/>
-        <p:nvPr/>
-      </p:nvGrpSpPr>
-      <p:grpSpPr>
-        <a:xfrm>
-          <a:off x="0" y="0"/>
-          <a:ext cx="0" cy="0"/>
-          <a:chOff x="0" y="0"/>
-          <a:chExt cx="0" cy="0"/>
-        </a:xfrm>
-      </p:grpSpPr>
-      <p:sp>
-        <p:nvSpPr>
-          <p:cNvPr id="2" name="Title 1"/>
-          <p:cNvSpPr>
-            <a:spLocks noGrp="1"/>
-          </p:cNvSpPr>
-          <p:nvPr>
-            <p:ph type="title"/>
-          </p:nvPr>
-        </p:nvSpPr>
-        <p:spPr/>
-        <p:txBody>
-          <a:bodyPr>
-            <a:normAutofit/>
-          </a:bodyPr>
-          <a:lstStyle/>
-          <a:p>
-            <a:r>
-              <a:rPr lang="en-US" sz="4800" dirty="0" smtClean="0"/>
-              <a:t>What's on </a:t>
-            </a:r>
-            <a:r>
-              <a:rPr lang="en-US" sz="4800" smtClean="0"/>
-              <a:t>the agenda?</a:t>
-            </a:r>
-            <a:endParaRPr lang="en-US" sz="4800" dirty="0"/>
-          </a:p>
-        </p:txBody>
-      </p:sp>
-      <p:sp>
-        <p:nvSpPr>
-          <p:cNvPr id="3" name="Content Placeholder 2"/>
-          <p:cNvSpPr>
-            <a:spLocks noGrp="1"/>
-          </p:cNvSpPr>
-          <p:nvPr>
-            <p:ph idx="1"/>
-          </p:nvPr>
-        </p:nvSpPr>
-        <p:spPr>
-          <a:xfrm>
-            <a:off x="838200" y="1825624"/>
-            <a:ext cx="10515600" cy="4899641"/>
-          </a:xfrm>
-        </p:spPr>
-        <p:txBody>
-          <a:bodyPr>
-            <a:normAutofit/>
-          </a:bodyPr>
-          <a:lstStyle/>
-          <a:p>
-            <a:r>
-              <a:rPr lang="en-US" sz="4000" dirty="0" smtClean="0">
-                <a:solidFill>
-                  <a:schemeClr val="bg1">
-                    <a:lumMod val="65000"/>
-                  </a:schemeClr>
-                </a:solidFill>
-              </a:rPr>
-              <a:t>Define "cross cutting" security concerns</a:t>
-            </a:r>
-          </a:p>
-          <a:p>
-            <a:endParaRPr lang="en-US" sz="4000" dirty="0"/>
-          </a:p>
-          <a:p>
-            <a:r>
-              <a:rPr lang="en-US" sz="4000" dirty="0" smtClean="0"/>
-              <a:t>"Secure by default" examples</a:t>
-            </a:r>
-          </a:p>
-          <a:p>
-            <a:endParaRPr lang="en-US" sz="4000" dirty="0"/>
-          </a:p>
-          <a:p>
-            <a:endParaRPr lang="en-US" sz="4000" dirty="0" smtClean="0"/>
-          </a:p>
-          <a:p>
-            <a:endParaRPr lang="en-US" sz="4000" dirty="0"/>
-          </a:p>
-          <a:p>
-            <a:endParaRPr lang="en-US" sz="4000" dirty="0" smtClean="0"/>
-          </a:p>
-          <a:p>
-            <a:endParaRPr lang="en-US" sz="4000" dirty="0" smtClean="0"/>
-          </a:p>
-          <a:p>
-            <a:endParaRPr lang="en-US" dirty="0" smtClean="0"/>
-          </a:p>
-          <a:p>
-            <a:endParaRPr lang="en-US" dirty="0" smtClean="0"/>
-          </a:p>
-          <a:p>
-            <a:endParaRPr lang="en-US" dirty="0"/>
-          </a:p>
-        </p:txBody>
-      </p:sp>
-    </p:spTree>
-    <p:extLst>
-      <p:ext uri="{BB962C8B-B14F-4D97-AF65-F5344CB8AC3E}">
-        <p14:creationId xmlns:p14="http://schemas.microsoft.com/office/powerpoint/2010/main" val="902317821"/>
-      </p:ext>
-    </p:extLst>
-  </p:cSld>
-  <p:clrMapOvr>
-    <a:masterClrMapping/>
-  </p:clrMapOvr>
-  <p:timing>
-    <p:tnLst>
-      <p:par>
-        <p:cTn id="1" dur="indefinite" restart="never" nodeType="tmRoot"/>
-      </p:par>
-    </p:tnLst>
-  </p:timing>
-</p:sld>
-</file>
-
-<file path=ppt/slides/slide60.xml><?xml version="1.0" encoding="utf-8"?>
+<file path=ppt/slides/slide62.xml><?xml version="1.0" encoding="utf-8"?>
 <p:sld xmlns:a="http://schemas.openxmlformats.org/drawingml/2006/main" xmlns:r="http://schemas.openxmlformats.org/officeDocument/2006/relationships" xmlns:p="http://schemas.openxmlformats.org/presentationml/2006/main">
   <p:cSld>
     <p:spTree>
@@ -17668,7 +17911,7 @@
 </p:sld>
 </file>
 
-<file path=ppt/slides/slide61.xml><?xml version="1.0" encoding="utf-8"?>
+<file path=ppt/slides/slide63.xml><?xml version="1.0" encoding="utf-8"?>
 <p:sld xmlns:a="http://schemas.openxmlformats.org/drawingml/2006/main" xmlns:r="http://schemas.openxmlformats.org/officeDocument/2006/relationships" xmlns:p="http://schemas.openxmlformats.org/presentationml/2006/main">
   <p:cSld>
     <p:spTree>
@@ -17793,7 +18036,7 @@
 </p:sld>
 </file>
 
-<file path=ppt/slides/slide62.xml><?xml version="1.0" encoding="utf-8"?>
+<file path=ppt/slides/slide64.xml><?xml version="1.0" encoding="utf-8"?>
 <p:sld xmlns:a="http://schemas.openxmlformats.org/drawingml/2006/main" xmlns:r="http://schemas.openxmlformats.org/officeDocument/2006/relationships" xmlns:p="http://schemas.openxmlformats.org/presentationml/2006/main">
   <p:cSld>
     <p:spTree>
@@ -17926,7 +18169,7 @@
 </p:sld>
 </file>
 
-<file path=ppt/slides/slide63.xml><?xml version="1.0" encoding="utf-8"?>
+<file path=ppt/slides/slide65.xml><?xml version="1.0" encoding="utf-8"?>
 <p:sld xmlns:a="http://schemas.openxmlformats.org/drawingml/2006/main" xmlns:r="http://schemas.openxmlformats.org/officeDocument/2006/relationships" xmlns:p="http://schemas.openxmlformats.org/presentationml/2006/main">
   <p:cSld>
     <p:spTree>
@@ -18032,7 +18275,7 @@
 </p:sld>
 </file>
 
-<file path=ppt/slides/slide64.xml><?xml version="1.0" encoding="utf-8"?>
+<file path=ppt/slides/slide66.xml><?xml version="1.0" encoding="utf-8"?>
 <p:sld xmlns:a="http://schemas.openxmlformats.org/drawingml/2006/main" xmlns:r="http://schemas.openxmlformats.org/officeDocument/2006/relationships" xmlns:p="http://schemas.openxmlformats.org/presentationml/2006/main">
   <p:cSld>
     <p:spTree>
@@ -18153,7 +18396,7 @@
 </p:sld>
 </file>
 
-<file path=ppt/slides/slide65.xml><?xml version="1.0" encoding="utf-8"?>
+<file path=ppt/slides/slide67.xml><?xml version="1.0" encoding="utf-8"?>
 <p:sld xmlns:a="http://schemas.openxmlformats.org/drawingml/2006/main" xmlns:r="http://schemas.openxmlformats.org/officeDocument/2006/relationships" xmlns:p="http://schemas.openxmlformats.org/presentationml/2006/main">
   <p:cSld>
     <p:spTree>
@@ -18273,7 +18516,7 @@
 </p:sld>
 </file>
 
-<file path=ppt/slides/slide66.xml><?xml version="1.0" encoding="utf-8"?>
+<file path=ppt/slides/slide68.xml><?xml version="1.0" encoding="utf-8"?>
 <p:sld xmlns:a="http://schemas.openxmlformats.org/drawingml/2006/main" xmlns:r="http://schemas.openxmlformats.org/officeDocument/2006/relationships" xmlns:p="http://schemas.openxmlformats.org/presentationml/2006/main">
   <p:cSld>
     <p:spTree>
@@ -18393,7 +18636,7 @@
 </p:sld>
 </file>
 
-<file path=ppt/slides/slide67.xml><?xml version="1.0" encoding="utf-8"?>
+<file path=ppt/slides/slide69.xml><?xml version="1.0" encoding="utf-8"?>
 <p:sld xmlns:a="http://schemas.openxmlformats.org/drawingml/2006/main" xmlns:r="http://schemas.openxmlformats.org/officeDocument/2006/relationships" xmlns:p="http://schemas.openxmlformats.org/presentationml/2006/main">
   <p:cSld>
     <p:spTree>
@@ -18513,7 +18756,159 @@
 </p:sld>
 </file>
 
-<file path=ppt/slides/slide68.xml><?xml version="1.0" encoding="utf-8"?>
+<file path=ppt/slides/slide7.xml><?xml version="1.0" encoding="utf-8"?>
+<p:sld xmlns:a="http://schemas.openxmlformats.org/drawingml/2006/main" xmlns:r="http://schemas.openxmlformats.org/officeDocument/2006/relationships" xmlns:p="http://schemas.openxmlformats.org/presentationml/2006/main">
+  <p:cSld>
+    <p:spTree>
+      <p:nvGrpSpPr>
+        <p:cNvPr id="1" name=""/>
+        <p:cNvGrpSpPr/>
+        <p:nvPr/>
+      </p:nvGrpSpPr>
+      <p:grpSpPr>
+        <a:xfrm>
+          <a:off x="0" y="0"/>
+          <a:ext cx="0" cy="0"/>
+          <a:chOff x="0" y="0"/>
+          <a:chExt cx="0" cy="0"/>
+        </a:xfrm>
+      </p:grpSpPr>
+      <p:sp>
+        <p:nvSpPr>
+          <p:cNvPr id="2" name="Title 1"/>
+          <p:cNvSpPr>
+            <a:spLocks noGrp="1"/>
+          </p:cNvSpPr>
+          <p:nvPr>
+            <p:ph type="title"/>
+          </p:nvPr>
+        </p:nvSpPr>
+        <p:spPr/>
+        <p:txBody>
+          <a:bodyPr>
+            <a:normAutofit/>
+          </a:bodyPr>
+          <a:lstStyle/>
+          <a:p>
+            <a:r>
+              <a:rPr lang="en-US" sz="4800" dirty="0" smtClean="0"/>
+              <a:t>What's on </a:t>
+            </a:r>
+            <a:r>
+              <a:rPr lang="en-US" sz="4800" smtClean="0"/>
+              <a:t>the agenda?</a:t>
+            </a:r>
+            <a:endParaRPr lang="en-US" sz="4800" dirty="0"/>
+          </a:p>
+        </p:txBody>
+      </p:sp>
+      <p:sp>
+        <p:nvSpPr>
+          <p:cNvPr id="3" name="Content Placeholder 2"/>
+          <p:cNvSpPr>
+            <a:spLocks noGrp="1"/>
+          </p:cNvSpPr>
+          <p:nvPr>
+            <p:ph idx="1"/>
+          </p:nvPr>
+        </p:nvSpPr>
+        <p:spPr>
+          <a:xfrm>
+            <a:off x="838200" y="1825624"/>
+            <a:ext cx="10515600" cy="4899641"/>
+          </a:xfrm>
+        </p:spPr>
+        <p:txBody>
+          <a:bodyPr>
+            <a:normAutofit/>
+          </a:bodyPr>
+          <a:lstStyle/>
+          <a:p>
+            <a:r>
+              <a:rPr lang="en-US" sz="4000" dirty="0" smtClean="0">
+                <a:solidFill>
+                  <a:schemeClr val="bg1">
+                    <a:lumMod val="65000"/>
+                  </a:schemeClr>
+                </a:solidFill>
+              </a:rPr>
+              <a:t>Define "cross cutting" security concerns</a:t>
+            </a:r>
+          </a:p>
+          <a:p>
+            <a:endParaRPr lang="en-US" sz="4000" dirty="0">
+              <a:solidFill>
+                <a:schemeClr val="bg1">
+                  <a:lumMod val="65000"/>
+                </a:schemeClr>
+              </a:solidFill>
+            </a:endParaRPr>
+          </a:p>
+          <a:p>
+            <a:r>
+              <a:rPr lang="en-US" sz="4000" dirty="0" smtClean="0">
+                <a:solidFill>
+                  <a:schemeClr val="bg1">
+                    <a:lumMod val="65000"/>
+                  </a:schemeClr>
+                </a:solidFill>
+              </a:rPr>
+              <a:t>"Secure by default" examples</a:t>
+            </a:r>
+          </a:p>
+          <a:p>
+            <a:endParaRPr lang="en-US" sz="4000" dirty="0"/>
+          </a:p>
+          <a:p>
+            <a:r>
+              <a:rPr lang="en-US" sz="4000" dirty="0" smtClean="0"/>
+              <a:t>Declarative vs Imperative security</a:t>
+            </a:r>
+          </a:p>
+          <a:p>
+            <a:endParaRPr lang="en-US" sz="4000" dirty="0"/>
+          </a:p>
+          <a:p>
+            <a:endParaRPr lang="en-US" sz="4000" dirty="0"/>
+          </a:p>
+          <a:p>
+            <a:endParaRPr lang="en-US" sz="4000" dirty="0" smtClean="0"/>
+          </a:p>
+          <a:p>
+            <a:endParaRPr lang="en-US" sz="4000" dirty="0" smtClean="0"/>
+          </a:p>
+          <a:p>
+            <a:endParaRPr lang="en-US" dirty="0" smtClean="0"/>
+          </a:p>
+          <a:p>
+            <a:endParaRPr lang="en-US" dirty="0" smtClean="0"/>
+          </a:p>
+          <a:p>
+            <a:endParaRPr lang="en-US" dirty="0"/>
+          </a:p>
+        </p:txBody>
+      </p:sp>
+    </p:spTree>
+    <p:extLst>
+      <p:ext uri="{BB962C8B-B14F-4D97-AF65-F5344CB8AC3E}">
+        <p14:creationId xmlns:p14="http://schemas.microsoft.com/office/powerpoint/2010/main" val="1001694156"/>
+      </p:ext>
+    </p:extLst>
+  </p:cSld>
+  <p:clrMapOvr>
+    <a:masterClrMapping/>
+  </p:clrMapOvr>
+  <p:timing>
+    <p:tnLst>
+      <p:par>
+        <p:cTn id="1" dur="indefinite" restart="never" nodeType="tmRoot"/>
+      </p:par>
+    </p:tnLst>
+  </p:timing>
+</p:sld>
+</file>
+
+<file path=ppt/slides/slide70.xml><?xml version="1.0" encoding="utf-8"?>
 <p:sld xmlns:a="http://schemas.openxmlformats.org/drawingml/2006/main" xmlns:r="http://schemas.openxmlformats.org/officeDocument/2006/relationships" xmlns:p="http://schemas.openxmlformats.org/presentationml/2006/main">
   <p:cSld>
     <p:spTree>
@@ -18633,7 +19028,7 @@
 </p:sld>
 </file>
 
-<file path=ppt/slides/slide69.xml><?xml version="1.0" encoding="utf-8"?>
+<file path=ppt/slides/slide71.xml><?xml version="1.0" encoding="utf-8"?>
 <p:sld xmlns:a="http://schemas.openxmlformats.org/drawingml/2006/main" xmlns:r="http://schemas.openxmlformats.org/officeDocument/2006/relationships" xmlns:p="http://schemas.openxmlformats.org/presentationml/2006/main">
   <p:cSld>
     <p:spTree>
@@ -18775,159 +19170,7 @@
 </p:sld>
 </file>
 
-<file path=ppt/slides/slide7.xml><?xml version="1.0" encoding="utf-8"?>
-<p:sld xmlns:a="http://schemas.openxmlformats.org/drawingml/2006/main" xmlns:r="http://schemas.openxmlformats.org/officeDocument/2006/relationships" xmlns:p="http://schemas.openxmlformats.org/presentationml/2006/main">
-  <p:cSld>
-    <p:spTree>
-      <p:nvGrpSpPr>
-        <p:cNvPr id="1" name=""/>
-        <p:cNvGrpSpPr/>
-        <p:nvPr/>
-      </p:nvGrpSpPr>
-      <p:grpSpPr>
-        <a:xfrm>
-          <a:off x="0" y="0"/>
-          <a:ext cx="0" cy="0"/>
-          <a:chOff x="0" y="0"/>
-          <a:chExt cx="0" cy="0"/>
-        </a:xfrm>
-      </p:grpSpPr>
-      <p:sp>
-        <p:nvSpPr>
-          <p:cNvPr id="2" name="Title 1"/>
-          <p:cNvSpPr>
-            <a:spLocks noGrp="1"/>
-          </p:cNvSpPr>
-          <p:nvPr>
-            <p:ph type="title"/>
-          </p:nvPr>
-        </p:nvSpPr>
-        <p:spPr/>
-        <p:txBody>
-          <a:bodyPr>
-            <a:normAutofit/>
-          </a:bodyPr>
-          <a:lstStyle/>
-          <a:p>
-            <a:r>
-              <a:rPr lang="en-US" sz="4800" dirty="0" smtClean="0"/>
-              <a:t>What's on </a:t>
-            </a:r>
-            <a:r>
-              <a:rPr lang="en-US" sz="4800" smtClean="0"/>
-              <a:t>the agenda?</a:t>
-            </a:r>
-            <a:endParaRPr lang="en-US" sz="4800" dirty="0"/>
-          </a:p>
-        </p:txBody>
-      </p:sp>
-      <p:sp>
-        <p:nvSpPr>
-          <p:cNvPr id="3" name="Content Placeholder 2"/>
-          <p:cNvSpPr>
-            <a:spLocks noGrp="1"/>
-          </p:cNvSpPr>
-          <p:nvPr>
-            <p:ph idx="1"/>
-          </p:nvPr>
-        </p:nvSpPr>
-        <p:spPr>
-          <a:xfrm>
-            <a:off x="838200" y="1825624"/>
-            <a:ext cx="10515600" cy="4899641"/>
-          </a:xfrm>
-        </p:spPr>
-        <p:txBody>
-          <a:bodyPr>
-            <a:normAutofit/>
-          </a:bodyPr>
-          <a:lstStyle/>
-          <a:p>
-            <a:r>
-              <a:rPr lang="en-US" sz="4000" dirty="0" smtClean="0">
-                <a:solidFill>
-                  <a:schemeClr val="bg1">
-                    <a:lumMod val="65000"/>
-                  </a:schemeClr>
-                </a:solidFill>
-              </a:rPr>
-              <a:t>Define "cross cutting" security concerns</a:t>
-            </a:r>
-          </a:p>
-          <a:p>
-            <a:endParaRPr lang="en-US" sz="4000" dirty="0">
-              <a:solidFill>
-                <a:schemeClr val="bg1">
-                  <a:lumMod val="65000"/>
-                </a:schemeClr>
-              </a:solidFill>
-            </a:endParaRPr>
-          </a:p>
-          <a:p>
-            <a:r>
-              <a:rPr lang="en-US" sz="4000" dirty="0" smtClean="0">
-                <a:solidFill>
-                  <a:schemeClr val="bg1">
-                    <a:lumMod val="65000"/>
-                  </a:schemeClr>
-                </a:solidFill>
-              </a:rPr>
-              <a:t>"Secure by default" examples</a:t>
-            </a:r>
-          </a:p>
-          <a:p>
-            <a:endParaRPr lang="en-US" sz="4000" dirty="0"/>
-          </a:p>
-          <a:p>
-            <a:r>
-              <a:rPr lang="en-US" sz="4000" dirty="0" smtClean="0"/>
-              <a:t>Declarative vs Imperative security</a:t>
-            </a:r>
-          </a:p>
-          <a:p>
-            <a:endParaRPr lang="en-US" sz="4000" dirty="0"/>
-          </a:p>
-          <a:p>
-            <a:endParaRPr lang="en-US" sz="4000" dirty="0"/>
-          </a:p>
-          <a:p>
-            <a:endParaRPr lang="en-US" sz="4000" dirty="0" smtClean="0"/>
-          </a:p>
-          <a:p>
-            <a:endParaRPr lang="en-US" sz="4000" dirty="0" smtClean="0"/>
-          </a:p>
-          <a:p>
-            <a:endParaRPr lang="en-US" dirty="0" smtClean="0"/>
-          </a:p>
-          <a:p>
-            <a:endParaRPr lang="en-US" dirty="0" smtClean="0"/>
-          </a:p>
-          <a:p>
-            <a:endParaRPr lang="en-US" dirty="0"/>
-          </a:p>
-        </p:txBody>
-      </p:sp>
-    </p:spTree>
-    <p:extLst>
-      <p:ext uri="{BB962C8B-B14F-4D97-AF65-F5344CB8AC3E}">
-        <p14:creationId xmlns:p14="http://schemas.microsoft.com/office/powerpoint/2010/main" val="1001694156"/>
-      </p:ext>
-    </p:extLst>
-  </p:cSld>
-  <p:clrMapOvr>
-    <a:masterClrMapping/>
-  </p:clrMapOvr>
-  <p:timing>
-    <p:tnLst>
-      <p:par>
-        <p:cTn id="1" dur="indefinite" restart="never" nodeType="tmRoot"/>
-      </p:par>
-    </p:tnLst>
-  </p:timing>
-</p:sld>
-</file>
-
-<file path=ppt/slides/slide70.xml><?xml version="1.0" encoding="utf-8"?>
+<file path=ppt/slides/slide72.xml><?xml version="1.0" encoding="utf-8"?>
 <p:sld xmlns:a="http://schemas.openxmlformats.org/drawingml/2006/main" xmlns:r="http://schemas.openxmlformats.org/officeDocument/2006/relationships" xmlns:p="http://schemas.openxmlformats.org/presentationml/2006/main">
   <p:cSld>
     <p:spTree>
@@ -19048,7 +19291,7 @@
 </p:sld>
 </file>
 
-<file path=ppt/slides/slide71.xml><?xml version="1.0" encoding="utf-8"?>
+<file path=ppt/slides/slide73.xml><?xml version="1.0" encoding="utf-8"?>
 <p:sld xmlns:a="http://schemas.openxmlformats.org/drawingml/2006/main" xmlns:r="http://schemas.openxmlformats.org/officeDocument/2006/relationships" xmlns:p="http://schemas.openxmlformats.org/presentationml/2006/main">
   <p:cSld>
     <p:spTree>
@@ -19169,7 +19412,7 @@
 </p:sld>
 </file>
 
-<file path=ppt/slides/slide72.xml><?xml version="1.0" encoding="utf-8"?>
+<file path=ppt/slides/slide74.xml><?xml version="1.0" encoding="utf-8"?>
 <p:sld xmlns:a="http://schemas.openxmlformats.org/drawingml/2006/main" xmlns:r="http://schemas.openxmlformats.org/officeDocument/2006/relationships" xmlns:p="http://schemas.openxmlformats.org/presentationml/2006/main">
   <p:cSld>
     <p:spTree>
@@ -19290,7 +19533,7 @@
 </p:sld>
 </file>
 
-<file path=ppt/slides/slide73.xml><?xml version="1.0" encoding="utf-8"?>
+<file path=ppt/slides/slide75.xml><?xml version="1.0" encoding="utf-8"?>
 <p:sld xmlns:a="http://schemas.openxmlformats.org/drawingml/2006/main" xmlns:r="http://schemas.openxmlformats.org/officeDocument/2006/relationships" xmlns:p="http://schemas.openxmlformats.org/presentationml/2006/main">
   <p:cSld>
     <p:spTree>
@@ -19414,251 +19657,6 @@
 </p:sld>
 </file>
 
-<file path=ppt/slides/slide74.xml><?xml version="1.0" encoding="utf-8"?>
-<p:sld xmlns:a="http://schemas.openxmlformats.org/drawingml/2006/main" xmlns:r="http://schemas.openxmlformats.org/officeDocument/2006/relationships" xmlns:p="http://schemas.openxmlformats.org/presentationml/2006/main">
-  <p:cSld>
-    <p:spTree>
-      <p:nvGrpSpPr>
-        <p:cNvPr id="1" name=""/>
-        <p:cNvGrpSpPr/>
-        <p:nvPr/>
-      </p:nvGrpSpPr>
-      <p:grpSpPr>
-        <a:xfrm>
-          <a:off x="0" y="0"/>
-          <a:ext cx="0" cy="0"/>
-          <a:chOff x="0" y="0"/>
-          <a:chExt cx="0" cy="0"/>
-        </a:xfrm>
-      </p:grpSpPr>
-      <p:sp>
-        <p:nvSpPr>
-          <p:cNvPr id="2" name="Title 1"/>
-          <p:cNvSpPr>
-            <a:spLocks noGrp="1"/>
-          </p:cNvSpPr>
-          <p:nvPr>
-            <p:ph type="title"/>
-          </p:nvPr>
-        </p:nvSpPr>
-        <p:spPr/>
-        <p:txBody>
-          <a:bodyPr>
-            <a:normAutofit/>
-          </a:bodyPr>
-          <a:lstStyle/>
-          <a:p>
-            <a:r>
-              <a:rPr lang="en-US" sz="4800" dirty="0" smtClean="0"/>
-              <a:t>What makes auditing easier?</a:t>
-            </a:r>
-            <a:endParaRPr lang="en-US" sz="4800" dirty="0"/>
-          </a:p>
-        </p:txBody>
-      </p:sp>
-      <p:sp>
-        <p:nvSpPr>
-          <p:cNvPr id="3" name="Content Placeholder 2"/>
-          <p:cNvSpPr>
-            <a:spLocks noGrp="1"/>
-          </p:cNvSpPr>
-          <p:nvPr>
-            <p:ph idx="1"/>
-          </p:nvPr>
-        </p:nvSpPr>
-        <p:spPr>
-          <a:xfrm>
-            <a:off x="838200" y="1825624"/>
-            <a:ext cx="10515600" cy="4899641"/>
-          </a:xfrm>
-        </p:spPr>
-        <p:txBody>
-          <a:bodyPr>
-            <a:normAutofit/>
-          </a:bodyPr>
-          <a:lstStyle/>
-          <a:p>
-            <a:r>
-              <a:rPr lang="en-US" sz="4000" dirty="0" smtClean="0"/>
-              <a:t>Using [Attributes] to decorate classes/methods</a:t>
-            </a:r>
-          </a:p>
-          <a:p>
-            <a:endParaRPr lang="en-US" sz="4000" dirty="0" smtClean="0"/>
-          </a:p>
-          <a:p>
-            <a:r>
-              <a:rPr lang="en-US" sz="4000" dirty="0" smtClean="0"/>
-              <a:t>Inheriting a base class</a:t>
-            </a:r>
-          </a:p>
-          <a:p>
-            <a:endParaRPr lang="en-US" sz="4000" dirty="0"/>
-          </a:p>
-          <a:p>
-            <a:r>
-              <a:rPr lang="en-US" sz="4000" dirty="0" smtClean="0"/>
-              <a:t>Implementing an interface</a:t>
-            </a:r>
-          </a:p>
-          <a:p>
-            <a:endParaRPr lang="en-US" sz="4000" dirty="0"/>
-          </a:p>
-          <a:p>
-            <a:endParaRPr lang="en-US" sz="4000" dirty="0"/>
-          </a:p>
-          <a:p>
-            <a:endParaRPr lang="en-US" sz="4000" dirty="0" smtClean="0"/>
-          </a:p>
-          <a:p>
-            <a:endParaRPr lang="en-US" sz="4000" dirty="0" smtClean="0"/>
-          </a:p>
-          <a:p>
-            <a:endParaRPr lang="en-US" dirty="0" smtClean="0"/>
-          </a:p>
-          <a:p>
-            <a:endParaRPr lang="en-US" dirty="0" smtClean="0"/>
-          </a:p>
-          <a:p>
-            <a:endParaRPr lang="en-US" dirty="0"/>
-          </a:p>
-        </p:txBody>
-      </p:sp>
-    </p:spTree>
-    <p:extLst>
-      <p:ext uri="{BB962C8B-B14F-4D97-AF65-F5344CB8AC3E}">
-        <p14:creationId xmlns:p14="http://schemas.microsoft.com/office/powerpoint/2010/main" val="469543913"/>
-      </p:ext>
-    </p:extLst>
-  </p:cSld>
-  <p:clrMapOvr>
-    <a:masterClrMapping/>
-  </p:clrMapOvr>
-  <p:timing>
-    <p:tnLst>
-      <p:par>
-        <p:cTn id="1" dur="indefinite" restart="never" nodeType="tmRoot"/>
-      </p:par>
-    </p:tnLst>
-  </p:timing>
-</p:sld>
-</file>
-
-<file path=ppt/slides/slide75.xml><?xml version="1.0" encoding="utf-8"?>
-<p:sld xmlns:a="http://schemas.openxmlformats.org/drawingml/2006/main" xmlns:r="http://schemas.openxmlformats.org/officeDocument/2006/relationships" xmlns:p="http://schemas.openxmlformats.org/presentationml/2006/main">
-  <p:cSld>
-    <p:spTree>
-      <p:nvGrpSpPr>
-        <p:cNvPr id="1" name=""/>
-        <p:cNvGrpSpPr/>
-        <p:nvPr/>
-      </p:nvGrpSpPr>
-      <p:grpSpPr>
-        <a:xfrm>
-          <a:off x="0" y="0"/>
-          <a:ext cx="0" cy="0"/>
-          <a:chOff x="0" y="0"/>
-          <a:chExt cx="0" cy="0"/>
-        </a:xfrm>
-      </p:grpSpPr>
-      <p:sp>
-        <p:nvSpPr>
-          <p:cNvPr id="2" name="Title 1"/>
-          <p:cNvSpPr>
-            <a:spLocks noGrp="1"/>
-          </p:cNvSpPr>
-          <p:nvPr>
-            <p:ph type="title"/>
-          </p:nvPr>
-        </p:nvSpPr>
-        <p:spPr>
-          <a:xfrm>
-            <a:off x="838200" y="1574493"/>
-            <a:ext cx="10515600" cy="1325563"/>
-          </a:xfrm>
-        </p:spPr>
-        <p:txBody>
-          <a:bodyPr>
-            <a:normAutofit/>
-          </a:bodyPr>
-          <a:lstStyle/>
-          <a:p>
-            <a:pPr algn="ctr"/>
-            <a:r>
-              <a:rPr lang="en-US" sz="4800" dirty="0" smtClean="0"/>
-              <a:t>Recap</a:t>
-            </a:r>
-            <a:endParaRPr lang="en-US" sz="4800" dirty="0"/>
-          </a:p>
-        </p:txBody>
-      </p:sp>
-      <p:sp>
-        <p:nvSpPr>
-          <p:cNvPr id="3" name="Content Placeholder 2"/>
-          <p:cNvSpPr>
-            <a:spLocks noGrp="1"/>
-          </p:cNvSpPr>
-          <p:nvPr>
-            <p:ph idx="1"/>
-          </p:nvPr>
-        </p:nvSpPr>
-        <p:spPr>
-          <a:xfrm>
-            <a:off x="838200" y="3318387"/>
-            <a:ext cx="10515600" cy="1814052"/>
-          </a:xfrm>
-        </p:spPr>
-        <p:txBody>
-          <a:bodyPr>
-            <a:normAutofit/>
-          </a:bodyPr>
-          <a:lstStyle/>
-          <a:p>
-            <a:pPr marL="0" indent="0" algn="ctr">
-              <a:buNone/>
-            </a:pPr>
-            <a:r>
-              <a:rPr lang="en-US" sz="4000" dirty="0" smtClean="0"/>
-              <a:t>The CliffsNotes version of this talk</a:t>
-            </a:r>
-          </a:p>
-          <a:p>
-            <a:endParaRPr lang="en-US" sz="4000" dirty="0" smtClean="0"/>
-          </a:p>
-          <a:p>
-            <a:endParaRPr lang="en-US" sz="4000" dirty="0" smtClean="0"/>
-          </a:p>
-          <a:p>
-            <a:endParaRPr lang="en-US" dirty="0" smtClean="0"/>
-          </a:p>
-          <a:p>
-            <a:endParaRPr lang="en-US" dirty="0" smtClean="0"/>
-          </a:p>
-          <a:p>
-            <a:endParaRPr lang="en-US" dirty="0"/>
-          </a:p>
-        </p:txBody>
-      </p:sp>
-    </p:spTree>
-    <p:extLst>
-      <p:ext uri="{BB962C8B-B14F-4D97-AF65-F5344CB8AC3E}">
-        <p14:creationId xmlns:p14="http://schemas.microsoft.com/office/powerpoint/2010/main" val="3948013080"/>
-      </p:ext>
-    </p:extLst>
-  </p:cSld>
-  <p:clrMapOvr>
-    <a:masterClrMapping/>
-  </p:clrMapOvr>
-  <p:timing>
-    <p:tnLst>
-      <p:par>
-        <p:cTn id="1" dur="indefinite" restart="never" nodeType="tmRoot"/>
-      </p:par>
-    </p:tnLst>
-  </p:timing>
-</p:sld>
-</file>
-
 <file path=ppt/slides/slide76.xml><?xml version="1.0" encoding="utf-8"?>
 <p:sld xmlns:a="http://schemas.openxmlformats.org/drawingml/2006/main" xmlns:r="http://schemas.openxmlformats.org/officeDocument/2006/relationships" xmlns:p="http://schemas.openxmlformats.org/presentationml/2006/main">
   <p:cSld>
@@ -19695,7 +19693,7 @@
           <a:p>
             <a:r>
               <a:rPr lang="en-US" sz="4800" dirty="0" smtClean="0"/>
-              <a:t>What framework stuff can I tap into?</a:t>
+              <a:t>What makes auditing easier?</a:t>
             </a:r>
             <a:endParaRPr lang="en-US" sz="4800" dirty="0"/>
           </a:p>
@@ -19719,123 +19717,32 @@
         </p:spPr>
         <p:txBody>
           <a:bodyPr>
-            <a:normAutofit lnSpcReduction="10000"/>
+            <a:normAutofit/>
           </a:bodyPr>
           <a:lstStyle/>
           <a:p>
-            <a:pPr marL="0" indent="0">
-              <a:buNone/>
-            </a:pPr>
-            <a:r>
-              <a:rPr lang="en-US" sz="3200" dirty="0" smtClean="0"/>
-              <a:t>ASPNET MVC</a:t>
-            </a:r>
-          </a:p>
-          <a:p>
-            <a:r>
-              <a:rPr lang="en-US" sz="3200" dirty="0" err="1" smtClean="0"/>
-              <a:t>ActionFilter</a:t>
-            </a:r>
-            <a:r>
-              <a:rPr lang="en-US" sz="3200" dirty="0" smtClean="0"/>
-              <a:t> attributes / "On&lt;Foo&gt;" methods</a:t>
-            </a:r>
-          </a:p>
-          <a:p>
-            <a:pPr marL="0" indent="0">
-              <a:buNone/>
-            </a:pPr>
-            <a:endParaRPr lang="en-US" sz="3200" dirty="0" smtClean="0"/>
-          </a:p>
-          <a:p>
-            <a:pPr marL="0" indent="0">
-              <a:buNone/>
-            </a:pPr>
-            <a:r>
-              <a:rPr lang="en-US" sz="3200" dirty="0" smtClean="0"/>
-              <a:t>Plain Old C# objects (</a:t>
-            </a:r>
-            <a:r>
-              <a:rPr lang="en-US" sz="3200" i="1" dirty="0" smtClean="0"/>
-              <a:t>using </a:t>
-            </a:r>
-            <a:r>
-              <a:rPr lang="en-US" sz="3200" i="1" dirty="0" err="1" smtClean="0"/>
-              <a:t>PostSharp</a:t>
-            </a:r>
-            <a:r>
-              <a:rPr lang="en-US" sz="3200" dirty="0" smtClean="0"/>
-              <a:t>)</a:t>
-            </a:r>
-          </a:p>
-          <a:p>
-            <a:r>
-              <a:rPr lang="en-US" sz="3200" dirty="0" smtClean="0"/>
-              <a:t>Property access</a:t>
-            </a:r>
-          </a:p>
-          <a:p>
-            <a:r>
-              <a:rPr lang="en-US" sz="3200" dirty="0" smtClean="0"/>
-              <a:t>Method boundaries</a:t>
-            </a:r>
-          </a:p>
-          <a:p>
-            <a:pPr marL="0" indent="0">
-              <a:buNone/>
-            </a:pPr>
-            <a:endParaRPr lang="en-US" sz="3200" dirty="0" smtClean="0"/>
-          </a:p>
-          <a:p>
-            <a:pPr marL="0" indent="0">
-              <a:buNone/>
-            </a:pPr>
-            <a:r>
-              <a:rPr lang="en-US" sz="3200" dirty="0" smtClean="0"/>
-              <a:t>jQuery</a:t>
-            </a:r>
-          </a:p>
-          <a:p>
-            <a:r>
-              <a:rPr lang="en-US" sz="3200" dirty="0" err="1" smtClean="0"/>
-              <a:t>ajaxStart</a:t>
-            </a:r>
-            <a:r>
-              <a:rPr lang="en-US" sz="3200" dirty="0"/>
-              <a:t> </a:t>
-            </a:r>
-            <a:r>
-              <a:rPr lang="en-US" sz="3200" dirty="0" smtClean="0"/>
-              <a:t>/ </a:t>
-            </a:r>
-            <a:r>
-              <a:rPr lang="en-US" sz="3200" dirty="0" err="1" smtClean="0"/>
-              <a:t>ajaxEnd</a:t>
-            </a:r>
-            <a:r>
-              <a:rPr lang="en-US" sz="3200" dirty="0" smtClean="0"/>
-              <a:t> / </a:t>
-            </a:r>
-            <a:r>
-              <a:rPr lang="en-US" sz="3200" dirty="0" err="1" smtClean="0"/>
-              <a:t>ajaxPrefilter</a:t>
-            </a:r>
-            <a:endParaRPr lang="en-US" sz="3200" dirty="0" smtClean="0"/>
-          </a:p>
-          <a:p>
-            <a:endParaRPr lang="en-US" sz="3200" dirty="0" smtClean="0"/>
-          </a:p>
-          <a:p>
-            <a:pPr marL="0" indent="0">
-              <a:buNone/>
-            </a:pPr>
-            <a:endParaRPr lang="en-US" sz="3200" dirty="0" smtClean="0"/>
-          </a:p>
-          <a:p>
-            <a:pPr marL="0" indent="0">
-              <a:buNone/>
-            </a:pPr>
+            <a:r>
+              <a:rPr lang="en-US" sz="4000" dirty="0" smtClean="0"/>
+              <a:t>Using [Attributes] to decorate classes/methods</a:t>
+            </a:r>
+          </a:p>
+          <a:p>
             <a:endParaRPr lang="en-US" sz="4000" dirty="0" smtClean="0"/>
+          </a:p>
+          <a:p>
+            <a:r>
+              <a:rPr lang="en-US" sz="4000" dirty="0" smtClean="0"/>
+              <a:t>Inheriting a base class</a:t>
+            </a:r>
+          </a:p>
+          <a:p>
+            <a:endParaRPr lang="en-US" sz="4000" dirty="0"/>
+          </a:p>
+          <a:p>
+            <a:r>
+              <a:rPr lang="en-US" sz="4000" dirty="0" smtClean="0"/>
+              <a:t>Implementing an interface</a:t>
+            </a:r>
           </a:p>
           <a:p>
             <a:endParaRPr lang="en-US" sz="4000" dirty="0"/>
@@ -19863,7 +19770,7 @@
     </p:spTree>
     <p:extLst>
       <p:ext uri="{BB962C8B-B14F-4D97-AF65-F5344CB8AC3E}">
-        <p14:creationId xmlns:p14="http://schemas.microsoft.com/office/powerpoint/2010/main" val="3453239347"/>
+        <p14:creationId xmlns:p14="http://schemas.microsoft.com/office/powerpoint/2010/main" val="469543913"/>
       </p:ext>
     </p:extLst>
   </p:cSld>
@@ -19916,7 +19823,7 @@
           <a:p>
             <a:r>
               <a:rPr lang="en-US" sz="4800" dirty="0" smtClean="0"/>
-              <a:t>What framework stuff can I tap into?</a:t>
+              <a:t>Recap – 55 minutes of knowledge, 1 slide</a:t>
             </a:r>
             <a:endParaRPr lang="en-US" sz="4800" dirty="0"/>
           </a:p>
@@ -19934,226 +19841,89 @@
         </p:nvSpPr>
         <p:spPr>
           <a:xfrm>
-            <a:off x="838200" y="1825624"/>
-            <a:ext cx="10515600" cy="4899641"/>
+            <a:off x="838199" y="1825624"/>
+            <a:ext cx="10931013" cy="5032376"/>
           </a:xfrm>
         </p:spPr>
         <p:txBody>
           <a:bodyPr>
-            <a:normAutofit/>
+            <a:normAutofit fontScale="92500" lnSpcReduction="20000"/>
           </a:bodyPr>
           <a:lstStyle/>
+          <a:p>
+            <a:r>
+              <a:rPr lang="en-US" sz="4000" dirty="0" smtClean="0"/>
+              <a:t>Cross cutting concerns </a:t>
+            </a:r>
+            <a:r>
+              <a:rPr lang="en-US" sz="4000" dirty="0" smtClean="0">
+                <a:sym typeface="Wingdings" panose="05000000000000000000" pitchFamily="2" charset="2"/>
+              </a:rPr>
+              <a:t> framework code</a:t>
+            </a:r>
+            <a:endParaRPr lang="en-US" sz="4000" dirty="0" smtClean="0"/>
+          </a:p>
+          <a:p>
+            <a:r>
+              <a:rPr lang="en-US" sz="4000" dirty="0" smtClean="0"/>
+              <a:t>"Secure by default" is the holy grail</a:t>
+            </a:r>
+            <a:endParaRPr lang="en-US" sz="4000" dirty="0" smtClean="0"/>
+          </a:p>
+          <a:p>
+            <a:r>
+              <a:rPr lang="en-US" sz="4000" dirty="0" smtClean="0"/>
+              <a:t>Declarative &gt; imperative</a:t>
+            </a:r>
+          </a:p>
+          <a:p>
+            <a:r>
+              <a:rPr lang="en-US" sz="4000" dirty="0" smtClean="0"/>
+              <a:t>Automated audits &gt; exhaustive testing</a:t>
+            </a:r>
+          </a:p>
           <a:p>
             <a:pPr marL="0" indent="0">
               <a:buNone/>
             </a:pPr>
             <a:r>
-              <a:rPr lang="en-US" sz="3200" dirty="0" smtClean="0"/>
-              <a:t>Entity Framework / NHibernate</a:t>
-            </a:r>
-          </a:p>
-          <a:p>
-            <a:r>
-              <a:rPr lang="en-US" sz="3200" dirty="0" smtClean="0"/>
-              <a:t>Connection opened</a:t>
-            </a:r>
+              <a:rPr lang="en-US" sz="4000" b="1" dirty="0" smtClean="0"/>
+              <a:t/>
+            </a:r>
+            <a:br>
+              <a:rPr lang="en-US" sz="4000" b="1" dirty="0" smtClean="0"/>
+            </a:br>
+            <a:r>
+              <a:rPr lang="en-US" sz="4000" b="1" dirty="0" smtClean="0"/>
+              <a:t>bit.ly/2i0J91d</a:t>
+            </a:r>
+            <a:endParaRPr lang="en-US" sz="4000" b="1" dirty="0"/>
+          </a:p>
+          <a:p>
+            <a:endParaRPr lang="en-US" sz="4000" dirty="0"/>
           </a:p>
           <a:p>
             <a:pPr marL="0" indent="0">
               <a:buNone/>
             </a:pPr>
-            <a:endParaRPr lang="en-US" sz="3200" dirty="0" smtClean="0"/>
-          </a:p>
-          <a:p>
-            <a:endParaRPr lang="en-US" sz="3200" dirty="0" smtClean="0"/>
-          </a:p>
-          <a:p>
-            <a:pPr marL="0" indent="0">
-              <a:buNone/>
-            </a:pPr>
-            <a:endParaRPr lang="en-US" sz="3200" dirty="0" smtClean="0"/>
-          </a:p>
-          <a:p>
-            <a:pPr marL="0" indent="0">
-              <a:buNone/>
-            </a:pPr>
-            <a:endParaRPr lang="en-US" sz="4000" dirty="0" smtClean="0"/>
-          </a:p>
-          <a:p>
-            <a:endParaRPr lang="en-US" sz="4000" dirty="0"/>
-          </a:p>
-          <a:p>
-            <a:endParaRPr lang="en-US" sz="4000" dirty="0"/>
-          </a:p>
-          <a:p>
-            <a:endParaRPr lang="en-US" sz="4000" dirty="0" smtClean="0"/>
-          </a:p>
-          <a:p>
-            <a:endParaRPr lang="en-US" sz="4000" dirty="0" smtClean="0"/>
-          </a:p>
-          <a:p>
-            <a:endParaRPr lang="en-US" dirty="0" smtClean="0"/>
-          </a:p>
-          <a:p>
-            <a:endParaRPr lang="en-US" dirty="0" smtClean="0"/>
-          </a:p>
-          <a:p>
-            <a:endParaRPr lang="en-US" dirty="0"/>
-          </a:p>
-        </p:txBody>
-      </p:sp>
-    </p:spTree>
-    <p:extLst>
-      <p:ext uri="{BB962C8B-B14F-4D97-AF65-F5344CB8AC3E}">
-        <p14:creationId xmlns:p14="http://schemas.microsoft.com/office/powerpoint/2010/main" val="3082010923"/>
-      </p:ext>
-    </p:extLst>
-  </p:cSld>
-  <p:clrMapOvr>
-    <a:masterClrMapping/>
-  </p:clrMapOvr>
-  <p:timing>
-    <p:tnLst>
-      <p:par>
-        <p:cTn id="1" dur="indefinite" restart="never" nodeType="tmRoot"/>
-      </p:par>
-    </p:tnLst>
-  </p:timing>
-</p:sld>
-</file>
-
-<file path=ppt/slides/slide78.xml><?xml version="1.0" encoding="utf-8"?>
-<p:sld xmlns:a="http://schemas.openxmlformats.org/drawingml/2006/main" xmlns:r="http://schemas.openxmlformats.org/officeDocument/2006/relationships" xmlns:p="http://schemas.openxmlformats.org/presentationml/2006/main">
-  <p:cSld>
-    <p:spTree>
-      <p:nvGrpSpPr>
-        <p:cNvPr id="1" name=""/>
-        <p:cNvGrpSpPr/>
-        <p:nvPr/>
-      </p:nvGrpSpPr>
-      <p:grpSpPr>
-        <a:xfrm>
-          <a:off x="0" y="0"/>
-          <a:ext cx="0" cy="0"/>
-          <a:chOff x="0" y="0"/>
-          <a:chExt cx="0" cy="0"/>
-        </a:xfrm>
-      </p:grpSpPr>
-      <p:sp>
-        <p:nvSpPr>
-          <p:cNvPr id="2" name="Title 1"/>
-          <p:cNvSpPr>
-            <a:spLocks noGrp="1"/>
-          </p:cNvSpPr>
-          <p:nvPr>
-            <p:ph type="title"/>
-          </p:nvPr>
-        </p:nvSpPr>
-        <p:spPr>
-          <a:xfrm>
-            <a:off x="838200" y="365125"/>
-            <a:ext cx="10886768" cy="1325563"/>
-          </a:xfrm>
-        </p:spPr>
-        <p:txBody>
-          <a:bodyPr>
-            <a:noAutofit/>
-          </a:bodyPr>
-          <a:lstStyle/>
-          <a:p>
-            <a:r>
-              <a:rPr lang="en-US" sz="4800" dirty="0" smtClean="0"/>
-              <a:t>That's all, folks!</a:t>
-            </a:r>
-            <a:endParaRPr lang="en-US" sz="4800" dirty="0"/>
-          </a:p>
-        </p:txBody>
-      </p:sp>
-      <p:sp>
-        <p:nvSpPr>
-          <p:cNvPr id="3" name="Content Placeholder 2"/>
-          <p:cNvSpPr>
-            <a:spLocks noGrp="1"/>
-          </p:cNvSpPr>
-          <p:nvPr>
-            <p:ph idx="1"/>
-          </p:nvPr>
-        </p:nvSpPr>
-        <p:spPr>
-          <a:xfrm>
-            <a:off x="838200" y="1825625"/>
-            <a:ext cx="11137490" cy="4899640"/>
-          </a:xfrm>
-        </p:spPr>
-        <p:txBody>
-          <a:bodyPr>
-            <a:normAutofit/>
-          </a:bodyPr>
-          <a:lstStyle/>
-          <a:p>
-            <a:pPr marL="0" indent="0">
-              <a:buNone/>
-            </a:pPr>
-            <a:r>
-              <a:rPr lang="en-US" sz="4000" dirty="0" smtClean="0"/>
-              <a:t>Slide deck + complete sample app in GitHub</a:t>
-            </a:r>
-          </a:p>
-          <a:p>
-            <a:pPr marL="0" indent="0">
-              <a:buNone/>
-            </a:pPr>
-            <a:r>
-              <a:rPr lang="en-US" sz="4000" dirty="0" smtClean="0"/>
-              <a:t/>
-            </a:r>
-            <a:br>
-              <a:rPr lang="en-US" sz="4000" dirty="0" smtClean="0"/>
-            </a:br>
-            <a:r>
-              <a:rPr lang="en-US" sz="4000" b="1" dirty="0"/>
-              <a:t>bit.ly/2i0J91d</a:t>
-            </a:r>
-            <a:endParaRPr lang="en-US" sz="4000" b="1" dirty="0" smtClean="0"/>
-          </a:p>
-          <a:p>
-            <a:pPr marL="0" indent="0">
-              <a:buNone/>
-            </a:pPr>
-            <a:endParaRPr lang="en-US" sz="3200" dirty="0" smtClean="0">
-              <a:hlinkClick r:id="rId3"/>
-            </a:endParaRPr>
-          </a:p>
-          <a:p>
-            <a:pPr marL="0" indent="0">
-              <a:buNone/>
-            </a:pPr>
-            <a:endParaRPr lang="en-US" sz="3200" dirty="0" smtClean="0">
-              <a:hlinkClick r:id="rId3"/>
-            </a:endParaRPr>
-          </a:p>
-          <a:p>
-            <a:pPr marL="0" indent="0">
-              <a:buNone/>
-            </a:pPr>
-            <a:r>
-              <a:rPr lang="en-US" sz="3600" dirty="0" smtClean="0">
+            <a:r>
+              <a:rPr lang="en-US" sz="4000" dirty="0">
                 <a:hlinkClick r:id="rId3"/>
               </a:rPr>
               <a:t>github.com/</a:t>
             </a:r>
             <a:r>
-              <a:rPr lang="en-US" sz="3600" dirty="0" err="1" smtClean="0">
+              <a:rPr lang="en-US" sz="4000" dirty="0" err="1">
                 <a:hlinkClick r:id="rId3"/>
               </a:rPr>
               <a:t>spetryjohnson</a:t>
             </a:r>
             <a:r>
-              <a:rPr lang="en-US" sz="3600" dirty="0" smtClean="0"/>
+              <a:rPr lang="en-US" sz="4000" dirty="0"/>
               <a:t> </a:t>
             </a:r>
             <a:r>
-              <a:rPr lang="en-US" sz="3600" dirty="0" smtClean="0">
+              <a:rPr lang="en-US" sz="4000" dirty="0">
                 <a:solidFill>
                   <a:schemeClr val="bg1">
                     <a:lumMod val="50000"/>
@@ -20163,55 +19933,54 @@
               <a:t>|</a:t>
             </a:r>
             <a:r>
-              <a:rPr lang="en-US" sz="3600" dirty="0" smtClean="0"/>
+              <a:rPr lang="en-US" sz="4000" dirty="0"/>
               <a:t> </a:t>
             </a:r>
             <a:r>
-              <a:rPr lang="en-US" sz="3600" dirty="0" smtClean="0">
+              <a:rPr lang="en-US" sz="4000" dirty="0">
                 <a:hlinkClick r:id="rId4"/>
               </a:rPr>
               <a:t>www.petry-johnson.com</a:t>
             </a:r>
             <a:r>
-              <a:rPr lang="en-US" sz="3600" dirty="0" smtClean="0"/>
+              <a:rPr lang="en-US" sz="4000" dirty="0"/>
               <a:t/>
             </a:r>
             <a:br>
-              <a:rPr lang="en-US" sz="3600" dirty="0" smtClean="0"/>
+              <a:rPr lang="en-US" sz="4000" dirty="0"/>
             </a:br>
-            <a:endParaRPr lang="en-US" sz="3600" dirty="0"/>
+            <a:endParaRPr lang="en-US" sz="4000" dirty="0"/>
           </a:p>
           <a:p>
             <a:pPr marL="0" indent="0" algn="ctr">
               <a:buNone/>
             </a:pPr>
             <a:r>
-              <a:rPr lang="en-US" sz="3600" b="1" dirty="0" smtClean="0"/>
-              <a:t>@spetryjohnson</a:t>
-            </a:r>
-            <a:endParaRPr lang="en-US" b="1" dirty="0" smtClean="0"/>
+              <a:rPr lang="en-US" sz="4000" b="1" dirty="0"/>
+              <a:t>@</a:t>
+            </a:r>
+            <a:r>
+              <a:rPr lang="en-US" sz="4000" b="1" dirty="0" err="1"/>
+              <a:t>spetryjohnson</a:t>
+            </a:r>
+            <a:endParaRPr lang="en-US" sz="4000" b="1" dirty="0"/>
+          </a:p>
+          <a:p>
+            <a:endParaRPr lang="en-US" sz="4000" dirty="0"/>
+          </a:p>
+          <a:p>
+            <a:endParaRPr lang="en-US" sz="4000" dirty="0" smtClean="0"/>
+          </a:p>
+          <a:p>
+            <a:endParaRPr lang="en-US" sz="4000" dirty="0" smtClean="0"/>
           </a:p>
           <a:p>
             <a:endParaRPr lang="en-US" dirty="0" smtClean="0"/>
           </a:p>
           <a:p>
-            <a:pPr lvl="1"/>
             <a:endParaRPr lang="en-US" dirty="0" smtClean="0"/>
           </a:p>
           <a:p>
-            <a:pPr lvl="1"/>
-            <a:endParaRPr lang="en-US" dirty="0" smtClean="0"/>
-          </a:p>
-          <a:p>
-            <a:pPr lvl="1"/>
-            <a:endParaRPr lang="en-US" dirty="0"/>
-          </a:p>
-          <a:p>
-            <a:pPr lvl="1"/>
-            <a:endParaRPr lang="en-US" dirty="0" smtClean="0"/>
-          </a:p>
-          <a:p>
-            <a:pPr lvl="1"/>
             <a:endParaRPr lang="en-US" dirty="0"/>
           </a:p>
         </p:txBody>
@@ -20219,7 +19988,7 @@
     </p:spTree>
     <p:extLst>
       <p:ext uri="{BB962C8B-B14F-4D97-AF65-F5344CB8AC3E}">
-        <p14:creationId xmlns:p14="http://schemas.microsoft.com/office/powerpoint/2010/main" val="659085787"/>
+        <p14:creationId xmlns:p14="http://schemas.microsoft.com/office/powerpoint/2010/main" val="1736657086"/>
       </p:ext>
     </p:extLst>
   </p:cSld>

--- a/Secure Systems - CodeMash 2017.pptx
+++ b/Secure Systems - CodeMash 2017.pptx
@@ -5,7 +5,7 @@
     <p:sldMasterId id="2147483749" r:id="rId1"/>
   </p:sldMasterIdLst>
   <p:notesMasterIdLst>
-    <p:notesMasterId r:id="rId79"/>
+    <p:notesMasterId r:id="rId77"/>
   </p:notesMasterIdLst>
   <p:sldIdLst>
     <p:sldId id="395" r:id="rId2"/>
@@ -29,62 +29,60 @@
     <p:sldId id="510" r:id="rId20"/>
     <p:sldId id="511" r:id="rId21"/>
     <p:sldId id="512" r:id="rId22"/>
-    <p:sldId id="516" r:id="rId23"/>
-    <p:sldId id="518" r:id="rId24"/>
-    <p:sldId id="499" r:id="rId25"/>
-    <p:sldId id="545" r:id="rId26"/>
-    <p:sldId id="541" r:id="rId27"/>
-    <p:sldId id="550" r:id="rId28"/>
-    <p:sldId id="579" r:id="rId29"/>
-    <p:sldId id="519" r:id="rId30"/>
-    <p:sldId id="524" r:id="rId31"/>
-    <p:sldId id="521" r:id="rId32"/>
-    <p:sldId id="522" r:id="rId33"/>
-    <p:sldId id="525" r:id="rId34"/>
-    <p:sldId id="523" r:id="rId35"/>
-    <p:sldId id="520" r:id="rId36"/>
-    <p:sldId id="526" r:id="rId37"/>
-    <p:sldId id="540" r:id="rId38"/>
-    <p:sldId id="500" r:id="rId39"/>
-    <p:sldId id="553" r:id="rId40"/>
-    <p:sldId id="574" r:id="rId41"/>
-    <p:sldId id="573" r:id="rId42"/>
-    <p:sldId id="575" r:id="rId43"/>
-    <p:sldId id="534" r:id="rId44"/>
-    <p:sldId id="505" r:id="rId45"/>
-    <p:sldId id="535" r:id="rId46"/>
-    <p:sldId id="576" r:id="rId47"/>
-    <p:sldId id="507" r:id="rId48"/>
-    <p:sldId id="536" r:id="rId49"/>
-    <p:sldId id="580" r:id="rId50"/>
-    <p:sldId id="538" r:id="rId51"/>
-    <p:sldId id="539" r:id="rId52"/>
-    <p:sldId id="577" r:id="rId53"/>
-    <p:sldId id="537" r:id="rId54"/>
-    <p:sldId id="551" r:id="rId55"/>
-    <p:sldId id="552" r:id="rId56"/>
-    <p:sldId id="581" r:id="rId57"/>
-    <p:sldId id="501" r:id="rId58"/>
-    <p:sldId id="529" r:id="rId59"/>
-    <p:sldId id="546" r:id="rId60"/>
-    <p:sldId id="502" r:id="rId61"/>
-    <p:sldId id="503" r:id="rId62"/>
-    <p:sldId id="531" r:id="rId63"/>
-    <p:sldId id="532" r:id="rId64"/>
-    <p:sldId id="533" r:id="rId65"/>
-    <p:sldId id="554" r:id="rId66"/>
-    <p:sldId id="530" r:id="rId67"/>
-    <p:sldId id="555" r:id="rId68"/>
-    <p:sldId id="556" r:id="rId69"/>
-    <p:sldId id="557" r:id="rId70"/>
-    <p:sldId id="558" r:id="rId71"/>
-    <p:sldId id="559" r:id="rId72"/>
-    <p:sldId id="564" r:id="rId73"/>
-    <p:sldId id="561" r:id="rId74"/>
-    <p:sldId id="565" r:id="rId75"/>
-    <p:sldId id="566" r:id="rId76"/>
-    <p:sldId id="568" r:id="rId77"/>
-    <p:sldId id="583" r:id="rId78"/>
+    <p:sldId id="499" r:id="rId23"/>
+    <p:sldId id="545" r:id="rId24"/>
+    <p:sldId id="541" r:id="rId25"/>
+    <p:sldId id="550" r:id="rId26"/>
+    <p:sldId id="579" r:id="rId27"/>
+    <p:sldId id="519" r:id="rId28"/>
+    <p:sldId id="524" r:id="rId29"/>
+    <p:sldId id="521" r:id="rId30"/>
+    <p:sldId id="522" r:id="rId31"/>
+    <p:sldId id="525" r:id="rId32"/>
+    <p:sldId id="523" r:id="rId33"/>
+    <p:sldId id="520" r:id="rId34"/>
+    <p:sldId id="526" r:id="rId35"/>
+    <p:sldId id="540" r:id="rId36"/>
+    <p:sldId id="500" r:id="rId37"/>
+    <p:sldId id="553" r:id="rId38"/>
+    <p:sldId id="574" r:id="rId39"/>
+    <p:sldId id="573" r:id="rId40"/>
+    <p:sldId id="575" r:id="rId41"/>
+    <p:sldId id="534" r:id="rId42"/>
+    <p:sldId id="505" r:id="rId43"/>
+    <p:sldId id="535" r:id="rId44"/>
+    <p:sldId id="576" r:id="rId45"/>
+    <p:sldId id="507" r:id="rId46"/>
+    <p:sldId id="536" r:id="rId47"/>
+    <p:sldId id="580" r:id="rId48"/>
+    <p:sldId id="538" r:id="rId49"/>
+    <p:sldId id="539" r:id="rId50"/>
+    <p:sldId id="577" r:id="rId51"/>
+    <p:sldId id="537" r:id="rId52"/>
+    <p:sldId id="551" r:id="rId53"/>
+    <p:sldId id="552" r:id="rId54"/>
+    <p:sldId id="581" r:id="rId55"/>
+    <p:sldId id="501" r:id="rId56"/>
+    <p:sldId id="529" r:id="rId57"/>
+    <p:sldId id="546" r:id="rId58"/>
+    <p:sldId id="502" r:id="rId59"/>
+    <p:sldId id="503" r:id="rId60"/>
+    <p:sldId id="531" r:id="rId61"/>
+    <p:sldId id="532" r:id="rId62"/>
+    <p:sldId id="533" r:id="rId63"/>
+    <p:sldId id="554" r:id="rId64"/>
+    <p:sldId id="530" r:id="rId65"/>
+    <p:sldId id="555" r:id="rId66"/>
+    <p:sldId id="556" r:id="rId67"/>
+    <p:sldId id="557" r:id="rId68"/>
+    <p:sldId id="558" r:id="rId69"/>
+    <p:sldId id="559" r:id="rId70"/>
+    <p:sldId id="564" r:id="rId71"/>
+    <p:sldId id="561" r:id="rId72"/>
+    <p:sldId id="565" r:id="rId73"/>
+    <p:sldId id="566" r:id="rId74"/>
+    <p:sldId id="568" r:id="rId75"/>
+    <p:sldId id="583" r:id="rId76"/>
   </p:sldIdLst>
   <p:sldSz cx="12192000" cy="6858000"/>
   <p:notesSz cx="6858000" cy="9144000"/>
@@ -310,7 +308,7 @@
           <a:p>
             <a:fld id="{C54A4886-B4AF-42F7-97BE-95CDF82A73E3}" type="datetimeFigureOut">
               <a:rPr lang="en-US" smtClean="0"/>
-              <a:t>1/5/2017</a:t>
+              <a:t>1/6/2017</a:t>
             </a:fld>
             <a:endParaRPr lang="en-US"/>
           </a:p>
@@ -1831,7 +1829,32 @@
           <a:bodyPr/>
           <a:lstStyle/>
           <a:p>
-            <a:endParaRPr lang="en-US" b="0" dirty="0" smtClean="0"/>
+            <a:pPr marL="0" marR="0" indent="0" algn="l" defTabSz="914400" rtl="0" eaLnBrk="1" fontAlgn="auto" latinLnBrk="0" hangingPunct="1">
+              <a:lnSpc>
+                <a:spcPct val="100000"/>
+              </a:lnSpc>
+              <a:spcBef>
+                <a:spcPts val="0"/>
+              </a:spcBef>
+              <a:spcAft>
+                <a:spcPts val="0"/>
+              </a:spcAft>
+              <a:buClrTx/>
+              <a:buSzTx/>
+              <a:buFontTx/>
+              <a:buNone/>
+              <a:tabLst/>
+              <a:defRPr/>
+            </a:pPr>
+            <a:endParaRPr lang="en-US" sz="1200" kern="1200" dirty="0" smtClean="0">
+              <a:solidFill>
+                <a:schemeClr val="tx1"/>
+              </a:solidFill>
+              <a:effectLst/>
+              <a:latin typeface="+mn-lt"/>
+              <a:ea typeface="+mn-ea"/>
+              <a:cs typeface="+mn-cs"/>
+            </a:endParaRPr>
           </a:p>
         </p:txBody>
       </p:sp>
@@ -1861,7 +1884,7 @@
     </p:spTree>
     <p:extLst>
       <p:ext uri="{BB962C8B-B14F-4D97-AF65-F5344CB8AC3E}">
-        <p14:creationId xmlns:p14="http://schemas.microsoft.com/office/powerpoint/2010/main" val="2539089675"/>
+        <p14:creationId xmlns:p14="http://schemas.microsoft.com/office/powerpoint/2010/main" val="2181037172"/>
       </p:ext>
     </p:extLst>
   </p:cSld>
@@ -1915,7 +1938,32 @@
           <a:bodyPr/>
           <a:lstStyle/>
           <a:p>
-            <a:endParaRPr lang="en-US" b="0" dirty="0" smtClean="0"/>
+            <a:pPr marL="0" marR="0" indent="0" algn="l" defTabSz="914400" rtl="0" eaLnBrk="1" fontAlgn="auto" latinLnBrk="0" hangingPunct="1">
+              <a:lnSpc>
+                <a:spcPct val="100000"/>
+              </a:lnSpc>
+              <a:spcBef>
+                <a:spcPts val="0"/>
+              </a:spcBef>
+              <a:spcAft>
+                <a:spcPts val="0"/>
+              </a:spcAft>
+              <a:buClrTx/>
+              <a:buSzTx/>
+              <a:buFontTx/>
+              <a:buNone/>
+              <a:tabLst/>
+              <a:defRPr/>
+            </a:pPr>
+            <a:endParaRPr lang="en-US" sz="1200" kern="1200" dirty="0" smtClean="0">
+              <a:solidFill>
+                <a:schemeClr val="tx1"/>
+              </a:solidFill>
+              <a:effectLst/>
+              <a:latin typeface="+mn-lt"/>
+              <a:ea typeface="+mn-ea"/>
+              <a:cs typeface="+mn-cs"/>
+            </a:endParaRPr>
           </a:p>
         </p:txBody>
       </p:sp>
@@ -1945,7 +1993,7 @@
     </p:spTree>
     <p:extLst>
       <p:ext uri="{BB962C8B-B14F-4D97-AF65-F5344CB8AC3E}">
-        <p14:creationId xmlns:p14="http://schemas.microsoft.com/office/powerpoint/2010/main" val="1916901341"/>
+        <p14:creationId xmlns:p14="http://schemas.microsoft.com/office/powerpoint/2010/main" val="532131523"/>
       </p:ext>
     </p:extLst>
   </p:cSld>
@@ -1999,6 +2047,90 @@
           <a:bodyPr/>
           <a:lstStyle/>
           <a:p>
+            <a:endParaRPr lang="en-US" b="0" dirty="0" smtClean="0"/>
+          </a:p>
+        </p:txBody>
+      </p:sp>
+      <p:sp>
+        <p:nvSpPr>
+          <p:cNvPr id="4" name="Slide Number Placeholder 3"/>
+          <p:cNvSpPr>
+            <a:spLocks noGrp="1"/>
+          </p:cNvSpPr>
+          <p:nvPr>
+            <p:ph type="sldNum" sz="quarter" idx="10"/>
+          </p:nvPr>
+        </p:nvSpPr>
+        <p:spPr/>
+        <p:txBody>
+          <a:bodyPr/>
+          <a:lstStyle/>
+          <a:p>
+            <a:fld id="{89029652-62E7-43D6-83B5-097D7B7AA5D8}" type="slidenum">
+              <a:rPr lang="en-US" smtClean="0"/>
+              <a:t>24</a:t>
+            </a:fld>
+            <a:endParaRPr lang="en-US"/>
+          </a:p>
+        </p:txBody>
+      </p:sp>
+    </p:spTree>
+    <p:extLst>
+      <p:ext uri="{BB962C8B-B14F-4D97-AF65-F5344CB8AC3E}">
+        <p14:creationId xmlns:p14="http://schemas.microsoft.com/office/powerpoint/2010/main" val="2847908271"/>
+      </p:ext>
+    </p:extLst>
+  </p:cSld>
+  <p:clrMapOvr>
+    <a:masterClrMapping/>
+  </p:clrMapOvr>
+</p:notes>
+</file>
+
+<file path=ppt/notesSlides/notesSlide25.xml><?xml version="1.0" encoding="utf-8"?>
+<p:notes xmlns:a="http://schemas.openxmlformats.org/drawingml/2006/main" xmlns:r="http://schemas.openxmlformats.org/officeDocument/2006/relationships" xmlns:p="http://schemas.openxmlformats.org/presentationml/2006/main">
+  <p:cSld>
+    <p:spTree>
+      <p:nvGrpSpPr>
+        <p:cNvPr id="1" name=""/>
+        <p:cNvGrpSpPr/>
+        <p:nvPr/>
+      </p:nvGrpSpPr>
+      <p:grpSpPr>
+        <a:xfrm>
+          <a:off x="0" y="0"/>
+          <a:ext cx="0" cy="0"/>
+          <a:chOff x="0" y="0"/>
+          <a:chExt cx="0" cy="0"/>
+        </a:xfrm>
+      </p:grpSpPr>
+      <p:sp>
+        <p:nvSpPr>
+          <p:cNvPr id="2" name="Slide Image Placeholder 1"/>
+          <p:cNvSpPr>
+            <a:spLocks noGrp="1" noRot="1" noChangeAspect="1"/>
+          </p:cNvSpPr>
+          <p:nvPr>
+            <p:ph type="sldImg"/>
+          </p:nvPr>
+        </p:nvSpPr>
+        <p:spPr/>
+      </p:sp>
+      <p:sp>
+        <p:nvSpPr>
+          <p:cNvPr id="3" name="Notes Placeholder 2"/>
+          <p:cNvSpPr>
+            <a:spLocks noGrp="1"/>
+          </p:cNvSpPr>
+          <p:nvPr>
+            <p:ph type="body" idx="1"/>
+          </p:nvPr>
+        </p:nvSpPr>
+        <p:spPr/>
+        <p:txBody>
+          <a:bodyPr/>
+          <a:lstStyle/>
+          <a:p>
             <a:pPr marL="0" marR="0" indent="0" algn="l" defTabSz="914400" rtl="0" eaLnBrk="1" fontAlgn="auto" latinLnBrk="0" hangingPunct="1">
               <a:lnSpc>
                 <a:spcPct val="100000"/>
@@ -2045,7 +2177,7 @@
           <a:p>
             <a:fld id="{89029652-62E7-43D6-83B5-097D7B7AA5D8}" type="slidenum">
               <a:rPr lang="en-US" smtClean="0"/>
-              <a:t>24</a:t>
+              <a:t>25</a:t>
             </a:fld>
             <a:endParaRPr lang="en-US"/>
           </a:p>
@@ -2054,116 +2186,7 @@
     </p:spTree>
     <p:extLst>
       <p:ext uri="{BB962C8B-B14F-4D97-AF65-F5344CB8AC3E}">
-        <p14:creationId xmlns:p14="http://schemas.microsoft.com/office/powerpoint/2010/main" val="2181037172"/>
-      </p:ext>
-    </p:extLst>
-  </p:cSld>
-  <p:clrMapOvr>
-    <a:masterClrMapping/>
-  </p:clrMapOvr>
-</p:notes>
-</file>
-
-<file path=ppt/notesSlides/notesSlide25.xml><?xml version="1.0" encoding="utf-8"?>
-<p:notes xmlns:a="http://schemas.openxmlformats.org/drawingml/2006/main" xmlns:r="http://schemas.openxmlformats.org/officeDocument/2006/relationships" xmlns:p="http://schemas.openxmlformats.org/presentationml/2006/main">
-  <p:cSld>
-    <p:spTree>
-      <p:nvGrpSpPr>
-        <p:cNvPr id="1" name=""/>
-        <p:cNvGrpSpPr/>
-        <p:nvPr/>
-      </p:nvGrpSpPr>
-      <p:grpSpPr>
-        <a:xfrm>
-          <a:off x="0" y="0"/>
-          <a:ext cx="0" cy="0"/>
-          <a:chOff x="0" y="0"/>
-          <a:chExt cx="0" cy="0"/>
-        </a:xfrm>
-      </p:grpSpPr>
-      <p:sp>
-        <p:nvSpPr>
-          <p:cNvPr id="2" name="Slide Image Placeholder 1"/>
-          <p:cNvSpPr>
-            <a:spLocks noGrp="1" noRot="1" noChangeAspect="1"/>
-          </p:cNvSpPr>
-          <p:nvPr>
-            <p:ph type="sldImg"/>
-          </p:nvPr>
-        </p:nvSpPr>
-        <p:spPr/>
-      </p:sp>
-      <p:sp>
-        <p:nvSpPr>
-          <p:cNvPr id="3" name="Notes Placeholder 2"/>
-          <p:cNvSpPr>
-            <a:spLocks noGrp="1"/>
-          </p:cNvSpPr>
-          <p:nvPr>
-            <p:ph type="body" idx="1"/>
-          </p:nvPr>
-        </p:nvSpPr>
-        <p:spPr/>
-        <p:txBody>
-          <a:bodyPr/>
-          <a:lstStyle/>
-          <a:p>
-            <a:pPr marL="0" marR="0" indent="0" algn="l" defTabSz="914400" rtl="0" eaLnBrk="1" fontAlgn="auto" latinLnBrk="0" hangingPunct="1">
-              <a:lnSpc>
-                <a:spcPct val="100000"/>
-              </a:lnSpc>
-              <a:spcBef>
-                <a:spcPts val="0"/>
-              </a:spcBef>
-              <a:spcAft>
-                <a:spcPts val="0"/>
-              </a:spcAft>
-              <a:buClrTx/>
-              <a:buSzTx/>
-              <a:buFontTx/>
-              <a:buNone/>
-              <a:tabLst/>
-              <a:defRPr/>
-            </a:pPr>
-            <a:endParaRPr lang="en-US" sz="1200" kern="1200" dirty="0" smtClean="0">
-              <a:solidFill>
-                <a:schemeClr val="tx1"/>
-              </a:solidFill>
-              <a:effectLst/>
-              <a:latin typeface="+mn-lt"/>
-              <a:ea typeface="+mn-ea"/>
-              <a:cs typeface="+mn-cs"/>
-            </a:endParaRPr>
-          </a:p>
-        </p:txBody>
-      </p:sp>
-      <p:sp>
-        <p:nvSpPr>
-          <p:cNvPr id="4" name="Slide Number Placeholder 3"/>
-          <p:cNvSpPr>
-            <a:spLocks noGrp="1"/>
-          </p:cNvSpPr>
-          <p:nvPr>
-            <p:ph type="sldNum" sz="quarter" idx="10"/>
-          </p:nvPr>
-        </p:nvSpPr>
-        <p:spPr/>
-        <p:txBody>
-          <a:bodyPr/>
-          <a:lstStyle/>
-          <a:p>
-            <a:fld id="{89029652-62E7-43D6-83B5-097D7B7AA5D8}" type="slidenum">
-              <a:rPr lang="en-US" smtClean="0"/>
-              <a:t>25</a:t>
-            </a:fld>
-            <a:endParaRPr lang="en-US"/>
-          </a:p>
-        </p:txBody>
-      </p:sp>
-    </p:spTree>
-    <p:extLst>
-      <p:ext uri="{BB962C8B-B14F-4D97-AF65-F5344CB8AC3E}">
-        <p14:creationId xmlns:p14="http://schemas.microsoft.com/office/powerpoint/2010/main" val="532131523"/>
+        <p14:creationId xmlns:p14="http://schemas.microsoft.com/office/powerpoint/2010/main" val="3797934880"/>
       </p:ext>
     </p:extLst>
   </p:cSld>
@@ -2247,7 +2270,7 @@
     </p:spTree>
     <p:extLst>
       <p:ext uri="{BB962C8B-B14F-4D97-AF65-F5344CB8AC3E}">
-        <p14:creationId xmlns:p14="http://schemas.microsoft.com/office/powerpoint/2010/main" val="2847908271"/>
+        <p14:creationId xmlns:p14="http://schemas.microsoft.com/office/powerpoint/2010/main" val="920834877"/>
       </p:ext>
     </p:extLst>
   </p:cSld>
@@ -2301,32 +2324,7 @@
           <a:bodyPr/>
           <a:lstStyle/>
           <a:p>
-            <a:pPr marL="0" marR="0" indent="0" algn="l" defTabSz="914400" rtl="0" eaLnBrk="1" fontAlgn="auto" latinLnBrk="0" hangingPunct="1">
-              <a:lnSpc>
-                <a:spcPct val="100000"/>
-              </a:lnSpc>
-              <a:spcBef>
-                <a:spcPts val="0"/>
-              </a:spcBef>
-              <a:spcAft>
-                <a:spcPts val="0"/>
-              </a:spcAft>
-              <a:buClrTx/>
-              <a:buSzTx/>
-              <a:buFontTx/>
-              <a:buNone/>
-              <a:tabLst/>
-              <a:defRPr/>
-            </a:pPr>
-            <a:endParaRPr lang="en-US" sz="1200" kern="1200" dirty="0" smtClean="0">
-              <a:solidFill>
-                <a:schemeClr val="tx1"/>
-              </a:solidFill>
-              <a:effectLst/>
-              <a:latin typeface="+mn-lt"/>
-              <a:ea typeface="+mn-ea"/>
-              <a:cs typeface="+mn-cs"/>
-            </a:endParaRPr>
+            <a:endParaRPr lang="en-US" b="0" dirty="0" smtClean="0"/>
           </a:p>
         </p:txBody>
       </p:sp>
@@ -2356,7 +2354,7 @@
     </p:spTree>
     <p:extLst>
       <p:ext uri="{BB962C8B-B14F-4D97-AF65-F5344CB8AC3E}">
-        <p14:creationId xmlns:p14="http://schemas.microsoft.com/office/powerpoint/2010/main" val="3797934880"/>
+        <p14:creationId xmlns:p14="http://schemas.microsoft.com/office/powerpoint/2010/main" val="1777663287"/>
       </p:ext>
     </p:extLst>
   </p:cSld>
@@ -2440,7 +2438,7 @@
     </p:spTree>
     <p:extLst>
       <p:ext uri="{BB962C8B-B14F-4D97-AF65-F5344CB8AC3E}">
-        <p14:creationId xmlns:p14="http://schemas.microsoft.com/office/powerpoint/2010/main" val="920834877"/>
+        <p14:creationId xmlns:p14="http://schemas.microsoft.com/office/powerpoint/2010/main" val="128284815"/>
       </p:ext>
     </p:extLst>
   </p:cSld>
@@ -2524,7 +2522,7 @@
     </p:spTree>
     <p:extLst>
       <p:ext uri="{BB962C8B-B14F-4D97-AF65-F5344CB8AC3E}">
-        <p14:creationId xmlns:p14="http://schemas.microsoft.com/office/powerpoint/2010/main" val="1777663287"/>
+        <p14:creationId xmlns:p14="http://schemas.microsoft.com/office/powerpoint/2010/main" val="1266200327"/>
       </p:ext>
     </p:extLst>
   </p:cSld>
@@ -2717,7 +2715,7 @@
     </p:spTree>
     <p:extLst>
       <p:ext uri="{BB962C8B-B14F-4D97-AF65-F5344CB8AC3E}">
-        <p14:creationId xmlns:p14="http://schemas.microsoft.com/office/powerpoint/2010/main" val="128284815"/>
+        <p14:creationId xmlns:p14="http://schemas.microsoft.com/office/powerpoint/2010/main" val="3516029556"/>
       </p:ext>
     </p:extLst>
   </p:cSld>
@@ -2801,7 +2799,7 @@
     </p:spTree>
     <p:extLst>
       <p:ext uri="{BB962C8B-B14F-4D97-AF65-F5344CB8AC3E}">
-        <p14:creationId xmlns:p14="http://schemas.microsoft.com/office/powerpoint/2010/main" val="1266200327"/>
+        <p14:creationId xmlns:p14="http://schemas.microsoft.com/office/powerpoint/2010/main" val="3404565588"/>
       </p:ext>
     </p:extLst>
   </p:cSld>
@@ -2885,7 +2883,7 @@
     </p:spTree>
     <p:extLst>
       <p:ext uri="{BB962C8B-B14F-4D97-AF65-F5344CB8AC3E}">
-        <p14:creationId xmlns:p14="http://schemas.microsoft.com/office/powerpoint/2010/main" val="3516029556"/>
+        <p14:creationId xmlns:p14="http://schemas.microsoft.com/office/powerpoint/2010/main" val="2712589128"/>
       </p:ext>
     </p:extLst>
   </p:cSld>
@@ -2969,7 +2967,7 @@
     </p:spTree>
     <p:extLst>
       <p:ext uri="{BB962C8B-B14F-4D97-AF65-F5344CB8AC3E}">
-        <p14:creationId xmlns:p14="http://schemas.microsoft.com/office/powerpoint/2010/main" val="3404565588"/>
+        <p14:creationId xmlns:p14="http://schemas.microsoft.com/office/powerpoint/2010/main" val="1609105756"/>
       </p:ext>
     </p:extLst>
   </p:cSld>
@@ -3053,7 +3051,7 @@
     </p:spTree>
     <p:extLst>
       <p:ext uri="{BB962C8B-B14F-4D97-AF65-F5344CB8AC3E}">
-        <p14:creationId xmlns:p14="http://schemas.microsoft.com/office/powerpoint/2010/main" val="2712589128"/>
+        <p14:creationId xmlns:p14="http://schemas.microsoft.com/office/powerpoint/2010/main" val="4079219210"/>
       </p:ext>
     </p:extLst>
   </p:cSld>
@@ -3107,7 +3105,32 @@
           <a:bodyPr/>
           <a:lstStyle/>
           <a:p>
-            <a:endParaRPr lang="en-US" b="0" dirty="0" smtClean="0"/>
+            <a:pPr marL="0" marR="0" indent="0" algn="l" defTabSz="914400" rtl="0" eaLnBrk="1" fontAlgn="auto" latinLnBrk="0" hangingPunct="1">
+              <a:lnSpc>
+                <a:spcPct val="100000"/>
+              </a:lnSpc>
+              <a:spcBef>
+                <a:spcPts val="0"/>
+              </a:spcBef>
+              <a:spcAft>
+                <a:spcPts val="0"/>
+              </a:spcAft>
+              <a:buClrTx/>
+              <a:buSzTx/>
+              <a:buFontTx/>
+              <a:buNone/>
+              <a:tabLst/>
+              <a:defRPr/>
+            </a:pPr>
+            <a:endParaRPr lang="en-US" sz="1200" kern="1200" dirty="0" smtClean="0">
+              <a:solidFill>
+                <a:schemeClr val="tx1"/>
+              </a:solidFill>
+              <a:effectLst/>
+              <a:latin typeface="+mn-lt"/>
+              <a:ea typeface="+mn-ea"/>
+              <a:cs typeface="+mn-cs"/>
+            </a:endParaRPr>
           </a:p>
         </p:txBody>
       </p:sp>
@@ -3137,7 +3160,7 @@
     </p:spTree>
     <p:extLst>
       <p:ext uri="{BB962C8B-B14F-4D97-AF65-F5344CB8AC3E}">
-        <p14:creationId xmlns:p14="http://schemas.microsoft.com/office/powerpoint/2010/main" val="1609105756"/>
+        <p14:creationId xmlns:p14="http://schemas.microsoft.com/office/powerpoint/2010/main" val="1830730383"/>
       </p:ext>
     </p:extLst>
   </p:cSld>
@@ -3221,7 +3244,7 @@
     </p:spTree>
     <p:extLst>
       <p:ext uri="{BB962C8B-B14F-4D97-AF65-F5344CB8AC3E}">
-        <p14:creationId xmlns:p14="http://schemas.microsoft.com/office/powerpoint/2010/main" val="4079219210"/>
+        <p14:creationId xmlns:p14="http://schemas.microsoft.com/office/powerpoint/2010/main" val="1561525116"/>
       </p:ext>
     </p:extLst>
   </p:cSld>
@@ -3275,32 +3298,7 @@
           <a:bodyPr/>
           <a:lstStyle/>
           <a:p>
-            <a:pPr marL="0" marR="0" indent="0" algn="l" defTabSz="914400" rtl="0" eaLnBrk="1" fontAlgn="auto" latinLnBrk="0" hangingPunct="1">
-              <a:lnSpc>
-                <a:spcPct val="100000"/>
-              </a:lnSpc>
-              <a:spcBef>
-                <a:spcPts val="0"/>
-              </a:spcBef>
-              <a:spcAft>
-                <a:spcPts val="0"/>
-              </a:spcAft>
-              <a:buClrTx/>
-              <a:buSzTx/>
-              <a:buFontTx/>
-              <a:buNone/>
-              <a:tabLst/>
-              <a:defRPr/>
-            </a:pPr>
-            <a:endParaRPr lang="en-US" sz="1200" kern="1200" dirty="0" smtClean="0">
-              <a:solidFill>
-                <a:schemeClr val="tx1"/>
-              </a:solidFill>
-              <a:effectLst/>
-              <a:latin typeface="+mn-lt"/>
-              <a:ea typeface="+mn-ea"/>
-              <a:cs typeface="+mn-cs"/>
-            </a:endParaRPr>
+            <a:endParaRPr lang="en-US" b="0" dirty="0" smtClean="0"/>
           </a:p>
         </p:txBody>
       </p:sp>
@@ -3330,7 +3328,7 @@
     </p:spTree>
     <p:extLst>
       <p:ext uri="{BB962C8B-B14F-4D97-AF65-F5344CB8AC3E}">
-        <p14:creationId xmlns:p14="http://schemas.microsoft.com/office/powerpoint/2010/main" val="1830730383"/>
+        <p14:creationId xmlns:p14="http://schemas.microsoft.com/office/powerpoint/2010/main" val="1514808285"/>
       </p:ext>
     </p:extLst>
   </p:cSld>
@@ -3414,7 +3412,7 @@
     </p:spTree>
     <p:extLst>
       <p:ext uri="{BB962C8B-B14F-4D97-AF65-F5344CB8AC3E}">
-        <p14:creationId xmlns:p14="http://schemas.microsoft.com/office/powerpoint/2010/main" val="1561525116"/>
+        <p14:creationId xmlns:p14="http://schemas.microsoft.com/office/powerpoint/2010/main" val="3263699449"/>
       </p:ext>
     </p:extLst>
   </p:cSld>
@@ -3498,7 +3496,7 @@
     </p:spTree>
     <p:extLst>
       <p:ext uri="{BB962C8B-B14F-4D97-AF65-F5344CB8AC3E}">
-        <p14:creationId xmlns:p14="http://schemas.microsoft.com/office/powerpoint/2010/main" val="1514808285"/>
+        <p14:creationId xmlns:p14="http://schemas.microsoft.com/office/powerpoint/2010/main" val="1255163866"/>
       </p:ext>
     </p:extLst>
   </p:cSld>
@@ -3691,7 +3689,7 @@
     </p:spTree>
     <p:extLst>
       <p:ext uri="{BB962C8B-B14F-4D97-AF65-F5344CB8AC3E}">
-        <p14:creationId xmlns:p14="http://schemas.microsoft.com/office/powerpoint/2010/main" val="3263699449"/>
+        <p14:creationId xmlns:p14="http://schemas.microsoft.com/office/powerpoint/2010/main" val="532748052"/>
       </p:ext>
     </p:extLst>
   </p:cSld>
@@ -3745,7 +3743,32 @@
           <a:bodyPr/>
           <a:lstStyle/>
           <a:p>
-            <a:endParaRPr lang="en-US" b="0" dirty="0" smtClean="0"/>
+            <a:pPr marL="0" marR="0" indent="0" algn="l" defTabSz="914400" rtl="0" eaLnBrk="1" fontAlgn="auto" latinLnBrk="0" hangingPunct="1">
+              <a:lnSpc>
+                <a:spcPct val="100000"/>
+              </a:lnSpc>
+              <a:spcBef>
+                <a:spcPts val="0"/>
+              </a:spcBef>
+              <a:spcAft>
+                <a:spcPts val="0"/>
+              </a:spcAft>
+              <a:buClrTx/>
+              <a:buSzTx/>
+              <a:buFontTx/>
+              <a:buNone/>
+              <a:tabLst/>
+              <a:defRPr/>
+            </a:pPr>
+            <a:endParaRPr lang="en-US" sz="1200" kern="1200" dirty="0" smtClean="0">
+              <a:solidFill>
+                <a:schemeClr val="tx1"/>
+              </a:solidFill>
+              <a:effectLst/>
+              <a:latin typeface="+mn-lt"/>
+              <a:ea typeface="+mn-ea"/>
+              <a:cs typeface="+mn-cs"/>
+            </a:endParaRPr>
           </a:p>
         </p:txBody>
       </p:sp>
@@ -3775,7 +3798,7 @@
     </p:spTree>
     <p:extLst>
       <p:ext uri="{BB962C8B-B14F-4D97-AF65-F5344CB8AC3E}">
-        <p14:creationId xmlns:p14="http://schemas.microsoft.com/office/powerpoint/2010/main" val="1255163866"/>
+        <p14:creationId xmlns:p14="http://schemas.microsoft.com/office/powerpoint/2010/main" val="2286755864"/>
       </p:ext>
     </p:extLst>
   </p:cSld>
@@ -3859,7 +3882,7 @@
     </p:spTree>
     <p:extLst>
       <p:ext uri="{BB962C8B-B14F-4D97-AF65-F5344CB8AC3E}">
-        <p14:creationId xmlns:p14="http://schemas.microsoft.com/office/powerpoint/2010/main" val="532748052"/>
+        <p14:creationId xmlns:p14="http://schemas.microsoft.com/office/powerpoint/2010/main" val="2653332077"/>
       </p:ext>
     </p:extLst>
   </p:cSld>
@@ -3913,32 +3936,7 @@
           <a:bodyPr/>
           <a:lstStyle/>
           <a:p>
-            <a:pPr marL="0" marR="0" indent="0" algn="l" defTabSz="914400" rtl="0" eaLnBrk="1" fontAlgn="auto" latinLnBrk="0" hangingPunct="1">
-              <a:lnSpc>
-                <a:spcPct val="100000"/>
-              </a:lnSpc>
-              <a:spcBef>
-                <a:spcPts val="0"/>
-              </a:spcBef>
-              <a:spcAft>
-                <a:spcPts val="0"/>
-              </a:spcAft>
-              <a:buClrTx/>
-              <a:buSzTx/>
-              <a:buFontTx/>
-              <a:buNone/>
-              <a:tabLst/>
-              <a:defRPr/>
-            </a:pPr>
-            <a:endParaRPr lang="en-US" sz="1200" kern="1200" dirty="0" smtClean="0">
-              <a:solidFill>
-                <a:schemeClr val="tx1"/>
-              </a:solidFill>
-              <a:effectLst/>
-              <a:latin typeface="+mn-lt"/>
-              <a:ea typeface="+mn-ea"/>
-              <a:cs typeface="+mn-cs"/>
-            </a:endParaRPr>
+            <a:endParaRPr lang="en-US" b="0" dirty="0" smtClean="0"/>
           </a:p>
         </p:txBody>
       </p:sp>
@@ -3968,7 +3966,7 @@
     </p:spTree>
     <p:extLst>
       <p:ext uri="{BB962C8B-B14F-4D97-AF65-F5344CB8AC3E}">
-        <p14:creationId xmlns:p14="http://schemas.microsoft.com/office/powerpoint/2010/main" val="2286755864"/>
+        <p14:creationId xmlns:p14="http://schemas.microsoft.com/office/powerpoint/2010/main" val="3778399677"/>
       </p:ext>
     </p:extLst>
   </p:cSld>
@@ -4052,7 +4050,7 @@
     </p:spTree>
     <p:extLst>
       <p:ext uri="{BB962C8B-B14F-4D97-AF65-F5344CB8AC3E}">
-        <p14:creationId xmlns:p14="http://schemas.microsoft.com/office/powerpoint/2010/main" val="2653332077"/>
+        <p14:creationId xmlns:p14="http://schemas.microsoft.com/office/powerpoint/2010/main" val="4047639699"/>
       </p:ext>
     </p:extLst>
   </p:cSld>
@@ -4136,7 +4134,7 @@
     </p:spTree>
     <p:extLst>
       <p:ext uri="{BB962C8B-B14F-4D97-AF65-F5344CB8AC3E}">
-        <p14:creationId xmlns:p14="http://schemas.microsoft.com/office/powerpoint/2010/main" val="3778399677"/>
+        <p14:creationId xmlns:p14="http://schemas.microsoft.com/office/powerpoint/2010/main" val="3271057564"/>
       </p:ext>
     </p:extLst>
   </p:cSld>
@@ -4220,7 +4218,7 @@
     </p:spTree>
     <p:extLst>
       <p:ext uri="{BB962C8B-B14F-4D97-AF65-F5344CB8AC3E}">
-        <p14:creationId xmlns:p14="http://schemas.microsoft.com/office/powerpoint/2010/main" val="4047639699"/>
+        <p14:creationId xmlns:p14="http://schemas.microsoft.com/office/powerpoint/2010/main" val="150335864"/>
       </p:ext>
     </p:extLst>
   </p:cSld>
@@ -4304,7 +4302,7 @@
     </p:spTree>
     <p:extLst>
       <p:ext uri="{BB962C8B-B14F-4D97-AF65-F5344CB8AC3E}">
-        <p14:creationId xmlns:p14="http://schemas.microsoft.com/office/powerpoint/2010/main" val="3271057564"/>
+        <p14:creationId xmlns:p14="http://schemas.microsoft.com/office/powerpoint/2010/main" val="3480706183"/>
       </p:ext>
     </p:extLst>
   </p:cSld>
@@ -4388,7 +4386,7 @@
     </p:spTree>
     <p:extLst>
       <p:ext uri="{BB962C8B-B14F-4D97-AF65-F5344CB8AC3E}">
-        <p14:creationId xmlns:p14="http://schemas.microsoft.com/office/powerpoint/2010/main" val="150335864"/>
+        <p14:creationId xmlns:p14="http://schemas.microsoft.com/office/powerpoint/2010/main" val="1174323916"/>
       </p:ext>
     </p:extLst>
   </p:cSld>
@@ -4472,7 +4470,7 @@
     </p:spTree>
     <p:extLst>
       <p:ext uri="{BB962C8B-B14F-4D97-AF65-F5344CB8AC3E}">
-        <p14:creationId xmlns:p14="http://schemas.microsoft.com/office/powerpoint/2010/main" val="3480706183"/>
+        <p14:creationId xmlns:p14="http://schemas.microsoft.com/office/powerpoint/2010/main" val="22929660"/>
       </p:ext>
     </p:extLst>
   </p:cSld>
@@ -4640,7 +4638,7 @@
     </p:spTree>
     <p:extLst>
       <p:ext uri="{BB962C8B-B14F-4D97-AF65-F5344CB8AC3E}">
-        <p14:creationId xmlns:p14="http://schemas.microsoft.com/office/powerpoint/2010/main" val="1174323916"/>
+        <p14:creationId xmlns:p14="http://schemas.microsoft.com/office/powerpoint/2010/main" val="508677048"/>
       </p:ext>
     </p:extLst>
   </p:cSld>
@@ -4724,7 +4722,7 @@
     </p:spTree>
     <p:extLst>
       <p:ext uri="{BB962C8B-B14F-4D97-AF65-F5344CB8AC3E}">
-        <p14:creationId xmlns:p14="http://schemas.microsoft.com/office/powerpoint/2010/main" val="22929660"/>
+        <p14:creationId xmlns:p14="http://schemas.microsoft.com/office/powerpoint/2010/main" val="3079792467"/>
       </p:ext>
     </p:extLst>
   </p:cSld>
@@ -4778,7 +4776,32 @@
           <a:bodyPr/>
           <a:lstStyle/>
           <a:p>
-            <a:endParaRPr lang="en-US" b="0" dirty="0" smtClean="0"/>
+            <a:pPr marL="0" marR="0" indent="0" algn="l" defTabSz="914400" rtl="0" eaLnBrk="1" fontAlgn="auto" latinLnBrk="0" hangingPunct="1">
+              <a:lnSpc>
+                <a:spcPct val="100000"/>
+              </a:lnSpc>
+              <a:spcBef>
+                <a:spcPts val="0"/>
+              </a:spcBef>
+              <a:spcAft>
+                <a:spcPts val="0"/>
+              </a:spcAft>
+              <a:buClrTx/>
+              <a:buSzTx/>
+              <a:buFontTx/>
+              <a:buNone/>
+              <a:tabLst/>
+              <a:defRPr/>
+            </a:pPr>
+            <a:endParaRPr lang="en-US" sz="1200" kern="1200" dirty="0" smtClean="0">
+              <a:solidFill>
+                <a:schemeClr val="tx1"/>
+              </a:solidFill>
+              <a:effectLst/>
+              <a:latin typeface="+mn-lt"/>
+              <a:ea typeface="+mn-ea"/>
+              <a:cs typeface="+mn-cs"/>
+            </a:endParaRPr>
           </a:p>
         </p:txBody>
       </p:sp>
@@ -4808,7 +4831,7 @@
     </p:spTree>
     <p:extLst>
       <p:ext uri="{BB962C8B-B14F-4D97-AF65-F5344CB8AC3E}">
-        <p14:creationId xmlns:p14="http://schemas.microsoft.com/office/powerpoint/2010/main" val="508677048"/>
+        <p14:creationId xmlns:p14="http://schemas.microsoft.com/office/powerpoint/2010/main" val="1704645259"/>
       </p:ext>
     </p:extLst>
   </p:cSld>
@@ -4892,7 +4915,7 @@
     </p:spTree>
     <p:extLst>
       <p:ext uri="{BB962C8B-B14F-4D97-AF65-F5344CB8AC3E}">
-        <p14:creationId xmlns:p14="http://schemas.microsoft.com/office/powerpoint/2010/main" val="3079792467"/>
+        <p14:creationId xmlns:p14="http://schemas.microsoft.com/office/powerpoint/2010/main" val="381415188"/>
       </p:ext>
     </p:extLst>
   </p:cSld>
@@ -4946,6 +4969,258 @@
           <a:bodyPr/>
           <a:lstStyle/>
           <a:p>
+            <a:endParaRPr lang="en-US" b="0" dirty="0" smtClean="0"/>
+          </a:p>
+        </p:txBody>
+      </p:sp>
+      <p:sp>
+        <p:nvSpPr>
+          <p:cNvPr id="4" name="Slide Number Placeholder 3"/>
+          <p:cNvSpPr>
+            <a:spLocks noGrp="1"/>
+          </p:cNvSpPr>
+          <p:nvPr>
+            <p:ph type="sldNum" sz="quarter" idx="10"/>
+          </p:nvPr>
+        </p:nvSpPr>
+        <p:spPr/>
+        <p:txBody>
+          <a:bodyPr/>
+          <a:lstStyle/>
+          <a:p>
+            <a:fld id="{89029652-62E7-43D6-83B5-097D7B7AA5D8}" type="slidenum">
+              <a:rPr lang="en-US" smtClean="0"/>
+              <a:t>54</a:t>
+            </a:fld>
+            <a:endParaRPr lang="en-US"/>
+          </a:p>
+        </p:txBody>
+      </p:sp>
+    </p:spTree>
+    <p:extLst>
+      <p:ext uri="{BB962C8B-B14F-4D97-AF65-F5344CB8AC3E}">
+        <p14:creationId xmlns:p14="http://schemas.microsoft.com/office/powerpoint/2010/main" val="3234596091"/>
+      </p:ext>
+    </p:extLst>
+  </p:cSld>
+  <p:clrMapOvr>
+    <a:masterClrMapping/>
+  </p:clrMapOvr>
+</p:notes>
+</file>
+
+<file path=ppt/notesSlides/notesSlide55.xml><?xml version="1.0" encoding="utf-8"?>
+<p:notes xmlns:a="http://schemas.openxmlformats.org/drawingml/2006/main" xmlns:r="http://schemas.openxmlformats.org/officeDocument/2006/relationships" xmlns:p="http://schemas.openxmlformats.org/presentationml/2006/main">
+  <p:cSld>
+    <p:spTree>
+      <p:nvGrpSpPr>
+        <p:cNvPr id="1" name=""/>
+        <p:cNvGrpSpPr/>
+        <p:nvPr/>
+      </p:nvGrpSpPr>
+      <p:grpSpPr>
+        <a:xfrm>
+          <a:off x="0" y="0"/>
+          <a:ext cx="0" cy="0"/>
+          <a:chOff x="0" y="0"/>
+          <a:chExt cx="0" cy="0"/>
+        </a:xfrm>
+      </p:grpSpPr>
+      <p:sp>
+        <p:nvSpPr>
+          <p:cNvPr id="2" name="Slide Image Placeholder 1"/>
+          <p:cNvSpPr>
+            <a:spLocks noGrp="1" noRot="1" noChangeAspect="1"/>
+          </p:cNvSpPr>
+          <p:nvPr>
+            <p:ph type="sldImg"/>
+          </p:nvPr>
+        </p:nvSpPr>
+        <p:spPr/>
+      </p:sp>
+      <p:sp>
+        <p:nvSpPr>
+          <p:cNvPr id="3" name="Notes Placeholder 2"/>
+          <p:cNvSpPr>
+            <a:spLocks noGrp="1"/>
+          </p:cNvSpPr>
+          <p:nvPr>
+            <p:ph type="body" idx="1"/>
+          </p:nvPr>
+        </p:nvSpPr>
+        <p:spPr/>
+        <p:txBody>
+          <a:bodyPr/>
+          <a:lstStyle/>
+          <a:p>
+            <a:endParaRPr lang="en-US" b="0" dirty="0" smtClean="0"/>
+          </a:p>
+        </p:txBody>
+      </p:sp>
+      <p:sp>
+        <p:nvSpPr>
+          <p:cNvPr id="4" name="Slide Number Placeholder 3"/>
+          <p:cNvSpPr>
+            <a:spLocks noGrp="1"/>
+          </p:cNvSpPr>
+          <p:nvPr>
+            <p:ph type="sldNum" sz="quarter" idx="10"/>
+          </p:nvPr>
+        </p:nvSpPr>
+        <p:spPr/>
+        <p:txBody>
+          <a:bodyPr/>
+          <a:lstStyle/>
+          <a:p>
+            <a:fld id="{89029652-62E7-43D6-83B5-097D7B7AA5D8}" type="slidenum">
+              <a:rPr lang="en-US" smtClean="0"/>
+              <a:t>55</a:t>
+            </a:fld>
+            <a:endParaRPr lang="en-US"/>
+          </a:p>
+        </p:txBody>
+      </p:sp>
+    </p:spTree>
+    <p:extLst>
+      <p:ext uri="{BB962C8B-B14F-4D97-AF65-F5344CB8AC3E}">
+        <p14:creationId xmlns:p14="http://schemas.microsoft.com/office/powerpoint/2010/main" val="3344468672"/>
+      </p:ext>
+    </p:extLst>
+  </p:cSld>
+  <p:clrMapOvr>
+    <a:masterClrMapping/>
+  </p:clrMapOvr>
+</p:notes>
+</file>
+
+<file path=ppt/notesSlides/notesSlide56.xml><?xml version="1.0" encoding="utf-8"?>
+<p:notes xmlns:a="http://schemas.openxmlformats.org/drawingml/2006/main" xmlns:r="http://schemas.openxmlformats.org/officeDocument/2006/relationships" xmlns:p="http://schemas.openxmlformats.org/presentationml/2006/main">
+  <p:cSld>
+    <p:spTree>
+      <p:nvGrpSpPr>
+        <p:cNvPr id="1" name=""/>
+        <p:cNvGrpSpPr/>
+        <p:nvPr/>
+      </p:nvGrpSpPr>
+      <p:grpSpPr>
+        <a:xfrm>
+          <a:off x="0" y="0"/>
+          <a:ext cx="0" cy="0"/>
+          <a:chOff x="0" y="0"/>
+          <a:chExt cx="0" cy="0"/>
+        </a:xfrm>
+      </p:grpSpPr>
+      <p:sp>
+        <p:nvSpPr>
+          <p:cNvPr id="2" name="Slide Image Placeholder 1"/>
+          <p:cNvSpPr>
+            <a:spLocks noGrp="1" noRot="1" noChangeAspect="1"/>
+          </p:cNvSpPr>
+          <p:nvPr>
+            <p:ph type="sldImg"/>
+          </p:nvPr>
+        </p:nvSpPr>
+        <p:spPr/>
+      </p:sp>
+      <p:sp>
+        <p:nvSpPr>
+          <p:cNvPr id="3" name="Notes Placeholder 2"/>
+          <p:cNvSpPr>
+            <a:spLocks noGrp="1"/>
+          </p:cNvSpPr>
+          <p:nvPr>
+            <p:ph type="body" idx="1"/>
+          </p:nvPr>
+        </p:nvSpPr>
+        <p:spPr/>
+        <p:txBody>
+          <a:bodyPr/>
+          <a:lstStyle/>
+          <a:p>
+            <a:endParaRPr lang="en-US" b="0" dirty="0" smtClean="0"/>
+          </a:p>
+        </p:txBody>
+      </p:sp>
+      <p:sp>
+        <p:nvSpPr>
+          <p:cNvPr id="4" name="Slide Number Placeholder 3"/>
+          <p:cNvSpPr>
+            <a:spLocks noGrp="1"/>
+          </p:cNvSpPr>
+          <p:nvPr>
+            <p:ph type="sldNum" sz="quarter" idx="10"/>
+          </p:nvPr>
+        </p:nvSpPr>
+        <p:spPr/>
+        <p:txBody>
+          <a:bodyPr/>
+          <a:lstStyle/>
+          <a:p>
+            <a:fld id="{89029652-62E7-43D6-83B5-097D7B7AA5D8}" type="slidenum">
+              <a:rPr lang="en-US" smtClean="0"/>
+              <a:t>56</a:t>
+            </a:fld>
+            <a:endParaRPr lang="en-US"/>
+          </a:p>
+        </p:txBody>
+      </p:sp>
+    </p:spTree>
+    <p:extLst>
+      <p:ext uri="{BB962C8B-B14F-4D97-AF65-F5344CB8AC3E}">
+        <p14:creationId xmlns:p14="http://schemas.microsoft.com/office/powerpoint/2010/main" val="3143393369"/>
+      </p:ext>
+    </p:extLst>
+  </p:cSld>
+  <p:clrMapOvr>
+    <a:masterClrMapping/>
+  </p:clrMapOvr>
+</p:notes>
+</file>
+
+<file path=ppt/notesSlides/notesSlide57.xml><?xml version="1.0" encoding="utf-8"?>
+<p:notes xmlns:a="http://schemas.openxmlformats.org/drawingml/2006/main" xmlns:r="http://schemas.openxmlformats.org/officeDocument/2006/relationships" xmlns:p="http://schemas.openxmlformats.org/presentationml/2006/main">
+  <p:cSld>
+    <p:spTree>
+      <p:nvGrpSpPr>
+        <p:cNvPr id="1" name=""/>
+        <p:cNvGrpSpPr/>
+        <p:nvPr/>
+      </p:nvGrpSpPr>
+      <p:grpSpPr>
+        <a:xfrm>
+          <a:off x="0" y="0"/>
+          <a:ext cx="0" cy="0"/>
+          <a:chOff x="0" y="0"/>
+          <a:chExt cx="0" cy="0"/>
+        </a:xfrm>
+      </p:grpSpPr>
+      <p:sp>
+        <p:nvSpPr>
+          <p:cNvPr id="2" name="Slide Image Placeholder 1"/>
+          <p:cNvSpPr>
+            <a:spLocks noGrp="1" noRot="1" noChangeAspect="1"/>
+          </p:cNvSpPr>
+          <p:nvPr>
+            <p:ph type="sldImg"/>
+          </p:nvPr>
+        </p:nvSpPr>
+        <p:spPr/>
+      </p:sp>
+      <p:sp>
+        <p:nvSpPr>
+          <p:cNvPr id="3" name="Notes Placeholder 2"/>
+          <p:cNvSpPr>
+            <a:spLocks noGrp="1"/>
+          </p:cNvSpPr>
+          <p:nvPr>
+            <p:ph type="body" idx="1"/>
+          </p:nvPr>
+        </p:nvSpPr>
+        <p:spPr/>
+        <p:txBody>
+          <a:bodyPr/>
+          <a:lstStyle/>
+          <a:p>
             <a:pPr marL="0" marR="0" indent="0" algn="l" defTabSz="914400" rtl="0" eaLnBrk="1" fontAlgn="auto" latinLnBrk="0" hangingPunct="1">
               <a:lnSpc>
                 <a:spcPct val="100000"/>
@@ -4992,7 +5267,7 @@
           <a:p>
             <a:fld id="{89029652-62E7-43D6-83B5-097D7B7AA5D8}" type="slidenum">
               <a:rPr lang="en-US" smtClean="0"/>
-              <a:t>54</a:t>
+              <a:t>57</a:t>
             </a:fld>
             <a:endParaRPr lang="en-US"/>
           </a:p>
@@ -5001,259 +5276,7 @@
     </p:spTree>
     <p:extLst>
       <p:ext uri="{BB962C8B-B14F-4D97-AF65-F5344CB8AC3E}">
-        <p14:creationId xmlns:p14="http://schemas.microsoft.com/office/powerpoint/2010/main" val="1704645259"/>
-      </p:ext>
-    </p:extLst>
-  </p:cSld>
-  <p:clrMapOvr>
-    <a:masterClrMapping/>
-  </p:clrMapOvr>
-</p:notes>
-</file>
-
-<file path=ppt/notesSlides/notesSlide55.xml><?xml version="1.0" encoding="utf-8"?>
-<p:notes xmlns:a="http://schemas.openxmlformats.org/drawingml/2006/main" xmlns:r="http://schemas.openxmlformats.org/officeDocument/2006/relationships" xmlns:p="http://schemas.openxmlformats.org/presentationml/2006/main">
-  <p:cSld>
-    <p:spTree>
-      <p:nvGrpSpPr>
-        <p:cNvPr id="1" name=""/>
-        <p:cNvGrpSpPr/>
-        <p:nvPr/>
-      </p:nvGrpSpPr>
-      <p:grpSpPr>
-        <a:xfrm>
-          <a:off x="0" y="0"/>
-          <a:ext cx="0" cy="0"/>
-          <a:chOff x="0" y="0"/>
-          <a:chExt cx="0" cy="0"/>
-        </a:xfrm>
-      </p:grpSpPr>
-      <p:sp>
-        <p:nvSpPr>
-          <p:cNvPr id="2" name="Slide Image Placeholder 1"/>
-          <p:cNvSpPr>
-            <a:spLocks noGrp="1" noRot="1" noChangeAspect="1"/>
-          </p:cNvSpPr>
-          <p:nvPr>
-            <p:ph type="sldImg"/>
-          </p:nvPr>
-        </p:nvSpPr>
-        <p:spPr/>
-      </p:sp>
-      <p:sp>
-        <p:nvSpPr>
-          <p:cNvPr id="3" name="Notes Placeholder 2"/>
-          <p:cNvSpPr>
-            <a:spLocks noGrp="1"/>
-          </p:cNvSpPr>
-          <p:nvPr>
-            <p:ph type="body" idx="1"/>
-          </p:nvPr>
-        </p:nvSpPr>
-        <p:spPr/>
-        <p:txBody>
-          <a:bodyPr/>
-          <a:lstStyle/>
-          <a:p>
-            <a:endParaRPr lang="en-US" b="0" dirty="0" smtClean="0"/>
-          </a:p>
-        </p:txBody>
-      </p:sp>
-      <p:sp>
-        <p:nvSpPr>
-          <p:cNvPr id="4" name="Slide Number Placeholder 3"/>
-          <p:cNvSpPr>
-            <a:spLocks noGrp="1"/>
-          </p:cNvSpPr>
-          <p:nvPr>
-            <p:ph type="sldNum" sz="quarter" idx="10"/>
-          </p:nvPr>
-        </p:nvSpPr>
-        <p:spPr/>
-        <p:txBody>
-          <a:bodyPr/>
-          <a:lstStyle/>
-          <a:p>
-            <a:fld id="{89029652-62E7-43D6-83B5-097D7B7AA5D8}" type="slidenum">
-              <a:rPr lang="en-US" smtClean="0"/>
-              <a:t>55</a:t>
-            </a:fld>
-            <a:endParaRPr lang="en-US"/>
-          </a:p>
-        </p:txBody>
-      </p:sp>
-    </p:spTree>
-    <p:extLst>
-      <p:ext uri="{BB962C8B-B14F-4D97-AF65-F5344CB8AC3E}">
-        <p14:creationId xmlns:p14="http://schemas.microsoft.com/office/powerpoint/2010/main" val="381415188"/>
-      </p:ext>
-    </p:extLst>
-  </p:cSld>
-  <p:clrMapOvr>
-    <a:masterClrMapping/>
-  </p:clrMapOvr>
-</p:notes>
-</file>
-
-<file path=ppt/notesSlides/notesSlide56.xml><?xml version="1.0" encoding="utf-8"?>
-<p:notes xmlns:a="http://schemas.openxmlformats.org/drawingml/2006/main" xmlns:r="http://schemas.openxmlformats.org/officeDocument/2006/relationships" xmlns:p="http://schemas.openxmlformats.org/presentationml/2006/main">
-  <p:cSld>
-    <p:spTree>
-      <p:nvGrpSpPr>
-        <p:cNvPr id="1" name=""/>
-        <p:cNvGrpSpPr/>
-        <p:nvPr/>
-      </p:nvGrpSpPr>
-      <p:grpSpPr>
-        <a:xfrm>
-          <a:off x="0" y="0"/>
-          <a:ext cx="0" cy="0"/>
-          <a:chOff x="0" y="0"/>
-          <a:chExt cx="0" cy="0"/>
-        </a:xfrm>
-      </p:grpSpPr>
-      <p:sp>
-        <p:nvSpPr>
-          <p:cNvPr id="2" name="Slide Image Placeholder 1"/>
-          <p:cNvSpPr>
-            <a:spLocks noGrp="1" noRot="1" noChangeAspect="1"/>
-          </p:cNvSpPr>
-          <p:nvPr>
-            <p:ph type="sldImg"/>
-          </p:nvPr>
-        </p:nvSpPr>
-        <p:spPr/>
-      </p:sp>
-      <p:sp>
-        <p:nvSpPr>
-          <p:cNvPr id="3" name="Notes Placeholder 2"/>
-          <p:cNvSpPr>
-            <a:spLocks noGrp="1"/>
-          </p:cNvSpPr>
-          <p:nvPr>
-            <p:ph type="body" idx="1"/>
-          </p:nvPr>
-        </p:nvSpPr>
-        <p:spPr/>
-        <p:txBody>
-          <a:bodyPr/>
-          <a:lstStyle/>
-          <a:p>
-            <a:endParaRPr lang="en-US" b="0" dirty="0" smtClean="0"/>
-          </a:p>
-        </p:txBody>
-      </p:sp>
-      <p:sp>
-        <p:nvSpPr>
-          <p:cNvPr id="4" name="Slide Number Placeholder 3"/>
-          <p:cNvSpPr>
-            <a:spLocks noGrp="1"/>
-          </p:cNvSpPr>
-          <p:nvPr>
-            <p:ph type="sldNum" sz="quarter" idx="10"/>
-          </p:nvPr>
-        </p:nvSpPr>
-        <p:spPr/>
-        <p:txBody>
-          <a:bodyPr/>
-          <a:lstStyle/>
-          <a:p>
-            <a:fld id="{89029652-62E7-43D6-83B5-097D7B7AA5D8}" type="slidenum">
-              <a:rPr lang="en-US" smtClean="0"/>
-              <a:t>56</a:t>
-            </a:fld>
-            <a:endParaRPr lang="en-US"/>
-          </a:p>
-        </p:txBody>
-      </p:sp>
-    </p:spTree>
-    <p:extLst>
-      <p:ext uri="{BB962C8B-B14F-4D97-AF65-F5344CB8AC3E}">
-        <p14:creationId xmlns:p14="http://schemas.microsoft.com/office/powerpoint/2010/main" val="3234596091"/>
-      </p:ext>
-    </p:extLst>
-  </p:cSld>
-  <p:clrMapOvr>
-    <a:masterClrMapping/>
-  </p:clrMapOvr>
-</p:notes>
-</file>
-
-<file path=ppt/notesSlides/notesSlide57.xml><?xml version="1.0" encoding="utf-8"?>
-<p:notes xmlns:a="http://schemas.openxmlformats.org/drawingml/2006/main" xmlns:r="http://schemas.openxmlformats.org/officeDocument/2006/relationships" xmlns:p="http://schemas.openxmlformats.org/presentationml/2006/main">
-  <p:cSld>
-    <p:spTree>
-      <p:nvGrpSpPr>
-        <p:cNvPr id="1" name=""/>
-        <p:cNvGrpSpPr/>
-        <p:nvPr/>
-      </p:nvGrpSpPr>
-      <p:grpSpPr>
-        <a:xfrm>
-          <a:off x="0" y="0"/>
-          <a:ext cx="0" cy="0"/>
-          <a:chOff x="0" y="0"/>
-          <a:chExt cx="0" cy="0"/>
-        </a:xfrm>
-      </p:grpSpPr>
-      <p:sp>
-        <p:nvSpPr>
-          <p:cNvPr id="2" name="Slide Image Placeholder 1"/>
-          <p:cNvSpPr>
-            <a:spLocks noGrp="1" noRot="1" noChangeAspect="1"/>
-          </p:cNvSpPr>
-          <p:nvPr>
-            <p:ph type="sldImg"/>
-          </p:nvPr>
-        </p:nvSpPr>
-        <p:spPr/>
-      </p:sp>
-      <p:sp>
-        <p:nvSpPr>
-          <p:cNvPr id="3" name="Notes Placeholder 2"/>
-          <p:cNvSpPr>
-            <a:spLocks noGrp="1"/>
-          </p:cNvSpPr>
-          <p:nvPr>
-            <p:ph type="body" idx="1"/>
-          </p:nvPr>
-        </p:nvSpPr>
-        <p:spPr/>
-        <p:txBody>
-          <a:bodyPr/>
-          <a:lstStyle/>
-          <a:p>
-            <a:endParaRPr lang="en-US" b="0" dirty="0" smtClean="0"/>
-          </a:p>
-        </p:txBody>
-      </p:sp>
-      <p:sp>
-        <p:nvSpPr>
-          <p:cNvPr id="4" name="Slide Number Placeholder 3"/>
-          <p:cNvSpPr>
-            <a:spLocks noGrp="1"/>
-          </p:cNvSpPr>
-          <p:nvPr>
-            <p:ph type="sldNum" sz="quarter" idx="10"/>
-          </p:nvPr>
-        </p:nvSpPr>
-        <p:spPr/>
-        <p:txBody>
-          <a:bodyPr/>
-          <a:lstStyle/>
-          <a:p>
-            <a:fld id="{89029652-62E7-43D6-83B5-097D7B7AA5D8}" type="slidenum">
-              <a:rPr lang="en-US" smtClean="0"/>
-              <a:t>57</a:t>
-            </a:fld>
-            <a:endParaRPr lang="en-US"/>
-          </a:p>
-        </p:txBody>
-      </p:sp>
-    </p:spTree>
-    <p:extLst>
-      <p:ext uri="{BB962C8B-B14F-4D97-AF65-F5344CB8AC3E}">
-        <p14:creationId xmlns:p14="http://schemas.microsoft.com/office/powerpoint/2010/main" val="3344468672"/>
+        <p14:creationId xmlns:p14="http://schemas.microsoft.com/office/powerpoint/2010/main" val="1557858908"/>
       </p:ext>
     </p:extLst>
   </p:cSld>
@@ -5337,7 +5360,7 @@
     </p:spTree>
     <p:extLst>
       <p:ext uri="{BB962C8B-B14F-4D97-AF65-F5344CB8AC3E}">
-        <p14:creationId xmlns:p14="http://schemas.microsoft.com/office/powerpoint/2010/main" val="3143393369"/>
+        <p14:creationId xmlns:p14="http://schemas.microsoft.com/office/powerpoint/2010/main" val="3450469856"/>
       </p:ext>
     </p:extLst>
   </p:cSld>
@@ -5391,32 +5414,7 @@
           <a:bodyPr/>
           <a:lstStyle/>
           <a:p>
-            <a:pPr marL="0" marR="0" indent="0" algn="l" defTabSz="914400" rtl="0" eaLnBrk="1" fontAlgn="auto" latinLnBrk="0" hangingPunct="1">
-              <a:lnSpc>
-                <a:spcPct val="100000"/>
-              </a:lnSpc>
-              <a:spcBef>
-                <a:spcPts val="0"/>
-              </a:spcBef>
-              <a:spcAft>
-                <a:spcPts val="0"/>
-              </a:spcAft>
-              <a:buClrTx/>
-              <a:buSzTx/>
-              <a:buFontTx/>
-              <a:buNone/>
-              <a:tabLst/>
-              <a:defRPr/>
-            </a:pPr>
-            <a:endParaRPr lang="en-US" sz="1200" kern="1200" dirty="0" smtClean="0">
-              <a:solidFill>
-                <a:schemeClr val="tx1"/>
-              </a:solidFill>
-              <a:effectLst/>
-              <a:latin typeface="+mn-lt"/>
-              <a:ea typeface="+mn-ea"/>
-              <a:cs typeface="+mn-cs"/>
-            </a:endParaRPr>
+            <a:endParaRPr lang="en-US" b="0" dirty="0" smtClean="0"/>
           </a:p>
         </p:txBody>
       </p:sp>
@@ -5446,7 +5444,7 @@
     </p:spTree>
     <p:extLst>
       <p:ext uri="{BB962C8B-B14F-4D97-AF65-F5344CB8AC3E}">
-        <p14:creationId xmlns:p14="http://schemas.microsoft.com/office/powerpoint/2010/main" val="1557858908"/>
+        <p14:creationId xmlns:p14="http://schemas.microsoft.com/office/powerpoint/2010/main" val="2647091800"/>
       </p:ext>
     </p:extLst>
   </p:cSld>
@@ -5614,7 +5612,7 @@
     </p:spTree>
     <p:extLst>
       <p:ext uri="{BB962C8B-B14F-4D97-AF65-F5344CB8AC3E}">
-        <p14:creationId xmlns:p14="http://schemas.microsoft.com/office/powerpoint/2010/main" val="3450469856"/>
+        <p14:creationId xmlns:p14="http://schemas.microsoft.com/office/powerpoint/2010/main" val="3603726692"/>
       </p:ext>
     </p:extLst>
   </p:cSld>
@@ -5698,7 +5696,7 @@
     </p:spTree>
     <p:extLst>
       <p:ext uri="{BB962C8B-B14F-4D97-AF65-F5344CB8AC3E}">
-        <p14:creationId xmlns:p14="http://schemas.microsoft.com/office/powerpoint/2010/main" val="2647091800"/>
+        <p14:creationId xmlns:p14="http://schemas.microsoft.com/office/powerpoint/2010/main" val="2106924964"/>
       </p:ext>
     </p:extLst>
   </p:cSld>
@@ -5782,7 +5780,7 @@
     </p:spTree>
     <p:extLst>
       <p:ext uri="{BB962C8B-B14F-4D97-AF65-F5344CB8AC3E}">
-        <p14:creationId xmlns:p14="http://schemas.microsoft.com/office/powerpoint/2010/main" val="3603726692"/>
+        <p14:creationId xmlns:p14="http://schemas.microsoft.com/office/powerpoint/2010/main" val="506673237"/>
       </p:ext>
     </p:extLst>
   </p:cSld>
@@ -5836,7 +5834,32 @@
           <a:bodyPr/>
           <a:lstStyle/>
           <a:p>
-            <a:endParaRPr lang="en-US" b="0" dirty="0" smtClean="0"/>
+            <a:pPr marL="0" marR="0" indent="0" algn="l" defTabSz="914400" rtl="0" eaLnBrk="1" fontAlgn="auto" latinLnBrk="0" hangingPunct="1">
+              <a:lnSpc>
+                <a:spcPct val="100000"/>
+              </a:lnSpc>
+              <a:spcBef>
+                <a:spcPts val="0"/>
+              </a:spcBef>
+              <a:spcAft>
+                <a:spcPts val="0"/>
+              </a:spcAft>
+              <a:buClrTx/>
+              <a:buSzTx/>
+              <a:buFontTx/>
+              <a:buNone/>
+              <a:tabLst/>
+              <a:defRPr/>
+            </a:pPr>
+            <a:endParaRPr lang="en-US" sz="1200" kern="1200" dirty="0" smtClean="0">
+              <a:solidFill>
+                <a:schemeClr val="tx1"/>
+              </a:solidFill>
+              <a:effectLst/>
+              <a:latin typeface="+mn-lt"/>
+              <a:ea typeface="+mn-ea"/>
+              <a:cs typeface="+mn-cs"/>
+            </a:endParaRPr>
           </a:p>
         </p:txBody>
       </p:sp>
@@ -5866,7 +5889,7 @@
     </p:spTree>
     <p:extLst>
       <p:ext uri="{BB962C8B-B14F-4D97-AF65-F5344CB8AC3E}">
-        <p14:creationId xmlns:p14="http://schemas.microsoft.com/office/powerpoint/2010/main" val="2106924964"/>
+        <p14:creationId xmlns:p14="http://schemas.microsoft.com/office/powerpoint/2010/main" val="1923953829"/>
       </p:ext>
     </p:extLst>
   </p:cSld>
@@ -5950,7 +5973,7 @@
     </p:spTree>
     <p:extLst>
       <p:ext uri="{BB962C8B-B14F-4D97-AF65-F5344CB8AC3E}">
-        <p14:creationId xmlns:p14="http://schemas.microsoft.com/office/powerpoint/2010/main" val="506673237"/>
+        <p14:creationId xmlns:p14="http://schemas.microsoft.com/office/powerpoint/2010/main" val="531577243"/>
       </p:ext>
     </p:extLst>
   </p:cSld>
@@ -6004,32 +6027,7 @@
           <a:bodyPr/>
           <a:lstStyle/>
           <a:p>
-            <a:pPr marL="0" marR="0" indent="0" algn="l" defTabSz="914400" rtl="0" eaLnBrk="1" fontAlgn="auto" latinLnBrk="0" hangingPunct="1">
-              <a:lnSpc>
-                <a:spcPct val="100000"/>
-              </a:lnSpc>
-              <a:spcBef>
-                <a:spcPts val="0"/>
-              </a:spcBef>
-              <a:spcAft>
-                <a:spcPts val="0"/>
-              </a:spcAft>
-              <a:buClrTx/>
-              <a:buSzTx/>
-              <a:buFontTx/>
-              <a:buNone/>
-              <a:tabLst/>
-              <a:defRPr/>
-            </a:pPr>
-            <a:endParaRPr lang="en-US" sz="1200" kern="1200" dirty="0" smtClean="0">
-              <a:solidFill>
-                <a:schemeClr val="tx1"/>
-              </a:solidFill>
-              <a:effectLst/>
-              <a:latin typeface="+mn-lt"/>
-              <a:ea typeface="+mn-ea"/>
-              <a:cs typeface="+mn-cs"/>
-            </a:endParaRPr>
+            <a:endParaRPr lang="en-US" b="0" dirty="0" smtClean="0"/>
           </a:p>
         </p:txBody>
       </p:sp>
@@ -6059,7 +6057,7 @@
     </p:spTree>
     <p:extLst>
       <p:ext uri="{BB962C8B-B14F-4D97-AF65-F5344CB8AC3E}">
-        <p14:creationId xmlns:p14="http://schemas.microsoft.com/office/powerpoint/2010/main" val="1923953829"/>
+        <p14:creationId xmlns:p14="http://schemas.microsoft.com/office/powerpoint/2010/main" val="2079785236"/>
       </p:ext>
     </p:extLst>
   </p:cSld>
@@ -6143,7 +6141,7 @@
     </p:spTree>
     <p:extLst>
       <p:ext uri="{BB962C8B-B14F-4D97-AF65-F5344CB8AC3E}">
-        <p14:creationId xmlns:p14="http://schemas.microsoft.com/office/powerpoint/2010/main" val="531577243"/>
+        <p14:creationId xmlns:p14="http://schemas.microsoft.com/office/powerpoint/2010/main" val="1664318980"/>
       </p:ext>
     </p:extLst>
   </p:cSld>
@@ -6227,7 +6225,7 @@
     </p:spTree>
     <p:extLst>
       <p:ext uri="{BB962C8B-B14F-4D97-AF65-F5344CB8AC3E}">
-        <p14:creationId xmlns:p14="http://schemas.microsoft.com/office/powerpoint/2010/main" val="2079785236"/>
+        <p14:creationId xmlns:p14="http://schemas.microsoft.com/office/powerpoint/2010/main" val="1581406028"/>
       </p:ext>
     </p:extLst>
   </p:cSld>
@@ -6311,7 +6309,7 @@
     </p:spTree>
     <p:extLst>
       <p:ext uri="{BB962C8B-B14F-4D97-AF65-F5344CB8AC3E}">
-        <p14:creationId xmlns:p14="http://schemas.microsoft.com/office/powerpoint/2010/main" val="1664318980"/>
+        <p14:creationId xmlns:p14="http://schemas.microsoft.com/office/powerpoint/2010/main" val="299799724"/>
       </p:ext>
     </p:extLst>
   </p:cSld>
@@ -6395,7 +6393,7 @@
     </p:spTree>
     <p:extLst>
       <p:ext uri="{BB962C8B-B14F-4D97-AF65-F5344CB8AC3E}">
-        <p14:creationId xmlns:p14="http://schemas.microsoft.com/office/powerpoint/2010/main" val="1581406028"/>
+        <p14:creationId xmlns:p14="http://schemas.microsoft.com/office/powerpoint/2010/main" val="2229440876"/>
       </p:ext>
     </p:extLst>
   </p:cSld>
@@ -6563,7 +6561,7 @@
     </p:spTree>
     <p:extLst>
       <p:ext uri="{BB962C8B-B14F-4D97-AF65-F5344CB8AC3E}">
-        <p14:creationId xmlns:p14="http://schemas.microsoft.com/office/powerpoint/2010/main" val="299799724"/>
+        <p14:creationId xmlns:p14="http://schemas.microsoft.com/office/powerpoint/2010/main" val="2350728921"/>
       </p:ext>
     </p:extLst>
   </p:cSld>
@@ -6647,7 +6645,7 @@
     </p:spTree>
     <p:extLst>
       <p:ext uri="{BB962C8B-B14F-4D97-AF65-F5344CB8AC3E}">
-        <p14:creationId xmlns:p14="http://schemas.microsoft.com/office/powerpoint/2010/main" val="2229440876"/>
+        <p14:creationId xmlns:p14="http://schemas.microsoft.com/office/powerpoint/2010/main" val="1004591723"/>
       </p:ext>
     </p:extLst>
   </p:cSld>
@@ -6731,7 +6729,7 @@
     </p:spTree>
     <p:extLst>
       <p:ext uri="{BB962C8B-B14F-4D97-AF65-F5344CB8AC3E}">
-        <p14:creationId xmlns:p14="http://schemas.microsoft.com/office/powerpoint/2010/main" val="2350728921"/>
+        <p14:creationId xmlns:p14="http://schemas.microsoft.com/office/powerpoint/2010/main" val="1737165775"/>
       </p:ext>
     </p:extLst>
   </p:cSld>
@@ -6815,7 +6813,7 @@
     </p:spTree>
     <p:extLst>
       <p:ext uri="{BB962C8B-B14F-4D97-AF65-F5344CB8AC3E}">
-        <p14:creationId xmlns:p14="http://schemas.microsoft.com/office/powerpoint/2010/main" val="1004591723"/>
+        <p14:creationId xmlns:p14="http://schemas.microsoft.com/office/powerpoint/2010/main" val="1030293071"/>
       </p:ext>
     </p:extLst>
   </p:cSld>
@@ -6899,7 +6897,7 @@
     </p:spTree>
     <p:extLst>
       <p:ext uri="{BB962C8B-B14F-4D97-AF65-F5344CB8AC3E}">
-        <p14:creationId xmlns:p14="http://schemas.microsoft.com/office/powerpoint/2010/main" val="1737165775"/>
+        <p14:creationId xmlns:p14="http://schemas.microsoft.com/office/powerpoint/2010/main" val="834707851"/>
       </p:ext>
     </p:extLst>
   </p:cSld>
@@ -6975,174 +6973,6 @@
             <a:fld id="{89029652-62E7-43D6-83B5-097D7B7AA5D8}" type="slidenum">
               <a:rPr lang="en-US" smtClean="0"/>
               <a:t>75</a:t>
-            </a:fld>
-            <a:endParaRPr lang="en-US"/>
-          </a:p>
-        </p:txBody>
-      </p:sp>
-    </p:spTree>
-    <p:extLst>
-      <p:ext uri="{BB962C8B-B14F-4D97-AF65-F5344CB8AC3E}">
-        <p14:creationId xmlns:p14="http://schemas.microsoft.com/office/powerpoint/2010/main" val="1030293071"/>
-      </p:ext>
-    </p:extLst>
-  </p:cSld>
-  <p:clrMapOvr>
-    <a:masterClrMapping/>
-  </p:clrMapOvr>
-</p:notes>
-</file>
-
-<file path=ppt/notesSlides/notesSlide76.xml><?xml version="1.0" encoding="utf-8"?>
-<p:notes xmlns:a="http://schemas.openxmlformats.org/drawingml/2006/main" xmlns:r="http://schemas.openxmlformats.org/officeDocument/2006/relationships" xmlns:p="http://schemas.openxmlformats.org/presentationml/2006/main">
-  <p:cSld>
-    <p:spTree>
-      <p:nvGrpSpPr>
-        <p:cNvPr id="1" name=""/>
-        <p:cNvGrpSpPr/>
-        <p:nvPr/>
-      </p:nvGrpSpPr>
-      <p:grpSpPr>
-        <a:xfrm>
-          <a:off x="0" y="0"/>
-          <a:ext cx="0" cy="0"/>
-          <a:chOff x="0" y="0"/>
-          <a:chExt cx="0" cy="0"/>
-        </a:xfrm>
-      </p:grpSpPr>
-      <p:sp>
-        <p:nvSpPr>
-          <p:cNvPr id="2" name="Slide Image Placeholder 1"/>
-          <p:cNvSpPr>
-            <a:spLocks noGrp="1" noRot="1" noChangeAspect="1"/>
-          </p:cNvSpPr>
-          <p:nvPr>
-            <p:ph type="sldImg"/>
-          </p:nvPr>
-        </p:nvSpPr>
-        <p:spPr/>
-      </p:sp>
-      <p:sp>
-        <p:nvSpPr>
-          <p:cNvPr id="3" name="Notes Placeholder 2"/>
-          <p:cNvSpPr>
-            <a:spLocks noGrp="1"/>
-          </p:cNvSpPr>
-          <p:nvPr>
-            <p:ph type="body" idx="1"/>
-          </p:nvPr>
-        </p:nvSpPr>
-        <p:spPr/>
-        <p:txBody>
-          <a:bodyPr/>
-          <a:lstStyle/>
-          <a:p>
-            <a:endParaRPr lang="en-US" b="0" dirty="0" smtClean="0"/>
-          </a:p>
-        </p:txBody>
-      </p:sp>
-      <p:sp>
-        <p:nvSpPr>
-          <p:cNvPr id="4" name="Slide Number Placeholder 3"/>
-          <p:cNvSpPr>
-            <a:spLocks noGrp="1"/>
-          </p:cNvSpPr>
-          <p:nvPr>
-            <p:ph type="sldNum" sz="quarter" idx="10"/>
-          </p:nvPr>
-        </p:nvSpPr>
-        <p:spPr/>
-        <p:txBody>
-          <a:bodyPr/>
-          <a:lstStyle/>
-          <a:p>
-            <a:fld id="{89029652-62E7-43D6-83B5-097D7B7AA5D8}" type="slidenum">
-              <a:rPr lang="en-US" smtClean="0"/>
-              <a:t>76</a:t>
-            </a:fld>
-            <a:endParaRPr lang="en-US"/>
-          </a:p>
-        </p:txBody>
-      </p:sp>
-    </p:spTree>
-    <p:extLst>
-      <p:ext uri="{BB962C8B-B14F-4D97-AF65-F5344CB8AC3E}">
-        <p14:creationId xmlns:p14="http://schemas.microsoft.com/office/powerpoint/2010/main" val="834707851"/>
-      </p:ext>
-    </p:extLst>
-  </p:cSld>
-  <p:clrMapOvr>
-    <a:masterClrMapping/>
-  </p:clrMapOvr>
-</p:notes>
-</file>
-
-<file path=ppt/notesSlides/notesSlide77.xml><?xml version="1.0" encoding="utf-8"?>
-<p:notes xmlns:a="http://schemas.openxmlformats.org/drawingml/2006/main" xmlns:r="http://schemas.openxmlformats.org/officeDocument/2006/relationships" xmlns:p="http://schemas.openxmlformats.org/presentationml/2006/main">
-  <p:cSld>
-    <p:spTree>
-      <p:nvGrpSpPr>
-        <p:cNvPr id="1" name=""/>
-        <p:cNvGrpSpPr/>
-        <p:nvPr/>
-      </p:nvGrpSpPr>
-      <p:grpSpPr>
-        <a:xfrm>
-          <a:off x="0" y="0"/>
-          <a:ext cx="0" cy="0"/>
-          <a:chOff x="0" y="0"/>
-          <a:chExt cx="0" cy="0"/>
-        </a:xfrm>
-      </p:grpSpPr>
-      <p:sp>
-        <p:nvSpPr>
-          <p:cNvPr id="2" name="Slide Image Placeholder 1"/>
-          <p:cNvSpPr>
-            <a:spLocks noGrp="1" noRot="1" noChangeAspect="1"/>
-          </p:cNvSpPr>
-          <p:nvPr>
-            <p:ph type="sldImg"/>
-          </p:nvPr>
-        </p:nvSpPr>
-        <p:spPr/>
-      </p:sp>
-      <p:sp>
-        <p:nvSpPr>
-          <p:cNvPr id="3" name="Notes Placeholder 2"/>
-          <p:cNvSpPr>
-            <a:spLocks noGrp="1"/>
-          </p:cNvSpPr>
-          <p:nvPr>
-            <p:ph type="body" idx="1"/>
-          </p:nvPr>
-        </p:nvSpPr>
-        <p:spPr/>
-        <p:txBody>
-          <a:bodyPr/>
-          <a:lstStyle/>
-          <a:p>
-            <a:endParaRPr lang="en-US" b="0" dirty="0" smtClean="0"/>
-          </a:p>
-        </p:txBody>
-      </p:sp>
-      <p:sp>
-        <p:nvSpPr>
-          <p:cNvPr id="4" name="Slide Number Placeholder 3"/>
-          <p:cNvSpPr>
-            <a:spLocks noGrp="1"/>
-          </p:cNvSpPr>
-          <p:nvPr>
-            <p:ph type="sldNum" sz="quarter" idx="10"/>
-          </p:nvPr>
-        </p:nvSpPr>
-        <p:spPr/>
-        <p:txBody>
-          <a:bodyPr/>
-          <a:lstStyle/>
-          <a:p>
-            <a:fld id="{89029652-62E7-43D6-83B5-097D7B7AA5D8}" type="slidenum">
-              <a:rPr lang="en-US" smtClean="0"/>
-              <a:t>77</a:t>
             </a:fld>
             <a:endParaRPr lang="en-US"/>
           </a:p>
@@ -7460,7 +7290,7 @@
           <a:p>
             <a:fld id="{75AA6396-395E-4ADA-8EE5-F328BC863A04}" type="datetimeFigureOut">
               <a:rPr lang="en-US" smtClean="0"/>
-              <a:t>1/5/2017</a:t>
+              <a:t>1/6/2017</a:t>
             </a:fld>
             <a:endParaRPr lang="en-US"/>
           </a:p>
@@ -7637,7 +7467,7 @@
           <a:p>
             <a:fld id="{75AA6396-395E-4ADA-8EE5-F328BC863A04}" type="datetimeFigureOut">
               <a:rPr lang="en-US" smtClean="0"/>
-              <a:t>1/5/2017</a:t>
+              <a:t>1/6/2017</a:t>
             </a:fld>
             <a:endParaRPr lang="en-US"/>
           </a:p>
@@ -7817,7 +7647,7 @@
           <a:p>
             <a:fld id="{75AA6396-395E-4ADA-8EE5-F328BC863A04}" type="datetimeFigureOut">
               <a:rPr lang="en-US" smtClean="0"/>
-              <a:t>1/5/2017</a:t>
+              <a:t>1/6/2017</a:t>
             </a:fld>
             <a:endParaRPr lang="en-US"/>
           </a:p>
@@ -8037,7 +7867,7 @@
           <a:p>
             <a:fld id="{75AA6396-395E-4ADA-8EE5-F328BC863A04}" type="datetimeFigureOut">
               <a:rPr lang="en-US" smtClean="0"/>
-              <a:t>1/5/2017</a:t>
+              <a:t>1/6/2017</a:t>
             </a:fld>
             <a:endParaRPr lang="en-US"/>
           </a:p>
@@ -8290,7 +8120,7 @@
           <a:p>
             <a:fld id="{75AA6396-395E-4ADA-8EE5-F328BC863A04}" type="datetimeFigureOut">
               <a:rPr lang="en-US" smtClean="0"/>
-              <a:t>1/5/2017</a:t>
+              <a:t>1/6/2017</a:t>
             </a:fld>
             <a:endParaRPr lang="en-US"/>
           </a:p>
@@ -8529,7 +8359,7 @@
           <a:p>
             <a:fld id="{75AA6396-395E-4ADA-8EE5-F328BC863A04}" type="datetimeFigureOut">
               <a:rPr lang="en-US" smtClean="0"/>
-              <a:t>1/5/2017</a:t>
+              <a:t>1/6/2017</a:t>
             </a:fld>
             <a:endParaRPr lang="en-US"/>
           </a:p>
@@ -8903,7 +8733,7 @@
           <a:p>
             <a:fld id="{75AA6396-395E-4ADA-8EE5-F328BC863A04}" type="datetimeFigureOut">
               <a:rPr lang="en-US" smtClean="0"/>
-              <a:t>1/5/2017</a:t>
+              <a:t>1/6/2017</a:t>
             </a:fld>
             <a:endParaRPr lang="en-US"/>
           </a:p>
@@ -9021,7 +8851,7 @@
           <a:p>
             <a:fld id="{75AA6396-395E-4ADA-8EE5-F328BC863A04}" type="datetimeFigureOut">
               <a:rPr lang="en-US" smtClean="0"/>
-              <a:t>1/5/2017</a:t>
+              <a:t>1/6/2017</a:t>
             </a:fld>
             <a:endParaRPr lang="en-US"/>
           </a:p>
@@ -9116,7 +8946,7 @@
           <a:p>
             <a:fld id="{75AA6396-395E-4ADA-8EE5-F328BC863A04}" type="datetimeFigureOut">
               <a:rPr lang="en-US" smtClean="0"/>
-              <a:t>1/5/2017</a:t>
+              <a:t>1/6/2017</a:t>
             </a:fld>
             <a:endParaRPr lang="en-US"/>
           </a:p>
@@ -9393,7 +9223,7 @@
           <a:p>
             <a:fld id="{75AA6396-395E-4ADA-8EE5-F328BC863A04}" type="datetimeFigureOut">
               <a:rPr lang="en-US" smtClean="0"/>
-              <a:t>1/5/2017</a:t>
+              <a:t>1/6/2017</a:t>
             </a:fld>
             <a:endParaRPr lang="en-US"/>
           </a:p>
@@ -9646,7 +9476,7 @@
           <a:p>
             <a:fld id="{75AA6396-395E-4ADA-8EE5-F328BC863A04}" type="datetimeFigureOut">
               <a:rPr lang="en-US" smtClean="0"/>
-              <a:t>1/5/2017</a:t>
+              <a:t>1/6/2017</a:t>
             </a:fld>
             <a:endParaRPr lang="en-US"/>
           </a:p>
@@ -9859,7 +9689,7 @@
           <a:p>
             <a:fld id="{75AA6396-395E-4ADA-8EE5-F328BC863A04}" type="datetimeFigureOut">
               <a:rPr lang="en-US" smtClean="0"/>
-              <a:t>1/5/2017</a:t>
+              <a:t>1/6/2017</a:t>
             </a:fld>
             <a:endParaRPr lang="en-US"/>
           </a:p>
@@ -10496,8 +10326,46 @@
           </a:p>
           <a:p>
             <a:r>
+              <a:rPr lang="en-US" sz="4000" dirty="0"/>
+              <a:t>jQuery AJAX events (</a:t>
+            </a:r>
+            <a:r>
+              <a:rPr lang="en-US" sz="4000" i="1" dirty="0" err="1"/>
+              <a:t>ajaxStart</a:t>
+            </a:r>
+            <a:r>
+              <a:rPr lang="en-US" sz="4000" i="1" dirty="0"/>
+              <a:t>, </a:t>
+            </a:r>
+            <a:r>
+              <a:rPr lang="en-US" sz="4000" i="1" dirty="0" err="1"/>
+              <a:t>ajaxEnd</a:t>
+            </a:r>
+            <a:r>
+              <a:rPr lang="en-US" sz="4000" i="1" dirty="0"/>
+              <a:t>, </a:t>
+            </a:r>
+            <a:r>
+              <a:rPr lang="en-US" sz="4000" i="1" dirty="0" err="1"/>
+              <a:t>ajaxPrefilter</a:t>
+            </a:r>
+            <a:r>
+              <a:rPr lang="en-US" sz="4000" i="1" dirty="0"/>
+              <a:t>)</a:t>
+            </a:r>
+            <a:br>
+              <a:rPr lang="en-US" sz="4000" i="1" dirty="0"/>
+            </a:br>
+            <a:endParaRPr lang="en-US" sz="4000" i="1" dirty="0"/>
+          </a:p>
+          <a:p>
+            <a:r>
               <a:rPr lang="en-US" sz="4000" dirty="0" smtClean="0"/>
-              <a:t>ORM interceptors (</a:t>
+              <a:t>ORM </a:t>
+            </a:r>
+            <a:r>
+              <a:rPr lang="en-US" sz="4000" dirty="0" smtClean="0"/>
+              <a:t>interceptors (</a:t>
             </a:r>
             <a:r>
               <a:rPr lang="en-US" sz="4000" i="1" dirty="0" smtClean="0"/>
@@ -10510,46 +10378,16 @@
           </a:p>
           <a:p>
             <a:r>
-              <a:rPr lang="en-US" sz="4000" dirty="0" smtClean="0"/>
-              <a:t>jQuery AJAX events (</a:t>
-            </a:r>
-            <a:r>
-              <a:rPr lang="en-US" sz="4000" i="1" dirty="0" err="1" smtClean="0"/>
-              <a:t>ajaxStart</a:t>
-            </a:r>
-            <a:r>
-              <a:rPr lang="en-US" sz="4000" i="1" dirty="0" smtClean="0"/>
-              <a:t>, </a:t>
-            </a:r>
-            <a:r>
-              <a:rPr lang="en-US" sz="4000" i="1" dirty="0" err="1" smtClean="0"/>
-              <a:t>ajaxEnd</a:t>
-            </a:r>
-            <a:r>
-              <a:rPr lang="en-US" sz="4000" i="1" dirty="0" smtClean="0"/>
-              <a:t>, </a:t>
-            </a:r>
-            <a:r>
-              <a:rPr lang="en-US" sz="4000" i="1" dirty="0" err="1" smtClean="0"/>
-              <a:t>ajaxPrefilter</a:t>
-            </a:r>
-            <a:r>
-              <a:rPr lang="en-US" sz="4000" i="1" dirty="0" smtClean="0"/>
-              <a:t>)</a:t>
-            </a:r>
-            <a:br>
-              <a:rPr lang="en-US" sz="4000" i="1" dirty="0" smtClean="0"/>
-            </a:br>
-            <a:endParaRPr lang="en-US" sz="4000" i="1" dirty="0" smtClean="0"/>
-          </a:p>
-          <a:p>
-            <a:r>
               <a:rPr lang="en-US" sz="4000" dirty="0" err="1" smtClean="0"/>
               <a:t>PostSharp</a:t>
             </a:r>
             <a:r>
               <a:rPr lang="en-US" sz="4000" dirty="0" smtClean="0"/>
-              <a:t> (</a:t>
+              <a:t> </a:t>
+            </a:r>
+            <a:r>
+              <a:rPr lang="en-US" sz="4000" dirty="0" smtClean="0"/>
+              <a:t>(</a:t>
             </a:r>
             <a:r>
               <a:rPr lang="en-US" sz="4000" i="1" dirty="0" smtClean="0"/>
@@ -10559,7 +10397,6 @@
               <a:rPr lang="en-US" sz="4000" dirty="0" smtClean="0"/>
               <a:t>)</a:t>
             </a:r>
-            <a:endParaRPr lang="en-US" sz="4000" dirty="0" smtClean="0"/>
           </a:p>
           <a:p>
             <a:endParaRPr lang="en-US" sz="3200" dirty="0" smtClean="0"/>
@@ -12414,88 +12251,51 @@
         </p:nvSpPr>
         <p:spPr>
           <a:xfrm>
-            <a:off x="838200" y="365125"/>
-            <a:ext cx="10960510" cy="1325563"/>
+            <a:off x="964927" y="1"/>
+            <a:ext cx="10515600" cy="6858000"/>
           </a:xfrm>
         </p:spPr>
         <p:txBody>
-          <a:bodyPr>
+          <a:bodyPr anchor="ctr">
             <a:normAutofit/>
           </a:bodyPr>
           <a:lstStyle/>
           <a:p>
+            <a:pPr algn="ctr"/>
             <a:r>
               <a:rPr lang="en-US" sz="4800" dirty="0" smtClean="0"/>
-              <a:t>What makes a concern "cross cutting"?</a:t>
-            </a:r>
-            <a:endParaRPr lang="en-US" sz="4800" dirty="0"/>
-          </a:p>
-        </p:txBody>
-      </p:sp>
-      <p:sp>
-        <p:nvSpPr>
-          <p:cNvPr id="3" name="Content Placeholder 2"/>
-          <p:cNvSpPr>
-            <a:spLocks noGrp="1"/>
-          </p:cNvSpPr>
-          <p:nvPr>
-            <p:ph idx="1"/>
-          </p:nvPr>
-        </p:nvSpPr>
-        <p:spPr>
-          <a:xfrm>
-            <a:off x="838200" y="1825624"/>
-            <a:ext cx="10515600" cy="4899641"/>
-          </a:xfrm>
-        </p:spPr>
-        <p:txBody>
-          <a:bodyPr>
-            <a:normAutofit/>
-          </a:bodyPr>
-          <a:lstStyle/>
-          <a:p>
-            <a:r>
-              <a:rPr lang="en-US" sz="4000" dirty="0" smtClean="0"/>
-              <a:t>Orthogonal to feature-specific business rules</a:t>
-            </a:r>
-            <a:endParaRPr lang="en-US" sz="4000" dirty="0"/>
-          </a:p>
-          <a:p>
-            <a:endParaRPr lang="en-US" sz="4000" dirty="0" smtClean="0"/>
-          </a:p>
-          <a:p>
-            <a:r>
-              <a:rPr lang="en-US" sz="4000" dirty="0" smtClean="0"/>
-              <a:t>Applies to multiple features</a:t>
-            </a:r>
-          </a:p>
-          <a:p>
-            <a:endParaRPr lang="en-US" sz="4000" dirty="0" smtClean="0"/>
-          </a:p>
-          <a:p>
-            <a:endParaRPr lang="en-US" sz="4000" dirty="0"/>
-          </a:p>
-          <a:p>
-            <a:endParaRPr lang="en-US" sz="4000" dirty="0" smtClean="0"/>
-          </a:p>
-          <a:p>
-            <a:endParaRPr lang="en-US" sz="4000" dirty="0" smtClean="0"/>
-          </a:p>
-          <a:p>
-            <a:endParaRPr lang="en-US" dirty="0" smtClean="0"/>
-          </a:p>
-          <a:p>
-            <a:endParaRPr lang="en-US" dirty="0" smtClean="0"/>
-          </a:p>
-          <a:p>
-            <a:endParaRPr lang="en-US" dirty="0"/>
+              <a:t>Show me the codez!</a:t>
+            </a:r>
+            <a:br>
+              <a:rPr lang="en-US" sz="4800" dirty="0" smtClean="0"/>
+            </a:br>
+            <a:r>
+              <a:rPr lang="en-US" sz="4800" dirty="0"/>
+              <a:t/>
+            </a:r>
+            <a:br>
+              <a:rPr lang="en-US" sz="4800" dirty="0"/>
+            </a:br>
+            <a:r>
+              <a:rPr lang="en-US" dirty="0" smtClean="0">
+                <a:solidFill>
+                  <a:srgbClr val="013947"/>
+                </a:solidFill>
+              </a:rPr>
+              <a:t>bit.ly/2i0J91d</a:t>
+            </a:r>
+            <a:endParaRPr lang="en-US" sz="4800" dirty="0">
+              <a:solidFill>
+                <a:srgbClr val="013947"/>
+              </a:solidFill>
+            </a:endParaRPr>
           </a:p>
         </p:txBody>
       </p:sp>
     </p:spTree>
     <p:extLst>
       <p:ext uri="{BB962C8B-B14F-4D97-AF65-F5344CB8AC3E}">
-        <p14:creationId xmlns:p14="http://schemas.microsoft.com/office/powerpoint/2010/main" val="4241676050"/>
+        <p14:creationId xmlns:p14="http://schemas.microsoft.com/office/powerpoint/2010/main" val="269211379"/>
       </p:ext>
     </p:extLst>
   </p:cSld>
@@ -12541,228 +12341,6 @@
         </p:nvSpPr>
         <p:spPr>
           <a:xfrm>
-            <a:off x="838200" y="365125"/>
-            <a:ext cx="10960510" cy="1325563"/>
-          </a:xfrm>
-        </p:spPr>
-        <p:txBody>
-          <a:bodyPr>
-            <a:normAutofit/>
-          </a:bodyPr>
-          <a:lstStyle/>
-          <a:p>
-            <a:r>
-              <a:rPr lang="en-US" sz="4800" dirty="0" smtClean="0"/>
-              <a:t>What belongs in the "framework"?</a:t>
-            </a:r>
-            <a:endParaRPr lang="en-US" sz="4800" dirty="0"/>
-          </a:p>
-        </p:txBody>
-      </p:sp>
-      <p:sp>
-        <p:nvSpPr>
-          <p:cNvPr id="3" name="Content Placeholder 2"/>
-          <p:cNvSpPr>
-            <a:spLocks noGrp="1"/>
-          </p:cNvSpPr>
-          <p:nvPr>
-            <p:ph idx="1"/>
-          </p:nvPr>
-        </p:nvSpPr>
-        <p:spPr>
-          <a:xfrm>
-            <a:off x="838200" y="1825624"/>
-            <a:ext cx="10515600" cy="4899641"/>
-          </a:xfrm>
-        </p:spPr>
-        <p:txBody>
-          <a:bodyPr>
-            <a:normAutofit/>
-          </a:bodyPr>
-          <a:lstStyle/>
-          <a:p>
-            <a:r>
-              <a:rPr lang="en-US" sz="4000" dirty="0" smtClean="0"/>
-              <a:t>All "cross-cutting" concerns</a:t>
-            </a:r>
-          </a:p>
-          <a:p>
-            <a:endParaRPr lang="en-US" sz="4000" dirty="0" smtClean="0"/>
-          </a:p>
-          <a:p>
-            <a:r>
-              <a:rPr lang="en-US" sz="4000" dirty="0" smtClean="0"/>
-              <a:t>Anything that can be made "secure by default"</a:t>
-            </a:r>
-          </a:p>
-          <a:p>
-            <a:endParaRPr lang="en-US" sz="4000" dirty="0"/>
-          </a:p>
-          <a:p>
-            <a:r>
-              <a:rPr lang="en-US" sz="4000" dirty="0" smtClean="0"/>
-              <a:t>Anything that needs auditing / global testing</a:t>
-            </a:r>
-          </a:p>
-          <a:p>
-            <a:endParaRPr lang="en-US" sz="4000" dirty="0"/>
-          </a:p>
-          <a:p>
-            <a:endParaRPr lang="en-US" sz="4000" dirty="0" smtClean="0"/>
-          </a:p>
-          <a:p>
-            <a:endParaRPr lang="en-US" sz="4000" dirty="0" smtClean="0"/>
-          </a:p>
-          <a:p>
-            <a:endParaRPr lang="en-US" dirty="0" smtClean="0"/>
-          </a:p>
-          <a:p>
-            <a:endParaRPr lang="en-US" dirty="0" smtClean="0"/>
-          </a:p>
-          <a:p>
-            <a:endParaRPr lang="en-US" dirty="0"/>
-          </a:p>
-        </p:txBody>
-      </p:sp>
-    </p:spTree>
-    <p:extLst>
-      <p:ext uri="{BB962C8B-B14F-4D97-AF65-F5344CB8AC3E}">
-        <p14:creationId xmlns:p14="http://schemas.microsoft.com/office/powerpoint/2010/main" val="617467512"/>
-      </p:ext>
-    </p:extLst>
-  </p:cSld>
-  <p:clrMapOvr>
-    <a:masterClrMapping/>
-  </p:clrMapOvr>
-  <p:timing>
-    <p:tnLst>
-      <p:par>
-        <p:cTn id="1" dur="indefinite" restart="never" nodeType="tmRoot"/>
-      </p:par>
-    </p:tnLst>
-  </p:timing>
-</p:sld>
-</file>
-
-<file path=ppt/slides/slide24.xml><?xml version="1.0" encoding="utf-8"?>
-<p:sld xmlns:a="http://schemas.openxmlformats.org/drawingml/2006/main" xmlns:r="http://schemas.openxmlformats.org/officeDocument/2006/relationships" xmlns:p="http://schemas.openxmlformats.org/presentationml/2006/main">
-  <p:cSld>
-    <p:spTree>
-      <p:nvGrpSpPr>
-        <p:cNvPr id="1" name=""/>
-        <p:cNvGrpSpPr/>
-        <p:nvPr/>
-      </p:nvGrpSpPr>
-      <p:grpSpPr>
-        <a:xfrm>
-          <a:off x="0" y="0"/>
-          <a:ext cx="0" cy="0"/>
-          <a:chOff x="0" y="0"/>
-          <a:chExt cx="0" cy="0"/>
-        </a:xfrm>
-      </p:grpSpPr>
-      <p:sp>
-        <p:nvSpPr>
-          <p:cNvPr id="2" name="Title 1"/>
-          <p:cNvSpPr>
-            <a:spLocks noGrp="1"/>
-          </p:cNvSpPr>
-          <p:nvPr>
-            <p:ph type="title"/>
-          </p:nvPr>
-        </p:nvSpPr>
-        <p:spPr>
-          <a:xfrm>
-            <a:off x="964927" y="1"/>
-            <a:ext cx="10515600" cy="6858000"/>
-          </a:xfrm>
-        </p:spPr>
-        <p:txBody>
-          <a:bodyPr anchor="ctr">
-            <a:normAutofit/>
-          </a:bodyPr>
-          <a:lstStyle/>
-          <a:p>
-            <a:pPr algn="ctr"/>
-            <a:r>
-              <a:rPr lang="en-US" sz="4800" dirty="0" smtClean="0"/>
-              <a:t>Show me the codez!</a:t>
-            </a:r>
-            <a:br>
-              <a:rPr lang="en-US" sz="4800" dirty="0" smtClean="0"/>
-            </a:br>
-            <a:r>
-              <a:rPr lang="en-US" sz="4800" dirty="0"/>
-              <a:t/>
-            </a:r>
-            <a:br>
-              <a:rPr lang="en-US" sz="4800" dirty="0"/>
-            </a:br>
-            <a:r>
-              <a:rPr lang="en-US" dirty="0" smtClean="0">
-                <a:solidFill>
-                  <a:srgbClr val="013947"/>
-                </a:solidFill>
-              </a:rPr>
-              <a:t>bit.ly/2i0J91d</a:t>
-            </a:r>
-            <a:endParaRPr lang="en-US" sz="4800" dirty="0">
-              <a:solidFill>
-                <a:srgbClr val="013947"/>
-              </a:solidFill>
-            </a:endParaRPr>
-          </a:p>
-        </p:txBody>
-      </p:sp>
-    </p:spTree>
-    <p:extLst>
-      <p:ext uri="{BB962C8B-B14F-4D97-AF65-F5344CB8AC3E}">
-        <p14:creationId xmlns:p14="http://schemas.microsoft.com/office/powerpoint/2010/main" val="269211379"/>
-      </p:ext>
-    </p:extLst>
-  </p:cSld>
-  <p:clrMapOvr>
-    <a:masterClrMapping/>
-  </p:clrMapOvr>
-  <p:timing>
-    <p:tnLst>
-      <p:par>
-        <p:cTn id="1" dur="indefinite" restart="never" nodeType="tmRoot"/>
-      </p:par>
-    </p:tnLst>
-  </p:timing>
-</p:sld>
-</file>
-
-<file path=ppt/slides/slide25.xml><?xml version="1.0" encoding="utf-8"?>
-<p:sld xmlns:a="http://schemas.openxmlformats.org/drawingml/2006/main" xmlns:r="http://schemas.openxmlformats.org/officeDocument/2006/relationships" xmlns:p="http://schemas.openxmlformats.org/presentationml/2006/main">
-  <p:cSld>
-    <p:spTree>
-      <p:nvGrpSpPr>
-        <p:cNvPr id="1" name=""/>
-        <p:cNvGrpSpPr/>
-        <p:nvPr/>
-      </p:nvGrpSpPr>
-      <p:grpSpPr>
-        <a:xfrm>
-          <a:off x="0" y="0"/>
-          <a:ext cx="0" cy="0"/>
-          <a:chOff x="0" y="0"/>
-          <a:chExt cx="0" cy="0"/>
-        </a:xfrm>
-      </p:grpSpPr>
-      <p:sp>
-        <p:nvSpPr>
-          <p:cNvPr id="2" name="Title 1"/>
-          <p:cNvSpPr>
-            <a:spLocks noGrp="1"/>
-          </p:cNvSpPr>
-          <p:nvPr>
-            <p:ph type="title"/>
-          </p:nvPr>
-        </p:nvSpPr>
-        <p:spPr>
-          <a:xfrm>
             <a:off x="964927" y="1"/>
             <a:ext cx="10515600" cy="6858000"/>
           </a:xfrm>
@@ -12824,7 +12402,7 @@
 </p:sld>
 </file>
 
-<file path=ppt/slides/slide26.xml><?xml version="1.0" encoding="utf-8"?>
+<file path=ppt/slides/slide24.xml><?xml version="1.0" encoding="utf-8"?>
 <p:sld xmlns:a="http://schemas.openxmlformats.org/drawingml/2006/main" xmlns:r="http://schemas.openxmlformats.org/officeDocument/2006/relationships" xmlns:p="http://schemas.openxmlformats.org/presentationml/2006/main">
   <p:cSld>
     <p:spTree>
@@ -12966,7 +12544,7 @@
 </p:sld>
 </file>
 
-<file path=ppt/slides/slide27.xml><?xml version="1.0" encoding="utf-8"?>
+<file path=ppt/slides/slide25.xml><?xml version="1.0" encoding="utf-8"?>
 <p:sld xmlns:a="http://schemas.openxmlformats.org/drawingml/2006/main" xmlns:r="http://schemas.openxmlformats.org/officeDocument/2006/relationships" xmlns:p="http://schemas.openxmlformats.org/presentationml/2006/main">
   <p:cSld>
     <p:spTree>
@@ -13142,7 +12720,7 @@
 </p:sld>
 </file>
 
-<file path=ppt/slides/slide28.xml><?xml version="1.0" encoding="utf-8"?>
+<file path=ppt/slides/slide26.xml><?xml version="1.0" encoding="utf-8"?>
 <p:sld xmlns:a="http://schemas.openxmlformats.org/drawingml/2006/main" xmlns:r="http://schemas.openxmlformats.org/officeDocument/2006/relationships" xmlns:p="http://schemas.openxmlformats.org/presentationml/2006/main">
   <p:cSld>
     <p:spTree>
@@ -13260,7 +12838,7 @@
 </p:sld>
 </file>
 
-<file path=ppt/slides/slide29.xml><?xml version="1.0" encoding="utf-8"?>
+<file path=ppt/slides/slide27.xml><?xml version="1.0" encoding="utf-8"?>
 <p:sld xmlns:a="http://schemas.openxmlformats.org/drawingml/2006/main" xmlns:r="http://schemas.openxmlformats.org/officeDocument/2006/relationships" xmlns:p="http://schemas.openxmlformats.org/presentationml/2006/main">
   <p:cSld>
     <p:spTree>
@@ -13405,96 +12983,7 @@
 </p:sld>
 </file>
 
-<file path=ppt/slides/slide3.xml><?xml version="1.0" encoding="utf-8"?>
-<p:sld xmlns:a="http://schemas.openxmlformats.org/drawingml/2006/main" xmlns:r="http://schemas.openxmlformats.org/officeDocument/2006/relationships" xmlns:p="http://schemas.openxmlformats.org/presentationml/2006/main">
-  <p:cSld>
-    <p:spTree>
-      <p:nvGrpSpPr>
-        <p:cNvPr id="1" name=""/>
-        <p:cNvGrpSpPr/>
-        <p:nvPr/>
-      </p:nvGrpSpPr>
-      <p:grpSpPr>
-        <a:xfrm>
-          <a:off x="0" y="0"/>
-          <a:ext cx="0" cy="0"/>
-          <a:chOff x="0" y="0"/>
-          <a:chExt cx="0" cy="0"/>
-        </a:xfrm>
-      </p:grpSpPr>
-      <p:sp>
-        <p:nvSpPr>
-          <p:cNvPr id="2" name="Title 1"/>
-          <p:cNvSpPr>
-            <a:spLocks noGrp="1"/>
-          </p:cNvSpPr>
-          <p:nvPr>
-            <p:ph type="title"/>
-          </p:nvPr>
-        </p:nvSpPr>
-        <p:spPr>
-          <a:xfrm>
-            <a:off x="964927" y="1"/>
-            <a:ext cx="10515600" cy="6858000"/>
-          </a:xfrm>
-        </p:spPr>
-        <p:txBody>
-          <a:bodyPr anchor="ctr">
-            <a:normAutofit/>
-          </a:bodyPr>
-          <a:lstStyle/>
-          <a:p>
-            <a:pPr algn="ctr"/>
-            <a:r>
-              <a:rPr lang="en-US" sz="4800" strike="sngStrike" dirty="0" smtClean="0">
-                <a:solidFill>
-                  <a:schemeClr val="bg1">
-                    <a:lumMod val="75000"/>
-                  </a:schemeClr>
-                </a:solidFill>
-              </a:rPr>
-              <a:t>I hate writing secure code</a:t>
-            </a:r>
-            <a:r>
-              <a:rPr lang="en-US" sz="4800" strike="sngStrike" dirty="0" smtClean="0"/>
-              <a:t/>
-            </a:r>
-            <a:br>
-              <a:rPr lang="en-US" sz="4800" strike="sngStrike" dirty="0" smtClean="0"/>
-            </a:br>
-            <a:r>
-              <a:rPr lang="en-US" sz="4800" dirty="0" smtClean="0"/>
-              <a:t>I hate writing secure </a:t>
-            </a:r>
-            <a:r>
-              <a:rPr lang="en-US" sz="4800" i="1" dirty="0" smtClean="0"/>
-              <a:t>features</a:t>
-            </a:r>
-            <a:endParaRPr lang="en-US" sz="4800" i="1" dirty="0"/>
-          </a:p>
-        </p:txBody>
-      </p:sp>
-    </p:spTree>
-    <p:extLst>
-      <p:ext uri="{BB962C8B-B14F-4D97-AF65-F5344CB8AC3E}">
-        <p14:creationId xmlns:p14="http://schemas.microsoft.com/office/powerpoint/2010/main" val="75936766"/>
-      </p:ext>
-    </p:extLst>
-  </p:cSld>
-  <p:clrMapOvr>
-    <a:masterClrMapping/>
-  </p:clrMapOvr>
-  <p:timing>
-    <p:tnLst>
-      <p:par>
-        <p:cTn id="1" dur="indefinite" restart="never" nodeType="tmRoot"/>
-      </p:par>
-    </p:tnLst>
-  </p:timing>
-</p:sld>
-</file>
-
-<file path=ppt/slides/slide30.xml><?xml version="1.0" encoding="utf-8"?>
+<file path=ppt/slides/slide28.xml><?xml version="1.0" encoding="utf-8"?>
 <p:sld xmlns:a="http://schemas.openxmlformats.org/drawingml/2006/main" xmlns:r="http://schemas.openxmlformats.org/officeDocument/2006/relationships" xmlns:p="http://schemas.openxmlformats.org/presentationml/2006/main">
   <p:cSld>
     <p:spTree>
@@ -13636,7 +13125,7 @@
 </p:sld>
 </file>
 
-<file path=ppt/slides/slide31.xml><?xml version="1.0" encoding="utf-8"?>
+<file path=ppt/slides/slide29.xml><?xml version="1.0" encoding="utf-8"?>
 <p:sld xmlns:a="http://schemas.openxmlformats.org/drawingml/2006/main" xmlns:r="http://schemas.openxmlformats.org/officeDocument/2006/relationships" xmlns:p="http://schemas.openxmlformats.org/presentationml/2006/main">
   <p:cSld>
     <p:spTree>
@@ -13779,7 +13268,100 @@
 </p:sld>
 </file>
 
-<file path=ppt/slides/slide32.xml><?xml version="1.0" encoding="utf-8"?>
+<file path=ppt/slides/slide3.xml><?xml version="1.0" encoding="utf-8"?>
+<p:sld xmlns:a="http://schemas.openxmlformats.org/drawingml/2006/main" xmlns:r="http://schemas.openxmlformats.org/officeDocument/2006/relationships" xmlns:p="http://schemas.openxmlformats.org/presentationml/2006/main">
+  <p:cSld>
+    <p:spTree>
+      <p:nvGrpSpPr>
+        <p:cNvPr id="1" name=""/>
+        <p:cNvGrpSpPr/>
+        <p:nvPr/>
+      </p:nvGrpSpPr>
+      <p:grpSpPr>
+        <a:xfrm>
+          <a:off x="0" y="0"/>
+          <a:ext cx="0" cy="0"/>
+          <a:chOff x="0" y="0"/>
+          <a:chExt cx="0" cy="0"/>
+        </a:xfrm>
+      </p:grpSpPr>
+      <p:sp>
+        <p:nvSpPr>
+          <p:cNvPr id="2" name="Title 1"/>
+          <p:cNvSpPr>
+            <a:spLocks noGrp="1"/>
+          </p:cNvSpPr>
+          <p:nvPr>
+            <p:ph type="title"/>
+          </p:nvPr>
+        </p:nvSpPr>
+        <p:spPr>
+          <a:xfrm>
+            <a:off x="964927" y="1"/>
+            <a:ext cx="10515600" cy="6858000"/>
+          </a:xfrm>
+        </p:spPr>
+        <p:txBody>
+          <a:bodyPr anchor="ctr">
+            <a:normAutofit/>
+          </a:bodyPr>
+          <a:lstStyle/>
+          <a:p>
+            <a:pPr algn="ctr"/>
+            <a:r>
+              <a:rPr lang="en-US" sz="4800" strike="sngStrike" dirty="0" smtClean="0">
+                <a:solidFill>
+                  <a:schemeClr val="bg1">
+                    <a:lumMod val="75000"/>
+                  </a:schemeClr>
+                </a:solidFill>
+              </a:rPr>
+              <a:t>I hate writing secure code</a:t>
+            </a:r>
+            <a:r>
+              <a:rPr lang="en-US" sz="4800" strike="sngStrike" dirty="0" smtClean="0"/>
+              <a:t/>
+            </a:r>
+            <a:br>
+              <a:rPr lang="en-US" sz="4800" strike="sngStrike" dirty="0" smtClean="0"/>
+            </a:br>
+            <a:r>
+              <a:rPr lang="en-US" sz="4800" dirty="0" smtClean="0"/>
+              <a:t>I hate writing secure </a:t>
+            </a:r>
+            <a:r>
+              <a:rPr lang="en-US" sz="4800" i="1" dirty="0" smtClean="0"/>
+              <a:t>feature </a:t>
+            </a:r>
+            <a:r>
+              <a:rPr lang="en-US" sz="4800" dirty="0" smtClean="0"/>
+              <a:t>code</a:t>
+            </a:r>
+            <a:endParaRPr lang="en-US" sz="4800" dirty="0"/>
+          </a:p>
+        </p:txBody>
+      </p:sp>
+    </p:spTree>
+    <p:extLst>
+      <p:ext uri="{BB962C8B-B14F-4D97-AF65-F5344CB8AC3E}">
+        <p14:creationId xmlns:p14="http://schemas.microsoft.com/office/powerpoint/2010/main" val="75936766"/>
+      </p:ext>
+    </p:extLst>
+  </p:cSld>
+  <p:clrMapOvr>
+    <a:masterClrMapping/>
+  </p:clrMapOvr>
+  <p:timing>
+    <p:tnLst>
+      <p:par>
+        <p:cTn id="1" dur="indefinite" restart="never" nodeType="tmRoot"/>
+      </p:par>
+    </p:tnLst>
+  </p:timing>
+</p:sld>
+</file>
+
+<file path=ppt/slides/slide30.xml><?xml version="1.0" encoding="utf-8"?>
 <p:sld xmlns:a="http://schemas.openxmlformats.org/drawingml/2006/main" xmlns:r="http://schemas.openxmlformats.org/officeDocument/2006/relationships" xmlns:p="http://schemas.openxmlformats.org/presentationml/2006/main">
   <p:cSld>
     <p:spTree>
@@ -13917,7 +13499,7 @@
 </p:sld>
 </file>
 
-<file path=ppt/slides/slide33.xml><?xml version="1.0" encoding="utf-8"?>
+<file path=ppt/slides/slide31.xml><?xml version="1.0" encoding="utf-8"?>
 <p:sld xmlns:a="http://schemas.openxmlformats.org/drawingml/2006/main" xmlns:r="http://schemas.openxmlformats.org/officeDocument/2006/relationships" xmlns:p="http://schemas.openxmlformats.org/presentationml/2006/main">
   <p:cSld>
     <p:spTree>
@@ -14055,7 +13637,7 @@
 </p:sld>
 </file>
 
-<file path=ppt/slides/slide34.xml><?xml version="1.0" encoding="utf-8"?>
+<file path=ppt/slides/slide32.xml><?xml version="1.0" encoding="utf-8"?>
 <p:sld xmlns:a="http://schemas.openxmlformats.org/drawingml/2006/main" xmlns:r="http://schemas.openxmlformats.org/officeDocument/2006/relationships" xmlns:p="http://schemas.openxmlformats.org/presentationml/2006/main">
   <p:cSld>
     <p:spTree>
@@ -14193,7 +13775,7 @@
 </p:sld>
 </file>
 
-<file path=ppt/slides/slide35.xml><?xml version="1.0" encoding="utf-8"?>
+<file path=ppt/slides/slide33.xml><?xml version="1.0" encoding="utf-8"?>
 <p:sld xmlns:a="http://schemas.openxmlformats.org/drawingml/2006/main" xmlns:r="http://schemas.openxmlformats.org/officeDocument/2006/relationships" xmlns:p="http://schemas.openxmlformats.org/presentationml/2006/main">
   <p:cSld>
     <p:spTree>
@@ -14338,7 +13920,7 @@
 </p:sld>
 </file>
 
-<file path=ppt/slides/slide36.xml><?xml version="1.0" encoding="utf-8"?>
+<file path=ppt/slides/slide34.xml><?xml version="1.0" encoding="utf-8"?>
 <p:sld xmlns:a="http://schemas.openxmlformats.org/drawingml/2006/main" xmlns:r="http://schemas.openxmlformats.org/officeDocument/2006/relationships" xmlns:p="http://schemas.openxmlformats.org/presentationml/2006/main">
   <p:cSld>
     <p:spTree>
@@ -14488,7 +14070,7 @@
 </p:sld>
 </file>
 
-<file path=ppt/slides/slide37.xml><?xml version="1.0" encoding="utf-8"?>
+<file path=ppt/slides/slide35.xml><?xml version="1.0" encoding="utf-8"?>
 <p:sld xmlns:a="http://schemas.openxmlformats.org/drawingml/2006/main" xmlns:r="http://schemas.openxmlformats.org/officeDocument/2006/relationships" xmlns:p="http://schemas.openxmlformats.org/presentationml/2006/main">
   <p:cSld>
     <p:spTree>
@@ -14578,7 +14160,7 @@
 </p:sld>
 </file>
 
-<file path=ppt/slides/slide38.xml><?xml version="1.0" encoding="utf-8"?>
+<file path=ppt/slides/slide36.xml><?xml version="1.0" encoding="utf-8"?>
 <p:sld xmlns:a="http://schemas.openxmlformats.org/drawingml/2006/main" xmlns:r="http://schemas.openxmlformats.org/officeDocument/2006/relationships" xmlns:p="http://schemas.openxmlformats.org/presentationml/2006/main">
   <p:cSld>
     <p:spTree>
@@ -14699,7 +14281,7 @@
 </p:sld>
 </file>
 
-<file path=ppt/slides/slide39.xml><?xml version="1.0" encoding="utf-8"?>
+<file path=ppt/slides/slide37.xml><?xml version="1.0" encoding="utf-8"?>
 <p:sld xmlns:a="http://schemas.openxmlformats.org/drawingml/2006/main" xmlns:r="http://schemas.openxmlformats.org/officeDocument/2006/relationships" xmlns:p="http://schemas.openxmlformats.org/presentationml/2006/main">
   <p:cSld>
     <p:spTree>
@@ -14820,119 +14402,7 @@
 </p:sld>
 </file>
 
-<file path=ppt/slides/slide4.xml><?xml version="1.0" encoding="utf-8"?>
-<p:sld xmlns:a="http://schemas.openxmlformats.org/drawingml/2006/main" xmlns:r="http://schemas.openxmlformats.org/officeDocument/2006/relationships" xmlns:p="http://schemas.openxmlformats.org/presentationml/2006/main">
-  <p:cSld>
-    <p:spTree>
-      <p:nvGrpSpPr>
-        <p:cNvPr id="1" name=""/>
-        <p:cNvGrpSpPr/>
-        <p:nvPr/>
-      </p:nvGrpSpPr>
-      <p:grpSpPr>
-        <a:xfrm>
-          <a:off x="0" y="0"/>
-          <a:ext cx="0" cy="0"/>
-          <a:chOff x="0" y="0"/>
-          <a:chExt cx="0" cy="0"/>
-        </a:xfrm>
-      </p:grpSpPr>
-      <p:sp>
-        <p:nvSpPr>
-          <p:cNvPr id="2" name="Title 1"/>
-          <p:cNvSpPr>
-            <a:spLocks noGrp="1"/>
-          </p:cNvSpPr>
-          <p:nvPr>
-            <p:ph type="title"/>
-          </p:nvPr>
-        </p:nvSpPr>
-        <p:spPr>
-          <a:xfrm>
-            <a:off x="964927" y="1"/>
-            <a:ext cx="10515600" cy="6858000"/>
-          </a:xfrm>
-        </p:spPr>
-        <p:txBody>
-          <a:bodyPr anchor="ctr">
-            <a:normAutofit/>
-          </a:bodyPr>
-          <a:lstStyle/>
-          <a:p>
-            <a:pPr algn="ctr"/>
-            <a:r>
-              <a:rPr lang="en-US" sz="4800" strike="sngStrike" dirty="0" smtClean="0">
-                <a:solidFill>
-                  <a:schemeClr val="bg1">
-                    <a:lumMod val="75000"/>
-                  </a:schemeClr>
-                </a:solidFill>
-              </a:rPr>
-              <a:t>I hate writing secure code</a:t>
-            </a:r>
-            <a:br>
-              <a:rPr lang="en-US" sz="4800" strike="sngStrike" dirty="0" smtClean="0">
-                <a:solidFill>
-                  <a:schemeClr val="bg1">
-                    <a:lumMod val="75000"/>
-                  </a:schemeClr>
-                </a:solidFill>
-              </a:rPr>
-            </a:br>
-            <a:r>
-              <a:rPr lang="en-US" sz="4800" strike="sngStrike" dirty="0" smtClean="0">
-                <a:solidFill>
-                  <a:schemeClr val="bg1">
-                    <a:lumMod val="75000"/>
-                  </a:schemeClr>
-                </a:solidFill>
-              </a:rPr>
-              <a:t>I hate writing secure features</a:t>
-            </a:r>
-            <a:r>
-              <a:rPr lang="en-US" sz="4800" strike="sngStrike" dirty="0" smtClean="0"/>
-              <a:t/>
-            </a:r>
-            <a:br>
-              <a:rPr lang="en-US" sz="4800" strike="sngStrike" dirty="0" smtClean="0"/>
-            </a:br>
-            <a:r>
-              <a:rPr lang="en-US" sz="4800" dirty="0" smtClean="0"/>
-              <a:t>I hate implementing </a:t>
-            </a:r>
-            <a:r>
-              <a:rPr lang="en-US" sz="4800" i="1" dirty="0" smtClean="0"/>
-              <a:t>cross-cutting security concerns</a:t>
-            </a:r>
-            <a:r>
-              <a:rPr lang="en-US" sz="4800" dirty="0" smtClean="0"/>
-              <a:t> by repeating the same patterns over and over again in my feature-level code</a:t>
-            </a:r>
-            <a:endParaRPr lang="en-US" sz="4800" dirty="0"/>
-          </a:p>
-        </p:txBody>
-      </p:sp>
-    </p:spTree>
-    <p:extLst>
-      <p:ext uri="{BB962C8B-B14F-4D97-AF65-F5344CB8AC3E}">
-        <p14:creationId xmlns:p14="http://schemas.microsoft.com/office/powerpoint/2010/main" val="3846056723"/>
-      </p:ext>
-    </p:extLst>
-  </p:cSld>
-  <p:clrMapOvr>
-    <a:masterClrMapping/>
-  </p:clrMapOvr>
-  <p:timing>
-    <p:tnLst>
-      <p:par>
-        <p:cTn id="1" dur="indefinite" restart="never" nodeType="tmRoot"/>
-      </p:par>
-    </p:tnLst>
-  </p:timing>
-</p:sld>
-</file>
-
-<file path=ppt/slides/slide40.xml><?xml version="1.0" encoding="utf-8"?>
+<file path=ppt/slides/slide38.xml><?xml version="1.0" encoding="utf-8"?>
 <p:sld xmlns:a="http://schemas.openxmlformats.org/drawingml/2006/main" xmlns:r="http://schemas.openxmlformats.org/officeDocument/2006/relationships" xmlns:p="http://schemas.openxmlformats.org/presentationml/2006/main">
   <p:cSld>
     <p:spTree>
@@ -15053,7 +14523,7 @@
 </p:sld>
 </file>
 
-<file path=ppt/slides/slide41.xml><?xml version="1.0" encoding="utf-8"?>
+<file path=ppt/slides/slide39.xml><?xml version="1.0" encoding="utf-8"?>
 <p:sld xmlns:a="http://schemas.openxmlformats.org/drawingml/2006/main" xmlns:r="http://schemas.openxmlformats.org/officeDocument/2006/relationships" xmlns:p="http://schemas.openxmlformats.org/presentationml/2006/main">
   <p:cSld>
     <p:spTree>
@@ -15174,7 +14644,119 @@
 </p:sld>
 </file>
 
-<file path=ppt/slides/slide42.xml><?xml version="1.0" encoding="utf-8"?>
+<file path=ppt/slides/slide4.xml><?xml version="1.0" encoding="utf-8"?>
+<p:sld xmlns:a="http://schemas.openxmlformats.org/drawingml/2006/main" xmlns:r="http://schemas.openxmlformats.org/officeDocument/2006/relationships" xmlns:p="http://schemas.openxmlformats.org/presentationml/2006/main">
+  <p:cSld>
+    <p:spTree>
+      <p:nvGrpSpPr>
+        <p:cNvPr id="1" name=""/>
+        <p:cNvGrpSpPr/>
+        <p:nvPr/>
+      </p:nvGrpSpPr>
+      <p:grpSpPr>
+        <a:xfrm>
+          <a:off x="0" y="0"/>
+          <a:ext cx="0" cy="0"/>
+          <a:chOff x="0" y="0"/>
+          <a:chExt cx="0" cy="0"/>
+        </a:xfrm>
+      </p:grpSpPr>
+      <p:sp>
+        <p:nvSpPr>
+          <p:cNvPr id="2" name="Title 1"/>
+          <p:cNvSpPr>
+            <a:spLocks noGrp="1"/>
+          </p:cNvSpPr>
+          <p:nvPr>
+            <p:ph type="title"/>
+          </p:nvPr>
+        </p:nvSpPr>
+        <p:spPr>
+          <a:xfrm>
+            <a:off x="964927" y="1"/>
+            <a:ext cx="10515600" cy="6858000"/>
+          </a:xfrm>
+        </p:spPr>
+        <p:txBody>
+          <a:bodyPr anchor="ctr">
+            <a:normAutofit/>
+          </a:bodyPr>
+          <a:lstStyle/>
+          <a:p>
+            <a:pPr algn="ctr"/>
+            <a:r>
+              <a:rPr lang="en-US" sz="4800" strike="sngStrike" dirty="0" smtClean="0">
+                <a:solidFill>
+                  <a:schemeClr val="bg1">
+                    <a:lumMod val="75000"/>
+                  </a:schemeClr>
+                </a:solidFill>
+              </a:rPr>
+              <a:t>I hate writing secure code</a:t>
+            </a:r>
+            <a:br>
+              <a:rPr lang="en-US" sz="4800" strike="sngStrike" dirty="0" smtClean="0">
+                <a:solidFill>
+                  <a:schemeClr val="bg1">
+                    <a:lumMod val="75000"/>
+                  </a:schemeClr>
+                </a:solidFill>
+              </a:rPr>
+            </a:br>
+            <a:r>
+              <a:rPr lang="en-US" sz="4800" strike="sngStrike" dirty="0" smtClean="0">
+                <a:solidFill>
+                  <a:schemeClr val="bg1">
+                    <a:lumMod val="75000"/>
+                  </a:schemeClr>
+                </a:solidFill>
+              </a:rPr>
+              <a:t>I hate writing secure features</a:t>
+            </a:r>
+            <a:r>
+              <a:rPr lang="en-US" sz="4800" strike="sngStrike" dirty="0" smtClean="0"/>
+              <a:t/>
+            </a:r>
+            <a:br>
+              <a:rPr lang="en-US" sz="4800" strike="sngStrike" dirty="0" smtClean="0"/>
+            </a:br>
+            <a:r>
+              <a:rPr lang="en-US" sz="4800" dirty="0" smtClean="0"/>
+              <a:t>I hate implementing </a:t>
+            </a:r>
+            <a:r>
+              <a:rPr lang="en-US" sz="4800" i="1" dirty="0" smtClean="0"/>
+              <a:t>cross-cutting security concerns</a:t>
+            </a:r>
+            <a:r>
+              <a:rPr lang="en-US" sz="4800" dirty="0" smtClean="0"/>
+              <a:t> by repeating the same patterns over and over again in my feature-level code</a:t>
+            </a:r>
+            <a:endParaRPr lang="en-US" sz="4800" dirty="0"/>
+          </a:p>
+        </p:txBody>
+      </p:sp>
+    </p:spTree>
+    <p:extLst>
+      <p:ext uri="{BB962C8B-B14F-4D97-AF65-F5344CB8AC3E}">
+        <p14:creationId xmlns:p14="http://schemas.microsoft.com/office/powerpoint/2010/main" val="3846056723"/>
+      </p:ext>
+    </p:extLst>
+  </p:cSld>
+  <p:clrMapOvr>
+    <a:masterClrMapping/>
+  </p:clrMapOvr>
+  <p:timing>
+    <p:tnLst>
+      <p:par>
+        <p:cTn id="1" dur="indefinite" restart="never" nodeType="tmRoot"/>
+      </p:par>
+    </p:tnLst>
+  </p:timing>
+</p:sld>
+</file>
+
+<file path=ppt/slides/slide40.xml><?xml version="1.0" encoding="utf-8"?>
 <p:sld xmlns:a="http://schemas.openxmlformats.org/drawingml/2006/main" xmlns:r="http://schemas.openxmlformats.org/officeDocument/2006/relationships" xmlns:p="http://schemas.openxmlformats.org/presentationml/2006/main">
   <p:cSld>
     <p:spTree>
@@ -15295,7 +14877,7 @@
 </p:sld>
 </file>
 
-<file path=ppt/slides/slide43.xml><?xml version="1.0" encoding="utf-8"?>
+<file path=ppt/slides/slide41.xml><?xml version="1.0" encoding="utf-8"?>
 <p:sld xmlns:a="http://schemas.openxmlformats.org/drawingml/2006/main" xmlns:r="http://schemas.openxmlformats.org/officeDocument/2006/relationships" xmlns:p="http://schemas.openxmlformats.org/presentationml/2006/main">
   <p:cSld>
     <p:spTree>
@@ -15385,7 +14967,7 @@
 </p:sld>
 </file>
 
-<file path=ppt/slides/slide44.xml><?xml version="1.0" encoding="utf-8"?>
+<file path=ppt/slides/slide42.xml><?xml version="1.0" encoding="utf-8"?>
 <p:sld xmlns:a="http://schemas.openxmlformats.org/drawingml/2006/main" xmlns:r="http://schemas.openxmlformats.org/officeDocument/2006/relationships" xmlns:p="http://schemas.openxmlformats.org/presentationml/2006/main">
   <p:cSld>
     <p:spTree>
@@ -15511,7 +15093,7 @@
 </p:sld>
 </file>
 
-<file path=ppt/slides/slide45.xml><?xml version="1.0" encoding="utf-8"?>
+<file path=ppt/slides/slide43.xml><?xml version="1.0" encoding="utf-8"?>
 <p:sld xmlns:a="http://schemas.openxmlformats.org/drawingml/2006/main" xmlns:r="http://schemas.openxmlformats.org/officeDocument/2006/relationships" xmlns:p="http://schemas.openxmlformats.org/presentationml/2006/main">
   <p:cSld>
     <p:spTree>
@@ -15637,7 +15219,7 @@
 </p:sld>
 </file>
 
-<file path=ppt/slides/slide46.xml><?xml version="1.0" encoding="utf-8"?>
+<file path=ppt/slides/slide44.xml><?xml version="1.0" encoding="utf-8"?>
 <p:sld xmlns:a="http://schemas.openxmlformats.org/drawingml/2006/main" xmlns:r="http://schemas.openxmlformats.org/officeDocument/2006/relationships" xmlns:p="http://schemas.openxmlformats.org/presentationml/2006/main">
   <p:cSld>
     <p:spTree>
@@ -15758,7 +15340,7 @@
 </p:sld>
 </file>
 
-<file path=ppt/slides/slide47.xml><?xml version="1.0" encoding="utf-8"?>
+<file path=ppt/slides/slide45.xml><?xml version="1.0" encoding="utf-8"?>
 <p:sld xmlns:a="http://schemas.openxmlformats.org/drawingml/2006/main" xmlns:r="http://schemas.openxmlformats.org/officeDocument/2006/relationships" xmlns:p="http://schemas.openxmlformats.org/presentationml/2006/main">
   <p:cSld>
     <p:spTree>
@@ -15879,7 +15461,7 @@
 </p:sld>
 </file>
 
-<file path=ppt/slides/slide48.xml><?xml version="1.0" encoding="utf-8"?>
+<file path=ppt/slides/slide46.xml><?xml version="1.0" encoding="utf-8"?>
 <p:sld xmlns:a="http://schemas.openxmlformats.org/drawingml/2006/main" xmlns:r="http://schemas.openxmlformats.org/officeDocument/2006/relationships" xmlns:p="http://schemas.openxmlformats.org/presentationml/2006/main">
   <p:cSld>
     <p:spTree>
@@ -16005,7 +15587,7 @@
 </p:sld>
 </file>
 
-<file path=ppt/slides/slide49.xml><?xml version="1.0" encoding="utf-8"?>
+<file path=ppt/slides/slide47.xml><?xml version="1.0" encoding="utf-8"?>
 <p:sld xmlns:a="http://schemas.openxmlformats.org/drawingml/2006/main" xmlns:r="http://schemas.openxmlformats.org/officeDocument/2006/relationships" xmlns:p="http://schemas.openxmlformats.org/presentationml/2006/main">
   <p:cSld>
     <p:spTree>
@@ -16155,123 +15737,7 @@
 </p:sld>
 </file>
 
-<file path=ppt/slides/slide5.xml><?xml version="1.0" encoding="utf-8"?>
-<p:sld xmlns:a="http://schemas.openxmlformats.org/drawingml/2006/main" xmlns:r="http://schemas.openxmlformats.org/officeDocument/2006/relationships" xmlns:p="http://schemas.openxmlformats.org/presentationml/2006/main">
-  <p:cSld>
-    <p:spTree>
-      <p:nvGrpSpPr>
-        <p:cNvPr id="1" name=""/>
-        <p:cNvGrpSpPr/>
-        <p:nvPr/>
-      </p:nvGrpSpPr>
-      <p:grpSpPr>
-        <a:xfrm>
-          <a:off x="0" y="0"/>
-          <a:ext cx="0" cy="0"/>
-          <a:chOff x="0" y="0"/>
-          <a:chExt cx="0" cy="0"/>
-        </a:xfrm>
-      </p:grpSpPr>
-      <p:sp>
-        <p:nvSpPr>
-          <p:cNvPr id="2" name="Title 1"/>
-          <p:cNvSpPr>
-            <a:spLocks noGrp="1"/>
-          </p:cNvSpPr>
-          <p:nvPr>
-            <p:ph type="title"/>
-          </p:nvPr>
-        </p:nvSpPr>
-        <p:spPr/>
-        <p:txBody>
-          <a:bodyPr>
-            <a:normAutofit/>
-          </a:bodyPr>
-          <a:lstStyle/>
-          <a:p>
-            <a:r>
-              <a:rPr lang="en-US" sz="4800" dirty="0" smtClean="0"/>
-              <a:t>What's on </a:t>
-            </a:r>
-            <a:r>
-              <a:rPr lang="en-US" sz="4800" smtClean="0"/>
-              <a:t>the agenda?</a:t>
-            </a:r>
-            <a:endParaRPr lang="en-US" sz="4800" dirty="0"/>
-          </a:p>
-        </p:txBody>
-      </p:sp>
-      <p:sp>
-        <p:nvSpPr>
-          <p:cNvPr id="3" name="Content Placeholder 2"/>
-          <p:cNvSpPr>
-            <a:spLocks noGrp="1"/>
-          </p:cNvSpPr>
-          <p:nvPr>
-            <p:ph idx="1"/>
-          </p:nvPr>
-        </p:nvSpPr>
-        <p:spPr>
-          <a:xfrm>
-            <a:off x="838200" y="1825624"/>
-            <a:ext cx="10515600" cy="4899641"/>
-          </a:xfrm>
-        </p:spPr>
-        <p:txBody>
-          <a:bodyPr>
-            <a:normAutofit/>
-          </a:bodyPr>
-          <a:lstStyle/>
-          <a:p>
-            <a:r>
-              <a:rPr lang="en-US" sz="4000" dirty="0" smtClean="0"/>
-              <a:t>Define "cross cutting" security concerns</a:t>
-            </a:r>
-          </a:p>
-          <a:p>
-            <a:endParaRPr lang="en-US" sz="4000" dirty="0"/>
-          </a:p>
-          <a:p>
-            <a:endParaRPr lang="en-US" sz="4000" dirty="0"/>
-          </a:p>
-          <a:p>
-            <a:endParaRPr lang="en-US" sz="4000" dirty="0" smtClean="0"/>
-          </a:p>
-          <a:p>
-            <a:endParaRPr lang="en-US" sz="4000" dirty="0" smtClean="0"/>
-          </a:p>
-          <a:p>
-            <a:endParaRPr lang="en-US" dirty="0" smtClean="0"/>
-          </a:p>
-          <a:p>
-            <a:endParaRPr lang="en-US" dirty="0" smtClean="0"/>
-          </a:p>
-          <a:p>
-            <a:endParaRPr lang="en-US" dirty="0"/>
-          </a:p>
-        </p:txBody>
-      </p:sp>
-    </p:spTree>
-    <p:extLst>
-      <p:ext uri="{BB962C8B-B14F-4D97-AF65-F5344CB8AC3E}">
-        <p14:creationId xmlns:p14="http://schemas.microsoft.com/office/powerpoint/2010/main" val="2651230507"/>
-      </p:ext>
-    </p:extLst>
-  </p:cSld>
-  <p:clrMapOvr>
-    <a:masterClrMapping/>
-  </p:clrMapOvr>
-  <p:timing>
-    <p:tnLst>
-      <p:par>
-        <p:cTn id="1" dur="indefinite" restart="never" nodeType="tmRoot"/>
-      </p:par>
-    </p:tnLst>
-  </p:timing>
-</p:sld>
-</file>
-
-<file path=ppt/slides/slide50.xml><?xml version="1.0" encoding="utf-8"?>
+<file path=ppt/slides/slide48.xml><?xml version="1.0" encoding="utf-8"?>
 <p:sld xmlns:a="http://schemas.openxmlformats.org/drawingml/2006/main" xmlns:r="http://schemas.openxmlformats.org/officeDocument/2006/relationships" xmlns:p="http://schemas.openxmlformats.org/presentationml/2006/main">
   <p:cSld>
     <p:spTree>
@@ -16397,7 +15863,7 @@
 </p:sld>
 </file>
 
-<file path=ppt/slides/slide51.xml><?xml version="1.0" encoding="utf-8"?>
+<file path=ppt/slides/slide49.xml><?xml version="1.0" encoding="utf-8"?>
 <p:sld xmlns:a="http://schemas.openxmlformats.org/drawingml/2006/main" xmlns:r="http://schemas.openxmlformats.org/officeDocument/2006/relationships" xmlns:p="http://schemas.openxmlformats.org/presentationml/2006/main">
   <p:cSld>
     <p:spTree>
@@ -16523,7 +15989,123 @@
 </p:sld>
 </file>
 
-<file path=ppt/slides/slide52.xml><?xml version="1.0" encoding="utf-8"?>
+<file path=ppt/slides/slide5.xml><?xml version="1.0" encoding="utf-8"?>
+<p:sld xmlns:a="http://schemas.openxmlformats.org/drawingml/2006/main" xmlns:r="http://schemas.openxmlformats.org/officeDocument/2006/relationships" xmlns:p="http://schemas.openxmlformats.org/presentationml/2006/main">
+  <p:cSld>
+    <p:spTree>
+      <p:nvGrpSpPr>
+        <p:cNvPr id="1" name=""/>
+        <p:cNvGrpSpPr/>
+        <p:nvPr/>
+      </p:nvGrpSpPr>
+      <p:grpSpPr>
+        <a:xfrm>
+          <a:off x="0" y="0"/>
+          <a:ext cx="0" cy="0"/>
+          <a:chOff x="0" y="0"/>
+          <a:chExt cx="0" cy="0"/>
+        </a:xfrm>
+      </p:grpSpPr>
+      <p:sp>
+        <p:nvSpPr>
+          <p:cNvPr id="2" name="Title 1"/>
+          <p:cNvSpPr>
+            <a:spLocks noGrp="1"/>
+          </p:cNvSpPr>
+          <p:nvPr>
+            <p:ph type="title"/>
+          </p:nvPr>
+        </p:nvSpPr>
+        <p:spPr/>
+        <p:txBody>
+          <a:bodyPr>
+            <a:normAutofit/>
+          </a:bodyPr>
+          <a:lstStyle/>
+          <a:p>
+            <a:r>
+              <a:rPr lang="en-US" sz="4800" dirty="0" smtClean="0"/>
+              <a:t>What's on </a:t>
+            </a:r>
+            <a:r>
+              <a:rPr lang="en-US" sz="4800" smtClean="0"/>
+              <a:t>the agenda?</a:t>
+            </a:r>
+            <a:endParaRPr lang="en-US" sz="4800" dirty="0"/>
+          </a:p>
+        </p:txBody>
+      </p:sp>
+      <p:sp>
+        <p:nvSpPr>
+          <p:cNvPr id="3" name="Content Placeholder 2"/>
+          <p:cNvSpPr>
+            <a:spLocks noGrp="1"/>
+          </p:cNvSpPr>
+          <p:nvPr>
+            <p:ph idx="1"/>
+          </p:nvPr>
+        </p:nvSpPr>
+        <p:spPr>
+          <a:xfrm>
+            <a:off x="838200" y="1825624"/>
+            <a:ext cx="10515600" cy="4899641"/>
+          </a:xfrm>
+        </p:spPr>
+        <p:txBody>
+          <a:bodyPr>
+            <a:normAutofit/>
+          </a:bodyPr>
+          <a:lstStyle/>
+          <a:p>
+            <a:r>
+              <a:rPr lang="en-US" sz="4000" dirty="0" smtClean="0"/>
+              <a:t>Define "cross cutting" security concerns</a:t>
+            </a:r>
+          </a:p>
+          <a:p>
+            <a:endParaRPr lang="en-US" sz="4000" dirty="0"/>
+          </a:p>
+          <a:p>
+            <a:endParaRPr lang="en-US" sz="4000" dirty="0"/>
+          </a:p>
+          <a:p>
+            <a:endParaRPr lang="en-US" sz="4000" dirty="0" smtClean="0"/>
+          </a:p>
+          <a:p>
+            <a:endParaRPr lang="en-US" sz="4000" dirty="0" smtClean="0"/>
+          </a:p>
+          <a:p>
+            <a:endParaRPr lang="en-US" dirty="0" smtClean="0"/>
+          </a:p>
+          <a:p>
+            <a:endParaRPr lang="en-US" dirty="0" smtClean="0"/>
+          </a:p>
+          <a:p>
+            <a:endParaRPr lang="en-US" dirty="0"/>
+          </a:p>
+        </p:txBody>
+      </p:sp>
+    </p:spTree>
+    <p:extLst>
+      <p:ext uri="{BB962C8B-B14F-4D97-AF65-F5344CB8AC3E}">
+        <p14:creationId xmlns:p14="http://schemas.microsoft.com/office/powerpoint/2010/main" val="2651230507"/>
+      </p:ext>
+    </p:extLst>
+  </p:cSld>
+  <p:clrMapOvr>
+    <a:masterClrMapping/>
+  </p:clrMapOvr>
+  <p:timing>
+    <p:tnLst>
+      <p:par>
+        <p:cTn id="1" dur="indefinite" restart="never" nodeType="tmRoot"/>
+      </p:par>
+    </p:tnLst>
+  </p:timing>
+</p:sld>
+</file>
+
+<file path=ppt/slides/slide50.xml><?xml version="1.0" encoding="utf-8"?>
 <p:sld xmlns:a="http://schemas.openxmlformats.org/drawingml/2006/main" xmlns:r="http://schemas.openxmlformats.org/officeDocument/2006/relationships" xmlns:p="http://schemas.openxmlformats.org/presentationml/2006/main">
   <p:cSld>
     <p:spTree>
@@ -16649,7 +16231,7 @@
 </p:sld>
 </file>
 
-<file path=ppt/slides/slide53.xml><?xml version="1.0" encoding="utf-8"?>
+<file path=ppt/slides/slide51.xml><?xml version="1.0" encoding="utf-8"?>
 <p:sld xmlns:a="http://schemas.openxmlformats.org/drawingml/2006/main" xmlns:r="http://schemas.openxmlformats.org/officeDocument/2006/relationships" xmlns:p="http://schemas.openxmlformats.org/presentationml/2006/main">
   <p:cSld>
     <p:spTree>
@@ -16770,7 +16352,7 @@
 </p:sld>
 </file>
 
-<file path=ppt/slides/slide54.xml><?xml version="1.0" encoding="utf-8"?>
+<file path=ppt/slides/slide52.xml><?xml version="1.0" encoding="utf-8"?>
 <p:sld xmlns:a="http://schemas.openxmlformats.org/drawingml/2006/main" xmlns:r="http://schemas.openxmlformats.org/officeDocument/2006/relationships" xmlns:p="http://schemas.openxmlformats.org/presentationml/2006/main">
   <p:cSld>
     <p:spTree>
@@ -16860,7 +16442,7 @@
 </p:sld>
 </file>
 
-<file path=ppt/slides/slide55.xml><?xml version="1.0" encoding="utf-8"?>
+<file path=ppt/slides/slide53.xml><?xml version="1.0" encoding="utf-8"?>
 <p:sld xmlns:a="http://schemas.openxmlformats.org/drawingml/2006/main" xmlns:r="http://schemas.openxmlformats.org/officeDocument/2006/relationships" xmlns:p="http://schemas.openxmlformats.org/presentationml/2006/main">
   <p:cSld>
     <p:spTree>
@@ -16980,7 +16562,7 @@
 </p:sld>
 </file>
 
-<file path=ppt/slides/slide56.xml><?xml version="1.0" encoding="utf-8"?>
+<file path=ppt/slides/slide54.xml><?xml version="1.0" encoding="utf-8"?>
 <p:sld xmlns:a="http://schemas.openxmlformats.org/drawingml/2006/main" xmlns:r="http://schemas.openxmlformats.org/officeDocument/2006/relationships" xmlns:p="http://schemas.openxmlformats.org/presentationml/2006/main">
   <p:cSld>
     <p:spTree>
@@ -17124,7 +16706,7 @@
 </p:sld>
 </file>
 
-<file path=ppt/slides/slide57.xml><?xml version="1.0" encoding="utf-8"?>
+<file path=ppt/slides/slide55.xml><?xml version="1.0" encoding="utf-8"?>
 <p:sld xmlns:a="http://schemas.openxmlformats.org/drawingml/2006/main" xmlns:r="http://schemas.openxmlformats.org/officeDocument/2006/relationships" xmlns:p="http://schemas.openxmlformats.org/presentationml/2006/main">
   <p:cSld>
     <p:spTree>
@@ -17249,7 +16831,7 @@
 </p:sld>
 </file>
 
-<file path=ppt/slides/slide58.xml><?xml version="1.0" encoding="utf-8"?>
+<file path=ppt/slides/slide56.xml><?xml version="1.0" encoding="utf-8"?>
 <p:sld xmlns:a="http://schemas.openxmlformats.org/drawingml/2006/main" xmlns:r="http://schemas.openxmlformats.org/officeDocument/2006/relationships" xmlns:p="http://schemas.openxmlformats.org/presentationml/2006/main">
   <p:cSld>
     <p:spTree>
@@ -17345,7 +16927,7 @@
 </p:sld>
 </file>
 
-<file path=ppt/slides/slide59.xml><?xml version="1.0" encoding="utf-8"?>
+<file path=ppt/slides/slide57.xml><?xml version="1.0" encoding="utf-8"?>
 <p:sld xmlns:a="http://schemas.openxmlformats.org/drawingml/2006/main" xmlns:r="http://schemas.openxmlformats.org/officeDocument/2006/relationships" xmlns:p="http://schemas.openxmlformats.org/presentationml/2006/main">
   <p:cSld>
     <p:spTree>
@@ -17435,141 +17017,7 @@
 </p:sld>
 </file>
 
-<file path=ppt/slides/slide6.xml><?xml version="1.0" encoding="utf-8"?>
-<p:sld xmlns:a="http://schemas.openxmlformats.org/drawingml/2006/main" xmlns:r="http://schemas.openxmlformats.org/officeDocument/2006/relationships" xmlns:p="http://schemas.openxmlformats.org/presentationml/2006/main">
-  <p:cSld>
-    <p:spTree>
-      <p:nvGrpSpPr>
-        <p:cNvPr id="1" name=""/>
-        <p:cNvGrpSpPr/>
-        <p:nvPr/>
-      </p:nvGrpSpPr>
-      <p:grpSpPr>
-        <a:xfrm>
-          <a:off x="0" y="0"/>
-          <a:ext cx="0" cy="0"/>
-          <a:chOff x="0" y="0"/>
-          <a:chExt cx="0" cy="0"/>
-        </a:xfrm>
-      </p:grpSpPr>
-      <p:sp>
-        <p:nvSpPr>
-          <p:cNvPr id="2" name="Title 1"/>
-          <p:cNvSpPr>
-            <a:spLocks noGrp="1"/>
-          </p:cNvSpPr>
-          <p:nvPr>
-            <p:ph type="title"/>
-          </p:nvPr>
-        </p:nvSpPr>
-        <p:spPr/>
-        <p:txBody>
-          <a:bodyPr>
-            <a:normAutofit/>
-          </a:bodyPr>
-          <a:lstStyle/>
-          <a:p>
-            <a:r>
-              <a:rPr lang="en-US" sz="4800" dirty="0" smtClean="0"/>
-              <a:t>What's on </a:t>
-            </a:r>
-            <a:r>
-              <a:rPr lang="en-US" sz="4800" smtClean="0"/>
-              <a:t>the agenda?</a:t>
-            </a:r>
-            <a:endParaRPr lang="en-US" sz="4800" dirty="0"/>
-          </a:p>
-        </p:txBody>
-      </p:sp>
-      <p:sp>
-        <p:nvSpPr>
-          <p:cNvPr id="3" name="Content Placeholder 2"/>
-          <p:cNvSpPr>
-            <a:spLocks noGrp="1"/>
-          </p:cNvSpPr>
-          <p:nvPr>
-            <p:ph idx="1"/>
-          </p:nvPr>
-        </p:nvSpPr>
-        <p:spPr>
-          <a:xfrm>
-            <a:off x="838200" y="1825624"/>
-            <a:ext cx="10515600" cy="4899641"/>
-          </a:xfrm>
-        </p:spPr>
-        <p:txBody>
-          <a:bodyPr>
-            <a:normAutofit/>
-          </a:bodyPr>
-          <a:lstStyle/>
-          <a:p>
-            <a:r>
-              <a:rPr lang="en-US" sz="4000" dirty="0" smtClean="0">
-                <a:solidFill>
-                  <a:schemeClr val="bg1">
-                    <a:lumMod val="65000"/>
-                  </a:schemeClr>
-                </a:solidFill>
-              </a:rPr>
-              <a:t>Define "cross cutting" security concerns</a:t>
-            </a:r>
-          </a:p>
-          <a:p>
-            <a:endParaRPr lang="en-US" sz="4000" dirty="0"/>
-          </a:p>
-          <a:p>
-            <a:r>
-              <a:rPr lang="en-US" sz="4000" dirty="0" smtClean="0"/>
-              <a:t>"Secure by default" examples</a:t>
-            </a:r>
-          </a:p>
-          <a:p>
-            <a:endParaRPr lang="en-US" sz="4000" dirty="0"/>
-          </a:p>
-          <a:p>
-            <a:endParaRPr lang="en-US" sz="4000" dirty="0" smtClean="0"/>
-          </a:p>
-          <a:p>
-            <a:endParaRPr lang="en-US" sz="4000" dirty="0"/>
-          </a:p>
-          <a:p>
-            <a:endParaRPr lang="en-US" sz="4000" dirty="0" smtClean="0"/>
-          </a:p>
-          <a:p>
-            <a:endParaRPr lang="en-US" sz="4000" dirty="0" smtClean="0"/>
-          </a:p>
-          <a:p>
-            <a:endParaRPr lang="en-US" dirty="0" smtClean="0"/>
-          </a:p>
-          <a:p>
-            <a:endParaRPr lang="en-US" dirty="0" smtClean="0"/>
-          </a:p>
-          <a:p>
-            <a:endParaRPr lang="en-US" dirty="0"/>
-          </a:p>
-        </p:txBody>
-      </p:sp>
-    </p:spTree>
-    <p:extLst>
-      <p:ext uri="{BB962C8B-B14F-4D97-AF65-F5344CB8AC3E}">
-        <p14:creationId xmlns:p14="http://schemas.microsoft.com/office/powerpoint/2010/main" val="902317821"/>
-      </p:ext>
-    </p:extLst>
-  </p:cSld>
-  <p:clrMapOvr>
-    <a:masterClrMapping/>
-  </p:clrMapOvr>
-  <p:timing>
-    <p:tnLst>
-      <p:par>
-        <p:cTn id="1" dur="indefinite" restart="never" nodeType="tmRoot"/>
-      </p:par>
-    </p:tnLst>
-  </p:timing>
-</p:sld>
-</file>
-
-<file path=ppt/slides/slide60.xml><?xml version="1.0" encoding="utf-8"?>
+<file path=ppt/slides/slide58.xml><?xml version="1.0" encoding="utf-8"?>
 <p:sld xmlns:a="http://schemas.openxmlformats.org/drawingml/2006/main" xmlns:r="http://schemas.openxmlformats.org/officeDocument/2006/relationships" xmlns:p="http://schemas.openxmlformats.org/presentationml/2006/main">
   <p:cSld>
     <p:spTree>
@@ -17693,7 +17141,7 @@
 </p:sld>
 </file>
 
-<file path=ppt/slides/slide61.xml><?xml version="1.0" encoding="utf-8"?>
+<file path=ppt/slides/slide59.xml><?xml version="1.0" encoding="utf-8"?>
 <p:sld xmlns:a="http://schemas.openxmlformats.org/drawingml/2006/main" xmlns:r="http://schemas.openxmlformats.org/officeDocument/2006/relationships" xmlns:p="http://schemas.openxmlformats.org/presentationml/2006/main">
   <p:cSld>
     <p:spTree>
@@ -17818,7 +17266,141 @@
 </p:sld>
 </file>
 
-<file path=ppt/slides/slide62.xml><?xml version="1.0" encoding="utf-8"?>
+<file path=ppt/slides/slide6.xml><?xml version="1.0" encoding="utf-8"?>
+<p:sld xmlns:a="http://schemas.openxmlformats.org/drawingml/2006/main" xmlns:r="http://schemas.openxmlformats.org/officeDocument/2006/relationships" xmlns:p="http://schemas.openxmlformats.org/presentationml/2006/main">
+  <p:cSld>
+    <p:spTree>
+      <p:nvGrpSpPr>
+        <p:cNvPr id="1" name=""/>
+        <p:cNvGrpSpPr/>
+        <p:nvPr/>
+      </p:nvGrpSpPr>
+      <p:grpSpPr>
+        <a:xfrm>
+          <a:off x="0" y="0"/>
+          <a:ext cx="0" cy="0"/>
+          <a:chOff x="0" y="0"/>
+          <a:chExt cx="0" cy="0"/>
+        </a:xfrm>
+      </p:grpSpPr>
+      <p:sp>
+        <p:nvSpPr>
+          <p:cNvPr id="2" name="Title 1"/>
+          <p:cNvSpPr>
+            <a:spLocks noGrp="1"/>
+          </p:cNvSpPr>
+          <p:nvPr>
+            <p:ph type="title"/>
+          </p:nvPr>
+        </p:nvSpPr>
+        <p:spPr/>
+        <p:txBody>
+          <a:bodyPr>
+            <a:normAutofit/>
+          </a:bodyPr>
+          <a:lstStyle/>
+          <a:p>
+            <a:r>
+              <a:rPr lang="en-US" sz="4800" dirty="0" smtClean="0"/>
+              <a:t>What's on </a:t>
+            </a:r>
+            <a:r>
+              <a:rPr lang="en-US" sz="4800" smtClean="0"/>
+              <a:t>the agenda?</a:t>
+            </a:r>
+            <a:endParaRPr lang="en-US" sz="4800" dirty="0"/>
+          </a:p>
+        </p:txBody>
+      </p:sp>
+      <p:sp>
+        <p:nvSpPr>
+          <p:cNvPr id="3" name="Content Placeholder 2"/>
+          <p:cNvSpPr>
+            <a:spLocks noGrp="1"/>
+          </p:cNvSpPr>
+          <p:nvPr>
+            <p:ph idx="1"/>
+          </p:nvPr>
+        </p:nvSpPr>
+        <p:spPr>
+          <a:xfrm>
+            <a:off x="838200" y="1825624"/>
+            <a:ext cx="10515600" cy="4899641"/>
+          </a:xfrm>
+        </p:spPr>
+        <p:txBody>
+          <a:bodyPr>
+            <a:normAutofit/>
+          </a:bodyPr>
+          <a:lstStyle/>
+          <a:p>
+            <a:r>
+              <a:rPr lang="en-US" sz="4000" dirty="0" smtClean="0">
+                <a:solidFill>
+                  <a:schemeClr val="bg1">
+                    <a:lumMod val="65000"/>
+                  </a:schemeClr>
+                </a:solidFill>
+              </a:rPr>
+              <a:t>Define "cross cutting" security concerns</a:t>
+            </a:r>
+          </a:p>
+          <a:p>
+            <a:endParaRPr lang="en-US" sz="4000" dirty="0"/>
+          </a:p>
+          <a:p>
+            <a:r>
+              <a:rPr lang="en-US" sz="4000" dirty="0" smtClean="0"/>
+              <a:t>"Secure by default" examples</a:t>
+            </a:r>
+          </a:p>
+          <a:p>
+            <a:endParaRPr lang="en-US" sz="4000" dirty="0"/>
+          </a:p>
+          <a:p>
+            <a:endParaRPr lang="en-US" sz="4000" dirty="0" smtClean="0"/>
+          </a:p>
+          <a:p>
+            <a:endParaRPr lang="en-US" sz="4000" dirty="0"/>
+          </a:p>
+          <a:p>
+            <a:endParaRPr lang="en-US" sz="4000" dirty="0" smtClean="0"/>
+          </a:p>
+          <a:p>
+            <a:endParaRPr lang="en-US" sz="4000" dirty="0" smtClean="0"/>
+          </a:p>
+          <a:p>
+            <a:endParaRPr lang="en-US" dirty="0" smtClean="0"/>
+          </a:p>
+          <a:p>
+            <a:endParaRPr lang="en-US" dirty="0" smtClean="0"/>
+          </a:p>
+          <a:p>
+            <a:endParaRPr lang="en-US" dirty="0"/>
+          </a:p>
+        </p:txBody>
+      </p:sp>
+    </p:spTree>
+    <p:extLst>
+      <p:ext uri="{BB962C8B-B14F-4D97-AF65-F5344CB8AC3E}">
+        <p14:creationId xmlns:p14="http://schemas.microsoft.com/office/powerpoint/2010/main" val="902317821"/>
+      </p:ext>
+    </p:extLst>
+  </p:cSld>
+  <p:clrMapOvr>
+    <a:masterClrMapping/>
+  </p:clrMapOvr>
+  <p:timing>
+    <p:tnLst>
+      <p:par>
+        <p:cTn id="1" dur="indefinite" restart="never" nodeType="tmRoot"/>
+      </p:par>
+    </p:tnLst>
+  </p:timing>
+</p:sld>
+</file>
+
+<file path=ppt/slides/slide60.xml><?xml version="1.0" encoding="utf-8"?>
 <p:sld xmlns:a="http://schemas.openxmlformats.org/drawingml/2006/main" xmlns:r="http://schemas.openxmlformats.org/officeDocument/2006/relationships" xmlns:p="http://schemas.openxmlformats.org/presentationml/2006/main">
   <p:cSld>
     <p:spTree>
@@ -17911,7 +17493,7 @@
 </p:sld>
 </file>
 
-<file path=ppt/slides/slide63.xml><?xml version="1.0" encoding="utf-8"?>
+<file path=ppt/slides/slide61.xml><?xml version="1.0" encoding="utf-8"?>
 <p:sld xmlns:a="http://schemas.openxmlformats.org/drawingml/2006/main" xmlns:r="http://schemas.openxmlformats.org/officeDocument/2006/relationships" xmlns:p="http://schemas.openxmlformats.org/presentationml/2006/main">
   <p:cSld>
     <p:spTree>
@@ -18036,7 +17618,7 @@
 </p:sld>
 </file>
 
-<file path=ppt/slides/slide64.xml><?xml version="1.0" encoding="utf-8"?>
+<file path=ppt/slides/slide62.xml><?xml version="1.0" encoding="utf-8"?>
 <p:sld xmlns:a="http://schemas.openxmlformats.org/drawingml/2006/main" xmlns:r="http://schemas.openxmlformats.org/officeDocument/2006/relationships" xmlns:p="http://schemas.openxmlformats.org/presentationml/2006/main">
   <p:cSld>
     <p:spTree>
@@ -18169,7 +17751,7 @@
 </p:sld>
 </file>
 
-<file path=ppt/slides/slide65.xml><?xml version="1.0" encoding="utf-8"?>
+<file path=ppt/slides/slide63.xml><?xml version="1.0" encoding="utf-8"?>
 <p:sld xmlns:a="http://schemas.openxmlformats.org/drawingml/2006/main" xmlns:r="http://schemas.openxmlformats.org/officeDocument/2006/relationships" xmlns:p="http://schemas.openxmlformats.org/presentationml/2006/main">
   <p:cSld>
     <p:spTree>
@@ -18275,7 +17857,7 @@
 </p:sld>
 </file>
 
-<file path=ppt/slides/slide66.xml><?xml version="1.0" encoding="utf-8"?>
+<file path=ppt/slides/slide64.xml><?xml version="1.0" encoding="utf-8"?>
 <p:sld xmlns:a="http://schemas.openxmlformats.org/drawingml/2006/main" xmlns:r="http://schemas.openxmlformats.org/officeDocument/2006/relationships" xmlns:p="http://schemas.openxmlformats.org/presentationml/2006/main">
   <p:cSld>
     <p:spTree>
@@ -18396,7 +17978,7 @@
 </p:sld>
 </file>
 
-<file path=ppt/slides/slide67.xml><?xml version="1.0" encoding="utf-8"?>
+<file path=ppt/slides/slide65.xml><?xml version="1.0" encoding="utf-8"?>
 <p:sld xmlns:a="http://schemas.openxmlformats.org/drawingml/2006/main" xmlns:r="http://schemas.openxmlformats.org/officeDocument/2006/relationships" xmlns:p="http://schemas.openxmlformats.org/presentationml/2006/main">
   <p:cSld>
     <p:spTree>
@@ -18516,7 +18098,7 @@
 </p:sld>
 </file>
 
-<file path=ppt/slides/slide68.xml><?xml version="1.0" encoding="utf-8"?>
+<file path=ppt/slides/slide66.xml><?xml version="1.0" encoding="utf-8"?>
 <p:sld xmlns:a="http://schemas.openxmlformats.org/drawingml/2006/main" xmlns:r="http://schemas.openxmlformats.org/officeDocument/2006/relationships" xmlns:p="http://schemas.openxmlformats.org/presentationml/2006/main">
   <p:cSld>
     <p:spTree>
@@ -18636,7 +18218,7 @@
 </p:sld>
 </file>
 
-<file path=ppt/slides/slide69.xml><?xml version="1.0" encoding="utf-8"?>
+<file path=ppt/slides/slide67.xml><?xml version="1.0" encoding="utf-8"?>
 <p:sld xmlns:a="http://schemas.openxmlformats.org/drawingml/2006/main" xmlns:r="http://schemas.openxmlformats.org/officeDocument/2006/relationships" xmlns:p="http://schemas.openxmlformats.org/presentationml/2006/main">
   <p:cSld>
     <p:spTree>
@@ -18756,159 +18338,7 @@
 </p:sld>
 </file>
 
-<file path=ppt/slides/slide7.xml><?xml version="1.0" encoding="utf-8"?>
-<p:sld xmlns:a="http://schemas.openxmlformats.org/drawingml/2006/main" xmlns:r="http://schemas.openxmlformats.org/officeDocument/2006/relationships" xmlns:p="http://schemas.openxmlformats.org/presentationml/2006/main">
-  <p:cSld>
-    <p:spTree>
-      <p:nvGrpSpPr>
-        <p:cNvPr id="1" name=""/>
-        <p:cNvGrpSpPr/>
-        <p:nvPr/>
-      </p:nvGrpSpPr>
-      <p:grpSpPr>
-        <a:xfrm>
-          <a:off x="0" y="0"/>
-          <a:ext cx="0" cy="0"/>
-          <a:chOff x="0" y="0"/>
-          <a:chExt cx="0" cy="0"/>
-        </a:xfrm>
-      </p:grpSpPr>
-      <p:sp>
-        <p:nvSpPr>
-          <p:cNvPr id="2" name="Title 1"/>
-          <p:cNvSpPr>
-            <a:spLocks noGrp="1"/>
-          </p:cNvSpPr>
-          <p:nvPr>
-            <p:ph type="title"/>
-          </p:nvPr>
-        </p:nvSpPr>
-        <p:spPr/>
-        <p:txBody>
-          <a:bodyPr>
-            <a:normAutofit/>
-          </a:bodyPr>
-          <a:lstStyle/>
-          <a:p>
-            <a:r>
-              <a:rPr lang="en-US" sz="4800" dirty="0" smtClean="0"/>
-              <a:t>What's on </a:t>
-            </a:r>
-            <a:r>
-              <a:rPr lang="en-US" sz="4800" smtClean="0"/>
-              <a:t>the agenda?</a:t>
-            </a:r>
-            <a:endParaRPr lang="en-US" sz="4800" dirty="0"/>
-          </a:p>
-        </p:txBody>
-      </p:sp>
-      <p:sp>
-        <p:nvSpPr>
-          <p:cNvPr id="3" name="Content Placeholder 2"/>
-          <p:cNvSpPr>
-            <a:spLocks noGrp="1"/>
-          </p:cNvSpPr>
-          <p:nvPr>
-            <p:ph idx="1"/>
-          </p:nvPr>
-        </p:nvSpPr>
-        <p:spPr>
-          <a:xfrm>
-            <a:off x="838200" y="1825624"/>
-            <a:ext cx="10515600" cy="4899641"/>
-          </a:xfrm>
-        </p:spPr>
-        <p:txBody>
-          <a:bodyPr>
-            <a:normAutofit/>
-          </a:bodyPr>
-          <a:lstStyle/>
-          <a:p>
-            <a:r>
-              <a:rPr lang="en-US" sz="4000" dirty="0" smtClean="0">
-                <a:solidFill>
-                  <a:schemeClr val="bg1">
-                    <a:lumMod val="65000"/>
-                  </a:schemeClr>
-                </a:solidFill>
-              </a:rPr>
-              <a:t>Define "cross cutting" security concerns</a:t>
-            </a:r>
-          </a:p>
-          <a:p>
-            <a:endParaRPr lang="en-US" sz="4000" dirty="0">
-              <a:solidFill>
-                <a:schemeClr val="bg1">
-                  <a:lumMod val="65000"/>
-                </a:schemeClr>
-              </a:solidFill>
-            </a:endParaRPr>
-          </a:p>
-          <a:p>
-            <a:r>
-              <a:rPr lang="en-US" sz="4000" dirty="0" smtClean="0">
-                <a:solidFill>
-                  <a:schemeClr val="bg1">
-                    <a:lumMod val="65000"/>
-                  </a:schemeClr>
-                </a:solidFill>
-              </a:rPr>
-              <a:t>"Secure by default" examples</a:t>
-            </a:r>
-          </a:p>
-          <a:p>
-            <a:endParaRPr lang="en-US" sz="4000" dirty="0"/>
-          </a:p>
-          <a:p>
-            <a:r>
-              <a:rPr lang="en-US" sz="4000" dirty="0" smtClean="0"/>
-              <a:t>Declarative vs Imperative security</a:t>
-            </a:r>
-          </a:p>
-          <a:p>
-            <a:endParaRPr lang="en-US" sz="4000" dirty="0"/>
-          </a:p>
-          <a:p>
-            <a:endParaRPr lang="en-US" sz="4000" dirty="0"/>
-          </a:p>
-          <a:p>
-            <a:endParaRPr lang="en-US" sz="4000" dirty="0" smtClean="0"/>
-          </a:p>
-          <a:p>
-            <a:endParaRPr lang="en-US" sz="4000" dirty="0" smtClean="0"/>
-          </a:p>
-          <a:p>
-            <a:endParaRPr lang="en-US" dirty="0" smtClean="0"/>
-          </a:p>
-          <a:p>
-            <a:endParaRPr lang="en-US" dirty="0" smtClean="0"/>
-          </a:p>
-          <a:p>
-            <a:endParaRPr lang="en-US" dirty="0"/>
-          </a:p>
-        </p:txBody>
-      </p:sp>
-    </p:spTree>
-    <p:extLst>
-      <p:ext uri="{BB962C8B-B14F-4D97-AF65-F5344CB8AC3E}">
-        <p14:creationId xmlns:p14="http://schemas.microsoft.com/office/powerpoint/2010/main" val="1001694156"/>
-      </p:ext>
-    </p:extLst>
-  </p:cSld>
-  <p:clrMapOvr>
-    <a:masterClrMapping/>
-  </p:clrMapOvr>
-  <p:timing>
-    <p:tnLst>
-      <p:par>
-        <p:cTn id="1" dur="indefinite" restart="never" nodeType="tmRoot"/>
-      </p:par>
-    </p:tnLst>
-  </p:timing>
-</p:sld>
-</file>
-
-<file path=ppt/slides/slide70.xml><?xml version="1.0" encoding="utf-8"?>
+<file path=ppt/slides/slide68.xml><?xml version="1.0" encoding="utf-8"?>
 <p:sld xmlns:a="http://schemas.openxmlformats.org/drawingml/2006/main" xmlns:r="http://schemas.openxmlformats.org/officeDocument/2006/relationships" xmlns:p="http://schemas.openxmlformats.org/presentationml/2006/main">
   <p:cSld>
     <p:spTree>
@@ -19028,7 +18458,7 @@
 </p:sld>
 </file>
 
-<file path=ppt/slides/slide71.xml><?xml version="1.0" encoding="utf-8"?>
+<file path=ppt/slides/slide69.xml><?xml version="1.0" encoding="utf-8"?>
 <p:sld xmlns:a="http://schemas.openxmlformats.org/drawingml/2006/main" xmlns:r="http://schemas.openxmlformats.org/officeDocument/2006/relationships" xmlns:p="http://schemas.openxmlformats.org/presentationml/2006/main">
   <p:cSld>
     <p:spTree>
@@ -19170,7 +18600,159 @@
 </p:sld>
 </file>
 
-<file path=ppt/slides/slide72.xml><?xml version="1.0" encoding="utf-8"?>
+<file path=ppt/slides/slide7.xml><?xml version="1.0" encoding="utf-8"?>
+<p:sld xmlns:a="http://schemas.openxmlformats.org/drawingml/2006/main" xmlns:r="http://schemas.openxmlformats.org/officeDocument/2006/relationships" xmlns:p="http://schemas.openxmlformats.org/presentationml/2006/main">
+  <p:cSld>
+    <p:spTree>
+      <p:nvGrpSpPr>
+        <p:cNvPr id="1" name=""/>
+        <p:cNvGrpSpPr/>
+        <p:nvPr/>
+      </p:nvGrpSpPr>
+      <p:grpSpPr>
+        <a:xfrm>
+          <a:off x="0" y="0"/>
+          <a:ext cx="0" cy="0"/>
+          <a:chOff x="0" y="0"/>
+          <a:chExt cx="0" cy="0"/>
+        </a:xfrm>
+      </p:grpSpPr>
+      <p:sp>
+        <p:nvSpPr>
+          <p:cNvPr id="2" name="Title 1"/>
+          <p:cNvSpPr>
+            <a:spLocks noGrp="1"/>
+          </p:cNvSpPr>
+          <p:nvPr>
+            <p:ph type="title"/>
+          </p:nvPr>
+        </p:nvSpPr>
+        <p:spPr/>
+        <p:txBody>
+          <a:bodyPr>
+            <a:normAutofit/>
+          </a:bodyPr>
+          <a:lstStyle/>
+          <a:p>
+            <a:r>
+              <a:rPr lang="en-US" sz="4800" dirty="0" smtClean="0"/>
+              <a:t>What's on </a:t>
+            </a:r>
+            <a:r>
+              <a:rPr lang="en-US" sz="4800" smtClean="0"/>
+              <a:t>the agenda?</a:t>
+            </a:r>
+            <a:endParaRPr lang="en-US" sz="4800" dirty="0"/>
+          </a:p>
+        </p:txBody>
+      </p:sp>
+      <p:sp>
+        <p:nvSpPr>
+          <p:cNvPr id="3" name="Content Placeholder 2"/>
+          <p:cNvSpPr>
+            <a:spLocks noGrp="1"/>
+          </p:cNvSpPr>
+          <p:nvPr>
+            <p:ph idx="1"/>
+          </p:nvPr>
+        </p:nvSpPr>
+        <p:spPr>
+          <a:xfrm>
+            <a:off x="838200" y="1825624"/>
+            <a:ext cx="10515600" cy="4899641"/>
+          </a:xfrm>
+        </p:spPr>
+        <p:txBody>
+          <a:bodyPr>
+            <a:normAutofit/>
+          </a:bodyPr>
+          <a:lstStyle/>
+          <a:p>
+            <a:r>
+              <a:rPr lang="en-US" sz="4000" dirty="0" smtClean="0">
+                <a:solidFill>
+                  <a:schemeClr val="bg1">
+                    <a:lumMod val="65000"/>
+                  </a:schemeClr>
+                </a:solidFill>
+              </a:rPr>
+              <a:t>Define "cross cutting" security concerns</a:t>
+            </a:r>
+          </a:p>
+          <a:p>
+            <a:endParaRPr lang="en-US" sz="4000" dirty="0">
+              <a:solidFill>
+                <a:schemeClr val="bg1">
+                  <a:lumMod val="65000"/>
+                </a:schemeClr>
+              </a:solidFill>
+            </a:endParaRPr>
+          </a:p>
+          <a:p>
+            <a:r>
+              <a:rPr lang="en-US" sz="4000" dirty="0" smtClean="0">
+                <a:solidFill>
+                  <a:schemeClr val="bg1">
+                    <a:lumMod val="65000"/>
+                  </a:schemeClr>
+                </a:solidFill>
+              </a:rPr>
+              <a:t>"Secure by default" examples</a:t>
+            </a:r>
+          </a:p>
+          <a:p>
+            <a:endParaRPr lang="en-US" sz="4000" dirty="0"/>
+          </a:p>
+          <a:p>
+            <a:r>
+              <a:rPr lang="en-US" sz="4000" dirty="0" smtClean="0"/>
+              <a:t>Declarative vs Imperative security</a:t>
+            </a:r>
+          </a:p>
+          <a:p>
+            <a:endParaRPr lang="en-US" sz="4000" dirty="0"/>
+          </a:p>
+          <a:p>
+            <a:endParaRPr lang="en-US" sz="4000" dirty="0"/>
+          </a:p>
+          <a:p>
+            <a:endParaRPr lang="en-US" sz="4000" dirty="0" smtClean="0"/>
+          </a:p>
+          <a:p>
+            <a:endParaRPr lang="en-US" sz="4000" dirty="0" smtClean="0"/>
+          </a:p>
+          <a:p>
+            <a:endParaRPr lang="en-US" dirty="0" smtClean="0"/>
+          </a:p>
+          <a:p>
+            <a:endParaRPr lang="en-US" dirty="0" smtClean="0"/>
+          </a:p>
+          <a:p>
+            <a:endParaRPr lang="en-US" dirty="0"/>
+          </a:p>
+        </p:txBody>
+      </p:sp>
+    </p:spTree>
+    <p:extLst>
+      <p:ext uri="{BB962C8B-B14F-4D97-AF65-F5344CB8AC3E}">
+        <p14:creationId xmlns:p14="http://schemas.microsoft.com/office/powerpoint/2010/main" val="1001694156"/>
+      </p:ext>
+    </p:extLst>
+  </p:cSld>
+  <p:clrMapOvr>
+    <a:masterClrMapping/>
+  </p:clrMapOvr>
+  <p:timing>
+    <p:tnLst>
+      <p:par>
+        <p:cTn id="1" dur="indefinite" restart="never" nodeType="tmRoot"/>
+      </p:par>
+    </p:tnLst>
+  </p:timing>
+</p:sld>
+</file>
+
+<file path=ppt/slides/slide70.xml><?xml version="1.0" encoding="utf-8"?>
 <p:sld xmlns:a="http://schemas.openxmlformats.org/drawingml/2006/main" xmlns:r="http://schemas.openxmlformats.org/officeDocument/2006/relationships" xmlns:p="http://schemas.openxmlformats.org/presentationml/2006/main">
   <p:cSld>
     <p:spTree>
@@ -19291,7 +18873,7 @@
 </p:sld>
 </file>
 
-<file path=ppt/slides/slide73.xml><?xml version="1.0" encoding="utf-8"?>
+<file path=ppt/slides/slide71.xml><?xml version="1.0" encoding="utf-8"?>
 <p:sld xmlns:a="http://schemas.openxmlformats.org/drawingml/2006/main" xmlns:r="http://schemas.openxmlformats.org/officeDocument/2006/relationships" xmlns:p="http://schemas.openxmlformats.org/presentationml/2006/main">
   <p:cSld>
     <p:spTree>
@@ -19412,7 +18994,7 @@
 </p:sld>
 </file>
 
-<file path=ppt/slides/slide74.xml><?xml version="1.0" encoding="utf-8"?>
+<file path=ppt/slides/slide72.xml><?xml version="1.0" encoding="utf-8"?>
 <p:sld xmlns:a="http://schemas.openxmlformats.org/drawingml/2006/main" xmlns:r="http://schemas.openxmlformats.org/officeDocument/2006/relationships" xmlns:p="http://schemas.openxmlformats.org/presentationml/2006/main">
   <p:cSld>
     <p:spTree>
@@ -19533,7 +19115,7 @@
 </p:sld>
 </file>
 
-<file path=ppt/slides/slide75.xml><?xml version="1.0" encoding="utf-8"?>
+<file path=ppt/slides/slide73.xml><?xml version="1.0" encoding="utf-8"?>
 <p:sld xmlns:a="http://schemas.openxmlformats.org/drawingml/2006/main" xmlns:r="http://schemas.openxmlformats.org/officeDocument/2006/relationships" xmlns:p="http://schemas.openxmlformats.org/presentationml/2006/main">
   <p:cSld>
     <p:spTree>
@@ -19657,7 +19239,7 @@
 </p:sld>
 </file>
 
-<file path=ppt/slides/slide76.xml><?xml version="1.0" encoding="utf-8"?>
+<file path=ppt/slides/slide74.xml><?xml version="1.0" encoding="utf-8"?>
 <p:sld xmlns:a="http://schemas.openxmlformats.org/drawingml/2006/main" xmlns:r="http://schemas.openxmlformats.org/officeDocument/2006/relationships" xmlns:p="http://schemas.openxmlformats.org/presentationml/2006/main">
   <p:cSld>
     <p:spTree>
@@ -19787,7 +19369,7 @@
 </p:sld>
 </file>
 
-<file path=ppt/slides/slide77.xml><?xml version="1.0" encoding="utf-8"?>
+<file path=ppt/slides/slide75.xml><?xml version="1.0" encoding="utf-8"?>
 <p:sld xmlns:a="http://schemas.openxmlformats.org/drawingml/2006/main" xmlns:r="http://schemas.openxmlformats.org/officeDocument/2006/relationships" xmlns:p="http://schemas.openxmlformats.org/presentationml/2006/main">
   <p:cSld>
     <p:spTree>
@@ -19868,7 +19450,6 @@
               <a:rPr lang="en-US" sz="4000" dirty="0" smtClean="0"/>
               <a:t>"Secure by default" is the holy grail</a:t>
             </a:r>
-            <a:endParaRPr lang="en-US" sz="4000" dirty="0" smtClean="0"/>
           </a:p>
           <a:p>
             <a:r>

--- a/Secure Systems - CodeMash 2017.pptx
+++ b/Secure Systems - CodeMash 2017.pptx
@@ -12313,7 +12313,7 @@
 </file>
 
 <file path=ppt/slides/slide23.xml><?xml version="1.0" encoding="utf-8"?>
-<p:sld xmlns:a="http://schemas.openxmlformats.org/drawingml/2006/main" xmlns:r="http://schemas.openxmlformats.org/officeDocument/2006/relationships" xmlns:p="http://schemas.openxmlformats.org/presentationml/2006/main">
+<p:sld xmlns:a="http://schemas.openxmlformats.org/drawingml/2006/main" xmlns:r="http://schemas.openxmlformats.org/officeDocument/2006/relationships" xmlns:p="http://schemas.openxmlformats.org/presentationml/2006/main" show="0">
   <p:cSld>
     <p:spTree>
       <p:nvGrpSpPr>
@@ -12392,6 +12392,14 @@
   <p:clrMapOvr>
     <a:masterClrMapping/>
   </p:clrMapOvr>
+  <mc:AlternateContent xmlns:mc="http://schemas.openxmlformats.org/markup-compatibility/2006">
+    <mc:Choice xmlns:p14="http://schemas.microsoft.com/office/powerpoint/2010/main" Requires="p14">
+      <p:transition spd="slow" p14:dur="2000"/>
+    </mc:Choice>
+    <mc:Fallback>
+      <p:transition spd="slow"/>
+    </mc:Fallback>
+  </mc:AlternateContent>
   <p:timing>
     <p:tnLst>
       <p:par>
@@ -12403,7 +12411,7 @@
 </file>
 
 <file path=ppt/slides/slide24.xml><?xml version="1.0" encoding="utf-8"?>
-<p:sld xmlns:a="http://schemas.openxmlformats.org/drawingml/2006/main" xmlns:r="http://schemas.openxmlformats.org/officeDocument/2006/relationships" xmlns:p="http://schemas.openxmlformats.org/presentationml/2006/main">
+<p:sld xmlns:a="http://schemas.openxmlformats.org/drawingml/2006/main" xmlns:r="http://schemas.openxmlformats.org/officeDocument/2006/relationships" xmlns:p="http://schemas.openxmlformats.org/presentationml/2006/main" show="0">
   <p:cSld>
     <p:spTree>
       <p:nvGrpSpPr>
@@ -12534,6 +12542,14 @@
   <p:clrMapOvr>
     <a:masterClrMapping/>
   </p:clrMapOvr>
+  <mc:AlternateContent xmlns:mc="http://schemas.openxmlformats.org/markup-compatibility/2006">
+    <mc:Choice xmlns:p14="http://schemas.microsoft.com/office/powerpoint/2010/main" Requires="p14">
+      <p:transition spd="slow" p14:dur="2000"/>
+    </mc:Choice>
+    <mc:Fallback>
+      <p:transition spd="slow"/>
+    </mc:Fallback>
+  </mc:AlternateContent>
   <p:timing>
     <p:tnLst>
       <p:par>

--- a/Secure Systems - CodeMash 2017.pptx
+++ b/Secure Systems - CodeMash 2017.pptx
@@ -10361,11 +10361,7 @@
           <a:p>
             <a:r>
               <a:rPr lang="en-US" sz="4000" dirty="0" smtClean="0"/>
-              <a:t>ORM </a:t>
-            </a:r>
-            <a:r>
-              <a:rPr lang="en-US" sz="4000" dirty="0" smtClean="0"/>
-              <a:t>interceptors (</a:t>
+              <a:t>ORM interceptors (</a:t>
             </a:r>
             <a:r>
               <a:rPr lang="en-US" sz="4000" i="1" dirty="0" smtClean="0"/>
@@ -10383,11 +10379,7 @@
             </a:r>
             <a:r>
               <a:rPr lang="en-US" sz="4000" dirty="0" smtClean="0"/>
-              <a:t> </a:t>
-            </a:r>
-            <a:r>
-              <a:rPr lang="en-US" sz="4000" dirty="0" smtClean="0"/>
-              <a:t>(</a:t>
+              <a:t> (</a:t>
             </a:r>
             <a:r>
               <a:rPr lang="en-US" sz="4000" i="1" dirty="0" smtClean="0"/>
@@ -12392,11 +12384,11 @@
   <p:clrMapOvr>
     <a:masterClrMapping/>
   </p:clrMapOvr>
-  <mc:AlternateContent xmlns:mc="http://schemas.openxmlformats.org/markup-compatibility/2006">
-    <mc:Choice xmlns:p14="http://schemas.microsoft.com/office/powerpoint/2010/main" Requires="p14">
+  <mc:AlternateContent xmlns:mc="http://schemas.openxmlformats.org/markup-compatibility/2006" xmlns:p14="http://schemas.microsoft.com/office/powerpoint/2010/main">
+    <mc:Choice Requires="p14">
       <p:transition spd="slow" p14:dur="2000"/>
     </mc:Choice>
-    <mc:Fallback>
+    <mc:Fallback xmlns="">
       <p:transition spd="slow"/>
     </mc:Fallback>
   </mc:AlternateContent>
@@ -12542,11 +12534,11 @@
   <p:clrMapOvr>
     <a:masterClrMapping/>
   </p:clrMapOvr>
-  <mc:AlternateContent xmlns:mc="http://schemas.openxmlformats.org/markup-compatibility/2006">
-    <mc:Choice xmlns:p14="http://schemas.microsoft.com/office/powerpoint/2010/main" Requires="p14">
+  <mc:AlternateContent xmlns:mc="http://schemas.openxmlformats.org/markup-compatibility/2006" xmlns:p14="http://schemas.microsoft.com/office/powerpoint/2010/main">
+    <mc:Choice Requires="p14">
       <p:transition spd="slow" p14:dur="2000"/>
     </mc:Choice>
-    <mc:Fallback>
+    <mc:Fallback xmlns="">
       <p:transition spd="slow"/>
     </mc:Fallback>
   </mc:AlternateContent>

--- a/Secure Systems - CodeMash 2017.pptx
+++ b/Secure Systems - CodeMash 2017.pptx
@@ -5,7 +5,7 @@
     <p:sldMasterId id="2147483749" r:id="rId1"/>
   </p:sldMasterIdLst>
   <p:notesMasterIdLst>
-    <p:notesMasterId r:id="rId77"/>
+    <p:notesMasterId r:id="rId80"/>
   </p:notesMasterIdLst>
   <p:sldIdLst>
     <p:sldId id="395" r:id="rId2"/>
@@ -67,22 +67,25 @@
     <p:sldId id="546" r:id="rId58"/>
     <p:sldId id="502" r:id="rId59"/>
     <p:sldId id="503" r:id="rId60"/>
-    <p:sldId id="531" r:id="rId61"/>
-    <p:sldId id="532" r:id="rId62"/>
-    <p:sldId id="533" r:id="rId63"/>
-    <p:sldId id="554" r:id="rId64"/>
-    <p:sldId id="530" r:id="rId65"/>
-    <p:sldId id="555" r:id="rId66"/>
-    <p:sldId id="556" r:id="rId67"/>
-    <p:sldId id="557" r:id="rId68"/>
-    <p:sldId id="558" r:id="rId69"/>
-    <p:sldId id="559" r:id="rId70"/>
-    <p:sldId id="564" r:id="rId71"/>
-    <p:sldId id="561" r:id="rId72"/>
-    <p:sldId id="565" r:id="rId73"/>
-    <p:sldId id="566" r:id="rId74"/>
-    <p:sldId id="568" r:id="rId75"/>
-    <p:sldId id="583" r:id="rId76"/>
+    <p:sldId id="584" r:id="rId61"/>
+    <p:sldId id="586" r:id="rId62"/>
+    <p:sldId id="585" r:id="rId63"/>
+    <p:sldId id="531" r:id="rId64"/>
+    <p:sldId id="532" r:id="rId65"/>
+    <p:sldId id="533" r:id="rId66"/>
+    <p:sldId id="554" r:id="rId67"/>
+    <p:sldId id="530" r:id="rId68"/>
+    <p:sldId id="555" r:id="rId69"/>
+    <p:sldId id="556" r:id="rId70"/>
+    <p:sldId id="557" r:id="rId71"/>
+    <p:sldId id="558" r:id="rId72"/>
+    <p:sldId id="559" r:id="rId73"/>
+    <p:sldId id="564" r:id="rId74"/>
+    <p:sldId id="561" r:id="rId75"/>
+    <p:sldId id="565" r:id="rId76"/>
+    <p:sldId id="566" r:id="rId77"/>
+    <p:sldId id="568" r:id="rId78"/>
+    <p:sldId id="583" r:id="rId79"/>
   </p:sldIdLst>
   <p:sldSz cx="12192000" cy="6858000"/>
   <p:notesSz cx="6858000" cy="9144000"/>
@@ -5612,7 +5615,7 @@
     </p:spTree>
     <p:extLst>
       <p:ext uri="{BB962C8B-B14F-4D97-AF65-F5344CB8AC3E}">
-        <p14:creationId xmlns:p14="http://schemas.microsoft.com/office/powerpoint/2010/main" val="3603726692"/>
+        <p14:creationId xmlns:p14="http://schemas.microsoft.com/office/powerpoint/2010/main" val="2829916917"/>
       </p:ext>
     </p:extLst>
   </p:cSld>
@@ -5696,7 +5699,7 @@
     </p:spTree>
     <p:extLst>
       <p:ext uri="{BB962C8B-B14F-4D97-AF65-F5344CB8AC3E}">
-        <p14:creationId xmlns:p14="http://schemas.microsoft.com/office/powerpoint/2010/main" val="2106924964"/>
+        <p14:creationId xmlns:p14="http://schemas.microsoft.com/office/powerpoint/2010/main" val="1954400629"/>
       </p:ext>
     </p:extLst>
   </p:cSld>
@@ -5780,7 +5783,7 @@
     </p:spTree>
     <p:extLst>
       <p:ext uri="{BB962C8B-B14F-4D97-AF65-F5344CB8AC3E}">
-        <p14:creationId xmlns:p14="http://schemas.microsoft.com/office/powerpoint/2010/main" val="506673237"/>
+        <p14:creationId xmlns:p14="http://schemas.microsoft.com/office/powerpoint/2010/main" val="1764780958"/>
       </p:ext>
     </p:extLst>
   </p:cSld>
@@ -5834,6 +5837,258 @@
           <a:bodyPr/>
           <a:lstStyle/>
           <a:p>
+            <a:endParaRPr lang="en-US" b="0" dirty="0" smtClean="0"/>
+          </a:p>
+        </p:txBody>
+      </p:sp>
+      <p:sp>
+        <p:nvSpPr>
+          <p:cNvPr id="4" name="Slide Number Placeholder 3"/>
+          <p:cNvSpPr>
+            <a:spLocks noGrp="1"/>
+          </p:cNvSpPr>
+          <p:nvPr>
+            <p:ph type="sldNum" sz="quarter" idx="10"/>
+          </p:nvPr>
+        </p:nvSpPr>
+        <p:spPr/>
+        <p:txBody>
+          <a:bodyPr/>
+          <a:lstStyle/>
+          <a:p>
+            <a:fld id="{89029652-62E7-43D6-83B5-097D7B7AA5D8}" type="slidenum">
+              <a:rPr lang="en-US" smtClean="0"/>
+              <a:t>63</a:t>
+            </a:fld>
+            <a:endParaRPr lang="en-US"/>
+          </a:p>
+        </p:txBody>
+      </p:sp>
+    </p:spTree>
+    <p:extLst>
+      <p:ext uri="{BB962C8B-B14F-4D97-AF65-F5344CB8AC3E}">
+        <p14:creationId xmlns:p14="http://schemas.microsoft.com/office/powerpoint/2010/main" val="3603726692"/>
+      </p:ext>
+    </p:extLst>
+  </p:cSld>
+  <p:clrMapOvr>
+    <a:masterClrMapping/>
+  </p:clrMapOvr>
+</p:notes>
+</file>
+
+<file path=ppt/notesSlides/notesSlide64.xml><?xml version="1.0" encoding="utf-8"?>
+<p:notes xmlns:a="http://schemas.openxmlformats.org/drawingml/2006/main" xmlns:r="http://schemas.openxmlformats.org/officeDocument/2006/relationships" xmlns:p="http://schemas.openxmlformats.org/presentationml/2006/main">
+  <p:cSld>
+    <p:spTree>
+      <p:nvGrpSpPr>
+        <p:cNvPr id="1" name=""/>
+        <p:cNvGrpSpPr/>
+        <p:nvPr/>
+      </p:nvGrpSpPr>
+      <p:grpSpPr>
+        <a:xfrm>
+          <a:off x="0" y="0"/>
+          <a:ext cx="0" cy="0"/>
+          <a:chOff x="0" y="0"/>
+          <a:chExt cx="0" cy="0"/>
+        </a:xfrm>
+      </p:grpSpPr>
+      <p:sp>
+        <p:nvSpPr>
+          <p:cNvPr id="2" name="Slide Image Placeholder 1"/>
+          <p:cNvSpPr>
+            <a:spLocks noGrp="1" noRot="1" noChangeAspect="1"/>
+          </p:cNvSpPr>
+          <p:nvPr>
+            <p:ph type="sldImg"/>
+          </p:nvPr>
+        </p:nvSpPr>
+        <p:spPr/>
+      </p:sp>
+      <p:sp>
+        <p:nvSpPr>
+          <p:cNvPr id="3" name="Notes Placeholder 2"/>
+          <p:cNvSpPr>
+            <a:spLocks noGrp="1"/>
+          </p:cNvSpPr>
+          <p:nvPr>
+            <p:ph type="body" idx="1"/>
+          </p:nvPr>
+        </p:nvSpPr>
+        <p:spPr/>
+        <p:txBody>
+          <a:bodyPr/>
+          <a:lstStyle/>
+          <a:p>
+            <a:endParaRPr lang="en-US" b="0" dirty="0" smtClean="0"/>
+          </a:p>
+        </p:txBody>
+      </p:sp>
+      <p:sp>
+        <p:nvSpPr>
+          <p:cNvPr id="4" name="Slide Number Placeholder 3"/>
+          <p:cNvSpPr>
+            <a:spLocks noGrp="1"/>
+          </p:cNvSpPr>
+          <p:nvPr>
+            <p:ph type="sldNum" sz="quarter" idx="10"/>
+          </p:nvPr>
+        </p:nvSpPr>
+        <p:spPr/>
+        <p:txBody>
+          <a:bodyPr/>
+          <a:lstStyle/>
+          <a:p>
+            <a:fld id="{89029652-62E7-43D6-83B5-097D7B7AA5D8}" type="slidenum">
+              <a:rPr lang="en-US" smtClean="0"/>
+              <a:t>64</a:t>
+            </a:fld>
+            <a:endParaRPr lang="en-US"/>
+          </a:p>
+        </p:txBody>
+      </p:sp>
+    </p:spTree>
+    <p:extLst>
+      <p:ext uri="{BB962C8B-B14F-4D97-AF65-F5344CB8AC3E}">
+        <p14:creationId xmlns:p14="http://schemas.microsoft.com/office/powerpoint/2010/main" val="2106924964"/>
+      </p:ext>
+    </p:extLst>
+  </p:cSld>
+  <p:clrMapOvr>
+    <a:masterClrMapping/>
+  </p:clrMapOvr>
+</p:notes>
+</file>
+
+<file path=ppt/notesSlides/notesSlide65.xml><?xml version="1.0" encoding="utf-8"?>
+<p:notes xmlns:a="http://schemas.openxmlformats.org/drawingml/2006/main" xmlns:r="http://schemas.openxmlformats.org/officeDocument/2006/relationships" xmlns:p="http://schemas.openxmlformats.org/presentationml/2006/main">
+  <p:cSld>
+    <p:spTree>
+      <p:nvGrpSpPr>
+        <p:cNvPr id="1" name=""/>
+        <p:cNvGrpSpPr/>
+        <p:nvPr/>
+      </p:nvGrpSpPr>
+      <p:grpSpPr>
+        <a:xfrm>
+          <a:off x="0" y="0"/>
+          <a:ext cx="0" cy="0"/>
+          <a:chOff x="0" y="0"/>
+          <a:chExt cx="0" cy="0"/>
+        </a:xfrm>
+      </p:grpSpPr>
+      <p:sp>
+        <p:nvSpPr>
+          <p:cNvPr id="2" name="Slide Image Placeholder 1"/>
+          <p:cNvSpPr>
+            <a:spLocks noGrp="1" noRot="1" noChangeAspect="1"/>
+          </p:cNvSpPr>
+          <p:nvPr>
+            <p:ph type="sldImg"/>
+          </p:nvPr>
+        </p:nvSpPr>
+        <p:spPr/>
+      </p:sp>
+      <p:sp>
+        <p:nvSpPr>
+          <p:cNvPr id="3" name="Notes Placeholder 2"/>
+          <p:cNvSpPr>
+            <a:spLocks noGrp="1"/>
+          </p:cNvSpPr>
+          <p:nvPr>
+            <p:ph type="body" idx="1"/>
+          </p:nvPr>
+        </p:nvSpPr>
+        <p:spPr/>
+        <p:txBody>
+          <a:bodyPr/>
+          <a:lstStyle/>
+          <a:p>
+            <a:endParaRPr lang="en-US" b="0" dirty="0" smtClean="0"/>
+          </a:p>
+        </p:txBody>
+      </p:sp>
+      <p:sp>
+        <p:nvSpPr>
+          <p:cNvPr id="4" name="Slide Number Placeholder 3"/>
+          <p:cNvSpPr>
+            <a:spLocks noGrp="1"/>
+          </p:cNvSpPr>
+          <p:nvPr>
+            <p:ph type="sldNum" sz="quarter" idx="10"/>
+          </p:nvPr>
+        </p:nvSpPr>
+        <p:spPr/>
+        <p:txBody>
+          <a:bodyPr/>
+          <a:lstStyle/>
+          <a:p>
+            <a:fld id="{89029652-62E7-43D6-83B5-097D7B7AA5D8}" type="slidenum">
+              <a:rPr lang="en-US" smtClean="0"/>
+              <a:t>65</a:t>
+            </a:fld>
+            <a:endParaRPr lang="en-US"/>
+          </a:p>
+        </p:txBody>
+      </p:sp>
+    </p:spTree>
+    <p:extLst>
+      <p:ext uri="{BB962C8B-B14F-4D97-AF65-F5344CB8AC3E}">
+        <p14:creationId xmlns:p14="http://schemas.microsoft.com/office/powerpoint/2010/main" val="506673237"/>
+      </p:ext>
+    </p:extLst>
+  </p:cSld>
+  <p:clrMapOvr>
+    <a:masterClrMapping/>
+  </p:clrMapOvr>
+</p:notes>
+</file>
+
+<file path=ppt/notesSlides/notesSlide66.xml><?xml version="1.0" encoding="utf-8"?>
+<p:notes xmlns:a="http://schemas.openxmlformats.org/drawingml/2006/main" xmlns:r="http://schemas.openxmlformats.org/officeDocument/2006/relationships" xmlns:p="http://schemas.openxmlformats.org/presentationml/2006/main">
+  <p:cSld>
+    <p:spTree>
+      <p:nvGrpSpPr>
+        <p:cNvPr id="1" name=""/>
+        <p:cNvGrpSpPr/>
+        <p:nvPr/>
+      </p:nvGrpSpPr>
+      <p:grpSpPr>
+        <a:xfrm>
+          <a:off x="0" y="0"/>
+          <a:ext cx="0" cy="0"/>
+          <a:chOff x="0" y="0"/>
+          <a:chExt cx="0" cy="0"/>
+        </a:xfrm>
+      </p:grpSpPr>
+      <p:sp>
+        <p:nvSpPr>
+          <p:cNvPr id="2" name="Slide Image Placeholder 1"/>
+          <p:cNvSpPr>
+            <a:spLocks noGrp="1" noRot="1" noChangeAspect="1"/>
+          </p:cNvSpPr>
+          <p:nvPr>
+            <p:ph type="sldImg"/>
+          </p:nvPr>
+        </p:nvSpPr>
+        <p:spPr/>
+      </p:sp>
+      <p:sp>
+        <p:nvSpPr>
+          <p:cNvPr id="3" name="Notes Placeholder 2"/>
+          <p:cNvSpPr>
+            <a:spLocks noGrp="1"/>
+          </p:cNvSpPr>
+          <p:nvPr>
+            <p:ph type="body" idx="1"/>
+          </p:nvPr>
+        </p:nvSpPr>
+        <p:spPr/>
+        <p:txBody>
+          <a:bodyPr/>
+          <a:lstStyle/>
+          <a:p>
             <a:pPr marL="0" marR="0" indent="0" algn="l" defTabSz="914400" rtl="0" eaLnBrk="1" fontAlgn="auto" latinLnBrk="0" hangingPunct="1">
               <a:lnSpc>
                 <a:spcPct val="100000"/>
@@ -5880,7 +6135,7 @@
           <a:p>
             <a:fld id="{89029652-62E7-43D6-83B5-097D7B7AA5D8}" type="slidenum">
               <a:rPr lang="en-US" smtClean="0"/>
-              <a:t>63</a:t>
+              <a:t>66</a:t>
             </a:fld>
             <a:endParaRPr lang="en-US"/>
           </a:p>
@@ -5890,258 +6145,6 @@
     <p:extLst>
       <p:ext uri="{BB962C8B-B14F-4D97-AF65-F5344CB8AC3E}">
         <p14:creationId xmlns:p14="http://schemas.microsoft.com/office/powerpoint/2010/main" val="1923953829"/>
-      </p:ext>
-    </p:extLst>
-  </p:cSld>
-  <p:clrMapOvr>
-    <a:masterClrMapping/>
-  </p:clrMapOvr>
-</p:notes>
-</file>
-
-<file path=ppt/notesSlides/notesSlide64.xml><?xml version="1.0" encoding="utf-8"?>
-<p:notes xmlns:a="http://schemas.openxmlformats.org/drawingml/2006/main" xmlns:r="http://schemas.openxmlformats.org/officeDocument/2006/relationships" xmlns:p="http://schemas.openxmlformats.org/presentationml/2006/main">
-  <p:cSld>
-    <p:spTree>
-      <p:nvGrpSpPr>
-        <p:cNvPr id="1" name=""/>
-        <p:cNvGrpSpPr/>
-        <p:nvPr/>
-      </p:nvGrpSpPr>
-      <p:grpSpPr>
-        <a:xfrm>
-          <a:off x="0" y="0"/>
-          <a:ext cx="0" cy="0"/>
-          <a:chOff x="0" y="0"/>
-          <a:chExt cx="0" cy="0"/>
-        </a:xfrm>
-      </p:grpSpPr>
-      <p:sp>
-        <p:nvSpPr>
-          <p:cNvPr id="2" name="Slide Image Placeholder 1"/>
-          <p:cNvSpPr>
-            <a:spLocks noGrp="1" noRot="1" noChangeAspect="1"/>
-          </p:cNvSpPr>
-          <p:nvPr>
-            <p:ph type="sldImg"/>
-          </p:nvPr>
-        </p:nvSpPr>
-        <p:spPr/>
-      </p:sp>
-      <p:sp>
-        <p:nvSpPr>
-          <p:cNvPr id="3" name="Notes Placeholder 2"/>
-          <p:cNvSpPr>
-            <a:spLocks noGrp="1"/>
-          </p:cNvSpPr>
-          <p:nvPr>
-            <p:ph type="body" idx="1"/>
-          </p:nvPr>
-        </p:nvSpPr>
-        <p:spPr/>
-        <p:txBody>
-          <a:bodyPr/>
-          <a:lstStyle/>
-          <a:p>
-            <a:endParaRPr lang="en-US" b="0" dirty="0" smtClean="0"/>
-          </a:p>
-        </p:txBody>
-      </p:sp>
-      <p:sp>
-        <p:nvSpPr>
-          <p:cNvPr id="4" name="Slide Number Placeholder 3"/>
-          <p:cNvSpPr>
-            <a:spLocks noGrp="1"/>
-          </p:cNvSpPr>
-          <p:nvPr>
-            <p:ph type="sldNum" sz="quarter" idx="10"/>
-          </p:nvPr>
-        </p:nvSpPr>
-        <p:spPr/>
-        <p:txBody>
-          <a:bodyPr/>
-          <a:lstStyle/>
-          <a:p>
-            <a:fld id="{89029652-62E7-43D6-83B5-097D7B7AA5D8}" type="slidenum">
-              <a:rPr lang="en-US" smtClean="0"/>
-              <a:t>64</a:t>
-            </a:fld>
-            <a:endParaRPr lang="en-US"/>
-          </a:p>
-        </p:txBody>
-      </p:sp>
-    </p:spTree>
-    <p:extLst>
-      <p:ext uri="{BB962C8B-B14F-4D97-AF65-F5344CB8AC3E}">
-        <p14:creationId xmlns:p14="http://schemas.microsoft.com/office/powerpoint/2010/main" val="531577243"/>
-      </p:ext>
-    </p:extLst>
-  </p:cSld>
-  <p:clrMapOvr>
-    <a:masterClrMapping/>
-  </p:clrMapOvr>
-</p:notes>
-</file>
-
-<file path=ppt/notesSlides/notesSlide65.xml><?xml version="1.0" encoding="utf-8"?>
-<p:notes xmlns:a="http://schemas.openxmlformats.org/drawingml/2006/main" xmlns:r="http://schemas.openxmlformats.org/officeDocument/2006/relationships" xmlns:p="http://schemas.openxmlformats.org/presentationml/2006/main">
-  <p:cSld>
-    <p:spTree>
-      <p:nvGrpSpPr>
-        <p:cNvPr id="1" name=""/>
-        <p:cNvGrpSpPr/>
-        <p:nvPr/>
-      </p:nvGrpSpPr>
-      <p:grpSpPr>
-        <a:xfrm>
-          <a:off x="0" y="0"/>
-          <a:ext cx="0" cy="0"/>
-          <a:chOff x="0" y="0"/>
-          <a:chExt cx="0" cy="0"/>
-        </a:xfrm>
-      </p:grpSpPr>
-      <p:sp>
-        <p:nvSpPr>
-          <p:cNvPr id="2" name="Slide Image Placeholder 1"/>
-          <p:cNvSpPr>
-            <a:spLocks noGrp="1" noRot="1" noChangeAspect="1"/>
-          </p:cNvSpPr>
-          <p:nvPr>
-            <p:ph type="sldImg"/>
-          </p:nvPr>
-        </p:nvSpPr>
-        <p:spPr/>
-      </p:sp>
-      <p:sp>
-        <p:nvSpPr>
-          <p:cNvPr id="3" name="Notes Placeholder 2"/>
-          <p:cNvSpPr>
-            <a:spLocks noGrp="1"/>
-          </p:cNvSpPr>
-          <p:nvPr>
-            <p:ph type="body" idx="1"/>
-          </p:nvPr>
-        </p:nvSpPr>
-        <p:spPr/>
-        <p:txBody>
-          <a:bodyPr/>
-          <a:lstStyle/>
-          <a:p>
-            <a:endParaRPr lang="en-US" b="0" dirty="0" smtClean="0"/>
-          </a:p>
-        </p:txBody>
-      </p:sp>
-      <p:sp>
-        <p:nvSpPr>
-          <p:cNvPr id="4" name="Slide Number Placeholder 3"/>
-          <p:cNvSpPr>
-            <a:spLocks noGrp="1"/>
-          </p:cNvSpPr>
-          <p:nvPr>
-            <p:ph type="sldNum" sz="quarter" idx="10"/>
-          </p:nvPr>
-        </p:nvSpPr>
-        <p:spPr/>
-        <p:txBody>
-          <a:bodyPr/>
-          <a:lstStyle/>
-          <a:p>
-            <a:fld id="{89029652-62E7-43D6-83B5-097D7B7AA5D8}" type="slidenum">
-              <a:rPr lang="en-US" smtClean="0"/>
-              <a:t>65</a:t>
-            </a:fld>
-            <a:endParaRPr lang="en-US"/>
-          </a:p>
-        </p:txBody>
-      </p:sp>
-    </p:spTree>
-    <p:extLst>
-      <p:ext uri="{BB962C8B-B14F-4D97-AF65-F5344CB8AC3E}">
-        <p14:creationId xmlns:p14="http://schemas.microsoft.com/office/powerpoint/2010/main" val="2079785236"/>
-      </p:ext>
-    </p:extLst>
-  </p:cSld>
-  <p:clrMapOvr>
-    <a:masterClrMapping/>
-  </p:clrMapOvr>
-</p:notes>
-</file>
-
-<file path=ppt/notesSlides/notesSlide66.xml><?xml version="1.0" encoding="utf-8"?>
-<p:notes xmlns:a="http://schemas.openxmlformats.org/drawingml/2006/main" xmlns:r="http://schemas.openxmlformats.org/officeDocument/2006/relationships" xmlns:p="http://schemas.openxmlformats.org/presentationml/2006/main">
-  <p:cSld>
-    <p:spTree>
-      <p:nvGrpSpPr>
-        <p:cNvPr id="1" name=""/>
-        <p:cNvGrpSpPr/>
-        <p:nvPr/>
-      </p:nvGrpSpPr>
-      <p:grpSpPr>
-        <a:xfrm>
-          <a:off x="0" y="0"/>
-          <a:ext cx="0" cy="0"/>
-          <a:chOff x="0" y="0"/>
-          <a:chExt cx="0" cy="0"/>
-        </a:xfrm>
-      </p:grpSpPr>
-      <p:sp>
-        <p:nvSpPr>
-          <p:cNvPr id="2" name="Slide Image Placeholder 1"/>
-          <p:cNvSpPr>
-            <a:spLocks noGrp="1" noRot="1" noChangeAspect="1"/>
-          </p:cNvSpPr>
-          <p:nvPr>
-            <p:ph type="sldImg"/>
-          </p:nvPr>
-        </p:nvSpPr>
-        <p:spPr/>
-      </p:sp>
-      <p:sp>
-        <p:nvSpPr>
-          <p:cNvPr id="3" name="Notes Placeholder 2"/>
-          <p:cNvSpPr>
-            <a:spLocks noGrp="1"/>
-          </p:cNvSpPr>
-          <p:nvPr>
-            <p:ph type="body" idx="1"/>
-          </p:nvPr>
-        </p:nvSpPr>
-        <p:spPr/>
-        <p:txBody>
-          <a:bodyPr/>
-          <a:lstStyle/>
-          <a:p>
-            <a:endParaRPr lang="en-US" b="0" dirty="0" smtClean="0"/>
-          </a:p>
-        </p:txBody>
-      </p:sp>
-      <p:sp>
-        <p:nvSpPr>
-          <p:cNvPr id="4" name="Slide Number Placeholder 3"/>
-          <p:cNvSpPr>
-            <a:spLocks noGrp="1"/>
-          </p:cNvSpPr>
-          <p:nvPr>
-            <p:ph type="sldNum" sz="quarter" idx="10"/>
-          </p:nvPr>
-        </p:nvSpPr>
-        <p:spPr/>
-        <p:txBody>
-          <a:bodyPr/>
-          <a:lstStyle/>
-          <a:p>
-            <a:fld id="{89029652-62E7-43D6-83B5-097D7B7AA5D8}" type="slidenum">
-              <a:rPr lang="en-US" smtClean="0"/>
-              <a:t>66</a:t>
-            </a:fld>
-            <a:endParaRPr lang="en-US"/>
-          </a:p>
-        </p:txBody>
-      </p:sp>
-    </p:spTree>
-    <p:extLst>
-      <p:ext uri="{BB962C8B-B14F-4D97-AF65-F5344CB8AC3E}">
-        <p14:creationId xmlns:p14="http://schemas.microsoft.com/office/powerpoint/2010/main" val="1664318980"/>
       </p:ext>
     </p:extLst>
   </p:cSld>
@@ -6225,7 +6228,7 @@
     </p:spTree>
     <p:extLst>
       <p:ext uri="{BB962C8B-B14F-4D97-AF65-F5344CB8AC3E}">
-        <p14:creationId xmlns:p14="http://schemas.microsoft.com/office/powerpoint/2010/main" val="1581406028"/>
+        <p14:creationId xmlns:p14="http://schemas.microsoft.com/office/powerpoint/2010/main" val="531577243"/>
       </p:ext>
     </p:extLst>
   </p:cSld>
@@ -6309,7 +6312,7 @@
     </p:spTree>
     <p:extLst>
       <p:ext uri="{BB962C8B-B14F-4D97-AF65-F5344CB8AC3E}">
-        <p14:creationId xmlns:p14="http://schemas.microsoft.com/office/powerpoint/2010/main" val="299799724"/>
+        <p14:creationId xmlns:p14="http://schemas.microsoft.com/office/powerpoint/2010/main" val="2079785236"/>
       </p:ext>
     </p:extLst>
   </p:cSld>
@@ -6393,7 +6396,7 @@
     </p:spTree>
     <p:extLst>
       <p:ext uri="{BB962C8B-B14F-4D97-AF65-F5344CB8AC3E}">
-        <p14:creationId xmlns:p14="http://schemas.microsoft.com/office/powerpoint/2010/main" val="2229440876"/>
+        <p14:creationId xmlns:p14="http://schemas.microsoft.com/office/powerpoint/2010/main" val="1664318980"/>
       </p:ext>
     </p:extLst>
   </p:cSld>
@@ -6561,7 +6564,7 @@
     </p:spTree>
     <p:extLst>
       <p:ext uri="{BB962C8B-B14F-4D97-AF65-F5344CB8AC3E}">
-        <p14:creationId xmlns:p14="http://schemas.microsoft.com/office/powerpoint/2010/main" val="2350728921"/>
+        <p14:creationId xmlns:p14="http://schemas.microsoft.com/office/powerpoint/2010/main" val="1581406028"/>
       </p:ext>
     </p:extLst>
   </p:cSld>
@@ -6645,7 +6648,7 @@
     </p:spTree>
     <p:extLst>
       <p:ext uri="{BB962C8B-B14F-4D97-AF65-F5344CB8AC3E}">
-        <p14:creationId xmlns:p14="http://schemas.microsoft.com/office/powerpoint/2010/main" val="1004591723"/>
+        <p14:creationId xmlns:p14="http://schemas.microsoft.com/office/powerpoint/2010/main" val="299799724"/>
       </p:ext>
     </p:extLst>
   </p:cSld>
@@ -6729,7 +6732,7 @@
     </p:spTree>
     <p:extLst>
       <p:ext uri="{BB962C8B-B14F-4D97-AF65-F5344CB8AC3E}">
-        <p14:creationId xmlns:p14="http://schemas.microsoft.com/office/powerpoint/2010/main" val="1737165775"/>
+        <p14:creationId xmlns:p14="http://schemas.microsoft.com/office/powerpoint/2010/main" val="2229440876"/>
       </p:ext>
     </p:extLst>
   </p:cSld>
@@ -6813,7 +6816,7 @@
     </p:spTree>
     <p:extLst>
       <p:ext uri="{BB962C8B-B14F-4D97-AF65-F5344CB8AC3E}">
-        <p14:creationId xmlns:p14="http://schemas.microsoft.com/office/powerpoint/2010/main" val="1030293071"/>
+        <p14:creationId xmlns:p14="http://schemas.microsoft.com/office/powerpoint/2010/main" val="2350728921"/>
       </p:ext>
     </p:extLst>
   </p:cSld>
@@ -6897,7 +6900,7 @@
     </p:spTree>
     <p:extLst>
       <p:ext uri="{BB962C8B-B14F-4D97-AF65-F5344CB8AC3E}">
-        <p14:creationId xmlns:p14="http://schemas.microsoft.com/office/powerpoint/2010/main" val="834707851"/>
+        <p14:creationId xmlns:p14="http://schemas.microsoft.com/office/powerpoint/2010/main" val="1004591723"/>
       </p:ext>
     </p:extLst>
   </p:cSld>
@@ -6973,6 +6976,258 @@
             <a:fld id="{89029652-62E7-43D6-83B5-097D7B7AA5D8}" type="slidenum">
               <a:rPr lang="en-US" smtClean="0"/>
               <a:t>75</a:t>
+            </a:fld>
+            <a:endParaRPr lang="en-US"/>
+          </a:p>
+        </p:txBody>
+      </p:sp>
+    </p:spTree>
+    <p:extLst>
+      <p:ext uri="{BB962C8B-B14F-4D97-AF65-F5344CB8AC3E}">
+        <p14:creationId xmlns:p14="http://schemas.microsoft.com/office/powerpoint/2010/main" val="1737165775"/>
+      </p:ext>
+    </p:extLst>
+  </p:cSld>
+  <p:clrMapOvr>
+    <a:masterClrMapping/>
+  </p:clrMapOvr>
+</p:notes>
+</file>
+
+<file path=ppt/notesSlides/notesSlide76.xml><?xml version="1.0" encoding="utf-8"?>
+<p:notes xmlns:a="http://schemas.openxmlformats.org/drawingml/2006/main" xmlns:r="http://schemas.openxmlformats.org/officeDocument/2006/relationships" xmlns:p="http://schemas.openxmlformats.org/presentationml/2006/main">
+  <p:cSld>
+    <p:spTree>
+      <p:nvGrpSpPr>
+        <p:cNvPr id="1" name=""/>
+        <p:cNvGrpSpPr/>
+        <p:nvPr/>
+      </p:nvGrpSpPr>
+      <p:grpSpPr>
+        <a:xfrm>
+          <a:off x="0" y="0"/>
+          <a:ext cx="0" cy="0"/>
+          <a:chOff x="0" y="0"/>
+          <a:chExt cx="0" cy="0"/>
+        </a:xfrm>
+      </p:grpSpPr>
+      <p:sp>
+        <p:nvSpPr>
+          <p:cNvPr id="2" name="Slide Image Placeholder 1"/>
+          <p:cNvSpPr>
+            <a:spLocks noGrp="1" noRot="1" noChangeAspect="1"/>
+          </p:cNvSpPr>
+          <p:nvPr>
+            <p:ph type="sldImg"/>
+          </p:nvPr>
+        </p:nvSpPr>
+        <p:spPr/>
+      </p:sp>
+      <p:sp>
+        <p:nvSpPr>
+          <p:cNvPr id="3" name="Notes Placeholder 2"/>
+          <p:cNvSpPr>
+            <a:spLocks noGrp="1"/>
+          </p:cNvSpPr>
+          <p:nvPr>
+            <p:ph type="body" idx="1"/>
+          </p:nvPr>
+        </p:nvSpPr>
+        <p:spPr/>
+        <p:txBody>
+          <a:bodyPr/>
+          <a:lstStyle/>
+          <a:p>
+            <a:endParaRPr lang="en-US" b="0" dirty="0" smtClean="0"/>
+          </a:p>
+        </p:txBody>
+      </p:sp>
+      <p:sp>
+        <p:nvSpPr>
+          <p:cNvPr id="4" name="Slide Number Placeholder 3"/>
+          <p:cNvSpPr>
+            <a:spLocks noGrp="1"/>
+          </p:cNvSpPr>
+          <p:nvPr>
+            <p:ph type="sldNum" sz="quarter" idx="10"/>
+          </p:nvPr>
+        </p:nvSpPr>
+        <p:spPr/>
+        <p:txBody>
+          <a:bodyPr/>
+          <a:lstStyle/>
+          <a:p>
+            <a:fld id="{89029652-62E7-43D6-83B5-097D7B7AA5D8}" type="slidenum">
+              <a:rPr lang="en-US" smtClean="0"/>
+              <a:t>76</a:t>
+            </a:fld>
+            <a:endParaRPr lang="en-US"/>
+          </a:p>
+        </p:txBody>
+      </p:sp>
+    </p:spTree>
+    <p:extLst>
+      <p:ext uri="{BB962C8B-B14F-4D97-AF65-F5344CB8AC3E}">
+        <p14:creationId xmlns:p14="http://schemas.microsoft.com/office/powerpoint/2010/main" val="1030293071"/>
+      </p:ext>
+    </p:extLst>
+  </p:cSld>
+  <p:clrMapOvr>
+    <a:masterClrMapping/>
+  </p:clrMapOvr>
+</p:notes>
+</file>
+
+<file path=ppt/notesSlides/notesSlide77.xml><?xml version="1.0" encoding="utf-8"?>
+<p:notes xmlns:a="http://schemas.openxmlformats.org/drawingml/2006/main" xmlns:r="http://schemas.openxmlformats.org/officeDocument/2006/relationships" xmlns:p="http://schemas.openxmlformats.org/presentationml/2006/main">
+  <p:cSld>
+    <p:spTree>
+      <p:nvGrpSpPr>
+        <p:cNvPr id="1" name=""/>
+        <p:cNvGrpSpPr/>
+        <p:nvPr/>
+      </p:nvGrpSpPr>
+      <p:grpSpPr>
+        <a:xfrm>
+          <a:off x="0" y="0"/>
+          <a:ext cx="0" cy="0"/>
+          <a:chOff x="0" y="0"/>
+          <a:chExt cx="0" cy="0"/>
+        </a:xfrm>
+      </p:grpSpPr>
+      <p:sp>
+        <p:nvSpPr>
+          <p:cNvPr id="2" name="Slide Image Placeholder 1"/>
+          <p:cNvSpPr>
+            <a:spLocks noGrp="1" noRot="1" noChangeAspect="1"/>
+          </p:cNvSpPr>
+          <p:nvPr>
+            <p:ph type="sldImg"/>
+          </p:nvPr>
+        </p:nvSpPr>
+        <p:spPr/>
+      </p:sp>
+      <p:sp>
+        <p:nvSpPr>
+          <p:cNvPr id="3" name="Notes Placeholder 2"/>
+          <p:cNvSpPr>
+            <a:spLocks noGrp="1"/>
+          </p:cNvSpPr>
+          <p:nvPr>
+            <p:ph type="body" idx="1"/>
+          </p:nvPr>
+        </p:nvSpPr>
+        <p:spPr/>
+        <p:txBody>
+          <a:bodyPr/>
+          <a:lstStyle/>
+          <a:p>
+            <a:endParaRPr lang="en-US" b="0" dirty="0" smtClean="0"/>
+          </a:p>
+        </p:txBody>
+      </p:sp>
+      <p:sp>
+        <p:nvSpPr>
+          <p:cNvPr id="4" name="Slide Number Placeholder 3"/>
+          <p:cNvSpPr>
+            <a:spLocks noGrp="1"/>
+          </p:cNvSpPr>
+          <p:nvPr>
+            <p:ph type="sldNum" sz="quarter" idx="10"/>
+          </p:nvPr>
+        </p:nvSpPr>
+        <p:spPr/>
+        <p:txBody>
+          <a:bodyPr/>
+          <a:lstStyle/>
+          <a:p>
+            <a:fld id="{89029652-62E7-43D6-83B5-097D7B7AA5D8}" type="slidenum">
+              <a:rPr lang="en-US" smtClean="0"/>
+              <a:t>77</a:t>
+            </a:fld>
+            <a:endParaRPr lang="en-US"/>
+          </a:p>
+        </p:txBody>
+      </p:sp>
+    </p:spTree>
+    <p:extLst>
+      <p:ext uri="{BB962C8B-B14F-4D97-AF65-F5344CB8AC3E}">
+        <p14:creationId xmlns:p14="http://schemas.microsoft.com/office/powerpoint/2010/main" val="834707851"/>
+      </p:ext>
+    </p:extLst>
+  </p:cSld>
+  <p:clrMapOvr>
+    <a:masterClrMapping/>
+  </p:clrMapOvr>
+</p:notes>
+</file>
+
+<file path=ppt/notesSlides/notesSlide78.xml><?xml version="1.0" encoding="utf-8"?>
+<p:notes xmlns:a="http://schemas.openxmlformats.org/drawingml/2006/main" xmlns:r="http://schemas.openxmlformats.org/officeDocument/2006/relationships" xmlns:p="http://schemas.openxmlformats.org/presentationml/2006/main">
+  <p:cSld>
+    <p:spTree>
+      <p:nvGrpSpPr>
+        <p:cNvPr id="1" name=""/>
+        <p:cNvGrpSpPr/>
+        <p:nvPr/>
+      </p:nvGrpSpPr>
+      <p:grpSpPr>
+        <a:xfrm>
+          <a:off x="0" y="0"/>
+          <a:ext cx="0" cy="0"/>
+          <a:chOff x="0" y="0"/>
+          <a:chExt cx="0" cy="0"/>
+        </a:xfrm>
+      </p:grpSpPr>
+      <p:sp>
+        <p:nvSpPr>
+          <p:cNvPr id="2" name="Slide Image Placeholder 1"/>
+          <p:cNvSpPr>
+            <a:spLocks noGrp="1" noRot="1" noChangeAspect="1"/>
+          </p:cNvSpPr>
+          <p:nvPr>
+            <p:ph type="sldImg"/>
+          </p:nvPr>
+        </p:nvSpPr>
+        <p:spPr/>
+      </p:sp>
+      <p:sp>
+        <p:nvSpPr>
+          <p:cNvPr id="3" name="Notes Placeholder 2"/>
+          <p:cNvSpPr>
+            <a:spLocks noGrp="1"/>
+          </p:cNvSpPr>
+          <p:nvPr>
+            <p:ph type="body" idx="1"/>
+          </p:nvPr>
+        </p:nvSpPr>
+        <p:spPr/>
+        <p:txBody>
+          <a:bodyPr/>
+          <a:lstStyle/>
+          <a:p>
+            <a:endParaRPr lang="en-US" b="0" dirty="0" smtClean="0"/>
+          </a:p>
+        </p:txBody>
+      </p:sp>
+      <p:sp>
+        <p:nvSpPr>
+          <p:cNvPr id="4" name="Slide Number Placeholder 3"/>
+          <p:cNvSpPr>
+            <a:spLocks noGrp="1"/>
+          </p:cNvSpPr>
+          <p:nvPr>
+            <p:ph type="sldNum" sz="quarter" idx="10"/>
+          </p:nvPr>
+        </p:nvSpPr>
+        <p:spPr/>
+        <p:txBody>
+          <a:bodyPr/>
+          <a:lstStyle/>
+          <a:p>
+            <a:fld id="{89029652-62E7-43D6-83B5-097D7B7AA5D8}" type="slidenum">
+              <a:rPr lang="en-US" smtClean="0"/>
+              <a:t>78</a:t>
             </a:fld>
             <a:endParaRPr lang="en-US"/>
           </a:p>
@@ -17427,6 +17682,405 @@
       </p:grpSpPr>
       <p:sp>
         <p:nvSpPr>
+          <p:cNvPr id="2" name="Title 1"/>
+          <p:cNvSpPr>
+            <a:spLocks noGrp="1"/>
+          </p:cNvSpPr>
+          <p:nvPr>
+            <p:ph type="title"/>
+          </p:nvPr>
+        </p:nvSpPr>
+        <p:spPr/>
+        <p:txBody>
+          <a:bodyPr>
+            <a:normAutofit/>
+          </a:bodyPr>
+          <a:lstStyle/>
+          <a:p>
+            <a:r>
+              <a:rPr lang="en-US" sz="4800" dirty="0"/>
+              <a:t>Property Authorization – </a:t>
+            </a:r>
+            <a:r>
+              <a:rPr lang="en-US" sz="4800" dirty="0" smtClean="0"/>
+              <a:t>cross cutting</a:t>
+            </a:r>
+            <a:endParaRPr lang="en-US" sz="4800" dirty="0"/>
+          </a:p>
+        </p:txBody>
+      </p:sp>
+      <p:sp>
+        <p:nvSpPr>
+          <p:cNvPr id="3" name="Content Placeholder 2"/>
+          <p:cNvSpPr>
+            <a:spLocks noGrp="1"/>
+          </p:cNvSpPr>
+          <p:nvPr>
+            <p:ph idx="1"/>
+          </p:nvPr>
+        </p:nvSpPr>
+        <p:spPr>
+          <a:xfrm>
+            <a:off x="838200" y="1825624"/>
+            <a:ext cx="10515600" cy="4589923"/>
+          </a:xfrm>
+        </p:spPr>
+        <p:txBody>
+          <a:bodyPr>
+            <a:normAutofit/>
+          </a:bodyPr>
+          <a:lstStyle/>
+          <a:p>
+            <a:endParaRPr lang="en-US" sz="4000" dirty="0" smtClean="0"/>
+          </a:p>
+          <a:p>
+            <a:endParaRPr lang="en-US" dirty="0" smtClean="0"/>
+          </a:p>
+          <a:p>
+            <a:endParaRPr lang="en-US" dirty="0" smtClean="0"/>
+          </a:p>
+          <a:p>
+            <a:endParaRPr lang="en-US" dirty="0"/>
+          </a:p>
+        </p:txBody>
+      </p:sp>
+      <p:pic>
+        <p:nvPicPr>
+          <p:cNvPr id="7" name="Picture 6"/>
+          <p:cNvPicPr>
+            <a:picLocks noChangeAspect="1"/>
+          </p:cNvPicPr>
+          <p:nvPr/>
+        </p:nvPicPr>
+        <p:blipFill>
+          <a:blip r:embed="rId3"/>
+          <a:stretch>
+            <a:fillRect/>
+          </a:stretch>
+        </p:blipFill>
+        <p:spPr>
+          <a:xfrm>
+            <a:off x="351501" y="1599785"/>
+            <a:ext cx="11690263" cy="1441337"/>
+          </a:xfrm>
+          <a:prstGeom prst="rect">
+            <a:avLst/>
+          </a:prstGeom>
+        </p:spPr>
+      </p:pic>
+    </p:spTree>
+    <p:extLst>
+      <p:ext uri="{BB962C8B-B14F-4D97-AF65-F5344CB8AC3E}">
+        <p14:creationId xmlns:p14="http://schemas.microsoft.com/office/powerpoint/2010/main" val="1392849462"/>
+      </p:ext>
+    </p:extLst>
+  </p:cSld>
+  <p:clrMapOvr>
+    <a:masterClrMapping/>
+  </p:clrMapOvr>
+  <p:timing>
+    <p:tnLst>
+      <p:par>
+        <p:cTn id="1" dur="indefinite" restart="never" nodeType="tmRoot"/>
+      </p:par>
+    </p:tnLst>
+  </p:timing>
+</p:sld>
+</file>
+
+<file path=ppt/slides/slide61.xml><?xml version="1.0" encoding="utf-8"?>
+<p:sld xmlns:a="http://schemas.openxmlformats.org/drawingml/2006/main" xmlns:r="http://schemas.openxmlformats.org/officeDocument/2006/relationships" xmlns:p="http://schemas.openxmlformats.org/presentationml/2006/main">
+  <p:cSld>
+    <p:spTree>
+      <p:nvGrpSpPr>
+        <p:cNvPr id="1" name=""/>
+        <p:cNvGrpSpPr/>
+        <p:nvPr/>
+      </p:nvGrpSpPr>
+      <p:grpSpPr>
+        <a:xfrm>
+          <a:off x="0" y="0"/>
+          <a:ext cx="0" cy="0"/>
+          <a:chOff x="0" y="0"/>
+          <a:chExt cx="0" cy="0"/>
+        </a:xfrm>
+      </p:grpSpPr>
+      <p:sp>
+        <p:nvSpPr>
+          <p:cNvPr id="2" name="Title 1"/>
+          <p:cNvSpPr>
+            <a:spLocks noGrp="1"/>
+          </p:cNvSpPr>
+          <p:nvPr>
+            <p:ph type="title"/>
+          </p:nvPr>
+        </p:nvSpPr>
+        <p:spPr/>
+        <p:txBody>
+          <a:bodyPr>
+            <a:normAutofit/>
+          </a:bodyPr>
+          <a:lstStyle/>
+          <a:p>
+            <a:r>
+              <a:rPr lang="en-US" sz="4800" dirty="0"/>
+              <a:t>Property Authorization – </a:t>
+            </a:r>
+            <a:r>
+              <a:rPr lang="en-US" sz="4800" dirty="0" smtClean="0"/>
+              <a:t>cross cutting</a:t>
+            </a:r>
+            <a:endParaRPr lang="en-US" sz="4800" dirty="0"/>
+          </a:p>
+        </p:txBody>
+      </p:sp>
+      <p:sp>
+        <p:nvSpPr>
+          <p:cNvPr id="3" name="Content Placeholder 2"/>
+          <p:cNvSpPr>
+            <a:spLocks noGrp="1"/>
+          </p:cNvSpPr>
+          <p:nvPr>
+            <p:ph idx="1"/>
+          </p:nvPr>
+        </p:nvSpPr>
+        <p:spPr>
+          <a:xfrm>
+            <a:off x="838200" y="1825624"/>
+            <a:ext cx="10515600" cy="4589923"/>
+          </a:xfrm>
+        </p:spPr>
+        <p:txBody>
+          <a:bodyPr>
+            <a:normAutofit/>
+          </a:bodyPr>
+          <a:lstStyle/>
+          <a:p>
+            <a:endParaRPr lang="en-US" sz="4000" dirty="0" smtClean="0"/>
+          </a:p>
+          <a:p>
+            <a:endParaRPr lang="en-US" dirty="0" smtClean="0"/>
+          </a:p>
+          <a:p>
+            <a:endParaRPr lang="en-US" dirty="0" smtClean="0"/>
+          </a:p>
+          <a:p>
+            <a:endParaRPr lang="en-US" dirty="0"/>
+          </a:p>
+        </p:txBody>
+      </p:sp>
+      <p:pic>
+        <p:nvPicPr>
+          <p:cNvPr id="6" name="Picture 5"/>
+          <p:cNvPicPr>
+            <a:picLocks noChangeAspect="1"/>
+          </p:cNvPicPr>
+          <p:nvPr/>
+        </p:nvPicPr>
+        <p:blipFill>
+          <a:blip r:embed="rId3"/>
+          <a:stretch>
+            <a:fillRect/>
+          </a:stretch>
+        </p:blipFill>
+        <p:spPr>
+          <a:xfrm>
+            <a:off x="351502" y="1599786"/>
+            <a:ext cx="11690262" cy="5258213"/>
+          </a:xfrm>
+          <a:prstGeom prst="rect">
+            <a:avLst/>
+          </a:prstGeom>
+        </p:spPr>
+      </p:pic>
+      <p:pic>
+        <p:nvPicPr>
+          <p:cNvPr id="4" name="Picture 3"/>
+          <p:cNvPicPr>
+            <a:picLocks noChangeAspect="1"/>
+          </p:cNvPicPr>
+          <p:nvPr/>
+        </p:nvPicPr>
+        <p:blipFill>
+          <a:blip r:embed="rId4"/>
+          <a:stretch>
+            <a:fillRect/>
+          </a:stretch>
+        </p:blipFill>
+        <p:spPr>
+          <a:xfrm>
+            <a:off x="6833396" y="5167398"/>
+            <a:ext cx="880010" cy="685142"/>
+          </a:xfrm>
+          <a:prstGeom prst="rect">
+            <a:avLst/>
+          </a:prstGeom>
+        </p:spPr>
+      </p:pic>
+    </p:spTree>
+    <p:extLst>
+      <p:ext uri="{BB962C8B-B14F-4D97-AF65-F5344CB8AC3E}">
+        <p14:creationId xmlns:p14="http://schemas.microsoft.com/office/powerpoint/2010/main" val="1699417723"/>
+      </p:ext>
+    </p:extLst>
+  </p:cSld>
+  <p:clrMapOvr>
+    <a:masterClrMapping/>
+  </p:clrMapOvr>
+  <p:timing>
+    <p:tnLst>
+      <p:par>
+        <p:cTn id="1" dur="indefinite" restart="never" nodeType="tmRoot"/>
+      </p:par>
+    </p:tnLst>
+  </p:timing>
+</p:sld>
+</file>
+
+<file path=ppt/slides/slide62.xml><?xml version="1.0" encoding="utf-8"?>
+<p:sld xmlns:a="http://schemas.openxmlformats.org/drawingml/2006/main" xmlns:r="http://schemas.openxmlformats.org/officeDocument/2006/relationships" xmlns:p="http://schemas.openxmlformats.org/presentationml/2006/main">
+  <p:cSld>
+    <p:spTree>
+      <p:nvGrpSpPr>
+        <p:cNvPr id="1" name=""/>
+        <p:cNvGrpSpPr/>
+        <p:nvPr/>
+      </p:nvGrpSpPr>
+      <p:grpSpPr>
+        <a:xfrm>
+          <a:off x="0" y="0"/>
+          <a:ext cx="0" cy="0"/>
+          <a:chOff x="0" y="0"/>
+          <a:chExt cx="0" cy="0"/>
+        </a:xfrm>
+      </p:grpSpPr>
+      <p:sp>
+        <p:nvSpPr>
+          <p:cNvPr id="2" name="Title 1"/>
+          <p:cNvSpPr>
+            <a:spLocks noGrp="1"/>
+          </p:cNvSpPr>
+          <p:nvPr>
+            <p:ph type="title"/>
+          </p:nvPr>
+        </p:nvSpPr>
+        <p:spPr/>
+        <p:txBody>
+          <a:bodyPr>
+            <a:normAutofit/>
+          </a:bodyPr>
+          <a:lstStyle/>
+          <a:p>
+            <a:r>
+              <a:rPr lang="en-US" sz="4800" dirty="0"/>
+              <a:t>Property Authorization – </a:t>
+            </a:r>
+            <a:r>
+              <a:rPr lang="en-US" sz="4800" dirty="0" smtClean="0"/>
+              <a:t>cross cutting</a:t>
+            </a:r>
+            <a:endParaRPr lang="en-US" sz="4800" dirty="0"/>
+          </a:p>
+        </p:txBody>
+      </p:sp>
+      <p:sp>
+        <p:nvSpPr>
+          <p:cNvPr id="3" name="Content Placeholder 2"/>
+          <p:cNvSpPr>
+            <a:spLocks noGrp="1"/>
+          </p:cNvSpPr>
+          <p:nvPr>
+            <p:ph idx="1"/>
+          </p:nvPr>
+        </p:nvSpPr>
+        <p:spPr>
+          <a:xfrm>
+            <a:off x="838200" y="1825624"/>
+            <a:ext cx="10515600" cy="4589923"/>
+          </a:xfrm>
+        </p:spPr>
+        <p:txBody>
+          <a:bodyPr>
+            <a:normAutofit/>
+          </a:bodyPr>
+          <a:lstStyle/>
+          <a:p>
+            <a:endParaRPr lang="en-US" sz="4000" dirty="0" smtClean="0"/>
+          </a:p>
+          <a:p>
+            <a:endParaRPr lang="en-US" dirty="0" smtClean="0"/>
+          </a:p>
+          <a:p>
+            <a:endParaRPr lang="en-US" dirty="0" smtClean="0"/>
+          </a:p>
+          <a:p>
+            <a:endParaRPr lang="en-US" dirty="0"/>
+          </a:p>
+        </p:txBody>
+      </p:sp>
+      <p:pic>
+        <p:nvPicPr>
+          <p:cNvPr id="5" name="Picture 4"/>
+          <p:cNvPicPr>
+            <a:picLocks noChangeAspect="1"/>
+          </p:cNvPicPr>
+          <p:nvPr/>
+        </p:nvPicPr>
+        <p:blipFill>
+          <a:blip r:embed="rId3"/>
+          <a:stretch>
+            <a:fillRect/>
+          </a:stretch>
+        </p:blipFill>
+        <p:spPr>
+          <a:xfrm>
+            <a:off x="838200" y="2136103"/>
+            <a:ext cx="7184923" cy="3968963"/>
+          </a:xfrm>
+          <a:prstGeom prst="rect">
+            <a:avLst/>
+          </a:prstGeom>
+        </p:spPr>
+      </p:pic>
+    </p:spTree>
+    <p:extLst>
+      <p:ext uri="{BB962C8B-B14F-4D97-AF65-F5344CB8AC3E}">
+        <p14:creationId xmlns:p14="http://schemas.microsoft.com/office/powerpoint/2010/main" val="1132186239"/>
+      </p:ext>
+    </p:extLst>
+  </p:cSld>
+  <p:clrMapOvr>
+    <a:masterClrMapping/>
+  </p:clrMapOvr>
+  <p:timing>
+    <p:tnLst>
+      <p:par>
+        <p:cTn id="1" dur="indefinite" restart="never" nodeType="tmRoot"/>
+      </p:par>
+    </p:tnLst>
+  </p:timing>
+</p:sld>
+</file>
+
+<file path=ppt/slides/slide63.xml><?xml version="1.0" encoding="utf-8"?>
+<p:sld xmlns:a="http://schemas.openxmlformats.org/drawingml/2006/main" xmlns:r="http://schemas.openxmlformats.org/officeDocument/2006/relationships" xmlns:p="http://schemas.openxmlformats.org/presentationml/2006/main">
+  <p:cSld>
+    <p:spTree>
+      <p:nvGrpSpPr>
+        <p:cNvPr id="1" name=""/>
+        <p:cNvGrpSpPr/>
+        <p:nvPr/>
+      </p:nvGrpSpPr>
+      <p:grpSpPr>
+        <a:xfrm>
+          <a:off x="0" y="0"/>
+          <a:ext cx="0" cy="0"/>
+          <a:chOff x="0" y="0"/>
+          <a:chExt cx="0" cy="0"/>
+        </a:xfrm>
+      </p:grpSpPr>
+      <p:sp>
+        <p:nvSpPr>
           <p:cNvPr id="3" name="Content Placeholder 2"/>
           <p:cNvSpPr>
             <a:spLocks noGrp="1"/>
@@ -17501,7 +18155,7 @@
 </p:sld>
 </file>
 
-<file path=ppt/slides/slide61.xml><?xml version="1.0" encoding="utf-8"?>
+<file path=ppt/slides/slide64.xml><?xml version="1.0" encoding="utf-8"?>
 <p:sld xmlns:a="http://schemas.openxmlformats.org/drawingml/2006/main" xmlns:r="http://schemas.openxmlformats.org/officeDocument/2006/relationships" xmlns:p="http://schemas.openxmlformats.org/presentationml/2006/main">
   <p:cSld>
     <p:spTree>
@@ -17626,7 +18280,7 @@
 </p:sld>
 </file>
 
-<file path=ppt/slides/slide62.xml><?xml version="1.0" encoding="utf-8"?>
+<file path=ppt/slides/slide65.xml><?xml version="1.0" encoding="utf-8"?>
 <p:sld xmlns:a="http://schemas.openxmlformats.org/drawingml/2006/main" xmlns:r="http://schemas.openxmlformats.org/officeDocument/2006/relationships" xmlns:p="http://schemas.openxmlformats.org/presentationml/2006/main">
   <p:cSld>
     <p:spTree>
@@ -17759,7 +18413,7 @@
 </p:sld>
 </file>
 
-<file path=ppt/slides/slide63.xml><?xml version="1.0" encoding="utf-8"?>
+<file path=ppt/slides/slide66.xml><?xml version="1.0" encoding="utf-8"?>
 <p:sld xmlns:a="http://schemas.openxmlformats.org/drawingml/2006/main" xmlns:r="http://schemas.openxmlformats.org/officeDocument/2006/relationships" xmlns:p="http://schemas.openxmlformats.org/presentationml/2006/main">
   <p:cSld>
     <p:spTree>
@@ -17865,7 +18519,7 @@
 </p:sld>
 </file>
 
-<file path=ppt/slides/slide64.xml><?xml version="1.0" encoding="utf-8"?>
+<file path=ppt/slides/slide67.xml><?xml version="1.0" encoding="utf-8"?>
 <p:sld xmlns:a="http://schemas.openxmlformats.org/drawingml/2006/main" xmlns:r="http://schemas.openxmlformats.org/officeDocument/2006/relationships" xmlns:p="http://schemas.openxmlformats.org/presentationml/2006/main">
   <p:cSld>
     <p:spTree>
@@ -17986,7 +18640,7 @@
 </p:sld>
 </file>
 
-<file path=ppt/slides/slide65.xml><?xml version="1.0" encoding="utf-8"?>
+<file path=ppt/slides/slide68.xml><?xml version="1.0" encoding="utf-8"?>
 <p:sld xmlns:a="http://schemas.openxmlformats.org/drawingml/2006/main" xmlns:r="http://schemas.openxmlformats.org/officeDocument/2006/relationships" xmlns:p="http://schemas.openxmlformats.org/presentationml/2006/main">
   <p:cSld>
     <p:spTree>
@@ -18106,7 +18760,7 @@
 </p:sld>
 </file>
 
-<file path=ppt/slides/slide66.xml><?xml version="1.0" encoding="utf-8"?>
+<file path=ppt/slides/slide69.xml><?xml version="1.0" encoding="utf-8"?>
 <p:sld xmlns:a="http://schemas.openxmlformats.org/drawingml/2006/main" xmlns:r="http://schemas.openxmlformats.org/officeDocument/2006/relationships" xmlns:p="http://schemas.openxmlformats.org/presentationml/2006/main">
   <p:cSld>
     <p:spTree>
@@ -18226,7 +18880,159 @@
 </p:sld>
 </file>
 
-<file path=ppt/slides/slide67.xml><?xml version="1.0" encoding="utf-8"?>
+<file path=ppt/slides/slide7.xml><?xml version="1.0" encoding="utf-8"?>
+<p:sld xmlns:a="http://schemas.openxmlformats.org/drawingml/2006/main" xmlns:r="http://schemas.openxmlformats.org/officeDocument/2006/relationships" xmlns:p="http://schemas.openxmlformats.org/presentationml/2006/main">
+  <p:cSld>
+    <p:spTree>
+      <p:nvGrpSpPr>
+        <p:cNvPr id="1" name=""/>
+        <p:cNvGrpSpPr/>
+        <p:nvPr/>
+      </p:nvGrpSpPr>
+      <p:grpSpPr>
+        <a:xfrm>
+          <a:off x="0" y="0"/>
+          <a:ext cx="0" cy="0"/>
+          <a:chOff x="0" y="0"/>
+          <a:chExt cx="0" cy="0"/>
+        </a:xfrm>
+      </p:grpSpPr>
+      <p:sp>
+        <p:nvSpPr>
+          <p:cNvPr id="2" name="Title 1"/>
+          <p:cNvSpPr>
+            <a:spLocks noGrp="1"/>
+          </p:cNvSpPr>
+          <p:nvPr>
+            <p:ph type="title"/>
+          </p:nvPr>
+        </p:nvSpPr>
+        <p:spPr/>
+        <p:txBody>
+          <a:bodyPr>
+            <a:normAutofit/>
+          </a:bodyPr>
+          <a:lstStyle/>
+          <a:p>
+            <a:r>
+              <a:rPr lang="en-US" sz="4800" dirty="0" smtClean="0"/>
+              <a:t>What's on </a:t>
+            </a:r>
+            <a:r>
+              <a:rPr lang="en-US" sz="4800" smtClean="0"/>
+              <a:t>the agenda?</a:t>
+            </a:r>
+            <a:endParaRPr lang="en-US" sz="4800" dirty="0"/>
+          </a:p>
+        </p:txBody>
+      </p:sp>
+      <p:sp>
+        <p:nvSpPr>
+          <p:cNvPr id="3" name="Content Placeholder 2"/>
+          <p:cNvSpPr>
+            <a:spLocks noGrp="1"/>
+          </p:cNvSpPr>
+          <p:nvPr>
+            <p:ph idx="1"/>
+          </p:nvPr>
+        </p:nvSpPr>
+        <p:spPr>
+          <a:xfrm>
+            <a:off x="838200" y="1825624"/>
+            <a:ext cx="10515600" cy="4899641"/>
+          </a:xfrm>
+        </p:spPr>
+        <p:txBody>
+          <a:bodyPr>
+            <a:normAutofit/>
+          </a:bodyPr>
+          <a:lstStyle/>
+          <a:p>
+            <a:r>
+              <a:rPr lang="en-US" sz="4000" dirty="0" smtClean="0">
+                <a:solidFill>
+                  <a:schemeClr val="bg1">
+                    <a:lumMod val="65000"/>
+                  </a:schemeClr>
+                </a:solidFill>
+              </a:rPr>
+              <a:t>Define "cross cutting" security concerns</a:t>
+            </a:r>
+          </a:p>
+          <a:p>
+            <a:endParaRPr lang="en-US" sz="4000" dirty="0">
+              <a:solidFill>
+                <a:schemeClr val="bg1">
+                  <a:lumMod val="65000"/>
+                </a:schemeClr>
+              </a:solidFill>
+            </a:endParaRPr>
+          </a:p>
+          <a:p>
+            <a:r>
+              <a:rPr lang="en-US" sz="4000" dirty="0" smtClean="0">
+                <a:solidFill>
+                  <a:schemeClr val="bg1">
+                    <a:lumMod val="65000"/>
+                  </a:schemeClr>
+                </a:solidFill>
+              </a:rPr>
+              <a:t>"Secure by default" examples</a:t>
+            </a:r>
+          </a:p>
+          <a:p>
+            <a:endParaRPr lang="en-US" sz="4000" dirty="0"/>
+          </a:p>
+          <a:p>
+            <a:r>
+              <a:rPr lang="en-US" sz="4000" dirty="0" smtClean="0"/>
+              <a:t>Declarative vs Imperative security</a:t>
+            </a:r>
+          </a:p>
+          <a:p>
+            <a:endParaRPr lang="en-US" sz="4000" dirty="0"/>
+          </a:p>
+          <a:p>
+            <a:endParaRPr lang="en-US" sz="4000" dirty="0"/>
+          </a:p>
+          <a:p>
+            <a:endParaRPr lang="en-US" sz="4000" dirty="0" smtClean="0"/>
+          </a:p>
+          <a:p>
+            <a:endParaRPr lang="en-US" sz="4000" dirty="0" smtClean="0"/>
+          </a:p>
+          <a:p>
+            <a:endParaRPr lang="en-US" dirty="0" smtClean="0"/>
+          </a:p>
+          <a:p>
+            <a:endParaRPr lang="en-US" dirty="0" smtClean="0"/>
+          </a:p>
+          <a:p>
+            <a:endParaRPr lang="en-US" dirty="0"/>
+          </a:p>
+        </p:txBody>
+      </p:sp>
+    </p:spTree>
+    <p:extLst>
+      <p:ext uri="{BB962C8B-B14F-4D97-AF65-F5344CB8AC3E}">
+        <p14:creationId xmlns:p14="http://schemas.microsoft.com/office/powerpoint/2010/main" val="1001694156"/>
+      </p:ext>
+    </p:extLst>
+  </p:cSld>
+  <p:clrMapOvr>
+    <a:masterClrMapping/>
+  </p:clrMapOvr>
+  <p:timing>
+    <p:tnLst>
+      <p:par>
+        <p:cTn id="1" dur="indefinite" restart="never" nodeType="tmRoot"/>
+      </p:par>
+    </p:tnLst>
+  </p:timing>
+</p:sld>
+</file>
+
+<file path=ppt/slides/slide70.xml><?xml version="1.0" encoding="utf-8"?>
 <p:sld xmlns:a="http://schemas.openxmlformats.org/drawingml/2006/main" xmlns:r="http://schemas.openxmlformats.org/officeDocument/2006/relationships" xmlns:p="http://schemas.openxmlformats.org/presentationml/2006/main">
   <p:cSld>
     <p:spTree>
@@ -18346,7 +19152,7 @@
 </p:sld>
 </file>
 
-<file path=ppt/slides/slide68.xml><?xml version="1.0" encoding="utf-8"?>
+<file path=ppt/slides/slide71.xml><?xml version="1.0" encoding="utf-8"?>
 <p:sld xmlns:a="http://schemas.openxmlformats.org/drawingml/2006/main" xmlns:r="http://schemas.openxmlformats.org/officeDocument/2006/relationships" xmlns:p="http://schemas.openxmlformats.org/presentationml/2006/main">
   <p:cSld>
     <p:spTree>
@@ -18466,7 +19272,7 @@
 </p:sld>
 </file>
 
-<file path=ppt/slides/slide69.xml><?xml version="1.0" encoding="utf-8"?>
+<file path=ppt/slides/slide72.xml><?xml version="1.0" encoding="utf-8"?>
 <p:sld xmlns:a="http://schemas.openxmlformats.org/drawingml/2006/main" xmlns:r="http://schemas.openxmlformats.org/officeDocument/2006/relationships" xmlns:p="http://schemas.openxmlformats.org/presentationml/2006/main">
   <p:cSld>
     <p:spTree>
@@ -18608,159 +19414,7 @@
 </p:sld>
 </file>
 
-<file path=ppt/slides/slide7.xml><?xml version="1.0" encoding="utf-8"?>
-<p:sld xmlns:a="http://schemas.openxmlformats.org/drawingml/2006/main" xmlns:r="http://schemas.openxmlformats.org/officeDocument/2006/relationships" xmlns:p="http://schemas.openxmlformats.org/presentationml/2006/main">
-  <p:cSld>
-    <p:spTree>
-      <p:nvGrpSpPr>
-        <p:cNvPr id="1" name=""/>
-        <p:cNvGrpSpPr/>
-        <p:nvPr/>
-      </p:nvGrpSpPr>
-      <p:grpSpPr>
-        <a:xfrm>
-          <a:off x="0" y="0"/>
-          <a:ext cx="0" cy="0"/>
-          <a:chOff x="0" y="0"/>
-          <a:chExt cx="0" cy="0"/>
-        </a:xfrm>
-      </p:grpSpPr>
-      <p:sp>
-        <p:nvSpPr>
-          <p:cNvPr id="2" name="Title 1"/>
-          <p:cNvSpPr>
-            <a:spLocks noGrp="1"/>
-          </p:cNvSpPr>
-          <p:nvPr>
-            <p:ph type="title"/>
-          </p:nvPr>
-        </p:nvSpPr>
-        <p:spPr/>
-        <p:txBody>
-          <a:bodyPr>
-            <a:normAutofit/>
-          </a:bodyPr>
-          <a:lstStyle/>
-          <a:p>
-            <a:r>
-              <a:rPr lang="en-US" sz="4800" dirty="0" smtClean="0"/>
-              <a:t>What's on </a:t>
-            </a:r>
-            <a:r>
-              <a:rPr lang="en-US" sz="4800" smtClean="0"/>
-              <a:t>the agenda?</a:t>
-            </a:r>
-            <a:endParaRPr lang="en-US" sz="4800" dirty="0"/>
-          </a:p>
-        </p:txBody>
-      </p:sp>
-      <p:sp>
-        <p:nvSpPr>
-          <p:cNvPr id="3" name="Content Placeholder 2"/>
-          <p:cNvSpPr>
-            <a:spLocks noGrp="1"/>
-          </p:cNvSpPr>
-          <p:nvPr>
-            <p:ph idx="1"/>
-          </p:nvPr>
-        </p:nvSpPr>
-        <p:spPr>
-          <a:xfrm>
-            <a:off x="838200" y="1825624"/>
-            <a:ext cx="10515600" cy="4899641"/>
-          </a:xfrm>
-        </p:spPr>
-        <p:txBody>
-          <a:bodyPr>
-            <a:normAutofit/>
-          </a:bodyPr>
-          <a:lstStyle/>
-          <a:p>
-            <a:r>
-              <a:rPr lang="en-US" sz="4000" dirty="0" smtClean="0">
-                <a:solidFill>
-                  <a:schemeClr val="bg1">
-                    <a:lumMod val="65000"/>
-                  </a:schemeClr>
-                </a:solidFill>
-              </a:rPr>
-              <a:t>Define "cross cutting" security concerns</a:t>
-            </a:r>
-          </a:p>
-          <a:p>
-            <a:endParaRPr lang="en-US" sz="4000" dirty="0">
-              <a:solidFill>
-                <a:schemeClr val="bg1">
-                  <a:lumMod val="65000"/>
-                </a:schemeClr>
-              </a:solidFill>
-            </a:endParaRPr>
-          </a:p>
-          <a:p>
-            <a:r>
-              <a:rPr lang="en-US" sz="4000" dirty="0" smtClean="0">
-                <a:solidFill>
-                  <a:schemeClr val="bg1">
-                    <a:lumMod val="65000"/>
-                  </a:schemeClr>
-                </a:solidFill>
-              </a:rPr>
-              <a:t>"Secure by default" examples</a:t>
-            </a:r>
-          </a:p>
-          <a:p>
-            <a:endParaRPr lang="en-US" sz="4000" dirty="0"/>
-          </a:p>
-          <a:p>
-            <a:r>
-              <a:rPr lang="en-US" sz="4000" dirty="0" smtClean="0"/>
-              <a:t>Declarative vs Imperative security</a:t>
-            </a:r>
-          </a:p>
-          <a:p>
-            <a:endParaRPr lang="en-US" sz="4000" dirty="0"/>
-          </a:p>
-          <a:p>
-            <a:endParaRPr lang="en-US" sz="4000" dirty="0"/>
-          </a:p>
-          <a:p>
-            <a:endParaRPr lang="en-US" sz="4000" dirty="0" smtClean="0"/>
-          </a:p>
-          <a:p>
-            <a:endParaRPr lang="en-US" sz="4000" dirty="0" smtClean="0"/>
-          </a:p>
-          <a:p>
-            <a:endParaRPr lang="en-US" dirty="0" smtClean="0"/>
-          </a:p>
-          <a:p>
-            <a:endParaRPr lang="en-US" dirty="0" smtClean="0"/>
-          </a:p>
-          <a:p>
-            <a:endParaRPr lang="en-US" dirty="0"/>
-          </a:p>
-        </p:txBody>
-      </p:sp>
-    </p:spTree>
-    <p:extLst>
-      <p:ext uri="{BB962C8B-B14F-4D97-AF65-F5344CB8AC3E}">
-        <p14:creationId xmlns:p14="http://schemas.microsoft.com/office/powerpoint/2010/main" val="1001694156"/>
-      </p:ext>
-    </p:extLst>
-  </p:cSld>
-  <p:clrMapOvr>
-    <a:masterClrMapping/>
-  </p:clrMapOvr>
-  <p:timing>
-    <p:tnLst>
-      <p:par>
-        <p:cTn id="1" dur="indefinite" restart="never" nodeType="tmRoot"/>
-      </p:par>
-    </p:tnLst>
-  </p:timing>
-</p:sld>
-</file>
-
-<file path=ppt/slides/slide70.xml><?xml version="1.0" encoding="utf-8"?>
+<file path=ppt/slides/slide73.xml><?xml version="1.0" encoding="utf-8"?>
 <p:sld xmlns:a="http://schemas.openxmlformats.org/drawingml/2006/main" xmlns:r="http://schemas.openxmlformats.org/officeDocument/2006/relationships" xmlns:p="http://schemas.openxmlformats.org/presentationml/2006/main">
   <p:cSld>
     <p:spTree>
@@ -18881,7 +19535,7 @@
 </p:sld>
 </file>
 
-<file path=ppt/slides/slide71.xml><?xml version="1.0" encoding="utf-8"?>
+<file path=ppt/slides/slide74.xml><?xml version="1.0" encoding="utf-8"?>
 <p:sld xmlns:a="http://schemas.openxmlformats.org/drawingml/2006/main" xmlns:r="http://schemas.openxmlformats.org/officeDocument/2006/relationships" xmlns:p="http://schemas.openxmlformats.org/presentationml/2006/main">
   <p:cSld>
     <p:spTree>
@@ -19002,7 +19656,7 @@
 </p:sld>
 </file>
 
-<file path=ppt/slides/slide72.xml><?xml version="1.0" encoding="utf-8"?>
+<file path=ppt/slides/slide75.xml><?xml version="1.0" encoding="utf-8"?>
 <p:sld xmlns:a="http://schemas.openxmlformats.org/drawingml/2006/main" xmlns:r="http://schemas.openxmlformats.org/officeDocument/2006/relationships" xmlns:p="http://schemas.openxmlformats.org/presentationml/2006/main">
   <p:cSld>
     <p:spTree>
@@ -19123,7 +19777,7 @@
 </p:sld>
 </file>
 
-<file path=ppt/slides/slide73.xml><?xml version="1.0" encoding="utf-8"?>
+<file path=ppt/slides/slide76.xml><?xml version="1.0" encoding="utf-8"?>
 <p:sld xmlns:a="http://schemas.openxmlformats.org/drawingml/2006/main" xmlns:r="http://schemas.openxmlformats.org/officeDocument/2006/relationships" xmlns:p="http://schemas.openxmlformats.org/presentationml/2006/main">
   <p:cSld>
     <p:spTree>
@@ -19247,7 +19901,7 @@
 </p:sld>
 </file>
 
-<file path=ppt/slides/slide74.xml><?xml version="1.0" encoding="utf-8"?>
+<file path=ppt/slides/slide77.xml><?xml version="1.0" encoding="utf-8"?>
 <p:sld xmlns:a="http://schemas.openxmlformats.org/drawingml/2006/main" xmlns:r="http://schemas.openxmlformats.org/officeDocument/2006/relationships" xmlns:p="http://schemas.openxmlformats.org/presentationml/2006/main">
   <p:cSld>
     <p:spTree>
@@ -19377,7 +20031,7 @@
 </p:sld>
 </file>
 
-<file path=ppt/slides/slide75.xml><?xml version="1.0" encoding="utf-8"?>
+<file path=ppt/slides/slide78.xml><?xml version="1.0" encoding="utf-8"?>
 <p:sld xmlns:a="http://schemas.openxmlformats.org/drawingml/2006/main" xmlns:r="http://schemas.openxmlformats.org/officeDocument/2006/relationships" xmlns:p="http://schemas.openxmlformats.org/presentationml/2006/main">
   <p:cSld>
     <p:spTree>

--- a/Secure Systems - CodeMash 2017.pptx
+++ b/Secure Systems - CodeMash 2017.pptx
@@ -5,7 +5,7 @@
     <p:sldMasterId id="2147483749" r:id="rId1"/>
   </p:sldMasterIdLst>
   <p:notesMasterIdLst>
-    <p:notesMasterId r:id="rId80"/>
+    <p:notesMasterId r:id="rId78"/>
   </p:notesMasterIdLst>
   <p:sldIdLst>
     <p:sldId id="395" r:id="rId2"/>
@@ -69,23 +69,21 @@
     <p:sldId id="503" r:id="rId60"/>
     <p:sldId id="584" r:id="rId61"/>
     <p:sldId id="586" r:id="rId62"/>
-    <p:sldId id="585" r:id="rId63"/>
-    <p:sldId id="531" r:id="rId64"/>
-    <p:sldId id="532" r:id="rId65"/>
-    <p:sldId id="533" r:id="rId66"/>
-    <p:sldId id="554" r:id="rId67"/>
-    <p:sldId id="530" r:id="rId68"/>
-    <p:sldId id="555" r:id="rId69"/>
-    <p:sldId id="556" r:id="rId70"/>
-    <p:sldId id="557" r:id="rId71"/>
-    <p:sldId id="558" r:id="rId72"/>
-    <p:sldId id="559" r:id="rId73"/>
-    <p:sldId id="564" r:id="rId74"/>
-    <p:sldId id="561" r:id="rId75"/>
-    <p:sldId id="565" r:id="rId76"/>
-    <p:sldId id="566" r:id="rId77"/>
-    <p:sldId id="568" r:id="rId78"/>
-    <p:sldId id="583" r:id="rId79"/>
+    <p:sldId id="531" r:id="rId63"/>
+    <p:sldId id="585" r:id="rId64"/>
+    <p:sldId id="554" r:id="rId65"/>
+    <p:sldId id="530" r:id="rId66"/>
+    <p:sldId id="555" r:id="rId67"/>
+    <p:sldId id="556" r:id="rId68"/>
+    <p:sldId id="557" r:id="rId69"/>
+    <p:sldId id="558" r:id="rId70"/>
+    <p:sldId id="559" r:id="rId71"/>
+    <p:sldId id="564" r:id="rId72"/>
+    <p:sldId id="561" r:id="rId73"/>
+    <p:sldId id="565" r:id="rId74"/>
+    <p:sldId id="566" r:id="rId75"/>
+    <p:sldId id="568" r:id="rId76"/>
+    <p:sldId id="583" r:id="rId77"/>
   </p:sldIdLst>
   <p:sldSz cx="12192000" cy="6858000"/>
   <p:notesSz cx="6858000" cy="9144000"/>
@@ -5783,7 +5781,7 @@
     </p:spTree>
     <p:extLst>
       <p:ext uri="{BB962C8B-B14F-4D97-AF65-F5344CB8AC3E}">
-        <p14:creationId xmlns:p14="http://schemas.microsoft.com/office/powerpoint/2010/main" val="1764780958"/>
+        <p14:creationId xmlns:p14="http://schemas.microsoft.com/office/powerpoint/2010/main" val="3603726692"/>
       </p:ext>
     </p:extLst>
   </p:cSld>
@@ -5867,7 +5865,7 @@
     </p:spTree>
     <p:extLst>
       <p:ext uri="{BB962C8B-B14F-4D97-AF65-F5344CB8AC3E}">
-        <p14:creationId xmlns:p14="http://schemas.microsoft.com/office/powerpoint/2010/main" val="3603726692"/>
+        <p14:creationId xmlns:p14="http://schemas.microsoft.com/office/powerpoint/2010/main" val="1764780958"/>
       </p:ext>
     </p:extLst>
   </p:cSld>
@@ -5921,7 +5919,32 @@
           <a:bodyPr/>
           <a:lstStyle/>
           <a:p>
-            <a:endParaRPr lang="en-US" b="0" dirty="0" smtClean="0"/>
+            <a:pPr marL="0" marR="0" indent="0" algn="l" defTabSz="914400" rtl="0" eaLnBrk="1" fontAlgn="auto" latinLnBrk="0" hangingPunct="1">
+              <a:lnSpc>
+                <a:spcPct val="100000"/>
+              </a:lnSpc>
+              <a:spcBef>
+                <a:spcPts val="0"/>
+              </a:spcBef>
+              <a:spcAft>
+                <a:spcPts val="0"/>
+              </a:spcAft>
+              <a:buClrTx/>
+              <a:buSzTx/>
+              <a:buFontTx/>
+              <a:buNone/>
+              <a:tabLst/>
+              <a:defRPr/>
+            </a:pPr>
+            <a:endParaRPr lang="en-US" sz="1200" kern="1200" dirty="0" smtClean="0">
+              <a:solidFill>
+                <a:schemeClr val="tx1"/>
+              </a:solidFill>
+              <a:effectLst/>
+              <a:latin typeface="+mn-lt"/>
+              <a:ea typeface="+mn-ea"/>
+              <a:cs typeface="+mn-cs"/>
+            </a:endParaRPr>
           </a:p>
         </p:txBody>
       </p:sp>
@@ -5951,7 +5974,7 @@
     </p:spTree>
     <p:extLst>
       <p:ext uri="{BB962C8B-B14F-4D97-AF65-F5344CB8AC3E}">
-        <p14:creationId xmlns:p14="http://schemas.microsoft.com/office/powerpoint/2010/main" val="2106924964"/>
+        <p14:creationId xmlns:p14="http://schemas.microsoft.com/office/powerpoint/2010/main" val="1923953829"/>
       </p:ext>
     </p:extLst>
   </p:cSld>
@@ -6035,7 +6058,7 @@
     </p:spTree>
     <p:extLst>
       <p:ext uri="{BB962C8B-B14F-4D97-AF65-F5344CB8AC3E}">
-        <p14:creationId xmlns:p14="http://schemas.microsoft.com/office/powerpoint/2010/main" val="506673237"/>
+        <p14:creationId xmlns:p14="http://schemas.microsoft.com/office/powerpoint/2010/main" val="531577243"/>
       </p:ext>
     </p:extLst>
   </p:cSld>
@@ -6089,32 +6112,7 @@
           <a:bodyPr/>
           <a:lstStyle/>
           <a:p>
-            <a:pPr marL="0" marR="0" indent="0" algn="l" defTabSz="914400" rtl="0" eaLnBrk="1" fontAlgn="auto" latinLnBrk="0" hangingPunct="1">
-              <a:lnSpc>
-                <a:spcPct val="100000"/>
-              </a:lnSpc>
-              <a:spcBef>
-                <a:spcPts val="0"/>
-              </a:spcBef>
-              <a:spcAft>
-                <a:spcPts val="0"/>
-              </a:spcAft>
-              <a:buClrTx/>
-              <a:buSzTx/>
-              <a:buFontTx/>
-              <a:buNone/>
-              <a:tabLst/>
-              <a:defRPr/>
-            </a:pPr>
-            <a:endParaRPr lang="en-US" sz="1200" kern="1200" dirty="0" smtClean="0">
-              <a:solidFill>
-                <a:schemeClr val="tx1"/>
-              </a:solidFill>
-              <a:effectLst/>
-              <a:latin typeface="+mn-lt"/>
-              <a:ea typeface="+mn-ea"/>
-              <a:cs typeface="+mn-cs"/>
-            </a:endParaRPr>
+            <a:endParaRPr lang="en-US" b="0" dirty="0" smtClean="0"/>
           </a:p>
         </p:txBody>
       </p:sp>
@@ -6144,7 +6142,7 @@
     </p:spTree>
     <p:extLst>
       <p:ext uri="{BB962C8B-B14F-4D97-AF65-F5344CB8AC3E}">
-        <p14:creationId xmlns:p14="http://schemas.microsoft.com/office/powerpoint/2010/main" val="1923953829"/>
+        <p14:creationId xmlns:p14="http://schemas.microsoft.com/office/powerpoint/2010/main" val="2079785236"/>
       </p:ext>
     </p:extLst>
   </p:cSld>
@@ -6228,7 +6226,7 @@
     </p:spTree>
     <p:extLst>
       <p:ext uri="{BB962C8B-B14F-4D97-AF65-F5344CB8AC3E}">
-        <p14:creationId xmlns:p14="http://schemas.microsoft.com/office/powerpoint/2010/main" val="531577243"/>
+        <p14:creationId xmlns:p14="http://schemas.microsoft.com/office/powerpoint/2010/main" val="1664318980"/>
       </p:ext>
     </p:extLst>
   </p:cSld>
@@ -6312,7 +6310,7 @@
     </p:spTree>
     <p:extLst>
       <p:ext uri="{BB962C8B-B14F-4D97-AF65-F5344CB8AC3E}">
-        <p14:creationId xmlns:p14="http://schemas.microsoft.com/office/powerpoint/2010/main" val="2079785236"/>
+        <p14:creationId xmlns:p14="http://schemas.microsoft.com/office/powerpoint/2010/main" val="1581406028"/>
       </p:ext>
     </p:extLst>
   </p:cSld>
@@ -6396,7 +6394,7 @@
     </p:spTree>
     <p:extLst>
       <p:ext uri="{BB962C8B-B14F-4D97-AF65-F5344CB8AC3E}">
-        <p14:creationId xmlns:p14="http://schemas.microsoft.com/office/powerpoint/2010/main" val="1664318980"/>
+        <p14:creationId xmlns:p14="http://schemas.microsoft.com/office/powerpoint/2010/main" val="299799724"/>
       </p:ext>
     </p:extLst>
   </p:cSld>
@@ -6564,7 +6562,7 @@
     </p:spTree>
     <p:extLst>
       <p:ext uri="{BB962C8B-B14F-4D97-AF65-F5344CB8AC3E}">
-        <p14:creationId xmlns:p14="http://schemas.microsoft.com/office/powerpoint/2010/main" val="1581406028"/>
+        <p14:creationId xmlns:p14="http://schemas.microsoft.com/office/powerpoint/2010/main" val="2229440876"/>
       </p:ext>
     </p:extLst>
   </p:cSld>
@@ -6648,7 +6646,7 @@
     </p:spTree>
     <p:extLst>
       <p:ext uri="{BB962C8B-B14F-4D97-AF65-F5344CB8AC3E}">
-        <p14:creationId xmlns:p14="http://schemas.microsoft.com/office/powerpoint/2010/main" val="299799724"/>
+        <p14:creationId xmlns:p14="http://schemas.microsoft.com/office/powerpoint/2010/main" val="2350728921"/>
       </p:ext>
     </p:extLst>
   </p:cSld>
@@ -6732,7 +6730,7 @@
     </p:spTree>
     <p:extLst>
       <p:ext uri="{BB962C8B-B14F-4D97-AF65-F5344CB8AC3E}">
-        <p14:creationId xmlns:p14="http://schemas.microsoft.com/office/powerpoint/2010/main" val="2229440876"/>
+        <p14:creationId xmlns:p14="http://schemas.microsoft.com/office/powerpoint/2010/main" val="1004591723"/>
       </p:ext>
     </p:extLst>
   </p:cSld>
@@ -6816,7 +6814,7 @@
     </p:spTree>
     <p:extLst>
       <p:ext uri="{BB962C8B-B14F-4D97-AF65-F5344CB8AC3E}">
-        <p14:creationId xmlns:p14="http://schemas.microsoft.com/office/powerpoint/2010/main" val="2350728921"/>
+        <p14:creationId xmlns:p14="http://schemas.microsoft.com/office/powerpoint/2010/main" val="1737165775"/>
       </p:ext>
     </p:extLst>
   </p:cSld>
@@ -6900,7 +6898,7 @@
     </p:spTree>
     <p:extLst>
       <p:ext uri="{BB962C8B-B14F-4D97-AF65-F5344CB8AC3E}">
-        <p14:creationId xmlns:p14="http://schemas.microsoft.com/office/powerpoint/2010/main" val="1004591723"/>
+        <p14:creationId xmlns:p14="http://schemas.microsoft.com/office/powerpoint/2010/main" val="1030293071"/>
       </p:ext>
     </p:extLst>
   </p:cSld>
@@ -6984,7 +6982,7 @@
     </p:spTree>
     <p:extLst>
       <p:ext uri="{BB962C8B-B14F-4D97-AF65-F5344CB8AC3E}">
-        <p14:creationId xmlns:p14="http://schemas.microsoft.com/office/powerpoint/2010/main" val="1737165775"/>
+        <p14:creationId xmlns:p14="http://schemas.microsoft.com/office/powerpoint/2010/main" val="834707851"/>
       </p:ext>
     </p:extLst>
   </p:cSld>
@@ -7060,174 +7058,6 @@
             <a:fld id="{89029652-62E7-43D6-83B5-097D7B7AA5D8}" type="slidenum">
               <a:rPr lang="en-US" smtClean="0"/>
               <a:t>76</a:t>
-            </a:fld>
-            <a:endParaRPr lang="en-US"/>
-          </a:p>
-        </p:txBody>
-      </p:sp>
-    </p:spTree>
-    <p:extLst>
-      <p:ext uri="{BB962C8B-B14F-4D97-AF65-F5344CB8AC3E}">
-        <p14:creationId xmlns:p14="http://schemas.microsoft.com/office/powerpoint/2010/main" val="1030293071"/>
-      </p:ext>
-    </p:extLst>
-  </p:cSld>
-  <p:clrMapOvr>
-    <a:masterClrMapping/>
-  </p:clrMapOvr>
-</p:notes>
-</file>
-
-<file path=ppt/notesSlides/notesSlide77.xml><?xml version="1.0" encoding="utf-8"?>
-<p:notes xmlns:a="http://schemas.openxmlformats.org/drawingml/2006/main" xmlns:r="http://schemas.openxmlformats.org/officeDocument/2006/relationships" xmlns:p="http://schemas.openxmlformats.org/presentationml/2006/main">
-  <p:cSld>
-    <p:spTree>
-      <p:nvGrpSpPr>
-        <p:cNvPr id="1" name=""/>
-        <p:cNvGrpSpPr/>
-        <p:nvPr/>
-      </p:nvGrpSpPr>
-      <p:grpSpPr>
-        <a:xfrm>
-          <a:off x="0" y="0"/>
-          <a:ext cx="0" cy="0"/>
-          <a:chOff x="0" y="0"/>
-          <a:chExt cx="0" cy="0"/>
-        </a:xfrm>
-      </p:grpSpPr>
-      <p:sp>
-        <p:nvSpPr>
-          <p:cNvPr id="2" name="Slide Image Placeholder 1"/>
-          <p:cNvSpPr>
-            <a:spLocks noGrp="1" noRot="1" noChangeAspect="1"/>
-          </p:cNvSpPr>
-          <p:nvPr>
-            <p:ph type="sldImg"/>
-          </p:nvPr>
-        </p:nvSpPr>
-        <p:spPr/>
-      </p:sp>
-      <p:sp>
-        <p:nvSpPr>
-          <p:cNvPr id="3" name="Notes Placeholder 2"/>
-          <p:cNvSpPr>
-            <a:spLocks noGrp="1"/>
-          </p:cNvSpPr>
-          <p:nvPr>
-            <p:ph type="body" idx="1"/>
-          </p:nvPr>
-        </p:nvSpPr>
-        <p:spPr/>
-        <p:txBody>
-          <a:bodyPr/>
-          <a:lstStyle/>
-          <a:p>
-            <a:endParaRPr lang="en-US" b="0" dirty="0" smtClean="0"/>
-          </a:p>
-        </p:txBody>
-      </p:sp>
-      <p:sp>
-        <p:nvSpPr>
-          <p:cNvPr id="4" name="Slide Number Placeholder 3"/>
-          <p:cNvSpPr>
-            <a:spLocks noGrp="1"/>
-          </p:cNvSpPr>
-          <p:nvPr>
-            <p:ph type="sldNum" sz="quarter" idx="10"/>
-          </p:nvPr>
-        </p:nvSpPr>
-        <p:spPr/>
-        <p:txBody>
-          <a:bodyPr/>
-          <a:lstStyle/>
-          <a:p>
-            <a:fld id="{89029652-62E7-43D6-83B5-097D7B7AA5D8}" type="slidenum">
-              <a:rPr lang="en-US" smtClean="0"/>
-              <a:t>77</a:t>
-            </a:fld>
-            <a:endParaRPr lang="en-US"/>
-          </a:p>
-        </p:txBody>
-      </p:sp>
-    </p:spTree>
-    <p:extLst>
-      <p:ext uri="{BB962C8B-B14F-4D97-AF65-F5344CB8AC3E}">
-        <p14:creationId xmlns:p14="http://schemas.microsoft.com/office/powerpoint/2010/main" val="834707851"/>
-      </p:ext>
-    </p:extLst>
-  </p:cSld>
-  <p:clrMapOvr>
-    <a:masterClrMapping/>
-  </p:clrMapOvr>
-</p:notes>
-</file>
-
-<file path=ppt/notesSlides/notesSlide78.xml><?xml version="1.0" encoding="utf-8"?>
-<p:notes xmlns:a="http://schemas.openxmlformats.org/drawingml/2006/main" xmlns:r="http://schemas.openxmlformats.org/officeDocument/2006/relationships" xmlns:p="http://schemas.openxmlformats.org/presentationml/2006/main">
-  <p:cSld>
-    <p:spTree>
-      <p:nvGrpSpPr>
-        <p:cNvPr id="1" name=""/>
-        <p:cNvGrpSpPr/>
-        <p:nvPr/>
-      </p:nvGrpSpPr>
-      <p:grpSpPr>
-        <a:xfrm>
-          <a:off x="0" y="0"/>
-          <a:ext cx="0" cy="0"/>
-          <a:chOff x="0" y="0"/>
-          <a:chExt cx="0" cy="0"/>
-        </a:xfrm>
-      </p:grpSpPr>
-      <p:sp>
-        <p:nvSpPr>
-          <p:cNvPr id="2" name="Slide Image Placeholder 1"/>
-          <p:cNvSpPr>
-            <a:spLocks noGrp="1" noRot="1" noChangeAspect="1"/>
-          </p:cNvSpPr>
-          <p:nvPr>
-            <p:ph type="sldImg"/>
-          </p:nvPr>
-        </p:nvSpPr>
-        <p:spPr/>
-      </p:sp>
-      <p:sp>
-        <p:nvSpPr>
-          <p:cNvPr id="3" name="Notes Placeholder 2"/>
-          <p:cNvSpPr>
-            <a:spLocks noGrp="1"/>
-          </p:cNvSpPr>
-          <p:nvPr>
-            <p:ph type="body" idx="1"/>
-          </p:nvPr>
-        </p:nvSpPr>
-        <p:spPr/>
-        <p:txBody>
-          <a:bodyPr/>
-          <a:lstStyle/>
-          <a:p>
-            <a:endParaRPr lang="en-US" b="0" dirty="0" smtClean="0"/>
-          </a:p>
-        </p:txBody>
-      </p:sp>
-      <p:sp>
-        <p:nvSpPr>
-          <p:cNvPr id="4" name="Slide Number Placeholder 3"/>
-          <p:cNvSpPr>
-            <a:spLocks noGrp="1"/>
-          </p:cNvSpPr>
-          <p:nvPr>
-            <p:ph type="sldNum" sz="quarter" idx="10"/>
-          </p:nvPr>
-        </p:nvSpPr>
-        <p:spPr/>
-        <p:txBody>
-          <a:bodyPr/>
-          <a:lstStyle/>
-          <a:p>
-            <a:fld id="{89029652-62E7-43D6-83B5-097D7B7AA5D8}" type="slidenum">
-              <a:rPr lang="en-US" smtClean="0"/>
-              <a:t>78</a:t>
             </a:fld>
             <a:endParaRPr lang="en-US"/>
           </a:p>
@@ -10349,37 +10179,73 @@
           <a:chExt cx="0" cy="0"/>
         </a:xfrm>
       </p:grpSpPr>
-      <p:sp>
-        <p:nvSpPr>
-          <p:cNvPr id="2" name="Title 1"/>
-          <p:cNvSpPr>
-            <a:spLocks noGrp="1"/>
-          </p:cNvSpPr>
-          <p:nvPr>
-            <p:ph type="title"/>
-          </p:nvPr>
-        </p:nvSpPr>
+      <p:pic>
+        <p:nvPicPr>
+          <p:cNvPr id="6" name="Picture 5"/>
+          <p:cNvPicPr>
+            <a:picLocks noChangeAspect="1"/>
+          </p:cNvPicPr>
+          <p:nvPr/>
+        </p:nvPicPr>
+        <p:blipFill>
+          <a:blip r:embed="rId3"/>
+          <a:stretch>
+            <a:fillRect/>
+          </a:stretch>
+        </p:blipFill>
         <p:spPr>
           <a:xfrm>
-            <a:off x="838196" y="1456506"/>
+            <a:off x="4121040" y="2243246"/>
+            <a:ext cx="3949903" cy="3949903"/>
+          </a:xfrm>
+          <a:prstGeom prst="rect">
+            <a:avLst/>
+          </a:prstGeom>
+        </p:spPr>
+      </p:pic>
+      <p:sp>
+        <p:nvSpPr>
+          <p:cNvPr id="2" name="Title 1"/>
+          <p:cNvSpPr>
+            <a:spLocks noGrp="1"/>
+          </p:cNvSpPr>
+          <p:nvPr>
+            <p:ph type="title"/>
+          </p:nvPr>
+        </p:nvSpPr>
+        <p:spPr>
+          <a:xfrm>
+            <a:off x="838194" y="173396"/>
             <a:ext cx="10515600" cy="2069850"/>
           </a:xfrm>
         </p:spPr>
         <p:txBody>
           <a:bodyPr>
-            <a:normAutofit fontScale="90000"/>
+            <a:normAutofit/>
           </a:bodyPr>
           <a:lstStyle/>
           <a:p>
             <a:pPr algn="ctr"/>
             <a:r>
               <a:rPr lang="en-US" sz="6000" dirty="0" smtClean="0"/>
-              <a:t>Don't Write Secure Code!</a:t>
+              <a:t>Don't Write Secure Code</a:t>
+            </a:r>
+            <a:r>
+              <a:rPr lang="en-US" sz="6000" dirty="0" smtClean="0"/>
+              <a:t>!</a:t>
             </a:r>
             <a:br>
               <a:rPr lang="en-US" sz="6000" dirty="0" smtClean="0"/>
             </a:br>
             <a:r>
+              <a:rPr lang="en-US" sz="2000" dirty="0" smtClean="0">
+                <a:solidFill>
+                  <a:schemeClr val="bg1"/>
+                </a:solidFill>
+              </a:rPr>
+              <a:t>a</a:t>
+            </a:r>
+            <a:r>
               <a:rPr lang="en-US" sz="6000" dirty="0" smtClean="0"/>
               <a:t/>
             </a:r>
@@ -10387,21 +10253,29 @@
               <a:rPr lang="en-US" sz="6000" dirty="0" smtClean="0"/>
             </a:br>
             <a:r>
-              <a:rPr lang="en-US" sz="4800" dirty="0" smtClean="0">
+              <a:rPr lang="en-US" dirty="0" smtClean="0">
                 <a:solidFill>
-                  <a:schemeClr val="tx1">
-                    <a:lumMod val="65000"/>
-                    <a:lumOff val="35000"/>
+                  <a:schemeClr val="bg1">
+                    <a:lumMod val="50000"/>
                   </a:schemeClr>
                 </a:solidFill>
               </a:rPr>
-              <a:t>(Build secure systems instead)</a:t>
+              <a:t>(</a:t>
+            </a:r>
+            <a:r>
+              <a:rPr lang="en-US" dirty="0" smtClean="0">
+                <a:solidFill>
+                  <a:schemeClr val="bg1">
+                    <a:lumMod val="50000"/>
+                  </a:schemeClr>
+                </a:solidFill>
+              </a:rPr>
+              <a:t>Build secure systems instead)</a:t>
             </a:r>
             <a:endParaRPr lang="en-US" sz="4000" dirty="0">
               <a:solidFill>
-                <a:schemeClr val="tx1">
-                  <a:lumMod val="65000"/>
-                  <a:lumOff val="35000"/>
+                <a:schemeClr val="bg1">
+                  <a:lumMod val="50000"/>
                 </a:schemeClr>
               </a:solidFill>
             </a:endParaRPr>
@@ -10416,8 +10290,8 @@
         </p:nvSpPr>
         <p:spPr>
           <a:xfrm>
-            <a:off x="4000133" y="5222420"/>
-            <a:ext cx="4191725" cy="1323439"/>
+            <a:off x="4000130" y="6136820"/>
+            <a:ext cx="4191725" cy="1200329"/>
           </a:xfrm>
           <a:prstGeom prst="rect">
             <a:avLst/>
@@ -10446,22 +10320,6 @@
                 </a:solidFill>
               </a:rPr>
             </a:br>
-            <a:r>
-              <a:rPr lang="en-US" sz="3200" dirty="0" smtClean="0">
-                <a:solidFill>
-                  <a:srgbClr val="013947"/>
-                </a:solidFill>
-              </a:rPr>
-              <a:t>@</a:t>
-            </a:r>
-            <a:r>
-              <a:rPr lang="en-US" sz="4000" dirty="0" smtClean="0">
-                <a:solidFill>
-                  <a:srgbClr val="013947"/>
-                </a:solidFill>
-              </a:rPr>
-              <a:t>spetryjohnson</a:t>
-            </a:r>
             <a:endParaRPr lang="en-US" sz="3200" dirty="0">
               <a:solidFill>
                 <a:srgbClr val="013947"/>
@@ -17956,6 +17814,99 @@
       </p:grpSpPr>
       <p:sp>
         <p:nvSpPr>
+          <p:cNvPr id="3" name="Content Placeholder 2"/>
+          <p:cNvSpPr>
+            <a:spLocks noGrp="1"/>
+          </p:cNvSpPr>
+          <p:nvPr>
+            <p:ph idx="1"/>
+          </p:nvPr>
+        </p:nvSpPr>
+        <p:spPr>
+          <a:xfrm>
+            <a:off x="838200" y="1825624"/>
+            <a:ext cx="10515600" cy="4589923"/>
+          </a:xfrm>
+        </p:spPr>
+        <p:txBody>
+          <a:bodyPr>
+            <a:normAutofit/>
+          </a:bodyPr>
+          <a:lstStyle/>
+          <a:p>
+            <a:endParaRPr lang="en-US" dirty="0" smtClean="0"/>
+          </a:p>
+          <a:p>
+            <a:endParaRPr lang="en-US" dirty="0" smtClean="0"/>
+          </a:p>
+          <a:p>
+            <a:endParaRPr lang="en-US" dirty="0"/>
+          </a:p>
+        </p:txBody>
+      </p:sp>
+      <p:pic>
+        <p:nvPicPr>
+          <p:cNvPr id="6" name="Picture 5"/>
+          <p:cNvPicPr>
+            <a:picLocks noChangeAspect="1"/>
+          </p:cNvPicPr>
+          <p:nvPr/>
+        </p:nvPicPr>
+        <p:blipFill>
+          <a:blip r:embed="rId3"/>
+          <a:stretch>
+            <a:fillRect/>
+          </a:stretch>
+        </p:blipFill>
+        <p:spPr>
+          <a:xfrm>
+            <a:off x="198603" y="85314"/>
+            <a:ext cx="9276976" cy="6772686"/>
+          </a:xfrm>
+          <a:prstGeom prst="rect">
+            <a:avLst/>
+          </a:prstGeom>
+        </p:spPr>
+      </p:pic>
+    </p:spTree>
+    <p:extLst>
+      <p:ext uri="{BB962C8B-B14F-4D97-AF65-F5344CB8AC3E}">
+        <p14:creationId xmlns:p14="http://schemas.microsoft.com/office/powerpoint/2010/main" val="4159394539"/>
+      </p:ext>
+    </p:extLst>
+  </p:cSld>
+  <p:clrMapOvr>
+    <a:masterClrMapping/>
+  </p:clrMapOvr>
+  <p:timing>
+    <p:tnLst>
+      <p:par>
+        <p:cTn id="1" dur="indefinite" restart="never" nodeType="tmRoot"/>
+      </p:par>
+    </p:tnLst>
+  </p:timing>
+</p:sld>
+</file>
+
+<file path=ppt/slides/slide63.xml><?xml version="1.0" encoding="utf-8"?>
+<p:sld xmlns:a="http://schemas.openxmlformats.org/drawingml/2006/main" xmlns:r="http://schemas.openxmlformats.org/officeDocument/2006/relationships" xmlns:p="http://schemas.openxmlformats.org/presentationml/2006/main">
+  <p:cSld>
+    <p:spTree>
+      <p:nvGrpSpPr>
+        <p:cNvPr id="1" name=""/>
+        <p:cNvGrpSpPr/>
+        <p:nvPr/>
+      </p:nvGrpSpPr>
+      <p:grpSpPr>
+        <a:xfrm>
+          <a:off x="0" y="0"/>
+          <a:ext cx="0" cy="0"/>
+          <a:chOff x="0" y="0"/>
+          <a:chExt cx="0" cy="0"/>
+        </a:xfrm>
+      </p:grpSpPr>
+      <p:sp>
+        <p:nvSpPr>
           <p:cNvPr id="2" name="Title 1"/>
           <p:cNvSpPr>
             <a:spLocks noGrp="1"/>
@@ -18062,358 +18013,7 @@
 </p:sld>
 </file>
 
-<file path=ppt/slides/slide63.xml><?xml version="1.0" encoding="utf-8"?>
-<p:sld xmlns:a="http://schemas.openxmlformats.org/drawingml/2006/main" xmlns:r="http://schemas.openxmlformats.org/officeDocument/2006/relationships" xmlns:p="http://schemas.openxmlformats.org/presentationml/2006/main">
-  <p:cSld>
-    <p:spTree>
-      <p:nvGrpSpPr>
-        <p:cNvPr id="1" name=""/>
-        <p:cNvGrpSpPr/>
-        <p:nvPr/>
-      </p:nvGrpSpPr>
-      <p:grpSpPr>
-        <a:xfrm>
-          <a:off x="0" y="0"/>
-          <a:ext cx="0" cy="0"/>
-          <a:chOff x="0" y="0"/>
-          <a:chExt cx="0" cy="0"/>
-        </a:xfrm>
-      </p:grpSpPr>
-      <p:sp>
-        <p:nvSpPr>
-          <p:cNvPr id="3" name="Content Placeholder 2"/>
-          <p:cNvSpPr>
-            <a:spLocks noGrp="1"/>
-          </p:cNvSpPr>
-          <p:nvPr>
-            <p:ph idx="1"/>
-          </p:nvPr>
-        </p:nvSpPr>
-        <p:spPr>
-          <a:xfrm>
-            <a:off x="838200" y="1825624"/>
-            <a:ext cx="10515600" cy="4589923"/>
-          </a:xfrm>
-        </p:spPr>
-        <p:txBody>
-          <a:bodyPr>
-            <a:normAutofit/>
-          </a:bodyPr>
-          <a:lstStyle/>
-          <a:p>
-            <a:endParaRPr lang="en-US" dirty="0" smtClean="0"/>
-          </a:p>
-          <a:p>
-            <a:endParaRPr lang="en-US" dirty="0" smtClean="0"/>
-          </a:p>
-          <a:p>
-            <a:endParaRPr lang="en-US" dirty="0"/>
-          </a:p>
-        </p:txBody>
-      </p:sp>
-      <p:pic>
-        <p:nvPicPr>
-          <p:cNvPr id="6" name="Picture 5"/>
-          <p:cNvPicPr>
-            <a:picLocks noChangeAspect="1"/>
-          </p:cNvPicPr>
-          <p:nvPr/>
-        </p:nvPicPr>
-        <p:blipFill>
-          <a:blip r:embed="rId3"/>
-          <a:stretch>
-            <a:fillRect/>
-          </a:stretch>
-        </p:blipFill>
-        <p:spPr>
-          <a:xfrm>
-            <a:off x="198603" y="85314"/>
-            <a:ext cx="9276976" cy="6772686"/>
-          </a:xfrm>
-          <a:prstGeom prst="rect">
-            <a:avLst/>
-          </a:prstGeom>
-        </p:spPr>
-      </p:pic>
-    </p:spTree>
-    <p:extLst>
-      <p:ext uri="{BB962C8B-B14F-4D97-AF65-F5344CB8AC3E}">
-        <p14:creationId xmlns:p14="http://schemas.microsoft.com/office/powerpoint/2010/main" val="4159394539"/>
-      </p:ext>
-    </p:extLst>
-  </p:cSld>
-  <p:clrMapOvr>
-    <a:masterClrMapping/>
-  </p:clrMapOvr>
-  <p:timing>
-    <p:tnLst>
-      <p:par>
-        <p:cTn id="1" dur="indefinite" restart="never" nodeType="tmRoot"/>
-      </p:par>
-    </p:tnLst>
-  </p:timing>
-</p:sld>
-</file>
-
 <file path=ppt/slides/slide64.xml><?xml version="1.0" encoding="utf-8"?>
-<p:sld xmlns:a="http://schemas.openxmlformats.org/drawingml/2006/main" xmlns:r="http://schemas.openxmlformats.org/officeDocument/2006/relationships" xmlns:p="http://schemas.openxmlformats.org/presentationml/2006/main">
-  <p:cSld>
-    <p:spTree>
-      <p:nvGrpSpPr>
-        <p:cNvPr id="1" name=""/>
-        <p:cNvGrpSpPr/>
-        <p:nvPr/>
-      </p:nvGrpSpPr>
-      <p:grpSpPr>
-        <a:xfrm>
-          <a:off x="0" y="0"/>
-          <a:ext cx="0" cy="0"/>
-          <a:chOff x="0" y="0"/>
-          <a:chExt cx="0" cy="0"/>
-        </a:xfrm>
-      </p:grpSpPr>
-      <p:sp>
-        <p:nvSpPr>
-          <p:cNvPr id="2" name="Title 1"/>
-          <p:cNvSpPr>
-            <a:spLocks noGrp="1"/>
-          </p:cNvSpPr>
-          <p:nvPr>
-            <p:ph type="title"/>
-          </p:nvPr>
-        </p:nvSpPr>
-        <p:spPr/>
-        <p:txBody>
-          <a:bodyPr>
-            <a:normAutofit/>
-          </a:bodyPr>
-          <a:lstStyle/>
-          <a:p>
-            <a:r>
-              <a:rPr lang="en-US" sz="4800" dirty="0"/>
-              <a:t>Property Authorization – </a:t>
-            </a:r>
-            <a:r>
-              <a:rPr lang="en-US" sz="4800" dirty="0" smtClean="0"/>
-              <a:t>cross cutting</a:t>
-            </a:r>
-            <a:endParaRPr lang="en-US" sz="4800" dirty="0"/>
-          </a:p>
-        </p:txBody>
-      </p:sp>
-      <p:sp>
-        <p:nvSpPr>
-          <p:cNvPr id="3" name="Content Placeholder 2"/>
-          <p:cNvSpPr>
-            <a:spLocks noGrp="1"/>
-          </p:cNvSpPr>
-          <p:nvPr>
-            <p:ph idx="1"/>
-          </p:nvPr>
-        </p:nvSpPr>
-        <p:spPr>
-          <a:xfrm>
-            <a:off x="838200" y="1825624"/>
-            <a:ext cx="10515600" cy="4589923"/>
-          </a:xfrm>
-        </p:spPr>
-        <p:txBody>
-          <a:bodyPr>
-            <a:normAutofit/>
-          </a:bodyPr>
-          <a:lstStyle/>
-          <a:p>
-            <a:endParaRPr lang="en-US" sz="4000" dirty="0" smtClean="0"/>
-          </a:p>
-          <a:p>
-            <a:endParaRPr lang="en-US" dirty="0" smtClean="0"/>
-          </a:p>
-          <a:p>
-            <a:endParaRPr lang="en-US" dirty="0" smtClean="0"/>
-          </a:p>
-          <a:p>
-            <a:endParaRPr lang="en-US" dirty="0"/>
-          </a:p>
-        </p:txBody>
-      </p:sp>
-      <p:pic>
-        <p:nvPicPr>
-          <p:cNvPr id="4" name="Picture 3"/>
-          <p:cNvPicPr>
-            <a:picLocks noChangeAspect="1"/>
-          </p:cNvPicPr>
-          <p:nvPr/>
-        </p:nvPicPr>
-        <p:blipFill>
-          <a:blip r:embed="rId3"/>
-          <a:stretch>
-            <a:fillRect/>
-          </a:stretch>
-        </p:blipFill>
-        <p:spPr>
-          <a:xfrm>
-            <a:off x="838200" y="2887507"/>
-            <a:ext cx="8391822" cy="2171190"/>
-          </a:xfrm>
-          <a:prstGeom prst="rect">
-            <a:avLst/>
-          </a:prstGeom>
-        </p:spPr>
-      </p:pic>
-    </p:spTree>
-    <p:extLst>
-      <p:ext uri="{BB962C8B-B14F-4D97-AF65-F5344CB8AC3E}">
-        <p14:creationId xmlns:p14="http://schemas.microsoft.com/office/powerpoint/2010/main" val="3763800813"/>
-      </p:ext>
-    </p:extLst>
-  </p:cSld>
-  <p:clrMapOvr>
-    <a:masterClrMapping/>
-  </p:clrMapOvr>
-  <p:timing>
-    <p:tnLst>
-      <p:par>
-        <p:cTn id="1" dur="indefinite" restart="never" nodeType="tmRoot"/>
-      </p:par>
-    </p:tnLst>
-  </p:timing>
-</p:sld>
-</file>
-
-<file path=ppt/slides/slide65.xml><?xml version="1.0" encoding="utf-8"?>
-<p:sld xmlns:a="http://schemas.openxmlformats.org/drawingml/2006/main" xmlns:r="http://schemas.openxmlformats.org/officeDocument/2006/relationships" xmlns:p="http://schemas.openxmlformats.org/presentationml/2006/main">
-  <p:cSld>
-    <p:spTree>
-      <p:nvGrpSpPr>
-        <p:cNvPr id="1" name=""/>
-        <p:cNvGrpSpPr/>
-        <p:nvPr/>
-      </p:nvGrpSpPr>
-      <p:grpSpPr>
-        <a:xfrm>
-          <a:off x="0" y="0"/>
-          <a:ext cx="0" cy="0"/>
-          <a:chOff x="0" y="0"/>
-          <a:chExt cx="0" cy="0"/>
-        </a:xfrm>
-      </p:grpSpPr>
-      <p:sp>
-        <p:nvSpPr>
-          <p:cNvPr id="2" name="Title 1"/>
-          <p:cNvSpPr>
-            <a:spLocks noGrp="1"/>
-          </p:cNvSpPr>
-          <p:nvPr>
-            <p:ph type="title"/>
-          </p:nvPr>
-        </p:nvSpPr>
-        <p:spPr/>
-        <p:txBody>
-          <a:bodyPr>
-            <a:normAutofit/>
-          </a:bodyPr>
-          <a:lstStyle/>
-          <a:p>
-            <a:r>
-              <a:rPr lang="en-US" sz="4800" dirty="0"/>
-              <a:t>Property </a:t>
-            </a:r>
-            <a:r>
-              <a:rPr lang="en-US" sz="4800" dirty="0" smtClean="0"/>
-              <a:t>Encryption </a:t>
-            </a:r>
-            <a:r>
-              <a:rPr lang="en-US" sz="4800" dirty="0"/>
-              <a:t>– </a:t>
-            </a:r>
-            <a:r>
-              <a:rPr lang="en-US" sz="4800" dirty="0" smtClean="0"/>
-              <a:t>cross cutting</a:t>
-            </a:r>
-            <a:endParaRPr lang="en-US" sz="4800" dirty="0"/>
-          </a:p>
-        </p:txBody>
-      </p:sp>
-      <p:sp>
-        <p:nvSpPr>
-          <p:cNvPr id="3" name="Content Placeholder 2"/>
-          <p:cNvSpPr>
-            <a:spLocks noGrp="1"/>
-          </p:cNvSpPr>
-          <p:nvPr>
-            <p:ph idx="1"/>
-          </p:nvPr>
-        </p:nvSpPr>
-        <p:spPr>
-          <a:xfrm>
-            <a:off x="838200" y="1825624"/>
-            <a:ext cx="10515600" cy="4589923"/>
-          </a:xfrm>
-        </p:spPr>
-        <p:txBody>
-          <a:bodyPr>
-            <a:normAutofit/>
-          </a:bodyPr>
-          <a:lstStyle/>
-          <a:p>
-            <a:endParaRPr lang="en-US" sz="4000" dirty="0" smtClean="0"/>
-          </a:p>
-          <a:p>
-            <a:endParaRPr lang="en-US" dirty="0" smtClean="0"/>
-          </a:p>
-          <a:p>
-            <a:endParaRPr lang="en-US" dirty="0" smtClean="0"/>
-          </a:p>
-          <a:p>
-            <a:endParaRPr lang="en-US" dirty="0"/>
-          </a:p>
-        </p:txBody>
-      </p:sp>
-      <p:pic>
-        <p:nvPicPr>
-          <p:cNvPr id="4" name="Picture 3"/>
-          <p:cNvPicPr>
-            <a:picLocks noChangeAspect="1"/>
-          </p:cNvPicPr>
-          <p:nvPr/>
-        </p:nvPicPr>
-        <p:blipFill>
-          <a:blip r:embed="rId3"/>
-          <a:stretch>
-            <a:fillRect/>
-          </a:stretch>
-        </p:blipFill>
-        <p:spPr>
-          <a:xfrm>
-            <a:off x="838200" y="3055525"/>
-            <a:ext cx="8980131" cy="1309998"/>
-          </a:xfrm>
-          <a:prstGeom prst="rect">
-            <a:avLst/>
-          </a:prstGeom>
-        </p:spPr>
-      </p:pic>
-    </p:spTree>
-    <p:extLst>
-      <p:ext uri="{BB962C8B-B14F-4D97-AF65-F5344CB8AC3E}">
-        <p14:creationId xmlns:p14="http://schemas.microsoft.com/office/powerpoint/2010/main" val="1269661880"/>
-      </p:ext>
-    </p:extLst>
-  </p:cSld>
-  <p:clrMapOvr>
-    <a:masterClrMapping/>
-  </p:clrMapOvr>
-  <p:timing>
-    <p:tnLst>
-      <p:par>
-        <p:cTn id="1" dur="indefinite" restart="never" nodeType="tmRoot"/>
-      </p:par>
-    </p:tnLst>
-  </p:timing>
-</p:sld>
-</file>
-
-<file path=ppt/slides/slide66.xml><?xml version="1.0" encoding="utf-8"?>
 <p:sld xmlns:a="http://schemas.openxmlformats.org/drawingml/2006/main" xmlns:r="http://schemas.openxmlformats.org/officeDocument/2006/relationships" xmlns:p="http://schemas.openxmlformats.org/presentationml/2006/main">
   <p:cSld>
     <p:spTree>
@@ -18519,7 +18119,7 @@
 </p:sld>
 </file>
 
-<file path=ppt/slides/slide67.xml><?xml version="1.0" encoding="utf-8"?>
+<file path=ppt/slides/slide65.xml><?xml version="1.0" encoding="utf-8"?>
 <p:sld xmlns:a="http://schemas.openxmlformats.org/drawingml/2006/main" xmlns:r="http://schemas.openxmlformats.org/officeDocument/2006/relationships" xmlns:p="http://schemas.openxmlformats.org/presentationml/2006/main">
   <p:cSld>
     <p:spTree>
@@ -18640,7 +18240,7 @@
 </p:sld>
 </file>
 
-<file path=ppt/slides/slide68.xml><?xml version="1.0" encoding="utf-8"?>
+<file path=ppt/slides/slide66.xml><?xml version="1.0" encoding="utf-8"?>
 <p:sld xmlns:a="http://schemas.openxmlformats.org/drawingml/2006/main" xmlns:r="http://schemas.openxmlformats.org/officeDocument/2006/relationships" xmlns:p="http://schemas.openxmlformats.org/presentationml/2006/main">
   <p:cSld>
     <p:spTree>
@@ -18760,7 +18360,7 @@
 </p:sld>
 </file>
 
-<file path=ppt/slides/slide69.xml><?xml version="1.0" encoding="utf-8"?>
+<file path=ppt/slides/slide67.xml><?xml version="1.0" encoding="utf-8"?>
 <p:sld xmlns:a="http://schemas.openxmlformats.org/drawingml/2006/main" xmlns:r="http://schemas.openxmlformats.org/officeDocument/2006/relationships" xmlns:p="http://schemas.openxmlformats.org/presentationml/2006/main">
   <p:cSld>
     <p:spTree>
@@ -18880,159 +18480,7 @@
 </p:sld>
 </file>
 
-<file path=ppt/slides/slide7.xml><?xml version="1.0" encoding="utf-8"?>
-<p:sld xmlns:a="http://schemas.openxmlformats.org/drawingml/2006/main" xmlns:r="http://schemas.openxmlformats.org/officeDocument/2006/relationships" xmlns:p="http://schemas.openxmlformats.org/presentationml/2006/main">
-  <p:cSld>
-    <p:spTree>
-      <p:nvGrpSpPr>
-        <p:cNvPr id="1" name=""/>
-        <p:cNvGrpSpPr/>
-        <p:nvPr/>
-      </p:nvGrpSpPr>
-      <p:grpSpPr>
-        <a:xfrm>
-          <a:off x="0" y="0"/>
-          <a:ext cx="0" cy="0"/>
-          <a:chOff x="0" y="0"/>
-          <a:chExt cx="0" cy="0"/>
-        </a:xfrm>
-      </p:grpSpPr>
-      <p:sp>
-        <p:nvSpPr>
-          <p:cNvPr id="2" name="Title 1"/>
-          <p:cNvSpPr>
-            <a:spLocks noGrp="1"/>
-          </p:cNvSpPr>
-          <p:nvPr>
-            <p:ph type="title"/>
-          </p:nvPr>
-        </p:nvSpPr>
-        <p:spPr/>
-        <p:txBody>
-          <a:bodyPr>
-            <a:normAutofit/>
-          </a:bodyPr>
-          <a:lstStyle/>
-          <a:p>
-            <a:r>
-              <a:rPr lang="en-US" sz="4800" dirty="0" smtClean="0"/>
-              <a:t>What's on </a:t>
-            </a:r>
-            <a:r>
-              <a:rPr lang="en-US" sz="4800" smtClean="0"/>
-              <a:t>the agenda?</a:t>
-            </a:r>
-            <a:endParaRPr lang="en-US" sz="4800" dirty="0"/>
-          </a:p>
-        </p:txBody>
-      </p:sp>
-      <p:sp>
-        <p:nvSpPr>
-          <p:cNvPr id="3" name="Content Placeholder 2"/>
-          <p:cNvSpPr>
-            <a:spLocks noGrp="1"/>
-          </p:cNvSpPr>
-          <p:nvPr>
-            <p:ph idx="1"/>
-          </p:nvPr>
-        </p:nvSpPr>
-        <p:spPr>
-          <a:xfrm>
-            <a:off x="838200" y="1825624"/>
-            <a:ext cx="10515600" cy="4899641"/>
-          </a:xfrm>
-        </p:spPr>
-        <p:txBody>
-          <a:bodyPr>
-            <a:normAutofit/>
-          </a:bodyPr>
-          <a:lstStyle/>
-          <a:p>
-            <a:r>
-              <a:rPr lang="en-US" sz="4000" dirty="0" smtClean="0">
-                <a:solidFill>
-                  <a:schemeClr val="bg1">
-                    <a:lumMod val="65000"/>
-                  </a:schemeClr>
-                </a:solidFill>
-              </a:rPr>
-              <a:t>Define "cross cutting" security concerns</a:t>
-            </a:r>
-          </a:p>
-          <a:p>
-            <a:endParaRPr lang="en-US" sz="4000" dirty="0">
-              <a:solidFill>
-                <a:schemeClr val="bg1">
-                  <a:lumMod val="65000"/>
-                </a:schemeClr>
-              </a:solidFill>
-            </a:endParaRPr>
-          </a:p>
-          <a:p>
-            <a:r>
-              <a:rPr lang="en-US" sz="4000" dirty="0" smtClean="0">
-                <a:solidFill>
-                  <a:schemeClr val="bg1">
-                    <a:lumMod val="65000"/>
-                  </a:schemeClr>
-                </a:solidFill>
-              </a:rPr>
-              <a:t>"Secure by default" examples</a:t>
-            </a:r>
-          </a:p>
-          <a:p>
-            <a:endParaRPr lang="en-US" sz="4000" dirty="0"/>
-          </a:p>
-          <a:p>
-            <a:r>
-              <a:rPr lang="en-US" sz="4000" dirty="0" smtClean="0"/>
-              <a:t>Declarative vs Imperative security</a:t>
-            </a:r>
-          </a:p>
-          <a:p>
-            <a:endParaRPr lang="en-US" sz="4000" dirty="0"/>
-          </a:p>
-          <a:p>
-            <a:endParaRPr lang="en-US" sz="4000" dirty="0"/>
-          </a:p>
-          <a:p>
-            <a:endParaRPr lang="en-US" sz="4000" dirty="0" smtClean="0"/>
-          </a:p>
-          <a:p>
-            <a:endParaRPr lang="en-US" sz="4000" dirty="0" smtClean="0"/>
-          </a:p>
-          <a:p>
-            <a:endParaRPr lang="en-US" dirty="0" smtClean="0"/>
-          </a:p>
-          <a:p>
-            <a:endParaRPr lang="en-US" dirty="0" smtClean="0"/>
-          </a:p>
-          <a:p>
-            <a:endParaRPr lang="en-US" dirty="0"/>
-          </a:p>
-        </p:txBody>
-      </p:sp>
-    </p:spTree>
-    <p:extLst>
-      <p:ext uri="{BB962C8B-B14F-4D97-AF65-F5344CB8AC3E}">
-        <p14:creationId xmlns:p14="http://schemas.microsoft.com/office/powerpoint/2010/main" val="1001694156"/>
-      </p:ext>
-    </p:extLst>
-  </p:cSld>
-  <p:clrMapOvr>
-    <a:masterClrMapping/>
-  </p:clrMapOvr>
-  <p:timing>
-    <p:tnLst>
-      <p:par>
-        <p:cTn id="1" dur="indefinite" restart="never" nodeType="tmRoot"/>
-      </p:par>
-    </p:tnLst>
-  </p:timing>
-</p:sld>
-</file>
-
-<file path=ppt/slides/slide70.xml><?xml version="1.0" encoding="utf-8"?>
+<file path=ppt/slides/slide68.xml><?xml version="1.0" encoding="utf-8"?>
 <p:sld xmlns:a="http://schemas.openxmlformats.org/drawingml/2006/main" xmlns:r="http://schemas.openxmlformats.org/officeDocument/2006/relationships" xmlns:p="http://schemas.openxmlformats.org/presentationml/2006/main">
   <p:cSld>
     <p:spTree>
@@ -19152,7 +18600,7 @@
 </p:sld>
 </file>
 
-<file path=ppt/slides/slide71.xml><?xml version="1.0" encoding="utf-8"?>
+<file path=ppt/slides/slide69.xml><?xml version="1.0" encoding="utf-8"?>
 <p:sld xmlns:a="http://schemas.openxmlformats.org/drawingml/2006/main" xmlns:r="http://schemas.openxmlformats.org/officeDocument/2006/relationships" xmlns:p="http://schemas.openxmlformats.org/presentationml/2006/main">
   <p:cSld>
     <p:spTree>
@@ -19272,7 +18720,159 @@
 </p:sld>
 </file>
 
-<file path=ppt/slides/slide72.xml><?xml version="1.0" encoding="utf-8"?>
+<file path=ppt/slides/slide7.xml><?xml version="1.0" encoding="utf-8"?>
+<p:sld xmlns:a="http://schemas.openxmlformats.org/drawingml/2006/main" xmlns:r="http://schemas.openxmlformats.org/officeDocument/2006/relationships" xmlns:p="http://schemas.openxmlformats.org/presentationml/2006/main">
+  <p:cSld>
+    <p:spTree>
+      <p:nvGrpSpPr>
+        <p:cNvPr id="1" name=""/>
+        <p:cNvGrpSpPr/>
+        <p:nvPr/>
+      </p:nvGrpSpPr>
+      <p:grpSpPr>
+        <a:xfrm>
+          <a:off x="0" y="0"/>
+          <a:ext cx="0" cy="0"/>
+          <a:chOff x="0" y="0"/>
+          <a:chExt cx="0" cy="0"/>
+        </a:xfrm>
+      </p:grpSpPr>
+      <p:sp>
+        <p:nvSpPr>
+          <p:cNvPr id="2" name="Title 1"/>
+          <p:cNvSpPr>
+            <a:spLocks noGrp="1"/>
+          </p:cNvSpPr>
+          <p:nvPr>
+            <p:ph type="title"/>
+          </p:nvPr>
+        </p:nvSpPr>
+        <p:spPr/>
+        <p:txBody>
+          <a:bodyPr>
+            <a:normAutofit/>
+          </a:bodyPr>
+          <a:lstStyle/>
+          <a:p>
+            <a:r>
+              <a:rPr lang="en-US" sz="4800" dirty="0" smtClean="0"/>
+              <a:t>What's on </a:t>
+            </a:r>
+            <a:r>
+              <a:rPr lang="en-US" sz="4800" smtClean="0"/>
+              <a:t>the agenda?</a:t>
+            </a:r>
+            <a:endParaRPr lang="en-US" sz="4800" dirty="0"/>
+          </a:p>
+        </p:txBody>
+      </p:sp>
+      <p:sp>
+        <p:nvSpPr>
+          <p:cNvPr id="3" name="Content Placeholder 2"/>
+          <p:cNvSpPr>
+            <a:spLocks noGrp="1"/>
+          </p:cNvSpPr>
+          <p:nvPr>
+            <p:ph idx="1"/>
+          </p:nvPr>
+        </p:nvSpPr>
+        <p:spPr>
+          <a:xfrm>
+            <a:off x="838200" y="1825624"/>
+            <a:ext cx="10515600" cy="4899641"/>
+          </a:xfrm>
+        </p:spPr>
+        <p:txBody>
+          <a:bodyPr>
+            <a:normAutofit/>
+          </a:bodyPr>
+          <a:lstStyle/>
+          <a:p>
+            <a:r>
+              <a:rPr lang="en-US" sz="4000" dirty="0" smtClean="0">
+                <a:solidFill>
+                  <a:schemeClr val="bg1">
+                    <a:lumMod val="65000"/>
+                  </a:schemeClr>
+                </a:solidFill>
+              </a:rPr>
+              <a:t>Define "cross cutting" security concerns</a:t>
+            </a:r>
+          </a:p>
+          <a:p>
+            <a:endParaRPr lang="en-US" sz="4000" dirty="0">
+              <a:solidFill>
+                <a:schemeClr val="bg1">
+                  <a:lumMod val="65000"/>
+                </a:schemeClr>
+              </a:solidFill>
+            </a:endParaRPr>
+          </a:p>
+          <a:p>
+            <a:r>
+              <a:rPr lang="en-US" sz="4000" dirty="0" smtClean="0">
+                <a:solidFill>
+                  <a:schemeClr val="bg1">
+                    <a:lumMod val="65000"/>
+                  </a:schemeClr>
+                </a:solidFill>
+              </a:rPr>
+              <a:t>"Secure by default" examples</a:t>
+            </a:r>
+          </a:p>
+          <a:p>
+            <a:endParaRPr lang="en-US" sz="4000" dirty="0"/>
+          </a:p>
+          <a:p>
+            <a:r>
+              <a:rPr lang="en-US" sz="4000" dirty="0" smtClean="0"/>
+              <a:t>Declarative vs Imperative security</a:t>
+            </a:r>
+          </a:p>
+          <a:p>
+            <a:endParaRPr lang="en-US" sz="4000" dirty="0"/>
+          </a:p>
+          <a:p>
+            <a:endParaRPr lang="en-US" sz="4000" dirty="0"/>
+          </a:p>
+          <a:p>
+            <a:endParaRPr lang="en-US" sz="4000" dirty="0" smtClean="0"/>
+          </a:p>
+          <a:p>
+            <a:endParaRPr lang="en-US" sz="4000" dirty="0" smtClean="0"/>
+          </a:p>
+          <a:p>
+            <a:endParaRPr lang="en-US" dirty="0" smtClean="0"/>
+          </a:p>
+          <a:p>
+            <a:endParaRPr lang="en-US" dirty="0" smtClean="0"/>
+          </a:p>
+          <a:p>
+            <a:endParaRPr lang="en-US" dirty="0"/>
+          </a:p>
+        </p:txBody>
+      </p:sp>
+    </p:spTree>
+    <p:extLst>
+      <p:ext uri="{BB962C8B-B14F-4D97-AF65-F5344CB8AC3E}">
+        <p14:creationId xmlns:p14="http://schemas.microsoft.com/office/powerpoint/2010/main" val="1001694156"/>
+      </p:ext>
+    </p:extLst>
+  </p:cSld>
+  <p:clrMapOvr>
+    <a:masterClrMapping/>
+  </p:clrMapOvr>
+  <p:timing>
+    <p:tnLst>
+      <p:par>
+        <p:cTn id="1" dur="indefinite" restart="never" nodeType="tmRoot"/>
+      </p:par>
+    </p:tnLst>
+  </p:timing>
+</p:sld>
+</file>
+
+<file path=ppt/slides/slide70.xml><?xml version="1.0" encoding="utf-8"?>
 <p:sld xmlns:a="http://schemas.openxmlformats.org/drawingml/2006/main" xmlns:r="http://schemas.openxmlformats.org/officeDocument/2006/relationships" xmlns:p="http://schemas.openxmlformats.org/presentationml/2006/main">
   <p:cSld>
     <p:spTree>
@@ -19414,7 +19014,7 @@
 </p:sld>
 </file>
 
-<file path=ppt/slides/slide73.xml><?xml version="1.0" encoding="utf-8"?>
+<file path=ppt/slides/slide71.xml><?xml version="1.0" encoding="utf-8"?>
 <p:sld xmlns:a="http://schemas.openxmlformats.org/drawingml/2006/main" xmlns:r="http://schemas.openxmlformats.org/officeDocument/2006/relationships" xmlns:p="http://schemas.openxmlformats.org/presentationml/2006/main">
   <p:cSld>
     <p:spTree>
@@ -19535,7 +19135,7 @@
 </p:sld>
 </file>
 
-<file path=ppt/slides/slide74.xml><?xml version="1.0" encoding="utf-8"?>
+<file path=ppt/slides/slide72.xml><?xml version="1.0" encoding="utf-8"?>
 <p:sld xmlns:a="http://schemas.openxmlformats.org/drawingml/2006/main" xmlns:r="http://schemas.openxmlformats.org/officeDocument/2006/relationships" xmlns:p="http://schemas.openxmlformats.org/presentationml/2006/main">
   <p:cSld>
     <p:spTree>
@@ -19656,7 +19256,7 @@
 </p:sld>
 </file>
 
-<file path=ppt/slides/slide75.xml><?xml version="1.0" encoding="utf-8"?>
+<file path=ppt/slides/slide73.xml><?xml version="1.0" encoding="utf-8"?>
 <p:sld xmlns:a="http://schemas.openxmlformats.org/drawingml/2006/main" xmlns:r="http://schemas.openxmlformats.org/officeDocument/2006/relationships" xmlns:p="http://schemas.openxmlformats.org/presentationml/2006/main">
   <p:cSld>
     <p:spTree>
@@ -19777,7 +19377,7 @@
 </p:sld>
 </file>
 
-<file path=ppt/slides/slide76.xml><?xml version="1.0" encoding="utf-8"?>
+<file path=ppt/slides/slide74.xml><?xml version="1.0" encoding="utf-8"?>
 <p:sld xmlns:a="http://schemas.openxmlformats.org/drawingml/2006/main" xmlns:r="http://schemas.openxmlformats.org/officeDocument/2006/relationships" xmlns:p="http://schemas.openxmlformats.org/presentationml/2006/main">
   <p:cSld>
     <p:spTree>
@@ -19901,7 +19501,7 @@
 </p:sld>
 </file>
 
-<file path=ppt/slides/slide77.xml><?xml version="1.0" encoding="utf-8"?>
+<file path=ppt/slides/slide75.xml><?xml version="1.0" encoding="utf-8"?>
 <p:sld xmlns:a="http://schemas.openxmlformats.org/drawingml/2006/main" xmlns:r="http://schemas.openxmlformats.org/officeDocument/2006/relationships" xmlns:p="http://schemas.openxmlformats.org/presentationml/2006/main">
   <p:cSld>
     <p:spTree>
@@ -20031,7 +19631,7 @@
 </p:sld>
 </file>
 
-<file path=ppt/slides/slide78.xml><?xml version="1.0" encoding="utf-8"?>
+<file path=ppt/slides/slide76.xml><?xml version="1.0" encoding="utf-8"?>
 <p:sld xmlns:a="http://schemas.openxmlformats.org/drawingml/2006/main" xmlns:r="http://schemas.openxmlformats.org/officeDocument/2006/relationships" xmlns:p="http://schemas.openxmlformats.org/presentationml/2006/main">
   <p:cSld>
     <p:spTree>

--- a/Secure Systems - CodeMash 2017.pptx
+++ b/Secure Systems - CodeMash 2017.pptx
@@ -5,7 +5,7 @@
     <p:sldMasterId id="2147483749" r:id="rId1"/>
   </p:sldMasterIdLst>
   <p:notesMasterIdLst>
-    <p:notesMasterId r:id="rId78"/>
+    <p:notesMasterId r:id="rId77"/>
   </p:notesMasterIdLst>
   <p:sldIdLst>
     <p:sldId id="395" r:id="rId2"/>
@@ -30,60 +30,59 @@
     <p:sldId id="511" r:id="rId21"/>
     <p:sldId id="512" r:id="rId22"/>
     <p:sldId id="499" r:id="rId23"/>
-    <p:sldId id="545" r:id="rId24"/>
-    <p:sldId id="541" r:id="rId25"/>
-    <p:sldId id="550" r:id="rId26"/>
-    <p:sldId id="579" r:id="rId27"/>
-    <p:sldId id="519" r:id="rId28"/>
-    <p:sldId id="524" r:id="rId29"/>
-    <p:sldId id="521" r:id="rId30"/>
-    <p:sldId id="522" r:id="rId31"/>
-    <p:sldId id="525" r:id="rId32"/>
-    <p:sldId id="523" r:id="rId33"/>
-    <p:sldId id="520" r:id="rId34"/>
-    <p:sldId id="526" r:id="rId35"/>
-    <p:sldId id="540" r:id="rId36"/>
-    <p:sldId id="500" r:id="rId37"/>
-    <p:sldId id="553" r:id="rId38"/>
-    <p:sldId id="574" r:id="rId39"/>
-    <p:sldId id="573" r:id="rId40"/>
-    <p:sldId id="575" r:id="rId41"/>
-    <p:sldId id="534" r:id="rId42"/>
-    <p:sldId id="505" r:id="rId43"/>
-    <p:sldId id="535" r:id="rId44"/>
-    <p:sldId id="576" r:id="rId45"/>
-    <p:sldId id="507" r:id="rId46"/>
-    <p:sldId id="536" r:id="rId47"/>
-    <p:sldId id="580" r:id="rId48"/>
-    <p:sldId id="538" r:id="rId49"/>
-    <p:sldId id="539" r:id="rId50"/>
-    <p:sldId id="577" r:id="rId51"/>
-    <p:sldId id="537" r:id="rId52"/>
-    <p:sldId id="551" r:id="rId53"/>
-    <p:sldId id="552" r:id="rId54"/>
-    <p:sldId id="581" r:id="rId55"/>
-    <p:sldId id="501" r:id="rId56"/>
-    <p:sldId id="529" r:id="rId57"/>
-    <p:sldId id="546" r:id="rId58"/>
-    <p:sldId id="502" r:id="rId59"/>
-    <p:sldId id="503" r:id="rId60"/>
-    <p:sldId id="584" r:id="rId61"/>
-    <p:sldId id="586" r:id="rId62"/>
-    <p:sldId id="531" r:id="rId63"/>
-    <p:sldId id="585" r:id="rId64"/>
-    <p:sldId id="554" r:id="rId65"/>
-    <p:sldId id="530" r:id="rId66"/>
-    <p:sldId id="555" r:id="rId67"/>
-    <p:sldId id="556" r:id="rId68"/>
-    <p:sldId id="557" r:id="rId69"/>
-    <p:sldId id="558" r:id="rId70"/>
-    <p:sldId id="559" r:id="rId71"/>
-    <p:sldId id="564" r:id="rId72"/>
-    <p:sldId id="561" r:id="rId73"/>
-    <p:sldId id="565" r:id="rId74"/>
-    <p:sldId id="566" r:id="rId75"/>
-    <p:sldId id="568" r:id="rId76"/>
-    <p:sldId id="583" r:id="rId77"/>
+    <p:sldId id="550" r:id="rId24"/>
+    <p:sldId id="579" r:id="rId25"/>
+    <p:sldId id="519" r:id="rId26"/>
+    <p:sldId id="524" r:id="rId27"/>
+    <p:sldId id="521" r:id="rId28"/>
+    <p:sldId id="522" r:id="rId29"/>
+    <p:sldId id="525" r:id="rId30"/>
+    <p:sldId id="523" r:id="rId31"/>
+    <p:sldId id="520" r:id="rId32"/>
+    <p:sldId id="526" r:id="rId33"/>
+    <p:sldId id="540" r:id="rId34"/>
+    <p:sldId id="500" r:id="rId35"/>
+    <p:sldId id="553" r:id="rId36"/>
+    <p:sldId id="574" r:id="rId37"/>
+    <p:sldId id="573" r:id="rId38"/>
+    <p:sldId id="575" r:id="rId39"/>
+    <p:sldId id="534" r:id="rId40"/>
+    <p:sldId id="505" r:id="rId41"/>
+    <p:sldId id="535" r:id="rId42"/>
+    <p:sldId id="576" r:id="rId43"/>
+    <p:sldId id="507" r:id="rId44"/>
+    <p:sldId id="536" r:id="rId45"/>
+    <p:sldId id="580" r:id="rId46"/>
+    <p:sldId id="538" r:id="rId47"/>
+    <p:sldId id="539" r:id="rId48"/>
+    <p:sldId id="577" r:id="rId49"/>
+    <p:sldId id="537" r:id="rId50"/>
+    <p:sldId id="551" r:id="rId51"/>
+    <p:sldId id="552" r:id="rId52"/>
+    <p:sldId id="581" r:id="rId53"/>
+    <p:sldId id="501" r:id="rId54"/>
+    <p:sldId id="529" r:id="rId55"/>
+    <p:sldId id="546" r:id="rId56"/>
+    <p:sldId id="502" r:id="rId57"/>
+    <p:sldId id="503" r:id="rId58"/>
+    <p:sldId id="584" r:id="rId59"/>
+    <p:sldId id="586" r:id="rId60"/>
+    <p:sldId id="531" r:id="rId61"/>
+    <p:sldId id="585" r:id="rId62"/>
+    <p:sldId id="554" r:id="rId63"/>
+    <p:sldId id="530" r:id="rId64"/>
+    <p:sldId id="555" r:id="rId65"/>
+    <p:sldId id="556" r:id="rId66"/>
+    <p:sldId id="557" r:id="rId67"/>
+    <p:sldId id="558" r:id="rId68"/>
+    <p:sldId id="559" r:id="rId69"/>
+    <p:sldId id="564" r:id="rId70"/>
+    <p:sldId id="561" r:id="rId71"/>
+    <p:sldId id="565" r:id="rId72"/>
+    <p:sldId id="566" r:id="rId73"/>
+    <p:sldId id="568" r:id="rId74"/>
+    <p:sldId id="588" r:id="rId75"/>
+    <p:sldId id="587" r:id="rId76"/>
   </p:sldIdLst>
   <p:sldSz cx="12192000" cy="6858000"/>
   <p:notesSz cx="6858000" cy="9144000"/>
@@ -213,20 +212,6 @@
 </p:cmAuthorLst>
 </file>
 
-<file path=ppt/comments/comment1.xml><?xml version="1.0" encoding="utf-8"?>
-<p:cmLst xmlns:a="http://schemas.openxmlformats.org/drawingml/2006/main" xmlns:r="http://schemas.openxmlformats.org/officeDocument/2006/relationships" xmlns:p="http://schemas.openxmlformats.org/presentationml/2006/main">
-  <p:cm authorId="1" dt="2016-12-27T21:40:50.582" idx="1">
-    <p:pos x="10" y="10"/>
-    <p:text/>
-    <p:extLst>
-      <p:ext uri="{C676402C-5697-4E1C-873F-D02D1690AC5C}">
-        <p15:threadingInfo xmlns:p15="http://schemas.microsoft.com/office/powerpoint/2012/main" timeZoneBias="300"/>
-      </p:ext>
-    </p:extLst>
-  </p:cm>
-</p:cmLst>
-</file>
-
 <file path=ppt/notesMasters/notesMaster1.xml><?xml version="1.0" encoding="utf-8"?>
 <p:notesMaster xmlns:a="http://schemas.openxmlformats.org/drawingml/2006/main" xmlns:r="http://schemas.openxmlformats.org/officeDocument/2006/relationships" xmlns:p="http://schemas.openxmlformats.org/presentationml/2006/main">
   <p:cSld>
@@ -309,7 +294,7 @@
           <a:p>
             <a:fld id="{C54A4886-B4AF-42F7-97BE-95CDF82A73E3}" type="datetimeFigureOut">
               <a:rPr lang="en-US" smtClean="0"/>
-              <a:t>1/6/2017</a:t>
+              <a:t>1/8/2017</a:t>
             </a:fld>
             <a:endParaRPr lang="en-US"/>
           </a:p>
@@ -1994,7 +1979,7 @@
     </p:spTree>
     <p:extLst>
       <p:ext uri="{BB962C8B-B14F-4D97-AF65-F5344CB8AC3E}">
-        <p14:creationId xmlns:p14="http://schemas.microsoft.com/office/powerpoint/2010/main" val="532131523"/>
+        <p14:creationId xmlns:p14="http://schemas.microsoft.com/office/powerpoint/2010/main" val="3797934880"/>
       </p:ext>
     </p:extLst>
   </p:cSld>
@@ -2078,7 +2063,7 @@
     </p:spTree>
     <p:extLst>
       <p:ext uri="{BB962C8B-B14F-4D97-AF65-F5344CB8AC3E}">
-        <p14:creationId xmlns:p14="http://schemas.microsoft.com/office/powerpoint/2010/main" val="2847908271"/>
+        <p14:creationId xmlns:p14="http://schemas.microsoft.com/office/powerpoint/2010/main" val="920834877"/>
       </p:ext>
     </p:extLst>
   </p:cSld>
@@ -2132,32 +2117,7 @@
           <a:bodyPr/>
           <a:lstStyle/>
           <a:p>
-            <a:pPr marL="0" marR="0" indent="0" algn="l" defTabSz="914400" rtl="0" eaLnBrk="1" fontAlgn="auto" latinLnBrk="0" hangingPunct="1">
-              <a:lnSpc>
-                <a:spcPct val="100000"/>
-              </a:lnSpc>
-              <a:spcBef>
-                <a:spcPts val="0"/>
-              </a:spcBef>
-              <a:spcAft>
-                <a:spcPts val="0"/>
-              </a:spcAft>
-              <a:buClrTx/>
-              <a:buSzTx/>
-              <a:buFontTx/>
-              <a:buNone/>
-              <a:tabLst/>
-              <a:defRPr/>
-            </a:pPr>
-            <a:endParaRPr lang="en-US" sz="1200" kern="1200" dirty="0" smtClean="0">
-              <a:solidFill>
-                <a:schemeClr val="tx1"/>
-              </a:solidFill>
-              <a:effectLst/>
-              <a:latin typeface="+mn-lt"/>
-              <a:ea typeface="+mn-ea"/>
-              <a:cs typeface="+mn-cs"/>
-            </a:endParaRPr>
+            <a:endParaRPr lang="en-US" b="0" dirty="0" smtClean="0"/>
           </a:p>
         </p:txBody>
       </p:sp>
@@ -2187,7 +2147,7 @@
     </p:spTree>
     <p:extLst>
       <p:ext uri="{BB962C8B-B14F-4D97-AF65-F5344CB8AC3E}">
-        <p14:creationId xmlns:p14="http://schemas.microsoft.com/office/powerpoint/2010/main" val="3797934880"/>
+        <p14:creationId xmlns:p14="http://schemas.microsoft.com/office/powerpoint/2010/main" val="1777663287"/>
       </p:ext>
     </p:extLst>
   </p:cSld>
@@ -2271,7 +2231,7 @@
     </p:spTree>
     <p:extLst>
       <p:ext uri="{BB962C8B-B14F-4D97-AF65-F5344CB8AC3E}">
-        <p14:creationId xmlns:p14="http://schemas.microsoft.com/office/powerpoint/2010/main" val="920834877"/>
+        <p14:creationId xmlns:p14="http://schemas.microsoft.com/office/powerpoint/2010/main" val="128284815"/>
       </p:ext>
     </p:extLst>
   </p:cSld>
@@ -2355,7 +2315,7 @@
     </p:spTree>
     <p:extLst>
       <p:ext uri="{BB962C8B-B14F-4D97-AF65-F5344CB8AC3E}">
-        <p14:creationId xmlns:p14="http://schemas.microsoft.com/office/powerpoint/2010/main" val="1777663287"/>
+        <p14:creationId xmlns:p14="http://schemas.microsoft.com/office/powerpoint/2010/main" val="1266200327"/>
       </p:ext>
     </p:extLst>
   </p:cSld>
@@ -2439,7 +2399,7 @@
     </p:spTree>
     <p:extLst>
       <p:ext uri="{BB962C8B-B14F-4D97-AF65-F5344CB8AC3E}">
-        <p14:creationId xmlns:p14="http://schemas.microsoft.com/office/powerpoint/2010/main" val="128284815"/>
+        <p14:creationId xmlns:p14="http://schemas.microsoft.com/office/powerpoint/2010/main" val="3516029556"/>
       </p:ext>
     </p:extLst>
   </p:cSld>
@@ -2523,7 +2483,7 @@
     </p:spTree>
     <p:extLst>
       <p:ext uri="{BB962C8B-B14F-4D97-AF65-F5344CB8AC3E}">
-        <p14:creationId xmlns:p14="http://schemas.microsoft.com/office/powerpoint/2010/main" val="1266200327"/>
+        <p14:creationId xmlns:p14="http://schemas.microsoft.com/office/powerpoint/2010/main" val="3404565588"/>
       </p:ext>
     </p:extLst>
   </p:cSld>
@@ -2716,7 +2676,7 @@
     </p:spTree>
     <p:extLst>
       <p:ext uri="{BB962C8B-B14F-4D97-AF65-F5344CB8AC3E}">
-        <p14:creationId xmlns:p14="http://schemas.microsoft.com/office/powerpoint/2010/main" val="3516029556"/>
+        <p14:creationId xmlns:p14="http://schemas.microsoft.com/office/powerpoint/2010/main" val="2712589128"/>
       </p:ext>
     </p:extLst>
   </p:cSld>
@@ -2800,7 +2760,7 @@
     </p:spTree>
     <p:extLst>
       <p:ext uri="{BB962C8B-B14F-4D97-AF65-F5344CB8AC3E}">
-        <p14:creationId xmlns:p14="http://schemas.microsoft.com/office/powerpoint/2010/main" val="3404565588"/>
+        <p14:creationId xmlns:p14="http://schemas.microsoft.com/office/powerpoint/2010/main" val="1609105756"/>
       </p:ext>
     </p:extLst>
   </p:cSld>
@@ -2884,7 +2844,7 @@
     </p:spTree>
     <p:extLst>
       <p:ext uri="{BB962C8B-B14F-4D97-AF65-F5344CB8AC3E}">
-        <p14:creationId xmlns:p14="http://schemas.microsoft.com/office/powerpoint/2010/main" val="2712589128"/>
+        <p14:creationId xmlns:p14="http://schemas.microsoft.com/office/powerpoint/2010/main" val="4079219210"/>
       </p:ext>
     </p:extLst>
   </p:cSld>
@@ -2938,7 +2898,32 @@
           <a:bodyPr/>
           <a:lstStyle/>
           <a:p>
-            <a:endParaRPr lang="en-US" b="0" dirty="0" smtClean="0"/>
+            <a:pPr marL="0" marR="0" indent="0" algn="l" defTabSz="914400" rtl="0" eaLnBrk="1" fontAlgn="auto" latinLnBrk="0" hangingPunct="1">
+              <a:lnSpc>
+                <a:spcPct val="100000"/>
+              </a:lnSpc>
+              <a:spcBef>
+                <a:spcPts val="0"/>
+              </a:spcBef>
+              <a:spcAft>
+                <a:spcPts val="0"/>
+              </a:spcAft>
+              <a:buClrTx/>
+              <a:buSzTx/>
+              <a:buFontTx/>
+              <a:buNone/>
+              <a:tabLst/>
+              <a:defRPr/>
+            </a:pPr>
+            <a:endParaRPr lang="en-US" sz="1200" kern="1200" dirty="0" smtClean="0">
+              <a:solidFill>
+                <a:schemeClr val="tx1"/>
+              </a:solidFill>
+              <a:effectLst/>
+              <a:latin typeface="+mn-lt"/>
+              <a:ea typeface="+mn-ea"/>
+              <a:cs typeface="+mn-cs"/>
+            </a:endParaRPr>
           </a:p>
         </p:txBody>
       </p:sp>
@@ -2968,7 +2953,7 @@
     </p:spTree>
     <p:extLst>
       <p:ext uri="{BB962C8B-B14F-4D97-AF65-F5344CB8AC3E}">
-        <p14:creationId xmlns:p14="http://schemas.microsoft.com/office/powerpoint/2010/main" val="1609105756"/>
+        <p14:creationId xmlns:p14="http://schemas.microsoft.com/office/powerpoint/2010/main" val="1830730383"/>
       </p:ext>
     </p:extLst>
   </p:cSld>
@@ -3052,7 +3037,7 @@
     </p:spTree>
     <p:extLst>
       <p:ext uri="{BB962C8B-B14F-4D97-AF65-F5344CB8AC3E}">
-        <p14:creationId xmlns:p14="http://schemas.microsoft.com/office/powerpoint/2010/main" val="4079219210"/>
+        <p14:creationId xmlns:p14="http://schemas.microsoft.com/office/powerpoint/2010/main" val="1561525116"/>
       </p:ext>
     </p:extLst>
   </p:cSld>
@@ -3106,6 +3091,342 @@
           <a:bodyPr/>
           <a:lstStyle/>
           <a:p>
+            <a:endParaRPr lang="en-US" b="0" dirty="0" smtClean="0"/>
+          </a:p>
+        </p:txBody>
+      </p:sp>
+      <p:sp>
+        <p:nvSpPr>
+          <p:cNvPr id="4" name="Slide Number Placeholder 3"/>
+          <p:cNvSpPr>
+            <a:spLocks noGrp="1"/>
+          </p:cNvSpPr>
+          <p:nvPr>
+            <p:ph type="sldNum" sz="quarter" idx="10"/>
+          </p:nvPr>
+        </p:nvSpPr>
+        <p:spPr/>
+        <p:txBody>
+          <a:bodyPr/>
+          <a:lstStyle/>
+          <a:p>
+            <a:fld id="{89029652-62E7-43D6-83B5-097D7B7AA5D8}" type="slidenum">
+              <a:rPr lang="en-US" smtClean="0"/>
+              <a:t>35</a:t>
+            </a:fld>
+            <a:endParaRPr lang="en-US"/>
+          </a:p>
+        </p:txBody>
+      </p:sp>
+    </p:spTree>
+    <p:extLst>
+      <p:ext uri="{BB962C8B-B14F-4D97-AF65-F5344CB8AC3E}">
+        <p14:creationId xmlns:p14="http://schemas.microsoft.com/office/powerpoint/2010/main" val="1514808285"/>
+      </p:ext>
+    </p:extLst>
+  </p:cSld>
+  <p:clrMapOvr>
+    <a:masterClrMapping/>
+  </p:clrMapOvr>
+</p:notes>
+</file>
+
+<file path=ppt/notesSlides/notesSlide36.xml><?xml version="1.0" encoding="utf-8"?>
+<p:notes xmlns:a="http://schemas.openxmlformats.org/drawingml/2006/main" xmlns:r="http://schemas.openxmlformats.org/officeDocument/2006/relationships" xmlns:p="http://schemas.openxmlformats.org/presentationml/2006/main">
+  <p:cSld>
+    <p:spTree>
+      <p:nvGrpSpPr>
+        <p:cNvPr id="1" name=""/>
+        <p:cNvGrpSpPr/>
+        <p:nvPr/>
+      </p:nvGrpSpPr>
+      <p:grpSpPr>
+        <a:xfrm>
+          <a:off x="0" y="0"/>
+          <a:ext cx="0" cy="0"/>
+          <a:chOff x="0" y="0"/>
+          <a:chExt cx="0" cy="0"/>
+        </a:xfrm>
+      </p:grpSpPr>
+      <p:sp>
+        <p:nvSpPr>
+          <p:cNvPr id="2" name="Slide Image Placeholder 1"/>
+          <p:cNvSpPr>
+            <a:spLocks noGrp="1" noRot="1" noChangeAspect="1"/>
+          </p:cNvSpPr>
+          <p:nvPr>
+            <p:ph type="sldImg"/>
+          </p:nvPr>
+        </p:nvSpPr>
+        <p:spPr/>
+      </p:sp>
+      <p:sp>
+        <p:nvSpPr>
+          <p:cNvPr id="3" name="Notes Placeholder 2"/>
+          <p:cNvSpPr>
+            <a:spLocks noGrp="1"/>
+          </p:cNvSpPr>
+          <p:nvPr>
+            <p:ph type="body" idx="1"/>
+          </p:nvPr>
+        </p:nvSpPr>
+        <p:spPr/>
+        <p:txBody>
+          <a:bodyPr/>
+          <a:lstStyle/>
+          <a:p>
+            <a:endParaRPr lang="en-US" b="0" dirty="0" smtClean="0"/>
+          </a:p>
+        </p:txBody>
+      </p:sp>
+      <p:sp>
+        <p:nvSpPr>
+          <p:cNvPr id="4" name="Slide Number Placeholder 3"/>
+          <p:cNvSpPr>
+            <a:spLocks noGrp="1"/>
+          </p:cNvSpPr>
+          <p:nvPr>
+            <p:ph type="sldNum" sz="quarter" idx="10"/>
+          </p:nvPr>
+        </p:nvSpPr>
+        <p:spPr/>
+        <p:txBody>
+          <a:bodyPr/>
+          <a:lstStyle/>
+          <a:p>
+            <a:fld id="{89029652-62E7-43D6-83B5-097D7B7AA5D8}" type="slidenum">
+              <a:rPr lang="en-US" smtClean="0"/>
+              <a:t>36</a:t>
+            </a:fld>
+            <a:endParaRPr lang="en-US"/>
+          </a:p>
+        </p:txBody>
+      </p:sp>
+    </p:spTree>
+    <p:extLst>
+      <p:ext uri="{BB962C8B-B14F-4D97-AF65-F5344CB8AC3E}">
+        <p14:creationId xmlns:p14="http://schemas.microsoft.com/office/powerpoint/2010/main" val="3263699449"/>
+      </p:ext>
+    </p:extLst>
+  </p:cSld>
+  <p:clrMapOvr>
+    <a:masterClrMapping/>
+  </p:clrMapOvr>
+</p:notes>
+</file>
+
+<file path=ppt/notesSlides/notesSlide37.xml><?xml version="1.0" encoding="utf-8"?>
+<p:notes xmlns:a="http://schemas.openxmlformats.org/drawingml/2006/main" xmlns:r="http://schemas.openxmlformats.org/officeDocument/2006/relationships" xmlns:p="http://schemas.openxmlformats.org/presentationml/2006/main">
+  <p:cSld>
+    <p:spTree>
+      <p:nvGrpSpPr>
+        <p:cNvPr id="1" name=""/>
+        <p:cNvGrpSpPr/>
+        <p:nvPr/>
+      </p:nvGrpSpPr>
+      <p:grpSpPr>
+        <a:xfrm>
+          <a:off x="0" y="0"/>
+          <a:ext cx="0" cy="0"/>
+          <a:chOff x="0" y="0"/>
+          <a:chExt cx="0" cy="0"/>
+        </a:xfrm>
+      </p:grpSpPr>
+      <p:sp>
+        <p:nvSpPr>
+          <p:cNvPr id="2" name="Slide Image Placeholder 1"/>
+          <p:cNvSpPr>
+            <a:spLocks noGrp="1" noRot="1" noChangeAspect="1"/>
+          </p:cNvSpPr>
+          <p:nvPr>
+            <p:ph type="sldImg"/>
+          </p:nvPr>
+        </p:nvSpPr>
+        <p:spPr/>
+      </p:sp>
+      <p:sp>
+        <p:nvSpPr>
+          <p:cNvPr id="3" name="Notes Placeholder 2"/>
+          <p:cNvSpPr>
+            <a:spLocks noGrp="1"/>
+          </p:cNvSpPr>
+          <p:nvPr>
+            <p:ph type="body" idx="1"/>
+          </p:nvPr>
+        </p:nvSpPr>
+        <p:spPr/>
+        <p:txBody>
+          <a:bodyPr/>
+          <a:lstStyle/>
+          <a:p>
+            <a:endParaRPr lang="en-US" b="0" dirty="0" smtClean="0"/>
+          </a:p>
+        </p:txBody>
+      </p:sp>
+      <p:sp>
+        <p:nvSpPr>
+          <p:cNvPr id="4" name="Slide Number Placeholder 3"/>
+          <p:cNvSpPr>
+            <a:spLocks noGrp="1"/>
+          </p:cNvSpPr>
+          <p:nvPr>
+            <p:ph type="sldNum" sz="quarter" idx="10"/>
+          </p:nvPr>
+        </p:nvSpPr>
+        <p:spPr/>
+        <p:txBody>
+          <a:bodyPr/>
+          <a:lstStyle/>
+          <a:p>
+            <a:fld id="{89029652-62E7-43D6-83B5-097D7B7AA5D8}" type="slidenum">
+              <a:rPr lang="en-US" smtClean="0"/>
+              <a:t>37</a:t>
+            </a:fld>
+            <a:endParaRPr lang="en-US"/>
+          </a:p>
+        </p:txBody>
+      </p:sp>
+    </p:spTree>
+    <p:extLst>
+      <p:ext uri="{BB962C8B-B14F-4D97-AF65-F5344CB8AC3E}">
+        <p14:creationId xmlns:p14="http://schemas.microsoft.com/office/powerpoint/2010/main" val="1255163866"/>
+      </p:ext>
+    </p:extLst>
+  </p:cSld>
+  <p:clrMapOvr>
+    <a:masterClrMapping/>
+  </p:clrMapOvr>
+</p:notes>
+</file>
+
+<file path=ppt/notesSlides/notesSlide38.xml><?xml version="1.0" encoding="utf-8"?>
+<p:notes xmlns:a="http://schemas.openxmlformats.org/drawingml/2006/main" xmlns:r="http://schemas.openxmlformats.org/officeDocument/2006/relationships" xmlns:p="http://schemas.openxmlformats.org/presentationml/2006/main">
+  <p:cSld>
+    <p:spTree>
+      <p:nvGrpSpPr>
+        <p:cNvPr id="1" name=""/>
+        <p:cNvGrpSpPr/>
+        <p:nvPr/>
+      </p:nvGrpSpPr>
+      <p:grpSpPr>
+        <a:xfrm>
+          <a:off x="0" y="0"/>
+          <a:ext cx="0" cy="0"/>
+          <a:chOff x="0" y="0"/>
+          <a:chExt cx="0" cy="0"/>
+        </a:xfrm>
+      </p:grpSpPr>
+      <p:sp>
+        <p:nvSpPr>
+          <p:cNvPr id="2" name="Slide Image Placeholder 1"/>
+          <p:cNvSpPr>
+            <a:spLocks noGrp="1" noRot="1" noChangeAspect="1"/>
+          </p:cNvSpPr>
+          <p:nvPr>
+            <p:ph type="sldImg"/>
+          </p:nvPr>
+        </p:nvSpPr>
+        <p:spPr/>
+      </p:sp>
+      <p:sp>
+        <p:nvSpPr>
+          <p:cNvPr id="3" name="Notes Placeholder 2"/>
+          <p:cNvSpPr>
+            <a:spLocks noGrp="1"/>
+          </p:cNvSpPr>
+          <p:nvPr>
+            <p:ph type="body" idx="1"/>
+          </p:nvPr>
+        </p:nvSpPr>
+        <p:spPr/>
+        <p:txBody>
+          <a:bodyPr/>
+          <a:lstStyle/>
+          <a:p>
+            <a:endParaRPr lang="en-US" b="0" dirty="0" smtClean="0"/>
+          </a:p>
+        </p:txBody>
+      </p:sp>
+      <p:sp>
+        <p:nvSpPr>
+          <p:cNvPr id="4" name="Slide Number Placeholder 3"/>
+          <p:cNvSpPr>
+            <a:spLocks noGrp="1"/>
+          </p:cNvSpPr>
+          <p:nvPr>
+            <p:ph type="sldNum" sz="quarter" idx="10"/>
+          </p:nvPr>
+        </p:nvSpPr>
+        <p:spPr/>
+        <p:txBody>
+          <a:bodyPr/>
+          <a:lstStyle/>
+          <a:p>
+            <a:fld id="{89029652-62E7-43D6-83B5-097D7B7AA5D8}" type="slidenum">
+              <a:rPr lang="en-US" smtClean="0"/>
+              <a:t>38</a:t>
+            </a:fld>
+            <a:endParaRPr lang="en-US"/>
+          </a:p>
+        </p:txBody>
+      </p:sp>
+    </p:spTree>
+    <p:extLst>
+      <p:ext uri="{BB962C8B-B14F-4D97-AF65-F5344CB8AC3E}">
+        <p14:creationId xmlns:p14="http://schemas.microsoft.com/office/powerpoint/2010/main" val="532748052"/>
+      </p:ext>
+    </p:extLst>
+  </p:cSld>
+  <p:clrMapOvr>
+    <a:masterClrMapping/>
+  </p:clrMapOvr>
+</p:notes>
+</file>
+
+<file path=ppt/notesSlides/notesSlide39.xml><?xml version="1.0" encoding="utf-8"?>
+<p:notes xmlns:a="http://schemas.openxmlformats.org/drawingml/2006/main" xmlns:r="http://schemas.openxmlformats.org/officeDocument/2006/relationships" xmlns:p="http://schemas.openxmlformats.org/presentationml/2006/main">
+  <p:cSld>
+    <p:spTree>
+      <p:nvGrpSpPr>
+        <p:cNvPr id="1" name=""/>
+        <p:cNvGrpSpPr/>
+        <p:nvPr/>
+      </p:nvGrpSpPr>
+      <p:grpSpPr>
+        <a:xfrm>
+          <a:off x="0" y="0"/>
+          <a:ext cx="0" cy="0"/>
+          <a:chOff x="0" y="0"/>
+          <a:chExt cx="0" cy="0"/>
+        </a:xfrm>
+      </p:grpSpPr>
+      <p:sp>
+        <p:nvSpPr>
+          <p:cNvPr id="2" name="Slide Image Placeholder 1"/>
+          <p:cNvSpPr>
+            <a:spLocks noGrp="1" noRot="1" noChangeAspect="1"/>
+          </p:cNvSpPr>
+          <p:nvPr>
+            <p:ph type="sldImg"/>
+          </p:nvPr>
+        </p:nvSpPr>
+        <p:spPr/>
+      </p:sp>
+      <p:sp>
+        <p:nvSpPr>
+          <p:cNvPr id="3" name="Notes Placeholder 2"/>
+          <p:cNvSpPr>
+            <a:spLocks noGrp="1"/>
+          </p:cNvSpPr>
+          <p:nvPr>
+            <p:ph type="body" idx="1"/>
+          </p:nvPr>
+        </p:nvSpPr>
+        <p:spPr/>
+        <p:txBody>
+          <a:bodyPr/>
+          <a:lstStyle/>
+          <a:p>
             <a:pPr marL="0" marR="0" indent="0" algn="l" defTabSz="914400" rtl="0" eaLnBrk="1" fontAlgn="auto" latinLnBrk="0" hangingPunct="1">
               <a:lnSpc>
                 <a:spcPct val="100000"/>
@@ -3152,7 +3473,7 @@
           <a:p>
             <a:fld id="{89029652-62E7-43D6-83B5-097D7B7AA5D8}" type="slidenum">
               <a:rPr lang="en-US" smtClean="0"/>
-              <a:t>35</a:t>
+              <a:t>39</a:t>
             </a:fld>
             <a:endParaRPr lang="en-US"/>
           </a:p>
@@ -3161,343 +3482,7 @@
     </p:spTree>
     <p:extLst>
       <p:ext uri="{BB962C8B-B14F-4D97-AF65-F5344CB8AC3E}">
-        <p14:creationId xmlns:p14="http://schemas.microsoft.com/office/powerpoint/2010/main" val="1830730383"/>
-      </p:ext>
-    </p:extLst>
-  </p:cSld>
-  <p:clrMapOvr>
-    <a:masterClrMapping/>
-  </p:clrMapOvr>
-</p:notes>
-</file>
-
-<file path=ppt/notesSlides/notesSlide36.xml><?xml version="1.0" encoding="utf-8"?>
-<p:notes xmlns:a="http://schemas.openxmlformats.org/drawingml/2006/main" xmlns:r="http://schemas.openxmlformats.org/officeDocument/2006/relationships" xmlns:p="http://schemas.openxmlformats.org/presentationml/2006/main">
-  <p:cSld>
-    <p:spTree>
-      <p:nvGrpSpPr>
-        <p:cNvPr id="1" name=""/>
-        <p:cNvGrpSpPr/>
-        <p:nvPr/>
-      </p:nvGrpSpPr>
-      <p:grpSpPr>
-        <a:xfrm>
-          <a:off x="0" y="0"/>
-          <a:ext cx="0" cy="0"/>
-          <a:chOff x="0" y="0"/>
-          <a:chExt cx="0" cy="0"/>
-        </a:xfrm>
-      </p:grpSpPr>
-      <p:sp>
-        <p:nvSpPr>
-          <p:cNvPr id="2" name="Slide Image Placeholder 1"/>
-          <p:cNvSpPr>
-            <a:spLocks noGrp="1" noRot="1" noChangeAspect="1"/>
-          </p:cNvSpPr>
-          <p:nvPr>
-            <p:ph type="sldImg"/>
-          </p:nvPr>
-        </p:nvSpPr>
-        <p:spPr/>
-      </p:sp>
-      <p:sp>
-        <p:nvSpPr>
-          <p:cNvPr id="3" name="Notes Placeholder 2"/>
-          <p:cNvSpPr>
-            <a:spLocks noGrp="1"/>
-          </p:cNvSpPr>
-          <p:nvPr>
-            <p:ph type="body" idx="1"/>
-          </p:nvPr>
-        </p:nvSpPr>
-        <p:spPr/>
-        <p:txBody>
-          <a:bodyPr/>
-          <a:lstStyle/>
-          <a:p>
-            <a:endParaRPr lang="en-US" b="0" dirty="0" smtClean="0"/>
-          </a:p>
-        </p:txBody>
-      </p:sp>
-      <p:sp>
-        <p:nvSpPr>
-          <p:cNvPr id="4" name="Slide Number Placeholder 3"/>
-          <p:cNvSpPr>
-            <a:spLocks noGrp="1"/>
-          </p:cNvSpPr>
-          <p:nvPr>
-            <p:ph type="sldNum" sz="quarter" idx="10"/>
-          </p:nvPr>
-        </p:nvSpPr>
-        <p:spPr/>
-        <p:txBody>
-          <a:bodyPr/>
-          <a:lstStyle/>
-          <a:p>
-            <a:fld id="{89029652-62E7-43D6-83B5-097D7B7AA5D8}" type="slidenum">
-              <a:rPr lang="en-US" smtClean="0"/>
-              <a:t>36</a:t>
-            </a:fld>
-            <a:endParaRPr lang="en-US"/>
-          </a:p>
-        </p:txBody>
-      </p:sp>
-    </p:spTree>
-    <p:extLst>
-      <p:ext uri="{BB962C8B-B14F-4D97-AF65-F5344CB8AC3E}">
-        <p14:creationId xmlns:p14="http://schemas.microsoft.com/office/powerpoint/2010/main" val="1561525116"/>
-      </p:ext>
-    </p:extLst>
-  </p:cSld>
-  <p:clrMapOvr>
-    <a:masterClrMapping/>
-  </p:clrMapOvr>
-</p:notes>
-</file>
-
-<file path=ppt/notesSlides/notesSlide37.xml><?xml version="1.0" encoding="utf-8"?>
-<p:notes xmlns:a="http://schemas.openxmlformats.org/drawingml/2006/main" xmlns:r="http://schemas.openxmlformats.org/officeDocument/2006/relationships" xmlns:p="http://schemas.openxmlformats.org/presentationml/2006/main">
-  <p:cSld>
-    <p:spTree>
-      <p:nvGrpSpPr>
-        <p:cNvPr id="1" name=""/>
-        <p:cNvGrpSpPr/>
-        <p:nvPr/>
-      </p:nvGrpSpPr>
-      <p:grpSpPr>
-        <a:xfrm>
-          <a:off x="0" y="0"/>
-          <a:ext cx="0" cy="0"/>
-          <a:chOff x="0" y="0"/>
-          <a:chExt cx="0" cy="0"/>
-        </a:xfrm>
-      </p:grpSpPr>
-      <p:sp>
-        <p:nvSpPr>
-          <p:cNvPr id="2" name="Slide Image Placeholder 1"/>
-          <p:cNvSpPr>
-            <a:spLocks noGrp="1" noRot="1" noChangeAspect="1"/>
-          </p:cNvSpPr>
-          <p:nvPr>
-            <p:ph type="sldImg"/>
-          </p:nvPr>
-        </p:nvSpPr>
-        <p:spPr/>
-      </p:sp>
-      <p:sp>
-        <p:nvSpPr>
-          <p:cNvPr id="3" name="Notes Placeholder 2"/>
-          <p:cNvSpPr>
-            <a:spLocks noGrp="1"/>
-          </p:cNvSpPr>
-          <p:nvPr>
-            <p:ph type="body" idx="1"/>
-          </p:nvPr>
-        </p:nvSpPr>
-        <p:spPr/>
-        <p:txBody>
-          <a:bodyPr/>
-          <a:lstStyle/>
-          <a:p>
-            <a:endParaRPr lang="en-US" b="0" dirty="0" smtClean="0"/>
-          </a:p>
-        </p:txBody>
-      </p:sp>
-      <p:sp>
-        <p:nvSpPr>
-          <p:cNvPr id="4" name="Slide Number Placeholder 3"/>
-          <p:cNvSpPr>
-            <a:spLocks noGrp="1"/>
-          </p:cNvSpPr>
-          <p:nvPr>
-            <p:ph type="sldNum" sz="quarter" idx="10"/>
-          </p:nvPr>
-        </p:nvSpPr>
-        <p:spPr/>
-        <p:txBody>
-          <a:bodyPr/>
-          <a:lstStyle/>
-          <a:p>
-            <a:fld id="{89029652-62E7-43D6-83B5-097D7B7AA5D8}" type="slidenum">
-              <a:rPr lang="en-US" smtClean="0"/>
-              <a:t>37</a:t>
-            </a:fld>
-            <a:endParaRPr lang="en-US"/>
-          </a:p>
-        </p:txBody>
-      </p:sp>
-    </p:spTree>
-    <p:extLst>
-      <p:ext uri="{BB962C8B-B14F-4D97-AF65-F5344CB8AC3E}">
-        <p14:creationId xmlns:p14="http://schemas.microsoft.com/office/powerpoint/2010/main" val="1514808285"/>
-      </p:ext>
-    </p:extLst>
-  </p:cSld>
-  <p:clrMapOvr>
-    <a:masterClrMapping/>
-  </p:clrMapOvr>
-</p:notes>
-</file>
-
-<file path=ppt/notesSlides/notesSlide38.xml><?xml version="1.0" encoding="utf-8"?>
-<p:notes xmlns:a="http://schemas.openxmlformats.org/drawingml/2006/main" xmlns:r="http://schemas.openxmlformats.org/officeDocument/2006/relationships" xmlns:p="http://schemas.openxmlformats.org/presentationml/2006/main">
-  <p:cSld>
-    <p:spTree>
-      <p:nvGrpSpPr>
-        <p:cNvPr id="1" name=""/>
-        <p:cNvGrpSpPr/>
-        <p:nvPr/>
-      </p:nvGrpSpPr>
-      <p:grpSpPr>
-        <a:xfrm>
-          <a:off x="0" y="0"/>
-          <a:ext cx="0" cy="0"/>
-          <a:chOff x="0" y="0"/>
-          <a:chExt cx="0" cy="0"/>
-        </a:xfrm>
-      </p:grpSpPr>
-      <p:sp>
-        <p:nvSpPr>
-          <p:cNvPr id="2" name="Slide Image Placeholder 1"/>
-          <p:cNvSpPr>
-            <a:spLocks noGrp="1" noRot="1" noChangeAspect="1"/>
-          </p:cNvSpPr>
-          <p:nvPr>
-            <p:ph type="sldImg"/>
-          </p:nvPr>
-        </p:nvSpPr>
-        <p:spPr/>
-      </p:sp>
-      <p:sp>
-        <p:nvSpPr>
-          <p:cNvPr id="3" name="Notes Placeholder 2"/>
-          <p:cNvSpPr>
-            <a:spLocks noGrp="1"/>
-          </p:cNvSpPr>
-          <p:nvPr>
-            <p:ph type="body" idx="1"/>
-          </p:nvPr>
-        </p:nvSpPr>
-        <p:spPr/>
-        <p:txBody>
-          <a:bodyPr/>
-          <a:lstStyle/>
-          <a:p>
-            <a:endParaRPr lang="en-US" b="0" dirty="0" smtClean="0"/>
-          </a:p>
-        </p:txBody>
-      </p:sp>
-      <p:sp>
-        <p:nvSpPr>
-          <p:cNvPr id="4" name="Slide Number Placeholder 3"/>
-          <p:cNvSpPr>
-            <a:spLocks noGrp="1"/>
-          </p:cNvSpPr>
-          <p:nvPr>
-            <p:ph type="sldNum" sz="quarter" idx="10"/>
-          </p:nvPr>
-        </p:nvSpPr>
-        <p:spPr/>
-        <p:txBody>
-          <a:bodyPr/>
-          <a:lstStyle/>
-          <a:p>
-            <a:fld id="{89029652-62E7-43D6-83B5-097D7B7AA5D8}" type="slidenum">
-              <a:rPr lang="en-US" smtClean="0"/>
-              <a:t>38</a:t>
-            </a:fld>
-            <a:endParaRPr lang="en-US"/>
-          </a:p>
-        </p:txBody>
-      </p:sp>
-    </p:spTree>
-    <p:extLst>
-      <p:ext uri="{BB962C8B-B14F-4D97-AF65-F5344CB8AC3E}">
-        <p14:creationId xmlns:p14="http://schemas.microsoft.com/office/powerpoint/2010/main" val="3263699449"/>
-      </p:ext>
-    </p:extLst>
-  </p:cSld>
-  <p:clrMapOvr>
-    <a:masterClrMapping/>
-  </p:clrMapOvr>
-</p:notes>
-</file>
-
-<file path=ppt/notesSlides/notesSlide39.xml><?xml version="1.0" encoding="utf-8"?>
-<p:notes xmlns:a="http://schemas.openxmlformats.org/drawingml/2006/main" xmlns:r="http://schemas.openxmlformats.org/officeDocument/2006/relationships" xmlns:p="http://schemas.openxmlformats.org/presentationml/2006/main">
-  <p:cSld>
-    <p:spTree>
-      <p:nvGrpSpPr>
-        <p:cNvPr id="1" name=""/>
-        <p:cNvGrpSpPr/>
-        <p:nvPr/>
-      </p:nvGrpSpPr>
-      <p:grpSpPr>
-        <a:xfrm>
-          <a:off x="0" y="0"/>
-          <a:ext cx="0" cy="0"/>
-          <a:chOff x="0" y="0"/>
-          <a:chExt cx="0" cy="0"/>
-        </a:xfrm>
-      </p:grpSpPr>
-      <p:sp>
-        <p:nvSpPr>
-          <p:cNvPr id="2" name="Slide Image Placeholder 1"/>
-          <p:cNvSpPr>
-            <a:spLocks noGrp="1" noRot="1" noChangeAspect="1"/>
-          </p:cNvSpPr>
-          <p:nvPr>
-            <p:ph type="sldImg"/>
-          </p:nvPr>
-        </p:nvSpPr>
-        <p:spPr/>
-      </p:sp>
-      <p:sp>
-        <p:nvSpPr>
-          <p:cNvPr id="3" name="Notes Placeholder 2"/>
-          <p:cNvSpPr>
-            <a:spLocks noGrp="1"/>
-          </p:cNvSpPr>
-          <p:nvPr>
-            <p:ph type="body" idx="1"/>
-          </p:nvPr>
-        </p:nvSpPr>
-        <p:spPr/>
-        <p:txBody>
-          <a:bodyPr/>
-          <a:lstStyle/>
-          <a:p>
-            <a:endParaRPr lang="en-US" b="0" dirty="0" smtClean="0"/>
-          </a:p>
-        </p:txBody>
-      </p:sp>
-      <p:sp>
-        <p:nvSpPr>
-          <p:cNvPr id="4" name="Slide Number Placeholder 3"/>
-          <p:cNvSpPr>
-            <a:spLocks noGrp="1"/>
-          </p:cNvSpPr>
-          <p:nvPr>
-            <p:ph type="sldNum" sz="quarter" idx="10"/>
-          </p:nvPr>
-        </p:nvSpPr>
-        <p:spPr/>
-        <p:txBody>
-          <a:bodyPr/>
-          <a:lstStyle/>
-          <a:p>
-            <a:fld id="{89029652-62E7-43D6-83B5-097D7B7AA5D8}" type="slidenum">
-              <a:rPr lang="en-US" smtClean="0"/>
-              <a:t>39</a:t>
-            </a:fld>
-            <a:endParaRPr lang="en-US"/>
-          </a:p>
-        </p:txBody>
-      </p:sp>
-    </p:spTree>
-    <p:extLst>
-      <p:ext uri="{BB962C8B-B14F-4D97-AF65-F5344CB8AC3E}">
-        <p14:creationId xmlns:p14="http://schemas.microsoft.com/office/powerpoint/2010/main" val="1255163866"/>
+        <p14:creationId xmlns:p14="http://schemas.microsoft.com/office/powerpoint/2010/main" val="2286755864"/>
       </p:ext>
     </p:extLst>
   </p:cSld>
@@ -3690,7 +3675,7 @@
     </p:spTree>
     <p:extLst>
       <p:ext uri="{BB962C8B-B14F-4D97-AF65-F5344CB8AC3E}">
-        <p14:creationId xmlns:p14="http://schemas.microsoft.com/office/powerpoint/2010/main" val="532748052"/>
+        <p14:creationId xmlns:p14="http://schemas.microsoft.com/office/powerpoint/2010/main" val="2653332077"/>
       </p:ext>
     </p:extLst>
   </p:cSld>
@@ -3744,32 +3729,7 @@
           <a:bodyPr/>
           <a:lstStyle/>
           <a:p>
-            <a:pPr marL="0" marR="0" indent="0" algn="l" defTabSz="914400" rtl="0" eaLnBrk="1" fontAlgn="auto" latinLnBrk="0" hangingPunct="1">
-              <a:lnSpc>
-                <a:spcPct val="100000"/>
-              </a:lnSpc>
-              <a:spcBef>
-                <a:spcPts val="0"/>
-              </a:spcBef>
-              <a:spcAft>
-                <a:spcPts val="0"/>
-              </a:spcAft>
-              <a:buClrTx/>
-              <a:buSzTx/>
-              <a:buFontTx/>
-              <a:buNone/>
-              <a:tabLst/>
-              <a:defRPr/>
-            </a:pPr>
-            <a:endParaRPr lang="en-US" sz="1200" kern="1200" dirty="0" smtClean="0">
-              <a:solidFill>
-                <a:schemeClr val="tx1"/>
-              </a:solidFill>
-              <a:effectLst/>
-              <a:latin typeface="+mn-lt"/>
-              <a:ea typeface="+mn-ea"/>
-              <a:cs typeface="+mn-cs"/>
-            </a:endParaRPr>
+            <a:endParaRPr lang="en-US" b="0" dirty="0" smtClean="0"/>
           </a:p>
         </p:txBody>
       </p:sp>
@@ -3799,7 +3759,7 @@
     </p:spTree>
     <p:extLst>
       <p:ext uri="{BB962C8B-B14F-4D97-AF65-F5344CB8AC3E}">
-        <p14:creationId xmlns:p14="http://schemas.microsoft.com/office/powerpoint/2010/main" val="2286755864"/>
+        <p14:creationId xmlns:p14="http://schemas.microsoft.com/office/powerpoint/2010/main" val="3778399677"/>
       </p:ext>
     </p:extLst>
   </p:cSld>
@@ -3883,7 +3843,7 @@
     </p:spTree>
     <p:extLst>
       <p:ext uri="{BB962C8B-B14F-4D97-AF65-F5344CB8AC3E}">
-        <p14:creationId xmlns:p14="http://schemas.microsoft.com/office/powerpoint/2010/main" val="2653332077"/>
+        <p14:creationId xmlns:p14="http://schemas.microsoft.com/office/powerpoint/2010/main" val="4047639699"/>
       </p:ext>
     </p:extLst>
   </p:cSld>
@@ -3967,7 +3927,7 @@
     </p:spTree>
     <p:extLst>
       <p:ext uri="{BB962C8B-B14F-4D97-AF65-F5344CB8AC3E}">
-        <p14:creationId xmlns:p14="http://schemas.microsoft.com/office/powerpoint/2010/main" val="3778399677"/>
+        <p14:creationId xmlns:p14="http://schemas.microsoft.com/office/powerpoint/2010/main" val="3271057564"/>
       </p:ext>
     </p:extLst>
   </p:cSld>
@@ -4051,7 +4011,7 @@
     </p:spTree>
     <p:extLst>
       <p:ext uri="{BB962C8B-B14F-4D97-AF65-F5344CB8AC3E}">
-        <p14:creationId xmlns:p14="http://schemas.microsoft.com/office/powerpoint/2010/main" val="4047639699"/>
+        <p14:creationId xmlns:p14="http://schemas.microsoft.com/office/powerpoint/2010/main" val="150335864"/>
       </p:ext>
     </p:extLst>
   </p:cSld>
@@ -4135,7 +4095,7 @@
     </p:spTree>
     <p:extLst>
       <p:ext uri="{BB962C8B-B14F-4D97-AF65-F5344CB8AC3E}">
-        <p14:creationId xmlns:p14="http://schemas.microsoft.com/office/powerpoint/2010/main" val="3271057564"/>
+        <p14:creationId xmlns:p14="http://schemas.microsoft.com/office/powerpoint/2010/main" val="3480706183"/>
       </p:ext>
     </p:extLst>
   </p:cSld>
@@ -4219,7 +4179,7 @@
     </p:spTree>
     <p:extLst>
       <p:ext uri="{BB962C8B-B14F-4D97-AF65-F5344CB8AC3E}">
-        <p14:creationId xmlns:p14="http://schemas.microsoft.com/office/powerpoint/2010/main" val="150335864"/>
+        <p14:creationId xmlns:p14="http://schemas.microsoft.com/office/powerpoint/2010/main" val="1174323916"/>
       </p:ext>
     </p:extLst>
   </p:cSld>
@@ -4303,7 +4263,7 @@
     </p:spTree>
     <p:extLst>
       <p:ext uri="{BB962C8B-B14F-4D97-AF65-F5344CB8AC3E}">
-        <p14:creationId xmlns:p14="http://schemas.microsoft.com/office/powerpoint/2010/main" val="3480706183"/>
+        <p14:creationId xmlns:p14="http://schemas.microsoft.com/office/powerpoint/2010/main" val="22929660"/>
       </p:ext>
     </p:extLst>
   </p:cSld>
@@ -4387,7 +4347,7 @@
     </p:spTree>
     <p:extLst>
       <p:ext uri="{BB962C8B-B14F-4D97-AF65-F5344CB8AC3E}">
-        <p14:creationId xmlns:p14="http://schemas.microsoft.com/office/powerpoint/2010/main" val="1174323916"/>
+        <p14:creationId xmlns:p14="http://schemas.microsoft.com/office/powerpoint/2010/main" val="508677048"/>
       </p:ext>
     </p:extLst>
   </p:cSld>
@@ -4471,7 +4431,7 @@
     </p:spTree>
     <p:extLst>
       <p:ext uri="{BB962C8B-B14F-4D97-AF65-F5344CB8AC3E}">
-        <p14:creationId xmlns:p14="http://schemas.microsoft.com/office/powerpoint/2010/main" val="22929660"/>
+        <p14:creationId xmlns:p14="http://schemas.microsoft.com/office/powerpoint/2010/main" val="3079792467"/>
       </p:ext>
     </p:extLst>
   </p:cSld>
@@ -4609,7 +4569,32 @@
           <a:bodyPr/>
           <a:lstStyle/>
           <a:p>
-            <a:endParaRPr lang="en-US" b="0" dirty="0" smtClean="0"/>
+            <a:pPr marL="0" marR="0" indent="0" algn="l" defTabSz="914400" rtl="0" eaLnBrk="1" fontAlgn="auto" latinLnBrk="0" hangingPunct="1">
+              <a:lnSpc>
+                <a:spcPct val="100000"/>
+              </a:lnSpc>
+              <a:spcBef>
+                <a:spcPts val="0"/>
+              </a:spcBef>
+              <a:spcAft>
+                <a:spcPts val="0"/>
+              </a:spcAft>
+              <a:buClrTx/>
+              <a:buSzTx/>
+              <a:buFontTx/>
+              <a:buNone/>
+              <a:tabLst/>
+              <a:defRPr/>
+            </a:pPr>
+            <a:endParaRPr lang="en-US" sz="1200" kern="1200" dirty="0" smtClean="0">
+              <a:solidFill>
+                <a:schemeClr val="tx1"/>
+              </a:solidFill>
+              <a:effectLst/>
+              <a:latin typeface="+mn-lt"/>
+              <a:ea typeface="+mn-ea"/>
+              <a:cs typeface="+mn-cs"/>
+            </a:endParaRPr>
           </a:p>
         </p:txBody>
       </p:sp>
@@ -4639,7 +4624,7 @@
     </p:spTree>
     <p:extLst>
       <p:ext uri="{BB962C8B-B14F-4D97-AF65-F5344CB8AC3E}">
-        <p14:creationId xmlns:p14="http://schemas.microsoft.com/office/powerpoint/2010/main" val="508677048"/>
+        <p14:creationId xmlns:p14="http://schemas.microsoft.com/office/powerpoint/2010/main" val="1704645259"/>
       </p:ext>
     </p:extLst>
   </p:cSld>
@@ -4723,7 +4708,7 @@
     </p:spTree>
     <p:extLst>
       <p:ext uri="{BB962C8B-B14F-4D97-AF65-F5344CB8AC3E}">
-        <p14:creationId xmlns:p14="http://schemas.microsoft.com/office/powerpoint/2010/main" val="3079792467"/>
+        <p14:creationId xmlns:p14="http://schemas.microsoft.com/office/powerpoint/2010/main" val="381415188"/>
       </p:ext>
     </p:extLst>
   </p:cSld>
@@ -4777,6 +4762,258 @@
           <a:bodyPr/>
           <a:lstStyle/>
           <a:p>
+            <a:endParaRPr lang="en-US" b="0" dirty="0" smtClean="0"/>
+          </a:p>
+        </p:txBody>
+      </p:sp>
+      <p:sp>
+        <p:nvSpPr>
+          <p:cNvPr id="4" name="Slide Number Placeholder 3"/>
+          <p:cNvSpPr>
+            <a:spLocks noGrp="1"/>
+          </p:cNvSpPr>
+          <p:nvPr>
+            <p:ph type="sldNum" sz="quarter" idx="10"/>
+          </p:nvPr>
+        </p:nvSpPr>
+        <p:spPr/>
+        <p:txBody>
+          <a:bodyPr/>
+          <a:lstStyle/>
+          <a:p>
+            <a:fld id="{89029652-62E7-43D6-83B5-097D7B7AA5D8}" type="slidenum">
+              <a:rPr lang="en-US" smtClean="0"/>
+              <a:t>52</a:t>
+            </a:fld>
+            <a:endParaRPr lang="en-US"/>
+          </a:p>
+        </p:txBody>
+      </p:sp>
+    </p:spTree>
+    <p:extLst>
+      <p:ext uri="{BB962C8B-B14F-4D97-AF65-F5344CB8AC3E}">
+        <p14:creationId xmlns:p14="http://schemas.microsoft.com/office/powerpoint/2010/main" val="3234596091"/>
+      </p:ext>
+    </p:extLst>
+  </p:cSld>
+  <p:clrMapOvr>
+    <a:masterClrMapping/>
+  </p:clrMapOvr>
+</p:notes>
+</file>
+
+<file path=ppt/notesSlides/notesSlide53.xml><?xml version="1.0" encoding="utf-8"?>
+<p:notes xmlns:a="http://schemas.openxmlformats.org/drawingml/2006/main" xmlns:r="http://schemas.openxmlformats.org/officeDocument/2006/relationships" xmlns:p="http://schemas.openxmlformats.org/presentationml/2006/main">
+  <p:cSld>
+    <p:spTree>
+      <p:nvGrpSpPr>
+        <p:cNvPr id="1" name=""/>
+        <p:cNvGrpSpPr/>
+        <p:nvPr/>
+      </p:nvGrpSpPr>
+      <p:grpSpPr>
+        <a:xfrm>
+          <a:off x="0" y="0"/>
+          <a:ext cx="0" cy="0"/>
+          <a:chOff x="0" y="0"/>
+          <a:chExt cx="0" cy="0"/>
+        </a:xfrm>
+      </p:grpSpPr>
+      <p:sp>
+        <p:nvSpPr>
+          <p:cNvPr id="2" name="Slide Image Placeholder 1"/>
+          <p:cNvSpPr>
+            <a:spLocks noGrp="1" noRot="1" noChangeAspect="1"/>
+          </p:cNvSpPr>
+          <p:nvPr>
+            <p:ph type="sldImg"/>
+          </p:nvPr>
+        </p:nvSpPr>
+        <p:spPr/>
+      </p:sp>
+      <p:sp>
+        <p:nvSpPr>
+          <p:cNvPr id="3" name="Notes Placeholder 2"/>
+          <p:cNvSpPr>
+            <a:spLocks noGrp="1"/>
+          </p:cNvSpPr>
+          <p:nvPr>
+            <p:ph type="body" idx="1"/>
+          </p:nvPr>
+        </p:nvSpPr>
+        <p:spPr/>
+        <p:txBody>
+          <a:bodyPr/>
+          <a:lstStyle/>
+          <a:p>
+            <a:endParaRPr lang="en-US" b="0" dirty="0" smtClean="0"/>
+          </a:p>
+        </p:txBody>
+      </p:sp>
+      <p:sp>
+        <p:nvSpPr>
+          <p:cNvPr id="4" name="Slide Number Placeholder 3"/>
+          <p:cNvSpPr>
+            <a:spLocks noGrp="1"/>
+          </p:cNvSpPr>
+          <p:nvPr>
+            <p:ph type="sldNum" sz="quarter" idx="10"/>
+          </p:nvPr>
+        </p:nvSpPr>
+        <p:spPr/>
+        <p:txBody>
+          <a:bodyPr/>
+          <a:lstStyle/>
+          <a:p>
+            <a:fld id="{89029652-62E7-43D6-83B5-097D7B7AA5D8}" type="slidenum">
+              <a:rPr lang="en-US" smtClean="0"/>
+              <a:t>53</a:t>
+            </a:fld>
+            <a:endParaRPr lang="en-US"/>
+          </a:p>
+        </p:txBody>
+      </p:sp>
+    </p:spTree>
+    <p:extLst>
+      <p:ext uri="{BB962C8B-B14F-4D97-AF65-F5344CB8AC3E}">
+        <p14:creationId xmlns:p14="http://schemas.microsoft.com/office/powerpoint/2010/main" val="3344468672"/>
+      </p:ext>
+    </p:extLst>
+  </p:cSld>
+  <p:clrMapOvr>
+    <a:masterClrMapping/>
+  </p:clrMapOvr>
+</p:notes>
+</file>
+
+<file path=ppt/notesSlides/notesSlide54.xml><?xml version="1.0" encoding="utf-8"?>
+<p:notes xmlns:a="http://schemas.openxmlformats.org/drawingml/2006/main" xmlns:r="http://schemas.openxmlformats.org/officeDocument/2006/relationships" xmlns:p="http://schemas.openxmlformats.org/presentationml/2006/main">
+  <p:cSld>
+    <p:spTree>
+      <p:nvGrpSpPr>
+        <p:cNvPr id="1" name=""/>
+        <p:cNvGrpSpPr/>
+        <p:nvPr/>
+      </p:nvGrpSpPr>
+      <p:grpSpPr>
+        <a:xfrm>
+          <a:off x="0" y="0"/>
+          <a:ext cx="0" cy="0"/>
+          <a:chOff x="0" y="0"/>
+          <a:chExt cx="0" cy="0"/>
+        </a:xfrm>
+      </p:grpSpPr>
+      <p:sp>
+        <p:nvSpPr>
+          <p:cNvPr id="2" name="Slide Image Placeholder 1"/>
+          <p:cNvSpPr>
+            <a:spLocks noGrp="1" noRot="1" noChangeAspect="1"/>
+          </p:cNvSpPr>
+          <p:nvPr>
+            <p:ph type="sldImg"/>
+          </p:nvPr>
+        </p:nvSpPr>
+        <p:spPr/>
+      </p:sp>
+      <p:sp>
+        <p:nvSpPr>
+          <p:cNvPr id="3" name="Notes Placeholder 2"/>
+          <p:cNvSpPr>
+            <a:spLocks noGrp="1"/>
+          </p:cNvSpPr>
+          <p:nvPr>
+            <p:ph type="body" idx="1"/>
+          </p:nvPr>
+        </p:nvSpPr>
+        <p:spPr/>
+        <p:txBody>
+          <a:bodyPr/>
+          <a:lstStyle/>
+          <a:p>
+            <a:endParaRPr lang="en-US" b="0" dirty="0" smtClean="0"/>
+          </a:p>
+        </p:txBody>
+      </p:sp>
+      <p:sp>
+        <p:nvSpPr>
+          <p:cNvPr id="4" name="Slide Number Placeholder 3"/>
+          <p:cNvSpPr>
+            <a:spLocks noGrp="1"/>
+          </p:cNvSpPr>
+          <p:nvPr>
+            <p:ph type="sldNum" sz="quarter" idx="10"/>
+          </p:nvPr>
+        </p:nvSpPr>
+        <p:spPr/>
+        <p:txBody>
+          <a:bodyPr/>
+          <a:lstStyle/>
+          <a:p>
+            <a:fld id="{89029652-62E7-43D6-83B5-097D7B7AA5D8}" type="slidenum">
+              <a:rPr lang="en-US" smtClean="0"/>
+              <a:t>54</a:t>
+            </a:fld>
+            <a:endParaRPr lang="en-US"/>
+          </a:p>
+        </p:txBody>
+      </p:sp>
+    </p:spTree>
+    <p:extLst>
+      <p:ext uri="{BB962C8B-B14F-4D97-AF65-F5344CB8AC3E}">
+        <p14:creationId xmlns:p14="http://schemas.microsoft.com/office/powerpoint/2010/main" val="3143393369"/>
+      </p:ext>
+    </p:extLst>
+  </p:cSld>
+  <p:clrMapOvr>
+    <a:masterClrMapping/>
+  </p:clrMapOvr>
+</p:notes>
+</file>
+
+<file path=ppt/notesSlides/notesSlide55.xml><?xml version="1.0" encoding="utf-8"?>
+<p:notes xmlns:a="http://schemas.openxmlformats.org/drawingml/2006/main" xmlns:r="http://schemas.openxmlformats.org/officeDocument/2006/relationships" xmlns:p="http://schemas.openxmlformats.org/presentationml/2006/main">
+  <p:cSld>
+    <p:spTree>
+      <p:nvGrpSpPr>
+        <p:cNvPr id="1" name=""/>
+        <p:cNvGrpSpPr/>
+        <p:nvPr/>
+      </p:nvGrpSpPr>
+      <p:grpSpPr>
+        <a:xfrm>
+          <a:off x="0" y="0"/>
+          <a:ext cx="0" cy="0"/>
+          <a:chOff x="0" y="0"/>
+          <a:chExt cx="0" cy="0"/>
+        </a:xfrm>
+      </p:grpSpPr>
+      <p:sp>
+        <p:nvSpPr>
+          <p:cNvPr id="2" name="Slide Image Placeholder 1"/>
+          <p:cNvSpPr>
+            <a:spLocks noGrp="1" noRot="1" noChangeAspect="1"/>
+          </p:cNvSpPr>
+          <p:nvPr>
+            <p:ph type="sldImg"/>
+          </p:nvPr>
+        </p:nvSpPr>
+        <p:spPr/>
+      </p:sp>
+      <p:sp>
+        <p:nvSpPr>
+          <p:cNvPr id="3" name="Notes Placeholder 2"/>
+          <p:cNvSpPr>
+            <a:spLocks noGrp="1"/>
+          </p:cNvSpPr>
+          <p:nvPr>
+            <p:ph type="body" idx="1"/>
+          </p:nvPr>
+        </p:nvSpPr>
+        <p:spPr/>
+        <p:txBody>
+          <a:bodyPr/>
+          <a:lstStyle/>
+          <a:p>
             <a:pPr marL="0" marR="0" indent="0" algn="l" defTabSz="914400" rtl="0" eaLnBrk="1" fontAlgn="auto" latinLnBrk="0" hangingPunct="1">
               <a:lnSpc>
                 <a:spcPct val="100000"/>
@@ -4823,7 +5060,7 @@
           <a:p>
             <a:fld id="{89029652-62E7-43D6-83B5-097D7B7AA5D8}" type="slidenum">
               <a:rPr lang="en-US" smtClean="0"/>
-              <a:t>52</a:t>
+              <a:t>55</a:t>
             </a:fld>
             <a:endParaRPr lang="en-US"/>
           </a:p>
@@ -4832,259 +5069,7 @@
     </p:spTree>
     <p:extLst>
       <p:ext uri="{BB962C8B-B14F-4D97-AF65-F5344CB8AC3E}">
-        <p14:creationId xmlns:p14="http://schemas.microsoft.com/office/powerpoint/2010/main" val="1704645259"/>
-      </p:ext>
-    </p:extLst>
-  </p:cSld>
-  <p:clrMapOvr>
-    <a:masterClrMapping/>
-  </p:clrMapOvr>
-</p:notes>
-</file>
-
-<file path=ppt/notesSlides/notesSlide53.xml><?xml version="1.0" encoding="utf-8"?>
-<p:notes xmlns:a="http://schemas.openxmlformats.org/drawingml/2006/main" xmlns:r="http://schemas.openxmlformats.org/officeDocument/2006/relationships" xmlns:p="http://schemas.openxmlformats.org/presentationml/2006/main">
-  <p:cSld>
-    <p:spTree>
-      <p:nvGrpSpPr>
-        <p:cNvPr id="1" name=""/>
-        <p:cNvGrpSpPr/>
-        <p:nvPr/>
-      </p:nvGrpSpPr>
-      <p:grpSpPr>
-        <a:xfrm>
-          <a:off x="0" y="0"/>
-          <a:ext cx="0" cy="0"/>
-          <a:chOff x="0" y="0"/>
-          <a:chExt cx="0" cy="0"/>
-        </a:xfrm>
-      </p:grpSpPr>
-      <p:sp>
-        <p:nvSpPr>
-          <p:cNvPr id="2" name="Slide Image Placeholder 1"/>
-          <p:cNvSpPr>
-            <a:spLocks noGrp="1" noRot="1" noChangeAspect="1"/>
-          </p:cNvSpPr>
-          <p:nvPr>
-            <p:ph type="sldImg"/>
-          </p:nvPr>
-        </p:nvSpPr>
-        <p:spPr/>
-      </p:sp>
-      <p:sp>
-        <p:nvSpPr>
-          <p:cNvPr id="3" name="Notes Placeholder 2"/>
-          <p:cNvSpPr>
-            <a:spLocks noGrp="1"/>
-          </p:cNvSpPr>
-          <p:nvPr>
-            <p:ph type="body" idx="1"/>
-          </p:nvPr>
-        </p:nvSpPr>
-        <p:spPr/>
-        <p:txBody>
-          <a:bodyPr/>
-          <a:lstStyle/>
-          <a:p>
-            <a:endParaRPr lang="en-US" b="0" dirty="0" smtClean="0"/>
-          </a:p>
-        </p:txBody>
-      </p:sp>
-      <p:sp>
-        <p:nvSpPr>
-          <p:cNvPr id="4" name="Slide Number Placeholder 3"/>
-          <p:cNvSpPr>
-            <a:spLocks noGrp="1"/>
-          </p:cNvSpPr>
-          <p:nvPr>
-            <p:ph type="sldNum" sz="quarter" idx="10"/>
-          </p:nvPr>
-        </p:nvSpPr>
-        <p:spPr/>
-        <p:txBody>
-          <a:bodyPr/>
-          <a:lstStyle/>
-          <a:p>
-            <a:fld id="{89029652-62E7-43D6-83B5-097D7B7AA5D8}" type="slidenum">
-              <a:rPr lang="en-US" smtClean="0"/>
-              <a:t>53</a:t>
-            </a:fld>
-            <a:endParaRPr lang="en-US"/>
-          </a:p>
-        </p:txBody>
-      </p:sp>
-    </p:spTree>
-    <p:extLst>
-      <p:ext uri="{BB962C8B-B14F-4D97-AF65-F5344CB8AC3E}">
-        <p14:creationId xmlns:p14="http://schemas.microsoft.com/office/powerpoint/2010/main" val="381415188"/>
-      </p:ext>
-    </p:extLst>
-  </p:cSld>
-  <p:clrMapOvr>
-    <a:masterClrMapping/>
-  </p:clrMapOvr>
-</p:notes>
-</file>
-
-<file path=ppt/notesSlides/notesSlide54.xml><?xml version="1.0" encoding="utf-8"?>
-<p:notes xmlns:a="http://schemas.openxmlformats.org/drawingml/2006/main" xmlns:r="http://schemas.openxmlformats.org/officeDocument/2006/relationships" xmlns:p="http://schemas.openxmlformats.org/presentationml/2006/main">
-  <p:cSld>
-    <p:spTree>
-      <p:nvGrpSpPr>
-        <p:cNvPr id="1" name=""/>
-        <p:cNvGrpSpPr/>
-        <p:nvPr/>
-      </p:nvGrpSpPr>
-      <p:grpSpPr>
-        <a:xfrm>
-          <a:off x="0" y="0"/>
-          <a:ext cx="0" cy="0"/>
-          <a:chOff x="0" y="0"/>
-          <a:chExt cx="0" cy="0"/>
-        </a:xfrm>
-      </p:grpSpPr>
-      <p:sp>
-        <p:nvSpPr>
-          <p:cNvPr id="2" name="Slide Image Placeholder 1"/>
-          <p:cNvSpPr>
-            <a:spLocks noGrp="1" noRot="1" noChangeAspect="1"/>
-          </p:cNvSpPr>
-          <p:nvPr>
-            <p:ph type="sldImg"/>
-          </p:nvPr>
-        </p:nvSpPr>
-        <p:spPr/>
-      </p:sp>
-      <p:sp>
-        <p:nvSpPr>
-          <p:cNvPr id="3" name="Notes Placeholder 2"/>
-          <p:cNvSpPr>
-            <a:spLocks noGrp="1"/>
-          </p:cNvSpPr>
-          <p:nvPr>
-            <p:ph type="body" idx="1"/>
-          </p:nvPr>
-        </p:nvSpPr>
-        <p:spPr/>
-        <p:txBody>
-          <a:bodyPr/>
-          <a:lstStyle/>
-          <a:p>
-            <a:endParaRPr lang="en-US" b="0" dirty="0" smtClean="0"/>
-          </a:p>
-        </p:txBody>
-      </p:sp>
-      <p:sp>
-        <p:nvSpPr>
-          <p:cNvPr id="4" name="Slide Number Placeholder 3"/>
-          <p:cNvSpPr>
-            <a:spLocks noGrp="1"/>
-          </p:cNvSpPr>
-          <p:nvPr>
-            <p:ph type="sldNum" sz="quarter" idx="10"/>
-          </p:nvPr>
-        </p:nvSpPr>
-        <p:spPr/>
-        <p:txBody>
-          <a:bodyPr/>
-          <a:lstStyle/>
-          <a:p>
-            <a:fld id="{89029652-62E7-43D6-83B5-097D7B7AA5D8}" type="slidenum">
-              <a:rPr lang="en-US" smtClean="0"/>
-              <a:t>54</a:t>
-            </a:fld>
-            <a:endParaRPr lang="en-US"/>
-          </a:p>
-        </p:txBody>
-      </p:sp>
-    </p:spTree>
-    <p:extLst>
-      <p:ext uri="{BB962C8B-B14F-4D97-AF65-F5344CB8AC3E}">
-        <p14:creationId xmlns:p14="http://schemas.microsoft.com/office/powerpoint/2010/main" val="3234596091"/>
-      </p:ext>
-    </p:extLst>
-  </p:cSld>
-  <p:clrMapOvr>
-    <a:masterClrMapping/>
-  </p:clrMapOvr>
-</p:notes>
-</file>
-
-<file path=ppt/notesSlides/notesSlide55.xml><?xml version="1.0" encoding="utf-8"?>
-<p:notes xmlns:a="http://schemas.openxmlformats.org/drawingml/2006/main" xmlns:r="http://schemas.openxmlformats.org/officeDocument/2006/relationships" xmlns:p="http://schemas.openxmlformats.org/presentationml/2006/main">
-  <p:cSld>
-    <p:spTree>
-      <p:nvGrpSpPr>
-        <p:cNvPr id="1" name=""/>
-        <p:cNvGrpSpPr/>
-        <p:nvPr/>
-      </p:nvGrpSpPr>
-      <p:grpSpPr>
-        <a:xfrm>
-          <a:off x="0" y="0"/>
-          <a:ext cx="0" cy="0"/>
-          <a:chOff x="0" y="0"/>
-          <a:chExt cx="0" cy="0"/>
-        </a:xfrm>
-      </p:grpSpPr>
-      <p:sp>
-        <p:nvSpPr>
-          <p:cNvPr id="2" name="Slide Image Placeholder 1"/>
-          <p:cNvSpPr>
-            <a:spLocks noGrp="1" noRot="1" noChangeAspect="1"/>
-          </p:cNvSpPr>
-          <p:nvPr>
-            <p:ph type="sldImg"/>
-          </p:nvPr>
-        </p:nvSpPr>
-        <p:spPr/>
-      </p:sp>
-      <p:sp>
-        <p:nvSpPr>
-          <p:cNvPr id="3" name="Notes Placeholder 2"/>
-          <p:cNvSpPr>
-            <a:spLocks noGrp="1"/>
-          </p:cNvSpPr>
-          <p:nvPr>
-            <p:ph type="body" idx="1"/>
-          </p:nvPr>
-        </p:nvSpPr>
-        <p:spPr/>
-        <p:txBody>
-          <a:bodyPr/>
-          <a:lstStyle/>
-          <a:p>
-            <a:endParaRPr lang="en-US" b="0" dirty="0" smtClean="0"/>
-          </a:p>
-        </p:txBody>
-      </p:sp>
-      <p:sp>
-        <p:nvSpPr>
-          <p:cNvPr id="4" name="Slide Number Placeholder 3"/>
-          <p:cNvSpPr>
-            <a:spLocks noGrp="1"/>
-          </p:cNvSpPr>
-          <p:nvPr>
-            <p:ph type="sldNum" sz="quarter" idx="10"/>
-          </p:nvPr>
-        </p:nvSpPr>
-        <p:spPr/>
-        <p:txBody>
-          <a:bodyPr/>
-          <a:lstStyle/>
-          <a:p>
-            <a:fld id="{89029652-62E7-43D6-83B5-097D7B7AA5D8}" type="slidenum">
-              <a:rPr lang="en-US" smtClean="0"/>
-              <a:t>55</a:t>
-            </a:fld>
-            <a:endParaRPr lang="en-US"/>
-          </a:p>
-        </p:txBody>
-      </p:sp>
-    </p:spTree>
-    <p:extLst>
-      <p:ext uri="{BB962C8B-B14F-4D97-AF65-F5344CB8AC3E}">
-        <p14:creationId xmlns:p14="http://schemas.microsoft.com/office/powerpoint/2010/main" val="3344468672"/>
+        <p14:creationId xmlns:p14="http://schemas.microsoft.com/office/powerpoint/2010/main" val="1557858908"/>
       </p:ext>
     </p:extLst>
   </p:cSld>
@@ -5168,7 +5153,7 @@
     </p:spTree>
     <p:extLst>
       <p:ext uri="{BB962C8B-B14F-4D97-AF65-F5344CB8AC3E}">
-        <p14:creationId xmlns:p14="http://schemas.microsoft.com/office/powerpoint/2010/main" val="3143393369"/>
+        <p14:creationId xmlns:p14="http://schemas.microsoft.com/office/powerpoint/2010/main" val="3450469856"/>
       </p:ext>
     </p:extLst>
   </p:cSld>
@@ -5222,32 +5207,7 @@
           <a:bodyPr/>
           <a:lstStyle/>
           <a:p>
-            <a:pPr marL="0" marR="0" indent="0" algn="l" defTabSz="914400" rtl="0" eaLnBrk="1" fontAlgn="auto" latinLnBrk="0" hangingPunct="1">
-              <a:lnSpc>
-                <a:spcPct val="100000"/>
-              </a:lnSpc>
-              <a:spcBef>
-                <a:spcPts val="0"/>
-              </a:spcBef>
-              <a:spcAft>
-                <a:spcPts val="0"/>
-              </a:spcAft>
-              <a:buClrTx/>
-              <a:buSzTx/>
-              <a:buFontTx/>
-              <a:buNone/>
-              <a:tabLst/>
-              <a:defRPr/>
-            </a:pPr>
-            <a:endParaRPr lang="en-US" sz="1200" kern="1200" dirty="0" smtClean="0">
-              <a:solidFill>
-                <a:schemeClr val="tx1"/>
-              </a:solidFill>
-              <a:effectLst/>
-              <a:latin typeface="+mn-lt"/>
-              <a:ea typeface="+mn-ea"/>
-              <a:cs typeface="+mn-cs"/>
-            </a:endParaRPr>
+            <a:endParaRPr lang="en-US" b="0" dirty="0" smtClean="0"/>
           </a:p>
         </p:txBody>
       </p:sp>
@@ -5277,7 +5237,7 @@
     </p:spTree>
     <p:extLst>
       <p:ext uri="{BB962C8B-B14F-4D97-AF65-F5344CB8AC3E}">
-        <p14:creationId xmlns:p14="http://schemas.microsoft.com/office/powerpoint/2010/main" val="1557858908"/>
+        <p14:creationId xmlns:p14="http://schemas.microsoft.com/office/powerpoint/2010/main" val="2647091800"/>
       </p:ext>
     </p:extLst>
   </p:cSld>
@@ -5361,7 +5321,7 @@
     </p:spTree>
     <p:extLst>
       <p:ext uri="{BB962C8B-B14F-4D97-AF65-F5344CB8AC3E}">
-        <p14:creationId xmlns:p14="http://schemas.microsoft.com/office/powerpoint/2010/main" val="3450469856"/>
+        <p14:creationId xmlns:p14="http://schemas.microsoft.com/office/powerpoint/2010/main" val="2829916917"/>
       </p:ext>
     </p:extLst>
   </p:cSld>
@@ -5445,7 +5405,7 @@
     </p:spTree>
     <p:extLst>
       <p:ext uri="{BB962C8B-B14F-4D97-AF65-F5344CB8AC3E}">
-        <p14:creationId xmlns:p14="http://schemas.microsoft.com/office/powerpoint/2010/main" val="2647091800"/>
+        <p14:creationId xmlns:p14="http://schemas.microsoft.com/office/powerpoint/2010/main" val="1954400629"/>
       </p:ext>
     </p:extLst>
   </p:cSld>
@@ -5613,7 +5573,7 @@
     </p:spTree>
     <p:extLst>
       <p:ext uri="{BB962C8B-B14F-4D97-AF65-F5344CB8AC3E}">
-        <p14:creationId xmlns:p14="http://schemas.microsoft.com/office/powerpoint/2010/main" val="2829916917"/>
+        <p14:creationId xmlns:p14="http://schemas.microsoft.com/office/powerpoint/2010/main" val="3603726692"/>
       </p:ext>
     </p:extLst>
   </p:cSld>
@@ -5697,7 +5657,7 @@
     </p:spTree>
     <p:extLst>
       <p:ext uri="{BB962C8B-B14F-4D97-AF65-F5344CB8AC3E}">
-        <p14:creationId xmlns:p14="http://schemas.microsoft.com/office/powerpoint/2010/main" val="1954400629"/>
+        <p14:creationId xmlns:p14="http://schemas.microsoft.com/office/powerpoint/2010/main" val="1764780958"/>
       </p:ext>
     </p:extLst>
   </p:cSld>
@@ -5751,7 +5711,32 @@
           <a:bodyPr/>
           <a:lstStyle/>
           <a:p>
-            <a:endParaRPr lang="en-US" b="0" dirty="0" smtClean="0"/>
+            <a:pPr marL="0" marR="0" indent="0" algn="l" defTabSz="914400" rtl="0" eaLnBrk="1" fontAlgn="auto" latinLnBrk="0" hangingPunct="1">
+              <a:lnSpc>
+                <a:spcPct val="100000"/>
+              </a:lnSpc>
+              <a:spcBef>
+                <a:spcPts val="0"/>
+              </a:spcBef>
+              <a:spcAft>
+                <a:spcPts val="0"/>
+              </a:spcAft>
+              <a:buClrTx/>
+              <a:buSzTx/>
+              <a:buFontTx/>
+              <a:buNone/>
+              <a:tabLst/>
+              <a:defRPr/>
+            </a:pPr>
+            <a:endParaRPr lang="en-US" sz="1200" kern="1200" dirty="0" smtClean="0">
+              <a:solidFill>
+                <a:schemeClr val="tx1"/>
+              </a:solidFill>
+              <a:effectLst/>
+              <a:latin typeface="+mn-lt"/>
+              <a:ea typeface="+mn-ea"/>
+              <a:cs typeface="+mn-cs"/>
+            </a:endParaRPr>
           </a:p>
         </p:txBody>
       </p:sp>
@@ -5781,7 +5766,7 @@
     </p:spTree>
     <p:extLst>
       <p:ext uri="{BB962C8B-B14F-4D97-AF65-F5344CB8AC3E}">
-        <p14:creationId xmlns:p14="http://schemas.microsoft.com/office/powerpoint/2010/main" val="3603726692"/>
+        <p14:creationId xmlns:p14="http://schemas.microsoft.com/office/powerpoint/2010/main" val="1923953829"/>
       </p:ext>
     </p:extLst>
   </p:cSld>
@@ -5865,7 +5850,7 @@
     </p:spTree>
     <p:extLst>
       <p:ext uri="{BB962C8B-B14F-4D97-AF65-F5344CB8AC3E}">
-        <p14:creationId xmlns:p14="http://schemas.microsoft.com/office/powerpoint/2010/main" val="1764780958"/>
+        <p14:creationId xmlns:p14="http://schemas.microsoft.com/office/powerpoint/2010/main" val="531577243"/>
       </p:ext>
     </p:extLst>
   </p:cSld>
@@ -5919,32 +5904,7 @@
           <a:bodyPr/>
           <a:lstStyle/>
           <a:p>
-            <a:pPr marL="0" marR="0" indent="0" algn="l" defTabSz="914400" rtl="0" eaLnBrk="1" fontAlgn="auto" latinLnBrk="0" hangingPunct="1">
-              <a:lnSpc>
-                <a:spcPct val="100000"/>
-              </a:lnSpc>
-              <a:spcBef>
-                <a:spcPts val="0"/>
-              </a:spcBef>
-              <a:spcAft>
-                <a:spcPts val="0"/>
-              </a:spcAft>
-              <a:buClrTx/>
-              <a:buSzTx/>
-              <a:buFontTx/>
-              <a:buNone/>
-              <a:tabLst/>
-              <a:defRPr/>
-            </a:pPr>
-            <a:endParaRPr lang="en-US" sz="1200" kern="1200" dirty="0" smtClean="0">
-              <a:solidFill>
-                <a:schemeClr val="tx1"/>
-              </a:solidFill>
-              <a:effectLst/>
-              <a:latin typeface="+mn-lt"/>
-              <a:ea typeface="+mn-ea"/>
-              <a:cs typeface="+mn-cs"/>
-            </a:endParaRPr>
+            <a:endParaRPr lang="en-US" b="0" dirty="0" smtClean="0"/>
           </a:p>
         </p:txBody>
       </p:sp>
@@ -5974,7 +5934,7 @@
     </p:spTree>
     <p:extLst>
       <p:ext uri="{BB962C8B-B14F-4D97-AF65-F5344CB8AC3E}">
-        <p14:creationId xmlns:p14="http://schemas.microsoft.com/office/powerpoint/2010/main" val="1923953829"/>
+        <p14:creationId xmlns:p14="http://schemas.microsoft.com/office/powerpoint/2010/main" val="2079785236"/>
       </p:ext>
     </p:extLst>
   </p:cSld>
@@ -6058,7 +6018,7 @@
     </p:spTree>
     <p:extLst>
       <p:ext uri="{BB962C8B-B14F-4D97-AF65-F5344CB8AC3E}">
-        <p14:creationId xmlns:p14="http://schemas.microsoft.com/office/powerpoint/2010/main" val="531577243"/>
+        <p14:creationId xmlns:p14="http://schemas.microsoft.com/office/powerpoint/2010/main" val="1664318980"/>
       </p:ext>
     </p:extLst>
   </p:cSld>
@@ -6142,7 +6102,7 @@
     </p:spTree>
     <p:extLst>
       <p:ext uri="{BB962C8B-B14F-4D97-AF65-F5344CB8AC3E}">
-        <p14:creationId xmlns:p14="http://schemas.microsoft.com/office/powerpoint/2010/main" val="2079785236"/>
+        <p14:creationId xmlns:p14="http://schemas.microsoft.com/office/powerpoint/2010/main" val="1581406028"/>
       </p:ext>
     </p:extLst>
   </p:cSld>
@@ -6226,7 +6186,7 @@
     </p:spTree>
     <p:extLst>
       <p:ext uri="{BB962C8B-B14F-4D97-AF65-F5344CB8AC3E}">
-        <p14:creationId xmlns:p14="http://schemas.microsoft.com/office/powerpoint/2010/main" val="1664318980"/>
+        <p14:creationId xmlns:p14="http://schemas.microsoft.com/office/powerpoint/2010/main" val="299799724"/>
       </p:ext>
     </p:extLst>
   </p:cSld>
@@ -6310,7 +6270,7 @@
     </p:spTree>
     <p:extLst>
       <p:ext uri="{BB962C8B-B14F-4D97-AF65-F5344CB8AC3E}">
-        <p14:creationId xmlns:p14="http://schemas.microsoft.com/office/powerpoint/2010/main" val="1581406028"/>
+        <p14:creationId xmlns:p14="http://schemas.microsoft.com/office/powerpoint/2010/main" val="2229440876"/>
       </p:ext>
     </p:extLst>
   </p:cSld>
@@ -6394,7 +6354,7 @@
     </p:spTree>
     <p:extLst>
       <p:ext uri="{BB962C8B-B14F-4D97-AF65-F5344CB8AC3E}">
-        <p14:creationId xmlns:p14="http://schemas.microsoft.com/office/powerpoint/2010/main" val="299799724"/>
+        <p14:creationId xmlns:p14="http://schemas.microsoft.com/office/powerpoint/2010/main" val="2350728921"/>
       </p:ext>
     </p:extLst>
   </p:cSld>
@@ -6562,7 +6522,7 @@
     </p:spTree>
     <p:extLst>
       <p:ext uri="{BB962C8B-B14F-4D97-AF65-F5344CB8AC3E}">
-        <p14:creationId xmlns:p14="http://schemas.microsoft.com/office/powerpoint/2010/main" val="2229440876"/>
+        <p14:creationId xmlns:p14="http://schemas.microsoft.com/office/powerpoint/2010/main" val="1004591723"/>
       </p:ext>
     </p:extLst>
   </p:cSld>
@@ -6646,7 +6606,7 @@
     </p:spTree>
     <p:extLst>
       <p:ext uri="{BB962C8B-B14F-4D97-AF65-F5344CB8AC3E}">
-        <p14:creationId xmlns:p14="http://schemas.microsoft.com/office/powerpoint/2010/main" val="2350728921"/>
+        <p14:creationId xmlns:p14="http://schemas.microsoft.com/office/powerpoint/2010/main" val="1737165775"/>
       </p:ext>
     </p:extLst>
   </p:cSld>
@@ -6730,7 +6690,7 @@
     </p:spTree>
     <p:extLst>
       <p:ext uri="{BB962C8B-B14F-4D97-AF65-F5344CB8AC3E}">
-        <p14:creationId xmlns:p14="http://schemas.microsoft.com/office/powerpoint/2010/main" val="1004591723"/>
+        <p14:creationId xmlns:p14="http://schemas.microsoft.com/office/powerpoint/2010/main" val="1030293071"/>
       </p:ext>
     </p:extLst>
   </p:cSld>
@@ -6814,7 +6774,7 @@
     </p:spTree>
     <p:extLst>
       <p:ext uri="{BB962C8B-B14F-4D97-AF65-F5344CB8AC3E}">
-        <p14:creationId xmlns:p14="http://schemas.microsoft.com/office/powerpoint/2010/main" val="1737165775"/>
+        <p14:creationId xmlns:p14="http://schemas.microsoft.com/office/powerpoint/2010/main" val="834707851"/>
       </p:ext>
     </p:extLst>
   </p:cSld>
@@ -6868,7 +6828,32 @@
           <a:bodyPr/>
           <a:lstStyle/>
           <a:p>
-            <a:endParaRPr lang="en-US" b="0" dirty="0" smtClean="0"/>
+            <a:pPr marL="0" marR="0" indent="0" algn="l" defTabSz="914400" rtl="0" eaLnBrk="1" fontAlgn="auto" latinLnBrk="0" hangingPunct="1">
+              <a:lnSpc>
+                <a:spcPct val="100000"/>
+              </a:lnSpc>
+              <a:spcBef>
+                <a:spcPts val="0"/>
+              </a:spcBef>
+              <a:spcAft>
+                <a:spcPts val="0"/>
+              </a:spcAft>
+              <a:buClrTx/>
+              <a:buSzTx/>
+              <a:buFontTx/>
+              <a:buNone/>
+              <a:tabLst/>
+              <a:defRPr/>
+            </a:pPr>
+            <a:endParaRPr lang="en-US" sz="1200" kern="1200" dirty="0" smtClean="0">
+              <a:solidFill>
+                <a:schemeClr val="tx1"/>
+              </a:solidFill>
+              <a:effectLst/>
+              <a:latin typeface="+mn-lt"/>
+              <a:ea typeface="+mn-ea"/>
+              <a:cs typeface="+mn-cs"/>
+            </a:endParaRPr>
           </a:p>
         </p:txBody>
       </p:sp>
@@ -6898,7 +6883,7 @@
     </p:spTree>
     <p:extLst>
       <p:ext uri="{BB962C8B-B14F-4D97-AF65-F5344CB8AC3E}">
-        <p14:creationId xmlns:p14="http://schemas.microsoft.com/office/powerpoint/2010/main" val="1030293071"/>
+        <p14:creationId xmlns:p14="http://schemas.microsoft.com/office/powerpoint/2010/main" val="4095300961"/>
       </p:ext>
     </p:extLst>
   </p:cSld>
@@ -6982,91 +6967,7 @@
     </p:spTree>
     <p:extLst>
       <p:ext uri="{BB962C8B-B14F-4D97-AF65-F5344CB8AC3E}">
-        <p14:creationId xmlns:p14="http://schemas.microsoft.com/office/powerpoint/2010/main" val="834707851"/>
-      </p:ext>
-    </p:extLst>
-  </p:cSld>
-  <p:clrMapOvr>
-    <a:masterClrMapping/>
-  </p:clrMapOvr>
-</p:notes>
-</file>
-
-<file path=ppt/notesSlides/notesSlide76.xml><?xml version="1.0" encoding="utf-8"?>
-<p:notes xmlns:a="http://schemas.openxmlformats.org/drawingml/2006/main" xmlns:r="http://schemas.openxmlformats.org/officeDocument/2006/relationships" xmlns:p="http://schemas.openxmlformats.org/presentationml/2006/main">
-  <p:cSld>
-    <p:spTree>
-      <p:nvGrpSpPr>
-        <p:cNvPr id="1" name=""/>
-        <p:cNvGrpSpPr/>
-        <p:nvPr/>
-      </p:nvGrpSpPr>
-      <p:grpSpPr>
-        <a:xfrm>
-          <a:off x="0" y="0"/>
-          <a:ext cx="0" cy="0"/>
-          <a:chOff x="0" y="0"/>
-          <a:chExt cx="0" cy="0"/>
-        </a:xfrm>
-      </p:grpSpPr>
-      <p:sp>
-        <p:nvSpPr>
-          <p:cNvPr id="2" name="Slide Image Placeholder 1"/>
-          <p:cNvSpPr>
-            <a:spLocks noGrp="1" noRot="1" noChangeAspect="1"/>
-          </p:cNvSpPr>
-          <p:nvPr>
-            <p:ph type="sldImg"/>
-          </p:nvPr>
-        </p:nvSpPr>
-        <p:spPr/>
-      </p:sp>
-      <p:sp>
-        <p:nvSpPr>
-          <p:cNvPr id="3" name="Notes Placeholder 2"/>
-          <p:cNvSpPr>
-            <a:spLocks noGrp="1"/>
-          </p:cNvSpPr>
-          <p:nvPr>
-            <p:ph type="body" idx="1"/>
-          </p:nvPr>
-        </p:nvSpPr>
-        <p:spPr/>
-        <p:txBody>
-          <a:bodyPr/>
-          <a:lstStyle/>
-          <a:p>
-            <a:endParaRPr lang="en-US" b="0" dirty="0" smtClean="0"/>
-          </a:p>
-        </p:txBody>
-      </p:sp>
-      <p:sp>
-        <p:nvSpPr>
-          <p:cNvPr id="4" name="Slide Number Placeholder 3"/>
-          <p:cNvSpPr>
-            <a:spLocks noGrp="1"/>
-          </p:cNvSpPr>
-          <p:nvPr>
-            <p:ph type="sldNum" sz="quarter" idx="10"/>
-          </p:nvPr>
-        </p:nvSpPr>
-        <p:spPr/>
-        <p:txBody>
-          <a:bodyPr/>
-          <a:lstStyle/>
-          <a:p>
-            <a:fld id="{89029652-62E7-43D6-83B5-097D7B7AA5D8}" type="slidenum">
-              <a:rPr lang="en-US" smtClean="0"/>
-              <a:t>76</a:t>
-            </a:fld>
-            <a:endParaRPr lang="en-US"/>
-          </a:p>
-        </p:txBody>
-      </p:sp>
-    </p:spTree>
-    <p:extLst>
-      <p:ext uri="{BB962C8B-B14F-4D97-AF65-F5344CB8AC3E}">
-        <p14:creationId xmlns:p14="http://schemas.microsoft.com/office/powerpoint/2010/main" val="1748055161"/>
+        <p14:creationId xmlns:p14="http://schemas.microsoft.com/office/powerpoint/2010/main" val="850989674"/>
       </p:ext>
     </p:extLst>
   </p:cSld>
@@ -7375,7 +7276,7 @@
           <a:p>
             <a:fld id="{75AA6396-395E-4ADA-8EE5-F328BC863A04}" type="datetimeFigureOut">
               <a:rPr lang="en-US" smtClean="0"/>
-              <a:t>1/6/2017</a:t>
+              <a:t>1/8/2017</a:t>
             </a:fld>
             <a:endParaRPr lang="en-US"/>
           </a:p>
@@ -7552,7 +7453,7 @@
           <a:p>
             <a:fld id="{75AA6396-395E-4ADA-8EE5-F328BC863A04}" type="datetimeFigureOut">
               <a:rPr lang="en-US" smtClean="0"/>
-              <a:t>1/6/2017</a:t>
+              <a:t>1/8/2017</a:t>
             </a:fld>
             <a:endParaRPr lang="en-US"/>
           </a:p>
@@ -7732,7 +7633,7 @@
           <a:p>
             <a:fld id="{75AA6396-395E-4ADA-8EE5-F328BC863A04}" type="datetimeFigureOut">
               <a:rPr lang="en-US" smtClean="0"/>
-              <a:t>1/6/2017</a:t>
+              <a:t>1/8/2017</a:t>
             </a:fld>
             <a:endParaRPr lang="en-US"/>
           </a:p>
@@ -7952,7 +7853,7 @@
           <a:p>
             <a:fld id="{75AA6396-395E-4ADA-8EE5-F328BC863A04}" type="datetimeFigureOut">
               <a:rPr lang="en-US" smtClean="0"/>
-              <a:t>1/6/2017</a:t>
+              <a:t>1/8/2017</a:t>
             </a:fld>
             <a:endParaRPr lang="en-US"/>
           </a:p>
@@ -8205,7 +8106,7 @@
           <a:p>
             <a:fld id="{75AA6396-395E-4ADA-8EE5-F328BC863A04}" type="datetimeFigureOut">
               <a:rPr lang="en-US" smtClean="0"/>
-              <a:t>1/6/2017</a:t>
+              <a:t>1/8/2017</a:t>
             </a:fld>
             <a:endParaRPr lang="en-US"/>
           </a:p>
@@ -8444,7 +8345,7 @@
           <a:p>
             <a:fld id="{75AA6396-395E-4ADA-8EE5-F328BC863A04}" type="datetimeFigureOut">
               <a:rPr lang="en-US" smtClean="0"/>
-              <a:t>1/6/2017</a:t>
+              <a:t>1/8/2017</a:t>
             </a:fld>
             <a:endParaRPr lang="en-US"/>
           </a:p>
@@ -8818,7 +8719,7 @@
           <a:p>
             <a:fld id="{75AA6396-395E-4ADA-8EE5-F328BC863A04}" type="datetimeFigureOut">
               <a:rPr lang="en-US" smtClean="0"/>
-              <a:t>1/6/2017</a:t>
+              <a:t>1/8/2017</a:t>
             </a:fld>
             <a:endParaRPr lang="en-US"/>
           </a:p>
@@ -8936,7 +8837,7 @@
           <a:p>
             <a:fld id="{75AA6396-395E-4ADA-8EE5-F328BC863A04}" type="datetimeFigureOut">
               <a:rPr lang="en-US" smtClean="0"/>
-              <a:t>1/6/2017</a:t>
+              <a:t>1/8/2017</a:t>
             </a:fld>
             <a:endParaRPr lang="en-US"/>
           </a:p>
@@ -9031,7 +8932,7 @@
           <a:p>
             <a:fld id="{75AA6396-395E-4ADA-8EE5-F328BC863A04}" type="datetimeFigureOut">
               <a:rPr lang="en-US" smtClean="0"/>
-              <a:t>1/6/2017</a:t>
+              <a:t>1/8/2017</a:t>
             </a:fld>
             <a:endParaRPr lang="en-US"/>
           </a:p>
@@ -9308,7 +9209,7 @@
           <a:p>
             <a:fld id="{75AA6396-395E-4ADA-8EE5-F328BC863A04}" type="datetimeFigureOut">
               <a:rPr lang="en-US" smtClean="0"/>
-              <a:t>1/6/2017</a:t>
+              <a:t>1/8/2017</a:t>
             </a:fld>
             <a:endParaRPr lang="en-US"/>
           </a:p>
@@ -9561,7 +9462,7 @@
           <a:p>
             <a:fld id="{75AA6396-395E-4ADA-8EE5-F328BC863A04}" type="datetimeFigureOut">
               <a:rPr lang="en-US" smtClean="0"/>
-              <a:t>1/6/2017</a:t>
+              <a:t>1/8/2017</a:t>
             </a:fld>
             <a:endParaRPr lang="en-US"/>
           </a:p>
@@ -9774,7 +9675,7 @@
           <a:p>
             <a:fld id="{75AA6396-395E-4ADA-8EE5-F328BC863A04}" type="datetimeFigureOut">
               <a:rPr lang="en-US" smtClean="0"/>
-              <a:t>1/6/2017</a:t>
+              <a:t>1/8/2017</a:t>
             </a:fld>
             <a:endParaRPr lang="en-US"/>
           </a:p>
@@ -10228,11 +10129,7 @@
             <a:pPr algn="ctr"/>
             <a:r>
               <a:rPr lang="en-US" sz="6000" dirty="0" smtClean="0"/>
-              <a:t>Don't Write Secure Code</a:t>
-            </a:r>
-            <a:r>
-              <a:rPr lang="en-US" sz="6000" dirty="0" smtClean="0"/>
-              <a:t>!</a:t>
+              <a:t>Don't Write Secure Code!</a:t>
             </a:r>
             <a:br>
               <a:rPr lang="en-US" sz="6000" dirty="0" smtClean="0"/>
@@ -10260,17 +10157,7 @@
                   </a:schemeClr>
                 </a:solidFill>
               </a:rPr>
-              <a:t>(</a:t>
-            </a:r>
-            <a:r>
-              <a:rPr lang="en-US" dirty="0" smtClean="0">
-                <a:solidFill>
-                  <a:schemeClr val="bg1">
-                    <a:lumMod val="50000"/>
-                  </a:schemeClr>
-                </a:solidFill>
-              </a:rPr>
-              <a:t>Build secure systems instead)</a:t>
+              <a:t>(Build secure systems instead)</a:t>
             </a:r>
             <a:endParaRPr lang="en-US" sz="4000" dirty="0">
               <a:solidFill>
@@ -12387,7 +12274,15 @@
                   <a:srgbClr val="013947"/>
                 </a:solidFill>
               </a:rPr>
-              <a:t>bit.ly/2i0J91d</a:t>
+              <a:t>bit.ly/</a:t>
+            </a:r>
+            <a:r>
+              <a:rPr lang="en-US" dirty="0" err="1" smtClean="0">
+                <a:solidFill>
+                  <a:srgbClr val="013947"/>
+                </a:solidFill>
+              </a:rPr>
+              <a:t>DontWriteSecureCode</a:t>
             </a:r>
             <a:endParaRPr lang="en-US" sz="4800" dirty="0">
               <a:solidFill>
@@ -12418,254 +12313,6 @@
 </file>
 
 <file path=ppt/slides/slide23.xml><?xml version="1.0" encoding="utf-8"?>
-<p:sld xmlns:a="http://schemas.openxmlformats.org/drawingml/2006/main" xmlns:r="http://schemas.openxmlformats.org/officeDocument/2006/relationships" xmlns:p="http://schemas.openxmlformats.org/presentationml/2006/main" show="0">
-  <p:cSld>
-    <p:spTree>
-      <p:nvGrpSpPr>
-        <p:cNvPr id="1" name=""/>
-        <p:cNvGrpSpPr/>
-        <p:nvPr/>
-      </p:nvGrpSpPr>
-      <p:grpSpPr>
-        <a:xfrm>
-          <a:off x="0" y="0"/>
-          <a:ext cx="0" cy="0"/>
-          <a:chOff x="0" y="0"/>
-          <a:chExt cx="0" cy="0"/>
-        </a:xfrm>
-      </p:grpSpPr>
-      <p:sp>
-        <p:nvSpPr>
-          <p:cNvPr id="2" name="Title 1"/>
-          <p:cNvSpPr>
-            <a:spLocks noGrp="1"/>
-          </p:cNvSpPr>
-          <p:nvPr>
-            <p:ph type="title"/>
-          </p:nvPr>
-        </p:nvSpPr>
-        <p:spPr>
-          <a:xfrm>
-            <a:off x="964927" y="1"/>
-            <a:ext cx="10515600" cy="6858000"/>
-          </a:xfrm>
-        </p:spPr>
-        <p:txBody>
-          <a:bodyPr anchor="ctr">
-            <a:normAutofit/>
-          </a:bodyPr>
-          <a:lstStyle/>
-          <a:p>
-            <a:pPr algn="ctr"/>
-            <a:r>
-              <a:rPr lang="en-US" sz="4800" dirty="0" smtClean="0"/>
-              <a:t>SQL Injection</a:t>
-            </a:r>
-            <a:br>
-              <a:rPr lang="en-US" sz="4800" dirty="0" smtClean="0"/>
-            </a:br>
-            <a:r>
-              <a:rPr lang="en-US" sz="4800" dirty="0"/>
-              <a:t/>
-            </a:r>
-            <a:br>
-              <a:rPr lang="en-US" sz="4800" dirty="0"/>
-            </a:br>
-            <a:r>
-              <a:rPr lang="en-US" dirty="0" smtClean="0">
-                <a:solidFill>
-                  <a:srgbClr val="013947"/>
-                </a:solidFill>
-              </a:rPr>
-              <a:t>Little Bobby Tables, at it again</a:t>
-            </a:r>
-            <a:endParaRPr lang="en-US" sz="4800" dirty="0">
-              <a:solidFill>
-                <a:srgbClr val="013947"/>
-              </a:solidFill>
-            </a:endParaRPr>
-          </a:p>
-        </p:txBody>
-      </p:sp>
-    </p:spTree>
-    <p:extLst>
-      <p:ext uri="{BB962C8B-B14F-4D97-AF65-F5344CB8AC3E}">
-        <p14:creationId xmlns:p14="http://schemas.microsoft.com/office/powerpoint/2010/main" val="1693683598"/>
-      </p:ext>
-    </p:extLst>
-  </p:cSld>
-  <p:clrMapOvr>
-    <a:masterClrMapping/>
-  </p:clrMapOvr>
-  <mc:AlternateContent xmlns:mc="http://schemas.openxmlformats.org/markup-compatibility/2006" xmlns:p14="http://schemas.microsoft.com/office/powerpoint/2010/main">
-    <mc:Choice Requires="p14">
-      <p:transition spd="slow" p14:dur="2000"/>
-    </mc:Choice>
-    <mc:Fallback xmlns="">
-      <p:transition spd="slow"/>
-    </mc:Fallback>
-  </mc:AlternateContent>
-  <p:timing>
-    <p:tnLst>
-      <p:par>
-        <p:cTn id="1" dur="indefinite" restart="never" nodeType="tmRoot"/>
-      </p:par>
-    </p:tnLst>
-  </p:timing>
-</p:sld>
-</file>
-
-<file path=ppt/slides/slide24.xml><?xml version="1.0" encoding="utf-8"?>
-<p:sld xmlns:a="http://schemas.openxmlformats.org/drawingml/2006/main" xmlns:r="http://schemas.openxmlformats.org/officeDocument/2006/relationships" xmlns:p="http://schemas.openxmlformats.org/presentationml/2006/main" show="0">
-  <p:cSld>
-    <p:spTree>
-      <p:nvGrpSpPr>
-        <p:cNvPr id="1" name=""/>
-        <p:cNvGrpSpPr/>
-        <p:nvPr/>
-      </p:nvGrpSpPr>
-      <p:grpSpPr>
-        <a:xfrm>
-          <a:off x="0" y="0"/>
-          <a:ext cx="0" cy="0"/>
-          <a:chOff x="0" y="0"/>
-          <a:chExt cx="0" cy="0"/>
-        </a:xfrm>
-      </p:grpSpPr>
-      <p:sp>
-        <p:nvSpPr>
-          <p:cNvPr id="2" name="Title 1"/>
-          <p:cNvSpPr>
-            <a:spLocks noGrp="1"/>
-          </p:cNvSpPr>
-          <p:nvPr>
-            <p:ph type="title"/>
-          </p:nvPr>
-        </p:nvSpPr>
-        <p:spPr/>
-        <p:txBody>
-          <a:bodyPr>
-            <a:normAutofit/>
-          </a:bodyPr>
-          <a:lstStyle/>
-          <a:p>
-            <a:r>
-              <a:rPr lang="en-US" sz="4800" dirty="0" smtClean="0"/>
-              <a:t>SQL Injection</a:t>
-            </a:r>
-            <a:endParaRPr lang="en-US" sz="4800" dirty="0"/>
-          </a:p>
-        </p:txBody>
-      </p:sp>
-      <p:sp>
-        <p:nvSpPr>
-          <p:cNvPr id="3" name="Content Placeholder 2"/>
-          <p:cNvSpPr>
-            <a:spLocks noGrp="1"/>
-          </p:cNvSpPr>
-          <p:nvPr>
-            <p:ph idx="1"/>
-          </p:nvPr>
-        </p:nvSpPr>
-        <p:spPr>
-          <a:xfrm>
-            <a:off x="838200" y="1825624"/>
-            <a:ext cx="10515600" cy="4589923"/>
-          </a:xfrm>
-        </p:spPr>
-        <p:txBody>
-          <a:bodyPr>
-            <a:normAutofit/>
-          </a:bodyPr>
-          <a:lstStyle/>
-          <a:p>
-            <a:endParaRPr lang="en-US" dirty="0" smtClean="0"/>
-          </a:p>
-          <a:p>
-            <a:endParaRPr lang="en-US" dirty="0" smtClean="0"/>
-          </a:p>
-          <a:p>
-            <a:endParaRPr lang="en-US" dirty="0"/>
-          </a:p>
-        </p:txBody>
-      </p:sp>
-      <p:pic>
-        <p:nvPicPr>
-          <p:cNvPr id="4" name="Picture 3"/>
-          <p:cNvPicPr>
-            <a:picLocks noChangeAspect="1"/>
-          </p:cNvPicPr>
-          <p:nvPr/>
-        </p:nvPicPr>
-        <p:blipFill>
-          <a:blip r:embed="rId3"/>
-          <a:stretch>
-            <a:fillRect/>
-          </a:stretch>
-        </p:blipFill>
-        <p:spPr>
-          <a:xfrm>
-            <a:off x="838200" y="2139744"/>
-            <a:ext cx="10783529" cy="1797256"/>
-          </a:xfrm>
-          <a:prstGeom prst="rect">
-            <a:avLst/>
-          </a:prstGeom>
-        </p:spPr>
-      </p:pic>
-      <p:pic>
-        <p:nvPicPr>
-          <p:cNvPr id="9" name="Picture 8"/>
-          <p:cNvPicPr>
-            <a:picLocks noChangeAspect="1"/>
-          </p:cNvPicPr>
-          <p:nvPr/>
-        </p:nvPicPr>
-        <p:blipFill>
-          <a:blip r:embed="rId4"/>
-          <a:stretch>
-            <a:fillRect/>
-          </a:stretch>
-        </p:blipFill>
-        <p:spPr>
-          <a:xfrm>
-            <a:off x="838200" y="4386055"/>
-            <a:ext cx="10870128" cy="1439557"/>
-          </a:xfrm>
-          <a:prstGeom prst="rect">
-            <a:avLst/>
-          </a:prstGeom>
-        </p:spPr>
-      </p:pic>
-    </p:spTree>
-    <p:extLst>
-      <p:ext uri="{BB962C8B-B14F-4D97-AF65-F5344CB8AC3E}">
-        <p14:creationId xmlns:p14="http://schemas.microsoft.com/office/powerpoint/2010/main" val="27120899"/>
-      </p:ext>
-    </p:extLst>
-  </p:cSld>
-  <p:clrMapOvr>
-    <a:masterClrMapping/>
-  </p:clrMapOvr>
-  <mc:AlternateContent xmlns:mc="http://schemas.openxmlformats.org/markup-compatibility/2006" xmlns:p14="http://schemas.microsoft.com/office/powerpoint/2010/main">
-    <mc:Choice Requires="p14">
-      <p:transition spd="slow" p14:dur="2000"/>
-    </mc:Choice>
-    <mc:Fallback xmlns="">
-      <p:transition spd="slow"/>
-    </mc:Fallback>
-  </mc:AlternateContent>
-  <p:timing>
-    <p:tnLst>
-      <p:par>
-        <p:cTn id="1" dur="indefinite" restart="never" nodeType="tmRoot"/>
-      </p:par>
-    </p:tnLst>
-  </p:timing>
-</p:sld>
-</file>
-
-<file path=ppt/slides/slide25.xml><?xml version="1.0" encoding="utf-8"?>
 <p:sld xmlns:a="http://schemas.openxmlformats.org/drawingml/2006/main" xmlns:r="http://schemas.openxmlformats.org/officeDocument/2006/relationships" xmlns:p="http://schemas.openxmlformats.org/presentationml/2006/main">
   <p:cSld>
     <p:spTree>
@@ -12841,7 +12488,7 @@
 </p:sld>
 </file>
 
-<file path=ppt/slides/slide26.xml><?xml version="1.0" encoding="utf-8"?>
+<file path=ppt/slides/slide24.xml><?xml version="1.0" encoding="utf-8"?>
 <p:sld xmlns:a="http://schemas.openxmlformats.org/drawingml/2006/main" xmlns:r="http://schemas.openxmlformats.org/officeDocument/2006/relationships" xmlns:p="http://schemas.openxmlformats.org/presentationml/2006/main">
   <p:cSld>
     <p:spTree>
@@ -12959,7 +12606,7 @@
 </p:sld>
 </file>
 
-<file path=ppt/slides/slide27.xml><?xml version="1.0" encoding="utf-8"?>
+<file path=ppt/slides/slide25.xml><?xml version="1.0" encoding="utf-8"?>
 <p:sld xmlns:a="http://schemas.openxmlformats.org/drawingml/2006/main" xmlns:r="http://schemas.openxmlformats.org/officeDocument/2006/relationships" xmlns:p="http://schemas.openxmlformats.org/presentationml/2006/main">
   <p:cSld>
     <p:spTree>
@@ -13104,7 +12751,7 @@
 </p:sld>
 </file>
 
-<file path=ppt/slides/slide28.xml><?xml version="1.0" encoding="utf-8"?>
+<file path=ppt/slides/slide26.xml><?xml version="1.0" encoding="utf-8"?>
 <p:sld xmlns:a="http://schemas.openxmlformats.org/drawingml/2006/main" xmlns:r="http://schemas.openxmlformats.org/officeDocument/2006/relationships" xmlns:p="http://schemas.openxmlformats.org/presentationml/2006/main">
   <p:cSld>
     <p:spTree>
@@ -13246,7 +12893,7 @@
 </p:sld>
 </file>
 
-<file path=ppt/slides/slide29.xml><?xml version="1.0" encoding="utf-8"?>
+<file path=ppt/slides/slide27.xml><?xml version="1.0" encoding="utf-8"?>
 <p:sld xmlns:a="http://schemas.openxmlformats.org/drawingml/2006/main" xmlns:r="http://schemas.openxmlformats.org/officeDocument/2006/relationships" xmlns:p="http://schemas.openxmlformats.org/presentationml/2006/main">
   <p:cSld>
     <p:spTree>
@@ -13389,100 +13036,7 @@
 </p:sld>
 </file>
 
-<file path=ppt/slides/slide3.xml><?xml version="1.0" encoding="utf-8"?>
-<p:sld xmlns:a="http://schemas.openxmlformats.org/drawingml/2006/main" xmlns:r="http://schemas.openxmlformats.org/officeDocument/2006/relationships" xmlns:p="http://schemas.openxmlformats.org/presentationml/2006/main">
-  <p:cSld>
-    <p:spTree>
-      <p:nvGrpSpPr>
-        <p:cNvPr id="1" name=""/>
-        <p:cNvGrpSpPr/>
-        <p:nvPr/>
-      </p:nvGrpSpPr>
-      <p:grpSpPr>
-        <a:xfrm>
-          <a:off x="0" y="0"/>
-          <a:ext cx="0" cy="0"/>
-          <a:chOff x="0" y="0"/>
-          <a:chExt cx="0" cy="0"/>
-        </a:xfrm>
-      </p:grpSpPr>
-      <p:sp>
-        <p:nvSpPr>
-          <p:cNvPr id="2" name="Title 1"/>
-          <p:cNvSpPr>
-            <a:spLocks noGrp="1"/>
-          </p:cNvSpPr>
-          <p:nvPr>
-            <p:ph type="title"/>
-          </p:nvPr>
-        </p:nvSpPr>
-        <p:spPr>
-          <a:xfrm>
-            <a:off x="964927" y="1"/>
-            <a:ext cx="10515600" cy="6858000"/>
-          </a:xfrm>
-        </p:spPr>
-        <p:txBody>
-          <a:bodyPr anchor="ctr">
-            <a:normAutofit/>
-          </a:bodyPr>
-          <a:lstStyle/>
-          <a:p>
-            <a:pPr algn="ctr"/>
-            <a:r>
-              <a:rPr lang="en-US" sz="4800" strike="sngStrike" dirty="0" smtClean="0">
-                <a:solidFill>
-                  <a:schemeClr val="bg1">
-                    <a:lumMod val="75000"/>
-                  </a:schemeClr>
-                </a:solidFill>
-              </a:rPr>
-              <a:t>I hate writing secure code</a:t>
-            </a:r>
-            <a:r>
-              <a:rPr lang="en-US" sz="4800" strike="sngStrike" dirty="0" smtClean="0"/>
-              <a:t/>
-            </a:r>
-            <a:br>
-              <a:rPr lang="en-US" sz="4800" strike="sngStrike" dirty="0" smtClean="0"/>
-            </a:br>
-            <a:r>
-              <a:rPr lang="en-US" sz="4800" dirty="0" smtClean="0"/>
-              <a:t>I hate writing secure </a:t>
-            </a:r>
-            <a:r>
-              <a:rPr lang="en-US" sz="4800" i="1" dirty="0" smtClean="0"/>
-              <a:t>feature </a:t>
-            </a:r>
-            <a:r>
-              <a:rPr lang="en-US" sz="4800" dirty="0" smtClean="0"/>
-              <a:t>code</a:t>
-            </a:r>
-            <a:endParaRPr lang="en-US" sz="4800" dirty="0"/>
-          </a:p>
-        </p:txBody>
-      </p:sp>
-    </p:spTree>
-    <p:extLst>
-      <p:ext uri="{BB962C8B-B14F-4D97-AF65-F5344CB8AC3E}">
-        <p14:creationId xmlns:p14="http://schemas.microsoft.com/office/powerpoint/2010/main" val="75936766"/>
-      </p:ext>
-    </p:extLst>
-  </p:cSld>
-  <p:clrMapOvr>
-    <a:masterClrMapping/>
-  </p:clrMapOvr>
-  <p:timing>
-    <p:tnLst>
-      <p:par>
-        <p:cTn id="1" dur="indefinite" restart="never" nodeType="tmRoot"/>
-      </p:par>
-    </p:tnLst>
-  </p:timing>
-</p:sld>
-</file>
-
-<file path=ppt/slides/slide30.xml><?xml version="1.0" encoding="utf-8"?>
+<file path=ppt/slides/slide28.xml><?xml version="1.0" encoding="utf-8"?>
 <p:sld xmlns:a="http://schemas.openxmlformats.org/drawingml/2006/main" xmlns:r="http://schemas.openxmlformats.org/officeDocument/2006/relationships" xmlns:p="http://schemas.openxmlformats.org/presentationml/2006/main">
   <p:cSld>
     <p:spTree>
@@ -13620,7 +13174,7 @@
 </p:sld>
 </file>
 
-<file path=ppt/slides/slide31.xml><?xml version="1.0" encoding="utf-8"?>
+<file path=ppt/slides/slide29.xml><?xml version="1.0" encoding="utf-8"?>
 <p:sld xmlns:a="http://schemas.openxmlformats.org/drawingml/2006/main" xmlns:r="http://schemas.openxmlformats.org/officeDocument/2006/relationships" xmlns:p="http://schemas.openxmlformats.org/presentationml/2006/main">
   <p:cSld>
     <p:spTree>
@@ -13758,7 +13312,100 @@
 </p:sld>
 </file>
 
-<file path=ppt/slides/slide32.xml><?xml version="1.0" encoding="utf-8"?>
+<file path=ppt/slides/slide3.xml><?xml version="1.0" encoding="utf-8"?>
+<p:sld xmlns:a="http://schemas.openxmlformats.org/drawingml/2006/main" xmlns:r="http://schemas.openxmlformats.org/officeDocument/2006/relationships" xmlns:p="http://schemas.openxmlformats.org/presentationml/2006/main">
+  <p:cSld>
+    <p:spTree>
+      <p:nvGrpSpPr>
+        <p:cNvPr id="1" name=""/>
+        <p:cNvGrpSpPr/>
+        <p:nvPr/>
+      </p:nvGrpSpPr>
+      <p:grpSpPr>
+        <a:xfrm>
+          <a:off x="0" y="0"/>
+          <a:ext cx="0" cy="0"/>
+          <a:chOff x="0" y="0"/>
+          <a:chExt cx="0" cy="0"/>
+        </a:xfrm>
+      </p:grpSpPr>
+      <p:sp>
+        <p:nvSpPr>
+          <p:cNvPr id="2" name="Title 1"/>
+          <p:cNvSpPr>
+            <a:spLocks noGrp="1"/>
+          </p:cNvSpPr>
+          <p:nvPr>
+            <p:ph type="title"/>
+          </p:nvPr>
+        </p:nvSpPr>
+        <p:spPr>
+          <a:xfrm>
+            <a:off x="964927" y="1"/>
+            <a:ext cx="10515600" cy="6858000"/>
+          </a:xfrm>
+        </p:spPr>
+        <p:txBody>
+          <a:bodyPr anchor="ctr">
+            <a:normAutofit/>
+          </a:bodyPr>
+          <a:lstStyle/>
+          <a:p>
+            <a:pPr algn="ctr"/>
+            <a:r>
+              <a:rPr lang="en-US" sz="4800" strike="sngStrike" dirty="0" smtClean="0">
+                <a:solidFill>
+                  <a:schemeClr val="bg1">
+                    <a:lumMod val="75000"/>
+                  </a:schemeClr>
+                </a:solidFill>
+              </a:rPr>
+              <a:t>I hate writing secure code</a:t>
+            </a:r>
+            <a:r>
+              <a:rPr lang="en-US" sz="4800" strike="sngStrike" dirty="0" smtClean="0"/>
+              <a:t/>
+            </a:r>
+            <a:br>
+              <a:rPr lang="en-US" sz="4800" strike="sngStrike" dirty="0" smtClean="0"/>
+            </a:br>
+            <a:r>
+              <a:rPr lang="en-US" sz="4800" dirty="0" smtClean="0"/>
+              <a:t>I hate writing secure </a:t>
+            </a:r>
+            <a:r>
+              <a:rPr lang="en-US" sz="4800" i="1" dirty="0" smtClean="0"/>
+              <a:t>feature </a:t>
+            </a:r>
+            <a:r>
+              <a:rPr lang="en-US" sz="4800" dirty="0" smtClean="0"/>
+              <a:t>code</a:t>
+            </a:r>
+            <a:endParaRPr lang="en-US" sz="4800" dirty="0"/>
+          </a:p>
+        </p:txBody>
+      </p:sp>
+    </p:spTree>
+    <p:extLst>
+      <p:ext uri="{BB962C8B-B14F-4D97-AF65-F5344CB8AC3E}">
+        <p14:creationId xmlns:p14="http://schemas.microsoft.com/office/powerpoint/2010/main" val="75936766"/>
+      </p:ext>
+    </p:extLst>
+  </p:cSld>
+  <p:clrMapOvr>
+    <a:masterClrMapping/>
+  </p:clrMapOvr>
+  <p:timing>
+    <p:tnLst>
+      <p:par>
+        <p:cTn id="1" dur="indefinite" restart="never" nodeType="tmRoot"/>
+      </p:par>
+    </p:tnLst>
+  </p:timing>
+</p:sld>
+</file>
+
+<file path=ppt/slides/slide30.xml><?xml version="1.0" encoding="utf-8"?>
 <p:sld xmlns:a="http://schemas.openxmlformats.org/drawingml/2006/main" xmlns:r="http://schemas.openxmlformats.org/officeDocument/2006/relationships" xmlns:p="http://schemas.openxmlformats.org/presentationml/2006/main">
   <p:cSld>
     <p:spTree>
@@ -13896,7 +13543,7 @@
 </p:sld>
 </file>
 
-<file path=ppt/slides/slide33.xml><?xml version="1.0" encoding="utf-8"?>
+<file path=ppt/slides/slide31.xml><?xml version="1.0" encoding="utf-8"?>
 <p:sld xmlns:a="http://schemas.openxmlformats.org/drawingml/2006/main" xmlns:r="http://schemas.openxmlformats.org/officeDocument/2006/relationships" xmlns:p="http://schemas.openxmlformats.org/presentationml/2006/main">
   <p:cSld>
     <p:spTree>
@@ -14041,7 +13688,7 @@
 </p:sld>
 </file>
 
-<file path=ppt/slides/slide34.xml><?xml version="1.0" encoding="utf-8"?>
+<file path=ppt/slides/slide32.xml><?xml version="1.0" encoding="utf-8"?>
 <p:sld xmlns:a="http://schemas.openxmlformats.org/drawingml/2006/main" xmlns:r="http://schemas.openxmlformats.org/officeDocument/2006/relationships" xmlns:p="http://schemas.openxmlformats.org/presentationml/2006/main">
   <p:cSld>
     <p:spTree>
@@ -14191,7 +13838,7 @@
 </p:sld>
 </file>
 
-<file path=ppt/slides/slide35.xml><?xml version="1.0" encoding="utf-8"?>
+<file path=ppt/slides/slide33.xml><?xml version="1.0" encoding="utf-8"?>
 <p:sld xmlns:a="http://schemas.openxmlformats.org/drawingml/2006/main" xmlns:r="http://schemas.openxmlformats.org/officeDocument/2006/relationships" xmlns:p="http://schemas.openxmlformats.org/presentationml/2006/main">
   <p:cSld>
     <p:spTree>
@@ -14234,6 +13881,10 @@
             <a:r>
               <a:rPr lang="en-US" sz="4800" dirty="0" smtClean="0"/>
               <a:t>Authentication</a:t>
+            </a:r>
+            <a:r>
+              <a:rPr lang="en-US" sz="4800" dirty="0" smtClean="0"/>
+              <a:t/>
             </a:r>
             <a:br>
               <a:rPr lang="en-US" sz="4800" dirty="0" smtClean="0"/>
@@ -14281,7 +13932,7 @@
 </p:sld>
 </file>
 
-<file path=ppt/slides/slide36.xml><?xml version="1.0" encoding="utf-8"?>
+<file path=ppt/slides/slide34.xml><?xml version="1.0" encoding="utf-8"?>
 <p:sld xmlns:a="http://schemas.openxmlformats.org/drawingml/2006/main" xmlns:r="http://schemas.openxmlformats.org/officeDocument/2006/relationships" xmlns:p="http://schemas.openxmlformats.org/presentationml/2006/main">
   <p:cSld>
     <p:spTree>
@@ -14402,7 +14053,7 @@
 </p:sld>
 </file>
 
-<file path=ppt/slides/slide37.xml><?xml version="1.0" encoding="utf-8"?>
+<file path=ppt/slides/slide35.xml><?xml version="1.0" encoding="utf-8"?>
 <p:sld xmlns:a="http://schemas.openxmlformats.org/drawingml/2006/main" xmlns:r="http://schemas.openxmlformats.org/officeDocument/2006/relationships" xmlns:p="http://schemas.openxmlformats.org/presentationml/2006/main">
   <p:cSld>
     <p:spTree>
@@ -14523,7 +14174,7 @@
 </p:sld>
 </file>
 
-<file path=ppt/slides/slide38.xml><?xml version="1.0" encoding="utf-8"?>
+<file path=ppt/slides/slide36.xml><?xml version="1.0" encoding="utf-8"?>
 <p:sld xmlns:a="http://schemas.openxmlformats.org/drawingml/2006/main" xmlns:r="http://schemas.openxmlformats.org/officeDocument/2006/relationships" xmlns:p="http://schemas.openxmlformats.org/presentationml/2006/main">
   <p:cSld>
     <p:spTree>
@@ -14644,7 +14295,7 @@
 </p:sld>
 </file>
 
-<file path=ppt/slides/slide39.xml><?xml version="1.0" encoding="utf-8"?>
+<file path=ppt/slides/slide37.xml><?xml version="1.0" encoding="utf-8"?>
 <p:sld xmlns:a="http://schemas.openxmlformats.org/drawingml/2006/main" xmlns:r="http://schemas.openxmlformats.org/officeDocument/2006/relationships" xmlns:p="http://schemas.openxmlformats.org/presentationml/2006/main">
   <p:cSld>
     <p:spTree>
@@ -14765,119 +14416,7 @@
 </p:sld>
 </file>
 
-<file path=ppt/slides/slide4.xml><?xml version="1.0" encoding="utf-8"?>
-<p:sld xmlns:a="http://schemas.openxmlformats.org/drawingml/2006/main" xmlns:r="http://schemas.openxmlformats.org/officeDocument/2006/relationships" xmlns:p="http://schemas.openxmlformats.org/presentationml/2006/main">
-  <p:cSld>
-    <p:spTree>
-      <p:nvGrpSpPr>
-        <p:cNvPr id="1" name=""/>
-        <p:cNvGrpSpPr/>
-        <p:nvPr/>
-      </p:nvGrpSpPr>
-      <p:grpSpPr>
-        <a:xfrm>
-          <a:off x="0" y="0"/>
-          <a:ext cx="0" cy="0"/>
-          <a:chOff x="0" y="0"/>
-          <a:chExt cx="0" cy="0"/>
-        </a:xfrm>
-      </p:grpSpPr>
-      <p:sp>
-        <p:nvSpPr>
-          <p:cNvPr id="2" name="Title 1"/>
-          <p:cNvSpPr>
-            <a:spLocks noGrp="1"/>
-          </p:cNvSpPr>
-          <p:nvPr>
-            <p:ph type="title"/>
-          </p:nvPr>
-        </p:nvSpPr>
-        <p:spPr>
-          <a:xfrm>
-            <a:off x="964927" y="1"/>
-            <a:ext cx="10515600" cy="6858000"/>
-          </a:xfrm>
-        </p:spPr>
-        <p:txBody>
-          <a:bodyPr anchor="ctr">
-            <a:normAutofit/>
-          </a:bodyPr>
-          <a:lstStyle/>
-          <a:p>
-            <a:pPr algn="ctr"/>
-            <a:r>
-              <a:rPr lang="en-US" sz="4800" strike="sngStrike" dirty="0" smtClean="0">
-                <a:solidFill>
-                  <a:schemeClr val="bg1">
-                    <a:lumMod val="75000"/>
-                  </a:schemeClr>
-                </a:solidFill>
-              </a:rPr>
-              <a:t>I hate writing secure code</a:t>
-            </a:r>
-            <a:br>
-              <a:rPr lang="en-US" sz="4800" strike="sngStrike" dirty="0" smtClean="0">
-                <a:solidFill>
-                  <a:schemeClr val="bg1">
-                    <a:lumMod val="75000"/>
-                  </a:schemeClr>
-                </a:solidFill>
-              </a:rPr>
-            </a:br>
-            <a:r>
-              <a:rPr lang="en-US" sz="4800" strike="sngStrike" dirty="0" smtClean="0">
-                <a:solidFill>
-                  <a:schemeClr val="bg1">
-                    <a:lumMod val="75000"/>
-                  </a:schemeClr>
-                </a:solidFill>
-              </a:rPr>
-              <a:t>I hate writing secure features</a:t>
-            </a:r>
-            <a:r>
-              <a:rPr lang="en-US" sz="4800" strike="sngStrike" dirty="0" smtClean="0"/>
-              <a:t/>
-            </a:r>
-            <a:br>
-              <a:rPr lang="en-US" sz="4800" strike="sngStrike" dirty="0" smtClean="0"/>
-            </a:br>
-            <a:r>
-              <a:rPr lang="en-US" sz="4800" dirty="0" smtClean="0"/>
-              <a:t>I hate implementing </a:t>
-            </a:r>
-            <a:r>
-              <a:rPr lang="en-US" sz="4800" i="1" dirty="0" smtClean="0"/>
-              <a:t>cross-cutting security concerns</a:t>
-            </a:r>
-            <a:r>
-              <a:rPr lang="en-US" sz="4800" dirty="0" smtClean="0"/>
-              <a:t> by repeating the same patterns over and over again in my feature-level code</a:t>
-            </a:r>
-            <a:endParaRPr lang="en-US" sz="4800" dirty="0"/>
-          </a:p>
-        </p:txBody>
-      </p:sp>
-    </p:spTree>
-    <p:extLst>
-      <p:ext uri="{BB962C8B-B14F-4D97-AF65-F5344CB8AC3E}">
-        <p14:creationId xmlns:p14="http://schemas.microsoft.com/office/powerpoint/2010/main" val="3846056723"/>
-      </p:ext>
-    </p:extLst>
-  </p:cSld>
-  <p:clrMapOvr>
-    <a:masterClrMapping/>
-  </p:clrMapOvr>
-  <p:timing>
-    <p:tnLst>
-      <p:par>
-        <p:cTn id="1" dur="indefinite" restart="never" nodeType="tmRoot"/>
-      </p:par>
-    </p:tnLst>
-  </p:timing>
-</p:sld>
-</file>
-
-<file path=ppt/slides/slide40.xml><?xml version="1.0" encoding="utf-8"?>
+<file path=ppt/slides/slide38.xml><?xml version="1.0" encoding="utf-8"?>
 <p:sld xmlns:a="http://schemas.openxmlformats.org/drawingml/2006/main" xmlns:r="http://schemas.openxmlformats.org/officeDocument/2006/relationships" xmlns:p="http://schemas.openxmlformats.org/presentationml/2006/main">
   <p:cSld>
     <p:spTree>
@@ -14998,7 +14537,7 @@
 </p:sld>
 </file>
 
-<file path=ppt/slides/slide41.xml><?xml version="1.0" encoding="utf-8"?>
+<file path=ppt/slides/slide39.xml><?xml version="1.0" encoding="utf-8"?>
 <p:sld xmlns:a="http://schemas.openxmlformats.org/drawingml/2006/main" xmlns:r="http://schemas.openxmlformats.org/officeDocument/2006/relationships" xmlns:p="http://schemas.openxmlformats.org/presentationml/2006/main">
   <p:cSld>
     <p:spTree>
@@ -15088,7 +14627,119 @@
 </p:sld>
 </file>
 
-<file path=ppt/slides/slide42.xml><?xml version="1.0" encoding="utf-8"?>
+<file path=ppt/slides/slide4.xml><?xml version="1.0" encoding="utf-8"?>
+<p:sld xmlns:a="http://schemas.openxmlformats.org/drawingml/2006/main" xmlns:r="http://schemas.openxmlformats.org/officeDocument/2006/relationships" xmlns:p="http://schemas.openxmlformats.org/presentationml/2006/main">
+  <p:cSld>
+    <p:spTree>
+      <p:nvGrpSpPr>
+        <p:cNvPr id="1" name=""/>
+        <p:cNvGrpSpPr/>
+        <p:nvPr/>
+      </p:nvGrpSpPr>
+      <p:grpSpPr>
+        <a:xfrm>
+          <a:off x="0" y="0"/>
+          <a:ext cx="0" cy="0"/>
+          <a:chOff x="0" y="0"/>
+          <a:chExt cx="0" cy="0"/>
+        </a:xfrm>
+      </p:grpSpPr>
+      <p:sp>
+        <p:nvSpPr>
+          <p:cNvPr id="2" name="Title 1"/>
+          <p:cNvSpPr>
+            <a:spLocks noGrp="1"/>
+          </p:cNvSpPr>
+          <p:nvPr>
+            <p:ph type="title"/>
+          </p:nvPr>
+        </p:nvSpPr>
+        <p:spPr>
+          <a:xfrm>
+            <a:off x="964927" y="1"/>
+            <a:ext cx="10515600" cy="6858000"/>
+          </a:xfrm>
+        </p:spPr>
+        <p:txBody>
+          <a:bodyPr anchor="ctr">
+            <a:normAutofit/>
+          </a:bodyPr>
+          <a:lstStyle/>
+          <a:p>
+            <a:pPr algn="ctr"/>
+            <a:r>
+              <a:rPr lang="en-US" sz="4800" strike="sngStrike" dirty="0" smtClean="0">
+                <a:solidFill>
+                  <a:schemeClr val="bg1">
+                    <a:lumMod val="75000"/>
+                  </a:schemeClr>
+                </a:solidFill>
+              </a:rPr>
+              <a:t>I hate writing secure code</a:t>
+            </a:r>
+            <a:br>
+              <a:rPr lang="en-US" sz="4800" strike="sngStrike" dirty="0" smtClean="0">
+                <a:solidFill>
+                  <a:schemeClr val="bg1">
+                    <a:lumMod val="75000"/>
+                  </a:schemeClr>
+                </a:solidFill>
+              </a:rPr>
+            </a:br>
+            <a:r>
+              <a:rPr lang="en-US" sz="4800" strike="sngStrike" dirty="0" smtClean="0">
+                <a:solidFill>
+                  <a:schemeClr val="bg1">
+                    <a:lumMod val="75000"/>
+                  </a:schemeClr>
+                </a:solidFill>
+              </a:rPr>
+              <a:t>I hate writing secure features</a:t>
+            </a:r>
+            <a:r>
+              <a:rPr lang="en-US" sz="4800" strike="sngStrike" dirty="0" smtClean="0"/>
+              <a:t/>
+            </a:r>
+            <a:br>
+              <a:rPr lang="en-US" sz="4800" strike="sngStrike" dirty="0" smtClean="0"/>
+            </a:br>
+            <a:r>
+              <a:rPr lang="en-US" sz="4800" dirty="0" smtClean="0"/>
+              <a:t>I hate implementing </a:t>
+            </a:r>
+            <a:r>
+              <a:rPr lang="en-US" sz="4800" i="1" dirty="0" smtClean="0"/>
+              <a:t>cross-cutting security concerns</a:t>
+            </a:r>
+            <a:r>
+              <a:rPr lang="en-US" sz="4800" dirty="0" smtClean="0"/>
+              <a:t> by repeating the same patterns over and over again in my feature-level code</a:t>
+            </a:r>
+            <a:endParaRPr lang="en-US" sz="4800" dirty="0"/>
+          </a:p>
+        </p:txBody>
+      </p:sp>
+    </p:spTree>
+    <p:extLst>
+      <p:ext uri="{BB962C8B-B14F-4D97-AF65-F5344CB8AC3E}">
+        <p14:creationId xmlns:p14="http://schemas.microsoft.com/office/powerpoint/2010/main" val="3846056723"/>
+      </p:ext>
+    </p:extLst>
+  </p:cSld>
+  <p:clrMapOvr>
+    <a:masterClrMapping/>
+  </p:clrMapOvr>
+  <p:timing>
+    <p:tnLst>
+      <p:par>
+        <p:cTn id="1" dur="indefinite" restart="never" nodeType="tmRoot"/>
+      </p:par>
+    </p:tnLst>
+  </p:timing>
+</p:sld>
+</file>
+
+<file path=ppt/slides/slide40.xml><?xml version="1.0" encoding="utf-8"?>
 <p:sld xmlns:a="http://schemas.openxmlformats.org/drawingml/2006/main" xmlns:r="http://schemas.openxmlformats.org/officeDocument/2006/relationships" xmlns:p="http://schemas.openxmlformats.org/presentationml/2006/main">
   <p:cSld>
     <p:spTree>
@@ -15214,7 +14865,7 @@
 </p:sld>
 </file>
 
-<file path=ppt/slides/slide43.xml><?xml version="1.0" encoding="utf-8"?>
+<file path=ppt/slides/slide41.xml><?xml version="1.0" encoding="utf-8"?>
 <p:sld xmlns:a="http://schemas.openxmlformats.org/drawingml/2006/main" xmlns:r="http://schemas.openxmlformats.org/officeDocument/2006/relationships" xmlns:p="http://schemas.openxmlformats.org/presentationml/2006/main">
   <p:cSld>
     <p:spTree>
@@ -15340,7 +14991,7 @@
 </p:sld>
 </file>
 
-<file path=ppt/slides/slide44.xml><?xml version="1.0" encoding="utf-8"?>
+<file path=ppt/slides/slide42.xml><?xml version="1.0" encoding="utf-8"?>
 <p:sld xmlns:a="http://schemas.openxmlformats.org/drawingml/2006/main" xmlns:r="http://schemas.openxmlformats.org/officeDocument/2006/relationships" xmlns:p="http://schemas.openxmlformats.org/presentationml/2006/main">
   <p:cSld>
     <p:spTree>
@@ -15461,7 +15112,7 @@
 </p:sld>
 </file>
 
-<file path=ppt/slides/slide45.xml><?xml version="1.0" encoding="utf-8"?>
+<file path=ppt/slides/slide43.xml><?xml version="1.0" encoding="utf-8"?>
 <p:sld xmlns:a="http://schemas.openxmlformats.org/drawingml/2006/main" xmlns:r="http://schemas.openxmlformats.org/officeDocument/2006/relationships" xmlns:p="http://schemas.openxmlformats.org/presentationml/2006/main">
   <p:cSld>
     <p:spTree>
@@ -15582,7 +15233,7 @@
 </p:sld>
 </file>
 
-<file path=ppt/slides/slide46.xml><?xml version="1.0" encoding="utf-8"?>
+<file path=ppt/slides/slide44.xml><?xml version="1.0" encoding="utf-8"?>
 <p:sld xmlns:a="http://schemas.openxmlformats.org/drawingml/2006/main" xmlns:r="http://schemas.openxmlformats.org/officeDocument/2006/relationships" xmlns:p="http://schemas.openxmlformats.org/presentationml/2006/main">
   <p:cSld>
     <p:spTree>
@@ -15708,7 +15359,7 @@
 </p:sld>
 </file>
 
-<file path=ppt/slides/slide47.xml><?xml version="1.0" encoding="utf-8"?>
+<file path=ppt/slides/slide45.xml><?xml version="1.0" encoding="utf-8"?>
 <p:sld xmlns:a="http://schemas.openxmlformats.org/drawingml/2006/main" xmlns:r="http://schemas.openxmlformats.org/officeDocument/2006/relationships" xmlns:p="http://schemas.openxmlformats.org/presentationml/2006/main">
   <p:cSld>
     <p:spTree>
@@ -15858,7 +15509,7 @@
 </p:sld>
 </file>
 
-<file path=ppt/slides/slide48.xml><?xml version="1.0" encoding="utf-8"?>
+<file path=ppt/slides/slide46.xml><?xml version="1.0" encoding="utf-8"?>
 <p:sld xmlns:a="http://schemas.openxmlformats.org/drawingml/2006/main" xmlns:r="http://schemas.openxmlformats.org/officeDocument/2006/relationships" xmlns:p="http://schemas.openxmlformats.org/presentationml/2006/main">
   <p:cSld>
     <p:spTree>
@@ -15984,7 +15635,7 @@
 </p:sld>
 </file>
 
-<file path=ppt/slides/slide49.xml><?xml version="1.0" encoding="utf-8"?>
+<file path=ppt/slides/slide47.xml><?xml version="1.0" encoding="utf-8"?>
 <p:sld xmlns:a="http://schemas.openxmlformats.org/drawingml/2006/main" xmlns:r="http://schemas.openxmlformats.org/officeDocument/2006/relationships" xmlns:p="http://schemas.openxmlformats.org/presentationml/2006/main">
   <p:cSld>
     <p:spTree>
@@ -16110,123 +15761,7 @@
 </p:sld>
 </file>
 
-<file path=ppt/slides/slide5.xml><?xml version="1.0" encoding="utf-8"?>
-<p:sld xmlns:a="http://schemas.openxmlformats.org/drawingml/2006/main" xmlns:r="http://schemas.openxmlformats.org/officeDocument/2006/relationships" xmlns:p="http://schemas.openxmlformats.org/presentationml/2006/main">
-  <p:cSld>
-    <p:spTree>
-      <p:nvGrpSpPr>
-        <p:cNvPr id="1" name=""/>
-        <p:cNvGrpSpPr/>
-        <p:nvPr/>
-      </p:nvGrpSpPr>
-      <p:grpSpPr>
-        <a:xfrm>
-          <a:off x="0" y="0"/>
-          <a:ext cx="0" cy="0"/>
-          <a:chOff x="0" y="0"/>
-          <a:chExt cx="0" cy="0"/>
-        </a:xfrm>
-      </p:grpSpPr>
-      <p:sp>
-        <p:nvSpPr>
-          <p:cNvPr id="2" name="Title 1"/>
-          <p:cNvSpPr>
-            <a:spLocks noGrp="1"/>
-          </p:cNvSpPr>
-          <p:nvPr>
-            <p:ph type="title"/>
-          </p:nvPr>
-        </p:nvSpPr>
-        <p:spPr/>
-        <p:txBody>
-          <a:bodyPr>
-            <a:normAutofit/>
-          </a:bodyPr>
-          <a:lstStyle/>
-          <a:p>
-            <a:r>
-              <a:rPr lang="en-US" sz="4800" dirty="0" smtClean="0"/>
-              <a:t>What's on </a:t>
-            </a:r>
-            <a:r>
-              <a:rPr lang="en-US" sz="4800" smtClean="0"/>
-              <a:t>the agenda?</a:t>
-            </a:r>
-            <a:endParaRPr lang="en-US" sz="4800" dirty="0"/>
-          </a:p>
-        </p:txBody>
-      </p:sp>
-      <p:sp>
-        <p:nvSpPr>
-          <p:cNvPr id="3" name="Content Placeholder 2"/>
-          <p:cNvSpPr>
-            <a:spLocks noGrp="1"/>
-          </p:cNvSpPr>
-          <p:nvPr>
-            <p:ph idx="1"/>
-          </p:nvPr>
-        </p:nvSpPr>
-        <p:spPr>
-          <a:xfrm>
-            <a:off x="838200" y="1825624"/>
-            <a:ext cx="10515600" cy="4899641"/>
-          </a:xfrm>
-        </p:spPr>
-        <p:txBody>
-          <a:bodyPr>
-            <a:normAutofit/>
-          </a:bodyPr>
-          <a:lstStyle/>
-          <a:p>
-            <a:r>
-              <a:rPr lang="en-US" sz="4000" dirty="0" smtClean="0"/>
-              <a:t>Define "cross cutting" security concerns</a:t>
-            </a:r>
-          </a:p>
-          <a:p>
-            <a:endParaRPr lang="en-US" sz="4000" dirty="0"/>
-          </a:p>
-          <a:p>
-            <a:endParaRPr lang="en-US" sz="4000" dirty="0"/>
-          </a:p>
-          <a:p>
-            <a:endParaRPr lang="en-US" sz="4000" dirty="0" smtClean="0"/>
-          </a:p>
-          <a:p>
-            <a:endParaRPr lang="en-US" sz="4000" dirty="0" smtClean="0"/>
-          </a:p>
-          <a:p>
-            <a:endParaRPr lang="en-US" dirty="0" smtClean="0"/>
-          </a:p>
-          <a:p>
-            <a:endParaRPr lang="en-US" dirty="0" smtClean="0"/>
-          </a:p>
-          <a:p>
-            <a:endParaRPr lang="en-US" dirty="0"/>
-          </a:p>
-        </p:txBody>
-      </p:sp>
-    </p:spTree>
-    <p:extLst>
-      <p:ext uri="{BB962C8B-B14F-4D97-AF65-F5344CB8AC3E}">
-        <p14:creationId xmlns:p14="http://schemas.microsoft.com/office/powerpoint/2010/main" val="2651230507"/>
-      </p:ext>
-    </p:extLst>
-  </p:cSld>
-  <p:clrMapOvr>
-    <a:masterClrMapping/>
-  </p:clrMapOvr>
-  <p:timing>
-    <p:tnLst>
-      <p:par>
-        <p:cTn id="1" dur="indefinite" restart="never" nodeType="tmRoot"/>
-      </p:par>
-    </p:tnLst>
-  </p:timing>
-</p:sld>
-</file>
-
-<file path=ppt/slides/slide50.xml><?xml version="1.0" encoding="utf-8"?>
+<file path=ppt/slides/slide48.xml><?xml version="1.0" encoding="utf-8"?>
 <p:sld xmlns:a="http://schemas.openxmlformats.org/drawingml/2006/main" xmlns:r="http://schemas.openxmlformats.org/officeDocument/2006/relationships" xmlns:p="http://schemas.openxmlformats.org/presentationml/2006/main">
   <p:cSld>
     <p:spTree>
@@ -16352,7 +15887,7 @@
 </p:sld>
 </file>
 
-<file path=ppt/slides/slide51.xml><?xml version="1.0" encoding="utf-8"?>
+<file path=ppt/slides/slide49.xml><?xml version="1.0" encoding="utf-8"?>
 <p:sld xmlns:a="http://schemas.openxmlformats.org/drawingml/2006/main" xmlns:r="http://schemas.openxmlformats.org/officeDocument/2006/relationships" xmlns:p="http://schemas.openxmlformats.org/presentationml/2006/main">
   <p:cSld>
     <p:spTree>
@@ -16473,7 +16008,123 @@
 </p:sld>
 </file>
 
-<file path=ppt/slides/slide52.xml><?xml version="1.0" encoding="utf-8"?>
+<file path=ppt/slides/slide5.xml><?xml version="1.0" encoding="utf-8"?>
+<p:sld xmlns:a="http://schemas.openxmlformats.org/drawingml/2006/main" xmlns:r="http://schemas.openxmlformats.org/officeDocument/2006/relationships" xmlns:p="http://schemas.openxmlformats.org/presentationml/2006/main">
+  <p:cSld>
+    <p:spTree>
+      <p:nvGrpSpPr>
+        <p:cNvPr id="1" name=""/>
+        <p:cNvGrpSpPr/>
+        <p:nvPr/>
+      </p:nvGrpSpPr>
+      <p:grpSpPr>
+        <a:xfrm>
+          <a:off x="0" y="0"/>
+          <a:ext cx="0" cy="0"/>
+          <a:chOff x="0" y="0"/>
+          <a:chExt cx="0" cy="0"/>
+        </a:xfrm>
+      </p:grpSpPr>
+      <p:sp>
+        <p:nvSpPr>
+          <p:cNvPr id="2" name="Title 1"/>
+          <p:cNvSpPr>
+            <a:spLocks noGrp="1"/>
+          </p:cNvSpPr>
+          <p:nvPr>
+            <p:ph type="title"/>
+          </p:nvPr>
+        </p:nvSpPr>
+        <p:spPr/>
+        <p:txBody>
+          <a:bodyPr>
+            <a:normAutofit/>
+          </a:bodyPr>
+          <a:lstStyle/>
+          <a:p>
+            <a:r>
+              <a:rPr lang="en-US" sz="4800" dirty="0" smtClean="0"/>
+              <a:t>What's on </a:t>
+            </a:r>
+            <a:r>
+              <a:rPr lang="en-US" sz="4800" smtClean="0"/>
+              <a:t>the agenda?</a:t>
+            </a:r>
+            <a:endParaRPr lang="en-US" sz="4800" dirty="0"/>
+          </a:p>
+        </p:txBody>
+      </p:sp>
+      <p:sp>
+        <p:nvSpPr>
+          <p:cNvPr id="3" name="Content Placeholder 2"/>
+          <p:cNvSpPr>
+            <a:spLocks noGrp="1"/>
+          </p:cNvSpPr>
+          <p:nvPr>
+            <p:ph idx="1"/>
+          </p:nvPr>
+        </p:nvSpPr>
+        <p:spPr>
+          <a:xfrm>
+            <a:off x="838200" y="1825624"/>
+            <a:ext cx="10515600" cy="4899641"/>
+          </a:xfrm>
+        </p:spPr>
+        <p:txBody>
+          <a:bodyPr>
+            <a:normAutofit/>
+          </a:bodyPr>
+          <a:lstStyle/>
+          <a:p>
+            <a:r>
+              <a:rPr lang="en-US" sz="4000" dirty="0" smtClean="0"/>
+              <a:t>Define "cross cutting" security concerns</a:t>
+            </a:r>
+          </a:p>
+          <a:p>
+            <a:endParaRPr lang="en-US" sz="4000" dirty="0"/>
+          </a:p>
+          <a:p>
+            <a:endParaRPr lang="en-US" sz="4000" dirty="0"/>
+          </a:p>
+          <a:p>
+            <a:endParaRPr lang="en-US" sz="4000" dirty="0" smtClean="0"/>
+          </a:p>
+          <a:p>
+            <a:endParaRPr lang="en-US" sz="4000" dirty="0" smtClean="0"/>
+          </a:p>
+          <a:p>
+            <a:endParaRPr lang="en-US" dirty="0" smtClean="0"/>
+          </a:p>
+          <a:p>
+            <a:endParaRPr lang="en-US" dirty="0" smtClean="0"/>
+          </a:p>
+          <a:p>
+            <a:endParaRPr lang="en-US" dirty="0"/>
+          </a:p>
+        </p:txBody>
+      </p:sp>
+    </p:spTree>
+    <p:extLst>
+      <p:ext uri="{BB962C8B-B14F-4D97-AF65-F5344CB8AC3E}">
+        <p14:creationId xmlns:p14="http://schemas.microsoft.com/office/powerpoint/2010/main" val="2651230507"/>
+      </p:ext>
+    </p:extLst>
+  </p:cSld>
+  <p:clrMapOvr>
+    <a:masterClrMapping/>
+  </p:clrMapOvr>
+  <p:timing>
+    <p:tnLst>
+      <p:par>
+        <p:cTn id="1" dur="indefinite" restart="never" nodeType="tmRoot"/>
+      </p:par>
+    </p:tnLst>
+  </p:timing>
+</p:sld>
+</file>
+
+<file path=ppt/slides/slide50.xml><?xml version="1.0" encoding="utf-8"?>
 <p:sld xmlns:a="http://schemas.openxmlformats.org/drawingml/2006/main" xmlns:r="http://schemas.openxmlformats.org/officeDocument/2006/relationships" xmlns:p="http://schemas.openxmlformats.org/presentationml/2006/main">
   <p:cSld>
     <p:spTree>
@@ -16563,7 +16214,7 @@
 </p:sld>
 </file>
 
-<file path=ppt/slides/slide53.xml><?xml version="1.0" encoding="utf-8"?>
+<file path=ppt/slides/slide51.xml><?xml version="1.0" encoding="utf-8"?>
 <p:sld xmlns:a="http://schemas.openxmlformats.org/drawingml/2006/main" xmlns:r="http://schemas.openxmlformats.org/officeDocument/2006/relationships" xmlns:p="http://schemas.openxmlformats.org/presentationml/2006/main">
   <p:cSld>
     <p:spTree>
@@ -16683,7 +16334,7 @@
 </p:sld>
 </file>
 
-<file path=ppt/slides/slide54.xml><?xml version="1.0" encoding="utf-8"?>
+<file path=ppt/slides/slide52.xml><?xml version="1.0" encoding="utf-8"?>
 <p:sld xmlns:a="http://schemas.openxmlformats.org/drawingml/2006/main" xmlns:r="http://schemas.openxmlformats.org/officeDocument/2006/relationships" xmlns:p="http://schemas.openxmlformats.org/presentationml/2006/main">
   <p:cSld>
     <p:spTree>
@@ -16827,7 +16478,7 @@
 </p:sld>
 </file>
 
-<file path=ppt/slides/slide55.xml><?xml version="1.0" encoding="utf-8"?>
+<file path=ppt/slides/slide53.xml><?xml version="1.0" encoding="utf-8"?>
 <p:sld xmlns:a="http://schemas.openxmlformats.org/drawingml/2006/main" xmlns:r="http://schemas.openxmlformats.org/officeDocument/2006/relationships" xmlns:p="http://schemas.openxmlformats.org/presentationml/2006/main">
   <p:cSld>
     <p:spTree>
@@ -16952,7 +16603,7 @@
 </p:sld>
 </file>
 
-<file path=ppt/slides/slide56.xml><?xml version="1.0" encoding="utf-8"?>
+<file path=ppt/slides/slide54.xml><?xml version="1.0" encoding="utf-8"?>
 <p:sld xmlns:a="http://schemas.openxmlformats.org/drawingml/2006/main" xmlns:r="http://schemas.openxmlformats.org/officeDocument/2006/relationships" xmlns:p="http://schemas.openxmlformats.org/presentationml/2006/main">
   <p:cSld>
     <p:spTree>
@@ -17048,7 +16699,7 @@
 </p:sld>
 </file>
 
-<file path=ppt/slides/slide57.xml><?xml version="1.0" encoding="utf-8"?>
+<file path=ppt/slides/slide55.xml><?xml version="1.0" encoding="utf-8"?>
 <p:sld xmlns:a="http://schemas.openxmlformats.org/drawingml/2006/main" xmlns:r="http://schemas.openxmlformats.org/officeDocument/2006/relationships" xmlns:p="http://schemas.openxmlformats.org/presentationml/2006/main">
   <p:cSld>
     <p:spTree>
@@ -17138,7 +16789,7 @@
 </p:sld>
 </file>
 
-<file path=ppt/slides/slide58.xml><?xml version="1.0" encoding="utf-8"?>
+<file path=ppt/slides/slide56.xml><?xml version="1.0" encoding="utf-8"?>
 <p:sld xmlns:a="http://schemas.openxmlformats.org/drawingml/2006/main" xmlns:r="http://schemas.openxmlformats.org/officeDocument/2006/relationships" xmlns:p="http://schemas.openxmlformats.org/presentationml/2006/main">
   <p:cSld>
     <p:spTree>
@@ -17262,7 +16913,7 @@
 </p:sld>
 </file>
 
-<file path=ppt/slides/slide59.xml><?xml version="1.0" encoding="utf-8"?>
+<file path=ppt/slides/slide57.xml><?xml version="1.0" encoding="utf-8"?>
 <p:sld xmlns:a="http://schemas.openxmlformats.org/drawingml/2006/main" xmlns:r="http://schemas.openxmlformats.org/officeDocument/2006/relationships" xmlns:p="http://schemas.openxmlformats.org/presentationml/2006/main">
   <p:cSld>
     <p:spTree>
@@ -17387,141 +17038,7 @@
 </p:sld>
 </file>
 
-<file path=ppt/slides/slide6.xml><?xml version="1.0" encoding="utf-8"?>
-<p:sld xmlns:a="http://schemas.openxmlformats.org/drawingml/2006/main" xmlns:r="http://schemas.openxmlformats.org/officeDocument/2006/relationships" xmlns:p="http://schemas.openxmlformats.org/presentationml/2006/main">
-  <p:cSld>
-    <p:spTree>
-      <p:nvGrpSpPr>
-        <p:cNvPr id="1" name=""/>
-        <p:cNvGrpSpPr/>
-        <p:nvPr/>
-      </p:nvGrpSpPr>
-      <p:grpSpPr>
-        <a:xfrm>
-          <a:off x="0" y="0"/>
-          <a:ext cx="0" cy="0"/>
-          <a:chOff x="0" y="0"/>
-          <a:chExt cx="0" cy="0"/>
-        </a:xfrm>
-      </p:grpSpPr>
-      <p:sp>
-        <p:nvSpPr>
-          <p:cNvPr id="2" name="Title 1"/>
-          <p:cNvSpPr>
-            <a:spLocks noGrp="1"/>
-          </p:cNvSpPr>
-          <p:nvPr>
-            <p:ph type="title"/>
-          </p:nvPr>
-        </p:nvSpPr>
-        <p:spPr/>
-        <p:txBody>
-          <a:bodyPr>
-            <a:normAutofit/>
-          </a:bodyPr>
-          <a:lstStyle/>
-          <a:p>
-            <a:r>
-              <a:rPr lang="en-US" sz="4800" dirty="0" smtClean="0"/>
-              <a:t>What's on </a:t>
-            </a:r>
-            <a:r>
-              <a:rPr lang="en-US" sz="4800" smtClean="0"/>
-              <a:t>the agenda?</a:t>
-            </a:r>
-            <a:endParaRPr lang="en-US" sz="4800" dirty="0"/>
-          </a:p>
-        </p:txBody>
-      </p:sp>
-      <p:sp>
-        <p:nvSpPr>
-          <p:cNvPr id="3" name="Content Placeholder 2"/>
-          <p:cNvSpPr>
-            <a:spLocks noGrp="1"/>
-          </p:cNvSpPr>
-          <p:nvPr>
-            <p:ph idx="1"/>
-          </p:nvPr>
-        </p:nvSpPr>
-        <p:spPr>
-          <a:xfrm>
-            <a:off x="838200" y="1825624"/>
-            <a:ext cx="10515600" cy="4899641"/>
-          </a:xfrm>
-        </p:spPr>
-        <p:txBody>
-          <a:bodyPr>
-            <a:normAutofit/>
-          </a:bodyPr>
-          <a:lstStyle/>
-          <a:p>
-            <a:r>
-              <a:rPr lang="en-US" sz="4000" dirty="0" smtClean="0">
-                <a:solidFill>
-                  <a:schemeClr val="bg1">
-                    <a:lumMod val="65000"/>
-                  </a:schemeClr>
-                </a:solidFill>
-              </a:rPr>
-              <a:t>Define "cross cutting" security concerns</a:t>
-            </a:r>
-          </a:p>
-          <a:p>
-            <a:endParaRPr lang="en-US" sz="4000" dirty="0"/>
-          </a:p>
-          <a:p>
-            <a:r>
-              <a:rPr lang="en-US" sz="4000" dirty="0" smtClean="0"/>
-              <a:t>"Secure by default" examples</a:t>
-            </a:r>
-          </a:p>
-          <a:p>
-            <a:endParaRPr lang="en-US" sz="4000" dirty="0"/>
-          </a:p>
-          <a:p>
-            <a:endParaRPr lang="en-US" sz="4000" dirty="0" smtClean="0"/>
-          </a:p>
-          <a:p>
-            <a:endParaRPr lang="en-US" sz="4000" dirty="0"/>
-          </a:p>
-          <a:p>
-            <a:endParaRPr lang="en-US" sz="4000" dirty="0" smtClean="0"/>
-          </a:p>
-          <a:p>
-            <a:endParaRPr lang="en-US" sz="4000" dirty="0" smtClean="0"/>
-          </a:p>
-          <a:p>
-            <a:endParaRPr lang="en-US" dirty="0" smtClean="0"/>
-          </a:p>
-          <a:p>
-            <a:endParaRPr lang="en-US" dirty="0" smtClean="0"/>
-          </a:p>
-          <a:p>
-            <a:endParaRPr lang="en-US" dirty="0"/>
-          </a:p>
-        </p:txBody>
-      </p:sp>
-    </p:spTree>
-    <p:extLst>
-      <p:ext uri="{BB962C8B-B14F-4D97-AF65-F5344CB8AC3E}">
-        <p14:creationId xmlns:p14="http://schemas.microsoft.com/office/powerpoint/2010/main" val="902317821"/>
-      </p:ext>
-    </p:extLst>
-  </p:cSld>
-  <p:clrMapOvr>
-    <a:masterClrMapping/>
-  </p:clrMapOvr>
-  <p:timing>
-    <p:tnLst>
-      <p:par>
-        <p:cTn id="1" dur="indefinite" restart="never" nodeType="tmRoot"/>
-      </p:par>
-    </p:tnLst>
-  </p:timing>
-</p:sld>
-</file>
-
-<file path=ppt/slides/slide60.xml><?xml version="1.0" encoding="utf-8"?>
+<file path=ppt/slides/slide58.xml><?xml version="1.0" encoding="utf-8"?>
 <p:sld xmlns:a="http://schemas.openxmlformats.org/drawingml/2006/main" xmlns:r="http://schemas.openxmlformats.org/officeDocument/2006/relationships" xmlns:p="http://schemas.openxmlformats.org/presentationml/2006/main">
   <p:cSld>
     <p:spTree>
@@ -17646,7 +17163,7 @@
 </p:sld>
 </file>
 
-<file path=ppt/slides/slide61.xml><?xml version="1.0" encoding="utf-8"?>
+<file path=ppt/slides/slide59.xml><?xml version="1.0" encoding="utf-8"?>
 <p:sld xmlns:a="http://schemas.openxmlformats.org/drawingml/2006/main" xmlns:r="http://schemas.openxmlformats.org/officeDocument/2006/relationships" xmlns:p="http://schemas.openxmlformats.org/presentationml/2006/main">
   <p:cSld>
     <p:spTree>
@@ -17795,7 +17312,141 @@
 </p:sld>
 </file>
 
-<file path=ppt/slides/slide62.xml><?xml version="1.0" encoding="utf-8"?>
+<file path=ppt/slides/slide6.xml><?xml version="1.0" encoding="utf-8"?>
+<p:sld xmlns:a="http://schemas.openxmlformats.org/drawingml/2006/main" xmlns:r="http://schemas.openxmlformats.org/officeDocument/2006/relationships" xmlns:p="http://schemas.openxmlformats.org/presentationml/2006/main">
+  <p:cSld>
+    <p:spTree>
+      <p:nvGrpSpPr>
+        <p:cNvPr id="1" name=""/>
+        <p:cNvGrpSpPr/>
+        <p:nvPr/>
+      </p:nvGrpSpPr>
+      <p:grpSpPr>
+        <a:xfrm>
+          <a:off x="0" y="0"/>
+          <a:ext cx="0" cy="0"/>
+          <a:chOff x="0" y="0"/>
+          <a:chExt cx="0" cy="0"/>
+        </a:xfrm>
+      </p:grpSpPr>
+      <p:sp>
+        <p:nvSpPr>
+          <p:cNvPr id="2" name="Title 1"/>
+          <p:cNvSpPr>
+            <a:spLocks noGrp="1"/>
+          </p:cNvSpPr>
+          <p:nvPr>
+            <p:ph type="title"/>
+          </p:nvPr>
+        </p:nvSpPr>
+        <p:spPr/>
+        <p:txBody>
+          <a:bodyPr>
+            <a:normAutofit/>
+          </a:bodyPr>
+          <a:lstStyle/>
+          <a:p>
+            <a:r>
+              <a:rPr lang="en-US" sz="4800" dirty="0" smtClean="0"/>
+              <a:t>What's on </a:t>
+            </a:r>
+            <a:r>
+              <a:rPr lang="en-US" sz="4800" smtClean="0"/>
+              <a:t>the agenda?</a:t>
+            </a:r>
+            <a:endParaRPr lang="en-US" sz="4800" dirty="0"/>
+          </a:p>
+        </p:txBody>
+      </p:sp>
+      <p:sp>
+        <p:nvSpPr>
+          <p:cNvPr id="3" name="Content Placeholder 2"/>
+          <p:cNvSpPr>
+            <a:spLocks noGrp="1"/>
+          </p:cNvSpPr>
+          <p:nvPr>
+            <p:ph idx="1"/>
+          </p:nvPr>
+        </p:nvSpPr>
+        <p:spPr>
+          <a:xfrm>
+            <a:off x="838200" y="1825624"/>
+            <a:ext cx="10515600" cy="4899641"/>
+          </a:xfrm>
+        </p:spPr>
+        <p:txBody>
+          <a:bodyPr>
+            <a:normAutofit/>
+          </a:bodyPr>
+          <a:lstStyle/>
+          <a:p>
+            <a:r>
+              <a:rPr lang="en-US" sz="4000" dirty="0" smtClean="0">
+                <a:solidFill>
+                  <a:schemeClr val="bg1">
+                    <a:lumMod val="65000"/>
+                  </a:schemeClr>
+                </a:solidFill>
+              </a:rPr>
+              <a:t>Define "cross cutting" security concerns</a:t>
+            </a:r>
+          </a:p>
+          <a:p>
+            <a:endParaRPr lang="en-US" sz="4000" dirty="0"/>
+          </a:p>
+          <a:p>
+            <a:r>
+              <a:rPr lang="en-US" sz="4000" dirty="0" smtClean="0"/>
+              <a:t>"Secure by default" examples</a:t>
+            </a:r>
+          </a:p>
+          <a:p>
+            <a:endParaRPr lang="en-US" sz="4000" dirty="0"/>
+          </a:p>
+          <a:p>
+            <a:endParaRPr lang="en-US" sz="4000" dirty="0" smtClean="0"/>
+          </a:p>
+          <a:p>
+            <a:endParaRPr lang="en-US" sz="4000" dirty="0"/>
+          </a:p>
+          <a:p>
+            <a:endParaRPr lang="en-US" sz="4000" dirty="0" smtClean="0"/>
+          </a:p>
+          <a:p>
+            <a:endParaRPr lang="en-US" sz="4000" dirty="0" smtClean="0"/>
+          </a:p>
+          <a:p>
+            <a:endParaRPr lang="en-US" dirty="0" smtClean="0"/>
+          </a:p>
+          <a:p>
+            <a:endParaRPr lang="en-US" dirty="0" smtClean="0"/>
+          </a:p>
+          <a:p>
+            <a:endParaRPr lang="en-US" dirty="0"/>
+          </a:p>
+        </p:txBody>
+      </p:sp>
+    </p:spTree>
+    <p:extLst>
+      <p:ext uri="{BB962C8B-B14F-4D97-AF65-F5344CB8AC3E}">
+        <p14:creationId xmlns:p14="http://schemas.microsoft.com/office/powerpoint/2010/main" val="902317821"/>
+      </p:ext>
+    </p:extLst>
+  </p:cSld>
+  <p:clrMapOvr>
+    <a:masterClrMapping/>
+  </p:clrMapOvr>
+  <p:timing>
+    <p:tnLst>
+      <p:par>
+        <p:cTn id="1" dur="indefinite" restart="never" nodeType="tmRoot"/>
+      </p:par>
+    </p:tnLst>
+  </p:timing>
+</p:sld>
+</file>
+
+<file path=ppt/slides/slide60.xml><?xml version="1.0" encoding="utf-8"?>
 <p:sld xmlns:a="http://schemas.openxmlformats.org/drawingml/2006/main" xmlns:r="http://schemas.openxmlformats.org/officeDocument/2006/relationships" xmlns:p="http://schemas.openxmlformats.org/presentationml/2006/main">
   <p:cSld>
     <p:spTree>
@@ -17888,7 +17539,7 @@
 </p:sld>
 </file>
 
-<file path=ppt/slides/slide63.xml><?xml version="1.0" encoding="utf-8"?>
+<file path=ppt/slides/slide61.xml><?xml version="1.0" encoding="utf-8"?>
 <p:sld xmlns:a="http://schemas.openxmlformats.org/drawingml/2006/main" xmlns:r="http://schemas.openxmlformats.org/officeDocument/2006/relationships" xmlns:p="http://schemas.openxmlformats.org/presentationml/2006/main">
   <p:cSld>
     <p:spTree>
@@ -18013,7 +17664,7 @@
 </p:sld>
 </file>
 
-<file path=ppt/slides/slide64.xml><?xml version="1.0" encoding="utf-8"?>
+<file path=ppt/slides/slide62.xml><?xml version="1.0" encoding="utf-8"?>
 <p:sld xmlns:a="http://schemas.openxmlformats.org/drawingml/2006/main" xmlns:r="http://schemas.openxmlformats.org/officeDocument/2006/relationships" xmlns:p="http://schemas.openxmlformats.org/presentationml/2006/main">
   <p:cSld>
     <p:spTree>
@@ -18119,7 +17770,7 @@
 </p:sld>
 </file>
 
-<file path=ppt/slides/slide65.xml><?xml version="1.0" encoding="utf-8"?>
+<file path=ppt/slides/slide63.xml><?xml version="1.0" encoding="utf-8"?>
 <p:sld xmlns:a="http://schemas.openxmlformats.org/drawingml/2006/main" xmlns:r="http://schemas.openxmlformats.org/officeDocument/2006/relationships" xmlns:p="http://schemas.openxmlformats.org/presentationml/2006/main">
   <p:cSld>
     <p:spTree>
@@ -18240,7 +17891,7 @@
 </p:sld>
 </file>
 
-<file path=ppt/slides/slide66.xml><?xml version="1.0" encoding="utf-8"?>
+<file path=ppt/slides/slide64.xml><?xml version="1.0" encoding="utf-8"?>
 <p:sld xmlns:a="http://schemas.openxmlformats.org/drawingml/2006/main" xmlns:r="http://schemas.openxmlformats.org/officeDocument/2006/relationships" xmlns:p="http://schemas.openxmlformats.org/presentationml/2006/main">
   <p:cSld>
     <p:spTree>
@@ -18360,7 +18011,7 @@
 </p:sld>
 </file>
 
-<file path=ppt/slides/slide67.xml><?xml version="1.0" encoding="utf-8"?>
+<file path=ppt/slides/slide65.xml><?xml version="1.0" encoding="utf-8"?>
 <p:sld xmlns:a="http://schemas.openxmlformats.org/drawingml/2006/main" xmlns:r="http://schemas.openxmlformats.org/officeDocument/2006/relationships" xmlns:p="http://schemas.openxmlformats.org/presentationml/2006/main">
   <p:cSld>
     <p:spTree>
@@ -18480,7 +18131,7 @@
 </p:sld>
 </file>
 
-<file path=ppt/slides/slide68.xml><?xml version="1.0" encoding="utf-8"?>
+<file path=ppt/slides/slide66.xml><?xml version="1.0" encoding="utf-8"?>
 <p:sld xmlns:a="http://schemas.openxmlformats.org/drawingml/2006/main" xmlns:r="http://schemas.openxmlformats.org/officeDocument/2006/relationships" xmlns:p="http://schemas.openxmlformats.org/presentationml/2006/main">
   <p:cSld>
     <p:spTree>
@@ -18600,7 +18251,7 @@
 </p:sld>
 </file>
 
-<file path=ppt/slides/slide69.xml><?xml version="1.0" encoding="utf-8"?>
+<file path=ppt/slides/slide67.xml><?xml version="1.0" encoding="utf-8"?>
 <p:sld xmlns:a="http://schemas.openxmlformats.org/drawingml/2006/main" xmlns:r="http://schemas.openxmlformats.org/officeDocument/2006/relationships" xmlns:p="http://schemas.openxmlformats.org/presentationml/2006/main">
   <p:cSld>
     <p:spTree>
@@ -18720,159 +18371,7 @@
 </p:sld>
 </file>
 
-<file path=ppt/slides/slide7.xml><?xml version="1.0" encoding="utf-8"?>
-<p:sld xmlns:a="http://schemas.openxmlformats.org/drawingml/2006/main" xmlns:r="http://schemas.openxmlformats.org/officeDocument/2006/relationships" xmlns:p="http://schemas.openxmlformats.org/presentationml/2006/main">
-  <p:cSld>
-    <p:spTree>
-      <p:nvGrpSpPr>
-        <p:cNvPr id="1" name=""/>
-        <p:cNvGrpSpPr/>
-        <p:nvPr/>
-      </p:nvGrpSpPr>
-      <p:grpSpPr>
-        <a:xfrm>
-          <a:off x="0" y="0"/>
-          <a:ext cx="0" cy="0"/>
-          <a:chOff x="0" y="0"/>
-          <a:chExt cx="0" cy="0"/>
-        </a:xfrm>
-      </p:grpSpPr>
-      <p:sp>
-        <p:nvSpPr>
-          <p:cNvPr id="2" name="Title 1"/>
-          <p:cNvSpPr>
-            <a:spLocks noGrp="1"/>
-          </p:cNvSpPr>
-          <p:nvPr>
-            <p:ph type="title"/>
-          </p:nvPr>
-        </p:nvSpPr>
-        <p:spPr/>
-        <p:txBody>
-          <a:bodyPr>
-            <a:normAutofit/>
-          </a:bodyPr>
-          <a:lstStyle/>
-          <a:p>
-            <a:r>
-              <a:rPr lang="en-US" sz="4800" dirty="0" smtClean="0"/>
-              <a:t>What's on </a:t>
-            </a:r>
-            <a:r>
-              <a:rPr lang="en-US" sz="4800" smtClean="0"/>
-              <a:t>the agenda?</a:t>
-            </a:r>
-            <a:endParaRPr lang="en-US" sz="4800" dirty="0"/>
-          </a:p>
-        </p:txBody>
-      </p:sp>
-      <p:sp>
-        <p:nvSpPr>
-          <p:cNvPr id="3" name="Content Placeholder 2"/>
-          <p:cNvSpPr>
-            <a:spLocks noGrp="1"/>
-          </p:cNvSpPr>
-          <p:nvPr>
-            <p:ph idx="1"/>
-          </p:nvPr>
-        </p:nvSpPr>
-        <p:spPr>
-          <a:xfrm>
-            <a:off x="838200" y="1825624"/>
-            <a:ext cx="10515600" cy="4899641"/>
-          </a:xfrm>
-        </p:spPr>
-        <p:txBody>
-          <a:bodyPr>
-            <a:normAutofit/>
-          </a:bodyPr>
-          <a:lstStyle/>
-          <a:p>
-            <a:r>
-              <a:rPr lang="en-US" sz="4000" dirty="0" smtClean="0">
-                <a:solidFill>
-                  <a:schemeClr val="bg1">
-                    <a:lumMod val="65000"/>
-                  </a:schemeClr>
-                </a:solidFill>
-              </a:rPr>
-              <a:t>Define "cross cutting" security concerns</a:t>
-            </a:r>
-          </a:p>
-          <a:p>
-            <a:endParaRPr lang="en-US" sz="4000" dirty="0">
-              <a:solidFill>
-                <a:schemeClr val="bg1">
-                  <a:lumMod val="65000"/>
-                </a:schemeClr>
-              </a:solidFill>
-            </a:endParaRPr>
-          </a:p>
-          <a:p>
-            <a:r>
-              <a:rPr lang="en-US" sz="4000" dirty="0" smtClean="0">
-                <a:solidFill>
-                  <a:schemeClr val="bg1">
-                    <a:lumMod val="65000"/>
-                  </a:schemeClr>
-                </a:solidFill>
-              </a:rPr>
-              <a:t>"Secure by default" examples</a:t>
-            </a:r>
-          </a:p>
-          <a:p>
-            <a:endParaRPr lang="en-US" sz="4000" dirty="0"/>
-          </a:p>
-          <a:p>
-            <a:r>
-              <a:rPr lang="en-US" sz="4000" dirty="0" smtClean="0"/>
-              <a:t>Declarative vs Imperative security</a:t>
-            </a:r>
-          </a:p>
-          <a:p>
-            <a:endParaRPr lang="en-US" sz="4000" dirty="0"/>
-          </a:p>
-          <a:p>
-            <a:endParaRPr lang="en-US" sz="4000" dirty="0"/>
-          </a:p>
-          <a:p>
-            <a:endParaRPr lang="en-US" sz="4000" dirty="0" smtClean="0"/>
-          </a:p>
-          <a:p>
-            <a:endParaRPr lang="en-US" sz="4000" dirty="0" smtClean="0"/>
-          </a:p>
-          <a:p>
-            <a:endParaRPr lang="en-US" dirty="0" smtClean="0"/>
-          </a:p>
-          <a:p>
-            <a:endParaRPr lang="en-US" dirty="0" smtClean="0"/>
-          </a:p>
-          <a:p>
-            <a:endParaRPr lang="en-US" dirty="0"/>
-          </a:p>
-        </p:txBody>
-      </p:sp>
-    </p:spTree>
-    <p:extLst>
-      <p:ext uri="{BB962C8B-B14F-4D97-AF65-F5344CB8AC3E}">
-        <p14:creationId xmlns:p14="http://schemas.microsoft.com/office/powerpoint/2010/main" val="1001694156"/>
-      </p:ext>
-    </p:extLst>
-  </p:cSld>
-  <p:clrMapOvr>
-    <a:masterClrMapping/>
-  </p:clrMapOvr>
-  <p:timing>
-    <p:tnLst>
-      <p:par>
-        <p:cTn id="1" dur="indefinite" restart="never" nodeType="tmRoot"/>
-      </p:par>
-    </p:tnLst>
-  </p:timing>
-</p:sld>
-</file>
-
-<file path=ppt/slides/slide70.xml><?xml version="1.0" encoding="utf-8"?>
+<file path=ppt/slides/slide68.xml><?xml version="1.0" encoding="utf-8"?>
 <p:sld xmlns:a="http://schemas.openxmlformats.org/drawingml/2006/main" xmlns:r="http://schemas.openxmlformats.org/officeDocument/2006/relationships" xmlns:p="http://schemas.openxmlformats.org/presentationml/2006/main">
   <p:cSld>
     <p:spTree>
@@ -19014,7 +18513,7 @@
 </p:sld>
 </file>
 
-<file path=ppt/slides/slide71.xml><?xml version="1.0" encoding="utf-8"?>
+<file path=ppt/slides/slide69.xml><?xml version="1.0" encoding="utf-8"?>
 <p:sld xmlns:a="http://schemas.openxmlformats.org/drawingml/2006/main" xmlns:r="http://schemas.openxmlformats.org/officeDocument/2006/relationships" xmlns:p="http://schemas.openxmlformats.org/presentationml/2006/main">
   <p:cSld>
     <p:spTree>
@@ -19135,7 +18634,159 @@
 </p:sld>
 </file>
 
-<file path=ppt/slides/slide72.xml><?xml version="1.0" encoding="utf-8"?>
+<file path=ppt/slides/slide7.xml><?xml version="1.0" encoding="utf-8"?>
+<p:sld xmlns:a="http://schemas.openxmlformats.org/drawingml/2006/main" xmlns:r="http://schemas.openxmlformats.org/officeDocument/2006/relationships" xmlns:p="http://schemas.openxmlformats.org/presentationml/2006/main">
+  <p:cSld>
+    <p:spTree>
+      <p:nvGrpSpPr>
+        <p:cNvPr id="1" name=""/>
+        <p:cNvGrpSpPr/>
+        <p:nvPr/>
+      </p:nvGrpSpPr>
+      <p:grpSpPr>
+        <a:xfrm>
+          <a:off x="0" y="0"/>
+          <a:ext cx="0" cy="0"/>
+          <a:chOff x="0" y="0"/>
+          <a:chExt cx="0" cy="0"/>
+        </a:xfrm>
+      </p:grpSpPr>
+      <p:sp>
+        <p:nvSpPr>
+          <p:cNvPr id="2" name="Title 1"/>
+          <p:cNvSpPr>
+            <a:spLocks noGrp="1"/>
+          </p:cNvSpPr>
+          <p:nvPr>
+            <p:ph type="title"/>
+          </p:nvPr>
+        </p:nvSpPr>
+        <p:spPr/>
+        <p:txBody>
+          <a:bodyPr>
+            <a:normAutofit/>
+          </a:bodyPr>
+          <a:lstStyle/>
+          <a:p>
+            <a:r>
+              <a:rPr lang="en-US" sz="4800" dirty="0" smtClean="0"/>
+              <a:t>What's on </a:t>
+            </a:r>
+            <a:r>
+              <a:rPr lang="en-US" sz="4800" smtClean="0"/>
+              <a:t>the agenda?</a:t>
+            </a:r>
+            <a:endParaRPr lang="en-US" sz="4800" dirty="0"/>
+          </a:p>
+        </p:txBody>
+      </p:sp>
+      <p:sp>
+        <p:nvSpPr>
+          <p:cNvPr id="3" name="Content Placeholder 2"/>
+          <p:cNvSpPr>
+            <a:spLocks noGrp="1"/>
+          </p:cNvSpPr>
+          <p:nvPr>
+            <p:ph idx="1"/>
+          </p:nvPr>
+        </p:nvSpPr>
+        <p:spPr>
+          <a:xfrm>
+            <a:off x="838200" y="1825624"/>
+            <a:ext cx="10515600" cy="4899641"/>
+          </a:xfrm>
+        </p:spPr>
+        <p:txBody>
+          <a:bodyPr>
+            <a:normAutofit/>
+          </a:bodyPr>
+          <a:lstStyle/>
+          <a:p>
+            <a:r>
+              <a:rPr lang="en-US" sz="4000" dirty="0" smtClean="0">
+                <a:solidFill>
+                  <a:schemeClr val="bg1">
+                    <a:lumMod val="65000"/>
+                  </a:schemeClr>
+                </a:solidFill>
+              </a:rPr>
+              <a:t>Define "cross cutting" security concerns</a:t>
+            </a:r>
+          </a:p>
+          <a:p>
+            <a:endParaRPr lang="en-US" sz="4000" dirty="0">
+              <a:solidFill>
+                <a:schemeClr val="bg1">
+                  <a:lumMod val="65000"/>
+                </a:schemeClr>
+              </a:solidFill>
+            </a:endParaRPr>
+          </a:p>
+          <a:p>
+            <a:r>
+              <a:rPr lang="en-US" sz="4000" dirty="0" smtClean="0">
+                <a:solidFill>
+                  <a:schemeClr val="bg1">
+                    <a:lumMod val="65000"/>
+                  </a:schemeClr>
+                </a:solidFill>
+              </a:rPr>
+              <a:t>"Secure by default" examples</a:t>
+            </a:r>
+          </a:p>
+          <a:p>
+            <a:endParaRPr lang="en-US" sz="4000" dirty="0"/>
+          </a:p>
+          <a:p>
+            <a:r>
+              <a:rPr lang="en-US" sz="4000" dirty="0" smtClean="0"/>
+              <a:t>Declarative vs Imperative security</a:t>
+            </a:r>
+          </a:p>
+          <a:p>
+            <a:endParaRPr lang="en-US" sz="4000" dirty="0"/>
+          </a:p>
+          <a:p>
+            <a:endParaRPr lang="en-US" sz="4000" dirty="0"/>
+          </a:p>
+          <a:p>
+            <a:endParaRPr lang="en-US" sz="4000" dirty="0" smtClean="0"/>
+          </a:p>
+          <a:p>
+            <a:endParaRPr lang="en-US" sz="4000" dirty="0" smtClean="0"/>
+          </a:p>
+          <a:p>
+            <a:endParaRPr lang="en-US" dirty="0" smtClean="0"/>
+          </a:p>
+          <a:p>
+            <a:endParaRPr lang="en-US" dirty="0" smtClean="0"/>
+          </a:p>
+          <a:p>
+            <a:endParaRPr lang="en-US" dirty="0"/>
+          </a:p>
+        </p:txBody>
+      </p:sp>
+    </p:spTree>
+    <p:extLst>
+      <p:ext uri="{BB962C8B-B14F-4D97-AF65-F5344CB8AC3E}">
+        <p14:creationId xmlns:p14="http://schemas.microsoft.com/office/powerpoint/2010/main" val="1001694156"/>
+      </p:ext>
+    </p:extLst>
+  </p:cSld>
+  <p:clrMapOvr>
+    <a:masterClrMapping/>
+  </p:clrMapOvr>
+  <p:timing>
+    <p:tnLst>
+      <p:par>
+        <p:cTn id="1" dur="indefinite" restart="never" nodeType="tmRoot"/>
+      </p:par>
+    </p:tnLst>
+  </p:timing>
+</p:sld>
+</file>
+
+<file path=ppt/slides/slide70.xml><?xml version="1.0" encoding="utf-8"?>
 <p:sld xmlns:a="http://schemas.openxmlformats.org/drawingml/2006/main" xmlns:r="http://schemas.openxmlformats.org/officeDocument/2006/relationships" xmlns:p="http://schemas.openxmlformats.org/presentationml/2006/main">
   <p:cSld>
     <p:spTree>
@@ -19256,7 +18907,7 @@
 </p:sld>
 </file>
 
-<file path=ppt/slides/slide73.xml><?xml version="1.0" encoding="utf-8"?>
+<file path=ppt/slides/slide71.xml><?xml version="1.0" encoding="utf-8"?>
 <p:sld xmlns:a="http://schemas.openxmlformats.org/drawingml/2006/main" xmlns:r="http://schemas.openxmlformats.org/officeDocument/2006/relationships" xmlns:p="http://schemas.openxmlformats.org/presentationml/2006/main">
   <p:cSld>
     <p:spTree>
@@ -19377,7 +19028,7 @@
 </p:sld>
 </file>
 
-<file path=ppt/slides/slide74.xml><?xml version="1.0" encoding="utf-8"?>
+<file path=ppt/slides/slide72.xml><?xml version="1.0" encoding="utf-8"?>
 <p:sld xmlns:a="http://schemas.openxmlformats.org/drawingml/2006/main" xmlns:r="http://schemas.openxmlformats.org/officeDocument/2006/relationships" xmlns:p="http://schemas.openxmlformats.org/presentationml/2006/main">
   <p:cSld>
     <p:spTree>
@@ -19501,7 +19152,7 @@
 </p:sld>
 </file>
 
-<file path=ppt/slides/slide75.xml><?xml version="1.0" encoding="utf-8"?>
+<file path=ppt/slides/slide73.xml><?xml version="1.0" encoding="utf-8"?>
 <p:sld xmlns:a="http://schemas.openxmlformats.org/drawingml/2006/main" xmlns:r="http://schemas.openxmlformats.org/officeDocument/2006/relationships" xmlns:p="http://schemas.openxmlformats.org/presentationml/2006/main">
   <p:cSld>
     <p:spTree>
@@ -19631,7 +19282,7 @@
 </p:sld>
 </file>
 
-<file path=ppt/slides/slide76.xml><?xml version="1.0" encoding="utf-8"?>
+<file path=ppt/slides/slide74.xml><?xml version="1.0" encoding="utf-8"?>
 <p:sld xmlns:a="http://schemas.openxmlformats.org/drawingml/2006/main" xmlns:r="http://schemas.openxmlformats.org/officeDocument/2006/relationships" xmlns:p="http://schemas.openxmlformats.org/presentationml/2006/main">
   <p:cSld>
     <p:spTree>
@@ -19658,7 +19309,106 @@
             <p:ph type="title"/>
           </p:nvPr>
         </p:nvSpPr>
-        <p:spPr/>
+        <p:spPr>
+          <a:xfrm>
+            <a:off x="964927" y="1"/>
+            <a:ext cx="10515600" cy="6858000"/>
+          </a:xfrm>
+        </p:spPr>
+        <p:txBody>
+          <a:bodyPr anchor="ctr">
+            <a:normAutofit/>
+          </a:bodyPr>
+          <a:lstStyle/>
+          <a:p>
+            <a:pPr algn="ctr"/>
+            <a:r>
+              <a:rPr lang="en-US" sz="4800" dirty="0" smtClean="0"/>
+              <a:t>Recap</a:t>
+            </a:r>
+            <a:r>
+              <a:rPr lang="en-US" sz="4800" dirty="0" smtClean="0"/>
+              <a:t/>
+            </a:r>
+            <a:br>
+              <a:rPr lang="en-US" sz="4800" dirty="0" smtClean="0"/>
+            </a:br>
+            <a:r>
+              <a:rPr lang="en-US" sz="4800" dirty="0"/>
+              <a:t/>
+            </a:r>
+            <a:br>
+              <a:rPr lang="en-US" sz="4800" dirty="0"/>
+            </a:br>
+            <a:r>
+              <a:rPr lang="en-US" dirty="0" smtClean="0">
+                <a:solidFill>
+                  <a:srgbClr val="013947"/>
+                </a:solidFill>
+              </a:rPr>
+              <a:t>The CliffsNotes version</a:t>
+            </a:r>
+            <a:endParaRPr lang="en-US" sz="4800" dirty="0">
+              <a:solidFill>
+                <a:srgbClr val="013947"/>
+              </a:solidFill>
+            </a:endParaRPr>
+          </a:p>
+        </p:txBody>
+      </p:sp>
+    </p:spTree>
+    <p:extLst>
+      <p:ext uri="{BB962C8B-B14F-4D97-AF65-F5344CB8AC3E}">
+        <p14:creationId xmlns:p14="http://schemas.microsoft.com/office/powerpoint/2010/main" val="3867943196"/>
+      </p:ext>
+    </p:extLst>
+  </p:cSld>
+  <p:clrMapOvr>
+    <a:masterClrMapping/>
+  </p:clrMapOvr>
+  <p:timing>
+    <p:tnLst>
+      <p:par>
+        <p:cTn id="1" dur="indefinite" restart="never" nodeType="tmRoot"/>
+      </p:par>
+    </p:tnLst>
+  </p:timing>
+</p:sld>
+</file>
+
+<file path=ppt/slides/slide75.xml><?xml version="1.0" encoding="utf-8"?>
+<p:sld xmlns:a="http://schemas.openxmlformats.org/drawingml/2006/main" xmlns:r="http://schemas.openxmlformats.org/officeDocument/2006/relationships" xmlns:p="http://schemas.openxmlformats.org/presentationml/2006/main">
+  <p:cSld>
+    <p:spTree>
+      <p:nvGrpSpPr>
+        <p:cNvPr id="1" name=""/>
+        <p:cNvGrpSpPr/>
+        <p:nvPr/>
+      </p:nvGrpSpPr>
+      <p:grpSpPr>
+        <a:xfrm>
+          <a:off x="0" y="0"/>
+          <a:ext cx="0" cy="0"/>
+          <a:chOff x="0" y="0"/>
+          <a:chExt cx="0" cy="0"/>
+        </a:xfrm>
+      </p:grpSpPr>
+      <p:sp>
+        <p:nvSpPr>
+          <p:cNvPr id="2" name="Title 1"/>
+          <p:cNvSpPr>
+            <a:spLocks noGrp="1"/>
+          </p:cNvSpPr>
+          <p:nvPr>
+            <p:ph type="title"/>
+          </p:nvPr>
+        </p:nvSpPr>
+        <p:spPr>
+          <a:xfrm>
+            <a:off x="838200" y="365125"/>
+            <a:ext cx="10515600" cy="1174115"/>
+          </a:xfrm>
+        </p:spPr>
         <p:txBody>
           <a:bodyPr>
             <a:normAutofit/>
@@ -19666,8 +19416,12 @@
           <a:lstStyle/>
           <a:p>
             <a:r>
-              <a:rPr lang="en-US" sz="4800" dirty="0" smtClean="0"/>
-              <a:t>Recap – 55 minutes of knowledge, 1 slide</a:t>
+              <a:rPr lang="en-US" sz="4800" b="1" dirty="0" smtClean="0"/>
+              <a:t>bit.ly/</a:t>
+            </a:r>
+            <a:r>
+              <a:rPr lang="en-US" sz="4800" b="1" dirty="0" err="1" smtClean="0"/>
+              <a:t>DontWriteSecureCode</a:t>
             </a:r>
             <a:endParaRPr lang="en-US" sz="4800" dirty="0"/>
           </a:p>
@@ -19691,39 +19445,56 @@
         </p:spPr>
         <p:txBody>
           <a:bodyPr>
-            <a:normAutofit fontScale="92500" lnSpcReduction="20000"/>
+            <a:normAutofit fontScale="85000" lnSpcReduction="20000"/>
           </a:bodyPr>
           <a:lstStyle/>
           <a:p>
             <a:r>
               <a:rPr lang="en-US" sz="4000" dirty="0" smtClean="0"/>
-              <a:t>Cross cutting concerns </a:t>
-            </a:r>
-            <a:r>
-              <a:rPr lang="en-US" sz="4000" dirty="0" smtClean="0">
-                <a:sym typeface="Wingdings" panose="05000000000000000000" pitchFamily="2" charset="2"/>
-              </a:rPr>
-              <a:t> framework code</a:t>
+              <a:t>Global CSRF defense</a:t>
             </a:r>
             <a:endParaRPr lang="en-US" sz="4000" dirty="0" smtClean="0"/>
           </a:p>
           <a:p>
             <a:r>
               <a:rPr lang="en-US" sz="4000" dirty="0" smtClean="0"/>
-              <a:t>"Secure by default" is the holy grail</a:t>
+              <a:t>Private-by-default </a:t>
+            </a:r>
+            <a:r>
+              <a:rPr lang="en-US" sz="4000" dirty="0"/>
+              <a:t>MVC controllers</a:t>
             </a:r>
           </a:p>
           <a:p>
             <a:r>
               <a:rPr lang="en-US" sz="4000" dirty="0" smtClean="0"/>
-              <a:t>Declarative &gt; imperative</a:t>
+              <a:t>Row level security in SQL Server 2016</a:t>
             </a:r>
           </a:p>
           <a:p>
             <a:r>
               <a:rPr lang="en-US" sz="4000" dirty="0" smtClean="0"/>
-              <a:t>Automated audits &gt; exhaustive testing</a:t>
-            </a:r>
+              <a:t>Permission-based MVC attributes</a:t>
+            </a:r>
+            <a:endParaRPr lang="en-US" sz="4000" dirty="0" smtClean="0"/>
+          </a:p>
+          <a:p>
+            <a:r>
+              <a:rPr lang="en-US" sz="4000" dirty="0" smtClean="0"/>
+              <a:t>Permission-based property access, with </a:t>
+            </a:r>
+            <a:r>
+              <a:rPr lang="en-US" sz="4000" dirty="0" err="1" smtClean="0"/>
+              <a:t>PostSharp</a:t>
+            </a:r>
+            <a:endParaRPr lang="en-US" sz="4000" dirty="0" smtClean="0"/>
+          </a:p>
+          <a:p>
+            <a:r>
+              <a:rPr lang="en-US" sz="4000" dirty="0" smtClean="0"/>
+              <a:t>Auditing w/ reflection and Approval Tests</a:t>
+            </a:r>
+            <a:endParaRPr lang="en-US" sz="4000" dirty="0" smtClean="0"/>
           </a:p>
           <a:p>
             <a:pPr marL="0" indent="0">
@@ -19737,32 +19508,19 @@
               <a:rPr lang="en-US" sz="4000" b="1" dirty="0" smtClean="0"/>
             </a:br>
             <a:r>
-              <a:rPr lang="en-US" sz="4000" b="1" dirty="0" smtClean="0"/>
-              <a:t>bit.ly/2i0J91d</a:t>
-            </a:r>
-            <a:endParaRPr lang="en-US" sz="4000" b="1" dirty="0"/>
-          </a:p>
-          <a:p>
-            <a:endParaRPr lang="en-US" sz="4000" dirty="0"/>
-          </a:p>
-          <a:p>
-            <a:pPr marL="0" indent="0">
-              <a:buNone/>
-            </a:pPr>
-            <a:r>
-              <a:rPr lang="en-US" sz="4000" dirty="0">
+              <a:rPr lang="en-US" sz="4000" dirty="0" smtClean="0">
                 <a:hlinkClick r:id="rId3"/>
               </a:rPr>
               <a:t>github.com/</a:t>
             </a:r>
             <a:r>
-              <a:rPr lang="en-US" sz="4000" dirty="0" err="1">
+              <a:rPr lang="en-US" sz="4000" dirty="0" err="1" smtClean="0">
                 <a:hlinkClick r:id="rId3"/>
               </a:rPr>
               <a:t>spetryjohnson</a:t>
             </a:r>
             <a:r>
-              <a:rPr lang="en-US" sz="4000" dirty="0"/>
+              <a:rPr lang="en-US" sz="4000" dirty="0" smtClean="0"/>
               <a:t> </a:t>
             </a:r>
             <a:r>
@@ -19831,7 +19589,7 @@
     </p:spTree>
     <p:extLst>
       <p:ext uri="{BB962C8B-B14F-4D97-AF65-F5344CB8AC3E}">
-        <p14:creationId xmlns:p14="http://schemas.microsoft.com/office/powerpoint/2010/main" val="1736657086"/>
+        <p14:creationId xmlns:p14="http://schemas.microsoft.com/office/powerpoint/2010/main" val="3024009127"/>
       </p:ext>
     </p:extLst>
   </p:cSld>

--- a/Secure Systems - CodeMash 2017.pptx
+++ b/Secure Systems - CodeMash 2017.pptx
@@ -13882,10 +13882,6 @@
               <a:rPr lang="en-US" sz="4800" dirty="0" smtClean="0"/>
               <a:t>Authentication</a:t>
             </a:r>
-            <a:r>
-              <a:rPr lang="en-US" sz="4800" dirty="0" smtClean="0"/>
-              <a:t/>
-            </a:r>
             <a:br>
               <a:rPr lang="en-US" sz="4800" dirty="0" smtClean="0"/>
             </a:br>
@@ -19326,10 +19322,6 @@
               <a:rPr lang="en-US" sz="4800" dirty="0" smtClean="0"/>
               <a:t>Recap</a:t>
             </a:r>
-            <a:r>
-              <a:rPr lang="en-US" sz="4800" dirty="0" smtClean="0"/>
-              <a:t/>
-            </a:r>
             <a:br>
               <a:rPr lang="en-US" sz="4800" dirty="0" smtClean="0"/>
             </a:br>
@@ -19453,7 +19445,6 @@
               <a:rPr lang="en-US" sz="4000" dirty="0" smtClean="0"/>
               <a:t>Global CSRF defense</a:t>
             </a:r>
-            <a:endParaRPr lang="en-US" sz="4000" dirty="0" smtClean="0"/>
           </a:p>
           <a:p>
             <a:r>
@@ -19476,7 +19467,6 @@
               <a:rPr lang="en-US" sz="4000" dirty="0" smtClean="0"/>
               <a:t>Permission-based MVC attributes</a:t>
             </a:r>
-            <a:endParaRPr lang="en-US" sz="4000" dirty="0" smtClean="0"/>
           </a:p>
           <a:p>
             <a:r>
@@ -19494,7 +19484,6 @@
               <a:rPr lang="en-US" sz="4000" dirty="0" smtClean="0"/>
               <a:t>Auditing w/ reflection and Approval Tests</a:t>
             </a:r>
-            <a:endParaRPr lang="en-US" sz="4000" dirty="0" smtClean="0"/>
           </a:p>
           <a:p>
             <a:pPr marL="0" indent="0">

--- a/Secure Systems - CodeMash 2017.pptx
+++ b/Secure Systems - CodeMash 2017.pptx
@@ -294,7 +294,7 @@
           <a:p>
             <a:fld id="{C54A4886-B4AF-42F7-97BE-95CDF82A73E3}" type="datetimeFigureOut">
               <a:rPr lang="en-US" smtClean="0"/>
-              <a:t>1/8/2017</a:t>
+              <a:t>1/10/2017</a:t>
             </a:fld>
             <a:endParaRPr lang="en-US"/>
           </a:p>
@@ -606,6 +606,37 @@
           <a:bodyPr/>
           <a:lstStyle/>
           <a:p>
+            <a:pPr marL="0" marR="0" lvl="0" indent="0" algn="l" defTabSz="914400" rtl="0" eaLnBrk="1" fontAlgn="auto" latinLnBrk="0" hangingPunct="1">
+              <a:lnSpc>
+                <a:spcPct val="100000"/>
+              </a:lnSpc>
+              <a:spcBef>
+                <a:spcPts val="0"/>
+              </a:spcBef>
+              <a:spcAft>
+                <a:spcPts val="0"/>
+              </a:spcAft>
+              <a:buClrTx/>
+              <a:buSzTx/>
+              <a:buFontTx/>
+              <a:buNone/>
+              <a:tabLst/>
+              <a:defRPr/>
+            </a:pPr>
+            <a:r>
+              <a:rPr lang="en-US" sz="1200" kern="1200" dirty="0" smtClean="0">
+                <a:solidFill>
+                  <a:schemeClr val="tx1"/>
+                </a:solidFill>
+                <a:effectLst/>
+                <a:latin typeface="+mn-lt"/>
+                <a:ea typeface="+mn-ea"/>
+                <a:cs typeface="+mn-cs"/>
+              </a:rPr>
+              <a:t>Hello, and welcome to “Don’t Write Secure Code”. I’m Seth Petry-Johnson, and unlike some of the other speakers in this track, I am not a security professional. I’m just a normal programmer, although I do have a security related confession to make.</a:t>
+            </a:r>
+          </a:p>
+          <a:p>
             <a:endParaRPr lang="en-US" sz="1200" kern="1200" dirty="0">
               <a:solidFill>
                 <a:schemeClr val="tx1"/>
@@ -698,7 +729,185 @@
           <a:bodyPr/>
           <a:lstStyle/>
           <a:p>
-            <a:endParaRPr lang="en-US" b="0" dirty="0" smtClean="0"/>
+            <a:r>
+              <a:rPr lang="en-US" sz="1200" kern="1200" dirty="0" smtClean="0">
+                <a:solidFill>
+                  <a:schemeClr val="tx1"/>
+                </a:solidFill>
+                <a:effectLst/>
+                <a:latin typeface="+mn-lt"/>
+                <a:ea typeface="+mn-ea"/>
+                <a:cs typeface="+mn-cs"/>
+              </a:rPr>
+              <a:t>For example, ASPNET MVC lets you tap into the MVC pipeline w/ Action Filter.</a:t>
+            </a:r>
+          </a:p>
+          <a:p>
+            <a:endParaRPr lang="en-US" sz="1200" kern="1200" dirty="0" smtClean="0">
+              <a:solidFill>
+                <a:schemeClr val="tx1"/>
+              </a:solidFill>
+              <a:effectLst/>
+              <a:latin typeface="+mn-lt"/>
+              <a:ea typeface="+mn-ea"/>
+              <a:cs typeface="+mn-cs"/>
+            </a:endParaRPr>
+          </a:p>
+          <a:p>
+            <a:r>
+              <a:rPr lang="en-US" sz="1200" kern="1200" dirty="0" smtClean="0">
+                <a:solidFill>
+                  <a:schemeClr val="tx1"/>
+                </a:solidFill>
+                <a:effectLst/>
+                <a:latin typeface="+mn-lt"/>
+                <a:ea typeface="+mn-ea"/>
+                <a:cs typeface="+mn-cs"/>
+              </a:rPr>
+              <a:t>jQuery lets you tap into AJAX request pipeline using global event handlers.</a:t>
+            </a:r>
+          </a:p>
+          <a:p>
+            <a:r>
+              <a:rPr lang="en-US" sz="1200" kern="1200" dirty="0" smtClean="0">
+                <a:solidFill>
+                  <a:schemeClr val="tx1"/>
+                </a:solidFill>
+                <a:effectLst/>
+                <a:latin typeface="+mn-lt"/>
+                <a:ea typeface="+mn-ea"/>
+                <a:cs typeface="+mn-cs"/>
+              </a:rPr>
+              <a:t> </a:t>
+            </a:r>
+          </a:p>
+          <a:p>
+            <a:r>
+              <a:rPr lang="en-US" sz="1200" kern="1200" dirty="0" smtClean="0">
+                <a:solidFill>
+                  <a:schemeClr val="tx1"/>
+                </a:solidFill>
+                <a:effectLst/>
+                <a:latin typeface="+mn-lt"/>
+                <a:ea typeface="+mn-ea"/>
+                <a:cs typeface="+mn-cs"/>
+              </a:rPr>
+              <a:t>ORMs like EF &amp; NH let you run code whenever a database connection is opened or transaction begins.</a:t>
+            </a:r>
+          </a:p>
+          <a:p>
+            <a:r>
+              <a:rPr lang="en-US" sz="1200" kern="1200" dirty="0" smtClean="0">
+                <a:solidFill>
+                  <a:schemeClr val="tx1"/>
+                </a:solidFill>
+                <a:effectLst/>
+                <a:latin typeface="+mn-lt"/>
+                <a:ea typeface="+mn-ea"/>
+                <a:cs typeface="+mn-cs"/>
+              </a:rPr>
+              <a:t> </a:t>
+            </a:r>
+          </a:p>
+          <a:p>
+            <a:r>
+              <a:rPr lang="en-US" sz="1200" kern="1200" dirty="0" smtClean="0">
+                <a:solidFill>
+                  <a:schemeClr val="tx1"/>
+                </a:solidFill>
+                <a:effectLst/>
+                <a:latin typeface="+mn-lt"/>
+                <a:ea typeface="+mn-ea"/>
+                <a:cs typeface="+mn-cs"/>
+              </a:rPr>
+              <a:t>And if you need hook that doesn’t already exist, tools like </a:t>
+            </a:r>
+            <a:r>
+              <a:rPr lang="en-US" sz="1200" kern="1200" dirty="0" err="1" smtClean="0">
+                <a:solidFill>
+                  <a:schemeClr val="tx1"/>
+                </a:solidFill>
+                <a:effectLst/>
+                <a:latin typeface="+mn-lt"/>
+                <a:ea typeface="+mn-ea"/>
+                <a:cs typeface="+mn-cs"/>
+              </a:rPr>
+              <a:t>PostSharp</a:t>
+            </a:r>
+            <a:r>
+              <a:rPr lang="en-US" sz="1200" kern="1200" dirty="0" smtClean="0">
+                <a:solidFill>
+                  <a:schemeClr val="tx1"/>
+                </a:solidFill>
+                <a:effectLst/>
+                <a:latin typeface="+mn-lt"/>
+                <a:ea typeface="+mn-ea"/>
+                <a:cs typeface="+mn-cs"/>
+              </a:rPr>
+              <a:t> let you create your own. We’ll talk about this in a bit.</a:t>
+            </a:r>
+          </a:p>
+          <a:p>
+            <a:r>
+              <a:rPr lang="en-US" sz="1200" kern="1200" dirty="0" smtClean="0">
+                <a:solidFill>
+                  <a:schemeClr val="tx1"/>
+                </a:solidFill>
+                <a:effectLst/>
+                <a:latin typeface="+mn-lt"/>
+                <a:ea typeface="+mn-ea"/>
+                <a:cs typeface="+mn-cs"/>
+              </a:rPr>
+              <a:t> </a:t>
+            </a:r>
+          </a:p>
+          <a:p>
+            <a:r>
+              <a:rPr lang="en-US" sz="1200" kern="1200" dirty="0" smtClean="0">
+                <a:solidFill>
+                  <a:schemeClr val="tx1"/>
+                </a:solidFill>
+                <a:effectLst/>
+                <a:latin typeface="+mn-lt"/>
+                <a:ea typeface="+mn-ea"/>
+                <a:cs typeface="+mn-cs"/>
+              </a:rPr>
+              <a:t>And of course, your custom application code might provide own framework level hooks. For instance, if you have some base class that everything derives from, then you can provide your extension points that make sense in your own system.</a:t>
+            </a:r>
+          </a:p>
+          <a:p>
+            <a:endParaRPr lang="en-US" sz="1200" kern="1200" dirty="0" smtClean="0">
+              <a:solidFill>
+                <a:schemeClr val="tx1"/>
+              </a:solidFill>
+              <a:effectLst/>
+              <a:latin typeface="+mn-lt"/>
+              <a:ea typeface="+mn-ea"/>
+              <a:cs typeface="+mn-cs"/>
+            </a:endParaRPr>
+          </a:p>
+          <a:p>
+            <a:r>
+              <a:rPr lang="en-US" sz="1200" kern="1200" dirty="0" smtClean="0">
+                <a:solidFill>
+                  <a:schemeClr val="tx1"/>
+                </a:solidFill>
+                <a:effectLst/>
+                <a:latin typeface="+mn-lt"/>
+                <a:ea typeface="+mn-ea"/>
+                <a:cs typeface="+mn-cs"/>
+              </a:rPr>
+              <a:t>Basically, when I say “framework code”, I’m referring to something that you write that gets executed automatically by some underlying system, as opposed to the specific feature-level code you write at the top of your stack.</a:t>
+            </a:r>
+            <a:endParaRPr lang="en-US" sz="1200" kern="1200" dirty="0">
+              <a:solidFill>
+                <a:schemeClr val="tx1"/>
+              </a:solidFill>
+              <a:effectLst/>
+              <a:latin typeface="+mn-lt"/>
+              <a:ea typeface="+mn-ea"/>
+              <a:cs typeface="+mn-cs"/>
+            </a:endParaRPr>
           </a:p>
         </p:txBody>
       </p:sp>
@@ -782,6 +991,120 @@
           <a:bodyPr/>
           <a:lstStyle/>
           <a:p>
+            <a:r>
+              <a:rPr lang="en-US" sz="1200" kern="1200" dirty="0" smtClean="0">
+                <a:solidFill>
+                  <a:schemeClr val="tx1"/>
+                </a:solidFill>
+                <a:effectLst/>
+                <a:latin typeface="+mn-lt"/>
+                <a:ea typeface="+mn-ea"/>
+                <a:cs typeface="+mn-cs"/>
+              </a:rPr>
+              <a:t>When I say “cross cutting concern”, I’m referring to any security requirement that spans multiple features.</a:t>
+            </a:r>
+          </a:p>
+          <a:p>
+            <a:endParaRPr lang="en-US" sz="1200" kern="1200" dirty="0" smtClean="0">
+              <a:solidFill>
+                <a:schemeClr val="tx1"/>
+              </a:solidFill>
+              <a:effectLst/>
+              <a:latin typeface="+mn-lt"/>
+              <a:ea typeface="+mn-ea"/>
+              <a:cs typeface="+mn-cs"/>
+            </a:endParaRPr>
+          </a:p>
+          <a:p>
+            <a:r>
+              <a:rPr lang="en-US" sz="1200" kern="1200" dirty="0" smtClean="0">
+                <a:solidFill>
+                  <a:schemeClr val="tx1"/>
+                </a:solidFill>
+                <a:effectLst/>
+                <a:latin typeface="+mn-lt"/>
+                <a:ea typeface="+mn-ea"/>
+                <a:cs typeface="+mn-cs"/>
+              </a:rPr>
+              <a:t>Cross cutting concerns can be low level &amp; unrelated to your business domain, such as SQL injection. </a:t>
+            </a:r>
+          </a:p>
+          <a:p>
+            <a:endParaRPr lang="en-US" sz="1200" kern="1200" dirty="0" smtClean="0">
+              <a:solidFill>
+                <a:schemeClr val="tx1"/>
+              </a:solidFill>
+              <a:effectLst/>
+              <a:latin typeface="+mn-lt"/>
+              <a:ea typeface="+mn-ea"/>
+              <a:cs typeface="+mn-cs"/>
+            </a:endParaRPr>
+          </a:p>
+          <a:p>
+            <a:r>
+              <a:rPr lang="en-US" sz="1200" kern="1200" dirty="0" smtClean="0">
+                <a:solidFill>
+                  <a:schemeClr val="tx1"/>
+                </a:solidFill>
+                <a:effectLst/>
+                <a:latin typeface="+mn-lt"/>
+                <a:ea typeface="+mn-ea"/>
+                <a:cs typeface="+mn-cs"/>
+              </a:rPr>
+              <a:t>Higher level requirements can be cross-cutting as well. You might have group of related pages or features that share permission requirement or access control strategy.</a:t>
+            </a:r>
+          </a:p>
+          <a:p>
+            <a:endParaRPr lang="en-US" sz="1200" kern="1200" dirty="0" smtClean="0">
+              <a:solidFill>
+                <a:schemeClr val="tx1"/>
+              </a:solidFill>
+              <a:effectLst/>
+              <a:latin typeface="+mn-lt"/>
+              <a:ea typeface="+mn-ea"/>
+              <a:cs typeface="+mn-cs"/>
+            </a:endParaRPr>
+          </a:p>
+          <a:p>
+            <a:r>
+              <a:rPr lang="en-US" sz="1200" kern="1200" dirty="0" smtClean="0">
+                <a:solidFill>
+                  <a:schemeClr val="tx1"/>
+                </a:solidFill>
+                <a:effectLst/>
+                <a:latin typeface="+mn-lt"/>
+                <a:ea typeface="+mn-ea"/>
+                <a:cs typeface="+mn-cs"/>
+              </a:rPr>
+              <a:t>In both cases, the point is that separating cross-cutting concerns from feature or page-specific concerns makes code easier to maintain and your system more secure.</a:t>
+            </a:r>
+          </a:p>
+          <a:p>
+            <a:endParaRPr lang="en-US" sz="1200" kern="1200" dirty="0" smtClean="0">
+              <a:solidFill>
+                <a:schemeClr val="tx1"/>
+              </a:solidFill>
+              <a:effectLst/>
+              <a:latin typeface="+mn-lt"/>
+              <a:ea typeface="+mn-ea"/>
+              <a:cs typeface="+mn-cs"/>
+            </a:endParaRPr>
+          </a:p>
+          <a:p>
+            <a:r>
+              <a:rPr lang="en-US" sz="1200" kern="1200" dirty="0" smtClean="0">
+                <a:solidFill>
+                  <a:schemeClr val="tx1"/>
+                </a:solidFill>
+                <a:effectLst/>
+                <a:latin typeface="+mn-lt"/>
+                <a:ea typeface="+mn-ea"/>
+                <a:cs typeface="+mn-cs"/>
+              </a:rPr>
+              <a:t>To illustrate this, I used my world-class Visio skills to bring you this example.</a:t>
+            </a:r>
+          </a:p>
+          <a:p>
             <a:endParaRPr lang="en-US" b="0" dirty="0" smtClean="0"/>
           </a:p>
         </p:txBody>
@@ -866,6 +1189,106 @@
           <a:bodyPr/>
           <a:lstStyle/>
           <a:p>
+            <a:r>
+              <a:rPr lang="en-US" sz="1200" kern="1200" dirty="0" smtClean="0">
+                <a:solidFill>
+                  <a:schemeClr val="tx1"/>
+                </a:solidFill>
+                <a:effectLst/>
+                <a:latin typeface="+mn-lt"/>
+                <a:ea typeface="+mn-ea"/>
+                <a:cs typeface="+mn-cs"/>
+              </a:rPr>
+              <a:t>This beautiful green square represents a feature on our website. It’s the “Order List” feature that displays to a user the list of orders that user is allowed to see.</a:t>
+            </a:r>
+          </a:p>
+          <a:p>
+            <a:endParaRPr lang="en-US" sz="1200" kern="1200" dirty="0" smtClean="0">
+              <a:solidFill>
+                <a:schemeClr val="tx1"/>
+              </a:solidFill>
+              <a:effectLst/>
+              <a:latin typeface="+mn-lt"/>
+              <a:ea typeface="+mn-ea"/>
+              <a:cs typeface="+mn-cs"/>
+            </a:endParaRPr>
+          </a:p>
+          <a:p>
+            <a:r>
+              <a:rPr lang="en-US" sz="1200" kern="1200" dirty="0" smtClean="0">
+                <a:solidFill>
+                  <a:schemeClr val="tx1"/>
+                </a:solidFill>
+                <a:effectLst/>
+                <a:latin typeface="+mn-lt"/>
+                <a:ea typeface="+mn-ea"/>
+                <a:cs typeface="+mn-cs"/>
+              </a:rPr>
+              <a:t>Page has three requirements:</a:t>
+            </a:r>
+          </a:p>
+          <a:p>
+            <a:pPr lvl="0"/>
+            <a:r>
+              <a:rPr lang="en-US" sz="1200" kern="1200" dirty="0" smtClean="0">
+                <a:solidFill>
+                  <a:schemeClr val="tx1"/>
+                </a:solidFill>
+                <a:effectLst/>
+                <a:latin typeface="+mn-lt"/>
+                <a:ea typeface="+mn-ea"/>
+                <a:cs typeface="+mn-cs"/>
+              </a:rPr>
+              <a:t>1) user must be logged in to see the page.</a:t>
+            </a:r>
+            <a:br>
+              <a:rPr lang="en-US" sz="1200" kern="1200" dirty="0" smtClean="0">
+                <a:solidFill>
+                  <a:schemeClr val="tx1"/>
+                </a:solidFill>
+                <a:effectLst/>
+                <a:latin typeface="+mn-lt"/>
+                <a:ea typeface="+mn-ea"/>
+                <a:cs typeface="+mn-cs"/>
+              </a:rPr>
+            </a:br>
+            <a:r>
+              <a:rPr lang="en-US" sz="1200" kern="1200" dirty="0" smtClean="0">
+                <a:solidFill>
+                  <a:schemeClr val="tx1"/>
+                </a:solidFill>
+                <a:effectLst/>
+                <a:latin typeface="+mn-lt"/>
+                <a:ea typeface="+mn-ea"/>
+                <a:cs typeface="+mn-cs"/>
+              </a:rPr>
+              <a:t>2) users can only see their own data, </a:t>
+            </a:r>
+            <a:br>
+              <a:rPr lang="en-US" sz="1200" kern="1200" dirty="0" smtClean="0">
+                <a:solidFill>
+                  <a:schemeClr val="tx1"/>
+                </a:solidFill>
+                <a:effectLst/>
+                <a:latin typeface="+mn-lt"/>
+                <a:ea typeface="+mn-ea"/>
+                <a:cs typeface="+mn-cs"/>
+              </a:rPr>
+            </a:br>
+            <a:r>
+              <a:rPr lang="en-US" sz="1200" kern="1200" dirty="0" smtClean="0">
+                <a:solidFill>
+                  <a:schemeClr val="tx1"/>
+                </a:solidFill>
+                <a:effectLst/>
+                <a:latin typeface="+mn-lt"/>
+                <a:ea typeface="+mn-ea"/>
+                <a:cs typeface="+mn-cs"/>
+              </a:rPr>
+              <a:t>3) Unless they have a specific permission that grants them access to all records</a:t>
+            </a:r>
+          </a:p>
+          <a:p>
             <a:endParaRPr lang="en-US" b="0" dirty="0" smtClean="0"/>
           </a:p>
         </p:txBody>
@@ -950,6 +1373,179 @@
           <a:bodyPr/>
           <a:lstStyle/>
           <a:p>
+            <a:pPr marL="0" marR="0" lvl="0" indent="0" algn="l" defTabSz="914400" rtl="0" eaLnBrk="1" fontAlgn="auto" latinLnBrk="0" hangingPunct="1">
+              <a:lnSpc>
+                <a:spcPct val="100000"/>
+              </a:lnSpc>
+              <a:spcBef>
+                <a:spcPts val="0"/>
+              </a:spcBef>
+              <a:spcAft>
+                <a:spcPts val="0"/>
+              </a:spcAft>
+              <a:buClrTx/>
+              <a:buSzTx/>
+              <a:buFontTx/>
+              <a:buNone/>
+              <a:tabLst/>
+              <a:defRPr/>
+            </a:pPr>
+            <a:r>
+              <a:rPr lang="en-US" sz="1200" kern="1200" dirty="0" smtClean="0">
+                <a:solidFill>
+                  <a:schemeClr val="tx1"/>
+                </a:solidFill>
+                <a:effectLst/>
+                <a:latin typeface="+mn-lt"/>
+                <a:ea typeface="+mn-ea"/>
+                <a:cs typeface="+mn-cs"/>
+              </a:rPr>
+              <a:t>The naïve approach is to implement those requirements directly within the feature code. </a:t>
+            </a:r>
+          </a:p>
+          <a:p>
+            <a:pPr marL="0" marR="0" lvl="0" indent="0" algn="l" defTabSz="914400" rtl="0" eaLnBrk="1" fontAlgn="auto" latinLnBrk="0" hangingPunct="1">
+              <a:lnSpc>
+                <a:spcPct val="100000"/>
+              </a:lnSpc>
+              <a:spcBef>
+                <a:spcPts val="0"/>
+              </a:spcBef>
+              <a:spcAft>
+                <a:spcPts val="0"/>
+              </a:spcAft>
+              <a:buClrTx/>
+              <a:buSzTx/>
+              <a:buFontTx/>
+              <a:buNone/>
+              <a:tabLst/>
+              <a:defRPr/>
+            </a:pPr>
+            <a:endParaRPr lang="en-US" sz="1200" kern="1200" dirty="0" smtClean="0">
+              <a:solidFill>
+                <a:schemeClr val="tx1"/>
+              </a:solidFill>
+              <a:effectLst/>
+              <a:latin typeface="+mn-lt"/>
+              <a:ea typeface="+mn-ea"/>
+              <a:cs typeface="+mn-cs"/>
+            </a:endParaRPr>
+          </a:p>
+          <a:p>
+            <a:pPr marL="0" marR="0" lvl="0" indent="0" algn="l" defTabSz="914400" rtl="0" eaLnBrk="1" fontAlgn="auto" latinLnBrk="0" hangingPunct="1">
+              <a:lnSpc>
+                <a:spcPct val="100000"/>
+              </a:lnSpc>
+              <a:spcBef>
+                <a:spcPts val="0"/>
+              </a:spcBef>
+              <a:spcAft>
+                <a:spcPts val="0"/>
+              </a:spcAft>
+              <a:buClrTx/>
+              <a:buSzTx/>
+              <a:buFontTx/>
+              <a:buNone/>
+              <a:tabLst/>
+              <a:defRPr/>
+            </a:pPr>
+            <a:r>
+              <a:rPr lang="en-US" sz="1200" kern="1200" dirty="0" smtClean="0">
+                <a:solidFill>
+                  <a:schemeClr val="tx1"/>
+                </a:solidFill>
+                <a:effectLst/>
+                <a:latin typeface="+mn-lt"/>
+                <a:ea typeface="+mn-ea"/>
+                <a:cs typeface="+mn-cs"/>
+              </a:rPr>
+              <a:t>This beautiful</a:t>
+            </a:r>
+            <a:r>
+              <a:rPr lang="en-US" sz="1200" kern="1200" baseline="0" dirty="0" smtClean="0">
+                <a:solidFill>
+                  <a:schemeClr val="tx1"/>
+                </a:solidFill>
+                <a:effectLst/>
+                <a:latin typeface="+mn-lt"/>
+                <a:ea typeface="+mn-ea"/>
+                <a:cs typeface="+mn-cs"/>
+              </a:rPr>
+              <a:t> </a:t>
+            </a:r>
+            <a:r>
+              <a:rPr lang="en-US" sz="1200" kern="1200" dirty="0" smtClean="0">
+                <a:solidFill>
+                  <a:schemeClr val="tx1"/>
+                </a:solidFill>
+                <a:effectLst/>
+                <a:latin typeface="+mn-lt"/>
+                <a:ea typeface="+mn-ea"/>
+                <a:cs typeface="+mn-cs"/>
+              </a:rPr>
+              <a:t>red square represents the security code being intermingled with the feature code. </a:t>
+            </a:r>
+          </a:p>
+          <a:p>
+            <a:pPr marL="0" marR="0" lvl="0" indent="0" algn="l" defTabSz="914400" rtl="0" eaLnBrk="1" fontAlgn="auto" latinLnBrk="0" hangingPunct="1">
+              <a:lnSpc>
+                <a:spcPct val="100000"/>
+              </a:lnSpc>
+              <a:spcBef>
+                <a:spcPts val="0"/>
+              </a:spcBef>
+              <a:spcAft>
+                <a:spcPts val="0"/>
+              </a:spcAft>
+              <a:buClrTx/>
+              <a:buSzTx/>
+              <a:buFontTx/>
+              <a:buNone/>
+              <a:tabLst/>
+              <a:defRPr/>
+            </a:pPr>
+            <a:endParaRPr lang="en-US" sz="1200" kern="1200" dirty="0" smtClean="0">
+              <a:solidFill>
+                <a:schemeClr val="tx1"/>
+              </a:solidFill>
+              <a:effectLst/>
+              <a:latin typeface="+mn-lt"/>
+              <a:ea typeface="+mn-ea"/>
+              <a:cs typeface="+mn-cs"/>
+            </a:endParaRPr>
+          </a:p>
+          <a:p>
+            <a:pPr marL="0" marR="0" lvl="0" indent="0" algn="l" defTabSz="914400" rtl="0" eaLnBrk="1" fontAlgn="auto" latinLnBrk="0" hangingPunct="1">
+              <a:lnSpc>
+                <a:spcPct val="100000"/>
+              </a:lnSpc>
+              <a:spcBef>
+                <a:spcPts val="0"/>
+              </a:spcBef>
+              <a:spcAft>
+                <a:spcPts val="0"/>
+              </a:spcAft>
+              <a:buClrTx/>
+              <a:buSzTx/>
+              <a:buFontTx/>
+              <a:buNone/>
+              <a:tabLst/>
+              <a:defRPr/>
+            </a:pPr>
+            <a:r>
+              <a:rPr lang="en-US" sz="1200" kern="1200" dirty="0" smtClean="0">
+                <a:solidFill>
+                  <a:schemeClr val="tx1"/>
+                </a:solidFill>
+                <a:effectLst/>
+                <a:latin typeface="+mn-lt"/>
+                <a:ea typeface="+mn-ea"/>
+                <a:cs typeface="+mn-cs"/>
+              </a:rPr>
+              <a:t>If this was an MVC app, for instance, this red square might represent a couple of lines of code in the body of a controller action.</a:t>
+            </a:r>
+          </a:p>
+          <a:p>
             <a:endParaRPr lang="en-US" b="0" dirty="0" smtClean="0"/>
           </a:p>
         </p:txBody>
@@ -1034,6 +1630,45 @@
           <a:bodyPr/>
           <a:lstStyle/>
           <a:p>
+            <a:r>
+              <a:rPr lang="en-US" sz="1200" kern="1200" dirty="0" smtClean="0">
+                <a:solidFill>
+                  <a:schemeClr val="tx1"/>
+                </a:solidFill>
+                <a:effectLst/>
+                <a:latin typeface="+mn-lt"/>
+                <a:ea typeface="+mn-ea"/>
+                <a:cs typeface="+mn-cs"/>
+              </a:rPr>
+              <a:t>The next feature we build is the Order Detail page so that the user can click on an Order and get more information about it. This page probably has the exact same security requirements for obvious reasons.</a:t>
+            </a:r>
+          </a:p>
+          <a:p>
+            <a:endParaRPr lang="en-US" sz="1200" kern="1200" dirty="0" smtClean="0">
+              <a:solidFill>
+                <a:schemeClr val="tx1"/>
+              </a:solidFill>
+              <a:effectLst/>
+              <a:latin typeface="+mn-lt"/>
+              <a:ea typeface="+mn-ea"/>
+              <a:cs typeface="+mn-cs"/>
+            </a:endParaRPr>
+          </a:p>
+          <a:p>
+            <a:r>
+              <a:rPr lang="en-US" sz="1200" kern="1200" dirty="0" smtClean="0">
+                <a:solidFill>
+                  <a:schemeClr val="tx1"/>
+                </a:solidFill>
+                <a:effectLst/>
+                <a:latin typeface="+mn-lt"/>
+                <a:ea typeface="+mn-ea"/>
+                <a:cs typeface="+mn-cs"/>
+              </a:rPr>
+              <a:t>For the sake of this example, let’s assume those requirements are implemented exactly the same way on this feature as the first one.</a:t>
+            </a:r>
+          </a:p>
+          <a:p>
             <a:endParaRPr lang="en-US" b="0" dirty="0" smtClean="0"/>
           </a:p>
         </p:txBody>
@@ -1118,6 +1753,179 @@
           <a:bodyPr/>
           <a:lstStyle/>
           <a:p>
+            <a:pPr marL="0" marR="0" lvl="0" indent="0" algn="l" defTabSz="914400" rtl="0" eaLnBrk="1" fontAlgn="auto" latinLnBrk="0" hangingPunct="1">
+              <a:lnSpc>
+                <a:spcPct val="100000"/>
+              </a:lnSpc>
+              <a:spcBef>
+                <a:spcPts val="0"/>
+              </a:spcBef>
+              <a:spcAft>
+                <a:spcPts val="0"/>
+              </a:spcAft>
+              <a:buClrTx/>
+              <a:buSzTx/>
+              <a:buFontTx/>
+              <a:buNone/>
+              <a:tabLst/>
+              <a:defRPr/>
+            </a:pPr>
+            <a:r>
+              <a:rPr lang="en-US" sz="1200" kern="1200" dirty="0" smtClean="0">
+                <a:solidFill>
+                  <a:schemeClr val="tx1"/>
+                </a:solidFill>
+                <a:effectLst/>
+                <a:latin typeface="+mn-lt"/>
+                <a:ea typeface="+mn-ea"/>
+                <a:cs typeface="+mn-cs"/>
+              </a:rPr>
+              <a:t>Next we build a feature to Cancel the order. </a:t>
+            </a:r>
+          </a:p>
+          <a:p>
+            <a:pPr marL="0" marR="0" lvl="0" indent="0" algn="l" defTabSz="914400" rtl="0" eaLnBrk="1" fontAlgn="auto" latinLnBrk="0" hangingPunct="1">
+              <a:lnSpc>
+                <a:spcPct val="100000"/>
+              </a:lnSpc>
+              <a:spcBef>
+                <a:spcPts val="0"/>
+              </a:spcBef>
+              <a:spcAft>
+                <a:spcPts val="0"/>
+              </a:spcAft>
+              <a:buClrTx/>
+              <a:buSzTx/>
+              <a:buFontTx/>
+              <a:buNone/>
+              <a:tabLst/>
+              <a:defRPr/>
+            </a:pPr>
+            <a:endParaRPr lang="en-US" sz="1200" kern="1200" dirty="0" smtClean="0">
+              <a:solidFill>
+                <a:schemeClr val="tx1"/>
+              </a:solidFill>
+              <a:effectLst/>
+              <a:latin typeface="+mn-lt"/>
+              <a:ea typeface="+mn-ea"/>
+              <a:cs typeface="+mn-cs"/>
+            </a:endParaRPr>
+          </a:p>
+          <a:p>
+            <a:pPr marL="0" marR="0" lvl="0" indent="0" algn="l" defTabSz="914400" rtl="0" eaLnBrk="1" fontAlgn="auto" latinLnBrk="0" hangingPunct="1">
+              <a:lnSpc>
+                <a:spcPct val="100000"/>
+              </a:lnSpc>
+              <a:spcBef>
+                <a:spcPts val="0"/>
+              </a:spcBef>
+              <a:spcAft>
+                <a:spcPts val="0"/>
+              </a:spcAft>
+              <a:buClrTx/>
+              <a:buSzTx/>
+              <a:buFontTx/>
+              <a:buNone/>
+              <a:tabLst/>
+              <a:defRPr/>
+            </a:pPr>
+            <a:r>
+              <a:rPr lang="en-US" sz="1200" kern="1200" dirty="0" smtClean="0">
+                <a:solidFill>
+                  <a:schemeClr val="tx1"/>
+                </a:solidFill>
+                <a:effectLst/>
+                <a:latin typeface="+mn-lt"/>
+                <a:ea typeface="+mn-ea"/>
+                <a:cs typeface="+mn-cs"/>
+              </a:rPr>
+              <a:t>This feature </a:t>
+            </a:r>
+            <a:r>
+              <a:rPr lang="en-US" sz="1200" i="1" kern="1200" dirty="0" smtClean="0">
+                <a:solidFill>
+                  <a:schemeClr val="tx1"/>
+                </a:solidFill>
+                <a:effectLst/>
+                <a:latin typeface="+mn-lt"/>
+                <a:ea typeface="+mn-ea"/>
+                <a:cs typeface="+mn-cs"/>
+              </a:rPr>
+              <a:t>should </a:t>
+            </a:r>
+            <a:r>
+              <a:rPr lang="en-US" sz="1200" kern="1200" dirty="0" smtClean="0">
+                <a:solidFill>
+                  <a:schemeClr val="tx1"/>
+                </a:solidFill>
+                <a:effectLst/>
+                <a:latin typeface="+mn-lt"/>
+                <a:ea typeface="+mn-ea"/>
+                <a:cs typeface="+mn-cs"/>
+              </a:rPr>
+              <a:t>have same requirements as the first two, but maybe it was built by a different developer that wasn’t security conscious or was under some deadline pressure.</a:t>
+            </a:r>
+          </a:p>
+          <a:p>
+            <a:pPr marL="0" marR="0" lvl="0" indent="0" algn="l" defTabSz="914400" rtl="0" eaLnBrk="1" fontAlgn="auto" latinLnBrk="0" hangingPunct="1">
+              <a:lnSpc>
+                <a:spcPct val="100000"/>
+              </a:lnSpc>
+              <a:spcBef>
+                <a:spcPts val="0"/>
+              </a:spcBef>
+              <a:spcAft>
+                <a:spcPts val="0"/>
+              </a:spcAft>
+              <a:buClrTx/>
+              <a:buSzTx/>
+              <a:buFontTx/>
+              <a:buNone/>
+              <a:tabLst/>
+              <a:defRPr/>
+            </a:pPr>
+            <a:endParaRPr lang="en-US" sz="1200" kern="1200" dirty="0" smtClean="0">
+              <a:solidFill>
+                <a:schemeClr val="tx1"/>
+              </a:solidFill>
+              <a:effectLst/>
+              <a:latin typeface="+mn-lt"/>
+              <a:ea typeface="+mn-ea"/>
+              <a:cs typeface="+mn-cs"/>
+            </a:endParaRPr>
+          </a:p>
+          <a:p>
+            <a:pPr marL="0" marR="0" lvl="0" indent="0" algn="l" defTabSz="914400" rtl="0" eaLnBrk="1" fontAlgn="auto" latinLnBrk="0" hangingPunct="1">
+              <a:lnSpc>
+                <a:spcPct val="100000"/>
+              </a:lnSpc>
+              <a:spcBef>
+                <a:spcPts val="0"/>
+              </a:spcBef>
+              <a:spcAft>
+                <a:spcPts val="0"/>
+              </a:spcAft>
+              <a:buClrTx/>
+              <a:buSzTx/>
+              <a:buFontTx/>
+              <a:buNone/>
+              <a:tabLst/>
+              <a:defRPr/>
+            </a:pPr>
+            <a:r>
+              <a:rPr lang="en-US" sz="1200" kern="1200" dirty="0" smtClean="0">
+                <a:solidFill>
+                  <a:schemeClr val="tx1"/>
+                </a:solidFill>
+                <a:effectLst/>
+                <a:latin typeface="+mn-lt"/>
+                <a:ea typeface="+mn-ea"/>
+                <a:cs typeface="+mn-cs"/>
+              </a:rPr>
+              <a:t>For whatever reason, this feature isn't secure at all.</a:t>
+            </a:r>
+          </a:p>
+          <a:p>
             <a:endParaRPr lang="en-US" b="0" dirty="0" smtClean="0"/>
           </a:p>
         </p:txBody>
@@ -1202,6 +2010,165 @@
           <a:bodyPr/>
           <a:lstStyle/>
           <a:p>
+            <a:r>
+              <a:rPr lang="en-US" sz="1200" kern="1200" dirty="0" smtClean="0">
+                <a:solidFill>
+                  <a:schemeClr val="tx1"/>
+                </a:solidFill>
+                <a:effectLst/>
+                <a:latin typeface="+mn-lt"/>
+                <a:ea typeface="+mn-ea"/>
+                <a:cs typeface="+mn-cs"/>
+              </a:rPr>
+              <a:t>Finally, we build 4</a:t>
+            </a:r>
+            <a:r>
+              <a:rPr lang="en-US" sz="1200" kern="1200" baseline="30000" dirty="0" smtClean="0">
+                <a:solidFill>
+                  <a:schemeClr val="tx1"/>
+                </a:solidFill>
+                <a:effectLst/>
+                <a:latin typeface="+mn-lt"/>
+                <a:ea typeface="+mn-ea"/>
+                <a:cs typeface="+mn-cs"/>
+              </a:rPr>
+              <a:t>th</a:t>
+            </a:r>
+            <a:r>
+              <a:rPr lang="en-US" sz="1200" kern="1200" dirty="0" smtClean="0">
+                <a:solidFill>
+                  <a:schemeClr val="tx1"/>
+                </a:solidFill>
+                <a:effectLst/>
+                <a:latin typeface="+mn-lt"/>
+                <a:ea typeface="+mn-ea"/>
+                <a:cs typeface="+mn-cs"/>
+              </a:rPr>
+              <a:t> feature to Refund the order. Again</a:t>
+            </a:r>
+            <a:r>
+              <a:rPr lang="en-US" sz="1200" kern="1200" baseline="0" dirty="0" smtClean="0">
+                <a:solidFill>
+                  <a:schemeClr val="tx1"/>
+                </a:solidFill>
+                <a:effectLst/>
+                <a:latin typeface="+mn-lt"/>
+                <a:ea typeface="+mn-ea"/>
+                <a:cs typeface="+mn-cs"/>
+              </a:rPr>
+              <a:t> s</a:t>
+            </a:r>
+            <a:r>
+              <a:rPr lang="en-US" sz="1200" kern="1200" dirty="0" smtClean="0">
+                <a:solidFill>
+                  <a:schemeClr val="tx1"/>
+                </a:solidFill>
+                <a:effectLst/>
+                <a:latin typeface="+mn-lt"/>
+                <a:ea typeface="+mn-ea"/>
+                <a:cs typeface="+mn-cs"/>
+              </a:rPr>
+              <a:t>ame requirements as other features, but maybe dev was unfamiliar with those implementations and they implement the same rules, but in a different manner. Maybe instead of doing check in controller action, they move into model or something. Red diamond represents the same basic rules, but implemented in a different way.</a:t>
+            </a:r>
+          </a:p>
+          <a:p>
+            <a:endParaRPr lang="en-US" sz="1200" kern="1200" dirty="0" smtClean="0">
+              <a:solidFill>
+                <a:schemeClr val="tx1"/>
+              </a:solidFill>
+              <a:effectLst/>
+              <a:latin typeface="+mn-lt"/>
+              <a:ea typeface="+mn-ea"/>
+              <a:cs typeface="+mn-cs"/>
+            </a:endParaRPr>
+          </a:p>
+          <a:p>
+            <a:r>
+              <a:rPr lang="en-US" sz="1200" kern="1200" dirty="0" smtClean="0">
+                <a:solidFill>
+                  <a:schemeClr val="tx1"/>
+                </a:solidFill>
+                <a:effectLst/>
+                <a:latin typeface="+mn-lt"/>
+                <a:ea typeface="+mn-ea"/>
+                <a:cs typeface="+mn-cs"/>
+              </a:rPr>
+              <a:t>Problems with this approach might be obvious.</a:t>
+            </a:r>
+          </a:p>
+          <a:p>
+            <a:pPr marL="228600" lvl="0" indent="-228600">
+              <a:buAutoNum type="arabicParenR"/>
+            </a:pPr>
+            <a:r>
+              <a:rPr lang="en-US" sz="1200" kern="1200" dirty="0" smtClean="0">
+                <a:solidFill>
+                  <a:schemeClr val="tx1"/>
+                </a:solidFill>
+                <a:effectLst/>
+                <a:latin typeface="+mn-lt"/>
+                <a:ea typeface="+mn-ea"/>
+                <a:cs typeface="+mn-cs"/>
+              </a:rPr>
+              <a:t>1 of these 4 features is insecure. If QA primarily tests through the UI, then as long as List &amp; Detail page implement the rules, they might never discover that the Cancel feature allows anonymous access. With this architecture, only way to guarantee QA would find issue is via</a:t>
+            </a:r>
+            <a:r>
+              <a:rPr lang="en-US" sz="1200" kern="1200" baseline="0" dirty="0" smtClean="0">
+                <a:solidFill>
+                  <a:schemeClr val="tx1"/>
+                </a:solidFill>
+                <a:effectLst/>
+                <a:latin typeface="+mn-lt"/>
+                <a:ea typeface="+mn-ea"/>
+                <a:cs typeface="+mn-cs"/>
+              </a:rPr>
+              <a:t> </a:t>
+            </a:r>
+            <a:r>
+              <a:rPr lang="en-US" sz="1200" kern="1200" dirty="0" smtClean="0">
+                <a:solidFill>
+                  <a:schemeClr val="tx1"/>
+                </a:solidFill>
+                <a:effectLst/>
+                <a:latin typeface="+mn-lt"/>
+                <a:ea typeface="+mn-ea"/>
+                <a:cs typeface="+mn-cs"/>
+              </a:rPr>
+              <a:t>exhaustive, black-box testing of every rule against every endpoint</a:t>
+            </a:r>
+          </a:p>
+          <a:p>
+            <a:pPr marL="228600" lvl="0" indent="-228600">
+              <a:buAutoNum type="arabicParenR"/>
+            </a:pPr>
+            <a:endParaRPr lang="en-US" sz="1200" kern="1200" dirty="0" smtClean="0">
+              <a:solidFill>
+                <a:schemeClr val="tx1"/>
+              </a:solidFill>
+              <a:effectLst/>
+              <a:latin typeface="+mn-lt"/>
+              <a:ea typeface="+mn-ea"/>
+              <a:cs typeface="+mn-cs"/>
+            </a:endParaRPr>
+          </a:p>
+          <a:p>
+            <a:pPr marL="228600" lvl="0" indent="-228600">
+              <a:buAutoNum type="arabicParenR"/>
+            </a:pPr>
+            <a:r>
+              <a:rPr lang="en-US" sz="1200" kern="1200" dirty="0" smtClean="0">
+                <a:solidFill>
+                  <a:schemeClr val="tx1"/>
+                </a:solidFill>
+                <a:effectLst/>
+                <a:latin typeface="+mn-lt"/>
+                <a:ea typeface="+mn-ea"/>
+                <a:cs typeface="+mn-cs"/>
+              </a:rPr>
+              <a:t>Maintaining the security code will be difficult. What happens when we add a new user role…</a:t>
+            </a:r>
+          </a:p>
+          <a:p>
             <a:endParaRPr lang="en-US" b="0" dirty="0" smtClean="0"/>
           </a:p>
         </p:txBody>
@@ -1286,6 +2253,142 @@
           <a:bodyPr/>
           <a:lstStyle/>
           <a:p>
+            <a:r>
+              <a:rPr lang="en-US" sz="1200" kern="1200" dirty="0" smtClean="0">
+                <a:solidFill>
+                  <a:schemeClr val="tx1"/>
+                </a:solidFill>
+                <a:effectLst/>
+                <a:latin typeface="+mn-lt"/>
+                <a:ea typeface="+mn-ea"/>
+                <a:cs typeface="+mn-cs"/>
+              </a:rPr>
+              <a:t>If dev making the change doesn’t realize same rules are duplicated in other features, might end up changing just one of them. Now we have </a:t>
+            </a:r>
+            <a:r>
+              <a:rPr lang="en-US" sz="1200" i="1" kern="1200" dirty="0" smtClean="0">
+                <a:solidFill>
+                  <a:schemeClr val="tx1"/>
+                </a:solidFill>
+                <a:effectLst/>
+                <a:latin typeface="+mn-lt"/>
+                <a:ea typeface="+mn-ea"/>
+                <a:cs typeface="+mn-cs"/>
+              </a:rPr>
+              <a:t>three </a:t>
+            </a:r>
+            <a:r>
+              <a:rPr lang="en-US" sz="1200" kern="1200" dirty="0" smtClean="0">
+                <a:solidFill>
+                  <a:schemeClr val="tx1"/>
+                </a:solidFill>
+                <a:effectLst/>
+                <a:latin typeface="+mn-lt"/>
+                <a:ea typeface="+mn-ea"/>
+                <a:cs typeface="+mn-cs"/>
+              </a:rPr>
+              <a:t>implementations: triangle, square, and diamond. </a:t>
+            </a:r>
+          </a:p>
+          <a:p>
+            <a:endParaRPr lang="en-US" sz="1200" kern="1200" dirty="0" smtClean="0">
+              <a:solidFill>
+                <a:schemeClr val="tx1"/>
+              </a:solidFill>
+              <a:effectLst/>
+              <a:latin typeface="+mn-lt"/>
+              <a:ea typeface="+mn-ea"/>
+              <a:cs typeface="+mn-cs"/>
+            </a:endParaRPr>
+          </a:p>
+          <a:p>
+            <a:r>
+              <a:rPr lang="en-US" sz="1200" kern="1200" dirty="0" smtClean="0">
+                <a:solidFill>
+                  <a:schemeClr val="tx1"/>
+                </a:solidFill>
+                <a:effectLst/>
+                <a:latin typeface="+mn-lt"/>
+                <a:ea typeface="+mn-ea"/>
+                <a:cs typeface="+mn-cs"/>
+              </a:rPr>
+              <a:t>Even if dev does replace all places using the “square” </a:t>
+            </a:r>
+            <a:r>
+              <a:rPr lang="en-US" sz="1200" kern="1200" dirty="0" err="1" smtClean="0">
+                <a:solidFill>
+                  <a:schemeClr val="tx1"/>
+                </a:solidFill>
+                <a:effectLst/>
+                <a:latin typeface="+mn-lt"/>
+                <a:ea typeface="+mn-ea"/>
+                <a:cs typeface="+mn-cs"/>
+              </a:rPr>
+              <a:t>impl</a:t>
+            </a:r>
+            <a:r>
+              <a:rPr lang="en-US" sz="1200" kern="1200" dirty="0" smtClean="0">
+                <a:solidFill>
+                  <a:schemeClr val="tx1"/>
+                </a:solidFill>
+                <a:effectLst/>
+                <a:latin typeface="+mn-lt"/>
+                <a:ea typeface="+mn-ea"/>
+                <a:cs typeface="+mn-cs"/>
+              </a:rPr>
+              <a:t>, might still miss Cancel feature w/ no security and Refund feature w/ “diamond” </a:t>
+            </a:r>
+            <a:r>
+              <a:rPr lang="en-US" sz="1200" kern="1200" dirty="0" err="1" smtClean="0">
+                <a:solidFill>
+                  <a:schemeClr val="tx1"/>
+                </a:solidFill>
+                <a:effectLst/>
+                <a:latin typeface="+mn-lt"/>
+                <a:ea typeface="+mn-ea"/>
+                <a:cs typeface="+mn-cs"/>
+              </a:rPr>
+              <a:t>impl</a:t>
+            </a:r>
+            <a:r>
+              <a:rPr lang="en-US" sz="1200" kern="1200" dirty="0" smtClean="0">
+                <a:solidFill>
+                  <a:schemeClr val="tx1"/>
+                </a:solidFill>
+                <a:effectLst/>
+                <a:latin typeface="+mn-lt"/>
+                <a:ea typeface="+mn-ea"/>
+                <a:cs typeface="+mn-cs"/>
+              </a:rPr>
+              <a:t>.</a:t>
+            </a:r>
+          </a:p>
+          <a:p>
+            <a:endParaRPr lang="en-US" sz="1200" kern="1200" dirty="0" smtClean="0">
+              <a:solidFill>
+                <a:schemeClr val="tx1"/>
+              </a:solidFill>
+              <a:effectLst/>
+              <a:latin typeface="+mn-lt"/>
+              <a:ea typeface="+mn-ea"/>
+              <a:cs typeface="+mn-cs"/>
+            </a:endParaRPr>
+          </a:p>
+          <a:p>
+            <a:r>
+              <a:rPr lang="en-US" sz="1200" kern="1200" dirty="0" smtClean="0">
+                <a:solidFill>
+                  <a:schemeClr val="tx1"/>
+                </a:solidFill>
+                <a:effectLst/>
+                <a:latin typeface="+mn-lt"/>
+                <a:ea typeface="+mn-ea"/>
+                <a:cs typeface="+mn-cs"/>
+              </a:rPr>
+              <a:t>This is how security defects creep into software. Well-meaning developers either forget to implement a security check, or they inconsistently maintain security checks over time. Either way, we end up with a confusing and inconsistent mess of security code intermingled with feature code, or missing altogether.</a:t>
+            </a:r>
+          </a:p>
+          <a:p>
             <a:endParaRPr lang="en-US" b="0" dirty="0" smtClean="0"/>
           </a:p>
         </p:txBody>
@@ -1370,6 +2473,45 @@
           <a:bodyPr/>
           <a:lstStyle/>
           <a:p>
+            <a:r>
+              <a:rPr lang="en-US" sz="1200" kern="1200" dirty="0" smtClean="0">
+                <a:solidFill>
+                  <a:schemeClr val="tx1"/>
+                </a:solidFill>
+                <a:effectLst/>
+                <a:latin typeface="+mn-lt"/>
+                <a:ea typeface="+mn-ea"/>
+                <a:cs typeface="+mn-cs"/>
+              </a:rPr>
+              <a:t>My approach would be to extract those business rules into something reusable so that we can implement the requirements only once.</a:t>
+            </a:r>
+          </a:p>
+          <a:p>
+            <a:endParaRPr lang="en-US" sz="1200" kern="1200" dirty="0" smtClean="0">
+              <a:solidFill>
+                <a:schemeClr val="tx1"/>
+              </a:solidFill>
+              <a:effectLst/>
+              <a:latin typeface="+mn-lt"/>
+              <a:ea typeface="+mn-ea"/>
+              <a:cs typeface="+mn-cs"/>
+            </a:endParaRPr>
+          </a:p>
+          <a:p>
+            <a:r>
+              <a:rPr lang="en-US" sz="1200" kern="1200" dirty="0" smtClean="0">
+                <a:solidFill>
+                  <a:schemeClr val="tx1"/>
+                </a:solidFill>
+                <a:effectLst/>
+                <a:latin typeface="+mn-lt"/>
+                <a:ea typeface="+mn-ea"/>
+                <a:cs typeface="+mn-cs"/>
+              </a:rPr>
+              <a:t>There’s multiple ways that you could do this. </a:t>
+            </a:r>
+          </a:p>
+          <a:p>
             <a:endParaRPr lang="en-US" b="0" dirty="0" smtClean="0"/>
           </a:p>
         </p:txBody>
@@ -1454,7 +2596,120 @@
           <a:bodyPr/>
           <a:lstStyle/>
           <a:p>
-            <a:endParaRPr lang="en-US" b="0" dirty="0" smtClean="0"/>
+            <a:r>
+              <a:rPr lang="en-US" sz="1200" kern="1200" dirty="0" smtClean="0">
+                <a:solidFill>
+                  <a:schemeClr val="tx1"/>
+                </a:solidFill>
+                <a:effectLst/>
+                <a:latin typeface="+mn-lt"/>
+                <a:ea typeface="+mn-ea"/>
+                <a:cs typeface="+mn-cs"/>
+              </a:rPr>
+              <a:t>The simplest would be to extract this logic into a helper method and call it from all 4 controller actions or something. </a:t>
+            </a:r>
+          </a:p>
+          <a:p>
+            <a:endParaRPr lang="en-US" sz="1200" kern="1200" dirty="0" smtClean="0">
+              <a:solidFill>
+                <a:schemeClr val="tx1"/>
+              </a:solidFill>
+              <a:effectLst/>
+              <a:latin typeface="+mn-lt"/>
+              <a:ea typeface="+mn-ea"/>
+              <a:cs typeface="+mn-cs"/>
+            </a:endParaRPr>
+          </a:p>
+          <a:p>
+            <a:r>
+              <a:rPr lang="en-US" sz="1200" kern="1200" dirty="0" smtClean="0">
+                <a:solidFill>
+                  <a:schemeClr val="tx1"/>
+                </a:solidFill>
+                <a:effectLst/>
+                <a:latin typeface="+mn-lt"/>
+                <a:ea typeface="+mn-ea"/>
+                <a:cs typeface="+mn-cs"/>
+              </a:rPr>
+              <a:t>This would standardize on a single “square” implementation, but nothing prevents a developer from forgetting to call this method and leaving the feature insecure. </a:t>
+            </a:r>
+          </a:p>
+          <a:p>
+            <a:endParaRPr lang="en-US" sz="1200" kern="1200" dirty="0" smtClean="0">
+              <a:solidFill>
+                <a:schemeClr val="tx1"/>
+              </a:solidFill>
+              <a:effectLst/>
+              <a:latin typeface="+mn-lt"/>
+              <a:ea typeface="+mn-ea"/>
+              <a:cs typeface="+mn-cs"/>
+            </a:endParaRPr>
+          </a:p>
+          <a:p>
+            <a:pPr marL="0" marR="0" lvl="0" indent="0" algn="l" defTabSz="914400" rtl="0" eaLnBrk="1" fontAlgn="auto" latinLnBrk="0" hangingPunct="1">
+              <a:lnSpc>
+                <a:spcPct val="100000"/>
+              </a:lnSpc>
+              <a:spcBef>
+                <a:spcPts val="0"/>
+              </a:spcBef>
+              <a:spcAft>
+                <a:spcPts val="0"/>
+              </a:spcAft>
+              <a:buClrTx/>
+              <a:buSzTx/>
+              <a:buFontTx/>
+              <a:buNone/>
+              <a:tabLst/>
+              <a:defRPr/>
+            </a:pPr>
+            <a:r>
+              <a:rPr lang="en-US" sz="1200" kern="1200" dirty="0" smtClean="0">
+                <a:solidFill>
+                  <a:schemeClr val="tx1"/>
+                </a:solidFill>
+                <a:effectLst/>
+                <a:latin typeface="+mn-lt"/>
+                <a:ea typeface="+mn-ea"/>
+                <a:cs typeface="+mn-cs"/>
+              </a:rPr>
+              <a:t>And again,</a:t>
+            </a:r>
+            <a:r>
+              <a:rPr lang="en-US" sz="1200" kern="1200" baseline="0" dirty="0" smtClean="0">
+                <a:solidFill>
+                  <a:schemeClr val="tx1"/>
+                </a:solidFill>
+                <a:effectLst/>
+                <a:latin typeface="+mn-lt"/>
+                <a:ea typeface="+mn-ea"/>
+                <a:cs typeface="+mn-cs"/>
+              </a:rPr>
+              <a:t> the only way to guarantee that we'll find those insecure features, is if we're doing black-box testing of every single endpoint </a:t>
+            </a:r>
+            <a:r>
+              <a:rPr lang="en-US" sz="1200" kern="1200" dirty="0" smtClean="0">
+                <a:solidFill>
+                  <a:schemeClr val="tx1"/>
+                </a:solidFill>
+                <a:effectLst/>
+                <a:latin typeface="+mn-lt"/>
+                <a:ea typeface="+mn-ea"/>
+                <a:cs typeface="+mn-cs"/>
+              </a:rPr>
+              <a:t>against the security requirements.</a:t>
+            </a:r>
+          </a:p>
+          <a:p>
+            <a:endParaRPr lang="en-US" sz="1200" kern="1200" dirty="0">
+              <a:solidFill>
+                <a:schemeClr val="tx1"/>
+              </a:solidFill>
+              <a:effectLst/>
+              <a:latin typeface="+mn-lt"/>
+              <a:ea typeface="+mn-ea"/>
+              <a:cs typeface="+mn-cs"/>
+            </a:endParaRPr>
           </a:p>
         </p:txBody>
       </p:sp>
@@ -1538,6 +2793,145 @@
           <a:bodyPr/>
           <a:lstStyle/>
           <a:p>
+            <a:r>
+              <a:rPr lang="en-US" sz="1200" kern="1200" dirty="0" smtClean="0">
+                <a:solidFill>
+                  <a:schemeClr val="tx1"/>
+                </a:solidFill>
+                <a:effectLst/>
+                <a:latin typeface="+mn-lt"/>
+                <a:ea typeface="+mn-ea"/>
+                <a:cs typeface="+mn-cs"/>
+              </a:rPr>
+              <a:t>That confession is that I hate writing secure code.</a:t>
+            </a:r>
+          </a:p>
+          <a:p>
+            <a:endParaRPr lang="en-US" sz="1200" kern="1200" dirty="0" smtClean="0">
+              <a:solidFill>
+                <a:schemeClr val="tx1"/>
+              </a:solidFill>
+              <a:effectLst/>
+              <a:latin typeface="+mn-lt"/>
+              <a:ea typeface="+mn-ea"/>
+              <a:cs typeface="+mn-cs"/>
+            </a:endParaRPr>
+          </a:p>
+          <a:p>
+            <a:r>
+              <a:rPr lang="en-US" sz="1200" kern="1200" dirty="0" smtClean="0">
+                <a:solidFill>
+                  <a:schemeClr val="tx1"/>
+                </a:solidFill>
+                <a:effectLst/>
+                <a:latin typeface="+mn-lt"/>
+                <a:ea typeface="+mn-ea"/>
+                <a:cs typeface="+mn-cs"/>
+              </a:rPr>
+              <a:t>Not proud of it, but when building a feature and elbow deep in complex business logic or functional requirements, I don’t want to think about security. </a:t>
+            </a:r>
+          </a:p>
+          <a:p>
+            <a:endParaRPr lang="en-US" sz="1200" kern="1200" dirty="0" smtClean="0">
+              <a:solidFill>
+                <a:schemeClr val="tx1"/>
+              </a:solidFill>
+              <a:effectLst/>
+              <a:latin typeface="+mn-lt"/>
+              <a:ea typeface="+mn-ea"/>
+              <a:cs typeface="+mn-cs"/>
+            </a:endParaRPr>
+          </a:p>
+          <a:p>
+            <a:r>
+              <a:rPr lang="en-US" sz="1200" kern="1200" dirty="0" smtClean="0">
+                <a:solidFill>
+                  <a:schemeClr val="tx1"/>
+                </a:solidFill>
+                <a:effectLst/>
+                <a:latin typeface="+mn-lt"/>
+                <a:ea typeface="+mn-ea"/>
+                <a:cs typeface="+mn-cs"/>
+              </a:rPr>
+              <a:t>Want to be totally focused on biz problem, but ever-present security issues keep stealing focus. </a:t>
+            </a:r>
+          </a:p>
+          <a:p>
+            <a:endParaRPr lang="en-US" sz="1200" kern="1200" dirty="0" smtClean="0">
+              <a:solidFill>
+                <a:schemeClr val="tx1"/>
+              </a:solidFill>
+              <a:effectLst/>
+              <a:latin typeface="+mn-lt"/>
+              <a:ea typeface="+mn-ea"/>
+              <a:cs typeface="+mn-cs"/>
+            </a:endParaRPr>
+          </a:p>
+          <a:p>
+            <a:r>
+              <a:rPr lang="en-US" sz="1200" kern="1200" dirty="0" smtClean="0">
+                <a:solidFill>
+                  <a:schemeClr val="tx1"/>
+                </a:solidFill>
+                <a:effectLst/>
+                <a:latin typeface="+mn-lt"/>
+                <a:ea typeface="+mn-ea"/>
+                <a:cs typeface="+mn-cs"/>
+              </a:rPr>
+              <a:t>User has to be logged in to do this. Have to have some permission to do that. Alice shouldn’t be able to see Bob’s data. … yadda</a:t>
+            </a:r>
+          </a:p>
+          <a:p>
+            <a:endParaRPr lang="en-US" sz="1200" kern="1200" dirty="0" smtClean="0">
+              <a:solidFill>
+                <a:schemeClr val="tx1"/>
+              </a:solidFill>
+              <a:effectLst/>
+              <a:latin typeface="+mn-lt"/>
+              <a:ea typeface="+mn-ea"/>
+              <a:cs typeface="+mn-cs"/>
+            </a:endParaRPr>
+          </a:p>
+          <a:p>
+            <a:r>
+              <a:rPr lang="en-US" sz="1200" kern="1200" dirty="0" smtClean="0">
+                <a:solidFill>
+                  <a:schemeClr val="tx1"/>
+                </a:solidFill>
+                <a:effectLst/>
+                <a:latin typeface="+mn-lt"/>
+                <a:ea typeface="+mn-ea"/>
+                <a:cs typeface="+mn-cs"/>
+              </a:rPr>
+              <a:t>Constant need to pay attention to those same security concerns, over and over, feature after feature, bums me out.</a:t>
+            </a:r>
+          </a:p>
+          <a:p>
+            <a:endParaRPr lang="en-US" sz="1200" kern="1200" dirty="0" smtClean="0">
+              <a:solidFill>
+                <a:schemeClr val="tx1"/>
+              </a:solidFill>
+              <a:effectLst/>
+              <a:latin typeface="+mn-lt"/>
+              <a:ea typeface="+mn-ea"/>
+              <a:cs typeface="+mn-cs"/>
+            </a:endParaRPr>
+          </a:p>
+          <a:p>
+            <a:r>
+              <a:rPr lang="en-US" sz="1200" kern="1200" dirty="0" smtClean="0">
+                <a:solidFill>
+                  <a:schemeClr val="tx1"/>
+                </a:solidFill>
+                <a:effectLst/>
+                <a:latin typeface="+mn-lt"/>
+                <a:ea typeface="+mn-ea"/>
+                <a:cs typeface="+mn-cs"/>
+              </a:rPr>
+              <a:t>So, maybe a better way of expressing myself is that</a:t>
+            </a:r>
+          </a:p>
+          <a:p>
             <a:pPr marL="0" marR="0" indent="0" algn="l" defTabSz="914400" rtl="0" eaLnBrk="1" fontAlgn="auto" latinLnBrk="0" hangingPunct="1">
               <a:lnSpc>
                 <a:spcPct val="100000"/>
@@ -1647,7 +3041,52 @@
           <a:bodyPr/>
           <a:lstStyle/>
           <a:p>
-            <a:endParaRPr lang="en-US" b="0" dirty="0" smtClean="0"/>
+            <a:r>
+              <a:rPr lang="en-US" sz="1200" kern="1200" dirty="0" smtClean="0">
+                <a:solidFill>
+                  <a:schemeClr val="tx1"/>
+                </a:solidFill>
+                <a:effectLst/>
+                <a:latin typeface="+mn-lt"/>
+                <a:ea typeface="+mn-ea"/>
+                <a:cs typeface="+mn-cs"/>
+              </a:rPr>
+              <a:t>Another approach would be to extract the logic into some sort of attribute that injects that logic into the appropriate part of the processing pipeline.</a:t>
+            </a:r>
+          </a:p>
+          <a:p>
+            <a:endParaRPr lang="en-US" sz="1200" kern="1200" dirty="0" smtClean="0">
+              <a:solidFill>
+                <a:schemeClr val="tx1"/>
+              </a:solidFill>
+              <a:effectLst/>
+              <a:latin typeface="+mn-lt"/>
+              <a:ea typeface="+mn-ea"/>
+              <a:cs typeface="+mn-cs"/>
+            </a:endParaRPr>
+          </a:p>
+          <a:p>
+            <a:r>
+              <a:rPr lang="en-US" sz="1200" kern="1200" dirty="0" smtClean="0">
+                <a:solidFill>
+                  <a:schemeClr val="tx1"/>
+                </a:solidFill>
+                <a:effectLst/>
+                <a:latin typeface="+mn-lt"/>
+                <a:ea typeface="+mn-ea"/>
+                <a:cs typeface="+mn-cs"/>
+              </a:rPr>
+              <a:t>This also results in a consistent implementation, but it’s just as easy for a developer to forget. However, this approach is easier to audit. In a little bit I’ll talk about using static analysis to generate a report of secure and insecure endpoints based on attribute usage.</a:t>
+            </a:r>
+            <a:endParaRPr lang="en-US" sz="1200" kern="1200" dirty="0">
+              <a:solidFill>
+                <a:schemeClr val="tx1"/>
+              </a:solidFill>
+              <a:effectLst/>
+              <a:latin typeface="+mn-lt"/>
+              <a:ea typeface="+mn-ea"/>
+              <a:cs typeface="+mn-cs"/>
+            </a:endParaRPr>
           </a:p>
         </p:txBody>
       </p:sp>
@@ -1731,6 +3170,93 @@
           <a:bodyPr/>
           <a:lstStyle/>
           <a:p>
+            <a:r>
+              <a:rPr lang="en-US" sz="1200" kern="1200" dirty="0" smtClean="0">
+                <a:solidFill>
+                  <a:schemeClr val="tx1"/>
+                </a:solidFill>
+                <a:effectLst/>
+                <a:latin typeface="+mn-lt"/>
+                <a:ea typeface="+mn-ea"/>
+                <a:cs typeface="+mn-cs"/>
+              </a:rPr>
+              <a:t>In a perfect world, the developer wouldn’t have to do anything at all except write their business logic, and the security stuff would be handled automagically </a:t>
+            </a:r>
+            <a:r>
+              <a:rPr lang="en-US" sz="1200" i="1" kern="1200" dirty="0" smtClean="0">
+                <a:solidFill>
+                  <a:schemeClr val="tx1"/>
+                </a:solidFill>
+                <a:effectLst/>
+                <a:latin typeface="+mn-lt"/>
+                <a:ea typeface="+mn-ea"/>
+                <a:cs typeface="+mn-cs"/>
+              </a:rPr>
+              <a:t>and </a:t>
+            </a:r>
+            <a:r>
+              <a:rPr lang="en-US" sz="1200" kern="1200" dirty="0" smtClean="0">
+                <a:solidFill>
+                  <a:schemeClr val="tx1"/>
+                </a:solidFill>
+                <a:effectLst/>
+                <a:latin typeface="+mn-lt"/>
+                <a:ea typeface="+mn-ea"/>
+                <a:cs typeface="+mn-cs"/>
+              </a:rPr>
+              <a:t>in a way that was easily audited and tested. And that’s the point of this talk.</a:t>
+            </a:r>
+          </a:p>
+          <a:p>
+            <a:endParaRPr lang="en-US" sz="1200" kern="1200" dirty="0" smtClean="0">
+              <a:solidFill>
+                <a:schemeClr val="tx1"/>
+              </a:solidFill>
+              <a:effectLst/>
+              <a:latin typeface="+mn-lt"/>
+              <a:ea typeface="+mn-ea"/>
+              <a:cs typeface="+mn-cs"/>
+            </a:endParaRPr>
+          </a:p>
+          <a:p>
+            <a:r>
+              <a:rPr lang="en-US" sz="1200" kern="1200" dirty="0" smtClean="0">
+                <a:solidFill>
+                  <a:schemeClr val="tx1"/>
+                </a:solidFill>
+                <a:effectLst/>
+                <a:latin typeface="+mn-lt"/>
+                <a:ea typeface="+mn-ea"/>
+                <a:cs typeface="+mn-cs"/>
+              </a:rPr>
+              <a:t>It isn’t always possible to get it </a:t>
+            </a:r>
+            <a:r>
+              <a:rPr lang="en-US" sz="1200" i="1" kern="1200" dirty="0" smtClean="0">
+                <a:solidFill>
+                  <a:schemeClr val="tx1"/>
+                </a:solidFill>
+                <a:effectLst/>
+                <a:latin typeface="+mn-lt"/>
+                <a:ea typeface="+mn-ea"/>
+                <a:cs typeface="+mn-cs"/>
+              </a:rPr>
+              <a:t>quite </a:t>
+            </a:r>
+            <a:r>
+              <a:rPr lang="en-US" sz="1200" kern="1200" dirty="0" smtClean="0">
+                <a:solidFill>
+                  <a:schemeClr val="tx1"/>
+                </a:solidFill>
+                <a:effectLst/>
+                <a:latin typeface="+mn-lt"/>
+                <a:ea typeface="+mn-ea"/>
+                <a:cs typeface="+mn-cs"/>
+              </a:rPr>
+              <a:t>this magical, but we can probably get a lot closer than you’d expect.</a:t>
+            </a:r>
+          </a:p>
+          <a:p>
             <a:endParaRPr lang="en-US" b="0" dirty="0" smtClean="0"/>
           </a:p>
         </p:txBody>
@@ -1815,6 +3341,94 @@
           <a:bodyPr/>
           <a:lstStyle/>
           <a:p>
+            <a:r>
+              <a:rPr lang="en-US" sz="1200" kern="1200" dirty="0" smtClean="0">
+                <a:solidFill>
+                  <a:schemeClr val="tx1"/>
+                </a:solidFill>
+                <a:effectLst/>
+                <a:latin typeface="+mn-lt"/>
+                <a:ea typeface="+mn-ea"/>
+                <a:cs typeface="+mn-cs"/>
+              </a:rPr>
+              <a:t>For the rest of this talk I’ll be showing you a bunch of code samples from a demo app I wrote. This app, which you can get from my </a:t>
+            </a:r>
+            <a:r>
+              <a:rPr lang="en-US" sz="1200" kern="1200" dirty="0" err="1" smtClean="0">
+                <a:solidFill>
+                  <a:schemeClr val="tx1"/>
+                </a:solidFill>
+                <a:effectLst/>
+                <a:latin typeface="+mn-lt"/>
+                <a:ea typeface="+mn-ea"/>
+                <a:cs typeface="+mn-cs"/>
+              </a:rPr>
+              <a:t>Github</a:t>
+            </a:r>
+            <a:r>
+              <a:rPr lang="en-US" sz="1200" kern="1200" dirty="0" smtClean="0">
+                <a:solidFill>
+                  <a:schemeClr val="tx1"/>
+                </a:solidFill>
+                <a:effectLst/>
+                <a:latin typeface="+mn-lt"/>
+                <a:ea typeface="+mn-ea"/>
+                <a:cs typeface="+mn-cs"/>
+              </a:rPr>
+              <a:t> page, shows the same features implemented three ways: first, with no security at all, then using “secure feature” code where the security requirement is handled directly within the business logic, and finally with the security concerns extracted into some part of the framework. </a:t>
+            </a:r>
+          </a:p>
+          <a:p>
+            <a:endParaRPr lang="en-US" sz="1200" kern="1200" dirty="0" smtClean="0">
+              <a:solidFill>
+                <a:schemeClr val="tx1"/>
+              </a:solidFill>
+              <a:effectLst/>
+              <a:latin typeface="+mn-lt"/>
+              <a:ea typeface="+mn-ea"/>
+              <a:cs typeface="+mn-cs"/>
+            </a:endParaRPr>
+          </a:p>
+          <a:p>
+            <a:r>
+              <a:rPr lang="en-US" sz="1200" kern="1200" dirty="0" smtClean="0">
+                <a:solidFill>
+                  <a:schemeClr val="tx1"/>
+                </a:solidFill>
+                <a:effectLst/>
+                <a:latin typeface="+mn-lt"/>
+                <a:ea typeface="+mn-ea"/>
+                <a:cs typeface="+mn-cs"/>
+              </a:rPr>
+              <a:t>I will move through my slides pretty quickly, but everything you’ll see up here comes straight from that project that you can reference later. It’s fully functional and heavily commented so I hope it’s a useful resource for you.</a:t>
+            </a:r>
+          </a:p>
+          <a:p>
+            <a:endParaRPr lang="en-US" sz="1200" kern="1200" dirty="0" smtClean="0">
+              <a:solidFill>
+                <a:schemeClr val="tx1"/>
+              </a:solidFill>
+              <a:effectLst/>
+              <a:latin typeface="+mn-lt"/>
+              <a:ea typeface="+mn-ea"/>
+              <a:cs typeface="+mn-cs"/>
+            </a:endParaRPr>
+          </a:p>
+          <a:p>
+            <a:r>
+              <a:rPr lang="en-US" sz="1200" kern="1200" dirty="0" smtClean="0">
+                <a:solidFill>
+                  <a:schemeClr val="tx1"/>
+                </a:solidFill>
+                <a:effectLst/>
+                <a:latin typeface="+mn-lt"/>
+                <a:ea typeface="+mn-ea"/>
+                <a:cs typeface="+mn-cs"/>
+              </a:rPr>
+              <a:t>To start, I’m going to show you 3 examples of what I call a “secure by default” system. Each of these examples demonstrates how you can solve a problem once, and then more or less forget about it. Once it’s been solved in the framework, no additional developer effort is needed on a feature-by-feature basis.</a:t>
+            </a:r>
+          </a:p>
+          <a:p>
             <a:pPr marL="0" marR="0" indent="0" algn="l" defTabSz="914400" rtl="0" eaLnBrk="1" fontAlgn="auto" latinLnBrk="0" hangingPunct="1">
               <a:lnSpc>
                 <a:spcPct val="100000"/>
@@ -1924,6 +3538,37 @@
           <a:bodyPr/>
           <a:lstStyle/>
           <a:p>
+            <a:pPr marL="0" marR="0" lvl="0" indent="0" algn="l" defTabSz="914400" rtl="0" eaLnBrk="1" fontAlgn="auto" latinLnBrk="0" hangingPunct="1">
+              <a:lnSpc>
+                <a:spcPct val="100000"/>
+              </a:lnSpc>
+              <a:spcBef>
+                <a:spcPts val="0"/>
+              </a:spcBef>
+              <a:spcAft>
+                <a:spcPts val="0"/>
+              </a:spcAft>
+              <a:buClrTx/>
+              <a:buSzTx/>
+              <a:buFontTx/>
+              <a:buNone/>
+              <a:tabLst/>
+              <a:defRPr/>
+            </a:pPr>
+            <a:r>
+              <a:rPr lang="en-US" sz="1200" kern="1200" dirty="0" smtClean="0">
+                <a:solidFill>
+                  <a:schemeClr val="tx1"/>
+                </a:solidFill>
+                <a:effectLst/>
+                <a:latin typeface="+mn-lt"/>
+                <a:ea typeface="+mn-ea"/>
+                <a:cs typeface="+mn-cs"/>
+              </a:rPr>
+              <a:t>My first example deals with #8 on the OWASP Top 10, Cross Site Request Forgery. In case you’re not familiar with CSRF, here’s a quick overview. </a:t>
+            </a:r>
+          </a:p>
+          <a:p>
             <a:pPr marL="0" marR="0" indent="0" algn="l" defTabSz="914400" rtl="0" eaLnBrk="1" fontAlgn="auto" latinLnBrk="0" hangingPunct="1">
               <a:lnSpc>
                 <a:spcPct val="100000"/>
@@ -2033,6 +3678,119 @@
           <a:bodyPr/>
           <a:lstStyle/>
           <a:p>
+            <a:r>
+              <a:rPr lang="en-US" sz="1200" kern="1200" dirty="0" smtClean="0">
+                <a:solidFill>
+                  <a:schemeClr val="tx1"/>
+                </a:solidFill>
+                <a:effectLst/>
+                <a:latin typeface="+mn-lt"/>
+                <a:ea typeface="+mn-ea"/>
+                <a:cs typeface="+mn-cs"/>
+              </a:rPr>
+              <a:t>First, a user logs into a site they trust, such as their bank. </a:t>
+            </a:r>
+          </a:p>
+          <a:p>
+            <a:endParaRPr lang="en-US" sz="1200" kern="1200" dirty="0" smtClean="0">
+              <a:solidFill>
+                <a:schemeClr val="tx1"/>
+              </a:solidFill>
+              <a:effectLst/>
+              <a:latin typeface="+mn-lt"/>
+              <a:ea typeface="+mn-ea"/>
+              <a:cs typeface="+mn-cs"/>
+            </a:endParaRPr>
+          </a:p>
+          <a:p>
+            <a:r>
+              <a:rPr lang="en-US" sz="1200" kern="1200" dirty="0" smtClean="0">
+                <a:solidFill>
+                  <a:schemeClr val="tx1"/>
+                </a:solidFill>
+                <a:effectLst/>
+                <a:latin typeface="+mn-lt"/>
+                <a:ea typeface="+mn-ea"/>
+                <a:cs typeface="+mn-cs"/>
+              </a:rPr>
+              <a:t>Second, while the session with the bank is active, they visit a malicious website. This could be in a different tab but it doesn’t have to be.</a:t>
+            </a:r>
+          </a:p>
+          <a:p>
+            <a:endParaRPr lang="en-US" sz="1200" kern="1200" dirty="0" smtClean="0">
+              <a:solidFill>
+                <a:schemeClr val="tx1"/>
+              </a:solidFill>
+              <a:effectLst/>
+              <a:latin typeface="+mn-lt"/>
+              <a:ea typeface="+mn-ea"/>
+              <a:cs typeface="+mn-cs"/>
+            </a:endParaRPr>
+          </a:p>
+          <a:p>
+            <a:r>
+              <a:rPr lang="en-US" sz="1200" kern="1200" dirty="0" smtClean="0">
+                <a:solidFill>
+                  <a:schemeClr val="tx1"/>
+                </a:solidFill>
+                <a:effectLst/>
+                <a:latin typeface="+mn-lt"/>
+                <a:ea typeface="+mn-ea"/>
+                <a:cs typeface="+mn-cs"/>
+              </a:rPr>
+              <a:t>Third, the bad guy website tricks the user into submitting a form post TO the bank’s website, for example to the “transfer money” endpoint. If the bank website hasn’t been properly secured, all it’s going to see is a request coming in, from a logged in user with a valid session, requesting a fund transfer into the bad guy’s account. </a:t>
+            </a:r>
+          </a:p>
+          <a:p>
+            <a:endParaRPr lang="en-US" sz="1200" kern="1200" dirty="0" smtClean="0">
+              <a:solidFill>
+                <a:schemeClr val="tx1"/>
+              </a:solidFill>
+              <a:effectLst/>
+              <a:latin typeface="+mn-lt"/>
+              <a:ea typeface="+mn-ea"/>
+              <a:cs typeface="+mn-cs"/>
+            </a:endParaRPr>
+          </a:p>
+          <a:p>
+            <a:r>
+              <a:rPr lang="en-US" sz="1200" kern="1200" dirty="0" smtClean="0">
+                <a:solidFill>
+                  <a:schemeClr val="tx1"/>
+                </a:solidFill>
+                <a:effectLst/>
+                <a:latin typeface="+mn-lt"/>
+                <a:ea typeface="+mn-ea"/>
+                <a:cs typeface="+mn-cs"/>
+              </a:rPr>
+              <a:t>In order to protect itself from this sort of thing, the bank needs a way to differentiate between a form post that initiated from its own domain versus a post that initiated from the bad guy’s website. The HTTP Referrer can help with this, but it’s insufficient on its own because that value is </a:t>
+            </a:r>
+            <a:r>
+              <a:rPr lang="en-US" sz="1200" kern="1200" dirty="0" err="1" smtClean="0">
+                <a:solidFill>
+                  <a:schemeClr val="tx1"/>
+                </a:solidFill>
+                <a:effectLst/>
+                <a:latin typeface="+mn-lt"/>
+                <a:ea typeface="+mn-ea"/>
+                <a:cs typeface="+mn-cs"/>
+              </a:rPr>
+              <a:t>spoofable</a:t>
+            </a:r>
+            <a:r>
+              <a:rPr lang="en-US" sz="1200" kern="1200" dirty="0" smtClean="0">
+                <a:solidFill>
+                  <a:schemeClr val="tx1"/>
+                </a:solidFill>
+                <a:effectLst/>
+                <a:latin typeface="+mn-lt"/>
+                <a:ea typeface="+mn-ea"/>
+                <a:cs typeface="+mn-cs"/>
+              </a:rPr>
+              <a:t>.</a:t>
+            </a:r>
+          </a:p>
+          <a:p>
             <a:endParaRPr lang="en-US" b="0" dirty="0" smtClean="0"/>
           </a:p>
         </p:txBody>
@@ -2117,6 +3875,193 @@
           <a:bodyPr/>
           <a:lstStyle/>
           <a:p>
+            <a:r>
+              <a:rPr lang="en-US" sz="1200" kern="1200" dirty="0" smtClean="0">
+                <a:solidFill>
+                  <a:schemeClr val="tx1"/>
+                </a:solidFill>
+                <a:effectLst/>
+                <a:latin typeface="+mn-lt"/>
+                <a:ea typeface="+mn-ea"/>
+                <a:cs typeface="+mn-cs"/>
+              </a:rPr>
+              <a:t>ASP.NET gives us tools to protect against CSRF. You have to do 2 things: call helper inside body of form, &amp; add </a:t>
+            </a:r>
+            <a:r>
+              <a:rPr lang="en-US" sz="1200" kern="1200" dirty="0" err="1" smtClean="0">
+                <a:solidFill>
+                  <a:schemeClr val="tx1"/>
+                </a:solidFill>
+                <a:effectLst/>
+                <a:latin typeface="+mn-lt"/>
+                <a:ea typeface="+mn-ea"/>
+                <a:cs typeface="+mn-cs"/>
+              </a:rPr>
+              <a:t>ValidateAntiForgeryToken</a:t>
+            </a:r>
+            <a:r>
+              <a:rPr lang="en-US" sz="1200" kern="1200" dirty="0" smtClean="0">
+                <a:solidFill>
+                  <a:schemeClr val="tx1"/>
+                </a:solidFill>
+                <a:effectLst/>
+                <a:latin typeface="+mn-lt"/>
+                <a:ea typeface="+mn-ea"/>
+                <a:cs typeface="+mn-cs"/>
+              </a:rPr>
+              <a:t> attribute to the action.</a:t>
+            </a:r>
+          </a:p>
+          <a:p>
+            <a:endParaRPr lang="en-US" sz="1200" kern="1200" dirty="0" smtClean="0">
+              <a:solidFill>
+                <a:schemeClr val="tx1"/>
+              </a:solidFill>
+              <a:effectLst/>
+              <a:latin typeface="+mn-lt"/>
+              <a:ea typeface="+mn-ea"/>
+              <a:cs typeface="+mn-cs"/>
+            </a:endParaRPr>
+          </a:p>
+          <a:p>
+            <a:r>
+              <a:rPr lang="en-US" sz="1200" kern="1200" dirty="0" smtClean="0">
+                <a:solidFill>
+                  <a:schemeClr val="tx1"/>
+                </a:solidFill>
+                <a:effectLst/>
+                <a:latin typeface="+mn-lt"/>
+                <a:ea typeface="+mn-ea"/>
+                <a:cs typeface="+mn-cs"/>
+              </a:rPr>
+              <a:t>The helper does three things. (1) creates a cryptographic token, (2) emits hidden form field, (3) creates cookie.</a:t>
+            </a:r>
+          </a:p>
+          <a:p>
+            <a:endParaRPr lang="en-US" sz="1200" kern="1200" dirty="0" smtClean="0">
+              <a:solidFill>
+                <a:schemeClr val="tx1"/>
+              </a:solidFill>
+              <a:effectLst/>
+              <a:latin typeface="+mn-lt"/>
+              <a:ea typeface="+mn-ea"/>
+              <a:cs typeface="+mn-cs"/>
+            </a:endParaRPr>
+          </a:p>
+          <a:p>
+            <a:r>
+              <a:rPr lang="en-US" sz="1200" kern="1200" dirty="0" smtClean="0">
+                <a:solidFill>
+                  <a:schemeClr val="tx1"/>
+                </a:solidFill>
+                <a:effectLst/>
+                <a:latin typeface="+mn-lt"/>
+                <a:ea typeface="+mn-ea"/>
+                <a:cs typeface="+mn-cs"/>
+              </a:rPr>
+              <a:t>When form is submitted, the attribute compares the value in the form body against the cookie value and rejects the post if they don't match. </a:t>
+            </a:r>
+          </a:p>
+          <a:p>
+            <a:endParaRPr lang="en-US" sz="1200" kern="1200" dirty="0" smtClean="0">
+              <a:solidFill>
+                <a:schemeClr val="tx1"/>
+              </a:solidFill>
+              <a:effectLst/>
+              <a:latin typeface="+mn-lt"/>
+              <a:ea typeface="+mn-ea"/>
+              <a:cs typeface="+mn-cs"/>
+            </a:endParaRPr>
+          </a:p>
+          <a:p>
+            <a:r>
+              <a:rPr lang="en-US" sz="1200" kern="1200" dirty="0" smtClean="0">
+                <a:solidFill>
+                  <a:schemeClr val="tx1"/>
+                </a:solidFill>
+                <a:effectLst/>
+                <a:latin typeface="+mn-lt"/>
+                <a:ea typeface="+mn-ea"/>
+                <a:cs typeface="+mn-cs"/>
+              </a:rPr>
+              <a:t>Browser’s security model prevents the</a:t>
+            </a:r>
+            <a:r>
+              <a:rPr lang="en-US" sz="1200" kern="1200" baseline="0" dirty="0" smtClean="0">
+                <a:solidFill>
+                  <a:schemeClr val="tx1"/>
+                </a:solidFill>
+                <a:effectLst/>
+                <a:latin typeface="+mn-lt"/>
+                <a:ea typeface="+mn-ea"/>
+                <a:cs typeface="+mn-cs"/>
+              </a:rPr>
+              <a:t> bad guy </a:t>
+            </a:r>
+            <a:r>
+              <a:rPr lang="en-US" sz="1200" kern="1200" dirty="0" smtClean="0">
+                <a:solidFill>
+                  <a:schemeClr val="tx1"/>
+                </a:solidFill>
+                <a:effectLst/>
+                <a:latin typeface="+mn-lt"/>
+                <a:ea typeface="+mn-ea"/>
+                <a:cs typeface="+mn-cs"/>
+              </a:rPr>
+              <a:t>website from reading or writing the cookies for the friendly site, so only way the tokens will match is if the form being submitted is coming from the friendly site itself.</a:t>
+            </a:r>
+          </a:p>
+          <a:p>
+            <a:endParaRPr lang="en-US" sz="1200" kern="1200" dirty="0" smtClean="0">
+              <a:solidFill>
+                <a:schemeClr val="tx1"/>
+              </a:solidFill>
+              <a:effectLst/>
+              <a:latin typeface="+mn-lt"/>
+              <a:ea typeface="+mn-ea"/>
+              <a:cs typeface="+mn-cs"/>
+            </a:endParaRPr>
+          </a:p>
+          <a:p>
+            <a:r>
+              <a:rPr lang="en-US" sz="1200" kern="1200" dirty="0" smtClean="0">
+                <a:solidFill>
+                  <a:schemeClr val="tx1"/>
+                </a:solidFill>
+                <a:effectLst/>
+                <a:latin typeface="+mn-lt"/>
+                <a:ea typeface="+mn-ea"/>
+                <a:cs typeface="+mn-cs"/>
+              </a:rPr>
+              <a:t>Easy to do, but not secure by default. Requires dev to make corresponding changes in two files. And if dev remembers helper, but forgets the attribute, form post will be accepted. Dev might think they’re secure, but actually vulnerable.</a:t>
+            </a:r>
+          </a:p>
+          <a:p>
+            <a:endParaRPr lang="en-US" sz="1200" kern="1200" dirty="0" smtClean="0">
+              <a:solidFill>
+                <a:schemeClr val="tx1"/>
+              </a:solidFill>
+              <a:effectLst/>
+              <a:latin typeface="+mn-lt"/>
+              <a:ea typeface="+mn-ea"/>
+              <a:cs typeface="+mn-cs"/>
+            </a:endParaRPr>
+          </a:p>
+          <a:p>
+            <a:r>
+              <a:rPr lang="en-US" sz="1200" kern="1200" dirty="0" smtClean="0">
+                <a:solidFill>
+                  <a:schemeClr val="tx1"/>
+                </a:solidFill>
+                <a:effectLst/>
+                <a:latin typeface="+mn-lt"/>
+                <a:ea typeface="+mn-ea"/>
+                <a:cs typeface="+mn-cs"/>
+              </a:rPr>
+              <a:t>Also, this only works if you’re submitting a form. This helper doesn’t really help if you’re doing an AJAX post because there’s no form to write the hidden field into.</a:t>
+            </a:r>
+          </a:p>
+          <a:p>
             <a:endParaRPr lang="en-US" b="0" dirty="0" smtClean="0"/>
           </a:p>
         </p:txBody>
@@ -2201,6 +4146,45 @@
           <a:bodyPr/>
           <a:lstStyle/>
           <a:p>
+            <a:r>
+              <a:rPr lang="en-US" sz="1200" kern="1200" dirty="0" smtClean="0">
+                <a:solidFill>
+                  <a:schemeClr val="tx1"/>
+                </a:solidFill>
+                <a:effectLst/>
+                <a:latin typeface="+mn-lt"/>
+                <a:ea typeface="+mn-ea"/>
+                <a:cs typeface="+mn-cs"/>
+              </a:rPr>
+              <a:t>If you’re making an AJAX form post, you have to do something like create a div, call the helper to create the hidden form field, and then manually copy that hidden form field value into your AJAX payload.</a:t>
+            </a:r>
+          </a:p>
+          <a:p>
+            <a:endParaRPr lang="en-US" sz="1200" kern="1200" dirty="0" smtClean="0">
+              <a:solidFill>
+                <a:schemeClr val="tx1"/>
+              </a:solidFill>
+              <a:effectLst/>
+              <a:latin typeface="+mn-lt"/>
+              <a:ea typeface="+mn-ea"/>
+              <a:cs typeface="+mn-cs"/>
+            </a:endParaRPr>
+          </a:p>
+          <a:p>
+            <a:r>
+              <a:rPr lang="en-US" sz="1200" kern="1200" dirty="0" smtClean="0">
+                <a:solidFill>
+                  <a:schemeClr val="tx1"/>
+                </a:solidFill>
+                <a:effectLst/>
+                <a:latin typeface="+mn-lt"/>
+                <a:ea typeface="+mn-ea"/>
+                <a:cs typeface="+mn-cs"/>
+              </a:rPr>
+              <a:t>This really sucks. It’s ugly, it’s error prone, and it’s not a pattern that I want to be repeating every single time I need to make an AJAX post. </a:t>
+            </a:r>
+          </a:p>
+          <a:p>
             <a:endParaRPr lang="en-US" b="0" dirty="0" smtClean="0"/>
           </a:p>
         </p:txBody>
@@ -2285,6 +4269,45 @@
           <a:bodyPr/>
           <a:lstStyle/>
           <a:p>
+            <a:r>
+              <a:rPr lang="en-US" sz="1200" kern="1200" dirty="0" smtClean="0">
+                <a:solidFill>
+                  <a:schemeClr val="tx1"/>
+                </a:solidFill>
+                <a:effectLst/>
+                <a:latin typeface="+mn-lt"/>
+                <a:ea typeface="+mn-ea"/>
+                <a:cs typeface="+mn-cs"/>
+              </a:rPr>
+              <a:t>To handle this in a cross-cutting way we need to do a few things. </a:t>
+            </a:r>
+          </a:p>
+          <a:p>
+            <a:endParaRPr lang="en-US" sz="1200" kern="1200" dirty="0" smtClean="0">
+              <a:solidFill>
+                <a:schemeClr val="tx1"/>
+              </a:solidFill>
+              <a:effectLst/>
+              <a:latin typeface="+mn-lt"/>
+              <a:ea typeface="+mn-ea"/>
+              <a:cs typeface="+mn-cs"/>
+            </a:endParaRPr>
+          </a:p>
+          <a:p>
+            <a:r>
+              <a:rPr lang="en-US" sz="1200" kern="1200" dirty="0" smtClean="0">
+                <a:solidFill>
+                  <a:schemeClr val="tx1"/>
+                </a:solidFill>
+                <a:effectLst/>
+                <a:latin typeface="+mn-lt"/>
+                <a:ea typeface="+mn-ea"/>
+                <a:cs typeface="+mn-cs"/>
+              </a:rPr>
+              <a:t>First, we need to create one, global anti-CSRF token. I do this in my global layout file so that it applies to every page on my site. Remember that this creates a hidden text field AND creates a cookie.</a:t>
+            </a:r>
+          </a:p>
+          <a:p>
             <a:endParaRPr lang="en-US" b="0" dirty="0" smtClean="0"/>
           </a:p>
         </p:txBody>
@@ -2369,6 +4392,71 @@
           <a:bodyPr/>
           <a:lstStyle/>
           <a:p>
+            <a:pPr marL="0" marR="0" lvl="0" indent="0" algn="l" defTabSz="914400" rtl="0" eaLnBrk="1" fontAlgn="auto" latinLnBrk="0" hangingPunct="1">
+              <a:lnSpc>
+                <a:spcPct val="100000"/>
+              </a:lnSpc>
+              <a:spcBef>
+                <a:spcPts val="0"/>
+              </a:spcBef>
+              <a:spcAft>
+                <a:spcPts val="0"/>
+              </a:spcAft>
+              <a:buClrTx/>
+              <a:buSzTx/>
+              <a:buFontTx/>
+              <a:buNone/>
+              <a:tabLst/>
+              <a:defRPr/>
+            </a:pPr>
+            <a:r>
+              <a:rPr lang="en-US" sz="1200" kern="1200" dirty="0" smtClean="0">
+                <a:solidFill>
+                  <a:schemeClr val="tx1"/>
+                </a:solidFill>
+                <a:effectLst/>
+                <a:latin typeface="+mn-lt"/>
+                <a:ea typeface="+mn-ea"/>
+                <a:cs typeface="+mn-cs"/>
+              </a:rPr>
+              <a:t>Second, on document ready I run a tiny bit of jQuery that loops through every form on the page, looks to see if it already has a token field, and if not, clones the global one and adds it to the form.</a:t>
+            </a:r>
+          </a:p>
+          <a:p>
+            <a:endParaRPr lang="en-US" b="0" dirty="0" smtClean="0"/>
+          </a:p>
+          <a:p>
+            <a:pPr marL="0" marR="0" lvl="0" indent="0" algn="l" defTabSz="914400" rtl="0" eaLnBrk="1" fontAlgn="auto" latinLnBrk="0" hangingPunct="1">
+              <a:lnSpc>
+                <a:spcPct val="100000"/>
+              </a:lnSpc>
+              <a:spcBef>
+                <a:spcPts val="0"/>
+              </a:spcBef>
+              <a:spcAft>
+                <a:spcPts val="0"/>
+              </a:spcAft>
+              <a:buClrTx/>
+              <a:buSzTx/>
+              <a:buFontTx/>
+              <a:buNone/>
+              <a:tabLst/>
+              <a:defRPr/>
+            </a:pPr>
+            <a:r>
+              <a:rPr lang="en-US" sz="1200" kern="1200" dirty="0" smtClean="0">
+                <a:solidFill>
+                  <a:schemeClr val="tx1"/>
+                </a:solidFill>
+                <a:effectLst/>
+                <a:latin typeface="+mn-lt"/>
+                <a:ea typeface="+mn-ea"/>
+                <a:cs typeface="+mn-cs"/>
+              </a:rPr>
+              <a:t>This ensures that every single form that I use on my site will end up with a hidden field containing that security token.</a:t>
+            </a:r>
+          </a:p>
+          <a:p>
             <a:endParaRPr lang="en-US" b="0" dirty="0" smtClean="0"/>
           </a:p>
         </p:txBody>
@@ -2453,6 +4541,153 @@
           <a:bodyPr/>
           <a:lstStyle/>
           <a:p>
+            <a:r>
+              <a:rPr lang="en-US" sz="1200" kern="1200" dirty="0" smtClean="0">
+                <a:solidFill>
+                  <a:schemeClr val="tx1"/>
+                </a:solidFill>
+                <a:effectLst/>
+                <a:latin typeface="+mn-lt"/>
+                <a:ea typeface="+mn-ea"/>
+                <a:cs typeface="+mn-cs"/>
+              </a:rPr>
+              <a:t>To handle AJAX posts, I run a second bit of JQuery that defines a global </a:t>
+            </a:r>
+            <a:r>
+              <a:rPr lang="en-US" sz="1200" kern="1200" dirty="0" err="1" smtClean="0">
+                <a:solidFill>
+                  <a:schemeClr val="tx1"/>
+                </a:solidFill>
+                <a:effectLst/>
+                <a:latin typeface="+mn-lt"/>
+                <a:ea typeface="+mn-ea"/>
+                <a:cs typeface="+mn-cs"/>
+              </a:rPr>
+              <a:t>jquery</a:t>
+            </a:r>
+            <a:r>
+              <a:rPr lang="en-US" sz="1200" kern="1200" dirty="0" smtClean="0">
+                <a:solidFill>
+                  <a:schemeClr val="tx1"/>
+                </a:solidFill>
+                <a:effectLst/>
+                <a:latin typeface="+mn-lt"/>
+                <a:ea typeface="+mn-ea"/>
+                <a:cs typeface="+mn-cs"/>
+              </a:rPr>
+              <a:t> “ajax </a:t>
+            </a:r>
+            <a:r>
+              <a:rPr lang="en-US" sz="1200" kern="1200" dirty="0" err="1" smtClean="0">
+                <a:solidFill>
+                  <a:schemeClr val="tx1"/>
+                </a:solidFill>
+                <a:effectLst/>
+                <a:latin typeface="+mn-lt"/>
+                <a:ea typeface="+mn-ea"/>
+                <a:cs typeface="+mn-cs"/>
+              </a:rPr>
+              <a:t>prefilter</a:t>
+            </a:r>
+            <a:r>
+              <a:rPr lang="en-US" sz="1200" kern="1200" dirty="0" smtClean="0">
+                <a:solidFill>
+                  <a:schemeClr val="tx1"/>
+                </a:solidFill>
+                <a:effectLst/>
+                <a:latin typeface="+mn-lt"/>
+                <a:ea typeface="+mn-ea"/>
+                <a:cs typeface="+mn-cs"/>
+              </a:rPr>
+              <a:t>” handler. </a:t>
+            </a:r>
+          </a:p>
+          <a:p>
+            <a:endParaRPr lang="en-US" sz="1200" kern="1200" smtClean="0">
+              <a:solidFill>
+                <a:schemeClr val="tx1"/>
+              </a:solidFill>
+              <a:effectLst/>
+              <a:latin typeface="+mn-lt"/>
+              <a:ea typeface="+mn-ea"/>
+              <a:cs typeface="+mn-cs"/>
+            </a:endParaRPr>
+          </a:p>
+          <a:p>
+            <a:r>
+              <a:rPr lang="en-US" sz="1200" kern="1200" smtClean="0">
+                <a:solidFill>
+                  <a:schemeClr val="tx1"/>
+                </a:solidFill>
+                <a:effectLst/>
+                <a:latin typeface="+mn-lt"/>
+                <a:ea typeface="+mn-ea"/>
+                <a:cs typeface="+mn-cs"/>
+              </a:rPr>
+              <a:t>Hooking </a:t>
+            </a:r>
+            <a:r>
+              <a:rPr lang="en-US" sz="1200" kern="1200" dirty="0" smtClean="0">
+                <a:solidFill>
+                  <a:schemeClr val="tx1"/>
+                </a:solidFill>
+                <a:effectLst/>
+                <a:latin typeface="+mn-lt"/>
+                <a:ea typeface="+mn-ea"/>
+                <a:cs typeface="+mn-cs"/>
+              </a:rPr>
+              <a:t>into the </a:t>
+            </a:r>
+            <a:r>
+              <a:rPr lang="en-US" sz="1200" kern="1200" dirty="0" err="1" smtClean="0">
+                <a:solidFill>
+                  <a:schemeClr val="tx1"/>
+                </a:solidFill>
+                <a:effectLst/>
+                <a:latin typeface="+mn-lt"/>
+                <a:ea typeface="+mn-ea"/>
+                <a:cs typeface="+mn-cs"/>
+              </a:rPr>
+              <a:t>prefilter</a:t>
+            </a:r>
+            <a:r>
+              <a:rPr lang="en-US" sz="1200" kern="1200" dirty="0" smtClean="0">
+                <a:solidFill>
+                  <a:schemeClr val="tx1"/>
+                </a:solidFill>
+                <a:effectLst/>
+                <a:latin typeface="+mn-lt"/>
+                <a:ea typeface="+mn-ea"/>
+                <a:cs typeface="+mn-cs"/>
+              </a:rPr>
+              <a:t> event lets you can modify the AJAX options </a:t>
+            </a:r>
+            <a:r>
+              <a:rPr lang="en-US" sz="1200" i="1" kern="1200" dirty="0" smtClean="0">
+                <a:solidFill>
+                  <a:schemeClr val="tx1"/>
+                </a:solidFill>
+                <a:effectLst/>
+                <a:latin typeface="+mn-lt"/>
+                <a:ea typeface="+mn-ea"/>
+                <a:cs typeface="+mn-cs"/>
+              </a:rPr>
+              <a:t>before </a:t>
+            </a:r>
+            <a:r>
+              <a:rPr lang="en-US" sz="1200" kern="1200" dirty="0" smtClean="0">
+                <a:solidFill>
+                  <a:schemeClr val="tx1"/>
+                </a:solidFill>
+                <a:effectLst/>
+                <a:latin typeface="+mn-lt"/>
+                <a:ea typeface="+mn-ea"/>
+                <a:cs typeface="+mn-cs"/>
+              </a:rPr>
+              <a:t>the request is sent. In this case, I add that CSRF token to every single AJAX POST.</a:t>
+            </a:r>
+          </a:p>
+          <a:p>
             <a:endParaRPr lang="en-US" b="0" dirty="0" smtClean="0"/>
           </a:p>
         </p:txBody>
@@ -2537,6 +4772,146 @@
           <a:bodyPr/>
           <a:lstStyle/>
           <a:p>
+            <a:r>
+              <a:rPr lang="en-US" sz="1200" kern="1200" dirty="0" smtClean="0">
+                <a:solidFill>
+                  <a:schemeClr val="tx1"/>
+                </a:solidFill>
+                <a:effectLst/>
+                <a:latin typeface="+mn-lt"/>
+                <a:ea typeface="+mn-ea"/>
+                <a:cs typeface="+mn-cs"/>
+              </a:rPr>
+              <a:t>I hate writing secure </a:t>
+            </a:r>
+            <a:r>
+              <a:rPr lang="en-US" sz="1200" i="1" kern="1200" dirty="0" smtClean="0">
+                <a:solidFill>
+                  <a:schemeClr val="tx1"/>
+                </a:solidFill>
+                <a:effectLst/>
+                <a:latin typeface="+mn-lt"/>
+                <a:ea typeface="+mn-ea"/>
+                <a:cs typeface="+mn-cs"/>
+              </a:rPr>
+              <a:t>feature </a:t>
+            </a:r>
+            <a:r>
+              <a:rPr lang="en-US" sz="1200" kern="1200" dirty="0" smtClean="0">
+                <a:solidFill>
+                  <a:schemeClr val="tx1"/>
+                </a:solidFill>
+                <a:effectLst/>
+                <a:latin typeface="+mn-lt"/>
+                <a:ea typeface="+mn-ea"/>
+                <a:cs typeface="+mn-cs"/>
+              </a:rPr>
+              <a:t>code. </a:t>
+            </a:r>
+          </a:p>
+          <a:p>
+            <a:endParaRPr lang="en-US" sz="1200" kern="1200" dirty="0" smtClean="0">
+              <a:solidFill>
+                <a:schemeClr val="tx1"/>
+              </a:solidFill>
+              <a:effectLst/>
+              <a:latin typeface="+mn-lt"/>
+              <a:ea typeface="+mn-ea"/>
+              <a:cs typeface="+mn-cs"/>
+            </a:endParaRPr>
+          </a:p>
+          <a:p>
+            <a:r>
+              <a:rPr lang="en-US" sz="1200" kern="1200" dirty="0" smtClean="0">
+                <a:solidFill>
+                  <a:schemeClr val="tx1"/>
+                </a:solidFill>
+                <a:effectLst/>
+                <a:latin typeface="+mn-lt"/>
+                <a:ea typeface="+mn-ea"/>
+                <a:cs typeface="+mn-cs"/>
+              </a:rPr>
+              <a:t>Actually don’t mind thinking about security, enjoy making system secure, just want to separate security code from features. </a:t>
+            </a:r>
+          </a:p>
+          <a:p>
+            <a:endParaRPr lang="en-US" sz="1200" kern="1200" dirty="0" smtClean="0">
+              <a:solidFill>
+                <a:schemeClr val="tx1"/>
+              </a:solidFill>
+              <a:effectLst/>
+              <a:latin typeface="+mn-lt"/>
+              <a:ea typeface="+mn-ea"/>
+              <a:cs typeface="+mn-cs"/>
+            </a:endParaRPr>
+          </a:p>
+          <a:p>
+            <a:r>
+              <a:rPr lang="en-US" sz="1200" kern="1200" dirty="0" smtClean="0">
+                <a:solidFill>
+                  <a:schemeClr val="tx1"/>
+                </a:solidFill>
+                <a:effectLst/>
+                <a:latin typeface="+mn-lt"/>
+                <a:ea typeface="+mn-ea"/>
+                <a:cs typeface="+mn-cs"/>
+              </a:rPr>
+              <a:t>Want features to be clean / simple / elegant, not sullied up with a bunch of duplicate security checks copied and pasted between features.</a:t>
+            </a:r>
+          </a:p>
+          <a:p>
+            <a:r>
+              <a:rPr lang="en-US" sz="1200" kern="1200" dirty="0" smtClean="0">
+                <a:solidFill>
+                  <a:schemeClr val="tx1"/>
+                </a:solidFill>
+                <a:effectLst/>
+                <a:latin typeface="+mn-lt"/>
+                <a:ea typeface="+mn-ea"/>
+                <a:cs typeface="+mn-cs"/>
+              </a:rPr>
+              <a:t> </a:t>
+            </a:r>
+          </a:p>
+          <a:p>
+            <a:r>
+              <a:rPr lang="en-US" sz="1200" kern="1200" dirty="0" smtClean="0">
+                <a:solidFill>
+                  <a:schemeClr val="tx1"/>
+                </a:solidFill>
+                <a:effectLst/>
+                <a:latin typeface="+mn-lt"/>
+                <a:ea typeface="+mn-ea"/>
+                <a:cs typeface="+mn-cs"/>
+              </a:rPr>
+              <a:t>So I guess what I’m </a:t>
+            </a:r>
+            <a:r>
+              <a:rPr lang="en-US" sz="1200" i="1" kern="1200" dirty="0" smtClean="0">
+                <a:solidFill>
+                  <a:schemeClr val="tx1"/>
+                </a:solidFill>
+                <a:effectLst/>
+                <a:latin typeface="+mn-lt"/>
+                <a:ea typeface="+mn-ea"/>
+                <a:cs typeface="+mn-cs"/>
+              </a:rPr>
+              <a:t>really </a:t>
+            </a:r>
+            <a:r>
+              <a:rPr lang="en-US" sz="1200" kern="1200" dirty="0" smtClean="0">
+                <a:solidFill>
+                  <a:schemeClr val="tx1"/>
+                </a:solidFill>
+                <a:effectLst/>
+                <a:latin typeface="+mn-lt"/>
+                <a:ea typeface="+mn-ea"/>
+                <a:cs typeface="+mn-cs"/>
+              </a:rPr>
+              <a:t>trying to say is that </a:t>
+            </a:r>
+          </a:p>
+          <a:p>
             <a:pPr marL="0" marR="0" indent="0" algn="l" defTabSz="914400" rtl="0" eaLnBrk="1" fontAlgn="auto" latinLnBrk="0" hangingPunct="1">
               <a:lnSpc>
                 <a:spcPct val="100000"/>
@@ -3536,6 +5911,191 @@
           <a:bodyPr/>
           <a:lstStyle/>
           <a:p>
+            <a:r>
+              <a:rPr lang="en-US" sz="1200" kern="1200" dirty="0" smtClean="0">
+                <a:solidFill>
+                  <a:schemeClr val="tx1"/>
+                </a:solidFill>
+                <a:effectLst/>
+                <a:latin typeface="+mn-lt"/>
+                <a:ea typeface="+mn-ea"/>
+                <a:cs typeface="+mn-cs"/>
+              </a:rPr>
+              <a:t>Hate implementing </a:t>
+            </a:r>
+            <a:r>
+              <a:rPr lang="en-US" sz="1200" i="1" kern="1200" dirty="0" smtClean="0">
+                <a:solidFill>
+                  <a:schemeClr val="tx1"/>
+                </a:solidFill>
+                <a:effectLst/>
+                <a:latin typeface="+mn-lt"/>
+                <a:ea typeface="+mn-ea"/>
+                <a:cs typeface="+mn-cs"/>
+              </a:rPr>
+              <a:t>cross-cutting security concerns </a:t>
+            </a:r>
+            <a:r>
+              <a:rPr lang="en-US" sz="1200" kern="1200" dirty="0" smtClean="0">
+                <a:solidFill>
+                  <a:schemeClr val="tx1"/>
+                </a:solidFill>
+                <a:effectLst/>
+                <a:latin typeface="+mn-lt"/>
+                <a:ea typeface="+mn-ea"/>
+                <a:cs typeface="+mn-cs"/>
+              </a:rPr>
+              <a:t>by repeating the same patterns over and over again in my </a:t>
+            </a:r>
+            <a:r>
+              <a:rPr lang="en-US" sz="1200" i="1" kern="1200" dirty="0" smtClean="0">
+                <a:solidFill>
+                  <a:schemeClr val="tx1"/>
+                </a:solidFill>
+                <a:effectLst/>
+                <a:latin typeface="+mn-lt"/>
+                <a:ea typeface="+mn-ea"/>
+                <a:cs typeface="+mn-cs"/>
+              </a:rPr>
+              <a:t>feature-level code</a:t>
+            </a:r>
+            <a:r>
+              <a:rPr lang="en-US" sz="1200" kern="1200" dirty="0" smtClean="0">
+                <a:solidFill>
+                  <a:schemeClr val="tx1"/>
+                </a:solidFill>
+                <a:effectLst/>
+                <a:latin typeface="+mn-lt"/>
+                <a:ea typeface="+mn-ea"/>
+                <a:cs typeface="+mn-cs"/>
+              </a:rPr>
+              <a:t>. </a:t>
+            </a:r>
+          </a:p>
+          <a:p>
+            <a:endParaRPr lang="en-US" sz="1200" kern="1200" dirty="0" smtClean="0">
+              <a:solidFill>
+                <a:schemeClr val="tx1"/>
+              </a:solidFill>
+              <a:effectLst/>
+              <a:latin typeface="+mn-lt"/>
+              <a:ea typeface="+mn-ea"/>
+              <a:cs typeface="+mn-cs"/>
+            </a:endParaRPr>
+          </a:p>
+          <a:p>
+            <a:r>
+              <a:rPr lang="en-US" sz="1200" kern="1200" dirty="0" smtClean="0">
+                <a:solidFill>
+                  <a:schemeClr val="tx1"/>
+                </a:solidFill>
+                <a:effectLst/>
+                <a:latin typeface="+mn-lt"/>
+                <a:ea typeface="+mn-ea"/>
+                <a:cs typeface="+mn-cs"/>
+              </a:rPr>
+              <a:t>That’s mouthful, but it’s exactly what this talk is all about. Because I hate doing this, I’ve invested time and energy looking for ways to avoid it. </a:t>
+            </a:r>
+          </a:p>
+          <a:p>
+            <a:endParaRPr lang="en-US" sz="1200" kern="1200" dirty="0" smtClean="0">
+              <a:solidFill>
+                <a:schemeClr val="tx1"/>
+              </a:solidFill>
+              <a:effectLst/>
+              <a:latin typeface="+mn-lt"/>
+              <a:ea typeface="+mn-ea"/>
+              <a:cs typeface="+mn-cs"/>
+            </a:endParaRPr>
+          </a:p>
+          <a:p>
+            <a:r>
+              <a:rPr lang="en-US" sz="1200" kern="1200" dirty="0" smtClean="0">
+                <a:solidFill>
+                  <a:schemeClr val="tx1"/>
+                </a:solidFill>
+                <a:effectLst/>
+                <a:latin typeface="+mn-lt"/>
+                <a:ea typeface="+mn-ea"/>
+                <a:cs typeface="+mn-cs"/>
+              </a:rPr>
+              <a:t>Way I typically avoid it is by extracting security code into some part of my application framework so that it can be automatically applied across all features. This lets me keep brain in “feature mode”, keeps my feature code clean, and I still get to deliver secure system.</a:t>
+            </a:r>
+          </a:p>
+          <a:p>
+            <a:endParaRPr lang="en-US" sz="1200" kern="1200" dirty="0" smtClean="0">
+              <a:solidFill>
+                <a:schemeClr val="tx1"/>
+              </a:solidFill>
+              <a:effectLst/>
+              <a:latin typeface="+mn-lt"/>
+              <a:ea typeface="+mn-ea"/>
+              <a:cs typeface="+mn-cs"/>
+            </a:endParaRPr>
+          </a:p>
+          <a:p>
+            <a:r>
+              <a:rPr lang="en-US" sz="1200" kern="1200" dirty="0" smtClean="0">
+                <a:solidFill>
+                  <a:schemeClr val="tx1"/>
+                </a:solidFill>
+                <a:effectLst/>
+                <a:latin typeface="+mn-lt"/>
+                <a:ea typeface="+mn-ea"/>
+                <a:cs typeface="+mn-cs"/>
+              </a:rPr>
+              <a:t>Over next 55 minutes going to share techniques with you. I want you to recognize intermingling of security &amp; feature code in your systems, and give</a:t>
+            </a:r>
+            <a:r>
+              <a:rPr lang="en-US" sz="1200" kern="1200" baseline="0" dirty="0" smtClean="0">
+                <a:solidFill>
+                  <a:schemeClr val="tx1"/>
+                </a:solidFill>
+                <a:effectLst/>
+                <a:latin typeface="+mn-lt"/>
+                <a:ea typeface="+mn-ea"/>
+                <a:cs typeface="+mn-cs"/>
+              </a:rPr>
+              <a:t> </a:t>
+            </a:r>
+            <a:r>
+              <a:rPr lang="en-US" sz="1200" kern="1200" dirty="0" smtClean="0">
+                <a:solidFill>
+                  <a:schemeClr val="tx1"/>
+                </a:solidFill>
+                <a:effectLst/>
+                <a:latin typeface="+mn-lt"/>
+                <a:ea typeface="+mn-ea"/>
+                <a:cs typeface="+mn-cs"/>
+              </a:rPr>
+              <a:t>you tools for decoupling them so that you can maximize </a:t>
+            </a:r>
+            <a:r>
+              <a:rPr lang="en-US" sz="1200" i="1" kern="1200" dirty="0" smtClean="0">
+                <a:solidFill>
+                  <a:schemeClr val="tx1"/>
+                </a:solidFill>
+                <a:effectLst/>
+                <a:latin typeface="+mn-lt"/>
+                <a:ea typeface="+mn-ea"/>
+                <a:cs typeface="+mn-cs"/>
+              </a:rPr>
+              <a:t>both </a:t>
+            </a:r>
+            <a:r>
+              <a:rPr lang="en-US" sz="1200" kern="1200" dirty="0" smtClean="0">
+                <a:solidFill>
+                  <a:schemeClr val="tx1"/>
+                </a:solidFill>
+                <a:effectLst/>
+                <a:latin typeface="+mn-lt"/>
+                <a:ea typeface="+mn-ea"/>
+                <a:cs typeface="+mn-cs"/>
+              </a:rPr>
+              <a:t>security AND maintainability. </a:t>
+            </a:r>
+          </a:p>
+          <a:p>
             <a:pPr marL="0" marR="0" indent="0" algn="l" defTabSz="914400" rtl="0" eaLnBrk="1" fontAlgn="auto" latinLnBrk="0" hangingPunct="1">
               <a:lnSpc>
                 <a:spcPct val="100000"/>
@@ -4485,6 +7045,45 @@
           <a:bodyPr/>
           <a:lstStyle/>
           <a:p>
+            <a:r>
+              <a:rPr lang="en-US" sz="1200" kern="1200" dirty="0" smtClean="0">
+                <a:solidFill>
+                  <a:schemeClr val="tx1"/>
+                </a:solidFill>
+                <a:effectLst/>
+                <a:latin typeface="+mn-lt"/>
+                <a:ea typeface="+mn-ea"/>
+                <a:cs typeface="+mn-cs"/>
+              </a:rPr>
+              <a:t>Here’s our agenda: </a:t>
+            </a:r>
+          </a:p>
+          <a:p>
+            <a:endParaRPr lang="en-US" sz="1200" kern="1200" dirty="0" smtClean="0">
+              <a:solidFill>
+                <a:schemeClr val="tx1"/>
+              </a:solidFill>
+              <a:effectLst/>
+              <a:latin typeface="+mn-lt"/>
+              <a:ea typeface="+mn-ea"/>
+              <a:cs typeface="+mn-cs"/>
+            </a:endParaRPr>
+          </a:p>
+          <a:p>
+            <a:r>
+              <a:rPr lang="en-US" sz="1200" kern="1200" dirty="0" smtClean="0">
+                <a:solidFill>
+                  <a:schemeClr val="tx1"/>
+                </a:solidFill>
+                <a:effectLst/>
+                <a:latin typeface="+mn-lt"/>
+                <a:ea typeface="+mn-ea"/>
+                <a:cs typeface="+mn-cs"/>
+              </a:rPr>
+              <a:t>First I’ll define what it means for something to be a “cross cutting” security concern and what types of things are best suited to pushed into the framework.</a:t>
+            </a:r>
+          </a:p>
+          <a:p>
             <a:endParaRPr lang="en-US" b="0" dirty="0" smtClean="0"/>
           </a:p>
         </p:txBody>
@@ -5459,6 +8058,200 @@
           <a:bodyPr/>
           <a:lstStyle/>
           <a:p>
+            <a:pPr marL="0" marR="0" lvl="0" indent="0" algn="l" defTabSz="914400" rtl="0" eaLnBrk="1" fontAlgn="auto" latinLnBrk="0" hangingPunct="1">
+              <a:lnSpc>
+                <a:spcPct val="100000"/>
+              </a:lnSpc>
+              <a:spcBef>
+                <a:spcPts val="0"/>
+              </a:spcBef>
+              <a:spcAft>
+                <a:spcPts val="0"/>
+              </a:spcAft>
+              <a:buClrTx/>
+              <a:buSzTx/>
+              <a:buFontTx/>
+              <a:buNone/>
+              <a:tabLst/>
+              <a:defRPr/>
+            </a:pPr>
+            <a:r>
+              <a:rPr lang="en-US" sz="1200" kern="1200" dirty="0" smtClean="0">
+                <a:solidFill>
+                  <a:schemeClr val="tx1"/>
+                </a:solidFill>
+                <a:effectLst/>
+                <a:latin typeface="+mn-lt"/>
+                <a:ea typeface="+mn-ea"/>
+                <a:cs typeface="+mn-cs"/>
+              </a:rPr>
+              <a:t>Second, going to show you some examples of cross-cutting concerns that you can 100% completely solve in your framework code, without requiring </a:t>
+            </a:r>
+            <a:r>
+              <a:rPr lang="en-US" sz="1200" i="1" kern="1200" dirty="0" smtClean="0">
+                <a:solidFill>
+                  <a:schemeClr val="tx1"/>
+                </a:solidFill>
+                <a:effectLst/>
+                <a:latin typeface="+mn-lt"/>
+                <a:ea typeface="+mn-ea"/>
+                <a:cs typeface="+mn-cs"/>
+              </a:rPr>
+              <a:t>any </a:t>
+            </a:r>
+            <a:r>
+              <a:rPr lang="en-US" sz="1200" kern="1200" dirty="0" smtClean="0">
+                <a:solidFill>
+                  <a:schemeClr val="tx1"/>
+                </a:solidFill>
+                <a:effectLst/>
+                <a:latin typeface="+mn-lt"/>
+                <a:ea typeface="+mn-ea"/>
+                <a:cs typeface="+mn-cs"/>
+              </a:rPr>
+              <a:t>changes to your feature code. </a:t>
+            </a:r>
+          </a:p>
+          <a:p>
+            <a:pPr marL="0" marR="0" lvl="0" indent="0" algn="l" defTabSz="914400" rtl="0" eaLnBrk="1" fontAlgn="auto" latinLnBrk="0" hangingPunct="1">
+              <a:lnSpc>
+                <a:spcPct val="100000"/>
+              </a:lnSpc>
+              <a:spcBef>
+                <a:spcPts val="0"/>
+              </a:spcBef>
+              <a:spcAft>
+                <a:spcPts val="0"/>
+              </a:spcAft>
+              <a:buClrTx/>
+              <a:buSzTx/>
+              <a:buFontTx/>
+              <a:buNone/>
+              <a:tabLst/>
+              <a:defRPr/>
+            </a:pPr>
+            <a:endParaRPr lang="en-US" sz="1200" kern="1200" dirty="0" smtClean="0">
+              <a:solidFill>
+                <a:schemeClr val="tx1"/>
+              </a:solidFill>
+              <a:effectLst/>
+              <a:latin typeface="+mn-lt"/>
+              <a:ea typeface="+mn-ea"/>
+              <a:cs typeface="+mn-cs"/>
+            </a:endParaRPr>
+          </a:p>
+          <a:p>
+            <a:pPr marL="0" marR="0" lvl="0" indent="0" algn="l" defTabSz="914400" rtl="0" eaLnBrk="1" fontAlgn="auto" latinLnBrk="0" hangingPunct="1">
+              <a:lnSpc>
+                <a:spcPct val="100000"/>
+              </a:lnSpc>
+              <a:spcBef>
+                <a:spcPts val="0"/>
+              </a:spcBef>
+              <a:spcAft>
+                <a:spcPts val="0"/>
+              </a:spcAft>
+              <a:buClrTx/>
+              <a:buSzTx/>
+              <a:buFontTx/>
+              <a:buNone/>
+              <a:tabLst/>
+              <a:defRPr/>
+            </a:pPr>
+            <a:r>
+              <a:rPr lang="en-US" sz="1200" kern="1200" dirty="0" smtClean="0">
+                <a:solidFill>
+                  <a:schemeClr val="tx1"/>
+                </a:solidFill>
+                <a:effectLst/>
+                <a:latin typeface="+mn-lt"/>
+                <a:ea typeface="+mn-ea"/>
+                <a:cs typeface="+mn-cs"/>
+              </a:rPr>
+              <a:t>Call this being “secure by default” b/c once these things are in place, it takes literally zero effort for developers to ship secure features. </a:t>
+            </a:r>
+          </a:p>
+          <a:p>
+            <a:pPr marL="0" marR="0" lvl="0" indent="0" algn="l" defTabSz="914400" rtl="0" eaLnBrk="1" fontAlgn="auto" latinLnBrk="0" hangingPunct="1">
+              <a:lnSpc>
+                <a:spcPct val="100000"/>
+              </a:lnSpc>
+              <a:spcBef>
+                <a:spcPts val="0"/>
+              </a:spcBef>
+              <a:spcAft>
+                <a:spcPts val="0"/>
+              </a:spcAft>
+              <a:buClrTx/>
+              <a:buSzTx/>
+              <a:buFontTx/>
+              <a:buNone/>
+              <a:tabLst/>
+              <a:defRPr/>
+            </a:pPr>
+            <a:endParaRPr lang="en-US" sz="1200" kern="1200" dirty="0" smtClean="0">
+              <a:solidFill>
+                <a:schemeClr val="tx1"/>
+              </a:solidFill>
+              <a:effectLst/>
+              <a:latin typeface="+mn-lt"/>
+              <a:ea typeface="+mn-ea"/>
+              <a:cs typeface="+mn-cs"/>
+            </a:endParaRPr>
+          </a:p>
+          <a:p>
+            <a:pPr marL="0" marR="0" lvl="0" indent="0" algn="l" defTabSz="914400" rtl="0" eaLnBrk="1" fontAlgn="auto" latinLnBrk="0" hangingPunct="1">
+              <a:lnSpc>
+                <a:spcPct val="100000"/>
+              </a:lnSpc>
+              <a:spcBef>
+                <a:spcPts val="0"/>
+              </a:spcBef>
+              <a:spcAft>
+                <a:spcPts val="0"/>
+              </a:spcAft>
+              <a:buClrTx/>
+              <a:buSzTx/>
+              <a:buFontTx/>
+              <a:buNone/>
+              <a:tabLst/>
+              <a:defRPr/>
+            </a:pPr>
+            <a:r>
+              <a:rPr lang="en-US" sz="1200" kern="1200" dirty="0" smtClean="0">
+                <a:solidFill>
+                  <a:schemeClr val="tx1"/>
+                </a:solidFill>
+                <a:effectLst/>
+                <a:latin typeface="+mn-lt"/>
+                <a:ea typeface="+mn-ea"/>
+                <a:cs typeface="+mn-cs"/>
+              </a:rPr>
+              <a:t>If</a:t>
+            </a:r>
+            <a:r>
+              <a:rPr lang="en-US" sz="1200" kern="1200" baseline="0" dirty="0" smtClean="0">
+                <a:solidFill>
+                  <a:schemeClr val="tx1"/>
+                </a:solidFill>
+                <a:effectLst/>
+                <a:latin typeface="+mn-lt"/>
+                <a:ea typeface="+mn-ea"/>
+                <a:cs typeface="+mn-cs"/>
+              </a:rPr>
+              <a:t> you're familiar with the phrase "pit of success", then that applies here because it actually takes more effort to be INSECURE than secure.</a:t>
+            </a:r>
+            <a:endParaRPr lang="en-US" sz="1200" kern="1200" dirty="0" smtClean="0">
+              <a:solidFill>
+                <a:schemeClr val="tx1"/>
+              </a:solidFill>
+              <a:effectLst/>
+              <a:latin typeface="+mn-lt"/>
+              <a:ea typeface="+mn-ea"/>
+              <a:cs typeface="+mn-cs"/>
+            </a:endParaRPr>
+          </a:p>
+          <a:p>
             <a:endParaRPr lang="en-US" b="0" dirty="0" smtClean="0"/>
           </a:p>
         </p:txBody>
@@ -6408,6 +9201,61 @@
           <a:bodyPr/>
           <a:lstStyle/>
           <a:p>
+            <a:pPr marL="0" marR="0" lvl="0" indent="0" algn="l" defTabSz="914400" rtl="0" eaLnBrk="1" fontAlgn="auto" latinLnBrk="0" hangingPunct="1">
+              <a:lnSpc>
+                <a:spcPct val="100000"/>
+              </a:lnSpc>
+              <a:spcBef>
+                <a:spcPts val="0"/>
+              </a:spcBef>
+              <a:spcAft>
+                <a:spcPts val="0"/>
+              </a:spcAft>
+              <a:buClrTx/>
+              <a:buSzTx/>
+              <a:buFontTx/>
+              <a:buNone/>
+              <a:tabLst/>
+              <a:defRPr/>
+            </a:pPr>
+            <a:r>
+              <a:rPr lang="en-US" sz="1200" kern="1200" dirty="0" smtClean="0">
+                <a:solidFill>
+                  <a:schemeClr val="tx1"/>
+                </a:solidFill>
+                <a:effectLst/>
+                <a:latin typeface="+mn-lt"/>
+                <a:ea typeface="+mn-ea"/>
+                <a:cs typeface="+mn-cs"/>
+              </a:rPr>
+              <a:t>Unfortunately, not everything can be made </a:t>
+            </a:r>
+            <a:r>
+              <a:rPr lang="en-US" sz="1200" i="1" kern="1200" dirty="0" smtClean="0">
+                <a:solidFill>
+                  <a:schemeClr val="tx1"/>
+                </a:solidFill>
+                <a:effectLst/>
+                <a:latin typeface="+mn-lt"/>
+                <a:ea typeface="+mn-ea"/>
+                <a:cs typeface="+mn-cs"/>
+              </a:rPr>
+              <a:t>fully </a:t>
+            </a:r>
+            <a:r>
+              <a:rPr lang="en-US" sz="1200" kern="1200" dirty="0" smtClean="0">
+                <a:solidFill>
+                  <a:schemeClr val="tx1"/>
+                </a:solidFill>
+                <a:effectLst/>
+                <a:latin typeface="+mn-lt"/>
+                <a:ea typeface="+mn-ea"/>
+                <a:cs typeface="+mn-cs"/>
+              </a:rPr>
+              <a:t>secure by default, and sometimes you’ll still need to put some sort of security code into your features. I’ll show you how a declarative approach results in better factored code that minimizes the intermingling of concerns.</a:t>
+            </a:r>
+          </a:p>
+          <a:p>
             <a:endParaRPr lang="en-US" b="0" dirty="0" smtClean="0"/>
           </a:p>
         </p:txBody>
@@ -7021,6 +9869,45 @@
           <a:bodyPr/>
           <a:lstStyle/>
           <a:p>
+            <a:r>
+              <a:rPr lang="en-US" sz="1200" kern="1200" dirty="0" smtClean="0">
+                <a:solidFill>
+                  <a:schemeClr val="tx1"/>
+                </a:solidFill>
+                <a:effectLst/>
+                <a:latin typeface="+mn-lt"/>
+                <a:ea typeface="+mn-ea"/>
+                <a:cs typeface="+mn-cs"/>
+              </a:rPr>
+              <a:t>Finally, I’ll show you some ways that you can use static analysis tools to perform a security audit, and how you could incorporate that audit into your automated testing process.</a:t>
+            </a:r>
+          </a:p>
+          <a:p>
+            <a:endParaRPr lang="en-US" sz="1200" kern="1200" dirty="0" smtClean="0">
+              <a:solidFill>
+                <a:schemeClr val="tx1"/>
+              </a:solidFill>
+              <a:effectLst/>
+              <a:latin typeface="+mn-lt"/>
+              <a:ea typeface="+mn-ea"/>
+              <a:cs typeface="+mn-cs"/>
+            </a:endParaRPr>
+          </a:p>
+          <a:p>
+            <a:r>
+              <a:rPr lang="en-US" sz="1200" kern="1200" dirty="0" smtClean="0">
+                <a:solidFill>
+                  <a:schemeClr val="tx1"/>
+                </a:solidFill>
+                <a:effectLst/>
+                <a:latin typeface="+mn-lt"/>
+                <a:ea typeface="+mn-ea"/>
+                <a:cs typeface="+mn-cs"/>
+              </a:rPr>
+              <a:t>Code samples in this talk are in .NET and JS, because that’s what I’m familiar with. However, many of the techniques I’ll show you have parallels in other languages and platforms as well, so the general ideas should be portable even if the specific code samples are not.</a:t>
+            </a:r>
+          </a:p>
+          <a:p>
             <a:endParaRPr lang="en-US" b="0" dirty="0" smtClean="0"/>
           </a:p>
         </p:txBody>
@@ -7104,6 +9991,70 @@
         <p:txBody>
           <a:bodyPr/>
           <a:lstStyle/>
+          <a:p>
+            <a:r>
+              <a:rPr lang="en-US" sz="1200" kern="1200" dirty="0" smtClean="0">
+                <a:solidFill>
+                  <a:schemeClr val="tx1"/>
+                </a:solidFill>
+                <a:effectLst/>
+                <a:latin typeface="+mn-lt"/>
+                <a:ea typeface="+mn-ea"/>
+                <a:cs typeface="+mn-cs"/>
+              </a:rPr>
+              <a:t>The main point of this talk is the idea of pulling cross cutting concerns out of your feature code and pushing them down into your framework.</a:t>
+            </a:r>
+          </a:p>
+          <a:p>
+            <a:endParaRPr lang="en-US" sz="1200" kern="1200" dirty="0" smtClean="0">
+              <a:solidFill>
+                <a:schemeClr val="tx1"/>
+              </a:solidFill>
+              <a:effectLst/>
+              <a:latin typeface="+mn-lt"/>
+              <a:ea typeface="+mn-ea"/>
+              <a:cs typeface="+mn-cs"/>
+            </a:endParaRPr>
+          </a:p>
+          <a:p>
+            <a:r>
+              <a:rPr lang="en-US" sz="1200" kern="1200" dirty="0" smtClean="0">
+                <a:solidFill>
+                  <a:schemeClr val="tx1"/>
+                </a:solidFill>
+                <a:effectLst/>
+                <a:latin typeface="+mn-lt"/>
+                <a:ea typeface="+mn-ea"/>
+                <a:cs typeface="+mn-cs"/>
+              </a:rPr>
+              <a:t>Before I show any code, let me define those terms a little better.</a:t>
+            </a:r>
+          </a:p>
+          <a:p>
+            <a:endParaRPr lang="en-US" sz="1200" kern="1200" dirty="0" smtClean="0">
+              <a:solidFill>
+                <a:schemeClr val="tx1"/>
+              </a:solidFill>
+              <a:effectLst/>
+              <a:latin typeface="+mn-lt"/>
+              <a:ea typeface="+mn-ea"/>
+              <a:cs typeface="+mn-cs"/>
+            </a:endParaRPr>
+          </a:p>
+          <a:p>
+            <a:r>
+              <a:rPr lang="en-US" sz="1200" kern="1200" dirty="0" smtClean="0">
+                <a:solidFill>
+                  <a:schemeClr val="tx1"/>
+                </a:solidFill>
+                <a:effectLst/>
+                <a:latin typeface="+mn-lt"/>
+                <a:ea typeface="+mn-ea"/>
+                <a:cs typeface="+mn-cs"/>
+              </a:rPr>
+              <a:t>When I talk about “framework level code”, referring to any code that leverages hooks in an underlying system or library so that it can be automatically executed at a specific time. </a:t>
+            </a:r>
+          </a:p>
           <a:p>
             <a:endParaRPr lang="en-US" b="0" dirty="0" smtClean="0"/>
           </a:p>
@@ -7276,7 +10227,7 @@
           <a:p>
             <a:fld id="{75AA6396-395E-4ADA-8EE5-F328BC863A04}" type="datetimeFigureOut">
               <a:rPr lang="en-US" smtClean="0"/>
-              <a:t>1/8/2017</a:t>
+              <a:t>1/10/2017</a:t>
             </a:fld>
             <a:endParaRPr lang="en-US"/>
           </a:p>
@@ -7453,7 +10404,7 @@
           <a:p>
             <a:fld id="{75AA6396-395E-4ADA-8EE5-F328BC863A04}" type="datetimeFigureOut">
               <a:rPr lang="en-US" smtClean="0"/>
-              <a:t>1/8/2017</a:t>
+              <a:t>1/10/2017</a:t>
             </a:fld>
             <a:endParaRPr lang="en-US"/>
           </a:p>
@@ -7633,7 +10584,7 @@
           <a:p>
             <a:fld id="{75AA6396-395E-4ADA-8EE5-F328BC863A04}" type="datetimeFigureOut">
               <a:rPr lang="en-US" smtClean="0"/>
-              <a:t>1/8/2017</a:t>
+              <a:t>1/10/2017</a:t>
             </a:fld>
             <a:endParaRPr lang="en-US"/>
           </a:p>
@@ -7853,7 +10804,7 @@
           <a:p>
             <a:fld id="{75AA6396-395E-4ADA-8EE5-F328BC863A04}" type="datetimeFigureOut">
               <a:rPr lang="en-US" smtClean="0"/>
-              <a:t>1/8/2017</a:t>
+              <a:t>1/10/2017</a:t>
             </a:fld>
             <a:endParaRPr lang="en-US"/>
           </a:p>
@@ -8106,7 +11057,7 @@
           <a:p>
             <a:fld id="{75AA6396-395E-4ADA-8EE5-F328BC863A04}" type="datetimeFigureOut">
               <a:rPr lang="en-US" smtClean="0"/>
-              <a:t>1/8/2017</a:t>
+              <a:t>1/10/2017</a:t>
             </a:fld>
             <a:endParaRPr lang="en-US"/>
           </a:p>
@@ -8345,7 +11296,7 @@
           <a:p>
             <a:fld id="{75AA6396-395E-4ADA-8EE5-F328BC863A04}" type="datetimeFigureOut">
               <a:rPr lang="en-US" smtClean="0"/>
-              <a:t>1/8/2017</a:t>
+              <a:t>1/10/2017</a:t>
             </a:fld>
             <a:endParaRPr lang="en-US"/>
           </a:p>
@@ -8719,7 +11670,7 @@
           <a:p>
             <a:fld id="{75AA6396-395E-4ADA-8EE5-F328BC863A04}" type="datetimeFigureOut">
               <a:rPr lang="en-US" smtClean="0"/>
-              <a:t>1/8/2017</a:t>
+              <a:t>1/10/2017</a:t>
             </a:fld>
             <a:endParaRPr lang="en-US"/>
           </a:p>
@@ -8837,7 +11788,7 @@
           <a:p>
             <a:fld id="{75AA6396-395E-4ADA-8EE5-F328BC863A04}" type="datetimeFigureOut">
               <a:rPr lang="en-US" smtClean="0"/>
-              <a:t>1/8/2017</a:t>
+              <a:t>1/10/2017</a:t>
             </a:fld>
             <a:endParaRPr lang="en-US"/>
           </a:p>
@@ -8932,7 +11883,7 @@
           <a:p>
             <a:fld id="{75AA6396-395E-4ADA-8EE5-F328BC863A04}" type="datetimeFigureOut">
               <a:rPr lang="en-US" smtClean="0"/>
-              <a:t>1/8/2017</a:t>
+              <a:t>1/10/2017</a:t>
             </a:fld>
             <a:endParaRPr lang="en-US"/>
           </a:p>
@@ -9209,7 +12160,7 @@
           <a:p>
             <a:fld id="{75AA6396-395E-4ADA-8EE5-F328BC863A04}" type="datetimeFigureOut">
               <a:rPr lang="en-US" smtClean="0"/>
-              <a:t>1/8/2017</a:t>
+              <a:t>1/10/2017</a:t>
             </a:fld>
             <a:endParaRPr lang="en-US"/>
           </a:p>
@@ -9462,7 +12413,7 @@
           <a:p>
             <a:fld id="{75AA6396-395E-4ADA-8EE5-F328BC863A04}" type="datetimeFigureOut">
               <a:rPr lang="en-US" smtClean="0"/>
-              <a:t>1/8/2017</a:t>
+              <a:t>1/10/2017</a:t>
             </a:fld>
             <a:endParaRPr lang="en-US"/>
           </a:p>
@@ -9675,7 +12626,7 @@
           <a:p>
             <a:fld id="{75AA6396-395E-4ADA-8EE5-F328BC863A04}" type="datetimeFigureOut">
               <a:rPr lang="en-US" smtClean="0"/>
-              <a:t>1/8/2017</a:t>
+              <a:t>1/10/2017</a:t>
             </a:fld>
             <a:endParaRPr lang="en-US"/>
           </a:p>
@@ -10752,7 +13703,15 @@
             </a:pPr>
             <a:r>
               <a:rPr lang="en-US" sz="2800" dirty="0" smtClean="0"/>
-              <a:t>Users with the "Manage Orders" permission see all Orders</a:t>
+              <a:t>Users </a:t>
+            </a:r>
+            <a:r>
+              <a:rPr lang="en-US" sz="2800" dirty="0" smtClean="0"/>
+              <a:t>only see their own Orders…</a:t>
+            </a:r>
+            <a:r>
+              <a:rPr lang="en-US" sz="2800" dirty="0" smtClean="0"/>
+              <a:t/>
             </a:r>
             <a:br>
               <a:rPr lang="en-US" sz="2800" dirty="0" smtClean="0"/>
@@ -10765,7 +13724,7 @@
             </a:pPr>
             <a:r>
               <a:rPr lang="en-US" sz="2800" dirty="0" smtClean="0"/>
-              <a:t>Everyone else sees only their own Orders</a:t>
+              <a:t>… unless they have "Manage Orders" permission, and can see everything</a:t>
             </a:r>
             <a:endParaRPr lang="en-US" sz="2800" dirty="0"/>
           </a:p>
@@ -13270,7 +16229,7 @@
       </p:sp>
       <p:pic>
         <p:nvPicPr>
-          <p:cNvPr id="4" name="Picture 3"/>
+          <p:cNvPr id="5" name="Picture 4"/>
           <p:cNvPicPr>
             <a:picLocks noChangeAspect="1"/>
           </p:cNvPicPr>
@@ -13284,8 +16243,8 @@
         </p:blipFill>
         <p:spPr>
           <a:xfrm>
-            <a:off x="218981" y="2354365"/>
-            <a:ext cx="11754038" cy="3323764"/>
+            <a:off x="634928" y="2329057"/>
+            <a:ext cx="11490728" cy="3249809"/>
           </a:xfrm>
           <a:prstGeom prst="rect">
             <a:avLst/>

--- a/Secure Systems - CodeMash 2017.pptx
+++ b/Secure Systems - CodeMash 2017.pptx
@@ -5,7 +5,7 @@
     <p:sldMasterId id="2147483749" r:id="rId1"/>
   </p:sldMasterIdLst>
   <p:notesMasterIdLst>
-    <p:notesMasterId r:id="rId77"/>
+    <p:notesMasterId r:id="rId76"/>
   </p:notesMasterIdLst>
   <p:sldIdLst>
     <p:sldId id="395" r:id="rId2"/>
@@ -42,47 +42,46 @@
     <p:sldId id="526" r:id="rId33"/>
     <p:sldId id="540" r:id="rId34"/>
     <p:sldId id="500" r:id="rId35"/>
-    <p:sldId id="553" r:id="rId36"/>
-    <p:sldId id="574" r:id="rId37"/>
-    <p:sldId id="573" r:id="rId38"/>
-    <p:sldId id="575" r:id="rId39"/>
-    <p:sldId id="534" r:id="rId40"/>
-    <p:sldId id="505" r:id="rId41"/>
-    <p:sldId id="535" r:id="rId42"/>
-    <p:sldId id="576" r:id="rId43"/>
-    <p:sldId id="507" r:id="rId44"/>
-    <p:sldId id="536" r:id="rId45"/>
-    <p:sldId id="580" r:id="rId46"/>
-    <p:sldId id="538" r:id="rId47"/>
-    <p:sldId id="539" r:id="rId48"/>
-    <p:sldId id="577" r:id="rId49"/>
-    <p:sldId id="537" r:id="rId50"/>
-    <p:sldId id="551" r:id="rId51"/>
-    <p:sldId id="552" r:id="rId52"/>
-    <p:sldId id="581" r:id="rId53"/>
-    <p:sldId id="501" r:id="rId54"/>
-    <p:sldId id="529" r:id="rId55"/>
-    <p:sldId id="546" r:id="rId56"/>
-    <p:sldId id="502" r:id="rId57"/>
-    <p:sldId id="503" r:id="rId58"/>
-    <p:sldId id="584" r:id="rId59"/>
-    <p:sldId id="586" r:id="rId60"/>
-    <p:sldId id="531" r:id="rId61"/>
-    <p:sldId id="585" r:id="rId62"/>
-    <p:sldId id="554" r:id="rId63"/>
-    <p:sldId id="530" r:id="rId64"/>
-    <p:sldId id="555" r:id="rId65"/>
-    <p:sldId id="556" r:id="rId66"/>
-    <p:sldId id="557" r:id="rId67"/>
-    <p:sldId id="558" r:id="rId68"/>
-    <p:sldId id="559" r:id="rId69"/>
-    <p:sldId id="564" r:id="rId70"/>
-    <p:sldId id="561" r:id="rId71"/>
-    <p:sldId id="565" r:id="rId72"/>
-    <p:sldId id="566" r:id="rId73"/>
-    <p:sldId id="568" r:id="rId74"/>
-    <p:sldId id="588" r:id="rId75"/>
-    <p:sldId id="587" r:id="rId76"/>
+    <p:sldId id="573" r:id="rId36"/>
+    <p:sldId id="553" r:id="rId37"/>
+    <p:sldId id="574" r:id="rId38"/>
+    <p:sldId id="534" r:id="rId39"/>
+    <p:sldId id="505" r:id="rId40"/>
+    <p:sldId id="535" r:id="rId41"/>
+    <p:sldId id="576" r:id="rId42"/>
+    <p:sldId id="507" r:id="rId43"/>
+    <p:sldId id="536" r:id="rId44"/>
+    <p:sldId id="580" r:id="rId45"/>
+    <p:sldId id="538" r:id="rId46"/>
+    <p:sldId id="539" r:id="rId47"/>
+    <p:sldId id="577" r:id="rId48"/>
+    <p:sldId id="537" r:id="rId49"/>
+    <p:sldId id="551" r:id="rId50"/>
+    <p:sldId id="552" r:id="rId51"/>
+    <p:sldId id="581" r:id="rId52"/>
+    <p:sldId id="501" r:id="rId53"/>
+    <p:sldId id="529" r:id="rId54"/>
+    <p:sldId id="546" r:id="rId55"/>
+    <p:sldId id="502" r:id="rId56"/>
+    <p:sldId id="503" r:id="rId57"/>
+    <p:sldId id="584" r:id="rId58"/>
+    <p:sldId id="586" r:id="rId59"/>
+    <p:sldId id="531" r:id="rId60"/>
+    <p:sldId id="585" r:id="rId61"/>
+    <p:sldId id="554" r:id="rId62"/>
+    <p:sldId id="530" r:id="rId63"/>
+    <p:sldId id="555" r:id="rId64"/>
+    <p:sldId id="556" r:id="rId65"/>
+    <p:sldId id="557" r:id="rId66"/>
+    <p:sldId id="558" r:id="rId67"/>
+    <p:sldId id="559" r:id="rId68"/>
+    <p:sldId id="564" r:id="rId69"/>
+    <p:sldId id="561" r:id="rId70"/>
+    <p:sldId id="565" r:id="rId71"/>
+    <p:sldId id="566" r:id="rId72"/>
+    <p:sldId id="568" r:id="rId73"/>
+    <p:sldId id="588" r:id="rId74"/>
+    <p:sldId id="587" r:id="rId75"/>
   </p:sldIdLst>
   <p:sldSz cx="12192000" cy="6858000"/>
   <p:notesSz cx="6858000" cy="9144000"/>
@@ -755,6 +754,64 @@
           </a:p>
           <a:p>
             <a:r>
+              <a:rPr lang="en-US" sz="1200" kern="1200" dirty="0" err="1" smtClean="0">
+                <a:solidFill>
+                  <a:schemeClr val="tx1"/>
+                </a:solidFill>
+                <a:effectLst/>
+                <a:latin typeface="+mn-lt"/>
+                <a:ea typeface="+mn-ea"/>
+                <a:cs typeface="+mn-cs"/>
+              </a:rPr>
+              <a:t>ASP.Net</a:t>
+            </a:r>
+            <a:r>
+              <a:rPr lang="en-US" sz="1200" kern="1200" dirty="0" smtClean="0">
+                <a:solidFill>
+                  <a:schemeClr val="tx1"/>
+                </a:solidFill>
+                <a:effectLst/>
+                <a:latin typeface="+mn-lt"/>
+                <a:ea typeface="+mn-ea"/>
+                <a:cs typeface="+mn-cs"/>
+              </a:rPr>
+              <a:t> HTTP</a:t>
+            </a:r>
+            <a:r>
+              <a:rPr lang="en-US" sz="1200" kern="1200" baseline="0" dirty="0" smtClean="0">
+                <a:solidFill>
+                  <a:schemeClr val="tx1"/>
+                </a:solidFill>
+                <a:effectLst/>
+                <a:latin typeface="+mn-lt"/>
+                <a:ea typeface="+mn-ea"/>
+                <a:cs typeface="+mn-cs"/>
+              </a:rPr>
+              <a:t> Modules let you tap into the entire ASPNET request pipeline</a:t>
+            </a:r>
+            <a:endParaRPr lang="en-US" sz="1200" kern="1200" dirty="0" smtClean="0">
+              <a:solidFill>
+                <a:schemeClr val="tx1"/>
+              </a:solidFill>
+              <a:effectLst/>
+              <a:latin typeface="+mn-lt"/>
+              <a:ea typeface="+mn-ea"/>
+              <a:cs typeface="+mn-cs"/>
+            </a:endParaRPr>
+          </a:p>
+          <a:p>
+            <a:endParaRPr lang="en-US" sz="1200" kern="1200" dirty="0" smtClean="0">
+              <a:solidFill>
+                <a:schemeClr val="tx1"/>
+              </a:solidFill>
+              <a:effectLst/>
+              <a:latin typeface="+mn-lt"/>
+              <a:ea typeface="+mn-ea"/>
+              <a:cs typeface="+mn-cs"/>
+            </a:endParaRPr>
+          </a:p>
+          <a:p>
+            <a:r>
               <a:rPr lang="en-US" sz="1200" kern="1200" dirty="0" smtClean="0">
                 <a:solidFill>
                   <a:schemeClr val="tx1"/>
@@ -4603,7 +4660,7 @@
             </a:r>
           </a:p>
           <a:p>
-            <a:endParaRPr lang="en-US" sz="1200" kern="1200" smtClean="0">
+            <a:endParaRPr lang="en-US" sz="1200" kern="1200" dirty="0" smtClean="0">
               <a:solidFill>
                 <a:schemeClr val="tx1"/>
               </a:solidFill>
@@ -4615,7 +4672,7 @@
           </a:p>
           <a:p>
             <a:r>
-              <a:rPr lang="en-US" sz="1200" kern="1200" smtClean="0">
+              <a:rPr lang="en-US" sz="1200" kern="1200" dirty="0" smtClean="0">
                 <a:solidFill>
                   <a:schemeClr val="tx1"/>
                 </a:solidFill>
@@ -4624,19 +4681,7 @@
                 <a:ea typeface="+mn-ea"/>
                 <a:cs typeface="+mn-cs"/>
               </a:rPr>
-              <a:t>Hooking </a:t>
-            </a:r>
-            <a:r>
-              <a:rPr lang="en-US" sz="1200" kern="1200" dirty="0" smtClean="0">
-                <a:solidFill>
-                  <a:schemeClr val="tx1"/>
-                </a:solidFill>
-                <a:effectLst/>
-                <a:latin typeface="+mn-lt"/>
-                <a:ea typeface="+mn-ea"/>
-                <a:cs typeface="+mn-cs"/>
-              </a:rPr>
-              <a:t>into the </a:t>
+              <a:t>Hooking into the </a:t>
             </a:r>
             <a:r>
               <a:rPr lang="en-US" sz="1200" kern="1200" dirty="0" err="1" smtClean="0">
@@ -5021,6 +5066,93 @@
           <a:bodyPr/>
           <a:lstStyle/>
           <a:p>
+            <a:r>
+              <a:rPr lang="en-US" sz="1200" kern="1200" dirty="0" smtClean="0">
+                <a:solidFill>
+                  <a:schemeClr val="tx1"/>
+                </a:solidFill>
+                <a:effectLst/>
+                <a:latin typeface="+mn-lt"/>
+                <a:ea typeface="+mn-ea"/>
+                <a:cs typeface="+mn-cs"/>
+              </a:rPr>
+              <a:t>Finally, we need to run the token validation logic automatically for all form post actions. We can do that by creating a custom controller class and overriding the </a:t>
+            </a:r>
+            <a:r>
+              <a:rPr lang="en-US" sz="1200" kern="1200" dirty="0" err="1" smtClean="0">
+                <a:solidFill>
+                  <a:schemeClr val="tx1"/>
+                </a:solidFill>
+                <a:effectLst/>
+                <a:latin typeface="+mn-lt"/>
+                <a:ea typeface="+mn-ea"/>
+                <a:cs typeface="+mn-cs"/>
+              </a:rPr>
+              <a:t>OnActionExecuting</a:t>
+            </a:r>
+            <a:r>
+              <a:rPr lang="en-US" sz="1200" kern="1200" dirty="0" smtClean="0">
+                <a:solidFill>
+                  <a:schemeClr val="tx1"/>
+                </a:solidFill>
+                <a:effectLst/>
+                <a:latin typeface="+mn-lt"/>
+                <a:ea typeface="+mn-ea"/>
+                <a:cs typeface="+mn-cs"/>
+              </a:rPr>
+              <a:t> method. The code that we put here will run on every single request, so if that request is a form post then we run the token verification logic.</a:t>
+            </a:r>
+          </a:p>
+          <a:p>
+            <a:endParaRPr lang="en-US" sz="1200" kern="1200" dirty="0" smtClean="0">
+              <a:solidFill>
+                <a:schemeClr val="tx1"/>
+              </a:solidFill>
+              <a:effectLst/>
+              <a:latin typeface="+mn-lt"/>
+              <a:ea typeface="+mn-ea"/>
+              <a:cs typeface="+mn-cs"/>
+            </a:endParaRPr>
+          </a:p>
+          <a:p>
+            <a:r>
+              <a:rPr lang="en-US" sz="1200" kern="1200" dirty="0" smtClean="0">
+                <a:solidFill>
+                  <a:schemeClr val="tx1"/>
+                </a:solidFill>
+                <a:effectLst/>
+                <a:latin typeface="+mn-lt"/>
+                <a:ea typeface="+mn-ea"/>
+                <a:cs typeface="+mn-cs"/>
+              </a:rPr>
+              <a:t>The </a:t>
+            </a:r>
+            <a:r>
+              <a:rPr lang="en-US" sz="1200" i="1" kern="1200" dirty="0" smtClean="0">
+                <a:solidFill>
+                  <a:schemeClr val="tx1"/>
+                </a:solidFill>
+                <a:effectLst/>
+                <a:latin typeface="+mn-lt"/>
+                <a:ea typeface="+mn-ea"/>
+                <a:cs typeface="+mn-cs"/>
+              </a:rPr>
+              <a:t>only thing </a:t>
+            </a:r>
+            <a:r>
+              <a:rPr lang="en-US" sz="1200" kern="1200" dirty="0" smtClean="0">
+                <a:solidFill>
+                  <a:schemeClr val="tx1"/>
+                </a:solidFill>
+                <a:effectLst/>
+                <a:latin typeface="+mn-lt"/>
+                <a:ea typeface="+mn-ea"/>
+                <a:cs typeface="+mn-cs"/>
+              </a:rPr>
+              <a:t>the developer has to do is derive their controller from the correct base class. As long as they do that, everything is handled automatically.</a:t>
+            </a:r>
+          </a:p>
+          <a:p>
             <a:endParaRPr lang="en-US" b="0" dirty="0" smtClean="0"/>
           </a:p>
         </p:txBody>
@@ -5105,6 +5237,37 @@
           <a:bodyPr/>
           <a:lstStyle/>
           <a:p>
+            <a:pPr marL="0" marR="0" lvl="0" indent="0" algn="l" defTabSz="914400" rtl="0" eaLnBrk="1" fontAlgn="auto" latinLnBrk="0" hangingPunct="1">
+              <a:lnSpc>
+                <a:spcPct val="100000"/>
+              </a:lnSpc>
+              <a:spcBef>
+                <a:spcPts val="0"/>
+              </a:spcBef>
+              <a:spcAft>
+                <a:spcPts val="0"/>
+              </a:spcAft>
+              <a:buClrTx/>
+              <a:buSzTx/>
+              <a:buFontTx/>
+              <a:buNone/>
+              <a:tabLst/>
+              <a:defRPr/>
+            </a:pPr>
+            <a:r>
+              <a:rPr lang="en-US" sz="1200" kern="1200" dirty="0" smtClean="0">
+                <a:solidFill>
+                  <a:schemeClr val="tx1"/>
+                </a:solidFill>
+                <a:effectLst/>
+                <a:latin typeface="+mn-lt"/>
+                <a:ea typeface="+mn-ea"/>
+                <a:cs typeface="+mn-cs"/>
+              </a:rPr>
+              <a:t>Here’s what the feature level code looks like when we’re done. This is 100% business logic, and yet every single form post is still protected from cross site request forgery attacks.</a:t>
+            </a:r>
+          </a:p>
+          <a:p>
             <a:endParaRPr lang="en-US" b="0" dirty="0" smtClean="0"/>
           </a:p>
         </p:txBody>
@@ -5189,6 +5352,45 @@
           <a:bodyPr/>
           <a:lstStyle/>
           <a:p>
+            <a:r>
+              <a:rPr lang="en-US" sz="1200" kern="1200" dirty="0" smtClean="0">
+                <a:solidFill>
+                  <a:schemeClr val="tx1"/>
+                </a:solidFill>
+                <a:effectLst/>
+                <a:latin typeface="+mn-lt"/>
+                <a:ea typeface="+mn-ea"/>
+                <a:cs typeface="+mn-cs"/>
+              </a:rPr>
+              <a:t>And here’s what it looks like for an AJAX POST. Again, it’s 100% business logic, yet still protected.</a:t>
+            </a:r>
+          </a:p>
+          <a:p>
+            <a:endParaRPr lang="en-US" sz="1200" kern="1200" dirty="0" smtClean="0">
+              <a:solidFill>
+                <a:schemeClr val="tx1"/>
+              </a:solidFill>
+              <a:effectLst/>
+              <a:latin typeface="+mn-lt"/>
+              <a:ea typeface="+mn-ea"/>
+              <a:cs typeface="+mn-cs"/>
+            </a:endParaRPr>
+          </a:p>
+          <a:p>
+            <a:r>
+              <a:rPr lang="en-US" sz="1200" kern="1200" dirty="0" smtClean="0">
+                <a:solidFill>
+                  <a:schemeClr val="tx1"/>
+                </a:solidFill>
+                <a:effectLst/>
+                <a:latin typeface="+mn-lt"/>
+                <a:ea typeface="+mn-ea"/>
+                <a:cs typeface="+mn-cs"/>
+              </a:rPr>
+              <a:t>CSRF defense is a great example of a cross-cutting concern because it’s orthogonal to individual feature requirements, it applies globally to the whole system, and it’s pretty easy to make it “secure by default”.</a:t>
+            </a:r>
+          </a:p>
+          <a:p>
             <a:endParaRPr lang="en-US" b="0" dirty="0" smtClean="0"/>
           </a:p>
         </p:txBody>
@@ -5273,6 +5475,45 @@
           <a:bodyPr/>
           <a:lstStyle/>
           <a:p>
+            <a:r>
+              <a:rPr lang="en-US" sz="1200" kern="1200" dirty="0" smtClean="0">
+                <a:solidFill>
+                  <a:schemeClr val="tx1"/>
+                </a:solidFill>
+                <a:effectLst/>
+                <a:latin typeface="+mn-lt"/>
+                <a:ea typeface="+mn-ea"/>
+                <a:cs typeface="+mn-cs"/>
+              </a:rPr>
+              <a:t>My next example of making a feature “secure by default” deals with Authentication, or specifically with preventing anonymous access to protected areas of your site.</a:t>
+            </a:r>
+          </a:p>
+          <a:p>
+            <a:endParaRPr lang="en-US" sz="1200" kern="1200" dirty="0" smtClean="0">
+              <a:solidFill>
+                <a:schemeClr val="tx1"/>
+              </a:solidFill>
+              <a:effectLst/>
+              <a:latin typeface="+mn-lt"/>
+              <a:ea typeface="+mn-ea"/>
+              <a:cs typeface="+mn-cs"/>
+            </a:endParaRPr>
+          </a:p>
+          <a:p>
+            <a:r>
+              <a:rPr lang="en-US" sz="1200" kern="1200" dirty="0" smtClean="0">
+                <a:solidFill>
+                  <a:schemeClr val="tx1"/>
+                </a:solidFill>
+                <a:effectLst/>
+                <a:latin typeface="+mn-lt"/>
+                <a:ea typeface="+mn-ea"/>
+                <a:cs typeface="+mn-cs"/>
+              </a:rPr>
+              <a:t>Most web frameworks make this fairly easy to do.</a:t>
+            </a:r>
+          </a:p>
+          <a:p>
             <a:pPr marL="0" marR="0" indent="0" algn="l" defTabSz="914400" rtl="0" eaLnBrk="1" fontAlgn="auto" latinLnBrk="0" hangingPunct="1">
               <a:lnSpc>
                 <a:spcPct val="100000"/>
@@ -5382,6 +5623,95 @@
           <a:bodyPr/>
           <a:lstStyle/>
           <a:p>
+            <a:r>
+              <a:rPr lang="en-US" sz="1200" kern="1200" dirty="0" smtClean="0">
+                <a:solidFill>
+                  <a:schemeClr val="tx1"/>
+                </a:solidFill>
+                <a:effectLst/>
+                <a:latin typeface="+mn-lt"/>
+                <a:ea typeface="+mn-ea"/>
+                <a:cs typeface="+mn-cs"/>
+              </a:rPr>
+              <a:t>In ASPNET MVC, for instance, you can add the [Authorize] attribute to an Action and it will automatically redirect users to the login page if they aren’t logged in.</a:t>
+            </a:r>
+          </a:p>
+          <a:p>
+            <a:endParaRPr lang="en-US" sz="1200" kern="1200" dirty="0" smtClean="0">
+              <a:solidFill>
+                <a:schemeClr val="tx1"/>
+              </a:solidFill>
+              <a:effectLst/>
+              <a:latin typeface="+mn-lt"/>
+              <a:ea typeface="+mn-ea"/>
+              <a:cs typeface="+mn-cs"/>
+            </a:endParaRPr>
+          </a:p>
+          <a:p>
+            <a:r>
+              <a:rPr lang="en-US" sz="1200" kern="1200" dirty="0" smtClean="0">
+                <a:solidFill>
+                  <a:schemeClr val="tx1"/>
+                </a:solidFill>
+                <a:effectLst/>
+                <a:latin typeface="+mn-lt"/>
+                <a:ea typeface="+mn-ea"/>
+                <a:cs typeface="+mn-cs"/>
+              </a:rPr>
+              <a:t>I don’t like using this though, because it represents a “public by default” model where any given MVC endpoint is accessible anonymously unless it is explicitly flagged as private. I tend to work on applications where the vast majority of resources are private, and only a specific few are public, so I want a “private by default” model instead.</a:t>
+            </a:r>
+          </a:p>
+          <a:p>
+            <a:endParaRPr lang="en-US" sz="1200" kern="1200" dirty="0" smtClean="0">
+              <a:solidFill>
+                <a:schemeClr val="tx1"/>
+              </a:solidFill>
+              <a:effectLst/>
+              <a:latin typeface="+mn-lt"/>
+              <a:ea typeface="+mn-ea"/>
+              <a:cs typeface="+mn-cs"/>
+            </a:endParaRPr>
+          </a:p>
+          <a:p>
+            <a:r>
+              <a:rPr lang="en-US" sz="1200" kern="1200" dirty="0" smtClean="0">
+                <a:solidFill>
+                  <a:schemeClr val="tx1"/>
+                </a:solidFill>
+                <a:effectLst/>
+                <a:latin typeface="+mn-lt"/>
+                <a:ea typeface="+mn-ea"/>
+                <a:cs typeface="+mn-cs"/>
+              </a:rPr>
+              <a:t>One way to build a “private by default” model is to create a custom HTTP Module that runs on every request and enforces a login, unless the URL matches a whitelist of endpoints that allow anonymous access.</a:t>
+            </a:r>
+          </a:p>
+          <a:p>
+            <a:endParaRPr lang="en-US" sz="1200" kern="1200" dirty="0" smtClean="0">
+              <a:solidFill>
+                <a:schemeClr val="tx1"/>
+              </a:solidFill>
+              <a:effectLst/>
+              <a:latin typeface="+mn-lt"/>
+              <a:ea typeface="+mn-ea"/>
+              <a:cs typeface="+mn-cs"/>
+            </a:endParaRPr>
+          </a:p>
+          <a:p>
+            <a:r>
+              <a:rPr lang="en-US" sz="1200" kern="1200" dirty="0" smtClean="0">
+                <a:solidFill>
+                  <a:schemeClr val="tx1"/>
+                </a:solidFill>
+                <a:effectLst/>
+                <a:latin typeface="+mn-lt"/>
+                <a:ea typeface="+mn-ea"/>
+                <a:cs typeface="+mn-cs"/>
+              </a:rPr>
+              <a:t>This is actually really easy to do.</a:t>
+            </a:r>
+          </a:p>
+          <a:p>
             <a:endParaRPr lang="en-US" b="0" dirty="0" smtClean="0"/>
           </a:p>
         </p:txBody>
@@ -5466,6 +5796,191 @@
           <a:bodyPr/>
           <a:lstStyle/>
           <a:p>
+            <a:r>
+              <a:rPr lang="en-US" sz="1200" kern="1200" dirty="0" smtClean="0">
+                <a:solidFill>
+                  <a:schemeClr val="tx1"/>
+                </a:solidFill>
+                <a:effectLst/>
+                <a:latin typeface="+mn-lt"/>
+                <a:ea typeface="+mn-ea"/>
+                <a:cs typeface="+mn-cs"/>
+              </a:rPr>
+              <a:t>First, we need some place to manage that whitelist. Since our goal is to require zero changes to the feature code, I like to use a custom section of </a:t>
+            </a:r>
+            <a:r>
+              <a:rPr lang="en-US" sz="1200" kern="1200" dirty="0" err="1" smtClean="0">
+                <a:solidFill>
+                  <a:schemeClr val="tx1"/>
+                </a:solidFill>
+                <a:effectLst/>
+                <a:latin typeface="+mn-lt"/>
+                <a:ea typeface="+mn-ea"/>
+                <a:cs typeface="+mn-cs"/>
+              </a:rPr>
+              <a:t>web.config</a:t>
+            </a:r>
+            <a:r>
+              <a:rPr lang="en-US" sz="1200" kern="1200" dirty="0" smtClean="0">
+                <a:solidFill>
+                  <a:schemeClr val="tx1"/>
+                </a:solidFill>
+                <a:effectLst/>
+                <a:latin typeface="+mn-lt"/>
+                <a:ea typeface="+mn-ea"/>
+                <a:cs typeface="+mn-cs"/>
+              </a:rPr>
+              <a:t> to do this. That way I don’t need to make any changes at all to the controllers themselves.</a:t>
+            </a:r>
+          </a:p>
+          <a:p>
+            <a:endParaRPr lang="en-US" sz="1200" kern="1200" dirty="0" smtClean="0">
+              <a:solidFill>
+                <a:schemeClr val="tx1"/>
+              </a:solidFill>
+              <a:effectLst/>
+              <a:latin typeface="+mn-lt"/>
+              <a:ea typeface="+mn-ea"/>
+              <a:cs typeface="+mn-cs"/>
+            </a:endParaRPr>
+          </a:p>
+          <a:p>
+            <a:r>
+              <a:rPr lang="en-US" sz="1200" kern="1200" dirty="0" smtClean="0">
+                <a:solidFill>
+                  <a:schemeClr val="tx1"/>
+                </a:solidFill>
+                <a:effectLst/>
+                <a:latin typeface="+mn-lt"/>
+                <a:ea typeface="+mn-ea"/>
+                <a:cs typeface="+mn-cs"/>
+              </a:rPr>
+              <a:t>Now, it’s important to note that HTTP Modules run for EVERY request, not just ones that get routed into MVC. That means that our whitelist needs to include static resources, such as stylesheets or scripts, that we want to use on our login page. </a:t>
+            </a:r>
+          </a:p>
+          <a:p>
+            <a:endParaRPr lang="en-US" sz="1200" kern="1200" dirty="0" smtClean="0">
+              <a:solidFill>
+                <a:schemeClr val="tx1"/>
+              </a:solidFill>
+              <a:effectLst/>
+              <a:latin typeface="+mn-lt"/>
+              <a:ea typeface="+mn-ea"/>
+              <a:cs typeface="+mn-cs"/>
+            </a:endParaRPr>
+          </a:p>
+          <a:p>
+            <a:r>
+              <a:rPr lang="en-US" sz="1200" kern="1200" dirty="0" smtClean="0">
+                <a:solidFill>
+                  <a:schemeClr val="tx1"/>
+                </a:solidFill>
+                <a:effectLst/>
+                <a:latin typeface="+mn-lt"/>
+                <a:ea typeface="+mn-ea"/>
+                <a:cs typeface="+mn-cs"/>
+              </a:rPr>
+              <a:t>For that reason, I like to build my whitelist using regular expressions. That way I can create a single rule that grants access to my entire Scripts folder so that I don’t have to continually modify </a:t>
+            </a:r>
+            <a:r>
+              <a:rPr lang="en-US" sz="1200" kern="1200" dirty="0" err="1" smtClean="0">
+                <a:solidFill>
+                  <a:schemeClr val="tx1"/>
+                </a:solidFill>
+                <a:effectLst/>
+                <a:latin typeface="+mn-lt"/>
+                <a:ea typeface="+mn-ea"/>
+                <a:cs typeface="+mn-cs"/>
+              </a:rPr>
+              <a:t>web.config</a:t>
+            </a:r>
+            <a:r>
+              <a:rPr lang="en-US" sz="1200" kern="1200" dirty="0" smtClean="0">
+                <a:solidFill>
+                  <a:schemeClr val="tx1"/>
+                </a:solidFill>
+                <a:effectLst/>
+                <a:latin typeface="+mn-lt"/>
+                <a:ea typeface="+mn-ea"/>
+                <a:cs typeface="+mn-cs"/>
+              </a:rPr>
+              <a:t> each time we add a new </a:t>
+            </a:r>
+            <a:r>
+              <a:rPr lang="en-US" sz="1200" kern="1200" dirty="0" err="1" smtClean="0">
+                <a:solidFill>
+                  <a:schemeClr val="tx1"/>
+                </a:solidFill>
+                <a:effectLst/>
+                <a:latin typeface="+mn-lt"/>
+                <a:ea typeface="+mn-ea"/>
+                <a:cs typeface="+mn-cs"/>
+              </a:rPr>
+              <a:t>jquery</a:t>
+            </a:r>
+            <a:r>
+              <a:rPr lang="en-US" sz="1200" kern="1200" dirty="0" smtClean="0">
+                <a:solidFill>
+                  <a:schemeClr val="tx1"/>
+                </a:solidFill>
+                <a:effectLst/>
+                <a:latin typeface="+mn-lt"/>
+                <a:ea typeface="+mn-ea"/>
+                <a:cs typeface="+mn-cs"/>
+              </a:rPr>
+              <a:t> plugin.</a:t>
+            </a:r>
+          </a:p>
+          <a:p>
+            <a:endParaRPr lang="en-US" sz="1200" kern="1200" dirty="0" smtClean="0">
+              <a:solidFill>
+                <a:schemeClr val="tx1"/>
+              </a:solidFill>
+              <a:effectLst/>
+              <a:latin typeface="+mn-lt"/>
+              <a:ea typeface="+mn-ea"/>
+              <a:cs typeface="+mn-cs"/>
+            </a:endParaRPr>
+          </a:p>
+          <a:p>
+            <a:r>
+              <a:rPr lang="en-US" sz="1200" kern="1200" dirty="0" smtClean="0">
+                <a:solidFill>
+                  <a:schemeClr val="tx1"/>
+                </a:solidFill>
+                <a:effectLst/>
+                <a:latin typeface="+mn-lt"/>
+                <a:ea typeface="+mn-ea"/>
+                <a:cs typeface="+mn-cs"/>
+              </a:rPr>
+              <a:t>Creating custom web </a:t>
+            </a:r>
+            <a:r>
+              <a:rPr lang="en-US" sz="1200" kern="1200" dirty="0" err="1" smtClean="0">
+                <a:solidFill>
+                  <a:schemeClr val="tx1"/>
+                </a:solidFill>
+                <a:effectLst/>
+                <a:latin typeface="+mn-lt"/>
+                <a:ea typeface="+mn-ea"/>
+                <a:cs typeface="+mn-cs"/>
+              </a:rPr>
+              <a:t>config</a:t>
+            </a:r>
+            <a:r>
+              <a:rPr lang="en-US" sz="1200" kern="1200" dirty="0" smtClean="0">
+                <a:solidFill>
+                  <a:schemeClr val="tx1"/>
+                </a:solidFill>
+                <a:effectLst/>
+                <a:latin typeface="+mn-lt"/>
+                <a:ea typeface="+mn-ea"/>
+                <a:cs typeface="+mn-cs"/>
+              </a:rPr>
+              <a:t> sections is pretty simple, but I don’t have time to show the code in this session so just check out my demo app to see how it works.</a:t>
+            </a:r>
+          </a:p>
+          <a:p>
             <a:endParaRPr lang="en-US" b="0" dirty="0" smtClean="0"/>
           </a:p>
         </p:txBody>
@@ -5496,7 +6011,7 @@
     </p:spTree>
     <p:extLst>
       <p:ext uri="{BB962C8B-B14F-4D97-AF65-F5344CB8AC3E}">
-        <p14:creationId xmlns:p14="http://schemas.microsoft.com/office/powerpoint/2010/main" val="1514808285"/>
+        <p14:creationId xmlns:p14="http://schemas.microsoft.com/office/powerpoint/2010/main" val="1255163866"/>
       </p:ext>
     </p:extLst>
   </p:cSld>
@@ -5550,6 +6065,118 @@
           <a:bodyPr/>
           <a:lstStyle/>
           <a:p>
+            <a:r>
+              <a:rPr lang="en-US" sz="1200" kern="1200" dirty="0" smtClean="0">
+                <a:solidFill>
+                  <a:schemeClr val="tx1"/>
+                </a:solidFill>
+                <a:effectLst/>
+                <a:latin typeface="+mn-lt"/>
+                <a:ea typeface="+mn-ea"/>
+                <a:cs typeface="+mn-cs"/>
+              </a:rPr>
+              <a:t>Once we’ve defined the whitelist, we need to create the HTTP module to enforce it. </a:t>
+            </a:r>
+          </a:p>
+          <a:p>
+            <a:endParaRPr lang="en-US" sz="1200" kern="1200" dirty="0" smtClean="0">
+              <a:solidFill>
+                <a:schemeClr val="tx1"/>
+              </a:solidFill>
+              <a:effectLst/>
+              <a:latin typeface="+mn-lt"/>
+              <a:ea typeface="+mn-ea"/>
+              <a:cs typeface="+mn-cs"/>
+            </a:endParaRPr>
+          </a:p>
+          <a:p>
+            <a:r>
+              <a:rPr lang="en-US" sz="1200" kern="1200" dirty="0" smtClean="0">
+                <a:solidFill>
+                  <a:schemeClr val="tx1"/>
+                </a:solidFill>
+                <a:effectLst/>
+                <a:latin typeface="+mn-lt"/>
+                <a:ea typeface="+mn-ea"/>
+                <a:cs typeface="+mn-cs"/>
+              </a:rPr>
+              <a:t>This is also really easy to do. It’s just a class that implements the </a:t>
+            </a:r>
+            <a:r>
+              <a:rPr lang="en-US" sz="1200" kern="1200" dirty="0" err="1" smtClean="0">
+                <a:solidFill>
+                  <a:schemeClr val="tx1"/>
+                </a:solidFill>
+                <a:effectLst/>
+                <a:latin typeface="+mn-lt"/>
+                <a:ea typeface="+mn-ea"/>
+                <a:cs typeface="+mn-cs"/>
+              </a:rPr>
+              <a:t>IHttpModule</a:t>
+            </a:r>
+            <a:r>
+              <a:rPr lang="en-US" sz="1200" kern="1200" dirty="0" smtClean="0">
+                <a:solidFill>
+                  <a:schemeClr val="tx1"/>
+                </a:solidFill>
+                <a:effectLst/>
+                <a:latin typeface="+mn-lt"/>
+                <a:ea typeface="+mn-ea"/>
+                <a:cs typeface="+mn-cs"/>
+              </a:rPr>
+              <a:t> interface and then provides an implementation for this </a:t>
+            </a:r>
+            <a:r>
+              <a:rPr lang="en-US" sz="1200" kern="1200" dirty="0" err="1" smtClean="0">
+                <a:solidFill>
+                  <a:schemeClr val="tx1"/>
+                </a:solidFill>
+                <a:effectLst/>
+                <a:latin typeface="+mn-lt"/>
+                <a:ea typeface="+mn-ea"/>
+                <a:cs typeface="+mn-cs"/>
+              </a:rPr>
+              <a:t>OnAcquireRequestState</a:t>
+            </a:r>
+            <a:r>
+              <a:rPr lang="en-US" sz="1200" kern="1200" dirty="0" smtClean="0">
+                <a:solidFill>
+                  <a:schemeClr val="tx1"/>
+                </a:solidFill>
+                <a:effectLst/>
+                <a:latin typeface="+mn-lt"/>
+                <a:ea typeface="+mn-ea"/>
+                <a:cs typeface="+mn-cs"/>
+              </a:rPr>
+              <a:t> method.</a:t>
+            </a:r>
+          </a:p>
+          <a:p>
+            <a:endParaRPr lang="en-US" sz="1200" kern="1200" dirty="0" smtClean="0">
+              <a:solidFill>
+                <a:schemeClr val="tx1"/>
+              </a:solidFill>
+              <a:effectLst/>
+              <a:latin typeface="+mn-lt"/>
+              <a:ea typeface="+mn-ea"/>
+              <a:cs typeface="+mn-cs"/>
+            </a:endParaRPr>
+          </a:p>
+          <a:p>
+            <a:r>
+              <a:rPr lang="en-US" sz="1200" kern="1200" dirty="0" smtClean="0">
+                <a:solidFill>
+                  <a:schemeClr val="tx1"/>
+                </a:solidFill>
+                <a:effectLst/>
+                <a:latin typeface="+mn-lt"/>
+                <a:ea typeface="+mn-ea"/>
+                <a:cs typeface="+mn-cs"/>
+              </a:rPr>
+              <a:t>In the body of this method we look to see whether or not the URL matches our whitelist and whether or not the user is already logged in. If either of those things are true then we do nothing. Otherwise, we send the user to the login page.</a:t>
+            </a:r>
+          </a:p>
+          <a:p>
             <a:endParaRPr lang="en-US" b="0" dirty="0" smtClean="0"/>
           </a:p>
         </p:txBody>
@@ -5580,7 +6207,7 @@
     </p:spTree>
     <p:extLst>
       <p:ext uri="{BB962C8B-B14F-4D97-AF65-F5344CB8AC3E}">
-        <p14:creationId xmlns:p14="http://schemas.microsoft.com/office/powerpoint/2010/main" val="3263699449"/>
+        <p14:creationId xmlns:p14="http://schemas.microsoft.com/office/powerpoint/2010/main" val="1514808285"/>
       </p:ext>
     </p:extLst>
   </p:cSld>
@@ -5634,6 +6261,94 @@
           <a:bodyPr/>
           <a:lstStyle/>
           <a:p>
+            <a:r>
+              <a:rPr lang="en-US" sz="1200" kern="1200" dirty="0" smtClean="0">
+                <a:solidFill>
+                  <a:schemeClr val="tx1"/>
+                </a:solidFill>
+                <a:effectLst/>
+                <a:latin typeface="+mn-lt"/>
+                <a:ea typeface="+mn-ea"/>
+                <a:cs typeface="+mn-cs"/>
+              </a:rPr>
+              <a:t>The last piece of the puzzle is to tell IIS to run that module for all requests, and we can do that with a single line of code in </a:t>
+            </a:r>
+            <a:r>
+              <a:rPr lang="en-US" sz="1200" kern="1200" dirty="0" err="1" smtClean="0">
+                <a:solidFill>
+                  <a:schemeClr val="tx1"/>
+                </a:solidFill>
+                <a:effectLst/>
+                <a:latin typeface="+mn-lt"/>
+                <a:ea typeface="+mn-ea"/>
+                <a:cs typeface="+mn-cs"/>
+              </a:rPr>
+              <a:t>web.config</a:t>
+            </a:r>
+            <a:r>
+              <a:rPr lang="en-US" sz="1200" kern="1200" dirty="0" smtClean="0">
+                <a:solidFill>
+                  <a:schemeClr val="tx1"/>
+                </a:solidFill>
+                <a:effectLst/>
+                <a:latin typeface="+mn-lt"/>
+                <a:ea typeface="+mn-ea"/>
+                <a:cs typeface="+mn-cs"/>
+              </a:rPr>
+              <a:t>. </a:t>
+            </a:r>
+          </a:p>
+          <a:p>
+            <a:endParaRPr lang="en-US" sz="1200" kern="1200" dirty="0" smtClean="0">
+              <a:solidFill>
+                <a:schemeClr val="tx1"/>
+              </a:solidFill>
+              <a:effectLst/>
+              <a:latin typeface="+mn-lt"/>
+              <a:ea typeface="+mn-ea"/>
+              <a:cs typeface="+mn-cs"/>
+            </a:endParaRPr>
+          </a:p>
+          <a:p>
+            <a:r>
+              <a:rPr lang="en-US" sz="1200" kern="1200" dirty="0" smtClean="0">
+                <a:solidFill>
+                  <a:schemeClr val="tx1"/>
+                </a:solidFill>
+                <a:effectLst/>
+                <a:latin typeface="+mn-lt"/>
+                <a:ea typeface="+mn-ea"/>
+                <a:cs typeface="+mn-cs"/>
+              </a:rPr>
+              <a:t>And that’s it. Now, every single request that comes into my site will be automatically redirected to the login page unless the user is logged in, OR the URL matches a whitelist that I can control in a single, centralized place. The developers literally need to take zero additional effort to make their endpoints secure, and if they want to make something public it’s just a single adjustment to the whitelist.</a:t>
+            </a:r>
+          </a:p>
+          <a:p>
+            <a:endParaRPr lang="en-US" sz="1200" kern="1200" dirty="0" smtClean="0">
+              <a:solidFill>
+                <a:schemeClr val="tx1"/>
+              </a:solidFill>
+              <a:effectLst/>
+              <a:latin typeface="+mn-lt"/>
+              <a:ea typeface="+mn-ea"/>
+              <a:cs typeface="+mn-cs"/>
+            </a:endParaRPr>
+          </a:p>
+          <a:p>
+            <a:r>
+              <a:rPr lang="en-US" sz="1200" kern="1200" dirty="0" smtClean="0">
+                <a:solidFill>
+                  <a:schemeClr val="tx1"/>
+                </a:solidFill>
+                <a:effectLst/>
+                <a:latin typeface="+mn-lt"/>
+                <a:ea typeface="+mn-ea"/>
+                <a:cs typeface="+mn-cs"/>
+              </a:rPr>
+              <a:t>Also, in the last segment of this talk, I’ll show you a way to generate a report of all of your MVC controller actions and whether or not they are publicly accessible. That sort of auditing is a useful way of validating that your whitelist is doing what you expect it do.</a:t>
+            </a:r>
+          </a:p>
+          <a:p>
             <a:endParaRPr lang="en-US" b="0" dirty="0" smtClean="0"/>
           </a:p>
         </p:txBody>
@@ -5664,7 +6379,7 @@
     </p:spTree>
     <p:extLst>
       <p:ext uri="{BB962C8B-B14F-4D97-AF65-F5344CB8AC3E}">
-        <p14:creationId xmlns:p14="http://schemas.microsoft.com/office/powerpoint/2010/main" val="1255163866"/>
+        <p14:creationId xmlns:p14="http://schemas.microsoft.com/office/powerpoint/2010/main" val="3263699449"/>
       </p:ext>
     </p:extLst>
   </p:cSld>
@@ -5718,7 +6433,32 @@
           <a:bodyPr/>
           <a:lstStyle/>
           <a:p>
-            <a:endParaRPr lang="en-US" b="0" dirty="0" smtClean="0"/>
+            <a:pPr marL="0" marR="0" indent="0" algn="l" defTabSz="914400" rtl="0" eaLnBrk="1" fontAlgn="auto" latinLnBrk="0" hangingPunct="1">
+              <a:lnSpc>
+                <a:spcPct val="100000"/>
+              </a:lnSpc>
+              <a:spcBef>
+                <a:spcPts val="0"/>
+              </a:spcBef>
+              <a:spcAft>
+                <a:spcPts val="0"/>
+              </a:spcAft>
+              <a:buClrTx/>
+              <a:buSzTx/>
+              <a:buFontTx/>
+              <a:buNone/>
+              <a:tabLst/>
+              <a:defRPr/>
+            </a:pPr>
+            <a:endParaRPr lang="en-US" sz="1200" kern="1200" dirty="0" smtClean="0">
+              <a:solidFill>
+                <a:schemeClr val="tx1"/>
+              </a:solidFill>
+              <a:effectLst/>
+              <a:latin typeface="+mn-lt"/>
+              <a:ea typeface="+mn-ea"/>
+              <a:cs typeface="+mn-cs"/>
+            </a:endParaRPr>
           </a:p>
         </p:txBody>
       </p:sp>
@@ -5748,7 +6488,7 @@
     </p:spTree>
     <p:extLst>
       <p:ext uri="{BB962C8B-B14F-4D97-AF65-F5344CB8AC3E}">
-        <p14:creationId xmlns:p14="http://schemas.microsoft.com/office/powerpoint/2010/main" val="532748052"/>
+        <p14:creationId xmlns:p14="http://schemas.microsoft.com/office/powerpoint/2010/main" val="2286755864"/>
       </p:ext>
     </p:extLst>
   </p:cSld>
@@ -5802,32 +6542,7 @@
           <a:bodyPr/>
           <a:lstStyle/>
           <a:p>
-            <a:pPr marL="0" marR="0" indent="0" algn="l" defTabSz="914400" rtl="0" eaLnBrk="1" fontAlgn="auto" latinLnBrk="0" hangingPunct="1">
-              <a:lnSpc>
-                <a:spcPct val="100000"/>
-              </a:lnSpc>
-              <a:spcBef>
-                <a:spcPts val="0"/>
-              </a:spcBef>
-              <a:spcAft>
-                <a:spcPts val="0"/>
-              </a:spcAft>
-              <a:buClrTx/>
-              <a:buSzTx/>
-              <a:buFontTx/>
-              <a:buNone/>
-              <a:tabLst/>
-              <a:defRPr/>
-            </a:pPr>
-            <a:endParaRPr lang="en-US" sz="1200" kern="1200" dirty="0" smtClean="0">
-              <a:solidFill>
-                <a:schemeClr val="tx1"/>
-              </a:solidFill>
-              <a:effectLst/>
-              <a:latin typeface="+mn-lt"/>
-              <a:ea typeface="+mn-ea"/>
-              <a:cs typeface="+mn-cs"/>
-            </a:endParaRPr>
+            <a:endParaRPr lang="en-US" b="0" dirty="0" smtClean="0"/>
           </a:p>
         </p:txBody>
       </p:sp>
@@ -5857,7 +6572,7 @@
     </p:spTree>
     <p:extLst>
       <p:ext uri="{BB962C8B-B14F-4D97-AF65-F5344CB8AC3E}">
-        <p14:creationId xmlns:p14="http://schemas.microsoft.com/office/powerpoint/2010/main" val="2286755864"/>
+        <p14:creationId xmlns:p14="http://schemas.microsoft.com/office/powerpoint/2010/main" val="2653332077"/>
       </p:ext>
     </p:extLst>
   </p:cSld>
@@ -6235,7 +6950,7 @@
     </p:spTree>
     <p:extLst>
       <p:ext uri="{BB962C8B-B14F-4D97-AF65-F5344CB8AC3E}">
-        <p14:creationId xmlns:p14="http://schemas.microsoft.com/office/powerpoint/2010/main" val="2653332077"/>
+        <p14:creationId xmlns:p14="http://schemas.microsoft.com/office/powerpoint/2010/main" val="3778399677"/>
       </p:ext>
     </p:extLst>
   </p:cSld>
@@ -6319,7 +7034,7 @@
     </p:spTree>
     <p:extLst>
       <p:ext uri="{BB962C8B-B14F-4D97-AF65-F5344CB8AC3E}">
-        <p14:creationId xmlns:p14="http://schemas.microsoft.com/office/powerpoint/2010/main" val="3778399677"/>
+        <p14:creationId xmlns:p14="http://schemas.microsoft.com/office/powerpoint/2010/main" val="4047639699"/>
       </p:ext>
     </p:extLst>
   </p:cSld>
@@ -6403,7 +7118,7 @@
     </p:spTree>
     <p:extLst>
       <p:ext uri="{BB962C8B-B14F-4D97-AF65-F5344CB8AC3E}">
-        <p14:creationId xmlns:p14="http://schemas.microsoft.com/office/powerpoint/2010/main" val="4047639699"/>
+        <p14:creationId xmlns:p14="http://schemas.microsoft.com/office/powerpoint/2010/main" val="3271057564"/>
       </p:ext>
     </p:extLst>
   </p:cSld>
@@ -6487,7 +7202,7 @@
     </p:spTree>
     <p:extLst>
       <p:ext uri="{BB962C8B-B14F-4D97-AF65-F5344CB8AC3E}">
-        <p14:creationId xmlns:p14="http://schemas.microsoft.com/office/powerpoint/2010/main" val="3271057564"/>
+        <p14:creationId xmlns:p14="http://schemas.microsoft.com/office/powerpoint/2010/main" val="150335864"/>
       </p:ext>
     </p:extLst>
   </p:cSld>
@@ -6571,7 +7286,7 @@
     </p:spTree>
     <p:extLst>
       <p:ext uri="{BB962C8B-B14F-4D97-AF65-F5344CB8AC3E}">
-        <p14:creationId xmlns:p14="http://schemas.microsoft.com/office/powerpoint/2010/main" val="150335864"/>
+        <p14:creationId xmlns:p14="http://schemas.microsoft.com/office/powerpoint/2010/main" val="3480706183"/>
       </p:ext>
     </p:extLst>
   </p:cSld>
@@ -6655,7 +7370,7 @@
     </p:spTree>
     <p:extLst>
       <p:ext uri="{BB962C8B-B14F-4D97-AF65-F5344CB8AC3E}">
-        <p14:creationId xmlns:p14="http://schemas.microsoft.com/office/powerpoint/2010/main" val="3480706183"/>
+        <p14:creationId xmlns:p14="http://schemas.microsoft.com/office/powerpoint/2010/main" val="1174323916"/>
       </p:ext>
     </p:extLst>
   </p:cSld>
@@ -6739,7 +7454,7 @@
     </p:spTree>
     <p:extLst>
       <p:ext uri="{BB962C8B-B14F-4D97-AF65-F5344CB8AC3E}">
-        <p14:creationId xmlns:p14="http://schemas.microsoft.com/office/powerpoint/2010/main" val="1174323916"/>
+        <p14:creationId xmlns:p14="http://schemas.microsoft.com/office/powerpoint/2010/main" val="22929660"/>
       </p:ext>
     </p:extLst>
   </p:cSld>
@@ -6823,7 +7538,7 @@
     </p:spTree>
     <p:extLst>
       <p:ext uri="{BB962C8B-B14F-4D97-AF65-F5344CB8AC3E}">
-        <p14:creationId xmlns:p14="http://schemas.microsoft.com/office/powerpoint/2010/main" val="22929660"/>
+        <p14:creationId xmlns:p14="http://schemas.microsoft.com/office/powerpoint/2010/main" val="508677048"/>
       </p:ext>
     </p:extLst>
   </p:cSld>
@@ -6907,7 +7622,7 @@
     </p:spTree>
     <p:extLst>
       <p:ext uri="{BB962C8B-B14F-4D97-AF65-F5344CB8AC3E}">
-        <p14:creationId xmlns:p14="http://schemas.microsoft.com/office/powerpoint/2010/main" val="508677048"/>
+        <p14:creationId xmlns:p14="http://schemas.microsoft.com/office/powerpoint/2010/main" val="3079792467"/>
       </p:ext>
     </p:extLst>
   </p:cSld>
@@ -6961,7 +7676,32 @@
           <a:bodyPr/>
           <a:lstStyle/>
           <a:p>
-            <a:endParaRPr lang="en-US" b="0" dirty="0" smtClean="0"/>
+            <a:pPr marL="0" marR="0" indent="0" algn="l" defTabSz="914400" rtl="0" eaLnBrk="1" fontAlgn="auto" latinLnBrk="0" hangingPunct="1">
+              <a:lnSpc>
+                <a:spcPct val="100000"/>
+              </a:lnSpc>
+              <a:spcBef>
+                <a:spcPts val="0"/>
+              </a:spcBef>
+              <a:spcAft>
+                <a:spcPts val="0"/>
+              </a:spcAft>
+              <a:buClrTx/>
+              <a:buSzTx/>
+              <a:buFontTx/>
+              <a:buNone/>
+              <a:tabLst/>
+              <a:defRPr/>
+            </a:pPr>
+            <a:endParaRPr lang="en-US" sz="1200" kern="1200" dirty="0" smtClean="0">
+              <a:solidFill>
+                <a:schemeClr val="tx1"/>
+              </a:solidFill>
+              <a:effectLst/>
+              <a:latin typeface="+mn-lt"/>
+              <a:ea typeface="+mn-ea"/>
+              <a:cs typeface="+mn-cs"/>
+            </a:endParaRPr>
           </a:p>
         </p:txBody>
       </p:sp>
@@ -6991,7 +7731,7 @@
     </p:spTree>
     <p:extLst>
       <p:ext uri="{BB962C8B-B14F-4D97-AF65-F5344CB8AC3E}">
-        <p14:creationId xmlns:p14="http://schemas.microsoft.com/office/powerpoint/2010/main" val="3079792467"/>
+        <p14:creationId xmlns:p14="http://schemas.microsoft.com/office/powerpoint/2010/main" val="1704645259"/>
       </p:ext>
     </p:extLst>
   </p:cSld>
@@ -7168,6 +7908,342 @@
           <a:bodyPr/>
           <a:lstStyle/>
           <a:p>
+            <a:endParaRPr lang="en-US" b="0" dirty="0" smtClean="0"/>
+          </a:p>
+        </p:txBody>
+      </p:sp>
+      <p:sp>
+        <p:nvSpPr>
+          <p:cNvPr id="4" name="Slide Number Placeholder 3"/>
+          <p:cNvSpPr>
+            <a:spLocks noGrp="1"/>
+          </p:cNvSpPr>
+          <p:nvPr>
+            <p:ph type="sldNum" sz="quarter" idx="10"/>
+          </p:nvPr>
+        </p:nvSpPr>
+        <p:spPr/>
+        <p:txBody>
+          <a:bodyPr/>
+          <a:lstStyle/>
+          <a:p>
+            <a:fld id="{89029652-62E7-43D6-83B5-097D7B7AA5D8}" type="slidenum">
+              <a:rPr lang="en-US" smtClean="0"/>
+              <a:t>50</a:t>
+            </a:fld>
+            <a:endParaRPr lang="en-US"/>
+          </a:p>
+        </p:txBody>
+      </p:sp>
+    </p:spTree>
+    <p:extLst>
+      <p:ext uri="{BB962C8B-B14F-4D97-AF65-F5344CB8AC3E}">
+        <p14:creationId xmlns:p14="http://schemas.microsoft.com/office/powerpoint/2010/main" val="381415188"/>
+      </p:ext>
+    </p:extLst>
+  </p:cSld>
+  <p:clrMapOvr>
+    <a:masterClrMapping/>
+  </p:clrMapOvr>
+</p:notes>
+</file>
+
+<file path=ppt/notesSlides/notesSlide51.xml><?xml version="1.0" encoding="utf-8"?>
+<p:notes xmlns:a="http://schemas.openxmlformats.org/drawingml/2006/main" xmlns:r="http://schemas.openxmlformats.org/officeDocument/2006/relationships" xmlns:p="http://schemas.openxmlformats.org/presentationml/2006/main">
+  <p:cSld>
+    <p:spTree>
+      <p:nvGrpSpPr>
+        <p:cNvPr id="1" name=""/>
+        <p:cNvGrpSpPr/>
+        <p:nvPr/>
+      </p:nvGrpSpPr>
+      <p:grpSpPr>
+        <a:xfrm>
+          <a:off x="0" y="0"/>
+          <a:ext cx="0" cy="0"/>
+          <a:chOff x="0" y="0"/>
+          <a:chExt cx="0" cy="0"/>
+        </a:xfrm>
+      </p:grpSpPr>
+      <p:sp>
+        <p:nvSpPr>
+          <p:cNvPr id="2" name="Slide Image Placeholder 1"/>
+          <p:cNvSpPr>
+            <a:spLocks noGrp="1" noRot="1" noChangeAspect="1"/>
+          </p:cNvSpPr>
+          <p:nvPr>
+            <p:ph type="sldImg"/>
+          </p:nvPr>
+        </p:nvSpPr>
+        <p:spPr/>
+      </p:sp>
+      <p:sp>
+        <p:nvSpPr>
+          <p:cNvPr id="3" name="Notes Placeholder 2"/>
+          <p:cNvSpPr>
+            <a:spLocks noGrp="1"/>
+          </p:cNvSpPr>
+          <p:nvPr>
+            <p:ph type="body" idx="1"/>
+          </p:nvPr>
+        </p:nvSpPr>
+        <p:spPr/>
+        <p:txBody>
+          <a:bodyPr/>
+          <a:lstStyle/>
+          <a:p>
+            <a:endParaRPr lang="en-US" b="0" dirty="0" smtClean="0"/>
+          </a:p>
+        </p:txBody>
+      </p:sp>
+      <p:sp>
+        <p:nvSpPr>
+          <p:cNvPr id="4" name="Slide Number Placeholder 3"/>
+          <p:cNvSpPr>
+            <a:spLocks noGrp="1"/>
+          </p:cNvSpPr>
+          <p:nvPr>
+            <p:ph type="sldNum" sz="quarter" idx="10"/>
+          </p:nvPr>
+        </p:nvSpPr>
+        <p:spPr/>
+        <p:txBody>
+          <a:bodyPr/>
+          <a:lstStyle/>
+          <a:p>
+            <a:fld id="{89029652-62E7-43D6-83B5-097D7B7AA5D8}" type="slidenum">
+              <a:rPr lang="en-US" smtClean="0"/>
+              <a:t>51</a:t>
+            </a:fld>
+            <a:endParaRPr lang="en-US"/>
+          </a:p>
+        </p:txBody>
+      </p:sp>
+    </p:spTree>
+    <p:extLst>
+      <p:ext uri="{BB962C8B-B14F-4D97-AF65-F5344CB8AC3E}">
+        <p14:creationId xmlns:p14="http://schemas.microsoft.com/office/powerpoint/2010/main" val="3234596091"/>
+      </p:ext>
+    </p:extLst>
+  </p:cSld>
+  <p:clrMapOvr>
+    <a:masterClrMapping/>
+  </p:clrMapOvr>
+</p:notes>
+</file>
+
+<file path=ppt/notesSlides/notesSlide52.xml><?xml version="1.0" encoding="utf-8"?>
+<p:notes xmlns:a="http://schemas.openxmlformats.org/drawingml/2006/main" xmlns:r="http://schemas.openxmlformats.org/officeDocument/2006/relationships" xmlns:p="http://schemas.openxmlformats.org/presentationml/2006/main">
+  <p:cSld>
+    <p:spTree>
+      <p:nvGrpSpPr>
+        <p:cNvPr id="1" name=""/>
+        <p:cNvGrpSpPr/>
+        <p:nvPr/>
+      </p:nvGrpSpPr>
+      <p:grpSpPr>
+        <a:xfrm>
+          <a:off x="0" y="0"/>
+          <a:ext cx="0" cy="0"/>
+          <a:chOff x="0" y="0"/>
+          <a:chExt cx="0" cy="0"/>
+        </a:xfrm>
+      </p:grpSpPr>
+      <p:sp>
+        <p:nvSpPr>
+          <p:cNvPr id="2" name="Slide Image Placeholder 1"/>
+          <p:cNvSpPr>
+            <a:spLocks noGrp="1" noRot="1" noChangeAspect="1"/>
+          </p:cNvSpPr>
+          <p:nvPr>
+            <p:ph type="sldImg"/>
+          </p:nvPr>
+        </p:nvSpPr>
+        <p:spPr/>
+      </p:sp>
+      <p:sp>
+        <p:nvSpPr>
+          <p:cNvPr id="3" name="Notes Placeholder 2"/>
+          <p:cNvSpPr>
+            <a:spLocks noGrp="1"/>
+          </p:cNvSpPr>
+          <p:nvPr>
+            <p:ph type="body" idx="1"/>
+          </p:nvPr>
+        </p:nvSpPr>
+        <p:spPr/>
+        <p:txBody>
+          <a:bodyPr/>
+          <a:lstStyle/>
+          <a:p>
+            <a:endParaRPr lang="en-US" b="0" dirty="0" smtClean="0"/>
+          </a:p>
+        </p:txBody>
+      </p:sp>
+      <p:sp>
+        <p:nvSpPr>
+          <p:cNvPr id="4" name="Slide Number Placeholder 3"/>
+          <p:cNvSpPr>
+            <a:spLocks noGrp="1"/>
+          </p:cNvSpPr>
+          <p:nvPr>
+            <p:ph type="sldNum" sz="quarter" idx="10"/>
+          </p:nvPr>
+        </p:nvSpPr>
+        <p:spPr/>
+        <p:txBody>
+          <a:bodyPr/>
+          <a:lstStyle/>
+          <a:p>
+            <a:fld id="{89029652-62E7-43D6-83B5-097D7B7AA5D8}" type="slidenum">
+              <a:rPr lang="en-US" smtClean="0"/>
+              <a:t>52</a:t>
+            </a:fld>
+            <a:endParaRPr lang="en-US"/>
+          </a:p>
+        </p:txBody>
+      </p:sp>
+    </p:spTree>
+    <p:extLst>
+      <p:ext uri="{BB962C8B-B14F-4D97-AF65-F5344CB8AC3E}">
+        <p14:creationId xmlns:p14="http://schemas.microsoft.com/office/powerpoint/2010/main" val="3344468672"/>
+      </p:ext>
+    </p:extLst>
+  </p:cSld>
+  <p:clrMapOvr>
+    <a:masterClrMapping/>
+  </p:clrMapOvr>
+</p:notes>
+</file>
+
+<file path=ppt/notesSlides/notesSlide53.xml><?xml version="1.0" encoding="utf-8"?>
+<p:notes xmlns:a="http://schemas.openxmlformats.org/drawingml/2006/main" xmlns:r="http://schemas.openxmlformats.org/officeDocument/2006/relationships" xmlns:p="http://schemas.openxmlformats.org/presentationml/2006/main">
+  <p:cSld>
+    <p:spTree>
+      <p:nvGrpSpPr>
+        <p:cNvPr id="1" name=""/>
+        <p:cNvGrpSpPr/>
+        <p:nvPr/>
+      </p:nvGrpSpPr>
+      <p:grpSpPr>
+        <a:xfrm>
+          <a:off x="0" y="0"/>
+          <a:ext cx="0" cy="0"/>
+          <a:chOff x="0" y="0"/>
+          <a:chExt cx="0" cy="0"/>
+        </a:xfrm>
+      </p:grpSpPr>
+      <p:sp>
+        <p:nvSpPr>
+          <p:cNvPr id="2" name="Slide Image Placeholder 1"/>
+          <p:cNvSpPr>
+            <a:spLocks noGrp="1" noRot="1" noChangeAspect="1"/>
+          </p:cNvSpPr>
+          <p:nvPr>
+            <p:ph type="sldImg"/>
+          </p:nvPr>
+        </p:nvSpPr>
+        <p:spPr/>
+      </p:sp>
+      <p:sp>
+        <p:nvSpPr>
+          <p:cNvPr id="3" name="Notes Placeholder 2"/>
+          <p:cNvSpPr>
+            <a:spLocks noGrp="1"/>
+          </p:cNvSpPr>
+          <p:nvPr>
+            <p:ph type="body" idx="1"/>
+          </p:nvPr>
+        </p:nvSpPr>
+        <p:spPr/>
+        <p:txBody>
+          <a:bodyPr/>
+          <a:lstStyle/>
+          <a:p>
+            <a:endParaRPr lang="en-US" b="0" dirty="0" smtClean="0"/>
+          </a:p>
+        </p:txBody>
+      </p:sp>
+      <p:sp>
+        <p:nvSpPr>
+          <p:cNvPr id="4" name="Slide Number Placeholder 3"/>
+          <p:cNvSpPr>
+            <a:spLocks noGrp="1"/>
+          </p:cNvSpPr>
+          <p:nvPr>
+            <p:ph type="sldNum" sz="quarter" idx="10"/>
+          </p:nvPr>
+        </p:nvSpPr>
+        <p:spPr/>
+        <p:txBody>
+          <a:bodyPr/>
+          <a:lstStyle/>
+          <a:p>
+            <a:fld id="{89029652-62E7-43D6-83B5-097D7B7AA5D8}" type="slidenum">
+              <a:rPr lang="en-US" smtClean="0"/>
+              <a:t>53</a:t>
+            </a:fld>
+            <a:endParaRPr lang="en-US"/>
+          </a:p>
+        </p:txBody>
+      </p:sp>
+    </p:spTree>
+    <p:extLst>
+      <p:ext uri="{BB962C8B-B14F-4D97-AF65-F5344CB8AC3E}">
+        <p14:creationId xmlns:p14="http://schemas.microsoft.com/office/powerpoint/2010/main" val="3143393369"/>
+      </p:ext>
+    </p:extLst>
+  </p:cSld>
+  <p:clrMapOvr>
+    <a:masterClrMapping/>
+  </p:clrMapOvr>
+</p:notes>
+</file>
+
+<file path=ppt/notesSlides/notesSlide54.xml><?xml version="1.0" encoding="utf-8"?>
+<p:notes xmlns:a="http://schemas.openxmlformats.org/drawingml/2006/main" xmlns:r="http://schemas.openxmlformats.org/officeDocument/2006/relationships" xmlns:p="http://schemas.openxmlformats.org/presentationml/2006/main">
+  <p:cSld>
+    <p:spTree>
+      <p:nvGrpSpPr>
+        <p:cNvPr id="1" name=""/>
+        <p:cNvGrpSpPr/>
+        <p:nvPr/>
+      </p:nvGrpSpPr>
+      <p:grpSpPr>
+        <a:xfrm>
+          <a:off x="0" y="0"/>
+          <a:ext cx="0" cy="0"/>
+          <a:chOff x="0" y="0"/>
+          <a:chExt cx="0" cy="0"/>
+        </a:xfrm>
+      </p:grpSpPr>
+      <p:sp>
+        <p:nvSpPr>
+          <p:cNvPr id="2" name="Slide Image Placeholder 1"/>
+          <p:cNvSpPr>
+            <a:spLocks noGrp="1" noRot="1" noChangeAspect="1"/>
+          </p:cNvSpPr>
+          <p:nvPr>
+            <p:ph type="sldImg"/>
+          </p:nvPr>
+        </p:nvSpPr>
+        <p:spPr/>
+      </p:sp>
+      <p:sp>
+        <p:nvSpPr>
+          <p:cNvPr id="3" name="Notes Placeholder 2"/>
+          <p:cNvSpPr>
+            <a:spLocks noGrp="1"/>
+          </p:cNvSpPr>
+          <p:nvPr>
+            <p:ph type="body" idx="1"/>
+          </p:nvPr>
+        </p:nvSpPr>
+        <p:spPr/>
+        <p:txBody>
+          <a:bodyPr/>
+          <a:lstStyle/>
+          <a:p>
             <a:pPr marL="0" marR="0" indent="0" algn="l" defTabSz="914400" rtl="0" eaLnBrk="1" fontAlgn="auto" latinLnBrk="0" hangingPunct="1">
               <a:lnSpc>
                 <a:spcPct val="100000"/>
@@ -7214,7 +8290,7 @@
           <a:p>
             <a:fld id="{89029652-62E7-43D6-83B5-097D7B7AA5D8}" type="slidenum">
               <a:rPr lang="en-US" smtClean="0"/>
-              <a:t>50</a:t>
+              <a:t>54</a:t>
             </a:fld>
             <a:endParaRPr lang="en-US"/>
           </a:p>
@@ -7223,343 +8299,7 @@
     </p:spTree>
     <p:extLst>
       <p:ext uri="{BB962C8B-B14F-4D97-AF65-F5344CB8AC3E}">
-        <p14:creationId xmlns:p14="http://schemas.microsoft.com/office/powerpoint/2010/main" val="1704645259"/>
-      </p:ext>
-    </p:extLst>
-  </p:cSld>
-  <p:clrMapOvr>
-    <a:masterClrMapping/>
-  </p:clrMapOvr>
-</p:notes>
-</file>
-
-<file path=ppt/notesSlides/notesSlide51.xml><?xml version="1.0" encoding="utf-8"?>
-<p:notes xmlns:a="http://schemas.openxmlformats.org/drawingml/2006/main" xmlns:r="http://schemas.openxmlformats.org/officeDocument/2006/relationships" xmlns:p="http://schemas.openxmlformats.org/presentationml/2006/main">
-  <p:cSld>
-    <p:spTree>
-      <p:nvGrpSpPr>
-        <p:cNvPr id="1" name=""/>
-        <p:cNvGrpSpPr/>
-        <p:nvPr/>
-      </p:nvGrpSpPr>
-      <p:grpSpPr>
-        <a:xfrm>
-          <a:off x="0" y="0"/>
-          <a:ext cx="0" cy="0"/>
-          <a:chOff x="0" y="0"/>
-          <a:chExt cx="0" cy="0"/>
-        </a:xfrm>
-      </p:grpSpPr>
-      <p:sp>
-        <p:nvSpPr>
-          <p:cNvPr id="2" name="Slide Image Placeholder 1"/>
-          <p:cNvSpPr>
-            <a:spLocks noGrp="1" noRot="1" noChangeAspect="1"/>
-          </p:cNvSpPr>
-          <p:nvPr>
-            <p:ph type="sldImg"/>
-          </p:nvPr>
-        </p:nvSpPr>
-        <p:spPr/>
-      </p:sp>
-      <p:sp>
-        <p:nvSpPr>
-          <p:cNvPr id="3" name="Notes Placeholder 2"/>
-          <p:cNvSpPr>
-            <a:spLocks noGrp="1"/>
-          </p:cNvSpPr>
-          <p:nvPr>
-            <p:ph type="body" idx="1"/>
-          </p:nvPr>
-        </p:nvSpPr>
-        <p:spPr/>
-        <p:txBody>
-          <a:bodyPr/>
-          <a:lstStyle/>
-          <a:p>
-            <a:endParaRPr lang="en-US" b="0" dirty="0" smtClean="0"/>
-          </a:p>
-        </p:txBody>
-      </p:sp>
-      <p:sp>
-        <p:nvSpPr>
-          <p:cNvPr id="4" name="Slide Number Placeholder 3"/>
-          <p:cNvSpPr>
-            <a:spLocks noGrp="1"/>
-          </p:cNvSpPr>
-          <p:nvPr>
-            <p:ph type="sldNum" sz="quarter" idx="10"/>
-          </p:nvPr>
-        </p:nvSpPr>
-        <p:spPr/>
-        <p:txBody>
-          <a:bodyPr/>
-          <a:lstStyle/>
-          <a:p>
-            <a:fld id="{89029652-62E7-43D6-83B5-097D7B7AA5D8}" type="slidenum">
-              <a:rPr lang="en-US" smtClean="0"/>
-              <a:t>51</a:t>
-            </a:fld>
-            <a:endParaRPr lang="en-US"/>
-          </a:p>
-        </p:txBody>
-      </p:sp>
-    </p:spTree>
-    <p:extLst>
-      <p:ext uri="{BB962C8B-B14F-4D97-AF65-F5344CB8AC3E}">
-        <p14:creationId xmlns:p14="http://schemas.microsoft.com/office/powerpoint/2010/main" val="381415188"/>
-      </p:ext>
-    </p:extLst>
-  </p:cSld>
-  <p:clrMapOvr>
-    <a:masterClrMapping/>
-  </p:clrMapOvr>
-</p:notes>
-</file>
-
-<file path=ppt/notesSlides/notesSlide52.xml><?xml version="1.0" encoding="utf-8"?>
-<p:notes xmlns:a="http://schemas.openxmlformats.org/drawingml/2006/main" xmlns:r="http://schemas.openxmlformats.org/officeDocument/2006/relationships" xmlns:p="http://schemas.openxmlformats.org/presentationml/2006/main">
-  <p:cSld>
-    <p:spTree>
-      <p:nvGrpSpPr>
-        <p:cNvPr id="1" name=""/>
-        <p:cNvGrpSpPr/>
-        <p:nvPr/>
-      </p:nvGrpSpPr>
-      <p:grpSpPr>
-        <a:xfrm>
-          <a:off x="0" y="0"/>
-          <a:ext cx="0" cy="0"/>
-          <a:chOff x="0" y="0"/>
-          <a:chExt cx="0" cy="0"/>
-        </a:xfrm>
-      </p:grpSpPr>
-      <p:sp>
-        <p:nvSpPr>
-          <p:cNvPr id="2" name="Slide Image Placeholder 1"/>
-          <p:cNvSpPr>
-            <a:spLocks noGrp="1" noRot="1" noChangeAspect="1"/>
-          </p:cNvSpPr>
-          <p:nvPr>
-            <p:ph type="sldImg"/>
-          </p:nvPr>
-        </p:nvSpPr>
-        <p:spPr/>
-      </p:sp>
-      <p:sp>
-        <p:nvSpPr>
-          <p:cNvPr id="3" name="Notes Placeholder 2"/>
-          <p:cNvSpPr>
-            <a:spLocks noGrp="1"/>
-          </p:cNvSpPr>
-          <p:nvPr>
-            <p:ph type="body" idx="1"/>
-          </p:nvPr>
-        </p:nvSpPr>
-        <p:spPr/>
-        <p:txBody>
-          <a:bodyPr/>
-          <a:lstStyle/>
-          <a:p>
-            <a:endParaRPr lang="en-US" b="0" dirty="0" smtClean="0"/>
-          </a:p>
-        </p:txBody>
-      </p:sp>
-      <p:sp>
-        <p:nvSpPr>
-          <p:cNvPr id="4" name="Slide Number Placeholder 3"/>
-          <p:cNvSpPr>
-            <a:spLocks noGrp="1"/>
-          </p:cNvSpPr>
-          <p:nvPr>
-            <p:ph type="sldNum" sz="quarter" idx="10"/>
-          </p:nvPr>
-        </p:nvSpPr>
-        <p:spPr/>
-        <p:txBody>
-          <a:bodyPr/>
-          <a:lstStyle/>
-          <a:p>
-            <a:fld id="{89029652-62E7-43D6-83B5-097D7B7AA5D8}" type="slidenum">
-              <a:rPr lang="en-US" smtClean="0"/>
-              <a:t>52</a:t>
-            </a:fld>
-            <a:endParaRPr lang="en-US"/>
-          </a:p>
-        </p:txBody>
-      </p:sp>
-    </p:spTree>
-    <p:extLst>
-      <p:ext uri="{BB962C8B-B14F-4D97-AF65-F5344CB8AC3E}">
-        <p14:creationId xmlns:p14="http://schemas.microsoft.com/office/powerpoint/2010/main" val="3234596091"/>
-      </p:ext>
-    </p:extLst>
-  </p:cSld>
-  <p:clrMapOvr>
-    <a:masterClrMapping/>
-  </p:clrMapOvr>
-</p:notes>
-</file>
-
-<file path=ppt/notesSlides/notesSlide53.xml><?xml version="1.0" encoding="utf-8"?>
-<p:notes xmlns:a="http://schemas.openxmlformats.org/drawingml/2006/main" xmlns:r="http://schemas.openxmlformats.org/officeDocument/2006/relationships" xmlns:p="http://schemas.openxmlformats.org/presentationml/2006/main">
-  <p:cSld>
-    <p:spTree>
-      <p:nvGrpSpPr>
-        <p:cNvPr id="1" name=""/>
-        <p:cNvGrpSpPr/>
-        <p:nvPr/>
-      </p:nvGrpSpPr>
-      <p:grpSpPr>
-        <a:xfrm>
-          <a:off x="0" y="0"/>
-          <a:ext cx="0" cy="0"/>
-          <a:chOff x="0" y="0"/>
-          <a:chExt cx="0" cy="0"/>
-        </a:xfrm>
-      </p:grpSpPr>
-      <p:sp>
-        <p:nvSpPr>
-          <p:cNvPr id="2" name="Slide Image Placeholder 1"/>
-          <p:cNvSpPr>
-            <a:spLocks noGrp="1" noRot="1" noChangeAspect="1"/>
-          </p:cNvSpPr>
-          <p:nvPr>
-            <p:ph type="sldImg"/>
-          </p:nvPr>
-        </p:nvSpPr>
-        <p:spPr/>
-      </p:sp>
-      <p:sp>
-        <p:nvSpPr>
-          <p:cNvPr id="3" name="Notes Placeholder 2"/>
-          <p:cNvSpPr>
-            <a:spLocks noGrp="1"/>
-          </p:cNvSpPr>
-          <p:nvPr>
-            <p:ph type="body" idx="1"/>
-          </p:nvPr>
-        </p:nvSpPr>
-        <p:spPr/>
-        <p:txBody>
-          <a:bodyPr/>
-          <a:lstStyle/>
-          <a:p>
-            <a:endParaRPr lang="en-US" b="0" dirty="0" smtClean="0"/>
-          </a:p>
-        </p:txBody>
-      </p:sp>
-      <p:sp>
-        <p:nvSpPr>
-          <p:cNvPr id="4" name="Slide Number Placeholder 3"/>
-          <p:cNvSpPr>
-            <a:spLocks noGrp="1"/>
-          </p:cNvSpPr>
-          <p:nvPr>
-            <p:ph type="sldNum" sz="quarter" idx="10"/>
-          </p:nvPr>
-        </p:nvSpPr>
-        <p:spPr/>
-        <p:txBody>
-          <a:bodyPr/>
-          <a:lstStyle/>
-          <a:p>
-            <a:fld id="{89029652-62E7-43D6-83B5-097D7B7AA5D8}" type="slidenum">
-              <a:rPr lang="en-US" smtClean="0"/>
-              <a:t>53</a:t>
-            </a:fld>
-            <a:endParaRPr lang="en-US"/>
-          </a:p>
-        </p:txBody>
-      </p:sp>
-    </p:spTree>
-    <p:extLst>
-      <p:ext uri="{BB962C8B-B14F-4D97-AF65-F5344CB8AC3E}">
-        <p14:creationId xmlns:p14="http://schemas.microsoft.com/office/powerpoint/2010/main" val="3344468672"/>
-      </p:ext>
-    </p:extLst>
-  </p:cSld>
-  <p:clrMapOvr>
-    <a:masterClrMapping/>
-  </p:clrMapOvr>
-</p:notes>
-</file>
-
-<file path=ppt/notesSlides/notesSlide54.xml><?xml version="1.0" encoding="utf-8"?>
-<p:notes xmlns:a="http://schemas.openxmlformats.org/drawingml/2006/main" xmlns:r="http://schemas.openxmlformats.org/officeDocument/2006/relationships" xmlns:p="http://schemas.openxmlformats.org/presentationml/2006/main">
-  <p:cSld>
-    <p:spTree>
-      <p:nvGrpSpPr>
-        <p:cNvPr id="1" name=""/>
-        <p:cNvGrpSpPr/>
-        <p:nvPr/>
-      </p:nvGrpSpPr>
-      <p:grpSpPr>
-        <a:xfrm>
-          <a:off x="0" y="0"/>
-          <a:ext cx="0" cy="0"/>
-          <a:chOff x="0" y="0"/>
-          <a:chExt cx="0" cy="0"/>
-        </a:xfrm>
-      </p:grpSpPr>
-      <p:sp>
-        <p:nvSpPr>
-          <p:cNvPr id="2" name="Slide Image Placeholder 1"/>
-          <p:cNvSpPr>
-            <a:spLocks noGrp="1" noRot="1" noChangeAspect="1"/>
-          </p:cNvSpPr>
-          <p:nvPr>
-            <p:ph type="sldImg"/>
-          </p:nvPr>
-        </p:nvSpPr>
-        <p:spPr/>
-      </p:sp>
-      <p:sp>
-        <p:nvSpPr>
-          <p:cNvPr id="3" name="Notes Placeholder 2"/>
-          <p:cNvSpPr>
-            <a:spLocks noGrp="1"/>
-          </p:cNvSpPr>
-          <p:nvPr>
-            <p:ph type="body" idx="1"/>
-          </p:nvPr>
-        </p:nvSpPr>
-        <p:spPr/>
-        <p:txBody>
-          <a:bodyPr/>
-          <a:lstStyle/>
-          <a:p>
-            <a:endParaRPr lang="en-US" b="0" dirty="0" smtClean="0"/>
-          </a:p>
-        </p:txBody>
-      </p:sp>
-      <p:sp>
-        <p:nvSpPr>
-          <p:cNvPr id="4" name="Slide Number Placeholder 3"/>
-          <p:cNvSpPr>
-            <a:spLocks noGrp="1"/>
-          </p:cNvSpPr>
-          <p:nvPr>
-            <p:ph type="sldNum" sz="quarter" idx="10"/>
-          </p:nvPr>
-        </p:nvSpPr>
-        <p:spPr/>
-        <p:txBody>
-          <a:bodyPr/>
-          <a:lstStyle/>
-          <a:p>
-            <a:fld id="{89029652-62E7-43D6-83B5-097D7B7AA5D8}" type="slidenum">
-              <a:rPr lang="en-US" smtClean="0"/>
-              <a:t>54</a:t>
-            </a:fld>
-            <a:endParaRPr lang="en-US"/>
-          </a:p>
-        </p:txBody>
-      </p:sp>
-    </p:spTree>
-    <p:extLst>
-      <p:ext uri="{BB962C8B-B14F-4D97-AF65-F5344CB8AC3E}">
-        <p14:creationId xmlns:p14="http://schemas.microsoft.com/office/powerpoint/2010/main" val="3143393369"/>
+        <p14:creationId xmlns:p14="http://schemas.microsoft.com/office/powerpoint/2010/main" val="1557858908"/>
       </p:ext>
     </p:extLst>
   </p:cSld>
@@ -7613,32 +8353,7 @@
           <a:bodyPr/>
           <a:lstStyle/>
           <a:p>
-            <a:pPr marL="0" marR="0" indent="0" algn="l" defTabSz="914400" rtl="0" eaLnBrk="1" fontAlgn="auto" latinLnBrk="0" hangingPunct="1">
-              <a:lnSpc>
-                <a:spcPct val="100000"/>
-              </a:lnSpc>
-              <a:spcBef>
-                <a:spcPts val="0"/>
-              </a:spcBef>
-              <a:spcAft>
-                <a:spcPts val="0"/>
-              </a:spcAft>
-              <a:buClrTx/>
-              <a:buSzTx/>
-              <a:buFontTx/>
-              <a:buNone/>
-              <a:tabLst/>
-              <a:defRPr/>
-            </a:pPr>
-            <a:endParaRPr lang="en-US" sz="1200" kern="1200" dirty="0" smtClean="0">
-              <a:solidFill>
-                <a:schemeClr val="tx1"/>
-              </a:solidFill>
-              <a:effectLst/>
-              <a:latin typeface="+mn-lt"/>
-              <a:ea typeface="+mn-ea"/>
-              <a:cs typeface="+mn-cs"/>
-            </a:endParaRPr>
+            <a:endParaRPr lang="en-US" b="0" dirty="0" smtClean="0"/>
           </a:p>
         </p:txBody>
       </p:sp>
@@ -7668,7 +8383,7 @@
     </p:spTree>
     <p:extLst>
       <p:ext uri="{BB962C8B-B14F-4D97-AF65-F5344CB8AC3E}">
-        <p14:creationId xmlns:p14="http://schemas.microsoft.com/office/powerpoint/2010/main" val="1557858908"/>
+        <p14:creationId xmlns:p14="http://schemas.microsoft.com/office/powerpoint/2010/main" val="3450469856"/>
       </p:ext>
     </p:extLst>
   </p:cSld>
@@ -7752,7 +8467,7 @@
     </p:spTree>
     <p:extLst>
       <p:ext uri="{BB962C8B-B14F-4D97-AF65-F5344CB8AC3E}">
-        <p14:creationId xmlns:p14="http://schemas.microsoft.com/office/powerpoint/2010/main" val="3450469856"/>
+        <p14:creationId xmlns:p14="http://schemas.microsoft.com/office/powerpoint/2010/main" val="2647091800"/>
       </p:ext>
     </p:extLst>
   </p:cSld>
@@ -7836,7 +8551,7 @@
     </p:spTree>
     <p:extLst>
       <p:ext uri="{BB962C8B-B14F-4D97-AF65-F5344CB8AC3E}">
-        <p14:creationId xmlns:p14="http://schemas.microsoft.com/office/powerpoint/2010/main" val="2647091800"/>
+        <p14:creationId xmlns:p14="http://schemas.microsoft.com/office/powerpoint/2010/main" val="2829916917"/>
       </p:ext>
     </p:extLst>
   </p:cSld>
@@ -7920,7 +8635,7 @@
     </p:spTree>
     <p:extLst>
       <p:ext uri="{BB962C8B-B14F-4D97-AF65-F5344CB8AC3E}">
-        <p14:creationId xmlns:p14="http://schemas.microsoft.com/office/powerpoint/2010/main" val="2829916917"/>
+        <p14:creationId xmlns:p14="http://schemas.microsoft.com/office/powerpoint/2010/main" val="1954400629"/>
       </p:ext>
     </p:extLst>
   </p:cSld>
@@ -8004,7 +8719,7 @@
     </p:spTree>
     <p:extLst>
       <p:ext uri="{BB962C8B-B14F-4D97-AF65-F5344CB8AC3E}">
-        <p14:creationId xmlns:p14="http://schemas.microsoft.com/office/powerpoint/2010/main" val="1954400629"/>
+        <p14:creationId xmlns:p14="http://schemas.microsoft.com/office/powerpoint/2010/main" val="3603726692"/>
       </p:ext>
     </p:extLst>
   </p:cSld>
@@ -8366,7 +9081,7 @@
     </p:spTree>
     <p:extLst>
       <p:ext uri="{BB962C8B-B14F-4D97-AF65-F5344CB8AC3E}">
-        <p14:creationId xmlns:p14="http://schemas.microsoft.com/office/powerpoint/2010/main" val="3603726692"/>
+        <p14:creationId xmlns:p14="http://schemas.microsoft.com/office/powerpoint/2010/main" val="1764780958"/>
       </p:ext>
     </p:extLst>
   </p:cSld>
@@ -8420,7 +9135,32 @@
           <a:bodyPr/>
           <a:lstStyle/>
           <a:p>
-            <a:endParaRPr lang="en-US" b="0" dirty="0" smtClean="0"/>
+            <a:pPr marL="0" marR="0" indent="0" algn="l" defTabSz="914400" rtl="0" eaLnBrk="1" fontAlgn="auto" latinLnBrk="0" hangingPunct="1">
+              <a:lnSpc>
+                <a:spcPct val="100000"/>
+              </a:lnSpc>
+              <a:spcBef>
+                <a:spcPts val="0"/>
+              </a:spcBef>
+              <a:spcAft>
+                <a:spcPts val="0"/>
+              </a:spcAft>
+              <a:buClrTx/>
+              <a:buSzTx/>
+              <a:buFontTx/>
+              <a:buNone/>
+              <a:tabLst/>
+              <a:defRPr/>
+            </a:pPr>
+            <a:endParaRPr lang="en-US" sz="1200" kern="1200" dirty="0" smtClean="0">
+              <a:solidFill>
+                <a:schemeClr val="tx1"/>
+              </a:solidFill>
+              <a:effectLst/>
+              <a:latin typeface="+mn-lt"/>
+              <a:ea typeface="+mn-ea"/>
+              <a:cs typeface="+mn-cs"/>
+            </a:endParaRPr>
           </a:p>
         </p:txBody>
       </p:sp>
@@ -8450,7 +9190,7 @@
     </p:spTree>
     <p:extLst>
       <p:ext uri="{BB962C8B-B14F-4D97-AF65-F5344CB8AC3E}">
-        <p14:creationId xmlns:p14="http://schemas.microsoft.com/office/powerpoint/2010/main" val="1764780958"/>
+        <p14:creationId xmlns:p14="http://schemas.microsoft.com/office/powerpoint/2010/main" val="1923953829"/>
       </p:ext>
     </p:extLst>
   </p:cSld>
@@ -8504,32 +9244,7 @@
           <a:bodyPr/>
           <a:lstStyle/>
           <a:p>
-            <a:pPr marL="0" marR="0" indent="0" algn="l" defTabSz="914400" rtl="0" eaLnBrk="1" fontAlgn="auto" latinLnBrk="0" hangingPunct="1">
-              <a:lnSpc>
-                <a:spcPct val="100000"/>
-              </a:lnSpc>
-              <a:spcBef>
-                <a:spcPts val="0"/>
-              </a:spcBef>
-              <a:spcAft>
-                <a:spcPts val="0"/>
-              </a:spcAft>
-              <a:buClrTx/>
-              <a:buSzTx/>
-              <a:buFontTx/>
-              <a:buNone/>
-              <a:tabLst/>
-              <a:defRPr/>
-            </a:pPr>
-            <a:endParaRPr lang="en-US" sz="1200" kern="1200" dirty="0" smtClean="0">
-              <a:solidFill>
-                <a:schemeClr val="tx1"/>
-              </a:solidFill>
-              <a:effectLst/>
-              <a:latin typeface="+mn-lt"/>
-              <a:ea typeface="+mn-ea"/>
-              <a:cs typeface="+mn-cs"/>
-            </a:endParaRPr>
+            <a:endParaRPr lang="en-US" b="0" dirty="0" smtClean="0"/>
           </a:p>
         </p:txBody>
       </p:sp>
@@ -8559,7 +9274,7 @@
     </p:spTree>
     <p:extLst>
       <p:ext uri="{BB962C8B-B14F-4D97-AF65-F5344CB8AC3E}">
-        <p14:creationId xmlns:p14="http://schemas.microsoft.com/office/powerpoint/2010/main" val="1923953829"/>
+        <p14:creationId xmlns:p14="http://schemas.microsoft.com/office/powerpoint/2010/main" val="531577243"/>
       </p:ext>
     </p:extLst>
   </p:cSld>
@@ -8643,7 +9358,7 @@
     </p:spTree>
     <p:extLst>
       <p:ext uri="{BB962C8B-B14F-4D97-AF65-F5344CB8AC3E}">
-        <p14:creationId xmlns:p14="http://schemas.microsoft.com/office/powerpoint/2010/main" val="531577243"/>
+        <p14:creationId xmlns:p14="http://schemas.microsoft.com/office/powerpoint/2010/main" val="2079785236"/>
       </p:ext>
     </p:extLst>
   </p:cSld>
@@ -8727,7 +9442,7 @@
     </p:spTree>
     <p:extLst>
       <p:ext uri="{BB962C8B-B14F-4D97-AF65-F5344CB8AC3E}">
-        <p14:creationId xmlns:p14="http://schemas.microsoft.com/office/powerpoint/2010/main" val="2079785236"/>
+        <p14:creationId xmlns:p14="http://schemas.microsoft.com/office/powerpoint/2010/main" val="1664318980"/>
       </p:ext>
     </p:extLst>
   </p:cSld>
@@ -8811,7 +9526,7 @@
     </p:spTree>
     <p:extLst>
       <p:ext uri="{BB962C8B-B14F-4D97-AF65-F5344CB8AC3E}">
-        <p14:creationId xmlns:p14="http://schemas.microsoft.com/office/powerpoint/2010/main" val="1664318980"/>
+        <p14:creationId xmlns:p14="http://schemas.microsoft.com/office/powerpoint/2010/main" val="1581406028"/>
       </p:ext>
     </p:extLst>
   </p:cSld>
@@ -8895,7 +9610,7 @@
     </p:spTree>
     <p:extLst>
       <p:ext uri="{BB962C8B-B14F-4D97-AF65-F5344CB8AC3E}">
-        <p14:creationId xmlns:p14="http://schemas.microsoft.com/office/powerpoint/2010/main" val="1581406028"/>
+        <p14:creationId xmlns:p14="http://schemas.microsoft.com/office/powerpoint/2010/main" val="299799724"/>
       </p:ext>
     </p:extLst>
   </p:cSld>
@@ -8979,7 +9694,7 @@
     </p:spTree>
     <p:extLst>
       <p:ext uri="{BB962C8B-B14F-4D97-AF65-F5344CB8AC3E}">
-        <p14:creationId xmlns:p14="http://schemas.microsoft.com/office/powerpoint/2010/main" val="299799724"/>
+        <p14:creationId xmlns:p14="http://schemas.microsoft.com/office/powerpoint/2010/main" val="2229440876"/>
       </p:ext>
     </p:extLst>
   </p:cSld>
@@ -9063,7 +9778,7 @@
     </p:spTree>
     <p:extLst>
       <p:ext uri="{BB962C8B-B14F-4D97-AF65-F5344CB8AC3E}">
-        <p14:creationId xmlns:p14="http://schemas.microsoft.com/office/powerpoint/2010/main" val="2229440876"/>
+        <p14:creationId xmlns:p14="http://schemas.microsoft.com/office/powerpoint/2010/main" val="2350728921"/>
       </p:ext>
     </p:extLst>
   </p:cSld>
@@ -9147,7 +9862,7 @@
     </p:spTree>
     <p:extLst>
       <p:ext uri="{BB962C8B-B14F-4D97-AF65-F5344CB8AC3E}">
-        <p14:creationId xmlns:p14="http://schemas.microsoft.com/office/powerpoint/2010/main" val="2350728921"/>
+        <p14:creationId xmlns:p14="http://schemas.microsoft.com/office/powerpoint/2010/main" val="1004591723"/>
       </p:ext>
     </p:extLst>
   </p:cSld>
@@ -9370,7 +10085,7 @@
     </p:spTree>
     <p:extLst>
       <p:ext uri="{BB962C8B-B14F-4D97-AF65-F5344CB8AC3E}">
-        <p14:creationId xmlns:p14="http://schemas.microsoft.com/office/powerpoint/2010/main" val="1004591723"/>
+        <p14:creationId xmlns:p14="http://schemas.microsoft.com/office/powerpoint/2010/main" val="1737165775"/>
       </p:ext>
     </p:extLst>
   </p:cSld>
@@ -9454,7 +10169,7 @@
     </p:spTree>
     <p:extLst>
       <p:ext uri="{BB962C8B-B14F-4D97-AF65-F5344CB8AC3E}">
-        <p14:creationId xmlns:p14="http://schemas.microsoft.com/office/powerpoint/2010/main" val="1737165775"/>
+        <p14:creationId xmlns:p14="http://schemas.microsoft.com/office/powerpoint/2010/main" val="1030293071"/>
       </p:ext>
     </p:extLst>
   </p:cSld>
@@ -9538,7 +10253,7 @@
     </p:spTree>
     <p:extLst>
       <p:ext uri="{BB962C8B-B14F-4D97-AF65-F5344CB8AC3E}">
-        <p14:creationId xmlns:p14="http://schemas.microsoft.com/office/powerpoint/2010/main" val="1030293071"/>
+        <p14:creationId xmlns:p14="http://schemas.microsoft.com/office/powerpoint/2010/main" val="834707851"/>
       </p:ext>
     </p:extLst>
   </p:cSld>
@@ -9592,7 +10307,32 @@
           <a:bodyPr/>
           <a:lstStyle/>
           <a:p>
-            <a:endParaRPr lang="en-US" b="0" dirty="0" smtClean="0"/>
+            <a:pPr marL="0" marR="0" indent="0" algn="l" defTabSz="914400" rtl="0" eaLnBrk="1" fontAlgn="auto" latinLnBrk="0" hangingPunct="1">
+              <a:lnSpc>
+                <a:spcPct val="100000"/>
+              </a:lnSpc>
+              <a:spcBef>
+                <a:spcPts val="0"/>
+              </a:spcBef>
+              <a:spcAft>
+                <a:spcPts val="0"/>
+              </a:spcAft>
+              <a:buClrTx/>
+              <a:buSzTx/>
+              <a:buFontTx/>
+              <a:buNone/>
+              <a:tabLst/>
+              <a:defRPr/>
+            </a:pPr>
+            <a:endParaRPr lang="en-US" sz="1200" kern="1200" dirty="0" smtClean="0">
+              <a:solidFill>
+                <a:schemeClr val="tx1"/>
+              </a:solidFill>
+              <a:effectLst/>
+              <a:latin typeface="+mn-lt"/>
+              <a:ea typeface="+mn-ea"/>
+              <a:cs typeface="+mn-cs"/>
+            </a:endParaRPr>
           </a:p>
         </p:txBody>
       </p:sp>
@@ -9622,7 +10362,7 @@
     </p:spTree>
     <p:extLst>
       <p:ext uri="{BB962C8B-B14F-4D97-AF65-F5344CB8AC3E}">
-        <p14:creationId xmlns:p14="http://schemas.microsoft.com/office/powerpoint/2010/main" val="834707851"/>
+        <p14:creationId xmlns:p14="http://schemas.microsoft.com/office/powerpoint/2010/main" val="4095300961"/>
       </p:ext>
     </p:extLst>
   </p:cSld>
@@ -9676,32 +10416,7 @@
           <a:bodyPr/>
           <a:lstStyle/>
           <a:p>
-            <a:pPr marL="0" marR="0" indent="0" algn="l" defTabSz="914400" rtl="0" eaLnBrk="1" fontAlgn="auto" latinLnBrk="0" hangingPunct="1">
-              <a:lnSpc>
-                <a:spcPct val="100000"/>
-              </a:lnSpc>
-              <a:spcBef>
-                <a:spcPts val="0"/>
-              </a:spcBef>
-              <a:spcAft>
-                <a:spcPts val="0"/>
-              </a:spcAft>
-              <a:buClrTx/>
-              <a:buSzTx/>
-              <a:buFontTx/>
-              <a:buNone/>
-              <a:tabLst/>
-              <a:defRPr/>
-            </a:pPr>
-            <a:endParaRPr lang="en-US" sz="1200" kern="1200" dirty="0" smtClean="0">
-              <a:solidFill>
-                <a:schemeClr val="tx1"/>
-              </a:solidFill>
-              <a:effectLst/>
-              <a:latin typeface="+mn-lt"/>
-              <a:ea typeface="+mn-ea"/>
-              <a:cs typeface="+mn-cs"/>
-            </a:endParaRPr>
+            <a:endParaRPr lang="en-US" b="0" dirty="0" smtClean="0"/>
           </a:p>
         </p:txBody>
       </p:sp>
@@ -9723,90 +10438,6 @@
             <a:fld id="{89029652-62E7-43D6-83B5-097D7B7AA5D8}" type="slidenum">
               <a:rPr lang="en-US" smtClean="0"/>
               <a:t>74</a:t>
-            </a:fld>
-            <a:endParaRPr lang="en-US"/>
-          </a:p>
-        </p:txBody>
-      </p:sp>
-    </p:spTree>
-    <p:extLst>
-      <p:ext uri="{BB962C8B-B14F-4D97-AF65-F5344CB8AC3E}">
-        <p14:creationId xmlns:p14="http://schemas.microsoft.com/office/powerpoint/2010/main" val="4095300961"/>
-      </p:ext>
-    </p:extLst>
-  </p:cSld>
-  <p:clrMapOvr>
-    <a:masterClrMapping/>
-  </p:clrMapOvr>
-</p:notes>
-</file>
-
-<file path=ppt/notesSlides/notesSlide75.xml><?xml version="1.0" encoding="utf-8"?>
-<p:notes xmlns:a="http://schemas.openxmlformats.org/drawingml/2006/main" xmlns:r="http://schemas.openxmlformats.org/officeDocument/2006/relationships" xmlns:p="http://schemas.openxmlformats.org/presentationml/2006/main">
-  <p:cSld>
-    <p:spTree>
-      <p:nvGrpSpPr>
-        <p:cNvPr id="1" name=""/>
-        <p:cNvGrpSpPr/>
-        <p:nvPr/>
-      </p:nvGrpSpPr>
-      <p:grpSpPr>
-        <a:xfrm>
-          <a:off x="0" y="0"/>
-          <a:ext cx="0" cy="0"/>
-       